--- a/Git_1 part.pptx
+++ b/Git_1 part.pptx
@@ -5,42 +5,41 @@
     <p:sldMasterId id="2147483851" r:id="rId4"/>
   </p:sldMasterIdLst>
   <p:notesMasterIdLst>
-    <p:notesMasterId r:id="rId35"/>
+    <p:notesMasterId r:id="rId34"/>
   </p:notesMasterIdLst>
   <p:handoutMasterIdLst>
-    <p:handoutMasterId r:id="rId36"/>
+    <p:handoutMasterId r:id="rId35"/>
   </p:handoutMasterIdLst>
   <p:sldIdLst>
     <p:sldId id="334" r:id="rId5"/>
-    <p:sldId id="335" r:id="rId6"/>
-    <p:sldId id="256" r:id="rId7"/>
-    <p:sldId id="313" r:id="rId8"/>
-    <p:sldId id="282" r:id="rId9"/>
-    <p:sldId id="317" r:id="rId10"/>
-    <p:sldId id="289" r:id="rId11"/>
-    <p:sldId id="306" r:id="rId12"/>
-    <p:sldId id="307" r:id="rId13"/>
-    <p:sldId id="283" r:id="rId14"/>
-    <p:sldId id="318" r:id="rId15"/>
-    <p:sldId id="319" r:id="rId16"/>
-    <p:sldId id="320" r:id="rId17"/>
-    <p:sldId id="284" r:id="rId18"/>
-    <p:sldId id="314" r:id="rId19"/>
-    <p:sldId id="315" r:id="rId20"/>
-    <p:sldId id="316" r:id="rId21"/>
-    <p:sldId id="321" r:id="rId22"/>
-    <p:sldId id="322" r:id="rId23"/>
-    <p:sldId id="323" r:id="rId24"/>
-    <p:sldId id="324" r:id="rId25"/>
-    <p:sldId id="325" r:id="rId26"/>
-    <p:sldId id="326" r:id="rId27"/>
-    <p:sldId id="327" r:id="rId28"/>
-    <p:sldId id="330" r:id="rId29"/>
-    <p:sldId id="328" r:id="rId30"/>
-    <p:sldId id="329" r:id="rId31"/>
-    <p:sldId id="331" r:id="rId32"/>
-    <p:sldId id="333" r:id="rId33"/>
-    <p:sldId id="332" r:id="rId34"/>
+    <p:sldId id="256" r:id="rId6"/>
+    <p:sldId id="313" r:id="rId7"/>
+    <p:sldId id="282" r:id="rId8"/>
+    <p:sldId id="317" r:id="rId9"/>
+    <p:sldId id="289" r:id="rId10"/>
+    <p:sldId id="306" r:id="rId11"/>
+    <p:sldId id="307" r:id="rId12"/>
+    <p:sldId id="283" r:id="rId13"/>
+    <p:sldId id="318" r:id="rId14"/>
+    <p:sldId id="319" r:id="rId15"/>
+    <p:sldId id="320" r:id="rId16"/>
+    <p:sldId id="284" r:id="rId17"/>
+    <p:sldId id="314" r:id="rId18"/>
+    <p:sldId id="315" r:id="rId19"/>
+    <p:sldId id="316" r:id="rId20"/>
+    <p:sldId id="321" r:id="rId21"/>
+    <p:sldId id="322" r:id="rId22"/>
+    <p:sldId id="323" r:id="rId23"/>
+    <p:sldId id="324" r:id="rId24"/>
+    <p:sldId id="325" r:id="rId25"/>
+    <p:sldId id="326" r:id="rId26"/>
+    <p:sldId id="327" r:id="rId27"/>
+    <p:sldId id="330" r:id="rId28"/>
+    <p:sldId id="328" r:id="rId29"/>
+    <p:sldId id="329" r:id="rId30"/>
+    <p:sldId id="331" r:id="rId31"/>
+    <p:sldId id="333" r:id="rId32"/>
+    <p:sldId id="332" r:id="rId33"/>
   </p:sldIdLst>
   <p:sldSz cx="12192000" cy="6858000"/>
   <p:notesSz cx="6858000" cy="9144000"/>
@@ -2119,7 +2118,7 @@
           <a:p>
             <a:fld id="{AD567C44-7823-4E15-95B7-ED61455829B8}" type="datetimeFigureOut">
               <a:rPr lang="ru-RU" smtClean="0"/>
-              <a:t>06.10.2022</a:t>
+              <a:t>04.11.2022</a:t>
             </a:fld>
             <a:endParaRPr lang="ru-RU"/>
           </a:p>
@@ -2472,7 +2471,7 @@
           <a:p>
             <a:fld id="{C83854A3-6714-4526-AEDE-747CDFA70004}" type="slidenum">
               <a:rPr lang="ru-RU" smtClean="0"/>
-              <a:t>2</a:t>
+              <a:t>4</a:t>
             </a:fld>
             <a:endParaRPr lang="ru-RU"/>
           </a:p>
@@ -2584,7 +2583,7 @@
     </p:spTree>
     <p:extLst>
       <p:ext uri="{BB962C8B-B14F-4D97-AF65-F5344CB8AC3E}">
-        <p14:creationId xmlns:p14="http://schemas.microsoft.com/office/powerpoint/2010/main" val="4147857833"/>
+        <p14:creationId xmlns:p14="http://schemas.microsoft.com/office/powerpoint/2010/main" val="2976428184"/>
       </p:ext>
     </p:extLst>
   </p:cSld>
@@ -2678,110 +2677,7 @@
           <a:p>
             <a:fld id="{C83854A3-6714-4526-AEDE-747CDFA70004}" type="slidenum">
               <a:rPr lang="ru-RU" smtClean="0"/>
-              <a:t>6</a:t>
-            </a:fld>
-            <a:endParaRPr lang="ru-RU"/>
-          </a:p>
-        </p:txBody>
-      </p:sp>
-    </p:spTree>
-    <p:extLst>
-      <p:ext uri="{BB962C8B-B14F-4D97-AF65-F5344CB8AC3E}">
-        <p14:creationId xmlns:p14="http://schemas.microsoft.com/office/powerpoint/2010/main" val="2976428184"/>
-      </p:ext>
-    </p:extLst>
-  </p:cSld>
-  <p:clrMapOvr>
-    <a:masterClrMapping/>
-  </p:clrMapOvr>
-</p:notes>
-</file>
-
-<file path=ppt/notesSlides/notesSlide4.xml><?xml version="1.0" encoding="utf-8"?>
-<p:notes xmlns:a="http://schemas.openxmlformats.org/drawingml/2006/main" xmlns:r="http://schemas.openxmlformats.org/officeDocument/2006/relationships" xmlns:p="http://schemas.openxmlformats.org/presentationml/2006/main">
-  <p:cSld>
-    <p:spTree>
-      <p:nvGrpSpPr>
-        <p:cNvPr id="1" name=""/>
-        <p:cNvGrpSpPr/>
-        <p:nvPr/>
-      </p:nvGrpSpPr>
-      <p:grpSpPr>
-        <a:xfrm>
-          <a:off x="0" y="0"/>
-          <a:ext cx="0" cy="0"/>
-          <a:chOff x="0" y="0"/>
-          <a:chExt cx="0" cy="0"/>
-        </a:xfrm>
-      </p:grpSpPr>
-      <p:sp>
-        <p:nvSpPr>
-          <p:cNvPr id="2" name="Місце для зображення 1"/>
-          <p:cNvSpPr>
-            <a:spLocks noGrp="1" noRot="1" noChangeAspect="1"/>
-          </p:cNvSpPr>
-          <p:nvPr>
-            <p:ph type="sldImg"/>
-          </p:nvPr>
-        </p:nvSpPr>
-        <p:spPr/>
-      </p:sp>
-      <p:sp>
-        <p:nvSpPr>
-          <p:cNvPr id="3" name="Місце для нотаток 2"/>
-          <p:cNvSpPr>
-            <a:spLocks noGrp="1"/>
-          </p:cNvSpPr>
-          <p:nvPr>
-            <p:ph type="body" idx="1"/>
-          </p:nvPr>
-        </p:nvSpPr>
-        <p:spPr/>
-        <p:txBody>
-          <a:bodyPr/>
-          <a:lstStyle/>
-          <a:p>
-            <a:endParaRPr lang="ru-RU"/>
-          </a:p>
-        </p:txBody>
-      </p:sp>
-      <p:sp>
-        <p:nvSpPr>
-          <p:cNvPr id="4" name="Місце для верхнього колонтитула 3"/>
-          <p:cNvSpPr>
-            <a:spLocks noGrp="1"/>
-          </p:cNvSpPr>
-          <p:nvPr>
-            <p:ph type="hdr" sz="quarter"/>
-          </p:nvPr>
-        </p:nvSpPr>
-        <p:spPr/>
-        <p:txBody>
-          <a:bodyPr/>
-          <a:lstStyle/>
-          <a:p>
-            <a:endParaRPr lang="ru-RU"/>
-          </a:p>
-        </p:txBody>
-      </p:sp>
-      <p:sp>
-        <p:nvSpPr>
-          <p:cNvPr id="5" name="Місце для номера слайда 4"/>
-          <p:cNvSpPr>
-            <a:spLocks noGrp="1"/>
-          </p:cNvSpPr>
-          <p:nvPr>
-            <p:ph type="sldNum" sz="quarter" idx="5"/>
-          </p:nvPr>
-        </p:nvSpPr>
-        <p:spPr/>
-        <p:txBody>
-          <a:bodyPr/>
-          <a:lstStyle/>
-          <a:p>
-            <a:fld id="{C83854A3-6714-4526-AEDE-747CDFA70004}" type="slidenum">
-              <a:rPr lang="ru-RU" smtClean="0"/>
-              <a:t>11</a:t>
+              <a:t>10</a:t>
             </a:fld>
             <a:endParaRPr lang="ru-RU"/>
           </a:p>
@@ -2931,7 +2827,7 @@
           <a:p>
             <a:fld id="{ACD6F5B1-BE64-41EC-9D39-08B20FE66A00}" type="datetime1">
               <a:rPr lang="en-US" smtClean="0"/>
-              <a:t>10/6/2022</a:t>
+              <a:t>11/4/2022</a:t>
             </a:fld>
             <a:endParaRPr lang="en-US"/>
           </a:p>
@@ -3101,7 +2997,7 @@
           <a:p>
             <a:fld id="{2A780207-E750-478A-BD8D-014DF4CF007A}" type="datetime1">
               <a:rPr lang="en-US" smtClean="0"/>
-              <a:t>10/6/2022</a:t>
+              <a:t>11/4/2022</a:t>
             </a:fld>
             <a:endParaRPr lang="en-US"/>
           </a:p>
@@ -3281,7 +3177,7 @@
           <a:p>
             <a:fld id="{A9840149-181F-4DE2-A970-6210963938A6}" type="datetime1">
               <a:rPr lang="en-US" smtClean="0"/>
-              <a:t>10/6/2022</a:t>
+              <a:t>11/4/2022</a:t>
             </a:fld>
             <a:endParaRPr lang="en-US"/>
           </a:p>
@@ -3451,7 +3347,7 @@
           <a:p>
             <a:fld id="{B89E07A0-B478-479E-9F53-FC3D4943597C}" type="datetime1">
               <a:rPr lang="en-US" smtClean="0"/>
-              <a:t>10/6/2022</a:t>
+              <a:t>11/4/2022</a:t>
             </a:fld>
             <a:endParaRPr lang="en-US"/>
           </a:p>
@@ -3697,7 +3593,7 @@
           <a:p>
             <a:fld id="{57D29478-B7BC-4D4A-83DD-BBDD69C0611B}" type="datetime1">
               <a:rPr lang="en-US" smtClean="0"/>
-              <a:t>10/6/2022</a:t>
+              <a:t>11/4/2022</a:t>
             </a:fld>
             <a:endParaRPr lang="en-US"/>
           </a:p>
@@ -3929,7 +3825,7 @@
           <a:p>
             <a:fld id="{AB65EC0E-07C4-4A98-B23B-FE8F72CE4422}" type="datetime1">
               <a:rPr lang="en-US" smtClean="0"/>
-              <a:t>10/6/2022</a:t>
+              <a:t>11/4/2022</a:t>
             </a:fld>
             <a:endParaRPr lang="en-US"/>
           </a:p>
@@ -4296,7 +4192,7 @@
           <a:p>
             <a:fld id="{E4AC23B7-51DA-476C-A442-884381F06C35}" type="datetime1">
               <a:rPr lang="en-US" smtClean="0"/>
-              <a:t>10/6/2022</a:t>
+              <a:t>11/4/2022</a:t>
             </a:fld>
             <a:endParaRPr lang="en-US"/>
           </a:p>
@@ -4414,7 +4310,7 @@
           <a:p>
             <a:fld id="{A2E7ABAE-A376-4680-BBAE-02BBD6A0489B}" type="datetime1">
               <a:rPr lang="en-US" smtClean="0"/>
-              <a:t>10/6/2022</a:t>
+              <a:t>11/4/2022</a:t>
             </a:fld>
             <a:endParaRPr lang="en-US"/>
           </a:p>
@@ -4509,7 +4405,7 @@
           <a:p>
             <a:fld id="{C3BC54A3-5549-4766-8E6F-26C5D14359A0}" type="datetime1">
               <a:rPr lang="en-US" smtClean="0"/>
-              <a:t>10/6/2022</a:t>
+              <a:t>11/4/2022</a:t>
             </a:fld>
             <a:endParaRPr lang="en-US"/>
           </a:p>
@@ -4786,7 +4682,7 @@
           <a:p>
             <a:fld id="{E10F0183-E1B1-42DF-A1BF-100391FFAC24}" type="datetime1">
               <a:rPr lang="en-US" smtClean="0"/>
-              <a:t>10/6/2022</a:t>
+              <a:t>11/4/2022</a:t>
             </a:fld>
             <a:endParaRPr lang="en-US"/>
           </a:p>
@@ -5043,7 +4939,7 @@
           <a:p>
             <a:fld id="{7417C2D0-2E3F-4779-808A-894DE456022F}" type="datetime1">
               <a:rPr lang="en-US" smtClean="0"/>
-              <a:t>10/6/2022</a:t>
+              <a:t>11/4/2022</a:t>
             </a:fld>
             <a:endParaRPr lang="en-US"/>
           </a:p>
@@ -5286,7 +5182,7 @@
           <a:p>
             <a:fld id="{EA08E5D3-2824-4421-AFCD-3F1B287A8530}" type="datetime1">
               <a:rPr lang="en-US" smtClean="0"/>
-              <a:t>10/6/2022</a:t>
+              <a:t>11/4/2022</a:t>
             </a:fld>
             <a:endParaRPr lang="en-US"/>
           </a:p>
@@ -5840,247 +5736,6 @@
 <file path=ppt/slides/slide10.xml><?xml version="1.0" encoding="utf-8"?>
 <p:sld xmlns:a="http://schemas.openxmlformats.org/drawingml/2006/main" xmlns:r="http://schemas.openxmlformats.org/officeDocument/2006/relationships" xmlns:p="http://schemas.openxmlformats.org/presentationml/2006/main">
   <p:cSld>
-    <p:spTree>
-      <p:nvGrpSpPr>
-        <p:cNvPr id="1" name=""/>
-        <p:cNvGrpSpPr/>
-        <p:nvPr/>
-      </p:nvGrpSpPr>
-      <p:grpSpPr>
-        <a:xfrm>
-          <a:off x="0" y="0"/>
-          <a:ext cx="0" cy="0"/>
-          <a:chOff x="0" y="0"/>
-          <a:chExt cx="0" cy="0"/>
-        </a:xfrm>
-      </p:grpSpPr>
-      <p:sp>
-        <p:nvSpPr>
-          <p:cNvPr id="4" name="Заголовок 3">
-            <a:extLst>
-              <a:ext uri="{FF2B5EF4-FFF2-40B4-BE49-F238E27FC236}">
-                <a16:creationId xmlns:a16="http://schemas.microsoft.com/office/drawing/2014/main" id="{8FE2BCA8-E83D-429B-887D-6FBFF82E5C4F}"/>
-              </a:ext>
-            </a:extLst>
-          </p:cNvPr>
-          <p:cNvSpPr>
-            <a:spLocks noGrp="1"/>
-          </p:cNvSpPr>
-          <p:nvPr>
-            <p:ph type="ctrTitle"/>
-          </p:nvPr>
-        </p:nvSpPr>
-        <p:spPr>
-          <a:xfrm>
-            <a:off x="-583508" y="1586766"/>
-            <a:ext cx="6321790" cy="662939"/>
-          </a:xfrm>
-        </p:spPr>
-        <p:txBody>
-          <a:bodyPr>
-            <a:noAutofit/>
-          </a:bodyPr>
-          <a:lstStyle/>
-          <a:p>
-            <a:r>
-              <a:rPr lang="uk-UA" sz="4000" b="1">
-                <a:solidFill>
-                  <a:srgbClr val="0070C0"/>
-                </a:solidFill>
-                <a:latin typeface="SchoolBookCTT" pitchFamily="2" charset="0"/>
-              </a:rPr>
-              <a:t>Розподілені</a:t>
-            </a:r>
-            <a:br>
-              <a:rPr lang="uk-UA" sz="4000" b="1">
-                <a:solidFill>
-                  <a:srgbClr val="0070C0"/>
-                </a:solidFill>
-                <a:latin typeface="SchoolBookCTT" pitchFamily="2" charset="0"/>
-              </a:rPr>
-            </a:br>
-            <a:r>
-              <a:rPr lang="uk-UA" sz="4000" b="1">
-                <a:solidFill>
-                  <a:srgbClr val="0070C0"/>
-                </a:solidFill>
-                <a:latin typeface="SchoolBookCTT" pitchFamily="2" charset="0"/>
-              </a:rPr>
-              <a:t> СКВ</a:t>
-            </a:r>
-            <a:endParaRPr lang="ru-RU" sz="4000" b="1">
-              <a:solidFill>
-                <a:srgbClr val="0070C0"/>
-              </a:solidFill>
-              <a:latin typeface="SchoolBookCTT" pitchFamily="2" charset="0"/>
-            </a:endParaRPr>
-          </a:p>
-        </p:txBody>
-      </p:sp>
-      <p:pic>
-        <p:nvPicPr>
-          <p:cNvPr id="1026" name="Picture 2" descr="Диаграмма распределённого контроля версий">
-            <a:extLst>
-              <a:ext uri="{FF2B5EF4-FFF2-40B4-BE49-F238E27FC236}">
-                <a16:creationId xmlns:a16="http://schemas.microsoft.com/office/drawing/2014/main" id="{A1C48F4C-3E68-F40F-261F-9792286B8362}"/>
-              </a:ext>
-            </a:extLst>
-          </p:cNvPr>
-          <p:cNvPicPr>
-            <a:picLocks noChangeAspect="1" noChangeArrowheads="1"/>
-          </p:cNvPicPr>
-          <p:nvPr/>
-        </p:nvPicPr>
-        <p:blipFill>
-          <a:blip r:embed="rId2">
-            <a:extLst>
-              <a:ext uri="{28A0092B-C50C-407E-A947-70E740481C1C}">
-                <a14:useLocalDpi xmlns:a14="http://schemas.microsoft.com/office/drawing/2010/main" val="0"/>
-              </a:ext>
-            </a:extLst>
-          </a:blip>
-          <a:srcRect/>
-          <a:stretch>
-            <a:fillRect/>
-          </a:stretch>
-        </p:blipFill>
-        <p:spPr bwMode="auto">
-          <a:xfrm>
-            <a:off x="5738282" y="44869"/>
-            <a:ext cx="5886028" cy="6819201"/>
-          </a:xfrm>
-          <a:prstGeom prst="rect">
-            <a:avLst/>
-          </a:prstGeom>
-          <a:noFill/>
-          <a:extLst>
-            <a:ext uri="{909E8E84-426E-40DD-AFC4-6F175D3DCCD1}">
-              <a14:hiddenFill xmlns:a14="http://schemas.microsoft.com/office/drawing/2010/main">
-                <a:solidFill>
-                  <a:srgbClr val="FFFFFF"/>
-                </a:solidFill>
-              </a14:hiddenFill>
-            </a:ext>
-          </a:extLst>
-        </p:spPr>
-      </p:pic>
-      <p:sp>
-        <p:nvSpPr>
-          <p:cNvPr id="8" name="TextBox 7">
-            <a:extLst>
-              <a:ext uri="{FF2B5EF4-FFF2-40B4-BE49-F238E27FC236}">
-                <a16:creationId xmlns:a16="http://schemas.microsoft.com/office/drawing/2014/main" id="{4329B096-1CD5-A5FA-32EF-7DEB434FED9D}"/>
-              </a:ext>
-            </a:extLst>
-          </p:cNvPr>
-          <p:cNvSpPr txBox="1"/>
-          <p:nvPr/>
-        </p:nvSpPr>
-        <p:spPr>
-          <a:xfrm>
-            <a:off x="2214563" y="3454469"/>
-            <a:ext cx="1462089" cy="2239844"/>
-          </a:xfrm>
-          <a:prstGeom prst="rect">
-            <a:avLst/>
-          </a:prstGeom>
-          <a:noFill/>
-        </p:spPr>
-        <p:txBody>
-          <a:bodyPr wrap="square">
-            <a:spAutoFit/>
-          </a:bodyPr>
-          <a:lstStyle/>
-          <a:p>
-            <a:pPr>
-              <a:lnSpc>
-                <a:spcPct val="150000"/>
-              </a:lnSpc>
-            </a:pPr>
-            <a:r>
-              <a:rPr lang="en-US" sz="2400">
-                <a:latin typeface="Arial" panose="020B0604020202020204" pitchFamily="34" charset="0"/>
-                <a:cs typeface="Arial" panose="020B0604020202020204" pitchFamily="34" charset="0"/>
-              </a:rPr>
-              <a:t>Git</a:t>
-            </a:r>
-            <a:endParaRPr lang="uk-UA" sz="2400">
-              <a:latin typeface="Arial" panose="020B0604020202020204" pitchFamily="34" charset="0"/>
-              <a:cs typeface="Arial" panose="020B0604020202020204" pitchFamily="34" charset="0"/>
-            </a:endParaRPr>
-          </a:p>
-          <a:p>
-            <a:pPr>
-              <a:lnSpc>
-                <a:spcPct val="150000"/>
-              </a:lnSpc>
-            </a:pPr>
-            <a:r>
-              <a:rPr lang="en-US" sz="2400">
-                <a:latin typeface="Arial" panose="020B0604020202020204" pitchFamily="34" charset="0"/>
-                <a:cs typeface="Arial" panose="020B0604020202020204" pitchFamily="34" charset="0"/>
-              </a:rPr>
-              <a:t>Mercurial</a:t>
-            </a:r>
-            <a:endParaRPr lang="uk-UA" sz="2400">
-              <a:latin typeface="Arial" panose="020B0604020202020204" pitchFamily="34" charset="0"/>
-              <a:cs typeface="Arial" panose="020B0604020202020204" pitchFamily="34" charset="0"/>
-            </a:endParaRPr>
-          </a:p>
-          <a:p>
-            <a:pPr>
-              <a:lnSpc>
-                <a:spcPct val="150000"/>
-              </a:lnSpc>
-            </a:pPr>
-            <a:r>
-              <a:rPr lang="en-US" sz="2400">
-                <a:latin typeface="Arial" panose="020B0604020202020204" pitchFamily="34" charset="0"/>
-                <a:cs typeface="Arial" panose="020B0604020202020204" pitchFamily="34" charset="0"/>
-              </a:rPr>
-              <a:t>Bazaar</a:t>
-            </a:r>
-            <a:endParaRPr lang="uk-UA" sz="2400">
-              <a:latin typeface="Arial" panose="020B0604020202020204" pitchFamily="34" charset="0"/>
-              <a:cs typeface="Arial" panose="020B0604020202020204" pitchFamily="34" charset="0"/>
-            </a:endParaRPr>
-          </a:p>
-          <a:p>
-            <a:pPr>
-              <a:lnSpc>
-                <a:spcPct val="150000"/>
-              </a:lnSpc>
-            </a:pPr>
-            <a:r>
-              <a:rPr lang="en-US" sz="2400" err="1">
-                <a:latin typeface="Arial" panose="020B0604020202020204" pitchFamily="34" charset="0"/>
-                <a:cs typeface="Arial" panose="020B0604020202020204" pitchFamily="34" charset="0"/>
-              </a:rPr>
-              <a:t>Darcs</a:t>
-            </a:r>
-            <a:endParaRPr lang="ru-RU" sz="2400">
-              <a:latin typeface="Arial" panose="020B0604020202020204" pitchFamily="34" charset="0"/>
-              <a:cs typeface="Arial" panose="020B0604020202020204" pitchFamily="34" charset="0"/>
-            </a:endParaRPr>
-          </a:p>
-        </p:txBody>
-      </p:sp>
-    </p:spTree>
-    <p:extLst>
-      <p:ext uri="{BB962C8B-B14F-4D97-AF65-F5344CB8AC3E}">
-        <p14:creationId xmlns:p14="http://schemas.microsoft.com/office/powerpoint/2010/main" val="3597471917"/>
-      </p:ext>
-    </p:extLst>
-  </p:cSld>
-  <p:clrMapOvr>
-    <a:masterClrMapping/>
-  </p:clrMapOvr>
-</p:sld>
-</file>
-
-<file path=ppt/slides/slide11.xml><?xml version="1.0" encoding="utf-8"?>
-<p:sld xmlns:a="http://schemas.openxmlformats.org/drawingml/2006/main" xmlns:r="http://schemas.openxmlformats.org/officeDocument/2006/relationships" xmlns:p="http://schemas.openxmlformats.org/presentationml/2006/main">
-  <p:cSld>
     <p:bg>
       <p:bgPr>
         <a:gradFill flip="none" rotWithShape="1">
@@ -6337,7 +5992,7 @@
 </p:sld>
 </file>
 
-<file path=ppt/slides/slide12.xml><?xml version="1.0" encoding="utf-8"?>
+<file path=ppt/slides/slide11.xml><?xml version="1.0" encoding="utf-8"?>
 <p:sld xmlns:a="http://schemas.openxmlformats.org/drawingml/2006/main" xmlns:r="http://schemas.openxmlformats.org/officeDocument/2006/relationships" xmlns:p="http://schemas.openxmlformats.org/presentationml/2006/main">
   <p:cSld>
     <p:spTree>
@@ -7181,7 +6836,7 @@
 </p:sld>
 </file>
 
-<file path=ppt/slides/slide13.xml><?xml version="1.0" encoding="utf-8"?>
+<file path=ppt/slides/slide12.xml><?xml version="1.0" encoding="utf-8"?>
 <p:sld xmlns:a="http://schemas.openxmlformats.org/drawingml/2006/main" xmlns:r="http://schemas.openxmlformats.org/officeDocument/2006/relationships" xmlns:p="http://schemas.openxmlformats.org/presentationml/2006/main">
   <p:cSld>
     <p:spTree>
@@ -7821,7 +7476,7 @@
 </p:sld>
 </file>
 
-<file path=ppt/slides/slide14.xml><?xml version="1.0" encoding="utf-8"?>
+<file path=ppt/slides/slide13.xml><?xml version="1.0" encoding="utf-8"?>
 <p:sld xmlns:a="http://schemas.openxmlformats.org/drawingml/2006/main" xmlns:r="http://schemas.openxmlformats.org/officeDocument/2006/relationships" xmlns:p="http://schemas.openxmlformats.org/presentationml/2006/main">
   <p:cSld>
     <p:spTree>
@@ -8153,7 +7808,7 @@
 </p:sld>
 </file>
 
-<file path=ppt/slides/slide15.xml><?xml version="1.0" encoding="utf-8"?>
+<file path=ppt/slides/slide14.xml><?xml version="1.0" encoding="utf-8"?>
 <p:sld xmlns:a="http://schemas.openxmlformats.org/drawingml/2006/main" xmlns:r="http://schemas.openxmlformats.org/officeDocument/2006/relationships" xmlns:p="http://schemas.openxmlformats.org/presentationml/2006/main">
   <p:cSld>
     <p:spTree>
@@ -8408,7 +8063,7 @@
 </p:sld>
 </file>
 
-<file path=ppt/slides/slide16.xml><?xml version="1.0" encoding="utf-8"?>
+<file path=ppt/slides/slide15.xml><?xml version="1.0" encoding="utf-8"?>
 <p:sld xmlns:a="http://schemas.openxmlformats.org/drawingml/2006/main" xmlns:r="http://schemas.openxmlformats.org/officeDocument/2006/relationships" xmlns:p="http://schemas.openxmlformats.org/presentationml/2006/main">
   <p:cSld>
     <p:spTree>
@@ -8667,7 +8322,7 @@
 </p:sld>
 </file>
 
-<file path=ppt/slides/slide17.xml><?xml version="1.0" encoding="utf-8"?>
+<file path=ppt/slides/slide16.xml><?xml version="1.0" encoding="utf-8"?>
 <p:sld xmlns:a="http://schemas.openxmlformats.org/drawingml/2006/main" xmlns:r="http://schemas.openxmlformats.org/officeDocument/2006/relationships" xmlns:p="http://schemas.openxmlformats.org/presentationml/2006/main">
   <p:cSld>
     <p:spTree>
@@ -8838,8 +8493,8 @@
             <a:chExt cx="2568600" cy="23400"/>
           </a:xfrm>
         </p:grpSpPr>
-        <mc:AlternateContent xmlns:mc="http://schemas.openxmlformats.org/markup-compatibility/2006">
-          <mc:Choice xmlns:p14="http://schemas.microsoft.com/office/powerpoint/2010/main" Requires="p14">
+        <mc:AlternateContent xmlns:mc="http://schemas.openxmlformats.org/markup-compatibility/2006" xmlns:p14="http://schemas.microsoft.com/office/powerpoint/2010/main">
+          <mc:Choice Requires="p14">
             <p:contentPart p14:bwMode="auto" r:id="rId4">
               <p14:nvContentPartPr>
                 <p14:cNvPr id="7" name="Рукописні дані 6">
@@ -8858,7 +8513,7 @@
               </p14:xfrm>
             </p:contentPart>
           </mc:Choice>
-          <mc:Fallback>
+          <mc:Fallback xmlns="">
             <p:pic>
               <p:nvPicPr>
                 <p:cNvPr id="7" name="Рукописні дані 6">
@@ -8889,8 +8544,8 @@
             </p:pic>
           </mc:Fallback>
         </mc:AlternateContent>
-        <mc:AlternateContent xmlns:mc="http://schemas.openxmlformats.org/markup-compatibility/2006">
-          <mc:Choice xmlns:p14="http://schemas.microsoft.com/office/powerpoint/2010/main" Requires="p14">
+        <mc:AlternateContent xmlns:mc="http://schemas.openxmlformats.org/markup-compatibility/2006" xmlns:p14="http://schemas.microsoft.com/office/powerpoint/2010/main">
+          <mc:Choice Requires="p14">
             <p:contentPart p14:bwMode="auto" r:id="rId6">
               <p14:nvContentPartPr>
                 <p14:cNvPr id="8" name="Рукописні дані 7">
@@ -8909,7 +8564,7 @@
               </p14:xfrm>
             </p:contentPart>
           </mc:Choice>
-          <mc:Fallback>
+          <mc:Fallback xmlns="">
             <p:pic>
               <p:nvPicPr>
                 <p:cNvPr id="8" name="Рукописні дані 7">
@@ -8941,8 +8596,8 @@
           </mc:Fallback>
         </mc:AlternateContent>
       </p:grpSp>
-      <mc:AlternateContent xmlns:mc="http://schemas.openxmlformats.org/markup-compatibility/2006">
-        <mc:Choice xmlns:p14="http://schemas.microsoft.com/office/powerpoint/2010/main" Requires="p14">
+      <mc:AlternateContent xmlns:mc="http://schemas.openxmlformats.org/markup-compatibility/2006" xmlns:p14="http://schemas.microsoft.com/office/powerpoint/2010/main">
+        <mc:Choice Requires="p14">
           <p:contentPart p14:bwMode="auto" r:id="rId8">
             <p14:nvContentPartPr>
               <p14:cNvPr id="11" name="Рукописні дані 10">
@@ -8961,7 +8616,7 @@
             </p14:xfrm>
           </p:contentPart>
         </mc:Choice>
-        <mc:Fallback>
+        <mc:Fallback xmlns="">
           <p:pic>
             <p:nvPicPr>
               <p:cNvPr id="11" name="Рукописні дані 10">
@@ -9005,7 +8660,7 @@
 </p:sld>
 </file>
 
-<file path=ppt/slides/slide18.xml><?xml version="1.0" encoding="utf-8"?>
+<file path=ppt/slides/slide17.xml><?xml version="1.0" encoding="utf-8"?>
 <p:sld xmlns:a="http://schemas.openxmlformats.org/drawingml/2006/main" xmlns:r="http://schemas.openxmlformats.org/officeDocument/2006/relationships" xmlns:p="http://schemas.openxmlformats.org/presentationml/2006/main">
   <p:cSld>
     <p:spTree>
@@ -9107,8 +8762,8 @@
           </a:prstGeom>
         </p:spPr>
       </p:pic>
-      <mc:AlternateContent xmlns:mc="http://schemas.openxmlformats.org/markup-compatibility/2006">
-        <mc:Choice xmlns:p14="http://schemas.microsoft.com/office/powerpoint/2010/main" Requires="p14">
+      <mc:AlternateContent xmlns:mc="http://schemas.openxmlformats.org/markup-compatibility/2006" xmlns:p14="http://schemas.microsoft.com/office/powerpoint/2010/main">
+        <mc:Choice Requires="p14">
           <p:contentPart p14:bwMode="auto" r:id="rId3">
             <p14:nvContentPartPr>
               <p14:cNvPr id="15" name="Рукописні дані 14">
@@ -9127,7 +8782,7 @@
             </p14:xfrm>
           </p:contentPart>
         </mc:Choice>
-        <mc:Fallback>
+        <mc:Fallback xmlns="">
           <p:pic>
             <p:nvPicPr>
               <p:cNvPr id="15" name="Рукописні дані 14">
@@ -9201,7 +8856,7 @@
 </p:sld>
 </file>
 
-<file path=ppt/slides/slide19.xml><?xml version="1.0" encoding="utf-8"?>
+<file path=ppt/slides/slide18.xml><?xml version="1.0" encoding="utf-8"?>
 <p:sld xmlns:a="http://schemas.openxmlformats.org/drawingml/2006/main" xmlns:r="http://schemas.openxmlformats.org/officeDocument/2006/relationships" xmlns:p="http://schemas.openxmlformats.org/presentationml/2006/main">
   <p:cSld>
     <p:spTree>
@@ -9572,113 +9227,7 @@
 </p:sld>
 </file>
 
-<file path=ppt/slides/slide2.xml><?xml version="1.0" encoding="utf-8"?>
-<p:sld xmlns:a="http://schemas.openxmlformats.org/drawingml/2006/main" xmlns:r="http://schemas.openxmlformats.org/officeDocument/2006/relationships" xmlns:p="http://schemas.openxmlformats.org/presentationml/2006/main">
-  <p:cSld>
-    <p:spTree>
-      <p:nvGrpSpPr>
-        <p:cNvPr id="1" name=""/>
-        <p:cNvGrpSpPr/>
-        <p:nvPr/>
-      </p:nvGrpSpPr>
-      <p:grpSpPr>
-        <a:xfrm>
-          <a:off x="0" y="0"/>
-          <a:ext cx="0" cy="0"/>
-          <a:chOff x="0" y="0"/>
-          <a:chExt cx="0" cy="0"/>
-        </a:xfrm>
-      </p:grpSpPr>
-      <p:sp>
-        <p:nvSpPr>
-          <p:cNvPr id="4" name="Заголовок 3">
-            <a:extLst>
-              <a:ext uri="{FF2B5EF4-FFF2-40B4-BE49-F238E27FC236}">
-                <a16:creationId xmlns:a16="http://schemas.microsoft.com/office/drawing/2014/main" id="{8FE2BCA8-E83D-429B-887D-6FBFF82E5C4F}"/>
-              </a:ext>
-            </a:extLst>
-          </p:cNvPr>
-          <p:cNvSpPr>
-            <a:spLocks noGrp="1"/>
-          </p:cNvSpPr>
-          <p:nvPr>
-            <p:ph type="ctrTitle"/>
-          </p:nvPr>
-        </p:nvSpPr>
-        <p:spPr>
-          <a:xfrm>
-            <a:off x="1247201" y="148590"/>
-            <a:ext cx="9144000" cy="861161"/>
-          </a:xfrm>
-        </p:spPr>
-        <p:txBody>
-          <a:bodyPr>
-            <a:normAutofit/>
-          </a:bodyPr>
-          <a:lstStyle/>
-          <a:p>
-            <a:r>
-              <a:rPr lang="uk-UA" sz="4000" b="1">
-                <a:solidFill>
-                  <a:srgbClr val="0070C0"/>
-                </a:solidFill>
-                <a:latin typeface="SchoolBookCTT" pitchFamily="2" charset="0"/>
-              </a:rPr>
-              <a:t>Організаційні моменти</a:t>
-            </a:r>
-            <a:endParaRPr lang="ru-RU" sz="4000" b="1">
-              <a:solidFill>
-                <a:srgbClr val="0070C0"/>
-              </a:solidFill>
-              <a:latin typeface="SchoolBookCTT" pitchFamily="2" charset="0"/>
-            </a:endParaRPr>
-          </a:p>
-        </p:txBody>
-      </p:sp>
-      <p:pic>
-        <p:nvPicPr>
-          <p:cNvPr id="3" name="Рисунок 2">
-            <a:extLst>
-              <a:ext uri="{FF2B5EF4-FFF2-40B4-BE49-F238E27FC236}">
-                <a16:creationId xmlns:a16="http://schemas.microsoft.com/office/drawing/2014/main" id="{8CAADDFB-5B63-4AFD-85C3-35023D51CB43}"/>
-              </a:ext>
-            </a:extLst>
-          </p:cNvPr>
-          <p:cNvPicPr>
-            <a:picLocks noChangeAspect="1"/>
-          </p:cNvPicPr>
-          <p:nvPr/>
-        </p:nvPicPr>
-        <p:blipFill>
-          <a:blip r:embed="rId3"/>
-          <a:stretch>
-            <a:fillRect/>
-          </a:stretch>
-        </p:blipFill>
-        <p:spPr>
-          <a:xfrm>
-            <a:off x="1354931" y="1499352"/>
-            <a:ext cx="9482138" cy="4954788"/>
-          </a:xfrm>
-          <a:prstGeom prst="rect">
-            <a:avLst/>
-          </a:prstGeom>
-        </p:spPr>
-      </p:pic>
-    </p:spTree>
-    <p:extLst>
-      <p:ext uri="{BB962C8B-B14F-4D97-AF65-F5344CB8AC3E}">
-        <p14:creationId xmlns:p14="http://schemas.microsoft.com/office/powerpoint/2010/main" val="3690052634"/>
-      </p:ext>
-    </p:extLst>
-  </p:cSld>
-  <p:clrMapOvr>
-    <a:masterClrMapping/>
-  </p:clrMapOvr>
-</p:sld>
-</file>
-
-<file path=ppt/slides/slide20.xml><?xml version="1.0" encoding="utf-8"?>
+<file path=ppt/slides/slide19.xml><?xml version="1.0" encoding="utf-8"?>
 <p:sld xmlns:a="http://schemas.openxmlformats.org/drawingml/2006/main" xmlns:r="http://schemas.openxmlformats.org/officeDocument/2006/relationships" xmlns:p="http://schemas.openxmlformats.org/presentationml/2006/main">
   <p:cSld>
     <p:spTree>
@@ -9858,8 +9407,8 @@
           </a:prstGeom>
         </p:spPr>
       </p:pic>
-      <mc:AlternateContent xmlns:mc="http://schemas.openxmlformats.org/markup-compatibility/2006">
-        <mc:Choice xmlns:p14="http://schemas.microsoft.com/office/powerpoint/2010/main" Requires="p14">
+      <mc:AlternateContent xmlns:mc="http://schemas.openxmlformats.org/markup-compatibility/2006" xmlns:p14="http://schemas.microsoft.com/office/powerpoint/2010/main">
+        <mc:Choice Requires="p14">
           <p:contentPart p14:bwMode="auto" r:id="rId3">
             <p14:nvContentPartPr>
               <p14:cNvPr id="10" name="Рукописні дані 9">
@@ -9878,7 +9427,7 @@
             </p14:xfrm>
           </p:contentPart>
         </mc:Choice>
-        <mc:Fallback>
+        <mc:Fallback xmlns="">
           <p:pic>
             <p:nvPicPr>
               <p:cNvPr id="10" name="Рукописні дані 9">
@@ -9952,7 +9501,156 @@
 </p:sld>
 </file>
 
-<file path=ppt/slides/slide21.xml><?xml version="1.0" encoding="utf-8"?>
+<file path=ppt/slides/slide2.xml><?xml version="1.0" encoding="utf-8"?>
+<p:sld xmlns:a="http://schemas.openxmlformats.org/drawingml/2006/main" xmlns:r="http://schemas.openxmlformats.org/officeDocument/2006/relationships" xmlns:p="http://schemas.openxmlformats.org/presentationml/2006/main">
+  <p:cSld>
+    <p:bg>
+      <p:bgPr>
+        <a:gradFill flip="none" rotWithShape="1">
+          <a:gsLst>
+            <a:gs pos="0">
+              <a:schemeClr val="accent1">
+                <a:lumMod val="5000"/>
+                <a:lumOff val="95000"/>
+              </a:schemeClr>
+            </a:gs>
+            <a:gs pos="50000">
+              <a:schemeClr val="accent4">
+                <a:lumMod val="40000"/>
+                <a:lumOff val="60000"/>
+              </a:schemeClr>
+            </a:gs>
+            <a:gs pos="59000">
+              <a:schemeClr val="accent1">
+                <a:lumMod val="20000"/>
+                <a:lumOff val="80000"/>
+              </a:schemeClr>
+            </a:gs>
+            <a:gs pos="100000">
+              <a:schemeClr val="accent1">
+                <a:lumMod val="30000"/>
+                <a:lumOff val="70000"/>
+              </a:schemeClr>
+            </a:gs>
+          </a:gsLst>
+          <a:lin ang="16200000" scaled="0"/>
+          <a:tileRect/>
+        </a:gradFill>
+        <a:effectLst/>
+      </p:bgPr>
+    </p:bg>
+    <p:spTree>
+      <p:nvGrpSpPr>
+        <p:cNvPr id="1" name=""/>
+        <p:cNvGrpSpPr/>
+        <p:nvPr/>
+      </p:nvGrpSpPr>
+      <p:grpSpPr>
+        <a:xfrm>
+          <a:off x="0" y="0"/>
+          <a:ext cx="0" cy="0"/>
+          <a:chOff x="0" y="0"/>
+          <a:chExt cx="0" cy="0"/>
+        </a:xfrm>
+      </p:grpSpPr>
+      <p:sp>
+        <p:nvSpPr>
+          <p:cNvPr id="2" name="Заголовок 1">
+            <a:extLst>
+              <a:ext uri="{FF2B5EF4-FFF2-40B4-BE49-F238E27FC236}">
+                <a16:creationId xmlns:a16="http://schemas.microsoft.com/office/drawing/2014/main" id="{D2DBF401-051A-4776-847A-918736DB54BA}"/>
+              </a:ext>
+            </a:extLst>
+          </p:cNvPr>
+          <p:cNvSpPr>
+            <a:spLocks noGrp="1"/>
+          </p:cNvSpPr>
+          <p:nvPr>
+            <p:ph type="ctrTitle"/>
+          </p:nvPr>
+        </p:nvSpPr>
+        <p:spPr>
+          <a:xfrm>
+            <a:off x="1171853" y="454089"/>
+            <a:ext cx="9590468" cy="4537710"/>
+          </a:xfrm>
+        </p:spPr>
+        <p:txBody>
+          <a:bodyPr>
+            <a:normAutofit fontScale="90000"/>
+          </a:bodyPr>
+          <a:lstStyle/>
+          <a:p>
+            <a:br>
+              <a:rPr lang="uk-UA" b="1">
+                <a:latin typeface="SchoolBookCTT" pitchFamily="2" charset="0"/>
+              </a:rPr>
+            </a:br>
+            <a:br>
+              <a:rPr lang="uk-UA" sz="3600" b="1">
+                <a:latin typeface="SchoolBookCTT" pitchFamily="2" charset="0"/>
+              </a:rPr>
+            </a:br>
+            <a:br>
+              <a:rPr lang="uk-UA" b="1">
+                <a:latin typeface="SchoolBookCTT" pitchFamily="2" charset="0"/>
+              </a:rPr>
+            </a:br>
+            <a:r>
+              <a:rPr lang="en-US" sz="10700" b="1">
+                <a:solidFill>
+                  <a:srgbClr val="0070C0"/>
+                </a:solidFill>
+                <a:latin typeface="SchoolBookCTT" pitchFamily="2" charset="0"/>
+              </a:rPr>
+              <a:t>Git</a:t>
+            </a:r>
+            <a:br>
+              <a:rPr lang="uk-UA" b="1">
+                <a:solidFill>
+                  <a:srgbClr val="0070C0"/>
+                </a:solidFill>
+                <a:latin typeface="SchoolBookCTT" pitchFamily="2" charset="0"/>
+              </a:rPr>
+            </a:br>
+            <a:br>
+              <a:rPr lang="uk-UA" sz="3100" b="1">
+                <a:latin typeface="SchoolBookCTT" pitchFamily="2" charset="0"/>
+              </a:rPr>
+            </a:br>
+            <a:br>
+              <a:rPr lang="uk-UA" sz="3100" b="1">
+                <a:latin typeface="SchoolBookCTT" pitchFamily="2" charset="0"/>
+              </a:rPr>
+            </a:br>
+            <a:br>
+              <a:rPr lang="uk-UA" sz="2400" b="1">
+                <a:solidFill>
+                  <a:srgbClr val="FF0000"/>
+                </a:solidFill>
+                <a:latin typeface="SchoolBookCTT" pitchFamily="2" charset="0"/>
+              </a:rPr>
+            </a:br>
+            <a:endParaRPr lang="uk-UA" sz="2400" b="1">
+              <a:latin typeface="SchoolBookCTT" pitchFamily="2" charset="0"/>
+            </a:endParaRPr>
+          </a:p>
+        </p:txBody>
+      </p:sp>
+    </p:spTree>
+    <p:extLst>
+      <p:ext uri="{BB962C8B-B14F-4D97-AF65-F5344CB8AC3E}">
+        <p14:creationId xmlns:p14="http://schemas.microsoft.com/office/powerpoint/2010/main" val="425924951"/>
+      </p:ext>
+    </p:extLst>
+  </p:cSld>
+  <p:clrMapOvr>
+    <a:masterClrMapping/>
+  </p:clrMapOvr>
+</p:sld>
+</file>
+
+<file path=ppt/slides/slide20.xml><?xml version="1.0" encoding="utf-8"?>
 <p:sld xmlns:a="http://schemas.openxmlformats.org/drawingml/2006/main" xmlns:r="http://schemas.openxmlformats.org/officeDocument/2006/relationships" xmlns:p="http://schemas.openxmlformats.org/presentationml/2006/main">
   <p:cSld>
     <p:spTree>
@@ -10072,8 +9770,8 @@
           </a:p>
         </p:txBody>
       </p:sp>
-      <mc:AlternateContent xmlns:mc="http://schemas.openxmlformats.org/markup-compatibility/2006">
-        <mc:Choice xmlns:p14="http://schemas.microsoft.com/office/powerpoint/2010/main" Requires="p14">
+      <mc:AlternateContent xmlns:mc="http://schemas.openxmlformats.org/markup-compatibility/2006" xmlns:p14="http://schemas.microsoft.com/office/powerpoint/2010/main">
+        <mc:Choice Requires="p14">
           <p:contentPart p14:bwMode="auto" r:id="rId3">
             <p14:nvContentPartPr>
               <p14:cNvPr id="5" name="Рукописні дані 4">
@@ -10092,7 +9790,7 @@
             </p14:xfrm>
           </p:contentPart>
         </mc:Choice>
-        <mc:Fallback>
+        <mc:Fallback xmlns="">
           <p:pic>
             <p:nvPicPr>
               <p:cNvPr id="5" name="Рукописні дані 4">
@@ -10123,8 +9821,8 @@
           </p:pic>
         </mc:Fallback>
       </mc:AlternateContent>
-      <mc:AlternateContent xmlns:mc="http://schemas.openxmlformats.org/markup-compatibility/2006">
-        <mc:Choice xmlns:p14="http://schemas.microsoft.com/office/powerpoint/2010/main" Requires="p14">
+      <mc:AlternateContent xmlns:mc="http://schemas.openxmlformats.org/markup-compatibility/2006" xmlns:p14="http://schemas.microsoft.com/office/powerpoint/2010/main">
+        <mc:Choice Requires="p14">
           <p:contentPart p14:bwMode="auto" r:id="rId5">
             <p14:nvContentPartPr>
               <p14:cNvPr id="7" name="Рукописні дані 6">
@@ -10143,7 +9841,7 @@
             </p14:xfrm>
           </p:contentPart>
         </mc:Choice>
-        <mc:Fallback>
+        <mc:Fallback xmlns="">
           <p:pic>
             <p:nvPicPr>
               <p:cNvPr id="7" name="Рукописні дані 6">
@@ -10174,8 +9872,8 @@
           </p:pic>
         </mc:Fallback>
       </mc:AlternateContent>
-      <mc:AlternateContent xmlns:mc="http://schemas.openxmlformats.org/markup-compatibility/2006">
-        <mc:Choice xmlns:p14="http://schemas.microsoft.com/office/powerpoint/2010/main" Requires="p14">
+      <mc:AlternateContent xmlns:mc="http://schemas.openxmlformats.org/markup-compatibility/2006" xmlns:p14="http://schemas.microsoft.com/office/powerpoint/2010/main">
+        <mc:Choice Requires="p14">
           <p:contentPart p14:bwMode="auto" r:id="rId7">
             <p14:nvContentPartPr>
               <p14:cNvPr id="9" name="Рукописні дані 8">
@@ -10194,7 +9892,7 @@
             </p14:xfrm>
           </p:contentPart>
         </mc:Choice>
-        <mc:Fallback>
+        <mc:Fallback xmlns="">
           <p:pic>
             <p:nvPicPr>
               <p:cNvPr id="9" name="Рукописні дані 8">
@@ -10225,8 +9923,8 @@
           </p:pic>
         </mc:Fallback>
       </mc:AlternateContent>
-      <mc:AlternateContent xmlns:mc="http://schemas.openxmlformats.org/markup-compatibility/2006">
-        <mc:Choice xmlns:p14="http://schemas.microsoft.com/office/powerpoint/2010/main" Requires="p14">
+      <mc:AlternateContent xmlns:mc="http://schemas.openxmlformats.org/markup-compatibility/2006" xmlns:p14="http://schemas.microsoft.com/office/powerpoint/2010/main">
+        <mc:Choice Requires="p14">
           <p:contentPart p14:bwMode="auto" r:id="rId9">
             <p14:nvContentPartPr>
               <p14:cNvPr id="11" name="Рукописні дані 10">
@@ -10245,7 +9943,7 @@
             </p14:xfrm>
           </p:contentPart>
         </mc:Choice>
-        <mc:Fallback>
+        <mc:Fallback xmlns="">
           <p:pic>
             <p:nvPicPr>
               <p:cNvPr id="11" name="Рукописні дані 10">
@@ -10276,8 +9974,8 @@
           </p:pic>
         </mc:Fallback>
       </mc:AlternateContent>
-      <mc:AlternateContent xmlns:mc="http://schemas.openxmlformats.org/markup-compatibility/2006">
-        <mc:Choice xmlns:p14="http://schemas.microsoft.com/office/powerpoint/2010/main" Requires="p14">
+      <mc:AlternateContent xmlns:mc="http://schemas.openxmlformats.org/markup-compatibility/2006" xmlns:p14="http://schemas.microsoft.com/office/powerpoint/2010/main">
+        <mc:Choice Requires="p14">
           <p:contentPart p14:bwMode="auto" r:id="rId11">
             <p14:nvContentPartPr>
               <p14:cNvPr id="12" name="Рукописні дані 11">
@@ -10296,7 +9994,7 @@
             </p14:xfrm>
           </p:contentPart>
         </mc:Choice>
-        <mc:Fallback>
+        <mc:Fallback xmlns="">
           <p:pic>
             <p:nvPicPr>
               <p:cNvPr id="12" name="Рукописні дані 11">
@@ -10327,8 +10025,8 @@
           </p:pic>
         </mc:Fallback>
       </mc:AlternateContent>
-      <mc:AlternateContent xmlns:mc="http://schemas.openxmlformats.org/markup-compatibility/2006">
-        <mc:Choice xmlns:p14="http://schemas.microsoft.com/office/powerpoint/2010/main" Requires="p14">
+      <mc:AlternateContent xmlns:mc="http://schemas.openxmlformats.org/markup-compatibility/2006" xmlns:p14="http://schemas.microsoft.com/office/powerpoint/2010/main">
+        <mc:Choice Requires="p14">
           <p:contentPart p14:bwMode="auto" r:id="rId13">
             <p14:nvContentPartPr>
               <p14:cNvPr id="13" name="Рукописні дані 12">
@@ -10347,7 +10045,7 @@
             </p14:xfrm>
           </p:contentPart>
         </mc:Choice>
-        <mc:Fallback>
+        <mc:Fallback xmlns="">
           <p:pic>
             <p:nvPicPr>
               <p:cNvPr id="13" name="Рукописні дані 12">
@@ -10378,8 +10076,8 @@
           </p:pic>
         </mc:Fallback>
       </mc:AlternateContent>
-      <mc:AlternateContent xmlns:mc="http://schemas.openxmlformats.org/markup-compatibility/2006">
-        <mc:Choice xmlns:p14="http://schemas.microsoft.com/office/powerpoint/2010/main" Requires="p14">
+      <mc:AlternateContent xmlns:mc="http://schemas.openxmlformats.org/markup-compatibility/2006" xmlns:p14="http://schemas.microsoft.com/office/powerpoint/2010/main">
+        <mc:Choice Requires="p14">
           <p:contentPart p14:bwMode="auto" r:id="rId15">
             <p14:nvContentPartPr>
               <p14:cNvPr id="14" name="Рукописні дані 13">
@@ -10398,7 +10096,7 @@
             </p14:xfrm>
           </p:contentPart>
         </mc:Choice>
-        <mc:Fallback>
+        <mc:Fallback xmlns="">
           <p:pic>
             <p:nvPicPr>
               <p:cNvPr id="14" name="Рукописні дані 13">
@@ -10449,8 +10147,8 @@
             <a:chExt cx="168480" cy="373680"/>
           </a:xfrm>
         </p:grpSpPr>
-        <mc:AlternateContent xmlns:mc="http://schemas.openxmlformats.org/markup-compatibility/2006">
-          <mc:Choice xmlns:p14="http://schemas.microsoft.com/office/powerpoint/2010/main" Requires="p14">
+        <mc:AlternateContent xmlns:mc="http://schemas.openxmlformats.org/markup-compatibility/2006" xmlns:p14="http://schemas.microsoft.com/office/powerpoint/2010/main">
+          <mc:Choice Requires="p14">
             <p:contentPart p14:bwMode="auto" r:id="rId17">
               <p14:nvContentPartPr>
                 <p14:cNvPr id="15" name="Рукописні дані 14">
@@ -10469,7 +10167,7 @@
               </p14:xfrm>
             </p:contentPart>
           </mc:Choice>
-          <mc:Fallback>
+          <mc:Fallback xmlns="">
             <p:pic>
               <p:nvPicPr>
                 <p:cNvPr id="15" name="Рукописні дані 14">
@@ -10500,8 +10198,8 @@
             </p:pic>
           </mc:Fallback>
         </mc:AlternateContent>
-        <mc:AlternateContent xmlns:mc="http://schemas.openxmlformats.org/markup-compatibility/2006">
-          <mc:Choice xmlns:p14="http://schemas.microsoft.com/office/powerpoint/2010/main" Requires="p14">
+        <mc:AlternateContent xmlns:mc="http://schemas.openxmlformats.org/markup-compatibility/2006" xmlns:p14="http://schemas.microsoft.com/office/powerpoint/2010/main">
+          <mc:Choice Requires="p14">
             <p:contentPart p14:bwMode="auto" r:id="rId19">
               <p14:nvContentPartPr>
                 <p14:cNvPr id="16" name="Рукописні дані 15">
@@ -10520,7 +10218,7 @@
               </p14:xfrm>
             </p:contentPart>
           </mc:Choice>
-          <mc:Fallback>
+          <mc:Fallback xmlns="">
             <p:pic>
               <p:nvPicPr>
                 <p:cNvPr id="16" name="Рукописні дані 15">
@@ -10552,8 +10250,8 @@
           </mc:Fallback>
         </mc:AlternateContent>
       </p:grpSp>
-      <mc:AlternateContent xmlns:mc="http://schemas.openxmlformats.org/markup-compatibility/2006">
-        <mc:Choice xmlns:p14="http://schemas.microsoft.com/office/powerpoint/2010/main" Requires="p14">
+      <mc:AlternateContent xmlns:mc="http://schemas.openxmlformats.org/markup-compatibility/2006" xmlns:p14="http://schemas.microsoft.com/office/powerpoint/2010/main">
+        <mc:Choice Requires="p14">
           <p:contentPart p14:bwMode="auto" r:id="rId21">
             <p14:nvContentPartPr>
               <p14:cNvPr id="20" name="Рукописні дані 19">
@@ -10572,7 +10270,7 @@
             </p14:xfrm>
           </p:contentPart>
         </mc:Choice>
-        <mc:Fallback>
+        <mc:Fallback xmlns="">
           <p:pic>
             <p:nvPicPr>
               <p:cNvPr id="20" name="Рукописні дані 19">
@@ -10603,8 +10301,8 @@
           </p:pic>
         </mc:Fallback>
       </mc:AlternateContent>
-      <mc:AlternateContent xmlns:mc="http://schemas.openxmlformats.org/markup-compatibility/2006">
-        <mc:Choice xmlns:p14="http://schemas.microsoft.com/office/powerpoint/2010/main" Requires="p14">
+      <mc:AlternateContent xmlns:mc="http://schemas.openxmlformats.org/markup-compatibility/2006" xmlns:p14="http://schemas.microsoft.com/office/powerpoint/2010/main">
+        <mc:Choice Requires="p14">
           <p:contentPart p14:bwMode="auto" r:id="rId23">
             <p14:nvContentPartPr>
               <p14:cNvPr id="21" name="Рукописні дані 20">
@@ -10623,7 +10321,7 @@
             </p14:xfrm>
           </p:contentPart>
         </mc:Choice>
-        <mc:Fallback>
+        <mc:Fallback xmlns="">
           <p:pic>
             <p:nvPicPr>
               <p:cNvPr id="21" name="Рукописні дані 20">
@@ -10654,8 +10352,8 @@
           </p:pic>
         </mc:Fallback>
       </mc:AlternateContent>
-      <mc:AlternateContent xmlns:mc="http://schemas.openxmlformats.org/markup-compatibility/2006">
-        <mc:Choice xmlns:p14="http://schemas.microsoft.com/office/powerpoint/2010/main" Requires="p14">
+      <mc:AlternateContent xmlns:mc="http://schemas.openxmlformats.org/markup-compatibility/2006" xmlns:p14="http://schemas.microsoft.com/office/powerpoint/2010/main">
+        <mc:Choice Requires="p14">
           <p:contentPart p14:bwMode="auto" r:id="rId24">
             <p14:nvContentPartPr>
               <p14:cNvPr id="22" name="Рукописні дані 21">
@@ -10674,7 +10372,7 @@
             </p14:xfrm>
           </p:contentPart>
         </mc:Choice>
-        <mc:Fallback>
+        <mc:Fallback xmlns="">
           <p:pic>
             <p:nvPicPr>
               <p:cNvPr id="22" name="Рукописні дані 21">
@@ -10718,7 +10416,7 @@
 </p:sld>
 </file>
 
-<file path=ppt/slides/slide22.xml><?xml version="1.0" encoding="utf-8"?>
+<file path=ppt/slides/slide21.xml><?xml version="1.0" encoding="utf-8"?>
 <p:sld xmlns:a="http://schemas.openxmlformats.org/drawingml/2006/main" xmlns:r="http://schemas.openxmlformats.org/officeDocument/2006/relationships" xmlns:p="http://schemas.openxmlformats.org/presentationml/2006/main">
   <p:cSld>
     <p:spTree>
@@ -10858,8 +10556,8 @@
             <a:chExt cx="1060560" cy="419400"/>
           </a:xfrm>
         </p:grpSpPr>
-        <mc:AlternateContent xmlns:mc="http://schemas.openxmlformats.org/markup-compatibility/2006">
-          <mc:Choice xmlns:p14="http://schemas.microsoft.com/office/powerpoint/2010/main" Requires="p14">
+        <mc:AlternateContent xmlns:mc="http://schemas.openxmlformats.org/markup-compatibility/2006" xmlns:p14="http://schemas.microsoft.com/office/powerpoint/2010/main">
+          <mc:Choice Requires="p14">
             <p:contentPart p14:bwMode="auto" r:id="rId3">
               <p14:nvContentPartPr>
                 <p14:cNvPr id="21" name="Рукописні дані 20">
@@ -10878,7 +10576,7 @@
               </p14:xfrm>
             </p:contentPart>
           </mc:Choice>
-          <mc:Fallback>
+          <mc:Fallback xmlns="">
             <p:pic>
               <p:nvPicPr>
                 <p:cNvPr id="21" name="Рукописні дані 20">
@@ -10909,8 +10607,8 @@
             </p:pic>
           </mc:Fallback>
         </mc:AlternateContent>
-        <mc:AlternateContent xmlns:mc="http://schemas.openxmlformats.org/markup-compatibility/2006">
-          <mc:Choice xmlns:p14="http://schemas.microsoft.com/office/powerpoint/2010/main" Requires="p14">
+        <mc:AlternateContent xmlns:mc="http://schemas.openxmlformats.org/markup-compatibility/2006" xmlns:p14="http://schemas.microsoft.com/office/powerpoint/2010/main">
+          <mc:Choice Requires="p14">
             <p:contentPart p14:bwMode="auto" r:id="rId5">
               <p14:nvContentPartPr>
                 <p14:cNvPr id="22" name="Рукописні дані 21">
@@ -10929,7 +10627,7 @@
               </p14:xfrm>
             </p:contentPart>
           </mc:Choice>
-          <mc:Fallback>
+          <mc:Fallback xmlns="">
             <p:pic>
               <p:nvPicPr>
                 <p:cNvPr id="22" name="Рукописні дані 21">
@@ -10981,8 +10679,8 @@
             <a:chExt cx="1685160" cy="256680"/>
           </a:xfrm>
         </p:grpSpPr>
-        <mc:AlternateContent xmlns:mc="http://schemas.openxmlformats.org/markup-compatibility/2006">
-          <mc:Choice xmlns:p14="http://schemas.microsoft.com/office/powerpoint/2010/main" Requires="p14">
+        <mc:AlternateContent xmlns:mc="http://schemas.openxmlformats.org/markup-compatibility/2006" xmlns:p14="http://schemas.microsoft.com/office/powerpoint/2010/main">
+          <mc:Choice Requires="p14">
             <p:contentPart p14:bwMode="auto" r:id="rId7">
               <p14:nvContentPartPr>
                 <p14:cNvPr id="24" name="Рукописні дані 23">
@@ -11001,7 +10699,7 @@
               </p14:xfrm>
             </p:contentPart>
           </mc:Choice>
-          <mc:Fallback>
+          <mc:Fallback xmlns="">
             <p:pic>
               <p:nvPicPr>
                 <p:cNvPr id="24" name="Рукописні дані 23">
@@ -11032,8 +10730,8 @@
             </p:pic>
           </mc:Fallback>
         </mc:AlternateContent>
-        <mc:AlternateContent xmlns:mc="http://schemas.openxmlformats.org/markup-compatibility/2006">
-          <mc:Choice xmlns:p14="http://schemas.microsoft.com/office/powerpoint/2010/main" Requires="p14">
+        <mc:AlternateContent xmlns:mc="http://schemas.openxmlformats.org/markup-compatibility/2006" xmlns:p14="http://schemas.microsoft.com/office/powerpoint/2010/main">
+          <mc:Choice Requires="p14">
             <p:contentPart p14:bwMode="auto" r:id="rId9">
               <p14:nvContentPartPr>
                 <p14:cNvPr id="25" name="Рукописні дані 24">
@@ -11052,7 +10750,7 @@
               </p14:xfrm>
             </p:contentPart>
           </mc:Choice>
-          <mc:Fallback>
+          <mc:Fallback xmlns="">
             <p:pic>
               <p:nvPicPr>
                 <p:cNvPr id="25" name="Рукописні дані 24">
@@ -11104,8 +10802,8 @@
             <a:chExt cx="1557720" cy="266040"/>
           </a:xfrm>
         </p:grpSpPr>
-        <mc:AlternateContent xmlns:mc="http://schemas.openxmlformats.org/markup-compatibility/2006">
-          <mc:Choice xmlns:p14="http://schemas.microsoft.com/office/powerpoint/2010/main" Requires="p14">
+        <mc:AlternateContent xmlns:mc="http://schemas.openxmlformats.org/markup-compatibility/2006" xmlns:p14="http://schemas.microsoft.com/office/powerpoint/2010/main">
+          <mc:Choice Requires="p14">
             <p:contentPart p14:bwMode="auto" r:id="rId11">
               <p14:nvContentPartPr>
                 <p14:cNvPr id="27" name="Рукописні дані 26">
@@ -11124,7 +10822,7 @@
               </p14:xfrm>
             </p:contentPart>
           </mc:Choice>
-          <mc:Fallback>
+          <mc:Fallback xmlns="">
             <p:pic>
               <p:nvPicPr>
                 <p:cNvPr id="27" name="Рукописні дані 26">
@@ -11155,8 +10853,8 @@
             </p:pic>
           </mc:Fallback>
         </mc:AlternateContent>
-        <mc:AlternateContent xmlns:mc="http://schemas.openxmlformats.org/markup-compatibility/2006">
-          <mc:Choice xmlns:p14="http://schemas.microsoft.com/office/powerpoint/2010/main" Requires="p14">
+        <mc:AlternateContent xmlns:mc="http://schemas.openxmlformats.org/markup-compatibility/2006" xmlns:p14="http://schemas.microsoft.com/office/powerpoint/2010/main">
+          <mc:Choice Requires="p14">
             <p:contentPart p14:bwMode="auto" r:id="rId13">
               <p14:nvContentPartPr>
                 <p14:cNvPr id="28" name="Рукописні дані 27">
@@ -11175,7 +10873,7 @@
               </p14:xfrm>
             </p:contentPart>
           </mc:Choice>
-          <mc:Fallback>
+          <mc:Fallback xmlns="">
             <p:pic>
               <p:nvPicPr>
                 <p:cNvPr id="28" name="Рукописні дані 27">
@@ -11227,8 +10925,8 @@
             <a:chExt cx="890640" cy="548640"/>
           </a:xfrm>
         </p:grpSpPr>
-        <mc:AlternateContent xmlns:mc="http://schemas.openxmlformats.org/markup-compatibility/2006">
-          <mc:Choice xmlns:p14="http://schemas.microsoft.com/office/powerpoint/2010/main" Requires="p14">
+        <mc:AlternateContent xmlns:mc="http://schemas.openxmlformats.org/markup-compatibility/2006" xmlns:p14="http://schemas.microsoft.com/office/powerpoint/2010/main">
+          <mc:Choice Requires="p14">
             <p:contentPart p14:bwMode="auto" r:id="rId15">
               <p14:nvContentPartPr>
                 <p14:cNvPr id="30" name="Рукописні дані 29">
@@ -11247,7 +10945,7 @@
               </p14:xfrm>
             </p:contentPart>
           </mc:Choice>
-          <mc:Fallback>
+          <mc:Fallback xmlns="">
             <p:pic>
               <p:nvPicPr>
                 <p:cNvPr id="30" name="Рукописні дані 29">
@@ -11278,8 +10976,8 @@
             </p:pic>
           </mc:Fallback>
         </mc:AlternateContent>
-        <mc:AlternateContent xmlns:mc="http://schemas.openxmlformats.org/markup-compatibility/2006">
-          <mc:Choice xmlns:p14="http://schemas.microsoft.com/office/powerpoint/2010/main" Requires="p14">
+        <mc:AlternateContent xmlns:mc="http://schemas.openxmlformats.org/markup-compatibility/2006" xmlns:p14="http://schemas.microsoft.com/office/powerpoint/2010/main">
+          <mc:Choice Requires="p14">
             <p:contentPart p14:bwMode="auto" r:id="rId17">
               <p14:nvContentPartPr>
                 <p14:cNvPr id="31" name="Рукописні дані 30">
@@ -11298,7 +10996,7 @@
               </p14:xfrm>
             </p:contentPart>
           </mc:Choice>
-          <mc:Fallback>
+          <mc:Fallback xmlns="">
             <p:pic>
               <p:nvPicPr>
                 <p:cNvPr id="31" name="Рукописні дані 30">
@@ -11329,8 +11027,8 @@
             </p:pic>
           </mc:Fallback>
         </mc:AlternateContent>
-        <mc:AlternateContent xmlns:mc="http://schemas.openxmlformats.org/markup-compatibility/2006">
-          <mc:Choice xmlns:p14="http://schemas.microsoft.com/office/powerpoint/2010/main" Requires="p14">
+        <mc:AlternateContent xmlns:mc="http://schemas.openxmlformats.org/markup-compatibility/2006" xmlns:p14="http://schemas.microsoft.com/office/powerpoint/2010/main">
+          <mc:Choice Requires="p14">
             <p:contentPart p14:bwMode="auto" r:id="rId19">
               <p14:nvContentPartPr>
                 <p14:cNvPr id="32" name="Рукописні дані 31">
@@ -11349,7 +11047,7 @@
               </p14:xfrm>
             </p:contentPart>
           </mc:Choice>
-          <mc:Fallback>
+          <mc:Fallback xmlns="">
             <p:pic>
               <p:nvPicPr>
                 <p:cNvPr id="32" name="Рукописні дані 31">
@@ -11381,8 +11079,8 @@
           </mc:Fallback>
         </mc:AlternateContent>
       </p:grpSp>
-      <mc:AlternateContent xmlns:mc="http://schemas.openxmlformats.org/markup-compatibility/2006">
-        <mc:Choice xmlns:p14="http://schemas.microsoft.com/office/powerpoint/2010/main" Requires="p14">
+      <mc:AlternateContent xmlns:mc="http://schemas.openxmlformats.org/markup-compatibility/2006" xmlns:p14="http://schemas.microsoft.com/office/powerpoint/2010/main">
+        <mc:Choice Requires="p14">
           <p:contentPart p14:bwMode="auto" r:id="rId21">
             <p14:nvContentPartPr>
               <p14:cNvPr id="34" name="Рукописні дані 33">
@@ -11401,7 +11099,7 @@
             </p14:xfrm>
           </p:contentPart>
         </mc:Choice>
-        <mc:Fallback>
+        <mc:Fallback xmlns="">
           <p:pic>
             <p:nvPicPr>
               <p:cNvPr id="34" name="Рукописні дані 33">
@@ -11445,7 +11143,7 @@
 </p:sld>
 </file>
 
-<file path=ppt/slides/slide23.xml><?xml version="1.0" encoding="utf-8"?>
+<file path=ppt/slides/slide22.xml><?xml version="1.0" encoding="utf-8"?>
 <p:sld xmlns:a="http://schemas.openxmlformats.org/drawingml/2006/main" xmlns:r="http://schemas.openxmlformats.org/officeDocument/2006/relationships" xmlns:p="http://schemas.openxmlformats.org/presentationml/2006/main">
   <p:cSld>
     <p:spTree>
@@ -11535,8 +11233,8 @@
           </a:p>
         </p:txBody>
       </p:sp>
-      <mc:AlternateContent xmlns:mc="http://schemas.openxmlformats.org/markup-compatibility/2006">
-        <mc:Choice xmlns:p14="http://schemas.microsoft.com/office/powerpoint/2010/main" Requires="p14">
+      <mc:AlternateContent xmlns:mc="http://schemas.openxmlformats.org/markup-compatibility/2006" xmlns:p14="http://schemas.microsoft.com/office/powerpoint/2010/main">
+        <mc:Choice Requires="p14">
           <p:contentPart p14:bwMode="auto" r:id="rId2">
             <p14:nvContentPartPr>
               <p14:cNvPr id="34" name="Рукописні дані 33">
@@ -11555,7 +11253,7 @@
             </p14:xfrm>
           </p:contentPart>
         </mc:Choice>
-        <mc:Fallback>
+        <mc:Fallback xmlns="">
           <p:pic>
             <p:nvPicPr>
               <p:cNvPr id="34" name="Рукописні дані 33">
@@ -11723,7 +11421,7 @@
 </p:sld>
 </file>
 
-<file path=ppt/slides/slide24.xml><?xml version="1.0" encoding="utf-8"?>
+<file path=ppt/slides/slide23.xml><?xml version="1.0" encoding="utf-8"?>
 <p:sld xmlns:a="http://schemas.openxmlformats.org/drawingml/2006/main" xmlns:r="http://schemas.openxmlformats.org/officeDocument/2006/relationships" xmlns:p="http://schemas.openxmlformats.org/presentationml/2006/main">
   <p:cSld>
     <p:spTree>
@@ -11795,8 +11493,8 @@
           </a:p>
         </p:txBody>
       </p:sp>
-      <mc:AlternateContent xmlns:mc="http://schemas.openxmlformats.org/markup-compatibility/2006">
-        <mc:Choice xmlns:p14="http://schemas.microsoft.com/office/powerpoint/2010/main" Requires="p14">
+      <mc:AlternateContent xmlns:mc="http://schemas.openxmlformats.org/markup-compatibility/2006" xmlns:p14="http://schemas.microsoft.com/office/powerpoint/2010/main">
+        <mc:Choice Requires="p14">
           <p:contentPart p14:bwMode="auto" r:id="rId2">
             <p14:nvContentPartPr>
               <p14:cNvPr id="34" name="Рукописні дані 33">
@@ -11815,7 +11513,7 @@
             </p14:xfrm>
           </p:contentPart>
         </mc:Choice>
-        <mc:Fallback>
+        <mc:Fallback xmlns="">
           <p:pic>
             <p:nvPicPr>
               <p:cNvPr id="34" name="Рукописні дані 33">
@@ -11881,8 +11579,8 @@
           </a:ln>
         </p:spPr>
       </p:pic>
-      <mc:AlternateContent xmlns:mc="http://schemas.openxmlformats.org/markup-compatibility/2006">
-        <mc:Choice xmlns:p14="http://schemas.microsoft.com/office/powerpoint/2010/main" Requires="p14">
+      <mc:AlternateContent xmlns:mc="http://schemas.openxmlformats.org/markup-compatibility/2006" xmlns:p14="http://schemas.microsoft.com/office/powerpoint/2010/main">
+        <mc:Choice Requires="p14">
           <p:contentPart p14:bwMode="auto" r:id="rId5">
             <p14:nvContentPartPr>
               <p14:cNvPr id="6" name="Рукописні дані 5">
@@ -11901,7 +11599,7 @@
             </p14:xfrm>
           </p:contentPart>
         </mc:Choice>
-        <mc:Fallback>
+        <mc:Fallback xmlns="">
           <p:pic>
             <p:nvPicPr>
               <p:cNvPr id="6" name="Рукописні дані 5">
@@ -11932,8 +11630,8 @@
           </p:pic>
         </mc:Fallback>
       </mc:AlternateContent>
-      <mc:AlternateContent xmlns:mc="http://schemas.openxmlformats.org/markup-compatibility/2006">
-        <mc:Choice xmlns:p14="http://schemas.microsoft.com/office/powerpoint/2010/main" Requires="p14">
+      <mc:AlternateContent xmlns:mc="http://schemas.openxmlformats.org/markup-compatibility/2006" xmlns:p14="http://schemas.microsoft.com/office/powerpoint/2010/main">
+        <mc:Choice Requires="p14">
           <p:contentPart p14:bwMode="auto" r:id="rId7">
             <p14:nvContentPartPr>
               <p14:cNvPr id="11" name="Рукописні дані 10">
@@ -11952,7 +11650,7 @@
             </p14:xfrm>
           </p:contentPart>
         </mc:Choice>
-        <mc:Fallback>
+        <mc:Fallback xmlns="">
           <p:pic>
             <p:nvPicPr>
               <p:cNvPr id="11" name="Рукописні дані 10">
@@ -11983,8 +11681,8 @@
           </p:pic>
         </mc:Fallback>
       </mc:AlternateContent>
-      <mc:AlternateContent xmlns:mc="http://schemas.openxmlformats.org/markup-compatibility/2006">
-        <mc:Choice xmlns:p14="http://schemas.microsoft.com/office/powerpoint/2010/main" Requires="p14">
+      <mc:AlternateContent xmlns:mc="http://schemas.openxmlformats.org/markup-compatibility/2006" xmlns:p14="http://schemas.microsoft.com/office/powerpoint/2010/main">
+        <mc:Choice Requires="p14">
           <p:contentPart p14:bwMode="auto" r:id="rId9">
             <p14:nvContentPartPr>
               <p14:cNvPr id="12" name="Рукописні дані 11">
@@ -12003,7 +11701,7 @@
             </p14:xfrm>
           </p:contentPart>
         </mc:Choice>
-        <mc:Fallback>
+        <mc:Fallback xmlns="">
           <p:pic>
             <p:nvPicPr>
               <p:cNvPr id="12" name="Рукописні дані 11">
@@ -12069,8 +11767,8 @@
           </a:ln>
         </p:spPr>
       </p:pic>
-      <mc:AlternateContent xmlns:mc="http://schemas.openxmlformats.org/markup-compatibility/2006">
-        <mc:Choice xmlns:p14="http://schemas.microsoft.com/office/powerpoint/2010/main" Requires="p14">
+      <mc:AlternateContent xmlns:mc="http://schemas.openxmlformats.org/markup-compatibility/2006" xmlns:p14="http://schemas.microsoft.com/office/powerpoint/2010/main">
+        <mc:Choice Requires="p14">
           <p:contentPart p14:bwMode="auto" r:id="rId11">
             <p14:nvContentPartPr>
               <p14:cNvPr id="16" name="Рукописні дані 15">
@@ -12089,7 +11787,7 @@
             </p14:xfrm>
           </p:contentPart>
         </mc:Choice>
-        <mc:Fallback>
+        <mc:Fallback xmlns="">
           <p:pic>
             <p:nvPicPr>
               <p:cNvPr id="16" name="Рукописні дані 15">
@@ -12120,8 +11818,8 @@
           </p:pic>
         </mc:Fallback>
       </mc:AlternateContent>
-      <mc:AlternateContent xmlns:mc="http://schemas.openxmlformats.org/markup-compatibility/2006">
-        <mc:Choice xmlns:p14="http://schemas.microsoft.com/office/powerpoint/2010/main" Requires="p14">
+      <mc:AlternateContent xmlns:mc="http://schemas.openxmlformats.org/markup-compatibility/2006" xmlns:p14="http://schemas.microsoft.com/office/powerpoint/2010/main">
+        <mc:Choice Requires="p14">
           <p:contentPart p14:bwMode="auto" r:id="rId13">
             <p14:nvContentPartPr>
               <p14:cNvPr id="17" name="Рукописні дані 16">
@@ -12140,7 +11838,7 @@
             </p14:xfrm>
           </p:contentPart>
         </mc:Choice>
-        <mc:Fallback>
+        <mc:Fallback xmlns="">
           <p:pic>
             <p:nvPicPr>
               <p:cNvPr id="17" name="Рукописні дані 16">
@@ -12171,8 +11869,8 @@
           </p:pic>
         </mc:Fallback>
       </mc:AlternateContent>
-      <mc:AlternateContent xmlns:mc="http://schemas.openxmlformats.org/markup-compatibility/2006">
-        <mc:Choice xmlns:p14="http://schemas.microsoft.com/office/powerpoint/2010/main" Requires="p14">
+      <mc:AlternateContent xmlns:mc="http://schemas.openxmlformats.org/markup-compatibility/2006" xmlns:p14="http://schemas.microsoft.com/office/powerpoint/2010/main">
+        <mc:Choice Requires="p14">
           <p:contentPart p14:bwMode="auto" r:id="rId15">
             <p14:nvContentPartPr>
               <p14:cNvPr id="20" name="Рукописні дані 19">
@@ -12191,7 +11889,7 @@
             </p14:xfrm>
           </p:contentPart>
         </mc:Choice>
-        <mc:Fallback>
+        <mc:Fallback xmlns="">
           <p:pic>
             <p:nvPicPr>
               <p:cNvPr id="20" name="Рукописні дані 19">
@@ -12222,8 +11920,8 @@
           </p:pic>
         </mc:Fallback>
       </mc:AlternateContent>
-      <mc:AlternateContent xmlns:mc="http://schemas.openxmlformats.org/markup-compatibility/2006">
-        <mc:Choice xmlns:p14="http://schemas.microsoft.com/office/powerpoint/2010/main" Requires="p14">
+      <mc:AlternateContent xmlns:mc="http://schemas.openxmlformats.org/markup-compatibility/2006" xmlns:p14="http://schemas.microsoft.com/office/powerpoint/2010/main">
+        <mc:Choice Requires="p14">
           <p:contentPart p14:bwMode="auto" r:id="rId17">
             <p14:nvContentPartPr>
               <p14:cNvPr id="21" name="Рукописні дані 20">
@@ -12242,7 +11940,7 @@
             </p14:xfrm>
           </p:contentPart>
         </mc:Choice>
-        <mc:Fallback>
+        <mc:Fallback xmlns="">
           <p:pic>
             <p:nvPicPr>
               <p:cNvPr id="21" name="Рукописні дані 20">
@@ -12273,8 +11971,8 @@
           </p:pic>
         </mc:Fallback>
       </mc:AlternateContent>
-      <mc:AlternateContent xmlns:mc="http://schemas.openxmlformats.org/markup-compatibility/2006">
-        <mc:Choice xmlns:p14="http://schemas.microsoft.com/office/powerpoint/2010/main" Requires="p14">
+      <mc:AlternateContent xmlns:mc="http://schemas.openxmlformats.org/markup-compatibility/2006" xmlns:p14="http://schemas.microsoft.com/office/powerpoint/2010/main">
+        <mc:Choice Requires="p14">
           <p:contentPart p14:bwMode="auto" r:id="rId19">
             <p14:nvContentPartPr>
               <p14:cNvPr id="24" name="Рукописні дані 23">
@@ -12293,7 +11991,7 @@
             </p14:xfrm>
           </p:contentPart>
         </mc:Choice>
-        <mc:Fallback>
+        <mc:Fallback xmlns="">
           <p:pic>
             <p:nvPicPr>
               <p:cNvPr id="24" name="Рукописні дані 23">
@@ -12337,7 +12035,7 @@
 </p:sld>
 </file>
 
-<file path=ppt/slides/slide25.xml><?xml version="1.0" encoding="utf-8"?>
+<file path=ppt/slides/slide24.xml><?xml version="1.0" encoding="utf-8"?>
 <p:sld xmlns:a="http://schemas.openxmlformats.org/drawingml/2006/main" xmlns:r="http://schemas.openxmlformats.org/officeDocument/2006/relationships" xmlns:p="http://schemas.openxmlformats.org/presentationml/2006/main">
   <p:cSld>
     <p:spTree>
@@ -12409,8 +12107,8 @@
           </a:p>
         </p:txBody>
       </p:sp>
-      <mc:AlternateContent xmlns:mc="http://schemas.openxmlformats.org/markup-compatibility/2006">
-        <mc:Choice xmlns:p14="http://schemas.microsoft.com/office/powerpoint/2010/main" Requires="p14">
+      <mc:AlternateContent xmlns:mc="http://schemas.openxmlformats.org/markup-compatibility/2006" xmlns:p14="http://schemas.microsoft.com/office/powerpoint/2010/main">
+        <mc:Choice Requires="p14">
           <p:contentPart p14:bwMode="auto" r:id="rId2">
             <p14:nvContentPartPr>
               <p14:cNvPr id="34" name="Рукописні дані 33">
@@ -12429,7 +12127,7 @@
             </p14:xfrm>
           </p:contentPart>
         </mc:Choice>
-        <mc:Fallback>
+        <mc:Fallback xmlns="">
           <p:pic>
             <p:nvPicPr>
               <p:cNvPr id="34" name="Рукописні дані 33">
@@ -12460,8 +12158,8 @@
           </p:pic>
         </mc:Fallback>
       </mc:AlternateContent>
-      <mc:AlternateContent xmlns:mc="http://schemas.openxmlformats.org/markup-compatibility/2006">
-        <mc:Choice xmlns:p14="http://schemas.microsoft.com/office/powerpoint/2010/main" Requires="p14">
+      <mc:AlternateContent xmlns:mc="http://schemas.openxmlformats.org/markup-compatibility/2006" xmlns:p14="http://schemas.microsoft.com/office/powerpoint/2010/main">
+        <mc:Choice Requires="p14">
           <p:contentPart p14:bwMode="auto" r:id="rId4">
             <p14:nvContentPartPr>
               <p14:cNvPr id="12" name="Рукописні дані 11">
@@ -12480,7 +12178,7 @@
             </p14:xfrm>
           </p:contentPart>
         </mc:Choice>
-        <mc:Fallback>
+        <mc:Fallback xmlns="">
           <p:pic>
             <p:nvPicPr>
               <p:cNvPr id="12" name="Рукописні дані 11">
@@ -12541,8 +12239,8 @@
           </a:prstGeom>
         </p:spPr>
       </p:pic>
-      <mc:AlternateContent xmlns:mc="http://schemas.openxmlformats.org/markup-compatibility/2006">
-        <mc:Choice xmlns:p14="http://schemas.microsoft.com/office/powerpoint/2010/main" Requires="p14">
+      <mc:AlternateContent xmlns:mc="http://schemas.openxmlformats.org/markup-compatibility/2006" xmlns:p14="http://schemas.microsoft.com/office/powerpoint/2010/main">
+        <mc:Choice Requires="p14">
           <p:contentPart p14:bwMode="auto" r:id="rId6">
             <p14:nvContentPartPr>
               <p14:cNvPr id="7" name="Рукописні дані 6">
@@ -12561,7 +12259,7 @@
             </p14:xfrm>
           </p:contentPart>
         </mc:Choice>
-        <mc:Fallback>
+        <mc:Fallback xmlns="">
           <p:pic>
             <p:nvPicPr>
               <p:cNvPr id="7" name="Рукописні дані 6">
@@ -12592,8 +12290,8 @@
           </p:pic>
         </mc:Fallback>
       </mc:AlternateContent>
-      <mc:AlternateContent xmlns:mc="http://schemas.openxmlformats.org/markup-compatibility/2006">
-        <mc:Choice xmlns:p14="http://schemas.microsoft.com/office/powerpoint/2010/main" Requires="p14">
+      <mc:AlternateContent xmlns:mc="http://schemas.openxmlformats.org/markup-compatibility/2006" xmlns:p14="http://schemas.microsoft.com/office/powerpoint/2010/main">
+        <mc:Choice Requires="p14">
           <p:contentPart p14:bwMode="auto" r:id="rId8">
             <p14:nvContentPartPr>
               <p14:cNvPr id="9" name="Рукописні дані 8">
@@ -12612,7 +12310,7 @@
             </p14:xfrm>
           </p:contentPart>
         </mc:Choice>
-        <mc:Fallback>
+        <mc:Fallback xmlns="">
           <p:pic>
             <p:nvPicPr>
               <p:cNvPr id="9" name="Рукописні дані 8">
@@ -12656,7 +12354,7 @@
 </p:sld>
 </file>
 
-<file path=ppt/slides/slide26.xml><?xml version="1.0" encoding="utf-8"?>
+<file path=ppt/slides/slide25.xml><?xml version="1.0" encoding="utf-8"?>
 <p:sld xmlns:a="http://schemas.openxmlformats.org/drawingml/2006/main" xmlns:r="http://schemas.openxmlformats.org/officeDocument/2006/relationships" xmlns:p="http://schemas.openxmlformats.org/presentationml/2006/main">
   <p:cSld>
     <p:spTree>
@@ -12771,8 +12469,8 @@
           </a:p>
         </p:txBody>
       </p:sp>
-      <mc:AlternateContent xmlns:mc="http://schemas.openxmlformats.org/markup-compatibility/2006">
-        <mc:Choice xmlns:p14="http://schemas.microsoft.com/office/powerpoint/2010/main" Requires="p14">
+      <mc:AlternateContent xmlns:mc="http://schemas.openxmlformats.org/markup-compatibility/2006" xmlns:p14="http://schemas.microsoft.com/office/powerpoint/2010/main">
+        <mc:Choice Requires="p14">
           <p:contentPart p14:bwMode="auto" r:id="rId2">
             <p14:nvContentPartPr>
               <p14:cNvPr id="34" name="Рукописні дані 33">
@@ -12791,7 +12489,7 @@
             </p14:xfrm>
           </p:contentPart>
         </mc:Choice>
-        <mc:Fallback>
+        <mc:Fallback xmlns="">
           <p:pic>
             <p:nvPicPr>
               <p:cNvPr id="34" name="Рукописні дані 33">
@@ -12857,8 +12555,8 @@
           </a:ln>
         </p:spPr>
       </p:pic>
-      <mc:AlternateContent xmlns:mc="http://schemas.openxmlformats.org/markup-compatibility/2006">
-        <mc:Choice xmlns:p14="http://schemas.microsoft.com/office/powerpoint/2010/main" Requires="p14">
+      <mc:AlternateContent xmlns:mc="http://schemas.openxmlformats.org/markup-compatibility/2006" xmlns:p14="http://schemas.microsoft.com/office/powerpoint/2010/main">
+        <mc:Choice Requires="p14">
           <p:contentPart p14:bwMode="auto" r:id="rId5">
             <p14:nvContentPartPr>
               <p14:cNvPr id="9" name="Рукописні дані 8">
@@ -12877,7 +12575,7 @@
             </p14:xfrm>
           </p:contentPart>
         </mc:Choice>
-        <mc:Fallback>
+        <mc:Fallback xmlns="">
           <p:pic>
             <p:nvPicPr>
               <p:cNvPr id="9" name="Рукописні дані 8">
@@ -13094,8 +12792,8 @@
             <a:chExt cx="4201920" cy="1094400"/>
           </a:xfrm>
         </p:grpSpPr>
-        <mc:AlternateContent xmlns:mc="http://schemas.openxmlformats.org/markup-compatibility/2006">
-          <mc:Choice xmlns:p14="http://schemas.microsoft.com/office/powerpoint/2010/main" Requires="p14">
+        <mc:AlternateContent xmlns:mc="http://schemas.openxmlformats.org/markup-compatibility/2006" xmlns:p14="http://schemas.microsoft.com/office/powerpoint/2010/main">
+          <mc:Choice Requires="p14">
             <p:contentPart p14:bwMode="auto" r:id="rId8">
               <p14:nvContentPartPr>
                 <p14:cNvPr id="24" name="Рукописні дані 23">
@@ -13114,7 +12812,7 @@
               </p14:xfrm>
             </p:contentPart>
           </mc:Choice>
-          <mc:Fallback>
+          <mc:Fallback xmlns="">
             <p:pic>
               <p:nvPicPr>
                 <p:cNvPr id="24" name="Рукописні дані 23">
@@ -13145,8 +12843,8 @@
             </p:pic>
           </mc:Fallback>
         </mc:AlternateContent>
-        <mc:AlternateContent xmlns:mc="http://schemas.openxmlformats.org/markup-compatibility/2006">
-          <mc:Choice xmlns:p14="http://schemas.microsoft.com/office/powerpoint/2010/main" Requires="p14">
+        <mc:AlternateContent xmlns:mc="http://schemas.openxmlformats.org/markup-compatibility/2006" xmlns:p14="http://schemas.microsoft.com/office/powerpoint/2010/main">
+          <mc:Choice Requires="p14">
             <p:contentPart p14:bwMode="auto" r:id="rId10">
               <p14:nvContentPartPr>
                 <p14:cNvPr id="25" name="Рукописні дані 24">
@@ -13165,7 +12863,7 @@
               </p14:xfrm>
             </p:contentPart>
           </mc:Choice>
-          <mc:Fallback>
+          <mc:Fallback xmlns="">
             <p:pic>
               <p:nvPicPr>
                 <p:cNvPr id="25" name="Рукописні дані 24">
@@ -13255,8 +12953,8 @@
           </a:p>
         </p:txBody>
       </p:sp>
-      <mc:AlternateContent xmlns:mc="http://schemas.openxmlformats.org/markup-compatibility/2006">
-        <mc:Choice xmlns:p14="http://schemas.microsoft.com/office/powerpoint/2010/main" Requires="p14">
+      <mc:AlternateContent xmlns:mc="http://schemas.openxmlformats.org/markup-compatibility/2006" xmlns:p14="http://schemas.microsoft.com/office/powerpoint/2010/main">
+        <mc:Choice Requires="p14">
           <p:contentPart p14:bwMode="auto" r:id="rId12">
             <p14:nvContentPartPr>
               <p14:cNvPr id="2" name="Рукописні дані 1">
@@ -13275,7 +12973,7 @@
             </p14:xfrm>
           </p:contentPart>
         </mc:Choice>
-        <mc:Fallback>
+        <mc:Fallback xmlns="">
           <p:pic>
             <p:nvPicPr>
               <p:cNvPr id="2" name="Рукописні дані 1">
@@ -13385,7 +13083,7 @@
 </p:sld>
 </file>
 
-<file path=ppt/slides/slide27.xml><?xml version="1.0" encoding="utf-8"?>
+<file path=ppt/slides/slide26.xml><?xml version="1.0" encoding="utf-8"?>
 <p:sld xmlns:a="http://schemas.openxmlformats.org/drawingml/2006/main" xmlns:r="http://schemas.openxmlformats.org/officeDocument/2006/relationships" xmlns:p="http://schemas.openxmlformats.org/presentationml/2006/main">
   <p:cSld>
     <p:spTree>
@@ -13448,8 +13146,8 @@
           </a:p>
         </p:txBody>
       </p:sp>
-      <mc:AlternateContent xmlns:mc="http://schemas.openxmlformats.org/markup-compatibility/2006">
-        <mc:Choice xmlns:p14="http://schemas.microsoft.com/office/powerpoint/2010/main" Requires="p14">
+      <mc:AlternateContent xmlns:mc="http://schemas.openxmlformats.org/markup-compatibility/2006" xmlns:p14="http://schemas.microsoft.com/office/powerpoint/2010/main">
+        <mc:Choice Requires="p14">
           <p:contentPart p14:bwMode="auto" r:id="rId2">
             <p14:nvContentPartPr>
               <p14:cNvPr id="34" name="Рукописні дані 33">
@@ -13468,7 +13166,7 @@
             </p14:xfrm>
           </p:contentPart>
         </mc:Choice>
-        <mc:Fallback>
+        <mc:Fallback xmlns="">
           <p:pic>
             <p:nvPicPr>
               <p:cNvPr id="34" name="Рукописні дані 33">
@@ -13597,8 +13295,8 @@
           </a:p>
         </p:txBody>
       </p:sp>
-      <mc:AlternateContent xmlns:mc="http://schemas.openxmlformats.org/markup-compatibility/2006">
-        <mc:Choice xmlns:p14="http://schemas.microsoft.com/office/powerpoint/2010/main" Requires="p14">
+      <mc:AlternateContent xmlns:mc="http://schemas.openxmlformats.org/markup-compatibility/2006" xmlns:p14="http://schemas.microsoft.com/office/powerpoint/2010/main">
+        <mc:Choice Requires="p14">
           <p:contentPart p14:bwMode="auto" r:id="rId4">
             <p14:nvContentPartPr>
               <p14:cNvPr id="6" name="Рукописні дані 5">
@@ -13617,7 +13315,7 @@
             </p14:xfrm>
           </p:contentPart>
         </mc:Choice>
-        <mc:Fallback>
+        <mc:Fallback xmlns="">
           <p:pic>
             <p:nvPicPr>
               <p:cNvPr id="6" name="Рукописні дані 5">
@@ -13725,8 +13423,8 @@
           </a:prstGeom>
         </p:spPr>
       </p:pic>
-      <mc:AlternateContent xmlns:mc="http://schemas.openxmlformats.org/markup-compatibility/2006">
-        <mc:Choice xmlns:p14="http://schemas.microsoft.com/office/powerpoint/2010/main" Requires="p14">
+      <mc:AlternateContent xmlns:mc="http://schemas.openxmlformats.org/markup-compatibility/2006" xmlns:p14="http://schemas.microsoft.com/office/powerpoint/2010/main">
+        <mc:Choice Requires="p14">
           <p:contentPart p14:bwMode="auto" r:id="rId7">
             <p14:nvContentPartPr>
               <p14:cNvPr id="7" name="Рукописні дані 6">
@@ -13745,7 +13443,7 @@
             </p14:xfrm>
           </p:contentPart>
         </mc:Choice>
-        <mc:Fallback>
+        <mc:Fallback xmlns="">
           <p:pic>
             <p:nvPicPr>
               <p:cNvPr id="7" name="Рукописні дані 6">
@@ -13819,7 +13517,7 @@
 </p:sld>
 </file>
 
-<file path=ppt/slides/slide28.xml><?xml version="1.0" encoding="utf-8"?>
+<file path=ppt/slides/slide27.xml><?xml version="1.0" encoding="utf-8"?>
 <p:sld xmlns:a="http://schemas.openxmlformats.org/drawingml/2006/main" xmlns:r="http://schemas.openxmlformats.org/officeDocument/2006/relationships" xmlns:p="http://schemas.openxmlformats.org/presentationml/2006/main">
   <p:cSld>
     <p:spTree>
@@ -13882,8 +13580,8 @@
           </a:p>
         </p:txBody>
       </p:sp>
-      <mc:AlternateContent xmlns:mc="http://schemas.openxmlformats.org/markup-compatibility/2006">
-        <mc:Choice xmlns:p14="http://schemas.microsoft.com/office/powerpoint/2010/main" Requires="p14">
+      <mc:AlternateContent xmlns:mc="http://schemas.openxmlformats.org/markup-compatibility/2006" xmlns:p14="http://schemas.microsoft.com/office/powerpoint/2010/main">
+        <mc:Choice Requires="p14">
           <p:contentPart p14:bwMode="auto" r:id="rId2">
             <p14:nvContentPartPr>
               <p14:cNvPr id="34" name="Рукописні дані 33">
@@ -13902,7 +13600,7 @@
             </p14:xfrm>
           </p:contentPart>
         </mc:Choice>
-        <mc:Fallback>
+        <mc:Fallback xmlns="">
           <p:pic>
             <p:nvPicPr>
               <p:cNvPr id="34" name="Рукописні дані 33">
@@ -14024,8 +13722,8 @@
           </a:prstGeom>
         </p:spPr>
       </p:pic>
-      <mc:AlternateContent xmlns:mc="http://schemas.openxmlformats.org/markup-compatibility/2006">
-        <mc:Choice xmlns:p14="http://schemas.microsoft.com/office/powerpoint/2010/main" Requires="p14">
+      <mc:AlternateContent xmlns:mc="http://schemas.openxmlformats.org/markup-compatibility/2006" xmlns:p14="http://schemas.microsoft.com/office/powerpoint/2010/main">
+        <mc:Choice Requires="p14">
           <p:contentPart p14:bwMode="auto" r:id="rId5">
             <p14:nvContentPartPr>
               <p14:cNvPr id="11" name="Рукописні дані 10">
@@ -14044,7 +13742,7 @@
             </p14:xfrm>
           </p:contentPart>
         </mc:Choice>
-        <mc:Fallback>
+        <mc:Fallback xmlns="">
           <p:pic>
             <p:nvPicPr>
               <p:cNvPr id="11" name="Рукописні дані 10">
@@ -14075,8 +13773,8 @@
           </p:pic>
         </mc:Fallback>
       </mc:AlternateContent>
-      <mc:AlternateContent xmlns:mc="http://schemas.openxmlformats.org/markup-compatibility/2006">
-        <mc:Choice xmlns:p14="http://schemas.microsoft.com/office/powerpoint/2010/main" Requires="p14">
+      <mc:AlternateContent xmlns:mc="http://schemas.openxmlformats.org/markup-compatibility/2006" xmlns:p14="http://schemas.microsoft.com/office/powerpoint/2010/main">
+        <mc:Choice Requires="p14">
           <p:contentPart p14:bwMode="auto" r:id="rId7">
             <p14:nvContentPartPr>
               <p14:cNvPr id="12" name="Рукописні дані 11">
@@ -14095,7 +13793,7 @@
             </p14:xfrm>
           </p:contentPart>
         </mc:Choice>
-        <mc:Fallback>
+        <mc:Fallback xmlns="">
           <p:pic>
             <p:nvPicPr>
               <p:cNvPr id="12" name="Рукописні дані 11">
@@ -14126,8 +13824,8 @@
           </p:pic>
         </mc:Fallback>
       </mc:AlternateContent>
-      <mc:AlternateContent xmlns:mc="http://schemas.openxmlformats.org/markup-compatibility/2006">
-        <mc:Choice xmlns:p14="http://schemas.microsoft.com/office/powerpoint/2010/main" Requires="p14">
+      <mc:AlternateContent xmlns:mc="http://schemas.openxmlformats.org/markup-compatibility/2006" xmlns:p14="http://schemas.microsoft.com/office/powerpoint/2010/main">
+        <mc:Choice Requires="p14">
           <p:contentPart p14:bwMode="auto" r:id="rId9">
             <p14:nvContentPartPr>
               <p14:cNvPr id="13" name="Рукописні дані 12">
@@ -14146,7 +13844,7 @@
             </p14:xfrm>
           </p:contentPart>
         </mc:Choice>
-        <mc:Fallback>
+        <mc:Fallback xmlns="">
           <p:pic>
             <p:nvPicPr>
               <p:cNvPr id="13" name="Рукописні дані 12">
@@ -14177,8 +13875,8 @@
           </p:pic>
         </mc:Fallback>
       </mc:AlternateContent>
-      <mc:AlternateContent xmlns:mc="http://schemas.openxmlformats.org/markup-compatibility/2006">
-        <mc:Choice xmlns:p14="http://schemas.microsoft.com/office/powerpoint/2010/main" Requires="p14">
+      <mc:AlternateContent xmlns:mc="http://schemas.openxmlformats.org/markup-compatibility/2006" xmlns:p14="http://schemas.microsoft.com/office/powerpoint/2010/main">
+        <mc:Choice Requires="p14">
           <p:contentPart p14:bwMode="auto" r:id="rId11">
             <p14:nvContentPartPr>
               <p14:cNvPr id="14" name="Рукописні дані 13">
@@ -14197,7 +13895,7 @@
             </p14:xfrm>
           </p:contentPart>
         </mc:Choice>
-        <mc:Fallback>
+        <mc:Fallback xmlns="">
           <p:pic>
             <p:nvPicPr>
               <p:cNvPr id="14" name="Рукописні дані 13">
@@ -14258,8 +13956,8 @@
           </a:prstGeom>
         </p:spPr>
       </p:pic>
-      <mc:AlternateContent xmlns:mc="http://schemas.openxmlformats.org/markup-compatibility/2006">
-        <mc:Choice xmlns:p14="http://schemas.microsoft.com/office/powerpoint/2010/main" Requires="p14">
+      <mc:AlternateContent xmlns:mc="http://schemas.openxmlformats.org/markup-compatibility/2006" xmlns:p14="http://schemas.microsoft.com/office/powerpoint/2010/main">
+        <mc:Choice Requires="p14">
           <p:contentPart p14:bwMode="auto" r:id="rId13">
             <p14:nvContentPartPr>
               <p14:cNvPr id="19" name="Рукописні дані 18">
@@ -14278,7 +13976,7 @@
             </p14:xfrm>
           </p:contentPart>
         </mc:Choice>
-        <mc:Fallback>
+        <mc:Fallback xmlns="">
           <p:pic>
             <p:nvPicPr>
               <p:cNvPr id="19" name="Рукописні дані 18">
@@ -14370,7 +14068,7 @@
 </p:sld>
 </file>
 
-<file path=ppt/slides/slide29.xml><?xml version="1.0" encoding="utf-8"?>
+<file path=ppt/slides/slide28.xml><?xml version="1.0" encoding="utf-8"?>
 <p:sld xmlns:a="http://schemas.openxmlformats.org/drawingml/2006/main" xmlns:r="http://schemas.openxmlformats.org/officeDocument/2006/relationships" xmlns:p="http://schemas.openxmlformats.org/presentationml/2006/main">
   <p:cSld>
     <p:spTree>
@@ -14433,8 +14131,8 @@
           </a:p>
         </p:txBody>
       </p:sp>
-      <mc:AlternateContent xmlns:mc="http://schemas.openxmlformats.org/markup-compatibility/2006">
-        <mc:Choice xmlns:p14="http://schemas.microsoft.com/office/powerpoint/2010/main" Requires="p14">
+      <mc:AlternateContent xmlns:mc="http://schemas.openxmlformats.org/markup-compatibility/2006" xmlns:p14="http://schemas.microsoft.com/office/powerpoint/2010/main">
+        <mc:Choice Requires="p14">
           <p:contentPart p14:bwMode="auto" r:id="rId2">
             <p14:nvContentPartPr>
               <p14:cNvPr id="34" name="Рукописні дані 33">
@@ -14453,7 +14151,7 @@
             </p14:xfrm>
           </p:contentPart>
         </mc:Choice>
-        <mc:Fallback>
+        <mc:Fallback xmlns="">
           <p:pic>
             <p:nvPicPr>
               <p:cNvPr id="34" name="Рукописні дані 33">
@@ -14532,8 +14230,8 @@
           </a:p>
         </p:txBody>
       </p:sp>
-      <mc:AlternateContent xmlns:mc="http://schemas.openxmlformats.org/markup-compatibility/2006">
-        <mc:Choice xmlns:p14="http://schemas.microsoft.com/office/powerpoint/2010/main" Requires="p14">
+      <mc:AlternateContent xmlns:mc="http://schemas.openxmlformats.org/markup-compatibility/2006" xmlns:p14="http://schemas.microsoft.com/office/powerpoint/2010/main">
+        <mc:Choice Requires="p14">
           <p:contentPart p14:bwMode="auto" r:id="rId4">
             <p14:nvContentPartPr>
               <p14:cNvPr id="14" name="Рукописні дані 13">
@@ -14552,7 +14250,7 @@
             </p14:xfrm>
           </p:contentPart>
         </mc:Choice>
-        <mc:Fallback>
+        <mc:Fallback xmlns="">
           <p:pic>
             <p:nvPicPr>
               <p:cNvPr id="14" name="Рукописні дані 13">
@@ -14626,156 +14324,7 @@
 </p:sld>
 </file>
 
-<file path=ppt/slides/slide3.xml><?xml version="1.0" encoding="utf-8"?>
-<p:sld xmlns:a="http://schemas.openxmlformats.org/drawingml/2006/main" xmlns:r="http://schemas.openxmlformats.org/officeDocument/2006/relationships" xmlns:p="http://schemas.openxmlformats.org/presentationml/2006/main">
-  <p:cSld>
-    <p:bg>
-      <p:bgPr>
-        <a:gradFill flip="none" rotWithShape="1">
-          <a:gsLst>
-            <a:gs pos="0">
-              <a:schemeClr val="accent1">
-                <a:lumMod val="5000"/>
-                <a:lumOff val="95000"/>
-              </a:schemeClr>
-            </a:gs>
-            <a:gs pos="50000">
-              <a:schemeClr val="accent4">
-                <a:lumMod val="40000"/>
-                <a:lumOff val="60000"/>
-              </a:schemeClr>
-            </a:gs>
-            <a:gs pos="59000">
-              <a:schemeClr val="accent1">
-                <a:lumMod val="20000"/>
-                <a:lumOff val="80000"/>
-              </a:schemeClr>
-            </a:gs>
-            <a:gs pos="100000">
-              <a:schemeClr val="accent1">
-                <a:lumMod val="30000"/>
-                <a:lumOff val="70000"/>
-              </a:schemeClr>
-            </a:gs>
-          </a:gsLst>
-          <a:lin ang="16200000" scaled="0"/>
-          <a:tileRect/>
-        </a:gradFill>
-        <a:effectLst/>
-      </p:bgPr>
-    </p:bg>
-    <p:spTree>
-      <p:nvGrpSpPr>
-        <p:cNvPr id="1" name=""/>
-        <p:cNvGrpSpPr/>
-        <p:nvPr/>
-      </p:nvGrpSpPr>
-      <p:grpSpPr>
-        <a:xfrm>
-          <a:off x="0" y="0"/>
-          <a:ext cx="0" cy="0"/>
-          <a:chOff x="0" y="0"/>
-          <a:chExt cx="0" cy="0"/>
-        </a:xfrm>
-      </p:grpSpPr>
-      <p:sp>
-        <p:nvSpPr>
-          <p:cNvPr id="2" name="Заголовок 1">
-            <a:extLst>
-              <a:ext uri="{FF2B5EF4-FFF2-40B4-BE49-F238E27FC236}">
-                <a16:creationId xmlns:a16="http://schemas.microsoft.com/office/drawing/2014/main" id="{D2DBF401-051A-4776-847A-918736DB54BA}"/>
-              </a:ext>
-            </a:extLst>
-          </p:cNvPr>
-          <p:cNvSpPr>
-            <a:spLocks noGrp="1"/>
-          </p:cNvSpPr>
-          <p:nvPr>
-            <p:ph type="ctrTitle"/>
-          </p:nvPr>
-        </p:nvSpPr>
-        <p:spPr>
-          <a:xfrm>
-            <a:off x="1171853" y="454089"/>
-            <a:ext cx="9590468" cy="4537710"/>
-          </a:xfrm>
-        </p:spPr>
-        <p:txBody>
-          <a:bodyPr>
-            <a:normAutofit fontScale="90000"/>
-          </a:bodyPr>
-          <a:lstStyle/>
-          <a:p>
-            <a:br>
-              <a:rPr lang="uk-UA" b="1">
-                <a:latin typeface="SchoolBookCTT" pitchFamily="2" charset="0"/>
-              </a:rPr>
-            </a:br>
-            <a:br>
-              <a:rPr lang="uk-UA" sz="3600" b="1">
-                <a:latin typeface="SchoolBookCTT" pitchFamily="2" charset="0"/>
-              </a:rPr>
-            </a:br>
-            <a:br>
-              <a:rPr lang="uk-UA" b="1">
-                <a:latin typeface="SchoolBookCTT" pitchFamily="2" charset="0"/>
-              </a:rPr>
-            </a:br>
-            <a:r>
-              <a:rPr lang="en-US" sz="10700" b="1">
-                <a:solidFill>
-                  <a:srgbClr val="0070C0"/>
-                </a:solidFill>
-                <a:latin typeface="SchoolBookCTT" pitchFamily="2" charset="0"/>
-              </a:rPr>
-              <a:t>Git</a:t>
-            </a:r>
-            <a:br>
-              <a:rPr lang="uk-UA" b="1">
-                <a:solidFill>
-                  <a:srgbClr val="0070C0"/>
-                </a:solidFill>
-                <a:latin typeface="SchoolBookCTT" pitchFamily="2" charset="0"/>
-              </a:rPr>
-            </a:br>
-            <a:br>
-              <a:rPr lang="uk-UA" sz="3100" b="1">
-                <a:latin typeface="SchoolBookCTT" pitchFamily="2" charset="0"/>
-              </a:rPr>
-            </a:br>
-            <a:br>
-              <a:rPr lang="uk-UA" sz="3100" b="1">
-                <a:latin typeface="SchoolBookCTT" pitchFamily="2" charset="0"/>
-              </a:rPr>
-            </a:br>
-            <a:br>
-              <a:rPr lang="uk-UA" sz="2400" b="1">
-                <a:solidFill>
-                  <a:srgbClr val="FF0000"/>
-                </a:solidFill>
-                <a:latin typeface="SchoolBookCTT" pitchFamily="2" charset="0"/>
-              </a:rPr>
-            </a:br>
-            <a:endParaRPr lang="uk-UA" sz="2400" b="1">
-              <a:latin typeface="SchoolBookCTT" pitchFamily="2" charset="0"/>
-            </a:endParaRPr>
-          </a:p>
-        </p:txBody>
-      </p:sp>
-    </p:spTree>
-    <p:extLst>
-      <p:ext uri="{BB962C8B-B14F-4D97-AF65-F5344CB8AC3E}">
-        <p14:creationId xmlns:p14="http://schemas.microsoft.com/office/powerpoint/2010/main" val="425924951"/>
-      </p:ext>
-    </p:extLst>
-  </p:cSld>
-  <p:clrMapOvr>
-    <a:masterClrMapping/>
-  </p:clrMapOvr>
-</p:sld>
-</file>
-
-<file path=ppt/slides/slide30.xml><?xml version="1.0" encoding="utf-8"?>
+<file path=ppt/slides/slide29.xml><?xml version="1.0" encoding="utf-8"?>
 <p:sld xmlns:a="http://schemas.openxmlformats.org/drawingml/2006/main" xmlns:r="http://schemas.openxmlformats.org/officeDocument/2006/relationships" xmlns:p="http://schemas.openxmlformats.org/presentationml/2006/main">
   <p:cSld>
     <p:spTree>
@@ -14847,8 +14396,8 @@
           </a:p>
         </p:txBody>
       </p:sp>
-      <mc:AlternateContent xmlns:mc="http://schemas.openxmlformats.org/markup-compatibility/2006">
-        <mc:Choice xmlns:p14="http://schemas.microsoft.com/office/powerpoint/2010/main" Requires="p14">
+      <mc:AlternateContent xmlns:mc="http://schemas.openxmlformats.org/markup-compatibility/2006" xmlns:p14="http://schemas.microsoft.com/office/powerpoint/2010/main">
+        <mc:Choice Requires="p14">
           <p:contentPart p14:bwMode="auto" r:id="rId2">
             <p14:nvContentPartPr>
               <p14:cNvPr id="34" name="Рукописні дані 33">
@@ -14867,7 +14416,7 @@
             </p14:xfrm>
           </p:contentPart>
         </mc:Choice>
-        <mc:Fallback>
+        <mc:Fallback xmlns="">
           <p:pic>
             <p:nvPicPr>
               <p:cNvPr id="34" name="Рукописні дані 33">
@@ -14946,8 +14495,8 @@
           </a:p>
         </p:txBody>
       </p:sp>
-      <mc:AlternateContent xmlns:mc="http://schemas.openxmlformats.org/markup-compatibility/2006">
-        <mc:Choice xmlns:p14="http://schemas.microsoft.com/office/powerpoint/2010/main" Requires="p14">
+      <mc:AlternateContent xmlns:mc="http://schemas.openxmlformats.org/markup-compatibility/2006" xmlns:p14="http://schemas.microsoft.com/office/powerpoint/2010/main">
+        <mc:Choice Requires="p14">
           <p:contentPart p14:bwMode="auto" r:id="rId4">
             <p14:nvContentPartPr>
               <p14:cNvPr id="14" name="Рукописні дані 13">
@@ -14966,7 +14515,7 @@
             </p14:xfrm>
           </p:contentPart>
         </mc:Choice>
-        <mc:Fallback>
+        <mc:Fallback xmlns="">
           <p:pic>
             <p:nvPicPr>
               <p:cNvPr id="14" name="Рукописні дані 13">
@@ -15040,7 +14589,7 @@
 </p:sld>
 </file>
 
-<file path=ppt/slides/slide4.xml><?xml version="1.0" encoding="utf-8"?>
+<file path=ppt/slides/slide3.xml><?xml version="1.0" encoding="utf-8"?>
 <p:sld xmlns:a="http://schemas.openxmlformats.org/drawingml/2006/main" xmlns:r="http://schemas.openxmlformats.org/officeDocument/2006/relationships" xmlns:p="http://schemas.openxmlformats.org/presentationml/2006/main">
   <p:cSld>
     <p:spTree>
@@ -15175,6 +14724,181 @@
     <p:extLst>
       <p:ext uri="{BB962C8B-B14F-4D97-AF65-F5344CB8AC3E}">
         <p14:creationId xmlns:p14="http://schemas.microsoft.com/office/powerpoint/2010/main" val="1593836141"/>
+      </p:ext>
+    </p:extLst>
+  </p:cSld>
+  <p:clrMapOvr>
+    <a:masterClrMapping/>
+  </p:clrMapOvr>
+</p:sld>
+</file>
+
+<file path=ppt/slides/slide4.xml><?xml version="1.0" encoding="utf-8"?>
+<p:sld xmlns:a="http://schemas.openxmlformats.org/drawingml/2006/main" xmlns:r="http://schemas.openxmlformats.org/officeDocument/2006/relationships" xmlns:p="http://schemas.openxmlformats.org/presentationml/2006/main">
+  <p:cSld>
+    <p:bg>
+      <p:bgPr>
+        <a:gradFill flip="none" rotWithShape="1">
+          <a:gsLst>
+            <a:gs pos="0">
+              <a:schemeClr val="accent1">
+                <a:lumMod val="5000"/>
+                <a:lumOff val="95000"/>
+              </a:schemeClr>
+            </a:gs>
+            <a:gs pos="50000">
+              <a:schemeClr val="accent4">
+                <a:lumMod val="40000"/>
+                <a:lumOff val="60000"/>
+              </a:schemeClr>
+            </a:gs>
+            <a:gs pos="59000">
+              <a:schemeClr val="accent1">
+                <a:lumMod val="20000"/>
+                <a:lumOff val="80000"/>
+              </a:schemeClr>
+            </a:gs>
+            <a:gs pos="100000">
+              <a:schemeClr val="accent1">
+                <a:lumMod val="30000"/>
+                <a:lumOff val="70000"/>
+              </a:schemeClr>
+            </a:gs>
+          </a:gsLst>
+          <a:lin ang="7200000" scaled="0"/>
+          <a:tileRect/>
+        </a:gradFill>
+        <a:effectLst/>
+      </p:bgPr>
+    </p:bg>
+    <p:spTree>
+      <p:nvGrpSpPr>
+        <p:cNvPr id="1" name=""/>
+        <p:cNvGrpSpPr/>
+        <p:nvPr/>
+      </p:nvGrpSpPr>
+      <p:grpSpPr>
+        <a:xfrm>
+          <a:off x="0" y="0"/>
+          <a:ext cx="0" cy="0"/>
+          <a:chOff x="0" y="0"/>
+          <a:chExt cx="0" cy="0"/>
+        </a:xfrm>
+      </p:grpSpPr>
+      <p:sp>
+        <p:nvSpPr>
+          <p:cNvPr id="4" name="Заголовок 3">
+            <a:extLst>
+              <a:ext uri="{FF2B5EF4-FFF2-40B4-BE49-F238E27FC236}">
+                <a16:creationId xmlns:a16="http://schemas.microsoft.com/office/drawing/2014/main" id="{8FE2BCA8-E83D-429B-887D-6FBFF82E5C4F}"/>
+              </a:ext>
+            </a:extLst>
+          </p:cNvPr>
+          <p:cNvSpPr>
+            <a:spLocks noGrp="1"/>
+          </p:cNvSpPr>
+          <p:nvPr>
+            <p:ph type="ctrTitle"/>
+          </p:nvPr>
+        </p:nvSpPr>
+        <p:spPr>
+          <a:xfrm>
+            <a:off x="1330932" y="224385"/>
+            <a:ext cx="9144000" cy="861161"/>
+          </a:xfrm>
+        </p:spPr>
+        <p:txBody>
+          <a:bodyPr>
+            <a:normAutofit fontScale="90000"/>
+          </a:bodyPr>
+          <a:lstStyle/>
+          <a:p>
+            <a:r>
+              <a:rPr lang="uk-UA" sz="4000" b="1">
+                <a:solidFill>
+                  <a:srgbClr val="0070C0"/>
+                </a:solidFill>
+                <a:latin typeface="SchoolBookCTT" pitchFamily="2" charset="0"/>
+              </a:rPr>
+              <a:t>Зберігання версій та сумісна робота</a:t>
+            </a:r>
+            <a:endParaRPr lang="ru-RU" sz="4000" b="1">
+              <a:solidFill>
+                <a:srgbClr val="0070C0"/>
+              </a:solidFill>
+              <a:latin typeface="SchoolBookCTT" pitchFamily="2" charset="0"/>
+            </a:endParaRPr>
+          </a:p>
+        </p:txBody>
+      </p:sp>
+      <p:pic>
+        <p:nvPicPr>
+          <p:cNvPr id="6" name="Рисунок 5">
+            <a:extLst>
+              <a:ext uri="{FF2B5EF4-FFF2-40B4-BE49-F238E27FC236}">
+                <a16:creationId xmlns:a16="http://schemas.microsoft.com/office/drawing/2014/main" id="{FCAA5F7D-DE83-667E-3226-D3A537558C3F}"/>
+              </a:ext>
+            </a:extLst>
+          </p:cNvPr>
+          <p:cNvPicPr>
+            <a:picLocks noChangeAspect="1"/>
+          </p:cNvPicPr>
+          <p:nvPr/>
+        </p:nvPicPr>
+        <p:blipFill rotWithShape="1">
+          <a:blip r:embed="rId3"/>
+          <a:srcRect l="620" t="827" r="654"/>
+          <a:stretch/>
+        </p:blipFill>
+        <p:spPr>
+          <a:xfrm>
+            <a:off x="189614" y="1169401"/>
+            <a:ext cx="5498805" cy="3759206"/>
+          </a:xfrm>
+          <a:prstGeom prst="rect">
+            <a:avLst/>
+          </a:prstGeom>
+          <a:ln>
+            <a:solidFill>
+              <a:schemeClr val="accent1"/>
+            </a:solidFill>
+          </a:ln>
+        </p:spPr>
+      </p:pic>
+      <p:pic>
+        <p:nvPicPr>
+          <p:cNvPr id="7" name="Рисунок 6">
+            <a:extLst>
+              <a:ext uri="{FF2B5EF4-FFF2-40B4-BE49-F238E27FC236}">
+                <a16:creationId xmlns:a16="http://schemas.microsoft.com/office/drawing/2014/main" id="{980B3C43-D138-7FD7-AC3D-E5BACB67DD66}"/>
+              </a:ext>
+            </a:extLst>
+          </p:cNvPr>
+          <p:cNvPicPr>
+            <a:picLocks noChangeAspect="1"/>
+          </p:cNvPicPr>
+          <p:nvPr/>
+        </p:nvPicPr>
+        <p:blipFill>
+          <a:blip r:embed="rId4"/>
+          <a:stretch>
+            <a:fillRect/>
+          </a:stretch>
+        </p:blipFill>
+        <p:spPr>
+          <a:xfrm>
+            <a:off x="5189404" y="3158286"/>
+            <a:ext cx="6812982" cy="3540642"/>
+          </a:xfrm>
+          <a:prstGeom prst="rect">
+            <a:avLst/>
+          </a:prstGeom>
+        </p:spPr>
+      </p:pic>
+    </p:spTree>
+    <p:extLst>
+      <p:ext uri="{BB962C8B-B14F-4D97-AF65-F5344CB8AC3E}">
+        <p14:creationId xmlns:p14="http://schemas.microsoft.com/office/powerpoint/2010/main" val="2261169056"/>
       </p:ext>
     </p:extLst>
   </p:cSld>
@@ -15254,181 +14978,6 @@
         </p:nvSpPr>
         <p:spPr>
           <a:xfrm>
-            <a:off x="1330932" y="224385"/>
-            <a:ext cx="9144000" cy="861161"/>
-          </a:xfrm>
-        </p:spPr>
-        <p:txBody>
-          <a:bodyPr>
-            <a:normAutofit fontScale="90000"/>
-          </a:bodyPr>
-          <a:lstStyle/>
-          <a:p>
-            <a:r>
-              <a:rPr lang="uk-UA" sz="4000" b="1">
-                <a:solidFill>
-                  <a:srgbClr val="0070C0"/>
-                </a:solidFill>
-                <a:latin typeface="SchoolBookCTT" pitchFamily="2" charset="0"/>
-              </a:rPr>
-              <a:t>Зберігання версій та сумісна робота</a:t>
-            </a:r>
-            <a:endParaRPr lang="ru-RU" sz="4000" b="1">
-              <a:solidFill>
-                <a:srgbClr val="0070C0"/>
-              </a:solidFill>
-              <a:latin typeface="SchoolBookCTT" pitchFamily="2" charset="0"/>
-            </a:endParaRPr>
-          </a:p>
-        </p:txBody>
-      </p:sp>
-      <p:pic>
-        <p:nvPicPr>
-          <p:cNvPr id="6" name="Рисунок 5">
-            <a:extLst>
-              <a:ext uri="{FF2B5EF4-FFF2-40B4-BE49-F238E27FC236}">
-                <a16:creationId xmlns:a16="http://schemas.microsoft.com/office/drawing/2014/main" id="{FCAA5F7D-DE83-667E-3226-D3A537558C3F}"/>
-              </a:ext>
-            </a:extLst>
-          </p:cNvPr>
-          <p:cNvPicPr>
-            <a:picLocks noChangeAspect="1"/>
-          </p:cNvPicPr>
-          <p:nvPr/>
-        </p:nvPicPr>
-        <p:blipFill rotWithShape="1">
-          <a:blip r:embed="rId3"/>
-          <a:srcRect l="620" t="827" r="654"/>
-          <a:stretch/>
-        </p:blipFill>
-        <p:spPr>
-          <a:xfrm>
-            <a:off x="189614" y="1169401"/>
-            <a:ext cx="5498805" cy="3759206"/>
-          </a:xfrm>
-          <a:prstGeom prst="rect">
-            <a:avLst/>
-          </a:prstGeom>
-          <a:ln>
-            <a:solidFill>
-              <a:schemeClr val="accent1"/>
-            </a:solidFill>
-          </a:ln>
-        </p:spPr>
-      </p:pic>
-      <p:pic>
-        <p:nvPicPr>
-          <p:cNvPr id="7" name="Рисунок 6">
-            <a:extLst>
-              <a:ext uri="{FF2B5EF4-FFF2-40B4-BE49-F238E27FC236}">
-                <a16:creationId xmlns:a16="http://schemas.microsoft.com/office/drawing/2014/main" id="{980B3C43-D138-7FD7-AC3D-E5BACB67DD66}"/>
-              </a:ext>
-            </a:extLst>
-          </p:cNvPr>
-          <p:cNvPicPr>
-            <a:picLocks noChangeAspect="1"/>
-          </p:cNvPicPr>
-          <p:nvPr/>
-        </p:nvPicPr>
-        <p:blipFill>
-          <a:blip r:embed="rId4"/>
-          <a:stretch>
-            <a:fillRect/>
-          </a:stretch>
-        </p:blipFill>
-        <p:spPr>
-          <a:xfrm>
-            <a:off x="5189404" y="3158286"/>
-            <a:ext cx="6812982" cy="3540642"/>
-          </a:xfrm>
-          <a:prstGeom prst="rect">
-            <a:avLst/>
-          </a:prstGeom>
-        </p:spPr>
-      </p:pic>
-    </p:spTree>
-    <p:extLst>
-      <p:ext uri="{BB962C8B-B14F-4D97-AF65-F5344CB8AC3E}">
-        <p14:creationId xmlns:p14="http://schemas.microsoft.com/office/powerpoint/2010/main" val="2261169056"/>
-      </p:ext>
-    </p:extLst>
-  </p:cSld>
-  <p:clrMapOvr>
-    <a:masterClrMapping/>
-  </p:clrMapOvr>
-</p:sld>
-</file>
-
-<file path=ppt/slides/slide6.xml><?xml version="1.0" encoding="utf-8"?>
-<p:sld xmlns:a="http://schemas.openxmlformats.org/drawingml/2006/main" xmlns:r="http://schemas.openxmlformats.org/officeDocument/2006/relationships" xmlns:p="http://schemas.openxmlformats.org/presentationml/2006/main">
-  <p:cSld>
-    <p:bg>
-      <p:bgPr>
-        <a:gradFill flip="none" rotWithShape="1">
-          <a:gsLst>
-            <a:gs pos="0">
-              <a:schemeClr val="accent1">
-                <a:lumMod val="5000"/>
-                <a:lumOff val="95000"/>
-              </a:schemeClr>
-            </a:gs>
-            <a:gs pos="50000">
-              <a:schemeClr val="accent4">
-                <a:lumMod val="40000"/>
-                <a:lumOff val="60000"/>
-              </a:schemeClr>
-            </a:gs>
-            <a:gs pos="59000">
-              <a:schemeClr val="accent1">
-                <a:lumMod val="20000"/>
-                <a:lumOff val="80000"/>
-              </a:schemeClr>
-            </a:gs>
-            <a:gs pos="100000">
-              <a:schemeClr val="accent1">
-                <a:lumMod val="30000"/>
-                <a:lumOff val="70000"/>
-              </a:schemeClr>
-            </a:gs>
-          </a:gsLst>
-          <a:lin ang="7200000" scaled="0"/>
-          <a:tileRect/>
-        </a:gradFill>
-        <a:effectLst/>
-      </p:bgPr>
-    </p:bg>
-    <p:spTree>
-      <p:nvGrpSpPr>
-        <p:cNvPr id="1" name=""/>
-        <p:cNvGrpSpPr/>
-        <p:nvPr/>
-      </p:nvGrpSpPr>
-      <p:grpSpPr>
-        <a:xfrm>
-          <a:off x="0" y="0"/>
-          <a:ext cx="0" cy="0"/>
-          <a:chOff x="0" y="0"/>
-          <a:chExt cx="0" cy="0"/>
-        </a:xfrm>
-      </p:grpSpPr>
-      <p:sp>
-        <p:nvSpPr>
-          <p:cNvPr id="4" name="Заголовок 3">
-            <a:extLst>
-              <a:ext uri="{FF2B5EF4-FFF2-40B4-BE49-F238E27FC236}">
-                <a16:creationId xmlns:a16="http://schemas.microsoft.com/office/drawing/2014/main" id="{8FE2BCA8-E83D-429B-887D-6FBFF82E5C4F}"/>
-              </a:ext>
-            </a:extLst>
-          </p:cNvPr>
-          <p:cNvSpPr>
-            <a:spLocks noGrp="1"/>
-          </p:cNvSpPr>
-          <p:nvPr>
-            <p:ph type="ctrTitle"/>
-          </p:nvPr>
-        </p:nvSpPr>
-        <p:spPr>
-          <a:xfrm>
             <a:off x="1075751" y="91440"/>
             <a:ext cx="9144000" cy="861161"/>
           </a:xfrm>
@@ -15708,7 +15257,7 @@
 </p:sld>
 </file>
 
-<file path=ppt/slides/slide7.xml><?xml version="1.0" encoding="utf-8"?>
+<file path=ppt/slides/slide6.xml><?xml version="1.0" encoding="utf-8"?>
 <p:sld xmlns:a="http://schemas.openxmlformats.org/drawingml/2006/main" xmlns:r="http://schemas.openxmlformats.org/officeDocument/2006/relationships" xmlns:p="http://schemas.openxmlformats.org/presentationml/2006/main">
   <p:cSld>
     <p:spTree>
@@ -16069,7 +15618,7 @@
 </p:sld>
 </file>
 
-<file path=ppt/slides/slide8.xml><?xml version="1.0" encoding="utf-8"?>
+<file path=ppt/slides/slide7.xml><?xml version="1.0" encoding="utf-8"?>
 <p:sld xmlns:a="http://schemas.openxmlformats.org/drawingml/2006/main" xmlns:r="http://schemas.openxmlformats.org/officeDocument/2006/relationships" xmlns:p="http://schemas.openxmlformats.org/presentationml/2006/main">
   <p:cSld>
     <p:spTree>
@@ -16234,7 +15783,7 @@
 </p:sld>
 </file>
 
-<file path=ppt/slides/slide9.xml><?xml version="1.0" encoding="utf-8"?>
+<file path=ppt/slides/slide8.xml><?xml version="1.0" encoding="utf-8"?>
 <p:sld xmlns:a="http://schemas.openxmlformats.org/drawingml/2006/main" xmlns:r="http://schemas.openxmlformats.org/officeDocument/2006/relationships" xmlns:p="http://schemas.openxmlformats.org/presentationml/2006/main">
   <p:cSld>
     <p:spTree>
@@ -16437,6 +15986,247 @@
     <p:extLst>
       <p:ext uri="{BB962C8B-B14F-4D97-AF65-F5344CB8AC3E}">
         <p14:creationId xmlns:p14="http://schemas.microsoft.com/office/powerpoint/2010/main" val="2151589881"/>
+      </p:ext>
+    </p:extLst>
+  </p:cSld>
+  <p:clrMapOvr>
+    <a:masterClrMapping/>
+  </p:clrMapOvr>
+</p:sld>
+</file>
+
+<file path=ppt/slides/slide9.xml><?xml version="1.0" encoding="utf-8"?>
+<p:sld xmlns:a="http://schemas.openxmlformats.org/drawingml/2006/main" xmlns:r="http://schemas.openxmlformats.org/officeDocument/2006/relationships" xmlns:p="http://schemas.openxmlformats.org/presentationml/2006/main">
+  <p:cSld>
+    <p:spTree>
+      <p:nvGrpSpPr>
+        <p:cNvPr id="1" name=""/>
+        <p:cNvGrpSpPr/>
+        <p:nvPr/>
+      </p:nvGrpSpPr>
+      <p:grpSpPr>
+        <a:xfrm>
+          <a:off x="0" y="0"/>
+          <a:ext cx="0" cy="0"/>
+          <a:chOff x="0" y="0"/>
+          <a:chExt cx="0" cy="0"/>
+        </a:xfrm>
+      </p:grpSpPr>
+      <p:sp>
+        <p:nvSpPr>
+          <p:cNvPr id="4" name="Заголовок 3">
+            <a:extLst>
+              <a:ext uri="{FF2B5EF4-FFF2-40B4-BE49-F238E27FC236}">
+                <a16:creationId xmlns:a16="http://schemas.microsoft.com/office/drawing/2014/main" id="{8FE2BCA8-E83D-429B-887D-6FBFF82E5C4F}"/>
+              </a:ext>
+            </a:extLst>
+          </p:cNvPr>
+          <p:cNvSpPr>
+            <a:spLocks noGrp="1"/>
+          </p:cNvSpPr>
+          <p:nvPr>
+            <p:ph type="ctrTitle"/>
+          </p:nvPr>
+        </p:nvSpPr>
+        <p:spPr>
+          <a:xfrm>
+            <a:off x="-583508" y="1586766"/>
+            <a:ext cx="6321790" cy="662939"/>
+          </a:xfrm>
+        </p:spPr>
+        <p:txBody>
+          <a:bodyPr>
+            <a:noAutofit/>
+          </a:bodyPr>
+          <a:lstStyle/>
+          <a:p>
+            <a:r>
+              <a:rPr lang="uk-UA" sz="4000" b="1">
+                <a:solidFill>
+                  <a:srgbClr val="0070C0"/>
+                </a:solidFill>
+                <a:latin typeface="SchoolBookCTT" pitchFamily="2" charset="0"/>
+              </a:rPr>
+              <a:t>Розподілені</a:t>
+            </a:r>
+            <a:br>
+              <a:rPr lang="uk-UA" sz="4000" b="1">
+                <a:solidFill>
+                  <a:srgbClr val="0070C0"/>
+                </a:solidFill>
+                <a:latin typeface="SchoolBookCTT" pitchFamily="2" charset="0"/>
+              </a:rPr>
+            </a:br>
+            <a:r>
+              <a:rPr lang="uk-UA" sz="4000" b="1">
+                <a:solidFill>
+                  <a:srgbClr val="0070C0"/>
+                </a:solidFill>
+                <a:latin typeface="SchoolBookCTT" pitchFamily="2" charset="0"/>
+              </a:rPr>
+              <a:t> СКВ</a:t>
+            </a:r>
+            <a:endParaRPr lang="ru-RU" sz="4000" b="1">
+              <a:solidFill>
+                <a:srgbClr val="0070C0"/>
+              </a:solidFill>
+              <a:latin typeface="SchoolBookCTT" pitchFamily="2" charset="0"/>
+            </a:endParaRPr>
+          </a:p>
+        </p:txBody>
+      </p:sp>
+      <p:pic>
+        <p:nvPicPr>
+          <p:cNvPr id="1026" name="Picture 2" descr="Диаграмма распределённого контроля версий">
+            <a:extLst>
+              <a:ext uri="{FF2B5EF4-FFF2-40B4-BE49-F238E27FC236}">
+                <a16:creationId xmlns:a16="http://schemas.microsoft.com/office/drawing/2014/main" id="{A1C48F4C-3E68-F40F-261F-9792286B8362}"/>
+              </a:ext>
+            </a:extLst>
+          </p:cNvPr>
+          <p:cNvPicPr>
+            <a:picLocks noChangeAspect="1" noChangeArrowheads="1"/>
+          </p:cNvPicPr>
+          <p:nvPr/>
+        </p:nvPicPr>
+        <p:blipFill>
+          <a:blip r:embed="rId2">
+            <a:extLst>
+              <a:ext uri="{28A0092B-C50C-407E-A947-70E740481C1C}">
+                <a14:useLocalDpi xmlns:a14="http://schemas.microsoft.com/office/drawing/2010/main" val="0"/>
+              </a:ext>
+            </a:extLst>
+          </a:blip>
+          <a:srcRect/>
+          <a:stretch>
+            <a:fillRect/>
+          </a:stretch>
+        </p:blipFill>
+        <p:spPr bwMode="auto">
+          <a:xfrm>
+            <a:off x="5738282" y="44869"/>
+            <a:ext cx="5886028" cy="6819201"/>
+          </a:xfrm>
+          <a:prstGeom prst="rect">
+            <a:avLst/>
+          </a:prstGeom>
+          <a:noFill/>
+          <a:extLst>
+            <a:ext uri="{909E8E84-426E-40DD-AFC4-6F175D3DCCD1}">
+              <a14:hiddenFill xmlns:a14="http://schemas.microsoft.com/office/drawing/2010/main">
+                <a:solidFill>
+                  <a:srgbClr val="FFFFFF"/>
+                </a:solidFill>
+              </a14:hiddenFill>
+            </a:ext>
+          </a:extLst>
+        </p:spPr>
+      </p:pic>
+      <p:sp>
+        <p:nvSpPr>
+          <p:cNvPr id="8" name="TextBox 7">
+            <a:extLst>
+              <a:ext uri="{FF2B5EF4-FFF2-40B4-BE49-F238E27FC236}">
+                <a16:creationId xmlns:a16="http://schemas.microsoft.com/office/drawing/2014/main" id="{4329B096-1CD5-A5FA-32EF-7DEB434FED9D}"/>
+              </a:ext>
+            </a:extLst>
+          </p:cNvPr>
+          <p:cNvSpPr txBox="1"/>
+          <p:nvPr/>
+        </p:nvSpPr>
+        <p:spPr>
+          <a:xfrm>
+            <a:off x="2214563" y="3454469"/>
+            <a:ext cx="1462089" cy="2239844"/>
+          </a:xfrm>
+          <a:prstGeom prst="rect">
+            <a:avLst/>
+          </a:prstGeom>
+          <a:noFill/>
+        </p:spPr>
+        <p:txBody>
+          <a:bodyPr wrap="square">
+            <a:spAutoFit/>
+          </a:bodyPr>
+          <a:lstStyle/>
+          <a:p>
+            <a:pPr>
+              <a:lnSpc>
+                <a:spcPct val="150000"/>
+              </a:lnSpc>
+            </a:pPr>
+            <a:r>
+              <a:rPr lang="en-US" sz="2400">
+                <a:latin typeface="Arial" panose="020B0604020202020204" pitchFamily="34" charset="0"/>
+                <a:cs typeface="Arial" panose="020B0604020202020204" pitchFamily="34" charset="0"/>
+              </a:rPr>
+              <a:t>Git</a:t>
+            </a:r>
+            <a:endParaRPr lang="uk-UA" sz="2400">
+              <a:latin typeface="Arial" panose="020B0604020202020204" pitchFamily="34" charset="0"/>
+              <a:cs typeface="Arial" panose="020B0604020202020204" pitchFamily="34" charset="0"/>
+            </a:endParaRPr>
+          </a:p>
+          <a:p>
+            <a:pPr>
+              <a:lnSpc>
+                <a:spcPct val="150000"/>
+              </a:lnSpc>
+            </a:pPr>
+            <a:r>
+              <a:rPr lang="en-US" sz="2400">
+                <a:latin typeface="Arial" panose="020B0604020202020204" pitchFamily="34" charset="0"/>
+                <a:cs typeface="Arial" panose="020B0604020202020204" pitchFamily="34" charset="0"/>
+              </a:rPr>
+              <a:t>Mercurial</a:t>
+            </a:r>
+            <a:endParaRPr lang="uk-UA" sz="2400">
+              <a:latin typeface="Arial" panose="020B0604020202020204" pitchFamily="34" charset="0"/>
+              <a:cs typeface="Arial" panose="020B0604020202020204" pitchFamily="34" charset="0"/>
+            </a:endParaRPr>
+          </a:p>
+          <a:p>
+            <a:pPr>
+              <a:lnSpc>
+                <a:spcPct val="150000"/>
+              </a:lnSpc>
+            </a:pPr>
+            <a:r>
+              <a:rPr lang="en-US" sz="2400">
+                <a:latin typeface="Arial" panose="020B0604020202020204" pitchFamily="34" charset="0"/>
+                <a:cs typeface="Arial" panose="020B0604020202020204" pitchFamily="34" charset="0"/>
+              </a:rPr>
+              <a:t>Bazaar</a:t>
+            </a:r>
+            <a:endParaRPr lang="uk-UA" sz="2400">
+              <a:latin typeface="Arial" panose="020B0604020202020204" pitchFamily="34" charset="0"/>
+              <a:cs typeface="Arial" panose="020B0604020202020204" pitchFamily="34" charset="0"/>
+            </a:endParaRPr>
+          </a:p>
+          <a:p>
+            <a:pPr>
+              <a:lnSpc>
+                <a:spcPct val="150000"/>
+              </a:lnSpc>
+            </a:pPr>
+            <a:r>
+              <a:rPr lang="en-US" sz="2400" err="1">
+                <a:latin typeface="Arial" panose="020B0604020202020204" pitchFamily="34" charset="0"/>
+                <a:cs typeface="Arial" panose="020B0604020202020204" pitchFamily="34" charset="0"/>
+              </a:rPr>
+              <a:t>Darcs</a:t>
+            </a:r>
+            <a:endParaRPr lang="ru-RU" sz="2400">
+              <a:latin typeface="Arial" panose="020B0604020202020204" pitchFamily="34" charset="0"/>
+              <a:cs typeface="Arial" panose="020B0604020202020204" pitchFamily="34" charset="0"/>
+            </a:endParaRPr>
+          </a:p>
+        </p:txBody>
+      </p:sp>
+    </p:spTree>
+    <p:extLst>
+      <p:ext uri="{BB962C8B-B14F-4D97-AF65-F5344CB8AC3E}">
+        <p14:creationId xmlns:p14="http://schemas.microsoft.com/office/powerpoint/2010/main" val="3597471917"/>
       </p:ext>
     </p:extLst>
   </p:cSld>
@@ -17298,12 +17088,9 @@
 </file>
 
 <file path=customXml/item1.xml><?xml version="1.0" encoding="utf-8"?>
-<?mso-contentType ?>
-<FormTemplates xmlns="http://schemas.microsoft.com/sharepoint/v3/contenttype/forms">
-  <Display>DocumentLibraryForm</Display>
-  <Edit>DocumentLibraryForm</Edit>
-  <New>DocumentLibraryForm</New>
-</FormTemplates>
+<p:properties xmlns:p="http://schemas.microsoft.com/office/2006/metadata/properties" xmlns:xsi="http://www.w3.org/2001/XMLSchema-instance" xmlns:pc="http://schemas.microsoft.com/office/infopath/2007/PartnerControls">
+  <documentManagement/>
+</p:properties>
 </file>
 
 <file path=customXml/item2.xml><?xml version="1.0" encoding="utf-8"?>
@@ -17451,15 +17238,19 @@
 </file>
 
 <file path=customXml/item3.xml><?xml version="1.0" encoding="utf-8"?>
-<p:properties xmlns:p="http://schemas.microsoft.com/office/2006/metadata/properties" xmlns:xsi="http://www.w3.org/2001/XMLSchema-instance" xmlns:pc="http://schemas.microsoft.com/office/infopath/2007/PartnerControls">
-  <documentManagement/>
-</p:properties>
+<?mso-contentType ?>
+<FormTemplates xmlns="http://schemas.microsoft.com/sharepoint/v3/contenttype/forms">
+  <Display>DocumentLibraryForm</Display>
+  <Edit>DocumentLibraryForm</Edit>
+  <New>DocumentLibraryForm</New>
+</FormTemplates>
 </file>
 
 <file path=customXml/itemProps1.xml><?xml version="1.0" encoding="utf-8"?>
-<ds:datastoreItem xmlns:ds="http://schemas.openxmlformats.org/officeDocument/2006/customXml" ds:itemID="{A345D2DA-A096-4BBF-9135-8FD4BD4C8C20}">
+<ds:datastoreItem xmlns:ds="http://schemas.openxmlformats.org/officeDocument/2006/customXml" ds:itemID="{C35D743B-B188-4C38-B82D-7FD8B3A77642}">
   <ds:schemaRefs>
-    <ds:schemaRef ds:uri="http://schemas.microsoft.com/sharepoint/v3/contenttype/forms"/>
+    <ds:schemaRef ds:uri="http://schemas.microsoft.com/office/2006/metadata/properties"/>
+    <ds:schemaRef ds:uri="http://schemas.microsoft.com/office/infopath/2007/PartnerControls"/>
   </ds:schemaRefs>
 </ds:datastoreItem>
 </file>
@@ -17483,10 +17274,9 @@
 </file>
 
 <file path=customXml/itemProps3.xml><?xml version="1.0" encoding="utf-8"?>
-<ds:datastoreItem xmlns:ds="http://schemas.openxmlformats.org/officeDocument/2006/customXml" ds:itemID="{C35D743B-B188-4C38-B82D-7FD8B3A77642}">
+<ds:datastoreItem xmlns:ds="http://schemas.openxmlformats.org/officeDocument/2006/customXml" ds:itemID="{A345D2DA-A096-4BBF-9135-8FD4BD4C8C20}">
   <ds:schemaRefs>
-    <ds:schemaRef ds:uri="http://schemas.microsoft.com/office/2006/metadata/properties"/>
-    <ds:schemaRef ds:uri="http://schemas.microsoft.com/office/infopath/2007/PartnerControls"/>
+    <ds:schemaRef ds:uri="http://schemas.microsoft.com/sharepoint/v3/contenttype/forms"/>
   </ds:schemaRefs>
 </ds:datastoreItem>
 </file>
--- a/Git_1 part.pptx
+++ b/Git_1 part.pptx
@@ -5,41 +5,40 @@
     <p:sldMasterId id="2147483851" r:id="rId4"/>
   </p:sldMasterIdLst>
   <p:notesMasterIdLst>
-    <p:notesMasterId r:id="rId34"/>
+    <p:notesMasterId r:id="rId33"/>
   </p:notesMasterIdLst>
   <p:handoutMasterIdLst>
-    <p:handoutMasterId r:id="rId35"/>
+    <p:handoutMasterId r:id="rId34"/>
   </p:handoutMasterIdLst>
   <p:sldIdLst>
     <p:sldId id="334" r:id="rId5"/>
-    <p:sldId id="256" r:id="rId6"/>
-    <p:sldId id="313" r:id="rId7"/>
-    <p:sldId id="282" r:id="rId8"/>
-    <p:sldId id="317" r:id="rId9"/>
-    <p:sldId id="289" r:id="rId10"/>
-    <p:sldId id="306" r:id="rId11"/>
-    <p:sldId id="307" r:id="rId12"/>
-    <p:sldId id="283" r:id="rId13"/>
-    <p:sldId id="318" r:id="rId14"/>
-    <p:sldId id="319" r:id="rId15"/>
-    <p:sldId id="320" r:id="rId16"/>
-    <p:sldId id="284" r:id="rId17"/>
-    <p:sldId id="314" r:id="rId18"/>
-    <p:sldId id="315" r:id="rId19"/>
-    <p:sldId id="316" r:id="rId20"/>
-    <p:sldId id="321" r:id="rId21"/>
-    <p:sldId id="322" r:id="rId22"/>
-    <p:sldId id="323" r:id="rId23"/>
-    <p:sldId id="324" r:id="rId24"/>
-    <p:sldId id="325" r:id="rId25"/>
-    <p:sldId id="326" r:id="rId26"/>
-    <p:sldId id="327" r:id="rId27"/>
-    <p:sldId id="330" r:id="rId28"/>
-    <p:sldId id="328" r:id="rId29"/>
-    <p:sldId id="329" r:id="rId30"/>
-    <p:sldId id="331" r:id="rId31"/>
-    <p:sldId id="333" r:id="rId32"/>
-    <p:sldId id="332" r:id="rId33"/>
+    <p:sldId id="313" r:id="rId6"/>
+    <p:sldId id="282" r:id="rId7"/>
+    <p:sldId id="317" r:id="rId8"/>
+    <p:sldId id="289" r:id="rId9"/>
+    <p:sldId id="306" r:id="rId10"/>
+    <p:sldId id="307" r:id="rId11"/>
+    <p:sldId id="283" r:id="rId12"/>
+    <p:sldId id="318" r:id="rId13"/>
+    <p:sldId id="319" r:id="rId14"/>
+    <p:sldId id="320" r:id="rId15"/>
+    <p:sldId id="284" r:id="rId16"/>
+    <p:sldId id="314" r:id="rId17"/>
+    <p:sldId id="315" r:id="rId18"/>
+    <p:sldId id="316" r:id="rId19"/>
+    <p:sldId id="321" r:id="rId20"/>
+    <p:sldId id="322" r:id="rId21"/>
+    <p:sldId id="323" r:id="rId22"/>
+    <p:sldId id="324" r:id="rId23"/>
+    <p:sldId id="325" r:id="rId24"/>
+    <p:sldId id="326" r:id="rId25"/>
+    <p:sldId id="327" r:id="rId26"/>
+    <p:sldId id="330" r:id="rId27"/>
+    <p:sldId id="328" r:id="rId28"/>
+    <p:sldId id="329" r:id="rId29"/>
+    <p:sldId id="331" r:id="rId30"/>
+    <p:sldId id="333" r:id="rId31"/>
+    <p:sldId id="332" r:id="rId32"/>
   </p:sldIdLst>
   <p:sldSz cx="12192000" cy="6858000"/>
   <p:notesSz cx="6858000" cy="9144000"/>
@@ -165,8 +164,8 @@
 <p1510:revInfo xmlns:a="http://schemas.openxmlformats.org/drawingml/2006/main" xmlns:r="http://schemas.openxmlformats.org/officeDocument/2006/relationships" xmlns:p1510="http://schemas.microsoft.com/office/powerpoint/2015/10/main">
   <p1510:revLst>
     <p1510:client id="{4A3F3CD4-87AB-4CDB-98DA-5A2ADC992FE5}" v="1" dt="2022-10-03T11:17:20.651"/>
+    <p1510:client id="{9B9D4C16-5A73-44FC-B81C-E033F386BE81}" v="3" dt="2022-09-29T11:01:00.115"/>
     <p1510:client id="{7243DB7B-6519-4113-9313-0D5BD1DD6196}" v="1" dt="2022-10-06T06:08:40.457"/>
-    <p1510:client id="{9B9D4C16-5A73-44FC-B81C-E033F386BE81}" v="3" dt="2022-09-29T11:01:00.115"/>
     <p1510:client id="{A1854464-AA8C-4528-8FEA-3C375E66B42A}" v="7" dt="2022-10-06T09:52:16.683"/>
   </p1510:revLst>
 </p1510:revInfo>
@@ -2471,7 +2470,7 @@
           <a:p>
             <a:fld id="{C83854A3-6714-4526-AEDE-747CDFA70004}" type="slidenum">
               <a:rPr lang="ru-RU" smtClean="0"/>
-              <a:t>4</a:t>
+              <a:t>3</a:t>
             </a:fld>
             <a:endParaRPr lang="ru-RU"/>
           </a:p>
@@ -2574,7 +2573,7 @@
           <a:p>
             <a:fld id="{C83854A3-6714-4526-AEDE-747CDFA70004}" type="slidenum">
               <a:rPr lang="ru-RU" smtClean="0"/>
-              <a:t>5</a:t>
+              <a:t>4</a:t>
             </a:fld>
             <a:endParaRPr lang="ru-RU"/>
           </a:p>
@@ -2677,7 +2676,7 @@
           <a:p>
             <a:fld id="{C83854A3-6714-4526-AEDE-747CDFA70004}" type="slidenum">
               <a:rPr lang="ru-RU" smtClean="0"/>
-              <a:t>10</a:t>
+              <a:t>9</a:t>
             </a:fld>
             <a:endParaRPr lang="ru-RU"/>
           </a:p>
@@ -5736,265 +5735,6 @@
 <file path=ppt/slides/slide10.xml><?xml version="1.0" encoding="utf-8"?>
 <p:sld xmlns:a="http://schemas.openxmlformats.org/drawingml/2006/main" xmlns:r="http://schemas.openxmlformats.org/officeDocument/2006/relationships" xmlns:p="http://schemas.openxmlformats.org/presentationml/2006/main">
   <p:cSld>
-    <p:bg>
-      <p:bgPr>
-        <a:gradFill flip="none" rotWithShape="1">
-          <a:gsLst>
-            <a:gs pos="0">
-              <a:schemeClr val="accent1">
-                <a:lumMod val="5000"/>
-                <a:lumOff val="95000"/>
-              </a:schemeClr>
-            </a:gs>
-            <a:gs pos="50000">
-              <a:schemeClr val="accent4">
-                <a:lumMod val="40000"/>
-                <a:lumOff val="60000"/>
-              </a:schemeClr>
-            </a:gs>
-            <a:gs pos="59000">
-              <a:schemeClr val="accent1">
-                <a:lumMod val="20000"/>
-                <a:lumOff val="80000"/>
-              </a:schemeClr>
-            </a:gs>
-            <a:gs pos="100000">
-              <a:schemeClr val="accent1">
-                <a:lumMod val="30000"/>
-                <a:lumOff val="70000"/>
-              </a:schemeClr>
-            </a:gs>
-          </a:gsLst>
-          <a:lin ang="7200000" scaled="0"/>
-          <a:tileRect/>
-        </a:gradFill>
-        <a:effectLst/>
-      </p:bgPr>
-    </p:bg>
-    <p:spTree>
-      <p:nvGrpSpPr>
-        <p:cNvPr id="1" name=""/>
-        <p:cNvGrpSpPr/>
-        <p:nvPr/>
-      </p:nvGrpSpPr>
-      <p:grpSpPr>
-        <a:xfrm>
-          <a:off x="0" y="0"/>
-          <a:ext cx="0" cy="0"/>
-          <a:chOff x="0" y="0"/>
-          <a:chExt cx="0" cy="0"/>
-        </a:xfrm>
-      </p:grpSpPr>
-      <p:sp>
-        <p:nvSpPr>
-          <p:cNvPr id="4" name="Заголовок 3">
-            <a:extLst>
-              <a:ext uri="{FF2B5EF4-FFF2-40B4-BE49-F238E27FC236}">
-                <a16:creationId xmlns:a16="http://schemas.microsoft.com/office/drawing/2014/main" id="{8FE2BCA8-E83D-429B-887D-6FBFF82E5C4F}"/>
-              </a:ext>
-            </a:extLst>
-          </p:cNvPr>
-          <p:cNvSpPr>
-            <a:spLocks noGrp="1"/>
-          </p:cNvSpPr>
-          <p:nvPr>
-            <p:ph type="ctrTitle"/>
-          </p:nvPr>
-        </p:nvSpPr>
-        <p:spPr>
-          <a:xfrm>
-            <a:off x="-86807" y="2714323"/>
-            <a:ext cx="5590572" cy="861161"/>
-          </a:xfrm>
-        </p:spPr>
-        <p:txBody>
-          <a:bodyPr>
-            <a:noAutofit/>
-          </a:bodyPr>
-          <a:lstStyle/>
-          <a:p>
-            <a:r>
-              <a:rPr lang="uk-UA" sz="4800" b="1">
-                <a:solidFill>
-                  <a:srgbClr val="0070C0"/>
-                </a:solidFill>
-                <a:latin typeface="SchoolBookCTT" pitchFamily="2" charset="0"/>
-              </a:rPr>
-              <a:t>Стратегії</a:t>
-            </a:r>
-            <a:br>
-              <a:rPr lang="uk-UA" sz="4800" b="1">
-                <a:solidFill>
-                  <a:srgbClr val="0070C0"/>
-                </a:solidFill>
-                <a:latin typeface="SchoolBookCTT" pitchFamily="2" charset="0"/>
-              </a:rPr>
-            </a:br>
-            <a:r>
-              <a:rPr lang="uk-UA" sz="4800" b="1">
-                <a:solidFill>
-                  <a:srgbClr val="0070C0"/>
-                </a:solidFill>
-                <a:latin typeface="SchoolBookCTT" pitchFamily="2" charset="0"/>
-              </a:rPr>
-              <a:t>роботи</a:t>
-            </a:r>
-            <a:endParaRPr lang="ru-RU" sz="4800" b="1">
-              <a:solidFill>
-                <a:srgbClr val="0070C0"/>
-              </a:solidFill>
-              <a:latin typeface="SchoolBookCTT" pitchFamily="2" charset="0"/>
-            </a:endParaRPr>
-          </a:p>
-        </p:txBody>
-      </p:sp>
-      <p:sp>
-        <p:nvSpPr>
-          <p:cNvPr id="10" name="Rectangle 3">
-            <a:extLst>
-              <a:ext uri="{FF2B5EF4-FFF2-40B4-BE49-F238E27FC236}">
-                <a16:creationId xmlns:a16="http://schemas.microsoft.com/office/drawing/2014/main" id="{96159928-9B56-32A4-DB62-47F4F28EFBD5}"/>
-              </a:ext>
-            </a:extLst>
-          </p:cNvPr>
-          <p:cNvSpPr>
-            <a:spLocks noChangeArrowheads="1"/>
-          </p:cNvSpPr>
-          <p:nvPr/>
-        </p:nvSpPr>
-        <p:spPr bwMode="auto">
-          <a:xfrm>
-            <a:off x="0" y="149087"/>
-            <a:ext cx="35266" cy="159026"/>
-          </a:xfrm>
-          <a:prstGeom prst="rect">
-            <a:avLst/>
-          </a:prstGeom>
-          <a:solidFill>
-            <a:srgbClr val="F8F9FA"/>
-          </a:solidFill>
-          <a:ln>
-            <a:noFill/>
-          </a:ln>
-          <a:effectLst/>
-          <a:extLst>
-            <a:ext uri="{91240B29-F687-4F45-9708-019B960494DF}">
-              <a14:hiddenLine xmlns:a14="http://schemas.microsoft.com/office/drawing/2010/main" w="9525">
-                <a:solidFill>
-                  <a:schemeClr val="tx1"/>
-                </a:solidFill>
-                <a:miter lim="800000"/>
-                <a:headEnd/>
-                <a:tailEnd/>
-              </a14:hiddenLine>
-            </a:ext>
-            <a:ext uri="{AF507438-7753-43E0-B8FC-AC1667EBCBE1}">
-              <a14:hiddenEffects xmlns:a14="http://schemas.microsoft.com/office/drawing/2010/main">
-                <a:effectLst>
-                  <a:outerShdw dist="35921" dir="2700000" algn="ctr" rotWithShape="0">
-                    <a:schemeClr val="bg2"/>
-                  </a:outerShdw>
-                </a:effectLst>
-              </a14:hiddenEffects>
-            </a:ext>
-          </a:extLst>
-        </p:spPr>
-        <p:txBody>
-          <a:bodyPr vert="horz" wrap="none" lIns="0" tIns="-12696" rIns="0" bIns="-12696" numCol="1" anchor="ctr" anchorCtr="0" compatLnSpc="1">
-            <a:prstTxWarp prst="textNoShape">
-              <a:avLst/>
-            </a:prstTxWarp>
-            <a:spAutoFit/>
-          </a:bodyPr>
-          <a:lstStyle/>
-          <a:p>
-            <a:pPr marL="0" marR="0" lvl="0" indent="0" algn="l" defTabSz="914400" rtl="0" eaLnBrk="0" fontAlgn="base" latinLnBrk="0" hangingPunct="0">
-              <a:lnSpc>
-                <a:spcPct val="100000"/>
-              </a:lnSpc>
-              <a:spcBef>
-                <a:spcPct val="0"/>
-              </a:spcBef>
-              <a:spcAft>
-                <a:spcPct val="0"/>
-              </a:spcAft>
-              <a:buClrTx/>
-              <a:buSzTx/>
-              <a:buFontTx/>
-              <a:buNone/>
-              <a:tabLst/>
-            </a:pPr>
-            <a:r>
-              <a:rPr kumimoji="0" lang="ru-RU" altLang="ru-RU" sz="1200" b="0" i="0" u="none" strike="noStrike" cap="none" normalizeH="0" baseline="0">
-                <a:ln>
-                  <a:noFill/>
-                </a:ln>
-                <a:solidFill>
-                  <a:schemeClr val="tx1"/>
-                </a:solidFill>
-                <a:effectLst/>
-              </a:rPr>
-              <a:t> </a:t>
-            </a:r>
-            <a:endParaRPr kumimoji="0" lang="ru-RU" altLang="ru-RU" sz="1800" b="0" i="0" u="none" strike="noStrike" cap="none" normalizeH="0" baseline="0">
-              <a:ln>
-                <a:noFill/>
-              </a:ln>
-              <a:solidFill>
-                <a:schemeClr val="tx1"/>
-              </a:solidFill>
-              <a:effectLst/>
-              <a:latin typeface="Arial" panose="020B0604020202020204" pitchFamily="34" charset="0"/>
-            </a:endParaRPr>
-          </a:p>
-        </p:txBody>
-      </p:sp>
-      <p:pic>
-        <p:nvPicPr>
-          <p:cNvPr id="3" name="Рисунок 2">
-            <a:extLst>
-              <a:ext uri="{FF2B5EF4-FFF2-40B4-BE49-F238E27FC236}">
-                <a16:creationId xmlns:a16="http://schemas.microsoft.com/office/drawing/2014/main" id="{C3C8138B-DDC2-32D6-30F3-E115C5A157E1}"/>
-              </a:ext>
-            </a:extLst>
-          </p:cNvPr>
-          <p:cNvPicPr>
-            <a:picLocks noChangeAspect="1"/>
-          </p:cNvPicPr>
-          <p:nvPr/>
-        </p:nvPicPr>
-        <p:blipFill>
-          <a:blip r:embed="rId3"/>
-          <a:stretch>
-            <a:fillRect/>
-          </a:stretch>
-        </p:blipFill>
-        <p:spPr>
-          <a:xfrm>
-            <a:off x="6399479" y="461962"/>
-            <a:ext cx="4572000" cy="5934075"/>
-          </a:xfrm>
-          <a:prstGeom prst="rect">
-            <a:avLst/>
-          </a:prstGeom>
-        </p:spPr>
-      </p:pic>
-    </p:spTree>
-    <p:extLst>
-      <p:ext uri="{BB962C8B-B14F-4D97-AF65-F5344CB8AC3E}">
-        <p14:creationId xmlns:p14="http://schemas.microsoft.com/office/powerpoint/2010/main" val="4233615946"/>
-      </p:ext>
-    </p:extLst>
-  </p:cSld>
-  <p:clrMapOvr>
-    <a:masterClrMapping/>
-  </p:clrMapOvr>
-</p:sld>
-</file>
-
-<file path=ppt/slides/slide11.xml><?xml version="1.0" encoding="utf-8"?>
-<p:sld xmlns:a="http://schemas.openxmlformats.org/drawingml/2006/main" xmlns:r="http://schemas.openxmlformats.org/officeDocument/2006/relationships" xmlns:p="http://schemas.openxmlformats.org/presentationml/2006/main">
-  <p:cSld>
     <p:spTree>
       <p:nvGrpSpPr>
         <p:cNvPr id="1" name=""/>
@@ -6836,7 +6576,7 @@
 </p:sld>
 </file>
 
-<file path=ppt/slides/slide12.xml><?xml version="1.0" encoding="utf-8"?>
+<file path=ppt/slides/slide11.xml><?xml version="1.0" encoding="utf-8"?>
 <p:sld xmlns:a="http://schemas.openxmlformats.org/drawingml/2006/main" xmlns:r="http://schemas.openxmlformats.org/officeDocument/2006/relationships" xmlns:p="http://schemas.openxmlformats.org/presentationml/2006/main">
   <p:cSld>
     <p:spTree>
@@ -7476,7 +7216,7 @@
 </p:sld>
 </file>
 
-<file path=ppt/slides/slide13.xml><?xml version="1.0" encoding="utf-8"?>
+<file path=ppt/slides/slide12.xml><?xml version="1.0" encoding="utf-8"?>
 <p:sld xmlns:a="http://schemas.openxmlformats.org/drawingml/2006/main" xmlns:r="http://schemas.openxmlformats.org/officeDocument/2006/relationships" xmlns:p="http://schemas.openxmlformats.org/presentationml/2006/main">
   <p:cSld>
     <p:spTree>
@@ -7808,7 +7548,7 @@
 </p:sld>
 </file>
 
-<file path=ppt/slides/slide14.xml><?xml version="1.0" encoding="utf-8"?>
+<file path=ppt/slides/slide13.xml><?xml version="1.0" encoding="utf-8"?>
 <p:sld xmlns:a="http://schemas.openxmlformats.org/drawingml/2006/main" xmlns:r="http://schemas.openxmlformats.org/officeDocument/2006/relationships" xmlns:p="http://schemas.openxmlformats.org/presentationml/2006/main">
   <p:cSld>
     <p:spTree>
@@ -8063,7 +7803,7 @@
 </p:sld>
 </file>
 
-<file path=ppt/slides/slide15.xml><?xml version="1.0" encoding="utf-8"?>
+<file path=ppt/slides/slide14.xml><?xml version="1.0" encoding="utf-8"?>
 <p:sld xmlns:a="http://schemas.openxmlformats.org/drawingml/2006/main" xmlns:r="http://schemas.openxmlformats.org/officeDocument/2006/relationships" xmlns:p="http://schemas.openxmlformats.org/presentationml/2006/main">
   <p:cSld>
     <p:spTree>
@@ -8322,7 +8062,7 @@
 </p:sld>
 </file>
 
-<file path=ppt/slides/slide16.xml><?xml version="1.0" encoding="utf-8"?>
+<file path=ppt/slides/slide15.xml><?xml version="1.0" encoding="utf-8"?>
 <p:sld xmlns:a="http://schemas.openxmlformats.org/drawingml/2006/main" xmlns:r="http://schemas.openxmlformats.org/officeDocument/2006/relationships" xmlns:p="http://schemas.openxmlformats.org/presentationml/2006/main">
   <p:cSld>
     <p:spTree>
@@ -8660,7 +8400,7 @@
 </p:sld>
 </file>
 
-<file path=ppt/slides/slide17.xml><?xml version="1.0" encoding="utf-8"?>
+<file path=ppt/slides/slide16.xml><?xml version="1.0" encoding="utf-8"?>
 <p:sld xmlns:a="http://schemas.openxmlformats.org/drawingml/2006/main" xmlns:r="http://schemas.openxmlformats.org/officeDocument/2006/relationships" xmlns:p="http://schemas.openxmlformats.org/presentationml/2006/main">
   <p:cSld>
     <p:spTree>
@@ -8856,7 +8596,7 @@
 </p:sld>
 </file>
 
-<file path=ppt/slides/slide18.xml><?xml version="1.0" encoding="utf-8"?>
+<file path=ppt/slides/slide17.xml><?xml version="1.0" encoding="utf-8"?>
 <p:sld xmlns:a="http://schemas.openxmlformats.org/drawingml/2006/main" xmlns:r="http://schemas.openxmlformats.org/officeDocument/2006/relationships" xmlns:p="http://schemas.openxmlformats.org/presentationml/2006/main">
   <p:cSld>
     <p:spTree>
@@ -9227,7 +8967,7 @@
 </p:sld>
 </file>
 
-<file path=ppt/slides/slide19.xml><?xml version="1.0" encoding="utf-8"?>
+<file path=ppt/slides/slide18.xml><?xml version="1.0" encoding="utf-8"?>
 <p:sld xmlns:a="http://schemas.openxmlformats.org/drawingml/2006/main" xmlns:r="http://schemas.openxmlformats.org/officeDocument/2006/relationships" xmlns:p="http://schemas.openxmlformats.org/presentationml/2006/main">
   <p:cSld>
     <p:spTree>
@@ -9501,156 +9241,7 @@
 </p:sld>
 </file>
 
-<file path=ppt/slides/slide2.xml><?xml version="1.0" encoding="utf-8"?>
-<p:sld xmlns:a="http://schemas.openxmlformats.org/drawingml/2006/main" xmlns:r="http://schemas.openxmlformats.org/officeDocument/2006/relationships" xmlns:p="http://schemas.openxmlformats.org/presentationml/2006/main">
-  <p:cSld>
-    <p:bg>
-      <p:bgPr>
-        <a:gradFill flip="none" rotWithShape="1">
-          <a:gsLst>
-            <a:gs pos="0">
-              <a:schemeClr val="accent1">
-                <a:lumMod val="5000"/>
-                <a:lumOff val="95000"/>
-              </a:schemeClr>
-            </a:gs>
-            <a:gs pos="50000">
-              <a:schemeClr val="accent4">
-                <a:lumMod val="40000"/>
-                <a:lumOff val="60000"/>
-              </a:schemeClr>
-            </a:gs>
-            <a:gs pos="59000">
-              <a:schemeClr val="accent1">
-                <a:lumMod val="20000"/>
-                <a:lumOff val="80000"/>
-              </a:schemeClr>
-            </a:gs>
-            <a:gs pos="100000">
-              <a:schemeClr val="accent1">
-                <a:lumMod val="30000"/>
-                <a:lumOff val="70000"/>
-              </a:schemeClr>
-            </a:gs>
-          </a:gsLst>
-          <a:lin ang="16200000" scaled="0"/>
-          <a:tileRect/>
-        </a:gradFill>
-        <a:effectLst/>
-      </p:bgPr>
-    </p:bg>
-    <p:spTree>
-      <p:nvGrpSpPr>
-        <p:cNvPr id="1" name=""/>
-        <p:cNvGrpSpPr/>
-        <p:nvPr/>
-      </p:nvGrpSpPr>
-      <p:grpSpPr>
-        <a:xfrm>
-          <a:off x="0" y="0"/>
-          <a:ext cx="0" cy="0"/>
-          <a:chOff x="0" y="0"/>
-          <a:chExt cx="0" cy="0"/>
-        </a:xfrm>
-      </p:grpSpPr>
-      <p:sp>
-        <p:nvSpPr>
-          <p:cNvPr id="2" name="Заголовок 1">
-            <a:extLst>
-              <a:ext uri="{FF2B5EF4-FFF2-40B4-BE49-F238E27FC236}">
-                <a16:creationId xmlns:a16="http://schemas.microsoft.com/office/drawing/2014/main" id="{D2DBF401-051A-4776-847A-918736DB54BA}"/>
-              </a:ext>
-            </a:extLst>
-          </p:cNvPr>
-          <p:cNvSpPr>
-            <a:spLocks noGrp="1"/>
-          </p:cNvSpPr>
-          <p:nvPr>
-            <p:ph type="ctrTitle"/>
-          </p:nvPr>
-        </p:nvSpPr>
-        <p:spPr>
-          <a:xfrm>
-            <a:off x="1171853" y="454089"/>
-            <a:ext cx="9590468" cy="4537710"/>
-          </a:xfrm>
-        </p:spPr>
-        <p:txBody>
-          <a:bodyPr>
-            <a:normAutofit fontScale="90000"/>
-          </a:bodyPr>
-          <a:lstStyle/>
-          <a:p>
-            <a:br>
-              <a:rPr lang="uk-UA" b="1">
-                <a:latin typeface="SchoolBookCTT" pitchFamily="2" charset="0"/>
-              </a:rPr>
-            </a:br>
-            <a:br>
-              <a:rPr lang="uk-UA" sz="3600" b="1">
-                <a:latin typeface="SchoolBookCTT" pitchFamily="2" charset="0"/>
-              </a:rPr>
-            </a:br>
-            <a:br>
-              <a:rPr lang="uk-UA" b="1">
-                <a:latin typeface="SchoolBookCTT" pitchFamily="2" charset="0"/>
-              </a:rPr>
-            </a:br>
-            <a:r>
-              <a:rPr lang="en-US" sz="10700" b="1">
-                <a:solidFill>
-                  <a:srgbClr val="0070C0"/>
-                </a:solidFill>
-                <a:latin typeface="SchoolBookCTT" pitchFamily="2" charset="0"/>
-              </a:rPr>
-              <a:t>Git</a:t>
-            </a:r>
-            <a:br>
-              <a:rPr lang="uk-UA" b="1">
-                <a:solidFill>
-                  <a:srgbClr val="0070C0"/>
-                </a:solidFill>
-                <a:latin typeface="SchoolBookCTT" pitchFamily="2" charset="0"/>
-              </a:rPr>
-            </a:br>
-            <a:br>
-              <a:rPr lang="uk-UA" sz="3100" b="1">
-                <a:latin typeface="SchoolBookCTT" pitchFamily="2" charset="0"/>
-              </a:rPr>
-            </a:br>
-            <a:br>
-              <a:rPr lang="uk-UA" sz="3100" b="1">
-                <a:latin typeface="SchoolBookCTT" pitchFamily="2" charset="0"/>
-              </a:rPr>
-            </a:br>
-            <a:br>
-              <a:rPr lang="uk-UA" sz="2400" b="1">
-                <a:solidFill>
-                  <a:srgbClr val="FF0000"/>
-                </a:solidFill>
-                <a:latin typeface="SchoolBookCTT" pitchFamily="2" charset="0"/>
-              </a:rPr>
-            </a:br>
-            <a:endParaRPr lang="uk-UA" sz="2400" b="1">
-              <a:latin typeface="SchoolBookCTT" pitchFamily="2" charset="0"/>
-            </a:endParaRPr>
-          </a:p>
-        </p:txBody>
-      </p:sp>
-    </p:spTree>
-    <p:extLst>
-      <p:ext uri="{BB962C8B-B14F-4D97-AF65-F5344CB8AC3E}">
-        <p14:creationId xmlns:p14="http://schemas.microsoft.com/office/powerpoint/2010/main" val="425924951"/>
-      </p:ext>
-    </p:extLst>
-  </p:cSld>
-  <p:clrMapOvr>
-    <a:masterClrMapping/>
-  </p:clrMapOvr>
-</p:sld>
-</file>
-
-<file path=ppt/slides/slide20.xml><?xml version="1.0" encoding="utf-8"?>
+<file path=ppt/slides/slide19.xml><?xml version="1.0" encoding="utf-8"?>
 <p:sld xmlns:a="http://schemas.openxmlformats.org/drawingml/2006/main" xmlns:r="http://schemas.openxmlformats.org/officeDocument/2006/relationships" xmlns:p="http://schemas.openxmlformats.org/presentationml/2006/main">
   <p:cSld>
     <p:spTree>
@@ -10416,7 +10007,151 @@
 </p:sld>
 </file>
 
-<file path=ppt/slides/slide21.xml><?xml version="1.0" encoding="utf-8"?>
+<file path=ppt/slides/slide2.xml><?xml version="1.0" encoding="utf-8"?>
+<p:sld xmlns:a="http://schemas.openxmlformats.org/drawingml/2006/main" xmlns:r="http://schemas.openxmlformats.org/officeDocument/2006/relationships" xmlns:p="http://schemas.openxmlformats.org/presentationml/2006/main">
+  <p:cSld>
+    <p:spTree>
+      <p:nvGrpSpPr>
+        <p:cNvPr id="1" name=""/>
+        <p:cNvGrpSpPr/>
+        <p:nvPr/>
+      </p:nvGrpSpPr>
+      <p:grpSpPr>
+        <a:xfrm>
+          <a:off x="0" y="0"/>
+          <a:ext cx="0" cy="0"/>
+          <a:chOff x="0" y="0"/>
+          <a:chExt cx="0" cy="0"/>
+        </a:xfrm>
+      </p:grpSpPr>
+      <p:sp>
+        <p:nvSpPr>
+          <p:cNvPr id="4" name="Заголовок 3">
+            <a:extLst>
+              <a:ext uri="{FF2B5EF4-FFF2-40B4-BE49-F238E27FC236}">
+                <a16:creationId xmlns:a16="http://schemas.microsoft.com/office/drawing/2014/main" id="{8B55FD2B-1F3D-FB95-9C5C-948D234CBA50}"/>
+              </a:ext>
+            </a:extLst>
+          </p:cNvPr>
+          <p:cNvSpPr>
+            <a:spLocks noGrp="1"/>
+          </p:cNvSpPr>
+          <p:nvPr>
+            <p:ph type="ctrTitle"/>
+          </p:nvPr>
+        </p:nvSpPr>
+        <p:spPr>
+          <a:xfrm>
+            <a:off x="1931670" y="139383"/>
+            <a:ext cx="8328660" cy="786447"/>
+          </a:xfrm>
+        </p:spPr>
+        <p:txBody>
+          <a:bodyPr>
+            <a:noAutofit/>
+          </a:bodyPr>
+          <a:lstStyle/>
+          <a:p>
+            <a:r>
+              <a:rPr lang="en-US" sz="4000" b="1">
+                <a:solidFill>
+                  <a:srgbClr val="0070C0"/>
+                </a:solidFill>
+                <a:latin typeface="SchoolBookCTT" pitchFamily="2" charset="0"/>
+              </a:rPr>
+              <a:t>Developer Roadmaps</a:t>
+            </a:r>
+            <a:endParaRPr lang="ru-RU" sz="4000"/>
+          </a:p>
+        </p:txBody>
+      </p:sp>
+      <p:sp>
+        <p:nvSpPr>
+          <p:cNvPr id="6" name="TextBox 5">
+            <a:extLst>
+              <a:ext uri="{FF2B5EF4-FFF2-40B4-BE49-F238E27FC236}">
+                <a16:creationId xmlns:a16="http://schemas.microsoft.com/office/drawing/2014/main" id="{89DD925F-864E-C850-D250-69290A59253E}"/>
+              </a:ext>
+            </a:extLst>
+          </p:cNvPr>
+          <p:cNvSpPr txBox="1"/>
+          <p:nvPr/>
+        </p:nvSpPr>
+        <p:spPr>
+          <a:xfrm>
+            <a:off x="7186326" y="1978454"/>
+            <a:ext cx="3234690" cy="369332"/>
+          </a:xfrm>
+          <a:prstGeom prst="rect">
+            <a:avLst/>
+          </a:prstGeom>
+          <a:noFill/>
+        </p:spPr>
+        <p:txBody>
+          <a:bodyPr wrap="square">
+            <a:spAutoFit/>
+          </a:bodyPr>
+          <a:lstStyle/>
+          <a:p>
+            <a:r>
+              <a:rPr lang="en-US">
+                <a:latin typeface="Arial" panose="020B0604020202020204" pitchFamily="34" charset="0"/>
+                <a:cs typeface="Arial" panose="020B0604020202020204" pitchFamily="34" charset="0"/>
+                <a:hlinkClick r:id="rId2"/>
+              </a:rPr>
+              <a:t>https://roadmap.sh/roadmaps</a:t>
+            </a:r>
+            <a:endParaRPr lang="en-US">
+              <a:latin typeface="Arial" panose="020B0604020202020204" pitchFamily="34" charset="0"/>
+              <a:cs typeface="Arial" panose="020B0604020202020204" pitchFamily="34" charset="0"/>
+            </a:endParaRPr>
+          </a:p>
+        </p:txBody>
+      </p:sp>
+      <p:pic>
+        <p:nvPicPr>
+          <p:cNvPr id="7" name="Рисунок 6">
+            <a:extLst>
+              <a:ext uri="{FF2B5EF4-FFF2-40B4-BE49-F238E27FC236}">
+                <a16:creationId xmlns:a16="http://schemas.microsoft.com/office/drawing/2014/main" id="{3912C201-0C56-B84B-16C0-343548E3DA07}"/>
+              </a:ext>
+            </a:extLst>
+          </p:cNvPr>
+          <p:cNvPicPr>
+            <a:picLocks noChangeAspect="1"/>
+          </p:cNvPicPr>
+          <p:nvPr/>
+        </p:nvPicPr>
+        <p:blipFill>
+          <a:blip r:embed="rId3"/>
+          <a:stretch>
+            <a:fillRect/>
+          </a:stretch>
+        </p:blipFill>
+        <p:spPr>
+          <a:xfrm>
+            <a:off x="1003193" y="1901221"/>
+            <a:ext cx="4172991" cy="4817396"/>
+          </a:xfrm>
+          <a:prstGeom prst="rect">
+            <a:avLst/>
+          </a:prstGeom>
+        </p:spPr>
+      </p:pic>
+    </p:spTree>
+    <p:extLst>
+      <p:ext uri="{BB962C8B-B14F-4D97-AF65-F5344CB8AC3E}">
+        <p14:creationId xmlns:p14="http://schemas.microsoft.com/office/powerpoint/2010/main" val="1593836141"/>
+      </p:ext>
+    </p:extLst>
+  </p:cSld>
+  <p:clrMapOvr>
+    <a:masterClrMapping/>
+  </p:clrMapOvr>
+</p:sld>
+</file>
+
+<file path=ppt/slides/slide20.xml><?xml version="1.0" encoding="utf-8"?>
 <p:sld xmlns:a="http://schemas.openxmlformats.org/drawingml/2006/main" xmlns:r="http://schemas.openxmlformats.org/officeDocument/2006/relationships" xmlns:p="http://schemas.openxmlformats.org/presentationml/2006/main">
   <p:cSld>
     <p:spTree>
@@ -11143,7 +10878,7 @@
 </p:sld>
 </file>
 
-<file path=ppt/slides/slide22.xml><?xml version="1.0" encoding="utf-8"?>
+<file path=ppt/slides/slide21.xml><?xml version="1.0" encoding="utf-8"?>
 <p:sld xmlns:a="http://schemas.openxmlformats.org/drawingml/2006/main" xmlns:r="http://schemas.openxmlformats.org/officeDocument/2006/relationships" xmlns:p="http://schemas.openxmlformats.org/presentationml/2006/main">
   <p:cSld>
     <p:spTree>
@@ -11421,7 +11156,7 @@
 </p:sld>
 </file>
 
-<file path=ppt/slides/slide23.xml><?xml version="1.0" encoding="utf-8"?>
+<file path=ppt/slides/slide22.xml><?xml version="1.0" encoding="utf-8"?>
 <p:sld xmlns:a="http://schemas.openxmlformats.org/drawingml/2006/main" xmlns:r="http://schemas.openxmlformats.org/officeDocument/2006/relationships" xmlns:p="http://schemas.openxmlformats.org/presentationml/2006/main">
   <p:cSld>
     <p:spTree>
@@ -12035,7 +11770,7 @@
 </p:sld>
 </file>
 
-<file path=ppt/slides/slide24.xml><?xml version="1.0" encoding="utf-8"?>
+<file path=ppt/slides/slide23.xml><?xml version="1.0" encoding="utf-8"?>
 <p:sld xmlns:a="http://schemas.openxmlformats.org/drawingml/2006/main" xmlns:r="http://schemas.openxmlformats.org/officeDocument/2006/relationships" xmlns:p="http://schemas.openxmlformats.org/presentationml/2006/main">
   <p:cSld>
     <p:spTree>
@@ -12354,7 +12089,7 @@
 </p:sld>
 </file>
 
-<file path=ppt/slides/slide25.xml><?xml version="1.0" encoding="utf-8"?>
+<file path=ppt/slides/slide24.xml><?xml version="1.0" encoding="utf-8"?>
 <p:sld xmlns:a="http://schemas.openxmlformats.org/drawingml/2006/main" xmlns:r="http://schemas.openxmlformats.org/officeDocument/2006/relationships" xmlns:p="http://schemas.openxmlformats.org/presentationml/2006/main">
   <p:cSld>
     <p:spTree>
@@ -13083,7 +12818,7 @@
 </p:sld>
 </file>
 
-<file path=ppt/slides/slide26.xml><?xml version="1.0" encoding="utf-8"?>
+<file path=ppt/slides/slide25.xml><?xml version="1.0" encoding="utf-8"?>
 <p:sld xmlns:a="http://schemas.openxmlformats.org/drawingml/2006/main" xmlns:r="http://schemas.openxmlformats.org/officeDocument/2006/relationships" xmlns:p="http://schemas.openxmlformats.org/presentationml/2006/main">
   <p:cSld>
     <p:spTree>
@@ -13517,7 +13252,7 @@
 </p:sld>
 </file>
 
-<file path=ppt/slides/slide27.xml><?xml version="1.0" encoding="utf-8"?>
+<file path=ppt/slides/slide26.xml><?xml version="1.0" encoding="utf-8"?>
 <p:sld xmlns:a="http://schemas.openxmlformats.org/drawingml/2006/main" xmlns:r="http://schemas.openxmlformats.org/officeDocument/2006/relationships" xmlns:p="http://schemas.openxmlformats.org/presentationml/2006/main">
   <p:cSld>
     <p:spTree>
@@ -14068,7 +13803,7 @@
 </p:sld>
 </file>
 
-<file path=ppt/slides/slide28.xml><?xml version="1.0" encoding="utf-8"?>
+<file path=ppt/slides/slide27.xml><?xml version="1.0" encoding="utf-8"?>
 <p:sld xmlns:a="http://schemas.openxmlformats.org/drawingml/2006/main" xmlns:r="http://schemas.openxmlformats.org/officeDocument/2006/relationships" xmlns:p="http://schemas.openxmlformats.org/presentationml/2006/main">
   <p:cSld>
     <p:spTree>
@@ -14324,7 +14059,7 @@
 </p:sld>
 </file>
 
-<file path=ppt/slides/slide29.xml><?xml version="1.0" encoding="utf-8"?>
+<file path=ppt/slides/slide28.xml><?xml version="1.0" encoding="utf-8"?>
 <p:sld xmlns:a="http://schemas.openxmlformats.org/drawingml/2006/main" xmlns:r="http://schemas.openxmlformats.org/officeDocument/2006/relationships" xmlns:p="http://schemas.openxmlformats.org/presentationml/2006/main">
   <p:cSld>
     <p:spTree>
@@ -14592,6 +14327,41 @@
 <file path=ppt/slides/slide3.xml><?xml version="1.0" encoding="utf-8"?>
 <p:sld xmlns:a="http://schemas.openxmlformats.org/drawingml/2006/main" xmlns:r="http://schemas.openxmlformats.org/officeDocument/2006/relationships" xmlns:p="http://schemas.openxmlformats.org/presentationml/2006/main">
   <p:cSld>
+    <p:bg>
+      <p:bgPr>
+        <a:gradFill flip="none" rotWithShape="1">
+          <a:gsLst>
+            <a:gs pos="0">
+              <a:schemeClr val="accent1">
+                <a:lumMod val="5000"/>
+                <a:lumOff val="95000"/>
+              </a:schemeClr>
+            </a:gs>
+            <a:gs pos="50000">
+              <a:schemeClr val="accent4">
+                <a:lumMod val="40000"/>
+                <a:lumOff val="60000"/>
+              </a:schemeClr>
+            </a:gs>
+            <a:gs pos="59000">
+              <a:schemeClr val="accent1">
+                <a:lumMod val="20000"/>
+                <a:lumOff val="80000"/>
+              </a:schemeClr>
+            </a:gs>
+            <a:gs pos="100000">
+              <a:schemeClr val="accent1">
+                <a:lumMod val="30000"/>
+                <a:lumOff val="70000"/>
+              </a:schemeClr>
+            </a:gs>
+          </a:gsLst>
+          <a:lin ang="7200000" scaled="0"/>
+          <a:tileRect/>
+        </a:gradFill>
+        <a:effectLst/>
+      </p:bgPr>
+    </p:bg>
     <p:spTree>
       <p:nvGrpSpPr>
         <p:cNvPr id="1" name=""/>
@@ -14611,7 +14381,7 @@
           <p:cNvPr id="4" name="Заголовок 3">
             <a:extLst>
               <a:ext uri="{FF2B5EF4-FFF2-40B4-BE49-F238E27FC236}">
-                <a16:creationId xmlns:a16="http://schemas.microsoft.com/office/drawing/2014/main" id="{8B55FD2B-1F3D-FB95-9C5C-948D234CBA50}"/>
+                <a16:creationId xmlns:a16="http://schemas.microsoft.com/office/drawing/2014/main" id="{8FE2BCA8-E83D-429B-887D-6FBFF82E5C4F}"/>
               </a:ext>
             </a:extLst>
           </p:cNvPr>
@@ -14624,78 +14394,74 @@
         </p:nvSpPr>
         <p:spPr>
           <a:xfrm>
-            <a:off x="1931670" y="139383"/>
-            <a:ext cx="8328660" cy="786447"/>
+            <a:off x="1330932" y="224385"/>
+            <a:ext cx="9144000" cy="861161"/>
           </a:xfrm>
         </p:spPr>
         <p:txBody>
           <a:bodyPr>
-            <a:noAutofit/>
+            <a:normAutofit fontScale="90000"/>
           </a:bodyPr>
           <a:lstStyle/>
           <a:p>
             <a:r>
-              <a:rPr lang="en-US" sz="4000" b="1">
+              <a:rPr lang="uk-UA" sz="4000" b="1">
                 <a:solidFill>
                   <a:srgbClr val="0070C0"/>
                 </a:solidFill>
                 <a:latin typeface="SchoolBookCTT" pitchFamily="2" charset="0"/>
               </a:rPr>
-              <a:t>Developer Roadmaps</a:t>
-            </a:r>
-            <a:endParaRPr lang="ru-RU" sz="4000"/>
+              <a:t>Зберігання версій та сумісна робота</a:t>
+            </a:r>
+            <a:endParaRPr lang="ru-RU" sz="4000" b="1">
+              <a:solidFill>
+                <a:srgbClr val="0070C0"/>
+              </a:solidFill>
+              <a:latin typeface="SchoolBookCTT" pitchFamily="2" charset="0"/>
+            </a:endParaRPr>
           </a:p>
         </p:txBody>
       </p:sp>
-      <p:sp>
-        <p:nvSpPr>
-          <p:cNvPr id="6" name="TextBox 5">
+      <p:pic>
+        <p:nvPicPr>
+          <p:cNvPr id="6" name="Рисунок 5">
             <a:extLst>
               <a:ext uri="{FF2B5EF4-FFF2-40B4-BE49-F238E27FC236}">
-                <a16:creationId xmlns:a16="http://schemas.microsoft.com/office/drawing/2014/main" id="{89DD925F-864E-C850-D250-69290A59253E}"/>
+                <a16:creationId xmlns:a16="http://schemas.microsoft.com/office/drawing/2014/main" id="{FCAA5F7D-DE83-667E-3226-D3A537558C3F}"/>
               </a:ext>
             </a:extLst>
           </p:cNvPr>
-          <p:cNvSpPr txBox="1"/>
+          <p:cNvPicPr>
+            <a:picLocks noChangeAspect="1"/>
+          </p:cNvPicPr>
           <p:nvPr/>
-        </p:nvSpPr>
+        </p:nvPicPr>
+        <p:blipFill rotWithShape="1">
+          <a:blip r:embed="rId3"/>
+          <a:srcRect l="620" t="827" r="654"/>
+          <a:stretch/>
+        </p:blipFill>
         <p:spPr>
           <a:xfrm>
-            <a:off x="7186326" y="1978454"/>
-            <a:ext cx="3234690" cy="369332"/>
+            <a:off x="189614" y="1169401"/>
+            <a:ext cx="5498805" cy="3759206"/>
           </a:xfrm>
           <a:prstGeom prst="rect">
             <a:avLst/>
           </a:prstGeom>
-          <a:noFill/>
+          <a:ln>
+            <a:solidFill>
+              <a:schemeClr val="accent1"/>
+            </a:solidFill>
+          </a:ln>
         </p:spPr>
-        <p:txBody>
-          <a:bodyPr wrap="square">
-            <a:spAutoFit/>
-          </a:bodyPr>
-          <a:lstStyle/>
-          <a:p>
-            <a:r>
-              <a:rPr lang="en-US">
-                <a:latin typeface="Arial" panose="020B0604020202020204" pitchFamily="34" charset="0"/>
-                <a:cs typeface="Arial" panose="020B0604020202020204" pitchFamily="34" charset="0"/>
-                <a:hlinkClick r:id="rId2"/>
-              </a:rPr>
-              <a:t>https://roadmap.sh/roadmaps</a:t>
-            </a:r>
-            <a:endParaRPr lang="en-US">
-              <a:latin typeface="Arial" panose="020B0604020202020204" pitchFamily="34" charset="0"/>
-              <a:cs typeface="Arial" panose="020B0604020202020204" pitchFamily="34" charset="0"/>
-            </a:endParaRPr>
-          </a:p>
-        </p:txBody>
-      </p:sp>
+      </p:pic>
       <p:pic>
         <p:nvPicPr>
           <p:cNvPr id="7" name="Рисунок 6">
             <a:extLst>
               <a:ext uri="{FF2B5EF4-FFF2-40B4-BE49-F238E27FC236}">
-                <a16:creationId xmlns:a16="http://schemas.microsoft.com/office/drawing/2014/main" id="{3912C201-0C56-B84B-16C0-343548E3DA07}"/>
+                <a16:creationId xmlns:a16="http://schemas.microsoft.com/office/drawing/2014/main" id="{980B3C43-D138-7FD7-AC3D-E5BACB67DD66}"/>
               </a:ext>
             </a:extLst>
           </p:cNvPr>
@@ -14705,15 +14471,15 @@
           <p:nvPr/>
         </p:nvPicPr>
         <p:blipFill>
-          <a:blip r:embed="rId3"/>
+          <a:blip r:embed="rId4"/>
           <a:stretch>
             <a:fillRect/>
           </a:stretch>
         </p:blipFill>
         <p:spPr>
           <a:xfrm>
-            <a:off x="1003193" y="1901221"/>
-            <a:ext cx="4172991" cy="4817396"/>
+            <a:off x="5189404" y="3158286"/>
+            <a:ext cx="6812982" cy="3540642"/>
           </a:xfrm>
           <a:prstGeom prst="rect">
             <a:avLst/>
@@ -14723,7 +14489,7 @@
     </p:spTree>
     <p:extLst>
       <p:ext uri="{BB962C8B-B14F-4D97-AF65-F5344CB8AC3E}">
-        <p14:creationId xmlns:p14="http://schemas.microsoft.com/office/powerpoint/2010/main" val="1593836141"/>
+        <p14:creationId xmlns:p14="http://schemas.microsoft.com/office/powerpoint/2010/main" val="2261169056"/>
       </p:ext>
     </p:extLst>
   </p:cSld>
@@ -14803,181 +14569,6 @@
         </p:nvSpPr>
         <p:spPr>
           <a:xfrm>
-            <a:off x="1330932" y="224385"/>
-            <a:ext cx="9144000" cy="861161"/>
-          </a:xfrm>
-        </p:spPr>
-        <p:txBody>
-          <a:bodyPr>
-            <a:normAutofit fontScale="90000"/>
-          </a:bodyPr>
-          <a:lstStyle/>
-          <a:p>
-            <a:r>
-              <a:rPr lang="uk-UA" sz="4000" b="1">
-                <a:solidFill>
-                  <a:srgbClr val="0070C0"/>
-                </a:solidFill>
-                <a:latin typeface="SchoolBookCTT" pitchFamily="2" charset="0"/>
-              </a:rPr>
-              <a:t>Зберігання версій та сумісна робота</a:t>
-            </a:r>
-            <a:endParaRPr lang="ru-RU" sz="4000" b="1">
-              <a:solidFill>
-                <a:srgbClr val="0070C0"/>
-              </a:solidFill>
-              <a:latin typeface="SchoolBookCTT" pitchFamily="2" charset="0"/>
-            </a:endParaRPr>
-          </a:p>
-        </p:txBody>
-      </p:sp>
-      <p:pic>
-        <p:nvPicPr>
-          <p:cNvPr id="6" name="Рисунок 5">
-            <a:extLst>
-              <a:ext uri="{FF2B5EF4-FFF2-40B4-BE49-F238E27FC236}">
-                <a16:creationId xmlns:a16="http://schemas.microsoft.com/office/drawing/2014/main" id="{FCAA5F7D-DE83-667E-3226-D3A537558C3F}"/>
-              </a:ext>
-            </a:extLst>
-          </p:cNvPr>
-          <p:cNvPicPr>
-            <a:picLocks noChangeAspect="1"/>
-          </p:cNvPicPr>
-          <p:nvPr/>
-        </p:nvPicPr>
-        <p:blipFill rotWithShape="1">
-          <a:blip r:embed="rId3"/>
-          <a:srcRect l="620" t="827" r="654"/>
-          <a:stretch/>
-        </p:blipFill>
-        <p:spPr>
-          <a:xfrm>
-            <a:off x="189614" y="1169401"/>
-            <a:ext cx="5498805" cy="3759206"/>
-          </a:xfrm>
-          <a:prstGeom prst="rect">
-            <a:avLst/>
-          </a:prstGeom>
-          <a:ln>
-            <a:solidFill>
-              <a:schemeClr val="accent1"/>
-            </a:solidFill>
-          </a:ln>
-        </p:spPr>
-      </p:pic>
-      <p:pic>
-        <p:nvPicPr>
-          <p:cNvPr id="7" name="Рисунок 6">
-            <a:extLst>
-              <a:ext uri="{FF2B5EF4-FFF2-40B4-BE49-F238E27FC236}">
-                <a16:creationId xmlns:a16="http://schemas.microsoft.com/office/drawing/2014/main" id="{980B3C43-D138-7FD7-AC3D-E5BACB67DD66}"/>
-              </a:ext>
-            </a:extLst>
-          </p:cNvPr>
-          <p:cNvPicPr>
-            <a:picLocks noChangeAspect="1"/>
-          </p:cNvPicPr>
-          <p:nvPr/>
-        </p:nvPicPr>
-        <p:blipFill>
-          <a:blip r:embed="rId4"/>
-          <a:stretch>
-            <a:fillRect/>
-          </a:stretch>
-        </p:blipFill>
-        <p:spPr>
-          <a:xfrm>
-            <a:off x="5189404" y="3158286"/>
-            <a:ext cx="6812982" cy="3540642"/>
-          </a:xfrm>
-          <a:prstGeom prst="rect">
-            <a:avLst/>
-          </a:prstGeom>
-        </p:spPr>
-      </p:pic>
-    </p:spTree>
-    <p:extLst>
-      <p:ext uri="{BB962C8B-B14F-4D97-AF65-F5344CB8AC3E}">
-        <p14:creationId xmlns:p14="http://schemas.microsoft.com/office/powerpoint/2010/main" val="2261169056"/>
-      </p:ext>
-    </p:extLst>
-  </p:cSld>
-  <p:clrMapOvr>
-    <a:masterClrMapping/>
-  </p:clrMapOvr>
-</p:sld>
-</file>
-
-<file path=ppt/slides/slide5.xml><?xml version="1.0" encoding="utf-8"?>
-<p:sld xmlns:a="http://schemas.openxmlformats.org/drawingml/2006/main" xmlns:r="http://schemas.openxmlformats.org/officeDocument/2006/relationships" xmlns:p="http://schemas.openxmlformats.org/presentationml/2006/main">
-  <p:cSld>
-    <p:bg>
-      <p:bgPr>
-        <a:gradFill flip="none" rotWithShape="1">
-          <a:gsLst>
-            <a:gs pos="0">
-              <a:schemeClr val="accent1">
-                <a:lumMod val="5000"/>
-                <a:lumOff val="95000"/>
-              </a:schemeClr>
-            </a:gs>
-            <a:gs pos="50000">
-              <a:schemeClr val="accent4">
-                <a:lumMod val="40000"/>
-                <a:lumOff val="60000"/>
-              </a:schemeClr>
-            </a:gs>
-            <a:gs pos="59000">
-              <a:schemeClr val="accent1">
-                <a:lumMod val="20000"/>
-                <a:lumOff val="80000"/>
-              </a:schemeClr>
-            </a:gs>
-            <a:gs pos="100000">
-              <a:schemeClr val="accent1">
-                <a:lumMod val="30000"/>
-                <a:lumOff val="70000"/>
-              </a:schemeClr>
-            </a:gs>
-          </a:gsLst>
-          <a:lin ang="7200000" scaled="0"/>
-          <a:tileRect/>
-        </a:gradFill>
-        <a:effectLst/>
-      </p:bgPr>
-    </p:bg>
-    <p:spTree>
-      <p:nvGrpSpPr>
-        <p:cNvPr id="1" name=""/>
-        <p:cNvGrpSpPr/>
-        <p:nvPr/>
-      </p:nvGrpSpPr>
-      <p:grpSpPr>
-        <a:xfrm>
-          <a:off x="0" y="0"/>
-          <a:ext cx="0" cy="0"/>
-          <a:chOff x="0" y="0"/>
-          <a:chExt cx="0" cy="0"/>
-        </a:xfrm>
-      </p:grpSpPr>
-      <p:sp>
-        <p:nvSpPr>
-          <p:cNvPr id="4" name="Заголовок 3">
-            <a:extLst>
-              <a:ext uri="{FF2B5EF4-FFF2-40B4-BE49-F238E27FC236}">
-                <a16:creationId xmlns:a16="http://schemas.microsoft.com/office/drawing/2014/main" id="{8FE2BCA8-E83D-429B-887D-6FBFF82E5C4F}"/>
-              </a:ext>
-            </a:extLst>
-          </p:cNvPr>
-          <p:cNvSpPr>
-            <a:spLocks noGrp="1"/>
-          </p:cNvSpPr>
-          <p:nvPr>
-            <p:ph type="ctrTitle"/>
-          </p:nvPr>
-        </p:nvSpPr>
-        <p:spPr>
-          <a:xfrm>
             <a:off x="1075751" y="91440"/>
             <a:ext cx="9144000" cy="861161"/>
           </a:xfrm>
@@ -15257,7 +14848,7 @@
 </p:sld>
 </file>
 
-<file path=ppt/slides/slide6.xml><?xml version="1.0" encoding="utf-8"?>
+<file path=ppt/slides/slide5.xml><?xml version="1.0" encoding="utf-8"?>
 <p:sld xmlns:a="http://schemas.openxmlformats.org/drawingml/2006/main" xmlns:r="http://schemas.openxmlformats.org/officeDocument/2006/relationships" xmlns:p="http://schemas.openxmlformats.org/presentationml/2006/main">
   <p:cSld>
     <p:spTree>
@@ -15618,7 +15209,7 @@
 </p:sld>
 </file>
 
-<file path=ppt/slides/slide7.xml><?xml version="1.0" encoding="utf-8"?>
+<file path=ppt/slides/slide6.xml><?xml version="1.0" encoding="utf-8"?>
 <p:sld xmlns:a="http://schemas.openxmlformats.org/drawingml/2006/main" xmlns:r="http://schemas.openxmlformats.org/officeDocument/2006/relationships" xmlns:p="http://schemas.openxmlformats.org/presentationml/2006/main">
   <p:cSld>
     <p:spTree>
@@ -15783,7 +15374,7 @@
 </p:sld>
 </file>
 
-<file path=ppt/slides/slide8.xml><?xml version="1.0" encoding="utf-8"?>
+<file path=ppt/slides/slide7.xml><?xml version="1.0" encoding="utf-8"?>
 <p:sld xmlns:a="http://schemas.openxmlformats.org/drawingml/2006/main" xmlns:r="http://schemas.openxmlformats.org/officeDocument/2006/relationships" xmlns:p="http://schemas.openxmlformats.org/presentationml/2006/main">
   <p:cSld>
     <p:spTree>
@@ -15995,7 +15586,7 @@
 </p:sld>
 </file>
 
-<file path=ppt/slides/slide9.xml><?xml version="1.0" encoding="utf-8"?>
+<file path=ppt/slides/slide8.xml><?xml version="1.0" encoding="utf-8"?>
 <p:sld xmlns:a="http://schemas.openxmlformats.org/drawingml/2006/main" xmlns:r="http://schemas.openxmlformats.org/officeDocument/2006/relationships" xmlns:p="http://schemas.openxmlformats.org/presentationml/2006/main">
   <p:cSld>
     <p:spTree>
@@ -16227,6 +15818,265 @@
     <p:extLst>
       <p:ext uri="{BB962C8B-B14F-4D97-AF65-F5344CB8AC3E}">
         <p14:creationId xmlns:p14="http://schemas.microsoft.com/office/powerpoint/2010/main" val="3597471917"/>
+      </p:ext>
+    </p:extLst>
+  </p:cSld>
+  <p:clrMapOvr>
+    <a:masterClrMapping/>
+  </p:clrMapOvr>
+</p:sld>
+</file>
+
+<file path=ppt/slides/slide9.xml><?xml version="1.0" encoding="utf-8"?>
+<p:sld xmlns:a="http://schemas.openxmlformats.org/drawingml/2006/main" xmlns:r="http://schemas.openxmlformats.org/officeDocument/2006/relationships" xmlns:p="http://schemas.openxmlformats.org/presentationml/2006/main">
+  <p:cSld>
+    <p:bg>
+      <p:bgPr>
+        <a:gradFill flip="none" rotWithShape="1">
+          <a:gsLst>
+            <a:gs pos="0">
+              <a:schemeClr val="accent1">
+                <a:lumMod val="5000"/>
+                <a:lumOff val="95000"/>
+              </a:schemeClr>
+            </a:gs>
+            <a:gs pos="50000">
+              <a:schemeClr val="accent4">
+                <a:lumMod val="40000"/>
+                <a:lumOff val="60000"/>
+              </a:schemeClr>
+            </a:gs>
+            <a:gs pos="59000">
+              <a:schemeClr val="accent1">
+                <a:lumMod val="20000"/>
+                <a:lumOff val="80000"/>
+              </a:schemeClr>
+            </a:gs>
+            <a:gs pos="100000">
+              <a:schemeClr val="accent1">
+                <a:lumMod val="30000"/>
+                <a:lumOff val="70000"/>
+              </a:schemeClr>
+            </a:gs>
+          </a:gsLst>
+          <a:lin ang="7200000" scaled="0"/>
+          <a:tileRect/>
+        </a:gradFill>
+        <a:effectLst/>
+      </p:bgPr>
+    </p:bg>
+    <p:spTree>
+      <p:nvGrpSpPr>
+        <p:cNvPr id="1" name=""/>
+        <p:cNvGrpSpPr/>
+        <p:nvPr/>
+      </p:nvGrpSpPr>
+      <p:grpSpPr>
+        <a:xfrm>
+          <a:off x="0" y="0"/>
+          <a:ext cx="0" cy="0"/>
+          <a:chOff x="0" y="0"/>
+          <a:chExt cx="0" cy="0"/>
+        </a:xfrm>
+      </p:grpSpPr>
+      <p:sp>
+        <p:nvSpPr>
+          <p:cNvPr id="4" name="Заголовок 3">
+            <a:extLst>
+              <a:ext uri="{FF2B5EF4-FFF2-40B4-BE49-F238E27FC236}">
+                <a16:creationId xmlns:a16="http://schemas.microsoft.com/office/drawing/2014/main" id="{8FE2BCA8-E83D-429B-887D-6FBFF82E5C4F}"/>
+              </a:ext>
+            </a:extLst>
+          </p:cNvPr>
+          <p:cNvSpPr>
+            <a:spLocks noGrp="1"/>
+          </p:cNvSpPr>
+          <p:nvPr>
+            <p:ph type="ctrTitle"/>
+          </p:nvPr>
+        </p:nvSpPr>
+        <p:spPr>
+          <a:xfrm>
+            <a:off x="-86807" y="2714323"/>
+            <a:ext cx="5590572" cy="861161"/>
+          </a:xfrm>
+        </p:spPr>
+        <p:txBody>
+          <a:bodyPr>
+            <a:noAutofit/>
+          </a:bodyPr>
+          <a:lstStyle/>
+          <a:p>
+            <a:r>
+              <a:rPr lang="uk-UA" sz="4800" b="1">
+                <a:solidFill>
+                  <a:srgbClr val="0070C0"/>
+                </a:solidFill>
+                <a:latin typeface="SchoolBookCTT" pitchFamily="2" charset="0"/>
+              </a:rPr>
+              <a:t>Стратегії</a:t>
+            </a:r>
+            <a:br>
+              <a:rPr lang="uk-UA" sz="4800" b="1">
+                <a:solidFill>
+                  <a:srgbClr val="0070C0"/>
+                </a:solidFill>
+                <a:latin typeface="SchoolBookCTT" pitchFamily="2" charset="0"/>
+              </a:rPr>
+            </a:br>
+            <a:r>
+              <a:rPr lang="uk-UA" sz="4800" b="1">
+                <a:solidFill>
+                  <a:srgbClr val="0070C0"/>
+                </a:solidFill>
+                <a:latin typeface="SchoolBookCTT" pitchFamily="2" charset="0"/>
+              </a:rPr>
+              <a:t>роботи</a:t>
+            </a:r>
+            <a:endParaRPr lang="ru-RU" sz="4800" b="1">
+              <a:solidFill>
+                <a:srgbClr val="0070C0"/>
+              </a:solidFill>
+              <a:latin typeface="SchoolBookCTT" pitchFamily="2" charset="0"/>
+            </a:endParaRPr>
+          </a:p>
+        </p:txBody>
+      </p:sp>
+      <p:sp>
+        <p:nvSpPr>
+          <p:cNvPr id="10" name="Rectangle 3">
+            <a:extLst>
+              <a:ext uri="{FF2B5EF4-FFF2-40B4-BE49-F238E27FC236}">
+                <a16:creationId xmlns:a16="http://schemas.microsoft.com/office/drawing/2014/main" id="{96159928-9B56-32A4-DB62-47F4F28EFBD5}"/>
+              </a:ext>
+            </a:extLst>
+          </p:cNvPr>
+          <p:cNvSpPr>
+            <a:spLocks noChangeArrowheads="1"/>
+          </p:cNvSpPr>
+          <p:nvPr/>
+        </p:nvSpPr>
+        <p:spPr bwMode="auto">
+          <a:xfrm>
+            <a:off x="0" y="149087"/>
+            <a:ext cx="35266" cy="159026"/>
+          </a:xfrm>
+          <a:prstGeom prst="rect">
+            <a:avLst/>
+          </a:prstGeom>
+          <a:solidFill>
+            <a:srgbClr val="F8F9FA"/>
+          </a:solidFill>
+          <a:ln>
+            <a:noFill/>
+          </a:ln>
+          <a:effectLst/>
+          <a:extLst>
+            <a:ext uri="{91240B29-F687-4F45-9708-019B960494DF}">
+              <a14:hiddenLine xmlns:a14="http://schemas.microsoft.com/office/drawing/2010/main" w="9525">
+                <a:solidFill>
+                  <a:schemeClr val="tx1"/>
+                </a:solidFill>
+                <a:miter lim="800000"/>
+                <a:headEnd/>
+                <a:tailEnd/>
+              </a14:hiddenLine>
+            </a:ext>
+            <a:ext uri="{AF507438-7753-43E0-B8FC-AC1667EBCBE1}">
+              <a14:hiddenEffects xmlns:a14="http://schemas.microsoft.com/office/drawing/2010/main">
+                <a:effectLst>
+                  <a:outerShdw dist="35921" dir="2700000" algn="ctr" rotWithShape="0">
+                    <a:schemeClr val="bg2"/>
+                  </a:outerShdw>
+                </a:effectLst>
+              </a14:hiddenEffects>
+            </a:ext>
+          </a:extLst>
+        </p:spPr>
+        <p:txBody>
+          <a:bodyPr vert="horz" wrap="none" lIns="0" tIns="-12696" rIns="0" bIns="-12696" numCol="1" anchor="ctr" anchorCtr="0" compatLnSpc="1">
+            <a:prstTxWarp prst="textNoShape">
+              <a:avLst/>
+            </a:prstTxWarp>
+            <a:spAutoFit/>
+          </a:bodyPr>
+          <a:lstStyle/>
+          <a:p>
+            <a:pPr marL="0" marR="0" lvl="0" indent="0" algn="l" defTabSz="914400" rtl="0" eaLnBrk="0" fontAlgn="base" latinLnBrk="0" hangingPunct="0">
+              <a:lnSpc>
+                <a:spcPct val="100000"/>
+              </a:lnSpc>
+              <a:spcBef>
+                <a:spcPct val="0"/>
+              </a:spcBef>
+              <a:spcAft>
+                <a:spcPct val="0"/>
+              </a:spcAft>
+              <a:buClrTx/>
+              <a:buSzTx/>
+              <a:buFontTx/>
+              <a:buNone/>
+              <a:tabLst/>
+            </a:pPr>
+            <a:r>
+              <a:rPr kumimoji="0" lang="ru-RU" altLang="ru-RU" sz="1200" b="0" i="0" u="none" strike="noStrike" cap="none" normalizeH="0" baseline="0">
+                <a:ln>
+                  <a:noFill/>
+                </a:ln>
+                <a:solidFill>
+                  <a:schemeClr val="tx1"/>
+                </a:solidFill>
+                <a:effectLst/>
+              </a:rPr>
+              <a:t> </a:t>
+            </a:r>
+            <a:endParaRPr kumimoji="0" lang="ru-RU" altLang="ru-RU" sz="1800" b="0" i="0" u="none" strike="noStrike" cap="none" normalizeH="0" baseline="0">
+              <a:ln>
+                <a:noFill/>
+              </a:ln>
+              <a:solidFill>
+                <a:schemeClr val="tx1"/>
+              </a:solidFill>
+              <a:effectLst/>
+              <a:latin typeface="Arial" panose="020B0604020202020204" pitchFamily="34" charset="0"/>
+            </a:endParaRPr>
+          </a:p>
+        </p:txBody>
+      </p:sp>
+      <p:pic>
+        <p:nvPicPr>
+          <p:cNvPr id="3" name="Рисунок 2">
+            <a:extLst>
+              <a:ext uri="{FF2B5EF4-FFF2-40B4-BE49-F238E27FC236}">
+                <a16:creationId xmlns:a16="http://schemas.microsoft.com/office/drawing/2014/main" id="{C3C8138B-DDC2-32D6-30F3-E115C5A157E1}"/>
+              </a:ext>
+            </a:extLst>
+          </p:cNvPr>
+          <p:cNvPicPr>
+            <a:picLocks noChangeAspect="1"/>
+          </p:cNvPicPr>
+          <p:nvPr/>
+        </p:nvPicPr>
+        <p:blipFill>
+          <a:blip r:embed="rId3"/>
+          <a:stretch>
+            <a:fillRect/>
+          </a:stretch>
+        </p:blipFill>
+        <p:spPr>
+          <a:xfrm>
+            <a:off x="6399479" y="461962"/>
+            <a:ext cx="4572000" cy="5934075"/>
+          </a:xfrm>
+          <a:prstGeom prst="rect">
+            <a:avLst/>
+          </a:prstGeom>
+        </p:spPr>
+      </p:pic>
+    </p:spTree>
+    <p:extLst>
+      <p:ext uri="{BB962C8B-B14F-4D97-AF65-F5344CB8AC3E}">
+        <p14:creationId xmlns:p14="http://schemas.microsoft.com/office/powerpoint/2010/main" val="4233615946"/>
       </p:ext>
     </p:extLst>
   </p:cSld>
@@ -17088,12 +16938,6 @@
 </file>
 
 <file path=customXml/item1.xml><?xml version="1.0" encoding="utf-8"?>
-<p:properties xmlns:p="http://schemas.microsoft.com/office/2006/metadata/properties" xmlns:xsi="http://www.w3.org/2001/XMLSchema-instance" xmlns:pc="http://schemas.microsoft.com/office/infopath/2007/PartnerControls">
-  <documentManagement/>
-</p:properties>
-</file>
-
-<file path=customXml/item2.xml><?xml version="1.0" encoding="utf-8"?>
 <ct:contentTypeSchema xmlns:ct="http://schemas.microsoft.com/office/2006/metadata/contentType" xmlns:ma="http://schemas.microsoft.com/office/2006/metadata/properties/metaAttributes" ct:_="" ma:_="" ma:contentTypeName="Документ" ma:contentTypeID="0x0101002456107565CA6A43A05392B760F0FD8D" ma:contentTypeVersion="4" ma:contentTypeDescription="Створення нового документа." ma:contentTypeScope="" ma:versionID="440ddeae695cebc829050b9b618af465">
   <xsd:schema xmlns:xsd="http://www.w3.org/2001/XMLSchema" xmlns:xs="http://www.w3.org/2001/XMLSchema" xmlns:p="http://schemas.microsoft.com/office/2006/metadata/properties" xmlns:ns2="6b47e03e-19f2-493e-94c5-5bbacad2cd70" targetNamespace="http://schemas.microsoft.com/office/2006/metadata/properties" ma:root="true" ma:fieldsID="8376abdcb6cc6889913e7a065f7b4981" ns2:_="">
     <xsd:import namespace="6b47e03e-19f2-493e-94c5-5bbacad2cd70"/>
@@ -17237,6 +17081,12 @@
 </ct:contentTypeSchema>
 </file>
 
+<file path=customXml/item2.xml><?xml version="1.0" encoding="utf-8"?>
+<p:properties xmlns:p="http://schemas.microsoft.com/office/2006/metadata/properties" xmlns:xsi="http://www.w3.org/2001/XMLSchema-instance" xmlns:pc="http://schemas.microsoft.com/office/infopath/2007/PartnerControls">
+  <documentManagement/>
+</p:properties>
+</file>
+
 <file path=customXml/item3.xml><?xml version="1.0" encoding="utf-8"?>
 <?mso-contentType ?>
 <FormTemplates xmlns="http://schemas.microsoft.com/sharepoint/v3/contenttype/forms">
@@ -17247,15 +17097,6 @@
 </file>
 
 <file path=customXml/itemProps1.xml><?xml version="1.0" encoding="utf-8"?>
-<ds:datastoreItem xmlns:ds="http://schemas.openxmlformats.org/officeDocument/2006/customXml" ds:itemID="{C35D743B-B188-4C38-B82D-7FD8B3A77642}">
-  <ds:schemaRefs>
-    <ds:schemaRef ds:uri="http://schemas.microsoft.com/office/2006/metadata/properties"/>
-    <ds:schemaRef ds:uri="http://schemas.microsoft.com/office/infopath/2007/PartnerControls"/>
-  </ds:schemaRefs>
-</ds:datastoreItem>
-</file>
-
-<file path=customXml/itemProps2.xml><?xml version="1.0" encoding="utf-8"?>
 <ds:datastoreItem xmlns:ds="http://schemas.openxmlformats.org/officeDocument/2006/customXml" ds:itemID="{909E67F0-53DF-4575-B501-3419DF25270A}">
   <ds:schemaRefs>
     <ds:schemaRef ds:uri="6b47e03e-19f2-493e-94c5-5bbacad2cd70"/>
@@ -17273,6 +17114,15 @@
 </ds:datastoreItem>
 </file>
 
+<file path=customXml/itemProps2.xml><?xml version="1.0" encoding="utf-8"?>
+<ds:datastoreItem xmlns:ds="http://schemas.openxmlformats.org/officeDocument/2006/customXml" ds:itemID="{C35D743B-B188-4C38-B82D-7FD8B3A77642}">
+  <ds:schemaRefs>
+    <ds:schemaRef ds:uri="http://schemas.microsoft.com/office/2006/metadata/properties"/>
+    <ds:schemaRef ds:uri="http://schemas.microsoft.com/office/infopath/2007/PartnerControls"/>
+  </ds:schemaRefs>
+</ds:datastoreItem>
+</file>
+
 <file path=customXml/itemProps3.xml><?xml version="1.0" encoding="utf-8"?>
 <ds:datastoreItem xmlns:ds="http://schemas.openxmlformats.org/officeDocument/2006/customXml" ds:itemID="{A345D2DA-A096-4BBF-9135-8FD4BD4C8C20}">
   <ds:schemaRefs>

--- a/Git_1 part.pptx
+++ b/Git_1 part.pptx
@@ -5,40 +5,41 @@
     <p:sldMasterId id="2147483851" r:id="rId4"/>
   </p:sldMasterIdLst>
   <p:notesMasterIdLst>
-    <p:notesMasterId r:id="rId33"/>
+    <p:notesMasterId r:id="rId34"/>
   </p:notesMasterIdLst>
   <p:handoutMasterIdLst>
-    <p:handoutMasterId r:id="rId34"/>
+    <p:handoutMasterId r:id="rId35"/>
   </p:handoutMasterIdLst>
   <p:sldIdLst>
     <p:sldId id="334" r:id="rId5"/>
-    <p:sldId id="313" r:id="rId6"/>
-    <p:sldId id="282" r:id="rId7"/>
-    <p:sldId id="317" r:id="rId8"/>
-    <p:sldId id="289" r:id="rId9"/>
-    <p:sldId id="306" r:id="rId10"/>
-    <p:sldId id="307" r:id="rId11"/>
-    <p:sldId id="283" r:id="rId12"/>
-    <p:sldId id="318" r:id="rId13"/>
-    <p:sldId id="319" r:id="rId14"/>
-    <p:sldId id="320" r:id="rId15"/>
-    <p:sldId id="284" r:id="rId16"/>
-    <p:sldId id="314" r:id="rId17"/>
-    <p:sldId id="315" r:id="rId18"/>
-    <p:sldId id="316" r:id="rId19"/>
-    <p:sldId id="321" r:id="rId20"/>
-    <p:sldId id="322" r:id="rId21"/>
-    <p:sldId id="323" r:id="rId22"/>
-    <p:sldId id="324" r:id="rId23"/>
-    <p:sldId id="325" r:id="rId24"/>
-    <p:sldId id="326" r:id="rId25"/>
-    <p:sldId id="327" r:id="rId26"/>
-    <p:sldId id="330" r:id="rId27"/>
-    <p:sldId id="328" r:id="rId28"/>
-    <p:sldId id="329" r:id="rId29"/>
-    <p:sldId id="331" r:id="rId30"/>
-    <p:sldId id="333" r:id="rId31"/>
-    <p:sldId id="332" r:id="rId32"/>
+    <p:sldId id="335" r:id="rId6"/>
+    <p:sldId id="313" r:id="rId7"/>
+    <p:sldId id="282" r:id="rId8"/>
+    <p:sldId id="317" r:id="rId9"/>
+    <p:sldId id="289" r:id="rId10"/>
+    <p:sldId id="306" r:id="rId11"/>
+    <p:sldId id="307" r:id="rId12"/>
+    <p:sldId id="283" r:id="rId13"/>
+    <p:sldId id="318" r:id="rId14"/>
+    <p:sldId id="319" r:id="rId15"/>
+    <p:sldId id="320" r:id="rId16"/>
+    <p:sldId id="284" r:id="rId17"/>
+    <p:sldId id="314" r:id="rId18"/>
+    <p:sldId id="315" r:id="rId19"/>
+    <p:sldId id="316" r:id="rId20"/>
+    <p:sldId id="321" r:id="rId21"/>
+    <p:sldId id="322" r:id="rId22"/>
+    <p:sldId id="323" r:id="rId23"/>
+    <p:sldId id="324" r:id="rId24"/>
+    <p:sldId id="325" r:id="rId25"/>
+    <p:sldId id="326" r:id="rId26"/>
+    <p:sldId id="327" r:id="rId27"/>
+    <p:sldId id="330" r:id="rId28"/>
+    <p:sldId id="328" r:id="rId29"/>
+    <p:sldId id="329" r:id="rId30"/>
+    <p:sldId id="331" r:id="rId31"/>
+    <p:sldId id="333" r:id="rId32"/>
+    <p:sldId id="332" r:id="rId33"/>
   </p:sldIdLst>
   <p:sldSz cx="12192000" cy="6858000"/>
   <p:notesSz cx="6858000" cy="9144000"/>
@@ -164,8 +165,8 @@
 <p1510:revInfo xmlns:a="http://schemas.openxmlformats.org/drawingml/2006/main" xmlns:r="http://schemas.openxmlformats.org/officeDocument/2006/relationships" xmlns:p1510="http://schemas.microsoft.com/office/powerpoint/2015/10/main">
   <p1510:revLst>
     <p1510:client id="{4A3F3CD4-87AB-4CDB-98DA-5A2ADC992FE5}" v="1" dt="2022-10-03T11:17:20.651"/>
+    <p1510:client id="{7243DB7B-6519-4113-9313-0D5BD1DD6196}" v="1" dt="2022-10-06T06:08:40.457"/>
     <p1510:client id="{9B9D4C16-5A73-44FC-B81C-E033F386BE81}" v="3" dt="2022-09-29T11:01:00.115"/>
-    <p1510:client id="{7243DB7B-6519-4113-9313-0D5BD1DD6196}" v="1" dt="2022-10-06T06:08:40.457"/>
     <p1510:client id="{A1854464-AA8C-4528-8FEA-3C375E66B42A}" v="7" dt="2022-10-06T09:52:16.683"/>
   </p1510:revLst>
 </p1510:revInfo>
@@ -2470,7 +2471,7 @@
           <a:p>
             <a:fld id="{C83854A3-6714-4526-AEDE-747CDFA70004}" type="slidenum">
               <a:rPr lang="ru-RU" smtClean="0"/>
-              <a:t>3</a:t>
+              <a:t>4</a:t>
             </a:fld>
             <a:endParaRPr lang="ru-RU"/>
           </a:p>
@@ -2573,7 +2574,7 @@
           <a:p>
             <a:fld id="{C83854A3-6714-4526-AEDE-747CDFA70004}" type="slidenum">
               <a:rPr lang="ru-RU" smtClean="0"/>
-              <a:t>4</a:t>
+              <a:t>5</a:t>
             </a:fld>
             <a:endParaRPr lang="ru-RU"/>
           </a:p>
@@ -2676,7 +2677,7 @@
           <a:p>
             <a:fld id="{C83854A3-6714-4526-AEDE-747CDFA70004}" type="slidenum">
               <a:rPr lang="ru-RU" smtClean="0"/>
-              <a:t>9</a:t>
+              <a:t>10</a:t>
             </a:fld>
             <a:endParaRPr lang="ru-RU"/>
           </a:p>
@@ -5588,6 +5589,36 @@
           <a:chExt cx="0" cy="0"/>
         </a:xfrm>
       </p:grpSpPr>
+      <p:pic>
+        <p:nvPicPr>
+          <p:cNvPr id="23" name="Рисунок 22">
+            <a:extLst>
+              <a:ext uri="{FF2B5EF4-FFF2-40B4-BE49-F238E27FC236}">
+                <a16:creationId xmlns:a16="http://schemas.microsoft.com/office/drawing/2014/main" id="{650B50BA-742F-4FE0-8686-263EB4DC2BDF}"/>
+              </a:ext>
+            </a:extLst>
+          </p:cNvPr>
+          <p:cNvPicPr>
+            <a:picLocks noChangeAspect="1"/>
+          </p:cNvPicPr>
+          <p:nvPr/>
+        </p:nvPicPr>
+        <p:blipFill>
+          <a:blip r:embed="rId2"/>
+          <a:stretch>
+            <a:fillRect/>
+          </a:stretch>
+        </p:blipFill>
+        <p:spPr>
+          <a:xfrm>
+            <a:off x="11157919" y="4134518"/>
+            <a:ext cx="1010292" cy="1411041"/>
+          </a:xfrm>
+          <a:prstGeom prst="rect">
+            <a:avLst/>
+          </a:prstGeom>
+        </p:spPr>
+      </p:pic>
       <p:sp>
         <p:nvSpPr>
           <p:cNvPr id="2" name="Заголовок 1">
@@ -5606,7 +5637,7 @@
         </p:nvSpPr>
         <p:spPr>
           <a:xfrm>
-            <a:off x="1426496" y="1160145"/>
+            <a:off x="1352072" y="1160145"/>
             <a:ext cx="9590468" cy="4537710"/>
           </a:xfrm>
         </p:spPr>
@@ -5617,22 +5648,22 @@
           <a:lstStyle/>
           <a:p>
             <a:br>
-              <a:rPr lang="uk-UA" b="1">
+              <a:rPr lang="uk-UA" b="1" dirty="0">
                 <a:latin typeface="SchoolBookCTT" pitchFamily="2" charset="0"/>
               </a:rPr>
             </a:br>
             <a:br>
-              <a:rPr lang="uk-UA" sz="3600" b="1">
+              <a:rPr lang="uk-UA" sz="3600" b="1" dirty="0">
                 <a:latin typeface="SchoolBookCTT" pitchFamily="2" charset="0"/>
               </a:rPr>
             </a:br>
             <a:br>
-              <a:rPr lang="uk-UA" b="1">
+              <a:rPr lang="uk-UA" b="1" dirty="0">
                 <a:latin typeface="SchoolBookCTT" pitchFamily="2" charset="0"/>
               </a:rPr>
             </a:br>
             <a:r>
-              <a:rPr lang="uk-UA" b="1">
+              <a:rPr lang="uk-UA" b="1" dirty="0">
                 <a:solidFill>
                   <a:srgbClr val="0070C0"/>
                 </a:solidFill>
@@ -5641,7 +5672,7 @@
               <a:t>Алгоритми та структури даних</a:t>
             </a:r>
             <a:br>
-              <a:rPr lang="uk-UA" b="1">
+              <a:rPr lang="uk-UA" b="1" dirty="0">
                 <a:solidFill>
                   <a:srgbClr val="0070C0"/>
                 </a:solidFill>
@@ -5649,41 +5680,32 @@
               </a:rPr>
             </a:br>
             <a:br>
-              <a:rPr lang="uk-UA" b="1">
+              <a:rPr lang="uk-UA" b="1" dirty="0">
                 <a:solidFill>
                   <a:srgbClr val="0070C0"/>
                 </a:solidFill>
                 <a:latin typeface="SchoolBookCTT" pitchFamily="2" charset="0"/>
               </a:rPr>
             </a:br>
-            <a:r>
-              <a:rPr lang="uk-UA" sz="3200" b="1">
-                <a:solidFill>
-                  <a:srgbClr val="413D3D"/>
-                </a:solidFill>
-                <a:latin typeface="SchoolBookCTT" pitchFamily="2" charset="0"/>
-              </a:rPr>
-              <a:t>Карпенко Надія Валеріївна</a:t>
-            </a:r>
             <a:br>
-              <a:rPr lang="uk-UA" sz="3100" b="1">
+              <a:rPr lang="uk-UA" sz="3100" b="1" dirty="0">
                 <a:latin typeface="SchoolBookCTT" pitchFamily="2" charset="0"/>
               </a:rPr>
             </a:br>
             <a:br>
-              <a:rPr lang="uk-UA" sz="3100" b="1">
+              <a:rPr lang="uk-UA" sz="3100" b="1" dirty="0">
                 <a:latin typeface="SchoolBookCTT" pitchFamily="2" charset="0"/>
               </a:rPr>
             </a:br>
             <a:br>
-              <a:rPr lang="uk-UA" sz="2400" b="1">
+              <a:rPr lang="uk-UA" sz="2400" b="1" dirty="0">
                 <a:solidFill>
                   <a:srgbClr val="FF0000"/>
                 </a:solidFill>
                 <a:latin typeface="SchoolBookCTT" pitchFamily="2" charset="0"/>
               </a:rPr>
             </a:br>
-            <a:endParaRPr lang="uk-UA" sz="2400" b="1">
+            <a:endParaRPr lang="uk-UA" sz="2400" b="1" dirty="0">
               <a:latin typeface="SchoolBookCTT" pitchFamily="2" charset="0"/>
             </a:endParaRPr>
           </a:p>
@@ -5711,8 +5733,848 @@
         </p:blipFill>
         <p:spPr>
           <a:xfrm>
-            <a:off x="290474" y="251459"/>
+            <a:off x="-5918" y="0"/>
             <a:ext cx="1010292" cy="1411041"/>
+          </a:xfrm>
+          <a:prstGeom prst="rect">
+            <a:avLst/>
+          </a:prstGeom>
+        </p:spPr>
+      </p:pic>
+      <p:pic>
+        <p:nvPicPr>
+          <p:cNvPr id="4" name="Рисунок 3">
+            <a:extLst>
+              <a:ext uri="{FF2B5EF4-FFF2-40B4-BE49-F238E27FC236}">
+                <a16:creationId xmlns:a16="http://schemas.microsoft.com/office/drawing/2014/main" id="{8DED1459-D0EE-4706-B03C-ADBC3FC93F6D}"/>
+              </a:ext>
+            </a:extLst>
+          </p:cNvPr>
+          <p:cNvPicPr>
+            <a:picLocks noChangeAspect="1"/>
+          </p:cNvPicPr>
+          <p:nvPr/>
+        </p:nvPicPr>
+        <p:blipFill>
+          <a:blip r:embed="rId2"/>
+          <a:stretch>
+            <a:fillRect/>
+          </a:stretch>
+        </p:blipFill>
+        <p:spPr>
+          <a:xfrm>
+            <a:off x="11088210" y="0"/>
+            <a:ext cx="1103790" cy="1411041"/>
+          </a:xfrm>
+          <a:prstGeom prst="rect">
+            <a:avLst/>
+          </a:prstGeom>
+        </p:spPr>
+      </p:pic>
+      <p:pic>
+        <p:nvPicPr>
+          <p:cNvPr id="6" name="Рисунок 5">
+            <a:extLst>
+              <a:ext uri="{FF2B5EF4-FFF2-40B4-BE49-F238E27FC236}">
+                <a16:creationId xmlns:a16="http://schemas.microsoft.com/office/drawing/2014/main" id="{CE4EB526-B266-4E3D-A707-3FEB45F89DFC}"/>
+              </a:ext>
+            </a:extLst>
+          </p:cNvPr>
+          <p:cNvPicPr>
+            <a:picLocks noChangeAspect="1"/>
+          </p:cNvPicPr>
+          <p:nvPr/>
+        </p:nvPicPr>
+        <p:blipFill>
+          <a:blip r:embed="rId2"/>
+          <a:stretch>
+            <a:fillRect/>
+          </a:stretch>
+        </p:blipFill>
+        <p:spPr>
+          <a:xfrm>
+            <a:off x="23789" y="5446953"/>
+            <a:ext cx="1054682" cy="1411041"/>
+          </a:xfrm>
+          <a:prstGeom prst="rect">
+            <a:avLst/>
+          </a:prstGeom>
+        </p:spPr>
+      </p:pic>
+      <p:pic>
+        <p:nvPicPr>
+          <p:cNvPr id="7" name="Рисунок 6">
+            <a:extLst>
+              <a:ext uri="{FF2B5EF4-FFF2-40B4-BE49-F238E27FC236}">
+                <a16:creationId xmlns:a16="http://schemas.microsoft.com/office/drawing/2014/main" id="{E6538EBA-A9C2-4412-B43B-04646680653A}"/>
+              </a:ext>
+            </a:extLst>
+          </p:cNvPr>
+          <p:cNvPicPr>
+            <a:picLocks noChangeAspect="1"/>
+          </p:cNvPicPr>
+          <p:nvPr/>
+        </p:nvPicPr>
+        <p:blipFill>
+          <a:blip r:embed="rId2"/>
+          <a:stretch>
+            <a:fillRect/>
+          </a:stretch>
+        </p:blipFill>
+        <p:spPr>
+          <a:xfrm>
+            <a:off x="4019818" y="5446959"/>
+            <a:ext cx="1010292" cy="1411041"/>
+          </a:xfrm>
+          <a:prstGeom prst="rect">
+            <a:avLst/>
+          </a:prstGeom>
+        </p:spPr>
+      </p:pic>
+      <p:pic>
+        <p:nvPicPr>
+          <p:cNvPr id="8" name="Рисунок 7">
+            <a:extLst>
+              <a:ext uri="{FF2B5EF4-FFF2-40B4-BE49-F238E27FC236}">
+                <a16:creationId xmlns:a16="http://schemas.microsoft.com/office/drawing/2014/main" id="{6E345A68-AB27-41A0-B239-AFC1C050A11D}"/>
+              </a:ext>
+            </a:extLst>
+          </p:cNvPr>
+          <p:cNvPicPr>
+            <a:picLocks noChangeAspect="1"/>
+          </p:cNvPicPr>
+          <p:nvPr/>
+        </p:nvPicPr>
+        <p:blipFill>
+          <a:blip r:embed="rId2"/>
+          <a:stretch>
+            <a:fillRect/>
+          </a:stretch>
+        </p:blipFill>
+        <p:spPr>
+          <a:xfrm>
+            <a:off x="3009526" y="5446959"/>
+            <a:ext cx="1010292" cy="1411041"/>
+          </a:xfrm>
+          <a:prstGeom prst="rect">
+            <a:avLst/>
+          </a:prstGeom>
+        </p:spPr>
+      </p:pic>
+      <p:pic>
+        <p:nvPicPr>
+          <p:cNvPr id="9" name="Рисунок 8">
+            <a:extLst>
+              <a:ext uri="{FF2B5EF4-FFF2-40B4-BE49-F238E27FC236}">
+                <a16:creationId xmlns:a16="http://schemas.microsoft.com/office/drawing/2014/main" id="{CE7481F1-9FAD-4E53-B1FF-D6C0DBCA4B50}"/>
+              </a:ext>
+            </a:extLst>
+          </p:cNvPr>
+          <p:cNvPicPr>
+            <a:picLocks noChangeAspect="1"/>
+          </p:cNvPicPr>
+          <p:nvPr/>
+        </p:nvPicPr>
+        <p:blipFill>
+          <a:blip r:embed="rId2"/>
+          <a:stretch>
+            <a:fillRect/>
+          </a:stretch>
+        </p:blipFill>
+        <p:spPr>
+          <a:xfrm>
+            <a:off x="2016990" y="5446957"/>
+            <a:ext cx="1010292" cy="1411041"/>
+          </a:xfrm>
+          <a:prstGeom prst="rect">
+            <a:avLst/>
+          </a:prstGeom>
+        </p:spPr>
+      </p:pic>
+      <p:pic>
+        <p:nvPicPr>
+          <p:cNvPr id="10" name="Рисунок 9">
+            <a:extLst>
+              <a:ext uri="{FF2B5EF4-FFF2-40B4-BE49-F238E27FC236}">
+                <a16:creationId xmlns:a16="http://schemas.microsoft.com/office/drawing/2014/main" id="{407BA069-584B-4343-8E94-29A70A8F3917}"/>
+              </a:ext>
+            </a:extLst>
+          </p:cNvPr>
+          <p:cNvPicPr>
+            <a:picLocks noChangeAspect="1"/>
+          </p:cNvPicPr>
+          <p:nvPr/>
+        </p:nvPicPr>
+        <p:blipFill>
+          <a:blip r:embed="rId2"/>
+          <a:stretch>
+            <a:fillRect/>
+          </a:stretch>
+        </p:blipFill>
+        <p:spPr>
+          <a:xfrm>
+            <a:off x="1048764" y="5446959"/>
+            <a:ext cx="1010292" cy="1411041"/>
+          </a:xfrm>
+          <a:prstGeom prst="rect">
+            <a:avLst/>
+          </a:prstGeom>
+        </p:spPr>
+      </p:pic>
+      <p:pic>
+        <p:nvPicPr>
+          <p:cNvPr id="11" name="Рисунок 10">
+            <a:extLst>
+              <a:ext uri="{FF2B5EF4-FFF2-40B4-BE49-F238E27FC236}">
+                <a16:creationId xmlns:a16="http://schemas.microsoft.com/office/drawing/2014/main" id="{17789973-50C4-48AA-B727-09E53B757282}"/>
+              </a:ext>
+            </a:extLst>
+          </p:cNvPr>
+          <p:cNvPicPr>
+            <a:picLocks noChangeAspect="1"/>
+          </p:cNvPicPr>
+          <p:nvPr/>
+        </p:nvPicPr>
+        <p:blipFill>
+          <a:blip r:embed="rId2"/>
+          <a:stretch>
+            <a:fillRect/>
+          </a:stretch>
+        </p:blipFill>
+        <p:spPr>
+          <a:xfrm>
+            <a:off x="5034404" y="5446959"/>
+            <a:ext cx="1010292" cy="1411041"/>
+          </a:xfrm>
+          <a:prstGeom prst="rect">
+            <a:avLst/>
+          </a:prstGeom>
+        </p:spPr>
+      </p:pic>
+      <p:pic>
+        <p:nvPicPr>
+          <p:cNvPr id="12" name="Рисунок 11">
+            <a:extLst>
+              <a:ext uri="{FF2B5EF4-FFF2-40B4-BE49-F238E27FC236}">
+                <a16:creationId xmlns:a16="http://schemas.microsoft.com/office/drawing/2014/main" id="{8109EA6D-C6E2-45DF-94FD-595956845CF7}"/>
+              </a:ext>
+            </a:extLst>
+          </p:cNvPr>
+          <p:cNvPicPr>
+            <a:picLocks noChangeAspect="1"/>
+          </p:cNvPicPr>
+          <p:nvPr/>
+        </p:nvPicPr>
+        <p:blipFill>
+          <a:blip r:embed="rId2"/>
+          <a:stretch>
+            <a:fillRect/>
+          </a:stretch>
+        </p:blipFill>
+        <p:spPr>
+          <a:xfrm>
+            <a:off x="6042759" y="5446959"/>
+            <a:ext cx="1010292" cy="1411041"/>
+          </a:xfrm>
+          <a:prstGeom prst="rect">
+            <a:avLst/>
+          </a:prstGeom>
+        </p:spPr>
+      </p:pic>
+      <p:pic>
+        <p:nvPicPr>
+          <p:cNvPr id="13" name="Рисунок 12">
+            <a:extLst>
+              <a:ext uri="{FF2B5EF4-FFF2-40B4-BE49-F238E27FC236}">
+                <a16:creationId xmlns:a16="http://schemas.microsoft.com/office/drawing/2014/main" id="{356066EB-C036-43A6-9EDE-CCADA4396135}"/>
+              </a:ext>
+            </a:extLst>
+          </p:cNvPr>
+          <p:cNvPicPr>
+            <a:picLocks noChangeAspect="1"/>
+          </p:cNvPicPr>
+          <p:nvPr/>
+        </p:nvPicPr>
+        <p:blipFill>
+          <a:blip r:embed="rId2"/>
+          <a:stretch>
+            <a:fillRect/>
+          </a:stretch>
+        </p:blipFill>
+        <p:spPr>
+          <a:xfrm>
+            <a:off x="7056311" y="5446956"/>
+            <a:ext cx="1010292" cy="1411041"/>
+          </a:xfrm>
+          <a:prstGeom prst="rect">
+            <a:avLst/>
+          </a:prstGeom>
+        </p:spPr>
+      </p:pic>
+      <p:pic>
+        <p:nvPicPr>
+          <p:cNvPr id="14" name="Рисунок 13">
+            <a:extLst>
+              <a:ext uri="{FF2B5EF4-FFF2-40B4-BE49-F238E27FC236}">
+                <a16:creationId xmlns:a16="http://schemas.microsoft.com/office/drawing/2014/main" id="{45186256-3EC1-4EB0-9881-384FD4DBA8C1}"/>
+              </a:ext>
+            </a:extLst>
+          </p:cNvPr>
+          <p:cNvPicPr>
+            <a:picLocks noChangeAspect="1"/>
+          </p:cNvPicPr>
+          <p:nvPr/>
+        </p:nvPicPr>
+        <p:blipFill>
+          <a:blip r:embed="rId2"/>
+          <a:stretch>
+            <a:fillRect/>
+          </a:stretch>
+        </p:blipFill>
+        <p:spPr>
+          <a:xfrm>
+            <a:off x="8075481" y="5446959"/>
+            <a:ext cx="1010292" cy="1411041"/>
+          </a:xfrm>
+          <a:prstGeom prst="rect">
+            <a:avLst/>
+          </a:prstGeom>
+        </p:spPr>
+      </p:pic>
+      <p:pic>
+        <p:nvPicPr>
+          <p:cNvPr id="15" name="Рисунок 14">
+            <a:extLst>
+              <a:ext uri="{FF2B5EF4-FFF2-40B4-BE49-F238E27FC236}">
+                <a16:creationId xmlns:a16="http://schemas.microsoft.com/office/drawing/2014/main" id="{61E4397B-77F7-4BE8-B5E9-ED9A476D3886}"/>
+              </a:ext>
+            </a:extLst>
+          </p:cNvPr>
+          <p:cNvPicPr>
+            <a:picLocks noChangeAspect="1"/>
+          </p:cNvPicPr>
+          <p:nvPr/>
+        </p:nvPicPr>
+        <p:blipFill>
+          <a:blip r:embed="rId2"/>
+          <a:stretch>
+            <a:fillRect/>
+          </a:stretch>
+        </p:blipFill>
+        <p:spPr>
+          <a:xfrm>
+            <a:off x="9082650" y="5464711"/>
+            <a:ext cx="1010292" cy="1411041"/>
+          </a:xfrm>
+          <a:prstGeom prst="rect">
+            <a:avLst/>
+          </a:prstGeom>
+        </p:spPr>
+      </p:pic>
+      <p:pic>
+        <p:nvPicPr>
+          <p:cNvPr id="16" name="Рисунок 15">
+            <a:extLst>
+              <a:ext uri="{FF2B5EF4-FFF2-40B4-BE49-F238E27FC236}">
+                <a16:creationId xmlns:a16="http://schemas.microsoft.com/office/drawing/2014/main" id="{C44AFE5E-BB7C-4C3C-93B6-61B4987BF04A}"/>
+              </a:ext>
+            </a:extLst>
+          </p:cNvPr>
+          <p:cNvPicPr>
+            <a:picLocks noChangeAspect="1"/>
+          </p:cNvPicPr>
+          <p:nvPr/>
+        </p:nvPicPr>
+        <p:blipFill>
+          <a:blip r:embed="rId2"/>
+          <a:stretch>
+            <a:fillRect/>
+          </a:stretch>
+        </p:blipFill>
+        <p:spPr>
+          <a:xfrm>
+            <a:off x="10092378" y="5464713"/>
+            <a:ext cx="1010292" cy="1411041"/>
+          </a:xfrm>
+          <a:prstGeom prst="rect">
+            <a:avLst/>
+          </a:prstGeom>
+        </p:spPr>
+      </p:pic>
+      <p:pic>
+        <p:nvPicPr>
+          <p:cNvPr id="17" name="Рисунок 16">
+            <a:extLst>
+              <a:ext uri="{FF2B5EF4-FFF2-40B4-BE49-F238E27FC236}">
+                <a16:creationId xmlns:a16="http://schemas.microsoft.com/office/drawing/2014/main" id="{6A7E9A9E-CBC6-482F-BFF6-A5D27F6B1965}"/>
+              </a:ext>
+            </a:extLst>
+          </p:cNvPr>
+          <p:cNvPicPr>
+            <a:picLocks noChangeAspect="1"/>
+          </p:cNvPicPr>
+          <p:nvPr/>
+        </p:nvPicPr>
+        <p:blipFill>
+          <a:blip r:embed="rId2"/>
+          <a:stretch>
+            <a:fillRect/>
+          </a:stretch>
+        </p:blipFill>
+        <p:spPr>
+          <a:xfrm>
+            <a:off x="11088210" y="5446954"/>
+            <a:ext cx="1103790" cy="1411041"/>
+          </a:xfrm>
+          <a:prstGeom prst="rect">
+            <a:avLst/>
+          </a:prstGeom>
+        </p:spPr>
+      </p:pic>
+      <p:pic>
+        <p:nvPicPr>
+          <p:cNvPr id="18" name="Рисунок 17">
+            <a:extLst>
+              <a:ext uri="{FF2B5EF4-FFF2-40B4-BE49-F238E27FC236}">
+                <a16:creationId xmlns:a16="http://schemas.microsoft.com/office/drawing/2014/main" id="{B627398F-500A-4783-A23E-C2B465DCE93C}"/>
+              </a:ext>
+            </a:extLst>
+          </p:cNvPr>
+          <p:cNvPicPr>
+            <a:picLocks noChangeAspect="1"/>
+          </p:cNvPicPr>
+          <p:nvPr/>
+        </p:nvPicPr>
+        <p:blipFill>
+          <a:blip r:embed="rId2"/>
+          <a:stretch>
+            <a:fillRect/>
+          </a:stretch>
+        </p:blipFill>
+        <p:spPr>
+          <a:xfrm>
+            <a:off x="-5918" y="1411041"/>
+            <a:ext cx="1010292" cy="1411041"/>
+          </a:xfrm>
+          <a:prstGeom prst="rect">
+            <a:avLst/>
+          </a:prstGeom>
+        </p:spPr>
+      </p:pic>
+      <p:pic>
+        <p:nvPicPr>
+          <p:cNvPr id="19" name="Рисунок 18">
+            <a:extLst>
+              <a:ext uri="{FF2B5EF4-FFF2-40B4-BE49-F238E27FC236}">
+                <a16:creationId xmlns:a16="http://schemas.microsoft.com/office/drawing/2014/main" id="{7AC94137-0D33-4372-9C8B-CE03BA15DC09}"/>
+              </a:ext>
+            </a:extLst>
+          </p:cNvPr>
+          <p:cNvPicPr>
+            <a:picLocks noChangeAspect="1"/>
+          </p:cNvPicPr>
+          <p:nvPr/>
+        </p:nvPicPr>
+        <p:blipFill>
+          <a:blip r:embed="rId2"/>
+          <a:stretch>
+            <a:fillRect/>
+          </a:stretch>
+        </p:blipFill>
+        <p:spPr>
+          <a:xfrm>
+            <a:off x="-8276" y="2723479"/>
+            <a:ext cx="1010292" cy="1411041"/>
+          </a:xfrm>
+          <a:prstGeom prst="rect">
+            <a:avLst/>
+          </a:prstGeom>
+        </p:spPr>
+      </p:pic>
+      <p:pic>
+        <p:nvPicPr>
+          <p:cNvPr id="20" name="Рисунок 19">
+            <a:extLst>
+              <a:ext uri="{FF2B5EF4-FFF2-40B4-BE49-F238E27FC236}">
+                <a16:creationId xmlns:a16="http://schemas.microsoft.com/office/drawing/2014/main" id="{53923EFA-09C5-4720-89E9-7BF2C32C1270}"/>
+              </a:ext>
+            </a:extLst>
+          </p:cNvPr>
+          <p:cNvPicPr>
+            <a:picLocks noChangeAspect="1"/>
+          </p:cNvPicPr>
+          <p:nvPr/>
+        </p:nvPicPr>
+        <p:blipFill>
+          <a:blip r:embed="rId2"/>
+          <a:stretch>
+            <a:fillRect/>
+          </a:stretch>
+        </p:blipFill>
+        <p:spPr>
+          <a:xfrm>
+            <a:off x="-6742" y="4085219"/>
+            <a:ext cx="1010292" cy="1411041"/>
+          </a:xfrm>
+          <a:prstGeom prst="rect">
+            <a:avLst/>
+          </a:prstGeom>
+        </p:spPr>
+      </p:pic>
+      <p:pic>
+        <p:nvPicPr>
+          <p:cNvPr id="21" name="Рисунок 20">
+            <a:extLst>
+              <a:ext uri="{FF2B5EF4-FFF2-40B4-BE49-F238E27FC236}">
+                <a16:creationId xmlns:a16="http://schemas.microsoft.com/office/drawing/2014/main" id="{83C3B5EA-7E98-46D2-82E9-F4F4EE15827C}"/>
+              </a:ext>
+            </a:extLst>
+          </p:cNvPr>
+          <p:cNvPicPr>
+            <a:picLocks noChangeAspect="1"/>
+          </p:cNvPicPr>
+          <p:nvPr/>
+        </p:nvPicPr>
+        <p:blipFill>
+          <a:blip r:embed="rId2"/>
+          <a:stretch>
+            <a:fillRect/>
+          </a:stretch>
+        </p:blipFill>
+        <p:spPr>
+          <a:xfrm>
+            <a:off x="11189694" y="1411041"/>
+            <a:ext cx="1010292" cy="1411041"/>
+          </a:xfrm>
+          <a:prstGeom prst="rect">
+            <a:avLst/>
+          </a:prstGeom>
+        </p:spPr>
+      </p:pic>
+      <p:pic>
+        <p:nvPicPr>
+          <p:cNvPr id="22" name="Рисунок 21">
+            <a:extLst>
+              <a:ext uri="{FF2B5EF4-FFF2-40B4-BE49-F238E27FC236}">
+                <a16:creationId xmlns:a16="http://schemas.microsoft.com/office/drawing/2014/main" id="{6C6CA8F5-FD70-4D85-84F7-B82D928C2880}"/>
+              </a:ext>
+            </a:extLst>
+          </p:cNvPr>
+          <p:cNvPicPr>
+            <a:picLocks noChangeAspect="1"/>
+          </p:cNvPicPr>
+          <p:nvPr/>
+        </p:nvPicPr>
+        <p:blipFill>
+          <a:blip r:embed="rId2"/>
+          <a:stretch>
+            <a:fillRect/>
+          </a:stretch>
+        </p:blipFill>
+        <p:spPr>
+          <a:xfrm>
+            <a:off x="11189694" y="2822082"/>
+            <a:ext cx="1010292" cy="1411041"/>
+          </a:xfrm>
+          <a:prstGeom prst="rect">
+            <a:avLst/>
+          </a:prstGeom>
+        </p:spPr>
+      </p:pic>
+      <p:pic>
+        <p:nvPicPr>
+          <p:cNvPr id="24" name="Рисунок 23">
+            <a:extLst>
+              <a:ext uri="{FF2B5EF4-FFF2-40B4-BE49-F238E27FC236}">
+                <a16:creationId xmlns:a16="http://schemas.microsoft.com/office/drawing/2014/main" id="{2DD3DA97-0CEC-46CC-A48D-8D4F85F4B4FC}"/>
+              </a:ext>
+            </a:extLst>
+          </p:cNvPr>
+          <p:cNvPicPr>
+            <a:picLocks noChangeAspect="1"/>
+          </p:cNvPicPr>
+          <p:nvPr/>
+        </p:nvPicPr>
+        <p:blipFill>
+          <a:blip r:embed="rId2"/>
+          <a:stretch>
+            <a:fillRect/>
+          </a:stretch>
+        </p:blipFill>
+        <p:spPr>
+          <a:xfrm>
+            <a:off x="1002016" y="0"/>
+            <a:ext cx="1010292" cy="1411041"/>
+          </a:xfrm>
+          <a:prstGeom prst="rect">
+            <a:avLst/>
+          </a:prstGeom>
+        </p:spPr>
+      </p:pic>
+      <p:pic>
+        <p:nvPicPr>
+          <p:cNvPr id="25" name="Рисунок 24">
+            <a:extLst>
+              <a:ext uri="{FF2B5EF4-FFF2-40B4-BE49-F238E27FC236}">
+                <a16:creationId xmlns:a16="http://schemas.microsoft.com/office/drawing/2014/main" id="{35D85FD5-8645-4A4D-A554-D4D3789D22C2}"/>
+              </a:ext>
+            </a:extLst>
+          </p:cNvPr>
+          <p:cNvPicPr>
+            <a:picLocks noChangeAspect="1"/>
+          </p:cNvPicPr>
+          <p:nvPr/>
+        </p:nvPicPr>
+        <p:blipFill>
+          <a:blip r:embed="rId2"/>
+          <a:stretch>
+            <a:fillRect/>
+          </a:stretch>
+        </p:blipFill>
+        <p:spPr>
+          <a:xfrm>
+            <a:off x="3975573" y="0"/>
+            <a:ext cx="1010292" cy="1411041"/>
+          </a:xfrm>
+          <a:prstGeom prst="rect">
+            <a:avLst/>
+          </a:prstGeom>
+        </p:spPr>
+      </p:pic>
+      <p:pic>
+        <p:nvPicPr>
+          <p:cNvPr id="26" name="Рисунок 25">
+            <a:extLst>
+              <a:ext uri="{FF2B5EF4-FFF2-40B4-BE49-F238E27FC236}">
+                <a16:creationId xmlns:a16="http://schemas.microsoft.com/office/drawing/2014/main" id="{2915C06B-3EE2-4FEC-9C0B-4656343F0501}"/>
+              </a:ext>
+            </a:extLst>
+          </p:cNvPr>
+          <p:cNvPicPr>
+            <a:picLocks noChangeAspect="1"/>
+          </p:cNvPicPr>
+          <p:nvPr/>
+        </p:nvPicPr>
+        <p:blipFill>
+          <a:blip r:embed="rId2"/>
+          <a:stretch>
+            <a:fillRect/>
+          </a:stretch>
+        </p:blipFill>
+        <p:spPr>
+          <a:xfrm>
+            <a:off x="1991966" y="0"/>
+            <a:ext cx="1010292" cy="1411041"/>
+          </a:xfrm>
+          <a:prstGeom prst="rect">
+            <a:avLst/>
+          </a:prstGeom>
+        </p:spPr>
+      </p:pic>
+      <p:pic>
+        <p:nvPicPr>
+          <p:cNvPr id="27" name="Рисунок 26">
+            <a:extLst>
+              <a:ext uri="{FF2B5EF4-FFF2-40B4-BE49-F238E27FC236}">
+                <a16:creationId xmlns:a16="http://schemas.microsoft.com/office/drawing/2014/main" id="{03C9D8E4-C006-428D-A8CC-40730CC4DC2F}"/>
+              </a:ext>
+            </a:extLst>
+          </p:cNvPr>
+          <p:cNvPicPr>
+            <a:picLocks noChangeAspect="1"/>
+          </p:cNvPicPr>
+          <p:nvPr/>
+        </p:nvPicPr>
+        <p:blipFill>
+          <a:blip r:embed="rId2"/>
+          <a:stretch>
+            <a:fillRect/>
+          </a:stretch>
+        </p:blipFill>
+        <p:spPr>
+          <a:xfrm>
+            <a:off x="2965281" y="9364"/>
+            <a:ext cx="1010292" cy="1411041"/>
+          </a:xfrm>
+          <a:prstGeom prst="rect">
+            <a:avLst/>
+          </a:prstGeom>
+        </p:spPr>
+      </p:pic>
+      <p:pic>
+        <p:nvPicPr>
+          <p:cNvPr id="28" name="Рисунок 27">
+            <a:extLst>
+              <a:ext uri="{FF2B5EF4-FFF2-40B4-BE49-F238E27FC236}">
+                <a16:creationId xmlns:a16="http://schemas.microsoft.com/office/drawing/2014/main" id="{EAAB656E-AA4C-4496-9756-FBF54F2DEFED}"/>
+              </a:ext>
+            </a:extLst>
+          </p:cNvPr>
+          <p:cNvPicPr>
+            <a:picLocks noChangeAspect="1"/>
+          </p:cNvPicPr>
+          <p:nvPr/>
+        </p:nvPicPr>
+        <p:blipFill>
+          <a:blip r:embed="rId2"/>
+          <a:stretch>
+            <a:fillRect/>
+          </a:stretch>
+        </p:blipFill>
+        <p:spPr>
+          <a:xfrm>
+            <a:off x="4986949" y="9364"/>
+            <a:ext cx="1010292" cy="1411041"/>
+          </a:xfrm>
+          <a:prstGeom prst="rect">
+            <a:avLst/>
+          </a:prstGeom>
+        </p:spPr>
+      </p:pic>
+      <p:pic>
+        <p:nvPicPr>
+          <p:cNvPr id="29" name="Рисунок 28">
+            <a:extLst>
+              <a:ext uri="{FF2B5EF4-FFF2-40B4-BE49-F238E27FC236}">
+                <a16:creationId xmlns:a16="http://schemas.microsoft.com/office/drawing/2014/main" id="{4C33B12B-860D-4CF8-A544-DCFBCF4C2E43}"/>
+              </a:ext>
+            </a:extLst>
+          </p:cNvPr>
+          <p:cNvPicPr>
+            <a:picLocks noChangeAspect="1"/>
+          </p:cNvPicPr>
+          <p:nvPr/>
+        </p:nvPicPr>
+        <p:blipFill>
+          <a:blip r:embed="rId2"/>
+          <a:stretch>
+            <a:fillRect/>
+          </a:stretch>
+        </p:blipFill>
+        <p:spPr>
+          <a:xfrm>
+            <a:off x="5951399" y="9364"/>
+            <a:ext cx="1010292" cy="1411041"/>
+          </a:xfrm>
+          <a:prstGeom prst="rect">
+            <a:avLst/>
+          </a:prstGeom>
+        </p:spPr>
+      </p:pic>
+      <p:pic>
+        <p:nvPicPr>
+          <p:cNvPr id="30" name="Рисунок 29">
+            <a:extLst>
+              <a:ext uri="{FF2B5EF4-FFF2-40B4-BE49-F238E27FC236}">
+                <a16:creationId xmlns:a16="http://schemas.microsoft.com/office/drawing/2014/main" id="{BCA11758-DC53-42EA-8CFF-2E48151AE425}"/>
+              </a:ext>
+            </a:extLst>
+          </p:cNvPr>
+          <p:cNvPicPr>
+            <a:picLocks noChangeAspect="1"/>
+          </p:cNvPicPr>
+          <p:nvPr/>
+        </p:nvPicPr>
+        <p:blipFill>
+          <a:blip r:embed="rId2"/>
+          <a:stretch>
+            <a:fillRect/>
+          </a:stretch>
+        </p:blipFill>
+        <p:spPr>
+          <a:xfrm>
+            <a:off x="6915849" y="9364"/>
+            <a:ext cx="1010292" cy="1411041"/>
+          </a:xfrm>
+          <a:prstGeom prst="rect">
+            <a:avLst/>
+          </a:prstGeom>
+        </p:spPr>
+      </p:pic>
+      <p:pic>
+        <p:nvPicPr>
+          <p:cNvPr id="32" name="Рисунок 31">
+            <a:extLst>
+              <a:ext uri="{FF2B5EF4-FFF2-40B4-BE49-F238E27FC236}">
+                <a16:creationId xmlns:a16="http://schemas.microsoft.com/office/drawing/2014/main" id="{809F2849-D171-4CA3-9909-52473E45484B}"/>
+              </a:ext>
+            </a:extLst>
+          </p:cNvPr>
+          <p:cNvPicPr>
+            <a:picLocks noChangeAspect="1"/>
+          </p:cNvPicPr>
+          <p:nvPr/>
+        </p:nvPicPr>
+        <p:blipFill>
+          <a:blip r:embed="rId2"/>
+          <a:stretch>
+            <a:fillRect/>
+          </a:stretch>
+        </p:blipFill>
+        <p:spPr>
+          <a:xfrm>
+            <a:off x="7918902" y="0"/>
+            <a:ext cx="1010292" cy="1411041"/>
+          </a:xfrm>
+          <a:prstGeom prst="rect">
+            <a:avLst/>
+          </a:prstGeom>
+        </p:spPr>
+      </p:pic>
+      <p:pic>
+        <p:nvPicPr>
+          <p:cNvPr id="33" name="Рисунок 32">
+            <a:extLst>
+              <a:ext uri="{FF2B5EF4-FFF2-40B4-BE49-F238E27FC236}">
+                <a16:creationId xmlns:a16="http://schemas.microsoft.com/office/drawing/2014/main" id="{0B5E1474-9C56-432C-A649-53545DA997CD}"/>
+              </a:ext>
+            </a:extLst>
+          </p:cNvPr>
+          <p:cNvPicPr>
+            <a:picLocks noChangeAspect="1"/>
+          </p:cNvPicPr>
+          <p:nvPr/>
+        </p:nvPicPr>
+        <p:blipFill>
+          <a:blip r:embed="rId2"/>
+          <a:stretch>
+            <a:fillRect/>
+          </a:stretch>
+        </p:blipFill>
+        <p:spPr>
+          <a:xfrm>
+            <a:off x="8929194" y="9364"/>
+            <a:ext cx="1086746" cy="1411041"/>
+          </a:xfrm>
+          <a:prstGeom prst="rect">
+            <a:avLst/>
+          </a:prstGeom>
+        </p:spPr>
+      </p:pic>
+      <p:pic>
+        <p:nvPicPr>
+          <p:cNvPr id="34" name="Рисунок 33">
+            <a:extLst>
+              <a:ext uri="{FF2B5EF4-FFF2-40B4-BE49-F238E27FC236}">
+                <a16:creationId xmlns:a16="http://schemas.microsoft.com/office/drawing/2014/main" id="{E681799E-9203-4EE2-9F19-4EA738AE0898}"/>
+              </a:ext>
+            </a:extLst>
+          </p:cNvPr>
+          <p:cNvPicPr>
+            <a:picLocks noChangeAspect="1"/>
+          </p:cNvPicPr>
+          <p:nvPr/>
+        </p:nvPicPr>
+        <p:blipFill>
+          <a:blip r:embed="rId2"/>
+          <a:stretch>
+            <a:fillRect/>
+          </a:stretch>
+        </p:blipFill>
+        <p:spPr>
+          <a:xfrm>
+            <a:off x="10001464" y="9364"/>
+            <a:ext cx="1101206" cy="1411041"/>
           </a:xfrm>
           <a:prstGeom prst="rect">
             <a:avLst/>
@@ -5733,6 +6595,265 @@
 </file>
 
 <file path=ppt/slides/slide10.xml><?xml version="1.0" encoding="utf-8"?>
+<p:sld xmlns:a="http://schemas.openxmlformats.org/drawingml/2006/main" xmlns:r="http://schemas.openxmlformats.org/officeDocument/2006/relationships" xmlns:p="http://schemas.openxmlformats.org/presentationml/2006/main">
+  <p:cSld>
+    <p:bg>
+      <p:bgPr>
+        <a:gradFill flip="none" rotWithShape="1">
+          <a:gsLst>
+            <a:gs pos="0">
+              <a:schemeClr val="accent1">
+                <a:lumMod val="5000"/>
+                <a:lumOff val="95000"/>
+              </a:schemeClr>
+            </a:gs>
+            <a:gs pos="50000">
+              <a:schemeClr val="accent4">
+                <a:lumMod val="40000"/>
+                <a:lumOff val="60000"/>
+              </a:schemeClr>
+            </a:gs>
+            <a:gs pos="59000">
+              <a:schemeClr val="accent1">
+                <a:lumMod val="20000"/>
+                <a:lumOff val="80000"/>
+              </a:schemeClr>
+            </a:gs>
+            <a:gs pos="100000">
+              <a:schemeClr val="accent1">
+                <a:lumMod val="30000"/>
+                <a:lumOff val="70000"/>
+              </a:schemeClr>
+            </a:gs>
+          </a:gsLst>
+          <a:lin ang="7200000" scaled="0"/>
+          <a:tileRect/>
+        </a:gradFill>
+        <a:effectLst/>
+      </p:bgPr>
+    </p:bg>
+    <p:spTree>
+      <p:nvGrpSpPr>
+        <p:cNvPr id="1" name=""/>
+        <p:cNvGrpSpPr/>
+        <p:nvPr/>
+      </p:nvGrpSpPr>
+      <p:grpSpPr>
+        <a:xfrm>
+          <a:off x="0" y="0"/>
+          <a:ext cx="0" cy="0"/>
+          <a:chOff x="0" y="0"/>
+          <a:chExt cx="0" cy="0"/>
+        </a:xfrm>
+      </p:grpSpPr>
+      <p:sp>
+        <p:nvSpPr>
+          <p:cNvPr id="4" name="Заголовок 3">
+            <a:extLst>
+              <a:ext uri="{FF2B5EF4-FFF2-40B4-BE49-F238E27FC236}">
+                <a16:creationId xmlns:a16="http://schemas.microsoft.com/office/drawing/2014/main" id="{8FE2BCA8-E83D-429B-887D-6FBFF82E5C4F}"/>
+              </a:ext>
+            </a:extLst>
+          </p:cNvPr>
+          <p:cNvSpPr>
+            <a:spLocks noGrp="1"/>
+          </p:cNvSpPr>
+          <p:nvPr>
+            <p:ph type="ctrTitle"/>
+          </p:nvPr>
+        </p:nvSpPr>
+        <p:spPr>
+          <a:xfrm>
+            <a:off x="-86807" y="2714323"/>
+            <a:ext cx="5590572" cy="861161"/>
+          </a:xfrm>
+        </p:spPr>
+        <p:txBody>
+          <a:bodyPr>
+            <a:noAutofit/>
+          </a:bodyPr>
+          <a:lstStyle/>
+          <a:p>
+            <a:r>
+              <a:rPr lang="uk-UA" sz="4800" b="1">
+                <a:solidFill>
+                  <a:srgbClr val="0070C0"/>
+                </a:solidFill>
+                <a:latin typeface="SchoolBookCTT" pitchFamily="2" charset="0"/>
+              </a:rPr>
+              <a:t>Стратегії</a:t>
+            </a:r>
+            <a:br>
+              <a:rPr lang="uk-UA" sz="4800" b="1">
+                <a:solidFill>
+                  <a:srgbClr val="0070C0"/>
+                </a:solidFill>
+                <a:latin typeface="SchoolBookCTT" pitchFamily="2" charset="0"/>
+              </a:rPr>
+            </a:br>
+            <a:r>
+              <a:rPr lang="uk-UA" sz="4800" b="1">
+                <a:solidFill>
+                  <a:srgbClr val="0070C0"/>
+                </a:solidFill>
+                <a:latin typeface="SchoolBookCTT" pitchFamily="2" charset="0"/>
+              </a:rPr>
+              <a:t>роботи</a:t>
+            </a:r>
+            <a:endParaRPr lang="ru-RU" sz="4800" b="1">
+              <a:solidFill>
+                <a:srgbClr val="0070C0"/>
+              </a:solidFill>
+              <a:latin typeface="SchoolBookCTT" pitchFamily="2" charset="0"/>
+            </a:endParaRPr>
+          </a:p>
+        </p:txBody>
+      </p:sp>
+      <p:sp>
+        <p:nvSpPr>
+          <p:cNvPr id="10" name="Rectangle 3">
+            <a:extLst>
+              <a:ext uri="{FF2B5EF4-FFF2-40B4-BE49-F238E27FC236}">
+                <a16:creationId xmlns:a16="http://schemas.microsoft.com/office/drawing/2014/main" id="{96159928-9B56-32A4-DB62-47F4F28EFBD5}"/>
+              </a:ext>
+            </a:extLst>
+          </p:cNvPr>
+          <p:cNvSpPr>
+            <a:spLocks noChangeArrowheads="1"/>
+          </p:cNvSpPr>
+          <p:nvPr/>
+        </p:nvSpPr>
+        <p:spPr bwMode="auto">
+          <a:xfrm>
+            <a:off x="0" y="149087"/>
+            <a:ext cx="35266" cy="159026"/>
+          </a:xfrm>
+          <a:prstGeom prst="rect">
+            <a:avLst/>
+          </a:prstGeom>
+          <a:solidFill>
+            <a:srgbClr val="F8F9FA"/>
+          </a:solidFill>
+          <a:ln>
+            <a:noFill/>
+          </a:ln>
+          <a:effectLst/>
+          <a:extLst>
+            <a:ext uri="{91240B29-F687-4F45-9708-019B960494DF}">
+              <a14:hiddenLine xmlns:a14="http://schemas.microsoft.com/office/drawing/2010/main" w="9525">
+                <a:solidFill>
+                  <a:schemeClr val="tx1"/>
+                </a:solidFill>
+                <a:miter lim="800000"/>
+                <a:headEnd/>
+                <a:tailEnd/>
+              </a14:hiddenLine>
+            </a:ext>
+            <a:ext uri="{AF507438-7753-43E0-B8FC-AC1667EBCBE1}">
+              <a14:hiddenEffects xmlns:a14="http://schemas.microsoft.com/office/drawing/2010/main">
+                <a:effectLst>
+                  <a:outerShdw dist="35921" dir="2700000" algn="ctr" rotWithShape="0">
+                    <a:schemeClr val="bg2"/>
+                  </a:outerShdw>
+                </a:effectLst>
+              </a14:hiddenEffects>
+            </a:ext>
+          </a:extLst>
+        </p:spPr>
+        <p:txBody>
+          <a:bodyPr vert="horz" wrap="none" lIns="0" tIns="-12696" rIns="0" bIns="-12696" numCol="1" anchor="ctr" anchorCtr="0" compatLnSpc="1">
+            <a:prstTxWarp prst="textNoShape">
+              <a:avLst/>
+            </a:prstTxWarp>
+            <a:spAutoFit/>
+          </a:bodyPr>
+          <a:lstStyle/>
+          <a:p>
+            <a:pPr marL="0" marR="0" lvl="0" indent="0" algn="l" defTabSz="914400" rtl="0" eaLnBrk="0" fontAlgn="base" latinLnBrk="0" hangingPunct="0">
+              <a:lnSpc>
+                <a:spcPct val="100000"/>
+              </a:lnSpc>
+              <a:spcBef>
+                <a:spcPct val="0"/>
+              </a:spcBef>
+              <a:spcAft>
+                <a:spcPct val="0"/>
+              </a:spcAft>
+              <a:buClrTx/>
+              <a:buSzTx/>
+              <a:buFontTx/>
+              <a:buNone/>
+              <a:tabLst/>
+            </a:pPr>
+            <a:r>
+              <a:rPr kumimoji="0" lang="ru-RU" altLang="ru-RU" sz="1200" b="0" i="0" u="none" strike="noStrike" cap="none" normalizeH="0" baseline="0">
+                <a:ln>
+                  <a:noFill/>
+                </a:ln>
+                <a:solidFill>
+                  <a:schemeClr val="tx1"/>
+                </a:solidFill>
+                <a:effectLst/>
+              </a:rPr>
+              <a:t> </a:t>
+            </a:r>
+            <a:endParaRPr kumimoji="0" lang="ru-RU" altLang="ru-RU" sz="1800" b="0" i="0" u="none" strike="noStrike" cap="none" normalizeH="0" baseline="0">
+              <a:ln>
+                <a:noFill/>
+              </a:ln>
+              <a:solidFill>
+                <a:schemeClr val="tx1"/>
+              </a:solidFill>
+              <a:effectLst/>
+              <a:latin typeface="Arial" panose="020B0604020202020204" pitchFamily="34" charset="0"/>
+            </a:endParaRPr>
+          </a:p>
+        </p:txBody>
+      </p:sp>
+      <p:pic>
+        <p:nvPicPr>
+          <p:cNvPr id="3" name="Рисунок 2">
+            <a:extLst>
+              <a:ext uri="{FF2B5EF4-FFF2-40B4-BE49-F238E27FC236}">
+                <a16:creationId xmlns:a16="http://schemas.microsoft.com/office/drawing/2014/main" id="{C3C8138B-DDC2-32D6-30F3-E115C5A157E1}"/>
+              </a:ext>
+            </a:extLst>
+          </p:cNvPr>
+          <p:cNvPicPr>
+            <a:picLocks noChangeAspect="1"/>
+          </p:cNvPicPr>
+          <p:nvPr/>
+        </p:nvPicPr>
+        <p:blipFill>
+          <a:blip r:embed="rId3"/>
+          <a:stretch>
+            <a:fillRect/>
+          </a:stretch>
+        </p:blipFill>
+        <p:spPr>
+          <a:xfrm>
+            <a:off x="6399479" y="461962"/>
+            <a:ext cx="4572000" cy="5934075"/>
+          </a:xfrm>
+          <a:prstGeom prst="rect">
+            <a:avLst/>
+          </a:prstGeom>
+        </p:spPr>
+      </p:pic>
+    </p:spTree>
+    <p:extLst>
+      <p:ext uri="{BB962C8B-B14F-4D97-AF65-F5344CB8AC3E}">
+        <p14:creationId xmlns:p14="http://schemas.microsoft.com/office/powerpoint/2010/main" val="4233615946"/>
+      </p:ext>
+    </p:extLst>
+  </p:cSld>
+  <p:clrMapOvr>
+    <a:masterClrMapping/>
+  </p:clrMapOvr>
+</p:sld>
+</file>
+
+<file path=ppt/slides/slide11.xml><?xml version="1.0" encoding="utf-8"?>
 <p:sld xmlns:a="http://schemas.openxmlformats.org/drawingml/2006/main" xmlns:r="http://schemas.openxmlformats.org/officeDocument/2006/relationships" xmlns:p="http://schemas.openxmlformats.org/presentationml/2006/main">
   <p:cSld>
     <p:spTree>
@@ -6576,7 +7697,7 @@
 </p:sld>
 </file>
 
-<file path=ppt/slides/slide11.xml><?xml version="1.0" encoding="utf-8"?>
+<file path=ppt/slides/slide12.xml><?xml version="1.0" encoding="utf-8"?>
 <p:sld xmlns:a="http://schemas.openxmlformats.org/drawingml/2006/main" xmlns:r="http://schemas.openxmlformats.org/officeDocument/2006/relationships" xmlns:p="http://schemas.openxmlformats.org/presentationml/2006/main">
   <p:cSld>
     <p:spTree>
@@ -7207,338 +8328,6 @@
     <p:extLst>
       <p:ext uri="{BB962C8B-B14F-4D97-AF65-F5344CB8AC3E}">
         <p14:creationId xmlns:p14="http://schemas.microsoft.com/office/powerpoint/2010/main" val="2032190728"/>
-      </p:ext>
-    </p:extLst>
-  </p:cSld>
-  <p:clrMapOvr>
-    <a:masterClrMapping/>
-  </p:clrMapOvr>
-</p:sld>
-</file>
-
-<file path=ppt/slides/slide12.xml><?xml version="1.0" encoding="utf-8"?>
-<p:sld xmlns:a="http://schemas.openxmlformats.org/drawingml/2006/main" xmlns:r="http://schemas.openxmlformats.org/officeDocument/2006/relationships" xmlns:p="http://schemas.openxmlformats.org/presentationml/2006/main">
-  <p:cSld>
-    <p:spTree>
-      <p:nvGrpSpPr>
-        <p:cNvPr id="1" name=""/>
-        <p:cNvGrpSpPr/>
-        <p:nvPr/>
-      </p:nvGrpSpPr>
-      <p:grpSpPr>
-        <a:xfrm>
-          <a:off x="0" y="0"/>
-          <a:ext cx="0" cy="0"/>
-          <a:chOff x="0" y="0"/>
-          <a:chExt cx="0" cy="0"/>
-        </a:xfrm>
-      </p:grpSpPr>
-      <p:sp>
-        <p:nvSpPr>
-          <p:cNvPr id="4" name="Заголовок 3">
-            <a:extLst>
-              <a:ext uri="{FF2B5EF4-FFF2-40B4-BE49-F238E27FC236}">
-                <a16:creationId xmlns:a16="http://schemas.microsoft.com/office/drawing/2014/main" id="{8FE2BCA8-E83D-429B-887D-6FBFF82E5C4F}"/>
-              </a:ext>
-            </a:extLst>
-          </p:cNvPr>
-          <p:cNvSpPr>
-            <a:spLocks noGrp="1"/>
-          </p:cNvSpPr>
-          <p:nvPr>
-            <p:ph type="ctrTitle"/>
-          </p:nvPr>
-        </p:nvSpPr>
-        <p:spPr>
-          <a:xfrm>
-            <a:off x="1287128" y="106682"/>
-            <a:ext cx="9144000" cy="824362"/>
-          </a:xfrm>
-        </p:spPr>
-        <p:txBody>
-          <a:bodyPr>
-            <a:normAutofit/>
-          </a:bodyPr>
-          <a:lstStyle/>
-          <a:p>
-            <a:r>
-              <a:rPr lang="uk-UA" sz="4000" b="1">
-                <a:solidFill>
-                  <a:srgbClr val="0070C0"/>
-                </a:solidFill>
-                <a:latin typeface="SchoolBookCTT" pitchFamily="2" charset="0"/>
-              </a:rPr>
-              <a:t>Особливості </a:t>
-            </a:r>
-            <a:r>
-              <a:rPr lang="en-US" sz="4000" b="1">
-                <a:solidFill>
-                  <a:srgbClr val="0070C0"/>
-                </a:solidFill>
-                <a:latin typeface="SchoolBookCTT" pitchFamily="2" charset="0"/>
-              </a:rPr>
-              <a:t>Git</a:t>
-            </a:r>
-            <a:endParaRPr lang="ru-RU" sz="4000" b="1">
-              <a:solidFill>
-                <a:srgbClr val="0070C0"/>
-              </a:solidFill>
-              <a:latin typeface="SchoolBookCTT" pitchFamily="2" charset="0"/>
-            </a:endParaRPr>
-          </a:p>
-        </p:txBody>
-      </p:sp>
-      <p:pic>
-        <p:nvPicPr>
-          <p:cNvPr id="2" name="Рисунок 1">
-            <a:extLst>
-              <a:ext uri="{FF2B5EF4-FFF2-40B4-BE49-F238E27FC236}">
-                <a16:creationId xmlns:a16="http://schemas.microsoft.com/office/drawing/2014/main" id="{ED9BEB75-43EE-BBD7-0A52-255D1CC32D76}"/>
-              </a:ext>
-            </a:extLst>
-          </p:cNvPr>
-          <p:cNvPicPr>
-            <a:picLocks noChangeAspect="1"/>
-          </p:cNvPicPr>
-          <p:nvPr/>
-        </p:nvPicPr>
-        <p:blipFill>
-          <a:blip r:embed="rId2"/>
-          <a:stretch>
-            <a:fillRect/>
-          </a:stretch>
-        </p:blipFill>
-        <p:spPr>
-          <a:xfrm>
-            <a:off x="1764859" y="1241529"/>
-            <a:ext cx="6480810" cy="2511314"/>
-          </a:xfrm>
-          <a:prstGeom prst="rect">
-            <a:avLst/>
-          </a:prstGeom>
-          <a:ln>
-            <a:solidFill>
-              <a:srgbClr val="0070C0"/>
-            </a:solidFill>
-          </a:ln>
-        </p:spPr>
-      </p:pic>
-      <p:pic>
-        <p:nvPicPr>
-          <p:cNvPr id="3" name="Рисунок 2">
-            <a:extLst>
-              <a:ext uri="{FF2B5EF4-FFF2-40B4-BE49-F238E27FC236}">
-                <a16:creationId xmlns:a16="http://schemas.microsoft.com/office/drawing/2014/main" id="{60B9CAF8-759D-9765-3AA3-76A98B62BB6C}"/>
-              </a:ext>
-            </a:extLst>
-          </p:cNvPr>
-          <p:cNvPicPr>
-            <a:picLocks noChangeAspect="1"/>
-          </p:cNvPicPr>
-          <p:nvPr/>
-        </p:nvPicPr>
-        <p:blipFill>
-          <a:blip r:embed="rId3"/>
-          <a:stretch>
-            <a:fillRect/>
-          </a:stretch>
-        </p:blipFill>
-        <p:spPr>
-          <a:xfrm>
-            <a:off x="1764859" y="4239802"/>
-            <a:ext cx="6480810" cy="2470809"/>
-          </a:xfrm>
-          <a:prstGeom prst="rect">
-            <a:avLst/>
-          </a:prstGeom>
-          <a:ln>
-            <a:solidFill>
-              <a:srgbClr val="0070C0"/>
-            </a:solidFill>
-          </a:ln>
-        </p:spPr>
-      </p:pic>
-      <p:sp>
-        <p:nvSpPr>
-          <p:cNvPr id="8" name="TextBox 7">
-            <a:extLst>
-              <a:ext uri="{FF2B5EF4-FFF2-40B4-BE49-F238E27FC236}">
-                <a16:creationId xmlns:a16="http://schemas.microsoft.com/office/drawing/2014/main" id="{A2DEC9DF-470F-2122-96F0-E0440616ADF3}"/>
-              </a:ext>
-            </a:extLst>
-          </p:cNvPr>
-          <p:cNvSpPr txBox="1"/>
-          <p:nvPr/>
-        </p:nvSpPr>
-        <p:spPr>
-          <a:xfrm>
-            <a:off x="9330812" y="5195032"/>
-            <a:ext cx="1462089" cy="1131848"/>
-          </a:xfrm>
-          <a:prstGeom prst="rect">
-            <a:avLst/>
-          </a:prstGeom>
-          <a:noFill/>
-        </p:spPr>
-        <p:txBody>
-          <a:bodyPr wrap="square">
-            <a:spAutoFit/>
-          </a:bodyPr>
-          <a:lstStyle/>
-          <a:p>
-            <a:pPr>
-              <a:lnSpc>
-                <a:spcPct val="150000"/>
-              </a:lnSpc>
-            </a:pPr>
-            <a:r>
-              <a:rPr lang="en-US" sz="2400">
-                <a:latin typeface="Arial" panose="020B0604020202020204" pitchFamily="34" charset="0"/>
-                <a:cs typeface="Arial" panose="020B0604020202020204" pitchFamily="34" charset="0"/>
-              </a:rPr>
-              <a:t>Git</a:t>
-            </a:r>
-            <a:endParaRPr lang="uk-UA" sz="2400">
-              <a:latin typeface="Arial" panose="020B0604020202020204" pitchFamily="34" charset="0"/>
-              <a:cs typeface="Arial" panose="020B0604020202020204" pitchFamily="34" charset="0"/>
-            </a:endParaRPr>
-          </a:p>
-          <a:p>
-            <a:pPr>
-              <a:lnSpc>
-                <a:spcPct val="150000"/>
-              </a:lnSpc>
-            </a:pPr>
-            <a:endParaRPr lang="ru-RU" sz="2400">
-              <a:latin typeface="Arial" panose="020B0604020202020204" pitchFamily="34" charset="0"/>
-              <a:cs typeface="Arial" panose="020B0604020202020204" pitchFamily="34" charset="0"/>
-            </a:endParaRPr>
-          </a:p>
-        </p:txBody>
-      </p:sp>
-      <p:sp>
-        <p:nvSpPr>
-          <p:cNvPr id="6" name="TextBox 5">
-            <a:extLst>
-              <a:ext uri="{FF2B5EF4-FFF2-40B4-BE49-F238E27FC236}">
-                <a16:creationId xmlns:a16="http://schemas.microsoft.com/office/drawing/2014/main" id="{22DB9460-D436-46D4-08D4-3B810360B913}"/>
-              </a:ext>
-            </a:extLst>
-          </p:cNvPr>
-          <p:cNvSpPr txBox="1"/>
-          <p:nvPr/>
-        </p:nvSpPr>
-        <p:spPr>
-          <a:xfrm>
-            <a:off x="9040837" y="1188502"/>
-            <a:ext cx="2590678" cy="2793842"/>
-          </a:xfrm>
-          <a:prstGeom prst="rect">
-            <a:avLst/>
-          </a:prstGeom>
-          <a:noFill/>
-        </p:spPr>
-        <p:txBody>
-          <a:bodyPr wrap="square">
-            <a:spAutoFit/>
-          </a:bodyPr>
-          <a:lstStyle/>
-          <a:p>
-            <a:pPr>
-              <a:lnSpc>
-                <a:spcPct val="150000"/>
-              </a:lnSpc>
-            </a:pPr>
-            <a:r>
-              <a:rPr lang="en-US" sz="2400">
-                <a:latin typeface="Arial" panose="020B0604020202020204" pitchFamily="34" charset="0"/>
-                <a:cs typeface="Arial" panose="020B0604020202020204" pitchFamily="34" charset="0"/>
-              </a:rPr>
-              <a:t>CVS</a:t>
-            </a:r>
-            <a:endParaRPr lang="uk-UA" sz="2400">
-              <a:latin typeface="Arial" panose="020B0604020202020204" pitchFamily="34" charset="0"/>
-              <a:cs typeface="Arial" panose="020B0604020202020204" pitchFamily="34" charset="0"/>
-            </a:endParaRPr>
-          </a:p>
-          <a:p>
-            <a:pPr>
-              <a:lnSpc>
-                <a:spcPct val="150000"/>
-              </a:lnSpc>
-            </a:pPr>
-            <a:r>
-              <a:rPr lang="en-US" sz="2400">
-                <a:latin typeface="Arial" panose="020B0604020202020204" pitchFamily="34" charset="0"/>
-                <a:cs typeface="Arial" panose="020B0604020202020204" pitchFamily="34" charset="0"/>
-              </a:rPr>
-              <a:t>Subversion</a:t>
-            </a:r>
-            <a:endParaRPr lang="uk-UA" sz="2400">
-              <a:latin typeface="Arial" panose="020B0604020202020204" pitchFamily="34" charset="0"/>
-              <a:cs typeface="Arial" panose="020B0604020202020204" pitchFamily="34" charset="0"/>
-            </a:endParaRPr>
-          </a:p>
-          <a:p>
-            <a:pPr>
-              <a:lnSpc>
-                <a:spcPct val="150000"/>
-              </a:lnSpc>
-            </a:pPr>
-            <a:r>
-              <a:rPr lang="en-US" sz="2400">
-                <a:latin typeface="Arial" panose="020B0604020202020204" pitchFamily="34" charset="0"/>
-                <a:cs typeface="Arial" panose="020B0604020202020204" pitchFamily="34" charset="0"/>
-              </a:rPr>
-              <a:t>Perforce</a:t>
-            </a:r>
-            <a:endParaRPr lang="uk-UA" sz="2400">
-              <a:latin typeface="Arial" panose="020B0604020202020204" pitchFamily="34" charset="0"/>
-              <a:cs typeface="Arial" panose="020B0604020202020204" pitchFamily="34" charset="0"/>
-            </a:endParaRPr>
-          </a:p>
-          <a:p>
-            <a:pPr>
-              <a:lnSpc>
-                <a:spcPct val="150000"/>
-              </a:lnSpc>
-            </a:pPr>
-            <a:r>
-              <a:rPr lang="en-US" sz="2400">
-                <a:latin typeface="Arial" panose="020B0604020202020204" pitchFamily="34" charset="0"/>
-                <a:cs typeface="Arial" panose="020B0604020202020204" pitchFamily="34" charset="0"/>
-              </a:rPr>
-              <a:t>Bazaar</a:t>
-            </a:r>
-            <a:endParaRPr lang="uk-UA" sz="2400">
-              <a:latin typeface="Arial" panose="020B0604020202020204" pitchFamily="34" charset="0"/>
-              <a:cs typeface="Arial" panose="020B0604020202020204" pitchFamily="34" charset="0"/>
-            </a:endParaRPr>
-          </a:p>
-          <a:p>
-            <a:pPr>
-              <a:lnSpc>
-                <a:spcPct val="150000"/>
-              </a:lnSpc>
-            </a:pPr>
-            <a:r>
-              <a:rPr lang="uk-UA" sz="2400">
-                <a:latin typeface="Arial" panose="020B0604020202020204" pitchFamily="34" charset="0"/>
-                <a:cs typeface="Arial" panose="020B0604020202020204" pitchFamily="34" charset="0"/>
-              </a:rPr>
-              <a:t>…</a:t>
-            </a:r>
-            <a:endParaRPr lang="ru-RU" sz="2400">
-              <a:latin typeface="Arial" panose="020B0604020202020204" pitchFamily="34" charset="0"/>
-              <a:cs typeface="Arial" panose="020B0604020202020204" pitchFamily="34" charset="0"/>
-            </a:endParaRPr>
-          </a:p>
-        </p:txBody>
-      </p:sp>
-    </p:spTree>
-    <p:extLst>
-      <p:ext uri="{BB962C8B-B14F-4D97-AF65-F5344CB8AC3E}">
-        <p14:creationId xmlns:p14="http://schemas.microsoft.com/office/powerpoint/2010/main" val="1281385046"/>
       </p:ext>
     </p:extLst>
   </p:cSld>
@@ -7622,57 +8411,80 @@
       </p:sp>
       <p:pic>
         <p:nvPicPr>
-          <p:cNvPr id="1026" name="Picture 2" descr="Рабочая копия, область индексирования и каталог Git">
+          <p:cNvPr id="2" name="Рисунок 1">
             <a:extLst>
               <a:ext uri="{FF2B5EF4-FFF2-40B4-BE49-F238E27FC236}">
-                <a16:creationId xmlns:a16="http://schemas.microsoft.com/office/drawing/2014/main" id="{A58F3C4E-89E2-62D2-1AED-D49C1E31DEA7}"/>
+                <a16:creationId xmlns:a16="http://schemas.microsoft.com/office/drawing/2014/main" id="{ED9BEB75-43EE-BBD7-0A52-255D1CC32D76}"/>
               </a:ext>
             </a:extLst>
           </p:cNvPr>
           <p:cNvPicPr>
-            <a:picLocks noChangeAspect="1" noChangeArrowheads="1"/>
+            <a:picLocks noChangeAspect="1"/>
           </p:cNvPicPr>
           <p:nvPr/>
         </p:nvPicPr>
         <p:blipFill>
-          <a:blip r:embed="rId2">
-            <a:extLst>
-              <a:ext uri="{28A0092B-C50C-407E-A947-70E740481C1C}">
-                <a14:useLocalDpi xmlns:a14="http://schemas.microsoft.com/office/drawing/2010/main" val="0"/>
-              </a:ext>
-            </a:extLst>
-          </a:blip>
-          <a:srcRect/>
+          <a:blip r:embed="rId2"/>
           <a:stretch>
             <a:fillRect/>
           </a:stretch>
         </p:blipFill>
-        <p:spPr bwMode="auto">
-          <a:xfrm>
-            <a:off x="4937761" y="1803043"/>
-            <a:ext cx="6595109" cy="3635554"/>
+        <p:spPr>
+          <a:xfrm>
+            <a:off x="1764859" y="1241529"/>
+            <a:ext cx="6480810" cy="2511314"/>
           </a:xfrm>
           <a:prstGeom prst="rect">
             <a:avLst/>
           </a:prstGeom>
-          <a:noFill/>
-          <a:extLst>
-            <a:ext uri="{909E8E84-426E-40DD-AFC4-6F175D3DCCD1}">
-              <a14:hiddenFill xmlns:a14="http://schemas.microsoft.com/office/drawing/2010/main">
-                <a:solidFill>
-                  <a:srgbClr val="FFFFFF"/>
-                </a:solidFill>
-              </a14:hiddenFill>
-            </a:ext>
-          </a:extLst>
+          <a:ln>
+            <a:solidFill>
+              <a:srgbClr val="0070C0"/>
+            </a:solidFill>
+          </a:ln>
+        </p:spPr>
+      </p:pic>
+      <p:pic>
+        <p:nvPicPr>
+          <p:cNvPr id="3" name="Рисунок 2">
+            <a:extLst>
+              <a:ext uri="{FF2B5EF4-FFF2-40B4-BE49-F238E27FC236}">
+                <a16:creationId xmlns:a16="http://schemas.microsoft.com/office/drawing/2014/main" id="{60B9CAF8-759D-9765-3AA3-76A98B62BB6C}"/>
+              </a:ext>
+            </a:extLst>
+          </p:cNvPr>
+          <p:cNvPicPr>
+            <a:picLocks noChangeAspect="1"/>
+          </p:cNvPicPr>
+          <p:nvPr/>
+        </p:nvPicPr>
+        <p:blipFill>
+          <a:blip r:embed="rId3"/>
+          <a:stretch>
+            <a:fillRect/>
+          </a:stretch>
+        </p:blipFill>
+        <p:spPr>
+          <a:xfrm>
+            <a:off x="1764859" y="4239802"/>
+            <a:ext cx="6480810" cy="2470809"/>
+          </a:xfrm>
+          <a:prstGeom prst="rect">
+            <a:avLst/>
+          </a:prstGeom>
+          <a:ln>
+            <a:solidFill>
+              <a:srgbClr val="0070C0"/>
+            </a:solidFill>
+          </a:ln>
         </p:spPr>
       </p:pic>
       <p:sp>
         <p:nvSpPr>
-          <p:cNvPr id="9" name="TextBox 8">
+          <p:cNvPr id="8" name="TextBox 7">
             <a:extLst>
               <a:ext uri="{FF2B5EF4-FFF2-40B4-BE49-F238E27FC236}">
-                <a16:creationId xmlns:a16="http://schemas.microsoft.com/office/drawing/2014/main" id="{DDAEA836-0B5C-23B5-1642-2D8104EC83B5}"/>
+                <a16:creationId xmlns:a16="http://schemas.microsoft.com/office/drawing/2014/main" id="{A2DEC9DF-470F-2122-96F0-E0440616ADF3}"/>
               </a:ext>
             </a:extLst>
           </p:cNvPr>
@@ -7681,8 +8493,8 @@
         </p:nvSpPr>
         <p:spPr>
           <a:xfrm>
-            <a:off x="666751" y="2697480"/>
-            <a:ext cx="4271010" cy="1685846"/>
+            <a:off x="9330812" y="5195032"/>
+            <a:ext cx="1462089" cy="1131848"/>
           </a:xfrm>
           <a:prstGeom prst="rect">
             <a:avLst/>
@@ -7695,93 +8507,147 @@
           </a:bodyPr>
           <a:lstStyle/>
           <a:p>
-            <a:pPr marL="342900" indent="-342900">
+            <a:pPr>
               <a:lnSpc>
                 <a:spcPct val="150000"/>
               </a:lnSpc>
-              <a:buFont typeface="Wingdings" panose="05000000000000000000" pitchFamily="2" charset="2"/>
-              <a:buChar char="ü"/>
+            </a:pPr>
+            <a:r>
+              <a:rPr lang="en-US" sz="2400">
+                <a:latin typeface="Arial" panose="020B0604020202020204" pitchFamily="34" charset="0"/>
+                <a:cs typeface="Arial" panose="020B0604020202020204" pitchFamily="34" charset="0"/>
+              </a:rPr>
+              <a:t>Git</a:t>
+            </a:r>
+            <a:endParaRPr lang="uk-UA" sz="2400">
+              <a:latin typeface="Arial" panose="020B0604020202020204" pitchFamily="34" charset="0"/>
+              <a:cs typeface="Arial" panose="020B0604020202020204" pitchFamily="34" charset="0"/>
+            </a:endParaRPr>
+          </a:p>
+          <a:p>
+            <a:pPr>
+              <a:lnSpc>
+                <a:spcPct val="150000"/>
+              </a:lnSpc>
+            </a:pPr>
+            <a:endParaRPr lang="ru-RU" sz="2400">
+              <a:latin typeface="Arial" panose="020B0604020202020204" pitchFamily="34" charset="0"/>
+              <a:cs typeface="Arial" panose="020B0604020202020204" pitchFamily="34" charset="0"/>
+            </a:endParaRPr>
+          </a:p>
+        </p:txBody>
+      </p:sp>
+      <p:sp>
+        <p:nvSpPr>
+          <p:cNvPr id="6" name="TextBox 5">
+            <a:extLst>
+              <a:ext uri="{FF2B5EF4-FFF2-40B4-BE49-F238E27FC236}">
+                <a16:creationId xmlns:a16="http://schemas.microsoft.com/office/drawing/2014/main" id="{22DB9460-D436-46D4-08D4-3B810360B913}"/>
+              </a:ext>
+            </a:extLst>
+          </p:cNvPr>
+          <p:cNvSpPr txBox="1"/>
+          <p:nvPr/>
+        </p:nvSpPr>
+        <p:spPr>
+          <a:xfrm>
+            <a:off x="9040837" y="1188502"/>
+            <a:ext cx="2590678" cy="2793842"/>
+          </a:xfrm>
+          <a:prstGeom prst="rect">
+            <a:avLst/>
+          </a:prstGeom>
+          <a:noFill/>
+        </p:spPr>
+        <p:txBody>
+          <a:bodyPr wrap="square">
+            <a:spAutoFit/>
+          </a:bodyPr>
+          <a:lstStyle/>
+          <a:p>
+            <a:pPr>
+              <a:lnSpc>
+                <a:spcPct val="150000"/>
+              </a:lnSpc>
+            </a:pPr>
+            <a:r>
+              <a:rPr lang="en-US" sz="2400">
+                <a:latin typeface="Arial" panose="020B0604020202020204" pitchFamily="34" charset="0"/>
+                <a:cs typeface="Arial" panose="020B0604020202020204" pitchFamily="34" charset="0"/>
+              </a:rPr>
+              <a:t>CVS</a:t>
+            </a:r>
+            <a:endParaRPr lang="uk-UA" sz="2400">
+              <a:latin typeface="Arial" panose="020B0604020202020204" pitchFamily="34" charset="0"/>
+              <a:cs typeface="Arial" panose="020B0604020202020204" pitchFamily="34" charset="0"/>
+            </a:endParaRPr>
+          </a:p>
+          <a:p>
+            <a:pPr>
+              <a:lnSpc>
+                <a:spcPct val="150000"/>
+              </a:lnSpc>
+            </a:pPr>
+            <a:r>
+              <a:rPr lang="en-US" sz="2400">
+                <a:latin typeface="Arial" panose="020B0604020202020204" pitchFamily="34" charset="0"/>
+                <a:cs typeface="Arial" panose="020B0604020202020204" pitchFamily="34" charset="0"/>
+              </a:rPr>
+              <a:t>Subversion</a:t>
+            </a:r>
+            <a:endParaRPr lang="uk-UA" sz="2400">
+              <a:latin typeface="Arial" panose="020B0604020202020204" pitchFamily="34" charset="0"/>
+              <a:cs typeface="Arial" panose="020B0604020202020204" pitchFamily="34" charset="0"/>
+            </a:endParaRPr>
+          </a:p>
+          <a:p>
+            <a:pPr>
+              <a:lnSpc>
+                <a:spcPct val="150000"/>
+              </a:lnSpc>
+            </a:pPr>
+            <a:r>
+              <a:rPr lang="en-US" sz="2400">
+                <a:latin typeface="Arial" panose="020B0604020202020204" pitchFamily="34" charset="0"/>
+                <a:cs typeface="Arial" panose="020B0604020202020204" pitchFamily="34" charset="0"/>
+              </a:rPr>
+              <a:t>Perforce</a:t>
+            </a:r>
+            <a:endParaRPr lang="uk-UA" sz="2400">
+              <a:latin typeface="Arial" panose="020B0604020202020204" pitchFamily="34" charset="0"/>
+              <a:cs typeface="Arial" panose="020B0604020202020204" pitchFamily="34" charset="0"/>
+            </a:endParaRPr>
+          </a:p>
+          <a:p>
+            <a:pPr>
+              <a:lnSpc>
+                <a:spcPct val="150000"/>
+              </a:lnSpc>
+            </a:pPr>
+            <a:r>
+              <a:rPr lang="en-US" sz="2400">
+                <a:latin typeface="Arial" panose="020B0604020202020204" pitchFamily="34" charset="0"/>
+                <a:cs typeface="Arial" panose="020B0604020202020204" pitchFamily="34" charset="0"/>
+              </a:rPr>
+              <a:t>Bazaar</a:t>
+            </a:r>
+            <a:endParaRPr lang="uk-UA" sz="2400">
+              <a:latin typeface="Arial" panose="020B0604020202020204" pitchFamily="34" charset="0"/>
+              <a:cs typeface="Arial" panose="020B0604020202020204" pitchFamily="34" charset="0"/>
+            </a:endParaRPr>
+          </a:p>
+          <a:p>
+            <a:pPr>
+              <a:lnSpc>
+                <a:spcPct val="150000"/>
+              </a:lnSpc>
             </a:pPr>
             <a:r>
               <a:rPr lang="uk-UA" sz="2400">
                 <a:latin typeface="Arial" panose="020B0604020202020204" pitchFamily="34" charset="0"/>
                 <a:cs typeface="Arial" panose="020B0604020202020204" pitchFamily="34" charset="0"/>
               </a:rPr>
-              <a:t>змінений (</a:t>
-            </a:r>
-            <a:r>
-              <a:rPr lang="uk-UA" sz="2400" err="1">
-                <a:latin typeface="Arial" panose="020B0604020202020204" pitchFamily="34" charset="0"/>
-                <a:cs typeface="Arial" panose="020B0604020202020204" pitchFamily="34" charset="0"/>
-              </a:rPr>
-              <a:t>modified</a:t>
-            </a:r>
-            <a:r>
-              <a:rPr lang="uk-UA" sz="2400">
-                <a:latin typeface="Arial" panose="020B0604020202020204" pitchFamily="34" charset="0"/>
-                <a:cs typeface="Arial" panose="020B0604020202020204" pitchFamily="34" charset="0"/>
-              </a:rPr>
-              <a:t>)</a:t>
-            </a:r>
-          </a:p>
-          <a:p>
-            <a:pPr marL="342900" indent="-342900">
-              <a:lnSpc>
-                <a:spcPct val="150000"/>
-              </a:lnSpc>
-              <a:buFont typeface="Wingdings" panose="05000000000000000000" pitchFamily="2" charset="2"/>
-              <a:buChar char="ü"/>
-            </a:pPr>
-            <a:r>
-              <a:rPr lang="uk-UA" sz="2400">
-                <a:latin typeface="Arial" panose="020B0604020202020204" pitchFamily="34" charset="0"/>
-                <a:cs typeface="Arial" panose="020B0604020202020204" pitchFamily="34" charset="0"/>
-              </a:rPr>
-              <a:t>індексований (</a:t>
-            </a:r>
-            <a:r>
-              <a:rPr lang="uk-UA" sz="2400" err="1">
-                <a:latin typeface="Arial" panose="020B0604020202020204" pitchFamily="34" charset="0"/>
-                <a:cs typeface="Arial" panose="020B0604020202020204" pitchFamily="34" charset="0"/>
-              </a:rPr>
-              <a:t>staged</a:t>
-            </a:r>
-            <a:r>
-              <a:rPr lang="uk-UA" sz="2400">
-                <a:latin typeface="Arial" panose="020B0604020202020204" pitchFamily="34" charset="0"/>
-                <a:cs typeface="Arial" panose="020B0604020202020204" pitchFamily="34" charset="0"/>
-              </a:rPr>
-              <a:t>)</a:t>
-            </a:r>
-          </a:p>
-          <a:p>
-            <a:pPr marL="342900" indent="-342900">
-              <a:lnSpc>
-                <a:spcPct val="150000"/>
-              </a:lnSpc>
-              <a:buFont typeface="Wingdings" panose="05000000000000000000" pitchFamily="2" charset="2"/>
-              <a:buChar char="ü"/>
-            </a:pPr>
-            <a:r>
-              <a:rPr lang="uk-UA" sz="2400">
-                <a:latin typeface="Arial" panose="020B0604020202020204" pitchFamily="34" charset="0"/>
-                <a:cs typeface="Arial" panose="020B0604020202020204" pitchFamily="34" charset="0"/>
-              </a:rPr>
-              <a:t>зафіксований </a:t>
-            </a:r>
-            <a:r>
-              <a:rPr lang="ru-RU" sz="2400">
-                <a:latin typeface="Arial" panose="020B0604020202020204" pitchFamily="34" charset="0"/>
-                <a:cs typeface="Arial" panose="020B0604020202020204" pitchFamily="34" charset="0"/>
-              </a:rPr>
-              <a:t>(</a:t>
-            </a:r>
-            <a:r>
-              <a:rPr lang="en-US" sz="2400">
-                <a:latin typeface="Arial" panose="020B0604020202020204" pitchFamily="34" charset="0"/>
-                <a:cs typeface="Arial" panose="020B0604020202020204" pitchFamily="34" charset="0"/>
-              </a:rPr>
-              <a:t>committed)</a:t>
+              <a:t>…</a:t>
             </a:r>
             <a:endParaRPr lang="ru-RU" sz="2400">
               <a:latin typeface="Arial" panose="020B0604020202020204" pitchFamily="34" charset="0"/>
@@ -7793,7 +8659,7 @@
     </p:spTree>
     <p:extLst>
       <p:ext uri="{BB962C8B-B14F-4D97-AF65-F5344CB8AC3E}">
-        <p14:creationId xmlns:p14="http://schemas.microsoft.com/office/powerpoint/2010/main" val="3366637938"/>
+        <p14:creationId xmlns:p14="http://schemas.microsoft.com/office/powerpoint/2010/main" val="1281385046"/>
       </p:ext>
     </p:extLst>
   </p:cSld>
@@ -7875,6 +8741,261 @@
           </a:p>
         </p:txBody>
       </p:sp>
+      <p:pic>
+        <p:nvPicPr>
+          <p:cNvPr id="1026" name="Picture 2" descr="Рабочая копия, область индексирования и каталог Git">
+            <a:extLst>
+              <a:ext uri="{FF2B5EF4-FFF2-40B4-BE49-F238E27FC236}">
+                <a16:creationId xmlns:a16="http://schemas.microsoft.com/office/drawing/2014/main" id="{A58F3C4E-89E2-62D2-1AED-D49C1E31DEA7}"/>
+              </a:ext>
+            </a:extLst>
+          </p:cNvPr>
+          <p:cNvPicPr>
+            <a:picLocks noChangeAspect="1" noChangeArrowheads="1"/>
+          </p:cNvPicPr>
+          <p:nvPr/>
+        </p:nvPicPr>
+        <p:blipFill>
+          <a:blip r:embed="rId2">
+            <a:extLst>
+              <a:ext uri="{28A0092B-C50C-407E-A947-70E740481C1C}">
+                <a14:useLocalDpi xmlns:a14="http://schemas.microsoft.com/office/drawing/2010/main" val="0"/>
+              </a:ext>
+            </a:extLst>
+          </a:blip>
+          <a:srcRect/>
+          <a:stretch>
+            <a:fillRect/>
+          </a:stretch>
+        </p:blipFill>
+        <p:spPr bwMode="auto">
+          <a:xfrm>
+            <a:off x="4937761" y="1803043"/>
+            <a:ext cx="6595109" cy="3635554"/>
+          </a:xfrm>
+          <a:prstGeom prst="rect">
+            <a:avLst/>
+          </a:prstGeom>
+          <a:noFill/>
+          <a:extLst>
+            <a:ext uri="{909E8E84-426E-40DD-AFC4-6F175D3DCCD1}">
+              <a14:hiddenFill xmlns:a14="http://schemas.microsoft.com/office/drawing/2010/main">
+                <a:solidFill>
+                  <a:srgbClr val="FFFFFF"/>
+                </a:solidFill>
+              </a14:hiddenFill>
+            </a:ext>
+          </a:extLst>
+        </p:spPr>
+      </p:pic>
+      <p:sp>
+        <p:nvSpPr>
+          <p:cNvPr id="9" name="TextBox 8">
+            <a:extLst>
+              <a:ext uri="{FF2B5EF4-FFF2-40B4-BE49-F238E27FC236}">
+                <a16:creationId xmlns:a16="http://schemas.microsoft.com/office/drawing/2014/main" id="{DDAEA836-0B5C-23B5-1642-2D8104EC83B5}"/>
+              </a:ext>
+            </a:extLst>
+          </p:cNvPr>
+          <p:cNvSpPr txBox="1"/>
+          <p:nvPr/>
+        </p:nvSpPr>
+        <p:spPr>
+          <a:xfrm>
+            <a:off x="666751" y="2697480"/>
+            <a:ext cx="4271010" cy="1685846"/>
+          </a:xfrm>
+          <a:prstGeom prst="rect">
+            <a:avLst/>
+          </a:prstGeom>
+          <a:noFill/>
+        </p:spPr>
+        <p:txBody>
+          <a:bodyPr wrap="square">
+            <a:spAutoFit/>
+          </a:bodyPr>
+          <a:lstStyle/>
+          <a:p>
+            <a:pPr marL="342900" indent="-342900">
+              <a:lnSpc>
+                <a:spcPct val="150000"/>
+              </a:lnSpc>
+              <a:buFont typeface="Wingdings" panose="05000000000000000000" pitchFamily="2" charset="2"/>
+              <a:buChar char="ü"/>
+            </a:pPr>
+            <a:r>
+              <a:rPr lang="uk-UA" sz="2400">
+                <a:latin typeface="Arial" panose="020B0604020202020204" pitchFamily="34" charset="0"/>
+                <a:cs typeface="Arial" panose="020B0604020202020204" pitchFamily="34" charset="0"/>
+              </a:rPr>
+              <a:t>змінений (</a:t>
+            </a:r>
+            <a:r>
+              <a:rPr lang="uk-UA" sz="2400" err="1">
+                <a:latin typeface="Arial" panose="020B0604020202020204" pitchFamily="34" charset="0"/>
+                <a:cs typeface="Arial" panose="020B0604020202020204" pitchFamily="34" charset="0"/>
+              </a:rPr>
+              <a:t>modified</a:t>
+            </a:r>
+            <a:r>
+              <a:rPr lang="uk-UA" sz="2400">
+                <a:latin typeface="Arial" panose="020B0604020202020204" pitchFamily="34" charset="0"/>
+                <a:cs typeface="Arial" panose="020B0604020202020204" pitchFamily="34" charset="0"/>
+              </a:rPr>
+              <a:t>)</a:t>
+            </a:r>
+          </a:p>
+          <a:p>
+            <a:pPr marL="342900" indent="-342900">
+              <a:lnSpc>
+                <a:spcPct val="150000"/>
+              </a:lnSpc>
+              <a:buFont typeface="Wingdings" panose="05000000000000000000" pitchFamily="2" charset="2"/>
+              <a:buChar char="ü"/>
+            </a:pPr>
+            <a:r>
+              <a:rPr lang="uk-UA" sz="2400">
+                <a:latin typeface="Arial" panose="020B0604020202020204" pitchFamily="34" charset="0"/>
+                <a:cs typeface="Arial" panose="020B0604020202020204" pitchFamily="34" charset="0"/>
+              </a:rPr>
+              <a:t>індексований (</a:t>
+            </a:r>
+            <a:r>
+              <a:rPr lang="uk-UA" sz="2400" err="1">
+                <a:latin typeface="Arial" panose="020B0604020202020204" pitchFamily="34" charset="0"/>
+                <a:cs typeface="Arial" panose="020B0604020202020204" pitchFamily="34" charset="0"/>
+              </a:rPr>
+              <a:t>staged</a:t>
+            </a:r>
+            <a:r>
+              <a:rPr lang="uk-UA" sz="2400">
+                <a:latin typeface="Arial" panose="020B0604020202020204" pitchFamily="34" charset="0"/>
+                <a:cs typeface="Arial" panose="020B0604020202020204" pitchFamily="34" charset="0"/>
+              </a:rPr>
+              <a:t>)</a:t>
+            </a:r>
+          </a:p>
+          <a:p>
+            <a:pPr marL="342900" indent="-342900">
+              <a:lnSpc>
+                <a:spcPct val="150000"/>
+              </a:lnSpc>
+              <a:buFont typeface="Wingdings" panose="05000000000000000000" pitchFamily="2" charset="2"/>
+              <a:buChar char="ü"/>
+            </a:pPr>
+            <a:r>
+              <a:rPr lang="uk-UA" sz="2400">
+                <a:latin typeface="Arial" panose="020B0604020202020204" pitchFamily="34" charset="0"/>
+                <a:cs typeface="Arial" panose="020B0604020202020204" pitchFamily="34" charset="0"/>
+              </a:rPr>
+              <a:t>зафіксований </a:t>
+            </a:r>
+            <a:r>
+              <a:rPr lang="ru-RU" sz="2400">
+                <a:latin typeface="Arial" panose="020B0604020202020204" pitchFamily="34" charset="0"/>
+                <a:cs typeface="Arial" panose="020B0604020202020204" pitchFamily="34" charset="0"/>
+              </a:rPr>
+              <a:t>(</a:t>
+            </a:r>
+            <a:r>
+              <a:rPr lang="en-US" sz="2400">
+                <a:latin typeface="Arial" panose="020B0604020202020204" pitchFamily="34" charset="0"/>
+                <a:cs typeface="Arial" panose="020B0604020202020204" pitchFamily="34" charset="0"/>
+              </a:rPr>
+              <a:t>committed)</a:t>
+            </a:r>
+            <a:endParaRPr lang="ru-RU" sz="2400">
+              <a:latin typeface="Arial" panose="020B0604020202020204" pitchFamily="34" charset="0"/>
+              <a:cs typeface="Arial" panose="020B0604020202020204" pitchFamily="34" charset="0"/>
+            </a:endParaRPr>
+          </a:p>
+        </p:txBody>
+      </p:sp>
+    </p:spTree>
+    <p:extLst>
+      <p:ext uri="{BB962C8B-B14F-4D97-AF65-F5344CB8AC3E}">
+        <p14:creationId xmlns:p14="http://schemas.microsoft.com/office/powerpoint/2010/main" val="3366637938"/>
+      </p:ext>
+    </p:extLst>
+  </p:cSld>
+  <p:clrMapOvr>
+    <a:masterClrMapping/>
+  </p:clrMapOvr>
+</p:sld>
+</file>
+
+<file path=ppt/slides/slide15.xml><?xml version="1.0" encoding="utf-8"?>
+<p:sld xmlns:a="http://schemas.openxmlformats.org/drawingml/2006/main" xmlns:r="http://schemas.openxmlformats.org/officeDocument/2006/relationships" xmlns:p="http://schemas.openxmlformats.org/presentationml/2006/main">
+  <p:cSld>
+    <p:spTree>
+      <p:nvGrpSpPr>
+        <p:cNvPr id="1" name=""/>
+        <p:cNvGrpSpPr/>
+        <p:nvPr/>
+      </p:nvGrpSpPr>
+      <p:grpSpPr>
+        <a:xfrm>
+          <a:off x="0" y="0"/>
+          <a:ext cx="0" cy="0"/>
+          <a:chOff x="0" y="0"/>
+          <a:chExt cx="0" cy="0"/>
+        </a:xfrm>
+      </p:grpSpPr>
+      <p:sp>
+        <p:nvSpPr>
+          <p:cNvPr id="4" name="Заголовок 3">
+            <a:extLst>
+              <a:ext uri="{FF2B5EF4-FFF2-40B4-BE49-F238E27FC236}">
+                <a16:creationId xmlns:a16="http://schemas.microsoft.com/office/drawing/2014/main" id="{8FE2BCA8-E83D-429B-887D-6FBFF82E5C4F}"/>
+              </a:ext>
+            </a:extLst>
+          </p:cNvPr>
+          <p:cNvSpPr>
+            <a:spLocks noGrp="1"/>
+          </p:cNvSpPr>
+          <p:nvPr>
+            <p:ph type="ctrTitle"/>
+          </p:nvPr>
+        </p:nvSpPr>
+        <p:spPr>
+          <a:xfrm>
+            <a:off x="1287128" y="106682"/>
+            <a:ext cx="9144000" cy="824362"/>
+          </a:xfrm>
+        </p:spPr>
+        <p:txBody>
+          <a:bodyPr>
+            <a:normAutofit/>
+          </a:bodyPr>
+          <a:lstStyle/>
+          <a:p>
+            <a:r>
+              <a:rPr lang="uk-UA" sz="4000" b="1">
+                <a:solidFill>
+                  <a:srgbClr val="0070C0"/>
+                </a:solidFill>
+                <a:latin typeface="SchoolBookCTT" pitchFamily="2" charset="0"/>
+              </a:rPr>
+              <a:t>Особливості </a:t>
+            </a:r>
+            <a:r>
+              <a:rPr lang="en-US" sz="4000" b="1">
+                <a:solidFill>
+                  <a:srgbClr val="0070C0"/>
+                </a:solidFill>
+                <a:latin typeface="SchoolBookCTT" pitchFamily="2" charset="0"/>
+              </a:rPr>
+              <a:t>Git</a:t>
+            </a:r>
+            <a:endParaRPr lang="ru-RU" sz="4000" b="1">
+              <a:solidFill>
+                <a:srgbClr val="0070C0"/>
+              </a:solidFill>
+              <a:latin typeface="SchoolBookCTT" pitchFamily="2" charset="0"/>
+            </a:endParaRPr>
+          </a:p>
+        </p:txBody>
+      </p:sp>
       <p:sp>
         <p:nvSpPr>
           <p:cNvPr id="9" name="TextBox 8">
@@ -8062,7 +9183,7 @@
 </p:sld>
 </file>
 
-<file path=ppt/slides/slide15.xml><?xml version="1.0" encoding="utf-8"?>
+<file path=ppt/slides/slide16.xml><?xml version="1.0" encoding="utf-8"?>
 <p:sld xmlns:a="http://schemas.openxmlformats.org/drawingml/2006/main" xmlns:r="http://schemas.openxmlformats.org/officeDocument/2006/relationships" xmlns:p="http://schemas.openxmlformats.org/presentationml/2006/main">
   <p:cSld>
     <p:spTree>
@@ -8400,7 +9521,7 @@
 </p:sld>
 </file>
 
-<file path=ppt/slides/slide16.xml><?xml version="1.0" encoding="utf-8"?>
+<file path=ppt/slides/slide17.xml><?xml version="1.0" encoding="utf-8"?>
 <p:sld xmlns:a="http://schemas.openxmlformats.org/drawingml/2006/main" xmlns:r="http://schemas.openxmlformats.org/officeDocument/2006/relationships" xmlns:p="http://schemas.openxmlformats.org/presentationml/2006/main">
   <p:cSld>
     <p:spTree>
@@ -8441,7 +9562,7 @@
         </p:spPr>
         <p:txBody>
           <a:bodyPr>
-            <a:normAutofit fontScale="90000"/>
+            <a:normAutofit/>
           </a:bodyPr>
           <a:lstStyle/>
           <a:p>
@@ -8596,7 +9717,7 @@
 </p:sld>
 </file>
 
-<file path=ppt/slides/slide17.xml><?xml version="1.0" encoding="utf-8"?>
+<file path=ppt/slides/slide18.xml><?xml version="1.0" encoding="utf-8"?>
 <p:sld xmlns:a="http://schemas.openxmlformats.org/drawingml/2006/main" xmlns:r="http://schemas.openxmlformats.org/officeDocument/2006/relationships" xmlns:p="http://schemas.openxmlformats.org/presentationml/2006/main">
   <p:cSld>
     <p:spTree>
@@ -8967,7 +10088,7 @@
 </p:sld>
 </file>
 
-<file path=ppt/slides/slide18.xml><?xml version="1.0" encoding="utf-8"?>
+<file path=ppt/slides/slide19.xml><?xml version="1.0" encoding="utf-8"?>
 <p:sld xmlns:a="http://schemas.openxmlformats.org/drawingml/2006/main" xmlns:r="http://schemas.openxmlformats.org/officeDocument/2006/relationships" xmlns:p="http://schemas.openxmlformats.org/presentationml/2006/main">
   <p:cSld>
     <p:spTree>
@@ -9241,7 +10362,346 @@
 </p:sld>
 </file>
 
-<file path=ppt/slides/slide19.xml><?xml version="1.0" encoding="utf-8"?>
+<file path=ppt/slides/slide2.xml><?xml version="1.0" encoding="utf-8"?>
+<p:sld xmlns:a="http://schemas.openxmlformats.org/drawingml/2006/main" xmlns:r="http://schemas.openxmlformats.org/officeDocument/2006/relationships" xmlns:p="http://schemas.openxmlformats.org/presentationml/2006/main">
+  <p:cSld>
+    <p:spTree>
+      <p:nvGrpSpPr>
+        <p:cNvPr id="1" name=""/>
+        <p:cNvGrpSpPr/>
+        <p:nvPr/>
+      </p:nvGrpSpPr>
+      <p:grpSpPr>
+        <a:xfrm>
+          <a:off x="0" y="0"/>
+          <a:ext cx="0" cy="0"/>
+          <a:chOff x="0" y="0"/>
+          <a:chExt cx="0" cy="0"/>
+        </a:xfrm>
+      </p:grpSpPr>
+      <p:sp>
+        <p:nvSpPr>
+          <p:cNvPr id="2" name="Заголовок 1">
+            <a:extLst>
+              <a:ext uri="{FF2B5EF4-FFF2-40B4-BE49-F238E27FC236}">
+                <a16:creationId xmlns:a16="http://schemas.microsoft.com/office/drawing/2014/main" id="{B733F7C8-2A9B-49EB-B2E4-2169206BF4C1}"/>
+              </a:ext>
+            </a:extLst>
+          </p:cNvPr>
+          <p:cNvSpPr>
+            <a:spLocks noGrp="1"/>
+          </p:cNvSpPr>
+          <p:nvPr>
+            <p:ph type="title"/>
+          </p:nvPr>
+        </p:nvSpPr>
+        <p:spPr>
+          <a:xfrm>
+            <a:off x="669524" y="1124473"/>
+            <a:ext cx="10515600" cy="1325563"/>
+          </a:xfrm>
+        </p:spPr>
+        <p:txBody>
+          <a:bodyPr/>
+          <a:lstStyle/>
+          <a:p>
+            <a:pPr algn="ctr"/>
+            <a:r>
+              <a:rPr lang="en-US" dirty="0">
+                <a:solidFill>
+                  <a:srgbClr val="00B0F0"/>
+                </a:solidFill>
+              </a:rPr>
+              <a:t>Team members</a:t>
+            </a:r>
+            <a:endParaRPr lang="ru-UA" dirty="0">
+              <a:solidFill>
+                <a:srgbClr val="00B0F0"/>
+              </a:solidFill>
+            </a:endParaRPr>
+          </a:p>
+        </p:txBody>
+      </p:sp>
+      <p:sp>
+        <p:nvSpPr>
+          <p:cNvPr id="3" name="Объект 2">
+            <a:extLst>
+              <a:ext uri="{FF2B5EF4-FFF2-40B4-BE49-F238E27FC236}">
+                <a16:creationId xmlns:a16="http://schemas.microsoft.com/office/drawing/2014/main" id="{CEC3F4BC-87D9-44FC-98A9-798C143CC0A9}"/>
+              </a:ext>
+            </a:extLst>
+          </p:cNvPr>
+          <p:cNvSpPr>
+            <a:spLocks noGrp="1"/>
+          </p:cNvSpPr>
+          <p:nvPr>
+            <p:ph idx="1"/>
+          </p:nvPr>
+        </p:nvSpPr>
+        <p:spPr>
+          <a:xfrm>
+            <a:off x="1148918" y="3636670"/>
+            <a:ext cx="10515600" cy="4351338"/>
+          </a:xfrm>
+        </p:spPr>
+        <p:txBody>
+          <a:bodyPr/>
+          <a:lstStyle/>
+          <a:p>
+            <a:pPr marL="0" indent="0" algn="ctr">
+              <a:buNone/>
+            </a:pPr>
+            <a:r>
+              <a:rPr lang="uk-UA" dirty="0">
+                <a:solidFill>
+                  <a:srgbClr val="FFFF00"/>
+                </a:solidFill>
+              </a:rPr>
+              <a:t>Клименко Артем Максимович(</a:t>
+            </a:r>
+            <a:r>
+              <a:rPr lang="en-US" dirty="0">
+                <a:solidFill>
+                  <a:srgbClr val="FFFF00"/>
+                </a:solidFill>
+              </a:rPr>
+              <a:t>PM)</a:t>
+            </a:r>
+            <a:endParaRPr lang="uk-UA" dirty="0">
+              <a:solidFill>
+                <a:srgbClr val="FFFF00"/>
+              </a:solidFill>
+            </a:endParaRPr>
+          </a:p>
+          <a:p>
+            <a:pPr marL="0" indent="0" algn="ctr">
+              <a:buNone/>
+            </a:pPr>
+            <a:r>
+              <a:rPr lang="uk-UA" dirty="0">
+                <a:solidFill>
+                  <a:srgbClr val="FFFF00"/>
+                </a:solidFill>
+              </a:rPr>
+              <a:t>Полібін-Щербак Демид Артемович</a:t>
+            </a:r>
+            <a:r>
+              <a:rPr lang="en-US" dirty="0">
+                <a:solidFill>
+                  <a:srgbClr val="FFFF00"/>
+                </a:solidFill>
+              </a:rPr>
+              <a:t>(PM)</a:t>
+            </a:r>
+            <a:endParaRPr lang="uk-UA" dirty="0">
+              <a:solidFill>
+                <a:srgbClr val="FFFF00"/>
+              </a:solidFill>
+            </a:endParaRPr>
+          </a:p>
+          <a:p>
+            <a:pPr marL="0" indent="0" algn="ctr">
+              <a:buNone/>
+            </a:pPr>
+            <a:r>
+              <a:rPr lang="en-US" dirty="0">
+                <a:solidFill>
+                  <a:srgbClr val="FFFF00"/>
+                </a:solidFill>
+              </a:rPr>
+              <a:t>C</a:t>
+            </a:r>
+            <a:r>
+              <a:rPr lang="uk-UA" dirty="0" err="1">
+                <a:solidFill>
+                  <a:srgbClr val="FFFF00"/>
+                </a:solidFill>
+              </a:rPr>
+              <a:t>ердюк</a:t>
+            </a:r>
+            <a:r>
+              <a:rPr lang="uk-UA" dirty="0">
+                <a:solidFill>
+                  <a:srgbClr val="FFFF00"/>
+                </a:solidFill>
+              </a:rPr>
+              <a:t> Костя Олегович</a:t>
+            </a:r>
+            <a:r>
+              <a:rPr lang="en-US" dirty="0">
+                <a:solidFill>
+                  <a:srgbClr val="FFFF00"/>
+                </a:solidFill>
+              </a:rPr>
+              <a:t>(Editor)</a:t>
+            </a:r>
+          </a:p>
+          <a:p>
+            <a:pPr marL="0" indent="0" algn="ctr">
+              <a:buNone/>
+            </a:pPr>
+            <a:r>
+              <a:rPr lang="uk-UA" dirty="0">
+                <a:solidFill>
+                  <a:srgbClr val="FFFF00"/>
+                </a:solidFill>
+              </a:rPr>
+              <a:t>Фоменко Валентин Олександрович</a:t>
+            </a:r>
+            <a:r>
+              <a:rPr lang="en-US" dirty="0">
+                <a:solidFill>
+                  <a:srgbClr val="FFFF00"/>
+                </a:solidFill>
+              </a:rPr>
+              <a:t>	(Editor)</a:t>
+            </a:r>
+          </a:p>
+          <a:p>
+            <a:pPr marL="0" indent="0" algn="ctr">
+              <a:buNone/>
+            </a:pPr>
+            <a:r>
+              <a:rPr lang="uk-UA" dirty="0">
+                <a:solidFill>
+                  <a:srgbClr val="FFFF00"/>
+                </a:solidFill>
+              </a:rPr>
+              <a:t>Шейко Ростислав Олександрович</a:t>
+            </a:r>
+            <a:r>
+              <a:rPr lang="en-US" dirty="0">
+                <a:solidFill>
+                  <a:srgbClr val="FFFF00"/>
+                </a:solidFill>
+              </a:rPr>
+              <a:t>(Editor)</a:t>
+            </a:r>
+          </a:p>
+          <a:p>
+            <a:pPr marL="0" indent="0" algn="ctr">
+              <a:buNone/>
+            </a:pPr>
+            <a:r>
+              <a:rPr lang="uk-UA" dirty="0">
+                <a:solidFill>
+                  <a:srgbClr val="FFFF00"/>
+                </a:solidFill>
+              </a:rPr>
+              <a:t>Бабенко </a:t>
+            </a:r>
+            <a:r>
+              <a:rPr lang="uk-UA" dirty="0" err="1">
+                <a:solidFill>
+                  <a:srgbClr val="FFFF00"/>
+                </a:solidFill>
+              </a:rPr>
+              <a:t>Станислав</a:t>
+            </a:r>
+            <a:r>
+              <a:rPr lang="uk-UA" dirty="0">
+                <a:solidFill>
+                  <a:srgbClr val="FFFF00"/>
+                </a:solidFill>
+              </a:rPr>
+              <a:t> </a:t>
+            </a:r>
+            <a:r>
+              <a:rPr lang="uk-UA" dirty="0" err="1">
+                <a:solidFill>
+                  <a:srgbClr val="FFFF00"/>
+                </a:solidFill>
+              </a:rPr>
+              <a:t>Алексеевич</a:t>
+            </a:r>
+            <a:r>
+              <a:rPr lang="en-US" dirty="0">
+                <a:solidFill>
+                  <a:srgbClr val="FFFF00"/>
+                </a:solidFill>
+              </a:rPr>
+              <a:t>(Editor)</a:t>
+            </a:r>
+          </a:p>
+          <a:p>
+            <a:pPr marL="0" indent="0">
+              <a:buNone/>
+            </a:pPr>
+            <a:endParaRPr lang="ru-UA" dirty="0"/>
+          </a:p>
+        </p:txBody>
+      </p:sp>
+      <p:sp>
+        <p:nvSpPr>
+          <p:cNvPr id="4" name="Нижний колонтитул 3">
+            <a:extLst>
+              <a:ext uri="{FF2B5EF4-FFF2-40B4-BE49-F238E27FC236}">
+                <a16:creationId xmlns:a16="http://schemas.microsoft.com/office/drawing/2014/main" id="{4B31E0EE-93D5-4BB5-A6F9-12B65F2F2A94}"/>
+              </a:ext>
+            </a:extLst>
+          </p:cNvPr>
+          <p:cNvSpPr>
+            <a:spLocks noGrp="1"/>
+          </p:cNvSpPr>
+          <p:nvPr>
+            <p:ph type="ftr" sz="quarter" idx="11"/>
+          </p:nvPr>
+        </p:nvSpPr>
+        <p:spPr/>
+        <p:txBody>
+          <a:bodyPr/>
+          <a:lstStyle/>
+          <a:p>
+            <a:endParaRPr lang="uk-UA" dirty="0"/>
+          </a:p>
+          <a:p>
+            <a:endParaRPr lang="en-US" dirty="0"/>
+          </a:p>
+        </p:txBody>
+      </p:sp>
+      <p:sp>
+        <p:nvSpPr>
+          <p:cNvPr id="5" name="Номер слайда 4">
+            <a:extLst>
+              <a:ext uri="{FF2B5EF4-FFF2-40B4-BE49-F238E27FC236}">
+                <a16:creationId xmlns:a16="http://schemas.microsoft.com/office/drawing/2014/main" id="{3309330A-129B-47A1-AE42-37B52D14ED36}"/>
+              </a:ext>
+            </a:extLst>
+          </p:cNvPr>
+          <p:cNvSpPr>
+            <a:spLocks noGrp="1"/>
+          </p:cNvSpPr>
+          <p:nvPr>
+            <p:ph type="sldNum" sz="quarter" idx="12"/>
+          </p:nvPr>
+        </p:nvSpPr>
+        <p:spPr/>
+        <p:txBody>
+          <a:bodyPr/>
+          <a:lstStyle/>
+          <a:p>
+            <a:fld id="{6D22F896-40B5-4ADD-8801-0D06FADFA095}" type="slidenum">
+              <a:rPr lang="en-US" smtClean="0"/>
+              <a:t>2</a:t>
+            </a:fld>
+            <a:endParaRPr lang="en-US"/>
+          </a:p>
+        </p:txBody>
+      </p:sp>
+    </p:spTree>
+    <p:extLst>
+      <p:ext uri="{BB962C8B-B14F-4D97-AF65-F5344CB8AC3E}">
+        <p14:creationId xmlns:p14="http://schemas.microsoft.com/office/powerpoint/2010/main" val="4162064204"/>
+      </p:ext>
+    </p:extLst>
+  </p:cSld>
+  <p:clrMapOvr>
+    <a:masterClrMapping/>
+  </p:clrMapOvr>
+</p:sld>
+</file>
+
+<file path=ppt/slides/slide20.xml><?xml version="1.0" encoding="utf-8"?>
 <p:sld xmlns:a="http://schemas.openxmlformats.org/drawingml/2006/main" xmlns:r="http://schemas.openxmlformats.org/officeDocument/2006/relationships" xmlns:p="http://schemas.openxmlformats.org/presentationml/2006/main">
   <p:cSld>
     <p:spTree>
@@ -10007,151 +11467,7 @@
 </p:sld>
 </file>
 
-<file path=ppt/slides/slide2.xml><?xml version="1.0" encoding="utf-8"?>
-<p:sld xmlns:a="http://schemas.openxmlformats.org/drawingml/2006/main" xmlns:r="http://schemas.openxmlformats.org/officeDocument/2006/relationships" xmlns:p="http://schemas.openxmlformats.org/presentationml/2006/main">
-  <p:cSld>
-    <p:spTree>
-      <p:nvGrpSpPr>
-        <p:cNvPr id="1" name=""/>
-        <p:cNvGrpSpPr/>
-        <p:nvPr/>
-      </p:nvGrpSpPr>
-      <p:grpSpPr>
-        <a:xfrm>
-          <a:off x="0" y="0"/>
-          <a:ext cx="0" cy="0"/>
-          <a:chOff x="0" y="0"/>
-          <a:chExt cx="0" cy="0"/>
-        </a:xfrm>
-      </p:grpSpPr>
-      <p:sp>
-        <p:nvSpPr>
-          <p:cNvPr id="4" name="Заголовок 3">
-            <a:extLst>
-              <a:ext uri="{FF2B5EF4-FFF2-40B4-BE49-F238E27FC236}">
-                <a16:creationId xmlns:a16="http://schemas.microsoft.com/office/drawing/2014/main" id="{8B55FD2B-1F3D-FB95-9C5C-948D234CBA50}"/>
-              </a:ext>
-            </a:extLst>
-          </p:cNvPr>
-          <p:cNvSpPr>
-            <a:spLocks noGrp="1"/>
-          </p:cNvSpPr>
-          <p:nvPr>
-            <p:ph type="ctrTitle"/>
-          </p:nvPr>
-        </p:nvSpPr>
-        <p:spPr>
-          <a:xfrm>
-            <a:off x="1931670" y="139383"/>
-            <a:ext cx="8328660" cy="786447"/>
-          </a:xfrm>
-        </p:spPr>
-        <p:txBody>
-          <a:bodyPr>
-            <a:noAutofit/>
-          </a:bodyPr>
-          <a:lstStyle/>
-          <a:p>
-            <a:r>
-              <a:rPr lang="en-US" sz="4000" b="1">
-                <a:solidFill>
-                  <a:srgbClr val="0070C0"/>
-                </a:solidFill>
-                <a:latin typeface="SchoolBookCTT" pitchFamily="2" charset="0"/>
-              </a:rPr>
-              <a:t>Developer Roadmaps</a:t>
-            </a:r>
-            <a:endParaRPr lang="ru-RU" sz="4000"/>
-          </a:p>
-        </p:txBody>
-      </p:sp>
-      <p:sp>
-        <p:nvSpPr>
-          <p:cNvPr id="6" name="TextBox 5">
-            <a:extLst>
-              <a:ext uri="{FF2B5EF4-FFF2-40B4-BE49-F238E27FC236}">
-                <a16:creationId xmlns:a16="http://schemas.microsoft.com/office/drawing/2014/main" id="{89DD925F-864E-C850-D250-69290A59253E}"/>
-              </a:ext>
-            </a:extLst>
-          </p:cNvPr>
-          <p:cNvSpPr txBox="1"/>
-          <p:nvPr/>
-        </p:nvSpPr>
-        <p:spPr>
-          <a:xfrm>
-            <a:off x="7186326" y="1978454"/>
-            <a:ext cx="3234690" cy="369332"/>
-          </a:xfrm>
-          <a:prstGeom prst="rect">
-            <a:avLst/>
-          </a:prstGeom>
-          <a:noFill/>
-        </p:spPr>
-        <p:txBody>
-          <a:bodyPr wrap="square">
-            <a:spAutoFit/>
-          </a:bodyPr>
-          <a:lstStyle/>
-          <a:p>
-            <a:r>
-              <a:rPr lang="en-US">
-                <a:latin typeface="Arial" panose="020B0604020202020204" pitchFamily="34" charset="0"/>
-                <a:cs typeface="Arial" panose="020B0604020202020204" pitchFamily="34" charset="0"/>
-                <a:hlinkClick r:id="rId2"/>
-              </a:rPr>
-              <a:t>https://roadmap.sh/roadmaps</a:t>
-            </a:r>
-            <a:endParaRPr lang="en-US">
-              <a:latin typeface="Arial" panose="020B0604020202020204" pitchFamily="34" charset="0"/>
-              <a:cs typeface="Arial" panose="020B0604020202020204" pitchFamily="34" charset="0"/>
-            </a:endParaRPr>
-          </a:p>
-        </p:txBody>
-      </p:sp>
-      <p:pic>
-        <p:nvPicPr>
-          <p:cNvPr id="7" name="Рисунок 6">
-            <a:extLst>
-              <a:ext uri="{FF2B5EF4-FFF2-40B4-BE49-F238E27FC236}">
-                <a16:creationId xmlns:a16="http://schemas.microsoft.com/office/drawing/2014/main" id="{3912C201-0C56-B84B-16C0-343548E3DA07}"/>
-              </a:ext>
-            </a:extLst>
-          </p:cNvPr>
-          <p:cNvPicPr>
-            <a:picLocks noChangeAspect="1"/>
-          </p:cNvPicPr>
-          <p:nvPr/>
-        </p:nvPicPr>
-        <p:blipFill>
-          <a:blip r:embed="rId3"/>
-          <a:stretch>
-            <a:fillRect/>
-          </a:stretch>
-        </p:blipFill>
-        <p:spPr>
-          <a:xfrm>
-            <a:off x="1003193" y="1901221"/>
-            <a:ext cx="4172991" cy="4817396"/>
-          </a:xfrm>
-          <a:prstGeom prst="rect">
-            <a:avLst/>
-          </a:prstGeom>
-        </p:spPr>
-      </p:pic>
-    </p:spTree>
-    <p:extLst>
-      <p:ext uri="{BB962C8B-B14F-4D97-AF65-F5344CB8AC3E}">
-        <p14:creationId xmlns:p14="http://schemas.microsoft.com/office/powerpoint/2010/main" val="1593836141"/>
-      </p:ext>
-    </p:extLst>
-  </p:cSld>
-  <p:clrMapOvr>
-    <a:masterClrMapping/>
-  </p:clrMapOvr>
-</p:sld>
-</file>
-
-<file path=ppt/slides/slide20.xml><?xml version="1.0" encoding="utf-8"?>
+<file path=ppt/slides/slide21.xml><?xml version="1.0" encoding="utf-8"?>
 <p:sld xmlns:a="http://schemas.openxmlformats.org/drawingml/2006/main" xmlns:r="http://schemas.openxmlformats.org/officeDocument/2006/relationships" xmlns:p="http://schemas.openxmlformats.org/presentationml/2006/main">
   <p:cSld>
     <p:spTree>
@@ -10878,7 +12194,7 @@
 </p:sld>
 </file>
 
-<file path=ppt/slides/slide21.xml><?xml version="1.0" encoding="utf-8"?>
+<file path=ppt/slides/slide22.xml><?xml version="1.0" encoding="utf-8"?>
 <p:sld xmlns:a="http://schemas.openxmlformats.org/drawingml/2006/main" xmlns:r="http://schemas.openxmlformats.org/officeDocument/2006/relationships" xmlns:p="http://schemas.openxmlformats.org/presentationml/2006/main">
   <p:cSld>
     <p:spTree>
@@ -11156,7 +12472,7 @@
 </p:sld>
 </file>
 
-<file path=ppt/slides/slide22.xml><?xml version="1.0" encoding="utf-8"?>
+<file path=ppt/slides/slide23.xml><?xml version="1.0" encoding="utf-8"?>
 <p:sld xmlns:a="http://schemas.openxmlformats.org/drawingml/2006/main" xmlns:r="http://schemas.openxmlformats.org/officeDocument/2006/relationships" xmlns:p="http://schemas.openxmlformats.org/presentationml/2006/main">
   <p:cSld>
     <p:spTree>
@@ -11770,7 +13086,7 @@
 </p:sld>
 </file>
 
-<file path=ppt/slides/slide23.xml><?xml version="1.0" encoding="utf-8"?>
+<file path=ppt/slides/slide24.xml><?xml version="1.0" encoding="utf-8"?>
 <p:sld xmlns:a="http://schemas.openxmlformats.org/drawingml/2006/main" xmlns:r="http://schemas.openxmlformats.org/officeDocument/2006/relationships" xmlns:p="http://schemas.openxmlformats.org/presentationml/2006/main">
   <p:cSld>
     <p:spTree>
@@ -12089,7 +13405,7 @@
 </p:sld>
 </file>
 
-<file path=ppt/slides/slide24.xml><?xml version="1.0" encoding="utf-8"?>
+<file path=ppt/slides/slide25.xml><?xml version="1.0" encoding="utf-8"?>
 <p:sld xmlns:a="http://schemas.openxmlformats.org/drawingml/2006/main" xmlns:r="http://schemas.openxmlformats.org/officeDocument/2006/relationships" xmlns:p="http://schemas.openxmlformats.org/presentationml/2006/main">
   <p:cSld>
     <p:spTree>
@@ -12818,7 +14134,7 @@
 </p:sld>
 </file>
 
-<file path=ppt/slides/slide25.xml><?xml version="1.0" encoding="utf-8"?>
+<file path=ppt/slides/slide26.xml><?xml version="1.0" encoding="utf-8"?>
 <p:sld xmlns:a="http://schemas.openxmlformats.org/drawingml/2006/main" xmlns:r="http://schemas.openxmlformats.org/officeDocument/2006/relationships" xmlns:p="http://schemas.openxmlformats.org/presentationml/2006/main">
   <p:cSld>
     <p:spTree>
@@ -13252,7 +14568,7 @@
 </p:sld>
 </file>
 
-<file path=ppt/slides/slide26.xml><?xml version="1.0" encoding="utf-8"?>
+<file path=ppt/slides/slide27.xml><?xml version="1.0" encoding="utf-8"?>
 <p:sld xmlns:a="http://schemas.openxmlformats.org/drawingml/2006/main" xmlns:r="http://schemas.openxmlformats.org/officeDocument/2006/relationships" xmlns:p="http://schemas.openxmlformats.org/presentationml/2006/main">
   <p:cSld>
     <p:spTree>
@@ -13803,7 +15119,7 @@
 </p:sld>
 </file>
 
-<file path=ppt/slides/slide27.xml><?xml version="1.0" encoding="utf-8"?>
+<file path=ppt/slides/slide28.xml><?xml version="1.0" encoding="utf-8"?>
 <p:sld xmlns:a="http://schemas.openxmlformats.org/drawingml/2006/main" xmlns:r="http://schemas.openxmlformats.org/officeDocument/2006/relationships" xmlns:p="http://schemas.openxmlformats.org/presentationml/2006/main">
   <p:cSld>
     <p:spTree>
@@ -14059,7 +15375,7 @@
 </p:sld>
 </file>
 
-<file path=ppt/slides/slide28.xml><?xml version="1.0" encoding="utf-8"?>
+<file path=ppt/slides/slide29.xml><?xml version="1.0" encoding="utf-8"?>
 <p:sld xmlns:a="http://schemas.openxmlformats.org/drawingml/2006/main" xmlns:r="http://schemas.openxmlformats.org/officeDocument/2006/relationships" xmlns:p="http://schemas.openxmlformats.org/presentationml/2006/main">
   <p:cSld>
     <p:spTree>
@@ -14327,41 +15643,6 @@
 <file path=ppt/slides/slide3.xml><?xml version="1.0" encoding="utf-8"?>
 <p:sld xmlns:a="http://schemas.openxmlformats.org/drawingml/2006/main" xmlns:r="http://schemas.openxmlformats.org/officeDocument/2006/relationships" xmlns:p="http://schemas.openxmlformats.org/presentationml/2006/main">
   <p:cSld>
-    <p:bg>
-      <p:bgPr>
-        <a:gradFill flip="none" rotWithShape="1">
-          <a:gsLst>
-            <a:gs pos="0">
-              <a:schemeClr val="accent1">
-                <a:lumMod val="5000"/>
-                <a:lumOff val="95000"/>
-              </a:schemeClr>
-            </a:gs>
-            <a:gs pos="50000">
-              <a:schemeClr val="accent4">
-                <a:lumMod val="40000"/>
-                <a:lumOff val="60000"/>
-              </a:schemeClr>
-            </a:gs>
-            <a:gs pos="59000">
-              <a:schemeClr val="accent1">
-                <a:lumMod val="20000"/>
-                <a:lumOff val="80000"/>
-              </a:schemeClr>
-            </a:gs>
-            <a:gs pos="100000">
-              <a:schemeClr val="accent1">
-                <a:lumMod val="30000"/>
-                <a:lumOff val="70000"/>
-              </a:schemeClr>
-            </a:gs>
-          </a:gsLst>
-          <a:lin ang="7200000" scaled="0"/>
-          <a:tileRect/>
-        </a:gradFill>
-        <a:effectLst/>
-      </p:bgPr>
-    </p:bg>
     <p:spTree>
       <p:nvGrpSpPr>
         <p:cNvPr id="1" name=""/>
@@ -14381,7 +15662,7 @@
           <p:cNvPr id="4" name="Заголовок 3">
             <a:extLst>
               <a:ext uri="{FF2B5EF4-FFF2-40B4-BE49-F238E27FC236}">
-                <a16:creationId xmlns:a16="http://schemas.microsoft.com/office/drawing/2014/main" id="{8FE2BCA8-E83D-429B-887D-6FBFF82E5C4F}"/>
+                <a16:creationId xmlns:a16="http://schemas.microsoft.com/office/drawing/2014/main" id="{8B55FD2B-1F3D-FB95-9C5C-948D234CBA50}"/>
               </a:ext>
             </a:extLst>
           </p:cNvPr>
@@ -14394,74 +15675,78 @@
         </p:nvSpPr>
         <p:spPr>
           <a:xfrm>
-            <a:off x="1330932" y="224385"/>
-            <a:ext cx="9144000" cy="861161"/>
+            <a:off x="1931670" y="139383"/>
+            <a:ext cx="8328660" cy="786447"/>
           </a:xfrm>
         </p:spPr>
         <p:txBody>
           <a:bodyPr>
-            <a:normAutofit fontScale="90000"/>
+            <a:noAutofit/>
           </a:bodyPr>
           <a:lstStyle/>
           <a:p>
             <a:r>
-              <a:rPr lang="uk-UA" sz="4000" b="1">
+              <a:rPr lang="en-US" sz="4000" b="1">
                 <a:solidFill>
                   <a:srgbClr val="0070C0"/>
                 </a:solidFill>
                 <a:latin typeface="SchoolBookCTT" pitchFamily="2" charset="0"/>
               </a:rPr>
-              <a:t>Зберігання версій та сумісна робота</a:t>
-            </a:r>
-            <a:endParaRPr lang="ru-RU" sz="4000" b="1">
-              <a:solidFill>
-                <a:srgbClr val="0070C0"/>
-              </a:solidFill>
-              <a:latin typeface="SchoolBookCTT" pitchFamily="2" charset="0"/>
-            </a:endParaRPr>
+              <a:t>Developer Roadmaps</a:t>
+            </a:r>
+            <a:endParaRPr lang="ru-RU" sz="4000"/>
           </a:p>
         </p:txBody>
       </p:sp>
-      <p:pic>
-        <p:nvPicPr>
-          <p:cNvPr id="6" name="Рисунок 5">
+      <p:sp>
+        <p:nvSpPr>
+          <p:cNvPr id="6" name="TextBox 5">
             <a:extLst>
               <a:ext uri="{FF2B5EF4-FFF2-40B4-BE49-F238E27FC236}">
-                <a16:creationId xmlns:a16="http://schemas.microsoft.com/office/drawing/2014/main" id="{FCAA5F7D-DE83-667E-3226-D3A537558C3F}"/>
+                <a16:creationId xmlns:a16="http://schemas.microsoft.com/office/drawing/2014/main" id="{89DD925F-864E-C850-D250-69290A59253E}"/>
               </a:ext>
             </a:extLst>
           </p:cNvPr>
-          <p:cNvPicPr>
-            <a:picLocks noChangeAspect="1"/>
-          </p:cNvPicPr>
+          <p:cNvSpPr txBox="1"/>
           <p:nvPr/>
-        </p:nvPicPr>
-        <p:blipFill rotWithShape="1">
-          <a:blip r:embed="rId3"/>
-          <a:srcRect l="620" t="827" r="654"/>
-          <a:stretch/>
-        </p:blipFill>
+        </p:nvSpPr>
         <p:spPr>
           <a:xfrm>
-            <a:off x="189614" y="1169401"/>
-            <a:ext cx="5498805" cy="3759206"/>
+            <a:off x="7186326" y="1978454"/>
+            <a:ext cx="3234690" cy="369332"/>
           </a:xfrm>
           <a:prstGeom prst="rect">
             <a:avLst/>
           </a:prstGeom>
-          <a:ln>
-            <a:solidFill>
-              <a:schemeClr val="accent1"/>
-            </a:solidFill>
-          </a:ln>
-        </p:spPr>
-      </p:pic>
+          <a:noFill/>
+        </p:spPr>
+        <p:txBody>
+          <a:bodyPr wrap="square">
+            <a:spAutoFit/>
+          </a:bodyPr>
+          <a:lstStyle/>
+          <a:p>
+            <a:r>
+              <a:rPr lang="en-US">
+                <a:latin typeface="Arial" panose="020B0604020202020204" pitchFamily="34" charset="0"/>
+                <a:cs typeface="Arial" panose="020B0604020202020204" pitchFamily="34" charset="0"/>
+                <a:hlinkClick r:id="rId2"/>
+              </a:rPr>
+              <a:t>https://roadmap.sh/roadmaps</a:t>
+            </a:r>
+            <a:endParaRPr lang="en-US">
+              <a:latin typeface="Arial" panose="020B0604020202020204" pitchFamily="34" charset="0"/>
+              <a:cs typeface="Arial" panose="020B0604020202020204" pitchFamily="34" charset="0"/>
+            </a:endParaRPr>
+          </a:p>
+        </p:txBody>
+      </p:sp>
       <p:pic>
         <p:nvPicPr>
           <p:cNvPr id="7" name="Рисунок 6">
             <a:extLst>
               <a:ext uri="{FF2B5EF4-FFF2-40B4-BE49-F238E27FC236}">
-                <a16:creationId xmlns:a16="http://schemas.microsoft.com/office/drawing/2014/main" id="{980B3C43-D138-7FD7-AC3D-E5BACB67DD66}"/>
+                <a16:creationId xmlns:a16="http://schemas.microsoft.com/office/drawing/2014/main" id="{3912C201-0C56-B84B-16C0-343548E3DA07}"/>
               </a:ext>
             </a:extLst>
           </p:cNvPr>
@@ -14471,15 +15756,15 @@
           <p:nvPr/>
         </p:nvPicPr>
         <p:blipFill>
-          <a:blip r:embed="rId4"/>
+          <a:blip r:embed="rId3"/>
           <a:stretch>
             <a:fillRect/>
           </a:stretch>
         </p:blipFill>
         <p:spPr>
           <a:xfrm>
-            <a:off x="5189404" y="3158286"/>
-            <a:ext cx="6812982" cy="3540642"/>
+            <a:off x="1003193" y="1901221"/>
+            <a:ext cx="4172991" cy="4817396"/>
           </a:xfrm>
           <a:prstGeom prst="rect">
             <a:avLst/>
@@ -14489,7 +15774,7 @@
     </p:spTree>
     <p:extLst>
       <p:ext uri="{BB962C8B-B14F-4D97-AF65-F5344CB8AC3E}">
-        <p14:creationId xmlns:p14="http://schemas.microsoft.com/office/powerpoint/2010/main" val="2261169056"/>
+        <p14:creationId xmlns:p14="http://schemas.microsoft.com/office/powerpoint/2010/main" val="1593836141"/>
       </p:ext>
     </p:extLst>
   </p:cSld>
@@ -14569,7 +15854,7 @@
         </p:nvSpPr>
         <p:spPr>
           <a:xfrm>
-            <a:off x="1075751" y="91440"/>
+            <a:off x="1330932" y="224385"/>
             <a:ext cx="9144000" cy="861161"/>
           </a:xfrm>
         </p:spPr>
@@ -14586,7 +15871,7 @@
                 </a:solidFill>
                 <a:latin typeface="SchoolBookCTT" pitchFamily="2" charset="0"/>
               </a:rPr>
-              <a:t>Вимоги до СКВ</a:t>
+              <a:t>Зберігання версій та сумісна робота</a:t>
             </a:r>
             <a:endParaRPr lang="ru-RU" sz="4000" b="1">
               <a:solidFill>
@@ -14597,248 +15882,74 @@
           </a:p>
         </p:txBody>
       </p:sp>
-      <p:sp>
-        <p:nvSpPr>
-          <p:cNvPr id="13" name="TextBox 12">
+      <p:pic>
+        <p:nvPicPr>
+          <p:cNvPr id="6" name="Рисунок 5">
             <a:extLst>
               <a:ext uri="{FF2B5EF4-FFF2-40B4-BE49-F238E27FC236}">
-                <a16:creationId xmlns:a16="http://schemas.microsoft.com/office/drawing/2014/main" id="{BEFEC5DD-F449-C453-AFE3-C7484A190982}"/>
+                <a16:creationId xmlns:a16="http://schemas.microsoft.com/office/drawing/2014/main" id="{FCAA5F7D-DE83-667E-3226-D3A537558C3F}"/>
               </a:ext>
             </a:extLst>
           </p:cNvPr>
-          <p:cNvSpPr txBox="1"/>
+          <p:cNvPicPr>
+            <a:picLocks noChangeAspect="1"/>
+          </p:cNvPicPr>
           <p:nvPr/>
-        </p:nvSpPr>
+        </p:nvPicPr>
+        <p:blipFill rotWithShape="1">
+          <a:blip r:embed="rId3"/>
+          <a:srcRect l="620" t="827" r="654"/>
+          <a:stretch/>
+        </p:blipFill>
         <p:spPr>
           <a:xfrm>
-            <a:off x="2861512" y="1676352"/>
-            <a:ext cx="5175583" cy="4409669"/>
+            <a:off x="189614" y="1169401"/>
+            <a:ext cx="5498805" cy="3759206"/>
           </a:xfrm>
           <a:prstGeom prst="rect">
             <a:avLst/>
           </a:prstGeom>
-          <a:noFill/>
-        </p:spPr>
-        <p:txBody>
-          <a:bodyPr wrap="square">
-            <a:spAutoFit/>
-          </a:bodyPr>
-          <a:lstStyle/>
-          <a:p>
-            <a:pPr marL="722313" indent="-722313">
-              <a:lnSpc>
-                <a:spcPct val="200000"/>
-              </a:lnSpc>
-              <a:buFont typeface="Wingdings" panose="05000000000000000000" pitchFamily="2" charset="2"/>
-              <a:buChar char="ü"/>
-            </a:pPr>
-            <a:r>
-              <a:rPr lang="en-US" sz="2400">
-                <a:latin typeface="Arial" panose="020B0604020202020204" pitchFamily="34" charset="0"/>
-                <a:cs typeface="Arial" panose="020B0604020202020204" pitchFamily="34" charset="0"/>
-              </a:rPr>
-              <a:t>Backup and Restore</a:t>
-            </a:r>
-            <a:endParaRPr lang="uk-UA" sz="2400">
-              <a:latin typeface="Arial" panose="020B0604020202020204" pitchFamily="34" charset="0"/>
-              <a:cs typeface="Arial" panose="020B0604020202020204" pitchFamily="34" charset="0"/>
-            </a:endParaRPr>
-          </a:p>
-          <a:p>
-            <a:pPr marL="722313" indent="-722313">
-              <a:lnSpc>
-                <a:spcPct val="200000"/>
-              </a:lnSpc>
-              <a:buFont typeface="Wingdings" panose="05000000000000000000" pitchFamily="2" charset="2"/>
-              <a:buChar char="ü"/>
-            </a:pPr>
-            <a:r>
-              <a:rPr lang="en-US" altLang="ru-RU" sz="2400">
-                <a:latin typeface="Arial" panose="020B0604020202020204" pitchFamily="34" charset="0"/>
-                <a:cs typeface="Arial" panose="020B0604020202020204" pitchFamily="34" charset="0"/>
-              </a:rPr>
-              <a:t>Synchronization</a:t>
-            </a:r>
-            <a:endParaRPr lang="en-US" sz="2400">
-              <a:latin typeface="Arial" panose="020B0604020202020204" pitchFamily="34" charset="0"/>
-              <a:cs typeface="Arial" panose="020B0604020202020204" pitchFamily="34" charset="0"/>
-            </a:endParaRPr>
-          </a:p>
-          <a:p>
-            <a:pPr marL="722313" indent="-722313">
-              <a:lnSpc>
-                <a:spcPct val="200000"/>
-              </a:lnSpc>
-              <a:buFont typeface="Wingdings" panose="05000000000000000000" pitchFamily="2" charset="2"/>
-              <a:buChar char="ü"/>
-            </a:pPr>
-            <a:r>
-              <a:rPr lang="en-US" sz="2400">
-                <a:latin typeface="Arial" panose="020B0604020202020204" pitchFamily="34" charset="0"/>
-                <a:cs typeface="Arial" panose="020B0604020202020204" pitchFamily="34" charset="0"/>
-              </a:rPr>
-              <a:t>Undo</a:t>
-            </a:r>
-          </a:p>
-          <a:p>
-            <a:pPr marL="722313" indent="-722313">
-              <a:lnSpc>
-                <a:spcPct val="200000"/>
-              </a:lnSpc>
-              <a:buFont typeface="Wingdings" panose="05000000000000000000" pitchFamily="2" charset="2"/>
-              <a:buChar char="ü"/>
-            </a:pPr>
-            <a:r>
-              <a:rPr lang="en-US" sz="2400">
-                <a:latin typeface="Arial" panose="020B0604020202020204" pitchFamily="34" charset="0"/>
-                <a:cs typeface="Arial" panose="020B0604020202020204" pitchFamily="34" charset="0"/>
-              </a:rPr>
-              <a:t>Track Changes and Ownership</a:t>
-            </a:r>
-          </a:p>
-          <a:p>
-            <a:pPr marL="722313" indent="-722313">
-              <a:lnSpc>
-                <a:spcPct val="200000"/>
-              </a:lnSpc>
-              <a:buFont typeface="Wingdings" panose="05000000000000000000" pitchFamily="2" charset="2"/>
-              <a:buChar char="ü"/>
-            </a:pPr>
-            <a:r>
-              <a:rPr lang="en-US" sz="2400">
-                <a:latin typeface="Arial" panose="020B0604020202020204" pitchFamily="34" charset="0"/>
-                <a:cs typeface="Arial" panose="020B0604020202020204" pitchFamily="34" charset="0"/>
-              </a:rPr>
-              <a:t>Sandboxing</a:t>
-            </a:r>
-          </a:p>
-          <a:p>
-            <a:pPr marL="722313" indent="-722313">
-              <a:lnSpc>
-                <a:spcPct val="200000"/>
-              </a:lnSpc>
-              <a:buFont typeface="Wingdings" panose="05000000000000000000" pitchFamily="2" charset="2"/>
-              <a:buChar char="ü"/>
-            </a:pPr>
-            <a:r>
-              <a:rPr lang="en-US" sz="2400">
-                <a:latin typeface="Arial" panose="020B0604020202020204" pitchFamily="34" charset="0"/>
-                <a:cs typeface="Arial" panose="020B0604020202020204" pitchFamily="34" charset="0"/>
-              </a:rPr>
-              <a:t>Branching</a:t>
-            </a:r>
-            <a:endParaRPr lang="ru-RU" sz="2400">
-              <a:latin typeface="Arial" panose="020B0604020202020204" pitchFamily="34" charset="0"/>
-              <a:cs typeface="Arial" panose="020B0604020202020204" pitchFamily="34" charset="0"/>
-            </a:endParaRPr>
-          </a:p>
-        </p:txBody>
-      </p:sp>
-      <p:sp>
-        <p:nvSpPr>
-          <p:cNvPr id="10" name="Rectangle 3">
+          <a:ln>
+            <a:solidFill>
+              <a:schemeClr val="accent1"/>
+            </a:solidFill>
+          </a:ln>
+        </p:spPr>
+      </p:pic>
+      <p:pic>
+        <p:nvPicPr>
+          <p:cNvPr id="7" name="Рисунок 6">
             <a:extLst>
               <a:ext uri="{FF2B5EF4-FFF2-40B4-BE49-F238E27FC236}">
-                <a16:creationId xmlns:a16="http://schemas.microsoft.com/office/drawing/2014/main" id="{96159928-9B56-32A4-DB62-47F4F28EFBD5}"/>
+                <a16:creationId xmlns:a16="http://schemas.microsoft.com/office/drawing/2014/main" id="{980B3C43-D138-7FD7-AC3D-E5BACB67DD66}"/>
               </a:ext>
             </a:extLst>
           </p:cNvPr>
-          <p:cNvSpPr>
-            <a:spLocks noChangeArrowheads="1"/>
-          </p:cNvSpPr>
+          <p:cNvPicPr>
+            <a:picLocks noChangeAspect="1"/>
+          </p:cNvPicPr>
           <p:nvPr/>
-        </p:nvSpPr>
-        <p:spPr bwMode="auto">
-          <a:xfrm>
-            <a:off x="0" y="149087"/>
-            <a:ext cx="35266" cy="159026"/>
+        </p:nvPicPr>
+        <p:blipFill>
+          <a:blip r:embed="rId4"/>
+          <a:stretch>
+            <a:fillRect/>
+          </a:stretch>
+        </p:blipFill>
+        <p:spPr>
+          <a:xfrm>
+            <a:off x="5189404" y="3158286"/>
+            <a:ext cx="6812982" cy="3540642"/>
           </a:xfrm>
           <a:prstGeom prst="rect">
             <a:avLst/>
           </a:prstGeom>
-          <a:solidFill>
-            <a:srgbClr val="F8F9FA"/>
-          </a:solidFill>
-          <a:ln>
-            <a:noFill/>
-          </a:ln>
-          <a:effectLst/>
-          <a:extLst>
-            <a:ext uri="{91240B29-F687-4F45-9708-019B960494DF}">
-              <a14:hiddenLine xmlns:a14="http://schemas.microsoft.com/office/drawing/2010/main" w="9525">
-                <a:solidFill>
-                  <a:schemeClr val="tx1"/>
-                </a:solidFill>
-                <a:miter lim="800000"/>
-                <a:headEnd/>
-                <a:tailEnd/>
-              </a14:hiddenLine>
-            </a:ext>
-            <a:ext uri="{AF507438-7753-43E0-B8FC-AC1667EBCBE1}">
-              <a14:hiddenEffects xmlns:a14="http://schemas.microsoft.com/office/drawing/2010/main">
-                <a:effectLst>
-                  <a:outerShdw dist="35921" dir="2700000" algn="ctr" rotWithShape="0">
-                    <a:schemeClr val="bg2"/>
-                  </a:outerShdw>
-                </a:effectLst>
-              </a14:hiddenEffects>
-            </a:ext>
-          </a:extLst>
-        </p:spPr>
-        <p:txBody>
-          <a:bodyPr vert="horz" wrap="none" lIns="0" tIns="-12696" rIns="0" bIns="-12696" numCol="1" anchor="ctr" anchorCtr="0" compatLnSpc="1">
-            <a:prstTxWarp prst="textNoShape">
-              <a:avLst/>
-            </a:prstTxWarp>
-            <a:spAutoFit/>
-          </a:bodyPr>
-          <a:lstStyle/>
-          <a:p>
-            <a:pPr marL="0" marR="0" lvl="0" indent="0" algn="l" defTabSz="914400" rtl="0" eaLnBrk="0" fontAlgn="base" latinLnBrk="0" hangingPunct="0">
-              <a:lnSpc>
-                <a:spcPct val="100000"/>
-              </a:lnSpc>
-              <a:spcBef>
-                <a:spcPct val="0"/>
-              </a:spcBef>
-              <a:spcAft>
-                <a:spcPct val="0"/>
-              </a:spcAft>
-              <a:buClrTx/>
-              <a:buSzTx/>
-              <a:buFontTx/>
-              <a:buNone/>
-              <a:tabLst/>
-            </a:pPr>
-            <a:r>
-              <a:rPr kumimoji="0" lang="ru-RU" altLang="ru-RU" sz="1200" b="0" i="0" u="none" strike="noStrike" cap="none" normalizeH="0" baseline="0">
-                <a:ln>
-                  <a:noFill/>
-                </a:ln>
-                <a:solidFill>
-                  <a:schemeClr val="tx1"/>
-                </a:solidFill>
-                <a:effectLst/>
-              </a:rPr>
-              <a:t> </a:t>
-            </a:r>
-            <a:endParaRPr kumimoji="0" lang="ru-RU" altLang="ru-RU" sz="1800" b="0" i="0" u="none" strike="noStrike" cap="none" normalizeH="0" baseline="0">
-              <a:ln>
-                <a:noFill/>
-              </a:ln>
-              <a:solidFill>
-                <a:schemeClr val="tx1"/>
-              </a:solidFill>
-              <a:effectLst/>
-              <a:latin typeface="Arial" panose="020B0604020202020204" pitchFamily="34" charset="0"/>
-            </a:endParaRPr>
-          </a:p>
-        </p:txBody>
-      </p:sp>
+        </p:spPr>
+      </p:pic>
     </p:spTree>
     <p:extLst>
       <p:ext uri="{BB962C8B-B14F-4D97-AF65-F5344CB8AC3E}">
-        <p14:creationId xmlns:p14="http://schemas.microsoft.com/office/powerpoint/2010/main" val="237415373"/>
+        <p14:creationId xmlns:p14="http://schemas.microsoft.com/office/powerpoint/2010/main" val="2261169056"/>
       </p:ext>
     </p:extLst>
   </p:cSld>
@@ -14849,985 +15960,6 @@
 </file>
 
 <file path=ppt/slides/slide5.xml><?xml version="1.0" encoding="utf-8"?>
-<p:sld xmlns:a="http://schemas.openxmlformats.org/drawingml/2006/main" xmlns:r="http://schemas.openxmlformats.org/officeDocument/2006/relationships" xmlns:p="http://schemas.openxmlformats.org/presentationml/2006/main">
-  <p:cSld>
-    <p:spTree>
-      <p:nvGrpSpPr>
-        <p:cNvPr id="1" name=""/>
-        <p:cNvGrpSpPr/>
-        <p:nvPr/>
-      </p:nvGrpSpPr>
-      <p:grpSpPr>
-        <a:xfrm>
-          <a:off x="0" y="0"/>
-          <a:ext cx="0" cy="0"/>
-          <a:chOff x="0" y="0"/>
-          <a:chExt cx="0" cy="0"/>
-        </a:xfrm>
-      </p:grpSpPr>
-      <p:sp>
-        <p:nvSpPr>
-          <p:cNvPr id="8" name="Прямокутник: округлені кути 7">
-            <a:extLst>
-              <a:ext uri="{FF2B5EF4-FFF2-40B4-BE49-F238E27FC236}">
-                <a16:creationId xmlns:a16="http://schemas.microsoft.com/office/drawing/2014/main" id="{0E4FCB44-782B-6580-F822-839D2B678A23}"/>
-              </a:ext>
-            </a:extLst>
-          </p:cNvPr>
-          <p:cNvSpPr/>
-          <p:nvPr/>
-        </p:nvSpPr>
-        <p:spPr>
-          <a:xfrm>
-            <a:off x="1298256" y="1296393"/>
-            <a:ext cx="9143999" cy="1138198"/>
-          </a:xfrm>
-          <a:prstGeom prst="roundRect">
-            <a:avLst/>
-          </a:prstGeom>
-          <a:noFill/>
-          <a:ln w="19050"/>
-        </p:spPr>
-        <p:style>
-          <a:lnRef idx="2">
-            <a:schemeClr val="accent1">
-              <a:shade val="50000"/>
-            </a:schemeClr>
-          </a:lnRef>
-          <a:fillRef idx="1">
-            <a:schemeClr val="accent1"/>
-          </a:fillRef>
-          <a:effectRef idx="0">
-            <a:schemeClr val="accent1"/>
-          </a:effectRef>
-          <a:fontRef idx="minor">
-            <a:schemeClr val="lt1"/>
-          </a:fontRef>
-        </p:style>
-        <p:txBody>
-          <a:bodyPr rtlCol="0" anchor="ctr"/>
-          <a:lstStyle/>
-          <a:p>
-            <a:pPr algn="ctr"/>
-            <a:endParaRPr lang="ru-RU"/>
-          </a:p>
-        </p:txBody>
-      </p:sp>
-      <p:sp>
-        <p:nvSpPr>
-          <p:cNvPr id="5" name="Заголовок 3">
-            <a:extLst>
-              <a:ext uri="{FF2B5EF4-FFF2-40B4-BE49-F238E27FC236}">
-                <a16:creationId xmlns:a16="http://schemas.microsoft.com/office/drawing/2014/main" id="{E445A755-8102-3A29-AC19-EBC42B310563}"/>
-              </a:ext>
-            </a:extLst>
-          </p:cNvPr>
-          <p:cNvSpPr>
-            <a:spLocks noGrp="1"/>
-          </p:cNvSpPr>
-          <p:nvPr>
-            <p:ph type="ctrTitle"/>
-          </p:nvPr>
-        </p:nvSpPr>
-        <p:spPr>
-          <a:xfrm>
-            <a:off x="1177290" y="38478"/>
-            <a:ext cx="9144000" cy="861161"/>
-          </a:xfrm>
-        </p:spPr>
-        <p:txBody>
-          <a:bodyPr>
-            <a:normAutofit/>
-          </a:bodyPr>
-          <a:lstStyle/>
-          <a:p>
-            <a:r>
-              <a:rPr lang="uk-UA" sz="4000" b="1">
-                <a:solidFill>
-                  <a:srgbClr val="0070C0"/>
-                </a:solidFill>
-                <a:latin typeface="SchoolBookCTT" pitchFamily="2" charset="0"/>
-              </a:rPr>
-              <a:t>Системи Контролю Версій (СКВ)</a:t>
-            </a:r>
-            <a:endParaRPr lang="ru-RU" sz="4000" b="1">
-              <a:solidFill>
-                <a:srgbClr val="0070C0"/>
-              </a:solidFill>
-              <a:latin typeface="SchoolBookCTT" pitchFamily="2" charset="0"/>
-            </a:endParaRPr>
-          </a:p>
-        </p:txBody>
-      </p:sp>
-      <p:sp>
-        <p:nvSpPr>
-          <p:cNvPr id="7" name="TextBox 6">
-            <a:extLst>
-              <a:ext uri="{FF2B5EF4-FFF2-40B4-BE49-F238E27FC236}">
-                <a16:creationId xmlns:a16="http://schemas.microsoft.com/office/drawing/2014/main" id="{B37931D4-43ED-A83B-ABE0-EB7EA996F8EE}"/>
-              </a:ext>
-            </a:extLst>
-          </p:cNvPr>
-          <p:cNvSpPr txBox="1"/>
-          <p:nvPr/>
-        </p:nvSpPr>
-        <p:spPr>
-          <a:xfrm>
-            <a:off x="1488754" y="1517988"/>
-            <a:ext cx="8763001" cy="646331"/>
-          </a:xfrm>
-          <a:prstGeom prst="rect">
-            <a:avLst/>
-          </a:prstGeom>
-          <a:noFill/>
-        </p:spPr>
-        <p:txBody>
-          <a:bodyPr wrap="square">
-            <a:spAutoFit/>
-          </a:bodyPr>
-          <a:lstStyle/>
-          <a:p>
-            <a:pPr algn="ctr"/>
-            <a:r>
-              <a:rPr lang="uk-UA">
-                <a:latin typeface="Arial" panose="020B0604020202020204" pitchFamily="34" charset="0"/>
-                <a:cs typeface="Arial" panose="020B0604020202020204" pitchFamily="34" charset="0"/>
-              </a:rPr>
-              <a:t>Система контролю версій – це система, що записує зміни до файлу або набір файлів протягом часу і дозволяє повернутися пізніше до певної версії.</a:t>
-            </a:r>
-          </a:p>
-        </p:txBody>
-      </p:sp>
-      <p:sp>
-        <p:nvSpPr>
-          <p:cNvPr id="9" name="TextBox 8">
-            <a:extLst>
-              <a:ext uri="{FF2B5EF4-FFF2-40B4-BE49-F238E27FC236}">
-                <a16:creationId xmlns:a16="http://schemas.microsoft.com/office/drawing/2014/main" id="{7071564D-5CF6-B9DD-6D70-D9C1B2C4E366}"/>
-              </a:ext>
-            </a:extLst>
-          </p:cNvPr>
-          <p:cNvSpPr txBox="1"/>
-          <p:nvPr/>
-        </p:nvSpPr>
-        <p:spPr>
-          <a:xfrm>
-            <a:off x="452437" y="3063240"/>
-            <a:ext cx="3799523" cy="523220"/>
-          </a:xfrm>
-          <a:prstGeom prst="rect">
-            <a:avLst/>
-          </a:prstGeom>
-          <a:noFill/>
-        </p:spPr>
-        <p:txBody>
-          <a:bodyPr wrap="square">
-            <a:spAutoFit/>
-          </a:bodyPr>
-          <a:lstStyle/>
-          <a:p>
-            <a:pPr algn="ctr"/>
-            <a:r>
-              <a:rPr lang="uk-UA" sz="2800">
-                <a:solidFill>
-                  <a:srgbClr val="7030A0"/>
-                </a:solidFill>
-                <a:latin typeface="Arial" panose="020B0604020202020204" pitchFamily="34" charset="0"/>
-                <a:cs typeface="Arial" panose="020B0604020202020204" pitchFamily="34" charset="0"/>
-              </a:rPr>
-              <a:t>Локальні СКВ</a:t>
-            </a:r>
-          </a:p>
-        </p:txBody>
-      </p:sp>
-      <p:sp>
-        <p:nvSpPr>
-          <p:cNvPr id="12" name="TextBox 11">
-            <a:extLst>
-              <a:ext uri="{FF2B5EF4-FFF2-40B4-BE49-F238E27FC236}">
-                <a16:creationId xmlns:a16="http://schemas.microsoft.com/office/drawing/2014/main" id="{F14D97C7-D109-E2D0-5843-2ED68169F8EF}"/>
-              </a:ext>
-            </a:extLst>
-          </p:cNvPr>
-          <p:cNvSpPr txBox="1"/>
-          <p:nvPr/>
-        </p:nvSpPr>
-        <p:spPr>
-          <a:xfrm>
-            <a:off x="3530917" y="4066310"/>
-            <a:ext cx="3799523" cy="523220"/>
-          </a:xfrm>
-          <a:prstGeom prst="rect">
-            <a:avLst/>
-          </a:prstGeom>
-          <a:noFill/>
-        </p:spPr>
-        <p:txBody>
-          <a:bodyPr wrap="square">
-            <a:spAutoFit/>
-          </a:bodyPr>
-          <a:lstStyle/>
-          <a:p>
-            <a:pPr algn="ctr"/>
-            <a:r>
-              <a:rPr lang="uk-UA" sz="2800">
-                <a:solidFill>
-                  <a:srgbClr val="7030A0"/>
-                </a:solidFill>
-                <a:latin typeface="Arial" panose="020B0604020202020204" pitchFamily="34" charset="0"/>
-                <a:cs typeface="Arial" panose="020B0604020202020204" pitchFamily="34" charset="0"/>
-              </a:rPr>
-              <a:t>Централізовані СКВ</a:t>
-            </a:r>
-          </a:p>
-        </p:txBody>
-      </p:sp>
-      <p:sp>
-        <p:nvSpPr>
-          <p:cNvPr id="13" name="TextBox 12">
-            <a:extLst>
-              <a:ext uri="{FF2B5EF4-FFF2-40B4-BE49-F238E27FC236}">
-                <a16:creationId xmlns:a16="http://schemas.microsoft.com/office/drawing/2014/main" id="{3481F470-9D4A-9090-7FB8-AE05C9B49DEF}"/>
-              </a:ext>
-            </a:extLst>
-          </p:cNvPr>
-          <p:cNvSpPr txBox="1"/>
-          <p:nvPr/>
-        </p:nvSpPr>
-        <p:spPr>
-          <a:xfrm>
-            <a:off x="6846570" y="5399364"/>
-            <a:ext cx="3799523" cy="523220"/>
-          </a:xfrm>
-          <a:prstGeom prst="rect">
-            <a:avLst/>
-          </a:prstGeom>
-          <a:noFill/>
-        </p:spPr>
-        <p:txBody>
-          <a:bodyPr wrap="square">
-            <a:spAutoFit/>
-          </a:bodyPr>
-          <a:lstStyle/>
-          <a:p>
-            <a:pPr algn="ctr"/>
-            <a:r>
-              <a:rPr lang="uk-UA" sz="2800">
-                <a:solidFill>
-                  <a:srgbClr val="7030A0"/>
-                </a:solidFill>
-                <a:latin typeface="Arial" panose="020B0604020202020204" pitchFamily="34" charset="0"/>
-                <a:cs typeface="Arial" panose="020B0604020202020204" pitchFamily="34" charset="0"/>
-              </a:rPr>
-              <a:t>Розподілені СКВ</a:t>
-            </a:r>
-          </a:p>
-        </p:txBody>
-      </p:sp>
-      <p:cxnSp>
-        <p:nvCxnSpPr>
-          <p:cNvPr id="22" name="Сполучна лінія: уступом 21">
-            <a:extLst>
-              <a:ext uri="{FF2B5EF4-FFF2-40B4-BE49-F238E27FC236}">
-                <a16:creationId xmlns:a16="http://schemas.microsoft.com/office/drawing/2014/main" id="{B46B0923-AFAC-68C9-190B-7AD51D757EDF}"/>
-              </a:ext>
-            </a:extLst>
-          </p:cNvPr>
-          <p:cNvCxnSpPr/>
-          <p:nvPr/>
-        </p:nvCxnSpPr>
-        <p:spPr>
-          <a:xfrm>
-            <a:off x="971550" y="3851910"/>
-            <a:ext cx="4594860" cy="948690"/>
-          </a:xfrm>
-          <a:prstGeom prst="bentConnector3">
-            <a:avLst/>
-          </a:prstGeom>
-        </p:spPr>
-        <p:style>
-          <a:lnRef idx="1">
-            <a:schemeClr val="accent1"/>
-          </a:lnRef>
-          <a:fillRef idx="0">
-            <a:schemeClr val="accent1"/>
-          </a:fillRef>
-          <a:effectRef idx="0">
-            <a:schemeClr val="accent1"/>
-          </a:effectRef>
-          <a:fontRef idx="minor">
-            <a:schemeClr val="tx1"/>
-          </a:fontRef>
-        </p:style>
-      </p:cxnSp>
-      <p:cxnSp>
-        <p:nvCxnSpPr>
-          <p:cNvPr id="24" name="Сполучна лінія: уступом 23">
-            <a:extLst>
-              <a:ext uri="{FF2B5EF4-FFF2-40B4-BE49-F238E27FC236}">
-                <a16:creationId xmlns:a16="http://schemas.microsoft.com/office/drawing/2014/main" id="{E9DD7E68-C8D4-45E0-406A-3A2B5D109CCA}"/>
-              </a:ext>
-            </a:extLst>
-          </p:cNvPr>
-          <p:cNvCxnSpPr/>
-          <p:nvPr/>
-        </p:nvCxnSpPr>
-        <p:spPr>
-          <a:xfrm>
-            <a:off x="4583430" y="5154930"/>
-            <a:ext cx="4526280" cy="1017270"/>
-          </a:xfrm>
-          <a:prstGeom prst="bentConnector3">
-            <a:avLst/>
-          </a:prstGeom>
-        </p:spPr>
-        <p:style>
-          <a:lnRef idx="1">
-            <a:schemeClr val="accent1"/>
-          </a:lnRef>
-          <a:fillRef idx="0">
-            <a:schemeClr val="accent1"/>
-          </a:fillRef>
-          <a:effectRef idx="0">
-            <a:schemeClr val="accent1"/>
-          </a:effectRef>
-          <a:fontRef idx="minor">
-            <a:schemeClr val="tx1"/>
-          </a:fontRef>
-        </p:style>
-      </p:cxnSp>
-    </p:spTree>
-    <p:extLst>
-      <p:ext uri="{BB962C8B-B14F-4D97-AF65-F5344CB8AC3E}">
-        <p14:creationId xmlns:p14="http://schemas.microsoft.com/office/powerpoint/2010/main" val="3114115686"/>
-      </p:ext>
-    </p:extLst>
-  </p:cSld>
-  <p:clrMapOvr>
-    <a:masterClrMapping/>
-  </p:clrMapOvr>
-</p:sld>
-</file>
-
-<file path=ppt/slides/slide6.xml><?xml version="1.0" encoding="utf-8"?>
-<p:sld xmlns:a="http://schemas.openxmlformats.org/drawingml/2006/main" xmlns:r="http://schemas.openxmlformats.org/officeDocument/2006/relationships" xmlns:p="http://schemas.openxmlformats.org/presentationml/2006/main">
-  <p:cSld>
-    <p:spTree>
-      <p:nvGrpSpPr>
-        <p:cNvPr id="1" name=""/>
-        <p:cNvGrpSpPr/>
-        <p:nvPr/>
-      </p:nvGrpSpPr>
-      <p:grpSpPr>
-        <a:xfrm>
-          <a:off x="0" y="0"/>
-          <a:ext cx="0" cy="0"/>
-          <a:chOff x="0" y="0"/>
-          <a:chExt cx="0" cy="0"/>
-        </a:xfrm>
-      </p:grpSpPr>
-      <p:sp>
-        <p:nvSpPr>
-          <p:cNvPr id="9" name="Заголовок 1">
-            <a:extLst>
-              <a:ext uri="{FF2B5EF4-FFF2-40B4-BE49-F238E27FC236}">
-                <a16:creationId xmlns:a16="http://schemas.microsoft.com/office/drawing/2014/main" id="{99690336-2AB7-4509-BAC1-1620F02DE873}"/>
-              </a:ext>
-            </a:extLst>
-          </p:cNvPr>
-          <p:cNvSpPr>
-            <a:spLocks noGrp="1"/>
-          </p:cNvSpPr>
-          <p:nvPr>
-            <p:ph type="title"/>
-          </p:nvPr>
-        </p:nvSpPr>
-        <p:spPr>
-          <a:xfrm>
-            <a:off x="2017262" y="111633"/>
-            <a:ext cx="7729728" cy="1188720"/>
-          </a:xfrm>
-          <a:noFill/>
-        </p:spPr>
-        <p:txBody>
-          <a:bodyPr>
-            <a:normAutofit/>
-          </a:bodyPr>
-          <a:lstStyle/>
-          <a:p>
-            <a:pPr algn="ctr"/>
-            <a:r>
-              <a:rPr lang="uk-UA" sz="4000" b="1">
-                <a:solidFill>
-                  <a:srgbClr val="0070C0"/>
-                </a:solidFill>
-                <a:latin typeface="SchoolBookCTT" pitchFamily="2" charset="0"/>
-              </a:rPr>
-              <a:t>Локальні СКВ</a:t>
-            </a:r>
-          </a:p>
-        </p:txBody>
-      </p:sp>
-      <p:pic>
-        <p:nvPicPr>
-          <p:cNvPr id="3" name="Рисунок 2">
-            <a:extLst>
-              <a:ext uri="{FF2B5EF4-FFF2-40B4-BE49-F238E27FC236}">
-                <a16:creationId xmlns:a16="http://schemas.microsoft.com/office/drawing/2014/main" id="{5AF57A74-93B7-292B-08C1-A6AEC8BF3B31}"/>
-              </a:ext>
-            </a:extLst>
-          </p:cNvPr>
-          <p:cNvPicPr>
-            <a:picLocks noChangeAspect="1"/>
-          </p:cNvPicPr>
-          <p:nvPr/>
-        </p:nvPicPr>
-        <p:blipFill>
-          <a:blip r:embed="rId2"/>
-          <a:stretch>
-            <a:fillRect/>
-          </a:stretch>
-        </p:blipFill>
-        <p:spPr>
-          <a:xfrm>
-            <a:off x="880110" y="1526281"/>
-            <a:ext cx="5566410" cy="4752323"/>
-          </a:xfrm>
-          <a:prstGeom prst="rect">
-            <a:avLst/>
-          </a:prstGeom>
-        </p:spPr>
-      </p:pic>
-      <p:sp>
-        <p:nvSpPr>
-          <p:cNvPr id="6" name="TextBox 5">
-            <a:extLst>
-              <a:ext uri="{FF2B5EF4-FFF2-40B4-BE49-F238E27FC236}">
-                <a16:creationId xmlns:a16="http://schemas.microsoft.com/office/drawing/2014/main" id="{C1578213-E44B-80DE-AFCC-6DFC24CDABB6}"/>
-              </a:ext>
-            </a:extLst>
-          </p:cNvPr>
-          <p:cNvSpPr txBox="1"/>
-          <p:nvPr/>
-        </p:nvSpPr>
-        <p:spPr>
-          <a:xfrm>
-            <a:off x="7358063" y="1732907"/>
-            <a:ext cx="3511867" cy="369332"/>
-          </a:xfrm>
-          <a:prstGeom prst="rect">
-            <a:avLst/>
-          </a:prstGeom>
-          <a:noFill/>
-        </p:spPr>
-        <p:txBody>
-          <a:bodyPr wrap="square">
-            <a:spAutoFit/>
-          </a:bodyPr>
-          <a:lstStyle/>
-          <a:p>
-            <a:r>
-              <a:rPr lang="en-US">
-                <a:latin typeface="Arial" panose="020B0604020202020204" pitchFamily="34" charset="0"/>
-                <a:cs typeface="Arial" panose="020B0604020202020204" pitchFamily="34" charset="0"/>
-              </a:rPr>
-              <a:t>RCS </a:t>
-            </a:r>
-            <a:r>
-              <a:rPr lang="uk-UA">
-                <a:latin typeface="Arial" panose="020B0604020202020204" pitchFamily="34" charset="0"/>
-                <a:cs typeface="Arial" panose="020B0604020202020204" pitchFamily="34" charset="0"/>
-              </a:rPr>
-              <a:t> (</a:t>
-            </a:r>
-            <a:r>
-              <a:rPr lang="en-US" i="1">
-                <a:latin typeface="Arial" panose="020B0604020202020204" pitchFamily="34" charset="0"/>
-                <a:cs typeface="Arial" panose="020B0604020202020204" pitchFamily="34" charset="0"/>
-              </a:rPr>
-              <a:t>Revision Control System</a:t>
-            </a:r>
-            <a:r>
-              <a:rPr lang="en-US">
-                <a:latin typeface="Arial" panose="020B0604020202020204" pitchFamily="34" charset="0"/>
-                <a:cs typeface="Arial" panose="020B0604020202020204" pitchFamily="34" charset="0"/>
-              </a:rPr>
-              <a:t>)</a:t>
-            </a:r>
-            <a:endParaRPr lang="ru-RU">
-              <a:latin typeface="Arial" panose="020B0604020202020204" pitchFamily="34" charset="0"/>
-              <a:cs typeface="Arial" panose="020B0604020202020204" pitchFamily="34" charset="0"/>
-            </a:endParaRPr>
-          </a:p>
-        </p:txBody>
-      </p:sp>
-    </p:spTree>
-    <p:extLst>
-      <p:ext uri="{BB962C8B-B14F-4D97-AF65-F5344CB8AC3E}">
-        <p14:creationId xmlns:p14="http://schemas.microsoft.com/office/powerpoint/2010/main" val="3768186978"/>
-      </p:ext>
-    </p:extLst>
-  </p:cSld>
-  <p:clrMapOvr>
-    <a:masterClrMapping/>
-  </p:clrMapOvr>
-</p:sld>
-</file>
-
-<file path=ppt/slides/slide7.xml><?xml version="1.0" encoding="utf-8"?>
-<p:sld xmlns:a="http://schemas.openxmlformats.org/drawingml/2006/main" xmlns:r="http://schemas.openxmlformats.org/officeDocument/2006/relationships" xmlns:p="http://schemas.openxmlformats.org/presentationml/2006/main">
-  <p:cSld>
-    <p:spTree>
-      <p:nvGrpSpPr>
-        <p:cNvPr id="1" name=""/>
-        <p:cNvGrpSpPr/>
-        <p:nvPr/>
-      </p:nvGrpSpPr>
-      <p:grpSpPr>
-        <a:xfrm>
-          <a:off x="0" y="0"/>
-          <a:ext cx="0" cy="0"/>
-          <a:chOff x="0" y="0"/>
-          <a:chExt cx="0" cy="0"/>
-        </a:xfrm>
-      </p:grpSpPr>
-      <p:sp>
-        <p:nvSpPr>
-          <p:cNvPr id="9" name="Заголовок 1">
-            <a:extLst>
-              <a:ext uri="{FF2B5EF4-FFF2-40B4-BE49-F238E27FC236}">
-                <a16:creationId xmlns:a16="http://schemas.microsoft.com/office/drawing/2014/main" id="{99690336-2AB7-4509-BAC1-1620F02DE873}"/>
-              </a:ext>
-            </a:extLst>
-          </p:cNvPr>
-          <p:cNvSpPr>
-            <a:spLocks noGrp="1"/>
-          </p:cNvSpPr>
-          <p:nvPr>
-            <p:ph type="title"/>
-          </p:nvPr>
-        </p:nvSpPr>
-        <p:spPr>
-          <a:xfrm>
-            <a:off x="2231136" y="115952"/>
-            <a:ext cx="7729728" cy="1188720"/>
-          </a:xfrm>
-          <a:noFill/>
-        </p:spPr>
-        <p:txBody>
-          <a:bodyPr>
-            <a:normAutofit/>
-          </a:bodyPr>
-          <a:lstStyle/>
-          <a:p>
-            <a:pPr algn="ctr"/>
-            <a:r>
-              <a:rPr lang="uk-UA" sz="4000" b="1">
-                <a:solidFill>
-                  <a:srgbClr val="0070C0"/>
-                </a:solidFill>
-                <a:latin typeface="SchoolBookCTT" pitchFamily="2" charset="0"/>
-              </a:rPr>
-              <a:t>Централізовані СКВ</a:t>
-            </a:r>
-          </a:p>
-        </p:txBody>
-      </p:sp>
-      <p:pic>
-        <p:nvPicPr>
-          <p:cNvPr id="2" name="Рисунок 1">
-            <a:extLst>
-              <a:ext uri="{FF2B5EF4-FFF2-40B4-BE49-F238E27FC236}">
-                <a16:creationId xmlns:a16="http://schemas.microsoft.com/office/drawing/2014/main" id="{07A9B1EE-3F25-2724-DD4B-BAA8FA23293B}"/>
-              </a:ext>
-            </a:extLst>
-          </p:cNvPr>
-          <p:cNvPicPr>
-            <a:picLocks noChangeAspect="1"/>
-          </p:cNvPicPr>
-          <p:nvPr/>
-        </p:nvPicPr>
-        <p:blipFill>
-          <a:blip r:embed="rId2"/>
-          <a:stretch>
-            <a:fillRect/>
-          </a:stretch>
-        </p:blipFill>
-        <p:spPr>
-          <a:xfrm>
-            <a:off x="537210" y="1526710"/>
-            <a:ext cx="6435090" cy="4472387"/>
-          </a:xfrm>
-          <a:prstGeom prst="rect">
-            <a:avLst/>
-          </a:prstGeom>
-        </p:spPr>
-      </p:pic>
-      <p:sp>
-        <p:nvSpPr>
-          <p:cNvPr id="6" name="TextBox 5">
-            <a:extLst>
-              <a:ext uri="{FF2B5EF4-FFF2-40B4-BE49-F238E27FC236}">
-                <a16:creationId xmlns:a16="http://schemas.microsoft.com/office/drawing/2014/main" id="{64EF7A9C-7CB4-ED58-6F83-7AF84986D299}"/>
-              </a:ext>
-            </a:extLst>
-          </p:cNvPr>
-          <p:cNvSpPr txBox="1"/>
-          <p:nvPr/>
-        </p:nvSpPr>
-        <p:spPr>
-          <a:xfrm>
-            <a:off x="7734301" y="1441832"/>
-            <a:ext cx="3920489" cy="1668405"/>
-          </a:xfrm>
-          <a:prstGeom prst="rect">
-            <a:avLst/>
-          </a:prstGeom>
-          <a:noFill/>
-        </p:spPr>
-        <p:txBody>
-          <a:bodyPr wrap="square">
-            <a:spAutoFit/>
-          </a:bodyPr>
-          <a:lstStyle/>
-          <a:p>
-            <a:pPr>
-              <a:lnSpc>
-                <a:spcPct val="200000"/>
-              </a:lnSpc>
-            </a:pPr>
-            <a:r>
-              <a:rPr lang="en-US">
-                <a:latin typeface="Arial" panose="020B0604020202020204" pitchFamily="34" charset="0"/>
-                <a:cs typeface="Arial" panose="020B0604020202020204" pitchFamily="34" charset="0"/>
-              </a:rPr>
-              <a:t>CVS</a:t>
-            </a:r>
-            <a:r>
-              <a:rPr lang="uk-UA">
-                <a:latin typeface="Arial" panose="020B0604020202020204" pitchFamily="34" charset="0"/>
-                <a:cs typeface="Arial" panose="020B0604020202020204" pitchFamily="34" charset="0"/>
-              </a:rPr>
-              <a:t> (</a:t>
-            </a:r>
-            <a:r>
-              <a:rPr lang="en-US" b="0" i="1">
-                <a:solidFill>
-                  <a:srgbClr val="202122"/>
-                </a:solidFill>
-                <a:effectLst/>
-                <a:latin typeface="Arial" panose="020B0604020202020204" pitchFamily="34" charset="0"/>
-              </a:rPr>
-              <a:t>Concurrent Versions System</a:t>
-            </a:r>
-            <a:r>
-              <a:rPr lang="en-US" b="0" i="0">
-                <a:solidFill>
-                  <a:srgbClr val="202122"/>
-                </a:solidFill>
-                <a:effectLst/>
-                <a:latin typeface="Arial" panose="020B0604020202020204" pitchFamily="34" charset="0"/>
-              </a:rPr>
-              <a:t>)</a:t>
-            </a:r>
-            <a:endParaRPr lang="uk-UA">
-              <a:latin typeface="Arial" panose="020B0604020202020204" pitchFamily="34" charset="0"/>
-              <a:cs typeface="Arial" panose="020B0604020202020204" pitchFamily="34" charset="0"/>
-            </a:endParaRPr>
-          </a:p>
-          <a:p>
-            <a:pPr>
-              <a:lnSpc>
-                <a:spcPct val="200000"/>
-              </a:lnSpc>
-            </a:pPr>
-            <a:r>
-              <a:rPr lang="en-US">
-                <a:latin typeface="Arial" panose="020B0604020202020204" pitchFamily="34" charset="0"/>
-                <a:cs typeface="Arial" panose="020B0604020202020204" pitchFamily="34" charset="0"/>
-              </a:rPr>
-              <a:t>Subversion </a:t>
-            </a:r>
-            <a:endParaRPr lang="uk-UA">
-              <a:latin typeface="Arial" panose="020B0604020202020204" pitchFamily="34" charset="0"/>
-              <a:cs typeface="Arial" panose="020B0604020202020204" pitchFamily="34" charset="0"/>
-            </a:endParaRPr>
-          </a:p>
-          <a:p>
-            <a:pPr>
-              <a:lnSpc>
-                <a:spcPct val="200000"/>
-              </a:lnSpc>
-            </a:pPr>
-            <a:r>
-              <a:rPr lang="en-US">
-                <a:latin typeface="Arial" panose="020B0604020202020204" pitchFamily="34" charset="0"/>
-                <a:cs typeface="Arial" panose="020B0604020202020204" pitchFamily="34" charset="0"/>
-              </a:rPr>
-              <a:t>Perforce</a:t>
-            </a:r>
-            <a:endParaRPr lang="ru-RU">
-              <a:latin typeface="Arial" panose="020B0604020202020204" pitchFamily="34" charset="0"/>
-              <a:cs typeface="Arial" panose="020B0604020202020204" pitchFamily="34" charset="0"/>
-            </a:endParaRPr>
-          </a:p>
-        </p:txBody>
-      </p:sp>
-    </p:spTree>
-    <p:extLst>
-      <p:ext uri="{BB962C8B-B14F-4D97-AF65-F5344CB8AC3E}">
-        <p14:creationId xmlns:p14="http://schemas.microsoft.com/office/powerpoint/2010/main" val="2151589881"/>
-      </p:ext>
-    </p:extLst>
-  </p:cSld>
-  <p:clrMapOvr>
-    <a:masterClrMapping/>
-  </p:clrMapOvr>
-</p:sld>
-</file>
-
-<file path=ppt/slides/slide8.xml><?xml version="1.0" encoding="utf-8"?>
-<p:sld xmlns:a="http://schemas.openxmlformats.org/drawingml/2006/main" xmlns:r="http://schemas.openxmlformats.org/officeDocument/2006/relationships" xmlns:p="http://schemas.openxmlformats.org/presentationml/2006/main">
-  <p:cSld>
-    <p:spTree>
-      <p:nvGrpSpPr>
-        <p:cNvPr id="1" name=""/>
-        <p:cNvGrpSpPr/>
-        <p:nvPr/>
-      </p:nvGrpSpPr>
-      <p:grpSpPr>
-        <a:xfrm>
-          <a:off x="0" y="0"/>
-          <a:ext cx="0" cy="0"/>
-          <a:chOff x="0" y="0"/>
-          <a:chExt cx="0" cy="0"/>
-        </a:xfrm>
-      </p:grpSpPr>
-      <p:sp>
-        <p:nvSpPr>
-          <p:cNvPr id="4" name="Заголовок 3">
-            <a:extLst>
-              <a:ext uri="{FF2B5EF4-FFF2-40B4-BE49-F238E27FC236}">
-                <a16:creationId xmlns:a16="http://schemas.microsoft.com/office/drawing/2014/main" id="{8FE2BCA8-E83D-429B-887D-6FBFF82E5C4F}"/>
-              </a:ext>
-            </a:extLst>
-          </p:cNvPr>
-          <p:cNvSpPr>
-            <a:spLocks noGrp="1"/>
-          </p:cNvSpPr>
-          <p:nvPr>
-            <p:ph type="ctrTitle"/>
-          </p:nvPr>
-        </p:nvSpPr>
-        <p:spPr>
-          <a:xfrm>
-            <a:off x="-583508" y="1586766"/>
-            <a:ext cx="6321790" cy="662939"/>
-          </a:xfrm>
-        </p:spPr>
-        <p:txBody>
-          <a:bodyPr>
-            <a:noAutofit/>
-          </a:bodyPr>
-          <a:lstStyle/>
-          <a:p>
-            <a:r>
-              <a:rPr lang="uk-UA" sz="4000" b="1">
-                <a:solidFill>
-                  <a:srgbClr val="0070C0"/>
-                </a:solidFill>
-                <a:latin typeface="SchoolBookCTT" pitchFamily="2" charset="0"/>
-              </a:rPr>
-              <a:t>Розподілені</a:t>
-            </a:r>
-            <a:br>
-              <a:rPr lang="uk-UA" sz="4000" b="1">
-                <a:solidFill>
-                  <a:srgbClr val="0070C0"/>
-                </a:solidFill>
-                <a:latin typeface="SchoolBookCTT" pitchFamily="2" charset="0"/>
-              </a:rPr>
-            </a:br>
-            <a:r>
-              <a:rPr lang="uk-UA" sz="4000" b="1">
-                <a:solidFill>
-                  <a:srgbClr val="0070C0"/>
-                </a:solidFill>
-                <a:latin typeface="SchoolBookCTT" pitchFamily="2" charset="0"/>
-              </a:rPr>
-              <a:t> СКВ</a:t>
-            </a:r>
-            <a:endParaRPr lang="ru-RU" sz="4000" b="1">
-              <a:solidFill>
-                <a:srgbClr val="0070C0"/>
-              </a:solidFill>
-              <a:latin typeface="SchoolBookCTT" pitchFamily="2" charset="0"/>
-            </a:endParaRPr>
-          </a:p>
-        </p:txBody>
-      </p:sp>
-      <p:pic>
-        <p:nvPicPr>
-          <p:cNvPr id="1026" name="Picture 2" descr="Диаграмма распределённого контроля версий">
-            <a:extLst>
-              <a:ext uri="{FF2B5EF4-FFF2-40B4-BE49-F238E27FC236}">
-                <a16:creationId xmlns:a16="http://schemas.microsoft.com/office/drawing/2014/main" id="{A1C48F4C-3E68-F40F-261F-9792286B8362}"/>
-              </a:ext>
-            </a:extLst>
-          </p:cNvPr>
-          <p:cNvPicPr>
-            <a:picLocks noChangeAspect="1" noChangeArrowheads="1"/>
-          </p:cNvPicPr>
-          <p:nvPr/>
-        </p:nvPicPr>
-        <p:blipFill>
-          <a:blip r:embed="rId2">
-            <a:extLst>
-              <a:ext uri="{28A0092B-C50C-407E-A947-70E740481C1C}">
-                <a14:useLocalDpi xmlns:a14="http://schemas.microsoft.com/office/drawing/2010/main" val="0"/>
-              </a:ext>
-            </a:extLst>
-          </a:blip>
-          <a:srcRect/>
-          <a:stretch>
-            <a:fillRect/>
-          </a:stretch>
-        </p:blipFill>
-        <p:spPr bwMode="auto">
-          <a:xfrm>
-            <a:off x="5738282" y="44869"/>
-            <a:ext cx="5886028" cy="6819201"/>
-          </a:xfrm>
-          <a:prstGeom prst="rect">
-            <a:avLst/>
-          </a:prstGeom>
-          <a:noFill/>
-          <a:extLst>
-            <a:ext uri="{909E8E84-426E-40DD-AFC4-6F175D3DCCD1}">
-              <a14:hiddenFill xmlns:a14="http://schemas.microsoft.com/office/drawing/2010/main">
-                <a:solidFill>
-                  <a:srgbClr val="FFFFFF"/>
-                </a:solidFill>
-              </a14:hiddenFill>
-            </a:ext>
-          </a:extLst>
-        </p:spPr>
-      </p:pic>
-      <p:sp>
-        <p:nvSpPr>
-          <p:cNvPr id="8" name="TextBox 7">
-            <a:extLst>
-              <a:ext uri="{FF2B5EF4-FFF2-40B4-BE49-F238E27FC236}">
-                <a16:creationId xmlns:a16="http://schemas.microsoft.com/office/drawing/2014/main" id="{4329B096-1CD5-A5FA-32EF-7DEB434FED9D}"/>
-              </a:ext>
-            </a:extLst>
-          </p:cNvPr>
-          <p:cNvSpPr txBox="1"/>
-          <p:nvPr/>
-        </p:nvSpPr>
-        <p:spPr>
-          <a:xfrm>
-            <a:off x="2214563" y="3454469"/>
-            <a:ext cx="1462089" cy="2239844"/>
-          </a:xfrm>
-          <a:prstGeom prst="rect">
-            <a:avLst/>
-          </a:prstGeom>
-          <a:noFill/>
-        </p:spPr>
-        <p:txBody>
-          <a:bodyPr wrap="square">
-            <a:spAutoFit/>
-          </a:bodyPr>
-          <a:lstStyle/>
-          <a:p>
-            <a:pPr>
-              <a:lnSpc>
-                <a:spcPct val="150000"/>
-              </a:lnSpc>
-            </a:pPr>
-            <a:r>
-              <a:rPr lang="en-US" sz="2400">
-                <a:latin typeface="Arial" panose="020B0604020202020204" pitchFamily="34" charset="0"/>
-                <a:cs typeface="Arial" panose="020B0604020202020204" pitchFamily="34" charset="0"/>
-              </a:rPr>
-              <a:t>Git</a:t>
-            </a:r>
-            <a:endParaRPr lang="uk-UA" sz="2400">
-              <a:latin typeface="Arial" panose="020B0604020202020204" pitchFamily="34" charset="0"/>
-              <a:cs typeface="Arial" panose="020B0604020202020204" pitchFamily="34" charset="0"/>
-            </a:endParaRPr>
-          </a:p>
-          <a:p>
-            <a:pPr>
-              <a:lnSpc>
-                <a:spcPct val="150000"/>
-              </a:lnSpc>
-            </a:pPr>
-            <a:r>
-              <a:rPr lang="en-US" sz="2400">
-                <a:latin typeface="Arial" panose="020B0604020202020204" pitchFamily="34" charset="0"/>
-                <a:cs typeface="Arial" panose="020B0604020202020204" pitchFamily="34" charset="0"/>
-              </a:rPr>
-              <a:t>Mercurial</a:t>
-            </a:r>
-            <a:endParaRPr lang="uk-UA" sz="2400">
-              <a:latin typeface="Arial" panose="020B0604020202020204" pitchFamily="34" charset="0"/>
-              <a:cs typeface="Arial" panose="020B0604020202020204" pitchFamily="34" charset="0"/>
-            </a:endParaRPr>
-          </a:p>
-          <a:p>
-            <a:pPr>
-              <a:lnSpc>
-                <a:spcPct val="150000"/>
-              </a:lnSpc>
-            </a:pPr>
-            <a:r>
-              <a:rPr lang="en-US" sz="2400">
-                <a:latin typeface="Arial" panose="020B0604020202020204" pitchFamily="34" charset="0"/>
-                <a:cs typeface="Arial" panose="020B0604020202020204" pitchFamily="34" charset="0"/>
-              </a:rPr>
-              <a:t>Bazaar</a:t>
-            </a:r>
-            <a:endParaRPr lang="uk-UA" sz="2400">
-              <a:latin typeface="Arial" panose="020B0604020202020204" pitchFamily="34" charset="0"/>
-              <a:cs typeface="Arial" panose="020B0604020202020204" pitchFamily="34" charset="0"/>
-            </a:endParaRPr>
-          </a:p>
-          <a:p>
-            <a:pPr>
-              <a:lnSpc>
-                <a:spcPct val="150000"/>
-              </a:lnSpc>
-            </a:pPr>
-            <a:r>
-              <a:rPr lang="en-US" sz="2400" err="1">
-                <a:latin typeface="Arial" panose="020B0604020202020204" pitchFamily="34" charset="0"/>
-                <a:cs typeface="Arial" panose="020B0604020202020204" pitchFamily="34" charset="0"/>
-              </a:rPr>
-              <a:t>Darcs</a:t>
-            </a:r>
-            <a:endParaRPr lang="ru-RU" sz="2400">
-              <a:latin typeface="Arial" panose="020B0604020202020204" pitchFamily="34" charset="0"/>
-              <a:cs typeface="Arial" panose="020B0604020202020204" pitchFamily="34" charset="0"/>
-            </a:endParaRPr>
-          </a:p>
-        </p:txBody>
-      </p:sp>
-    </p:spTree>
-    <p:extLst>
-      <p:ext uri="{BB962C8B-B14F-4D97-AF65-F5344CB8AC3E}">
-        <p14:creationId xmlns:p14="http://schemas.microsoft.com/office/powerpoint/2010/main" val="3597471917"/>
-      </p:ext>
-    </p:extLst>
-  </p:cSld>
-  <p:clrMapOvr>
-    <a:masterClrMapping/>
-  </p:clrMapOvr>
-</p:sld>
-</file>
-
-<file path=ppt/slides/slide9.xml><?xml version="1.0" encoding="utf-8"?>
 <p:sld xmlns:a="http://schemas.openxmlformats.org/drawingml/2006/main" xmlns:r="http://schemas.openxmlformats.org/officeDocument/2006/relationships" xmlns:p="http://schemas.openxmlformats.org/presentationml/2006/main">
   <p:cSld>
     <p:bg>
@@ -15897,47 +16029,167 @@
         </p:nvSpPr>
         <p:spPr>
           <a:xfrm>
-            <a:off x="-86807" y="2714323"/>
-            <a:ext cx="5590572" cy="861161"/>
+            <a:off x="1075751" y="91440"/>
+            <a:ext cx="9144000" cy="861161"/>
           </a:xfrm>
         </p:spPr>
         <p:txBody>
           <a:bodyPr>
-            <a:noAutofit/>
+            <a:normAutofit/>
           </a:bodyPr>
           <a:lstStyle/>
           <a:p>
             <a:r>
-              <a:rPr lang="uk-UA" sz="4800" b="1">
+              <a:rPr lang="uk-UA" sz="4000" b="1">
                 <a:solidFill>
                   <a:srgbClr val="0070C0"/>
                 </a:solidFill>
                 <a:latin typeface="SchoolBookCTT" pitchFamily="2" charset="0"/>
               </a:rPr>
-              <a:t>Стратегії</a:t>
-            </a:r>
-            <a:br>
-              <a:rPr lang="uk-UA" sz="4800" b="1">
-                <a:solidFill>
-                  <a:srgbClr val="0070C0"/>
-                </a:solidFill>
-                <a:latin typeface="SchoolBookCTT" pitchFamily="2" charset="0"/>
-              </a:rPr>
-            </a:br>
-            <a:r>
-              <a:rPr lang="uk-UA" sz="4800" b="1">
-                <a:solidFill>
-                  <a:srgbClr val="0070C0"/>
-                </a:solidFill>
-                <a:latin typeface="SchoolBookCTT" pitchFamily="2" charset="0"/>
-              </a:rPr>
-              <a:t>роботи</a:t>
-            </a:r>
-            <a:endParaRPr lang="ru-RU" sz="4800" b="1">
+              <a:t>Вимоги до СКВ</a:t>
+            </a:r>
+            <a:endParaRPr lang="ru-RU" sz="4000" b="1">
               <a:solidFill>
                 <a:srgbClr val="0070C0"/>
               </a:solidFill>
               <a:latin typeface="SchoolBookCTT" pitchFamily="2" charset="0"/>
+            </a:endParaRPr>
+          </a:p>
+        </p:txBody>
+      </p:sp>
+      <p:sp>
+        <p:nvSpPr>
+          <p:cNvPr id="13" name="TextBox 12">
+            <a:extLst>
+              <a:ext uri="{FF2B5EF4-FFF2-40B4-BE49-F238E27FC236}">
+                <a16:creationId xmlns:a16="http://schemas.microsoft.com/office/drawing/2014/main" id="{BEFEC5DD-F449-C453-AFE3-C7484A190982}"/>
+              </a:ext>
+            </a:extLst>
+          </p:cNvPr>
+          <p:cNvSpPr txBox="1"/>
+          <p:nvPr/>
+        </p:nvSpPr>
+        <p:spPr>
+          <a:xfrm>
+            <a:off x="2861512" y="1676352"/>
+            <a:ext cx="5175583" cy="4409669"/>
+          </a:xfrm>
+          <a:prstGeom prst="rect">
+            <a:avLst/>
+          </a:prstGeom>
+          <a:noFill/>
+        </p:spPr>
+        <p:txBody>
+          <a:bodyPr wrap="square">
+            <a:spAutoFit/>
+          </a:bodyPr>
+          <a:lstStyle/>
+          <a:p>
+            <a:pPr marL="722313" indent="-722313">
+              <a:lnSpc>
+                <a:spcPct val="200000"/>
+              </a:lnSpc>
+              <a:buFont typeface="Wingdings" panose="05000000000000000000" pitchFamily="2" charset="2"/>
+              <a:buChar char="ü"/>
+            </a:pPr>
+            <a:r>
+              <a:rPr lang="en-US" sz="2400">
+                <a:latin typeface="Arial" panose="020B0604020202020204" pitchFamily="34" charset="0"/>
+                <a:cs typeface="Arial" panose="020B0604020202020204" pitchFamily="34" charset="0"/>
+              </a:rPr>
+              <a:t>Backup and Restore</a:t>
+            </a:r>
+            <a:endParaRPr lang="uk-UA" sz="2400">
+              <a:latin typeface="Arial" panose="020B0604020202020204" pitchFamily="34" charset="0"/>
+              <a:cs typeface="Arial" panose="020B0604020202020204" pitchFamily="34" charset="0"/>
+            </a:endParaRPr>
+          </a:p>
+          <a:p>
+            <a:pPr marL="722313" indent="-722313">
+              <a:lnSpc>
+                <a:spcPct val="200000"/>
+              </a:lnSpc>
+              <a:buFont typeface="Wingdings" panose="05000000000000000000" pitchFamily="2" charset="2"/>
+              <a:buChar char="ü"/>
+            </a:pPr>
+            <a:r>
+              <a:rPr lang="en-US" altLang="ru-RU" sz="2400">
+                <a:latin typeface="Arial" panose="020B0604020202020204" pitchFamily="34" charset="0"/>
+                <a:cs typeface="Arial" panose="020B0604020202020204" pitchFamily="34" charset="0"/>
+              </a:rPr>
+              <a:t>Synchronization</a:t>
+            </a:r>
+            <a:endParaRPr lang="en-US" sz="2400">
+              <a:latin typeface="Arial" panose="020B0604020202020204" pitchFamily="34" charset="0"/>
+              <a:cs typeface="Arial" panose="020B0604020202020204" pitchFamily="34" charset="0"/>
+            </a:endParaRPr>
+          </a:p>
+          <a:p>
+            <a:pPr marL="722313" indent="-722313">
+              <a:lnSpc>
+                <a:spcPct val="200000"/>
+              </a:lnSpc>
+              <a:buFont typeface="Wingdings" panose="05000000000000000000" pitchFamily="2" charset="2"/>
+              <a:buChar char="ü"/>
+            </a:pPr>
+            <a:r>
+              <a:rPr lang="en-US" sz="2400">
+                <a:latin typeface="Arial" panose="020B0604020202020204" pitchFamily="34" charset="0"/>
+                <a:cs typeface="Arial" panose="020B0604020202020204" pitchFamily="34" charset="0"/>
+              </a:rPr>
+              <a:t>Undo</a:t>
+            </a:r>
+          </a:p>
+          <a:p>
+            <a:pPr marL="722313" indent="-722313">
+              <a:lnSpc>
+                <a:spcPct val="200000"/>
+              </a:lnSpc>
+              <a:buFont typeface="Wingdings" panose="05000000000000000000" pitchFamily="2" charset="2"/>
+              <a:buChar char="ü"/>
+            </a:pPr>
+            <a:r>
+              <a:rPr lang="en-US" sz="2400">
+                <a:latin typeface="Arial" panose="020B0604020202020204" pitchFamily="34" charset="0"/>
+                <a:cs typeface="Arial" panose="020B0604020202020204" pitchFamily="34" charset="0"/>
+              </a:rPr>
+              <a:t>Track Changes and Ownership</a:t>
+            </a:r>
+          </a:p>
+          <a:p>
+            <a:pPr marL="722313" indent="-722313">
+              <a:lnSpc>
+                <a:spcPct val="200000"/>
+              </a:lnSpc>
+              <a:buFont typeface="Wingdings" panose="05000000000000000000" pitchFamily="2" charset="2"/>
+              <a:buChar char="ü"/>
+            </a:pPr>
+            <a:r>
+              <a:rPr lang="en-US" sz="2400">
+                <a:latin typeface="Arial" panose="020B0604020202020204" pitchFamily="34" charset="0"/>
+                <a:cs typeface="Arial" panose="020B0604020202020204" pitchFamily="34" charset="0"/>
+              </a:rPr>
+              <a:t>Sandboxing</a:t>
+            </a:r>
+          </a:p>
+          <a:p>
+            <a:pPr marL="722313" indent="-722313">
+              <a:lnSpc>
+                <a:spcPct val="200000"/>
+              </a:lnSpc>
+              <a:buFont typeface="Wingdings" panose="05000000000000000000" pitchFamily="2" charset="2"/>
+              <a:buChar char="ü"/>
+            </a:pPr>
+            <a:r>
+              <a:rPr lang="en-US" sz="2400">
+                <a:latin typeface="Arial" panose="020B0604020202020204" pitchFamily="34" charset="0"/>
+                <a:cs typeface="Arial" panose="020B0604020202020204" pitchFamily="34" charset="0"/>
+              </a:rPr>
+              <a:t>Branching</a:t>
+            </a:r>
+            <a:endParaRPr lang="ru-RU" sz="2400">
+              <a:latin typeface="Arial" panose="020B0604020202020204" pitchFamily="34" charset="0"/>
+              <a:cs typeface="Arial" panose="020B0604020202020204" pitchFamily="34" charset="0"/>
             </a:endParaRPr>
           </a:p>
         </p:txBody>
@@ -16043,12 +16295,445 @@
           </a:p>
         </p:txBody>
       </p:sp>
+    </p:spTree>
+    <p:extLst>
+      <p:ext uri="{BB962C8B-B14F-4D97-AF65-F5344CB8AC3E}">
+        <p14:creationId xmlns:p14="http://schemas.microsoft.com/office/powerpoint/2010/main" val="237415373"/>
+      </p:ext>
+    </p:extLst>
+  </p:cSld>
+  <p:clrMapOvr>
+    <a:masterClrMapping/>
+  </p:clrMapOvr>
+</p:sld>
+</file>
+
+<file path=ppt/slides/slide6.xml><?xml version="1.0" encoding="utf-8"?>
+<p:sld xmlns:a="http://schemas.openxmlformats.org/drawingml/2006/main" xmlns:r="http://schemas.openxmlformats.org/officeDocument/2006/relationships" xmlns:p="http://schemas.openxmlformats.org/presentationml/2006/main">
+  <p:cSld>
+    <p:spTree>
+      <p:nvGrpSpPr>
+        <p:cNvPr id="1" name=""/>
+        <p:cNvGrpSpPr/>
+        <p:nvPr/>
+      </p:nvGrpSpPr>
+      <p:grpSpPr>
+        <a:xfrm>
+          <a:off x="0" y="0"/>
+          <a:ext cx="0" cy="0"/>
+          <a:chOff x="0" y="0"/>
+          <a:chExt cx="0" cy="0"/>
+        </a:xfrm>
+      </p:grpSpPr>
+      <p:sp>
+        <p:nvSpPr>
+          <p:cNvPr id="8" name="Прямокутник: округлені кути 7">
+            <a:extLst>
+              <a:ext uri="{FF2B5EF4-FFF2-40B4-BE49-F238E27FC236}">
+                <a16:creationId xmlns:a16="http://schemas.microsoft.com/office/drawing/2014/main" id="{0E4FCB44-782B-6580-F822-839D2B678A23}"/>
+              </a:ext>
+            </a:extLst>
+          </p:cNvPr>
+          <p:cNvSpPr/>
+          <p:nvPr/>
+        </p:nvSpPr>
+        <p:spPr>
+          <a:xfrm>
+            <a:off x="1298256" y="1296393"/>
+            <a:ext cx="9143999" cy="1138198"/>
+          </a:xfrm>
+          <a:prstGeom prst="roundRect">
+            <a:avLst/>
+          </a:prstGeom>
+          <a:noFill/>
+          <a:ln w="19050"/>
+        </p:spPr>
+        <p:style>
+          <a:lnRef idx="2">
+            <a:schemeClr val="accent1">
+              <a:shade val="50000"/>
+            </a:schemeClr>
+          </a:lnRef>
+          <a:fillRef idx="1">
+            <a:schemeClr val="accent1"/>
+          </a:fillRef>
+          <a:effectRef idx="0">
+            <a:schemeClr val="accent1"/>
+          </a:effectRef>
+          <a:fontRef idx="minor">
+            <a:schemeClr val="lt1"/>
+          </a:fontRef>
+        </p:style>
+        <p:txBody>
+          <a:bodyPr rtlCol="0" anchor="ctr"/>
+          <a:lstStyle/>
+          <a:p>
+            <a:pPr algn="ctr"/>
+            <a:endParaRPr lang="ru-RU"/>
+          </a:p>
+        </p:txBody>
+      </p:sp>
+      <p:sp>
+        <p:nvSpPr>
+          <p:cNvPr id="5" name="Заголовок 3">
+            <a:extLst>
+              <a:ext uri="{FF2B5EF4-FFF2-40B4-BE49-F238E27FC236}">
+                <a16:creationId xmlns:a16="http://schemas.microsoft.com/office/drawing/2014/main" id="{E445A755-8102-3A29-AC19-EBC42B310563}"/>
+              </a:ext>
+            </a:extLst>
+          </p:cNvPr>
+          <p:cNvSpPr>
+            <a:spLocks noGrp="1"/>
+          </p:cNvSpPr>
+          <p:nvPr>
+            <p:ph type="ctrTitle"/>
+          </p:nvPr>
+        </p:nvSpPr>
+        <p:spPr>
+          <a:xfrm>
+            <a:off x="1177290" y="38478"/>
+            <a:ext cx="9144000" cy="861161"/>
+          </a:xfrm>
+        </p:spPr>
+        <p:txBody>
+          <a:bodyPr>
+            <a:normAutofit/>
+          </a:bodyPr>
+          <a:lstStyle/>
+          <a:p>
+            <a:r>
+              <a:rPr lang="uk-UA" sz="4000" b="1">
+                <a:solidFill>
+                  <a:srgbClr val="0070C0"/>
+                </a:solidFill>
+                <a:latin typeface="SchoolBookCTT" pitchFamily="2" charset="0"/>
+              </a:rPr>
+              <a:t>Системи Контролю Версій (СКВ)</a:t>
+            </a:r>
+            <a:endParaRPr lang="ru-RU" sz="4000" b="1">
+              <a:solidFill>
+                <a:srgbClr val="0070C0"/>
+              </a:solidFill>
+              <a:latin typeface="SchoolBookCTT" pitchFamily="2" charset="0"/>
+            </a:endParaRPr>
+          </a:p>
+        </p:txBody>
+      </p:sp>
+      <p:sp>
+        <p:nvSpPr>
+          <p:cNvPr id="7" name="TextBox 6">
+            <a:extLst>
+              <a:ext uri="{FF2B5EF4-FFF2-40B4-BE49-F238E27FC236}">
+                <a16:creationId xmlns:a16="http://schemas.microsoft.com/office/drawing/2014/main" id="{B37931D4-43ED-A83B-ABE0-EB7EA996F8EE}"/>
+              </a:ext>
+            </a:extLst>
+          </p:cNvPr>
+          <p:cNvSpPr txBox="1"/>
+          <p:nvPr/>
+        </p:nvSpPr>
+        <p:spPr>
+          <a:xfrm>
+            <a:off x="1488754" y="1517988"/>
+            <a:ext cx="8763001" cy="646331"/>
+          </a:xfrm>
+          <a:prstGeom prst="rect">
+            <a:avLst/>
+          </a:prstGeom>
+          <a:noFill/>
+        </p:spPr>
+        <p:txBody>
+          <a:bodyPr wrap="square">
+            <a:spAutoFit/>
+          </a:bodyPr>
+          <a:lstStyle/>
+          <a:p>
+            <a:pPr algn="ctr"/>
+            <a:r>
+              <a:rPr lang="uk-UA">
+                <a:latin typeface="Arial" panose="020B0604020202020204" pitchFamily="34" charset="0"/>
+                <a:cs typeface="Arial" panose="020B0604020202020204" pitchFamily="34" charset="0"/>
+              </a:rPr>
+              <a:t>Система контролю версій – це система, що записує зміни до файлу або набір файлів протягом часу і дозволяє повернутися пізніше до певної версії.</a:t>
+            </a:r>
+          </a:p>
+        </p:txBody>
+      </p:sp>
+      <p:sp>
+        <p:nvSpPr>
+          <p:cNvPr id="9" name="TextBox 8">
+            <a:extLst>
+              <a:ext uri="{FF2B5EF4-FFF2-40B4-BE49-F238E27FC236}">
+                <a16:creationId xmlns:a16="http://schemas.microsoft.com/office/drawing/2014/main" id="{7071564D-5CF6-B9DD-6D70-D9C1B2C4E366}"/>
+              </a:ext>
+            </a:extLst>
+          </p:cNvPr>
+          <p:cNvSpPr txBox="1"/>
+          <p:nvPr/>
+        </p:nvSpPr>
+        <p:spPr>
+          <a:xfrm>
+            <a:off x="452437" y="3063240"/>
+            <a:ext cx="3799523" cy="523220"/>
+          </a:xfrm>
+          <a:prstGeom prst="rect">
+            <a:avLst/>
+          </a:prstGeom>
+          <a:noFill/>
+        </p:spPr>
+        <p:txBody>
+          <a:bodyPr wrap="square">
+            <a:spAutoFit/>
+          </a:bodyPr>
+          <a:lstStyle/>
+          <a:p>
+            <a:pPr algn="ctr"/>
+            <a:r>
+              <a:rPr lang="uk-UA" sz="2800">
+                <a:solidFill>
+                  <a:srgbClr val="7030A0"/>
+                </a:solidFill>
+                <a:latin typeface="Arial" panose="020B0604020202020204" pitchFamily="34" charset="0"/>
+                <a:cs typeface="Arial" panose="020B0604020202020204" pitchFamily="34" charset="0"/>
+              </a:rPr>
+              <a:t>Локальні СКВ</a:t>
+            </a:r>
+          </a:p>
+        </p:txBody>
+      </p:sp>
+      <p:sp>
+        <p:nvSpPr>
+          <p:cNvPr id="12" name="TextBox 11">
+            <a:extLst>
+              <a:ext uri="{FF2B5EF4-FFF2-40B4-BE49-F238E27FC236}">
+                <a16:creationId xmlns:a16="http://schemas.microsoft.com/office/drawing/2014/main" id="{F14D97C7-D109-E2D0-5843-2ED68169F8EF}"/>
+              </a:ext>
+            </a:extLst>
+          </p:cNvPr>
+          <p:cNvSpPr txBox="1"/>
+          <p:nvPr/>
+        </p:nvSpPr>
+        <p:spPr>
+          <a:xfrm>
+            <a:off x="3530917" y="4066310"/>
+            <a:ext cx="3799523" cy="523220"/>
+          </a:xfrm>
+          <a:prstGeom prst="rect">
+            <a:avLst/>
+          </a:prstGeom>
+          <a:noFill/>
+        </p:spPr>
+        <p:txBody>
+          <a:bodyPr wrap="square">
+            <a:spAutoFit/>
+          </a:bodyPr>
+          <a:lstStyle/>
+          <a:p>
+            <a:pPr algn="ctr"/>
+            <a:r>
+              <a:rPr lang="uk-UA" sz="2800">
+                <a:solidFill>
+                  <a:srgbClr val="7030A0"/>
+                </a:solidFill>
+                <a:latin typeface="Arial" panose="020B0604020202020204" pitchFamily="34" charset="0"/>
+                <a:cs typeface="Arial" panose="020B0604020202020204" pitchFamily="34" charset="0"/>
+              </a:rPr>
+              <a:t>Централізовані СКВ</a:t>
+            </a:r>
+          </a:p>
+        </p:txBody>
+      </p:sp>
+      <p:sp>
+        <p:nvSpPr>
+          <p:cNvPr id="13" name="TextBox 12">
+            <a:extLst>
+              <a:ext uri="{FF2B5EF4-FFF2-40B4-BE49-F238E27FC236}">
+                <a16:creationId xmlns:a16="http://schemas.microsoft.com/office/drawing/2014/main" id="{3481F470-9D4A-9090-7FB8-AE05C9B49DEF}"/>
+              </a:ext>
+            </a:extLst>
+          </p:cNvPr>
+          <p:cNvSpPr txBox="1"/>
+          <p:nvPr/>
+        </p:nvSpPr>
+        <p:spPr>
+          <a:xfrm>
+            <a:off x="6846570" y="5399364"/>
+            <a:ext cx="3799523" cy="523220"/>
+          </a:xfrm>
+          <a:prstGeom prst="rect">
+            <a:avLst/>
+          </a:prstGeom>
+          <a:noFill/>
+        </p:spPr>
+        <p:txBody>
+          <a:bodyPr wrap="square">
+            <a:spAutoFit/>
+          </a:bodyPr>
+          <a:lstStyle/>
+          <a:p>
+            <a:pPr algn="ctr"/>
+            <a:r>
+              <a:rPr lang="uk-UA" sz="2800">
+                <a:solidFill>
+                  <a:srgbClr val="7030A0"/>
+                </a:solidFill>
+                <a:latin typeface="Arial" panose="020B0604020202020204" pitchFamily="34" charset="0"/>
+                <a:cs typeface="Arial" panose="020B0604020202020204" pitchFamily="34" charset="0"/>
+              </a:rPr>
+              <a:t>Розподілені СКВ</a:t>
+            </a:r>
+          </a:p>
+        </p:txBody>
+      </p:sp>
+      <p:cxnSp>
+        <p:nvCxnSpPr>
+          <p:cNvPr id="22" name="Сполучна лінія: уступом 21">
+            <a:extLst>
+              <a:ext uri="{FF2B5EF4-FFF2-40B4-BE49-F238E27FC236}">
+                <a16:creationId xmlns:a16="http://schemas.microsoft.com/office/drawing/2014/main" id="{B46B0923-AFAC-68C9-190B-7AD51D757EDF}"/>
+              </a:ext>
+            </a:extLst>
+          </p:cNvPr>
+          <p:cNvCxnSpPr/>
+          <p:nvPr/>
+        </p:nvCxnSpPr>
+        <p:spPr>
+          <a:xfrm>
+            <a:off x="971550" y="3851910"/>
+            <a:ext cx="4594860" cy="948690"/>
+          </a:xfrm>
+          <a:prstGeom prst="bentConnector3">
+            <a:avLst/>
+          </a:prstGeom>
+        </p:spPr>
+        <p:style>
+          <a:lnRef idx="1">
+            <a:schemeClr val="accent1"/>
+          </a:lnRef>
+          <a:fillRef idx="0">
+            <a:schemeClr val="accent1"/>
+          </a:fillRef>
+          <a:effectRef idx="0">
+            <a:schemeClr val="accent1"/>
+          </a:effectRef>
+          <a:fontRef idx="minor">
+            <a:schemeClr val="tx1"/>
+          </a:fontRef>
+        </p:style>
+      </p:cxnSp>
+      <p:cxnSp>
+        <p:nvCxnSpPr>
+          <p:cNvPr id="24" name="Сполучна лінія: уступом 23">
+            <a:extLst>
+              <a:ext uri="{FF2B5EF4-FFF2-40B4-BE49-F238E27FC236}">
+                <a16:creationId xmlns:a16="http://schemas.microsoft.com/office/drawing/2014/main" id="{E9DD7E68-C8D4-45E0-406A-3A2B5D109CCA}"/>
+              </a:ext>
+            </a:extLst>
+          </p:cNvPr>
+          <p:cNvCxnSpPr/>
+          <p:nvPr/>
+        </p:nvCxnSpPr>
+        <p:spPr>
+          <a:xfrm>
+            <a:off x="4583430" y="5154930"/>
+            <a:ext cx="4526280" cy="1017270"/>
+          </a:xfrm>
+          <a:prstGeom prst="bentConnector3">
+            <a:avLst/>
+          </a:prstGeom>
+        </p:spPr>
+        <p:style>
+          <a:lnRef idx="1">
+            <a:schemeClr val="accent1"/>
+          </a:lnRef>
+          <a:fillRef idx="0">
+            <a:schemeClr val="accent1"/>
+          </a:fillRef>
+          <a:effectRef idx="0">
+            <a:schemeClr val="accent1"/>
+          </a:effectRef>
+          <a:fontRef idx="minor">
+            <a:schemeClr val="tx1"/>
+          </a:fontRef>
+        </p:style>
+      </p:cxnSp>
+    </p:spTree>
+    <p:extLst>
+      <p:ext uri="{BB962C8B-B14F-4D97-AF65-F5344CB8AC3E}">
+        <p14:creationId xmlns:p14="http://schemas.microsoft.com/office/powerpoint/2010/main" val="3114115686"/>
+      </p:ext>
+    </p:extLst>
+  </p:cSld>
+  <p:clrMapOvr>
+    <a:masterClrMapping/>
+  </p:clrMapOvr>
+</p:sld>
+</file>
+
+<file path=ppt/slides/slide7.xml><?xml version="1.0" encoding="utf-8"?>
+<p:sld xmlns:a="http://schemas.openxmlformats.org/drawingml/2006/main" xmlns:r="http://schemas.openxmlformats.org/officeDocument/2006/relationships" xmlns:p="http://schemas.openxmlformats.org/presentationml/2006/main">
+  <p:cSld>
+    <p:spTree>
+      <p:nvGrpSpPr>
+        <p:cNvPr id="1" name=""/>
+        <p:cNvGrpSpPr/>
+        <p:nvPr/>
+      </p:nvGrpSpPr>
+      <p:grpSpPr>
+        <a:xfrm>
+          <a:off x="0" y="0"/>
+          <a:ext cx="0" cy="0"/>
+          <a:chOff x="0" y="0"/>
+          <a:chExt cx="0" cy="0"/>
+        </a:xfrm>
+      </p:grpSpPr>
+      <p:sp>
+        <p:nvSpPr>
+          <p:cNvPr id="9" name="Заголовок 1">
+            <a:extLst>
+              <a:ext uri="{FF2B5EF4-FFF2-40B4-BE49-F238E27FC236}">
+                <a16:creationId xmlns:a16="http://schemas.microsoft.com/office/drawing/2014/main" id="{99690336-2AB7-4509-BAC1-1620F02DE873}"/>
+              </a:ext>
+            </a:extLst>
+          </p:cNvPr>
+          <p:cNvSpPr>
+            <a:spLocks noGrp="1"/>
+          </p:cNvSpPr>
+          <p:nvPr>
+            <p:ph type="title"/>
+          </p:nvPr>
+        </p:nvSpPr>
+        <p:spPr>
+          <a:xfrm>
+            <a:off x="2017262" y="111633"/>
+            <a:ext cx="7729728" cy="1188720"/>
+          </a:xfrm>
+          <a:noFill/>
+        </p:spPr>
+        <p:txBody>
+          <a:bodyPr>
+            <a:normAutofit/>
+          </a:bodyPr>
+          <a:lstStyle/>
+          <a:p>
+            <a:pPr algn="ctr"/>
+            <a:r>
+              <a:rPr lang="uk-UA" sz="4000" b="1">
+                <a:solidFill>
+                  <a:srgbClr val="0070C0"/>
+                </a:solidFill>
+                <a:latin typeface="SchoolBookCTT" pitchFamily="2" charset="0"/>
+              </a:rPr>
+              <a:t>Локальні СКВ</a:t>
+            </a:r>
+          </a:p>
+        </p:txBody>
+      </p:sp>
       <p:pic>
         <p:nvPicPr>
           <p:cNvPr id="3" name="Рисунок 2">
             <a:extLst>
               <a:ext uri="{FF2B5EF4-FFF2-40B4-BE49-F238E27FC236}">
-                <a16:creationId xmlns:a16="http://schemas.microsoft.com/office/drawing/2014/main" id="{C3C8138B-DDC2-32D6-30F3-E115C5A157E1}"/>
+                <a16:creationId xmlns:a16="http://schemas.microsoft.com/office/drawing/2014/main" id="{5AF57A74-93B7-292B-08C1-A6AEC8BF3B31}"/>
               </a:ext>
             </a:extLst>
           </p:cNvPr>
@@ -16058,25 +16743,541 @@
           <p:nvPr/>
         </p:nvPicPr>
         <p:blipFill>
-          <a:blip r:embed="rId3"/>
+          <a:blip r:embed="rId2"/>
           <a:stretch>
             <a:fillRect/>
           </a:stretch>
         </p:blipFill>
         <p:spPr>
           <a:xfrm>
-            <a:off x="6399479" y="461962"/>
-            <a:ext cx="4572000" cy="5934075"/>
+            <a:off x="880110" y="1526281"/>
+            <a:ext cx="5566410" cy="4752323"/>
           </a:xfrm>
           <a:prstGeom prst="rect">
             <a:avLst/>
           </a:prstGeom>
         </p:spPr>
       </p:pic>
+      <p:sp>
+        <p:nvSpPr>
+          <p:cNvPr id="6" name="TextBox 5">
+            <a:extLst>
+              <a:ext uri="{FF2B5EF4-FFF2-40B4-BE49-F238E27FC236}">
+                <a16:creationId xmlns:a16="http://schemas.microsoft.com/office/drawing/2014/main" id="{C1578213-E44B-80DE-AFCC-6DFC24CDABB6}"/>
+              </a:ext>
+            </a:extLst>
+          </p:cNvPr>
+          <p:cNvSpPr txBox="1"/>
+          <p:nvPr/>
+        </p:nvSpPr>
+        <p:spPr>
+          <a:xfrm>
+            <a:off x="7358063" y="1732907"/>
+            <a:ext cx="3511867" cy="369332"/>
+          </a:xfrm>
+          <a:prstGeom prst="rect">
+            <a:avLst/>
+          </a:prstGeom>
+          <a:noFill/>
+        </p:spPr>
+        <p:txBody>
+          <a:bodyPr wrap="square">
+            <a:spAutoFit/>
+          </a:bodyPr>
+          <a:lstStyle/>
+          <a:p>
+            <a:r>
+              <a:rPr lang="en-US">
+                <a:latin typeface="Arial" panose="020B0604020202020204" pitchFamily="34" charset="0"/>
+                <a:cs typeface="Arial" panose="020B0604020202020204" pitchFamily="34" charset="0"/>
+              </a:rPr>
+              <a:t>RCS </a:t>
+            </a:r>
+            <a:r>
+              <a:rPr lang="uk-UA">
+                <a:latin typeface="Arial" panose="020B0604020202020204" pitchFamily="34" charset="0"/>
+                <a:cs typeface="Arial" panose="020B0604020202020204" pitchFamily="34" charset="0"/>
+              </a:rPr>
+              <a:t> (</a:t>
+            </a:r>
+            <a:r>
+              <a:rPr lang="en-US" i="1">
+                <a:latin typeface="Arial" panose="020B0604020202020204" pitchFamily="34" charset="0"/>
+                <a:cs typeface="Arial" panose="020B0604020202020204" pitchFamily="34" charset="0"/>
+              </a:rPr>
+              <a:t>Revision Control System</a:t>
+            </a:r>
+            <a:r>
+              <a:rPr lang="en-US">
+                <a:latin typeface="Arial" panose="020B0604020202020204" pitchFamily="34" charset="0"/>
+                <a:cs typeface="Arial" panose="020B0604020202020204" pitchFamily="34" charset="0"/>
+              </a:rPr>
+              <a:t>)</a:t>
+            </a:r>
+            <a:endParaRPr lang="ru-RU">
+              <a:latin typeface="Arial" panose="020B0604020202020204" pitchFamily="34" charset="0"/>
+              <a:cs typeface="Arial" panose="020B0604020202020204" pitchFamily="34" charset="0"/>
+            </a:endParaRPr>
+          </a:p>
+        </p:txBody>
+      </p:sp>
     </p:spTree>
     <p:extLst>
       <p:ext uri="{BB962C8B-B14F-4D97-AF65-F5344CB8AC3E}">
-        <p14:creationId xmlns:p14="http://schemas.microsoft.com/office/powerpoint/2010/main" val="4233615946"/>
+        <p14:creationId xmlns:p14="http://schemas.microsoft.com/office/powerpoint/2010/main" val="3768186978"/>
+      </p:ext>
+    </p:extLst>
+  </p:cSld>
+  <p:clrMapOvr>
+    <a:masterClrMapping/>
+  </p:clrMapOvr>
+</p:sld>
+</file>
+
+<file path=ppt/slides/slide8.xml><?xml version="1.0" encoding="utf-8"?>
+<p:sld xmlns:a="http://schemas.openxmlformats.org/drawingml/2006/main" xmlns:r="http://schemas.openxmlformats.org/officeDocument/2006/relationships" xmlns:p="http://schemas.openxmlformats.org/presentationml/2006/main">
+  <p:cSld>
+    <p:spTree>
+      <p:nvGrpSpPr>
+        <p:cNvPr id="1" name=""/>
+        <p:cNvGrpSpPr/>
+        <p:nvPr/>
+      </p:nvGrpSpPr>
+      <p:grpSpPr>
+        <a:xfrm>
+          <a:off x="0" y="0"/>
+          <a:ext cx="0" cy="0"/>
+          <a:chOff x="0" y="0"/>
+          <a:chExt cx="0" cy="0"/>
+        </a:xfrm>
+      </p:grpSpPr>
+      <p:sp>
+        <p:nvSpPr>
+          <p:cNvPr id="9" name="Заголовок 1">
+            <a:extLst>
+              <a:ext uri="{FF2B5EF4-FFF2-40B4-BE49-F238E27FC236}">
+                <a16:creationId xmlns:a16="http://schemas.microsoft.com/office/drawing/2014/main" id="{99690336-2AB7-4509-BAC1-1620F02DE873}"/>
+              </a:ext>
+            </a:extLst>
+          </p:cNvPr>
+          <p:cNvSpPr>
+            <a:spLocks noGrp="1"/>
+          </p:cNvSpPr>
+          <p:nvPr>
+            <p:ph type="title"/>
+          </p:nvPr>
+        </p:nvSpPr>
+        <p:spPr>
+          <a:xfrm>
+            <a:off x="2231136" y="115952"/>
+            <a:ext cx="7729728" cy="1188720"/>
+          </a:xfrm>
+          <a:noFill/>
+        </p:spPr>
+        <p:txBody>
+          <a:bodyPr>
+            <a:normAutofit/>
+          </a:bodyPr>
+          <a:lstStyle/>
+          <a:p>
+            <a:pPr algn="ctr"/>
+            <a:r>
+              <a:rPr lang="uk-UA" sz="4000" b="1">
+                <a:solidFill>
+                  <a:srgbClr val="0070C0"/>
+                </a:solidFill>
+                <a:latin typeface="SchoolBookCTT" pitchFamily="2" charset="0"/>
+              </a:rPr>
+              <a:t>Централізовані СКВ</a:t>
+            </a:r>
+          </a:p>
+        </p:txBody>
+      </p:sp>
+      <p:pic>
+        <p:nvPicPr>
+          <p:cNvPr id="2" name="Рисунок 1">
+            <a:extLst>
+              <a:ext uri="{FF2B5EF4-FFF2-40B4-BE49-F238E27FC236}">
+                <a16:creationId xmlns:a16="http://schemas.microsoft.com/office/drawing/2014/main" id="{07A9B1EE-3F25-2724-DD4B-BAA8FA23293B}"/>
+              </a:ext>
+            </a:extLst>
+          </p:cNvPr>
+          <p:cNvPicPr>
+            <a:picLocks noChangeAspect="1"/>
+          </p:cNvPicPr>
+          <p:nvPr/>
+        </p:nvPicPr>
+        <p:blipFill>
+          <a:blip r:embed="rId2"/>
+          <a:stretch>
+            <a:fillRect/>
+          </a:stretch>
+        </p:blipFill>
+        <p:spPr>
+          <a:xfrm>
+            <a:off x="537210" y="1526710"/>
+            <a:ext cx="6435090" cy="4472387"/>
+          </a:xfrm>
+          <a:prstGeom prst="rect">
+            <a:avLst/>
+          </a:prstGeom>
+        </p:spPr>
+      </p:pic>
+      <p:sp>
+        <p:nvSpPr>
+          <p:cNvPr id="6" name="TextBox 5">
+            <a:extLst>
+              <a:ext uri="{FF2B5EF4-FFF2-40B4-BE49-F238E27FC236}">
+                <a16:creationId xmlns:a16="http://schemas.microsoft.com/office/drawing/2014/main" id="{64EF7A9C-7CB4-ED58-6F83-7AF84986D299}"/>
+              </a:ext>
+            </a:extLst>
+          </p:cNvPr>
+          <p:cNvSpPr txBox="1"/>
+          <p:nvPr/>
+        </p:nvSpPr>
+        <p:spPr>
+          <a:xfrm>
+            <a:off x="7734301" y="1441832"/>
+            <a:ext cx="3920489" cy="1668405"/>
+          </a:xfrm>
+          <a:prstGeom prst="rect">
+            <a:avLst/>
+          </a:prstGeom>
+          <a:noFill/>
+        </p:spPr>
+        <p:txBody>
+          <a:bodyPr wrap="square">
+            <a:spAutoFit/>
+          </a:bodyPr>
+          <a:lstStyle/>
+          <a:p>
+            <a:pPr>
+              <a:lnSpc>
+                <a:spcPct val="200000"/>
+              </a:lnSpc>
+            </a:pPr>
+            <a:r>
+              <a:rPr lang="en-US">
+                <a:latin typeface="Arial" panose="020B0604020202020204" pitchFamily="34" charset="0"/>
+                <a:cs typeface="Arial" panose="020B0604020202020204" pitchFamily="34" charset="0"/>
+              </a:rPr>
+              <a:t>CVS</a:t>
+            </a:r>
+            <a:r>
+              <a:rPr lang="uk-UA">
+                <a:latin typeface="Arial" panose="020B0604020202020204" pitchFamily="34" charset="0"/>
+                <a:cs typeface="Arial" panose="020B0604020202020204" pitchFamily="34" charset="0"/>
+              </a:rPr>
+              <a:t> (</a:t>
+            </a:r>
+            <a:r>
+              <a:rPr lang="en-US" b="0" i="1">
+                <a:solidFill>
+                  <a:srgbClr val="202122"/>
+                </a:solidFill>
+                <a:effectLst/>
+                <a:latin typeface="Arial" panose="020B0604020202020204" pitchFamily="34" charset="0"/>
+              </a:rPr>
+              <a:t>Concurrent Versions System</a:t>
+            </a:r>
+            <a:r>
+              <a:rPr lang="en-US" b="0" i="0">
+                <a:solidFill>
+                  <a:srgbClr val="202122"/>
+                </a:solidFill>
+                <a:effectLst/>
+                <a:latin typeface="Arial" panose="020B0604020202020204" pitchFamily="34" charset="0"/>
+              </a:rPr>
+              <a:t>)</a:t>
+            </a:r>
+            <a:endParaRPr lang="uk-UA">
+              <a:latin typeface="Arial" panose="020B0604020202020204" pitchFamily="34" charset="0"/>
+              <a:cs typeface="Arial" panose="020B0604020202020204" pitchFamily="34" charset="0"/>
+            </a:endParaRPr>
+          </a:p>
+          <a:p>
+            <a:pPr>
+              <a:lnSpc>
+                <a:spcPct val="200000"/>
+              </a:lnSpc>
+            </a:pPr>
+            <a:r>
+              <a:rPr lang="en-US">
+                <a:latin typeface="Arial" panose="020B0604020202020204" pitchFamily="34" charset="0"/>
+                <a:cs typeface="Arial" panose="020B0604020202020204" pitchFamily="34" charset="0"/>
+              </a:rPr>
+              <a:t>Subversion </a:t>
+            </a:r>
+            <a:endParaRPr lang="uk-UA">
+              <a:latin typeface="Arial" panose="020B0604020202020204" pitchFamily="34" charset="0"/>
+              <a:cs typeface="Arial" panose="020B0604020202020204" pitchFamily="34" charset="0"/>
+            </a:endParaRPr>
+          </a:p>
+          <a:p>
+            <a:pPr>
+              <a:lnSpc>
+                <a:spcPct val="200000"/>
+              </a:lnSpc>
+            </a:pPr>
+            <a:r>
+              <a:rPr lang="en-US">
+                <a:latin typeface="Arial" panose="020B0604020202020204" pitchFamily="34" charset="0"/>
+                <a:cs typeface="Arial" panose="020B0604020202020204" pitchFamily="34" charset="0"/>
+              </a:rPr>
+              <a:t>Perforce</a:t>
+            </a:r>
+            <a:endParaRPr lang="ru-RU">
+              <a:latin typeface="Arial" panose="020B0604020202020204" pitchFamily="34" charset="0"/>
+              <a:cs typeface="Arial" panose="020B0604020202020204" pitchFamily="34" charset="0"/>
+            </a:endParaRPr>
+          </a:p>
+        </p:txBody>
+      </p:sp>
+    </p:spTree>
+    <p:extLst>
+      <p:ext uri="{BB962C8B-B14F-4D97-AF65-F5344CB8AC3E}">
+        <p14:creationId xmlns:p14="http://schemas.microsoft.com/office/powerpoint/2010/main" val="2151589881"/>
+      </p:ext>
+    </p:extLst>
+  </p:cSld>
+  <p:clrMapOvr>
+    <a:masterClrMapping/>
+  </p:clrMapOvr>
+</p:sld>
+</file>
+
+<file path=ppt/slides/slide9.xml><?xml version="1.0" encoding="utf-8"?>
+<p:sld xmlns:a="http://schemas.openxmlformats.org/drawingml/2006/main" xmlns:r="http://schemas.openxmlformats.org/officeDocument/2006/relationships" xmlns:p="http://schemas.openxmlformats.org/presentationml/2006/main">
+  <p:cSld>
+    <p:spTree>
+      <p:nvGrpSpPr>
+        <p:cNvPr id="1" name=""/>
+        <p:cNvGrpSpPr/>
+        <p:nvPr/>
+      </p:nvGrpSpPr>
+      <p:grpSpPr>
+        <a:xfrm>
+          <a:off x="0" y="0"/>
+          <a:ext cx="0" cy="0"/>
+          <a:chOff x="0" y="0"/>
+          <a:chExt cx="0" cy="0"/>
+        </a:xfrm>
+      </p:grpSpPr>
+      <p:sp>
+        <p:nvSpPr>
+          <p:cNvPr id="4" name="Заголовок 3">
+            <a:extLst>
+              <a:ext uri="{FF2B5EF4-FFF2-40B4-BE49-F238E27FC236}">
+                <a16:creationId xmlns:a16="http://schemas.microsoft.com/office/drawing/2014/main" id="{8FE2BCA8-E83D-429B-887D-6FBFF82E5C4F}"/>
+              </a:ext>
+            </a:extLst>
+          </p:cNvPr>
+          <p:cNvSpPr>
+            <a:spLocks noGrp="1"/>
+          </p:cNvSpPr>
+          <p:nvPr>
+            <p:ph type="ctrTitle"/>
+          </p:nvPr>
+        </p:nvSpPr>
+        <p:spPr>
+          <a:xfrm>
+            <a:off x="-583508" y="1586766"/>
+            <a:ext cx="6321790" cy="662939"/>
+          </a:xfrm>
+        </p:spPr>
+        <p:txBody>
+          <a:bodyPr>
+            <a:noAutofit/>
+          </a:bodyPr>
+          <a:lstStyle/>
+          <a:p>
+            <a:r>
+              <a:rPr lang="uk-UA" sz="4000" b="1">
+                <a:solidFill>
+                  <a:srgbClr val="0070C0"/>
+                </a:solidFill>
+                <a:latin typeface="SchoolBookCTT" pitchFamily="2" charset="0"/>
+              </a:rPr>
+              <a:t>Розподілені</a:t>
+            </a:r>
+            <a:br>
+              <a:rPr lang="uk-UA" sz="4000" b="1">
+                <a:solidFill>
+                  <a:srgbClr val="0070C0"/>
+                </a:solidFill>
+                <a:latin typeface="SchoolBookCTT" pitchFamily="2" charset="0"/>
+              </a:rPr>
+            </a:br>
+            <a:r>
+              <a:rPr lang="uk-UA" sz="4000" b="1">
+                <a:solidFill>
+                  <a:srgbClr val="0070C0"/>
+                </a:solidFill>
+                <a:latin typeface="SchoolBookCTT" pitchFamily="2" charset="0"/>
+              </a:rPr>
+              <a:t> СКВ</a:t>
+            </a:r>
+            <a:endParaRPr lang="ru-RU" sz="4000" b="1">
+              <a:solidFill>
+                <a:srgbClr val="0070C0"/>
+              </a:solidFill>
+              <a:latin typeface="SchoolBookCTT" pitchFamily="2" charset="0"/>
+            </a:endParaRPr>
+          </a:p>
+        </p:txBody>
+      </p:sp>
+      <p:pic>
+        <p:nvPicPr>
+          <p:cNvPr id="1026" name="Picture 2" descr="Диаграмма распределённого контроля версий">
+            <a:extLst>
+              <a:ext uri="{FF2B5EF4-FFF2-40B4-BE49-F238E27FC236}">
+                <a16:creationId xmlns:a16="http://schemas.microsoft.com/office/drawing/2014/main" id="{A1C48F4C-3E68-F40F-261F-9792286B8362}"/>
+              </a:ext>
+            </a:extLst>
+          </p:cNvPr>
+          <p:cNvPicPr>
+            <a:picLocks noChangeAspect="1" noChangeArrowheads="1"/>
+          </p:cNvPicPr>
+          <p:nvPr/>
+        </p:nvPicPr>
+        <p:blipFill>
+          <a:blip r:embed="rId2">
+            <a:extLst>
+              <a:ext uri="{28A0092B-C50C-407E-A947-70E740481C1C}">
+                <a14:useLocalDpi xmlns:a14="http://schemas.microsoft.com/office/drawing/2010/main" val="0"/>
+              </a:ext>
+            </a:extLst>
+          </a:blip>
+          <a:srcRect/>
+          <a:stretch>
+            <a:fillRect/>
+          </a:stretch>
+        </p:blipFill>
+        <p:spPr bwMode="auto">
+          <a:xfrm>
+            <a:off x="5738282" y="44869"/>
+            <a:ext cx="5886028" cy="6819201"/>
+          </a:xfrm>
+          <a:prstGeom prst="rect">
+            <a:avLst/>
+          </a:prstGeom>
+          <a:noFill/>
+          <a:extLst>
+            <a:ext uri="{909E8E84-426E-40DD-AFC4-6F175D3DCCD1}">
+              <a14:hiddenFill xmlns:a14="http://schemas.microsoft.com/office/drawing/2010/main">
+                <a:solidFill>
+                  <a:srgbClr val="FFFFFF"/>
+                </a:solidFill>
+              </a14:hiddenFill>
+            </a:ext>
+          </a:extLst>
+        </p:spPr>
+      </p:pic>
+      <p:sp>
+        <p:nvSpPr>
+          <p:cNvPr id="8" name="TextBox 7">
+            <a:extLst>
+              <a:ext uri="{FF2B5EF4-FFF2-40B4-BE49-F238E27FC236}">
+                <a16:creationId xmlns:a16="http://schemas.microsoft.com/office/drawing/2014/main" id="{4329B096-1CD5-A5FA-32EF-7DEB434FED9D}"/>
+              </a:ext>
+            </a:extLst>
+          </p:cNvPr>
+          <p:cNvSpPr txBox="1"/>
+          <p:nvPr/>
+        </p:nvSpPr>
+        <p:spPr>
+          <a:xfrm>
+            <a:off x="2214563" y="3454469"/>
+            <a:ext cx="1462089" cy="2239844"/>
+          </a:xfrm>
+          <a:prstGeom prst="rect">
+            <a:avLst/>
+          </a:prstGeom>
+          <a:noFill/>
+        </p:spPr>
+        <p:txBody>
+          <a:bodyPr wrap="square">
+            <a:spAutoFit/>
+          </a:bodyPr>
+          <a:lstStyle/>
+          <a:p>
+            <a:pPr>
+              <a:lnSpc>
+                <a:spcPct val="150000"/>
+              </a:lnSpc>
+            </a:pPr>
+            <a:r>
+              <a:rPr lang="en-US" sz="2400">
+                <a:latin typeface="Arial" panose="020B0604020202020204" pitchFamily="34" charset="0"/>
+                <a:cs typeface="Arial" panose="020B0604020202020204" pitchFamily="34" charset="0"/>
+              </a:rPr>
+              <a:t>Git</a:t>
+            </a:r>
+            <a:endParaRPr lang="uk-UA" sz="2400">
+              <a:latin typeface="Arial" panose="020B0604020202020204" pitchFamily="34" charset="0"/>
+              <a:cs typeface="Arial" panose="020B0604020202020204" pitchFamily="34" charset="0"/>
+            </a:endParaRPr>
+          </a:p>
+          <a:p>
+            <a:pPr>
+              <a:lnSpc>
+                <a:spcPct val="150000"/>
+              </a:lnSpc>
+            </a:pPr>
+            <a:r>
+              <a:rPr lang="en-US" sz="2400">
+                <a:latin typeface="Arial" panose="020B0604020202020204" pitchFamily="34" charset="0"/>
+                <a:cs typeface="Arial" panose="020B0604020202020204" pitchFamily="34" charset="0"/>
+              </a:rPr>
+              <a:t>Mercurial</a:t>
+            </a:r>
+            <a:endParaRPr lang="uk-UA" sz="2400">
+              <a:latin typeface="Arial" panose="020B0604020202020204" pitchFamily="34" charset="0"/>
+              <a:cs typeface="Arial" panose="020B0604020202020204" pitchFamily="34" charset="0"/>
+            </a:endParaRPr>
+          </a:p>
+          <a:p>
+            <a:pPr>
+              <a:lnSpc>
+                <a:spcPct val="150000"/>
+              </a:lnSpc>
+            </a:pPr>
+            <a:r>
+              <a:rPr lang="en-US" sz="2400">
+                <a:latin typeface="Arial" panose="020B0604020202020204" pitchFamily="34" charset="0"/>
+                <a:cs typeface="Arial" panose="020B0604020202020204" pitchFamily="34" charset="0"/>
+              </a:rPr>
+              <a:t>Bazaar</a:t>
+            </a:r>
+            <a:endParaRPr lang="uk-UA" sz="2400">
+              <a:latin typeface="Arial" panose="020B0604020202020204" pitchFamily="34" charset="0"/>
+              <a:cs typeface="Arial" panose="020B0604020202020204" pitchFamily="34" charset="0"/>
+            </a:endParaRPr>
+          </a:p>
+          <a:p>
+            <a:pPr>
+              <a:lnSpc>
+                <a:spcPct val="150000"/>
+              </a:lnSpc>
+            </a:pPr>
+            <a:r>
+              <a:rPr lang="en-US" sz="2400" err="1">
+                <a:latin typeface="Arial" panose="020B0604020202020204" pitchFamily="34" charset="0"/>
+                <a:cs typeface="Arial" panose="020B0604020202020204" pitchFamily="34" charset="0"/>
+              </a:rPr>
+              <a:t>Darcs</a:t>
+            </a:r>
+            <a:endParaRPr lang="ru-RU" sz="2400">
+              <a:latin typeface="Arial" panose="020B0604020202020204" pitchFamily="34" charset="0"/>
+              <a:cs typeface="Arial" panose="020B0604020202020204" pitchFamily="34" charset="0"/>
+            </a:endParaRPr>
+          </a:p>
+        </p:txBody>
+      </p:sp>
+    </p:spTree>
+    <p:extLst>
+      <p:ext uri="{BB962C8B-B14F-4D97-AF65-F5344CB8AC3E}">
+        <p14:creationId xmlns:p14="http://schemas.microsoft.com/office/powerpoint/2010/main" val="3597471917"/>
       </p:ext>
     </p:extLst>
   </p:cSld>
@@ -16938,6 +18139,12 @@
 </file>
 
 <file path=customXml/item1.xml><?xml version="1.0" encoding="utf-8"?>
+<p:properties xmlns:p="http://schemas.microsoft.com/office/2006/metadata/properties" xmlns:xsi="http://www.w3.org/2001/XMLSchema-instance" xmlns:pc="http://schemas.microsoft.com/office/infopath/2007/PartnerControls">
+  <documentManagement/>
+</p:properties>
+</file>
+
+<file path=customXml/item2.xml><?xml version="1.0" encoding="utf-8"?>
 <ct:contentTypeSchema xmlns:ct="http://schemas.microsoft.com/office/2006/metadata/contentType" xmlns:ma="http://schemas.microsoft.com/office/2006/metadata/properties/metaAttributes" ct:_="" ma:_="" ma:contentTypeName="Документ" ma:contentTypeID="0x0101002456107565CA6A43A05392B760F0FD8D" ma:contentTypeVersion="4" ma:contentTypeDescription="Створення нового документа." ma:contentTypeScope="" ma:versionID="440ddeae695cebc829050b9b618af465">
   <xsd:schema xmlns:xsd="http://www.w3.org/2001/XMLSchema" xmlns:xs="http://www.w3.org/2001/XMLSchema" xmlns:p="http://schemas.microsoft.com/office/2006/metadata/properties" xmlns:ns2="6b47e03e-19f2-493e-94c5-5bbacad2cd70" targetNamespace="http://schemas.microsoft.com/office/2006/metadata/properties" ma:root="true" ma:fieldsID="8376abdcb6cc6889913e7a065f7b4981" ns2:_="">
     <xsd:import namespace="6b47e03e-19f2-493e-94c5-5bbacad2cd70"/>
@@ -17081,12 +18288,6 @@
 </ct:contentTypeSchema>
 </file>
 
-<file path=customXml/item2.xml><?xml version="1.0" encoding="utf-8"?>
-<p:properties xmlns:p="http://schemas.microsoft.com/office/2006/metadata/properties" xmlns:xsi="http://www.w3.org/2001/XMLSchema-instance" xmlns:pc="http://schemas.microsoft.com/office/infopath/2007/PartnerControls">
-  <documentManagement/>
-</p:properties>
-</file>
-
 <file path=customXml/item3.xml><?xml version="1.0" encoding="utf-8"?>
 <?mso-contentType ?>
 <FormTemplates xmlns="http://schemas.microsoft.com/sharepoint/v3/contenttype/forms">
@@ -17097,6 +18298,15 @@
 </file>
 
 <file path=customXml/itemProps1.xml><?xml version="1.0" encoding="utf-8"?>
+<ds:datastoreItem xmlns:ds="http://schemas.openxmlformats.org/officeDocument/2006/customXml" ds:itemID="{C35D743B-B188-4C38-B82D-7FD8B3A77642}">
+  <ds:schemaRefs>
+    <ds:schemaRef ds:uri="http://schemas.microsoft.com/office/2006/metadata/properties"/>
+    <ds:schemaRef ds:uri="http://schemas.microsoft.com/office/infopath/2007/PartnerControls"/>
+  </ds:schemaRefs>
+</ds:datastoreItem>
+</file>
+
+<file path=customXml/itemProps2.xml><?xml version="1.0" encoding="utf-8"?>
 <ds:datastoreItem xmlns:ds="http://schemas.openxmlformats.org/officeDocument/2006/customXml" ds:itemID="{909E67F0-53DF-4575-B501-3419DF25270A}">
   <ds:schemaRefs>
     <ds:schemaRef ds:uri="6b47e03e-19f2-493e-94c5-5bbacad2cd70"/>
@@ -17114,15 +18324,6 @@
 </ds:datastoreItem>
 </file>
 
-<file path=customXml/itemProps2.xml><?xml version="1.0" encoding="utf-8"?>
-<ds:datastoreItem xmlns:ds="http://schemas.openxmlformats.org/officeDocument/2006/customXml" ds:itemID="{C35D743B-B188-4C38-B82D-7FD8B3A77642}">
-  <ds:schemaRefs>
-    <ds:schemaRef ds:uri="http://schemas.microsoft.com/office/2006/metadata/properties"/>
-    <ds:schemaRef ds:uri="http://schemas.microsoft.com/office/infopath/2007/PartnerControls"/>
-  </ds:schemaRefs>
-</ds:datastoreItem>
-</file>
-
 <file path=customXml/itemProps3.xml><?xml version="1.0" encoding="utf-8"?>
 <ds:datastoreItem xmlns:ds="http://schemas.openxmlformats.org/officeDocument/2006/customXml" ds:itemID="{A345D2DA-A096-4BBF-9135-8FD4BD4C8C20}">
   <ds:schemaRefs>

--- a/Git_1 part.pptx
+++ b/Git_1 part.pptx
@@ -366,7 +366,7 @@
           <a:p>
             <a:fld id="{BA11B3C1-C822-4B57-87C0-490649D8D6D7}" type="slidenum">
               <a:rPr lang="ru-RU" smtClean="0"/>
-              <a:t>‹#›</a:t>
+              <a:t>‹№›</a:t>
             </a:fld>
             <a:endParaRPr lang="ru-RU"/>
           </a:p>
@@ -2277,7 +2277,7 @@
           <a:p>
             <a:fld id="{C83854A3-6714-4526-AEDE-747CDFA70004}" type="slidenum">
               <a:rPr lang="ru-RU" smtClean="0"/>
-              <a:t>‹#›</a:t>
+              <a:t>‹№›</a:t>
             </a:fld>
             <a:endParaRPr lang="ru-RU"/>
           </a:p>
@@ -2869,7 +2869,7 @@
           <a:p>
             <a:fld id="{6D22F896-40B5-4ADD-8801-0D06FADFA095}" type="slidenum">
               <a:rPr lang="en-US" smtClean="0"/>
-              <a:t>‹#›</a:t>
+              <a:t>‹№›</a:t>
             </a:fld>
             <a:endParaRPr lang="en-US"/>
           </a:p>
@@ -3039,7 +3039,7 @@
           <a:p>
             <a:fld id="{6D22F896-40B5-4ADD-8801-0D06FADFA095}" type="slidenum">
               <a:rPr lang="en-US" smtClean="0"/>
-              <a:t>‹#›</a:t>
+              <a:t>‹№›</a:t>
             </a:fld>
             <a:endParaRPr lang="en-US"/>
           </a:p>
@@ -3219,7 +3219,7 @@
           <a:p>
             <a:fld id="{6D22F896-40B5-4ADD-8801-0D06FADFA095}" type="slidenum">
               <a:rPr lang="en-US" smtClean="0"/>
-              <a:t>‹#›</a:t>
+              <a:t>‹№›</a:t>
             </a:fld>
             <a:endParaRPr lang="en-US"/>
           </a:p>
@@ -3389,7 +3389,7 @@
           <a:p>
             <a:fld id="{6D22F896-40B5-4ADD-8801-0D06FADFA095}" type="slidenum">
               <a:rPr lang="en-US" smtClean="0"/>
-              <a:t>‹#›</a:t>
+              <a:t>‹№›</a:t>
             </a:fld>
             <a:endParaRPr lang="en-US"/>
           </a:p>
@@ -3635,7 +3635,7 @@
           <a:p>
             <a:fld id="{6D22F896-40B5-4ADD-8801-0D06FADFA095}" type="slidenum">
               <a:rPr lang="en-US" smtClean="0"/>
-              <a:t>‹#›</a:t>
+              <a:t>‹№›</a:t>
             </a:fld>
             <a:endParaRPr lang="en-US"/>
           </a:p>
@@ -3867,7 +3867,7 @@
           <a:p>
             <a:fld id="{6D22F896-40B5-4ADD-8801-0D06FADFA095}" type="slidenum">
               <a:rPr lang="en-US" smtClean="0"/>
-              <a:t>‹#›</a:t>
+              <a:t>‹№›</a:t>
             </a:fld>
             <a:endParaRPr lang="en-US"/>
           </a:p>
@@ -4234,7 +4234,7 @@
           <a:p>
             <a:fld id="{6D22F896-40B5-4ADD-8801-0D06FADFA095}" type="slidenum">
               <a:rPr lang="en-US" smtClean="0"/>
-              <a:t>‹#›</a:t>
+              <a:t>‹№›</a:t>
             </a:fld>
             <a:endParaRPr lang="en-US"/>
           </a:p>
@@ -4352,7 +4352,7 @@
           <a:p>
             <a:fld id="{6D22F896-40B5-4ADD-8801-0D06FADFA095}" type="slidenum">
               <a:rPr lang="en-US" smtClean="0"/>
-              <a:t>‹#›</a:t>
+              <a:t>‹№›</a:t>
             </a:fld>
             <a:endParaRPr lang="en-US"/>
           </a:p>
@@ -4447,7 +4447,7 @@
           <a:p>
             <a:fld id="{6D22F896-40B5-4ADD-8801-0D06FADFA095}" type="slidenum">
               <a:rPr lang="en-US" smtClean="0"/>
-              <a:t>‹#›</a:t>
+              <a:t>‹№›</a:t>
             </a:fld>
             <a:endParaRPr lang="en-US"/>
           </a:p>
@@ -4724,7 +4724,7 @@
           <a:p>
             <a:fld id="{6D22F896-40B5-4ADD-8801-0D06FADFA095}" type="slidenum">
               <a:rPr lang="en-US" smtClean="0"/>
-              <a:t>‹#›</a:t>
+              <a:t>‹№›</a:t>
             </a:fld>
             <a:endParaRPr lang="en-US"/>
           </a:p>
@@ -4981,7 +4981,7 @@
           <a:p>
             <a:fld id="{6D22F896-40B5-4ADD-8801-0D06FADFA095}" type="slidenum">
               <a:rPr lang="en-US" smtClean="0"/>
-              <a:t>‹#›</a:t>
+              <a:t>‹№›</a:t>
             </a:fld>
             <a:endParaRPr lang="en-US"/>
           </a:p>
@@ -5261,7 +5261,7 @@
             <a:fld id="{6D22F896-40B5-4ADD-8801-0D06FADFA095}" type="slidenum">
               <a:rPr lang="en-US" smtClean="0"/>
               <a:pPr/>
-              <a:t>‹#›</a:t>
+              <a:t>‹№›</a:t>
             </a:fld>
             <a:endParaRPr lang="en-US"/>
           </a:p>
@@ -5618,22 +5618,22 @@
           <a:lstStyle/>
           <a:p>
             <a:br>
-              <a:rPr lang="uk-UA" b="1">
+              <a:rPr lang="uk-UA" b="1" dirty="0">
                 <a:latin typeface="SchoolBookCTT" pitchFamily="2" charset="0"/>
               </a:rPr>
             </a:br>
             <a:br>
-              <a:rPr lang="uk-UA" sz="3600" b="1">
+              <a:rPr lang="uk-UA" sz="3600" b="1" dirty="0">
                 <a:latin typeface="SchoolBookCTT" pitchFamily="2" charset="0"/>
               </a:rPr>
             </a:br>
             <a:br>
-              <a:rPr lang="uk-UA" b="1">
+              <a:rPr lang="uk-UA" b="1" dirty="0">
                 <a:latin typeface="SchoolBookCTT" pitchFamily="2" charset="0"/>
               </a:rPr>
             </a:br>
             <a:r>
-              <a:rPr lang="uk-UA" b="1">
+              <a:rPr lang="uk-UA" b="1" dirty="0">
                 <a:solidFill>
                   <a:srgbClr val="0070C0"/>
                 </a:solidFill>
@@ -5642,7 +5642,7 @@
               <a:t>Алгоритми та структури даних</a:t>
             </a:r>
             <a:br>
-              <a:rPr lang="uk-UA" b="1">
+              <a:rPr lang="uk-UA" b="1" dirty="0">
                 <a:solidFill>
                   <a:srgbClr val="0070C0"/>
                 </a:solidFill>
@@ -5657,34 +5657,25 @@
                 <a:latin typeface="SchoolBookCTT" pitchFamily="2" charset="0"/>
               </a:rPr>
             </a:br>
-            <a:r>
-              <a:rPr lang="uk-UA" sz="3200" b="1">
-                <a:solidFill>
-                  <a:srgbClr val="413D3D"/>
-                </a:solidFill>
-                <a:latin typeface="SchoolBookCTT" pitchFamily="2" charset="0"/>
-              </a:rPr>
-              <a:t>Карпенко Надія Валеріївна</a:t>
-            </a:r>
             <a:br>
-              <a:rPr lang="uk-UA" sz="3100" b="1">
+              <a:rPr lang="uk-UA" sz="3100" b="1" dirty="0">
                 <a:latin typeface="SchoolBookCTT" pitchFamily="2" charset="0"/>
               </a:rPr>
             </a:br>
             <a:br>
-              <a:rPr lang="uk-UA" sz="3100" b="1">
+              <a:rPr lang="uk-UA" sz="3100" b="1" dirty="0">
                 <a:latin typeface="SchoolBookCTT" pitchFamily="2" charset="0"/>
               </a:rPr>
             </a:br>
             <a:br>
-              <a:rPr lang="uk-UA" sz="2400" b="1">
+              <a:rPr lang="uk-UA" sz="2400" b="1" dirty="0">
                 <a:solidFill>
                   <a:srgbClr val="FF0000"/>
                 </a:solidFill>
                 <a:latin typeface="SchoolBookCTT" pitchFamily="2" charset="0"/>
               </a:rPr>
             </a:br>
-            <a:endParaRPr lang="uk-UA" sz="2400" b="1">
+            <a:endParaRPr lang="uk-UA" sz="2400" b="1" dirty="0">
               <a:latin typeface="SchoolBookCTT" pitchFamily="2" charset="0"/>
             </a:endParaRPr>
           </a:p>
@@ -17088,12 +17079,6 @@
 </file>
 
 <file path=customXml/item1.xml><?xml version="1.0" encoding="utf-8"?>
-<p:properties xmlns:p="http://schemas.microsoft.com/office/2006/metadata/properties" xmlns:xsi="http://www.w3.org/2001/XMLSchema-instance" xmlns:pc="http://schemas.microsoft.com/office/infopath/2007/PartnerControls">
-  <documentManagement/>
-</p:properties>
-</file>
-
-<file path=customXml/item2.xml><?xml version="1.0" encoding="utf-8"?>
 <ct:contentTypeSchema xmlns:ct="http://schemas.microsoft.com/office/2006/metadata/contentType" xmlns:ma="http://schemas.microsoft.com/office/2006/metadata/properties/metaAttributes" ct:_="" ma:_="" ma:contentTypeName="Документ" ma:contentTypeID="0x0101002456107565CA6A43A05392B760F0FD8D" ma:contentTypeVersion="4" ma:contentTypeDescription="Створення нового документа." ma:contentTypeScope="" ma:versionID="440ddeae695cebc829050b9b618af465">
   <xsd:schema xmlns:xsd="http://www.w3.org/2001/XMLSchema" xmlns:xs="http://www.w3.org/2001/XMLSchema" xmlns:p="http://schemas.microsoft.com/office/2006/metadata/properties" xmlns:ns2="6b47e03e-19f2-493e-94c5-5bbacad2cd70" targetNamespace="http://schemas.microsoft.com/office/2006/metadata/properties" ma:root="true" ma:fieldsID="8376abdcb6cc6889913e7a065f7b4981" ns2:_="">
     <xsd:import namespace="6b47e03e-19f2-493e-94c5-5bbacad2cd70"/>
@@ -17237,6 +17222,12 @@
 </ct:contentTypeSchema>
 </file>
 
+<file path=customXml/item2.xml><?xml version="1.0" encoding="utf-8"?>
+<p:properties xmlns:p="http://schemas.microsoft.com/office/2006/metadata/properties" xmlns:xsi="http://www.w3.org/2001/XMLSchema-instance" xmlns:pc="http://schemas.microsoft.com/office/infopath/2007/PartnerControls">
+  <documentManagement/>
+</p:properties>
+</file>
+
 <file path=customXml/item3.xml><?xml version="1.0" encoding="utf-8"?>
 <?mso-contentType ?>
 <FormTemplates xmlns="http://schemas.microsoft.com/sharepoint/v3/contenttype/forms">
@@ -17247,15 +17238,6 @@
 </file>
 
 <file path=customXml/itemProps1.xml><?xml version="1.0" encoding="utf-8"?>
-<ds:datastoreItem xmlns:ds="http://schemas.openxmlformats.org/officeDocument/2006/customXml" ds:itemID="{C35D743B-B188-4C38-B82D-7FD8B3A77642}">
-  <ds:schemaRefs>
-    <ds:schemaRef ds:uri="http://schemas.microsoft.com/office/2006/metadata/properties"/>
-    <ds:schemaRef ds:uri="http://schemas.microsoft.com/office/infopath/2007/PartnerControls"/>
-  </ds:schemaRefs>
-</ds:datastoreItem>
-</file>
-
-<file path=customXml/itemProps2.xml><?xml version="1.0" encoding="utf-8"?>
 <ds:datastoreItem xmlns:ds="http://schemas.openxmlformats.org/officeDocument/2006/customXml" ds:itemID="{909E67F0-53DF-4575-B501-3419DF25270A}">
   <ds:schemaRefs>
     <ds:schemaRef ds:uri="6b47e03e-19f2-493e-94c5-5bbacad2cd70"/>
@@ -17273,6 +17255,15 @@
 </ds:datastoreItem>
 </file>
 
+<file path=customXml/itemProps2.xml><?xml version="1.0" encoding="utf-8"?>
+<ds:datastoreItem xmlns:ds="http://schemas.openxmlformats.org/officeDocument/2006/customXml" ds:itemID="{C35D743B-B188-4C38-B82D-7FD8B3A77642}">
+  <ds:schemaRefs>
+    <ds:schemaRef ds:uri="http://schemas.microsoft.com/office/2006/metadata/properties"/>
+    <ds:schemaRef ds:uri="http://schemas.microsoft.com/office/infopath/2007/PartnerControls"/>
+  </ds:schemaRefs>
+</ds:datastoreItem>
+</file>
+
 <file path=customXml/itemProps3.xml><?xml version="1.0" encoding="utf-8"?>
 <ds:datastoreItem xmlns:ds="http://schemas.openxmlformats.org/officeDocument/2006/customXml" ds:itemID="{A345D2DA-A096-4BBF-9135-8FD4BD4C8C20}">
   <ds:schemaRefs>

--- a/Git_1 part.pptx
+++ b/Git_1 part.pptx
@@ -5650,13 +5650,22 @@
               </a:rPr>
             </a:br>
             <a:br>
-              <a:rPr lang="uk-UA" b="1">
+              <a:rPr lang="uk-UA" b="1" dirty="0">
                 <a:solidFill>
                   <a:srgbClr val="0070C0"/>
                 </a:solidFill>
                 <a:latin typeface="SchoolBookCTT" pitchFamily="2" charset="0"/>
               </a:rPr>
             </a:br>
+            <a:r>
+              <a:rPr lang="en-US" sz="3200" b="1">
+                <a:solidFill>
+                  <a:srgbClr val="413D3D"/>
+                </a:solidFill>
+                <a:latin typeface="SchoolBookCTT" pitchFamily="2" charset="0"/>
+              </a:rPr>
+              <a:t>DemidCompanyNiga</a:t>
+            </a:r>
             <a:br>
               <a:rPr lang="uk-UA" sz="3100" b="1" dirty="0">
                 <a:latin typeface="SchoolBookCTT" pitchFamily="2" charset="0"/>

--- a/Git_1 part.pptx
+++ b/Git_1 part.pptx
@@ -5,10 +5,10 @@
     <p:sldMasterId id="2147483851" r:id="rId4"/>
   </p:sldMasterIdLst>
   <p:notesMasterIdLst>
-    <p:notesMasterId r:id="rId34"/>
+    <p:notesMasterId r:id="rId35"/>
   </p:notesMasterIdLst>
   <p:handoutMasterIdLst>
-    <p:handoutMasterId r:id="rId35"/>
+    <p:handoutMasterId r:id="rId36"/>
   </p:handoutMasterIdLst>
   <p:sldIdLst>
     <p:sldId id="334" r:id="rId5"/>
@@ -40,6 +40,7 @@
     <p:sldId id="331" r:id="rId31"/>
     <p:sldId id="333" r:id="rId32"/>
     <p:sldId id="332" r:id="rId33"/>
+    <p:sldId id="336" r:id="rId34"/>
   </p:sldIdLst>
   <p:sldSz cx="12192000" cy="6858000"/>
   <p:notesSz cx="6858000" cy="9144000"/>
@@ -165,8 +166,8 @@
 <p1510:revInfo xmlns:a="http://schemas.openxmlformats.org/drawingml/2006/main" xmlns:r="http://schemas.openxmlformats.org/officeDocument/2006/relationships" xmlns:p1510="http://schemas.microsoft.com/office/powerpoint/2015/10/main">
   <p1510:revLst>
     <p1510:client id="{4A3F3CD4-87AB-4CDB-98DA-5A2ADC992FE5}" v="1" dt="2022-10-03T11:17:20.651"/>
+    <p1510:client id="{9B9D4C16-5A73-44FC-B81C-E033F386BE81}" v="3" dt="2022-09-29T11:01:00.115"/>
     <p1510:client id="{7243DB7B-6519-4113-9313-0D5BD1DD6196}" v="1" dt="2022-10-06T06:08:40.457"/>
-    <p1510:client id="{9B9D4C16-5A73-44FC-B81C-E033F386BE81}" v="3" dt="2022-09-29T11:01:00.115"/>
     <p1510:client id="{A1854464-AA8C-4528-8FEA-3C375E66B42A}" v="7" dt="2022-10-06T09:52:16.683"/>
   </p1510:revLst>
 </p1510:revInfo>
@@ -15784,6 +15785,153 @@
 </p:sld>
 </file>
 
+<file path=ppt/slides/slide30.xml><?xml version="1.0" encoding="utf-8"?>
+<p:sld xmlns:a="http://schemas.openxmlformats.org/drawingml/2006/main" xmlns:r="http://schemas.openxmlformats.org/officeDocument/2006/relationships" xmlns:p="http://schemas.openxmlformats.org/presentationml/2006/main">
+  <p:cSld>
+    <p:spTree>
+      <p:nvGrpSpPr>
+        <p:cNvPr id="1" name=""/>
+        <p:cNvGrpSpPr/>
+        <p:nvPr/>
+      </p:nvGrpSpPr>
+      <p:grpSpPr>
+        <a:xfrm>
+          <a:off x="0" y="0"/>
+          <a:ext cx="0" cy="0"/>
+          <a:chOff x="0" y="0"/>
+          <a:chExt cx="0" cy="0"/>
+        </a:xfrm>
+      </p:grpSpPr>
+      <p:sp>
+        <p:nvSpPr>
+          <p:cNvPr id="2" name="Заголовок 1">
+            <a:extLst>
+              <a:ext uri="{FF2B5EF4-FFF2-40B4-BE49-F238E27FC236}">
+                <a16:creationId xmlns:a16="http://schemas.microsoft.com/office/drawing/2014/main" id="{B99722A3-7E24-4746-A5ED-80EEE0760D53}"/>
+              </a:ext>
+            </a:extLst>
+          </p:cNvPr>
+          <p:cNvSpPr>
+            <a:spLocks noGrp="1"/>
+          </p:cNvSpPr>
+          <p:nvPr>
+            <p:ph type="title"/>
+          </p:nvPr>
+        </p:nvSpPr>
+        <p:spPr/>
+        <p:txBody>
+          <a:bodyPr/>
+          <a:lstStyle/>
+          <a:p>
+            <a:pPr algn="ctr"/>
+            <a:r>
+              <a:rPr lang="uk-UA" b="1" dirty="0">
+                <a:solidFill>
+                  <a:srgbClr val="00B0F0"/>
+                </a:solidFill>
+              </a:rPr>
+              <a:t>Дякуємо за увагу</a:t>
+            </a:r>
+            <a:endParaRPr lang="ru-UA" b="1" dirty="0">
+              <a:solidFill>
+                <a:srgbClr val="00B0F0"/>
+              </a:solidFill>
+            </a:endParaRPr>
+          </a:p>
+        </p:txBody>
+      </p:sp>
+      <p:sp>
+        <p:nvSpPr>
+          <p:cNvPr id="3" name="Объект 2">
+            <a:extLst>
+              <a:ext uri="{FF2B5EF4-FFF2-40B4-BE49-F238E27FC236}">
+                <a16:creationId xmlns:a16="http://schemas.microsoft.com/office/drawing/2014/main" id="{FC5D9617-D98C-466A-9B7D-FBF303DC3B2A}"/>
+              </a:ext>
+            </a:extLst>
+          </p:cNvPr>
+          <p:cNvSpPr>
+            <a:spLocks noGrp="1"/>
+          </p:cNvSpPr>
+          <p:nvPr>
+            <p:ph idx="1"/>
+          </p:nvPr>
+        </p:nvSpPr>
+        <p:spPr/>
+        <p:txBody>
+          <a:bodyPr/>
+          <a:lstStyle/>
+          <a:p>
+            <a:endParaRPr lang="ru-UA" dirty="0"/>
+          </a:p>
+        </p:txBody>
+      </p:sp>
+      <p:sp>
+        <p:nvSpPr>
+          <p:cNvPr id="4" name="Нижний колонтитул 3">
+            <a:extLst>
+              <a:ext uri="{FF2B5EF4-FFF2-40B4-BE49-F238E27FC236}">
+                <a16:creationId xmlns:a16="http://schemas.microsoft.com/office/drawing/2014/main" id="{7CBB3D8B-D4D1-44F6-BBEA-B255A6E32426}"/>
+              </a:ext>
+            </a:extLst>
+          </p:cNvPr>
+          <p:cNvSpPr>
+            <a:spLocks noGrp="1"/>
+          </p:cNvSpPr>
+          <p:nvPr>
+            <p:ph type="ftr" sz="quarter" idx="11"/>
+          </p:nvPr>
+        </p:nvSpPr>
+        <p:spPr/>
+        <p:txBody>
+          <a:bodyPr/>
+          <a:lstStyle/>
+          <a:p>
+            <a:endParaRPr lang="en-US"/>
+          </a:p>
+        </p:txBody>
+      </p:sp>
+      <p:sp>
+        <p:nvSpPr>
+          <p:cNvPr id="5" name="Номер слайда 4">
+            <a:extLst>
+              <a:ext uri="{FF2B5EF4-FFF2-40B4-BE49-F238E27FC236}">
+                <a16:creationId xmlns:a16="http://schemas.microsoft.com/office/drawing/2014/main" id="{95C60D6D-0638-45B5-B358-73911793C178}"/>
+              </a:ext>
+            </a:extLst>
+          </p:cNvPr>
+          <p:cNvSpPr>
+            <a:spLocks noGrp="1"/>
+          </p:cNvSpPr>
+          <p:nvPr>
+            <p:ph type="sldNum" sz="quarter" idx="12"/>
+          </p:nvPr>
+        </p:nvSpPr>
+        <p:spPr/>
+        <p:txBody>
+          <a:bodyPr/>
+          <a:lstStyle/>
+          <a:p>
+            <a:fld id="{6D22F896-40B5-4ADD-8801-0D06FADFA095}" type="slidenum">
+              <a:rPr lang="en-US" smtClean="0"/>
+              <a:t>30</a:t>
+            </a:fld>
+            <a:endParaRPr lang="en-US"/>
+          </a:p>
+        </p:txBody>
+      </p:sp>
+    </p:spTree>
+    <p:extLst>
+      <p:ext uri="{BB962C8B-B14F-4D97-AF65-F5344CB8AC3E}">
+        <p14:creationId xmlns:p14="http://schemas.microsoft.com/office/powerpoint/2010/main" val="2925133593"/>
+      </p:ext>
+    </p:extLst>
+  </p:cSld>
+  <p:clrMapOvr>
+    <a:masterClrMapping/>
+  </p:clrMapOvr>
+</p:sld>
+</file>
+
 <file path=ppt/slides/slide4.xml><?xml version="1.0" encoding="utf-8"?>
 <p:sld xmlns:a="http://schemas.openxmlformats.org/drawingml/2006/main" xmlns:r="http://schemas.openxmlformats.org/officeDocument/2006/relationships" xmlns:p="http://schemas.openxmlformats.org/presentationml/2006/main">
   <p:cSld>
@@ -18139,12 +18287,6 @@
 </file>
 
 <file path=customXml/item1.xml><?xml version="1.0" encoding="utf-8"?>
-<p:properties xmlns:p="http://schemas.microsoft.com/office/2006/metadata/properties" xmlns:xsi="http://www.w3.org/2001/XMLSchema-instance" xmlns:pc="http://schemas.microsoft.com/office/infopath/2007/PartnerControls">
-  <documentManagement/>
-</p:properties>
-</file>
-
-<file path=customXml/item2.xml><?xml version="1.0" encoding="utf-8"?>
 <ct:contentTypeSchema xmlns:ct="http://schemas.microsoft.com/office/2006/metadata/contentType" xmlns:ma="http://schemas.microsoft.com/office/2006/metadata/properties/metaAttributes" ct:_="" ma:_="" ma:contentTypeName="Документ" ma:contentTypeID="0x0101002456107565CA6A43A05392B760F0FD8D" ma:contentTypeVersion="4" ma:contentTypeDescription="Створення нового документа." ma:contentTypeScope="" ma:versionID="440ddeae695cebc829050b9b618af465">
   <xsd:schema xmlns:xsd="http://www.w3.org/2001/XMLSchema" xmlns:xs="http://www.w3.org/2001/XMLSchema" xmlns:p="http://schemas.microsoft.com/office/2006/metadata/properties" xmlns:ns2="6b47e03e-19f2-493e-94c5-5bbacad2cd70" targetNamespace="http://schemas.microsoft.com/office/2006/metadata/properties" ma:root="true" ma:fieldsID="8376abdcb6cc6889913e7a065f7b4981" ns2:_="">
     <xsd:import namespace="6b47e03e-19f2-493e-94c5-5bbacad2cd70"/>
@@ -18288,6 +18430,12 @@
 </ct:contentTypeSchema>
 </file>
 
+<file path=customXml/item2.xml><?xml version="1.0" encoding="utf-8"?>
+<p:properties xmlns:p="http://schemas.microsoft.com/office/2006/metadata/properties" xmlns:xsi="http://www.w3.org/2001/XMLSchema-instance" xmlns:pc="http://schemas.microsoft.com/office/infopath/2007/PartnerControls">
+  <documentManagement/>
+</p:properties>
+</file>
+
 <file path=customXml/item3.xml><?xml version="1.0" encoding="utf-8"?>
 <?mso-contentType ?>
 <FormTemplates xmlns="http://schemas.microsoft.com/sharepoint/v3/contenttype/forms">
@@ -18298,15 +18446,6 @@
 </file>
 
 <file path=customXml/itemProps1.xml><?xml version="1.0" encoding="utf-8"?>
-<ds:datastoreItem xmlns:ds="http://schemas.openxmlformats.org/officeDocument/2006/customXml" ds:itemID="{C35D743B-B188-4C38-B82D-7FD8B3A77642}">
-  <ds:schemaRefs>
-    <ds:schemaRef ds:uri="http://schemas.microsoft.com/office/2006/metadata/properties"/>
-    <ds:schemaRef ds:uri="http://schemas.microsoft.com/office/infopath/2007/PartnerControls"/>
-  </ds:schemaRefs>
-</ds:datastoreItem>
-</file>
-
-<file path=customXml/itemProps2.xml><?xml version="1.0" encoding="utf-8"?>
 <ds:datastoreItem xmlns:ds="http://schemas.openxmlformats.org/officeDocument/2006/customXml" ds:itemID="{909E67F0-53DF-4575-B501-3419DF25270A}">
   <ds:schemaRefs>
     <ds:schemaRef ds:uri="6b47e03e-19f2-493e-94c5-5bbacad2cd70"/>
@@ -18324,6 +18463,15 @@
 </ds:datastoreItem>
 </file>
 
+<file path=customXml/itemProps2.xml><?xml version="1.0" encoding="utf-8"?>
+<ds:datastoreItem xmlns:ds="http://schemas.openxmlformats.org/officeDocument/2006/customXml" ds:itemID="{C35D743B-B188-4C38-B82D-7FD8B3A77642}">
+  <ds:schemaRefs>
+    <ds:schemaRef ds:uri="http://schemas.microsoft.com/office/2006/metadata/properties"/>
+    <ds:schemaRef ds:uri="http://schemas.microsoft.com/office/infopath/2007/PartnerControls"/>
+  </ds:schemaRefs>
+</ds:datastoreItem>
+</file>
+
 <file path=customXml/itemProps3.xml><?xml version="1.0" encoding="utf-8"?>
 <ds:datastoreItem xmlns:ds="http://schemas.openxmlformats.org/officeDocument/2006/customXml" ds:itemID="{A345D2DA-A096-4BBF-9135-8FD4BD4C8C20}">
   <ds:schemaRefs>

--- a/Git_1 part.pptx
+++ b/Git_1 part.pptx
@@ -366,7 +366,7 @@
           <a:p>
             <a:fld id="{BA11B3C1-C822-4B57-87C0-490649D8D6D7}" type="slidenum">
               <a:rPr lang="ru-RU" smtClean="0"/>
-              <a:t>‹№›</a:t>
+              <a:t>‹#›</a:t>
             </a:fld>
             <a:endParaRPr lang="ru-RU"/>
           </a:p>
@@ -2277,7 +2277,7 @@
           <a:p>
             <a:fld id="{C83854A3-6714-4526-AEDE-747CDFA70004}" type="slidenum">
               <a:rPr lang="ru-RU" smtClean="0"/>
-              <a:t>‹№›</a:t>
+              <a:t>‹#›</a:t>
             </a:fld>
             <a:endParaRPr lang="ru-RU"/>
           </a:p>
@@ -2869,7 +2869,7 @@
           <a:p>
             <a:fld id="{6D22F896-40B5-4ADD-8801-0D06FADFA095}" type="slidenum">
               <a:rPr lang="en-US" smtClean="0"/>
-              <a:t>‹№›</a:t>
+              <a:t>‹#›</a:t>
             </a:fld>
             <a:endParaRPr lang="en-US"/>
           </a:p>
@@ -3039,7 +3039,7 @@
           <a:p>
             <a:fld id="{6D22F896-40B5-4ADD-8801-0D06FADFA095}" type="slidenum">
               <a:rPr lang="en-US" smtClean="0"/>
-              <a:t>‹№›</a:t>
+              <a:t>‹#›</a:t>
             </a:fld>
             <a:endParaRPr lang="en-US"/>
           </a:p>
@@ -3219,7 +3219,7 @@
           <a:p>
             <a:fld id="{6D22F896-40B5-4ADD-8801-0D06FADFA095}" type="slidenum">
               <a:rPr lang="en-US" smtClean="0"/>
-              <a:t>‹№›</a:t>
+              <a:t>‹#›</a:t>
             </a:fld>
             <a:endParaRPr lang="en-US"/>
           </a:p>
@@ -3389,7 +3389,7 @@
           <a:p>
             <a:fld id="{6D22F896-40B5-4ADD-8801-0D06FADFA095}" type="slidenum">
               <a:rPr lang="en-US" smtClean="0"/>
-              <a:t>‹№›</a:t>
+              <a:t>‹#›</a:t>
             </a:fld>
             <a:endParaRPr lang="en-US"/>
           </a:p>
@@ -3635,7 +3635,7 @@
           <a:p>
             <a:fld id="{6D22F896-40B5-4ADD-8801-0D06FADFA095}" type="slidenum">
               <a:rPr lang="en-US" smtClean="0"/>
-              <a:t>‹№›</a:t>
+              <a:t>‹#›</a:t>
             </a:fld>
             <a:endParaRPr lang="en-US"/>
           </a:p>
@@ -3867,7 +3867,7 @@
           <a:p>
             <a:fld id="{6D22F896-40B5-4ADD-8801-0D06FADFA095}" type="slidenum">
               <a:rPr lang="en-US" smtClean="0"/>
-              <a:t>‹№›</a:t>
+              <a:t>‹#›</a:t>
             </a:fld>
             <a:endParaRPr lang="en-US"/>
           </a:p>
@@ -4234,7 +4234,7 @@
           <a:p>
             <a:fld id="{6D22F896-40B5-4ADD-8801-0D06FADFA095}" type="slidenum">
               <a:rPr lang="en-US" smtClean="0"/>
-              <a:t>‹№›</a:t>
+              <a:t>‹#›</a:t>
             </a:fld>
             <a:endParaRPr lang="en-US"/>
           </a:p>
@@ -4352,7 +4352,7 @@
           <a:p>
             <a:fld id="{6D22F896-40B5-4ADD-8801-0D06FADFA095}" type="slidenum">
               <a:rPr lang="en-US" smtClean="0"/>
-              <a:t>‹№›</a:t>
+              <a:t>‹#›</a:t>
             </a:fld>
             <a:endParaRPr lang="en-US"/>
           </a:p>
@@ -4447,7 +4447,7 @@
           <a:p>
             <a:fld id="{6D22F896-40B5-4ADD-8801-0D06FADFA095}" type="slidenum">
               <a:rPr lang="en-US" smtClean="0"/>
-              <a:t>‹№›</a:t>
+              <a:t>‹#›</a:t>
             </a:fld>
             <a:endParaRPr lang="en-US"/>
           </a:p>
@@ -4724,7 +4724,7 @@
           <a:p>
             <a:fld id="{6D22F896-40B5-4ADD-8801-0D06FADFA095}" type="slidenum">
               <a:rPr lang="en-US" smtClean="0"/>
-              <a:t>‹№›</a:t>
+              <a:t>‹#›</a:t>
             </a:fld>
             <a:endParaRPr lang="en-US"/>
           </a:p>
@@ -4981,7 +4981,7 @@
           <a:p>
             <a:fld id="{6D22F896-40B5-4ADD-8801-0D06FADFA095}" type="slidenum">
               <a:rPr lang="en-US" smtClean="0"/>
-              <a:t>‹№›</a:t>
+              <a:t>‹#›</a:t>
             </a:fld>
             <a:endParaRPr lang="en-US"/>
           </a:p>
@@ -5261,7 +5261,7 @@
             <a:fld id="{6D22F896-40B5-4ADD-8801-0D06FADFA095}" type="slidenum">
               <a:rPr lang="en-US" smtClean="0"/>
               <a:pPr/>
-              <a:t>‹№›</a:t>
+              <a:t>‹#›</a:t>
             </a:fld>
             <a:endParaRPr lang="en-US"/>
           </a:p>
@@ -5658,13 +5658,39 @@
               </a:rPr>
             </a:br>
             <a:r>
-              <a:rPr lang="en-US" sz="3200" b="1">
+              <a:rPr lang="en-US" sz="3200" b="1" dirty="0" err="1">
                 <a:solidFill>
                   <a:srgbClr val="413D3D"/>
                 </a:solidFill>
                 <a:latin typeface="SchoolBookCTT" pitchFamily="2" charset="0"/>
               </a:rPr>
               <a:t>DemidCompanyNiga</a:t>
+            </a:r>
+            <a:br>
+              <a:rPr lang="ru-RU" sz="3200" b="1" dirty="0">
+                <a:solidFill>
+                  <a:srgbClr val="413D3D"/>
+                </a:solidFill>
+                <a:latin typeface="SchoolBookCTT" pitchFamily="2" charset="0"/>
+              </a:rPr>
+            </a:br>
+            <a:r>
+              <a:rPr lang="en-GB" sz="3200" b="1" dirty="0" err="1">
+                <a:solidFill>
+                  <a:srgbClr val="413D3D"/>
+                </a:solidFill>
+                <a:latin typeface="SchoolBookCTT" pitchFamily="2" charset="0"/>
+              </a:rPr>
+              <a:t>DemidsNiggersBlack</a:t>
+            </a:r>
+            <a:r>
+              <a:rPr lang="en-GB" sz="3200" b="1">
+                <a:solidFill>
+                  <a:srgbClr val="413D3D"/>
+                </a:solidFill>
+                <a:latin typeface="SchoolBookCTT" pitchFamily="2" charset="0"/>
+              </a:rPr>
+              <a:t> present</a:t>
             </a:r>
             <a:br>
               <a:rPr lang="uk-UA" sz="3100" b="1" dirty="0">
@@ -17088,6 +17114,21 @@
 </file>
 
 <file path=customXml/item1.xml><?xml version="1.0" encoding="utf-8"?>
+<?mso-contentType ?>
+<FormTemplates xmlns="http://schemas.microsoft.com/sharepoint/v3/contenttype/forms">
+  <Display>DocumentLibraryForm</Display>
+  <Edit>DocumentLibraryForm</Edit>
+  <New>DocumentLibraryForm</New>
+</FormTemplates>
+</file>
+
+<file path=customXml/item2.xml><?xml version="1.0" encoding="utf-8"?>
+<p:properties xmlns:p="http://schemas.microsoft.com/office/2006/metadata/properties" xmlns:xsi="http://www.w3.org/2001/XMLSchema-instance" xmlns:pc="http://schemas.microsoft.com/office/infopath/2007/PartnerControls">
+  <documentManagement/>
+</p:properties>
+</file>
+
+<file path=customXml/item3.xml><?xml version="1.0" encoding="utf-8"?>
 <ct:contentTypeSchema xmlns:ct="http://schemas.microsoft.com/office/2006/metadata/contentType" xmlns:ma="http://schemas.microsoft.com/office/2006/metadata/properties/metaAttributes" ct:_="" ma:_="" ma:contentTypeName="Документ" ma:contentTypeID="0x0101002456107565CA6A43A05392B760F0FD8D" ma:contentTypeVersion="4" ma:contentTypeDescription="Створення нового документа." ma:contentTypeScope="" ma:versionID="440ddeae695cebc829050b9b618af465">
   <xsd:schema xmlns:xsd="http://www.w3.org/2001/XMLSchema" xmlns:xs="http://www.w3.org/2001/XMLSchema" xmlns:p="http://schemas.microsoft.com/office/2006/metadata/properties" xmlns:ns2="6b47e03e-19f2-493e-94c5-5bbacad2cd70" targetNamespace="http://schemas.microsoft.com/office/2006/metadata/properties" ma:root="true" ma:fieldsID="8376abdcb6cc6889913e7a065f7b4981" ns2:_="">
     <xsd:import namespace="6b47e03e-19f2-493e-94c5-5bbacad2cd70"/>
@@ -17231,22 +17272,24 @@
 </ct:contentTypeSchema>
 </file>
 
-<file path=customXml/item2.xml><?xml version="1.0" encoding="utf-8"?>
-<p:properties xmlns:p="http://schemas.microsoft.com/office/2006/metadata/properties" xmlns:xsi="http://www.w3.org/2001/XMLSchema-instance" xmlns:pc="http://schemas.microsoft.com/office/infopath/2007/PartnerControls">
-  <documentManagement/>
-</p:properties>
+<file path=customXml/itemProps1.xml><?xml version="1.0" encoding="utf-8"?>
+<ds:datastoreItem xmlns:ds="http://schemas.openxmlformats.org/officeDocument/2006/customXml" ds:itemID="{A345D2DA-A096-4BBF-9135-8FD4BD4C8C20}">
+  <ds:schemaRefs>
+    <ds:schemaRef ds:uri="http://schemas.microsoft.com/sharepoint/v3/contenttype/forms"/>
+  </ds:schemaRefs>
+</ds:datastoreItem>
 </file>
 
-<file path=customXml/item3.xml><?xml version="1.0" encoding="utf-8"?>
-<?mso-contentType ?>
-<FormTemplates xmlns="http://schemas.microsoft.com/sharepoint/v3/contenttype/forms">
-  <Display>DocumentLibraryForm</Display>
-  <Edit>DocumentLibraryForm</Edit>
-  <New>DocumentLibraryForm</New>
-</FormTemplates>
+<file path=customXml/itemProps2.xml><?xml version="1.0" encoding="utf-8"?>
+<ds:datastoreItem xmlns:ds="http://schemas.openxmlformats.org/officeDocument/2006/customXml" ds:itemID="{C35D743B-B188-4C38-B82D-7FD8B3A77642}">
+  <ds:schemaRefs>
+    <ds:schemaRef ds:uri="http://schemas.microsoft.com/office/2006/metadata/properties"/>
+    <ds:schemaRef ds:uri="http://schemas.microsoft.com/office/infopath/2007/PartnerControls"/>
+  </ds:schemaRefs>
+</ds:datastoreItem>
 </file>
 
-<file path=customXml/itemProps1.xml><?xml version="1.0" encoding="utf-8"?>
+<file path=customXml/itemProps3.xml><?xml version="1.0" encoding="utf-8"?>
 <ds:datastoreItem xmlns:ds="http://schemas.openxmlformats.org/officeDocument/2006/customXml" ds:itemID="{909E67F0-53DF-4575-B501-3419DF25270A}">
   <ds:schemaRefs>
     <ds:schemaRef ds:uri="6b47e03e-19f2-493e-94c5-5bbacad2cd70"/>
@@ -17262,21 +17305,4 @@
     <ds:schemaRef ds:uri="http://www.w3.org/2001/XMLSchema"/>
   </ds:schemaRefs>
 </ds:datastoreItem>
-</file>
-
-<file path=customXml/itemProps2.xml><?xml version="1.0" encoding="utf-8"?>
-<ds:datastoreItem xmlns:ds="http://schemas.openxmlformats.org/officeDocument/2006/customXml" ds:itemID="{C35D743B-B188-4C38-B82D-7FD8B3A77642}">
-  <ds:schemaRefs>
-    <ds:schemaRef ds:uri="http://schemas.microsoft.com/office/2006/metadata/properties"/>
-    <ds:schemaRef ds:uri="http://schemas.microsoft.com/office/infopath/2007/PartnerControls"/>
-  </ds:schemaRefs>
-</ds:datastoreItem>
-</file>
-
-<file path=customXml/itemProps3.xml><?xml version="1.0" encoding="utf-8"?>
-<ds:datastoreItem xmlns:ds="http://schemas.openxmlformats.org/officeDocument/2006/customXml" ds:itemID="{A345D2DA-A096-4BBF-9135-8FD4BD4C8C20}">
-  <ds:schemaRefs>
-    <ds:schemaRef ds:uri="http://schemas.microsoft.com/sharepoint/v3/contenttype/forms"/>
-  </ds:schemaRefs>
-</ds:datastoreItem>
 </file>
--- a/Git_1 part.pptx
+++ b/Git_1 part.pptx
@@ -5684,7 +5684,7 @@
               <a:t>DemidsNiggersBlack</a:t>
             </a:r>
             <a:r>
-              <a:rPr lang="en-GB" sz="3200" b="1">
+              <a:rPr lang="en-GB" sz="3200" b="1" dirty="0">
                 <a:solidFill>
                   <a:srgbClr val="413D3D"/>
                 </a:solidFill>
@@ -5697,6 +5697,115 @@
                 <a:latin typeface="SchoolBookCTT" pitchFamily="2" charset="0"/>
               </a:rPr>
             </a:br>
+            <a:r>
+              <a:rPr lang="ru-RU" sz="3100" b="1" dirty="0">
+                <a:latin typeface="SchoolBookCTT" pitchFamily="2" charset="0"/>
+              </a:rPr>
+              <a:t>Как так?</a:t>
+            </a:r>
+            <a:br>
+              <a:rPr lang="ru-RU" sz="3100" b="1" dirty="0">
+                <a:latin typeface="SchoolBookCTT" pitchFamily="2" charset="0"/>
+              </a:rPr>
+            </a:br>
+            <a:r>
+              <a:rPr lang="ru-RU" sz="3100" b="1" dirty="0">
+                <a:latin typeface="SchoolBookCTT" pitchFamily="2" charset="0"/>
+              </a:rPr>
+              <a:t>Как менять? </a:t>
+            </a:r>
+            <a:br>
+              <a:rPr lang="ru-RU" sz="3100" b="1" dirty="0">
+                <a:latin typeface="SchoolBookCTT" pitchFamily="2" charset="0"/>
+              </a:rPr>
+            </a:br>
+            <a:r>
+              <a:rPr lang="ru-RU" sz="3100" b="1" dirty="0">
+                <a:latin typeface="SchoolBookCTT" pitchFamily="2" charset="0"/>
+              </a:rPr>
+              <a:t>У нас </a:t>
+            </a:r>
+            <a:r>
+              <a:rPr lang="ru-RU" sz="3100" b="1" dirty="0" err="1">
+                <a:latin typeface="SchoolBookCTT" pitchFamily="2" charset="0"/>
+              </a:rPr>
+              <a:t>чето</a:t>
+            </a:r>
+            <a:r>
+              <a:rPr lang="ru-RU" sz="3100" b="1" dirty="0">
+                <a:latin typeface="SchoolBookCTT" pitchFamily="2" charset="0"/>
+              </a:rPr>
+              <a:t> работает</a:t>
+            </a:r>
+            <a:br>
+              <a:rPr lang="ru-RU" sz="3100" b="1" dirty="0">
+                <a:latin typeface="SchoolBookCTT" pitchFamily="2" charset="0"/>
+              </a:rPr>
+            </a:br>
+            <a:r>
+              <a:rPr lang="ru-RU" sz="3100" b="1" dirty="0">
+                <a:latin typeface="SchoolBookCTT" pitchFamily="2" charset="0"/>
+              </a:rPr>
+              <a:t>Мы </a:t>
+            </a:r>
+            <a:r>
+              <a:rPr lang="ru-RU" sz="3100" b="1" dirty="0" err="1">
+                <a:latin typeface="SchoolBookCTT" pitchFamily="2" charset="0"/>
+              </a:rPr>
+              <a:t>ниче</a:t>
+            </a:r>
+            <a:r>
+              <a:rPr lang="ru-RU" sz="3100" b="1" dirty="0">
+                <a:latin typeface="SchoolBookCTT" pitchFamily="2" charset="0"/>
+              </a:rPr>
+              <a:t> не делаем.</a:t>
+            </a:r>
+            <a:br>
+              <a:rPr lang="ru-RU" sz="3100" b="1" dirty="0">
+                <a:latin typeface="SchoolBookCTT" pitchFamily="2" charset="0"/>
+              </a:rPr>
+            </a:br>
+            <a:r>
+              <a:rPr lang="ru-RU" sz="3100" b="1" dirty="0">
+                <a:latin typeface="SchoolBookCTT" pitchFamily="2" charset="0"/>
+              </a:rPr>
+              <a:t>У меня </a:t>
+            </a:r>
+            <a:r>
+              <a:rPr lang="ru-RU" sz="3100" b="1" dirty="0" err="1">
+                <a:latin typeface="SchoolBookCTT" pitchFamily="2" charset="0"/>
+              </a:rPr>
+              <a:t>презенацтия</a:t>
+            </a:r>
+            <a:r>
+              <a:rPr lang="ru-RU" sz="3100" b="1" dirty="0">
+                <a:latin typeface="SchoolBookCTT" pitchFamily="2" charset="0"/>
+              </a:rPr>
+              <a:t> </a:t>
+            </a:r>
+            <a:r>
+              <a:rPr lang="ru-RU" sz="3100" b="1" dirty="0" err="1">
+                <a:latin typeface="SchoolBookCTT" pitchFamily="2" charset="0"/>
+              </a:rPr>
+              <a:t>меняеться</a:t>
+            </a:r>
+            <a:br>
+              <a:rPr lang="ru-RU" sz="3100" b="1" dirty="0">
+                <a:latin typeface="SchoolBookCTT" pitchFamily="2" charset="0"/>
+              </a:rPr>
+            </a:br>
+            <a:r>
+              <a:rPr lang="ru-RU" sz="3100" b="1" dirty="0">
+                <a:latin typeface="SchoolBookCTT" pitchFamily="2" charset="0"/>
+              </a:rPr>
+              <a:t>Только </a:t>
+            </a:r>
+            <a:r>
+              <a:rPr lang="ru-RU" sz="3100" b="1">
+                <a:latin typeface="SchoolBookCTT" pitchFamily="2" charset="0"/>
+              </a:rPr>
+              <a:t>мои изменения</a:t>
+            </a:r>
             <a:br>
               <a:rPr lang="uk-UA" sz="3100" b="1" dirty="0">
                 <a:latin typeface="SchoolBookCTT" pitchFamily="2" charset="0"/>
@@ -17114,18 +17223,18 @@
 </file>
 
 <file path=customXml/item1.xml><?xml version="1.0" encoding="utf-8"?>
+<p:properties xmlns:p="http://schemas.microsoft.com/office/2006/metadata/properties" xmlns:xsi="http://www.w3.org/2001/XMLSchema-instance" xmlns:pc="http://schemas.microsoft.com/office/infopath/2007/PartnerControls">
+  <documentManagement/>
+</p:properties>
+</file>
+
+<file path=customXml/item2.xml><?xml version="1.0" encoding="utf-8"?>
 <?mso-contentType ?>
 <FormTemplates xmlns="http://schemas.microsoft.com/sharepoint/v3/contenttype/forms">
   <Display>DocumentLibraryForm</Display>
   <Edit>DocumentLibraryForm</Edit>
   <New>DocumentLibraryForm</New>
 </FormTemplates>
-</file>
-
-<file path=customXml/item2.xml><?xml version="1.0" encoding="utf-8"?>
-<p:properties xmlns:p="http://schemas.microsoft.com/office/2006/metadata/properties" xmlns:xsi="http://www.w3.org/2001/XMLSchema-instance" xmlns:pc="http://schemas.microsoft.com/office/infopath/2007/PartnerControls">
-  <documentManagement/>
-</p:properties>
 </file>
 
 <file path=customXml/item3.xml><?xml version="1.0" encoding="utf-8"?>
@@ -17273,18 +17382,18 @@
 </file>
 
 <file path=customXml/itemProps1.xml><?xml version="1.0" encoding="utf-8"?>
-<ds:datastoreItem xmlns:ds="http://schemas.openxmlformats.org/officeDocument/2006/customXml" ds:itemID="{A345D2DA-A096-4BBF-9135-8FD4BD4C8C20}">
+<ds:datastoreItem xmlns:ds="http://schemas.openxmlformats.org/officeDocument/2006/customXml" ds:itemID="{C35D743B-B188-4C38-B82D-7FD8B3A77642}">
   <ds:schemaRefs>
-    <ds:schemaRef ds:uri="http://schemas.microsoft.com/sharepoint/v3/contenttype/forms"/>
+    <ds:schemaRef ds:uri="http://schemas.microsoft.com/office/2006/metadata/properties"/>
+    <ds:schemaRef ds:uri="http://schemas.microsoft.com/office/infopath/2007/PartnerControls"/>
   </ds:schemaRefs>
 </ds:datastoreItem>
 </file>
 
 <file path=customXml/itemProps2.xml><?xml version="1.0" encoding="utf-8"?>
-<ds:datastoreItem xmlns:ds="http://schemas.openxmlformats.org/officeDocument/2006/customXml" ds:itemID="{C35D743B-B188-4C38-B82D-7FD8B3A77642}">
+<ds:datastoreItem xmlns:ds="http://schemas.openxmlformats.org/officeDocument/2006/customXml" ds:itemID="{A345D2DA-A096-4BBF-9135-8FD4BD4C8C20}">
   <ds:schemaRefs>
-    <ds:schemaRef ds:uri="http://schemas.microsoft.com/office/2006/metadata/properties"/>
-    <ds:schemaRef ds:uri="http://schemas.microsoft.com/office/infopath/2007/PartnerControls"/>
+    <ds:schemaRef ds:uri="http://schemas.microsoft.com/sharepoint/v3/contenttype/forms"/>
   </ds:schemaRefs>
 </ds:datastoreItem>
 </file>

--- a/Git_1 part.pptx
+++ b/Git_1 part.pptx
@@ -366,7 +366,7 @@
           <a:p>
             <a:fld id="{BA11B3C1-C822-4B57-87C0-490649D8D6D7}" type="slidenum">
               <a:rPr lang="ru-RU" smtClean="0"/>
-              <a:t>‹#›</a:t>
+              <a:t>‹№›</a:t>
             </a:fld>
             <a:endParaRPr lang="ru-RU"/>
           </a:p>
@@ -2277,7 +2277,7 @@
           <a:p>
             <a:fld id="{C83854A3-6714-4526-AEDE-747CDFA70004}" type="slidenum">
               <a:rPr lang="ru-RU" smtClean="0"/>
-              <a:t>‹#›</a:t>
+              <a:t>‹№›</a:t>
             </a:fld>
             <a:endParaRPr lang="ru-RU"/>
           </a:p>
@@ -2869,7 +2869,7 @@
           <a:p>
             <a:fld id="{6D22F896-40B5-4ADD-8801-0D06FADFA095}" type="slidenum">
               <a:rPr lang="en-US" smtClean="0"/>
-              <a:t>‹#›</a:t>
+              <a:t>‹№›</a:t>
             </a:fld>
             <a:endParaRPr lang="en-US"/>
           </a:p>
@@ -3039,7 +3039,7 @@
           <a:p>
             <a:fld id="{6D22F896-40B5-4ADD-8801-0D06FADFA095}" type="slidenum">
               <a:rPr lang="en-US" smtClean="0"/>
-              <a:t>‹#›</a:t>
+              <a:t>‹№›</a:t>
             </a:fld>
             <a:endParaRPr lang="en-US"/>
           </a:p>
@@ -3219,7 +3219,7 @@
           <a:p>
             <a:fld id="{6D22F896-40B5-4ADD-8801-0D06FADFA095}" type="slidenum">
               <a:rPr lang="en-US" smtClean="0"/>
-              <a:t>‹#›</a:t>
+              <a:t>‹№›</a:t>
             </a:fld>
             <a:endParaRPr lang="en-US"/>
           </a:p>
@@ -3389,7 +3389,7 @@
           <a:p>
             <a:fld id="{6D22F896-40B5-4ADD-8801-0D06FADFA095}" type="slidenum">
               <a:rPr lang="en-US" smtClean="0"/>
-              <a:t>‹#›</a:t>
+              <a:t>‹№›</a:t>
             </a:fld>
             <a:endParaRPr lang="en-US"/>
           </a:p>
@@ -3635,7 +3635,7 @@
           <a:p>
             <a:fld id="{6D22F896-40B5-4ADD-8801-0D06FADFA095}" type="slidenum">
               <a:rPr lang="en-US" smtClean="0"/>
-              <a:t>‹#›</a:t>
+              <a:t>‹№›</a:t>
             </a:fld>
             <a:endParaRPr lang="en-US"/>
           </a:p>
@@ -3867,7 +3867,7 @@
           <a:p>
             <a:fld id="{6D22F896-40B5-4ADD-8801-0D06FADFA095}" type="slidenum">
               <a:rPr lang="en-US" smtClean="0"/>
-              <a:t>‹#›</a:t>
+              <a:t>‹№›</a:t>
             </a:fld>
             <a:endParaRPr lang="en-US"/>
           </a:p>
@@ -4234,7 +4234,7 @@
           <a:p>
             <a:fld id="{6D22F896-40B5-4ADD-8801-0D06FADFA095}" type="slidenum">
               <a:rPr lang="en-US" smtClean="0"/>
-              <a:t>‹#›</a:t>
+              <a:t>‹№›</a:t>
             </a:fld>
             <a:endParaRPr lang="en-US"/>
           </a:p>
@@ -4352,7 +4352,7 @@
           <a:p>
             <a:fld id="{6D22F896-40B5-4ADD-8801-0D06FADFA095}" type="slidenum">
               <a:rPr lang="en-US" smtClean="0"/>
-              <a:t>‹#›</a:t>
+              <a:t>‹№›</a:t>
             </a:fld>
             <a:endParaRPr lang="en-US"/>
           </a:p>
@@ -4447,7 +4447,7 @@
           <a:p>
             <a:fld id="{6D22F896-40B5-4ADD-8801-0D06FADFA095}" type="slidenum">
               <a:rPr lang="en-US" smtClean="0"/>
-              <a:t>‹#›</a:t>
+              <a:t>‹№›</a:t>
             </a:fld>
             <a:endParaRPr lang="en-US"/>
           </a:p>
@@ -4724,7 +4724,7 @@
           <a:p>
             <a:fld id="{6D22F896-40B5-4ADD-8801-0D06FADFA095}" type="slidenum">
               <a:rPr lang="en-US" smtClean="0"/>
-              <a:t>‹#›</a:t>
+              <a:t>‹№›</a:t>
             </a:fld>
             <a:endParaRPr lang="en-US"/>
           </a:p>
@@ -4981,7 +4981,7 @@
           <a:p>
             <a:fld id="{6D22F896-40B5-4ADD-8801-0D06FADFA095}" type="slidenum">
               <a:rPr lang="en-US" smtClean="0"/>
-              <a:t>‹#›</a:t>
+              <a:t>‹№›</a:t>
             </a:fld>
             <a:endParaRPr lang="en-US"/>
           </a:p>
@@ -5261,7 +5261,7 @@
             <a:fld id="{6D22F896-40B5-4ADD-8801-0D06FADFA095}" type="slidenum">
               <a:rPr lang="en-US" smtClean="0"/>
               <a:pPr/>
-              <a:t>‹#›</a:t>
+              <a:t>‹№›</a:t>
             </a:fld>
             <a:endParaRPr lang="en-US"/>
           </a:p>
@@ -5650,48 +5650,13 @@
               </a:rPr>
             </a:br>
             <a:br>
-              <a:rPr lang="uk-UA" b="1" dirty="0">
+              <a:rPr lang="uk-UA" b="1">
                 <a:solidFill>
                   <a:srgbClr val="0070C0"/>
                 </a:solidFill>
                 <a:latin typeface="SchoolBookCTT" pitchFamily="2" charset="0"/>
               </a:rPr>
             </a:br>
-            <a:r>
-              <a:rPr lang="en-US" sz="3200" b="1" dirty="0" err="1">
-                <a:solidFill>
-                  <a:srgbClr val="413D3D"/>
-                </a:solidFill>
-                <a:latin typeface="SchoolBookCTT" pitchFamily="2" charset="0"/>
-              </a:rPr>
-              <a:t>DemidCompanyNiga</a:t>
-            </a:r>
-            <a:br>
-              <a:rPr lang="ru-RU" sz="3200" b="1" dirty="0">
-                <a:solidFill>
-                  <a:srgbClr val="413D3D"/>
-                </a:solidFill>
-                <a:latin typeface="SchoolBookCTT" pitchFamily="2" charset="0"/>
-              </a:rPr>
-            </a:br>
-            <a:r>
-              <a:rPr lang="en-GB" sz="3200" b="1" dirty="0" err="1">
-                <a:solidFill>
-                  <a:srgbClr val="413D3D"/>
-                </a:solidFill>
-                <a:latin typeface="SchoolBookCTT" pitchFamily="2" charset="0"/>
-              </a:rPr>
-              <a:t>DemidsNiggersBlack</a:t>
-            </a:r>
-            <a:r>
-              <a:rPr lang="en-GB" sz="3200" b="1">
-                <a:solidFill>
-                  <a:srgbClr val="413D3D"/>
-                </a:solidFill>
-                <a:latin typeface="SchoolBookCTT" pitchFamily="2" charset="0"/>
-              </a:rPr>
-              <a:t> present</a:t>
-            </a:r>
             <a:br>
               <a:rPr lang="uk-UA" sz="3100" b="1" dirty="0">
                 <a:latin typeface="SchoolBookCTT" pitchFamily="2" charset="0"/>
@@ -17114,18 +17079,18 @@
 </file>
 
 <file path=customXml/item1.xml><?xml version="1.0" encoding="utf-8"?>
+<p:properties xmlns:p="http://schemas.microsoft.com/office/2006/metadata/properties" xmlns:xsi="http://www.w3.org/2001/XMLSchema-instance" xmlns:pc="http://schemas.microsoft.com/office/infopath/2007/PartnerControls">
+  <documentManagement/>
+</p:properties>
+</file>
+
+<file path=customXml/item2.xml><?xml version="1.0" encoding="utf-8"?>
 <?mso-contentType ?>
 <FormTemplates xmlns="http://schemas.microsoft.com/sharepoint/v3/contenttype/forms">
   <Display>DocumentLibraryForm</Display>
   <Edit>DocumentLibraryForm</Edit>
   <New>DocumentLibraryForm</New>
 </FormTemplates>
-</file>
-
-<file path=customXml/item2.xml><?xml version="1.0" encoding="utf-8"?>
-<p:properties xmlns:p="http://schemas.microsoft.com/office/2006/metadata/properties" xmlns:xsi="http://www.w3.org/2001/XMLSchema-instance" xmlns:pc="http://schemas.microsoft.com/office/infopath/2007/PartnerControls">
-  <documentManagement/>
-</p:properties>
 </file>
 
 <file path=customXml/item3.xml><?xml version="1.0" encoding="utf-8"?>
@@ -17273,18 +17238,18 @@
 </file>
 
 <file path=customXml/itemProps1.xml><?xml version="1.0" encoding="utf-8"?>
-<ds:datastoreItem xmlns:ds="http://schemas.openxmlformats.org/officeDocument/2006/customXml" ds:itemID="{A345D2DA-A096-4BBF-9135-8FD4BD4C8C20}">
+<ds:datastoreItem xmlns:ds="http://schemas.openxmlformats.org/officeDocument/2006/customXml" ds:itemID="{C35D743B-B188-4C38-B82D-7FD8B3A77642}">
   <ds:schemaRefs>
-    <ds:schemaRef ds:uri="http://schemas.microsoft.com/sharepoint/v3/contenttype/forms"/>
+    <ds:schemaRef ds:uri="http://schemas.microsoft.com/office/2006/metadata/properties"/>
+    <ds:schemaRef ds:uri="http://schemas.microsoft.com/office/infopath/2007/PartnerControls"/>
   </ds:schemaRefs>
 </ds:datastoreItem>
 </file>
 
 <file path=customXml/itemProps2.xml><?xml version="1.0" encoding="utf-8"?>
-<ds:datastoreItem xmlns:ds="http://schemas.openxmlformats.org/officeDocument/2006/customXml" ds:itemID="{C35D743B-B188-4C38-B82D-7FD8B3A77642}">
+<ds:datastoreItem xmlns:ds="http://schemas.openxmlformats.org/officeDocument/2006/customXml" ds:itemID="{A345D2DA-A096-4BBF-9135-8FD4BD4C8C20}">
   <ds:schemaRefs>
-    <ds:schemaRef ds:uri="http://schemas.microsoft.com/office/2006/metadata/properties"/>
-    <ds:schemaRef ds:uri="http://schemas.microsoft.com/office/infopath/2007/PartnerControls"/>
+    <ds:schemaRef ds:uri="http://schemas.microsoft.com/sharepoint/v3/contenttype/forms"/>
   </ds:schemaRefs>
 </ds:datastoreItem>
 </file>

--- a/Git_1 part.pptx
+++ b/Git_1 part.pptx
@@ -165,8 +165,8 @@
 <p1510:revInfo xmlns:a="http://schemas.openxmlformats.org/drawingml/2006/main" xmlns:r="http://schemas.openxmlformats.org/officeDocument/2006/relationships" xmlns:p1510="http://schemas.microsoft.com/office/powerpoint/2015/10/main">
   <p1510:revLst>
     <p1510:client id="{4A3F3CD4-87AB-4CDB-98DA-5A2ADC992FE5}" v="1" dt="2022-10-03T11:17:20.651"/>
+    <p1510:client id="{9B9D4C16-5A73-44FC-B81C-E033F386BE81}" v="3" dt="2022-09-29T11:01:00.115"/>
     <p1510:client id="{7243DB7B-6519-4113-9313-0D5BD1DD6196}" v="1" dt="2022-10-06T06:08:40.457"/>
-    <p1510:client id="{9B9D4C16-5A73-44FC-B81C-E033F386BE81}" v="3" dt="2022-09-29T11:01:00.115"/>
     <p1510:client id="{A1854464-AA8C-4528-8FEA-3C375E66B42A}" v="7" dt="2022-10-06T09:52:16.683"/>
   </p1510:revLst>
 </p1510:revInfo>
@@ -5650,55 +5650,10 @@
               </a:rPr>
             </a:br>
             <a:br>
-              <a:rPr lang="uk-UA" b="1" dirty="0">
+              <a:rPr lang="uk-UA" b="1">
                 <a:solidFill>
                   <a:srgbClr val="0070C0"/>
                 </a:solidFill>
-                <a:latin typeface="SchoolBookCTT" pitchFamily="2" charset="0"/>
-              </a:rPr>
-            </a:br>
-            <a:r>
-              <a:rPr lang="en-US" sz="3200" b="1" dirty="0" err="1">
-                <a:solidFill>
-                  <a:srgbClr val="413D3D"/>
-                </a:solidFill>
-                <a:latin typeface="SchoolBookCTT" pitchFamily="2" charset="0"/>
-              </a:rPr>
-              <a:t>DemidCompanyNiga</a:t>
-            </a:r>
-            <a:br>
-              <a:rPr lang="ru-RU" sz="3200" b="1" dirty="0">
-                <a:solidFill>
-                  <a:srgbClr val="413D3D"/>
-                </a:solidFill>
-                <a:latin typeface="SchoolBookCTT" pitchFamily="2" charset="0"/>
-              </a:rPr>
-            </a:br>
-            <a:r>
-              <a:rPr lang="en-GB" sz="3200" b="1" dirty="0" err="1">
-                <a:solidFill>
-                  <a:srgbClr val="413D3D"/>
-                </a:solidFill>
-                <a:latin typeface="SchoolBookCTT" pitchFamily="2" charset="0"/>
-              </a:rPr>
-              <a:t>DemidsNiggersBlack</a:t>
-            </a:r>
-            <a:r>
-              <a:rPr lang="en-GB" sz="3200" b="1">
-                <a:solidFill>
-                  <a:srgbClr val="413D3D"/>
-                </a:solidFill>
-                <a:latin typeface="SchoolBookCTT" pitchFamily="2" charset="0"/>
-              </a:rPr>
-              <a:t> present</a:t>
-            </a:r>
-            <a:br>
-              <a:rPr lang="uk-UA" sz="3100" b="1" dirty="0">
-                <a:latin typeface="SchoolBookCTT" pitchFamily="2" charset="0"/>
-              </a:rPr>
-            </a:br>
-            <a:br>
-              <a:rPr lang="uk-UA" sz="3100" b="1" dirty="0">
                 <a:latin typeface="SchoolBookCTT" pitchFamily="2" charset="0"/>
               </a:rPr>
             </a:br>
@@ -8727,7 +8682,7 @@
         </p:spPr>
         <p:txBody>
           <a:bodyPr>
-            <a:normAutofit fontScale="90000"/>
+            <a:normAutofit/>
           </a:bodyPr>
           <a:lstStyle/>
           <a:p>
@@ -9597,7 +9552,7 @@
         </p:nvSpPr>
         <p:spPr>
           <a:xfrm>
-            <a:off x="1171853" y="454089"/>
+            <a:off x="1482571" y="2320290"/>
             <a:ext cx="9590468" cy="4537710"/>
           </a:xfrm>
         </p:spPr>
@@ -9608,56 +9563,381 @@
           <a:lstStyle/>
           <a:p>
             <a:br>
-              <a:rPr lang="uk-UA" b="1">
+              <a:rPr lang="uk-UA" sz="2000" b="1" dirty="0">
                 <a:latin typeface="SchoolBookCTT" pitchFamily="2" charset="0"/>
               </a:rPr>
             </a:br>
             <a:br>
-              <a:rPr lang="uk-UA" sz="3600" b="1">
+              <a:rPr lang="uk-UA" sz="1100" b="1" dirty="0">
                 <a:latin typeface="SchoolBookCTT" pitchFamily="2" charset="0"/>
               </a:rPr>
             </a:br>
             <a:br>
-              <a:rPr lang="uk-UA" b="1">
+              <a:rPr lang="uk-UA" sz="2000" b="1" dirty="0">
                 <a:latin typeface="SchoolBookCTT" pitchFamily="2" charset="0"/>
               </a:rPr>
             </a:br>
-            <a:r>
-              <a:rPr lang="en-US" sz="10700" b="1">
+            <a:br>
+              <a:rPr lang="uk-UA" sz="2000" b="1" dirty="0">
+                <a:latin typeface="SchoolBookCTT" pitchFamily="2" charset="0"/>
+              </a:rPr>
+            </a:br>
+            <a:br>
+              <a:rPr lang="uk-UA" sz="2000" b="1" dirty="0">
+                <a:latin typeface="SchoolBookCTT" pitchFamily="2" charset="0"/>
+              </a:rPr>
+            </a:br>
+            <a:br>
+              <a:rPr lang="uk-UA" sz="2000" b="1" dirty="0">
+                <a:latin typeface="SchoolBookCTT" pitchFamily="2" charset="0"/>
+              </a:rPr>
+            </a:br>
+            <a:br>
+              <a:rPr lang="uk-UA" sz="2000" b="1" dirty="0">
+                <a:latin typeface="SchoolBookCTT" pitchFamily="2" charset="0"/>
+              </a:rPr>
+            </a:br>
+            <a:br>
+              <a:rPr lang="uk-UA" sz="2000" b="1" dirty="0">
+                <a:latin typeface="SchoolBookCTT" pitchFamily="2" charset="0"/>
+              </a:rPr>
+            </a:br>
+            <a:br>
+              <a:rPr lang="uk-UA" sz="2000" b="1" dirty="0">
+                <a:latin typeface="SchoolBookCTT" pitchFamily="2" charset="0"/>
+              </a:rPr>
+            </a:br>
+            <a:br>
+              <a:rPr lang="uk-UA" sz="2000" b="1" dirty="0">
+                <a:latin typeface="SchoolBookCTT" pitchFamily="2" charset="0"/>
+              </a:rPr>
+            </a:br>
+            <a:br>
+              <a:rPr lang="uk-UA" sz="2000" b="1" dirty="0">
+                <a:latin typeface="SchoolBookCTT" pitchFamily="2" charset="0"/>
+              </a:rPr>
+            </a:br>
+            <a:br>
+              <a:rPr lang="uk-UA" sz="1200" b="1" dirty="0">
+                <a:latin typeface="SchoolBookCTT" pitchFamily="2" charset="0"/>
+              </a:rPr>
+            </a:br>
+            <a:br>
+              <a:rPr lang="uk-UA" sz="1200" b="1" dirty="0">
+                <a:latin typeface="SchoolBookCTT" pitchFamily="2" charset="0"/>
+              </a:rPr>
+            </a:br>
+            <a:br>
+              <a:rPr lang="uk-UA" sz="1200" b="1" dirty="0">
+                <a:latin typeface="SchoolBookCTT" pitchFamily="2" charset="0"/>
+              </a:rPr>
+            </a:br>
+            <a:br>
+              <a:rPr lang="uk-UA" sz="1200" b="1" dirty="0">
+                <a:latin typeface="SchoolBookCTT" pitchFamily="2" charset="0"/>
+              </a:rPr>
+            </a:br>
+            <a:br>
+              <a:rPr lang="uk-UA" sz="1200" b="1" dirty="0">
+                <a:latin typeface="SchoolBookCTT" pitchFamily="2" charset="0"/>
+              </a:rPr>
+            </a:br>
+            <a:r>
+              <a:rPr lang="en-US" sz="3100" b="1" dirty="0">
+                <a:solidFill>
+                  <a:srgbClr val="00B0F0"/>
+                </a:solidFill>
+                <a:latin typeface="SchoolBookCTT" pitchFamily="2" charset="0"/>
+              </a:rPr>
+              <a:t>Team members </a:t>
+            </a:r>
+            <a:br>
+              <a:rPr lang="uk-UA" sz="1200" b="1" dirty="0">
+                <a:latin typeface="SchoolBookCTT" pitchFamily="2" charset="0"/>
+              </a:rPr>
+            </a:br>
+            <a:br>
+              <a:rPr lang="uk-UA" sz="1200" b="1" dirty="0">
+                <a:latin typeface="SchoolBookCTT" pitchFamily="2" charset="0"/>
+              </a:rPr>
+            </a:br>
+            <a:r>
+              <a:rPr lang="uk-UA" sz="2200" b="1" dirty="0">
+                <a:solidFill>
+                  <a:srgbClr val="FFFF00"/>
+                </a:solidFill>
+                <a:effectLst>
+                  <a:outerShdw blurRad="38100" dist="38100" dir="2700000" algn="tl">
+                    <a:srgbClr val="000000">
+                      <a:alpha val="43137"/>
+                    </a:srgbClr>
+                  </a:outerShdw>
+                </a:effectLst>
+              </a:rPr>
+              <a:t>Клименко Артем </a:t>
+            </a:r>
+            <a:r>
+              <a:rPr lang="en-US" sz="2200" b="1" dirty="0">
+                <a:solidFill>
+                  <a:srgbClr val="FFFF00"/>
+                </a:solidFill>
+                <a:effectLst>
+                  <a:outerShdw blurRad="38100" dist="38100" dir="2700000" algn="tl">
+                    <a:srgbClr val="000000">
+                      <a:alpha val="43137"/>
+                    </a:srgbClr>
+                  </a:outerShdw>
+                </a:effectLst>
+              </a:rPr>
+              <a:t>(PM)</a:t>
+            </a:r>
+            <a:br>
+              <a:rPr lang="en-US" sz="2200" b="1" dirty="0">
+                <a:solidFill>
+                  <a:srgbClr val="FFFF00"/>
+                </a:solidFill>
+                <a:effectLst>
+                  <a:outerShdw blurRad="38100" dist="38100" dir="2700000" algn="tl">
+                    <a:srgbClr val="000000">
+                      <a:alpha val="43137"/>
+                    </a:srgbClr>
+                  </a:outerShdw>
+                </a:effectLst>
+              </a:rPr>
+            </a:br>
+            <a:r>
+              <a:rPr lang="uk-UA" sz="2200" b="1" dirty="0">
+                <a:solidFill>
+                  <a:srgbClr val="FFFF00"/>
+                </a:solidFill>
+                <a:effectLst>
+                  <a:outerShdw blurRad="38100" dist="38100" dir="2700000" algn="tl">
+                    <a:srgbClr val="000000">
+                      <a:alpha val="43137"/>
+                    </a:srgbClr>
+                  </a:outerShdw>
+                </a:effectLst>
+              </a:rPr>
+              <a:t>Полібін-Щербак Демид Артемович(</a:t>
+            </a:r>
+            <a:r>
+              <a:rPr lang="en-US" sz="2200" b="1" dirty="0">
+                <a:solidFill>
+                  <a:srgbClr val="FFFF00"/>
+                </a:solidFill>
+                <a:effectLst>
+                  <a:outerShdw blurRad="38100" dist="38100" dir="2700000" algn="tl">
+                    <a:srgbClr val="000000">
+                      <a:alpha val="43137"/>
+                    </a:srgbClr>
+                  </a:outerShdw>
+                </a:effectLst>
+              </a:rPr>
+              <a:t>PM)</a:t>
+            </a:r>
+            <a:br>
+              <a:rPr lang="en-US" sz="2200" b="1" dirty="0">
+                <a:solidFill>
+                  <a:srgbClr val="FFFF00"/>
+                </a:solidFill>
+                <a:effectLst>
+                  <a:outerShdw blurRad="38100" dist="38100" dir="2700000" algn="tl">
+                    <a:srgbClr val="000000">
+                      <a:alpha val="43137"/>
+                    </a:srgbClr>
+                  </a:outerShdw>
+                </a:effectLst>
+              </a:rPr>
+            </a:br>
+            <a:r>
+              <a:rPr lang="uk-UA" sz="2200" b="1" dirty="0">
+                <a:solidFill>
+                  <a:srgbClr val="FFFF00"/>
+                </a:solidFill>
+                <a:effectLst>
+                  <a:outerShdw blurRad="38100" dist="38100" dir="2700000" algn="tl">
+                    <a:srgbClr val="000000">
+                      <a:alpha val="43137"/>
+                    </a:srgbClr>
+                  </a:outerShdw>
+                </a:effectLst>
+              </a:rPr>
+              <a:t>Бабенко Станіслав Олексійович</a:t>
+            </a:r>
+            <a:r>
+              <a:rPr lang="en-US" sz="2200" b="1" dirty="0">
+                <a:solidFill>
+                  <a:srgbClr val="FFFF00"/>
+                </a:solidFill>
+                <a:effectLst>
+                  <a:outerShdw blurRad="38100" dist="38100" dir="2700000" algn="tl">
+                    <a:srgbClr val="000000">
+                      <a:alpha val="43137"/>
+                    </a:srgbClr>
+                  </a:outerShdw>
+                </a:effectLst>
+              </a:rPr>
+              <a:t>(Editor)</a:t>
+            </a:r>
+            <a:br>
+              <a:rPr lang="uk-UA" sz="2200" b="1" dirty="0">
+                <a:solidFill>
+                  <a:srgbClr val="FFFF00"/>
+                </a:solidFill>
+                <a:effectLst>
+                  <a:outerShdw blurRad="38100" dist="38100" dir="2700000" algn="tl">
+                    <a:srgbClr val="000000">
+                      <a:alpha val="43137"/>
+                    </a:srgbClr>
+                  </a:outerShdw>
+                </a:effectLst>
+              </a:rPr>
+            </a:br>
+            <a:r>
+              <a:rPr lang="uk-UA" sz="2200" b="1" dirty="0">
+                <a:solidFill>
+                  <a:srgbClr val="FFFF00"/>
+                </a:solidFill>
+                <a:effectLst>
+                  <a:outerShdw blurRad="38100" dist="38100" dir="2700000" algn="tl">
+                    <a:srgbClr val="000000">
+                      <a:alpha val="43137"/>
+                    </a:srgbClr>
+                  </a:outerShdw>
+                </a:effectLst>
+              </a:rPr>
+              <a:t>Сердюк Костя Олегович</a:t>
+            </a:r>
+            <a:r>
+              <a:rPr lang="en-US" sz="2200" b="1" dirty="0">
+                <a:solidFill>
+                  <a:srgbClr val="FFFF00"/>
+                </a:solidFill>
+                <a:effectLst>
+                  <a:outerShdw blurRad="38100" dist="38100" dir="2700000" algn="tl">
+                    <a:srgbClr val="000000">
+                      <a:alpha val="43137"/>
+                    </a:srgbClr>
+                  </a:outerShdw>
+                </a:effectLst>
+              </a:rPr>
+              <a:t>(Editor)</a:t>
+            </a:r>
+            <a:br>
+              <a:rPr lang="uk-UA" sz="2200" b="1" dirty="0">
+                <a:solidFill>
+                  <a:srgbClr val="FFFF00"/>
+                </a:solidFill>
+                <a:effectLst>
+                  <a:outerShdw blurRad="38100" dist="38100" dir="2700000" algn="tl">
+                    <a:srgbClr val="000000">
+                      <a:alpha val="43137"/>
+                    </a:srgbClr>
+                  </a:outerShdw>
+                </a:effectLst>
+              </a:rPr>
+            </a:br>
+            <a:r>
+              <a:rPr lang="uk-UA" sz="2200" b="1" dirty="0">
+                <a:solidFill>
+                  <a:srgbClr val="FFFF00"/>
+                </a:solidFill>
+                <a:effectLst>
+                  <a:outerShdw blurRad="38100" dist="38100" dir="2700000" algn="tl">
+                    <a:srgbClr val="000000">
+                      <a:alpha val="43137"/>
+                    </a:srgbClr>
+                  </a:outerShdw>
+                </a:effectLst>
+              </a:rPr>
+              <a:t>Шейко Ростислав Олександрович</a:t>
+            </a:r>
+            <a:r>
+              <a:rPr lang="en-US" sz="2200" b="1" dirty="0">
+                <a:solidFill>
+                  <a:srgbClr val="FFFF00"/>
+                </a:solidFill>
+                <a:effectLst>
+                  <a:outerShdw blurRad="38100" dist="38100" dir="2700000" algn="tl">
+                    <a:srgbClr val="000000">
+                      <a:alpha val="43137"/>
+                    </a:srgbClr>
+                  </a:outerShdw>
+                </a:effectLst>
+              </a:rPr>
+              <a:t>(Editor)</a:t>
+            </a:r>
+            <a:br>
+              <a:rPr lang="uk-UA" sz="2200" b="1" dirty="0">
+                <a:solidFill>
+                  <a:srgbClr val="FFFF00"/>
+                </a:solidFill>
+                <a:effectLst>
+                  <a:outerShdw blurRad="38100" dist="38100" dir="2700000" algn="tl">
+                    <a:srgbClr val="000000">
+                      <a:alpha val="43137"/>
+                    </a:srgbClr>
+                  </a:outerShdw>
+                </a:effectLst>
+              </a:rPr>
+            </a:br>
+            <a:r>
+              <a:rPr lang="uk-UA" sz="2200" b="1" dirty="0">
+                <a:solidFill>
+                  <a:srgbClr val="FFFF00"/>
+                </a:solidFill>
+                <a:effectLst>
+                  <a:outerShdw blurRad="38100" dist="38100" dir="2700000" algn="tl">
+                    <a:srgbClr val="000000">
+                      <a:alpha val="43137"/>
+                    </a:srgbClr>
+                  </a:outerShdw>
+                </a:effectLst>
+              </a:rPr>
+              <a:t>Фоменко Валентин Олександрович</a:t>
+            </a:r>
+            <a:r>
+              <a:rPr lang="en-US" sz="2200" b="1" dirty="0">
+                <a:solidFill>
+                  <a:srgbClr val="FFFF00"/>
+                </a:solidFill>
+                <a:effectLst>
+                  <a:outerShdw blurRad="38100" dist="38100" dir="2700000" algn="tl">
+                    <a:srgbClr val="000000">
+                      <a:alpha val="43137"/>
+                    </a:srgbClr>
+                  </a:outerShdw>
+                </a:effectLst>
+              </a:rPr>
+              <a:t>(Editor</a:t>
+            </a:r>
+            <a:br>
+              <a:rPr lang="uk-UA" sz="1200" b="1" dirty="0">
                 <a:solidFill>
                   <a:srgbClr val="0070C0"/>
                 </a:solidFill>
                 <a:latin typeface="SchoolBookCTT" pitchFamily="2" charset="0"/>
               </a:rPr>
-              <a:t>Git</a:t>
-            </a:r>
-            <a:br>
-              <a:rPr lang="uk-UA" b="1">
-                <a:solidFill>
-                  <a:srgbClr val="0070C0"/>
-                </a:solidFill>
-                <a:latin typeface="SchoolBookCTT" pitchFamily="2" charset="0"/>
-              </a:rPr>
             </a:br>
             <a:br>
-              <a:rPr lang="uk-UA" sz="3100" b="1">
+              <a:rPr lang="uk-UA" sz="1000" b="1" dirty="0">
                 <a:latin typeface="SchoolBookCTT" pitchFamily="2" charset="0"/>
               </a:rPr>
             </a:br>
             <a:br>
-              <a:rPr lang="uk-UA" sz="3100" b="1">
+              <a:rPr lang="uk-UA" sz="3100" b="1" dirty="0">
                 <a:latin typeface="SchoolBookCTT" pitchFamily="2" charset="0"/>
               </a:rPr>
             </a:br>
             <a:br>
-              <a:rPr lang="uk-UA" sz="2400" b="1">
+              <a:rPr lang="uk-UA" sz="2400" b="1" dirty="0">
                 <a:solidFill>
                   <a:srgbClr val="FF0000"/>
                 </a:solidFill>
                 <a:latin typeface="SchoolBookCTT" pitchFamily="2" charset="0"/>
               </a:rPr>
             </a:br>
-            <a:endParaRPr lang="uk-UA" sz="2400" b="1">
+            <a:endParaRPr lang="uk-UA" sz="2400" b="1" dirty="0">
               <a:latin typeface="SchoolBookCTT" pitchFamily="2" charset="0"/>
             </a:endParaRPr>
           </a:p>
@@ -14835,7 +15115,7 @@
         </p:spPr>
         <p:txBody>
           <a:bodyPr>
-            <a:normAutofit fontScale="90000"/>
+            <a:normAutofit/>
           </a:bodyPr>
           <a:lstStyle/>
           <a:p>
@@ -17114,18 +17394,18 @@
 </file>
 
 <file path=customXml/item1.xml><?xml version="1.0" encoding="utf-8"?>
+<p:properties xmlns:p="http://schemas.microsoft.com/office/2006/metadata/properties" xmlns:xsi="http://www.w3.org/2001/XMLSchema-instance" xmlns:pc="http://schemas.microsoft.com/office/infopath/2007/PartnerControls">
+  <documentManagement/>
+</p:properties>
+</file>
+
+<file path=customXml/item2.xml><?xml version="1.0" encoding="utf-8"?>
 <?mso-contentType ?>
 <FormTemplates xmlns="http://schemas.microsoft.com/sharepoint/v3/contenttype/forms">
   <Display>DocumentLibraryForm</Display>
   <Edit>DocumentLibraryForm</Edit>
   <New>DocumentLibraryForm</New>
 </FormTemplates>
-</file>
-
-<file path=customXml/item2.xml><?xml version="1.0" encoding="utf-8"?>
-<p:properties xmlns:p="http://schemas.microsoft.com/office/2006/metadata/properties" xmlns:xsi="http://www.w3.org/2001/XMLSchema-instance" xmlns:pc="http://schemas.microsoft.com/office/infopath/2007/PartnerControls">
-  <documentManagement/>
-</p:properties>
 </file>
 
 <file path=customXml/item3.xml><?xml version="1.0" encoding="utf-8"?>
@@ -17273,18 +17553,18 @@
 </file>
 
 <file path=customXml/itemProps1.xml><?xml version="1.0" encoding="utf-8"?>
-<ds:datastoreItem xmlns:ds="http://schemas.openxmlformats.org/officeDocument/2006/customXml" ds:itemID="{A345D2DA-A096-4BBF-9135-8FD4BD4C8C20}">
+<ds:datastoreItem xmlns:ds="http://schemas.openxmlformats.org/officeDocument/2006/customXml" ds:itemID="{C35D743B-B188-4C38-B82D-7FD8B3A77642}">
   <ds:schemaRefs>
-    <ds:schemaRef ds:uri="http://schemas.microsoft.com/sharepoint/v3/contenttype/forms"/>
+    <ds:schemaRef ds:uri="http://schemas.microsoft.com/office/2006/metadata/properties"/>
+    <ds:schemaRef ds:uri="http://schemas.microsoft.com/office/infopath/2007/PartnerControls"/>
   </ds:schemaRefs>
 </ds:datastoreItem>
 </file>
 
 <file path=customXml/itemProps2.xml><?xml version="1.0" encoding="utf-8"?>
-<ds:datastoreItem xmlns:ds="http://schemas.openxmlformats.org/officeDocument/2006/customXml" ds:itemID="{C35D743B-B188-4C38-B82D-7FD8B3A77642}">
+<ds:datastoreItem xmlns:ds="http://schemas.openxmlformats.org/officeDocument/2006/customXml" ds:itemID="{A345D2DA-A096-4BBF-9135-8FD4BD4C8C20}">
   <ds:schemaRefs>
-    <ds:schemaRef ds:uri="http://schemas.microsoft.com/office/2006/metadata/properties"/>
-    <ds:schemaRef ds:uri="http://schemas.microsoft.com/office/infopath/2007/PartnerControls"/>
+    <ds:schemaRef ds:uri="http://schemas.microsoft.com/sharepoint/v3/contenttype/forms"/>
   </ds:schemaRefs>
 </ds:datastoreItem>
 </file>

--- a/Git_1 part.pptx
+++ b/Git_1 part.pptx
@@ -5617,16 +5617,34 @@
           </a:bodyPr>
           <a:lstStyle/>
           <a:p>
+            <a:r>
+              <a:rPr lang="uk-UA" b="1" dirty="0">
+                <a:latin typeface="SchoolBookCTT" pitchFamily="2" charset="0"/>
+              </a:rPr>
+              <a:t/>
+            </a:r>
             <a:br>
               <a:rPr lang="uk-UA" b="1" dirty="0">
                 <a:latin typeface="SchoolBookCTT" pitchFamily="2" charset="0"/>
               </a:rPr>
             </a:br>
+            <a:r>
+              <a:rPr lang="uk-UA" sz="3600" b="1" dirty="0">
+                <a:latin typeface="SchoolBookCTT" pitchFamily="2" charset="0"/>
+              </a:rPr>
+              <a:t/>
+            </a:r>
             <a:br>
               <a:rPr lang="uk-UA" sz="3600" b="1" dirty="0">
                 <a:latin typeface="SchoolBookCTT" pitchFamily="2" charset="0"/>
               </a:rPr>
             </a:br>
+            <a:r>
+              <a:rPr lang="uk-UA" b="1" dirty="0">
+                <a:latin typeface="SchoolBookCTT" pitchFamily="2" charset="0"/>
+              </a:rPr>
+              <a:t/>
+            </a:r>
             <a:br>
               <a:rPr lang="uk-UA" b="1" dirty="0">
                 <a:latin typeface="SchoolBookCTT" pitchFamily="2" charset="0"/>
@@ -5649,6 +5667,15 @@
                 <a:latin typeface="SchoolBookCTT" pitchFamily="2" charset="0"/>
               </a:rPr>
             </a:br>
+            <a:r>
+              <a:rPr lang="uk-UA" b="1">
+                <a:solidFill>
+                  <a:srgbClr val="0070C0"/>
+                </a:solidFill>
+                <a:latin typeface="SchoolBookCTT" pitchFamily="2" charset="0"/>
+              </a:rPr>
+              <a:t/>
+            </a:r>
             <a:br>
               <a:rPr lang="uk-UA" b="1">
                 <a:solidFill>
@@ -5657,6 +5684,15 @@
                 <a:latin typeface="SchoolBookCTT" pitchFamily="2" charset="0"/>
               </a:rPr>
             </a:br>
+            <a:r>
+              <a:rPr lang="uk-UA" sz="2400" b="1" dirty="0">
+                <a:solidFill>
+                  <a:srgbClr val="FF0000"/>
+                </a:solidFill>
+                <a:latin typeface="SchoolBookCTT" pitchFamily="2" charset="0"/>
+              </a:rPr>
+              <a:t/>
+            </a:r>
             <a:br>
               <a:rPr lang="uk-UA" sz="2400" b="1" dirty="0">
                 <a:solidFill>
@@ -8682,7 +8718,7 @@
         </p:spPr>
         <p:txBody>
           <a:bodyPr>
-            <a:normAutofit/>
+            <a:normAutofit fontScale="90000"/>
           </a:bodyPr>
           <a:lstStyle/>
           <a:p>
@@ -9562,81 +9598,177 @@
           </a:bodyPr>
           <a:lstStyle/>
           <a:p>
+            <a:r>
+              <a:rPr lang="uk-UA" sz="2000" b="1" dirty="0">
+                <a:latin typeface="SchoolBookCTT" pitchFamily="2" charset="0"/>
+              </a:rPr>
+              <a:t/>
+            </a:r>
             <a:br>
               <a:rPr lang="uk-UA" sz="2000" b="1" dirty="0">
                 <a:latin typeface="SchoolBookCTT" pitchFamily="2" charset="0"/>
               </a:rPr>
             </a:br>
+            <a:r>
+              <a:rPr lang="uk-UA" sz="1100" b="1" dirty="0">
+                <a:latin typeface="SchoolBookCTT" pitchFamily="2" charset="0"/>
+              </a:rPr>
+              <a:t/>
+            </a:r>
             <a:br>
               <a:rPr lang="uk-UA" sz="1100" b="1" dirty="0">
                 <a:latin typeface="SchoolBookCTT" pitchFamily="2" charset="0"/>
               </a:rPr>
             </a:br>
+            <a:r>
+              <a:rPr lang="uk-UA" sz="2000" b="1" dirty="0">
+                <a:latin typeface="SchoolBookCTT" pitchFamily="2" charset="0"/>
+              </a:rPr>
+              <a:t/>
+            </a:r>
             <a:br>
               <a:rPr lang="uk-UA" sz="2000" b="1" dirty="0">
                 <a:latin typeface="SchoolBookCTT" pitchFamily="2" charset="0"/>
               </a:rPr>
             </a:br>
+            <a:r>
+              <a:rPr lang="uk-UA" sz="2000" b="1" dirty="0">
+                <a:latin typeface="SchoolBookCTT" pitchFamily="2" charset="0"/>
+              </a:rPr>
+              <a:t/>
+            </a:r>
             <a:br>
               <a:rPr lang="uk-UA" sz="2000" b="1" dirty="0">
                 <a:latin typeface="SchoolBookCTT" pitchFamily="2" charset="0"/>
               </a:rPr>
             </a:br>
+            <a:r>
+              <a:rPr lang="uk-UA" sz="2000" b="1" dirty="0">
+                <a:latin typeface="SchoolBookCTT" pitchFamily="2" charset="0"/>
+              </a:rPr>
+              <a:t/>
+            </a:r>
             <a:br>
               <a:rPr lang="uk-UA" sz="2000" b="1" dirty="0">
                 <a:latin typeface="SchoolBookCTT" pitchFamily="2" charset="0"/>
               </a:rPr>
             </a:br>
+            <a:r>
+              <a:rPr lang="uk-UA" sz="2000" b="1" dirty="0">
+                <a:latin typeface="SchoolBookCTT" pitchFamily="2" charset="0"/>
+              </a:rPr>
+              <a:t/>
+            </a:r>
             <a:br>
               <a:rPr lang="uk-UA" sz="2000" b="1" dirty="0">
                 <a:latin typeface="SchoolBookCTT" pitchFamily="2" charset="0"/>
               </a:rPr>
             </a:br>
+            <a:r>
+              <a:rPr lang="uk-UA" sz="2000" b="1" dirty="0">
+                <a:latin typeface="SchoolBookCTT" pitchFamily="2" charset="0"/>
+              </a:rPr>
+              <a:t/>
+            </a:r>
             <a:br>
               <a:rPr lang="uk-UA" sz="2000" b="1" dirty="0">
                 <a:latin typeface="SchoolBookCTT" pitchFamily="2" charset="0"/>
               </a:rPr>
             </a:br>
+            <a:r>
+              <a:rPr lang="uk-UA" sz="2000" b="1" dirty="0">
+                <a:latin typeface="SchoolBookCTT" pitchFamily="2" charset="0"/>
+              </a:rPr>
+              <a:t/>
+            </a:r>
             <a:br>
               <a:rPr lang="uk-UA" sz="2000" b="1" dirty="0">
                 <a:latin typeface="SchoolBookCTT" pitchFamily="2" charset="0"/>
               </a:rPr>
             </a:br>
+            <a:r>
+              <a:rPr lang="uk-UA" sz="2000" b="1" dirty="0">
+                <a:latin typeface="SchoolBookCTT" pitchFamily="2" charset="0"/>
+              </a:rPr>
+              <a:t/>
+            </a:r>
             <a:br>
               <a:rPr lang="uk-UA" sz="2000" b="1" dirty="0">
                 <a:latin typeface="SchoolBookCTT" pitchFamily="2" charset="0"/>
               </a:rPr>
             </a:br>
+            <a:r>
+              <a:rPr lang="uk-UA" sz="2000" b="1" dirty="0">
+                <a:latin typeface="SchoolBookCTT" pitchFamily="2" charset="0"/>
+              </a:rPr>
+              <a:t/>
+            </a:r>
             <a:br>
               <a:rPr lang="uk-UA" sz="2000" b="1" dirty="0">
                 <a:latin typeface="SchoolBookCTT" pitchFamily="2" charset="0"/>
               </a:rPr>
             </a:br>
+            <a:r>
+              <a:rPr lang="uk-UA" sz="2000" b="1" dirty="0">
+                <a:latin typeface="SchoolBookCTT" pitchFamily="2" charset="0"/>
+              </a:rPr>
+              <a:t/>
+            </a:r>
             <a:br>
               <a:rPr lang="uk-UA" sz="2000" b="1" dirty="0">
                 <a:latin typeface="SchoolBookCTT" pitchFamily="2" charset="0"/>
               </a:rPr>
             </a:br>
+            <a:r>
+              <a:rPr lang="uk-UA" sz="1200" b="1" dirty="0">
+                <a:latin typeface="SchoolBookCTT" pitchFamily="2" charset="0"/>
+              </a:rPr>
+              <a:t/>
+            </a:r>
             <a:br>
               <a:rPr lang="uk-UA" sz="1200" b="1" dirty="0">
                 <a:latin typeface="SchoolBookCTT" pitchFamily="2" charset="0"/>
               </a:rPr>
             </a:br>
+            <a:r>
+              <a:rPr lang="uk-UA" sz="1200" b="1" dirty="0">
+                <a:latin typeface="SchoolBookCTT" pitchFamily="2" charset="0"/>
+              </a:rPr>
+              <a:t/>
+            </a:r>
             <a:br>
               <a:rPr lang="uk-UA" sz="1200" b="1" dirty="0">
                 <a:latin typeface="SchoolBookCTT" pitchFamily="2" charset="0"/>
               </a:rPr>
             </a:br>
+            <a:r>
+              <a:rPr lang="uk-UA" sz="1200" b="1" dirty="0">
+                <a:latin typeface="SchoolBookCTT" pitchFamily="2" charset="0"/>
+              </a:rPr>
+              <a:t/>
+            </a:r>
             <a:br>
               <a:rPr lang="uk-UA" sz="1200" b="1" dirty="0">
                 <a:latin typeface="SchoolBookCTT" pitchFamily="2" charset="0"/>
               </a:rPr>
             </a:br>
+            <a:r>
+              <a:rPr lang="uk-UA" sz="1200" b="1" dirty="0">
+                <a:latin typeface="SchoolBookCTT" pitchFamily="2" charset="0"/>
+              </a:rPr>
+              <a:t/>
+            </a:r>
             <a:br>
               <a:rPr lang="uk-UA" sz="1200" b="1" dirty="0">
                 <a:latin typeface="SchoolBookCTT" pitchFamily="2" charset="0"/>
               </a:rPr>
             </a:br>
+            <a:r>
+              <a:rPr lang="uk-UA" sz="1200" b="1" dirty="0">
+                <a:latin typeface="SchoolBookCTT" pitchFamily="2" charset="0"/>
+              </a:rPr>
+              <a:t/>
+            </a:r>
             <a:br>
               <a:rPr lang="uk-UA" sz="1200" b="1" dirty="0">
                 <a:latin typeface="SchoolBookCTT" pitchFamily="2" charset="0"/>
@@ -9651,11 +9783,23 @@
               </a:rPr>
               <a:t>Team members </a:t>
             </a:r>
+            <a:r>
+              <a:rPr lang="uk-UA" sz="1200" b="1" dirty="0">
+                <a:latin typeface="SchoolBookCTT" pitchFamily="2" charset="0"/>
+              </a:rPr>
+              <a:t/>
+            </a:r>
             <a:br>
               <a:rPr lang="uk-UA" sz="1200" b="1" dirty="0">
                 <a:latin typeface="SchoolBookCTT" pitchFamily="2" charset="0"/>
               </a:rPr>
             </a:br>
+            <a:r>
+              <a:rPr lang="uk-UA" sz="1200" b="1" dirty="0">
+                <a:latin typeface="SchoolBookCTT" pitchFamily="2" charset="0"/>
+              </a:rPr>
+              <a:t/>
+            </a:r>
             <a:br>
               <a:rPr lang="uk-UA" sz="1200" b="1" dirty="0">
                 <a:latin typeface="SchoolBookCTT" pitchFamily="2" charset="0"/>
@@ -9779,6 +9923,21 @@
               </a:rPr>
               <a:t>(Editor)</a:t>
             </a:r>
+            <a:r>
+              <a:rPr lang="uk-UA" sz="2200" b="1" dirty="0">
+                <a:solidFill>
+                  <a:srgbClr val="FFFF00"/>
+                </a:solidFill>
+                <a:effectLst>
+                  <a:outerShdw blurRad="38100" dist="38100" dir="2700000" algn="tl">
+                    <a:srgbClr val="000000">
+                      <a:alpha val="43137"/>
+                    </a:srgbClr>
+                  </a:outerShdw>
+                </a:effectLst>
+              </a:rPr>
+              <a:t/>
+            </a:r>
             <a:br>
               <a:rPr lang="uk-UA" sz="2200" b="1" dirty="0">
                 <a:solidFill>
@@ -9796,6 +9955,73 @@
             <a:r>
               <a:rPr lang="uk-UA" sz="2200" b="1" dirty="0">
                 <a:solidFill>
+                  <a:schemeClr val="accent1">
+                    <a:lumMod val="75000"/>
+                  </a:schemeClr>
+                </a:solidFill>
+                <a:effectLst>
+                  <a:outerShdw blurRad="38100" dist="38100" dir="2700000" algn="tl">
+                    <a:srgbClr val="000000">
+                      <a:alpha val="43137"/>
+                    </a:srgbClr>
+                  </a:outerShdw>
+                </a:effectLst>
+              </a:rPr>
+              <a:t>Сердюк Костя Олегович</a:t>
+            </a:r>
+            <a:r>
+              <a:rPr lang="en-US" sz="2200" b="1" dirty="0">
+                <a:solidFill>
+                  <a:schemeClr val="accent1">
+                    <a:lumMod val="75000"/>
+                  </a:schemeClr>
+                </a:solidFill>
+                <a:effectLst>
+                  <a:outerShdw blurRad="38100" dist="38100" dir="2700000" algn="tl">
+                    <a:srgbClr val="000000">
+                      <a:alpha val="43137"/>
+                    </a:srgbClr>
+                  </a:outerShdw>
+                </a:effectLst>
+              </a:rPr>
+              <a:t>(Editor)</a:t>
+            </a:r>
+            <a:r>
+              <a:rPr lang="uk-UA" sz="2200" b="1" dirty="0">
+                <a:solidFill>
+                  <a:schemeClr val="accent1">
+                    <a:lumMod val="75000"/>
+                  </a:schemeClr>
+                </a:solidFill>
+                <a:effectLst>
+                  <a:outerShdw blurRad="38100" dist="38100" dir="2700000" algn="tl">
+                    <a:srgbClr val="000000">
+                      <a:alpha val="43137"/>
+                    </a:srgbClr>
+                  </a:outerShdw>
+                </a:effectLst>
+              </a:rPr>
+              <a:t/>
+            </a:r>
+            <a:br>
+              <a:rPr lang="uk-UA" sz="2200" b="1" dirty="0">
+                <a:solidFill>
+                  <a:schemeClr val="accent1">
+                    <a:lumMod val="75000"/>
+                  </a:schemeClr>
+                </a:solidFill>
+                <a:effectLst>
+                  <a:outerShdw blurRad="38100" dist="38100" dir="2700000" algn="tl">
+                    <a:srgbClr val="000000">
+                      <a:alpha val="43137"/>
+                    </a:srgbClr>
+                  </a:outerShdw>
+                </a:effectLst>
+              </a:rPr>
+            </a:br>
+            <a:r>
+              <a:rPr lang="uk-UA" sz="2200" b="1" dirty="0">
+                <a:solidFill>
                   <a:srgbClr val="FFFF00"/>
                 </a:solidFill>
                 <a:effectLst>
@@ -9806,7 +10032,7 @@
                   </a:outerShdw>
                 </a:effectLst>
               </a:rPr>
-              <a:t>Сердюк Костя Олегович</a:t>
+              <a:t>Шейко Ростислав Олександрович</a:t>
             </a:r>
             <a:r>
               <a:rPr lang="en-US" sz="2200" b="1" dirty="0">
@@ -9822,6 +10048,21 @@
                 </a:effectLst>
               </a:rPr>
               <a:t>(Editor)</a:t>
+            </a:r>
+            <a:r>
+              <a:rPr lang="uk-UA" sz="2200" b="1" dirty="0">
+                <a:solidFill>
+                  <a:srgbClr val="FFFF00"/>
+                </a:solidFill>
+                <a:effectLst>
+                  <a:outerShdw blurRad="38100" dist="38100" dir="2700000" algn="tl">
+                    <a:srgbClr val="000000">
+                      <a:alpha val="43137"/>
+                    </a:srgbClr>
+                  </a:outerShdw>
+                </a:effectLst>
+              </a:rPr>
+              <a:t/>
             </a:r>
             <a:br>
               <a:rPr lang="uk-UA" sz="2200" b="1" dirty="0">
@@ -9850,7 +10091,7 @@
                   </a:outerShdw>
                 </a:effectLst>
               </a:rPr>
-              <a:t>Шейко Ростислав Олександрович</a:t>
+              <a:t>Фоменко Валентин Олександрович</a:t>
             </a:r>
             <a:r>
               <a:rPr lang="en-US" sz="2200" b="1" dirty="0">
@@ -9865,51 +10106,16 @@
                   </a:outerShdw>
                 </a:effectLst>
               </a:rPr>
-              <a:t>(Editor)</a:t>
-            </a:r>
-            <a:br>
-              <a:rPr lang="uk-UA" sz="2200" b="1" dirty="0">
+              <a:t>(Editor</a:t>
+            </a:r>
+            <a:r>
+              <a:rPr lang="uk-UA" sz="1200" b="1" dirty="0">
                 <a:solidFill>
-                  <a:srgbClr val="FFFF00"/>
+                  <a:srgbClr val="0070C0"/>
                 </a:solidFill>
-                <a:effectLst>
-                  <a:outerShdw blurRad="38100" dist="38100" dir="2700000" algn="tl">
-                    <a:srgbClr val="000000">
-                      <a:alpha val="43137"/>
-                    </a:srgbClr>
-                  </a:outerShdw>
-                </a:effectLst>
-              </a:rPr>
-            </a:br>
-            <a:r>
-              <a:rPr lang="uk-UA" sz="2200" b="1" dirty="0">
-                <a:solidFill>
-                  <a:srgbClr val="FFFF00"/>
-                </a:solidFill>
-                <a:effectLst>
-                  <a:outerShdw blurRad="38100" dist="38100" dir="2700000" algn="tl">
-                    <a:srgbClr val="000000">
-                      <a:alpha val="43137"/>
-                    </a:srgbClr>
-                  </a:outerShdw>
-                </a:effectLst>
-              </a:rPr>
-              <a:t>Фоменко Валентин Олександрович</a:t>
-            </a:r>
-            <a:r>
-              <a:rPr lang="en-US" sz="2200" b="1" dirty="0">
-                <a:solidFill>
-                  <a:srgbClr val="FFFF00"/>
-                </a:solidFill>
-                <a:effectLst>
-                  <a:outerShdw blurRad="38100" dist="38100" dir="2700000" algn="tl">
-                    <a:srgbClr val="000000">
-                      <a:alpha val="43137"/>
-                    </a:srgbClr>
-                  </a:outerShdw>
-                </a:effectLst>
-              </a:rPr>
-              <a:t>(Editor</a:t>
+                <a:latin typeface="SchoolBookCTT" pitchFamily="2" charset="0"/>
+              </a:rPr>
+              <a:t/>
             </a:r>
             <a:br>
               <a:rPr lang="uk-UA" sz="1200" b="1" dirty="0">
@@ -9919,16 +10125,37 @@
                 <a:latin typeface="SchoolBookCTT" pitchFamily="2" charset="0"/>
               </a:rPr>
             </a:br>
+            <a:r>
+              <a:rPr lang="uk-UA" sz="1000" b="1" dirty="0">
+                <a:latin typeface="SchoolBookCTT" pitchFamily="2" charset="0"/>
+              </a:rPr>
+              <a:t/>
+            </a:r>
             <a:br>
               <a:rPr lang="uk-UA" sz="1000" b="1" dirty="0">
                 <a:latin typeface="SchoolBookCTT" pitchFamily="2" charset="0"/>
               </a:rPr>
             </a:br>
+            <a:r>
+              <a:rPr lang="uk-UA" sz="3100" b="1" dirty="0">
+                <a:latin typeface="SchoolBookCTT" pitchFamily="2" charset="0"/>
+              </a:rPr>
+              <a:t/>
+            </a:r>
             <a:br>
               <a:rPr lang="uk-UA" sz="3100" b="1" dirty="0">
                 <a:latin typeface="SchoolBookCTT" pitchFamily="2" charset="0"/>
               </a:rPr>
             </a:br>
+            <a:r>
+              <a:rPr lang="uk-UA" sz="2400" b="1" dirty="0">
+                <a:solidFill>
+                  <a:srgbClr val="FF0000"/>
+                </a:solidFill>
+                <a:latin typeface="SchoolBookCTT" pitchFamily="2" charset="0"/>
+              </a:rPr>
+              <a:t/>
+            </a:r>
             <a:br>
               <a:rPr lang="uk-UA" sz="2400" b="1" dirty="0">
                 <a:solidFill>
@@ -17394,18 +17621,18 @@
 </file>
 
 <file path=customXml/item1.xml><?xml version="1.0" encoding="utf-8"?>
-<p:properties xmlns:p="http://schemas.microsoft.com/office/2006/metadata/properties" xmlns:xsi="http://www.w3.org/2001/XMLSchema-instance" xmlns:pc="http://schemas.microsoft.com/office/infopath/2007/PartnerControls">
-  <documentManagement/>
-</p:properties>
-</file>
-
-<file path=customXml/item2.xml><?xml version="1.0" encoding="utf-8"?>
 <?mso-contentType ?>
 <FormTemplates xmlns="http://schemas.microsoft.com/sharepoint/v3/contenttype/forms">
   <Display>DocumentLibraryForm</Display>
   <Edit>DocumentLibraryForm</Edit>
   <New>DocumentLibraryForm</New>
 </FormTemplates>
+</file>
+
+<file path=customXml/item2.xml><?xml version="1.0" encoding="utf-8"?>
+<p:properties xmlns:p="http://schemas.microsoft.com/office/2006/metadata/properties" xmlns:xsi="http://www.w3.org/2001/XMLSchema-instance" xmlns:pc="http://schemas.microsoft.com/office/infopath/2007/PartnerControls">
+  <documentManagement/>
+</p:properties>
 </file>
 
 <file path=customXml/item3.xml><?xml version="1.0" encoding="utf-8"?>
@@ -17553,18 +17780,18 @@
 </file>
 
 <file path=customXml/itemProps1.xml><?xml version="1.0" encoding="utf-8"?>
-<ds:datastoreItem xmlns:ds="http://schemas.openxmlformats.org/officeDocument/2006/customXml" ds:itemID="{C35D743B-B188-4C38-B82D-7FD8B3A77642}">
+<ds:datastoreItem xmlns:ds="http://schemas.openxmlformats.org/officeDocument/2006/customXml" ds:itemID="{A345D2DA-A096-4BBF-9135-8FD4BD4C8C20}">
   <ds:schemaRefs>
-    <ds:schemaRef ds:uri="http://schemas.microsoft.com/office/2006/metadata/properties"/>
-    <ds:schemaRef ds:uri="http://schemas.microsoft.com/office/infopath/2007/PartnerControls"/>
+    <ds:schemaRef ds:uri="http://schemas.microsoft.com/sharepoint/v3/contenttype/forms"/>
   </ds:schemaRefs>
 </ds:datastoreItem>
 </file>
 
 <file path=customXml/itemProps2.xml><?xml version="1.0" encoding="utf-8"?>
-<ds:datastoreItem xmlns:ds="http://schemas.openxmlformats.org/officeDocument/2006/customXml" ds:itemID="{A345D2DA-A096-4BBF-9135-8FD4BD4C8C20}">
+<ds:datastoreItem xmlns:ds="http://schemas.openxmlformats.org/officeDocument/2006/customXml" ds:itemID="{C35D743B-B188-4C38-B82D-7FD8B3A77642}">
   <ds:schemaRefs>
-    <ds:schemaRef ds:uri="http://schemas.microsoft.com/sharepoint/v3/contenttype/forms"/>
+    <ds:schemaRef ds:uri="http://schemas.microsoft.com/office/2006/metadata/properties"/>
+    <ds:schemaRef ds:uri="http://schemas.microsoft.com/office/infopath/2007/PartnerControls"/>
   </ds:schemaRefs>
 </ds:datastoreItem>
 </file>

--- a/Git_1 part.pptx
+++ b/Git_1 part.pptx
@@ -165,8 +165,8 @@
 <p1510:revInfo xmlns:a="http://schemas.openxmlformats.org/drawingml/2006/main" xmlns:r="http://schemas.openxmlformats.org/officeDocument/2006/relationships" xmlns:p1510="http://schemas.microsoft.com/office/powerpoint/2015/10/main">
   <p1510:revLst>
     <p1510:client id="{4A3F3CD4-87AB-4CDB-98DA-5A2ADC992FE5}" v="1" dt="2022-10-03T11:17:20.651"/>
+    <p1510:client id="{7243DB7B-6519-4113-9313-0D5BD1DD6196}" v="1" dt="2022-10-06T06:08:40.457"/>
     <p1510:client id="{9B9D4C16-5A73-44FC-B81C-E033F386BE81}" v="3" dt="2022-09-29T11:01:00.115"/>
-    <p1510:client id="{7243DB7B-6519-4113-9313-0D5BD1DD6196}" v="1" dt="2022-10-06T06:08:40.457"/>
     <p1510:client id="{A1854464-AA8C-4528-8FEA-3C375E66B42A}" v="7" dt="2022-10-06T09:52:16.683"/>
   </p1510:revLst>
 </p1510:revInfo>
@@ -5617,34 +5617,16 @@
           </a:bodyPr>
           <a:lstStyle/>
           <a:p>
-            <a:r>
-              <a:rPr lang="uk-UA" b="1" dirty="0">
-                <a:latin typeface="SchoolBookCTT" pitchFamily="2" charset="0"/>
-              </a:rPr>
-              <a:t/>
-            </a:r>
             <a:br>
               <a:rPr lang="uk-UA" b="1" dirty="0">
                 <a:latin typeface="SchoolBookCTT" pitchFamily="2" charset="0"/>
               </a:rPr>
             </a:br>
-            <a:r>
-              <a:rPr lang="uk-UA" sz="3600" b="1" dirty="0">
-                <a:latin typeface="SchoolBookCTT" pitchFamily="2" charset="0"/>
-              </a:rPr>
-              <a:t/>
-            </a:r>
             <a:br>
               <a:rPr lang="uk-UA" sz="3600" b="1" dirty="0">
                 <a:latin typeface="SchoolBookCTT" pitchFamily="2" charset="0"/>
               </a:rPr>
             </a:br>
-            <a:r>
-              <a:rPr lang="uk-UA" b="1" dirty="0">
-                <a:latin typeface="SchoolBookCTT" pitchFamily="2" charset="0"/>
-              </a:rPr>
-              <a:t/>
-            </a:r>
             <a:br>
               <a:rPr lang="uk-UA" b="1" dirty="0">
                 <a:latin typeface="SchoolBookCTT" pitchFamily="2" charset="0"/>
@@ -5667,15 +5649,6 @@
                 <a:latin typeface="SchoolBookCTT" pitchFamily="2" charset="0"/>
               </a:rPr>
             </a:br>
-            <a:r>
-              <a:rPr lang="uk-UA" b="1">
-                <a:solidFill>
-                  <a:srgbClr val="0070C0"/>
-                </a:solidFill>
-                <a:latin typeface="SchoolBookCTT" pitchFamily="2" charset="0"/>
-              </a:rPr>
-              <a:t/>
-            </a:r>
             <a:br>
               <a:rPr lang="uk-UA" b="1">
                 <a:solidFill>
@@ -5684,15 +5657,6 @@
                 <a:latin typeface="SchoolBookCTT" pitchFamily="2" charset="0"/>
               </a:rPr>
             </a:br>
-            <a:r>
-              <a:rPr lang="uk-UA" sz="2400" b="1" dirty="0">
-                <a:solidFill>
-                  <a:srgbClr val="FF0000"/>
-                </a:solidFill>
-                <a:latin typeface="SchoolBookCTT" pitchFamily="2" charset="0"/>
-              </a:rPr>
-              <a:t/>
-            </a:r>
             <a:br>
               <a:rPr lang="uk-UA" sz="2400" b="1" dirty="0">
                 <a:solidFill>
@@ -9598,177 +9562,81 @@
           </a:bodyPr>
           <a:lstStyle/>
           <a:p>
-            <a:r>
-              <a:rPr lang="uk-UA" sz="2000" b="1" dirty="0">
-                <a:latin typeface="SchoolBookCTT" pitchFamily="2" charset="0"/>
-              </a:rPr>
-              <a:t/>
-            </a:r>
             <a:br>
               <a:rPr lang="uk-UA" sz="2000" b="1" dirty="0">
                 <a:latin typeface="SchoolBookCTT" pitchFamily="2" charset="0"/>
               </a:rPr>
             </a:br>
-            <a:r>
-              <a:rPr lang="uk-UA" sz="1100" b="1" dirty="0">
-                <a:latin typeface="SchoolBookCTT" pitchFamily="2" charset="0"/>
-              </a:rPr>
-              <a:t/>
-            </a:r>
             <a:br>
               <a:rPr lang="uk-UA" sz="1100" b="1" dirty="0">
                 <a:latin typeface="SchoolBookCTT" pitchFamily="2" charset="0"/>
               </a:rPr>
             </a:br>
-            <a:r>
-              <a:rPr lang="uk-UA" sz="2000" b="1" dirty="0">
-                <a:latin typeface="SchoolBookCTT" pitchFamily="2" charset="0"/>
-              </a:rPr>
-              <a:t/>
-            </a:r>
             <a:br>
               <a:rPr lang="uk-UA" sz="2000" b="1" dirty="0">
                 <a:latin typeface="SchoolBookCTT" pitchFamily="2" charset="0"/>
               </a:rPr>
             </a:br>
-            <a:r>
-              <a:rPr lang="uk-UA" sz="2000" b="1" dirty="0">
-                <a:latin typeface="SchoolBookCTT" pitchFamily="2" charset="0"/>
-              </a:rPr>
-              <a:t/>
-            </a:r>
             <a:br>
               <a:rPr lang="uk-UA" sz="2000" b="1" dirty="0">
                 <a:latin typeface="SchoolBookCTT" pitchFamily="2" charset="0"/>
               </a:rPr>
             </a:br>
-            <a:r>
-              <a:rPr lang="uk-UA" sz="2000" b="1" dirty="0">
-                <a:latin typeface="SchoolBookCTT" pitchFamily="2" charset="0"/>
-              </a:rPr>
-              <a:t/>
-            </a:r>
             <a:br>
               <a:rPr lang="uk-UA" sz="2000" b="1" dirty="0">
                 <a:latin typeface="SchoolBookCTT" pitchFamily="2" charset="0"/>
               </a:rPr>
             </a:br>
-            <a:r>
-              <a:rPr lang="uk-UA" sz="2000" b="1" dirty="0">
-                <a:latin typeface="SchoolBookCTT" pitchFamily="2" charset="0"/>
-              </a:rPr>
-              <a:t/>
-            </a:r>
             <a:br>
               <a:rPr lang="uk-UA" sz="2000" b="1" dirty="0">
                 <a:latin typeface="SchoolBookCTT" pitchFamily="2" charset="0"/>
               </a:rPr>
             </a:br>
-            <a:r>
-              <a:rPr lang="uk-UA" sz="2000" b="1" dirty="0">
-                <a:latin typeface="SchoolBookCTT" pitchFamily="2" charset="0"/>
-              </a:rPr>
-              <a:t/>
-            </a:r>
             <a:br>
               <a:rPr lang="uk-UA" sz="2000" b="1" dirty="0">
                 <a:latin typeface="SchoolBookCTT" pitchFamily="2" charset="0"/>
               </a:rPr>
             </a:br>
-            <a:r>
-              <a:rPr lang="uk-UA" sz="2000" b="1" dirty="0">
-                <a:latin typeface="SchoolBookCTT" pitchFamily="2" charset="0"/>
-              </a:rPr>
-              <a:t/>
-            </a:r>
             <a:br>
               <a:rPr lang="uk-UA" sz="2000" b="1" dirty="0">
                 <a:latin typeface="SchoolBookCTT" pitchFamily="2" charset="0"/>
               </a:rPr>
             </a:br>
-            <a:r>
-              <a:rPr lang="uk-UA" sz="2000" b="1" dirty="0">
-                <a:latin typeface="SchoolBookCTT" pitchFamily="2" charset="0"/>
-              </a:rPr>
-              <a:t/>
-            </a:r>
             <a:br>
               <a:rPr lang="uk-UA" sz="2000" b="1" dirty="0">
                 <a:latin typeface="SchoolBookCTT" pitchFamily="2" charset="0"/>
               </a:rPr>
             </a:br>
-            <a:r>
-              <a:rPr lang="uk-UA" sz="2000" b="1" dirty="0">
-                <a:latin typeface="SchoolBookCTT" pitchFamily="2" charset="0"/>
-              </a:rPr>
-              <a:t/>
-            </a:r>
             <a:br>
               <a:rPr lang="uk-UA" sz="2000" b="1" dirty="0">
                 <a:latin typeface="SchoolBookCTT" pitchFamily="2" charset="0"/>
               </a:rPr>
             </a:br>
-            <a:r>
-              <a:rPr lang="uk-UA" sz="2000" b="1" dirty="0">
-                <a:latin typeface="SchoolBookCTT" pitchFamily="2" charset="0"/>
-              </a:rPr>
-              <a:t/>
-            </a:r>
             <a:br>
               <a:rPr lang="uk-UA" sz="2000" b="1" dirty="0">
                 <a:latin typeface="SchoolBookCTT" pitchFamily="2" charset="0"/>
               </a:rPr>
             </a:br>
-            <a:r>
-              <a:rPr lang="uk-UA" sz="1200" b="1" dirty="0">
-                <a:latin typeface="SchoolBookCTT" pitchFamily="2" charset="0"/>
-              </a:rPr>
-              <a:t/>
-            </a:r>
             <a:br>
               <a:rPr lang="uk-UA" sz="1200" b="1" dirty="0">
                 <a:latin typeface="SchoolBookCTT" pitchFamily="2" charset="0"/>
               </a:rPr>
             </a:br>
-            <a:r>
-              <a:rPr lang="uk-UA" sz="1200" b="1" dirty="0">
-                <a:latin typeface="SchoolBookCTT" pitchFamily="2" charset="0"/>
-              </a:rPr>
-              <a:t/>
-            </a:r>
             <a:br>
               <a:rPr lang="uk-UA" sz="1200" b="1" dirty="0">
                 <a:latin typeface="SchoolBookCTT" pitchFamily="2" charset="0"/>
               </a:rPr>
             </a:br>
-            <a:r>
-              <a:rPr lang="uk-UA" sz="1200" b="1" dirty="0">
-                <a:latin typeface="SchoolBookCTT" pitchFamily="2" charset="0"/>
-              </a:rPr>
-              <a:t/>
-            </a:r>
             <a:br>
               <a:rPr lang="uk-UA" sz="1200" b="1" dirty="0">
                 <a:latin typeface="SchoolBookCTT" pitchFamily="2" charset="0"/>
               </a:rPr>
             </a:br>
-            <a:r>
-              <a:rPr lang="uk-UA" sz="1200" b="1" dirty="0">
-                <a:latin typeface="SchoolBookCTT" pitchFamily="2" charset="0"/>
-              </a:rPr>
-              <a:t/>
-            </a:r>
             <a:br>
               <a:rPr lang="uk-UA" sz="1200" b="1" dirty="0">
                 <a:latin typeface="SchoolBookCTT" pitchFamily="2" charset="0"/>
               </a:rPr>
             </a:br>
-            <a:r>
-              <a:rPr lang="uk-UA" sz="1200" b="1" dirty="0">
-                <a:latin typeface="SchoolBookCTT" pitchFamily="2" charset="0"/>
-              </a:rPr>
-              <a:t/>
-            </a:r>
             <a:br>
               <a:rPr lang="uk-UA" sz="1200" b="1" dirty="0">
                 <a:latin typeface="SchoolBookCTT" pitchFamily="2" charset="0"/>
@@ -9783,23 +9651,11 @@
               </a:rPr>
               <a:t>Team members </a:t>
             </a:r>
-            <a:r>
-              <a:rPr lang="uk-UA" sz="1200" b="1" dirty="0">
-                <a:latin typeface="SchoolBookCTT" pitchFamily="2" charset="0"/>
-              </a:rPr>
-              <a:t/>
-            </a:r>
             <a:br>
               <a:rPr lang="uk-UA" sz="1200" b="1" dirty="0">
                 <a:latin typeface="SchoolBookCTT" pitchFamily="2" charset="0"/>
               </a:rPr>
             </a:br>
-            <a:r>
-              <a:rPr lang="uk-UA" sz="1200" b="1" dirty="0">
-                <a:latin typeface="SchoolBookCTT" pitchFamily="2" charset="0"/>
-              </a:rPr>
-              <a:t/>
-            </a:r>
             <a:br>
               <a:rPr lang="uk-UA" sz="1200" b="1" dirty="0">
                 <a:latin typeface="SchoolBookCTT" pitchFamily="2" charset="0"/>
@@ -9923,21 +9779,6 @@
               </a:rPr>
               <a:t>(Editor)</a:t>
             </a:r>
-            <a:r>
-              <a:rPr lang="uk-UA" sz="2200" b="1" dirty="0">
-                <a:solidFill>
-                  <a:srgbClr val="FFFF00"/>
-                </a:solidFill>
-                <a:effectLst>
-                  <a:outerShdw blurRad="38100" dist="38100" dir="2700000" algn="tl">
-                    <a:srgbClr val="000000">
-                      <a:alpha val="43137"/>
-                    </a:srgbClr>
-                  </a:outerShdw>
-                </a:effectLst>
-              </a:rPr>
-              <a:t/>
-            </a:r>
             <a:br>
               <a:rPr lang="uk-UA" sz="2200" b="1" dirty="0">
                 <a:solidFill>
@@ -9955,73 +9796,6 @@
             <a:r>
               <a:rPr lang="uk-UA" sz="2200" b="1" dirty="0">
                 <a:solidFill>
-                  <a:schemeClr val="accent1">
-                    <a:lumMod val="75000"/>
-                  </a:schemeClr>
-                </a:solidFill>
-                <a:effectLst>
-                  <a:outerShdw blurRad="38100" dist="38100" dir="2700000" algn="tl">
-                    <a:srgbClr val="000000">
-                      <a:alpha val="43137"/>
-                    </a:srgbClr>
-                  </a:outerShdw>
-                </a:effectLst>
-              </a:rPr>
-              <a:t>Сердюк Костя Олегович</a:t>
-            </a:r>
-            <a:r>
-              <a:rPr lang="en-US" sz="2200" b="1" dirty="0">
-                <a:solidFill>
-                  <a:schemeClr val="accent1">
-                    <a:lumMod val="75000"/>
-                  </a:schemeClr>
-                </a:solidFill>
-                <a:effectLst>
-                  <a:outerShdw blurRad="38100" dist="38100" dir="2700000" algn="tl">
-                    <a:srgbClr val="000000">
-                      <a:alpha val="43137"/>
-                    </a:srgbClr>
-                  </a:outerShdw>
-                </a:effectLst>
-              </a:rPr>
-              <a:t>(Editor)</a:t>
-            </a:r>
-            <a:r>
-              <a:rPr lang="uk-UA" sz="2200" b="1" dirty="0">
-                <a:solidFill>
-                  <a:schemeClr val="accent1">
-                    <a:lumMod val="75000"/>
-                  </a:schemeClr>
-                </a:solidFill>
-                <a:effectLst>
-                  <a:outerShdw blurRad="38100" dist="38100" dir="2700000" algn="tl">
-                    <a:srgbClr val="000000">
-                      <a:alpha val="43137"/>
-                    </a:srgbClr>
-                  </a:outerShdw>
-                </a:effectLst>
-              </a:rPr>
-              <a:t/>
-            </a:r>
-            <a:br>
-              <a:rPr lang="uk-UA" sz="2200" b="1" dirty="0">
-                <a:solidFill>
-                  <a:schemeClr val="accent1">
-                    <a:lumMod val="75000"/>
-                  </a:schemeClr>
-                </a:solidFill>
-                <a:effectLst>
-                  <a:outerShdw blurRad="38100" dist="38100" dir="2700000" algn="tl">
-                    <a:srgbClr val="000000">
-                      <a:alpha val="43137"/>
-                    </a:srgbClr>
-                  </a:outerShdw>
-                </a:effectLst>
-              </a:rPr>
-            </a:br>
-            <a:r>
-              <a:rPr lang="uk-UA" sz="2200" b="1" dirty="0">
-                <a:solidFill>
                   <a:srgbClr val="FFFF00"/>
                 </a:solidFill>
                 <a:effectLst>
@@ -10032,7 +9806,7 @@
                   </a:outerShdw>
                 </a:effectLst>
               </a:rPr>
-              <a:t>Шейко Ростислав Олександрович</a:t>
+              <a:t>Сердюк Костя Олегович</a:t>
             </a:r>
             <a:r>
               <a:rPr lang="en-US" sz="2200" b="1" dirty="0">
@@ -10048,21 +9822,6 @@
                 </a:effectLst>
               </a:rPr>
               <a:t>(Editor)</a:t>
-            </a:r>
-            <a:r>
-              <a:rPr lang="uk-UA" sz="2200" b="1" dirty="0">
-                <a:solidFill>
-                  <a:srgbClr val="FFFF00"/>
-                </a:solidFill>
-                <a:effectLst>
-                  <a:outerShdw blurRad="38100" dist="38100" dir="2700000" algn="tl">
-                    <a:srgbClr val="000000">
-                      <a:alpha val="43137"/>
-                    </a:srgbClr>
-                  </a:outerShdw>
-                </a:effectLst>
-              </a:rPr>
-              <a:t/>
             </a:r>
             <a:br>
               <a:rPr lang="uk-UA" sz="2200" b="1" dirty="0">
@@ -10091,7 +9850,7 @@
                   </a:outerShdw>
                 </a:effectLst>
               </a:rPr>
-              <a:t>Фоменко Валентин Олександрович</a:t>
+              <a:t>Шейко Ростислав Олександрович</a:t>
             </a:r>
             <a:r>
               <a:rPr lang="en-US" sz="2200" b="1" dirty="0">
@@ -10106,16 +9865,51 @@
                   </a:outerShdw>
                 </a:effectLst>
               </a:rPr>
+              <a:t>(Editor)</a:t>
+            </a:r>
+            <a:br>
+              <a:rPr lang="uk-UA" sz="2200" b="1" dirty="0">
+                <a:solidFill>
+                  <a:srgbClr val="FFFF00"/>
+                </a:solidFill>
+                <a:effectLst>
+                  <a:outerShdw blurRad="38100" dist="38100" dir="2700000" algn="tl">
+                    <a:srgbClr val="000000">
+                      <a:alpha val="43137"/>
+                    </a:srgbClr>
+                  </a:outerShdw>
+                </a:effectLst>
+              </a:rPr>
+            </a:br>
+            <a:r>
+              <a:rPr lang="uk-UA" sz="2200" b="1" dirty="0">
+                <a:solidFill>
+                  <a:srgbClr val="FFFF00"/>
+                </a:solidFill>
+                <a:effectLst>
+                  <a:outerShdw blurRad="38100" dist="38100" dir="2700000" algn="tl">
+                    <a:srgbClr val="000000">
+                      <a:alpha val="43137"/>
+                    </a:srgbClr>
+                  </a:outerShdw>
+                </a:effectLst>
+              </a:rPr>
+              <a:t>Фоменко Валентин Олександрович</a:t>
+            </a:r>
+            <a:r>
+              <a:rPr lang="en-US" sz="2200" b="1" dirty="0">
+                <a:solidFill>
+                  <a:srgbClr val="FFFF00"/>
+                </a:solidFill>
+                <a:effectLst>
+                  <a:outerShdw blurRad="38100" dist="38100" dir="2700000" algn="tl">
+                    <a:srgbClr val="000000">
+                      <a:alpha val="43137"/>
+                    </a:srgbClr>
+                  </a:outerShdw>
+                </a:effectLst>
+              </a:rPr>
               <a:t>(Editor</a:t>
-            </a:r>
-            <a:r>
-              <a:rPr lang="uk-UA" sz="1200" b="1" dirty="0">
-                <a:solidFill>
-                  <a:srgbClr val="0070C0"/>
-                </a:solidFill>
-                <a:latin typeface="SchoolBookCTT" pitchFamily="2" charset="0"/>
-              </a:rPr>
-              <a:t/>
             </a:r>
             <a:br>
               <a:rPr lang="uk-UA" sz="1200" b="1" dirty="0">
@@ -10125,37 +9919,16 @@
                 <a:latin typeface="SchoolBookCTT" pitchFamily="2" charset="0"/>
               </a:rPr>
             </a:br>
-            <a:r>
-              <a:rPr lang="uk-UA" sz="1000" b="1" dirty="0">
-                <a:latin typeface="SchoolBookCTT" pitchFamily="2" charset="0"/>
-              </a:rPr>
-              <a:t/>
-            </a:r>
             <a:br>
               <a:rPr lang="uk-UA" sz="1000" b="1" dirty="0">
                 <a:latin typeface="SchoolBookCTT" pitchFamily="2" charset="0"/>
               </a:rPr>
             </a:br>
-            <a:r>
-              <a:rPr lang="uk-UA" sz="3100" b="1" dirty="0">
-                <a:latin typeface="SchoolBookCTT" pitchFamily="2" charset="0"/>
-              </a:rPr>
-              <a:t/>
-            </a:r>
             <a:br>
               <a:rPr lang="uk-UA" sz="3100" b="1" dirty="0">
                 <a:latin typeface="SchoolBookCTT" pitchFamily="2" charset="0"/>
               </a:rPr>
             </a:br>
-            <a:r>
-              <a:rPr lang="uk-UA" sz="2400" b="1" dirty="0">
-                <a:solidFill>
-                  <a:srgbClr val="FF0000"/>
-                </a:solidFill>
-                <a:latin typeface="SchoolBookCTT" pitchFamily="2" charset="0"/>
-              </a:rPr>
-              <a:t/>
-            </a:r>
             <a:br>
               <a:rPr lang="uk-UA" sz="2400" b="1" dirty="0">
                 <a:solidFill>
@@ -17621,18 +17394,18 @@
 </file>
 
 <file path=customXml/item1.xml><?xml version="1.0" encoding="utf-8"?>
+<p:properties xmlns:p="http://schemas.microsoft.com/office/2006/metadata/properties" xmlns:xsi="http://www.w3.org/2001/XMLSchema-instance" xmlns:pc="http://schemas.microsoft.com/office/infopath/2007/PartnerControls">
+  <documentManagement/>
+</p:properties>
+</file>
+
+<file path=customXml/item2.xml><?xml version="1.0" encoding="utf-8"?>
 <?mso-contentType ?>
 <FormTemplates xmlns="http://schemas.microsoft.com/sharepoint/v3/contenttype/forms">
   <Display>DocumentLibraryForm</Display>
   <Edit>DocumentLibraryForm</Edit>
   <New>DocumentLibraryForm</New>
 </FormTemplates>
-</file>
-
-<file path=customXml/item2.xml><?xml version="1.0" encoding="utf-8"?>
-<p:properties xmlns:p="http://schemas.microsoft.com/office/2006/metadata/properties" xmlns:xsi="http://www.w3.org/2001/XMLSchema-instance" xmlns:pc="http://schemas.microsoft.com/office/infopath/2007/PartnerControls">
-  <documentManagement/>
-</p:properties>
 </file>
 
 <file path=customXml/item3.xml><?xml version="1.0" encoding="utf-8"?>
@@ -17780,18 +17553,18 @@
 </file>
 
 <file path=customXml/itemProps1.xml><?xml version="1.0" encoding="utf-8"?>
-<ds:datastoreItem xmlns:ds="http://schemas.openxmlformats.org/officeDocument/2006/customXml" ds:itemID="{A345D2DA-A096-4BBF-9135-8FD4BD4C8C20}">
+<ds:datastoreItem xmlns:ds="http://schemas.openxmlformats.org/officeDocument/2006/customXml" ds:itemID="{C35D743B-B188-4C38-B82D-7FD8B3A77642}">
   <ds:schemaRefs>
-    <ds:schemaRef ds:uri="http://schemas.microsoft.com/sharepoint/v3/contenttype/forms"/>
+    <ds:schemaRef ds:uri="http://schemas.microsoft.com/office/2006/metadata/properties"/>
+    <ds:schemaRef ds:uri="http://schemas.microsoft.com/office/infopath/2007/PartnerControls"/>
   </ds:schemaRefs>
 </ds:datastoreItem>
 </file>
 
 <file path=customXml/itemProps2.xml><?xml version="1.0" encoding="utf-8"?>
-<ds:datastoreItem xmlns:ds="http://schemas.openxmlformats.org/officeDocument/2006/customXml" ds:itemID="{C35D743B-B188-4C38-B82D-7FD8B3A77642}">
+<ds:datastoreItem xmlns:ds="http://schemas.openxmlformats.org/officeDocument/2006/customXml" ds:itemID="{A345D2DA-A096-4BBF-9135-8FD4BD4C8C20}">
   <ds:schemaRefs>
-    <ds:schemaRef ds:uri="http://schemas.microsoft.com/office/2006/metadata/properties"/>
-    <ds:schemaRef ds:uri="http://schemas.microsoft.com/office/infopath/2007/PartnerControls"/>
+    <ds:schemaRef ds:uri="http://schemas.microsoft.com/sharepoint/v3/contenttype/forms"/>
   </ds:schemaRefs>
 </ds:datastoreItem>
 </file>

--- a/Git_1 part.pptx
+++ b/Git_1 part.pptx
@@ -5,41 +5,42 @@
     <p:sldMasterId id="2147483851" r:id="rId4"/>
   </p:sldMasterIdLst>
   <p:notesMasterIdLst>
-    <p:notesMasterId r:id="rId34"/>
+    <p:notesMasterId r:id="rId35"/>
   </p:notesMasterIdLst>
   <p:handoutMasterIdLst>
-    <p:handoutMasterId r:id="rId35"/>
+    <p:handoutMasterId r:id="rId36"/>
   </p:handoutMasterIdLst>
   <p:sldIdLst>
     <p:sldId id="334" r:id="rId5"/>
     <p:sldId id="256" r:id="rId6"/>
-    <p:sldId id="313" r:id="rId7"/>
-    <p:sldId id="282" r:id="rId8"/>
-    <p:sldId id="317" r:id="rId9"/>
-    <p:sldId id="289" r:id="rId10"/>
-    <p:sldId id="306" r:id="rId11"/>
-    <p:sldId id="307" r:id="rId12"/>
-    <p:sldId id="283" r:id="rId13"/>
-    <p:sldId id="318" r:id="rId14"/>
-    <p:sldId id="319" r:id="rId15"/>
-    <p:sldId id="320" r:id="rId16"/>
-    <p:sldId id="284" r:id="rId17"/>
-    <p:sldId id="314" r:id="rId18"/>
-    <p:sldId id="315" r:id="rId19"/>
-    <p:sldId id="316" r:id="rId20"/>
-    <p:sldId id="321" r:id="rId21"/>
-    <p:sldId id="322" r:id="rId22"/>
-    <p:sldId id="323" r:id="rId23"/>
-    <p:sldId id="324" r:id="rId24"/>
-    <p:sldId id="325" r:id="rId25"/>
-    <p:sldId id="326" r:id="rId26"/>
-    <p:sldId id="327" r:id="rId27"/>
-    <p:sldId id="330" r:id="rId28"/>
-    <p:sldId id="328" r:id="rId29"/>
-    <p:sldId id="329" r:id="rId30"/>
-    <p:sldId id="331" r:id="rId31"/>
-    <p:sldId id="333" r:id="rId32"/>
-    <p:sldId id="332" r:id="rId33"/>
+    <p:sldId id="335" r:id="rId7"/>
+    <p:sldId id="313" r:id="rId8"/>
+    <p:sldId id="282" r:id="rId9"/>
+    <p:sldId id="317" r:id="rId10"/>
+    <p:sldId id="289" r:id="rId11"/>
+    <p:sldId id="306" r:id="rId12"/>
+    <p:sldId id="307" r:id="rId13"/>
+    <p:sldId id="283" r:id="rId14"/>
+    <p:sldId id="318" r:id="rId15"/>
+    <p:sldId id="319" r:id="rId16"/>
+    <p:sldId id="320" r:id="rId17"/>
+    <p:sldId id="284" r:id="rId18"/>
+    <p:sldId id="314" r:id="rId19"/>
+    <p:sldId id="315" r:id="rId20"/>
+    <p:sldId id="316" r:id="rId21"/>
+    <p:sldId id="321" r:id="rId22"/>
+    <p:sldId id="322" r:id="rId23"/>
+    <p:sldId id="323" r:id="rId24"/>
+    <p:sldId id="324" r:id="rId25"/>
+    <p:sldId id="325" r:id="rId26"/>
+    <p:sldId id="326" r:id="rId27"/>
+    <p:sldId id="327" r:id="rId28"/>
+    <p:sldId id="330" r:id="rId29"/>
+    <p:sldId id="328" r:id="rId30"/>
+    <p:sldId id="329" r:id="rId31"/>
+    <p:sldId id="331" r:id="rId32"/>
+    <p:sldId id="333" r:id="rId33"/>
+    <p:sldId id="332" r:id="rId34"/>
   </p:sldIdLst>
   <p:sldSz cx="12192000" cy="6858000"/>
   <p:notesSz cx="6858000" cy="9144000"/>
@@ -2471,7 +2472,7 @@
           <a:p>
             <a:fld id="{C83854A3-6714-4526-AEDE-747CDFA70004}" type="slidenum">
               <a:rPr lang="ru-RU" smtClean="0"/>
-              <a:t>4</a:t>
+              <a:t>5</a:t>
             </a:fld>
             <a:endParaRPr lang="ru-RU"/>
           </a:p>
@@ -2574,7 +2575,7 @@
           <a:p>
             <a:fld id="{C83854A3-6714-4526-AEDE-747CDFA70004}" type="slidenum">
               <a:rPr lang="ru-RU" smtClean="0"/>
-              <a:t>5</a:t>
+              <a:t>6</a:t>
             </a:fld>
             <a:endParaRPr lang="ru-RU"/>
           </a:p>
@@ -2677,7 +2678,7 @@
           <a:p>
             <a:fld id="{C83854A3-6714-4526-AEDE-747CDFA70004}" type="slidenum">
               <a:rPr lang="ru-RU" smtClean="0"/>
-              <a:t>10</a:t>
+              <a:t>11</a:t>
             </a:fld>
             <a:endParaRPr lang="ru-RU"/>
           </a:p>
@@ -5753,6 +5754,247 @@
 <file path=ppt/slides/slide10.xml><?xml version="1.0" encoding="utf-8"?>
 <p:sld xmlns:a="http://schemas.openxmlformats.org/drawingml/2006/main" xmlns:r="http://schemas.openxmlformats.org/officeDocument/2006/relationships" xmlns:p="http://schemas.openxmlformats.org/presentationml/2006/main">
   <p:cSld>
+    <p:spTree>
+      <p:nvGrpSpPr>
+        <p:cNvPr id="1" name=""/>
+        <p:cNvGrpSpPr/>
+        <p:nvPr/>
+      </p:nvGrpSpPr>
+      <p:grpSpPr>
+        <a:xfrm>
+          <a:off x="0" y="0"/>
+          <a:ext cx="0" cy="0"/>
+          <a:chOff x="0" y="0"/>
+          <a:chExt cx="0" cy="0"/>
+        </a:xfrm>
+      </p:grpSpPr>
+      <p:sp>
+        <p:nvSpPr>
+          <p:cNvPr id="4" name="Заголовок 3">
+            <a:extLst>
+              <a:ext uri="{FF2B5EF4-FFF2-40B4-BE49-F238E27FC236}">
+                <a16:creationId xmlns:a16="http://schemas.microsoft.com/office/drawing/2014/main" id="{8FE2BCA8-E83D-429B-887D-6FBFF82E5C4F}"/>
+              </a:ext>
+            </a:extLst>
+          </p:cNvPr>
+          <p:cNvSpPr>
+            <a:spLocks noGrp="1"/>
+          </p:cNvSpPr>
+          <p:nvPr>
+            <p:ph type="ctrTitle"/>
+          </p:nvPr>
+        </p:nvSpPr>
+        <p:spPr>
+          <a:xfrm>
+            <a:off x="-583508" y="1586766"/>
+            <a:ext cx="6321790" cy="662939"/>
+          </a:xfrm>
+        </p:spPr>
+        <p:txBody>
+          <a:bodyPr>
+            <a:noAutofit/>
+          </a:bodyPr>
+          <a:lstStyle/>
+          <a:p>
+            <a:r>
+              <a:rPr lang="uk-UA" sz="4000" b="1">
+                <a:solidFill>
+                  <a:srgbClr val="0070C0"/>
+                </a:solidFill>
+                <a:latin typeface="SchoolBookCTT" pitchFamily="2" charset="0"/>
+              </a:rPr>
+              <a:t>Розподілені</a:t>
+            </a:r>
+            <a:br>
+              <a:rPr lang="uk-UA" sz="4000" b="1">
+                <a:solidFill>
+                  <a:srgbClr val="0070C0"/>
+                </a:solidFill>
+                <a:latin typeface="SchoolBookCTT" pitchFamily="2" charset="0"/>
+              </a:rPr>
+            </a:br>
+            <a:r>
+              <a:rPr lang="uk-UA" sz="4000" b="1">
+                <a:solidFill>
+                  <a:srgbClr val="0070C0"/>
+                </a:solidFill>
+                <a:latin typeface="SchoolBookCTT" pitchFamily="2" charset="0"/>
+              </a:rPr>
+              <a:t> СКВ</a:t>
+            </a:r>
+            <a:endParaRPr lang="ru-RU" sz="4000" b="1">
+              <a:solidFill>
+                <a:srgbClr val="0070C0"/>
+              </a:solidFill>
+              <a:latin typeface="SchoolBookCTT" pitchFamily="2" charset="0"/>
+            </a:endParaRPr>
+          </a:p>
+        </p:txBody>
+      </p:sp>
+      <p:pic>
+        <p:nvPicPr>
+          <p:cNvPr id="1026" name="Picture 2" descr="Диаграмма распределённого контроля версий">
+            <a:extLst>
+              <a:ext uri="{FF2B5EF4-FFF2-40B4-BE49-F238E27FC236}">
+                <a16:creationId xmlns:a16="http://schemas.microsoft.com/office/drawing/2014/main" id="{A1C48F4C-3E68-F40F-261F-9792286B8362}"/>
+              </a:ext>
+            </a:extLst>
+          </p:cNvPr>
+          <p:cNvPicPr>
+            <a:picLocks noChangeAspect="1" noChangeArrowheads="1"/>
+          </p:cNvPicPr>
+          <p:nvPr/>
+        </p:nvPicPr>
+        <p:blipFill>
+          <a:blip r:embed="rId2">
+            <a:extLst>
+              <a:ext uri="{28A0092B-C50C-407E-A947-70E740481C1C}">
+                <a14:useLocalDpi xmlns:a14="http://schemas.microsoft.com/office/drawing/2010/main" val="0"/>
+              </a:ext>
+            </a:extLst>
+          </a:blip>
+          <a:srcRect/>
+          <a:stretch>
+            <a:fillRect/>
+          </a:stretch>
+        </p:blipFill>
+        <p:spPr bwMode="auto">
+          <a:xfrm>
+            <a:off x="5738282" y="44869"/>
+            <a:ext cx="5886028" cy="6819201"/>
+          </a:xfrm>
+          <a:prstGeom prst="rect">
+            <a:avLst/>
+          </a:prstGeom>
+          <a:noFill/>
+          <a:extLst>
+            <a:ext uri="{909E8E84-426E-40DD-AFC4-6F175D3DCCD1}">
+              <a14:hiddenFill xmlns:a14="http://schemas.microsoft.com/office/drawing/2010/main">
+                <a:solidFill>
+                  <a:srgbClr val="FFFFFF"/>
+                </a:solidFill>
+              </a14:hiddenFill>
+            </a:ext>
+          </a:extLst>
+        </p:spPr>
+      </p:pic>
+      <p:sp>
+        <p:nvSpPr>
+          <p:cNvPr id="8" name="TextBox 7">
+            <a:extLst>
+              <a:ext uri="{FF2B5EF4-FFF2-40B4-BE49-F238E27FC236}">
+                <a16:creationId xmlns:a16="http://schemas.microsoft.com/office/drawing/2014/main" id="{4329B096-1CD5-A5FA-32EF-7DEB434FED9D}"/>
+              </a:ext>
+            </a:extLst>
+          </p:cNvPr>
+          <p:cNvSpPr txBox="1"/>
+          <p:nvPr/>
+        </p:nvSpPr>
+        <p:spPr>
+          <a:xfrm>
+            <a:off x="2214563" y="3454469"/>
+            <a:ext cx="1462089" cy="2239844"/>
+          </a:xfrm>
+          <a:prstGeom prst="rect">
+            <a:avLst/>
+          </a:prstGeom>
+          <a:noFill/>
+        </p:spPr>
+        <p:txBody>
+          <a:bodyPr wrap="square">
+            <a:spAutoFit/>
+          </a:bodyPr>
+          <a:lstStyle/>
+          <a:p>
+            <a:pPr>
+              <a:lnSpc>
+                <a:spcPct val="150000"/>
+              </a:lnSpc>
+            </a:pPr>
+            <a:r>
+              <a:rPr lang="en-US" sz="2400">
+                <a:latin typeface="Arial" panose="020B0604020202020204" pitchFamily="34" charset="0"/>
+                <a:cs typeface="Arial" panose="020B0604020202020204" pitchFamily="34" charset="0"/>
+              </a:rPr>
+              <a:t>Git</a:t>
+            </a:r>
+            <a:endParaRPr lang="uk-UA" sz="2400">
+              <a:latin typeface="Arial" panose="020B0604020202020204" pitchFamily="34" charset="0"/>
+              <a:cs typeface="Arial" panose="020B0604020202020204" pitchFamily="34" charset="0"/>
+            </a:endParaRPr>
+          </a:p>
+          <a:p>
+            <a:pPr>
+              <a:lnSpc>
+                <a:spcPct val="150000"/>
+              </a:lnSpc>
+            </a:pPr>
+            <a:r>
+              <a:rPr lang="en-US" sz="2400">
+                <a:latin typeface="Arial" panose="020B0604020202020204" pitchFamily="34" charset="0"/>
+                <a:cs typeface="Arial" panose="020B0604020202020204" pitchFamily="34" charset="0"/>
+              </a:rPr>
+              <a:t>Mercurial</a:t>
+            </a:r>
+            <a:endParaRPr lang="uk-UA" sz="2400">
+              <a:latin typeface="Arial" panose="020B0604020202020204" pitchFamily="34" charset="0"/>
+              <a:cs typeface="Arial" panose="020B0604020202020204" pitchFamily="34" charset="0"/>
+            </a:endParaRPr>
+          </a:p>
+          <a:p>
+            <a:pPr>
+              <a:lnSpc>
+                <a:spcPct val="150000"/>
+              </a:lnSpc>
+            </a:pPr>
+            <a:r>
+              <a:rPr lang="en-US" sz="2400">
+                <a:latin typeface="Arial" panose="020B0604020202020204" pitchFamily="34" charset="0"/>
+                <a:cs typeface="Arial" panose="020B0604020202020204" pitchFamily="34" charset="0"/>
+              </a:rPr>
+              <a:t>Bazaar</a:t>
+            </a:r>
+            <a:endParaRPr lang="uk-UA" sz="2400">
+              <a:latin typeface="Arial" panose="020B0604020202020204" pitchFamily="34" charset="0"/>
+              <a:cs typeface="Arial" panose="020B0604020202020204" pitchFamily="34" charset="0"/>
+            </a:endParaRPr>
+          </a:p>
+          <a:p>
+            <a:pPr>
+              <a:lnSpc>
+                <a:spcPct val="150000"/>
+              </a:lnSpc>
+            </a:pPr>
+            <a:r>
+              <a:rPr lang="en-US" sz="2400" err="1">
+                <a:latin typeface="Arial" panose="020B0604020202020204" pitchFamily="34" charset="0"/>
+                <a:cs typeface="Arial" panose="020B0604020202020204" pitchFamily="34" charset="0"/>
+              </a:rPr>
+              <a:t>Darcs</a:t>
+            </a:r>
+            <a:endParaRPr lang="ru-RU" sz="2400">
+              <a:latin typeface="Arial" panose="020B0604020202020204" pitchFamily="34" charset="0"/>
+              <a:cs typeface="Arial" panose="020B0604020202020204" pitchFamily="34" charset="0"/>
+            </a:endParaRPr>
+          </a:p>
+        </p:txBody>
+      </p:sp>
+    </p:spTree>
+    <p:extLst>
+      <p:ext uri="{BB962C8B-B14F-4D97-AF65-F5344CB8AC3E}">
+        <p14:creationId xmlns:p14="http://schemas.microsoft.com/office/powerpoint/2010/main" val="3597471917"/>
+      </p:ext>
+    </p:extLst>
+  </p:cSld>
+  <p:clrMapOvr>
+    <a:masterClrMapping/>
+  </p:clrMapOvr>
+</p:sld>
+</file>
+
+<file path=ppt/slides/slide11.xml><?xml version="1.0" encoding="utf-8"?>
+<p:sld xmlns:a="http://schemas.openxmlformats.org/drawingml/2006/main" xmlns:r="http://schemas.openxmlformats.org/officeDocument/2006/relationships" xmlns:p="http://schemas.openxmlformats.org/presentationml/2006/main">
+  <p:cSld>
     <p:bg>
       <p:bgPr>
         <a:gradFill flip="none" rotWithShape="1">
@@ -6009,7 +6251,7 @@
 </p:sld>
 </file>
 
-<file path=ppt/slides/slide11.xml><?xml version="1.0" encoding="utf-8"?>
+<file path=ppt/slides/slide12.xml><?xml version="1.0" encoding="utf-8"?>
 <p:sld xmlns:a="http://schemas.openxmlformats.org/drawingml/2006/main" xmlns:r="http://schemas.openxmlformats.org/officeDocument/2006/relationships" xmlns:p="http://schemas.openxmlformats.org/presentationml/2006/main">
   <p:cSld>
     <p:spTree>
@@ -6853,7 +7095,7 @@
 </p:sld>
 </file>
 
-<file path=ppt/slides/slide12.xml><?xml version="1.0" encoding="utf-8"?>
+<file path=ppt/slides/slide13.xml><?xml version="1.0" encoding="utf-8"?>
 <p:sld xmlns:a="http://schemas.openxmlformats.org/drawingml/2006/main" xmlns:r="http://schemas.openxmlformats.org/officeDocument/2006/relationships" xmlns:p="http://schemas.openxmlformats.org/presentationml/2006/main">
   <p:cSld>
     <p:spTree>
@@ -7493,7 +7735,7 @@
 </p:sld>
 </file>
 
-<file path=ppt/slides/slide13.xml><?xml version="1.0" encoding="utf-8"?>
+<file path=ppt/slides/slide14.xml><?xml version="1.0" encoding="utf-8"?>
 <p:sld xmlns:a="http://schemas.openxmlformats.org/drawingml/2006/main" xmlns:r="http://schemas.openxmlformats.org/officeDocument/2006/relationships" xmlns:p="http://schemas.openxmlformats.org/presentationml/2006/main">
   <p:cSld>
     <p:spTree>
@@ -7825,7 +8067,7 @@
 </p:sld>
 </file>
 
-<file path=ppt/slides/slide14.xml><?xml version="1.0" encoding="utf-8"?>
+<file path=ppt/slides/slide15.xml><?xml version="1.0" encoding="utf-8"?>
 <p:sld xmlns:a="http://schemas.openxmlformats.org/drawingml/2006/main" xmlns:r="http://schemas.openxmlformats.org/officeDocument/2006/relationships" xmlns:p="http://schemas.openxmlformats.org/presentationml/2006/main">
   <p:cSld>
     <p:spTree>
@@ -8080,7 +8322,7 @@
 </p:sld>
 </file>
 
-<file path=ppt/slides/slide15.xml><?xml version="1.0" encoding="utf-8"?>
+<file path=ppt/slides/slide16.xml><?xml version="1.0" encoding="utf-8"?>
 <p:sld xmlns:a="http://schemas.openxmlformats.org/drawingml/2006/main" xmlns:r="http://schemas.openxmlformats.org/officeDocument/2006/relationships" xmlns:p="http://schemas.openxmlformats.org/presentationml/2006/main">
   <p:cSld>
     <p:spTree>
@@ -8339,7 +8581,7 @@
 </p:sld>
 </file>
 
-<file path=ppt/slides/slide16.xml><?xml version="1.0" encoding="utf-8"?>
+<file path=ppt/slides/slide17.xml><?xml version="1.0" encoding="utf-8"?>
 <p:sld xmlns:a="http://schemas.openxmlformats.org/drawingml/2006/main" xmlns:r="http://schemas.openxmlformats.org/officeDocument/2006/relationships" xmlns:p="http://schemas.openxmlformats.org/presentationml/2006/main">
   <p:cSld>
     <p:spTree>
@@ -8677,7 +8919,7 @@
 </p:sld>
 </file>
 
-<file path=ppt/slides/slide17.xml><?xml version="1.0" encoding="utf-8"?>
+<file path=ppt/slides/slide18.xml><?xml version="1.0" encoding="utf-8"?>
 <p:sld xmlns:a="http://schemas.openxmlformats.org/drawingml/2006/main" xmlns:r="http://schemas.openxmlformats.org/officeDocument/2006/relationships" xmlns:p="http://schemas.openxmlformats.org/presentationml/2006/main">
   <p:cSld>
     <p:spTree>
@@ -8873,7 +9115,7 @@
 </p:sld>
 </file>
 
-<file path=ppt/slides/slide18.xml><?xml version="1.0" encoding="utf-8"?>
+<file path=ppt/slides/slide19.xml><?xml version="1.0" encoding="utf-8"?>
 <p:sld xmlns:a="http://schemas.openxmlformats.org/drawingml/2006/main" xmlns:r="http://schemas.openxmlformats.org/officeDocument/2006/relationships" xmlns:p="http://schemas.openxmlformats.org/presentationml/2006/main">
   <p:cSld>
     <p:spTree>
@@ -9244,7 +9486,672 @@
 </p:sld>
 </file>
 
-<file path=ppt/slides/slide19.xml><?xml version="1.0" encoding="utf-8"?>
+<file path=ppt/slides/slide2.xml><?xml version="1.0" encoding="utf-8"?>
+<p:sld xmlns:a="http://schemas.openxmlformats.org/drawingml/2006/main" xmlns:r="http://schemas.openxmlformats.org/officeDocument/2006/relationships" xmlns:p="http://schemas.openxmlformats.org/presentationml/2006/main">
+  <p:cSld>
+    <p:bg>
+      <p:bgPr>
+        <a:gradFill flip="none" rotWithShape="1">
+          <a:gsLst>
+            <a:gs pos="0">
+              <a:schemeClr val="accent1">
+                <a:lumMod val="5000"/>
+                <a:lumOff val="95000"/>
+              </a:schemeClr>
+            </a:gs>
+            <a:gs pos="50000">
+              <a:schemeClr val="accent4">
+                <a:lumMod val="40000"/>
+                <a:lumOff val="60000"/>
+              </a:schemeClr>
+            </a:gs>
+            <a:gs pos="59000">
+              <a:schemeClr val="accent1">
+                <a:lumMod val="20000"/>
+                <a:lumOff val="80000"/>
+              </a:schemeClr>
+            </a:gs>
+            <a:gs pos="100000">
+              <a:schemeClr val="accent1">
+                <a:lumMod val="30000"/>
+                <a:lumOff val="70000"/>
+              </a:schemeClr>
+            </a:gs>
+          </a:gsLst>
+          <a:lin ang="16200000" scaled="0"/>
+          <a:tileRect/>
+        </a:gradFill>
+        <a:effectLst/>
+      </p:bgPr>
+    </p:bg>
+    <p:spTree>
+      <p:nvGrpSpPr>
+        <p:cNvPr id="1" name=""/>
+        <p:cNvGrpSpPr/>
+        <p:nvPr/>
+      </p:nvGrpSpPr>
+      <p:grpSpPr>
+        <a:xfrm>
+          <a:off x="0" y="0"/>
+          <a:ext cx="0" cy="0"/>
+          <a:chOff x="0" y="0"/>
+          <a:chExt cx="0" cy="0"/>
+        </a:xfrm>
+      </p:grpSpPr>
+      <p:sp>
+        <p:nvSpPr>
+          <p:cNvPr id="2" name="Заголовок 1">
+            <a:extLst>
+              <a:ext uri="{FF2B5EF4-FFF2-40B4-BE49-F238E27FC236}">
+                <a16:creationId xmlns:a16="http://schemas.microsoft.com/office/drawing/2014/main" id="{D2DBF401-051A-4776-847A-918736DB54BA}"/>
+              </a:ext>
+            </a:extLst>
+          </p:cNvPr>
+          <p:cNvSpPr>
+            <a:spLocks noGrp="1"/>
+          </p:cNvSpPr>
+          <p:nvPr>
+            <p:ph type="ctrTitle"/>
+          </p:nvPr>
+        </p:nvSpPr>
+        <p:spPr>
+          <a:xfrm>
+            <a:off x="1482571" y="2320290"/>
+            <a:ext cx="9590468" cy="4537710"/>
+          </a:xfrm>
+        </p:spPr>
+        <p:txBody>
+          <a:bodyPr>
+            <a:normAutofit fontScale="90000"/>
+          </a:bodyPr>
+          <a:lstStyle/>
+          <a:p>
+            <a:r>
+              <a:rPr lang="uk-UA" sz="2000" b="1" dirty="0">
+                <a:latin typeface="SchoolBookCTT" pitchFamily="2" charset="0"/>
+              </a:rPr>
+              <a:t/>
+            </a:r>
+            <a:br>
+              <a:rPr lang="uk-UA" sz="2000" b="1" dirty="0">
+                <a:latin typeface="SchoolBookCTT" pitchFamily="2" charset="0"/>
+              </a:rPr>
+            </a:br>
+            <a:r>
+              <a:rPr lang="uk-UA" sz="1100" b="1" dirty="0">
+                <a:latin typeface="SchoolBookCTT" pitchFamily="2" charset="0"/>
+              </a:rPr>
+              <a:t/>
+            </a:r>
+            <a:br>
+              <a:rPr lang="uk-UA" sz="1100" b="1" dirty="0">
+                <a:latin typeface="SchoolBookCTT" pitchFamily="2" charset="0"/>
+              </a:rPr>
+            </a:br>
+            <a:r>
+              <a:rPr lang="uk-UA" sz="2000" b="1" dirty="0">
+                <a:latin typeface="SchoolBookCTT" pitchFamily="2" charset="0"/>
+              </a:rPr>
+              <a:t/>
+            </a:r>
+            <a:br>
+              <a:rPr lang="uk-UA" sz="2000" b="1" dirty="0">
+                <a:latin typeface="SchoolBookCTT" pitchFamily="2" charset="0"/>
+              </a:rPr>
+            </a:br>
+            <a:r>
+              <a:rPr lang="uk-UA" sz="2000" b="1" dirty="0">
+                <a:latin typeface="SchoolBookCTT" pitchFamily="2" charset="0"/>
+              </a:rPr>
+              <a:t/>
+            </a:r>
+            <a:br>
+              <a:rPr lang="uk-UA" sz="2000" b="1" dirty="0">
+                <a:latin typeface="SchoolBookCTT" pitchFamily="2" charset="0"/>
+              </a:rPr>
+            </a:br>
+            <a:r>
+              <a:rPr lang="uk-UA" sz="2000" b="1" dirty="0">
+                <a:latin typeface="SchoolBookCTT" pitchFamily="2" charset="0"/>
+              </a:rPr>
+              <a:t/>
+            </a:r>
+            <a:br>
+              <a:rPr lang="uk-UA" sz="2000" b="1" dirty="0">
+                <a:latin typeface="SchoolBookCTT" pitchFamily="2" charset="0"/>
+              </a:rPr>
+            </a:br>
+            <a:r>
+              <a:rPr lang="uk-UA" sz="2000" b="1" dirty="0">
+                <a:latin typeface="SchoolBookCTT" pitchFamily="2" charset="0"/>
+              </a:rPr>
+              <a:t/>
+            </a:r>
+            <a:br>
+              <a:rPr lang="uk-UA" sz="2000" b="1" dirty="0">
+                <a:latin typeface="SchoolBookCTT" pitchFamily="2" charset="0"/>
+              </a:rPr>
+            </a:br>
+            <a:r>
+              <a:rPr lang="uk-UA" sz="2000" b="1" dirty="0">
+                <a:latin typeface="SchoolBookCTT" pitchFamily="2" charset="0"/>
+              </a:rPr>
+              <a:t/>
+            </a:r>
+            <a:br>
+              <a:rPr lang="uk-UA" sz="2000" b="1" dirty="0">
+                <a:latin typeface="SchoolBookCTT" pitchFamily="2" charset="0"/>
+              </a:rPr>
+            </a:br>
+            <a:r>
+              <a:rPr lang="uk-UA" sz="2000" b="1" dirty="0">
+                <a:latin typeface="SchoolBookCTT" pitchFamily="2" charset="0"/>
+              </a:rPr>
+              <a:t/>
+            </a:r>
+            <a:br>
+              <a:rPr lang="uk-UA" sz="2000" b="1" dirty="0">
+                <a:latin typeface="SchoolBookCTT" pitchFamily="2" charset="0"/>
+              </a:rPr>
+            </a:br>
+            <a:r>
+              <a:rPr lang="uk-UA" sz="2000" b="1" dirty="0">
+                <a:latin typeface="SchoolBookCTT" pitchFamily="2" charset="0"/>
+              </a:rPr>
+              <a:t/>
+            </a:r>
+            <a:br>
+              <a:rPr lang="uk-UA" sz="2000" b="1" dirty="0">
+                <a:latin typeface="SchoolBookCTT" pitchFamily="2" charset="0"/>
+              </a:rPr>
+            </a:br>
+            <a:r>
+              <a:rPr lang="uk-UA" sz="2000" b="1" dirty="0">
+                <a:latin typeface="SchoolBookCTT" pitchFamily="2" charset="0"/>
+              </a:rPr>
+              <a:t/>
+            </a:r>
+            <a:br>
+              <a:rPr lang="uk-UA" sz="2000" b="1" dirty="0">
+                <a:latin typeface="SchoolBookCTT" pitchFamily="2" charset="0"/>
+              </a:rPr>
+            </a:br>
+            <a:r>
+              <a:rPr lang="uk-UA" sz="2000" b="1" dirty="0">
+                <a:latin typeface="SchoolBookCTT" pitchFamily="2" charset="0"/>
+              </a:rPr>
+              <a:t/>
+            </a:r>
+            <a:br>
+              <a:rPr lang="uk-UA" sz="2000" b="1" dirty="0">
+                <a:latin typeface="SchoolBookCTT" pitchFamily="2" charset="0"/>
+              </a:rPr>
+            </a:br>
+            <a:r>
+              <a:rPr lang="uk-UA" sz="1200" b="1" dirty="0">
+                <a:latin typeface="SchoolBookCTT" pitchFamily="2" charset="0"/>
+              </a:rPr>
+              <a:t/>
+            </a:r>
+            <a:br>
+              <a:rPr lang="uk-UA" sz="1200" b="1" dirty="0">
+                <a:latin typeface="SchoolBookCTT" pitchFamily="2" charset="0"/>
+              </a:rPr>
+            </a:br>
+            <a:r>
+              <a:rPr lang="uk-UA" sz="1200" b="1" dirty="0">
+                <a:latin typeface="SchoolBookCTT" pitchFamily="2" charset="0"/>
+              </a:rPr>
+              <a:t/>
+            </a:r>
+            <a:br>
+              <a:rPr lang="uk-UA" sz="1200" b="1" dirty="0">
+                <a:latin typeface="SchoolBookCTT" pitchFamily="2" charset="0"/>
+              </a:rPr>
+            </a:br>
+            <a:r>
+              <a:rPr lang="uk-UA" sz="1200" b="1" dirty="0">
+                <a:latin typeface="SchoolBookCTT" pitchFamily="2" charset="0"/>
+              </a:rPr>
+              <a:t/>
+            </a:r>
+            <a:br>
+              <a:rPr lang="uk-UA" sz="1200" b="1" dirty="0">
+                <a:latin typeface="SchoolBookCTT" pitchFamily="2" charset="0"/>
+              </a:rPr>
+            </a:br>
+            <a:r>
+              <a:rPr lang="uk-UA" sz="1200" b="1" dirty="0">
+                <a:latin typeface="SchoolBookCTT" pitchFamily="2" charset="0"/>
+              </a:rPr>
+              <a:t/>
+            </a:r>
+            <a:br>
+              <a:rPr lang="uk-UA" sz="1200" b="1" dirty="0">
+                <a:latin typeface="SchoolBookCTT" pitchFamily="2" charset="0"/>
+              </a:rPr>
+            </a:br>
+            <a:r>
+              <a:rPr lang="uk-UA" sz="1200" b="1" dirty="0">
+                <a:latin typeface="SchoolBookCTT" pitchFamily="2" charset="0"/>
+              </a:rPr>
+              <a:t/>
+            </a:r>
+            <a:br>
+              <a:rPr lang="uk-UA" sz="1200" b="1" dirty="0">
+                <a:latin typeface="SchoolBookCTT" pitchFamily="2" charset="0"/>
+              </a:rPr>
+            </a:br>
+            <a:r>
+              <a:rPr lang="en-US" sz="3100" b="1" dirty="0">
+                <a:solidFill>
+                  <a:srgbClr val="00B0F0"/>
+                </a:solidFill>
+                <a:latin typeface="SchoolBookCTT" pitchFamily="2" charset="0"/>
+              </a:rPr>
+              <a:t>Team members </a:t>
+            </a:r>
+            <a:r>
+              <a:rPr lang="uk-UA" sz="1200" b="1" dirty="0">
+                <a:latin typeface="SchoolBookCTT" pitchFamily="2" charset="0"/>
+              </a:rPr>
+              <a:t/>
+            </a:r>
+            <a:br>
+              <a:rPr lang="uk-UA" sz="1200" b="1" dirty="0">
+                <a:latin typeface="SchoolBookCTT" pitchFamily="2" charset="0"/>
+              </a:rPr>
+            </a:br>
+            <a:r>
+              <a:rPr lang="uk-UA" sz="1200" b="1" dirty="0">
+                <a:latin typeface="SchoolBookCTT" pitchFamily="2" charset="0"/>
+              </a:rPr>
+              <a:t/>
+            </a:r>
+            <a:br>
+              <a:rPr lang="uk-UA" sz="1200" b="1" dirty="0">
+                <a:latin typeface="SchoolBookCTT" pitchFamily="2" charset="0"/>
+              </a:rPr>
+            </a:br>
+            <a:r>
+              <a:rPr lang="uk-UA" sz="2200" b="1" dirty="0">
+                <a:solidFill>
+                  <a:srgbClr val="FFFF00"/>
+                </a:solidFill>
+                <a:effectLst>
+                  <a:outerShdw blurRad="38100" dist="38100" dir="2700000" algn="tl">
+                    <a:srgbClr val="000000">
+                      <a:alpha val="43137"/>
+                    </a:srgbClr>
+                  </a:outerShdw>
+                </a:effectLst>
+              </a:rPr>
+              <a:t>Клименко Артем </a:t>
+            </a:r>
+            <a:r>
+              <a:rPr lang="en-US" sz="2200" b="1" dirty="0">
+                <a:solidFill>
+                  <a:srgbClr val="FFFF00"/>
+                </a:solidFill>
+                <a:effectLst>
+                  <a:outerShdw blurRad="38100" dist="38100" dir="2700000" algn="tl">
+                    <a:srgbClr val="000000">
+                      <a:alpha val="43137"/>
+                    </a:srgbClr>
+                  </a:outerShdw>
+                </a:effectLst>
+              </a:rPr>
+              <a:t>(PM)</a:t>
+            </a:r>
+            <a:br>
+              <a:rPr lang="en-US" sz="2200" b="1" dirty="0">
+                <a:solidFill>
+                  <a:srgbClr val="FFFF00"/>
+                </a:solidFill>
+                <a:effectLst>
+                  <a:outerShdw blurRad="38100" dist="38100" dir="2700000" algn="tl">
+                    <a:srgbClr val="000000">
+                      <a:alpha val="43137"/>
+                    </a:srgbClr>
+                  </a:outerShdw>
+                </a:effectLst>
+              </a:rPr>
+            </a:br>
+            <a:r>
+              <a:rPr lang="uk-UA" sz="2200" b="1" dirty="0">
+                <a:solidFill>
+                  <a:srgbClr val="FFFF00"/>
+                </a:solidFill>
+                <a:effectLst>
+                  <a:outerShdw blurRad="38100" dist="38100" dir="2700000" algn="tl">
+                    <a:srgbClr val="000000">
+                      <a:alpha val="43137"/>
+                    </a:srgbClr>
+                  </a:outerShdw>
+                </a:effectLst>
+              </a:rPr>
+              <a:t>Полібін-Щербак Демид Артемович(</a:t>
+            </a:r>
+            <a:r>
+              <a:rPr lang="en-US" sz="2200" b="1" dirty="0">
+                <a:solidFill>
+                  <a:srgbClr val="FFFF00"/>
+                </a:solidFill>
+                <a:effectLst>
+                  <a:outerShdw blurRad="38100" dist="38100" dir="2700000" algn="tl">
+                    <a:srgbClr val="000000">
+                      <a:alpha val="43137"/>
+                    </a:srgbClr>
+                  </a:outerShdw>
+                </a:effectLst>
+              </a:rPr>
+              <a:t>PM)</a:t>
+            </a:r>
+            <a:br>
+              <a:rPr lang="en-US" sz="2200" b="1" dirty="0">
+                <a:solidFill>
+                  <a:srgbClr val="FFFF00"/>
+                </a:solidFill>
+                <a:effectLst>
+                  <a:outerShdw blurRad="38100" dist="38100" dir="2700000" algn="tl">
+                    <a:srgbClr val="000000">
+                      <a:alpha val="43137"/>
+                    </a:srgbClr>
+                  </a:outerShdw>
+                </a:effectLst>
+              </a:rPr>
+            </a:br>
+            <a:r>
+              <a:rPr lang="uk-UA" sz="2200" b="1" dirty="0">
+                <a:solidFill>
+                  <a:srgbClr val="FFFF00"/>
+                </a:solidFill>
+                <a:effectLst>
+                  <a:outerShdw blurRad="38100" dist="38100" dir="2700000" algn="tl">
+                    <a:srgbClr val="000000">
+                      <a:alpha val="43137"/>
+                    </a:srgbClr>
+                  </a:outerShdw>
+                </a:effectLst>
+              </a:rPr>
+              <a:t>Бабенко Станіслав Олексійович</a:t>
+            </a:r>
+            <a:r>
+              <a:rPr lang="en-US" sz="2200" b="1" dirty="0">
+                <a:solidFill>
+                  <a:srgbClr val="FFFF00"/>
+                </a:solidFill>
+                <a:effectLst>
+                  <a:outerShdw blurRad="38100" dist="38100" dir="2700000" algn="tl">
+                    <a:srgbClr val="000000">
+                      <a:alpha val="43137"/>
+                    </a:srgbClr>
+                  </a:outerShdw>
+                </a:effectLst>
+              </a:rPr>
+              <a:t>(Editor)</a:t>
+            </a:r>
+            <a:r>
+              <a:rPr lang="uk-UA" sz="2200" b="1" dirty="0">
+                <a:solidFill>
+                  <a:srgbClr val="FFFF00"/>
+                </a:solidFill>
+                <a:effectLst>
+                  <a:outerShdw blurRad="38100" dist="38100" dir="2700000" algn="tl">
+                    <a:srgbClr val="000000">
+                      <a:alpha val="43137"/>
+                    </a:srgbClr>
+                  </a:outerShdw>
+                </a:effectLst>
+              </a:rPr>
+              <a:t/>
+            </a:r>
+            <a:br>
+              <a:rPr lang="uk-UA" sz="2200" b="1" dirty="0">
+                <a:solidFill>
+                  <a:srgbClr val="FFFF00"/>
+                </a:solidFill>
+                <a:effectLst>
+                  <a:outerShdw blurRad="38100" dist="38100" dir="2700000" algn="tl">
+                    <a:srgbClr val="000000">
+                      <a:alpha val="43137"/>
+                    </a:srgbClr>
+                  </a:outerShdw>
+                </a:effectLst>
+              </a:rPr>
+            </a:br>
+            <a:r>
+              <a:rPr lang="uk-UA" sz="2200" b="1" dirty="0">
+                <a:solidFill>
+                  <a:schemeClr val="accent1">
+                    <a:lumMod val="75000"/>
+                  </a:schemeClr>
+                </a:solidFill>
+                <a:effectLst>
+                  <a:outerShdw blurRad="38100" dist="38100" dir="2700000" algn="tl">
+                    <a:srgbClr val="000000">
+                      <a:alpha val="43137"/>
+                    </a:srgbClr>
+                  </a:outerShdw>
+                </a:effectLst>
+              </a:rPr>
+              <a:t>Сердюк Костя Олегович</a:t>
+            </a:r>
+            <a:r>
+              <a:rPr lang="en-US" sz="2200" b="1" dirty="0">
+                <a:solidFill>
+                  <a:schemeClr val="accent1">
+                    <a:lumMod val="75000"/>
+                  </a:schemeClr>
+                </a:solidFill>
+                <a:effectLst>
+                  <a:outerShdw blurRad="38100" dist="38100" dir="2700000" algn="tl">
+                    <a:srgbClr val="000000">
+                      <a:alpha val="43137"/>
+                    </a:srgbClr>
+                  </a:outerShdw>
+                </a:effectLst>
+              </a:rPr>
+              <a:t>(Editor)</a:t>
+            </a:r>
+            <a:r>
+              <a:rPr lang="uk-UA" sz="2200" b="1" dirty="0">
+                <a:solidFill>
+                  <a:schemeClr val="accent1">
+                    <a:lumMod val="75000"/>
+                  </a:schemeClr>
+                </a:solidFill>
+                <a:effectLst>
+                  <a:outerShdw blurRad="38100" dist="38100" dir="2700000" algn="tl">
+                    <a:srgbClr val="000000">
+                      <a:alpha val="43137"/>
+                    </a:srgbClr>
+                  </a:outerShdw>
+                </a:effectLst>
+              </a:rPr>
+              <a:t/>
+            </a:r>
+            <a:br>
+              <a:rPr lang="uk-UA" sz="2200" b="1" dirty="0">
+                <a:solidFill>
+                  <a:schemeClr val="accent1">
+                    <a:lumMod val="75000"/>
+                  </a:schemeClr>
+                </a:solidFill>
+                <a:effectLst>
+                  <a:outerShdw blurRad="38100" dist="38100" dir="2700000" algn="tl">
+                    <a:srgbClr val="000000">
+                      <a:alpha val="43137"/>
+                    </a:srgbClr>
+                  </a:outerShdw>
+                </a:effectLst>
+              </a:rPr>
+            </a:br>
+            <a:r>
+              <a:rPr lang="uk-UA" sz="2200" b="1" dirty="0">
+                <a:solidFill>
+                  <a:srgbClr val="FFFF00"/>
+                </a:solidFill>
+                <a:effectLst>
+                  <a:outerShdw blurRad="38100" dist="38100" dir="2700000" algn="tl">
+                    <a:srgbClr val="000000">
+                      <a:alpha val="43137"/>
+                    </a:srgbClr>
+                  </a:outerShdw>
+                </a:effectLst>
+              </a:rPr>
+              <a:t>Шейко Ростислав Олександрович</a:t>
+            </a:r>
+            <a:r>
+              <a:rPr lang="en-US" sz="2200" b="1" dirty="0">
+                <a:solidFill>
+                  <a:srgbClr val="FFFF00"/>
+                </a:solidFill>
+                <a:effectLst>
+                  <a:outerShdw blurRad="38100" dist="38100" dir="2700000" algn="tl">
+                    <a:srgbClr val="000000">
+                      <a:alpha val="43137"/>
+                    </a:srgbClr>
+                  </a:outerShdw>
+                </a:effectLst>
+              </a:rPr>
+              <a:t>(Editor)</a:t>
+            </a:r>
+            <a:r>
+              <a:rPr lang="uk-UA" sz="2200" b="1" dirty="0">
+                <a:solidFill>
+                  <a:srgbClr val="FFFF00"/>
+                </a:solidFill>
+                <a:effectLst>
+                  <a:outerShdw blurRad="38100" dist="38100" dir="2700000" algn="tl">
+                    <a:srgbClr val="000000">
+                      <a:alpha val="43137"/>
+                    </a:srgbClr>
+                  </a:outerShdw>
+                </a:effectLst>
+              </a:rPr>
+              <a:t/>
+            </a:r>
+            <a:br>
+              <a:rPr lang="uk-UA" sz="2200" b="1" dirty="0">
+                <a:solidFill>
+                  <a:srgbClr val="FFFF00"/>
+                </a:solidFill>
+                <a:effectLst>
+                  <a:outerShdw blurRad="38100" dist="38100" dir="2700000" algn="tl">
+                    <a:srgbClr val="000000">
+                      <a:alpha val="43137"/>
+                    </a:srgbClr>
+                  </a:outerShdw>
+                </a:effectLst>
+              </a:rPr>
+            </a:br>
+            <a:r>
+              <a:rPr lang="uk-UA" sz="2200" b="1" dirty="0">
+                <a:solidFill>
+                  <a:srgbClr val="FFFF00"/>
+                </a:solidFill>
+                <a:effectLst>
+                  <a:outerShdw blurRad="38100" dist="38100" dir="2700000" algn="tl">
+                    <a:srgbClr val="000000">
+                      <a:alpha val="43137"/>
+                    </a:srgbClr>
+                  </a:outerShdw>
+                </a:effectLst>
+              </a:rPr>
+              <a:t>Фоменко Валентин Олександрович</a:t>
+            </a:r>
+            <a:r>
+              <a:rPr lang="en-US" sz="2200" b="1" dirty="0">
+                <a:solidFill>
+                  <a:srgbClr val="FFFF00"/>
+                </a:solidFill>
+                <a:effectLst>
+                  <a:outerShdw blurRad="38100" dist="38100" dir="2700000" algn="tl">
+                    <a:srgbClr val="000000">
+                      <a:alpha val="43137"/>
+                    </a:srgbClr>
+                  </a:outerShdw>
+                </a:effectLst>
+              </a:rPr>
+              <a:t>(Editor</a:t>
+            </a:r>
+            <a:r>
+              <a:rPr lang="uk-UA" sz="1200" b="1" dirty="0">
+                <a:solidFill>
+                  <a:srgbClr val="0070C0"/>
+                </a:solidFill>
+                <a:latin typeface="SchoolBookCTT" pitchFamily="2" charset="0"/>
+              </a:rPr>
+              <a:t/>
+            </a:r>
+            <a:br>
+              <a:rPr lang="uk-UA" sz="1200" b="1" dirty="0">
+                <a:solidFill>
+                  <a:srgbClr val="0070C0"/>
+                </a:solidFill>
+                <a:latin typeface="SchoolBookCTT" pitchFamily="2" charset="0"/>
+              </a:rPr>
+            </a:br>
+            <a:r>
+              <a:rPr lang="uk-UA" sz="1000" b="1" dirty="0">
+                <a:latin typeface="SchoolBookCTT" pitchFamily="2" charset="0"/>
+              </a:rPr>
+              <a:t/>
+            </a:r>
+            <a:br>
+              <a:rPr lang="uk-UA" sz="1000" b="1" dirty="0">
+                <a:latin typeface="SchoolBookCTT" pitchFamily="2" charset="0"/>
+              </a:rPr>
+            </a:br>
+            <a:r>
+              <a:rPr lang="uk-UA" sz="3100" b="1" dirty="0">
+                <a:latin typeface="SchoolBookCTT" pitchFamily="2" charset="0"/>
+              </a:rPr>
+              <a:t/>
+            </a:r>
+            <a:br>
+              <a:rPr lang="uk-UA" sz="3100" b="1" dirty="0">
+                <a:latin typeface="SchoolBookCTT" pitchFamily="2" charset="0"/>
+              </a:rPr>
+            </a:br>
+            <a:r>
+              <a:rPr lang="uk-UA" sz="2400" b="1" dirty="0">
+                <a:solidFill>
+                  <a:srgbClr val="FF0000"/>
+                </a:solidFill>
+                <a:latin typeface="SchoolBookCTT" pitchFamily="2" charset="0"/>
+              </a:rPr>
+              <a:t/>
+            </a:r>
+            <a:br>
+              <a:rPr lang="uk-UA" sz="2400" b="1" dirty="0">
+                <a:solidFill>
+                  <a:srgbClr val="FF0000"/>
+                </a:solidFill>
+                <a:latin typeface="SchoolBookCTT" pitchFamily="2" charset="0"/>
+              </a:rPr>
+            </a:br>
+            <a:endParaRPr lang="uk-UA" sz="2400" b="1" dirty="0">
+              <a:latin typeface="SchoolBookCTT" pitchFamily="2" charset="0"/>
+            </a:endParaRPr>
+          </a:p>
+        </p:txBody>
+      </p:sp>
+    </p:spTree>
+    <p:extLst>
+      <p:ext uri="{BB962C8B-B14F-4D97-AF65-F5344CB8AC3E}">
+        <p14:creationId xmlns:p14="http://schemas.microsoft.com/office/powerpoint/2010/main" val="425924951"/>
+      </p:ext>
+    </p:extLst>
+  </p:cSld>
+  <p:clrMapOvr>
+    <a:masterClrMapping/>
+  </p:clrMapOvr>
+</p:sld>
+</file>
+
+<file path=ppt/slides/slide20.xml><?xml version="1.0" encoding="utf-8"?>
 <p:sld xmlns:a="http://schemas.openxmlformats.org/drawingml/2006/main" xmlns:r="http://schemas.openxmlformats.org/officeDocument/2006/relationships" xmlns:p="http://schemas.openxmlformats.org/presentationml/2006/main">
   <p:cSld>
     <p:spTree>
@@ -9518,672 +10425,7 @@
 </p:sld>
 </file>
 
-<file path=ppt/slides/slide2.xml><?xml version="1.0" encoding="utf-8"?>
-<p:sld xmlns:a="http://schemas.openxmlformats.org/drawingml/2006/main" xmlns:r="http://schemas.openxmlformats.org/officeDocument/2006/relationships" xmlns:p="http://schemas.openxmlformats.org/presentationml/2006/main">
-  <p:cSld>
-    <p:bg>
-      <p:bgPr>
-        <a:gradFill flip="none" rotWithShape="1">
-          <a:gsLst>
-            <a:gs pos="0">
-              <a:schemeClr val="accent1">
-                <a:lumMod val="5000"/>
-                <a:lumOff val="95000"/>
-              </a:schemeClr>
-            </a:gs>
-            <a:gs pos="50000">
-              <a:schemeClr val="accent4">
-                <a:lumMod val="40000"/>
-                <a:lumOff val="60000"/>
-              </a:schemeClr>
-            </a:gs>
-            <a:gs pos="59000">
-              <a:schemeClr val="accent1">
-                <a:lumMod val="20000"/>
-                <a:lumOff val="80000"/>
-              </a:schemeClr>
-            </a:gs>
-            <a:gs pos="100000">
-              <a:schemeClr val="accent1">
-                <a:lumMod val="30000"/>
-                <a:lumOff val="70000"/>
-              </a:schemeClr>
-            </a:gs>
-          </a:gsLst>
-          <a:lin ang="16200000" scaled="0"/>
-          <a:tileRect/>
-        </a:gradFill>
-        <a:effectLst/>
-      </p:bgPr>
-    </p:bg>
-    <p:spTree>
-      <p:nvGrpSpPr>
-        <p:cNvPr id="1" name=""/>
-        <p:cNvGrpSpPr/>
-        <p:nvPr/>
-      </p:nvGrpSpPr>
-      <p:grpSpPr>
-        <a:xfrm>
-          <a:off x="0" y="0"/>
-          <a:ext cx="0" cy="0"/>
-          <a:chOff x="0" y="0"/>
-          <a:chExt cx="0" cy="0"/>
-        </a:xfrm>
-      </p:grpSpPr>
-      <p:sp>
-        <p:nvSpPr>
-          <p:cNvPr id="2" name="Заголовок 1">
-            <a:extLst>
-              <a:ext uri="{FF2B5EF4-FFF2-40B4-BE49-F238E27FC236}">
-                <a16:creationId xmlns:a16="http://schemas.microsoft.com/office/drawing/2014/main" id="{D2DBF401-051A-4776-847A-918736DB54BA}"/>
-              </a:ext>
-            </a:extLst>
-          </p:cNvPr>
-          <p:cNvSpPr>
-            <a:spLocks noGrp="1"/>
-          </p:cNvSpPr>
-          <p:nvPr>
-            <p:ph type="ctrTitle"/>
-          </p:nvPr>
-        </p:nvSpPr>
-        <p:spPr>
-          <a:xfrm>
-            <a:off x="1482571" y="2320290"/>
-            <a:ext cx="9590468" cy="4537710"/>
-          </a:xfrm>
-        </p:spPr>
-        <p:txBody>
-          <a:bodyPr>
-            <a:normAutofit fontScale="90000"/>
-          </a:bodyPr>
-          <a:lstStyle/>
-          <a:p>
-            <a:r>
-              <a:rPr lang="uk-UA" sz="2000" b="1" dirty="0">
-                <a:latin typeface="SchoolBookCTT" pitchFamily="2" charset="0"/>
-              </a:rPr>
-              <a:t/>
-            </a:r>
-            <a:br>
-              <a:rPr lang="uk-UA" sz="2000" b="1" dirty="0">
-                <a:latin typeface="SchoolBookCTT" pitchFamily="2" charset="0"/>
-              </a:rPr>
-            </a:br>
-            <a:r>
-              <a:rPr lang="uk-UA" sz="1100" b="1" dirty="0">
-                <a:latin typeface="SchoolBookCTT" pitchFamily="2" charset="0"/>
-              </a:rPr>
-              <a:t/>
-            </a:r>
-            <a:br>
-              <a:rPr lang="uk-UA" sz="1100" b="1" dirty="0">
-                <a:latin typeface="SchoolBookCTT" pitchFamily="2" charset="0"/>
-              </a:rPr>
-            </a:br>
-            <a:r>
-              <a:rPr lang="uk-UA" sz="2000" b="1" dirty="0">
-                <a:latin typeface="SchoolBookCTT" pitchFamily="2" charset="0"/>
-              </a:rPr>
-              <a:t/>
-            </a:r>
-            <a:br>
-              <a:rPr lang="uk-UA" sz="2000" b="1" dirty="0">
-                <a:latin typeface="SchoolBookCTT" pitchFamily="2" charset="0"/>
-              </a:rPr>
-            </a:br>
-            <a:r>
-              <a:rPr lang="uk-UA" sz="2000" b="1" dirty="0">
-                <a:latin typeface="SchoolBookCTT" pitchFamily="2" charset="0"/>
-              </a:rPr>
-              <a:t/>
-            </a:r>
-            <a:br>
-              <a:rPr lang="uk-UA" sz="2000" b="1" dirty="0">
-                <a:latin typeface="SchoolBookCTT" pitchFamily="2" charset="0"/>
-              </a:rPr>
-            </a:br>
-            <a:r>
-              <a:rPr lang="uk-UA" sz="2000" b="1" dirty="0">
-                <a:latin typeface="SchoolBookCTT" pitchFamily="2" charset="0"/>
-              </a:rPr>
-              <a:t/>
-            </a:r>
-            <a:br>
-              <a:rPr lang="uk-UA" sz="2000" b="1" dirty="0">
-                <a:latin typeface="SchoolBookCTT" pitchFamily="2" charset="0"/>
-              </a:rPr>
-            </a:br>
-            <a:r>
-              <a:rPr lang="uk-UA" sz="2000" b="1" dirty="0">
-                <a:latin typeface="SchoolBookCTT" pitchFamily="2" charset="0"/>
-              </a:rPr>
-              <a:t/>
-            </a:r>
-            <a:br>
-              <a:rPr lang="uk-UA" sz="2000" b="1" dirty="0">
-                <a:latin typeface="SchoolBookCTT" pitchFamily="2" charset="0"/>
-              </a:rPr>
-            </a:br>
-            <a:r>
-              <a:rPr lang="uk-UA" sz="2000" b="1" dirty="0">
-                <a:latin typeface="SchoolBookCTT" pitchFamily="2" charset="0"/>
-              </a:rPr>
-              <a:t/>
-            </a:r>
-            <a:br>
-              <a:rPr lang="uk-UA" sz="2000" b="1" dirty="0">
-                <a:latin typeface="SchoolBookCTT" pitchFamily="2" charset="0"/>
-              </a:rPr>
-            </a:br>
-            <a:r>
-              <a:rPr lang="uk-UA" sz="2000" b="1" dirty="0">
-                <a:latin typeface="SchoolBookCTT" pitchFamily="2" charset="0"/>
-              </a:rPr>
-              <a:t/>
-            </a:r>
-            <a:br>
-              <a:rPr lang="uk-UA" sz="2000" b="1" dirty="0">
-                <a:latin typeface="SchoolBookCTT" pitchFamily="2" charset="0"/>
-              </a:rPr>
-            </a:br>
-            <a:r>
-              <a:rPr lang="uk-UA" sz="2000" b="1" dirty="0">
-                <a:latin typeface="SchoolBookCTT" pitchFamily="2" charset="0"/>
-              </a:rPr>
-              <a:t/>
-            </a:r>
-            <a:br>
-              <a:rPr lang="uk-UA" sz="2000" b="1" dirty="0">
-                <a:latin typeface="SchoolBookCTT" pitchFamily="2" charset="0"/>
-              </a:rPr>
-            </a:br>
-            <a:r>
-              <a:rPr lang="uk-UA" sz="2000" b="1" dirty="0">
-                <a:latin typeface="SchoolBookCTT" pitchFamily="2" charset="0"/>
-              </a:rPr>
-              <a:t/>
-            </a:r>
-            <a:br>
-              <a:rPr lang="uk-UA" sz="2000" b="1" dirty="0">
-                <a:latin typeface="SchoolBookCTT" pitchFamily="2" charset="0"/>
-              </a:rPr>
-            </a:br>
-            <a:r>
-              <a:rPr lang="uk-UA" sz="2000" b="1" dirty="0">
-                <a:latin typeface="SchoolBookCTT" pitchFamily="2" charset="0"/>
-              </a:rPr>
-              <a:t/>
-            </a:r>
-            <a:br>
-              <a:rPr lang="uk-UA" sz="2000" b="1" dirty="0">
-                <a:latin typeface="SchoolBookCTT" pitchFamily="2" charset="0"/>
-              </a:rPr>
-            </a:br>
-            <a:r>
-              <a:rPr lang="uk-UA" sz="1200" b="1" dirty="0">
-                <a:latin typeface="SchoolBookCTT" pitchFamily="2" charset="0"/>
-              </a:rPr>
-              <a:t/>
-            </a:r>
-            <a:br>
-              <a:rPr lang="uk-UA" sz="1200" b="1" dirty="0">
-                <a:latin typeface="SchoolBookCTT" pitchFamily="2" charset="0"/>
-              </a:rPr>
-            </a:br>
-            <a:r>
-              <a:rPr lang="uk-UA" sz="1200" b="1" dirty="0">
-                <a:latin typeface="SchoolBookCTT" pitchFamily="2" charset="0"/>
-              </a:rPr>
-              <a:t/>
-            </a:r>
-            <a:br>
-              <a:rPr lang="uk-UA" sz="1200" b="1" dirty="0">
-                <a:latin typeface="SchoolBookCTT" pitchFamily="2" charset="0"/>
-              </a:rPr>
-            </a:br>
-            <a:r>
-              <a:rPr lang="uk-UA" sz="1200" b="1" dirty="0">
-                <a:latin typeface="SchoolBookCTT" pitchFamily="2" charset="0"/>
-              </a:rPr>
-              <a:t/>
-            </a:r>
-            <a:br>
-              <a:rPr lang="uk-UA" sz="1200" b="1" dirty="0">
-                <a:latin typeface="SchoolBookCTT" pitchFamily="2" charset="0"/>
-              </a:rPr>
-            </a:br>
-            <a:r>
-              <a:rPr lang="uk-UA" sz="1200" b="1" dirty="0">
-                <a:latin typeface="SchoolBookCTT" pitchFamily="2" charset="0"/>
-              </a:rPr>
-              <a:t/>
-            </a:r>
-            <a:br>
-              <a:rPr lang="uk-UA" sz="1200" b="1" dirty="0">
-                <a:latin typeface="SchoolBookCTT" pitchFamily="2" charset="0"/>
-              </a:rPr>
-            </a:br>
-            <a:r>
-              <a:rPr lang="uk-UA" sz="1200" b="1" dirty="0">
-                <a:latin typeface="SchoolBookCTT" pitchFamily="2" charset="0"/>
-              </a:rPr>
-              <a:t/>
-            </a:r>
-            <a:br>
-              <a:rPr lang="uk-UA" sz="1200" b="1" dirty="0">
-                <a:latin typeface="SchoolBookCTT" pitchFamily="2" charset="0"/>
-              </a:rPr>
-            </a:br>
-            <a:r>
-              <a:rPr lang="en-US" sz="3100" b="1" dirty="0">
-                <a:solidFill>
-                  <a:srgbClr val="00B0F0"/>
-                </a:solidFill>
-                <a:latin typeface="SchoolBookCTT" pitchFamily="2" charset="0"/>
-              </a:rPr>
-              <a:t>Team members </a:t>
-            </a:r>
-            <a:r>
-              <a:rPr lang="uk-UA" sz="1200" b="1" dirty="0">
-                <a:latin typeface="SchoolBookCTT" pitchFamily="2" charset="0"/>
-              </a:rPr>
-              <a:t/>
-            </a:r>
-            <a:br>
-              <a:rPr lang="uk-UA" sz="1200" b="1" dirty="0">
-                <a:latin typeface="SchoolBookCTT" pitchFamily="2" charset="0"/>
-              </a:rPr>
-            </a:br>
-            <a:r>
-              <a:rPr lang="uk-UA" sz="1200" b="1" dirty="0">
-                <a:latin typeface="SchoolBookCTT" pitchFamily="2" charset="0"/>
-              </a:rPr>
-              <a:t/>
-            </a:r>
-            <a:br>
-              <a:rPr lang="uk-UA" sz="1200" b="1" dirty="0">
-                <a:latin typeface="SchoolBookCTT" pitchFamily="2" charset="0"/>
-              </a:rPr>
-            </a:br>
-            <a:r>
-              <a:rPr lang="uk-UA" sz="2200" b="1" dirty="0">
-                <a:solidFill>
-                  <a:srgbClr val="FFFF00"/>
-                </a:solidFill>
-                <a:effectLst>
-                  <a:outerShdw blurRad="38100" dist="38100" dir="2700000" algn="tl">
-                    <a:srgbClr val="000000">
-                      <a:alpha val="43137"/>
-                    </a:srgbClr>
-                  </a:outerShdw>
-                </a:effectLst>
-              </a:rPr>
-              <a:t>Клименко Артем </a:t>
-            </a:r>
-            <a:r>
-              <a:rPr lang="en-US" sz="2200" b="1" dirty="0">
-                <a:solidFill>
-                  <a:srgbClr val="FFFF00"/>
-                </a:solidFill>
-                <a:effectLst>
-                  <a:outerShdw blurRad="38100" dist="38100" dir="2700000" algn="tl">
-                    <a:srgbClr val="000000">
-                      <a:alpha val="43137"/>
-                    </a:srgbClr>
-                  </a:outerShdw>
-                </a:effectLst>
-              </a:rPr>
-              <a:t>(PM)</a:t>
-            </a:r>
-            <a:br>
-              <a:rPr lang="en-US" sz="2200" b="1" dirty="0">
-                <a:solidFill>
-                  <a:srgbClr val="FFFF00"/>
-                </a:solidFill>
-                <a:effectLst>
-                  <a:outerShdw blurRad="38100" dist="38100" dir="2700000" algn="tl">
-                    <a:srgbClr val="000000">
-                      <a:alpha val="43137"/>
-                    </a:srgbClr>
-                  </a:outerShdw>
-                </a:effectLst>
-              </a:rPr>
-            </a:br>
-            <a:r>
-              <a:rPr lang="uk-UA" sz="2200" b="1" dirty="0">
-                <a:solidFill>
-                  <a:srgbClr val="FFFF00"/>
-                </a:solidFill>
-                <a:effectLst>
-                  <a:outerShdw blurRad="38100" dist="38100" dir="2700000" algn="tl">
-                    <a:srgbClr val="000000">
-                      <a:alpha val="43137"/>
-                    </a:srgbClr>
-                  </a:outerShdw>
-                </a:effectLst>
-              </a:rPr>
-              <a:t>Полібін-Щербак Демид Артемович(</a:t>
-            </a:r>
-            <a:r>
-              <a:rPr lang="en-US" sz="2200" b="1" dirty="0">
-                <a:solidFill>
-                  <a:srgbClr val="FFFF00"/>
-                </a:solidFill>
-                <a:effectLst>
-                  <a:outerShdw blurRad="38100" dist="38100" dir="2700000" algn="tl">
-                    <a:srgbClr val="000000">
-                      <a:alpha val="43137"/>
-                    </a:srgbClr>
-                  </a:outerShdw>
-                </a:effectLst>
-              </a:rPr>
-              <a:t>PM)</a:t>
-            </a:r>
-            <a:br>
-              <a:rPr lang="en-US" sz="2200" b="1" dirty="0">
-                <a:solidFill>
-                  <a:srgbClr val="FFFF00"/>
-                </a:solidFill>
-                <a:effectLst>
-                  <a:outerShdw blurRad="38100" dist="38100" dir="2700000" algn="tl">
-                    <a:srgbClr val="000000">
-                      <a:alpha val="43137"/>
-                    </a:srgbClr>
-                  </a:outerShdw>
-                </a:effectLst>
-              </a:rPr>
-            </a:br>
-            <a:r>
-              <a:rPr lang="uk-UA" sz="2200" b="1" dirty="0">
-                <a:solidFill>
-                  <a:srgbClr val="FFFF00"/>
-                </a:solidFill>
-                <a:effectLst>
-                  <a:outerShdw blurRad="38100" dist="38100" dir="2700000" algn="tl">
-                    <a:srgbClr val="000000">
-                      <a:alpha val="43137"/>
-                    </a:srgbClr>
-                  </a:outerShdw>
-                </a:effectLst>
-              </a:rPr>
-              <a:t>Бабенко Станіслав Олексійович</a:t>
-            </a:r>
-            <a:r>
-              <a:rPr lang="en-US" sz="2200" b="1" dirty="0">
-                <a:solidFill>
-                  <a:srgbClr val="FFFF00"/>
-                </a:solidFill>
-                <a:effectLst>
-                  <a:outerShdw blurRad="38100" dist="38100" dir="2700000" algn="tl">
-                    <a:srgbClr val="000000">
-                      <a:alpha val="43137"/>
-                    </a:srgbClr>
-                  </a:outerShdw>
-                </a:effectLst>
-              </a:rPr>
-              <a:t>(Editor)</a:t>
-            </a:r>
-            <a:r>
-              <a:rPr lang="uk-UA" sz="2200" b="1" dirty="0">
-                <a:solidFill>
-                  <a:srgbClr val="FFFF00"/>
-                </a:solidFill>
-                <a:effectLst>
-                  <a:outerShdw blurRad="38100" dist="38100" dir="2700000" algn="tl">
-                    <a:srgbClr val="000000">
-                      <a:alpha val="43137"/>
-                    </a:srgbClr>
-                  </a:outerShdw>
-                </a:effectLst>
-              </a:rPr>
-              <a:t/>
-            </a:r>
-            <a:br>
-              <a:rPr lang="uk-UA" sz="2200" b="1" dirty="0">
-                <a:solidFill>
-                  <a:srgbClr val="FFFF00"/>
-                </a:solidFill>
-                <a:effectLst>
-                  <a:outerShdw blurRad="38100" dist="38100" dir="2700000" algn="tl">
-                    <a:srgbClr val="000000">
-                      <a:alpha val="43137"/>
-                    </a:srgbClr>
-                  </a:outerShdw>
-                </a:effectLst>
-              </a:rPr>
-            </a:br>
-            <a:r>
-              <a:rPr lang="uk-UA" sz="2200" b="1" dirty="0">
-                <a:solidFill>
-                  <a:schemeClr val="accent1">
-                    <a:lumMod val="75000"/>
-                  </a:schemeClr>
-                </a:solidFill>
-                <a:effectLst>
-                  <a:outerShdw blurRad="38100" dist="38100" dir="2700000" algn="tl">
-                    <a:srgbClr val="000000">
-                      <a:alpha val="43137"/>
-                    </a:srgbClr>
-                  </a:outerShdw>
-                </a:effectLst>
-              </a:rPr>
-              <a:t>Сердюк Костя Олегович</a:t>
-            </a:r>
-            <a:r>
-              <a:rPr lang="en-US" sz="2200" b="1" dirty="0">
-                <a:solidFill>
-                  <a:schemeClr val="accent1">
-                    <a:lumMod val="75000"/>
-                  </a:schemeClr>
-                </a:solidFill>
-                <a:effectLst>
-                  <a:outerShdw blurRad="38100" dist="38100" dir="2700000" algn="tl">
-                    <a:srgbClr val="000000">
-                      <a:alpha val="43137"/>
-                    </a:srgbClr>
-                  </a:outerShdw>
-                </a:effectLst>
-              </a:rPr>
-              <a:t>(Editor)</a:t>
-            </a:r>
-            <a:r>
-              <a:rPr lang="uk-UA" sz="2200" b="1" dirty="0">
-                <a:solidFill>
-                  <a:schemeClr val="accent1">
-                    <a:lumMod val="75000"/>
-                  </a:schemeClr>
-                </a:solidFill>
-                <a:effectLst>
-                  <a:outerShdw blurRad="38100" dist="38100" dir="2700000" algn="tl">
-                    <a:srgbClr val="000000">
-                      <a:alpha val="43137"/>
-                    </a:srgbClr>
-                  </a:outerShdw>
-                </a:effectLst>
-              </a:rPr>
-              <a:t/>
-            </a:r>
-            <a:br>
-              <a:rPr lang="uk-UA" sz="2200" b="1" dirty="0">
-                <a:solidFill>
-                  <a:schemeClr val="accent1">
-                    <a:lumMod val="75000"/>
-                  </a:schemeClr>
-                </a:solidFill>
-                <a:effectLst>
-                  <a:outerShdw blurRad="38100" dist="38100" dir="2700000" algn="tl">
-                    <a:srgbClr val="000000">
-                      <a:alpha val="43137"/>
-                    </a:srgbClr>
-                  </a:outerShdw>
-                </a:effectLst>
-              </a:rPr>
-            </a:br>
-            <a:r>
-              <a:rPr lang="uk-UA" sz="2200" b="1" dirty="0">
-                <a:solidFill>
-                  <a:srgbClr val="FFFF00"/>
-                </a:solidFill>
-                <a:effectLst>
-                  <a:outerShdw blurRad="38100" dist="38100" dir="2700000" algn="tl">
-                    <a:srgbClr val="000000">
-                      <a:alpha val="43137"/>
-                    </a:srgbClr>
-                  </a:outerShdw>
-                </a:effectLst>
-              </a:rPr>
-              <a:t>Шейко Ростислав Олександрович</a:t>
-            </a:r>
-            <a:r>
-              <a:rPr lang="en-US" sz="2200" b="1" dirty="0">
-                <a:solidFill>
-                  <a:srgbClr val="FFFF00"/>
-                </a:solidFill>
-                <a:effectLst>
-                  <a:outerShdw blurRad="38100" dist="38100" dir="2700000" algn="tl">
-                    <a:srgbClr val="000000">
-                      <a:alpha val="43137"/>
-                    </a:srgbClr>
-                  </a:outerShdw>
-                </a:effectLst>
-              </a:rPr>
-              <a:t>(Editor)</a:t>
-            </a:r>
-            <a:r>
-              <a:rPr lang="uk-UA" sz="2200" b="1" dirty="0">
-                <a:solidFill>
-                  <a:srgbClr val="FFFF00"/>
-                </a:solidFill>
-                <a:effectLst>
-                  <a:outerShdw blurRad="38100" dist="38100" dir="2700000" algn="tl">
-                    <a:srgbClr val="000000">
-                      <a:alpha val="43137"/>
-                    </a:srgbClr>
-                  </a:outerShdw>
-                </a:effectLst>
-              </a:rPr>
-              <a:t/>
-            </a:r>
-            <a:br>
-              <a:rPr lang="uk-UA" sz="2200" b="1" dirty="0">
-                <a:solidFill>
-                  <a:srgbClr val="FFFF00"/>
-                </a:solidFill>
-                <a:effectLst>
-                  <a:outerShdw blurRad="38100" dist="38100" dir="2700000" algn="tl">
-                    <a:srgbClr val="000000">
-                      <a:alpha val="43137"/>
-                    </a:srgbClr>
-                  </a:outerShdw>
-                </a:effectLst>
-              </a:rPr>
-            </a:br>
-            <a:r>
-              <a:rPr lang="uk-UA" sz="2200" b="1" dirty="0">
-                <a:solidFill>
-                  <a:srgbClr val="FFFF00"/>
-                </a:solidFill>
-                <a:effectLst>
-                  <a:outerShdw blurRad="38100" dist="38100" dir="2700000" algn="tl">
-                    <a:srgbClr val="000000">
-                      <a:alpha val="43137"/>
-                    </a:srgbClr>
-                  </a:outerShdw>
-                </a:effectLst>
-              </a:rPr>
-              <a:t>Фоменко Валентин Олександрович</a:t>
-            </a:r>
-            <a:r>
-              <a:rPr lang="en-US" sz="2200" b="1" dirty="0">
-                <a:solidFill>
-                  <a:srgbClr val="FFFF00"/>
-                </a:solidFill>
-                <a:effectLst>
-                  <a:outerShdw blurRad="38100" dist="38100" dir="2700000" algn="tl">
-                    <a:srgbClr val="000000">
-                      <a:alpha val="43137"/>
-                    </a:srgbClr>
-                  </a:outerShdw>
-                </a:effectLst>
-              </a:rPr>
-              <a:t>(Editor</a:t>
-            </a:r>
-            <a:r>
-              <a:rPr lang="uk-UA" sz="1200" b="1" dirty="0">
-                <a:solidFill>
-                  <a:srgbClr val="0070C0"/>
-                </a:solidFill>
-                <a:latin typeface="SchoolBookCTT" pitchFamily="2" charset="0"/>
-              </a:rPr>
-              <a:t/>
-            </a:r>
-            <a:br>
-              <a:rPr lang="uk-UA" sz="1200" b="1" dirty="0">
-                <a:solidFill>
-                  <a:srgbClr val="0070C0"/>
-                </a:solidFill>
-                <a:latin typeface="SchoolBookCTT" pitchFamily="2" charset="0"/>
-              </a:rPr>
-            </a:br>
-            <a:r>
-              <a:rPr lang="uk-UA" sz="1000" b="1" dirty="0">
-                <a:latin typeface="SchoolBookCTT" pitchFamily="2" charset="0"/>
-              </a:rPr>
-              <a:t/>
-            </a:r>
-            <a:br>
-              <a:rPr lang="uk-UA" sz="1000" b="1" dirty="0">
-                <a:latin typeface="SchoolBookCTT" pitchFamily="2" charset="0"/>
-              </a:rPr>
-            </a:br>
-            <a:r>
-              <a:rPr lang="uk-UA" sz="3100" b="1" dirty="0">
-                <a:latin typeface="SchoolBookCTT" pitchFamily="2" charset="0"/>
-              </a:rPr>
-              <a:t/>
-            </a:r>
-            <a:br>
-              <a:rPr lang="uk-UA" sz="3100" b="1" dirty="0">
-                <a:latin typeface="SchoolBookCTT" pitchFamily="2" charset="0"/>
-              </a:rPr>
-            </a:br>
-            <a:r>
-              <a:rPr lang="uk-UA" sz="2400" b="1" dirty="0">
-                <a:solidFill>
-                  <a:srgbClr val="FF0000"/>
-                </a:solidFill>
-                <a:latin typeface="SchoolBookCTT" pitchFamily="2" charset="0"/>
-              </a:rPr>
-              <a:t/>
-            </a:r>
-            <a:br>
-              <a:rPr lang="uk-UA" sz="2400" b="1" dirty="0">
-                <a:solidFill>
-                  <a:srgbClr val="FF0000"/>
-                </a:solidFill>
-                <a:latin typeface="SchoolBookCTT" pitchFamily="2" charset="0"/>
-              </a:rPr>
-            </a:br>
-            <a:endParaRPr lang="uk-UA" sz="2400" b="1" dirty="0">
-              <a:latin typeface="SchoolBookCTT" pitchFamily="2" charset="0"/>
-            </a:endParaRPr>
-          </a:p>
-        </p:txBody>
-      </p:sp>
-    </p:spTree>
-    <p:extLst>
-      <p:ext uri="{BB962C8B-B14F-4D97-AF65-F5344CB8AC3E}">
-        <p14:creationId xmlns:p14="http://schemas.microsoft.com/office/powerpoint/2010/main" val="425924951"/>
-      </p:ext>
-    </p:extLst>
-  </p:cSld>
-  <p:clrMapOvr>
-    <a:masterClrMapping/>
-  </p:clrMapOvr>
-</p:sld>
-</file>
-
-<file path=ppt/slides/slide20.xml><?xml version="1.0" encoding="utf-8"?>
+<file path=ppt/slides/slide21.xml><?xml version="1.0" encoding="utf-8"?>
 <p:sld xmlns:a="http://schemas.openxmlformats.org/drawingml/2006/main" xmlns:r="http://schemas.openxmlformats.org/officeDocument/2006/relationships" xmlns:p="http://schemas.openxmlformats.org/presentationml/2006/main">
   <p:cSld>
     <p:spTree>
@@ -10949,7 +11191,7 @@
 </p:sld>
 </file>
 
-<file path=ppt/slides/slide21.xml><?xml version="1.0" encoding="utf-8"?>
+<file path=ppt/slides/slide22.xml><?xml version="1.0" encoding="utf-8"?>
 <p:sld xmlns:a="http://schemas.openxmlformats.org/drawingml/2006/main" xmlns:r="http://schemas.openxmlformats.org/officeDocument/2006/relationships" xmlns:p="http://schemas.openxmlformats.org/presentationml/2006/main">
   <p:cSld>
     <p:spTree>
@@ -11676,7 +11918,7 @@
 </p:sld>
 </file>
 
-<file path=ppt/slides/slide22.xml><?xml version="1.0" encoding="utf-8"?>
+<file path=ppt/slides/slide23.xml><?xml version="1.0" encoding="utf-8"?>
 <p:sld xmlns:a="http://schemas.openxmlformats.org/drawingml/2006/main" xmlns:r="http://schemas.openxmlformats.org/officeDocument/2006/relationships" xmlns:p="http://schemas.openxmlformats.org/presentationml/2006/main">
   <p:cSld>
     <p:spTree>
@@ -11954,7 +12196,7 @@
 </p:sld>
 </file>
 
-<file path=ppt/slides/slide23.xml><?xml version="1.0" encoding="utf-8"?>
+<file path=ppt/slides/slide24.xml><?xml version="1.0" encoding="utf-8"?>
 <p:sld xmlns:a="http://schemas.openxmlformats.org/drawingml/2006/main" xmlns:r="http://schemas.openxmlformats.org/officeDocument/2006/relationships" xmlns:p="http://schemas.openxmlformats.org/presentationml/2006/main">
   <p:cSld>
     <p:spTree>
@@ -12568,7 +12810,7 @@
 </p:sld>
 </file>
 
-<file path=ppt/slides/slide24.xml><?xml version="1.0" encoding="utf-8"?>
+<file path=ppt/slides/slide25.xml><?xml version="1.0" encoding="utf-8"?>
 <p:sld xmlns:a="http://schemas.openxmlformats.org/drawingml/2006/main" xmlns:r="http://schemas.openxmlformats.org/officeDocument/2006/relationships" xmlns:p="http://schemas.openxmlformats.org/presentationml/2006/main">
   <p:cSld>
     <p:spTree>
@@ -12887,7 +13129,7 @@
 </p:sld>
 </file>
 
-<file path=ppt/slides/slide25.xml><?xml version="1.0" encoding="utf-8"?>
+<file path=ppt/slides/slide26.xml><?xml version="1.0" encoding="utf-8"?>
 <p:sld xmlns:a="http://schemas.openxmlformats.org/drawingml/2006/main" xmlns:r="http://schemas.openxmlformats.org/officeDocument/2006/relationships" xmlns:p="http://schemas.openxmlformats.org/presentationml/2006/main">
   <p:cSld>
     <p:spTree>
@@ -13616,7 +13858,7 @@
 </p:sld>
 </file>
 
-<file path=ppt/slides/slide26.xml><?xml version="1.0" encoding="utf-8"?>
+<file path=ppt/slides/slide27.xml><?xml version="1.0" encoding="utf-8"?>
 <p:sld xmlns:a="http://schemas.openxmlformats.org/drawingml/2006/main" xmlns:r="http://schemas.openxmlformats.org/officeDocument/2006/relationships" xmlns:p="http://schemas.openxmlformats.org/presentationml/2006/main">
   <p:cSld>
     <p:spTree>
@@ -14050,7 +14292,7 @@
 </p:sld>
 </file>
 
-<file path=ppt/slides/slide27.xml><?xml version="1.0" encoding="utf-8"?>
+<file path=ppt/slides/slide28.xml><?xml version="1.0" encoding="utf-8"?>
 <p:sld xmlns:a="http://schemas.openxmlformats.org/drawingml/2006/main" xmlns:r="http://schemas.openxmlformats.org/officeDocument/2006/relationships" xmlns:p="http://schemas.openxmlformats.org/presentationml/2006/main">
   <p:cSld>
     <p:spTree>
@@ -14601,7 +14843,7 @@
 </p:sld>
 </file>
 
-<file path=ppt/slides/slide28.xml><?xml version="1.0" encoding="utf-8"?>
+<file path=ppt/slides/slide29.xml><?xml version="1.0" encoding="utf-8"?>
 <p:sld xmlns:a="http://schemas.openxmlformats.org/drawingml/2006/main" xmlns:r="http://schemas.openxmlformats.org/officeDocument/2006/relationships" xmlns:p="http://schemas.openxmlformats.org/presentationml/2006/main">
   <p:cSld>
     <p:spTree>
@@ -14857,7 +15099,125 @@
 </p:sld>
 </file>
 
-<file path=ppt/slides/slide29.xml><?xml version="1.0" encoding="utf-8"?>
+<file path=ppt/slides/slide3.xml><?xml version="1.0" encoding="utf-8"?>
+<p:sld xmlns:a="http://schemas.openxmlformats.org/drawingml/2006/main" xmlns:r="http://schemas.openxmlformats.org/officeDocument/2006/relationships" xmlns:p="http://schemas.openxmlformats.org/presentationml/2006/main">
+  <p:cSld>
+    <p:spTree>
+      <p:nvGrpSpPr>
+        <p:cNvPr id="1" name=""/>
+        <p:cNvGrpSpPr/>
+        <p:nvPr/>
+      </p:nvGrpSpPr>
+      <p:grpSpPr>
+        <a:xfrm>
+          <a:off x="0" y="0"/>
+          <a:ext cx="0" cy="0"/>
+          <a:chOff x="0" y="0"/>
+          <a:chExt cx="0" cy="0"/>
+        </a:xfrm>
+      </p:grpSpPr>
+      <p:sp>
+        <p:nvSpPr>
+          <p:cNvPr id="2" name="Заголовок 1"/>
+          <p:cNvSpPr>
+            <a:spLocks noGrp="1"/>
+          </p:cNvSpPr>
+          <p:nvPr>
+            <p:ph type="title"/>
+          </p:nvPr>
+        </p:nvSpPr>
+        <p:spPr/>
+        <p:txBody>
+          <a:bodyPr/>
+          <a:lstStyle/>
+          <a:p>
+            <a:r>
+              <a:rPr lang="uk-UA" dirty="0" smtClean="0"/>
+              <a:t>Поле </a:t>
+            </a:r>
+            <a:r>
+              <a:rPr lang="uk-UA" smtClean="0"/>
+              <a:t>Кости</a:t>
+            </a:r>
+            <a:endParaRPr lang="en-US"/>
+          </a:p>
+        </p:txBody>
+      </p:sp>
+      <p:sp>
+        <p:nvSpPr>
+          <p:cNvPr id="3" name="Объект 2"/>
+          <p:cNvSpPr>
+            <a:spLocks noGrp="1"/>
+          </p:cNvSpPr>
+          <p:nvPr>
+            <p:ph idx="1"/>
+          </p:nvPr>
+        </p:nvSpPr>
+        <p:spPr/>
+        <p:txBody>
+          <a:bodyPr/>
+          <a:lstStyle/>
+          <a:p>
+            <a:endParaRPr lang="en-US"/>
+          </a:p>
+        </p:txBody>
+      </p:sp>
+      <p:sp>
+        <p:nvSpPr>
+          <p:cNvPr id="4" name="Нижний колонтитул 3"/>
+          <p:cNvSpPr>
+            <a:spLocks noGrp="1"/>
+          </p:cNvSpPr>
+          <p:nvPr>
+            <p:ph type="ftr" sz="quarter" idx="11"/>
+          </p:nvPr>
+        </p:nvSpPr>
+        <p:spPr/>
+        <p:txBody>
+          <a:bodyPr/>
+          <a:lstStyle/>
+          <a:p>
+            <a:endParaRPr lang="en-US"/>
+          </a:p>
+        </p:txBody>
+      </p:sp>
+      <p:sp>
+        <p:nvSpPr>
+          <p:cNvPr id="5" name="Номер слайда 4"/>
+          <p:cNvSpPr>
+            <a:spLocks noGrp="1"/>
+          </p:cNvSpPr>
+          <p:nvPr>
+            <p:ph type="sldNum" sz="quarter" idx="12"/>
+          </p:nvPr>
+        </p:nvSpPr>
+        <p:spPr/>
+        <p:txBody>
+          <a:bodyPr/>
+          <a:lstStyle/>
+          <a:p>
+            <a:fld id="{6D22F896-40B5-4ADD-8801-0D06FADFA095}" type="slidenum">
+              <a:rPr lang="en-US" smtClean="0"/>
+              <a:t>3</a:t>
+            </a:fld>
+            <a:endParaRPr lang="en-US"/>
+          </a:p>
+        </p:txBody>
+      </p:sp>
+    </p:spTree>
+    <p:extLst>
+      <p:ext uri="{BB962C8B-B14F-4D97-AF65-F5344CB8AC3E}">
+        <p14:creationId xmlns:p14="http://schemas.microsoft.com/office/powerpoint/2010/main" val="1754399836"/>
+      </p:ext>
+    </p:extLst>
+  </p:cSld>
+  <p:clrMapOvr>
+    <a:masterClrMapping/>
+  </p:clrMapOvr>
+</p:sld>
+</file>
+
+<file path=ppt/slides/slide30.xml><?xml version="1.0" encoding="utf-8"?>
 <p:sld xmlns:a="http://schemas.openxmlformats.org/drawingml/2006/main" xmlns:r="http://schemas.openxmlformats.org/officeDocument/2006/relationships" xmlns:p="http://schemas.openxmlformats.org/presentationml/2006/main">
   <p:cSld>
     <p:spTree>
@@ -15122,7 +15482,7 @@
 </p:sld>
 </file>
 
-<file path=ppt/slides/slide3.xml><?xml version="1.0" encoding="utf-8"?>
+<file path=ppt/slides/slide4.xml><?xml version="1.0" encoding="utf-8"?>
 <p:sld xmlns:a="http://schemas.openxmlformats.org/drawingml/2006/main" xmlns:r="http://schemas.openxmlformats.org/officeDocument/2006/relationships" xmlns:p="http://schemas.openxmlformats.org/presentationml/2006/main">
   <p:cSld>
     <p:spTree>
@@ -15266,7 +15626,7 @@
 </p:sld>
 </file>
 
-<file path=ppt/slides/slide4.xml><?xml version="1.0" encoding="utf-8"?>
+<file path=ppt/slides/slide5.xml><?xml version="1.0" encoding="utf-8"?>
 <p:sld xmlns:a="http://schemas.openxmlformats.org/drawingml/2006/main" xmlns:r="http://schemas.openxmlformats.org/officeDocument/2006/relationships" xmlns:p="http://schemas.openxmlformats.org/presentationml/2006/main">
   <p:cSld>
     <p:bg>
@@ -15441,7 +15801,7 @@
 </p:sld>
 </file>
 
-<file path=ppt/slides/slide5.xml><?xml version="1.0" encoding="utf-8"?>
+<file path=ppt/slides/slide6.xml><?xml version="1.0" encoding="utf-8"?>
 <p:sld xmlns:a="http://schemas.openxmlformats.org/drawingml/2006/main" xmlns:r="http://schemas.openxmlformats.org/officeDocument/2006/relationships" xmlns:p="http://schemas.openxmlformats.org/presentationml/2006/main">
   <p:cSld>
     <p:bg>
@@ -15790,7 +16150,7 @@
 </p:sld>
 </file>
 
-<file path=ppt/slides/slide6.xml><?xml version="1.0" encoding="utf-8"?>
+<file path=ppt/slides/slide7.xml><?xml version="1.0" encoding="utf-8"?>
 <p:sld xmlns:a="http://schemas.openxmlformats.org/drawingml/2006/main" xmlns:r="http://schemas.openxmlformats.org/officeDocument/2006/relationships" xmlns:p="http://schemas.openxmlformats.org/presentationml/2006/main">
   <p:cSld>
     <p:spTree>
@@ -16151,7 +16511,7 @@
 </p:sld>
 </file>
 
-<file path=ppt/slides/slide7.xml><?xml version="1.0" encoding="utf-8"?>
+<file path=ppt/slides/slide8.xml><?xml version="1.0" encoding="utf-8"?>
 <p:sld xmlns:a="http://schemas.openxmlformats.org/drawingml/2006/main" xmlns:r="http://schemas.openxmlformats.org/officeDocument/2006/relationships" xmlns:p="http://schemas.openxmlformats.org/presentationml/2006/main">
   <p:cSld>
     <p:spTree>
@@ -16316,7 +16676,7 @@
 </p:sld>
 </file>
 
-<file path=ppt/slides/slide8.xml><?xml version="1.0" encoding="utf-8"?>
+<file path=ppt/slides/slide9.xml><?xml version="1.0" encoding="utf-8"?>
 <p:sld xmlns:a="http://schemas.openxmlformats.org/drawingml/2006/main" xmlns:r="http://schemas.openxmlformats.org/officeDocument/2006/relationships" xmlns:p="http://schemas.openxmlformats.org/presentationml/2006/main">
   <p:cSld>
     <p:spTree>
@@ -16519,247 +16879,6 @@
     <p:extLst>
       <p:ext uri="{BB962C8B-B14F-4D97-AF65-F5344CB8AC3E}">
         <p14:creationId xmlns:p14="http://schemas.microsoft.com/office/powerpoint/2010/main" val="2151589881"/>
-      </p:ext>
-    </p:extLst>
-  </p:cSld>
-  <p:clrMapOvr>
-    <a:masterClrMapping/>
-  </p:clrMapOvr>
-</p:sld>
-</file>
-
-<file path=ppt/slides/slide9.xml><?xml version="1.0" encoding="utf-8"?>
-<p:sld xmlns:a="http://schemas.openxmlformats.org/drawingml/2006/main" xmlns:r="http://schemas.openxmlformats.org/officeDocument/2006/relationships" xmlns:p="http://schemas.openxmlformats.org/presentationml/2006/main">
-  <p:cSld>
-    <p:spTree>
-      <p:nvGrpSpPr>
-        <p:cNvPr id="1" name=""/>
-        <p:cNvGrpSpPr/>
-        <p:nvPr/>
-      </p:nvGrpSpPr>
-      <p:grpSpPr>
-        <a:xfrm>
-          <a:off x="0" y="0"/>
-          <a:ext cx="0" cy="0"/>
-          <a:chOff x="0" y="0"/>
-          <a:chExt cx="0" cy="0"/>
-        </a:xfrm>
-      </p:grpSpPr>
-      <p:sp>
-        <p:nvSpPr>
-          <p:cNvPr id="4" name="Заголовок 3">
-            <a:extLst>
-              <a:ext uri="{FF2B5EF4-FFF2-40B4-BE49-F238E27FC236}">
-                <a16:creationId xmlns:a16="http://schemas.microsoft.com/office/drawing/2014/main" id="{8FE2BCA8-E83D-429B-887D-6FBFF82E5C4F}"/>
-              </a:ext>
-            </a:extLst>
-          </p:cNvPr>
-          <p:cNvSpPr>
-            <a:spLocks noGrp="1"/>
-          </p:cNvSpPr>
-          <p:nvPr>
-            <p:ph type="ctrTitle"/>
-          </p:nvPr>
-        </p:nvSpPr>
-        <p:spPr>
-          <a:xfrm>
-            <a:off x="-583508" y="1586766"/>
-            <a:ext cx="6321790" cy="662939"/>
-          </a:xfrm>
-        </p:spPr>
-        <p:txBody>
-          <a:bodyPr>
-            <a:noAutofit/>
-          </a:bodyPr>
-          <a:lstStyle/>
-          <a:p>
-            <a:r>
-              <a:rPr lang="uk-UA" sz="4000" b="1">
-                <a:solidFill>
-                  <a:srgbClr val="0070C0"/>
-                </a:solidFill>
-                <a:latin typeface="SchoolBookCTT" pitchFamily="2" charset="0"/>
-              </a:rPr>
-              <a:t>Розподілені</a:t>
-            </a:r>
-            <a:br>
-              <a:rPr lang="uk-UA" sz="4000" b="1">
-                <a:solidFill>
-                  <a:srgbClr val="0070C0"/>
-                </a:solidFill>
-                <a:latin typeface="SchoolBookCTT" pitchFamily="2" charset="0"/>
-              </a:rPr>
-            </a:br>
-            <a:r>
-              <a:rPr lang="uk-UA" sz="4000" b="1">
-                <a:solidFill>
-                  <a:srgbClr val="0070C0"/>
-                </a:solidFill>
-                <a:latin typeface="SchoolBookCTT" pitchFamily="2" charset="0"/>
-              </a:rPr>
-              <a:t> СКВ</a:t>
-            </a:r>
-            <a:endParaRPr lang="ru-RU" sz="4000" b="1">
-              <a:solidFill>
-                <a:srgbClr val="0070C0"/>
-              </a:solidFill>
-              <a:latin typeface="SchoolBookCTT" pitchFamily="2" charset="0"/>
-            </a:endParaRPr>
-          </a:p>
-        </p:txBody>
-      </p:sp>
-      <p:pic>
-        <p:nvPicPr>
-          <p:cNvPr id="1026" name="Picture 2" descr="Диаграмма распределённого контроля версий">
-            <a:extLst>
-              <a:ext uri="{FF2B5EF4-FFF2-40B4-BE49-F238E27FC236}">
-                <a16:creationId xmlns:a16="http://schemas.microsoft.com/office/drawing/2014/main" id="{A1C48F4C-3E68-F40F-261F-9792286B8362}"/>
-              </a:ext>
-            </a:extLst>
-          </p:cNvPr>
-          <p:cNvPicPr>
-            <a:picLocks noChangeAspect="1" noChangeArrowheads="1"/>
-          </p:cNvPicPr>
-          <p:nvPr/>
-        </p:nvPicPr>
-        <p:blipFill>
-          <a:blip r:embed="rId2">
-            <a:extLst>
-              <a:ext uri="{28A0092B-C50C-407E-A947-70E740481C1C}">
-                <a14:useLocalDpi xmlns:a14="http://schemas.microsoft.com/office/drawing/2010/main" val="0"/>
-              </a:ext>
-            </a:extLst>
-          </a:blip>
-          <a:srcRect/>
-          <a:stretch>
-            <a:fillRect/>
-          </a:stretch>
-        </p:blipFill>
-        <p:spPr bwMode="auto">
-          <a:xfrm>
-            <a:off x="5738282" y="44869"/>
-            <a:ext cx="5886028" cy="6819201"/>
-          </a:xfrm>
-          <a:prstGeom prst="rect">
-            <a:avLst/>
-          </a:prstGeom>
-          <a:noFill/>
-          <a:extLst>
-            <a:ext uri="{909E8E84-426E-40DD-AFC4-6F175D3DCCD1}">
-              <a14:hiddenFill xmlns:a14="http://schemas.microsoft.com/office/drawing/2010/main">
-                <a:solidFill>
-                  <a:srgbClr val="FFFFFF"/>
-                </a:solidFill>
-              </a14:hiddenFill>
-            </a:ext>
-          </a:extLst>
-        </p:spPr>
-      </p:pic>
-      <p:sp>
-        <p:nvSpPr>
-          <p:cNvPr id="8" name="TextBox 7">
-            <a:extLst>
-              <a:ext uri="{FF2B5EF4-FFF2-40B4-BE49-F238E27FC236}">
-                <a16:creationId xmlns:a16="http://schemas.microsoft.com/office/drawing/2014/main" id="{4329B096-1CD5-A5FA-32EF-7DEB434FED9D}"/>
-              </a:ext>
-            </a:extLst>
-          </p:cNvPr>
-          <p:cNvSpPr txBox="1"/>
-          <p:nvPr/>
-        </p:nvSpPr>
-        <p:spPr>
-          <a:xfrm>
-            <a:off x="2214563" y="3454469"/>
-            <a:ext cx="1462089" cy="2239844"/>
-          </a:xfrm>
-          <a:prstGeom prst="rect">
-            <a:avLst/>
-          </a:prstGeom>
-          <a:noFill/>
-        </p:spPr>
-        <p:txBody>
-          <a:bodyPr wrap="square">
-            <a:spAutoFit/>
-          </a:bodyPr>
-          <a:lstStyle/>
-          <a:p>
-            <a:pPr>
-              <a:lnSpc>
-                <a:spcPct val="150000"/>
-              </a:lnSpc>
-            </a:pPr>
-            <a:r>
-              <a:rPr lang="en-US" sz="2400">
-                <a:latin typeface="Arial" panose="020B0604020202020204" pitchFamily="34" charset="0"/>
-                <a:cs typeface="Arial" panose="020B0604020202020204" pitchFamily="34" charset="0"/>
-              </a:rPr>
-              <a:t>Git</a:t>
-            </a:r>
-            <a:endParaRPr lang="uk-UA" sz="2400">
-              <a:latin typeface="Arial" panose="020B0604020202020204" pitchFamily="34" charset="0"/>
-              <a:cs typeface="Arial" panose="020B0604020202020204" pitchFamily="34" charset="0"/>
-            </a:endParaRPr>
-          </a:p>
-          <a:p>
-            <a:pPr>
-              <a:lnSpc>
-                <a:spcPct val="150000"/>
-              </a:lnSpc>
-            </a:pPr>
-            <a:r>
-              <a:rPr lang="en-US" sz="2400">
-                <a:latin typeface="Arial" panose="020B0604020202020204" pitchFamily="34" charset="0"/>
-                <a:cs typeface="Arial" panose="020B0604020202020204" pitchFamily="34" charset="0"/>
-              </a:rPr>
-              <a:t>Mercurial</a:t>
-            </a:r>
-            <a:endParaRPr lang="uk-UA" sz="2400">
-              <a:latin typeface="Arial" panose="020B0604020202020204" pitchFamily="34" charset="0"/>
-              <a:cs typeface="Arial" panose="020B0604020202020204" pitchFamily="34" charset="0"/>
-            </a:endParaRPr>
-          </a:p>
-          <a:p>
-            <a:pPr>
-              <a:lnSpc>
-                <a:spcPct val="150000"/>
-              </a:lnSpc>
-            </a:pPr>
-            <a:r>
-              <a:rPr lang="en-US" sz="2400">
-                <a:latin typeface="Arial" panose="020B0604020202020204" pitchFamily="34" charset="0"/>
-                <a:cs typeface="Arial" panose="020B0604020202020204" pitchFamily="34" charset="0"/>
-              </a:rPr>
-              <a:t>Bazaar</a:t>
-            </a:r>
-            <a:endParaRPr lang="uk-UA" sz="2400">
-              <a:latin typeface="Arial" panose="020B0604020202020204" pitchFamily="34" charset="0"/>
-              <a:cs typeface="Arial" panose="020B0604020202020204" pitchFamily="34" charset="0"/>
-            </a:endParaRPr>
-          </a:p>
-          <a:p>
-            <a:pPr>
-              <a:lnSpc>
-                <a:spcPct val="150000"/>
-              </a:lnSpc>
-            </a:pPr>
-            <a:r>
-              <a:rPr lang="en-US" sz="2400" err="1">
-                <a:latin typeface="Arial" panose="020B0604020202020204" pitchFamily="34" charset="0"/>
-                <a:cs typeface="Arial" panose="020B0604020202020204" pitchFamily="34" charset="0"/>
-              </a:rPr>
-              <a:t>Darcs</a:t>
-            </a:r>
-            <a:endParaRPr lang="ru-RU" sz="2400">
-              <a:latin typeface="Arial" panose="020B0604020202020204" pitchFamily="34" charset="0"/>
-              <a:cs typeface="Arial" panose="020B0604020202020204" pitchFamily="34" charset="0"/>
-            </a:endParaRPr>
-          </a:p>
-        </p:txBody>
-      </p:sp>
-    </p:spTree>
-    <p:extLst>
-      <p:ext uri="{BB962C8B-B14F-4D97-AF65-F5344CB8AC3E}">
-        <p14:creationId xmlns:p14="http://schemas.microsoft.com/office/powerpoint/2010/main" val="3597471917"/>
       </p:ext>
     </p:extLst>
   </p:cSld>
@@ -17621,18 +17740,18 @@
 </file>
 
 <file path=customXml/item1.xml><?xml version="1.0" encoding="utf-8"?>
+<p:properties xmlns:p="http://schemas.microsoft.com/office/2006/metadata/properties" xmlns:xsi="http://www.w3.org/2001/XMLSchema-instance" xmlns:pc="http://schemas.microsoft.com/office/infopath/2007/PartnerControls">
+  <documentManagement/>
+</p:properties>
+</file>
+
+<file path=customXml/item2.xml><?xml version="1.0" encoding="utf-8"?>
 <?mso-contentType ?>
 <FormTemplates xmlns="http://schemas.microsoft.com/sharepoint/v3/contenttype/forms">
   <Display>DocumentLibraryForm</Display>
   <Edit>DocumentLibraryForm</Edit>
   <New>DocumentLibraryForm</New>
 </FormTemplates>
-</file>
-
-<file path=customXml/item2.xml><?xml version="1.0" encoding="utf-8"?>
-<p:properties xmlns:p="http://schemas.microsoft.com/office/2006/metadata/properties" xmlns:xsi="http://www.w3.org/2001/XMLSchema-instance" xmlns:pc="http://schemas.microsoft.com/office/infopath/2007/PartnerControls">
-  <documentManagement/>
-</p:properties>
 </file>
 
 <file path=customXml/item3.xml><?xml version="1.0" encoding="utf-8"?>
@@ -17780,18 +17899,18 @@
 </file>
 
 <file path=customXml/itemProps1.xml><?xml version="1.0" encoding="utf-8"?>
-<ds:datastoreItem xmlns:ds="http://schemas.openxmlformats.org/officeDocument/2006/customXml" ds:itemID="{A345D2DA-A096-4BBF-9135-8FD4BD4C8C20}">
+<ds:datastoreItem xmlns:ds="http://schemas.openxmlformats.org/officeDocument/2006/customXml" ds:itemID="{C35D743B-B188-4C38-B82D-7FD8B3A77642}">
   <ds:schemaRefs>
-    <ds:schemaRef ds:uri="http://schemas.microsoft.com/sharepoint/v3/contenttype/forms"/>
+    <ds:schemaRef ds:uri="http://schemas.microsoft.com/office/2006/metadata/properties"/>
+    <ds:schemaRef ds:uri="http://schemas.microsoft.com/office/infopath/2007/PartnerControls"/>
   </ds:schemaRefs>
 </ds:datastoreItem>
 </file>
 
 <file path=customXml/itemProps2.xml><?xml version="1.0" encoding="utf-8"?>
-<ds:datastoreItem xmlns:ds="http://schemas.openxmlformats.org/officeDocument/2006/customXml" ds:itemID="{C35D743B-B188-4C38-B82D-7FD8B3A77642}">
+<ds:datastoreItem xmlns:ds="http://schemas.openxmlformats.org/officeDocument/2006/customXml" ds:itemID="{A345D2DA-A096-4BBF-9135-8FD4BD4C8C20}">
   <ds:schemaRefs>
-    <ds:schemaRef ds:uri="http://schemas.microsoft.com/office/2006/metadata/properties"/>
-    <ds:schemaRef ds:uri="http://schemas.microsoft.com/office/infopath/2007/PartnerControls"/>
+    <ds:schemaRef ds:uri="http://schemas.microsoft.com/sharepoint/v3/contenttype/forms"/>
   </ds:schemaRefs>
 </ds:datastoreItem>
 </file>

--- a/Git_1 part.pptx
+++ b/Git_1 part.pptx
@@ -5,10 +5,10 @@
     <p:sldMasterId id="2147483851" r:id="rId4"/>
   </p:sldMasterIdLst>
   <p:notesMasterIdLst>
-    <p:notesMasterId r:id="rId34"/>
+    <p:notesMasterId r:id="rId35"/>
   </p:notesMasterIdLst>
   <p:handoutMasterIdLst>
-    <p:handoutMasterId r:id="rId35"/>
+    <p:handoutMasterId r:id="rId36"/>
   </p:handoutMasterIdLst>
   <p:sldIdLst>
     <p:sldId id="334" r:id="rId5"/>
@@ -40,6 +40,7 @@
     <p:sldId id="331" r:id="rId31"/>
     <p:sldId id="333" r:id="rId32"/>
     <p:sldId id="332" r:id="rId33"/>
+    <p:sldId id="335" r:id="rId34"/>
   </p:sldIdLst>
   <p:sldSz cx="12192000" cy="6858000"/>
   <p:notesSz cx="6858000" cy="9144000"/>
@@ -165,8 +166,8 @@
 <p1510:revInfo xmlns:a="http://schemas.openxmlformats.org/drawingml/2006/main" xmlns:r="http://schemas.openxmlformats.org/officeDocument/2006/relationships" xmlns:p1510="http://schemas.microsoft.com/office/powerpoint/2015/10/main">
   <p1510:revLst>
     <p1510:client id="{4A3F3CD4-87AB-4CDB-98DA-5A2ADC992FE5}" v="1" dt="2022-10-03T11:17:20.651"/>
+    <p1510:client id="{9B9D4C16-5A73-44FC-B81C-E033F386BE81}" v="3" dt="2022-09-29T11:01:00.115"/>
     <p1510:client id="{7243DB7B-6519-4113-9313-0D5BD1DD6196}" v="1" dt="2022-10-06T06:08:40.457"/>
-    <p1510:client id="{9B9D4C16-5A73-44FC-B81C-E033F386BE81}" v="3" dt="2022-09-29T11:01:00.115"/>
     <p1510:client id="{A1854464-AA8C-4528-8FEA-3C375E66B42A}" v="7" dt="2022-10-06T09:52:16.683"/>
   </p1510:revLst>
 </p1510:revInfo>
@@ -8682,7 +8683,7 @@
         </p:spPr>
         <p:txBody>
           <a:bodyPr>
-            <a:normAutofit fontScale="90000"/>
+            <a:normAutofit/>
           </a:bodyPr>
           <a:lstStyle/>
           <a:p>
@@ -15030,6 +15031,185 @@
     <p:extLst>
       <p:ext uri="{BB962C8B-B14F-4D97-AF65-F5344CB8AC3E}">
         <p14:creationId xmlns:p14="http://schemas.microsoft.com/office/powerpoint/2010/main" val="1593836141"/>
+      </p:ext>
+    </p:extLst>
+  </p:cSld>
+  <p:clrMapOvr>
+    <a:masterClrMapping/>
+  </p:clrMapOvr>
+</p:sld>
+</file>
+
+<file path=ppt/slides/slide30.xml><?xml version="1.0" encoding="utf-8"?>
+<p:sld xmlns:a="http://schemas.openxmlformats.org/drawingml/2006/main" xmlns:r="http://schemas.openxmlformats.org/officeDocument/2006/relationships" xmlns:p="http://schemas.openxmlformats.org/presentationml/2006/main">
+  <p:cSld>
+    <p:spTree>
+      <p:nvGrpSpPr>
+        <p:cNvPr id="1" name=""/>
+        <p:cNvGrpSpPr/>
+        <p:nvPr/>
+      </p:nvGrpSpPr>
+      <p:grpSpPr>
+        <a:xfrm>
+          <a:off x="0" y="0"/>
+          <a:ext cx="0" cy="0"/>
+          <a:chOff x="0" y="0"/>
+          <a:chExt cx="0" cy="0"/>
+        </a:xfrm>
+      </p:grpSpPr>
+      <p:sp>
+        <p:nvSpPr>
+          <p:cNvPr id="2" name="Заголовок 1">
+            <a:extLst>
+              <a:ext uri="{FF2B5EF4-FFF2-40B4-BE49-F238E27FC236}">
+                <a16:creationId xmlns:a16="http://schemas.microsoft.com/office/drawing/2014/main" id="{9A149647-34B8-44C3-9D7D-3C3419C82F5C}"/>
+              </a:ext>
+            </a:extLst>
+          </p:cNvPr>
+          <p:cNvSpPr>
+            <a:spLocks noGrp="1"/>
+          </p:cNvSpPr>
+          <p:nvPr>
+            <p:ph type="title"/>
+          </p:nvPr>
+        </p:nvSpPr>
+        <p:spPr/>
+        <p:txBody>
+          <a:bodyPr/>
+          <a:lstStyle/>
+          <a:p>
+            <a:endParaRPr lang="ru-UA" dirty="0">
+              <a:solidFill>
+                <a:srgbClr val="FF0000"/>
+              </a:solidFill>
+            </a:endParaRPr>
+          </a:p>
+        </p:txBody>
+      </p:sp>
+      <p:sp>
+        <p:nvSpPr>
+          <p:cNvPr id="3" name="Объект 2">
+            <a:extLst>
+              <a:ext uri="{FF2B5EF4-FFF2-40B4-BE49-F238E27FC236}">
+                <a16:creationId xmlns:a16="http://schemas.microsoft.com/office/drawing/2014/main" id="{0D41B0E0-1750-4228-BB38-037B22818EA7}"/>
+              </a:ext>
+            </a:extLst>
+          </p:cNvPr>
+          <p:cNvSpPr>
+            <a:spLocks noGrp="1"/>
+          </p:cNvSpPr>
+          <p:nvPr>
+            <p:ph idx="1"/>
+          </p:nvPr>
+        </p:nvSpPr>
+        <p:spPr/>
+        <p:txBody>
+          <a:bodyPr/>
+          <a:lstStyle/>
+          <a:p>
+            <a:pPr marL="0" indent="0" algn="ctr">
+              <a:buNone/>
+            </a:pPr>
+            <a:endParaRPr lang="uk-UA" dirty="0">
+              <a:solidFill>
+                <a:srgbClr val="FF0000"/>
+              </a:solidFill>
+            </a:endParaRPr>
+          </a:p>
+          <a:p>
+            <a:pPr marL="0" indent="0" algn="ctr">
+              <a:buNone/>
+            </a:pPr>
+            <a:endParaRPr lang="uk-UA" dirty="0">
+              <a:solidFill>
+                <a:srgbClr val="FF0000"/>
+              </a:solidFill>
+            </a:endParaRPr>
+          </a:p>
+          <a:p>
+            <a:pPr marL="0" indent="0" algn="ctr">
+              <a:buNone/>
+            </a:pPr>
+            <a:endParaRPr lang="uk-UA" dirty="0">
+              <a:solidFill>
+                <a:srgbClr val="FF0000"/>
+              </a:solidFill>
+            </a:endParaRPr>
+          </a:p>
+          <a:p>
+            <a:pPr marL="0" indent="0" algn="ctr">
+              <a:buNone/>
+            </a:pPr>
+            <a:r>
+              <a:rPr lang="uk-UA" sz="4000" dirty="0">
+                <a:solidFill>
+                  <a:srgbClr val="FF0000"/>
+                </a:solidFill>
+              </a:rPr>
+              <a:t>Дякуємо за увагу!</a:t>
+            </a:r>
+            <a:endParaRPr lang="ru-UA" sz="4000" dirty="0"/>
+          </a:p>
+        </p:txBody>
+      </p:sp>
+      <p:sp>
+        <p:nvSpPr>
+          <p:cNvPr id="4" name="Нижний колонтитул 3">
+            <a:extLst>
+              <a:ext uri="{FF2B5EF4-FFF2-40B4-BE49-F238E27FC236}">
+                <a16:creationId xmlns:a16="http://schemas.microsoft.com/office/drawing/2014/main" id="{566EB642-0DF5-4EAC-B6AE-FA16F9E91EC9}"/>
+              </a:ext>
+            </a:extLst>
+          </p:cNvPr>
+          <p:cNvSpPr>
+            <a:spLocks noGrp="1"/>
+          </p:cNvSpPr>
+          <p:nvPr>
+            <p:ph type="ftr" sz="quarter" idx="11"/>
+          </p:nvPr>
+        </p:nvSpPr>
+        <p:spPr/>
+        <p:txBody>
+          <a:bodyPr/>
+          <a:lstStyle/>
+          <a:p>
+            <a:endParaRPr lang="en-US"/>
+          </a:p>
+        </p:txBody>
+      </p:sp>
+      <p:sp>
+        <p:nvSpPr>
+          <p:cNvPr id="5" name="Номер слайда 4">
+            <a:extLst>
+              <a:ext uri="{FF2B5EF4-FFF2-40B4-BE49-F238E27FC236}">
+                <a16:creationId xmlns:a16="http://schemas.microsoft.com/office/drawing/2014/main" id="{082F5067-CE6E-49F8-9EF6-07E86C0CBC43}"/>
+              </a:ext>
+            </a:extLst>
+          </p:cNvPr>
+          <p:cNvSpPr>
+            <a:spLocks noGrp="1"/>
+          </p:cNvSpPr>
+          <p:nvPr>
+            <p:ph type="sldNum" sz="quarter" idx="12"/>
+          </p:nvPr>
+        </p:nvSpPr>
+        <p:spPr/>
+        <p:txBody>
+          <a:bodyPr/>
+          <a:lstStyle/>
+          <a:p>
+            <a:fld id="{6D22F896-40B5-4ADD-8801-0D06FADFA095}" type="slidenum">
+              <a:rPr lang="en-US" smtClean="0"/>
+              <a:t>30</a:t>
+            </a:fld>
+            <a:endParaRPr lang="en-US"/>
+          </a:p>
+        </p:txBody>
+      </p:sp>
+    </p:spTree>
+    <p:extLst>
+      <p:ext uri="{BB962C8B-B14F-4D97-AF65-F5344CB8AC3E}">
+        <p14:creationId xmlns:p14="http://schemas.microsoft.com/office/powerpoint/2010/main" val="1347747884"/>
       </p:ext>
     </p:extLst>
   </p:cSld>
@@ -17394,18 +17574,18 @@
 </file>
 
 <file path=customXml/item1.xml><?xml version="1.0" encoding="utf-8"?>
-<p:properties xmlns:p="http://schemas.microsoft.com/office/2006/metadata/properties" xmlns:xsi="http://www.w3.org/2001/XMLSchema-instance" xmlns:pc="http://schemas.microsoft.com/office/infopath/2007/PartnerControls">
-  <documentManagement/>
-</p:properties>
-</file>
-
-<file path=customXml/item2.xml><?xml version="1.0" encoding="utf-8"?>
 <?mso-contentType ?>
 <FormTemplates xmlns="http://schemas.microsoft.com/sharepoint/v3/contenttype/forms">
   <Display>DocumentLibraryForm</Display>
   <Edit>DocumentLibraryForm</Edit>
   <New>DocumentLibraryForm</New>
 </FormTemplates>
+</file>
+
+<file path=customXml/item2.xml><?xml version="1.0" encoding="utf-8"?>
+<p:properties xmlns:p="http://schemas.microsoft.com/office/2006/metadata/properties" xmlns:xsi="http://www.w3.org/2001/XMLSchema-instance" xmlns:pc="http://schemas.microsoft.com/office/infopath/2007/PartnerControls">
+  <documentManagement/>
+</p:properties>
 </file>
 
 <file path=customXml/item3.xml><?xml version="1.0" encoding="utf-8"?>
@@ -17553,18 +17733,18 @@
 </file>
 
 <file path=customXml/itemProps1.xml><?xml version="1.0" encoding="utf-8"?>
-<ds:datastoreItem xmlns:ds="http://schemas.openxmlformats.org/officeDocument/2006/customXml" ds:itemID="{C35D743B-B188-4C38-B82D-7FD8B3A77642}">
+<ds:datastoreItem xmlns:ds="http://schemas.openxmlformats.org/officeDocument/2006/customXml" ds:itemID="{A345D2DA-A096-4BBF-9135-8FD4BD4C8C20}">
   <ds:schemaRefs>
-    <ds:schemaRef ds:uri="http://schemas.microsoft.com/office/2006/metadata/properties"/>
-    <ds:schemaRef ds:uri="http://schemas.microsoft.com/office/infopath/2007/PartnerControls"/>
+    <ds:schemaRef ds:uri="http://schemas.microsoft.com/sharepoint/v3/contenttype/forms"/>
   </ds:schemaRefs>
 </ds:datastoreItem>
 </file>
 
 <file path=customXml/itemProps2.xml><?xml version="1.0" encoding="utf-8"?>
-<ds:datastoreItem xmlns:ds="http://schemas.openxmlformats.org/officeDocument/2006/customXml" ds:itemID="{A345D2DA-A096-4BBF-9135-8FD4BD4C8C20}">
+<ds:datastoreItem xmlns:ds="http://schemas.openxmlformats.org/officeDocument/2006/customXml" ds:itemID="{C35D743B-B188-4C38-B82D-7FD8B3A77642}">
   <ds:schemaRefs>
-    <ds:schemaRef ds:uri="http://schemas.microsoft.com/sharepoint/v3/contenttype/forms"/>
+    <ds:schemaRef ds:uri="http://schemas.microsoft.com/office/2006/metadata/properties"/>
+    <ds:schemaRef ds:uri="http://schemas.microsoft.com/office/infopath/2007/PartnerControls"/>
   </ds:schemaRefs>
 </ds:datastoreItem>
 </file>

--- a/Git_1 part.pptx
+++ b/Git_1 part.pptx
@@ -5,10 +5,10 @@
     <p:sldMasterId id="2147483851" r:id="rId4"/>
   </p:sldMasterIdLst>
   <p:notesMasterIdLst>
-    <p:notesMasterId r:id="rId34"/>
+    <p:notesMasterId r:id="rId36"/>
   </p:notesMasterIdLst>
   <p:handoutMasterIdLst>
-    <p:handoutMasterId r:id="rId35"/>
+    <p:handoutMasterId r:id="rId37"/>
   </p:handoutMasterIdLst>
   <p:sldIdLst>
     <p:sldId id="334" r:id="rId5"/>
@@ -40,6 +40,8 @@
     <p:sldId id="331" r:id="rId31"/>
     <p:sldId id="333" r:id="rId32"/>
     <p:sldId id="332" r:id="rId33"/>
+    <p:sldId id="335" r:id="rId34"/>
+    <p:sldId id="336" r:id="rId35"/>
   </p:sldIdLst>
   <p:sldSz cx="12192000" cy="6858000"/>
   <p:notesSz cx="6858000" cy="9144000"/>
@@ -366,7 +368,7 @@
           <a:p>
             <a:fld id="{BA11B3C1-C822-4B57-87C0-490649D8D6D7}" type="slidenum">
               <a:rPr lang="ru-RU" smtClean="0"/>
-              <a:t>‹#›</a:t>
+              <a:t>‹№›</a:t>
             </a:fld>
             <a:endParaRPr lang="ru-RU"/>
           </a:p>
@@ -2118,7 +2120,7 @@
           <a:p>
             <a:fld id="{AD567C44-7823-4E15-95B7-ED61455829B8}" type="datetimeFigureOut">
               <a:rPr lang="ru-RU" smtClean="0"/>
-              <a:t>04.11.2022</a:t>
+              <a:t>06.11.2022</a:t>
             </a:fld>
             <a:endParaRPr lang="ru-RU"/>
           </a:p>
@@ -2277,7 +2279,7 @@
           <a:p>
             <a:fld id="{C83854A3-6714-4526-AEDE-747CDFA70004}" type="slidenum">
               <a:rPr lang="ru-RU" smtClean="0"/>
-              <a:t>‹#›</a:t>
+              <a:t>‹№›</a:t>
             </a:fld>
             <a:endParaRPr lang="ru-RU"/>
           </a:p>
@@ -2827,7 +2829,7 @@
           <a:p>
             <a:fld id="{ACD6F5B1-BE64-41EC-9D39-08B20FE66A00}" type="datetime1">
               <a:rPr lang="en-US" smtClean="0"/>
-              <a:t>11/4/2022</a:t>
+              <a:t>11/6/2022</a:t>
             </a:fld>
             <a:endParaRPr lang="en-US"/>
           </a:p>
@@ -2869,7 +2871,7 @@
           <a:p>
             <a:fld id="{6D22F896-40B5-4ADD-8801-0D06FADFA095}" type="slidenum">
               <a:rPr lang="en-US" smtClean="0"/>
-              <a:t>‹#›</a:t>
+              <a:t>‹№›</a:t>
             </a:fld>
             <a:endParaRPr lang="en-US"/>
           </a:p>
@@ -2997,7 +2999,7 @@
           <a:p>
             <a:fld id="{2A780207-E750-478A-BD8D-014DF4CF007A}" type="datetime1">
               <a:rPr lang="en-US" smtClean="0"/>
-              <a:t>11/4/2022</a:t>
+              <a:t>11/6/2022</a:t>
             </a:fld>
             <a:endParaRPr lang="en-US"/>
           </a:p>
@@ -3039,7 +3041,7 @@
           <a:p>
             <a:fld id="{6D22F896-40B5-4ADD-8801-0D06FADFA095}" type="slidenum">
               <a:rPr lang="en-US" smtClean="0"/>
-              <a:t>‹#›</a:t>
+              <a:t>‹№›</a:t>
             </a:fld>
             <a:endParaRPr lang="en-US"/>
           </a:p>
@@ -3177,7 +3179,7 @@
           <a:p>
             <a:fld id="{A9840149-181F-4DE2-A970-6210963938A6}" type="datetime1">
               <a:rPr lang="en-US" smtClean="0"/>
-              <a:t>11/4/2022</a:t>
+              <a:t>11/6/2022</a:t>
             </a:fld>
             <a:endParaRPr lang="en-US"/>
           </a:p>
@@ -3219,7 +3221,7 @@
           <a:p>
             <a:fld id="{6D22F896-40B5-4ADD-8801-0D06FADFA095}" type="slidenum">
               <a:rPr lang="en-US" smtClean="0"/>
-              <a:t>‹#›</a:t>
+              <a:t>‹№›</a:t>
             </a:fld>
             <a:endParaRPr lang="en-US"/>
           </a:p>
@@ -3347,7 +3349,7 @@
           <a:p>
             <a:fld id="{B89E07A0-B478-479E-9F53-FC3D4943597C}" type="datetime1">
               <a:rPr lang="en-US" smtClean="0"/>
-              <a:t>11/4/2022</a:t>
+              <a:t>11/6/2022</a:t>
             </a:fld>
             <a:endParaRPr lang="en-US"/>
           </a:p>
@@ -3389,7 +3391,7 @@
           <a:p>
             <a:fld id="{6D22F896-40B5-4ADD-8801-0D06FADFA095}" type="slidenum">
               <a:rPr lang="en-US" smtClean="0"/>
-              <a:t>‹#›</a:t>
+              <a:t>‹№›</a:t>
             </a:fld>
             <a:endParaRPr lang="en-US"/>
           </a:p>
@@ -3593,7 +3595,7 @@
           <a:p>
             <a:fld id="{57D29478-B7BC-4D4A-83DD-BBDD69C0611B}" type="datetime1">
               <a:rPr lang="en-US" smtClean="0"/>
-              <a:t>11/4/2022</a:t>
+              <a:t>11/6/2022</a:t>
             </a:fld>
             <a:endParaRPr lang="en-US"/>
           </a:p>
@@ -3635,7 +3637,7 @@
           <a:p>
             <a:fld id="{6D22F896-40B5-4ADD-8801-0D06FADFA095}" type="slidenum">
               <a:rPr lang="en-US" smtClean="0"/>
-              <a:t>‹#›</a:t>
+              <a:t>‹№›</a:t>
             </a:fld>
             <a:endParaRPr lang="en-US"/>
           </a:p>
@@ -3825,7 +3827,7 @@
           <a:p>
             <a:fld id="{AB65EC0E-07C4-4A98-B23B-FE8F72CE4422}" type="datetime1">
               <a:rPr lang="en-US" smtClean="0"/>
-              <a:t>11/4/2022</a:t>
+              <a:t>11/6/2022</a:t>
             </a:fld>
             <a:endParaRPr lang="en-US"/>
           </a:p>
@@ -3867,7 +3869,7 @@
           <a:p>
             <a:fld id="{6D22F896-40B5-4ADD-8801-0D06FADFA095}" type="slidenum">
               <a:rPr lang="en-US" smtClean="0"/>
-              <a:t>‹#›</a:t>
+              <a:t>‹№›</a:t>
             </a:fld>
             <a:endParaRPr lang="en-US"/>
           </a:p>
@@ -4192,7 +4194,7 @@
           <a:p>
             <a:fld id="{E4AC23B7-51DA-476C-A442-884381F06C35}" type="datetime1">
               <a:rPr lang="en-US" smtClean="0"/>
-              <a:t>11/4/2022</a:t>
+              <a:t>11/6/2022</a:t>
             </a:fld>
             <a:endParaRPr lang="en-US"/>
           </a:p>
@@ -4234,7 +4236,7 @@
           <a:p>
             <a:fld id="{6D22F896-40B5-4ADD-8801-0D06FADFA095}" type="slidenum">
               <a:rPr lang="en-US" smtClean="0"/>
-              <a:t>‹#›</a:t>
+              <a:t>‹№›</a:t>
             </a:fld>
             <a:endParaRPr lang="en-US"/>
           </a:p>
@@ -4310,7 +4312,7 @@
           <a:p>
             <a:fld id="{A2E7ABAE-A376-4680-BBAE-02BBD6A0489B}" type="datetime1">
               <a:rPr lang="en-US" smtClean="0"/>
-              <a:t>11/4/2022</a:t>
+              <a:t>11/6/2022</a:t>
             </a:fld>
             <a:endParaRPr lang="en-US"/>
           </a:p>
@@ -4352,7 +4354,7 @@
           <a:p>
             <a:fld id="{6D22F896-40B5-4ADD-8801-0D06FADFA095}" type="slidenum">
               <a:rPr lang="en-US" smtClean="0"/>
-              <a:t>‹#›</a:t>
+              <a:t>‹№›</a:t>
             </a:fld>
             <a:endParaRPr lang="en-US"/>
           </a:p>
@@ -4405,7 +4407,7 @@
           <a:p>
             <a:fld id="{C3BC54A3-5549-4766-8E6F-26C5D14359A0}" type="datetime1">
               <a:rPr lang="en-US" smtClean="0"/>
-              <a:t>11/4/2022</a:t>
+              <a:t>11/6/2022</a:t>
             </a:fld>
             <a:endParaRPr lang="en-US"/>
           </a:p>
@@ -4447,7 +4449,7 @@
           <a:p>
             <a:fld id="{6D22F896-40B5-4ADD-8801-0D06FADFA095}" type="slidenum">
               <a:rPr lang="en-US" smtClean="0"/>
-              <a:t>‹#›</a:t>
+              <a:t>‹№›</a:t>
             </a:fld>
             <a:endParaRPr lang="en-US"/>
           </a:p>
@@ -4682,7 +4684,7 @@
           <a:p>
             <a:fld id="{E10F0183-E1B1-42DF-A1BF-100391FFAC24}" type="datetime1">
               <a:rPr lang="en-US" smtClean="0"/>
-              <a:t>11/4/2022</a:t>
+              <a:t>11/6/2022</a:t>
             </a:fld>
             <a:endParaRPr lang="en-US"/>
           </a:p>
@@ -4724,7 +4726,7 @@
           <a:p>
             <a:fld id="{6D22F896-40B5-4ADD-8801-0D06FADFA095}" type="slidenum">
               <a:rPr lang="en-US" smtClean="0"/>
-              <a:t>‹#›</a:t>
+              <a:t>‹№›</a:t>
             </a:fld>
             <a:endParaRPr lang="en-US"/>
           </a:p>
@@ -4939,7 +4941,7 @@
           <a:p>
             <a:fld id="{7417C2D0-2E3F-4779-808A-894DE456022F}" type="datetime1">
               <a:rPr lang="en-US" smtClean="0"/>
-              <a:t>11/4/2022</a:t>
+              <a:t>11/6/2022</a:t>
             </a:fld>
             <a:endParaRPr lang="en-US"/>
           </a:p>
@@ -4981,7 +4983,7 @@
           <a:p>
             <a:fld id="{6D22F896-40B5-4ADD-8801-0D06FADFA095}" type="slidenum">
               <a:rPr lang="en-US" smtClean="0"/>
-              <a:t>‹#›</a:t>
+              <a:t>‹№›</a:t>
             </a:fld>
             <a:endParaRPr lang="en-US"/>
           </a:p>
@@ -5182,7 +5184,7 @@
           <a:p>
             <a:fld id="{EA08E5D3-2824-4421-AFCD-3F1B287A8530}" type="datetime1">
               <a:rPr lang="en-US" smtClean="0"/>
-              <a:t>11/4/2022</a:t>
+              <a:t>11/6/2022</a:t>
             </a:fld>
             <a:endParaRPr lang="en-US"/>
           </a:p>
@@ -5261,7 +5263,7 @@
             <a:fld id="{6D22F896-40B5-4ADD-8801-0D06FADFA095}" type="slidenum">
               <a:rPr lang="en-US" smtClean="0"/>
               <a:pPr/>
-              <a:t>‹#›</a:t>
+              <a:t>‹№›</a:t>
             </a:fld>
             <a:endParaRPr lang="en-US"/>
           </a:p>
@@ -5650,10 +5652,164 @@
               </a:rPr>
             </a:br>
             <a:br>
-              <a:rPr lang="uk-UA" b="1">
+              <a:rPr lang="uk-UA" b="1" dirty="0">
                 <a:solidFill>
                   <a:srgbClr val="0070C0"/>
                 </a:solidFill>
+                <a:latin typeface="SchoolBookCTT" pitchFamily="2" charset="0"/>
+              </a:rPr>
+            </a:br>
+            <a:r>
+              <a:rPr lang="en-US" sz="3200" b="1" dirty="0" err="1">
+                <a:solidFill>
+                  <a:srgbClr val="413D3D"/>
+                </a:solidFill>
+                <a:latin typeface="SchoolBookCTT" pitchFamily="2" charset="0"/>
+              </a:rPr>
+              <a:t>DemidCompanyNiga</a:t>
+            </a:r>
+            <a:br>
+              <a:rPr lang="ru-RU" sz="3200" b="1" dirty="0">
+                <a:solidFill>
+                  <a:srgbClr val="413D3D"/>
+                </a:solidFill>
+                <a:latin typeface="SchoolBookCTT" pitchFamily="2" charset="0"/>
+              </a:rPr>
+            </a:br>
+            <a:r>
+              <a:rPr lang="en-GB" sz="3200" b="1" dirty="0" err="1">
+                <a:solidFill>
+                  <a:srgbClr val="413D3D"/>
+                </a:solidFill>
+                <a:latin typeface="SchoolBookCTT" pitchFamily="2" charset="0"/>
+              </a:rPr>
+              <a:t>DemidsNiggersBlack</a:t>
+            </a:r>
+            <a:r>
+              <a:rPr lang="en-GB" sz="3200" b="1" dirty="0">
+                <a:solidFill>
+                  <a:srgbClr val="413D3D"/>
+                </a:solidFill>
+                <a:latin typeface="SchoolBookCTT" pitchFamily="2" charset="0"/>
+              </a:rPr>
+              <a:t> present</a:t>
+            </a:r>
+            <a:br>
+              <a:rPr lang="uk-UA" sz="3100" b="1" dirty="0">
+                <a:latin typeface="SchoolBookCTT" pitchFamily="2" charset="0"/>
+              </a:rPr>
+            </a:br>
+            <a:r>
+              <a:rPr lang="ru-RU" sz="3100" b="1" dirty="0">
+                <a:latin typeface="SchoolBookCTT" pitchFamily="2" charset="0"/>
+              </a:rPr>
+              <a:t>Как так?</a:t>
+            </a:r>
+            <a:br>
+              <a:rPr lang="ru-RU" sz="3100" b="1" dirty="0">
+                <a:latin typeface="SchoolBookCTT" pitchFamily="2" charset="0"/>
+              </a:rPr>
+            </a:br>
+            <a:r>
+              <a:rPr lang="ru-RU" sz="3100" b="1" dirty="0">
+                <a:latin typeface="SchoolBookCTT" pitchFamily="2" charset="0"/>
+              </a:rPr>
+              <a:t>Как менять? </a:t>
+            </a:r>
+            <a:br>
+              <a:rPr lang="ru-RU" sz="3100" b="1" dirty="0">
+                <a:latin typeface="SchoolBookCTT" pitchFamily="2" charset="0"/>
+              </a:rPr>
+            </a:br>
+            <a:r>
+              <a:rPr lang="ru-RU" sz="3100" b="1" dirty="0">
+                <a:latin typeface="SchoolBookCTT" pitchFamily="2" charset="0"/>
+              </a:rPr>
+              <a:t>У нас </a:t>
+            </a:r>
+            <a:r>
+              <a:rPr lang="ru-RU" sz="3100" b="1" dirty="0" err="1">
+                <a:latin typeface="SchoolBookCTT" pitchFamily="2" charset="0"/>
+              </a:rPr>
+              <a:t>чето</a:t>
+            </a:r>
+            <a:r>
+              <a:rPr lang="ru-RU" sz="3100" b="1" dirty="0">
+                <a:latin typeface="SchoolBookCTT" pitchFamily="2" charset="0"/>
+              </a:rPr>
+              <a:t> работает</a:t>
+            </a:r>
+            <a:br>
+              <a:rPr lang="ru-RU" sz="3100" b="1" dirty="0">
+                <a:latin typeface="SchoolBookCTT" pitchFamily="2" charset="0"/>
+              </a:rPr>
+            </a:br>
+            <a:r>
+              <a:rPr lang="ru-RU" sz="3100" b="1" dirty="0">
+                <a:latin typeface="SchoolBookCTT" pitchFamily="2" charset="0"/>
+              </a:rPr>
+              <a:t>Мы </a:t>
+            </a:r>
+            <a:r>
+              <a:rPr lang="ru-RU" sz="3100" b="1" dirty="0" err="1">
+                <a:latin typeface="SchoolBookCTT" pitchFamily="2" charset="0"/>
+              </a:rPr>
+              <a:t>ниче</a:t>
+            </a:r>
+            <a:r>
+              <a:rPr lang="ru-RU" sz="3100" b="1" dirty="0">
+                <a:latin typeface="SchoolBookCTT" pitchFamily="2" charset="0"/>
+              </a:rPr>
+              <a:t> не делаем.</a:t>
+            </a:r>
+            <a:br>
+              <a:rPr lang="ru-RU" sz="3100" b="1" dirty="0">
+                <a:latin typeface="SchoolBookCTT" pitchFamily="2" charset="0"/>
+              </a:rPr>
+            </a:br>
+            <a:r>
+              <a:rPr lang="ru-RU" sz="3100" b="1" dirty="0">
+                <a:latin typeface="SchoolBookCTT" pitchFamily="2" charset="0"/>
+              </a:rPr>
+              <a:t>У меня </a:t>
+            </a:r>
+            <a:r>
+              <a:rPr lang="ru-RU" sz="3100" b="1" dirty="0" err="1">
+                <a:latin typeface="SchoolBookCTT" pitchFamily="2" charset="0"/>
+              </a:rPr>
+              <a:t>презенацтия</a:t>
+            </a:r>
+            <a:r>
+              <a:rPr lang="ru-RU" sz="3100" b="1" dirty="0">
+                <a:latin typeface="SchoolBookCTT" pitchFamily="2" charset="0"/>
+              </a:rPr>
+              <a:t> </a:t>
+            </a:r>
+            <a:r>
+              <a:rPr lang="ru-RU" sz="3100" b="1" dirty="0" err="1">
+                <a:latin typeface="SchoolBookCTT" pitchFamily="2" charset="0"/>
+              </a:rPr>
+              <a:t>меняеться</a:t>
+            </a:r>
+            <a:br>
+              <a:rPr lang="ru-RU" sz="3100" b="1" dirty="0">
+                <a:latin typeface="SchoolBookCTT" pitchFamily="2" charset="0"/>
+              </a:rPr>
+            </a:br>
+            <a:r>
+              <a:rPr lang="ru-RU" sz="3100" b="1" dirty="0">
+                <a:latin typeface="SchoolBookCTT" pitchFamily="2" charset="0"/>
+              </a:rPr>
+              <a:t>Только </a:t>
+            </a:r>
+            <a:r>
+              <a:rPr lang="ru-RU" sz="3100" b="1">
+                <a:latin typeface="SchoolBookCTT" pitchFamily="2" charset="0"/>
+              </a:rPr>
+              <a:t>мои изменения</a:t>
+            </a:r>
+            <a:br>
+              <a:rPr lang="uk-UA" sz="3100" b="1" dirty="0">
                 <a:latin typeface="SchoolBookCTT" pitchFamily="2" charset="0"/>
               </a:rPr>
             </a:br>
@@ -8682,7 +8838,7 @@
         </p:spPr>
         <p:txBody>
           <a:bodyPr>
-            <a:normAutofit fontScale="90000"/>
+            <a:normAutofit/>
           </a:bodyPr>
           <a:lstStyle/>
           <a:p>
@@ -9552,7 +9708,7 @@
         </p:nvSpPr>
         <p:spPr>
           <a:xfrm>
-            <a:off x="1482571" y="2320290"/>
+            <a:off x="1171853" y="454089"/>
             <a:ext cx="9590468" cy="4537710"/>
           </a:xfrm>
         </p:spPr>
@@ -9563,381 +9719,56 @@
           <a:lstStyle/>
           <a:p>
             <a:br>
-              <a:rPr lang="uk-UA" sz="2000" b="1" dirty="0">
+              <a:rPr lang="uk-UA" b="1">
                 <a:latin typeface="SchoolBookCTT" pitchFamily="2" charset="0"/>
               </a:rPr>
             </a:br>
             <a:br>
-              <a:rPr lang="uk-UA" sz="1100" b="1" dirty="0">
+              <a:rPr lang="uk-UA" sz="3600" b="1">
                 <a:latin typeface="SchoolBookCTT" pitchFamily="2" charset="0"/>
               </a:rPr>
             </a:br>
             <a:br>
-              <a:rPr lang="uk-UA" sz="2000" b="1" dirty="0">
+              <a:rPr lang="uk-UA" b="1">
                 <a:latin typeface="SchoolBookCTT" pitchFamily="2" charset="0"/>
               </a:rPr>
             </a:br>
-            <a:br>
-              <a:rPr lang="uk-UA" sz="2000" b="1" dirty="0">
-                <a:latin typeface="SchoolBookCTT" pitchFamily="2" charset="0"/>
-              </a:rPr>
-            </a:br>
-            <a:br>
-              <a:rPr lang="uk-UA" sz="2000" b="1" dirty="0">
-                <a:latin typeface="SchoolBookCTT" pitchFamily="2" charset="0"/>
-              </a:rPr>
-            </a:br>
-            <a:br>
-              <a:rPr lang="uk-UA" sz="2000" b="1" dirty="0">
-                <a:latin typeface="SchoolBookCTT" pitchFamily="2" charset="0"/>
-              </a:rPr>
-            </a:br>
-            <a:br>
-              <a:rPr lang="uk-UA" sz="2000" b="1" dirty="0">
-                <a:latin typeface="SchoolBookCTT" pitchFamily="2" charset="0"/>
-              </a:rPr>
-            </a:br>
-            <a:br>
-              <a:rPr lang="uk-UA" sz="2000" b="1" dirty="0">
-                <a:latin typeface="SchoolBookCTT" pitchFamily="2" charset="0"/>
-              </a:rPr>
-            </a:br>
-            <a:br>
-              <a:rPr lang="uk-UA" sz="2000" b="1" dirty="0">
-                <a:latin typeface="SchoolBookCTT" pitchFamily="2" charset="0"/>
-              </a:rPr>
-            </a:br>
-            <a:br>
-              <a:rPr lang="uk-UA" sz="2000" b="1" dirty="0">
-                <a:latin typeface="SchoolBookCTT" pitchFamily="2" charset="0"/>
-              </a:rPr>
-            </a:br>
-            <a:br>
-              <a:rPr lang="uk-UA" sz="2000" b="1" dirty="0">
-                <a:latin typeface="SchoolBookCTT" pitchFamily="2" charset="0"/>
-              </a:rPr>
-            </a:br>
-            <a:br>
-              <a:rPr lang="uk-UA" sz="1200" b="1" dirty="0">
-                <a:latin typeface="SchoolBookCTT" pitchFamily="2" charset="0"/>
-              </a:rPr>
-            </a:br>
-            <a:br>
-              <a:rPr lang="uk-UA" sz="1200" b="1" dirty="0">
-                <a:latin typeface="SchoolBookCTT" pitchFamily="2" charset="0"/>
-              </a:rPr>
-            </a:br>
-            <a:br>
-              <a:rPr lang="uk-UA" sz="1200" b="1" dirty="0">
-                <a:latin typeface="SchoolBookCTT" pitchFamily="2" charset="0"/>
-              </a:rPr>
-            </a:br>
-            <a:br>
-              <a:rPr lang="uk-UA" sz="1200" b="1" dirty="0">
-                <a:latin typeface="SchoolBookCTT" pitchFamily="2" charset="0"/>
-              </a:rPr>
-            </a:br>
-            <a:br>
-              <a:rPr lang="uk-UA" sz="1200" b="1" dirty="0">
-                <a:latin typeface="SchoolBookCTT" pitchFamily="2" charset="0"/>
-              </a:rPr>
-            </a:br>
-            <a:r>
-              <a:rPr lang="en-US" sz="3100" b="1" dirty="0">
-                <a:solidFill>
-                  <a:srgbClr val="00B0F0"/>
-                </a:solidFill>
-                <a:latin typeface="SchoolBookCTT" pitchFamily="2" charset="0"/>
-              </a:rPr>
-              <a:t>Team members </a:t>
-            </a:r>
-            <a:br>
-              <a:rPr lang="uk-UA" sz="1200" b="1" dirty="0">
-                <a:latin typeface="SchoolBookCTT" pitchFamily="2" charset="0"/>
-              </a:rPr>
-            </a:br>
-            <a:br>
-              <a:rPr lang="uk-UA" sz="1200" b="1" dirty="0">
-                <a:latin typeface="SchoolBookCTT" pitchFamily="2" charset="0"/>
-              </a:rPr>
-            </a:br>
-            <a:r>
-              <a:rPr lang="uk-UA" sz="2200" b="1" dirty="0">
-                <a:solidFill>
-                  <a:srgbClr val="FFFF00"/>
-                </a:solidFill>
-                <a:effectLst>
-                  <a:outerShdw blurRad="38100" dist="38100" dir="2700000" algn="tl">
-                    <a:srgbClr val="000000">
-                      <a:alpha val="43137"/>
-                    </a:srgbClr>
-                  </a:outerShdw>
-                </a:effectLst>
-              </a:rPr>
-              <a:t>Клименко Артем </a:t>
-            </a:r>
-            <a:r>
-              <a:rPr lang="en-US" sz="2200" b="1" dirty="0">
-                <a:solidFill>
-                  <a:srgbClr val="FFFF00"/>
-                </a:solidFill>
-                <a:effectLst>
-                  <a:outerShdw blurRad="38100" dist="38100" dir="2700000" algn="tl">
-                    <a:srgbClr val="000000">
-                      <a:alpha val="43137"/>
-                    </a:srgbClr>
-                  </a:outerShdw>
-                </a:effectLst>
-              </a:rPr>
-              <a:t>(PM)</a:t>
-            </a:r>
-            <a:br>
-              <a:rPr lang="en-US" sz="2200" b="1" dirty="0">
-                <a:solidFill>
-                  <a:srgbClr val="FFFF00"/>
-                </a:solidFill>
-                <a:effectLst>
-                  <a:outerShdw blurRad="38100" dist="38100" dir="2700000" algn="tl">
-                    <a:srgbClr val="000000">
-                      <a:alpha val="43137"/>
-                    </a:srgbClr>
-                  </a:outerShdw>
-                </a:effectLst>
-              </a:rPr>
-            </a:br>
-            <a:r>
-              <a:rPr lang="uk-UA" sz="2200" b="1" dirty="0">
-                <a:solidFill>
-                  <a:srgbClr val="FFFF00"/>
-                </a:solidFill>
-                <a:effectLst>
-                  <a:outerShdw blurRad="38100" dist="38100" dir="2700000" algn="tl">
-                    <a:srgbClr val="000000">
-                      <a:alpha val="43137"/>
-                    </a:srgbClr>
-                  </a:outerShdw>
-                </a:effectLst>
-              </a:rPr>
-              <a:t>Полібін-Щербак Демид Артемович(</a:t>
-            </a:r>
-            <a:r>
-              <a:rPr lang="en-US" sz="2200" b="1" dirty="0">
-                <a:solidFill>
-                  <a:srgbClr val="FFFF00"/>
-                </a:solidFill>
-                <a:effectLst>
-                  <a:outerShdw blurRad="38100" dist="38100" dir="2700000" algn="tl">
-                    <a:srgbClr val="000000">
-                      <a:alpha val="43137"/>
-                    </a:srgbClr>
-                  </a:outerShdw>
-                </a:effectLst>
-              </a:rPr>
-              <a:t>PM)</a:t>
-            </a:r>
-            <a:br>
-              <a:rPr lang="en-US" sz="2200" b="1" dirty="0">
-                <a:solidFill>
-                  <a:srgbClr val="FFFF00"/>
-                </a:solidFill>
-                <a:effectLst>
-                  <a:outerShdw blurRad="38100" dist="38100" dir="2700000" algn="tl">
-                    <a:srgbClr val="000000">
-                      <a:alpha val="43137"/>
-                    </a:srgbClr>
-                  </a:outerShdw>
-                </a:effectLst>
-              </a:rPr>
-            </a:br>
-            <a:r>
-              <a:rPr lang="uk-UA" sz="2200" b="1" dirty="0">
-                <a:solidFill>
-                  <a:srgbClr val="FFFF00"/>
-                </a:solidFill>
-                <a:effectLst>
-                  <a:outerShdw blurRad="38100" dist="38100" dir="2700000" algn="tl">
-                    <a:srgbClr val="000000">
-                      <a:alpha val="43137"/>
-                    </a:srgbClr>
-                  </a:outerShdw>
-                </a:effectLst>
-              </a:rPr>
-              <a:t>Бабенко Станіслав Олексійович</a:t>
-            </a:r>
-            <a:r>
-              <a:rPr lang="en-US" sz="2200" b="1" dirty="0">
-                <a:solidFill>
-                  <a:srgbClr val="FFFF00"/>
-                </a:solidFill>
-                <a:effectLst>
-                  <a:outerShdw blurRad="38100" dist="38100" dir="2700000" algn="tl">
-                    <a:srgbClr val="000000">
-                      <a:alpha val="43137"/>
-                    </a:srgbClr>
-                  </a:outerShdw>
-                </a:effectLst>
-              </a:rPr>
-              <a:t>(Editor)</a:t>
-            </a:r>
-            <a:br>
-              <a:rPr lang="uk-UA" sz="2200" b="1" dirty="0">
-                <a:solidFill>
-                  <a:srgbClr val="FFFF00"/>
-                </a:solidFill>
-                <a:effectLst>
-                  <a:outerShdw blurRad="38100" dist="38100" dir="2700000" algn="tl">
-                    <a:srgbClr val="000000">
-                      <a:alpha val="43137"/>
-                    </a:srgbClr>
-                  </a:outerShdw>
-                </a:effectLst>
-              </a:rPr>
-            </a:br>
-            <a:r>
-              <a:rPr lang="uk-UA" sz="2200" b="1" dirty="0">
-                <a:solidFill>
-                  <a:srgbClr val="FFFF00"/>
-                </a:solidFill>
-                <a:effectLst>
-                  <a:outerShdw blurRad="38100" dist="38100" dir="2700000" algn="tl">
-                    <a:srgbClr val="000000">
-                      <a:alpha val="43137"/>
-                    </a:srgbClr>
-                  </a:outerShdw>
-                </a:effectLst>
-              </a:rPr>
-              <a:t>Сердюк Костя Олегович</a:t>
-            </a:r>
-            <a:r>
-              <a:rPr lang="en-US" sz="2200" b="1" dirty="0">
-                <a:solidFill>
-                  <a:srgbClr val="FFFF00"/>
-                </a:solidFill>
-                <a:effectLst>
-                  <a:outerShdw blurRad="38100" dist="38100" dir="2700000" algn="tl">
-                    <a:srgbClr val="000000">
-                      <a:alpha val="43137"/>
-                    </a:srgbClr>
-                  </a:outerShdw>
-                </a:effectLst>
-              </a:rPr>
-              <a:t>(Editor)</a:t>
-            </a:r>
-            <a:br>
-              <a:rPr lang="uk-UA" sz="2200" b="1" dirty="0">
-                <a:solidFill>
-                  <a:srgbClr val="FFFF00"/>
-                </a:solidFill>
-                <a:effectLst>
-                  <a:outerShdw blurRad="38100" dist="38100" dir="2700000" algn="tl">
-                    <a:srgbClr val="000000">
-                      <a:alpha val="43137"/>
-                    </a:srgbClr>
-                  </a:outerShdw>
-                </a:effectLst>
-              </a:rPr>
-            </a:br>
-            <a:r>
-              <a:rPr lang="uk-UA" sz="2200" b="1" dirty="0">
-                <a:solidFill>
-                  <a:srgbClr val="FFFF00"/>
-                </a:solidFill>
-                <a:effectLst>
-                  <a:outerShdw blurRad="38100" dist="38100" dir="2700000" algn="tl">
-                    <a:srgbClr val="000000">
-                      <a:alpha val="43137"/>
-                    </a:srgbClr>
-                  </a:outerShdw>
-                </a:effectLst>
-              </a:rPr>
-              <a:t>Шейко Ростислав Олександрович</a:t>
-            </a:r>
-            <a:r>
-              <a:rPr lang="en-US" sz="2200" b="1" dirty="0">
-                <a:solidFill>
-                  <a:srgbClr val="FFFF00"/>
-                </a:solidFill>
-                <a:effectLst>
-                  <a:outerShdw blurRad="38100" dist="38100" dir="2700000" algn="tl">
-                    <a:srgbClr val="000000">
-                      <a:alpha val="43137"/>
-                    </a:srgbClr>
-                  </a:outerShdw>
-                </a:effectLst>
-              </a:rPr>
-              <a:t>(Editor)</a:t>
-            </a:r>
-            <a:br>
-              <a:rPr lang="uk-UA" sz="2200" b="1" dirty="0">
-                <a:solidFill>
-                  <a:srgbClr val="FFFF00"/>
-                </a:solidFill>
-                <a:effectLst>
-                  <a:outerShdw blurRad="38100" dist="38100" dir="2700000" algn="tl">
-                    <a:srgbClr val="000000">
-                      <a:alpha val="43137"/>
-                    </a:srgbClr>
-                  </a:outerShdw>
-                </a:effectLst>
-              </a:rPr>
-            </a:br>
-            <a:r>
-              <a:rPr lang="uk-UA" sz="2200" b="1" dirty="0">
-                <a:solidFill>
-                  <a:srgbClr val="FFFF00"/>
-                </a:solidFill>
-                <a:effectLst>
-                  <a:outerShdw blurRad="38100" dist="38100" dir="2700000" algn="tl">
-                    <a:srgbClr val="000000">
-                      <a:alpha val="43137"/>
-                    </a:srgbClr>
-                  </a:outerShdw>
-                </a:effectLst>
-              </a:rPr>
-              <a:t>Фоменко Валентин Олександрович</a:t>
-            </a:r>
-            <a:r>
-              <a:rPr lang="en-US" sz="2200" b="1" dirty="0">
-                <a:solidFill>
-                  <a:srgbClr val="FFFF00"/>
-                </a:solidFill>
-                <a:effectLst>
-                  <a:outerShdw blurRad="38100" dist="38100" dir="2700000" algn="tl">
-                    <a:srgbClr val="000000">
-                      <a:alpha val="43137"/>
-                    </a:srgbClr>
-                  </a:outerShdw>
-                </a:effectLst>
-              </a:rPr>
-              <a:t>(Editor</a:t>
-            </a:r>
-            <a:br>
-              <a:rPr lang="uk-UA" sz="1200" b="1" dirty="0">
+            <a:r>
+              <a:rPr lang="en-US" sz="10700" b="1">
                 <a:solidFill>
                   <a:srgbClr val="0070C0"/>
                 </a:solidFill>
                 <a:latin typeface="SchoolBookCTT" pitchFamily="2" charset="0"/>
               </a:rPr>
+              <a:t>Git</a:t>
+            </a:r>
+            <a:br>
+              <a:rPr lang="uk-UA" b="1">
+                <a:solidFill>
+                  <a:srgbClr val="0070C0"/>
+                </a:solidFill>
+                <a:latin typeface="SchoolBookCTT" pitchFamily="2" charset="0"/>
+              </a:rPr>
             </a:br>
             <a:br>
-              <a:rPr lang="uk-UA" sz="1000" b="1" dirty="0">
+              <a:rPr lang="uk-UA" sz="3100" b="1">
                 <a:latin typeface="SchoolBookCTT" pitchFamily="2" charset="0"/>
               </a:rPr>
             </a:br>
             <a:br>
-              <a:rPr lang="uk-UA" sz="3100" b="1" dirty="0">
+              <a:rPr lang="uk-UA" sz="3100" b="1">
                 <a:latin typeface="SchoolBookCTT" pitchFamily="2" charset="0"/>
               </a:rPr>
             </a:br>
             <a:br>
-              <a:rPr lang="uk-UA" sz="2400" b="1" dirty="0">
+              <a:rPr lang="uk-UA" sz="2400" b="1">
                 <a:solidFill>
                   <a:srgbClr val="FF0000"/>
                 </a:solidFill>
                 <a:latin typeface="SchoolBookCTT" pitchFamily="2" charset="0"/>
               </a:rPr>
             </a:br>
-            <a:endParaRPr lang="uk-UA" sz="2400" b="1" dirty="0">
+            <a:endParaRPr lang="uk-UA" sz="2400" b="1">
               <a:latin typeface="SchoolBookCTT" pitchFamily="2" charset="0"/>
             </a:endParaRPr>
           </a:p>
@@ -15030,6 +14861,961 @@
     <p:extLst>
       <p:ext uri="{BB962C8B-B14F-4D97-AF65-F5344CB8AC3E}">
         <p14:creationId xmlns:p14="http://schemas.microsoft.com/office/powerpoint/2010/main" val="1593836141"/>
+      </p:ext>
+    </p:extLst>
+  </p:cSld>
+  <p:clrMapOvr>
+    <a:masterClrMapping/>
+  </p:clrMapOvr>
+</p:sld>
+</file>
+
+<file path=ppt/slides/slide30.xml><?xml version="1.0" encoding="utf-8"?>
+<p:sld xmlns:a="http://schemas.openxmlformats.org/drawingml/2006/main" xmlns:r="http://schemas.openxmlformats.org/officeDocument/2006/relationships" xmlns:p="http://schemas.openxmlformats.org/presentationml/2006/main">
+  <p:cSld>
+    <p:spTree>
+      <p:nvGrpSpPr>
+        <p:cNvPr id="1" name=""/>
+        <p:cNvGrpSpPr/>
+        <p:nvPr/>
+      </p:nvGrpSpPr>
+      <p:grpSpPr>
+        <a:xfrm>
+          <a:off x="0" y="0"/>
+          <a:ext cx="0" cy="0"/>
+          <a:chOff x="0" y="0"/>
+          <a:chExt cx="0" cy="0"/>
+        </a:xfrm>
+      </p:grpSpPr>
+      <p:sp>
+        <p:nvSpPr>
+          <p:cNvPr id="2" name="Заголовок 1">
+            <a:extLst>
+              <a:ext uri="{FF2B5EF4-FFF2-40B4-BE49-F238E27FC236}">
+                <a16:creationId xmlns:a16="http://schemas.microsoft.com/office/drawing/2014/main" id="{D2A85CEB-B942-0761-C894-6ADFDA7A8D20}"/>
+              </a:ext>
+            </a:extLst>
+          </p:cNvPr>
+          <p:cNvSpPr>
+            <a:spLocks noGrp="1"/>
+          </p:cNvSpPr>
+          <p:nvPr>
+            <p:ph type="title"/>
+          </p:nvPr>
+        </p:nvSpPr>
+        <p:spPr/>
+        <p:txBody>
+          <a:bodyPr/>
+          <a:lstStyle/>
+          <a:p>
+            <a:pPr algn="ctr"/>
+            <a:r>
+              <a:rPr lang="uk-UA" b="1" i="0" u="none" strike="noStrike" dirty="0">
+                <a:solidFill>
+                  <a:srgbClr val="0070C0"/>
+                </a:solidFill>
+                <a:effectLst/>
+                <a:latin typeface="SchoolBookCTT"/>
+              </a:rPr>
+              <a:t>Піднесення до степені</a:t>
+            </a:r>
+            <a:r>
+              <a:rPr lang="uk-UA" b="0" i="0" dirty="0">
+                <a:solidFill>
+                  <a:srgbClr val="000000"/>
+                </a:solidFill>
+                <a:effectLst/>
+                <a:latin typeface="SchoolBookCTT"/>
+              </a:rPr>
+              <a:t>​</a:t>
+            </a:r>
+            <a:endParaRPr lang="uk-UA" dirty="0"/>
+          </a:p>
+        </p:txBody>
+      </p:sp>
+      <p:sp>
+        <p:nvSpPr>
+          <p:cNvPr id="4" name="Місце для нижнього колонтитула 3">
+            <a:extLst>
+              <a:ext uri="{FF2B5EF4-FFF2-40B4-BE49-F238E27FC236}">
+                <a16:creationId xmlns:a16="http://schemas.microsoft.com/office/drawing/2014/main" id="{B837173B-1064-150A-7798-4DF6B18AB225}"/>
+              </a:ext>
+            </a:extLst>
+          </p:cNvPr>
+          <p:cNvSpPr>
+            <a:spLocks noGrp="1"/>
+          </p:cNvSpPr>
+          <p:nvPr>
+            <p:ph type="ftr" sz="quarter" idx="11"/>
+          </p:nvPr>
+        </p:nvSpPr>
+        <p:spPr/>
+        <p:txBody>
+          <a:bodyPr/>
+          <a:lstStyle/>
+          <a:p>
+            <a:endParaRPr lang="en-US"/>
+          </a:p>
+        </p:txBody>
+      </p:sp>
+      <p:sp>
+        <p:nvSpPr>
+          <p:cNvPr id="5" name="Місце для номера слайда 4">
+            <a:extLst>
+              <a:ext uri="{FF2B5EF4-FFF2-40B4-BE49-F238E27FC236}">
+                <a16:creationId xmlns:a16="http://schemas.microsoft.com/office/drawing/2014/main" id="{7C2489A0-BCAD-4A21-5FFC-6E898947D8CE}"/>
+              </a:ext>
+            </a:extLst>
+          </p:cNvPr>
+          <p:cNvSpPr>
+            <a:spLocks noGrp="1"/>
+          </p:cNvSpPr>
+          <p:nvPr>
+            <p:ph type="sldNum" sz="quarter" idx="12"/>
+          </p:nvPr>
+        </p:nvSpPr>
+        <p:spPr/>
+        <p:txBody>
+          <a:bodyPr/>
+          <a:lstStyle/>
+          <a:p>
+            <a:fld id="{6D22F896-40B5-4ADD-8801-0D06FADFA095}" type="slidenum">
+              <a:rPr lang="en-US" smtClean="0"/>
+              <a:t>30</a:t>
+            </a:fld>
+            <a:endParaRPr lang="en-US"/>
+          </a:p>
+        </p:txBody>
+      </p:sp>
+      <p:pic>
+        <p:nvPicPr>
+          <p:cNvPr id="1026" name="Picture 2">
+            <a:extLst>
+              <a:ext uri="{FF2B5EF4-FFF2-40B4-BE49-F238E27FC236}">
+                <a16:creationId xmlns:a16="http://schemas.microsoft.com/office/drawing/2014/main" id="{1099D3B4-7A06-8A98-4A91-72E82A391A2C}"/>
+              </a:ext>
+            </a:extLst>
+          </p:cNvPr>
+          <p:cNvPicPr>
+            <a:picLocks noChangeAspect="1" noChangeArrowheads="1"/>
+          </p:cNvPicPr>
+          <p:nvPr/>
+        </p:nvPicPr>
+        <p:blipFill>
+          <a:blip r:embed="rId2">
+            <a:extLst>
+              <a:ext uri="{28A0092B-C50C-407E-A947-70E740481C1C}">
+                <a14:useLocalDpi xmlns:a14="http://schemas.microsoft.com/office/drawing/2010/main" val="0"/>
+              </a:ext>
+            </a:extLst>
+          </a:blip>
+          <a:srcRect/>
+          <a:stretch>
+            <a:fillRect/>
+          </a:stretch>
+        </p:blipFill>
+        <p:spPr bwMode="auto">
+          <a:xfrm>
+            <a:off x="761029" y="1822449"/>
+            <a:ext cx="4267200" cy="504825"/>
+          </a:xfrm>
+          <a:prstGeom prst="rect">
+            <a:avLst/>
+          </a:prstGeom>
+          <a:noFill/>
+          <a:extLst>
+            <a:ext uri="{909E8E84-426E-40DD-AFC4-6F175D3DCCD1}">
+              <a14:hiddenFill xmlns:a14="http://schemas.microsoft.com/office/drawing/2010/main">
+                <a:solidFill>
+                  <a:srgbClr val="FFFFFF"/>
+                </a:solidFill>
+              </a14:hiddenFill>
+            </a:ext>
+          </a:extLst>
+        </p:spPr>
+      </p:pic>
+      <p:sp>
+        <p:nvSpPr>
+          <p:cNvPr id="7" name="TextBox 1">
+            <a:extLst>
+              <a:ext uri="{FF2B5EF4-FFF2-40B4-BE49-F238E27FC236}">
+                <a16:creationId xmlns:a16="http://schemas.microsoft.com/office/drawing/2014/main" id="{C113669B-E707-B2AA-2C2B-1F6D6D262F54}"/>
+              </a:ext>
+            </a:extLst>
+          </p:cNvPr>
+          <p:cNvSpPr txBox="1"/>
+          <p:nvPr/>
+        </p:nvSpPr>
+        <p:spPr>
+          <a:xfrm>
+            <a:off x="5435233" y="1751695"/>
+            <a:ext cx="806631" cy="646331"/>
+          </a:xfrm>
+          <a:prstGeom prst="rect">
+            <a:avLst/>
+          </a:prstGeom>
+          <a:noFill/>
+        </p:spPr>
+        <p:txBody>
+          <a:bodyPr wrap="none" rtlCol="0">
+            <a:spAutoFit/>
+          </a:bodyPr>
+          <a:lstStyle>
+            <a:defPPr>
+              <a:defRPr lang="en-US"/>
+            </a:defPPr>
+            <a:lvl1pPr marL="0" algn="l" defTabSz="457200" rtl="0" eaLnBrk="1" latinLnBrk="0" hangingPunct="1">
+              <a:defRPr sz="1800" kern="1200">
+                <a:solidFill>
+                  <a:schemeClr val="tx1"/>
+                </a:solidFill>
+                <a:latin typeface="+mn-lt"/>
+                <a:ea typeface="+mn-ea"/>
+                <a:cs typeface="+mn-cs"/>
+              </a:defRPr>
+            </a:lvl1pPr>
+            <a:lvl2pPr marL="457200" algn="l" defTabSz="457200" rtl="0" eaLnBrk="1" latinLnBrk="0" hangingPunct="1">
+              <a:defRPr sz="1800" kern="1200">
+                <a:solidFill>
+                  <a:schemeClr val="tx1"/>
+                </a:solidFill>
+                <a:latin typeface="+mn-lt"/>
+                <a:ea typeface="+mn-ea"/>
+                <a:cs typeface="+mn-cs"/>
+              </a:defRPr>
+            </a:lvl2pPr>
+            <a:lvl3pPr marL="914400" algn="l" defTabSz="457200" rtl="0" eaLnBrk="1" latinLnBrk="0" hangingPunct="1">
+              <a:defRPr sz="1800" kern="1200">
+                <a:solidFill>
+                  <a:schemeClr val="tx1"/>
+                </a:solidFill>
+                <a:latin typeface="+mn-lt"/>
+                <a:ea typeface="+mn-ea"/>
+                <a:cs typeface="+mn-cs"/>
+              </a:defRPr>
+            </a:lvl3pPr>
+            <a:lvl4pPr marL="1371600" algn="l" defTabSz="457200" rtl="0" eaLnBrk="1" latinLnBrk="0" hangingPunct="1">
+              <a:defRPr sz="1800" kern="1200">
+                <a:solidFill>
+                  <a:schemeClr val="tx1"/>
+                </a:solidFill>
+                <a:latin typeface="+mn-lt"/>
+                <a:ea typeface="+mn-ea"/>
+                <a:cs typeface="+mn-cs"/>
+              </a:defRPr>
+            </a:lvl4pPr>
+            <a:lvl5pPr marL="1828800" algn="l" defTabSz="457200" rtl="0" eaLnBrk="1" latinLnBrk="0" hangingPunct="1">
+              <a:defRPr sz="1800" kern="1200">
+                <a:solidFill>
+                  <a:schemeClr val="tx1"/>
+                </a:solidFill>
+                <a:latin typeface="+mn-lt"/>
+                <a:ea typeface="+mn-ea"/>
+                <a:cs typeface="+mn-cs"/>
+              </a:defRPr>
+            </a:lvl5pPr>
+            <a:lvl6pPr marL="2286000" algn="l" defTabSz="457200" rtl="0" eaLnBrk="1" latinLnBrk="0" hangingPunct="1">
+              <a:defRPr sz="1800" kern="1200">
+                <a:solidFill>
+                  <a:schemeClr val="tx1"/>
+                </a:solidFill>
+                <a:latin typeface="+mn-lt"/>
+                <a:ea typeface="+mn-ea"/>
+                <a:cs typeface="+mn-cs"/>
+              </a:defRPr>
+            </a:lvl6pPr>
+            <a:lvl7pPr marL="2743200" algn="l" defTabSz="457200" rtl="0" eaLnBrk="1" latinLnBrk="0" hangingPunct="1">
+              <a:defRPr sz="1800" kern="1200">
+                <a:solidFill>
+                  <a:schemeClr val="tx1"/>
+                </a:solidFill>
+                <a:latin typeface="+mn-lt"/>
+                <a:ea typeface="+mn-ea"/>
+                <a:cs typeface="+mn-cs"/>
+              </a:defRPr>
+            </a:lvl7pPr>
+            <a:lvl8pPr marL="3200400" algn="l" defTabSz="457200" rtl="0" eaLnBrk="1" latinLnBrk="0" hangingPunct="1">
+              <a:defRPr sz="1800" kern="1200">
+                <a:solidFill>
+                  <a:schemeClr val="tx1"/>
+                </a:solidFill>
+                <a:latin typeface="+mn-lt"/>
+                <a:ea typeface="+mn-ea"/>
+                <a:cs typeface="+mn-cs"/>
+              </a:defRPr>
+            </a:lvl8pPr>
+            <a:lvl9pPr marL="3657600" algn="l" defTabSz="457200" rtl="0" eaLnBrk="1" latinLnBrk="0" hangingPunct="1">
+              <a:defRPr sz="1800" kern="1200">
+                <a:solidFill>
+                  <a:schemeClr val="tx1"/>
+                </a:solidFill>
+                <a:latin typeface="+mn-lt"/>
+                <a:ea typeface="+mn-ea"/>
+                <a:cs typeface="+mn-cs"/>
+              </a:defRPr>
+            </a:lvl9pPr>
+          </a:lstStyle>
+          <a:p>
+            <a:r>
+              <a:rPr lang="uk-UA" dirty="0"/>
+              <a:t>     </a:t>
+            </a:r>
+            <a:r>
+              <a:rPr lang="en-US" dirty="0"/>
+              <a:t>&lt;</a:t>
+            </a:r>
+          </a:p>
+          <a:p>
+            <a:r>
+              <a:rPr lang="uk-UA" dirty="0"/>
+              <a:t>кроків</a:t>
+            </a:r>
+            <a:endParaRPr lang="ru-RU" dirty="0"/>
+          </a:p>
+        </p:txBody>
+      </p:sp>
+      <p:pic>
+        <p:nvPicPr>
+          <p:cNvPr id="1028" name="Picture 4">
+            <a:extLst>
+              <a:ext uri="{FF2B5EF4-FFF2-40B4-BE49-F238E27FC236}">
+                <a16:creationId xmlns:a16="http://schemas.microsoft.com/office/drawing/2014/main" id="{38BD49EB-D08B-41FB-03DB-0D68DAAC5DE1}"/>
+              </a:ext>
+            </a:extLst>
+          </p:cNvPr>
+          <p:cNvPicPr>
+            <a:picLocks noChangeAspect="1" noChangeArrowheads="1"/>
+          </p:cNvPicPr>
+          <p:nvPr/>
+        </p:nvPicPr>
+        <p:blipFill>
+          <a:blip r:embed="rId3">
+            <a:extLst>
+              <a:ext uri="{28A0092B-C50C-407E-A947-70E740481C1C}">
+                <a14:useLocalDpi xmlns:a14="http://schemas.microsoft.com/office/drawing/2010/main" val="0"/>
+              </a:ext>
+            </a:extLst>
+          </a:blip>
+          <a:srcRect/>
+          <a:stretch>
+            <a:fillRect/>
+          </a:stretch>
+        </p:blipFill>
+        <p:spPr bwMode="auto">
+          <a:xfrm>
+            <a:off x="7163772" y="1784691"/>
+            <a:ext cx="2409825" cy="561975"/>
+          </a:xfrm>
+          <a:prstGeom prst="rect">
+            <a:avLst/>
+          </a:prstGeom>
+          <a:noFill/>
+          <a:extLst>
+            <a:ext uri="{909E8E84-426E-40DD-AFC4-6F175D3DCCD1}">
+              <a14:hiddenFill xmlns:a14="http://schemas.microsoft.com/office/drawing/2010/main">
+                <a:solidFill>
+                  <a:srgbClr val="FFFFFF"/>
+                </a:solidFill>
+              </a14:hiddenFill>
+            </a:ext>
+          </a:extLst>
+        </p:spPr>
+      </p:pic>
+      <p:sp>
+        <p:nvSpPr>
+          <p:cNvPr id="8" name="TextBox 7">
+            <a:extLst>
+              <a:ext uri="{FF2B5EF4-FFF2-40B4-BE49-F238E27FC236}">
+                <a16:creationId xmlns:a16="http://schemas.microsoft.com/office/drawing/2014/main" id="{C5CC46A1-04BD-2643-B28F-05E59CB6B246}"/>
+              </a:ext>
+            </a:extLst>
+          </p:cNvPr>
+          <p:cNvSpPr txBox="1"/>
+          <p:nvPr/>
+        </p:nvSpPr>
+        <p:spPr>
+          <a:xfrm>
+            <a:off x="1278384" y="2398026"/>
+            <a:ext cx="2085827" cy="369332"/>
+          </a:xfrm>
+          <a:prstGeom prst="rect">
+            <a:avLst/>
+          </a:prstGeom>
+          <a:noFill/>
+        </p:spPr>
+        <p:txBody>
+          <a:bodyPr wrap="none" rtlCol="0">
+            <a:spAutoFit/>
+          </a:bodyPr>
+          <a:lstStyle/>
+          <a:p>
+            <a:r>
+              <a:rPr lang="uk-UA"/>
+              <a:t>Складність</a:t>
+            </a:r>
+            <a:r>
+              <a:rPr lang="en-US"/>
+              <a:t>: O(logN)</a:t>
+            </a:r>
+            <a:endParaRPr lang="uk-UA" dirty="0"/>
+          </a:p>
+        </p:txBody>
+      </p:sp>
+      <p:sp>
+        <p:nvSpPr>
+          <p:cNvPr id="9" name="TextBox 8">
+            <a:extLst>
+              <a:ext uri="{FF2B5EF4-FFF2-40B4-BE49-F238E27FC236}">
+                <a16:creationId xmlns:a16="http://schemas.microsoft.com/office/drawing/2014/main" id="{D023B607-7FA7-4DAE-9489-40A174ABA70D}"/>
+              </a:ext>
+            </a:extLst>
+          </p:cNvPr>
+          <p:cNvSpPr txBox="1"/>
+          <p:nvPr/>
+        </p:nvSpPr>
+        <p:spPr>
+          <a:xfrm>
+            <a:off x="7341326" y="2398026"/>
+            <a:ext cx="1802096" cy="369332"/>
+          </a:xfrm>
+          <a:prstGeom prst="rect">
+            <a:avLst/>
+          </a:prstGeom>
+          <a:noFill/>
+        </p:spPr>
+        <p:txBody>
+          <a:bodyPr wrap="none" rtlCol="0">
+            <a:spAutoFit/>
+          </a:bodyPr>
+          <a:lstStyle/>
+          <a:p>
+            <a:r>
+              <a:rPr lang="uk-UA" dirty="0"/>
+              <a:t>Складність</a:t>
+            </a:r>
+            <a:r>
+              <a:rPr lang="en-US" dirty="0"/>
+              <a:t>: O(N)</a:t>
+            </a:r>
+            <a:endParaRPr lang="uk-UA" dirty="0"/>
+          </a:p>
+        </p:txBody>
+      </p:sp>
+      <p:sp>
+        <p:nvSpPr>
+          <p:cNvPr id="10" name="TextBox 9">
+            <a:extLst>
+              <a:ext uri="{FF2B5EF4-FFF2-40B4-BE49-F238E27FC236}">
+                <a16:creationId xmlns:a16="http://schemas.microsoft.com/office/drawing/2014/main" id="{B7A2FE4C-DFE6-BD1D-AE04-F2DD74515918}"/>
+              </a:ext>
+            </a:extLst>
+          </p:cNvPr>
+          <p:cNvSpPr txBox="1"/>
+          <p:nvPr/>
+        </p:nvSpPr>
+        <p:spPr>
+          <a:xfrm>
+            <a:off x="4766075" y="3028890"/>
+            <a:ext cx="2144946" cy="400110"/>
+          </a:xfrm>
+          <a:prstGeom prst="rect">
+            <a:avLst/>
+          </a:prstGeom>
+          <a:noFill/>
+        </p:spPr>
+        <p:txBody>
+          <a:bodyPr wrap="none" rtlCol="0">
+            <a:spAutoFit/>
+          </a:bodyPr>
+          <a:lstStyle>
+            <a:defPPr>
+              <a:defRPr lang="en-US"/>
+            </a:defPPr>
+          </a:lstStyle>
+          <a:p>
+            <a:r>
+              <a:rPr lang="uk-UA" sz="2000" b="1" dirty="0">
+                <a:solidFill>
+                  <a:srgbClr val="0070C0"/>
+                </a:solidFill>
+                <a:ea typeface="+mj-ea"/>
+                <a:cs typeface="+mj-cs"/>
+              </a:rPr>
+              <a:t>Алгоритм </a:t>
+            </a:r>
+            <a:r>
+              <a:rPr lang="en-US" sz="2000" b="1" dirty="0">
+                <a:solidFill>
+                  <a:srgbClr val="0070C0"/>
+                </a:solidFill>
+                <a:latin typeface="SchoolBookCTT"/>
+                <a:ea typeface="+mj-ea"/>
+                <a:cs typeface="+mj-cs"/>
+              </a:rPr>
+              <a:t>O(</a:t>
+            </a:r>
+            <a:r>
+              <a:rPr lang="en-US" sz="2000" b="1" dirty="0" err="1">
+                <a:solidFill>
+                  <a:srgbClr val="0070C0"/>
+                </a:solidFill>
+                <a:latin typeface="SchoolBookCTT"/>
+                <a:ea typeface="+mj-ea"/>
+                <a:cs typeface="+mj-cs"/>
+              </a:rPr>
+              <a:t>logN</a:t>
+            </a:r>
+            <a:r>
+              <a:rPr lang="en-US" sz="2000" b="1" dirty="0">
+                <a:solidFill>
+                  <a:srgbClr val="0070C0"/>
+                </a:solidFill>
+                <a:latin typeface="SchoolBookCTT"/>
+                <a:ea typeface="+mj-ea"/>
+                <a:cs typeface="+mj-cs"/>
+              </a:rPr>
+              <a:t>)</a:t>
+            </a:r>
+            <a:endParaRPr lang="uk-UA" sz="2000" b="1" dirty="0">
+              <a:solidFill>
+                <a:srgbClr val="0070C0"/>
+              </a:solidFill>
+              <a:ea typeface="+mj-ea"/>
+              <a:cs typeface="+mj-cs"/>
+            </a:endParaRPr>
+          </a:p>
+        </p:txBody>
+      </p:sp>
+      <p:pic>
+        <p:nvPicPr>
+          <p:cNvPr id="1030" name="Picture 6">
+            <a:extLst>
+              <a:ext uri="{FF2B5EF4-FFF2-40B4-BE49-F238E27FC236}">
+                <a16:creationId xmlns:a16="http://schemas.microsoft.com/office/drawing/2014/main" id="{FD280F7D-71AA-58B4-F1FF-0DBEA66BE9C6}"/>
+              </a:ext>
+            </a:extLst>
+          </p:cNvPr>
+          <p:cNvPicPr>
+            <a:picLocks noChangeAspect="1" noChangeArrowheads="1"/>
+          </p:cNvPicPr>
+          <p:nvPr/>
+        </p:nvPicPr>
+        <p:blipFill>
+          <a:blip r:embed="rId4">
+            <a:extLst>
+              <a:ext uri="{28A0092B-C50C-407E-A947-70E740481C1C}">
+                <a14:useLocalDpi xmlns:a14="http://schemas.microsoft.com/office/drawing/2010/main" val="0"/>
+              </a:ext>
+            </a:extLst>
+          </a:blip>
+          <a:srcRect/>
+          <a:stretch>
+            <a:fillRect/>
+          </a:stretch>
+        </p:blipFill>
+        <p:spPr bwMode="auto">
+          <a:xfrm>
+            <a:off x="952500" y="3684519"/>
+            <a:ext cx="10287000" cy="2314575"/>
+          </a:xfrm>
+          <a:prstGeom prst="rect">
+            <a:avLst/>
+          </a:prstGeom>
+          <a:noFill/>
+          <a:extLst>
+            <a:ext uri="{909E8E84-426E-40DD-AFC4-6F175D3DCCD1}">
+              <a14:hiddenFill xmlns:a14="http://schemas.microsoft.com/office/drawing/2010/main">
+                <a:solidFill>
+                  <a:srgbClr val="FFFFFF"/>
+                </a:solidFill>
+              </a14:hiddenFill>
+            </a:ext>
+          </a:extLst>
+        </p:spPr>
+      </p:pic>
+    </p:spTree>
+    <p:extLst>
+      <p:ext uri="{BB962C8B-B14F-4D97-AF65-F5344CB8AC3E}">
+        <p14:creationId xmlns:p14="http://schemas.microsoft.com/office/powerpoint/2010/main" val="1395489774"/>
+      </p:ext>
+    </p:extLst>
+  </p:cSld>
+  <p:clrMapOvr>
+    <a:masterClrMapping/>
+  </p:clrMapOvr>
+</p:sld>
+</file>
+
+<file path=ppt/slides/slide31.xml><?xml version="1.0" encoding="utf-8"?>
+<p:sld xmlns:a="http://schemas.openxmlformats.org/drawingml/2006/main" xmlns:r="http://schemas.openxmlformats.org/officeDocument/2006/relationships" xmlns:p="http://schemas.openxmlformats.org/presentationml/2006/main">
+  <p:cSld>
+    <p:spTree>
+      <p:nvGrpSpPr>
+        <p:cNvPr id="1" name=""/>
+        <p:cNvGrpSpPr/>
+        <p:nvPr/>
+      </p:nvGrpSpPr>
+      <p:grpSpPr>
+        <a:xfrm>
+          <a:off x="0" y="0"/>
+          <a:ext cx="0" cy="0"/>
+          <a:chOff x="0" y="0"/>
+          <a:chExt cx="0" cy="0"/>
+        </a:xfrm>
+      </p:grpSpPr>
+      <p:sp>
+        <p:nvSpPr>
+          <p:cNvPr id="2" name="Заголовок 1">
+            <a:extLst>
+              <a:ext uri="{FF2B5EF4-FFF2-40B4-BE49-F238E27FC236}">
+                <a16:creationId xmlns:a16="http://schemas.microsoft.com/office/drawing/2014/main" id="{AD736626-17D6-057B-9F31-A58621D08ABE}"/>
+              </a:ext>
+            </a:extLst>
+          </p:cNvPr>
+          <p:cNvSpPr>
+            <a:spLocks noGrp="1"/>
+          </p:cNvSpPr>
+          <p:nvPr>
+            <p:ph type="title"/>
+          </p:nvPr>
+        </p:nvSpPr>
+        <p:spPr/>
+        <p:txBody>
+          <a:bodyPr/>
+          <a:lstStyle/>
+          <a:p>
+            <a:pPr algn="ctr"/>
+            <a:r>
+              <a:rPr lang="uk-UA" b="1" dirty="0">
+                <a:solidFill>
+                  <a:srgbClr val="0070C0"/>
+                </a:solidFill>
+                <a:latin typeface="SchoolBookCTT"/>
+              </a:rPr>
+              <a:t>Тест алгоритмів</a:t>
+            </a:r>
+            <a:endParaRPr lang="uk-UA" dirty="0"/>
+          </a:p>
+        </p:txBody>
+      </p:sp>
+      <p:sp>
+        <p:nvSpPr>
+          <p:cNvPr id="4" name="Місце для нижнього колонтитула 3">
+            <a:extLst>
+              <a:ext uri="{FF2B5EF4-FFF2-40B4-BE49-F238E27FC236}">
+                <a16:creationId xmlns:a16="http://schemas.microsoft.com/office/drawing/2014/main" id="{2A8C73A9-A94D-BB01-E33F-39FBB4B8ACBC}"/>
+              </a:ext>
+            </a:extLst>
+          </p:cNvPr>
+          <p:cNvSpPr>
+            <a:spLocks noGrp="1"/>
+          </p:cNvSpPr>
+          <p:nvPr>
+            <p:ph type="ftr" sz="quarter" idx="11"/>
+          </p:nvPr>
+        </p:nvSpPr>
+        <p:spPr/>
+        <p:txBody>
+          <a:bodyPr/>
+          <a:lstStyle/>
+          <a:p>
+            <a:endParaRPr lang="en-US"/>
+          </a:p>
+        </p:txBody>
+      </p:sp>
+      <p:sp>
+        <p:nvSpPr>
+          <p:cNvPr id="5" name="Місце для номера слайда 4">
+            <a:extLst>
+              <a:ext uri="{FF2B5EF4-FFF2-40B4-BE49-F238E27FC236}">
+                <a16:creationId xmlns:a16="http://schemas.microsoft.com/office/drawing/2014/main" id="{E1551CE5-1FF0-CE43-BB57-A0C50465ADF5}"/>
+              </a:ext>
+            </a:extLst>
+          </p:cNvPr>
+          <p:cNvSpPr>
+            <a:spLocks noGrp="1"/>
+          </p:cNvSpPr>
+          <p:nvPr>
+            <p:ph type="sldNum" sz="quarter" idx="12"/>
+          </p:nvPr>
+        </p:nvSpPr>
+        <p:spPr/>
+        <p:txBody>
+          <a:bodyPr/>
+          <a:lstStyle/>
+          <a:p>
+            <a:fld id="{6D22F896-40B5-4ADD-8801-0D06FADFA095}" type="slidenum">
+              <a:rPr lang="en-US" smtClean="0"/>
+              <a:t>31</a:t>
+            </a:fld>
+            <a:endParaRPr lang="en-US"/>
+          </a:p>
+        </p:txBody>
+      </p:sp>
+      <p:sp>
+        <p:nvSpPr>
+          <p:cNvPr id="6" name="TextBox 5">
+            <a:extLst>
+              <a:ext uri="{FF2B5EF4-FFF2-40B4-BE49-F238E27FC236}">
+                <a16:creationId xmlns:a16="http://schemas.microsoft.com/office/drawing/2014/main" id="{5C07C264-0AA7-4D07-55FF-648308427264}"/>
+              </a:ext>
+            </a:extLst>
+          </p:cNvPr>
+          <p:cNvSpPr txBox="1"/>
+          <p:nvPr/>
+        </p:nvSpPr>
+        <p:spPr>
+          <a:xfrm>
+            <a:off x="1242134" y="1614337"/>
+            <a:ext cx="2796466" cy="677108"/>
+          </a:xfrm>
+          <a:prstGeom prst="rect">
+            <a:avLst/>
+          </a:prstGeom>
+          <a:noFill/>
+        </p:spPr>
+        <p:txBody>
+          <a:bodyPr wrap="square" rtlCol="0">
+            <a:spAutoFit/>
+          </a:bodyPr>
+          <a:lstStyle/>
+          <a:p>
+            <a:pPr algn="ctr"/>
+            <a:r>
+              <a:rPr lang="en-US" sz="2000" b="1" dirty="0">
+                <a:solidFill>
+                  <a:srgbClr val="0070C0"/>
+                </a:solidFill>
+                <a:latin typeface="SchoolBookCTT"/>
+                <a:ea typeface="+mj-ea"/>
+                <a:cs typeface="+mj-cs"/>
+              </a:rPr>
+              <a:t>O(</a:t>
+            </a:r>
+            <a:r>
+              <a:rPr lang="en-US" sz="2000" b="1" dirty="0" err="1">
+                <a:solidFill>
+                  <a:srgbClr val="0070C0"/>
+                </a:solidFill>
+                <a:latin typeface="SchoolBookCTT"/>
+                <a:ea typeface="+mj-ea"/>
+                <a:cs typeface="+mj-cs"/>
+              </a:rPr>
+              <a:t>logN</a:t>
+            </a:r>
+            <a:r>
+              <a:rPr lang="en-US" sz="2000" b="1" dirty="0">
+                <a:solidFill>
+                  <a:srgbClr val="0070C0"/>
+                </a:solidFill>
+                <a:latin typeface="SchoolBookCTT"/>
+                <a:ea typeface="+mj-ea"/>
+                <a:cs typeface="+mj-cs"/>
+              </a:rPr>
+              <a:t>)</a:t>
+            </a:r>
+            <a:endParaRPr lang="uk-UA" dirty="0"/>
+          </a:p>
+          <a:p>
+            <a:r>
+              <a:rPr lang="uk-UA" dirty="0"/>
+              <a:t>Основа  = 3, ступінь  = 40</a:t>
+            </a:r>
+          </a:p>
+        </p:txBody>
+      </p:sp>
+      <p:sp>
+        <p:nvSpPr>
+          <p:cNvPr id="7" name="TextBox 6">
+            <a:extLst>
+              <a:ext uri="{FF2B5EF4-FFF2-40B4-BE49-F238E27FC236}">
+                <a16:creationId xmlns:a16="http://schemas.microsoft.com/office/drawing/2014/main" id="{E16DC57C-F86C-BFA1-333D-695352CB9F22}"/>
+              </a:ext>
+            </a:extLst>
+          </p:cNvPr>
+          <p:cNvSpPr txBox="1"/>
+          <p:nvPr/>
+        </p:nvSpPr>
+        <p:spPr>
+          <a:xfrm>
+            <a:off x="8153400" y="1690688"/>
+            <a:ext cx="2796466" cy="954107"/>
+          </a:xfrm>
+          <a:prstGeom prst="rect">
+            <a:avLst/>
+          </a:prstGeom>
+          <a:noFill/>
+        </p:spPr>
+        <p:txBody>
+          <a:bodyPr wrap="square" rtlCol="0">
+            <a:spAutoFit/>
+          </a:bodyPr>
+          <a:lstStyle/>
+          <a:p>
+            <a:pPr algn="ctr"/>
+            <a:r>
+              <a:rPr lang="en-US" sz="2000" b="1" dirty="0">
+                <a:solidFill>
+                  <a:srgbClr val="0070C0"/>
+                </a:solidFill>
+                <a:latin typeface="SchoolBookCTT"/>
+                <a:ea typeface="+mj-ea"/>
+                <a:cs typeface="+mj-cs"/>
+              </a:rPr>
+              <a:t>O(N)</a:t>
+            </a:r>
+          </a:p>
+          <a:p>
+            <a:r>
+              <a:rPr lang="uk-UA" dirty="0"/>
+              <a:t>Основа  = 3, ступінь  = 40</a:t>
+            </a:r>
+          </a:p>
+          <a:p>
+            <a:endParaRPr lang="uk-UA" dirty="0"/>
+          </a:p>
+        </p:txBody>
+      </p:sp>
+      <p:pic>
+        <p:nvPicPr>
+          <p:cNvPr id="2052" name="Picture 4">
+            <a:extLst>
+              <a:ext uri="{FF2B5EF4-FFF2-40B4-BE49-F238E27FC236}">
+                <a16:creationId xmlns:a16="http://schemas.microsoft.com/office/drawing/2014/main" id="{1FBCDCF3-F858-62A7-CFCF-F039324BD193}"/>
+              </a:ext>
+            </a:extLst>
+          </p:cNvPr>
+          <p:cNvPicPr>
+            <a:picLocks noChangeAspect="1" noChangeArrowheads="1"/>
+          </p:cNvPicPr>
+          <p:nvPr/>
+        </p:nvPicPr>
+        <p:blipFill>
+          <a:blip r:embed="rId2">
+            <a:extLst>
+              <a:ext uri="{28A0092B-C50C-407E-A947-70E740481C1C}">
+                <a14:useLocalDpi xmlns:a14="http://schemas.microsoft.com/office/drawing/2010/main" val="0"/>
+              </a:ext>
+            </a:extLst>
+          </a:blip>
+          <a:srcRect/>
+          <a:stretch>
+            <a:fillRect/>
+          </a:stretch>
+        </p:blipFill>
+        <p:spPr bwMode="auto">
+          <a:xfrm>
+            <a:off x="7981555" y="2698532"/>
+            <a:ext cx="3419475" cy="428625"/>
+          </a:xfrm>
+          <a:prstGeom prst="rect">
+            <a:avLst/>
+          </a:prstGeom>
+          <a:noFill/>
+          <a:extLst>
+            <a:ext uri="{909E8E84-426E-40DD-AFC4-6F175D3DCCD1}">
+              <a14:hiddenFill xmlns:a14="http://schemas.microsoft.com/office/drawing/2010/main">
+                <a:solidFill>
+                  <a:srgbClr val="FFFFFF"/>
+                </a:solidFill>
+              </a14:hiddenFill>
+            </a:ext>
+          </a:extLst>
+        </p:spPr>
+      </p:pic>
+      <p:pic>
+        <p:nvPicPr>
+          <p:cNvPr id="9" name="Рисунок 8">
+            <a:extLst>
+              <a:ext uri="{FF2B5EF4-FFF2-40B4-BE49-F238E27FC236}">
+                <a16:creationId xmlns:a16="http://schemas.microsoft.com/office/drawing/2014/main" id="{28FCBF9D-16DF-17D7-C7D6-4865DFE2B00B}"/>
+              </a:ext>
+            </a:extLst>
+          </p:cNvPr>
+          <p:cNvPicPr>
+            <a:picLocks noChangeAspect="1"/>
+          </p:cNvPicPr>
+          <p:nvPr/>
+        </p:nvPicPr>
+        <p:blipFill>
+          <a:blip r:embed="rId3"/>
+          <a:stretch>
+            <a:fillRect/>
+          </a:stretch>
+        </p:blipFill>
+        <p:spPr>
+          <a:xfrm>
+            <a:off x="1005151" y="2698532"/>
+            <a:ext cx="3505689" cy="428685"/>
+          </a:xfrm>
+          <a:prstGeom prst="rect">
+            <a:avLst/>
+          </a:prstGeom>
+        </p:spPr>
+      </p:pic>
+      <p:sp>
+        <p:nvSpPr>
+          <p:cNvPr id="10" name="TextBox 9">
+            <a:extLst>
+              <a:ext uri="{FF2B5EF4-FFF2-40B4-BE49-F238E27FC236}">
+                <a16:creationId xmlns:a16="http://schemas.microsoft.com/office/drawing/2014/main" id="{51447627-F5F2-2E37-6885-9C5187086371}"/>
+              </a:ext>
+            </a:extLst>
+          </p:cNvPr>
+          <p:cNvSpPr txBox="1"/>
+          <p:nvPr/>
+        </p:nvSpPr>
+        <p:spPr>
+          <a:xfrm>
+            <a:off x="3134060" y="4187725"/>
+            <a:ext cx="5513034" cy="369332"/>
+          </a:xfrm>
+          <a:prstGeom prst="rect">
+            <a:avLst/>
+          </a:prstGeom>
+          <a:noFill/>
+        </p:spPr>
+        <p:txBody>
+          <a:bodyPr wrap="square" rtlCol="0">
+            <a:spAutoFit/>
+          </a:bodyPr>
+          <a:lstStyle/>
+          <a:p>
+            <a:r>
+              <a:rPr lang="uk-UA" dirty="0"/>
+              <a:t>Висновок:  </a:t>
+            </a:r>
+            <a:r>
+              <a:rPr lang="en-US" dirty="0"/>
+              <a:t>O(</a:t>
+            </a:r>
+            <a:r>
+              <a:rPr lang="en-US" dirty="0" err="1"/>
+              <a:t>logN</a:t>
+            </a:r>
+            <a:r>
+              <a:rPr lang="en-US" dirty="0"/>
+              <a:t>) </a:t>
+            </a:r>
+            <a:r>
+              <a:rPr lang="uk-UA" dirty="0"/>
+              <a:t>працює швидше ніж </a:t>
+            </a:r>
+            <a:r>
+              <a:rPr lang="en-US" dirty="0"/>
+              <a:t>O(N) </a:t>
+            </a:r>
+            <a:r>
+              <a:rPr lang="uk-UA" dirty="0"/>
+              <a:t> на 116%</a:t>
+            </a:r>
+          </a:p>
+        </p:txBody>
+      </p:sp>
+    </p:spTree>
+    <p:extLst>
+      <p:ext uri="{BB962C8B-B14F-4D97-AF65-F5344CB8AC3E}">
+        <p14:creationId xmlns:p14="http://schemas.microsoft.com/office/powerpoint/2010/main" val="444281193"/>
       </p:ext>
     </p:extLst>
   </p:cSld>
@@ -17394,18 +18180,18 @@
 </file>
 
 <file path=customXml/item1.xml><?xml version="1.0" encoding="utf-8"?>
-<p:properties xmlns:p="http://schemas.microsoft.com/office/2006/metadata/properties" xmlns:xsi="http://www.w3.org/2001/XMLSchema-instance" xmlns:pc="http://schemas.microsoft.com/office/infopath/2007/PartnerControls">
-  <documentManagement/>
-</p:properties>
-</file>
-
-<file path=customXml/item2.xml><?xml version="1.0" encoding="utf-8"?>
 <?mso-contentType ?>
 <FormTemplates xmlns="http://schemas.microsoft.com/sharepoint/v3/contenttype/forms">
   <Display>DocumentLibraryForm</Display>
   <Edit>DocumentLibraryForm</Edit>
   <New>DocumentLibraryForm</New>
 </FormTemplates>
+</file>
+
+<file path=customXml/item2.xml><?xml version="1.0" encoding="utf-8"?>
+<p:properties xmlns:p="http://schemas.microsoft.com/office/2006/metadata/properties" xmlns:xsi="http://www.w3.org/2001/XMLSchema-instance" xmlns:pc="http://schemas.microsoft.com/office/infopath/2007/PartnerControls">
+  <documentManagement/>
+</p:properties>
 </file>
 
 <file path=customXml/item3.xml><?xml version="1.0" encoding="utf-8"?>
@@ -17553,18 +18339,18 @@
 </file>
 
 <file path=customXml/itemProps1.xml><?xml version="1.0" encoding="utf-8"?>
-<ds:datastoreItem xmlns:ds="http://schemas.openxmlformats.org/officeDocument/2006/customXml" ds:itemID="{C35D743B-B188-4C38-B82D-7FD8B3A77642}">
+<ds:datastoreItem xmlns:ds="http://schemas.openxmlformats.org/officeDocument/2006/customXml" ds:itemID="{A345D2DA-A096-4BBF-9135-8FD4BD4C8C20}">
   <ds:schemaRefs>
-    <ds:schemaRef ds:uri="http://schemas.microsoft.com/office/2006/metadata/properties"/>
-    <ds:schemaRef ds:uri="http://schemas.microsoft.com/office/infopath/2007/PartnerControls"/>
+    <ds:schemaRef ds:uri="http://schemas.microsoft.com/sharepoint/v3/contenttype/forms"/>
   </ds:schemaRefs>
 </ds:datastoreItem>
 </file>
 
 <file path=customXml/itemProps2.xml><?xml version="1.0" encoding="utf-8"?>
-<ds:datastoreItem xmlns:ds="http://schemas.openxmlformats.org/officeDocument/2006/customXml" ds:itemID="{A345D2DA-A096-4BBF-9135-8FD4BD4C8C20}">
+<ds:datastoreItem xmlns:ds="http://schemas.openxmlformats.org/officeDocument/2006/customXml" ds:itemID="{C35D743B-B188-4C38-B82D-7FD8B3A77642}">
   <ds:schemaRefs>
-    <ds:schemaRef ds:uri="http://schemas.microsoft.com/sharepoint/v3/contenttype/forms"/>
+    <ds:schemaRef ds:uri="http://schemas.microsoft.com/office/2006/metadata/properties"/>
+    <ds:schemaRef ds:uri="http://schemas.microsoft.com/office/infopath/2007/PartnerControls"/>
   </ds:schemaRefs>
 </ds:datastoreItem>
 </file>

--- a/Git_1 part.pptx
+++ b/Git_1 part.pptx
@@ -167,8 +167,8 @@
 <p1510:revInfo xmlns:a="http://schemas.openxmlformats.org/drawingml/2006/main" xmlns:r="http://schemas.openxmlformats.org/officeDocument/2006/relationships" xmlns:p1510="http://schemas.microsoft.com/office/powerpoint/2015/10/main">
   <p1510:revLst>
     <p1510:client id="{4A3F3CD4-87AB-4CDB-98DA-5A2ADC992FE5}" v="1" dt="2022-10-03T11:17:20.651"/>
+    <p1510:client id="{9B9D4C16-5A73-44FC-B81C-E033F386BE81}" v="3" dt="2022-09-29T11:01:00.115"/>
     <p1510:client id="{7243DB7B-6519-4113-9313-0D5BD1DD6196}" v="1" dt="2022-10-06T06:08:40.457"/>
-    <p1510:client id="{9B9D4C16-5A73-44FC-B81C-E033F386BE81}" v="3" dt="2022-09-29T11:01:00.115"/>
     <p1510:client id="{A1854464-AA8C-4528-8FEA-3C375E66B42A}" v="7" dt="2022-10-06T09:52:16.683"/>
   </p1510:revLst>
 </p1510:revInfo>
@@ -368,7 +368,7 @@
           <a:p>
             <a:fld id="{BA11B3C1-C822-4B57-87C0-490649D8D6D7}" type="slidenum">
               <a:rPr lang="ru-RU" smtClean="0"/>
-              <a:t>‹№›</a:t>
+              <a:t>‹#›</a:t>
             </a:fld>
             <a:endParaRPr lang="ru-RU"/>
           </a:p>
@@ -2120,7 +2120,7 @@
           <a:p>
             <a:fld id="{AD567C44-7823-4E15-95B7-ED61455829B8}" type="datetimeFigureOut">
               <a:rPr lang="ru-RU" smtClean="0"/>
-              <a:t>06.11.2022</a:t>
+              <a:t>07.11.2022</a:t>
             </a:fld>
             <a:endParaRPr lang="ru-RU"/>
           </a:p>
@@ -2279,7 +2279,7 @@
           <a:p>
             <a:fld id="{C83854A3-6714-4526-AEDE-747CDFA70004}" type="slidenum">
               <a:rPr lang="ru-RU" smtClean="0"/>
-              <a:t>‹№›</a:t>
+              <a:t>‹#›</a:t>
             </a:fld>
             <a:endParaRPr lang="ru-RU"/>
           </a:p>
@@ -2614,6 +2614,109 @@
       </p:grpSpPr>
       <p:sp>
         <p:nvSpPr>
+          <p:cNvPr id="2" name="Образ слайда 1"/>
+          <p:cNvSpPr>
+            <a:spLocks noGrp="1" noRot="1" noChangeAspect="1"/>
+          </p:cNvSpPr>
+          <p:nvPr>
+            <p:ph type="sldImg"/>
+          </p:nvPr>
+        </p:nvSpPr>
+        <p:spPr/>
+      </p:sp>
+      <p:sp>
+        <p:nvSpPr>
+          <p:cNvPr id="3" name="Заметки 2"/>
+          <p:cNvSpPr>
+            <a:spLocks noGrp="1"/>
+          </p:cNvSpPr>
+          <p:nvPr>
+            <p:ph type="body" idx="1"/>
+          </p:nvPr>
+        </p:nvSpPr>
+        <p:spPr/>
+        <p:txBody>
+          <a:bodyPr/>
+          <a:lstStyle/>
+          <a:p>
+            <a:endParaRPr lang="ru-UA" dirty="0"/>
+          </a:p>
+        </p:txBody>
+      </p:sp>
+      <p:sp>
+        <p:nvSpPr>
+          <p:cNvPr id="4" name="Верхний колонтитул 3"/>
+          <p:cNvSpPr>
+            <a:spLocks noGrp="1"/>
+          </p:cNvSpPr>
+          <p:nvPr>
+            <p:ph type="hdr" sz="quarter" idx="10"/>
+          </p:nvPr>
+        </p:nvSpPr>
+        <p:spPr/>
+        <p:txBody>
+          <a:bodyPr/>
+          <a:lstStyle/>
+          <a:p>
+            <a:endParaRPr lang="ru-RU"/>
+          </a:p>
+        </p:txBody>
+      </p:sp>
+      <p:sp>
+        <p:nvSpPr>
+          <p:cNvPr id="5" name="Номер слайда 4"/>
+          <p:cNvSpPr>
+            <a:spLocks noGrp="1"/>
+          </p:cNvSpPr>
+          <p:nvPr>
+            <p:ph type="sldNum" sz="quarter" idx="11"/>
+          </p:nvPr>
+        </p:nvSpPr>
+        <p:spPr/>
+        <p:txBody>
+          <a:bodyPr/>
+          <a:lstStyle/>
+          <a:p>
+            <a:fld id="{C83854A3-6714-4526-AEDE-747CDFA70004}" type="slidenum">
+              <a:rPr lang="ru-RU" smtClean="0"/>
+              <a:t>8</a:t>
+            </a:fld>
+            <a:endParaRPr lang="ru-RU"/>
+          </a:p>
+        </p:txBody>
+      </p:sp>
+    </p:spTree>
+    <p:extLst>
+      <p:ext uri="{BB962C8B-B14F-4D97-AF65-F5344CB8AC3E}">
+        <p14:creationId xmlns:p14="http://schemas.microsoft.com/office/powerpoint/2010/main" val="639189857"/>
+      </p:ext>
+    </p:extLst>
+  </p:cSld>
+  <p:clrMapOvr>
+    <a:masterClrMapping/>
+  </p:clrMapOvr>
+</p:notes>
+</file>
+
+<file path=ppt/notesSlides/notesSlide4.xml><?xml version="1.0" encoding="utf-8"?>
+<p:notes xmlns:a="http://schemas.openxmlformats.org/drawingml/2006/main" xmlns:r="http://schemas.openxmlformats.org/officeDocument/2006/relationships" xmlns:p="http://schemas.openxmlformats.org/presentationml/2006/main">
+  <p:cSld>
+    <p:spTree>
+      <p:nvGrpSpPr>
+        <p:cNvPr id="1" name=""/>
+        <p:cNvGrpSpPr/>
+        <p:nvPr/>
+      </p:nvGrpSpPr>
+      <p:grpSpPr>
+        <a:xfrm>
+          <a:off x="0" y="0"/>
+          <a:ext cx="0" cy="0"/>
+          <a:chOff x="0" y="0"/>
+          <a:chExt cx="0" cy="0"/>
+        </a:xfrm>
+      </p:grpSpPr>
+      <p:sp>
+        <p:nvSpPr>
           <p:cNvPr id="2" name="Місце для зображення 1"/>
           <p:cNvSpPr>
             <a:spLocks noGrp="1" noRot="1" noChangeAspect="1"/>
@@ -2829,7 +2932,7 @@
           <a:p>
             <a:fld id="{ACD6F5B1-BE64-41EC-9D39-08B20FE66A00}" type="datetime1">
               <a:rPr lang="en-US" smtClean="0"/>
-              <a:t>11/6/2022</a:t>
+              <a:t>11/7/2022</a:t>
             </a:fld>
             <a:endParaRPr lang="en-US"/>
           </a:p>
@@ -2871,7 +2974,7 @@
           <a:p>
             <a:fld id="{6D22F896-40B5-4ADD-8801-0D06FADFA095}" type="slidenum">
               <a:rPr lang="en-US" smtClean="0"/>
-              <a:t>‹№›</a:t>
+              <a:t>‹#›</a:t>
             </a:fld>
             <a:endParaRPr lang="en-US"/>
           </a:p>
@@ -2999,7 +3102,7 @@
           <a:p>
             <a:fld id="{2A780207-E750-478A-BD8D-014DF4CF007A}" type="datetime1">
               <a:rPr lang="en-US" smtClean="0"/>
-              <a:t>11/6/2022</a:t>
+              <a:t>11/7/2022</a:t>
             </a:fld>
             <a:endParaRPr lang="en-US"/>
           </a:p>
@@ -3041,7 +3144,7 @@
           <a:p>
             <a:fld id="{6D22F896-40B5-4ADD-8801-0D06FADFA095}" type="slidenum">
               <a:rPr lang="en-US" smtClean="0"/>
-              <a:t>‹№›</a:t>
+              <a:t>‹#›</a:t>
             </a:fld>
             <a:endParaRPr lang="en-US"/>
           </a:p>
@@ -3179,7 +3282,7 @@
           <a:p>
             <a:fld id="{A9840149-181F-4DE2-A970-6210963938A6}" type="datetime1">
               <a:rPr lang="en-US" smtClean="0"/>
-              <a:t>11/6/2022</a:t>
+              <a:t>11/7/2022</a:t>
             </a:fld>
             <a:endParaRPr lang="en-US"/>
           </a:p>
@@ -3221,7 +3324,7 @@
           <a:p>
             <a:fld id="{6D22F896-40B5-4ADD-8801-0D06FADFA095}" type="slidenum">
               <a:rPr lang="en-US" smtClean="0"/>
-              <a:t>‹№›</a:t>
+              <a:t>‹#›</a:t>
             </a:fld>
             <a:endParaRPr lang="en-US"/>
           </a:p>
@@ -3349,7 +3452,7 @@
           <a:p>
             <a:fld id="{B89E07A0-B478-479E-9F53-FC3D4943597C}" type="datetime1">
               <a:rPr lang="en-US" smtClean="0"/>
-              <a:t>11/6/2022</a:t>
+              <a:t>11/7/2022</a:t>
             </a:fld>
             <a:endParaRPr lang="en-US"/>
           </a:p>
@@ -3391,7 +3494,7 @@
           <a:p>
             <a:fld id="{6D22F896-40B5-4ADD-8801-0D06FADFA095}" type="slidenum">
               <a:rPr lang="en-US" smtClean="0"/>
-              <a:t>‹№›</a:t>
+              <a:t>‹#›</a:t>
             </a:fld>
             <a:endParaRPr lang="en-US"/>
           </a:p>
@@ -3595,7 +3698,7 @@
           <a:p>
             <a:fld id="{57D29478-B7BC-4D4A-83DD-BBDD69C0611B}" type="datetime1">
               <a:rPr lang="en-US" smtClean="0"/>
-              <a:t>11/6/2022</a:t>
+              <a:t>11/7/2022</a:t>
             </a:fld>
             <a:endParaRPr lang="en-US"/>
           </a:p>
@@ -3637,7 +3740,7 @@
           <a:p>
             <a:fld id="{6D22F896-40B5-4ADD-8801-0D06FADFA095}" type="slidenum">
               <a:rPr lang="en-US" smtClean="0"/>
-              <a:t>‹№›</a:t>
+              <a:t>‹#›</a:t>
             </a:fld>
             <a:endParaRPr lang="en-US"/>
           </a:p>
@@ -3827,7 +3930,7 @@
           <a:p>
             <a:fld id="{AB65EC0E-07C4-4A98-B23B-FE8F72CE4422}" type="datetime1">
               <a:rPr lang="en-US" smtClean="0"/>
-              <a:t>11/6/2022</a:t>
+              <a:t>11/7/2022</a:t>
             </a:fld>
             <a:endParaRPr lang="en-US"/>
           </a:p>
@@ -3869,7 +3972,7 @@
           <a:p>
             <a:fld id="{6D22F896-40B5-4ADD-8801-0D06FADFA095}" type="slidenum">
               <a:rPr lang="en-US" smtClean="0"/>
-              <a:t>‹№›</a:t>
+              <a:t>‹#›</a:t>
             </a:fld>
             <a:endParaRPr lang="en-US"/>
           </a:p>
@@ -4194,7 +4297,7 @@
           <a:p>
             <a:fld id="{E4AC23B7-51DA-476C-A442-884381F06C35}" type="datetime1">
               <a:rPr lang="en-US" smtClean="0"/>
-              <a:t>11/6/2022</a:t>
+              <a:t>11/7/2022</a:t>
             </a:fld>
             <a:endParaRPr lang="en-US"/>
           </a:p>
@@ -4236,7 +4339,7 @@
           <a:p>
             <a:fld id="{6D22F896-40B5-4ADD-8801-0D06FADFA095}" type="slidenum">
               <a:rPr lang="en-US" smtClean="0"/>
-              <a:t>‹№›</a:t>
+              <a:t>‹#›</a:t>
             </a:fld>
             <a:endParaRPr lang="en-US"/>
           </a:p>
@@ -4312,7 +4415,7 @@
           <a:p>
             <a:fld id="{A2E7ABAE-A376-4680-BBAE-02BBD6A0489B}" type="datetime1">
               <a:rPr lang="en-US" smtClean="0"/>
-              <a:t>11/6/2022</a:t>
+              <a:t>11/7/2022</a:t>
             </a:fld>
             <a:endParaRPr lang="en-US"/>
           </a:p>
@@ -4354,7 +4457,7 @@
           <a:p>
             <a:fld id="{6D22F896-40B5-4ADD-8801-0D06FADFA095}" type="slidenum">
               <a:rPr lang="en-US" smtClean="0"/>
-              <a:t>‹№›</a:t>
+              <a:t>‹#›</a:t>
             </a:fld>
             <a:endParaRPr lang="en-US"/>
           </a:p>
@@ -4407,7 +4510,7 @@
           <a:p>
             <a:fld id="{C3BC54A3-5549-4766-8E6F-26C5D14359A0}" type="datetime1">
               <a:rPr lang="en-US" smtClean="0"/>
-              <a:t>11/6/2022</a:t>
+              <a:t>11/7/2022</a:t>
             </a:fld>
             <a:endParaRPr lang="en-US"/>
           </a:p>
@@ -4449,7 +4552,7 @@
           <a:p>
             <a:fld id="{6D22F896-40B5-4ADD-8801-0D06FADFA095}" type="slidenum">
               <a:rPr lang="en-US" smtClean="0"/>
-              <a:t>‹№›</a:t>
+              <a:t>‹#›</a:t>
             </a:fld>
             <a:endParaRPr lang="en-US"/>
           </a:p>
@@ -4684,7 +4787,7 @@
           <a:p>
             <a:fld id="{E10F0183-E1B1-42DF-A1BF-100391FFAC24}" type="datetime1">
               <a:rPr lang="en-US" smtClean="0"/>
-              <a:t>11/6/2022</a:t>
+              <a:t>11/7/2022</a:t>
             </a:fld>
             <a:endParaRPr lang="en-US"/>
           </a:p>
@@ -4726,7 +4829,7 @@
           <a:p>
             <a:fld id="{6D22F896-40B5-4ADD-8801-0D06FADFA095}" type="slidenum">
               <a:rPr lang="en-US" smtClean="0"/>
-              <a:t>‹№›</a:t>
+              <a:t>‹#›</a:t>
             </a:fld>
             <a:endParaRPr lang="en-US"/>
           </a:p>
@@ -4941,7 +5044,7 @@
           <a:p>
             <a:fld id="{7417C2D0-2E3F-4779-808A-894DE456022F}" type="datetime1">
               <a:rPr lang="en-US" smtClean="0"/>
-              <a:t>11/6/2022</a:t>
+              <a:t>11/7/2022</a:t>
             </a:fld>
             <a:endParaRPr lang="en-US"/>
           </a:p>
@@ -4983,7 +5086,7 @@
           <a:p>
             <a:fld id="{6D22F896-40B5-4ADD-8801-0D06FADFA095}" type="slidenum">
               <a:rPr lang="en-US" smtClean="0"/>
-              <a:t>‹№›</a:t>
+              <a:t>‹#›</a:t>
             </a:fld>
             <a:endParaRPr lang="en-US"/>
           </a:p>
@@ -5184,7 +5287,7 @@
           <a:p>
             <a:fld id="{EA08E5D3-2824-4421-AFCD-3F1B287A8530}" type="datetime1">
               <a:rPr lang="en-US" smtClean="0"/>
-              <a:t>11/6/2022</a:t>
+              <a:t>11/7/2022</a:t>
             </a:fld>
             <a:endParaRPr lang="en-US"/>
           </a:p>
@@ -5263,7 +5366,7 @@
             <a:fld id="{6D22F896-40B5-4ADD-8801-0D06FADFA095}" type="slidenum">
               <a:rPr lang="en-US" smtClean="0"/>
               <a:pPr/>
-              <a:t>‹№›</a:t>
+              <a:t>‹#›</a:t>
             </a:fld>
             <a:endParaRPr lang="en-US"/>
           </a:p>
@@ -5609,7 +5712,7 @@
         </p:nvSpPr>
         <p:spPr>
           <a:xfrm>
-            <a:off x="1426496" y="1160145"/>
+            <a:off x="1639561" y="-535490"/>
             <a:ext cx="9590468" cy="4537710"/>
           </a:xfrm>
         </p:spPr>
@@ -5659,160 +5762,6 @@
                 <a:latin typeface="SchoolBookCTT" pitchFamily="2" charset="0"/>
               </a:rPr>
             </a:br>
-            <a:r>
-              <a:rPr lang="en-US" sz="3200" b="1" dirty="0" err="1">
-                <a:solidFill>
-                  <a:srgbClr val="413D3D"/>
-                </a:solidFill>
-                <a:latin typeface="SchoolBookCTT" pitchFamily="2" charset="0"/>
-              </a:rPr>
-              <a:t>DemidCompanyNiga</a:t>
-            </a:r>
-            <a:br>
-              <a:rPr lang="ru-RU" sz="3200" b="1" dirty="0">
-                <a:solidFill>
-                  <a:srgbClr val="413D3D"/>
-                </a:solidFill>
-                <a:latin typeface="SchoolBookCTT" pitchFamily="2" charset="0"/>
-              </a:rPr>
-            </a:br>
-            <a:r>
-              <a:rPr lang="en-GB" sz="3200" b="1" dirty="0" err="1">
-                <a:solidFill>
-                  <a:srgbClr val="413D3D"/>
-                </a:solidFill>
-                <a:latin typeface="SchoolBookCTT" pitchFamily="2" charset="0"/>
-              </a:rPr>
-              <a:t>DemidsNiggersBlack</a:t>
-            </a:r>
-            <a:r>
-              <a:rPr lang="en-GB" sz="3200" b="1" dirty="0">
-                <a:solidFill>
-                  <a:srgbClr val="413D3D"/>
-                </a:solidFill>
-                <a:latin typeface="SchoolBookCTT" pitchFamily="2" charset="0"/>
-              </a:rPr>
-              <a:t> present</a:t>
-            </a:r>
-            <a:br>
-              <a:rPr lang="uk-UA" sz="3100" b="1" dirty="0">
-                <a:latin typeface="SchoolBookCTT" pitchFamily="2" charset="0"/>
-              </a:rPr>
-            </a:br>
-            <a:r>
-              <a:rPr lang="ru-RU" sz="3100" b="1" dirty="0">
-                <a:latin typeface="SchoolBookCTT" pitchFamily="2" charset="0"/>
-              </a:rPr>
-              <a:t>Как так?</a:t>
-            </a:r>
-            <a:br>
-              <a:rPr lang="ru-RU" sz="3100" b="1" dirty="0">
-                <a:latin typeface="SchoolBookCTT" pitchFamily="2" charset="0"/>
-              </a:rPr>
-            </a:br>
-            <a:r>
-              <a:rPr lang="ru-RU" sz="3100" b="1" dirty="0">
-                <a:latin typeface="SchoolBookCTT" pitchFamily="2" charset="0"/>
-              </a:rPr>
-              <a:t>Как менять? </a:t>
-            </a:r>
-            <a:br>
-              <a:rPr lang="ru-RU" sz="3100" b="1" dirty="0">
-                <a:latin typeface="SchoolBookCTT" pitchFamily="2" charset="0"/>
-              </a:rPr>
-            </a:br>
-            <a:r>
-              <a:rPr lang="ru-RU" sz="3100" b="1" dirty="0">
-                <a:latin typeface="SchoolBookCTT" pitchFamily="2" charset="0"/>
-              </a:rPr>
-              <a:t>У нас </a:t>
-            </a:r>
-            <a:r>
-              <a:rPr lang="ru-RU" sz="3100" b="1" dirty="0" err="1">
-                <a:latin typeface="SchoolBookCTT" pitchFamily="2" charset="0"/>
-              </a:rPr>
-              <a:t>чето</a:t>
-            </a:r>
-            <a:r>
-              <a:rPr lang="ru-RU" sz="3100" b="1" dirty="0">
-                <a:latin typeface="SchoolBookCTT" pitchFamily="2" charset="0"/>
-              </a:rPr>
-              <a:t> работает</a:t>
-            </a:r>
-            <a:br>
-              <a:rPr lang="ru-RU" sz="3100" b="1" dirty="0">
-                <a:latin typeface="SchoolBookCTT" pitchFamily="2" charset="0"/>
-              </a:rPr>
-            </a:br>
-            <a:r>
-              <a:rPr lang="ru-RU" sz="3100" b="1" dirty="0">
-                <a:latin typeface="SchoolBookCTT" pitchFamily="2" charset="0"/>
-              </a:rPr>
-              <a:t>Мы </a:t>
-            </a:r>
-            <a:r>
-              <a:rPr lang="ru-RU" sz="3100" b="1" dirty="0" err="1">
-                <a:latin typeface="SchoolBookCTT" pitchFamily="2" charset="0"/>
-              </a:rPr>
-              <a:t>ниче</a:t>
-            </a:r>
-            <a:r>
-              <a:rPr lang="ru-RU" sz="3100" b="1" dirty="0">
-                <a:latin typeface="SchoolBookCTT" pitchFamily="2" charset="0"/>
-              </a:rPr>
-              <a:t> не делаем.</a:t>
-            </a:r>
-            <a:br>
-              <a:rPr lang="ru-RU" sz="3100" b="1" dirty="0">
-                <a:latin typeface="SchoolBookCTT" pitchFamily="2" charset="0"/>
-              </a:rPr>
-            </a:br>
-            <a:r>
-              <a:rPr lang="ru-RU" sz="3100" b="1" dirty="0">
-                <a:latin typeface="SchoolBookCTT" pitchFamily="2" charset="0"/>
-              </a:rPr>
-              <a:t>У меня </a:t>
-            </a:r>
-            <a:r>
-              <a:rPr lang="ru-RU" sz="3100" b="1" dirty="0" err="1">
-                <a:latin typeface="SchoolBookCTT" pitchFamily="2" charset="0"/>
-              </a:rPr>
-              <a:t>презенацтия</a:t>
-            </a:r>
-            <a:r>
-              <a:rPr lang="ru-RU" sz="3100" b="1" dirty="0">
-                <a:latin typeface="SchoolBookCTT" pitchFamily="2" charset="0"/>
-              </a:rPr>
-              <a:t> </a:t>
-            </a:r>
-            <a:r>
-              <a:rPr lang="ru-RU" sz="3100" b="1" dirty="0" err="1">
-                <a:latin typeface="SchoolBookCTT" pitchFamily="2" charset="0"/>
-              </a:rPr>
-              <a:t>меняеться</a:t>
-            </a:r>
-            <a:br>
-              <a:rPr lang="ru-RU" sz="3100" b="1" dirty="0">
-                <a:latin typeface="SchoolBookCTT" pitchFamily="2" charset="0"/>
-              </a:rPr>
-            </a:br>
-            <a:r>
-              <a:rPr lang="ru-RU" sz="3100" b="1" dirty="0">
-                <a:latin typeface="SchoolBookCTT" pitchFamily="2" charset="0"/>
-              </a:rPr>
-              <a:t>Только </a:t>
-            </a:r>
-            <a:r>
-              <a:rPr lang="ru-RU" sz="3100" b="1">
-                <a:latin typeface="SchoolBookCTT" pitchFamily="2" charset="0"/>
-              </a:rPr>
-              <a:t>мои изменения</a:t>
-            </a:r>
-            <a:br>
-              <a:rPr lang="uk-UA" sz="3100" b="1" dirty="0">
-                <a:latin typeface="SchoolBookCTT" pitchFamily="2" charset="0"/>
-              </a:rPr>
-            </a:br>
             <a:br>
               <a:rPr lang="uk-UA" sz="2400" b="1" dirty="0">
                 <a:solidFill>
@@ -5827,36 +5776,6 @@
           </a:p>
         </p:txBody>
       </p:sp>
-      <p:pic>
-        <p:nvPicPr>
-          <p:cNvPr id="3" name="Рисунок 2">
-            <a:extLst>
-              <a:ext uri="{FF2B5EF4-FFF2-40B4-BE49-F238E27FC236}">
-                <a16:creationId xmlns:a16="http://schemas.microsoft.com/office/drawing/2014/main" id="{E92858CA-D019-45D5-89E3-43884BED93D1}"/>
-              </a:ext>
-            </a:extLst>
-          </p:cNvPr>
-          <p:cNvPicPr>
-            <a:picLocks noChangeAspect="1"/>
-          </p:cNvPicPr>
-          <p:nvPr/>
-        </p:nvPicPr>
-        <p:blipFill>
-          <a:blip r:embed="rId2"/>
-          <a:stretch>
-            <a:fillRect/>
-          </a:stretch>
-        </p:blipFill>
-        <p:spPr>
-          <a:xfrm>
-            <a:off x="290474" y="251459"/>
-            <a:ext cx="1010292" cy="1411041"/>
-          </a:xfrm>
-          <a:prstGeom prst="rect">
-            <a:avLst/>
-          </a:prstGeom>
-        </p:spPr>
-      </p:pic>
     </p:spTree>
     <p:extLst>
       <p:ext uri="{BB962C8B-B14F-4D97-AF65-F5344CB8AC3E}">
@@ -9719,56 +9638,47 @@
           <a:lstStyle/>
           <a:p>
             <a:br>
-              <a:rPr lang="uk-UA" b="1">
+              <a:rPr lang="uk-UA" b="1" dirty="0">
                 <a:latin typeface="SchoolBookCTT" pitchFamily="2" charset="0"/>
               </a:rPr>
             </a:br>
             <a:br>
-              <a:rPr lang="uk-UA" sz="3600" b="1">
+              <a:rPr lang="uk-UA" sz="3600" b="1" dirty="0">
                 <a:latin typeface="SchoolBookCTT" pitchFamily="2" charset="0"/>
               </a:rPr>
             </a:br>
             <a:br>
-              <a:rPr lang="uk-UA" b="1">
+              <a:rPr lang="uk-UA" b="1" dirty="0">
                 <a:latin typeface="SchoolBookCTT" pitchFamily="2" charset="0"/>
               </a:rPr>
             </a:br>
-            <a:r>
-              <a:rPr lang="en-US" sz="10700" b="1">
+            <a:br>
+              <a:rPr lang="uk-UA" b="1" dirty="0">
                 <a:solidFill>
                   <a:srgbClr val="0070C0"/>
                 </a:solidFill>
                 <a:latin typeface="SchoolBookCTT" pitchFamily="2" charset="0"/>
               </a:rPr>
-              <a:t>Git</a:t>
-            </a:r>
-            <a:br>
-              <a:rPr lang="uk-UA" b="1">
-                <a:solidFill>
-                  <a:srgbClr val="0070C0"/>
-                </a:solidFill>
-                <a:latin typeface="SchoolBookCTT" pitchFamily="2" charset="0"/>
-              </a:rPr>
             </a:br>
             <a:br>
-              <a:rPr lang="uk-UA" sz="3100" b="1">
+              <a:rPr lang="uk-UA" sz="3100" b="1" dirty="0">
                 <a:latin typeface="SchoolBookCTT" pitchFamily="2" charset="0"/>
               </a:rPr>
             </a:br>
             <a:br>
-              <a:rPr lang="uk-UA" sz="3100" b="1">
+              <a:rPr lang="uk-UA" sz="3100" b="1" dirty="0">
                 <a:latin typeface="SchoolBookCTT" pitchFamily="2" charset="0"/>
               </a:rPr>
             </a:br>
             <a:br>
-              <a:rPr lang="uk-UA" sz="2400" b="1">
+              <a:rPr lang="uk-UA" sz="2400" b="1" dirty="0">
                 <a:solidFill>
                   <a:srgbClr val="FF0000"/>
                 </a:solidFill>
                 <a:latin typeface="SchoolBookCTT" pitchFamily="2" charset="0"/>
               </a:rPr>
             </a:br>
-            <a:endParaRPr lang="uk-UA" sz="2400" b="1">
+            <a:endParaRPr lang="uk-UA" sz="2400" b="1" dirty="0">
               <a:latin typeface="SchoolBookCTT" pitchFamily="2" charset="0"/>
             </a:endParaRPr>
           </a:p>
@@ -15767,7 +15677,7 @@
         </p:nvSpPr>
         <p:spPr>
           <a:xfrm>
-            <a:off x="3134060" y="4187725"/>
+            <a:off x="3524677" y="3705363"/>
             <a:ext cx="5513034" cy="369332"/>
           </a:xfrm>
           <a:prstGeom prst="rect">
@@ -16949,7 +16859,7 @@
           <p:nvPr/>
         </p:nvPicPr>
         <p:blipFill>
-          <a:blip r:embed="rId2"/>
+          <a:blip r:embed="rId3"/>
           <a:stretch>
             <a:fillRect/>
           </a:stretch>
@@ -18180,18 +18090,18 @@
 </file>
 
 <file path=customXml/item1.xml><?xml version="1.0" encoding="utf-8"?>
+<p:properties xmlns:p="http://schemas.microsoft.com/office/2006/metadata/properties" xmlns:xsi="http://www.w3.org/2001/XMLSchema-instance" xmlns:pc="http://schemas.microsoft.com/office/infopath/2007/PartnerControls">
+  <documentManagement/>
+</p:properties>
+</file>
+
+<file path=customXml/item2.xml><?xml version="1.0" encoding="utf-8"?>
 <?mso-contentType ?>
 <FormTemplates xmlns="http://schemas.microsoft.com/sharepoint/v3/contenttype/forms">
   <Display>DocumentLibraryForm</Display>
   <Edit>DocumentLibraryForm</Edit>
   <New>DocumentLibraryForm</New>
 </FormTemplates>
-</file>
-
-<file path=customXml/item2.xml><?xml version="1.0" encoding="utf-8"?>
-<p:properties xmlns:p="http://schemas.microsoft.com/office/2006/metadata/properties" xmlns:xsi="http://www.w3.org/2001/XMLSchema-instance" xmlns:pc="http://schemas.microsoft.com/office/infopath/2007/PartnerControls">
-  <documentManagement/>
-</p:properties>
 </file>
 
 <file path=customXml/item3.xml><?xml version="1.0" encoding="utf-8"?>
@@ -18339,18 +18249,18 @@
 </file>
 
 <file path=customXml/itemProps1.xml><?xml version="1.0" encoding="utf-8"?>
-<ds:datastoreItem xmlns:ds="http://schemas.openxmlformats.org/officeDocument/2006/customXml" ds:itemID="{A345D2DA-A096-4BBF-9135-8FD4BD4C8C20}">
+<ds:datastoreItem xmlns:ds="http://schemas.openxmlformats.org/officeDocument/2006/customXml" ds:itemID="{C35D743B-B188-4C38-B82D-7FD8B3A77642}">
   <ds:schemaRefs>
-    <ds:schemaRef ds:uri="http://schemas.microsoft.com/sharepoint/v3/contenttype/forms"/>
+    <ds:schemaRef ds:uri="http://schemas.microsoft.com/office/2006/metadata/properties"/>
+    <ds:schemaRef ds:uri="http://schemas.microsoft.com/office/infopath/2007/PartnerControls"/>
   </ds:schemaRefs>
 </ds:datastoreItem>
 </file>
 
 <file path=customXml/itemProps2.xml><?xml version="1.0" encoding="utf-8"?>
-<ds:datastoreItem xmlns:ds="http://schemas.openxmlformats.org/officeDocument/2006/customXml" ds:itemID="{C35D743B-B188-4C38-B82D-7FD8B3A77642}">
+<ds:datastoreItem xmlns:ds="http://schemas.openxmlformats.org/officeDocument/2006/customXml" ds:itemID="{A345D2DA-A096-4BBF-9135-8FD4BD4C8C20}">
   <ds:schemaRefs>
-    <ds:schemaRef ds:uri="http://schemas.microsoft.com/office/2006/metadata/properties"/>
-    <ds:schemaRef ds:uri="http://schemas.microsoft.com/office/infopath/2007/PartnerControls"/>
+    <ds:schemaRef ds:uri="http://schemas.microsoft.com/sharepoint/v3/contenttype/forms"/>
   </ds:schemaRefs>
 </ds:datastoreItem>
 </file>

--- a/Git_1 part.pptx
+++ b/Git_1 part.pptx
@@ -167,8 +167,8 @@
 <p1510:revInfo xmlns:a="http://schemas.openxmlformats.org/drawingml/2006/main" xmlns:r="http://schemas.openxmlformats.org/officeDocument/2006/relationships" xmlns:p1510="http://schemas.microsoft.com/office/powerpoint/2015/10/main">
   <p1510:revLst>
     <p1510:client id="{4A3F3CD4-87AB-4CDB-98DA-5A2ADC992FE5}" v="1" dt="2022-10-03T11:17:20.651"/>
+    <p1510:client id="{7243DB7B-6519-4113-9313-0D5BD1DD6196}" v="1" dt="2022-10-06T06:08:40.457"/>
     <p1510:client id="{9B9D4C16-5A73-44FC-B81C-E033F386BE81}" v="3" dt="2022-09-29T11:01:00.115"/>
-    <p1510:client id="{7243DB7B-6519-4113-9313-0D5BD1DD6196}" v="1" dt="2022-10-06T06:08:40.457"/>
     <p1510:client id="{A1854464-AA8C-4528-8FEA-3C375E66B42A}" v="7" dt="2022-10-06T09:52:16.683"/>
   </p1510:revLst>
 </p1510:revInfo>
@@ -9684,6 +9684,333 @@
           </a:p>
         </p:txBody>
       </p:sp>
+      <p:sp>
+        <p:nvSpPr>
+          <p:cNvPr id="3" name="Прямоугольник 2">
+            <a:extLst>
+              <a:ext uri="{FF2B5EF4-FFF2-40B4-BE49-F238E27FC236}">
+                <a16:creationId xmlns:a16="http://schemas.microsoft.com/office/drawing/2014/main" id="{89F1679A-F8E1-48F6-87E3-35388E5FE97C}"/>
+              </a:ext>
+            </a:extLst>
+          </p:cNvPr>
+          <p:cNvSpPr/>
+          <p:nvPr/>
+        </p:nvSpPr>
+        <p:spPr>
+          <a:xfrm>
+            <a:off x="2919087" y="2384596"/>
+            <a:ext cx="6096000" cy="3331681"/>
+          </a:xfrm>
+          <a:prstGeom prst="rect">
+            <a:avLst/>
+          </a:prstGeom>
+        </p:spPr>
+        <p:txBody>
+          <a:bodyPr>
+            <a:spAutoFit/>
+          </a:bodyPr>
+          <a:lstStyle/>
+          <a:p>
+            <a:pPr algn="ctr"/>
+            <a:r>
+              <a:rPr lang="en-US" sz="2400" b="1" dirty="0">
+                <a:solidFill>
+                  <a:srgbClr val="00B0F0"/>
+                </a:solidFill>
+                <a:latin typeface="SchoolBookCTT" pitchFamily="2" charset="0"/>
+              </a:rPr>
+              <a:t>Team members </a:t>
+            </a:r>
+            <a:br>
+              <a:rPr lang="uk-UA" sz="1050" b="1" dirty="0">
+                <a:latin typeface="SchoolBookCTT" pitchFamily="2" charset="0"/>
+              </a:rPr>
+            </a:br>
+            <a:br>
+              <a:rPr lang="uk-UA" sz="1050" b="1" dirty="0">
+                <a:latin typeface="SchoolBookCTT" pitchFamily="2" charset="0"/>
+              </a:rPr>
+            </a:br>
+            <a:r>
+              <a:rPr lang="uk-UA" b="1" dirty="0">
+                <a:solidFill>
+                  <a:srgbClr val="FFFF00"/>
+                </a:solidFill>
+                <a:effectLst>
+                  <a:outerShdw blurRad="38100" dist="38100" dir="2700000" algn="tl">
+                    <a:srgbClr val="000000">
+                      <a:alpha val="43137"/>
+                    </a:srgbClr>
+                  </a:outerShdw>
+                </a:effectLst>
+              </a:rPr>
+              <a:t>Клименко Артем </a:t>
+            </a:r>
+            <a:r>
+              <a:rPr lang="en-US" b="1" dirty="0">
+                <a:solidFill>
+                  <a:srgbClr val="FFFF00"/>
+                </a:solidFill>
+                <a:effectLst>
+                  <a:outerShdw blurRad="38100" dist="38100" dir="2700000" algn="tl">
+                    <a:srgbClr val="000000">
+                      <a:alpha val="43137"/>
+                    </a:srgbClr>
+                  </a:outerShdw>
+                </a:effectLst>
+              </a:rPr>
+              <a:t>(PM)</a:t>
+            </a:r>
+            <a:br>
+              <a:rPr lang="en-US" b="1" dirty="0">
+                <a:solidFill>
+                  <a:srgbClr val="FFFF00"/>
+                </a:solidFill>
+                <a:effectLst>
+                  <a:outerShdw blurRad="38100" dist="38100" dir="2700000" algn="tl">
+                    <a:srgbClr val="000000">
+                      <a:alpha val="43137"/>
+                    </a:srgbClr>
+                  </a:outerShdw>
+                </a:effectLst>
+              </a:rPr>
+            </a:br>
+            <a:r>
+              <a:rPr lang="uk-UA" b="1" dirty="0">
+                <a:solidFill>
+                  <a:srgbClr val="FFFF00"/>
+                </a:solidFill>
+                <a:effectLst>
+                  <a:outerShdw blurRad="38100" dist="38100" dir="2700000" algn="tl">
+                    <a:srgbClr val="000000">
+                      <a:alpha val="43137"/>
+                    </a:srgbClr>
+                  </a:outerShdw>
+                </a:effectLst>
+              </a:rPr>
+              <a:t>Полібін-Щербак Демид Артемович(</a:t>
+            </a:r>
+            <a:r>
+              <a:rPr lang="en-US" b="1" dirty="0">
+                <a:solidFill>
+                  <a:srgbClr val="FFFF00"/>
+                </a:solidFill>
+                <a:effectLst>
+                  <a:outerShdw blurRad="38100" dist="38100" dir="2700000" algn="tl">
+                    <a:srgbClr val="000000">
+                      <a:alpha val="43137"/>
+                    </a:srgbClr>
+                  </a:outerShdw>
+                </a:effectLst>
+              </a:rPr>
+              <a:t>PM)</a:t>
+            </a:r>
+            <a:br>
+              <a:rPr lang="en-US" b="1" dirty="0">
+                <a:solidFill>
+                  <a:srgbClr val="FFFF00"/>
+                </a:solidFill>
+                <a:effectLst>
+                  <a:outerShdw blurRad="38100" dist="38100" dir="2700000" algn="tl">
+                    <a:srgbClr val="000000">
+                      <a:alpha val="43137"/>
+                    </a:srgbClr>
+                  </a:outerShdw>
+                </a:effectLst>
+              </a:rPr>
+            </a:br>
+            <a:r>
+              <a:rPr lang="uk-UA" b="1" dirty="0">
+                <a:solidFill>
+                  <a:srgbClr val="FFFF00"/>
+                </a:solidFill>
+                <a:effectLst>
+                  <a:outerShdw blurRad="38100" dist="38100" dir="2700000" algn="tl">
+                    <a:srgbClr val="000000">
+                      <a:alpha val="43137"/>
+                    </a:srgbClr>
+                  </a:outerShdw>
+                </a:effectLst>
+              </a:rPr>
+              <a:t>Бабенко Станіслав Олексійович</a:t>
+            </a:r>
+            <a:r>
+              <a:rPr lang="en-US" b="1" dirty="0">
+                <a:solidFill>
+                  <a:srgbClr val="FFFF00"/>
+                </a:solidFill>
+                <a:effectLst>
+                  <a:outerShdw blurRad="38100" dist="38100" dir="2700000" algn="tl">
+                    <a:srgbClr val="000000">
+                      <a:alpha val="43137"/>
+                    </a:srgbClr>
+                  </a:outerShdw>
+                </a:effectLst>
+              </a:rPr>
+              <a:t>(Editor)</a:t>
+            </a:r>
+            <a:br>
+              <a:rPr lang="uk-UA" b="1" dirty="0">
+                <a:solidFill>
+                  <a:srgbClr val="FFFF00"/>
+                </a:solidFill>
+                <a:effectLst>
+                  <a:outerShdw blurRad="38100" dist="38100" dir="2700000" algn="tl">
+                    <a:srgbClr val="000000">
+                      <a:alpha val="43137"/>
+                    </a:srgbClr>
+                  </a:outerShdw>
+                </a:effectLst>
+              </a:rPr>
+            </a:br>
+            <a:r>
+              <a:rPr lang="uk-UA" b="1" dirty="0">
+                <a:solidFill>
+                  <a:srgbClr val="FFFF00"/>
+                </a:solidFill>
+                <a:effectLst>
+                  <a:outerShdw blurRad="38100" dist="38100" dir="2700000" algn="tl">
+                    <a:srgbClr val="000000">
+                      <a:alpha val="43137"/>
+                    </a:srgbClr>
+                  </a:outerShdw>
+                </a:effectLst>
+              </a:rPr>
+              <a:t>Сердюк Костя Олегович</a:t>
+            </a:r>
+            <a:r>
+              <a:rPr lang="en-US" b="1" dirty="0">
+                <a:solidFill>
+                  <a:srgbClr val="FFFF00"/>
+                </a:solidFill>
+                <a:effectLst>
+                  <a:outerShdw blurRad="38100" dist="38100" dir="2700000" algn="tl">
+                    <a:srgbClr val="000000">
+                      <a:alpha val="43137"/>
+                    </a:srgbClr>
+                  </a:outerShdw>
+                </a:effectLst>
+              </a:rPr>
+              <a:t>(Editor)</a:t>
+            </a:r>
+            <a:br>
+              <a:rPr lang="uk-UA" b="1" dirty="0">
+                <a:solidFill>
+                  <a:srgbClr val="FFFF00"/>
+                </a:solidFill>
+                <a:effectLst>
+                  <a:outerShdw blurRad="38100" dist="38100" dir="2700000" algn="tl">
+                    <a:srgbClr val="000000">
+                      <a:alpha val="43137"/>
+                    </a:srgbClr>
+                  </a:outerShdw>
+                </a:effectLst>
+              </a:rPr>
+            </a:br>
+            <a:r>
+              <a:rPr lang="uk-UA" b="1" dirty="0">
+                <a:solidFill>
+                  <a:srgbClr val="FFFF00"/>
+                </a:solidFill>
+                <a:effectLst>
+                  <a:outerShdw blurRad="38100" dist="38100" dir="2700000" algn="tl">
+                    <a:srgbClr val="000000">
+                      <a:alpha val="43137"/>
+                    </a:srgbClr>
+                  </a:outerShdw>
+                </a:effectLst>
+              </a:rPr>
+              <a:t>Шейко Ростислав Олександрович</a:t>
+            </a:r>
+            <a:r>
+              <a:rPr lang="en-US" b="1" dirty="0">
+                <a:solidFill>
+                  <a:srgbClr val="FFFF00"/>
+                </a:solidFill>
+                <a:effectLst>
+                  <a:outerShdw blurRad="38100" dist="38100" dir="2700000" algn="tl">
+                    <a:srgbClr val="000000">
+                      <a:alpha val="43137"/>
+                    </a:srgbClr>
+                  </a:outerShdw>
+                </a:effectLst>
+              </a:rPr>
+              <a:t>(Editor)</a:t>
+            </a:r>
+            <a:br>
+              <a:rPr lang="uk-UA" b="1" dirty="0">
+                <a:solidFill>
+                  <a:srgbClr val="FFFF00"/>
+                </a:solidFill>
+                <a:effectLst>
+                  <a:outerShdw blurRad="38100" dist="38100" dir="2700000" algn="tl">
+                    <a:srgbClr val="000000">
+                      <a:alpha val="43137"/>
+                    </a:srgbClr>
+                  </a:outerShdw>
+                </a:effectLst>
+              </a:rPr>
+            </a:br>
+            <a:r>
+              <a:rPr lang="uk-UA" b="1" dirty="0">
+                <a:solidFill>
+                  <a:srgbClr val="FFFF00"/>
+                </a:solidFill>
+                <a:effectLst>
+                  <a:outerShdw blurRad="38100" dist="38100" dir="2700000" algn="tl">
+                    <a:srgbClr val="000000">
+                      <a:alpha val="43137"/>
+                    </a:srgbClr>
+                  </a:outerShdw>
+                </a:effectLst>
+              </a:rPr>
+              <a:t>Фоменко Валентин Олександрович</a:t>
+            </a:r>
+            <a:r>
+              <a:rPr lang="en-US" b="1" dirty="0">
+                <a:solidFill>
+                  <a:srgbClr val="FFFF00"/>
+                </a:solidFill>
+                <a:effectLst>
+                  <a:outerShdw blurRad="38100" dist="38100" dir="2700000" algn="tl">
+                    <a:srgbClr val="000000">
+                      <a:alpha val="43137"/>
+                    </a:srgbClr>
+                  </a:outerShdw>
+                </a:effectLst>
+              </a:rPr>
+              <a:t>(Editor</a:t>
+            </a:r>
+            <a:br>
+              <a:rPr lang="uk-UA" sz="1050" b="1" dirty="0">
+                <a:solidFill>
+                  <a:srgbClr val="0070C0"/>
+                </a:solidFill>
+                <a:latin typeface="SchoolBookCTT" pitchFamily="2" charset="0"/>
+              </a:rPr>
+            </a:br>
+            <a:br>
+              <a:rPr lang="uk-UA" sz="800" b="1" dirty="0">
+                <a:latin typeface="SchoolBookCTT" pitchFamily="2" charset="0"/>
+              </a:rPr>
+            </a:br>
+            <a:br>
+              <a:rPr lang="uk-UA" sz="2400" b="1" dirty="0">
+                <a:latin typeface="SchoolBookCTT" pitchFamily="2" charset="0"/>
+              </a:rPr>
+            </a:br>
+            <a:br>
+              <a:rPr lang="uk-UA" b="1" dirty="0">
+                <a:solidFill>
+                  <a:srgbClr val="FF0000"/>
+                </a:solidFill>
+                <a:latin typeface="SchoolBookCTT" pitchFamily="2" charset="0"/>
+              </a:rPr>
+            </a:br>
+            <a:endParaRPr lang="ru-UA" dirty="0"/>
+          </a:p>
+        </p:txBody>
+      </p:sp>
     </p:spTree>
     <p:extLst>
       <p:ext uri="{BB962C8B-B14F-4D97-AF65-F5344CB8AC3E}">
@@ -18090,18 +18417,18 @@
 </file>
 
 <file path=customXml/item1.xml><?xml version="1.0" encoding="utf-8"?>
-<p:properties xmlns:p="http://schemas.microsoft.com/office/2006/metadata/properties" xmlns:xsi="http://www.w3.org/2001/XMLSchema-instance" xmlns:pc="http://schemas.microsoft.com/office/infopath/2007/PartnerControls">
-  <documentManagement/>
-</p:properties>
-</file>
-
-<file path=customXml/item2.xml><?xml version="1.0" encoding="utf-8"?>
 <?mso-contentType ?>
 <FormTemplates xmlns="http://schemas.microsoft.com/sharepoint/v3/contenttype/forms">
   <Display>DocumentLibraryForm</Display>
   <Edit>DocumentLibraryForm</Edit>
   <New>DocumentLibraryForm</New>
 </FormTemplates>
+</file>
+
+<file path=customXml/item2.xml><?xml version="1.0" encoding="utf-8"?>
+<p:properties xmlns:p="http://schemas.microsoft.com/office/2006/metadata/properties" xmlns:xsi="http://www.w3.org/2001/XMLSchema-instance" xmlns:pc="http://schemas.microsoft.com/office/infopath/2007/PartnerControls">
+  <documentManagement/>
+</p:properties>
 </file>
 
 <file path=customXml/item3.xml><?xml version="1.0" encoding="utf-8"?>
@@ -18249,18 +18576,18 @@
 </file>
 
 <file path=customXml/itemProps1.xml><?xml version="1.0" encoding="utf-8"?>
-<ds:datastoreItem xmlns:ds="http://schemas.openxmlformats.org/officeDocument/2006/customXml" ds:itemID="{C35D743B-B188-4C38-B82D-7FD8B3A77642}">
+<ds:datastoreItem xmlns:ds="http://schemas.openxmlformats.org/officeDocument/2006/customXml" ds:itemID="{A345D2DA-A096-4BBF-9135-8FD4BD4C8C20}">
   <ds:schemaRefs>
-    <ds:schemaRef ds:uri="http://schemas.microsoft.com/office/2006/metadata/properties"/>
-    <ds:schemaRef ds:uri="http://schemas.microsoft.com/office/infopath/2007/PartnerControls"/>
+    <ds:schemaRef ds:uri="http://schemas.microsoft.com/sharepoint/v3/contenttype/forms"/>
   </ds:schemaRefs>
 </ds:datastoreItem>
 </file>
 
 <file path=customXml/itemProps2.xml><?xml version="1.0" encoding="utf-8"?>
-<ds:datastoreItem xmlns:ds="http://schemas.openxmlformats.org/officeDocument/2006/customXml" ds:itemID="{A345D2DA-A096-4BBF-9135-8FD4BD4C8C20}">
+<ds:datastoreItem xmlns:ds="http://schemas.openxmlformats.org/officeDocument/2006/customXml" ds:itemID="{C35D743B-B188-4C38-B82D-7FD8B3A77642}">
   <ds:schemaRefs>
-    <ds:schemaRef ds:uri="http://schemas.microsoft.com/sharepoint/v3/contenttype/forms"/>
+    <ds:schemaRef ds:uri="http://schemas.microsoft.com/office/2006/metadata/properties"/>
+    <ds:schemaRef ds:uri="http://schemas.microsoft.com/office/infopath/2007/PartnerControls"/>
   </ds:schemaRefs>
 </ds:datastoreItem>
 </file>

--- a/Git_1 part.pptx
+++ b/Git_1 part.pptx
@@ -5,10 +5,10 @@
     <p:sldMasterId id="2147483851" r:id="rId4"/>
   </p:sldMasterIdLst>
   <p:notesMasterIdLst>
-    <p:notesMasterId r:id="rId35"/>
+    <p:notesMasterId r:id="rId34"/>
   </p:notesMasterIdLst>
   <p:handoutMasterIdLst>
-    <p:handoutMasterId r:id="rId36"/>
+    <p:handoutMasterId r:id="rId35"/>
   </p:handoutMasterIdLst>
   <p:sldIdLst>
     <p:sldId id="334" r:id="rId5"/>
@@ -40,7 +40,6 @@
     <p:sldId id="331" r:id="rId31"/>
     <p:sldId id="333" r:id="rId32"/>
     <p:sldId id="332" r:id="rId33"/>
-    <p:sldId id="335" r:id="rId34"/>
   </p:sldIdLst>
   <p:sldSz cx="12192000" cy="6858000"/>
   <p:notesSz cx="6858000" cy="9144000"/>
@@ -166,8 +165,8 @@
 <p1510:revInfo xmlns:a="http://schemas.openxmlformats.org/drawingml/2006/main" xmlns:r="http://schemas.openxmlformats.org/officeDocument/2006/relationships" xmlns:p1510="http://schemas.microsoft.com/office/powerpoint/2015/10/main">
   <p1510:revLst>
     <p1510:client id="{4A3F3CD4-87AB-4CDB-98DA-5A2ADC992FE5}" v="1" dt="2022-10-03T11:17:20.651"/>
+    <p1510:client id="{7243DB7B-6519-4113-9313-0D5BD1DD6196}" v="1" dt="2022-10-06T06:08:40.457"/>
     <p1510:client id="{9B9D4C16-5A73-44FC-B81C-E033F386BE81}" v="3" dt="2022-09-29T11:01:00.115"/>
-    <p1510:client id="{7243DB7B-6519-4113-9313-0D5BD1DD6196}" v="1" dt="2022-10-06T06:08:40.457"/>
     <p1510:client id="{A1854464-AA8C-4528-8FEA-3C375E66B42A}" v="7" dt="2022-10-06T09:52:16.683"/>
   </p1510:revLst>
 </p1510:revInfo>
@@ -2119,7 +2118,7 @@
           <a:p>
             <a:fld id="{AD567C44-7823-4E15-95B7-ED61455829B8}" type="datetimeFigureOut">
               <a:rPr lang="ru-RU" smtClean="0"/>
-              <a:t>04.11.2022</a:t>
+              <a:t>07.11.2022</a:t>
             </a:fld>
             <a:endParaRPr lang="ru-RU"/>
           </a:p>
@@ -2828,7 +2827,7 @@
           <a:p>
             <a:fld id="{ACD6F5B1-BE64-41EC-9D39-08B20FE66A00}" type="datetime1">
               <a:rPr lang="en-US" smtClean="0"/>
-              <a:t>11/4/2022</a:t>
+              <a:t>11/7/2022</a:t>
             </a:fld>
             <a:endParaRPr lang="en-US"/>
           </a:p>
@@ -2998,7 +2997,7 @@
           <a:p>
             <a:fld id="{2A780207-E750-478A-BD8D-014DF4CF007A}" type="datetime1">
               <a:rPr lang="en-US" smtClean="0"/>
-              <a:t>11/4/2022</a:t>
+              <a:t>11/7/2022</a:t>
             </a:fld>
             <a:endParaRPr lang="en-US"/>
           </a:p>
@@ -3178,7 +3177,7 @@
           <a:p>
             <a:fld id="{A9840149-181F-4DE2-A970-6210963938A6}" type="datetime1">
               <a:rPr lang="en-US" smtClean="0"/>
-              <a:t>11/4/2022</a:t>
+              <a:t>11/7/2022</a:t>
             </a:fld>
             <a:endParaRPr lang="en-US"/>
           </a:p>
@@ -3348,7 +3347,7 @@
           <a:p>
             <a:fld id="{B89E07A0-B478-479E-9F53-FC3D4943597C}" type="datetime1">
               <a:rPr lang="en-US" smtClean="0"/>
-              <a:t>11/4/2022</a:t>
+              <a:t>11/7/2022</a:t>
             </a:fld>
             <a:endParaRPr lang="en-US"/>
           </a:p>
@@ -3594,7 +3593,7 @@
           <a:p>
             <a:fld id="{57D29478-B7BC-4D4A-83DD-BBDD69C0611B}" type="datetime1">
               <a:rPr lang="en-US" smtClean="0"/>
-              <a:t>11/4/2022</a:t>
+              <a:t>11/7/2022</a:t>
             </a:fld>
             <a:endParaRPr lang="en-US"/>
           </a:p>
@@ -3826,7 +3825,7 @@
           <a:p>
             <a:fld id="{AB65EC0E-07C4-4A98-B23B-FE8F72CE4422}" type="datetime1">
               <a:rPr lang="en-US" smtClean="0"/>
-              <a:t>11/4/2022</a:t>
+              <a:t>11/7/2022</a:t>
             </a:fld>
             <a:endParaRPr lang="en-US"/>
           </a:p>
@@ -4193,7 +4192,7 @@
           <a:p>
             <a:fld id="{E4AC23B7-51DA-476C-A442-884381F06C35}" type="datetime1">
               <a:rPr lang="en-US" smtClean="0"/>
-              <a:t>11/4/2022</a:t>
+              <a:t>11/7/2022</a:t>
             </a:fld>
             <a:endParaRPr lang="en-US"/>
           </a:p>
@@ -4311,7 +4310,7 @@
           <a:p>
             <a:fld id="{A2E7ABAE-A376-4680-BBAE-02BBD6A0489B}" type="datetime1">
               <a:rPr lang="en-US" smtClean="0"/>
-              <a:t>11/4/2022</a:t>
+              <a:t>11/7/2022</a:t>
             </a:fld>
             <a:endParaRPr lang="en-US"/>
           </a:p>
@@ -4406,7 +4405,7 @@
           <a:p>
             <a:fld id="{C3BC54A3-5549-4766-8E6F-26C5D14359A0}" type="datetime1">
               <a:rPr lang="en-US" smtClean="0"/>
-              <a:t>11/4/2022</a:t>
+              <a:t>11/7/2022</a:t>
             </a:fld>
             <a:endParaRPr lang="en-US"/>
           </a:p>
@@ -4683,7 +4682,7 @@
           <a:p>
             <a:fld id="{E10F0183-E1B1-42DF-A1BF-100391FFAC24}" type="datetime1">
               <a:rPr lang="en-US" smtClean="0"/>
-              <a:t>11/4/2022</a:t>
+              <a:t>11/7/2022</a:t>
             </a:fld>
             <a:endParaRPr lang="en-US"/>
           </a:p>
@@ -4940,7 +4939,7 @@
           <a:p>
             <a:fld id="{7417C2D0-2E3F-4779-808A-894DE456022F}" type="datetime1">
               <a:rPr lang="en-US" smtClean="0"/>
-              <a:t>11/4/2022</a:t>
+              <a:t>11/7/2022</a:t>
             </a:fld>
             <a:endParaRPr lang="en-US"/>
           </a:p>
@@ -5183,7 +5182,7 @@
           <a:p>
             <a:fld id="{EA08E5D3-2824-4421-AFCD-3F1B287A8530}" type="datetime1">
               <a:rPr lang="en-US" smtClean="0"/>
-              <a:t>11/4/2022</a:t>
+              <a:t>11/7/2022</a:t>
             </a:fld>
             <a:endParaRPr lang="en-US"/>
           </a:p>
@@ -15031,185 +15030,6 @@
     <p:extLst>
       <p:ext uri="{BB962C8B-B14F-4D97-AF65-F5344CB8AC3E}">
         <p14:creationId xmlns:p14="http://schemas.microsoft.com/office/powerpoint/2010/main" val="1593836141"/>
-      </p:ext>
-    </p:extLst>
-  </p:cSld>
-  <p:clrMapOvr>
-    <a:masterClrMapping/>
-  </p:clrMapOvr>
-</p:sld>
-</file>
-
-<file path=ppt/slides/slide30.xml><?xml version="1.0" encoding="utf-8"?>
-<p:sld xmlns:a="http://schemas.openxmlformats.org/drawingml/2006/main" xmlns:r="http://schemas.openxmlformats.org/officeDocument/2006/relationships" xmlns:p="http://schemas.openxmlformats.org/presentationml/2006/main">
-  <p:cSld>
-    <p:spTree>
-      <p:nvGrpSpPr>
-        <p:cNvPr id="1" name=""/>
-        <p:cNvGrpSpPr/>
-        <p:nvPr/>
-      </p:nvGrpSpPr>
-      <p:grpSpPr>
-        <a:xfrm>
-          <a:off x="0" y="0"/>
-          <a:ext cx="0" cy="0"/>
-          <a:chOff x="0" y="0"/>
-          <a:chExt cx="0" cy="0"/>
-        </a:xfrm>
-      </p:grpSpPr>
-      <p:sp>
-        <p:nvSpPr>
-          <p:cNvPr id="2" name="Заголовок 1">
-            <a:extLst>
-              <a:ext uri="{FF2B5EF4-FFF2-40B4-BE49-F238E27FC236}">
-                <a16:creationId xmlns:a16="http://schemas.microsoft.com/office/drawing/2014/main" id="{9A149647-34B8-44C3-9D7D-3C3419C82F5C}"/>
-              </a:ext>
-            </a:extLst>
-          </p:cNvPr>
-          <p:cNvSpPr>
-            <a:spLocks noGrp="1"/>
-          </p:cNvSpPr>
-          <p:nvPr>
-            <p:ph type="title"/>
-          </p:nvPr>
-        </p:nvSpPr>
-        <p:spPr/>
-        <p:txBody>
-          <a:bodyPr/>
-          <a:lstStyle/>
-          <a:p>
-            <a:endParaRPr lang="ru-UA" dirty="0">
-              <a:solidFill>
-                <a:srgbClr val="FF0000"/>
-              </a:solidFill>
-            </a:endParaRPr>
-          </a:p>
-        </p:txBody>
-      </p:sp>
-      <p:sp>
-        <p:nvSpPr>
-          <p:cNvPr id="3" name="Объект 2">
-            <a:extLst>
-              <a:ext uri="{FF2B5EF4-FFF2-40B4-BE49-F238E27FC236}">
-                <a16:creationId xmlns:a16="http://schemas.microsoft.com/office/drawing/2014/main" id="{0D41B0E0-1750-4228-BB38-037B22818EA7}"/>
-              </a:ext>
-            </a:extLst>
-          </p:cNvPr>
-          <p:cNvSpPr>
-            <a:spLocks noGrp="1"/>
-          </p:cNvSpPr>
-          <p:nvPr>
-            <p:ph idx="1"/>
-          </p:nvPr>
-        </p:nvSpPr>
-        <p:spPr/>
-        <p:txBody>
-          <a:bodyPr/>
-          <a:lstStyle/>
-          <a:p>
-            <a:pPr marL="0" indent="0" algn="ctr">
-              <a:buNone/>
-            </a:pPr>
-            <a:endParaRPr lang="uk-UA" dirty="0">
-              <a:solidFill>
-                <a:srgbClr val="FF0000"/>
-              </a:solidFill>
-            </a:endParaRPr>
-          </a:p>
-          <a:p>
-            <a:pPr marL="0" indent="0" algn="ctr">
-              <a:buNone/>
-            </a:pPr>
-            <a:endParaRPr lang="uk-UA" dirty="0">
-              <a:solidFill>
-                <a:srgbClr val="FF0000"/>
-              </a:solidFill>
-            </a:endParaRPr>
-          </a:p>
-          <a:p>
-            <a:pPr marL="0" indent="0" algn="ctr">
-              <a:buNone/>
-            </a:pPr>
-            <a:endParaRPr lang="uk-UA" dirty="0">
-              <a:solidFill>
-                <a:srgbClr val="FF0000"/>
-              </a:solidFill>
-            </a:endParaRPr>
-          </a:p>
-          <a:p>
-            <a:pPr marL="0" indent="0" algn="ctr">
-              <a:buNone/>
-            </a:pPr>
-            <a:r>
-              <a:rPr lang="uk-UA" sz="4000" dirty="0">
-                <a:solidFill>
-                  <a:srgbClr val="FF0000"/>
-                </a:solidFill>
-              </a:rPr>
-              <a:t>Дякуємо за увагу!</a:t>
-            </a:r>
-            <a:endParaRPr lang="ru-UA" sz="4000" dirty="0"/>
-          </a:p>
-        </p:txBody>
-      </p:sp>
-      <p:sp>
-        <p:nvSpPr>
-          <p:cNvPr id="4" name="Нижний колонтитул 3">
-            <a:extLst>
-              <a:ext uri="{FF2B5EF4-FFF2-40B4-BE49-F238E27FC236}">
-                <a16:creationId xmlns:a16="http://schemas.microsoft.com/office/drawing/2014/main" id="{566EB642-0DF5-4EAC-B6AE-FA16F9E91EC9}"/>
-              </a:ext>
-            </a:extLst>
-          </p:cNvPr>
-          <p:cNvSpPr>
-            <a:spLocks noGrp="1"/>
-          </p:cNvSpPr>
-          <p:nvPr>
-            <p:ph type="ftr" sz="quarter" idx="11"/>
-          </p:nvPr>
-        </p:nvSpPr>
-        <p:spPr/>
-        <p:txBody>
-          <a:bodyPr/>
-          <a:lstStyle/>
-          <a:p>
-            <a:endParaRPr lang="en-US"/>
-          </a:p>
-        </p:txBody>
-      </p:sp>
-      <p:sp>
-        <p:nvSpPr>
-          <p:cNvPr id="5" name="Номер слайда 4">
-            <a:extLst>
-              <a:ext uri="{FF2B5EF4-FFF2-40B4-BE49-F238E27FC236}">
-                <a16:creationId xmlns:a16="http://schemas.microsoft.com/office/drawing/2014/main" id="{082F5067-CE6E-49F8-9EF6-07E86C0CBC43}"/>
-              </a:ext>
-            </a:extLst>
-          </p:cNvPr>
-          <p:cNvSpPr>
-            <a:spLocks noGrp="1"/>
-          </p:cNvSpPr>
-          <p:nvPr>
-            <p:ph type="sldNum" sz="quarter" idx="12"/>
-          </p:nvPr>
-        </p:nvSpPr>
-        <p:spPr/>
-        <p:txBody>
-          <a:bodyPr/>
-          <a:lstStyle/>
-          <a:p>
-            <a:fld id="{6D22F896-40B5-4ADD-8801-0D06FADFA095}" type="slidenum">
-              <a:rPr lang="en-US" smtClean="0"/>
-              <a:t>30</a:t>
-            </a:fld>
-            <a:endParaRPr lang="en-US"/>
-          </a:p>
-        </p:txBody>
-      </p:sp>
-    </p:spTree>
-    <p:extLst>
-      <p:ext uri="{BB962C8B-B14F-4D97-AF65-F5344CB8AC3E}">
-        <p14:creationId xmlns:p14="http://schemas.microsoft.com/office/powerpoint/2010/main" val="1347747884"/>
       </p:ext>
     </p:extLst>
   </p:cSld>
@@ -17574,18 +17394,18 @@
 </file>
 
 <file path=customXml/item1.xml><?xml version="1.0" encoding="utf-8"?>
+<p:properties xmlns:p="http://schemas.microsoft.com/office/2006/metadata/properties" xmlns:xsi="http://www.w3.org/2001/XMLSchema-instance" xmlns:pc="http://schemas.microsoft.com/office/infopath/2007/PartnerControls">
+  <documentManagement/>
+</p:properties>
+</file>
+
+<file path=customXml/item2.xml><?xml version="1.0" encoding="utf-8"?>
 <?mso-contentType ?>
 <FormTemplates xmlns="http://schemas.microsoft.com/sharepoint/v3/contenttype/forms">
   <Display>DocumentLibraryForm</Display>
   <Edit>DocumentLibraryForm</Edit>
   <New>DocumentLibraryForm</New>
 </FormTemplates>
-</file>
-
-<file path=customXml/item2.xml><?xml version="1.0" encoding="utf-8"?>
-<p:properties xmlns:p="http://schemas.microsoft.com/office/2006/metadata/properties" xmlns:xsi="http://www.w3.org/2001/XMLSchema-instance" xmlns:pc="http://schemas.microsoft.com/office/infopath/2007/PartnerControls">
-  <documentManagement/>
-</p:properties>
 </file>
 
 <file path=customXml/item3.xml><?xml version="1.0" encoding="utf-8"?>
@@ -17733,18 +17553,18 @@
 </file>
 
 <file path=customXml/itemProps1.xml><?xml version="1.0" encoding="utf-8"?>
-<ds:datastoreItem xmlns:ds="http://schemas.openxmlformats.org/officeDocument/2006/customXml" ds:itemID="{A345D2DA-A096-4BBF-9135-8FD4BD4C8C20}">
+<ds:datastoreItem xmlns:ds="http://schemas.openxmlformats.org/officeDocument/2006/customXml" ds:itemID="{C35D743B-B188-4C38-B82D-7FD8B3A77642}">
   <ds:schemaRefs>
-    <ds:schemaRef ds:uri="http://schemas.microsoft.com/sharepoint/v3/contenttype/forms"/>
+    <ds:schemaRef ds:uri="http://schemas.microsoft.com/office/2006/metadata/properties"/>
+    <ds:schemaRef ds:uri="http://schemas.microsoft.com/office/infopath/2007/PartnerControls"/>
   </ds:schemaRefs>
 </ds:datastoreItem>
 </file>
 
 <file path=customXml/itemProps2.xml><?xml version="1.0" encoding="utf-8"?>
-<ds:datastoreItem xmlns:ds="http://schemas.openxmlformats.org/officeDocument/2006/customXml" ds:itemID="{C35D743B-B188-4C38-B82D-7FD8B3A77642}">
+<ds:datastoreItem xmlns:ds="http://schemas.openxmlformats.org/officeDocument/2006/customXml" ds:itemID="{A345D2DA-A096-4BBF-9135-8FD4BD4C8C20}">
   <ds:schemaRefs>
-    <ds:schemaRef ds:uri="http://schemas.microsoft.com/office/2006/metadata/properties"/>
-    <ds:schemaRef ds:uri="http://schemas.microsoft.com/office/infopath/2007/PartnerControls"/>
+    <ds:schemaRef ds:uri="http://schemas.microsoft.com/sharepoint/v3/contenttype/forms"/>
   </ds:schemaRefs>
 </ds:datastoreItem>
 </file>

--- a/Git_1 part.pptx
+++ b/Git_1 part.pptx
@@ -167,8 +167,8 @@
 <p1510:revInfo xmlns:a="http://schemas.openxmlformats.org/drawingml/2006/main" xmlns:r="http://schemas.openxmlformats.org/officeDocument/2006/relationships" xmlns:p1510="http://schemas.microsoft.com/office/powerpoint/2015/10/main">
   <p1510:revLst>
     <p1510:client id="{4A3F3CD4-87AB-4CDB-98DA-5A2ADC992FE5}" v="1" dt="2022-10-03T11:17:20.651"/>
+    <p1510:client id="{9B9D4C16-5A73-44FC-B81C-E033F386BE81}" v="3" dt="2022-09-29T11:01:00.115"/>
     <p1510:client id="{7243DB7B-6519-4113-9313-0D5BD1DD6196}" v="1" dt="2022-10-06T06:08:40.457"/>
-    <p1510:client id="{9B9D4C16-5A73-44FC-B81C-E033F386BE81}" v="3" dt="2022-09-29T11:01:00.115"/>
     <p1510:client id="{A1854464-AA8C-4528-8FEA-3C375E66B42A}" v="7" dt="2022-10-06T09:52:16.683"/>
   </p1510:revLst>
 </p1510:revInfo>
@@ -9744,7 +9744,37 @@
                   </a:outerShdw>
                 </a:effectLst>
               </a:rPr>
-              <a:t>Клименко Артем </a:t>
+              <a:t>Клименко </a:t>
+            </a:r>
+            <a:r>
+              <a:rPr lang="uk-UA" b="1">
+                <a:solidFill>
+                  <a:srgbClr val="FFFF00"/>
+                </a:solidFill>
+                <a:effectLst>
+                  <a:outerShdw blurRad="38100" dist="38100" dir="2700000" algn="tl">
+                    <a:srgbClr val="000000">
+                      <a:alpha val="43137"/>
+                    </a:srgbClr>
+                  </a:outerShdw>
+                </a:effectLst>
+              </a:rPr>
+              <a:t>Артем Максимович</a:t>
+            </a:r>
+            <a:r>
+              <a:rPr lang="en-US" b="1">
+                <a:solidFill>
+                  <a:srgbClr val="FFFF00"/>
+                </a:solidFill>
+                <a:effectLst>
+                  <a:outerShdw blurRad="38100" dist="38100" dir="2700000" algn="tl">
+                    <a:srgbClr val="000000">
+                      <a:alpha val="43137"/>
+                    </a:srgbClr>
+                  </a:outerShdw>
+                </a:effectLst>
+              </a:rPr>
+              <a:t>(</a:t>
             </a:r>
             <a:r>
               <a:rPr lang="en-US" b="1" dirty="0">
@@ -9759,7 +9789,7 @@
                   </a:outerShdw>
                 </a:effectLst>
               </a:rPr>
-              <a:t>(PM)</a:t>
+              <a:t>PM)</a:t>
             </a:r>
             <a:br>
               <a:rPr lang="en-US" b="1" dirty="0">
@@ -18417,18 +18447,18 @@
 </file>
 
 <file path=customXml/item1.xml><?xml version="1.0" encoding="utf-8"?>
+<p:properties xmlns:p="http://schemas.microsoft.com/office/2006/metadata/properties" xmlns:xsi="http://www.w3.org/2001/XMLSchema-instance" xmlns:pc="http://schemas.microsoft.com/office/infopath/2007/PartnerControls">
+  <documentManagement/>
+</p:properties>
+</file>
+
+<file path=customXml/item2.xml><?xml version="1.0" encoding="utf-8"?>
 <?mso-contentType ?>
 <FormTemplates xmlns="http://schemas.microsoft.com/sharepoint/v3/contenttype/forms">
   <Display>DocumentLibraryForm</Display>
   <Edit>DocumentLibraryForm</Edit>
   <New>DocumentLibraryForm</New>
 </FormTemplates>
-</file>
-
-<file path=customXml/item2.xml><?xml version="1.0" encoding="utf-8"?>
-<p:properties xmlns:p="http://schemas.microsoft.com/office/2006/metadata/properties" xmlns:xsi="http://www.w3.org/2001/XMLSchema-instance" xmlns:pc="http://schemas.microsoft.com/office/infopath/2007/PartnerControls">
-  <documentManagement/>
-</p:properties>
 </file>
 
 <file path=customXml/item3.xml><?xml version="1.0" encoding="utf-8"?>
@@ -18576,18 +18606,18 @@
 </file>
 
 <file path=customXml/itemProps1.xml><?xml version="1.0" encoding="utf-8"?>
-<ds:datastoreItem xmlns:ds="http://schemas.openxmlformats.org/officeDocument/2006/customXml" ds:itemID="{A345D2DA-A096-4BBF-9135-8FD4BD4C8C20}">
+<ds:datastoreItem xmlns:ds="http://schemas.openxmlformats.org/officeDocument/2006/customXml" ds:itemID="{C35D743B-B188-4C38-B82D-7FD8B3A77642}">
   <ds:schemaRefs>
-    <ds:schemaRef ds:uri="http://schemas.microsoft.com/sharepoint/v3/contenttype/forms"/>
+    <ds:schemaRef ds:uri="http://schemas.microsoft.com/office/2006/metadata/properties"/>
+    <ds:schemaRef ds:uri="http://schemas.microsoft.com/office/infopath/2007/PartnerControls"/>
   </ds:schemaRefs>
 </ds:datastoreItem>
 </file>
 
 <file path=customXml/itemProps2.xml><?xml version="1.0" encoding="utf-8"?>
-<ds:datastoreItem xmlns:ds="http://schemas.openxmlformats.org/officeDocument/2006/customXml" ds:itemID="{C35D743B-B188-4C38-B82D-7FD8B3A77642}">
+<ds:datastoreItem xmlns:ds="http://schemas.openxmlformats.org/officeDocument/2006/customXml" ds:itemID="{A345D2DA-A096-4BBF-9135-8FD4BD4C8C20}">
   <ds:schemaRefs>
-    <ds:schemaRef ds:uri="http://schemas.microsoft.com/office/2006/metadata/properties"/>
-    <ds:schemaRef ds:uri="http://schemas.microsoft.com/office/infopath/2007/PartnerControls"/>
+    <ds:schemaRef ds:uri="http://schemas.microsoft.com/sharepoint/v3/contenttype/forms"/>
   </ds:schemaRefs>
 </ds:datastoreItem>
 </file>

--- a/Git_1 part.pptx
+++ b/Git_1 part.pptx
@@ -5,10 +5,10 @@
     <p:sldMasterId id="2147483851" r:id="rId4"/>
   </p:sldMasterIdLst>
   <p:notesMasterIdLst>
-    <p:notesMasterId r:id="rId36"/>
+    <p:notesMasterId r:id="rId38"/>
   </p:notesMasterIdLst>
   <p:handoutMasterIdLst>
-    <p:handoutMasterId r:id="rId37"/>
+    <p:handoutMasterId r:id="rId39"/>
   </p:handoutMasterIdLst>
   <p:sldIdLst>
     <p:sldId id="334" r:id="rId5"/>
@@ -40,8 +40,10 @@
     <p:sldId id="331" r:id="rId31"/>
     <p:sldId id="333" r:id="rId32"/>
     <p:sldId id="332" r:id="rId33"/>
-    <p:sldId id="335" r:id="rId34"/>
-    <p:sldId id="336" r:id="rId35"/>
+    <p:sldId id="338" r:id="rId34"/>
+    <p:sldId id="337" r:id="rId35"/>
+    <p:sldId id="335" r:id="rId36"/>
+    <p:sldId id="336" r:id="rId37"/>
   </p:sldIdLst>
   <p:sldSz cx="12192000" cy="6858000"/>
   <p:notesSz cx="6858000" cy="9144000"/>
@@ -5722,16 +5724,34 @@
           </a:bodyPr>
           <a:lstStyle/>
           <a:p>
+            <a:r>
+              <a:rPr lang="uk-UA" b="1" dirty="0">
+                <a:latin typeface="SchoolBookCTT" pitchFamily="2" charset="0"/>
+              </a:rPr>
+              <a:t/>
+            </a:r>
             <a:br>
               <a:rPr lang="uk-UA" b="1" dirty="0">
                 <a:latin typeface="SchoolBookCTT" pitchFamily="2" charset="0"/>
               </a:rPr>
             </a:br>
+            <a:r>
+              <a:rPr lang="uk-UA" sz="3600" b="1" dirty="0">
+                <a:latin typeface="SchoolBookCTT" pitchFamily="2" charset="0"/>
+              </a:rPr>
+              <a:t/>
+            </a:r>
             <a:br>
               <a:rPr lang="uk-UA" sz="3600" b="1" dirty="0">
                 <a:latin typeface="SchoolBookCTT" pitchFamily="2" charset="0"/>
               </a:rPr>
             </a:br>
+            <a:r>
+              <a:rPr lang="uk-UA" b="1" dirty="0">
+                <a:latin typeface="SchoolBookCTT" pitchFamily="2" charset="0"/>
+              </a:rPr>
+              <a:t/>
+            </a:r>
             <a:br>
               <a:rPr lang="uk-UA" b="1" dirty="0">
                 <a:latin typeface="SchoolBookCTT" pitchFamily="2" charset="0"/>
@@ -5754,6 +5774,15 @@
                 <a:latin typeface="SchoolBookCTT" pitchFamily="2" charset="0"/>
               </a:rPr>
             </a:br>
+            <a:r>
+              <a:rPr lang="uk-UA" b="1" dirty="0">
+                <a:solidFill>
+                  <a:srgbClr val="0070C0"/>
+                </a:solidFill>
+                <a:latin typeface="SchoolBookCTT" pitchFamily="2" charset="0"/>
+              </a:rPr>
+              <a:t/>
+            </a:r>
             <a:br>
               <a:rPr lang="uk-UA" b="1" dirty="0">
                 <a:solidFill>
@@ -5762,6 +5791,15 @@
                 <a:latin typeface="SchoolBookCTT" pitchFamily="2" charset="0"/>
               </a:rPr>
             </a:br>
+            <a:r>
+              <a:rPr lang="uk-UA" sz="2400" b="1" dirty="0">
+                <a:solidFill>
+                  <a:srgbClr val="FF0000"/>
+                </a:solidFill>
+                <a:latin typeface="SchoolBookCTT" pitchFamily="2" charset="0"/>
+              </a:rPr>
+              <a:t/>
+            </a:r>
             <a:br>
               <a:rPr lang="uk-UA" sz="2400" b="1" dirty="0">
                 <a:solidFill>
@@ -8757,7 +8795,7 @@
         </p:spPr>
         <p:txBody>
           <a:bodyPr>
-            <a:normAutofit/>
+            <a:normAutofit fontScale="90000"/>
           </a:bodyPr>
           <a:lstStyle/>
           <a:p>
@@ -9637,21 +9675,48 @@
           </a:bodyPr>
           <a:lstStyle/>
           <a:p>
+            <a:r>
+              <a:rPr lang="uk-UA" b="1" dirty="0">
+                <a:latin typeface="SchoolBookCTT" pitchFamily="2" charset="0"/>
+              </a:rPr>
+              <a:t/>
+            </a:r>
             <a:br>
               <a:rPr lang="uk-UA" b="1" dirty="0">
                 <a:latin typeface="SchoolBookCTT" pitchFamily="2" charset="0"/>
               </a:rPr>
             </a:br>
+            <a:r>
+              <a:rPr lang="uk-UA" sz="3600" b="1" dirty="0">
+                <a:latin typeface="SchoolBookCTT" pitchFamily="2" charset="0"/>
+              </a:rPr>
+              <a:t/>
+            </a:r>
             <a:br>
               <a:rPr lang="uk-UA" sz="3600" b="1" dirty="0">
                 <a:latin typeface="SchoolBookCTT" pitchFamily="2" charset="0"/>
               </a:rPr>
             </a:br>
+            <a:r>
+              <a:rPr lang="uk-UA" b="1" dirty="0">
+                <a:latin typeface="SchoolBookCTT" pitchFamily="2" charset="0"/>
+              </a:rPr>
+              <a:t/>
+            </a:r>
             <a:br>
               <a:rPr lang="uk-UA" b="1" dirty="0">
                 <a:latin typeface="SchoolBookCTT" pitchFamily="2" charset="0"/>
               </a:rPr>
             </a:br>
+            <a:r>
+              <a:rPr lang="uk-UA" b="1" dirty="0">
+                <a:solidFill>
+                  <a:srgbClr val="0070C0"/>
+                </a:solidFill>
+                <a:latin typeface="SchoolBookCTT" pitchFamily="2" charset="0"/>
+              </a:rPr>
+              <a:t/>
+            </a:r>
             <a:br>
               <a:rPr lang="uk-UA" b="1" dirty="0">
                 <a:solidFill>
@@ -9660,16 +9725,37 @@
                 <a:latin typeface="SchoolBookCTT" pitchFamily="2" charset="0"/>
               </a:rPr>
             </a:br>
+            <a:r>
+              <a:rPr lang="uk-UA" sz="3100" b="1" dirty="0">
+                <a:latin typeface="SchoolBookCTT" pitchFamily="2" charset="0"/>
+              </a:rPr>
+              <a:t/>
+            </a:r>
             <a:br>
               <a:rPr lang="uk-UA" sz="3100" b="1" dirty="0">
                 <a:latin typeface="SchoolBookCTT" pitchFamily="2" charset="0"/>
               </a:rPr>
             </a:br>
+            <a:r>
+              <a:rPr lang="uk-UA" sz="3100" b="1" dirty="0">
+                <a:latin typeface="SchoolBookCTT" pitchFamily="2" charset="0"/>
+              </a:rPr>
+              <a:t/>
+            </a:r>
             <a:br>
               <a:rPr lang="uk-UA" sz="3100" b="1" dirty="0">
                 <a:latin typeface="SchoolBookCTT" pitchFamily="2" charset="0"/>
               </a:rPr>
             </a:br>
+            <a:r>
+              <a:rPr lang="uk-UA" sz="2400" b="1" dirty="0">
+                <a:solidFill>
+                  <a:srgbClr val="FF0000"/>
+                </a:solidFill>
+                <a:latin typeface="SchoolBookCTT" pitchFamily="2" charset="0"/>
+              </a:rPr>
+              <a:t/>
+            </a:r>
             <a:br>
               <a:rPr lang="uk-UA" sz="2400" b="1" dirty="0">
                 <a:solidFill>
@@ -9721,11 +9807,23 @@
               </a:rPr>
               <a:t>Team members </a:t>
             </a:r>
+            <a:r>
+              <a:rPr lang="uk-UA" sz="1050" b="1" dirty="0">
+                <a:latin typeface="SchoolBookCTT" pitchFamily="2" charset="0"/>
+              </a:rPr>
+              <a:t/>
+            </a:r>
             <a:br>
               <a:rPr lang="uk-UA" sz="1050" b="1" dirty="0">
                 <a:latin typeface="SchoolBookCTT" pitchFamily="2" charset="0"/>
               </a:rPr>
             </a:br>
+            <a:r>
+              <a:rPr lang="uk-UA" sz="1050" b="1" dirty="0">
+                <a:latin typeface="SchoolBookCTT" pitchFamily="2" charset="0"/>
+              </a:rPr>
+              <a:t/>
+            </a:r>
             <a:br>
               <a:rPr lang="uk-UA" sz="1050" b="1" dirty="0">
                 <a:latin typeface="SchoolBookCTT" pitchFamily="2" charset="0"/>
@@ -9879,6 +9977,21 @@
               </a:rPr>
               <a:t>(Editor)</a:t>
             </a:r>
+            <a:r>
+              <a:rPr lang="uk-UA" b="1" dirty="0">
+                <a:solidFill>
+                  <a:srgbClr val="FFFF00"/>
+                </a:solidFill>
+                <a:effectLst>
+                  <a:outerShdw blurRad="38100" dist="38100" dir="2700000" algn="tl">
+                    <a:srgbClr val="000000">
+                      <a:alpha val="43137"/>
+                    </a:srgbClr>
+                  </a:outerShdw>
+                </a:effectLst>
+              </a:rPr>
+              <a:t/>
+            </a:r>
             <a:br>
               <a:rPr lang="uk-UA" b="1" dirty="0">
                 <a:solidFill>
@@ -9923,6 +10036,21 @@
               </a:rPr>
               <a:t>(Editor)</a:t>
             </a:r>
+            <a:r>
+              <a:rPr lang="uk-UA" b="1" dirty="0">
+                <a:solidFill>
+                  <a:srgbClr val="FFFF00"/>
+                </a:solidFill>
+                <a:effectLst>
+                  <a:outerShdw blurRad="38100" dist="38100" dir="2700000" algn="tl">
+                    <a:srgbClr val="000000">
+                      <a:alpha val="43137"/>
+                    </a:srgbClr>
+                  </a:outerShdw>
+                </a:effectLst>
+              </a:rPr>
+              <a:t/>
+            </a:r>
             <a:br>
               <a:rPr lang="uk-UA" b="1" dirty="0">
                 <a:solidFill>
@@ -9967,6 +10095,21 @@
               </a:rPr>
               <a:t>(Editor)</a:t>
             </a:r>
+            <a:r>
+              <a:rPr lang="uk-UA" b="1" dirty="0">
+                <a:solidFill>
+                  <a:srgbClr val="FFFF00"/>
+                </a:solidFill>
+                <a:effectLst>
+                  <a:outerShdw blurRad="38100" dist="38100" dir="2700000" algn="tl">
+                    <a:srgbClr val="000000">
+                      <a:alpha val="43137"/>
+                    </a:srgbClr>
+                  </a:outerShdw>
+                </a:effectLst>
+              </a:rPr>
+              <a:t/>
+            </a:r>
             <a:br>
               <a:rPr lang="uk-UA" b="1" dirty="0">
                 <a:solidFill>
@@ -10011,6 +10154,15 @@
               </a:rPr>
               <a:t>(Editor</a:t>
             </a:r>
+            <a:r>
+              <a:rPr lang="uk-UA" sz="1050" b="1" dirty="0">
+                <a:solidFill>
+                  <a:srgbClr val="0070C0"/>
+                </a:solidFill>
+                <a:latin typeface="SchoolBookCTT" pitchFamily="2" charset="0"/>
+              </a:rPr>
+              <a:t/>
+            </a:r>
             <a:br>
               <a:rPr lang="uk-UA" sz="1050" b="1" dirty="0">
                 <a:solidFill>
@@ -10019,16 +10171,37 @@
                 <a:latin typeface="SchoolBookCTT" pitchFamily="2" charset="0"/>
               </a:rPr>
             </a:br>
+            <a:r>
+              <a:rPr lang="uk-UA" sz="800" b="1" dirty="0">
+                <a:latin typeface="SchoolBookCTT" pitchFamily="2" charset="0"/>
+              </a:rPr>
+              <a:t/>
+            </a:r>
             <a:br>
               <a:rPr lang="uk-UA" sz="800" b="1" dirty="0">
                 <a:latin typeface="SchoolBookCTT" pitchFamily="2" charset="0"/>
               </a:rPr>
             </a:br>
+            <a:r>
+              <a:rPr lang="uk-UA" sz="2400" b="1" dirty="0">
+                <a:latin typeface="SchoolBookCTT" pitchFamily="2" charset="0"/>
+              </a:rPr>
+              <a:t/>
+            </a:r>
             <a:br>
               <a:rPr lang="uk-UA" sz="2400" b="1" dirty="0">
                 <a:latin typeface="SchoolBookCTT" pitchFamily="2" charset="0"/>
               </a:rPr>
             </a:br>
+            <a:r>
+              <a:rPr lang="uk-UA" b="1" dirty="0">
+                <a:solidFill>
+                  <a:srgbClr val="FF0000"/>
+                </a:solidFill>
+                <a:latin typeface="SchoolBookCTT" pitchFamily="2" charset="0"/>
+              </a:rPr>
+              <a:t/>
+            </a:r>
             <a:br>
               <a:rPr lang="uk-UA" b="1" dirty="0">
                 <a:solidFill>
@@ -15156,6 +15329,226 @@
       </p:grpSpPr>
       <p:sp>
         <p:nvSpPr>
+          <p:cNvPr id="2" name="Заголовок 1"/>
+          <p:cNvSpPr>
+            <a:spLocks noGrp="1"/>
+          </p:cNvSpPr>
+          <p:nvPr>
+            <p:ph type="title"/>
+          </p:nvPr>
+        </p:nvSpPr>
+        <p:spPr/>
+        <p:txBody>
+          <a:bodyPr/>
+          <a:lstStyle/>
+          <a:p>
+            <a:endParaRPr lang="en-US"/>
+          </a:p>
+        </p:txBody>
+      </p:sp>
+      <p:sp>
+        <p:nvSpPr>
+          <p:cNvPr id="3" name="Объект 2"/>
+          <p:cNvSpPr>
+            <a:spLocks noGrp="1"/>
+          </p:cNvSpPr>
+          <p:nvPr>
+            <p:ph idx="1"/>
+          </p:nvPr>
+        </p:nvSpPr>
+        <p:spPr/>
+        <p:txBody>
+          <a:bodyPr/>
+          <a:lstStyle/>
+          <a:p>
+            <a:endParaRPr lang="en-US"/>
+          </a:p>
+        </p:txBody>
+      </p:sp>
+      <p:sp>
+        <p:nvSpPr>
+          <p:cNvPr id="4" name="Нижний колонтитул 3"/>
+          <p:cNvSpPr>
+            <a:spLocks noGrp="1"/>
+          </p:cNvSpPr>
+          <p:nvPr>
+            <p:ph type="ftr" sz="quarter" idx="11"/>
+          </p:nvPr>
+        </p:nvSpPr>
+        <p:spPr/>
+        <p:txBody>
+          <a:bodyPr/>
+          <a:lstStyle/>
+          <a:p>
+            <a:endParaRPr lang="en-US"/>
+          </a:p>
+        </p:txBody>
+      </p:sp>
+      <p:sp>
+        <p:nvSpPr>
+          <p:cNvPr id="5" name="Номер слайда 4"/>
+          <p:cNvSpPr>
+            <a:spLocks noGrp="1"/>
+          </p:cNvSpPr>
+          <p:nvPr>
+            <p:ph type="sldNum" sz="quarter" idx="12"/>
+          </p:nvPr>
+        </p:nvSpPr>
+        <p:spPr/>
+        <p:txBody>
+          <a:bodyPr/>
+          <a:lstStyle/>
+          <a:p>
+            <a:fld id="{6D22F896-40B5-4ADD-8801-0D06FADFA095}" type="slidenum">
+              <a:rPr lang="en-US" smtClean="0"/>
+              <a:t>30</a:t>
+            </a:fld>
+            <a:endParaRPr lang="en-US"/>
+          </a:p>
+        </p:txBody>
+      </p:sp>
+    </p:spTree>
+    <p:extLst>
+      <p:ext uri="{BB962C8B-B14F-4D97-AF65-F5344CB8AC3E}">
+        <p14:creationId xmlns:p14="http://schemas.microsoft.com/office/powerpoint/2010/main" val="2762358593"/>
+      </p:ext>
+    </p:extLst>
+  </p:cSld>
+  <p:clrMapOvr>
+    <a:masterClrMapping/>
+  </p:clrMapOvr>
+</p:sld>
+</file>
+
+<file path=ppt/slides/slide31.xml><?xml version="1.0" encoding="utf-8"?>
+<p:sld xmlns:a="http://schemas.openxmlformats.org/drawingml/2006/main" xmlns:r="http://schemas.openxmlformats.org/officeDocument/2006/relationships" xmlns:p="http://schemas.openxmlformats.org/presentationml/2006/main">
+  <p:cSld>
+    <p:spTree>
+      <p:nvGrpSpPr>
+        <p:cNvPr id="1" name=""/>
+        <p:cNvGrpSpPr/>
+        <p:nvPr/>
+      </p:nvGrpSpPr>
+      <p:grpSpPr>
+        <a:xfrm>
+          <a:off x="0" y="0"/>
+          <a:ext cx="0" cy="0"/>
+          <a:chOff x="0" y="0"/>
+          <a:chExt cx="0" cy="0"/>
+        </a:xfrm>
+      </p:grpSpPr>
+      <p:sp>
+        <p:nvSpPr>
+          <p:cNvPr id="2" name="Заголовок 1"/>
+          <p:cNvSpPr>
+            <a:spLocks noGrp="1"/>
+          </p:cNvSpPr>
+          <p:nvPr>
+            <p:ph type="title"/>
+          </p:nvPr>
+        </p:nvSpPr>
+        <p:spPr/>
+        <p:txBody>
+          <a:bodyPr/>
+          <a:lstStyle/>
+          <a:p>
+            <a:endParaRPr lang="en-US"/>
+          </a:p>
+        </p:txBody>
+      </p:sp>
+      <p:sp>
+        <p:nvSpPr>
+          <p:cNvPr id="3" name="Объект 2"/>
+          <p:cNvSpPr>
+            <a:spLocks noGrp="1"/>
+          </p:cNvSpPr>
+          <p:nvPr>
+            <p:ph idx="1"/>
+          </p:nvPr>
+        </p:nvSpPr>
+        <p:spPr/>
+        <p:txBody>
+          <a:bodyPr/>
+          <a:lstStyle/>
+          <a:p>
+            <a:endParaRPr lang="en-US"/>
+          </a:p>
+        </p:txBody>
+      </p:sp>
+      <p:sp>
+        <p:nvSpPr>
+          <p:cNvPr id="4" name="Нижний колонтитул 3"/>
+          <p:cNvSpPr>
+            <a:spLocks noGrp="1"/>
+          </p:cNvSpPr>
+          <p:nvPr>
+            <p:ph type="ftr" sz="quarter" idx="11"/>
+          </p:nvPr>
+        </p:nvSpPr>
+        <p:spPr/>
+        <p:txBody>
+          <a:bodyPr/>
+          <a:lstStyle/>
+          <a:p>
+            <a:endParaRPr lang="en-US"/>
+          </a:p>
+        </p:txBody>
+      </p:sp>
+      <p:sp>
+        <p:nvSpPr>
+          <p:cNvPr id="5" name="Номер слайда 4"/>
+          <p:cNvSpPr>
+            <a:spLocks noGrp="1"/>
+          </p:cNvSpPr>
+          <p:nvPr>
+            <p:ph type="sldNum" sz="quarter" idx="12"/>
+          </p:nvPr>
+        </p:nvSpPr>
+        <p:spPr/>
+        <p:txBody>
+          <a:bodyPr/>
+          <a:lstStyle/>
+          <a:p>
+            <a:fld id="{6D22F896-40B5-4ADD-8801-0D06FADFA095}" type="slidenum">
+              <a:rPr lang="en-US" smtClean="0"/>
+              <a:t>31</a:t>
+            </a:fld>
+            <a:endParaRPr lang="en-US"/>
+          </a:p>
+        </p:txBody>
+      </p:sp>
+    </p:spTree>
+    <p:extLst>
+      <p:ext uri="{BB962C8B-B14F-4D97-AF65-F5344CB8AC3E}">
+        <p14:creationId xmlns:p14="http://schemas.microsoft.com/office/powerpoint/2010/main" val="168324620"/>
+      </p:ext>
+    </p:extLst>
+  </p:cSld>
+  <p:clrMapOvr>
+    <a:masterClrMapping/>
+  </p:clrMapOvr>
+</p:sld>
+</file>
+
+<file path=ppt/slides/slide32.xml><?xml version="1.0" encoding="utf-8"?>
+<p:sld xmlns:a="http://schemas.openxmlformats.org/drawingml/2006/main" xmlns:r="http://schemas.openxmlformats.org/officeDocument/2006/relationships" xmlns:p="http://schemas.openxmlformats.org/presentationml/2006/main">
+  <p:cSld>
+    <p:spTree>
+      <p:nvGrpSpPr>
+        <p:cNvPr id="1" name=""/>
+        <p:cNvGrpSpPr/>
+        <p:nvPr/>
+      </p:nvGrpSpPr>
+      <p:grpSpPr>
+        <a:xfrm>
+          <a:off x="0" y="0"/>
+          <a:ext cx="0" cy="0"/>
+          <a:chOff x="0" y="0"/>
+          <a:chExt cx="0" cy="0"/>
+        </a:xfrm>
+      </p:grpSpPr>
+      <p:sp>
+        <p:nvSpPr>
           <p:cNvPr id="2" name="Заголовок 1">
             <a:extLst>
               <a:ext uri="{FF2B5EF4-FFF2-40B4-BE49-F238E27FC236}">
@@ -15248,7 +15641,7 @@
           <a:p>
             <a:fld id="{6D22F896-40B5-4ADD-8801-0D06FADFA095}" type="slidenum">
               <a:rPr lang="en-US" smtClean="0"/>
-              <a:t>30</a:t>
+              <a:t>32</a:t>
             </a:fld>
             <a:endParaRPr lang="en-US"/>
           </a:p>
@@ -15713,7 +16106,7 @@
 </p:sld>
 </file>
 
-<file path=ppt/slides/slide31.xml><?xml version="1.0" encoding="utf-8"?>
+<file path=ppt/slides/slide33.xml><?xml version="1.0" encoding="utf-8"?>
 <p:sld xmlns:a="http://schemas.openxmlformats.org/drawingml/2006/main" xmlns:r="http://schemas.openxmlformats.org/officeDocument/2006/relationships" xmlns:p="http://schemas.openxmlformats.org/presentationml/2006/main">
   <p:cSld>
     <p:spTree>
@@ -15813,7 +16206,7 @@
           <a:p>
             <a:fld id="{6D22F896-40B5-4ADD-8801-0D06FADFA095}" type="slidenum">
               <a:rPr lang="en-US" smtClean="0"/>
-              <a:t>31</a:t>
+              <a:t>33</a:t>
             </a:fld>
             <a:endParaRPr lang="en-US"/>
           </a:p>
@@ -16168,7 +16561,7 @@
         </p:spPr>
         <p:txBody>
           <a:bodyPr>
-            <a:normAutofit/>
+            <a:normAutofit fontScale="90000"/>
           </a:bodyPr>
           <a:lstStyle/>
           <a:p>
@@ -18447,18 +18840,18 @@
 </file>
 
 <file path=customXml/item1.xml><?xml version="1.0" encoding="utf-8"?>
-<p:properties xmlns:p="http://schemas.microsoft.com/office/2006/metadata/properties" xmlns:xsi="http://www.w3.org/2001/XMLSchema-instance" xmlns:pc="http://schemas.microsoft.com/office/infopath/2007/PartnerControls">
-  <documentManagement/>
-</p:properties>
-</file>
-
-<file path=customXml/item2.xml><?xml version="1.0" encoding="utf-8"?>
 <?mso-contentType ?>
 <FormTemplates xmlns="http://schemas.microsoft.com/sharepoint/v3/contenttype/forms">
   <Display>DocumentLibraryForm</Display>
   <Edit>DocumentLibraryForm</Edit>
   <New>DocumentLibraryForm</New>
 </FormTemplates>
+</file>
+
+<file path=customXml/item2.xml><?xml version="1.0" encoding="utf-8"?>
+<p:properties xmlns:p="http://schemas.microsoft.com/office/2006/metadata/properties" xmlns:xsi="http://www.w3.org/2001/XMLSchema-instance" xmlns:pc="http://schemas.microsoft.com/office/infopath/2007/PartnerControls">
+  <documentManagement/>
+</p:properties>
 </file>
 
 <file path=customXml/item3.xml><?xml version="1.0" encoding="utf-8"?>
@@ -18606,18 +18999,18 @@
 </file>
 
 <file path=customXml/itemProps1.xml><?xml version="1.0" encoding="utf-8"?>
-<ds:datastoreItem xmlns:ds="http://schemas.openxmlformats.org/officeDocument/2006/customXml" ds:itemID="{C35D743B-B188-4C38-B82D-7FD8B3A77642}">
+<ds:datastoreItem xmlns:ds="http://schemas.openxmlformats.org/officeDocument/2006/customXml" ds:itemID="{A345D2DA-A096-4BBF-9135-8FD4BD4C8C20}">
   <ds:schemaRefs>
-    <ds:schemaRef ds:uri="http://schemas.microsoft.com/office/2006/metadata/properties"/>
-    <ds:schemaRef ds:uri="http://schemas.microsoft.com/office/infopath/2007/PartnerControls"/>
+    <ds:schemaRef ds:uri="http://schemas.microsoft.com/sharepoint/v3/contenttype/forms"/>
   </ds:schemaRefs>
 </ds:datastoreItem>
 </file>
 
 <file path=customXml/itemProps2.xml><?xml version="1.0" encoding="utf-8"?>
-<ds:datastoreItem xmlns:ds="http://schemas.openxmlformats.org/officeDocument/2006/customXml" ds:itemID="{A345D2DA-A096-4BBF-9135-8FD4BD4C8C20}">
+<ds:datastoreItem xmlns:ds="http://schemas.openxmlformats.org/officeDocument/2006/customXml" ds:itemID="{C35D743B-B188-4C38-B82D-7FD8B3A77642}">
   <ds:schemaRefs>
-    <ds:schemaRef ds:uri="http://schemas.microsoft.com/sharepoint/v3/contenttype/forms"/>
+    <ds:schemaRef ds:uri="http://schemas.microsoft.com/office/2006/metadata/properties"/>
+    <ds:schemaRef ds:uri="http://schemas.microsoft.com/office/infopath/2007/PartnerControls"/>
   </ds:schemaRefs>
 </ds:datastoreItem>
 </file>

--- a/Git_1 part.pptx
+++ b/Git_1 part.pptx
@@ -2803,6 +2803,109 @@
 </p:notes>
 </file>
 
+<file path=ppt/notesSlides/notesSlide5.xml><?xml version="1.0" encoding="utf-8"?>
+<p:notes xmlns:a="http://schemas.openxmlformats.org/drawingml/2006/main" xmlns:r="http://schemas.openxmlformats.org/officeDocument/2006/relationships" xmlns:p="http://schemas.openxmlformats.org/presentationml/2006/main">
+  <p:cSld>
+    <p:spTree>
+      <p:nvGrpSpPr>
+        <p:cNvPr id="1" name=""/>
+        <p:cNvGrpSpPr/>
+        <p:nvPr/>
+      </p:nvGrpSpPr>
+      <p:grpSpPr>
+        <a:xfrm>
+          <a:off x="0" y="0"/>
+          <a:ext cx="0" cy="0"/>
+          <a:chOff x="0" y="0"/>
+          <a:chExt cx="0" cy="0"/>
+        </a:xfrm>
+      </p:grpSpPr>
+      <p:sp>
+        <p:nvSpPr>
+          <p:cNvPr id="2" name="Образ слайда 1"/>
+          <p:cNvSpPr>
+            <a:spLocks noGrp="1" noRot="1" noChangeAspect="1"/>
+          </p:cNvSpPr>
+          <p:nvPr>
+            <p:ph type="sldImg"/>
+          </p:nvPr>
+        </p:nvSpPr>
+        <p:spPr/>
+      </p:sp>
+      <p:sp>
+        <p:nvSpPr>
+          <p:cNvPr id="3" name="Заметки 2"/>
+          <p:cNvSpPr>
+            <a:spLocks noGrp="1"/>
+          </p:cNvSpPr>
+          <p:nvPr>
+            <p:ph type="body" idx="1"/>
+          </p:nvPr>
+        </p:nvSpPr>
+        <p:spPr/>
+        <p:txBody>
+          <a:bodyPr/>
+          <a:lstStyle/>
+          <a:p>
+            <a:endParaRPr lang="en-US" dirty="0"/>
+          </a:p>
+        </p:txBody>
+      </p:sp>
+      <p:sp>
+        <p:nvSpPr>
+          <p:cNvPr id="4" name="Верхний колонтитул 3"/>
+          <p:cNvSpPr>
+            <a:spLocks noGrp="1"/>
+          </p:cNvSpPr>
+          <p:nvPr>
+            <p:ph type="hdr" sz="quarter" idx="10"/>
+          </p:nvPr>
+        </p:nvSpPr>
+        <p:spPr/>
+        <p:txBody>
+          <a:bodyPr/>
+          <a:lstStyle/>
+          <a:p>
+            <a:endParaRPr lang="ru-RU"/>
+          </a:p>
+        </p:txBody>
+      </p:sp>
+      <p:sp>
+        <p:nvSpPr>
+          <p:cNvPr id="5" name="Номер слайда 4"/>
+          <p:cNvSpPr>
+            <a:spLocks noGrp="1"/>
+          </p:cNvSpPr>
+          <p:nvPr>
+            <p:ph type="sldNum" sz="quarter" idx="11"/>
+          </p:nvPr>
+        </p:nvSpPr>
+        <p:spPr/>
+        <p:txBody>
+          <a:bodyPr/>
+          <a:lstStyle/>
+          <a:p>
+            <a:fld id="{C83854A3-6714-4526-AEDE-747CDFA70004}" type="slidenum">
+              <a:rPr lang="ru-RU" smtClean="0"/>
+              <a:t>31</a:t>
+            </a:fld>
+            <a:endParaRPr lang="ru-RU"/>
+          </a:p>
+        </p:txBody>
+      </p:sp>
+    </p:spTree>
+    <p:extLst>
+      <p:ext uri="{BB962C8B-B14F-4D97-AF65-F5344CB8AC3E}">
+        <p14:creationId xmlns:p14="http://schemas.microsoft.com/office/powerpoint/2010/main" val="449984847"/>
+      </p:ext>
+    </p:extLst>
+  </p:cSld>
+  <p:clrMapOvr>
+    <a:masterClrMapping/>
+  </p:clrMapOvr>
+</p:notes>
+</file>
+
 <file path=ppt/slideLayouts/slideLayout1.xml><?xml version="1.0" encoding="utf-8"?>
 <p:sldLayout xmlns:a="http://schemas.openxmlformats.org/drawingml/2006/main" xmlns:r="http://schemas.openxmlformats.org/officeDocument/2006/relationships" xmlns:p="http://schemas.openxmlformats.org/presentationml/2006/main" type="title" preserve="1">
   <p:cSld name="Титульный слайд">
@@ -15329,44 +15432,6 @@
       </p:grpSpPr>
       <p:sp>
         <p:nvSpPr>
-          <p:cNvPr id="2" name="Заголовок 1"/>
-          <p:cNvSpPr>
-            <a:spLocks noGrp="1"/>
-          </p:cNvSpPr>
-          <p:nvPr>
-            <p:ph type="title"/>
-          </p:nvPr>
-        </p:nvSpPr>
-        <p:spPr/>
-        <p:txBody>
-          <a:bodyPr/>
-          <a:lstStyle/>
-          <a:p>
-            <a:endParaRPr lang="en-US"/>
-          </a:p>
-        </p:txBody>
-      </p:sp>
-      <p:sp>
-        <p:nvSpPr>
-          <p:cNvPr id="3" name="Объект 2"/>
-          <p:cNvSpPr>
-            <a:spLocks noGrp="1"/>
-          </p:cNvSpPr>
-          <p:nvPr>
-            <p:ph idx="1"/>
-          </p:nvPr>
-        </p:nvSpPr>
-        <p:spPr/>
-        <p:txBody>
-          <a:bodyPr/>
-          <a:lstStyle/>
-          <a:p>
-            <a:endParaRPr lang="en-US"/>
-          </a:p>
-        </p:txBody>
-      </p:sp>
-      <p:sp>
-        <p:nvSpPr>
           <p:cNvPr id="4" name="Нижний колонтитул 3"/>
           <p:cNvSpPr>
             <a:spLocks noGrp="1"/>
@@ -15380,7 +15445,7 @@
           <a:bodyPr/>
           <a:lstStyle/>
           <a:p>
-            <a:endParaRPr lang="en-US"/>
+            <a:endParaRPr lang="en-US" dirty="0"/>
           </a:p>
         </p:txBody>
       </p:sp>
@@ -15407,6 +15472,402 @@
           </a:p>
         </p:txBody>
       </p:sp>
+      <p:sp>
+        <p:nvSpPr>
+          <p:cNvPr id="7" name="AutoShape 2" descr="изображение"/>
+          <p:cNvSpPr>
+            <a:spLocks noChangeAspect="1" noChangeArrowheads="1"/>
+          </p:cNvSpPr>
+          <p:nvPr/>
+        </p:nvSpPr>
+        <p:spPr bwMode="auto">
+          <a:xfrm>
+            <a:off x="1377706" y="613529"/>
+            <a:ext cx="2381250" cy="2381250"/>
+          </a:xfrm>
+          <a:prstGeom prst="rect">
+            <a:avLst/>
+          </a:prstGeom>
+          <a:noFill/>
+          <a:extLst>
+            <a:ext uri="{909E8E84-426E-40DD-AFC4-6F175D3DCCD1}">
+              <a14:hiddenFill xmlns:a14="http://schemas.microsoft.com/office/drawing/2010/main">
+                <a:solidFill>
+                  <a:srgbClr val="FFFFFF"/>
+                </a:solidFill>
+              </a14:hiddenFill>
+            </a:ext>
+          </a:extLst>
+        </p:spPr>
+        <p:txBody>
+          <a:bodyPr vert="horz" wrap="square" lIns="91440" tIns="45720" rIns="91440" bIns="45720" numCol="1" anchor="t" anchorCtr="0" compatLnSpc="1">
+            <a:prstTxWarp prst="textNoShape">
+              <a:avLst/>
+            </a:prstTxWarp>
+          </a:bodyPr>
+          <a:lstStyle/>
+          <a:p>
+            <a:endParaRPr lang="en-US"/>
+          </a:p>
+        </p:txBody>
+      </p:sp>
+      <p:sp>
+        <p:nvSpPr>
+          <p:cNvPr id="9" name="AutoShape 6" descr="data:image/jpeg;base64,/9j/4AAQSkZJRgABAQEAYABgAAD/2wBDAAgGBgcGBQgHBwcJCQgKDBQNDAsLDBkSEw8UHRofHh0aHBwgJC4nICIsIxwcKDcpLDAxNDQ0Hyc5PTgyPC4zNDL/2wBDAQkJCQwLDBgNDRgyIRwhMjIyMjIyMjIyMjIyMjIyMjIyMjIyMjIyMjIyMjIyMjIyMjIyMjIyMjIyMjIyMjIyMjL/wAARCAE0AyADASIAAhEBAxEB/8QAHwAAAQUBAQEBAQEAAAAAAAAAAAECAwQFBgcICQoL/8QAtRAAAgEDAwIEAwUFBAQAAAF9AQIDAAQRBRIhMUEGE1FhByJxFDKBkaEII0KxwRVS0fAkM2JyggkKFhcYGRolJicoKSo0NTY3ODk6Q0RFRkdISUpTVFVWV1hZWmNkZWZnaGlqc3R1dnd4eXqDhIWGh4iJipKTlJWWl5iZmqKjpKWmp6ipqrKztLW2t7i5usLDxMXGx8jJytLT1NXW19jZ2uHi4+Tl5ufo6erx8vP09fb3+Pn6/8QAHwEAAwEBAQEBAQEBAQAAAAAAAAECAwQFBgcICQoL/8QAtREAAgECBAQDBAcFBAQAAQJ3AAECAxEEBSExBhJBUQdhcRMiMoEIFEKRobHBCSMzUvAVYnLRChYkNOEl8RcYGRomJygpKjU2Nzg5OkNERUZHSElKU1RVVldYWVpjZGVmZ2hpanN0dXZ3eHl6goOEhYaHiImKkpOUlZaXmJmaoqOkpaanqKmqsrO0tba3uLm6wsPExcbHyMnK0tPU1dbX2Nna4uPk5ebn6Onq8vP09fb3+Pn6/9oADAMBAAIRAxEAPwD3+iiigAooooAKKKKACiiigAooooAKKKKACiiigAooooAKKKKACiiigAooooAKKKKACiiigAooooAKKKKACiiigAooooAKKKKACiiigAooooAKKKKACiiigAooooAKKKKACiiigAooooAKKKKACiiigAooooAKKKKACiiigAooooAKKKKACiiigAooooAKKKKACiiigAooooAKKKKACiiigAooooAKKKKACiiigAooooAKKKKACiiigAooooAKKKKACiiigAooooAKKKKACiiigAoqnd6rp9hKkV5ewQSOCVWRwpIHXGaE1Wxl01tQhuY5rRVLGWNtwwOvSgC5RVNtVs00v+0pJlS0KeZ5jelLpmpWur6fFfWb77eUZRsYzQBbooooAKKKKACimSSRxLukdUXOMscUJLHLu8uRH2nB2tnFAD6KKKACiiigAooooAKKKKACiiigAooooAKKKKACiiigAooooAKKKKACiiigAooooAKKKKAColuYXu5LVXzNGiyOmDwrFgD+JVvyqWsi3/5G7Uf+vK2/9DnoA16KKKAM2LxBpM+ofYIr+Brre0flBuSy53D6jB49jWlXIWDedcaTaqPmTUb+6Y9cKskqfqZBz7V19ABRTVdHLBWVipw2DnB9KdQAUUUUAFFFFABRRRQAUUUUAFFFFABRRRQAUUUUAFFFFABRRRQAUUUUAFFFFABRRRQAUUUUAFFFFABRRRQAUUUUAFFFFABRRRQAUUUUAFFFFABRRRQAUUUUAFFFFABRRRQAUUUUAFFFFABUVzcRWlrLczNtiiUu59AOtS0jKroUdQykYII4NAHEj4n6QFtriW0vYtOuZRFFevERGzE4FXvE82rW0U9/Dq1vY6ZDblwTHudpO34Vz/iWI+N9Wg8LabGqaTp8yTX9yowoZTlY19/WtTxV4Z1vWNSsHsrm0/s+zAZbadSVeQdGOOuKAKcWlah4utvDeparYQK8atLcbhg5/h49D1pLLwfqMvgm50u58yzuA8rRrbS4Emc4z7e1dno8WoQaXDHqk8c14AfMeJdqnnsKv0Acrovh+bRPCjWx+0X1w0ABgmkDANjGBngCp/BNpf6f4dhsdQs/s0sJP8YYNkk8Yro6KACiiigDl9S+IXhvS7ua2nvmaSA4mMUbOsX+8QMCr19qN/d6ZZ3Xhxba7W4cHzXfCrGf4h6/SsDxnLYaPpFzpWl2EUmra0SiQIvMhPBdvYVA/h3X/D/w20/w9oZWa7RRHPKX2lVPLbT69qAM+9v9U8a+Hda0w2CS3dnerbJPbt8jDI3OPoK2vB+jXWjeJNaRrKaO0kMYglZ8q6hQCfqTWh4OttSsrOS1u9Lg0+1iAEMcb72Y/wATMfUmumoAKKKKACiiigAooooACcDJri7j4naDAJplS7lsreXypryOEmKNs4wTXaV55432Xtq3gjQLWL7XfndclFAS3jJyzt7mgDR8b+KdS0bw0uraJBbzwMFYzSNwAxA4Hep/EHiG9tbjQ9LsPLW91UkCWQZEYC5JxVHxV4X1S78EW/hrRo4HRURGmnk27dpB6Y5zipNU0DWb9dC1WOG2j1XSnP8Ao5lykqkYI3Y4oAyk8faoyJo5igGtHUfsBkwfLx134+nat7wvr97qlxrWkakEF5ps3lGWHgSKRkN7GsJ/AGpCGPVkmgOuLqP29kJ/dnt5efp3rofDHh+802bV9TvzGdQ1ObzXjjOUjAGFUHv9aAMPw14r/sjwlNdatcz3cn9oyWsAJ3O53YVRWs/xB062t9SN/bXFpc6eqtLbuMsQxwpHrk1gReBNafw6sEjWsV/a6ob+3w5ZHGc7W44qh4y0bUItI17XtUihW81COG0jtoiXWNVbOS39e1AHZ6R40XVPEEmivpV3bXMcInYyY27D0NULv4mWVpe6lZvpV/5+noJZU2D/AFf976VjeAbuS18Uvp02nxPLNaiRr+G5MwAXohPb6Ve1HwRqt5YeLXWeEX2ruqwtnhYl6KT2zQB3WnX0Wp6db30GfKnjEibhzg1ZrO0O3u7TRrW3vRCs0cYUrD91cDGBWjQAUUUUAFFFFABRRRQBBd31pYRCW8uoLaMnaHmkCAn0yaqQeINJurtLa31CCaR/u+W25WPoGHGfbOadd6e1zrNheZTy7ZJVZWHJL7cY/wC+TVXXVVbnQwAAP7RXgD/plJQBp3kM9xbGO3umtZCRiVUViPwYEVyepWWrWWs2pt9Tvbu7u4njIUQQrsTB5Ow8/McemTXZ1Fc+f9lm+y+X9o2N5Xm52bscbsc4z1xQBh+GpJvtGoW12L0XduyBxc3ImUqy5UqVAHrnIB49MV0Nc3odl4hsTu1CPTbi4ncNdXUdw6lsdAqeXgADgDP1OSTXSUAcx4etlsvEOrwXFyDdFt8MBABEDSO+8dyC8jA/7ormPs01x4916Q6XdThtTsjaXyKzJGEEIlUHooGHzz1yK9Bv9JsNUCfbbWOYp91iMMvqARzip7S0t7G2S3tYlihT7qrQBx/hX7Rp3ifXNNvzaCfUp31IR28xZoshI9jcDnaFbP8AtfjUtvp3iRtKuGk1C4gNl5sdlCjqz3Oxm8t5nZSfmAHAPTnOTxYSzvovG7zixl8iSYv9qDKY/LaBVIIzuDB4k7dD+XU0AZuk65p+sxhrG5SfEUcrmPkLvGQCexxzjrWlVWy02y01ZlsbWG3WeVp5REgUPI2MscdzgVaoAKKKKACiiigAooooAKKKKACiiigAooooAKKKKACiiigAooooAKKKKACiiigAooooAKKKKACiiigAooooAKKKKACiiigAooooAKKKKACiorqD7TaTQeY0fmxsm9DyuRjI965PWvDek2Wj/ZrW0kfUZ0MFqUlfeZMYDn5uAPvE9qANrxHJMmmwpBcS27TXdvCZIiAwVpVBxkHsTTNNudQh1q50q+mjuVSBZ4bgLtdlYkFXUDGQQcEdsd+sviK3mn0K4NtE8t1CBPbomMtKhDIOePvAdaq+Gg+oQDXrqZXu7yJVaKMjZbAdYh6kNu3E85z0HAAN+iuS8XXUs2p6XpYSd9PLNc6mYGZWSFeFyR/CXIJAOSFPYGotTstJttCub3Qbto5Y2QBrO8Yhm3DAYBiG69D60AdlRWF4g0SXVbi0njEEy26yK1tO7oshbbg7lPBG09QeprI8JX2pyeItUsbyB7O2gjTy7e4uzPI7nkuhb5gmCox0z0wc0AdlJIkUbSSOqRoCzMxwAB1JNVrPVdO1FnWxv7W6ZACwgmV9oPTODxXNqja54i1PRL/dNZW0ouZYXGVdGVREnoVysrFfULng1pxoieNpAiKo/s1Ogx/y0agDcopGdVKhmALHCgnqcZwPwBpaACoL2GW4sZ4YJjDLIhVZAM7CR1qeigDy2y+FmuWFmbKDxndJaNJ5kkawgFyTk5PWvT4Y/KgjjyTsULk98U+igAooooAKKKKACiiigDzO58G+NV8WX+u2Ws6YJLgeXF50LMYY+wHpXbeG7HU9O0SG31e9W9vgSZZlGAxJ7VrUUAFFFFABRRRQAUUUUAFFFFACNnadvXHFeaQfDzxPZ3upXVp4s8uXUJC8shtwWx2APoBXplFAFHR7GXTdItrOa4a4liQK0zdXPrV6iigAooooAKbJGkqFJEV0PVWGQadRQBDBZ21qCLe3ihz18tAufyqaiigAooooAKKKKACiiigAooooAz77VFtpxaW0Rur9l3rbowBC5I3sT91cg898cAmorXTJ5LpL7VJxNcIcxQx5EMH0H8Tckbj68AVVg0bVbO7u7i31GxMlzIWeWayZpCuSUUsJQCFBwMAfqasfZ/EP/QT03/wAf/49QBr0VQ0y0vLVLhr6/wDtc00pkysflpGMABVXJwOM9Tkkmr9ABRRRQAUUUUAFFFFABRRRQAUUUUAFFFFABRRRQAUUUUAFFFFABRRRQAUUUUAFFFFABRRRQAUUUUAFFFFABRRRQAUUUUAFFFFABRRRQAUUUUAFFFFABRRRQAVi3Zvr3XnsbfUJLKG3tkmcxRIzSF2cAZcEADZ2HO7252qr/ZYIr2a/ORI8SRuxbjapYj/0NqAM6za9stb+wXV9Jexz27TQvIiKyFGVWB2KAQd6kfjSXXhi0utXl1P7VqEN1JGI2MN26rtHYLnA/Ac0yynOseIE1G1AOnW1vLbrMc/vnZ0JKdigEf3uhJ46Vu0AVLCxFhE0Yubmfc27dcSmQj2BPaqCeH5Laa4ax1i+tYp5mnaFFidVduW27kJAJycZ6k1tUUAU9P05LBZW82SeeZt808uNznGBnAAGAAMACkbRtLe4juG060M8RBjkMC7kI5BBxxV2igDO1XU2sDawwWzXN1dy+VDHu2rkKWJZsHAAU9jzisTTtNktvHQu76ZbjUZ9L2zSqu1AFlBCovZRuPuc5NbGr2N3czWN1ZND59pIzqkxIVwyFTkjJHXPSnaXYzwGa7v3jkv7g/vDHnYij7qLnnAHPuST3oA0cDJOOvWs7UtIXULm1uo7u4tLq2LeXNBtyVYYZSGBBB4PI6gVpUUAZtno6294b25up72627Eln2jy154VVAUZycnGTwM4ArSoooAKKKKACiiigAooooAKKKKACiiigAooooAKKKKACiiigAooooAKKKKACiiigAooooAKKKKACiiigAooooAKKKKACiiigAooooAKKKKACiiigAooooAKKKKACisfXPEln4flsVvI5it5MII3jXIDHpn0rYoAKKKKACiiigAooooAKKKKACiiigAooooAKKKKACiiigAooooAKKKKACiiigAooooAKKKKACiiigAooooAKKKKACiiigAooooAKKKKACiiigArkrrVdM1rWrizutVsk02wkCSwNMgNxMOSrZP3VOOO5BB44PW1A9laSOXe1hZj1LRgk0AOt7i3uIFktpopYTwrRsGU444IpYJ4rmCOeCRZIpFDI6nIYHoQaoTeHdEuJTJNpFjJIerNboSf0rQiijt4UhhjSOKNQqIi4VQOgAHQUAPooooAKKKKACiiigAooooAKKKKACiiigAooooAKKKKACiiigAooooAKKKKACiiigAooooAKKKKACiiigAooooAKKKKACiiigAooooAKKKKACiiigAooooAKKKKACiiigArO1jW9P0K0FxqFwIkZtqDGWdvQDua0a850o/8JT8VdUurn95Z6IiwW0bfdEp+82PWgD0SNxLEkgBAZQwBGDzWD4l8V2/hv7OjWlzeTzk7YbZdz4HU4rUh1XT7m+ksoLyCS6iG54kcFlHuK5iEyal8QtSu4AJBptmIIwTx5rcmgCL/AIWXbY/5AOt/+AjVoWHjvSrryRdRXWnmeQxxfbITGGb0ya5TxFq/jXwv4fh8QX99bGb7SqSackY27WbAAbqTXc63pcPibwtNa3EWDcQblB6xvjII9CDQBz3xNZRb6DuYAHVIe/vXNapfXGoXfja4v9UuLO40ohbGNJCuxQMhgO+TXR+Apbbxh4Msn1m2jurqwla3LSrk7kON314rq7vw/pF9dJdXWn28s6ABXdMnjp9aAPHtQ1XWNUvnt7ye4M7aXE0KwziLyZWH3mz1z1rrvEFjPpXwlCzalc/bYYQ3mxTcySngZPcZNTa58PZdS8QX+pK9lOt5EsYW6QkwYGPkxXRaH4XtNJ8L2mhzk3sMAHMwzuOc/oaAOM0CS403x1p9leavPJK2mq1yJ5OJJG6BRXqFU20qwfUEv2tITdxrsSYr8wHpmrlABRRRQAUUUyVWeF0VirMpAYdvegBfMTdt3ru9M81hXHiX7N4ytfD72jH7TA0yThuOOoxXnvjnw4nhzwxHJb6nfXPiSe6X7LL5h3yMW5UL6AVr6hNcL8RPD6zN/pw0qRXIU4EpHHPTrQB6N58Jk8vzY/M/u7hn8qR7q3jfY88Sv/dLgGvD7aIyeHrJUS4/4S8aoTIcN5gG7kntsxWfPFaatq+pWWoXlrH/AMTZXa+uJGEgUYymOmKAPUp7q6g+JVlA+ps9tPbO4t8gIuOn41Q8XarLca5HaQ6i8FmunT3KPC+N8q9Bnvj0rro9C0hpIbpbKB5EUCOXGTjHGDU0ui6bPFHFLYwOkbFkUp90nrQB5xe6vqV7bk3d7PaSW+kx3UJRtvmSn19fp71s319qK6v4XuJ9RaJLoAS2owoJ25JPrzXYXOlWF40TXNpFKYv9WWX7tMu9F0y+nWe6soZpU+6zrkj6UAXHljiAMkioDwCxxQssbsVSRGYdQGyRXE/FOxjvPCawLE7XDzxxQFM5Qkjnj2rN8OW9tpHxMu7KNbhStnHHkhm81sZLk9KAPS6KKKACiiigAooooAKKKKACiiigAooooAKKKKACivL/ABJP4ji+JWk6XpmtSD7YjvNGUGyGIdwO5rU+Hd7qVzf+I7e71CW+tbS+8m3llHzdOR+dAHeVna5rdl4e0uTUb9mWCMgHapJJPQAVT1e51+LXdMi020il0+Rj9skdsGMdsVsXKwGBjciMxINzeYBgY780AcvYePrC61u10m6tLuxubtN9sLhMCUe1Vb34irZanqGnnQ7557OIz4BUB4x1b2/Gs+ytn8c+OLXxEVMWi6QWSyYjBuJOhYf7PpWpe+Dbu7l8TTm8QTarEIYDt/1SAdD9aAOm0jUo9Y0i11GJGSO5jEiq3UZ9au1leHNPutK0G1sbyaOWWBAm6NcKABgAVq0AFFFRXVwLW0luGVnEaFiqjJOOwoAw/EnjPS/C9zp9teuxnvphFFGnJ57n2rL8TSzQ+O/DHlXEsaSvIkkathXGM8ivKfE+rLqH2LXtUt7qPUpdUj2QNCQIYFPCj3NesTWN34rvvD/iC0YWtvasztBcxkSMDx+FAEc/xHgijur2PTLiXSrS5+zTXgYYVs4J29SAaj1f4kx6e+pta6TPe2+mlFuJEkVeXAIwD161Xf4e3/8AZ1/oceowjRr27Ny+UPmqC2SgPTqOtcbqdvMniLX79ba2b7PKiw2dyHDT7AAMAcH2zQB6V4g8aHw/4etdYn0q4khlCmRUYZiDYxn1PPapdC8XrrWuXelPp09pNbwpMDIQQyN06dDUGp6NdeMPD+i+ftsQskVzc25XPTnZ+dSaX4Zv9O8aatrJvYntb/YfK2fOu0Yxn0oA6miiigAooooAKKKKACiiigAooooAKKKKACiiigAooooAKKKKACiiigAooooAKKKKACiiigAooooAKKKKACiiigAooooAKKKKACiiigAooooAKKKKACiiigArzj4cfu/FfjSB/wDWjUN5z1wRxXo9cBq1nc+E/HD+KLa3kn02/iEN/HCu5o2HSTHcUAZPjyxj8D69p3jfTLYRwRsYdRjiH30box9ea6fwFD5PhmXV7g4fUpXvpGPZW5H5CuivLKy1vTGtryBZ7S4QFo3HDA81LHaQRWa2iRKLdU2CPsF6YoA8mbxXoHifWX1vW9Ut4tF0uU/Y7ItlppBx5jDvz0FetQXEdzZR3MZ/dyRh1zxwRmsj/hDfDe7d/YllnOf9UKp+L9VuLHTRpGk2ks2pXkZit1RDsjHQsx6ACgDB+DgLaBqk4/1cupTFPwY16PWL4T0CPwz4as9LRtzRLmR/7znlj+dbVABRRRQAUUUUAFFFFABTJZBFC8hBIVScDqafRQB4pa+K7o6/ea9q3hvVrrUY2aLT4BB+6hTsc+p7mvYNOle70+2uri3EU8kYZkI5UkdKt0UAM8qPcW2KGIwWA5/OuKb4a2bW1xYG8kOn3ExmkiKAsSTk/N1ruKKAI4II7a3jgiGI41CKPQCpKKKACiiigBCAeoBpNi7t20bvXHNOooAKKKKACiiigAooooAKKKKACiiigAooooAKKKKAOej8LIvjefxLJcs8j2wt44scRjuQfeqnhfwW3hvUb24GqTzwzyvIkBGFUsckn1NdZRQAVieK9Dm8SeHrjSor17PzxtaVBk7e4rbooA8+0n4faxYXenfaPFdzcWNiwKWoiCKcdBxXoNFFABRRRQAUUUUAcv4x8Iv4rSwjF8bVLScXA2pncw6V00YZY1DsGYDkgYyadRQAVG1vC8gkaJGcdGKjNSUUAFFFFABRRRQAUUUUAFFFFABRRRQAUUUUAFFFFABRRRQAUUUUAFFFFABRRRQAUUUUAFFFFABRRRQAUUUUAFFFFABRRRQAUUUUAFFFFABRRRQAUUUUAFFFFABRRRQAUdRg0UUAFFFFABSYGc45paKACiiigAooooAKKKKACiiigAooooAKKKKACiiigAooooAKKKKACiiigAooooAKKKKACiiigAooooAKKKKACiiigAooooAKKKKACiiigAooooAKKKKACiiigAooooAKKKKACiiigAooooAKKKKACiiigAooooAKKKKACiiigAooooAKKKKACiiigAooooAKKKKACiiigAooooAKKKKACiiigAooooAKKKKACiiigAooooAKKKKACiiigAooooAKKKKACiiigAooooAKKKKACiiigAooooAKKKKACiiigAooooAKKKKACiiigAooooAKKKKACiiigAooooAKKKKACiiigAooooAKKKKACiiigAooooAKKKKACiiigAooooAKKKKACiiigAooooAKKKKACiiigAooooAKKKKACiiigAooooAKKKKACiiigAooooAKKKKACiiigAooooAKKKKACiiigAooooAKKKKACiiigAooooAKKKKACiiigAooooAKKKKACiiigAooooAKKKKACiiigAooooAKKKKACiiigAooooAKKKKACiiigAooooAKKKKACiiigAooooAKKKKACiiigAooooAKKKKACiiigAooooAKKKKACiiigAooooAKKKKACiiigAooooAKKKKACiiigAooooAKKKKACiiigAooooAKKKKACiiigAooooAKKKKACiiigAooooAKKKKACiiigAooooAKKKKACiiigAoopkkscS7pJEQerNigB9FIrBlDKQQehBpaACiiigAooooAKKK5TWfiBo2iau2m3K3TyooLtDCXVc9jjvQB1dFcT/wtPw9/dv8A/wABH/wrr7O7jvrKG6h3eXKoddy4OD6igCeiiigAooooAKKKKACiiigAooooAKhe7to51geeJZnGVQsAT+Fc74u8S3GktZaXpcaTaxqL+Xbo/wB1B3dvYVw/i3QBeeM/C2kPcu2p3Baa+u42KsUUdAOwPIoA9agu7e5LiCeOXYcNsYHB96mrzDwXbWq+MvFqadMtpEsi2kKBs/Oq8sAeprovC/iO9l1a88Oa4qLqtmA6yJwtxGejD39aAOtooooAKKKKACiiigAooooAKKKKACiiigAooooAKKKKACiiigAooooAKKKKACiiigAooooAKKKKACiiigAooooAKKKKACiiigAooooAKKKKACiiigAooooAKKKKACiiigAooooAKKKKACiiigAooooAKKiuY5JbaWOKUwyMpCyAZ2n1xXilv/bMtr4xd/EV8NJ05iIpA/7ySYD17LntQB6f4zu9XsPDt1d6RLBFJDGXZ5V3YA9BWPqfiTUYfCmgtBKq3+qPFEZiuQueWOKdZ2eua78L9PtGuIhfXdmq3E04JIyOvHenTeD9QvPC1hp1xdwJfabIklrPGp2nb/eB9aAMS68Y6xpEmsaNLcJPeQ3MMVtcsmPlk7keoroPDuqanF4u1LQNRuRdrDBHPDMVw2D1B/Gqk3gGbULPUp727QarezpOJY1+SIp90D2rY0Hw/dWer3us6nPHLfXSJHiIEIiqO2fWgDo6KKKACiiuP+I19qmk+GLjUtO1BbX7Ou4rsy0rfwqD2oA7CvPvFPifxBoV6GWXTSXuEjtrDJMs6E4J9jWfY634ri8ReFl1C9jJ1RC9xZJHxEgGc59av+KfDWveJJpLSSx09UE6vb6mHxNCgOcAYzn8aAPQELNGrMu1iASPSnUyFDFBHGWLFVClj3wOtPoAKKKKACmSyxwxNLK6pGoyzMcACn1T1SK1m0y4F7EstuqF3RuhA55/KgCr/wAJPoQtUuTq1oIXbYr+aME+lZPjFNEW3g1DUEkuptpjtLeNz+9ZumAOv1ryW30vT4/hZqmuzQI02sXpjtN4+WFWfA2+nSvVv+ET0bxLpOkSy3EspsYRHFLBKVwcYJ+tAFzwLpd1o/ha3tL2bzJwzMy793l5OQmfaukrO0XRbTQbAWdn5hj3FyZHLMSeuSa0aACiiigApCwVSzEADqTS1Bd2kF9ayWtym+GQYdc4yKAEW+tZLaS4jnjkijBLMjAgY6155o3iWx0DRL3xFrCyltTu3lXZGWKxA7VJ9BiucvLh/Amua14TjVls9bAfTeSQjNwyium+IdpJZ/Dyx8PWkTO128Nmdq5ITjd/KgDdsvHnh+/1m10y3aRpLtS0EhhIR8dQD3rq+leV6t5Wj/EjwzaGynNnY2RWBYIiQ0hwP0r1McgHGKAFooooAKKKKACiiigAooooAKKKKAPONBlOufGLXb2TmPSoFtIQexPLGu3bRNPfW01lrcG/SLyllPUL6VwHw8iEnjDxxFNu3m/zkEg47c13H9i3X/Qw6r+UH/xqgBLPwto9hrFxqttZol5cMWkk9SeprkvHj/2P428Ka4gxunazmx/Eriuu/sW6/wChh1X8oP8A41Xn3xV02e2tdDc6rfXUh1GMRpOY9oORz8qLzQB6xWRqviC30nU9MsZo3aTUJTHGV6KQM81eu0uXsJUs5EjuSmI3cZVT6kV5N4rsfGKeJfDC3Wr2EkzXLCBkgICNjqfWgD2KoZbq3gljjlnjSSQ4RWYAt9KzNCttft/N/tu/tbrP+r8iIpj65rhvifo9vqPiDw7awM8WpX10FE6ud0ca8naO1AHpkV3bzySRwzxyPGcOqsCV+tch4n8QatpHjfw5YW8sJsNRkaOaNo8sMDOQawvCdhp1j8VdaFiwt7e1t47Yo0nM0p5J56mrvjsj/hYXgjP/AD8yf+g0Ad5c39nZFRdXUMJY4USOBmpXnijhMzyosQGS5YAY+teV6DaWXiTxZ43PiBFmltpfJhjmP+qh29V9Oe9c55l9cfBuwE0zzRRarsWJnw1xCH4UevFAHtsGs6bdSLHBf28jscKqyAk1Ye7t47hbd541mcZWMsNxH0rzbwn4fgvPiFdeIrbSVstOS2WOGOQAN5ndgvb0qv410G21X4n+H7S3eSG5l3z3c6Od3lAY2j0BoA9Rgure53+RPHLsO1tjA4PocVNXmPw4trK28X+KnsikFr9pW3htw/3ioyWAr06gAooooAKinure1Cm4njiDHCl2AyfSpa81+MVhbXmh2ce0nULm5S3tX3H5CTyQPWgD0Rbu2e4NutxE0yjJjDjcB9K5P4ja9q3hvRrTUNLlhXN3HDKkse7crHHHoa5Wy0ix0r4vaXBby+W9jpxN5PJJzO78DOeprb+MJA8HW5J/5iEH/oVAHcPewW1ok91PHCrKCWdgBUqXEMsAmjlRoiM7wwIx9a80mWLV/jBb6ZqqiSzg0wSW0Eh+R2PVsdzXKyxXEPhTx7p+n3Xl6fBfKLYb8Dn7yKaAPao9b0qVwkeo2zMTgASjJNWZ7u3tignnji3nau9gNx9BXk2g+HrbW/G+i6paaILGwsbIrcLMAN8pHGBnnHrWh8YdNgvbbSYYlYald3kcEEgY5jGckgetAHpKXdtJcPAk8TTIMtGrgsPqKmrybSdN0/TPjEsFpIIlstPAuJHk5nkb1z1Nes0AFFFFABRRRQAhIAJJAA6k0nmJ8vzr833eetYHjeC2l8I6hJeSzJBBC0rCKQoWwDgZHvXkkOk3Vv4T8I3VxqF2+q394n2YmZgIovvbcd+PWgD3yimocxrhg3HUd6dQAUUUUAFFFFABRRRQAUUUUAFFFFABRRRQAUUUUAFFFFABRRRQAUUUUAFFFFABRRRQAhGQR61yUPw/sIvCd9oH2q4aO9laWSc437mOa66igDL0DRRoWmLZi7nuiOskxyT/AICtSiigAooooAKKKKACuc8Z+GpPFelQaet15ES3Mc0nGd4U5210dFAHH6z4PvL7xZYazY6l9kFvB5DLsyQuc/L6HtXXgYUDOcDqe9LRQAUUUUAFFFFABTJoY7iF4ZUDxuCrKehHpT6KAM2Tw/pEukrpUmnW7WCfdtynyD6CrttbQWdulvbRJFCgwqIMACpaKACiiigAooooAKKKKAMrVPDul6zfWN5fWwluLGTzLd842mtQqrYyAcdMilooAQopYMVBYdDjkUtFFABRRRQAUUUUAFFFFABRRRQAUUUUAec6XF/wj/xk1O3c7YNZtluIiehdTgj610niHSdb1XULOOx1ZrDTlDfahEP3r+gB7UeLPDJ1+2t5rWf7LqllJ51pcAfdb0PqDXM+PPGtx4f0TT9Mu5ktdV1AbJZ4lLLCo+84/pQBP4B1PVJPEniLR7i+k1Cw0+YJBcyfeBPVSR1xTPGSDXPiF4Y0RDuS2dr24A/hCj5c/U1L4E1zw/JaXGjeFEedrWHzHnmUqJZD3Ynkkmtjwt4Ym0u6vNX1ScXWs3xzNIB8saj7qL7CgDp6zdR0Oz1S/sLy5VjNYyGSEg4AJGOa0qKACs+50TT7vV7XVJ7cPeWissMhJ+QHrxWhRQBjReFdFh16XW0skGoS/elyeT646Z96bq3hPR9b1K11C/tmlurQ5gfzGGw+2DW3RQBgan4M0LV743t1Z/6Qy7HeNyhkX0bB5/Gue+IHhqa90jSbDT9MM+l21wGuLW2IWTYBxsNegUUAeW+GvC11a+NrXUdKstS0vSooWW4jvZt3nMegC5PT1r0P+xbD+2/7YNuDf+V5QlychfSr9FAGNp/hXRtL1W51Ozskju7k7pJMk5PfA7Vs0UUAFFFFABWfqOi6fqs9nPe24lks5fNgJJ+RvWtCigDGufCui3mux61PZI9/GoUSEnoOmR0NO1/wzpXia2it9WtzPDE+9U3lQG9eDWvRQBiaj4S0bVUtRdWxL2q7YZVkKyIPTcDnFc/4y8KH/hCH0jQNPRomlVp4UOHkXPzYJ/i9zXd0UAeQ6f4PuB4k0e40HTdW0iK2k3Xcl5PlXTH3QuTk16de6Lp+o31le3VuJLiycvbsSfkY8ZrQooAxpPCmiy+IP7cksUbUNoXzST26cdK2aKKACiiigAooooAz9b0a18QaRPpl75n2acYfy22kj61mav4I0fWrLTLW5WZI9NYG3MUm0rgYxn6V0dFAEdvBHa28cEK7Y41CqPQVJRRQAUUUUAFFFFABRRRQAUUUUAFFFFABRRRQAUUUUAFFFFABRRRQAUUUUAFFFFABRRRQAUUUUAFFFFABRRRQAUUUUAFFFFABRRRQAUUUUAFFFFABRRRQAUUUUAFFFFABRRRQAUUUUAFFFFABRRRQAUUUUAFFFFABRRRQAUUUUAFFFFABUUttBOQZYI5COhdAalooAiit4IM+TDHHnrsUDNS0UUAFFFFABRRRQAUUUUAFFFFABRRRQAUUUUAFFFFABRRRQAUUUUAFFFFABRRRQAUUUUAFFFFABRRRQAUUUUAFFFFABRRRQAUUUUAFFFFABRRRQAUUUUAFFFFABRRRQAUUUUAFFFFABRRRQAUUUUAFFFFABRRRQAUUUUAFFFFABRRRQAUVyfjTxTfeGJ9HNvZwXEF9drbSF3IZM9x611RdVXLMFHqTigB1FJkYznj1pomjb7siH6MKAH0UhYAgEgZ6c9aAwJIBBI60ALRRRQAUUUUAFFRXLyx20rwoHlVSVUnAJ9KwvBfiZ/Fmg/2jJafZXEzxNHu3YKnHWgDoqKMg9DSEgHBIoAWisLxJb3UsEc6a1/ZljAGe5ZVBZhjjBPSqXw/vdW1Dw2LjVXeQtK/2eWRNrSRZ+UkUAdVRRRQAUUUUAFFcd8Qdd1Tw/Y6dd6bJEokvI4ZlkTO5WOOPQ11NxfWtnCsl1cRQqehdgM0AWKKiS6gkt/tCTRtDjPmBhtx9aqRa5pU0ixxahbO7HAUSDJNAGhRXCXd5e+KvGlzodrdSWul6aqtePCcPLIeiA9h612CX1jHvhF3Dm3UeYDIMoPegC3RXP+KPEJ0nwZqGuacYrk20JkTDZVsfSue1ifVE8M2njSwnljvFto5ri03ExSoQCRjscHrQB6DRVTS9Qh1bSrXULc5iuIxIv4irdABRRRQAUVxuheIdWufiDreg3xtmtrSJJYGiQhsN2bmur+3Wn2j7P9ph84/8s943flQBPRUFxeW1oAbm4ihB4HmOFz+dLBd211n7PPFLt67HDY/KgCaiiuN8W+Jdb03XtM0fQ7K3ubi9R3/fvtAC0AdlRXPeG7jxLKtzJ4jt7O2UEeUsDZ47kk1s/b7Pyll+1weWx2q3mDBPpmgCxRR1GRRQAUUUUAFFFFABRRRQAUUUUAFFFFABRRRQAUUUUAFFFFABRRRQAUUUUAFFFFABRRRQAUUUUAFFFFABRRRQAUUUUAFFFFABRRRQAUUUUAFFFFABRRRQAUUUUAFFFFABRRRQAUUUUAFFFFABRRRQAUUUUAFFFFAHnXxY/wBV4a/7C8VQIv8AwlXxU1vStTmm+w6dax+Rbq5UEsOWOOprrfE3hKz8U/Yxez3CLaSiaIRNj5x0NRan4LsNR1SPVEnubTUFi8l7m3fa0iejetAHlx1HWV+H+uWcd7PJDp+sC3WQP+8aDPKg9zW54a0SG9+IaahpsF6mjQWik+czKpm9gep9aueOvC8en+D7DStKsrg2Qvkku5bfLTIOpk9zVXw/YX9t4107+wdS1e60oIxvzfKQmMfKBkdc0AT/ABRsribWPD66dfXMGpXV6scZWQ7I0H3jt70/wpaNafFbW7e2vbmS0trWNZvOlLB5W78967i98P2V/rtjq8+83FkGEIz8oz1OPWqMPgrS4PFE2voZvtMxDMnmHZuHfHrQB0dFFFABRRRQA2T/AFbfQ14hp2tXmi/CNmsZTDPdaw1t5o/gDSYJ/KvbZ42lt5I1cozKQHHUe9chZfDjTLfwtc+H7iee5tJ5jOC5+ZHJzkH60AYOprd+EPHHhePT725mt9TY29zDNIXDHGd/sa5G+v7/AFDTPEiT32oHxKl/5VnFAWxszwBjjGOteq2fg2K01CHVLy7uNSu7OEpa+cfucdvf3ry/Sre4ttH1C8/t3UtN1QzzSLYrbFtr5O0A45zxzQB3+q+DtW1jw3o1jBqgtPs4WS5jmQy+a+Ojc9Aa6Pw/p2p6dZPHqmpLezs2VdI9iovYAUvhaXU5vDGny6yu3UGhBnGMfNWvQB5LPZalP8VbvTLbXb1bFLLz79i/IyeFXsvFdB8KZry58KzTXNzLPEbyUW7StlvLDYHNbln4Vs7TV9X1LzJHn1NQkpY/dUDGBUfhXwha+FLeSG2uriZWJ2iVshBnOAKAOiooooA4D4tMF8P6dkgf8TKDr/vVSIh1T40XFlqoElvb6crWkUh+Qk/eIHc12+t+HdM8RQRQ6nb+fHE+9FJxhvWo9R8LaRqjW73VtmW3XZHKrEOB6ZoA8YmS4Twh45srG8Mem22qhbYFzhlyMxqfeun0DQDq3jjSdZg0cafZWVkI5VkYZkk7EAenrW5448JyTeDotI0LT42thcpJcW6Ha0iA5OD/AHvesbTvCUy+KNIu9F07UNMgtmJunuJyQ64+7t70AavgceR478Z2s3Er3STKD1KFcD8K56PQNLvPidrzrGV03S7MNPCHO2aUgn5vXFd5rXheW51q313SLoWeqRL5bllzHNH/AHWH9a07TQrC1e8mW2jE1/zdMP8AlocYNAHmvhezgvfgtqVp9st4PtyzSKJpcLEjN8ufQV2OqvBpvwumDyxvFFpoTejZVvkxwe9XYPBfh+20i50qLToxZ3IxLGedw9PpVPVfCMurG0017lIPD1sF/wBEiX5pSvQMf7vtQA/4c201n8PdEguARItuCQevJJH6GuopqIscaoihVUAADsKdQAUUUUAeXRzy2/xL8aT2/M0WlI6AddwBxXNTWdlJ8ErfXlkP9sGQTC63nzDLv6f/AFq9btPCmlWWu3OswxyfbrkbZnaQkOPQj0qrF4D8PQ3QmSzIQS+cIN58oP8A3gvTNAHn+ovJJ4+gl1izk1KN9HTNvGc+RIR1K+/rXQeBNB1bwp4DmaGyhfVJpGkSKSXgKTwGb2FZuv8Ahn7Z4+vtQ1rSdQuLN4EjtJtPY9uoYDvWh4R0fxJovhvVvKgdzNPusbK+m3FI+4Y9s0AavhfxPqep+JNQ0i8S0njtYlk+2WbEx7j1jPuKseIND0jW/ENj52py2uqQROYVgl2uUPWs3wj4av7DxVf6w1jFpFlcQqn2CKQOGkHWQ44roNZ8JaRrt9Be3cLi7gG2OeKQo6j0yKAOO8NXl3c3firw3rN6+o2Gn8pck4baRnYSO4rgRotvH8KZ9UmMjTajqHl6ehkIEAL4GPyr3Sx8NaVp2mT6fa2wSG4z5xz80hPUk9SahuvB+iXmgQ6JNaA2EBDRxhsFSOhBoA0dJUJpVrEJRKY4lRnDZyQMHmrlV7GxttOs47W0iEcMYwqirFABRRRQAUUUUAFFFFABRRRQAUUUUAFFFFABRRRQAUUUUAFFFFABRRRQAUUUUAFFFFABRRRQAUUUUAFFFFABRRRQAUUUUAFFFFABRRRQAUUUUAFFFFABRRRQAUUUUAFFFFABRRRQAUUUUAFFFFABRRRQAUUUUAFFFFABRRRQAUUUUAFFFFABRRRQAUUUUAFN8uMtuKLu9cc06igAooooAKKKKACiiigAooooAKKKKACiiigAooooAKKKKACiiigAooooAKKKKACiiigAooooAKKKKACiiigAooooAKKKKACiiigAooooAKKKKACiiigAooooAKKKKACiiigAooooAKKKKACiiigAooooAKKKKACiiigAooooAKKKKACiiigAooooAKKKKACiiigAooooAKKKKACiiigAooooAKKKKACiiigAooooAKKKKACiiigAooooAKKKKACiiigAooooAKKKKACiiigAooooAKKKKACiiigAooooAKKKKACiiigAooooAKKKKACiiigAooooAKKKKACiiigAooooAKKKKACiiigAooooAKKKKACiiigAooooAKKKKACiiigAooooAKKKKACiiigAooooAKKKKACiiigAooooAKKKKACiiigAooooAKKKKACiiigAooooAKKKKACiiigAooooAKKKKACiiigAooooAKKKKACiiigAooooAKKKKACiiigAooooAKKKKACiiigAooooAKKKKACiiigAooooAKKKKACiiigAooooAKKKKACiiigAooooAKKKKACiiigAooooAKKKKACiiigAooooAKKKKACiiigAooooAKKKKACiiigAooooAKKKKACiiigAooooAKKKKACiiigAooooAKKKKACiiigAooooAKKKKACiiigAooooAKKKKACiiigAooooAKKKKACiiigAooooAKKKKACiiigAooooAKKKKACiiigAooooAKKKKACiiigAooooAKKKKACiiigAooooAKKKKACiiigAooooAKKKKACiiigAooooAKKKKACiiigAooooAKKKKACiiigAooooAKKKKACiiigAooooAKKKKACiiigAooooAKKKKACiiigAooooAKKKKACiiigAooooAKKKKACiiigAooooAKKKKACiiigAooooAKKKKACiiigAooooAKKKKACiiigAooooA//Z"/>
+          <p:cNvSpPr>
+            <a:spLocks noChangeAspect="1" noChangeArrowheads="1"/>
+          </p:cNvSpPr>
+          <p:nvPr/>
+        </p:nvSpPr>
+        <p:spPr bwMode="auto">
+          <a:xfrm>
+            <a:off x="155575" y="-144463"/>
+            <a:ext cx="2782146" cy="2782155"/>
+          </a:xfrm>
+          <a:prstGeom prst="rect">
+            <a:avLst/>
+          </a:prstGeom>
+          <a:noFill/>
+          <a:extLst>
+            <a:ext uri="{909E8E84-426E-40DD-AFC4-6F175D3DCCD1}">
+              <a14:hiddenFill xmlns:a14="http://schemas.microsoft.com/office/drawing/2010/main">
+                <a:solidFill>
+                  <a:srgbClr val="FFFFFF"/>
+                </a:solidFill>
+              </a14:hiddenFill>
+            </a:ext>
+          </a:extLst>
+        </p:spPr>
+        <p:txBody>
+          <a:bodyPr vert="horz" wrap="square" lIns="91440" tIns="45720" rIns="91440" bIns="45720" numCol="1" anchor="t" anchorCtr="0" compatLnSpc="1">
+            <a:prstTxWarp prst="textNoShape">
+              <a:avLst/>
+            </a:prstTxWarp>
+          </a:bodyPr>
+          <a:lstStyle/>
+          <a:p>
+            <a:endParaRPr lang="en-US"/>
+          </a:p>
+        </p:txBody>
+      </p:sp>
+      <p:sp>
+        <p:nvSpPr>
+          <p:cNvPr id="11" name="AutoShape 10" descr="data:image/jpeg;base64,/9j/4AAQSkZJRgABAQEAYABgAAD/2wBDAAgGBgcGBQgHBwcJCQgKDBQNDAsLDBkSEw8UHRofHh0aHBwgJC4nICIsIxwcKDcpLDAxNDQ0Hyc5PTgyPC4zNDL/2wBDAQkJCQwLDBgNDRgyIRwhMjIyMjIyMjIyMjIyMjIyMjIyMjIyMjIyMjIyMjIyMjIyMjIyMjIyMjIyMjIyMjIyMjL/wAARCAE0AyADASIAAhEBAxEB/8QAHwAAAQUBAQEBAQEAAAAAAAAAAAECAwQFBgcICQoL/8QAtRAAAgEDAwIEAwUFBAQAAAF9AQIDAAQRBRIhMUEGE1FhByJxFDKBkaEII0KxwRVS0fAkM2JyggkKFhcYGRolJicoKSo0NTY3ODk6Q0RFRkdISUpTVFVWV1hZWmNkZWZnaGlqc3R1dnd4eXqDhIWGh4iJipKTlJWWl5iZmqKjpKWmp6ipqrKztLW2t7i5usLDxMXGx8jJytLT1NXW19jZ2uHi4+Tl5ufo6erx8vP09fb3+Pn6/8QAHwEAAwEBAQEBAQEBAQAAAAAAAAECAwQFBgcICQoL/8QAtREAAgECBAQDBAcFBAQAAQJ3AAECAxEEBSExBhJBUQdhcRMiMoEIFEKRobHBCSMzUvAVYnLRChYkNOEl8RcYGRomJygpKjU2Nzg5OkNERUZHSElKU1RVVldYWVpjZGVmZ2hpanN0dXZ3eHl6goOEhYaHiImKkpOUlZaXmJmaoqOkpaanqKmqsrO0tba3uLm6wsPExcbHyMnK0tPU1dbX2Nna4uPk5ebn6Onq8vP09fb3+Pn6/9oADAMBAAIRAxEAPwD3+iiigAooooAKKKKACiiigAooooAKKKKACiiigAooooAKKKKACiiigAooooAKKKKACiiigAooooAKKKKACiiigAooooAKKKKACiiigAooooAKKKKACiiigAooooAKKKKACiiigAooooAKKKKACiiigAooooAKKKKACiiigAooooAKKKKACiiigAooooAKKKKACiiigAooooAKKKKACiiigAooooAKKKKACiiigAooooAKKKKACiiigAooooAKKKKACiiigAooooAKKKKACiiigAoqnd6rp9hKkV5ewQSOCVWRwpIHXGaE1Wxl01tQhuY5rRVLGWNtwwOvSgC5RVNtVs00v+0pJlS0KeZ5jelLpmpWur6fFfWb77eUZRsYzQBbooooAKKKKACimSSRxLukdUXOMscUJLHLu8uRH2nB2tnFAD6KKKACiiigAooooAKKKKACiiigAooooAKKKKACiiigAooooAKKKKACiiigAooooAKKKKAColuYXu5LVXzNGiyOmDwrFgD+JVvyqWsi3/5G7Uf+vK2/9DnoA16KKKAM2LxBpM+ofYIr+Brre0flBuSy53D6jB49jWlXIWDedcaTaqPmTUb+6Y9cKskqfqZBz7V19ABRTVdHLBWVipw2DnB9KdQAUUUUAFFFFABRRRQAUUUUAFFFFABRRRQAUUUUAFFFFABRRRQAUUUUAFFFFABRRRQAUUUUAFFFFABRRRQAUUUUAFFFFABRRRQAUUUUAFFFFABRRRQAUUUUAFFFFABRRRQAUUUUAFFFFABUVzcRWlrLczNtiiUu59AOtS0jKroUdQykYII4NAHEj4n6QFtriW0vYtOuZRFFevERGzE4FXvE82rW0U9/Dq1vY6ZDblwTHudpO34Vz/iWI+N9Wg8LabGqaTp8yTX9yowoZTlY19/WtTxV4Z1vWNSsHsrm0/s+zAZbadSVeQdGOOuKAKcWlah4utvDeparYQK8atLcbhg5/h49D1pLLwfqMvgm50u58yzuA8rRrbS4Emc4z7e1dno8WoQaXDHqk8c14AfMeJdqnnsKv0Acrovh+bRPCjWx+0X1w0ABgmkDANjGBngCp/BNpf6f4dhsdQs/s0sJP8YYNkk8Yro6KACiiigDl9S+IXhvS7ua2nvmaSA4mMUbOsX+8QMCr19qN/d6ZZ3Xhxba7W4cHzXfCrGf4h6/SsDxnLYaPpFzpWl2EUmra0SiQIvMhPBdvYVA/h3X/D/w20/w9oZWa7RRHPKX2lVPLbT69qAM+9v9U8a+Hda0w2CS3dnerbJPbt8jDI3OPoK2vB+jXWjeJNaRrKaO0kMYglZ8q6hQCfqTWh4OttSsrOS1u9Lg0+1iAEMcb72Y/wATMfUmumoAKKKKACiiigAooooACcDJri7j4naDAJplS7lsreXypryOEmKNs4wTXaV55432Xtq3gjQLWL7XfndclFAS3jJyzt7mgDR8b+KdS0bw0uraJBbzwMFYzSNwAxA4Hep/EHiG9tbjQ9LsPLW91UkCWQZEYC5JxVHxV4X1S78EW/hrRo4HRURGmnk27dpB6Y5zipNU0DWb9dC1WOG2j1XSnP8Ao5lykqkYI3Y4oAyk8faoyJo5igGtHUfsBkwfLx134+nat7wvr97qlxrWkakEF5ps3lGWHgSKRkN7GsJ/AGpCGPVkmgOuLqP29kJ/dnt5efp3rofDHh+802bV9TvzGdQ1ObzXjjOUjAGFUHv9aAMPw14r/sjwlNdatcz3cn9oyWsAJ3O53YVRWs/xB062t9SN/bXFpc6eqtLbuMsQxwpHrk1gReBNafw6sEjWsV/a6ob+3w5ZHGc7W44qh4y0bUItI17XtUihW81COG0jtoiXWNVbOS39e1AHZ6R40XVPEEmivpV3bXMcInYyY27D0NULv4mWVpe6lZvpV/5+noJZU2D/AFf976VjeAbuS18Uvp02nxPLNaiRr+G5MwAXohPb6Ve1HwRqt5YeLXWeEX2ruqwtnhYl6KT2zQB3WnX0Wp6db30GfKnjEibhzg1ZrO0O3u7TRrW3vRCs0cYUrD91cDGBWjQAUUUUAFFFFABRRRQBBd31pYRCW8uoLaMnaHmkCAn0yaqQeINJurtLa31CCaR/u+W25WPoGHGfbOadd6e1zrNheZTy7ZJVZWHJL7cY/wC+TVXXVVbnQwAAP7RXgD/plJQBp3kM9xbGO3umtZCRiVUViPwYEVyepWWrWWs2pt9Tvbu7u4njIUQQrsTB5Ow8/McemTXZ1Fc+f9lm+y+X9o2N5Xm52bscbsc4z1xQBh+GpJvtGoW12L0XduyBxc3ImUqy5UqVAHrnIB49MV0Nc3odl4hsTu1CPTbi4ncNdXUdw6lsdAqeXgADgDP1OSTXSUAcx4etlsvEOrwXFyDdFt8MBABEDSO+8dyC8jA/7ormPs01x4916Q6XdThtTsjaXyKzJGEEIlUHooGHzz1yK9Bv9JsNUCfbbWOYp91iMMvqARzip7S0t7G2S3tYlihT7qrQBx/hX7Rp3ifXNNvzaCfUp31IR28xZoshI9jcDnaFbP8AtfjUtvp3iRtKuGk1C4gNl5sdlCjqz3Oxm8t5nZSfmAHAPTnOTxYSzvovG7zixl8iSYv9qDKY/LaBVIIzuDB4k7dD+XU0AZuk65p+sxhrG5SfEUcrmPkLvGQCexxzjrWlVWy02y01ZlsbWG3WeVp5REgUPI2MscdzgVaoAKKKKACiiigAooooAKKKKACiiigAooooAKKKKACiiigAooooAKKKKACiiigAooooAKKKKACiiigAooooAKKKKACiiigAooooAKKKKACiorqD7TaTQeY0fmxsm9DyuRjI965PWvDek2Wj/ZrW0kfUZ0MFqUlfeZMYDn5uAPvE9qANrxHJMmmwpBcS27TXdvCZIiAwVpVBxkHsTTNNudQh1q50q+mjuVSBZ4bgLtdlYkFXUDGQQcEdsd+sviK3mn0K4NtE8t1CBPbomMtKhDIOePvAdaq+Gg+oQDXrqZXu7yJVaKMjZbAdYh6kNu3E85z0HAAN+iuS8XXUs2p6XpYSd9PLNc6mYGZWSFeFyR/CXIJAOSFPYGotTstJttCub3Qbto5Y2QBrO8Yhm3DAYBiG69D60AdlRWF4g0SXVbi0njEEy26yK1tO7oshbbg7lPBG09QeprI8JX2pyeItUsbyB7O2gjTy7e4uzPI7nkuhb5gmCox0z0wc0AdlJIkUbSSOqRoCzMxwAB1JNVrPVdO1FnWxv7W6ZACwgmV9oPTODxXNqja54i1PRL/dNZW0ouZYXGVdGVREnoVysrFfULng1pxoieNpAiKo/s1Ogx/y0agDcopGdVKhmALHCgnqcZwPwBpaACoL2GW4sZ4YJjDLIhVZAM7CR1qeigDy2y+FmuWFmbKDxndJaNJ5kkawgFyTk5PWvT4Y/KgjjyTsULk98U+igAooooAKKKKACiiigDzO58G+NV8WX+u2Ws6YJLgeXF50LMYY+wHpXbeG7HU9O0SG31e9W9vgSZZlGAxJ7VrUUAFFFFABRRRQAUUUUAFFFFACNnadvXHFeaQfDzxPZ3upXVp4s8uXUJC8shtwWx2APoBXplFAFHR7GXTdItrOa4a4liQK0zdXPrV6iigAooooAKbJGkqFJEV0PVWGQadRQBDBZ21qCLe3ihz18tAufyqaiigAooooAKKKKACiiigAooooAz77VFtpxaW0Rur9l3rbowBC5I3sT91cg898cAmorXTJ5LpL7VJxNcIcxQx5EMH0H8Tckbj68AVVg0bVbO7u7i31GxMlzIWeWayZpCuSUUsJQCFBwMAfqasfZ/EP/QT03/wAf/49QBr0VQ0y0vLVLhr6/wDtc00pkysflpGMABVXJwOM9Tkkmr9ABRRRQAUUUUAFFFFABRRRQAUUUUAFFFFABRRRQAUUUUAFFFFABRRRQAUUUUAFFFFABRRRQAUUUUAFFFFABRRRQAUUUUAFFFFABRRRQAUUUUAFFFFABRRRQAVi3Zvr3XnsbfUJLKG3tkmcxRIzSF2cAZcEADZ2HO7252qr/ZYIr2a/ORI8SRuxbjapYj/0NqAM6za9stb+wXV9Jexz27TQvIiKyFGVWB2KAQd6kfjSXXhi0utXl1P7VqEN1JGI2MN26rtHYLnA/Ac0yynOseIE1G1AOnW1vLbrMc/vnZ0JKdigEf3uhJ46Vu0AVLCxFhE0Yubmfc27dcSmQj2BPaqCeH5Laa4ax1i+tYp5mnaFFidVduW27kJAJycZ6k1tUUAU9P05LBZW82SeeZt808uNznGBnAAGAAMACkbRtLe4juG060M8RBjkMC7kI5BBxxV2igDO1XU2sDawwWzXN1dy+VDHu2rkKWJZsHAAU9jzisTTtNktvHQu76ZbjUZ9L2zSqu1AFlBCovZRuPuc5NbGr2N3czWN1ZND59pIzqkxIVwyFTkjJHXPSnaXYzwGa7v3jkv7g/vDHnYij7qLnnAHPuST3oA0cDJOOvWs7UtIXULm1uo7u4tLq2LeXNBtyVYYZSGBBB4PI6gVpUUAZtno6294b25up72627Eln2jy154VVAUZycnGTwM4ArSoooAKKKKACiiigAooooAKKKKACiiigAooooAKKKKACiiigAooooAKKKKACiiigAooooAKKKKACiiigAooooAKKKKACiiigAooooAKKKKACiiigAooooAKKKKACisfXPEln4flsVvI5it5MII3jXIDHpn0rYoAKKKKACiiigAooooAKKKKACiiigAooooAKKKKACiiigAooooAKKKKACiiigAooooAKKKKACiiigAooooAKKKKACiiigAooooAKKKKACiiigArkrrVdM1rWrizutVsk02wkCSwNMgNxMOSrZP3VOOO5BB44PW1A9laSOXe1hZj1LRgk0AOt7i3uIFktpopYTwrRsGU444IpYJ4rmCOeCRZIpFDI6nIYHoQaoTeHdEuJTJNpFjJIerNboSf0rQiijt4UhhjSOKNQqIi4VQOgAHQUAPooooAKKKKACiiigAooooAKKKKACiiigAooooAKKKKACiiigAooooAKKKKACiiigAooooAKKKKACiiigAooooAKKKKACiiigAooooAKKKKACiiigAooooAKKKKACiiigArO1jW9P0K0FxqFwIkZtqDGWdvQDua0a850o/8JT8VdUurn95Z6IiwW0bfdEp+82PWgD0SNxLEkgBAZQwBGDzWD4l8V2/hv7OjWlzeTzk7YbZdz4HU4rUh1XT7m+ksoLyCS6iG54kcFlHuK5iEyal8QtSu4AJBptmIIwTx5rcmgCL/AIWXbY/5AOt/+AjVoWHjvSrryRdRXWnmeQxxfbITGGb0ya5TxFq/jXwv4fh8QX99bGb7SqSackY27WbAAbqTXc63pcPibwtNa3EWDcQblB6xvjII9CDQBz3xNZRb6DuYAHVIe/vXNapfXGoXfja4v9UuLO40ohbGNJCuxQMhgO+TXR+Apbbxh4Msn1m2jurqwla3LSrk7kON314rq7vw/pF9dJdXWn28s6ABXdMnjp9aAPHtQ1XWNUvnt7ye4M7aXE0KwziLyZWH3mz1z1rrvEFjPpXwlCzalc/bYYQ3mxTcySngZPcZNTa58PZdS8QX+pK9lOt5EsYW6QkwYGPkxXRaH4XtNJ8L2mhzk3sMAHMwzuOc/oaAOM0CS403x1p9leavPJK2mq1yJ5OJJG6BRXqFU20qwfUEv2tITdxrsSYr8wHpmrlABRRRQAUUUyVWeF0VirMpAYdvegBfMTdt3ru9M81hXHiX7N4ytfD72jH7TA0yThuOOoxXnvjnw4nhzwxHJb6nfXPiSe6X7LL5h3yMW5UL6AVr6hNcL8RPD6zN/pw0qRXIU4EpHHPTrQB6N58Jk8vzY/M/u7hn8qR7q3jfY88Sv/dLgGvD7aIyeHrJUS4/4S8aoTIcN5gG7kntsxWfPFaatq+pWWoXlrH/AMTZXa+uJGEgUYymOmKAPUp7q6g+JVlA+ps9tPbO4t8gIuOn41Q8XarLca5HaQ6i8FmunT3KPC+N8q9Bnvj0rro9C0hpIbpbKB5EUCOXGTjHGDU0ui6bPFHFLYwOkbFkUp90nrQB5xe6vqV7bk3d7PaSW+kx3UJRtvmSn19fp71s319qK6v4XuJ9RaJLoAS2owoJ25JPrzXYXOlWF40TXNpFKYv9WWX7tMu9F0y+nWe6soZpU+6zrkj6UAXHljiAMkioDwCxxQssbsVSRGYdQGyRXE/FOxjvPCawLE7XDzxxQFM5Qkjnj2rN8OW9tpHxMu7KNbhStnHHkhm81sZLk9KAPS6KKKACiiigAooooAKKKKACiiigAooooAKKKKACivL/ABJP4ji+JWk6XpmtSD7YjvNGUGyGIdwO5rU+Hd7qVzf+I7e71CW+tbS+8m3llHzdOR+dAHeVna5rdl4e0uTUb9mWCMgHapJJPQAVT1e51+LXdMi020il0+Rj9skdsGMdsVsXKwGBjciMxINzeYBgY780AcvYePrC61u10m6tLuxubtN9sLhMCUe1Vb34irZanqGnnQ7557OIz4BUB4x1b2/Gs+ytn8c+OLXxEVMWi6QWSyYjBuJOhYf7PpWpe+Dbu7l8TTm8QTarEIYDt/1SAdD9aAOm0jUo9Y0i11GJGSO5jEiq3UZ9au1leHNPutK0G1sbyaOWWBAm6NcKABgAVq0AFFFRXVwLW0luGVnEaFiqjJOOwoAw/EnjPS/C9zp9teuxnvphFFGnJ57n2rL8TSzQ+O/DHlXEsaSvIkkathXGM8ivKfE+rLqH2LXtUt7qPUpdUj2QNCQIYFPCj3NesTWN34rvvD/iC0YWtvasztBcxkSMDx+FAEc/xHgijur2PTLiXSrS5+zTXgYYVs4J29SAaj1f4kx6e+pta6TPe2+mlFuJEkVeXAIwD161Xf4e3/8AZ1/oceowjRr27Ny+UPmqC2SgPTqOtcbqdvMniLX79ba2b7PKiw2dyHDT7AAMAcH2zQB6V4g8aHw/4etdYn0q4khlCmRUYZiDYxn1PPapdC8XrrWuXelPp09pNbwpMDIQQyN06dDUGp6NdeMPD+i+ftsQskVzc25XPTnZ+dSaX4Zv9O8aatrJvYntb/YfK2fOu0Yxn0oA6miiigAooooAKKKKACiiigAooooAKKKKACiiigAooooAKKKKACiiigAooooAKKKKACiiigAooooAKKKKACiiigAooooAKKKKACiiigAooooAKKKKACiiigArzj4cfu/FfjSB/wDWjUN5z1wRxXo9cBq1nc+E/HD+KLa3kn02/iEN/HCu5o2HSTHcUAZPjyxj8D69p3jfTLYRwRsYdRjiH30box9ea6fwFD5PhmXV7g4fUpXvpGPZW5H5CuivLKy1vTGtryBZ7S4QFo3HDA81LHaQRWa2iRKLdU2CPsF6YoA8mbxXoHifWX1vW9Ut4tF0uU/Y7ItlppBx5jDvz0FetQXEdzZR3MZ/dyRh1zxwRmsj/hDfDe7d/YllnOf9UKp+L9VuLHTRpGk2ks2pXkZit1RDsjHQsx6ACgDB+DgLaBqk4/1cupTFPwY16PWL4T0CPwz4as9LRtzRLmR/7znlj+dbVABRRRQAUUUUAFFFFABTJZBFC8hBIVScDqafRQB4pa+K7o6/ea9q3hvVrrUY2aLT4BB+6hTsc+p7mvYNOle70+2uri3EU8kYZkI5UkdKt0UAM8qPcW2KGIwWA5/OuKb4a2bW1xYG8kOn3ExmkiKAsSTk/N1ruKKAI4II7a3jgiGI41CKPQCpKKKACiiigBCAeoBpNi7t20bvXHNOooAKKKKACiiigAooooAKKKKACiiigAooooAKKKKAOej8LIvjefxLJcs8j2wt44scRjuQfeqnhfwW3hvUb24GqTzwzyvIkBGFUsckn1NdZRQAVieK9Dm8SeHrjSor17PzxtaVBk7e4rbooA8+0n4faxYXenfaPFdzcWNiwKWoiCKcdBxXoNFFABRRRQAUUUUAcv4x8Iv4rSwjF8bVLScXA2pncw6V00YZY1DsGYDkgYyadRQAVG1vC8gkaJGcdGKjNSUUAFFFFABRRRQAUUUUAFFFFABRRRQAUUUUAFFFFABRRRQAUUUUAFFFFABRRRQAUUUUAFFFFABRRRQAUUUUAFFFFABRRRQAUUUUAFFFFABRRRQAUUUUAFFFFABRRRQAUdRg0UUAFFFFABSYGc45paKACiiigAooooAKKKKACiiigAooooAKKKKACiiigAooooAKKKKACiiigAooooAKKKKACiiigAooooAKKKKACiiigAooooAKKKKACiiigAooooAKKKKACiiigAooooAKKKKACiiigAooooAKKKKACiiigAooooAKKKKACiiigAooooAKKKKACiiigAooooAKKKKACiiigAooooAKKKKACiiigAooooAKKKKACiiigAooooAKKKKACiiigAooooAKKKKACiiigAooooAKKKKACiiigAooooAKKKKACiiigAooooAKKKKACiiigAooooAKKKKACiiigAooooAKKKKACiiigAooooAKKKKACiiigAooooAKKKKACiiigAooooAKKKKACiiigAooooAKKKKACiiigAooooAKKKKACiiigAooooAKKKKACiiigAooooAKKKKACiiigAooooAKKKKACiiigAooooAKKKKACiiigAooooAKKKKACiiigAooooAKKKKACiiigAooooAKKKKACiiigAooooAKKKKACiiigAooooAKKKKACiiigAooooAKKKKACiiigAooooAKKKKACiiigAooooAKKKKACiiigAooooAKKKKACiiigAooooAKKKKACiiigAooooAKKKKACiiigAooooAKKKKACiiigAooooAKKKKACiiigAooooAKKKKACiiigAooooAKKKKACiiigAooooAKKKKACiiigAoopkkscS7pJEQerNigB9FIrBlDKQQehBpaACiiigAooooAKKK5TWfiBo2iau2m3K3TyooLtDCXVc9jjvQB1dFcT/wtPw9/dv8A/wABH/wrr7O7jvrKG6h3eXKoddy4OD6igCeiiigAooooAKKKKACiiigAooooAKhe7to51geeJZnGVQsAT+Fc74u8S3GktZaXpcaTaxqL+Xbo/wB1B3dvYVw/i3QBeeM/C2kPcu2p3Baa+u42KsUUdAOwPIoA9agu7e5LiCeOXYcNsYHB96mrzDwXbWq+MvFqadMtpEsi2kKBs/Oq8sAeprovC/iO9l1a88Oa4qLqtmA6yJwtxGejD39aAOtooooAKKKKACiiigAooooAKKKKACiiigAooooAKKKKACiiigAooooAKKKKACiiigAooooAKKKKACiiigAooooAKKKKACiiigAooooAKKKKACiiigAooooAKKKKACiiigAooooAKKKKACiiigAooooAKKiuY5JbaWOKUwyMpCyAZ2n1xXilv/bMtr4xd/EV8NJ05iIpA/7ySYD17LntQB6f4zu9XsPDt1d6RLBFJDGXZ5V3YA9BWPqfiTUYfCmgtBKq3+qPFEZiuQueWOKdZ2eua78L9PtGuIhfXdmq3E04JIyOvHenTeD9QvPC1hp1xdwJfabIklrPGp2nb/eB9aAMS68Y6xpEmsaNLcJPeQ3MMVtcsmPlk7keoroPDuqanF4u1LQNRuRdrDBHPDMVw2D1B/Gqk3gGbULPUp727QarezpOJY1+SIp90D2rY0Hw/dWer3us6nPHLfXSJHiIEIiqO2fWgDo6KKKACiiuP+I19qmk+GLjUtO1BbX7Ou4rsy0rfwqD2oA7CvPvFPifxBoV6GWXTSXuEjtrDJMs6E4J9jWfY634ri8ReFl1C9jJ1RC9xZJHxEgGc59av+KfDWveJJpLSSx09UE6vb6mHxNCgOcAYzn8aAPQELNGrMu1iASPSnUyFDFBHGWLFVClj3wOtPoAKKKKACmSyxwxNLK6pGoyzMcACn1T1SK1m0y4F7EstuqF3RuhA55/KgCr/wAJPoQtUuTq1oIXbYr+aME+lZPjFNEW3g1DUEkuptpjtLeNz+9ZumAOv1ryW30vT4/hZqmuzQI02sXpjtN4+WFWfA2+nSvVv+ET0bxLpOkSy3EspsYRHFLBKVwcYJ+tAFzwLpd1o/ha3tL2bzJwzMy793l5OQmfaukrO0XRbTQbAWdn5hj3FyZHLMSeuSa0aACiiigApCwVSzEADqTS1Bd2kF9ayWtym+GQYdc4yKAEW+tZLaS4jnjkijBLMjAgY6155o3iWx0DRL3xFrCyltTu3lXZGWKxA7VJ9BiucvLh/Amua14TjVls9bAfTeSQjNwyium+IdpJZ/Dyx8PWkTO128Nmdq5ITjd/KgDdsvHnh+/1m10y3aRpLtS0EhhIR8dQD3rq+leV6t5Wj/EjwzaGynNnY2RWBYIiQ0hwP0r1McgHGKAFooooAKKKKACiiigAooooAKKKKAPONBlOufGLXb2TmPSoFtIQexPLGu3bRNPfW01lrcG/SLyllPUL6VwHw8iEnjDxxFNu3m/zkEg47c13H9i3X/Qw6r+UH/xqgBLPwto9hrFxqttZol5cMWkk9SeprkvHj/2P428Ka4gxunazmx/Eriuu/sW6/wChh1X8oP8A41Xn3xV02e2tdDc6rfXUh1GMRpOY9oORz8qLzQB6xWRqviC30nU9MsZo3aTUJTHGV6KQM81eu0uXsJUs5EjuSmI3cZVT6kV5N4rsfGKeJfDC3Wr2EkzXLCBkgICNjqfWgD2KoZbq3gljjlnjSSQ4RWYAt9KzNCttft/N/tu/tbrP+r8iIpj65rhvifo9vqPiDw7awM8WpX10FE6ud0ca8naO1AHpkV3bzySRwzxyPGcOqsCV+tch4n8QatpHjfw5YW8sJsNRkaOaNo8sMDOQawvCdhp1j8VdaFiwt7e1t47Yo0nM0p5J56mrvjsj/hYXgjP/AD8yf+g0Ad5c39nZFRdXUMJY4USOBmpXnijhMzyosQGS5YAY+teV6DaWXiTxZ43PiBFmltpfJhjmP+qh29V9Oe9c55l9cfBuwE0zzRRarsWJnw1xCH4UevFAHtsGs6bdSLHBf28jscKqyAk1Ye7t47hbd541mcZWMsNxH0rzbwn4fgvPiFdeIrbSVstOS2WOGOQAN5ndgvb0qv410G21X4n+H7S3eSG5l3z3c6Od3lAY2j0BoA9Rgure53+RPHLsO1tjA4PocVNXmPw4trK28X+KnsikFr9pW3htw/3ioyWAr06gAooooAKinure1Cm4njiDHCl2AyfSpa81+MVhbXmh2ce0nULm5S3tX3H5CTyQPWgD0Rbu2e4NutxE0yjJjDjcB9K5P4ja9q3hvRrTUNLlhXN3HDKkse7crHHHoa5Wy0ix0r4vaXBby+W9jpxN5PJJzO78DOeprb+MJA8HW5J/5iEH/oVAHcPewW1ok91PHCrKCWdgBUqXEMsAmjlRoiM7wwIx9a80mWLV/jBb6ZqqiSzg0wSW0Eh+R2PVsdzXKyxXEPhTx7p+n3Xl6fBfKLYb8Dn7yKaAPao9b0qVwkeo2zMTgASjJNWZ7u3tignnji3nau9gNx9BXk2g+HrbW/G+i6paaILGwsbIrcLMAN8pHGBnnHrWh8YdNgvbbSYYlYald3kcEEgY5jGckgetAHpKXdtJcPAk8TTIMtGrgsPqKmrybSdN0/TPjEsFpIIlstPAuJHk5nkb1z1Nes0AFFFFABRRRQAhIAJJAA6k0nmJ8vzr833eetYHjeC2l8I6hJeSzJBBC0rCKQoWwDgZHvXkkOk3Vv4T8I3VxqF2+q394n2YmZgIovvbcd+PWgD3yimocxrhg3HUd6dQAUUUUAFFFFABRRRQAUUUUAFFFFABRRRQAUUUUAFFFFABRRRQAUUUUAFFFFABRRRQAhGQR61yUPw/sIvCd9oH2q4aO9laWSc437mOa66igDL0DRRoWmLZi7nuiOskxyT/AICtSiigAooooAKKKKACuc8Z+GpPFelQaet15ES3Mc0nGd4U5210dFAHH6z4PvL7xZYazY6l9kFvB5DLsyQuc/L6HtXXgYUDOcDqe9LRQAUUUUAFFFFABTJoY7iF4ZUDxuCrKehHpT6KAM2Tw/pEukrpUmnW7WCfdtynyD6CrttbQWdulvbRJFCgwqIMACpaKACiiigAooooAKKKKAMrVPDul6zfWN5fWwluLGTzLd842mtQqrYyAcdMilooAQopYMVBYdDjkUtFFABRRRQAUUUUAFFFFABRRRQAUUUUAec6XF/wj/xk1O3c7YNZtluIiehdTgj610niHSdb1XULOOx1ZrDTlDfahEP3r+gB7UeLPDJ1+2t5rWf7LqllJ51pcAfdb0PqDXM+PPGtx4f0TT9Mu5ktdV1AbJZ4lLLCo+84/pQBP4B1PVJPEniLR7i+k1Cw0+YJBcyfeBPVSR1xTPGSDXPiF4Y0RDuS2dr24A/hCj5c/U1L4E1zw/JaXGjeFEedrWHzHnmUqJZD3Ynkkmtjwt4Ym0u6vNX1ScXWs3xzNIB8saj7qL7CgDp6zdR0Oz1S/sLy5VjNYyGSEg4AJGOa0qKACs+50TT7vV7XVJ7cPeWissMhJ+QHrxWhRQBjReFdFh16XW0skGoS/elyeT646Z96bq3hPR9b1K11C/tmlurQ5gfzGGw+2DW3RQBgan4M0LV743t1Z/6Qy7HeNyhkX0bB5/Gue+IHhqa90jSbDT9MM+l21wGuLW2IWTYBxsNegUUAeW+GvC11a+NrXUdKstS0vSooWW4jvZt3nMegC5PT1r0P+xbD+2/7YNuDf+V5QlychfSr9FAGNp/hXRtL1W51Ozskju7k7pJMk5PfA7Vs0UUAFFFFABWfqOi6fqs9nPe24lks5fNgJJ+RvWtCigDGufCui3mux61PZI9/GoUSEnoOmR0NO1/wzpXia2it9WtzPDE+9U3lQG9eDWvRQBiaj4S0bVUtRdWxL2q7YZVkKyIPTcDnFc/4y8KH/hCH0jQNPRomlVp4UOHkXPzYJ/i9zXd0UAeQ6f4PuB4k0e40HTdW0iK2k3Xcl5PlXTH3QuTk16de6Lp+o31le3VuJLiycvbsSfkY8ZrQooAxpPCmiy+IP7cksUbUNoXzST26cdK2aKKACiiigAooooAz9b0a18QaRPpl75n2acYfy22kj61mav4I0fWrLTLW5WZI9NYG3MUm0rgYxn6V0dFAEdvBHa28cEK7Y41CqPQVJRRQAUUUUAFFFFABRRRQAUUUUAFFFFABRRRQAUUUUAFFFFABRRRQAUUUUAFFFFABRRRQAUUUUAFFFFABRRRQAUUUUAFFFFABRRRQAUUUUAFFFFABRRRQAUUUUAFFFFABRRRQAUUUUAFFFFABRRRQAUUUUAFFFFABRRRQAUUUUAFFFFABUUttBOQZYI5COhdAalooAiit4IM+TDHHnrsUDNS0UUAFFFFABRRRQAUUUUAFFFFABRRRQAUUUUAFFFFABRRRQAUUUUAFFFFABRRRQAUUUUAFFFFABRRRQAUUUUAFFFFABRRRQAUUUUAFFFFABRRRQAUUUUAFFFFABRRRQAUUUUAFFFFABRRRQAUUUUAFFFFABRRRQAUUUUAFFFFABRRRQAUVyfjTxTfeGJ9HNvZwXEF9drbSF3IZM9x611RdVXLMFHqTigB1FJkYznj1pomjb7siH6MKAH0UhYAgEgZ6c9aAwJIBBI60ALRRRQAUUUUAFFRXLyx20rwoHlVSVUnAJ9KwvBfiZ/Fmg/2jJafZXEzxNHu3YKnHWgDoqKMg9DSEgHBIoAWisLxJb3UsEc6a1/ZljAGe5ZVBZhjjBPSqXw/vdW1Dw2LjVXeQtK/2eWRNrSRZ+UkUAdVRRRQAUUUUAFFcd8Qdd1Tw/Y6dd6bJEokvI4ZlkTO5WOOPQ11NxfWtnCsl1cRQqehdgM0AWKKiS6gkt/tCTRtDjPmBhtx9aqRa5pU0ixxahbO7HAUSDJNAGhRXCXd5e+KvGlzodrdSWul6aqtePCcPLIeiA9h612CX1jHvhF3Dm3UeYDIMoPegC3RXP+KPEJ0nwZqGuacYrk20JkTDZVsfSue1ifVE8M2njSwnljvFto5ri03ExSoQCRjscHrQB6DRVTS9Qh1bSrXULc5iuIxIv4irdABRRRQAUVxuheIdWufiDreg3xtmtrSJJYGiQhsN2bmur+3Wn2j7P9ph84/8s943flQBPRUFxeW1oAbm4ihB4HmOFz+dLBd211n7PPFLt67HDY/KgCaiiuN8W+Jdb03XtM0fQ7K3ubi9R3/fvtAC0AdlRXPeG7jxLKtzJ4jt7O2UEeUsDZ47kk1s/b7Pyll+1weWx2q3mDBPpmgCxRR1GRRQAUUUUAFFFFABRRRQAUUUUAFFFFABRRRQAUUUUAFFFFABRRRQAUUUUAFFFFABRRRQAUUUUAFFFFABRRRQAUUUUAFFFFABRRRQAUUUUAFFFFABRRRQAUUUUAFFFFABRRRQAUUUUAFFFFABRRRQAUUUUAFFFFAHnXxY/wBV4a/7C8VQIv8AwlXxU1vStTmm+w6dax+Rbq5UEsOWOOprrfE3hKz8U/Yxez3CLaSiaIRNj5x0NRan4LsNR1SPVEnubTUFi8l7m3fa0iejetAHlx1HWV+H+uWcd7PJDp+sC3WQP+8aDPKg9zW54a0SG9+IaahpsF6mjQWik+czKpm9gep9aueOvC8en+D7DStKsrg2Qvkku5bfLTIOpk9zVXw/YX9t4107+wdS1e60oIxvzfKQmMfKBkdc0AT/ABRsribWPD66dfXMGpXV6scZWQ7I0H3jt70/wpaNafFbW7e2vbmS0trWNZvOlLB5W78967i98P2V/rtjq8+83FkGEIz8oz1OPWqMPgrS4PFE2voZvtMxDMnmHZuHfHrQB0dFFFABRRRQA2T/AFbfQ14hp2tXmi/CNmsZTDPdaw1t5o/gDSYJ/KvbZ42lt5I1cozKQHHUe9chZfDjTLfwtc+H7iee5tJ5jOC5+ZHJzkH60AYOprd+EPHHhePT725mt9TY29zDNIXDHGd/sa5G+v7/AFDTPEiT32oHxKl/5VnFAWxszwBjjGOteq2fg2K01CHVLy7uNSu7OEpa+cfucdvf3ry/Sre4ttH1C8/t3UtN1QzzSLYrbFtr5O0A45zxzQB3+q+DtW1jw3o1jBqgtPs4WS5jmQy+a+Ojc9Aa6Pw/p2p6dZPHqmpLezs2VdI9iovYAUvhaXU5vDGny6yu3UGhBnGMfNWvQB5LPZalP8VbvTLbXb1bFLLz79i/IyeFXsvFdB8KZry58KzTXNzLPEbyUW7StlvLDYHNbln4Vs7TV9X1LzJHn1NQkpY/dUDGBUfhXwha+FLeSG2uriZWJ2iVshBnOAKAOiooooA4D4tMF8P6dkgf8TKDr/vVSIh1T40XFlqoElvb6crWkUh+Qk/eIHc12+t+HdM8RQRQ6nb+fHE+9FJxhvWo9R8LaRqjW73VtmW3XZHKrEOB6ZoA8YmS4Twh45srG8Mem22qhbYFzhlyMxqfeun0DQDq3jjSdZg0cafZWVkI5VkYZkk7EAenrW5448JyTeDotI0LT42thcpJcW6Ha0iA5OD/AHvesbTvCUy+KNIu9F07UNMgtmJunuJyQ64+7t70AavgceR478Z2s3Er3STKD1KFcD8K56PQNLvPidrzrGV03S7MNPCHO2aUgn5vXFd5rXheW51q313SLoWeqRL5bllzHNH/AHWH9a07TQrC1e8mW2jE1/zdMP8AlocYNAHmvhezgvfgtqVp9st4PtyzSKJpcLEjN8ufQV2OqvBpvwumDyxvFFpoTejZVvkxwe9XYPBfh+20i50qLToxZ3IxLGedw9PpVPVfCMurG0017lIPD1sF/wBEiX5pSvQMf7vtQA/4c201n8PdEguARItuCQevJJH6GuopqIscaoihVUAADsKdQAUUUUAeXRzy2/xL8aT2/M0WlI6AddwBxXNTWdlJ8ErfXlkP9sGQTC63nzDLv6f/AFq9btPCmlWWu3OswxyfbrkbZnaQkOPQj0qrF4D8PQ3QmSzIQS+cIN58oP8A3gvTNAHn+ovJJ4+gl1izk1KN9HTNvGc+RIR1K+/rXQeBNB1bwp4DmaGyhfVJpGkSKSXgKTwGb2FZuv8Ahn7Z4+vtQ1rSdQuLN4EjtJtPY9uoYDvWh4R0fxJovhvVvKgdzNPusbK+m3FI+4Y9s0AavhfxPqep+JNQ0i8S0njtYlk+2WbEx7j1jPuKseIND0jW/ENj52py2uqQROYVgl2uUPWs3wj4av7DxVf6w1jFpFlcQqn2CKQOGkHWQ44roNZ8JaRrt9Be3cLi7gG2OeKQo6j0yKAOO8NXl3c3firw3rN6+o2Gn8pck4baRnYSO4rgRotvH8KZ9UmMjTajqHl6ehkIEAL4GPyr3Sx8NaVp2mT6fa2wSG4z5xz80hPUk9SahuvB+iXmgQ6JNaA2EBDRxhsFSOhBoA0dJUJpVrEJRKY4lRnDZyQMHmrlV7GxttOs47W0iEcMYwqirFABRRRQAUUUUAFFFFABRRRQAUUUUAFFFFABRRRQAUUUUAFFFFABRRRQAUUUUAFFFFABRRRQAUUUUAFFFFABRRRQAUUUUAFFFFABRRRQAUUUUAFFFFABRRRQAUUUUAFFFFABRRRQAUUUUAFFFFABRRRQAUUUUAFFFFABRRRQAUUUUAFFFFABRRRQAUUUUAFN8uMtuKLu9cc06igAooooAKKKKACiiigAooooAKKKKACiiigAooooAKKKKACiiigAooooAKKKKACiiigAooooAKKKKACiiigAooooAKKKKACiiigAooooAKKKKACiiigAooooAKKKKACiiigAooooAKKKKACiiigAooooAKKKKACiiigAooooAKKKKACiiigAooooAKKKKACiiigAooooAKKKKACiiigAooooAKKKKACiiigAooooAKKKKACiiigAooooAKKKKACiiigAooooAKKKKACiiigAooooAKKKKACiiigAooooAKKKKACiiigAooooAKKKKACiiigAooooAKKKKACiiigAooooAKKKKACiiigAooooAKKKKACiiigAooooAKKKKACiiigAooooAKKKKACiiigAooooAKKKKACiiigAooooAKKKKACiiigAooooAKKKKACiiigAooooAKKKKACiiigAooooAKKKKACiiigAooooAKKKKACiiigAooooAKKKKACiiigAooooAKKKKACiiigAooooAKKKKACiiigAooooAKKKKACiiigAooooAKKKKACiiigAooooAKKKKACiiigAooooAKKKKACiiigAooooAKKKKACiiigAooooAKKKKACiiigAooooAKKKKACiiigAooooAKKKKACiiigAooooAKKKKACiiigAooooAKKKKACiiigAooooAKKKKACiiigAooooAKKKKACiiigAooooAKKKKACiiigAooooAKKKKACiiigAooooAKKKKACiiigAooooAKKKKACiiigAooooAKKKKACiiigAooooAKKKKACiiigAooooAKKKKACiiigAooooAKKKKACiiigAooooAKKKKACiiigAooooAKKKKACiiigAooooAKKKKACiiigAooooAKKKKACiiigAooooAKKKKACiiigAooooAKKKKACiiigAooooAKKKKACiiigAooooAKKKKACiiigAooooA//Z"/>
+          <p:cNvSpPr>
+            <a:spLocks noGrp="1" noChangeAspect="1" noChangeArrowheads="1"/>
+          </p:cNvSpPr>
+          <p:nvPr>
+            <p:ph type="title"/>
+          </p:nvPr>
+        </p:nvSpPr>
+        <p:spPr bwMode="auto">
+          <a:xfrm>
+            <a:off x="7385537" y="205154"/>
+            <a:ext cx="4035671" cy="2206869"/>
+          </a:xfrm>
+          <a:prstGeom prst="rect">
+            <a:avLst/>
+          </a:prstGeom>
+          <a:noFill/>
+          <a:extLst>
+            <a:ext uri="{909E8E84-426E-40DD-AFC4-6F175D3DCCD1}">
+              <a14:hiddenFill xmlns:a14="http://schemas.microsoft.com/office/drawing/2010/main">
+                <a:solidFill>
+                  <a:srgbClr val="FFFFFF"/>
+                </a:solidFill>
+              </a14:hiddenFill>
+            </a:ext>
+          </a:extLst>
+        </p:spPr>
+        <p:txBody>
+          <a:bodyPr vert="horz" wrap="square" lIns="91440" tIns="45720" rIns="91440" bIns="45720" numCol="1" anchor="t" anchorCtr="0" compatLnSpc="1">
+            <a:prstTxWarp prst="textNoShape">
+              <a:avLst/>
+            </a:prstTxWarp>
+            <a:normAutofit/>
+          </a:bodyPr>
+          <a:lstStyle/>
+          <a:p>
+            <a:r>
+              <a:rPr lang="uk-UA" sz="1400" dirty="0" smtClean="0"/>
+              <a:t>Нам видали алгоритмі різної складності і нам потрібно розставити їх за зменшенням складності .</a:t>
+            </a:r>
+            <a:br>
+              <a:rPr lang="uk-UA" sz="1400" dirty="0" smtClean="0"/>
+            </a:br>
+            <a:r>
+              <a:rPr lang="uk-UA" sz="1400" dirty="0" smtClean="0"/>
+              <a:t>Щоб розставити їх правильно скористуймося наступною таблицею. </a:t>
+            </a:r>
+            <a:br>
+              <a:rPr lang="uk-UA" sz="1400" dirty="0" smtClean="0"/>
+            </a:br>
+            <a:r>
+              <a:rPr lang="uk-UA" sz="1400" dirty="0" smtClean="0"/>
+              <a:t/>
+            </a:r>
+            <a:br>
+              <a:rPr lang="uk-UA" sz="1400" dirty="0" smtClean="0"/>
+            </a:br>
+            <a:r>
+              <a:rPr lang="uk-UA" sz="1400" dirty="0" smtClean="0"/>
+              <a:t> </a:t>
+            </a:r>
+            <a:endParaRPr lang="en-US" sz="1400" dirty="0"/>
+          </a:p>
+        </p:txBody>
+      </p:sp>
+      <p:sp>
+        <p:nvSpPr>
+          <p:cNvPr id="12" name="AutoShape 12" descr="изображение"/>
+          <p:cNvSpPr>
+            <a:spLocks noChangeAspect="1" noChangeArrowheads="1"/>
+          </p:cNvSpPr>
+          <p:nvPr/>
+        </p:nvSpPr>
+        <p:spPr bwMode="auto">
+          <a:xfrm>
+            <a:off x="155575" y="-987547"/>
+            <a:ext cx="2381250" cy="2381250"/>
+          </a:xfrm>
+          <a:prstGeom prst="rect">
+            <a:avLst/>
+          </a:prstGeom>
+          <a:noFill/>
+          <a:extLst>
+            <a:ext uri="{909E8E84-426E-40DD-AFC4-6F175D3DCCD1}">
+              <a14:hiddenFill xmlns:a14="http://schemas.microsoft.com/office/drawing/2010/main">
+                <a:solidFill>
+                  <a:srgbClr val="FFFFFF"/>
+                </a:solidFill>
+              </a14:hiddenFill>
+            </a:ext>
+          </a:extLst>
+        </p:spPr>
+        <p:txBody>
+          <a:bodyPr vert="horz" wrap="square" lIns="91440" tIns="45720" rIns="91440" bIns="45720" numCol="1" anchor="t" anchorCtr="0" compatLnSpc="1">
+            <a:prstTxWarp prst="textNoShape">
+              <a:avLst/>
+            </a:prstTxWarp>
+          </a:bodyPr>
+          <a:lstStyle/>
+          <a:p>
+            <a:endParaRPr lang="en-US"/>
+          </a:p>
+        </p:txBody>
+      </p:sp>
+      <p:sp>
+        <p:nvSpPr>
+          <p:cNvPr id="15" name="Прямоугольник 14"/>
+          <p:cNvSpPr/>
+          <p:nvPr/>
+        </p:nvSpPr>
+        <p:spPr>
+          <a:xfrm>
+            <a:off x="5977217" y="3244334"/>
+            <a:ext cx="237566" cy="369332"/>
+          </a:xfrm>
+          <a:prstGeom prst="rect">
+            <a:avLst/>
+          </a:prstGeom>
+        </p:spPr>
+        <p:txBody>
+          <a:bodyPr wrap="none">
+            <a:spAutoFit/>
+          </a:bodyPr>
+          <a:lstStyle/>
+          <a:p>
+            <a:r>
+              <a:rPr lang="en-US" dirty="0"/>
+              <a:t> </a:t>
+            </a:r>
+          </a:p>
+        </p:txBody>
+      </p:sp>
+      <p:sp>
+        <p:nvSpPr>
+          <p:cNvPr id="16" name="AutoShape 16" descr="data:image/jpg;base64,%20/9j/4AAQSkZJRgABAQEAYABgAAD/2wBDAAUDBAQEAwUEBAQFBQUGBwwIBwcHBw8LCwkMEQ8SEhEPERETFhwXExQaFRERGCEYGh0dHx8fExciJCIeJBweHx7/2wBDAQUFBQcGBw4ICA4eFBEUHh4eHh4eHh4eHh4eHh4eHh4eHh4eHh4eHh4eHh4eHh4eHh4eHh4eHh4eHh4eHh4eHh7/wAARCAF+BIIDASIAAhEBAxEB/8QAHwAAAQUBAQEBAQEAAAAAAAAAAAECAwQFBgcICQoL/8QAtRAAAgEDAwIEAwUFBAQAAAF9AQIDAAQRBRIhMUEGE1FhByJxFDKBkaEII0KxwRVS0fAkM2JyggkKFhcYGRolJicoKSo0NTY3ODk6Q0RFRkdISUpTVFVWV1hZWmNkZWZnaGlqc3R1dnd4eXqDhIWGh4iJipKTlJWWl5iZmqKjpKWmp6ipqrKztLW2t7i5usLDxMXGx8jJytLT1NXW19jZ2uHi4+Tl5ufo6erx8vP09fb3+Pn6/8QAHwEAAwEBAQEBAQEBAQAAAAAAAAECAwQFBgcICQoL/8QAtREAAgECBAQDBAcFBAQAAQJ3AAECAxEEBSExBhJBUQdhcRMiMoEIFEKRobHBCSMzUvAVYnLRChYkNOEl8RcYGRomJygpKjU2Nzg5OkNERUZHSElKU1RVVldYWVpjZGVmZ2hpanN0dXZ3eHl6goOEhYaHiImKkpOUlZaXmJmaoqOkpaanqKmqsrO0tba3uLm6wsPExcbHyMnK0tPU1dbX2Nna4uPk5ebn6Onq8vP09fb3+Pn6/9oADAMBAAIRAxEAPwD7LooooAKKKKACiiigAooooAKKKKACiiigAooooAKKKKACiiigAooooAKKKKACiiigAooooAKKKKACiiigAooooAKKKKACiiigAooooAKKKKACiiigAooooAKKKKACiiigAooooAKKKKACiiigAooooAKKKKACiiigAooooAKKKKACiiigAooooAKKKKACiiigAooooAKKKKACiiigAooooAKKKKACiiigAooooAKKKKACiiigAooooAKKKKACiiigAooooAKKKKACiiigAooooAKKKKACiiigAooooAKKKKACiiigAooooAKKKKACiiigAooooAKKKKACiiigAooooAKKKKACiiigAooooAKKKKACiiigAooooAKKKKACiiigAooooAKKKKACiiigAooooAKKKKACiiigAooooAKKKKACiiigAooooAKKKKACiiigAooooAKKKKACiiigAooooAKKKKACiiigAooooAKKKKACiiigAooooAKKK8a+N3j7xX4L8ZeH7bTjayaZqU6xSq8eWXJ9aAPZaKrtdwQ2aXF1NHCpUEs7ADpS2d7aXiFrW5inUdSjg0AT0VSuNW0u3m8mfULaOT+60gBqe1u7W6UtbXEUwHUowOPyoAmoqsmoWLvIi3kDNF98CQfL9afa3drdIXtriKZR1KMDQBNRRRQAUUUUAFFFFABRRRQAUUUUAFFFFABRRRQAUUUUAFFFFABRRRQAUUUUAFFFFABRRRQAUUUUAFFFFABRRRQAUUUUAFFFFABRRRQAUUUUAFFFFABRRRQAUUUUAFFFFABRRRQAUUUUAFFFFABRRRQAUUUUAFFFFABRRRQAUUUUAFFFFABRRRQAUUUUAFFFFABRRRQAUUUUAFFFFABRRRQAUUUUAFFFFABRRRQAUUgZScBgT6ZpSQBkkAUAFFIrBhlSCPUUtABRRRQAUUUUAFFFFABRRRQAUUUUAFFFFABRRQelABRWPH4o8PyawdJj1a1a9HWISAsKS28U+H7nVzpNvq9pLej/AJYrIC2aAMr4jfELw/4FsGutYmfIXd5ca7mxV7wL4qsfFnhmHXrJWS2mXcu7qBWB8cNI02f4fa1fTWcUlwtqQsjLkgVzfweaSL9n3db5Di1k24+hoAuav8bdFtJ79rTT7q8sdPk8u6uUX5UNdJq/xI8O6f4Mt/FBuPNtLoDyFXlnY9hXkHwbjtLj4BeJ2uEjZ3aYzFgM55615zo8t1/wiPgO3utxsTqR2buh+agD6Q8LfFrS9V8TQeHb+yn02+uY/Mt1lHDrXpFfO/xwiWP4veBZbNQs+VHyjnbX0Omdi564oAWiiigAooooAKKKKACiiigAooooAKKKKACiiigAooooAKKKKACiiuN+MXje18A+Br3Xrgb5EXbDGOrOelAHTXGqafBfQ2Mt5CtzMcRxFxub8KuV4h+z/wCCr7USnxH8W3E9zq18TNaxu3yQIemBXt9ADJpEhheWRgqIpZiewFebj45fDsX8tlLrSRSxkg7+AcelaHx41ttB+Gep3cbESOoiTHXLcf1rhtD8B/DTQfhxpeqeNNNsDKYQzzzD5mLc/wBaAOw/4XT8Of8AoYrb86vaL8VPAur3TW1jr1tJIq7m+boPWvKba+/Z5m1COzfQraDzW2xyywlUY+xNeoaf8K/h6ltJLp2g2kS3MW0yRDkqfegDt7W4guoFmtpkmiYZVkbINeAftXf8jN4MH/UQT+dUtE1O/wDg18XIPCd9eXFz4Z1hv9DeZsmFz/Dn0ruPjL8Nda8ea7pGoWWr21rb6dIs0ashJY9aAOF+JWoah4p/aH0T4fzXktvpENos8iI23zTjoaq3n9ofD/8AaBfR/D97M9hqFixW2kfcEfHWvRviJ8KbnX9a0nxXpWpJY+JdPjCefj5JAPUVQtPhzd6TqOs/EHxZff2rrf2J441gXCINv8I9aAPBbC8s9W8M+KY9fn1WbxP9qkS3eHcVBzwFIr6K/Z78J3ul/CeC11aW5jv72E+a7Md6gjg/Wvnz4b2niL/hEtS1rT/Emm2IW6mlW1u1HnAg+9fQv7NHizxN4u8BNfeJrVYrmKdokdU2iRR0OKAPHfDnhGa6+Puu6FY67qI0KztVe9ZpiWkb613P7LSTrrPifybqeXTI7to4BK+eh7V2ngb4ZtoGq+JtSur0XM+ts/zAYManoKy/hJ8JdR8Ga9cXdxrrz2fmtJDbx8DLf3vWgD12iiigAooooAKKKKACiiigAooooAKKKKACiiigAooooAKKKKACiiigAoorGbxV4fGsf2R/a1r9t/55eYM0AbNcX8QviFY+ELm1s5LK6vLu6OIo4kJz9T2raXxV4dbVv7KXWLNrz/nkJQT9Kr+OdY0Dw3pL65rSQnyB+73KCzN2C0Ac34I+K2meIfFk3ha5sp9P1WJd/lSD7w9q9Grwz4R+HdQ8RfEO6+J+uQrYrcL5en2x4fZ6kV7nQAUUUUAFFFFABRRRQAUUUUAFFFFABRRRQAUUUUAFFFFABRRRQAUUUUAFFFFABRRRQAUUUUAFZ/iLWbDQdJn1TUphFbQrudjWhXjP7TGom6j0HwbCSZtYu1BA/uA80AbVh8dPhveRGRdeiTno/Bqx/wALp+HP/QxW350tr8Gfh0ltEk3hixeRUAZtv3j61J/wpv4bf9CrY/8AfNAG/wCD/GXh3xbHNJoOoR3iw/fKHpXQVg+EvB/hzwpHKnh/S4LFZf8AWCMY3VvUAFFFFABRRRQAUUUUAFFFFABRRRQAUUUUAFFFFABRRRQAUUUUAFFFFABRRRQAUV5D8Sfitqmj+N4fBfh3QLjUNTmXIk2/u1+prAtvjP4k8N/ELTvCfj7RVtG1E4t54/un2oA9x1TVNO0uHzdQvIbZexkcDNVNN8QaXq8Mo0m/t7mZAfkVxnP0rC8deA9D8Walp+r6xcTCGxBcRh8RsPVq8j+H1jHqf7Qk+qeD1ki0CyQxXTIT5cj9OPWgCSbxv8VpPFviLQbe705UtITPHcGPKwKP4T6mu3+G/wARL5vhkPEfitWlkSQxlrePO/3Aq7pPw1e2PieS5vvMn1oOquBzGp6CrXwi8CXfg/w+2l6pfJqKg4jXb8oX6HvQB5b8P/jLp/8AwsLXPtg1GS1lcLbp5ROzJ9O1d58eW1+78BSarourGwtUjEjqBiRs+/atfwh8P4NF8Y6xrcsdtJHfHKJsHyVZ+LHhvXfFHhp9E0W+tbGKYbZmlTPHtQBZ+EdxNdfDvR57iRpJXgBZmPJNdXXHfCzQPEPhrw/Do+tX9reR267IWiQqce9djQAUUUUAFFFFABRRRQAUUUUAFFFFABRRRQAVBqFv9rsZrXzHi81Cm9Oq5HUVPQelAHxd8SPBBtfj54f8MeD765ivZMyX14zkuynqTWx4r8H6d4e/aR8CaV4ZknS5U776UuSXPctXoHw98F+JpP2hPEXi7XdNeCxUmOwlY53p6isLxl4Z+IVj8fpPFGjaIb+GSER285PywnPU0Aeu/Fnwz4k8V6M+i6TqdvZ2dxHsuC6kufpWb8IvA3iLwdpX9halqltfaUIyioFO/n1rvtCF+NIthqbI15sHnFOm72q7QB4hL8GNWsW1fS9C10W+havN5tzA+d656ha6TxR8JNH1PwHYeHLNzayacQ9rMOquO9el0UAeVeFvhlqTeLbLxN4u1JL+70+LybVYxhQPU+9eq0UUAFFFFABRRRQAUUUUAFFFFABRRRQAUUUUAFFFFABRRRQAUUUUAFfMn7Y91NqPijwh4VD4hubtGkX+8Mivpuvl39qFfJ+OngS8k5iEwUg9M5oA+inurDwz4UjnmzHZ2duoIVckAD0riPhv8afDPjjxdeeHNPSaC5t13DzhtMn0Br0kRxXFmkcsavGyDKsMg8V8t/tKaLL8Ofih4e+KWiwiG0WURXqxrgAZ6nFAHoPx/uv7b8WeGPAsLZku7kTTp/0zHr+Vdh8Q/hro3jjSNN0zVnlW2sWVgkZwGxjg/lXm/wAIryP4kfGW+8fR/vbCwtRaWzdg3U17H4+8VaZ4N8M3WuapKEhgQkDPLN2AoA8I/bM0vw5p3wvsNGsbOFNT89I7JIlxJxgdua9l+DFjqenfDPRLTWGZrxLZd+7r04ryP4baDceOfER+KfxAuIY7WIltMtJHG2KPsxB717/omp6fq+nR32mTpPavwjp0OPSgDwb9uSwC+AdN163G28sr+PY46gZr2X4b6k2reB9IvnOXktU3H1OK8t/bamji+Dbh8fPdxqv1zXefAyGS3+FuiRyfe+zKf0oA7ekdVdCjqGUjBB70tFAHKXHw58F3F211L4ftDKx3EgYyfpXS2NpbWNsltaQpDCgwqIMAVNRQAUUUUAFFFFABRRRQAUUUUAFFFFABRRRQAUUUUAFFFFABRRRQAUUUUAFFFFAEd1D9otpId7JvUruXqM+lfGnxz8Hx2Pxm8OeHPCF3cJqVyxe8ui5L4J719nngV8/+GvA/ii+/ag1TxlrWmvDo6QbbORjkEj0oA4P4qeCtN8MfFDwNpmhST/2tJKsl5NvJaTnndXsvxu+GOrfEEaWLXWfsMdkQ5Q5wzDua4H4reFvH6/Hu38U6Jo51G0EQjgf+GFvU19C+HBqQ0e3/ALXKG9KAy7OgNAHmPgP4aeLNI8V22r654qe/t7dCqW4yFH4V69RRQAUUUUAFFFFABRRRQAUUUUAFFFFABRRRQAUUUUAFFFFABRRRQAUUUUAFFFFABRRRQAVzXxB8aaT4J0g6jqvnMp+4kSFix/Culqve2NpepsureKYYIAdQcfnQByHwl+JOi/EbS577SQ0fkOUkjf7y/UVwFmknjP8AaNurxf3tr4Zh2op6b2rzT+1m+BHx61eK5zDoOuK0kfZQ/bFezfs36aW0vVfE0y5m1W6Z9/8AeXPFAHmfxw8efE7wH430K7mu4ZINSuWihsIhyVHTNSeOfGnxV8M+KvC+paje2y22rzhfsCDlVPr70vjnd40/a30fSGUy2mjx+aMjKhu9RftG63ZwftBeFU1pni0vS4zP90kMSOgoA+orR2ktYpG4ZlBNS1l+FdZttf0O31Szjkjt5lDRh1wcfStSgAooooAKKKKACiiigAooooAKKKKACiiigAooooAKKKKACiiigAooooAKKKKAKVxa6bBO2qTwQJKiktOyjIH1r5k8RrN8bPj7pcujwk6F4ZkPmXePld89Ae9bP7V/xTt9Kv7PwHBetaC9/wCP+4UH91H6cUngz4xfC/wbouleF/BzG9uZpFjfahBZj1YnvQB1P7Ss/jZtCtdA8I6bcXEFzhbuWE4ZUHUA+9UPg3qPirTdW0vw3a+C30jREQ/ariTlnbHUn1Ne42zie2jlZRllB5FSBVHRQPwoAWiiigAooooAKKKKACiiigAooooAKKKKACiiigAooooAKKKKACiiigAooooAKKKKACiiigAooooAKKKKACiiigAooooAKKKKACiiigAooooAKKKKACiiigAooooAK+fP2z/D9xJ4b0zxdZRs0uj3KSPtGTtyK+g6qavp9pq2mz6ffQrNbzoUdGGQQaAMn4c69beJfBel6vbSq4nt0LbT0bHINVvit4Qt/HPgfUPDlwExdRlVZh91uxrhvh94C8X/AA98YCz0a+huvCV3KzyQSE77f/d9q9joA81/Z3+GzfDDwQdBlmjnmeYyySJ0Jp/x0+Gf/CztCh0ibU5rKCOQO3ln7x969HooA+b5f2b9Wm0/+z5PHmqm02hfLD4G30r234beF4fBvg6x8O28zzR2i7Q7Hlq6OsjxhJrUfh66bw/HFJqW3ECyfdz70AeBfte3j+Jta8N/DmwbzZ7u8SWZU5KAHqa+hfDunppWhWWnIABbwLH+Qrzf4VfC+80nxBP4y8YXial4juB95eUhB7LmvV6ACiiigAooooAKKKKACiiigAooooAKKKKACiiigAooooAKKKKACiiigAooooAKKKKACiiigAooooAKKKKACiiigAooooAKKKKACiiigAooooAKKKKACiiigAooooAKKKKACiiigAooooAKKKKACiiigAooooA8j/aT+D8fxV0Kzht5ora/tZQ0crjjb3Fd/wCAdBXwz4Q07Q1IY2sIRiOhPc1u0UAY9r4Y0K11yXW4NNhTUZRh7gD5jUPiHwd4b8QX9vfaxpNvd3FucxPIuStb1FADIIo4YlihRURRhVUYAFPoooAKKKKACiiigAooooAKKKKACiiigAooooAKKKKACiiigAooooAKKKKACiiigDlPEHw68F6/qLahrGg2l5dN96SRck1VsfhT8PrK7ju7XwxYxTRsGRwnINdrRQAiKEUKvAAwKWiigAooooAKKKKACiiigAooooAKKKKACiiigAooooAKKKKACiiigAooooAKKKKACiiigAooooAKKKKACiiigAooooAKKKKACiiigAooooAKKKKACiiigAooooAKKKKACiiigAooooAKKKKACiiigAooooAKKKKACiiigAooooAKKKKACiiigAooooAKKKKACiiigAooooAKKKKACiiigAooooAKKKKACiiigAooooAKKKKACiiigAooooAKKKKACiiigAooooAKKKKACiiigAooooAKKKKACiiigAooooAKKKKACiiigAooooAKKKKACiiigAooooAKKKKACiiigAooooAKKKKACiiigAooooAKKKKACiiigAooooAKKKKACiiigAooooAKKKKACiiigAooooAKKKKACiiigAooooAKKKKACiiigAooooAKKKKACiiigAooooAKKKKACiiigAooooAKKKKACiiigAooooAKKKKACiiigAooooAKKKKACiiigAooooAKKKKACiiigAooooAKKKKACiiigAooooAKKKKACiiigAooooAKKKKACiiigAooooAKKKKACiiigAooooAKKKKACiiigAooooAKKKKACiiigAooooAKKKKACiiigAooooAKKKKACiiigAooooAKKKKACiiigAooooAKKKKACiiigAooooAKKKKACiiigAooooAKKKKACiiigAooooAKKKKACiiigAooooAKKKKACiiigAooooAKKKKACiiigAooooAKKKKACiiigAooooAKKKKACiiigAooooAKKKKACiiigAooooAKKKKACiiigAooooAKKKKACiiigAooooAKKKKACiiigAooooAKKKKACiiigAooooAKKKKACiiigAooooAKKKKACiiigAooooAKKKKACiiigAooooAKKKKACiiigAooooAKKKKACiiigAooooAKKKKACiiigAooooAKKKKACiiigAooooAKKKKACiiigAooooAKKKKACiiigAooooAKKKKACiiigAooooAKKKKACiiigAooooAKKKKACiiigAooooAKKKKACiiigAoopN68/MvHXmgBaKAcjI5ooAKKKKACiiigAooooAKKKKACiiigAooooAKKKKACiiigAooooAKKKKACiiigAooooAKKKKACiiigAooooAKKKKACiiigAooooAKKKKACiiigAooooAKKKKACiiigAoornfHHjLQ/B9gLrWLry933I1GWf6CgDoqg1CZ7eymnjjMrohYIP4iO1eex/GvwLJ4fXV11LcrEgQqMyflXReCPHXh7xfocmsaReCS2hJEpPGw+9AHlXij4kfFDTPD174tl8Mw2emWkuPIkk+d0zjNeu/D3xEvivwhp+vLAYPtcQcxn+E14j+0hoer614auvGGkeMEm0W0YO2nAfJJg8qTXrHwP1mPXvhlo+oxWIsleEDyQOBjigDtaKKKACiiigAooooAKKKKACiiigAooooAKKKKACiiigAooooAKKKKACiiigArB8XeL9A8J26XGvX8dnE5wHfpmt6vG/wBsWws7r4Ga1LcW8ckkQQxsRyp3dqAPWdI1Gz1XT4r+wmWa3mXcjr0Iq3XnfwOurbT/AIM6LdXUqwwRWiszscAACql38b/BtuzTebO9ir7GuljPlg/WgD0+iseDxNok/hseIo9QhbTfL8zz93y4rz28+Pfgu3ge833DWCNs+0iM7CfrQB6Z4gvZ9P0a6vba2a6mhjLJEOrn0rwzxF8TvidoXh1fF+peGYbbThOEe1aT5wuetepeBviBofjDTJtS01pBaQgs0si4Uj1BryDxbrcPxe8Tf2X/AGpDp/g/S5t11KzgG4dT90e1AHvPhLWY/EHh2y1eKMxrcxLJtPbI6Vq1neG/7MGiWyaQUNlGgSIr0wK5Dxn8XfBvhbV49L1C/wA3DOEbYMhCemT2oA9AorzfxB8avAmjXlvbz6mH84qPMQZRc+pr0Kxuob2ziu7ZxJDKgdGHcGgCaiiigAooooAKKKKACiiigAooooAKKKKACiiigAooooAKKKKACuYuPH3hW38UJ4am1SJNUc7VgJ+Ymunr5h+M1hZw/tSeDLqK3RJnYbnA5P1oA+nh0orn/GPi/QfCOnJea3epArkKi/xOfQCuZ0b4xeEb7WotIuLiSxup8eSJ02h89MZoA9GormvHXjjw94NsI7rWr1YvNO2JByzn2FcPc/H7wbZ3cVpei6guJceXG0RDOD6UAetTyxwQvNM4SNAWZieABXmOn/Fc+IPGH9ieEtIk1S1hk2XV7nEcfrg96xf2l/G0tn8I4p9LaSKTV3WCMnggNXXfB3w/pXgf4Y2EY8uBfs4uLqZuMsRkkmgDvR0orzjSvjR4F1DW7jS49TWNoFLF3GFYDrg96m8LfF7wb4j8Uf8ACO6ffH7YwzGHXAce1AHY6nrelabPDBf30NvJMcRq7YLH2rgvF3xPuvCPicW2vaHLDokhAj1FDuXJ9R2ry/8AbBS4X4j/AA78mV0Wa/CsFOM8ive/HWgWmveCL7R7yJZUktioyM4IHBoA2tNvrXUrGG+splmt5lDI6nIIqxXgv7IPiK6m0fV/B99I0k2i3LRoxP8AyzzwK96oAKKKKACiiigAooooAKKKKACiiigAooooAKKKKACiiigAooooAKKKKACiivFfiPqXxV1b4gR+GPCax6ZphXMuoOm7H0oA9qrmvGnjfw/4Ra3j1i8EU90SIIhy0h9hXz/eeOviJ8K/i3o3hnxNq8eu6XqsojWQJtZSe9e/eNdM8JukPiTxJa20g01TJFNMP9X9KAKHh34heHPFl1daHp1+1vqSof3Ugw49wK8Cdten1jx+0fii9GkaRCdx3nJm9j25rqvhZ4duvGPxrvviZDZ/2do0cfkWgAwbj/ar1S0+Gfhe10rW9Nit5fJ1qRpLws+WZj1waAKX7Pl5qF78MNKn1W9+1XUkIfcTltp6Zr0Kud8BeDtK8GaQumaSZ2gUYXzX3ED0+ldFQAUUUUAFFFFABRRRQAUUUUAFFFFABRRRQAUUUUAFFFFABRRRQAVz9v418KXGuf2HBr1jJqWcfZllBfP0roK+V/F2lafYftmaFNZ2scDzwlpCi43HPWgD6oorC8W+LtB8LQLJrN/Hbl/uIT8z/QVieGvin4P17VhpNvqHk3rfchmG1m+lAHcUVzXjbxx4b8Hwo+t6gkDyH93FnLv9BXJD47+ARex2Ul7NFcyY2xPHhj+FAHqVFQafdRX1lFdwZMcqhlz6VPQAjEKpYnAAyTWPL4p8OxSGOTWLNWBwQZRkVe1sldGvWBwRbyEH/gJr5G+CPww8P+PbHWdW8Qa1eR3K6lJEqi4K8A0AfWGj+IdF1iaSHTNStruSL76xOGK/WtSuA+F3w08O/Dm3updLlkYTfPLLK+7j60+0+LngW68RyaFFrUP2pASSThTj0NAHeUVwmlfFrwPqficeHbTWInvmOEHZz7HvXd0AFFFFABRRRQAUUUUAFFFFABRRRQAUUUUAFFFFABXFfGJNDs/Bmo6/q1jBcNY2ztG8i52EjHH512tcF8ePCeqeN/h1feGdLuFt3vMK7n+7mgDwf9m/wZpek/C3X/HeuQJdSXKyyQCUZWNDnG2u1/Y80RT8P9Zupo9ttq127hB02kkcV2y/DuSP4Ff8IDDOI5zZeQZR/e9axPgR8OvFnhJYY9b1ndaWqGOG2iGFbnqfegC2/wABPCbTuDqOs/Ynk8x7L7UfJJzn7teoaRp1npWnQ6fYQJBbwqFRFGAAKtUUAFFFFABRRRQAUUUUAFFFFABRRRQAUUUUAFFFFABRRRQAUUUUAFFFFABRRRQAV5L+11/yQfXv91P/AEKvWq81/aH8KeIPHHgOfwzockUIuyBNI4zgA54oA8i+KOq3emfsd6YLN3jaeKKNnU4IBIzXouj+FdAm/Zzisfsdu0L6ZvZivVtuc59ak0v4X3msfBH/AIQDxTIm9IxHHKg6Y6Guc0/wH8ULPwS3gNdSgbTdvlJd4+cR+n5UAeXfCy31zWv2W/F+lwTvttL51g3PgeWM8Cl07xJoOofswL4LttDuJteYGFIltycvn726vR/i34a0n4X/ALOdx4fs7ySKW4cKZB1mlJ7/AI1zfhDw/wDG7SPCdnd2WnaRiO3EkY8sbiuM9fpQB6v8DvA89h8ELTwzrsbwS3FuUnCHa6g+/rWRbfsy/D+3Qxw3WtJEzbmQXZwx962P2bfiPqXxC8MXU2r2a297ZTmCXb90kHBxXq1AGd4c0az0HRoNKsQwt4F2puOTj3NfOX7aul6X/Y2laLpljBBqmsX6Bp0XDkA8nNfT1eQfEz4Z6r4v+Kmg+IJLpBpmlncIiOSaAPLP2gvCeieEfhD4a8MWVnHJqF7cwo8zDMjMTyc19N+C7BtL8JaXp75LQWqIc+wrzP8AaG+GmteNpdEvNCukhuNNlDqrjKnFd58ONE1jRNCEOuao+oXjtudj0X2HtQB09FFFABRRRQAUUUUAFFFFABRRRQAUUUUAFFFFABRRRQAUUUUAFfNfxq/5Oc8E/wC8K+lK8E+KXw38aeIfi/pPjDTbiCO30xwY42HLDvQBy3xdmGtftV+F9A1PMmnxASLCx+Rm+lWv259IsbHwr4c1qxt47e/h1SOKOSMYbbxxXb/GT4T3nivVtJ8W6LeCx8Q6dtZWxwxHUVl698M/F/xG1bSW8dXkcWnabIsvkRD/AFjjvQB5t+0PHqUWq/DzxbqsbXGmwpEs0Ocktgc7e9WfiYlr8Tfil4Pk8H6ROY7Ha11cNAUVR6e9W/2kV1PV/jB4b8N+D5En1CwhBNrKMxqB0JFL4k8S/GD4X29tq+qabpj6c8ypMsKBTzQB0H7aFo0Xgnw2yjbHbahEXx0wCK9x0GG01PwbZQzxJNbT2iBkPIZStcr468Pw/FD4TeQ8YjnurYTQ5H3XxkVyXwH8eT2Fivw/8ZRyWGu2GYYDIPlnQcKQaAPMbjwbpPjP9qmTRbOBbbSNFiV5Y4BhX/2T7VuwaZp2p/td21npNnFa22j2uZBCuAOOK9E+Dfwy1Lwr458R+J9Wuknm1SUmPA5VM8Cubl+EfjG0+MWr+KNG1hLa01TasrkZdVHUA0Abv7QHgzWPFHjLwNfabZmeHTb5pbhh/AvFevag6x2E8jfdWMk/lXlPxQ8B+NtY1rw1L4d8UXdja6e6m8VXx9oA65qT42fEO30XRJfC+j+Zf+I7yLyYoIl3FSRjcx7UAee/sjxPN8UPiBqUZJtprjamOmQ1fTdebfs8+BH8D+Bo4LxR/aV25num77m5xXpNABRRRQAUUUUAFFFFABRRRQAUUUUAFFFFABRRRQAUUUUAFFFFABRRRQAVQ17VLDQ9JudV1GZILa3Qu7sccCr9fKH7WXjDXLzxdYeF4dG1W40OCQSXv2aFiJh/dyKANHwh4fvvjN8XU8e6pC8Ph3SpP+JcpGPOYHr9K739orwj428YRadYeG5449Pik33UbH/W46D6V51pvxz1hf7F8M+E/AOo6dB5yRF3tmConevqG0Z3tYmkGHKgsPegDx3wJoXxSi1/S01mW0s9FsVK/Z7ZQu7617PRRQAUUUUAFFFFABRRRQAUUUUAFFFFABRRRQAUUUUAFFFFABRRRQAUUUUAFfMnjz/k8bw3/wBe5/nX03Xzx4o8AfEDUvj/AGPjyGytxY2Z8tIzKMlPWgDE8WyJ4k/bDstE1YedZWNuGjhflGPrio/2vtJtNC8T+E/EGi28dpfrdKmYRtLDPTiu4+Lfwt1vUfHml/ETwjOkGs2ihZoG6Sj0zVa6+Hfi34heONK17xykdjYaWweOyjbdvcdyaAPPfjpJJZfGzwT4i8RW7XWlPbIXixkK2Bk4o8V6VYePP2jvD2oeEdKD2FtGrXU/lYjwO1Wfjn/wkms/H7TrLwV5F/c2dsVe1nTdGgx6Ulx47+KHwrvrG48ReGtOTS7qZYnNsgUjJ9qAPcvib4i8UaAdL0vwl4c/tGW8PlmQNtSADua5PwN8UfEq/F0/DfxZpcSXj2/2iOeF8gD0Nd/4g1S31bQbWxt9ZTSNQ1SANau3LAkdhXgfwwTUvAf7SUvhTX7hfEN7f2/mpqTD95Ep/h+lAH1JdRxy20sUv3HQq30Iwa8Zm+AHhxLS/k0jVdQtJLh3mQxTkKrnvivWfE1lcajoF7Y2sxgmmhZEkHVSR1rwvwRovxu8I6Td6D+51eKV3MF3LL80eaAKf7L/AIl8QT+IfEfw78T3z6n/AGbIyLM/Ur6VxPjHwTpvib9qKx8L6HALOy0+MS3hh4LLnnJr3H4GfC6bwQmoaxq14L3XdScyXEoHAJ7VT+F3w41jRfi34i8Z6wUb7f8AJb4OSEzQB5d4w8P6TcftVeG9F8PWMVsulxBrjyxgn3NfWY4GK+dvEPws8eQ/Ha/8ZeHr2GK31CIRPM/JjX2Fe+6Laz2WmQW1zcNcTIoDyH+I+tAFyiiigAooooAKKKKACiiigAooooAKKKKACiiigAooooAKKKKACiiigAooooAKKKKACiiigAooooAKKKKACiiigAooooAKKKKACiiigAooooAKKKKACiiigAooooA5T4o+BtK8f+Gn0TVdypuDo69VYdDXGQfCnxJHpI0f/hNr37EE8sEE79vTGfpXr1FAHMfDjwVpPgbQRpWkqdpYvJI33nY9Sa6eiigAooooAKKKKACiiigAooooAKKKKACiiigAooooAKKKKACiiigAooooAKKKKACiiigAooooA8w+IfwisfEviyDxZp+pT6XrES7fOiONw9DVG9+D93r1zat4q8SXV/b28gcQA4RiPWvXaKAIbK2hs7SK1gQJFEoVQOwFU9Q0HRtQvYb28023muYTmOVk+ZT7GtKigAooooAKzIvD+ix6u+rJptsL9/vT7PnP41p0UAFFFFABRRRQAUUUUAFFFFABRRRQAUUUUAFFFFABRRRQAUUUUAFFFFABRRRQAVG0MLHLRIx9SoqSigCNbeBTlYYwfUKKkoooAKKKKACiiigAooooAKKKKACiiigAooooAKKKKACiiigAooooAKKKKACiiigAooooAKKKKAPJfGPwhmvPHq+NvDGuyaRq23a+V3I49xVe9+EGq+KNbsdQ8eeJ31SCzcSR2sKbIyw6E+texUUAcV4/+GugeMorEX73VtJYjFtLayeWyfiKi8B/C3w34R1STVrb7Vfak67Td3knmSAegJ6V3VFABRRRQAUUUUAFFFFABRRRQAUUUUAFFFFABRRRQAUUUUAFFFFABRRRQAUUUUAFFFFABRRRQAUUUUAFFFFABRRRQAUUUUAFFFFABRRRQAUUUUAFFFFABRRRQAUUUUAFFFFABRRRQAUUUUAFFFFABRRRQAUUUUAFFFFABRRRQAUUUUAFFFFABRRRQAUUUUAFFFFABRRRQAUUUUAFFFFABRRRQAUUUUAFFFFABRRRQAUUUUAFFFFABRRRQAUUUUAFFFFABRRRQAUUUUAFFFFABRRRQAUUUUAFFFFABRRRQAUUUUAFFFFABRRRQAUUUUAFFFFABRRRQAUUUUAFFFFABRRRQAUUUUAFFFFABRRRQAUUUUAFFFFABRRRQAUUUUAFFFFABRRRQAUUUUAFFFFABRRRQAUUUUAFFFFABRRRQAUUUUAFFFFABRRRQAUUUUAFFFFABRRRQAUUUUAFFFFABRRRQAUUUUAFFFFABRRRQAUUUUAFFFFABRRRQAUUUUAFFFFABRRRQAUUUUAFFFFABRRRQAUUUUAFFFFABRRRQAUUUUAFFFFABRRRQAUUUUAFFFFABRRRQAUUUUAFFFFABRRRQAUUUUAFFFFABRRRQAUUUUAFFFFABRRRQAUUUUAFFFFABRRRQAUUUUAFFFFABRRRQAUUUUAFFFFABRRRQAUUUUAFFFFABRRRQAUUUUAFFFFABRRRQAUUUUAFFFFABRRRQAUUUUAFFFFABRRRQAUUUUAFFFFABRRRQAUUUUAFFFFABRRRQAUUUUAFFFFABRRRQAUUUUAFFFFABRRRQAUUUUAFFFFABRRRQAUUUUAFFFFABRRRQAUUUUAFFFFABRRRQAUUUUAFFFFABRRRQAUUUUAFFFFABRRRQAUUUUAFFFFABRRRQAUUUUAFFFFABRRRQAUUUUAFFFFABRRRQAUUUUAFFFFABRRRQAUUUUAFFFFABRRRQAUUUUAFFFFABRRRQAUUUUAFFFFABRRRQAUUUUAFFFFABRRRQAUUUUAFFFFABRRRQAUUUUAFFFFABRRRQAUUUUAFFFFABRRRQAUUUUAFFFFABRRRQAUUUUAFFFFABRRRQAUUUUAFFFFABRRRQAUUUUAFFFFABRRRQAUUUUAFFFFABRRRQAUUUUAFFFFABRRRQAUUUUAFFFBIHU4oAKKKQsobaWG70zzQAtFIzKo3MwA9SaUEEZBBFABRRkZxkZooAKKKKACiiigAooooAKKKKACiiigAooooAK5T4n+OtO8AeHZNd1Wzvbi0i5kNtHuK/Wurrzr9pNQ3wU8SBgD/AKKaAOj+Hfi/TfHHha18RaSsy2lyu5BKuG/EV0VeL/sv6lZ6P+z5p2pX0yw21vCXkdjgAAmoG+OV7f2F3rXh/wAKXd9o9oxDz7TlwOpX1oA9vorhPBfxR8OeJ/A9x4rtZTHa2qk3CPw0ZHUGvPpfj5qN1ol94j0fwnPc6JaMQZ2yCwHcCgD3yivMvgl8Trr4kWbX66LJZWWMpK38R9Kq/Gb4xRfD9iq6Jd3wjwZpFU7EH1oA9XorwjxD+0Xptp4eh1rSNDvNRtQitcTKp2R56jNeteAvE1n4v8LWev2CssFygYBuoPpQBu0UUUAFFFFABRRRQAUUUUAFFFFABRRRQAUUUUAFFFFABRRRQAUEgDJOBRXFfGjTvFereBbqx8HXS2uqSEBJCcYHegDrDqFisvkm8txJ/d8wZpmsala6VpsuoXkgSCJdzNXzf8QvhHJ4c+D9z4guPEF8nia1hE0l15527+4xmvQv2atbv/Gnwjs5fEafaXH7tjIvEgHegC58PPjFovjfx9qHhbSbS5Q2MPmPLKuAxzjitb4jfESy8K31rpENrLfavec29tGMkj1PtXlPwohht/2rfFsMEaRItkAFUYA5qfxNI/8Aw2Noy3X3f7N/c56daAPRPh78UtN8S3t/pV7azaXqungm4gmGMADORXN6h8eLGFLnVrTRb260C0n8m4vUTgHOCR7V5x8UFuF+O3iKTSc7/wCyX83y/wC971o/D77FJ+yHrQl2f6uXzc/3t386APofTNWtte8NJqukXAMVzBvhkHOMjivM/gJ4x8T694j8S6V4hvEuRp9xshcIF+Wrf7Ly3C/BPTRPu+42zd/drg/hJeTafrHxJvbcEyxMzJj1waAPfrvxHoVnci2udWtIpicbGkGauzX1nDa/apbqFIMZ8wuNuPrXzJ8GfDOn+MPg9r/iTX55LjVJZZ284yHMe3OAPSuNutc8Raj+zdps1xdTyx2utGGXaxDyxK2MD14oA+uofFvhmZ9ket2TMTgDzRnNaF/qen2FqLq9vIbeE9HdsA18pxeF9P8AF/xS8MXXhnSNRs7K2iDX5lJVGIHFevftK6Voq/C6+vtREv8AoluVtwshX5iOKAPRZfEOhxJC8mq2irN/qyZB830rTRldQyMGU8gjvXxNrvhf+xf2d/DuoarfXU2uapdRC0kMpBjUtwK+wPA0E1r4R0y2uZPMnjt0WRs5JOKANqiiigAooooAKKKKACiiigAooooAKKKKACiiigAooooAKKKKACiuD+KvxC/4Qq0zDpF1qNxt37Y1yoX1Jrg9J/aMsNY8Ktqej6BeXt5ErNPBGpKx465NAHvFFcR8GfiFY/EjwkmvWVu9v85SSNuqsOorrdVv7XTLCW+vJVigiXc7noBQBarP8Qa1pug6c+oardR2tug5dzgVB4W8SaR4msPt2jXkd1BuK70ORmqHxF8F6T460L+xtZEhtS4ZgjYJoA5KX48eBIplEl1MtuzbRclP3efrXYax4y0fT/Cf/CTLI13YlQUMA3F89AK8p/aU0jwb4V+Bs+jDT7ZD5Yhs0VB5jP2I7mrHwHsr/wAO/s0xya9CXkgtpLhY5lyVAGRwaAL1r+0N4QutFudQt9P1WR7YsJrZYcyJjqSK9E8AeLNN8aeGbbXtKEgtpxwsgww9jXzl4Es4dN+AfizxktmGvNXMu1ynIVs4xXp37KmoadJ8MLDTbNmkmt4g074+UsaAPXqKKKACiiigAooooAKKKKACiiigAooooAKKKKACiiigAooooAKKKKACis467o41MaadStvth/5Y+YN35UDXdHbUv7NGpWpu/wDnkJRu/KgDRqJbq2aTy1uIWf8AuhwT+VSMoZSp6EYNfKX2NtE/bHSysbu5WzmiEjQmUldx68UAfV1FV9QvrPT7dp725igjXqzsBVTRvEGi6xu/s3Ure5K9Qjgn8qANOiqeq6pp+lWxuNRvIbaIfxSOBWTD448JzY8vXbI5OB+8FAHRUVGk0TwCdZFMRG4NnjFUbDXtGvppobTUrWaSD/WhZAdv1oA0qKz9M1vSdSnlgsNQtrmSI4dY5ASDWhQAUUUUAFFFFABRRRQAUUUUAFFFFABRRRQAUUUUAFFFFABRUGoXSWdlNdSZKRIWOPQV4fZfGDxf4om1F/BnhZ57Swco8k6kbyOuKAPc7mYQW8kzAkIpYgdeK5XwJ8Q/DvjO9v7PR53eexfZOrDBU1y3wP8Ai9Z/EVtR0u4tGstVsGKTwN6jriuG/Z+ubbS/iF8Qr6YCOCCdpHIGOBmgD6Qor5/0f4nfETxdpes+IvCun6cNK013Eaz53TBeuKbqX7QEw+F9trtnp6f2xNcC1aF/uJJnBz7UAfQVeEfG278Y6Z4u0G6/tj7Pp9xeCMW0J4Zcj71YWufFL4r6D438P+Hrm00W4Gsqrq6MTsB7V23xQ8E+NvGF3pE8V1p9ulg4mA5yz+h9qAPVLm4NvpMl1jJigMmPXC5r5fOueJdT8C6n8R/7duo7uDV/Jht1b92sW7G2vff7L8UXV5YNdX0MdqITHewR9JMjHFedRfBzWLezu/DMGoxf8I3dX/21gf8AWKc52j2oAPEGvaj4w8d6P4Sjvp7C1l09bqZojhmJH+NWvhHq/iabT/EvhiG+F3faZctDa3Fzz8vvW74w+Ht6+v6f4j8MTxW+o2luLcrL91kAxV7wF4MvvC2h6jMk0VxreoSGaWR/ubj2+lAHLfAW98QP4q8R2GvarLfyQT4UseF9h7V7NXknw78E+NfDvjC/1e8utPlt9Ql3zoucr/u11/xT1XxHo/haa+8NWsFxdRgs3nfdVQOpoA6yivmTRfjX8RdY+HNx4ktdHsYzYyMtzJJnY+Dj5a94+G2vXHibwZp+tXUIhmuYwzIOgNAHR0UUUAFFFFABRRRQAUUUUAFFFFABXnX7SX/JFPEv/Xqa9Frkvit4Qm8ceFLjw8NQayt7kbZiq5LD0oA+do5Ltf2G5/se4k22H29cbq9W/Zyk02T9nfTRGYtosXE/Trg5zW18NPhfbeFPA1z4Ovr3+1NLmUqI5E+6D2rlbL4E3Gk2t5o2h+Kbqx0K7YmS0HJAPUA9qAPLfgFpK3/w7+KFo9x5GmXF1L5UpOFA56VJ8NNY8UxfBy98EWfh5rpp90VrdD7jKSRk16t8VNF0D4Z/s+6xp+n2LNbeTskK9WYn7xNeVfDn4Qa1d/D611uz+I8lnBLCZggm+WLvigD3n9nzwXdeB/h3aaTfSB7o5kkweAT2rh/20bxU+Hcei26ILnU7lYgQPmOTSfsheJ/FWtWev6b4gvTqNvpt2Yba7I++B796774lfDWz8b67pGo3t28aabIJFiAyHI9aAPH/AI0aXYeA/wBmPTvDWk26xz3ixI3HLM2M17X8F9Ps9F+HejaTBNG0kdojSKpBKkjJqp8XvhpY/EDw3BpM9w1q1uwaKRf4cVe+F/gS08EaSbWO7nvLhwBJNKxJOOmPSgDsaKKKACiiigAooooAKKKKACiiigAooooAKKKKACiiigAooooAKR2VFLMQFAySe1LXCfHQeLJvh7f2fg2NW1W4Ty0YnG0HrQB5Z8VtV1b4xeKf+Fd+FnaPRLeUf2teD7rAHlQa9p0fwumg+CYvDvhy4Fg0EIjjmChtp9cV81/Dqx+OHgfw7JpeleGbMyyktLcM+Wdj3Jr3X4D2njC28MzyeNn3alNMXxnIUegoA5HQfgl4i0fxzceMbbx5MdUu+Llzbgh1z0xXXfEX4Zr4ovdO1y11JtP8QWChYr5Fzx7ivRKKAPPfh98MbTw/cahqer3jaxq+ogrc3Ui43KRjAHauSf4DeWl3o1j4juLbwveXHnz6aFzuOckbvSvb6KAM3S9HtdJ0CPR9LUW8MMPlRYH3eMZrz34c/Ce58K+IdZ1G68QPqNvq+77RbvEAMnpzXqlFAHisfwSvtMGoab4c8Vz6boWoyF7myEe7OeuD2rjP2jvDFt4Z8DeHPCGhwTWtn9qV5LxRkRNnlm+tfTtVtQsLLUIDBfWsVzF/dkUMKAPkqa98ZeF9e0L/AIRPxkPEP2ieNLmCKEYWMnnNfRfxP8FL4+8LQ6NdXj2sZdJJdozux2rf07w7oWnTedY6TaW8n95IgDWpQB5f8UPhFZeMvCOi6DFfvYnSHVreRVzgj2rtPBXh8eHNEjsGu5buXrJNIclj6+1blFABRRRQAUUUUAFFFFABRRRQAUUUUAFFFFABRRRQAUUUUAFFFFAHmv7SesQ6D8JdavsILmSEwwsRzk8V5f8ADHSLP4f/ALLWpa4YUW8vbV5Xcjklv/117H8ZPh/B8RvDsGi3V49rFHcLMxUZ3Y7VP4k8BabrPw4fwXIxjtTAIlYdsd6AOF/ZBsbbSPhVZ2zzxfa7t3uDHu+bBOc4r1bxXott4i0G60e8yILlCj464NcT8HvhPYfD8NN9vuL+72eWskjHCJ6AV6VQByHwq8A6T8PPD50bR2kMBcv85ycmt3xNrVh4e0S61fUplitraMu5J9O1aVcX8X/Aw+IHhZ9Bk1CSzidsuyd/agDx/wAHWB+MHjI+PPFU8cPhqxcnTbORwAxH8ZFe96NqOh+ItLli094bqyXMLhQCnHBFeAw/ssmCz+x2/jjVYrcDAjRyFA+lezfCTwLb/D/wqmh29090FYsZH6kmgDoV0TSl0g6StjAtiRjyQg24+lGiaLpei232fS7KG1i/uxqBWhRQAUUUUAFFFFABRRRQAUUUUAFFFFABRRRQAUUUUAFFFFABRRRQAUyeMywPGGKFlI3DqKfRQB8W/GXwjc6b8cPD2k+E9SvH1m6m33Vy0hyAT1xVv4p+Drfwv8bPAVnoV7dyatPcLJqMhlY7znkkelejeEPDGv6h+09rXiXVtLni021j8u0mkHyv7isD4n6T41sP2irfxLp/h+bVLbydlswGUjb1NAH0+mQgDHJxya+Xte5/bStf+vda+kfDr6k2i28mrqi3rJulVOgPpXzJrMPiqb9quHxRF4R1RtJjAgM2zg443fSgC946vJviD+0zbeCry5lGiadGJHhRyokb3xWX8dNGi+FfxU8J6/4SaWzhu7hYbmASEowJx0rofih4P8TeF/jXZ/FDw3pkupWUqBby1iH7wD1ApPEmkeJfjH8RNAvpdCu9G0HSpBLJ9rXDuw9KAMX4z3Sa1+0f4T0bxTcSw+HZog2wuVR2IGM1heLPBnhxv2qfDuiaFC9zpcse+7gjlJjUgdSRWh+03qEsnxg0nT5NFOu20EPy21sP3iHHXI6VL8Ofib4Y8D+JLa31bwNf6RLeuI1u51LNk9OTQB9N63oNvfeGH0KGeWztzGIw8Z+ZVHbNfHvgTwbc6p+0LrXhnw3qF3b6JCu2/kEpJZc/zNfZuoXJfQ5rq0UyloC0QXqxI4rxL9lnwhrelP4s17xBp8tlqOoX0nkiUYJj7GgDhvhLolvo/wC1PqOleGp7n+zbOEi4RpCwLV9aV8o/C7SfiH4d+MfiGSPw7Iz6hcn/AE6Ufu/Lz2NfVcHmeSnm48zaN2PWgB9FFFABRRRQAUUUUAFFFFABRRRQAUUUUAFFFFABRRRQA2WNJY2jkUMrDBB71yvjPWvD/wAPPB97q0sUFpBGpYIgAMjnoMd66i6njtraS4mbbHGpZj6AV8h6r8Q/DPxH+K9x/wAJdrUen+G9Em2w2rkj7QwP3iO9AHWfso+DtUt9Q8Q/EjVbZ4Bq0jyWluBhihyelJ8I/D/iCfxV47s9V8P3+n22sl1t55RhSDnmvRPh78WvC/ijxe3hTwunnWtrDnzkXCYHYV6jQB8x/Db/AIS/4c+D9d8E3HhS+vZ5JJBY3EC5jYNnBNcb8RPCl34M+C1tpetQI+o6vqCztFH/AKxMtnC+9fZpVSQSBkVwHxb+G1t45awu/tb217YPvgccjP0oA8G8F654U8K+LtG1LxXpOvG7VVgsp75flizxxX1rbTR3FvHPEcpIoZT7GvJL74S3viS+sZPFuq/a7eycPHGqgZI6V65bwpbwRwRjCRqFUewoAfRRRQAUUUUAFcj8YP7Ub4e6rDo9rJc3ssJSOKP7zZrrqKAPm7XvBfiLS/2bLLQdN0yWS+eXzLq3QfOQTkivWPgrLq7eDLWHU9LOmpDEscUTDD8DnNdzgelFABRRRQAUUUUAFFFFABRRRQAUUUUAFFFFABRRRQBS1zSrDWtLn0zU7ZLm0nXbJG4yGFefJ8D/AAbEhhgbUYbQnm2S5YR/TFenUUAZPhfw7o/hnTF07RbKO1tx2UdT6n1rWoooAKKKKACiiigAooooAKKKKACiiigAooooAKKKKACiiigAooooAKKKKACiiigAwPQUUUUAFFFFABRRRQAUUUUAFFFFABRRRQAUUUUAFFFFABRRRQAUUUUAFFFFABRRRQAUUUUAFFFFABRRRQAUUUUAFFFFABRRRQAUUUUAFFFFABRRRQAUUUUAFFFFABRRRQAUUUUAFFFFABRRRQAUUUUAFFFFABRRRQAUUUUAFFFFABRRRQAUY4wOKKKAPCPEvw88caL8V5/HHhEWOoLcptlt7tvu/wC7UHiX4d+O/iZrulSeNLfTNL0uwmEwjtTudyPU179RQBFaQJbWsVvGMJGgVfoBUtFFABRRRQAUUUUAFFFFABRRRQAUUUUAFFFFABRRRQAUUUUAFFFFAEV5bxXdtJbzLujkXaw9RXAT/Bb4czTNLJ4dt2dySxI6mvRKKAOV8IfD7wn4TuXudC0qK0lcYZkHUV1VFFABRRRQAUUUUAFFFFABRRRQAUUUUAFFFFABRRRQAUUUUAFFFFABRRRQAUUUUAFFFFABRRRQAUUUUAFFFFABRRRQAUUUUAFFFFABRRRQAUUUUAFFFFABRRRQAUUUUAFFFFABRRRQAUUUUAFFFFABRRRQAUUUUAFFFFABRRRQAUUUUAFFFFABRRRQAUUUUAFFFFABRRRQAUUUUAFFFFABRRRQAUUUUAFFFFABRRRQAUUUUAFFFFABRRRQAUUUUAFFFFABRRRQAUUUUAFFFFABRRRQAUUUUAFFFFABRRRQAUUUUAFFFFABRRRQAUUUUAFFFFABRRRQAUUUUAFFFFABRRRQAUUUUAFFFFABRRRQAUUUUAFFFFABRRRQAUUUUAFFFFABRRRQAUUUUAFFFFABRRRQAUUUUAFFFFABRRRQAUUUUAFFFFABRRRQAUUUUAFFFFABRRRQAUUUUAFFFFABRRRQAUUUUAFFFFABRRRQAUUUUAFFFFABRRRQAUUUUAFFFFABRRRQAUUUUAFFFFABRRRQAUUUUAFFFFABRRRQAUUUUAFFFFABRRRQAUUUUAFFFFABRRRQAUUUUAFFFFABRRRQAUUUUAFFFFABRRRQAUUUUAFFFFABRRRQAUUUUAFFFFABRRRQAUUUUAFFFFABRRRQAUUUUAFFFFABRRRQAUUUUAFFFFABRRRQAUUUUAFFFFABRRRQAUUUUAFFFFABRRRQAUUUUAFFFFABRRRQAUUUUAFFFFABRRRQAUUUUAFFFFABRRRQAUUUUAFFFFABRRRQAUUUUAFFFFABRRRQAUUUUAFFFFABRRRQAUjsqIXdgqgZJJwBS14N+0P4w1XUPEmmfDPwvO8d7qDj7bLGfmiiPX6UAdh8QPH2oR6dMnga1i1e5hz9olVsxwAeteZeBvjp4x8X6TeafouhJcavYlxczY/dJiu18YaTo/wn+A+sQWJIlNoyGdz80kjDqTXGfAvT4vCX7MWqeJnjCX91aSzyPj5mOOKAO8+AXxNvfG3h/UZ9ctVtbnTZWjnZfu8dTXpOiazpetWxuNLvYrqMHBKNnB968K/ZButEHgFIrm7ifUNYkeVoOpYHrms74hWmofBT4hWPijQ5Jn8N6rcbL+1JJSEk/eFAH0rRVXSb631PTbe/tXDwzoHRh3Bq1QAUUUUAFFFFABRRRQAUUUUAFFFFABRRRQAUUUUAFFFFABRRRQAUUUUAFFFFABRRRQAUUUUAFFFFABRRRQAUUUUAFFIXQNtLLn0zS0AFFFFABRRRQAUUUUAFFFFABRRRQAUUUUAFFFFABRRRQAUUUUAFFFFABRRRQAUUUUAFFFFABRRRQAUUUUAFFFFABRRRQAUUUUAFFFFABRRRQAUUUUAFFFFABRRRQAUUUUAFFFFABRRRQAUUUUAFFFFABRRRQAUUUUAFFFFABRRRQAUUUUAFFFFABRRRQAUUUUAFFFFABRRRQAUUUUAFFFFABRRRQAUUUUAFFFFABRRRQAUUUUAFFFFABRRRQAUUUUAFFFFABRRRQAUUUUAFFFFAEV3Mltay3EjBUjQsxPYAV8zfs4yP41+OHi/xxcpvSOQ28O7kKF44r374kT/ZfAWuXGceXZSN/wCO14f+wlDu8Eapf45ubtmz680Ae5eOfCuleMdDbRtYjMlo7BmUdyKdF4W0iPwgfCy26/2aYDD5eONtblFAHEfDz4X+FvA7tJo9ntkP3WbnaPaofj/oSa/8KtaszGHkWBnj45DCu9rN8URibw5qERGd1u4/SgDzD9kbxG2u/COzt5n3XGnMbaTJ5+U17DXzL+xLceXe+LtKz/qLxmx6ZavpS+u7extZLq7lWGGMZd2OABQAzU76102xlvryURW8S7nc9AKh0LV9P1zTo9Q0u5S4tpPuyL0Nec/GHx14SuvhprkFvrtm8r2zKqrIMk1z/wCzP418L6f8JtMtr3WrWGZQdyPIARyaAPdaKqaXqVlqlqt1YXEdxC3R0OQa4b42eIvGGi6Pt8I6bHNMULy3E33IlH9aAPRKK+XfBvxp+IvjLwdcxeHtJtpNSsNwvbuTIiXb2HvxXpf7NXxE1b4g+Fbu41q2SG9srgwSMn3XI70AS/tFePvEnw68KDxDo2nWl7bo4WZZScjPpiuy+HWvTeJvBum65PEsUl3CsjIvQEivN/2zf+SIah/11T+dTeG/Glh4B/Z10vxFqHzJDaIEQfxMRwKAPYqK+cpPF3xnvPBLfEC1tbCO0CmZLE5y0PXP1xXdeCvi9YeIPhBceOTCEa0ibz4h2dRyKAPU6K+YLPx78XfEXgG++IWnGxtrGIs0Fr3ZB3Nd3+zH4s8aeN/D8niLxDLaGykJjhSL7ysOuaAPZKK+ev2hvih4/wDBNymp6fpkFvoNvOqSSTffm55xWJ48+M/xIt/DNj400rRra28PtIq4myJJc9SPagD6gorH8Faw2v8AhXTtYki8prqBZCnoSK2KACiiigAooooAKKKKACiiigAooooAKKKKACiiigArJ07xHouoarPpdlqEM93B/rYlbJX61yfxy8bHwn4XMGn4k1i/Pk2kI+8SeM4rwD9kC01Sx+N/ie21a6knuvK3SlmzyTmgD0b44XOqaZ8X/CUtjqlxDBdThJoFb5WFereKPG3h3wtHCutagkEsqjZH1Zvwryb9oWSNPit4IV5EU/axwWArG1UxTftdWUWvsptBYf6Kk3+rJ/HjNAHuHhPx54Y8T+aukakk0kIzLGRhl+oNYeqfGj4e6bNKl1rahIWKyyKhKofQmvJLq3hH7Umox6C6w2DaRJ9rMH+rDY9uM1wfgr7feeAde8GW+i2V8L2+kVNQlK/KC3Uk80AfXPhrxn4d8R6G+taRqC3Fggy0oBAxWFZ/GDwBdzXkMOuRmSz/ANau05H4VY+F3hS08M/Dez0ObyJljg/fFMbW456V4P8ADDQdF1v4t+OfF72cYsNKhaOKED5HYA80AfRvgnxp4c8ZWkt14e1BLyOJtsmBgqfeuhr51/Y2l01tP1zU45o45dS1CXZbqegU+navoqgAooooAKKKKACiiigAooooAKKKKACiiigAooooAKKKKACiiigAooooAKKKKACiiqurXE1rps9xbwNPMiEpGOrHsKALVFfLerfGz4heGPiTFo/iDSbdxfgi0s4cllP8O6tnS/ih8SNK+Lem+H/Fun2SWuqruijh6xj396APouigdBRQAUUUUAFFFFABRRRQAUUUUAFFFFABRRRQAUUUUAFFFFABRRRQAUUUUAFFFFABRRRQAUUUUAFFFFABRRRQAUUUUAFFFFABRRRQAUUUUAFFFFABRRRQAUUUUAFFFFABRRRQAUUUUAFFFFABRRRQAUUUUAFFFFABRRRQAUUUUAFFFFABRRRQAUUUUAFFFFAHOfE6H7R8PdegH8djIP8Ax2vFf2EZNvw9vrLvBdsp/OvoTVLVL7TbmzkGUmiZD+Ir5r/ZP87wv8S/GPge7+WSO4MyKf7pORQB9O0hZQcFgD9axPHc2sW/hPUJtAiEuprCfs6nu3avCk8EfFTUfAt14n8QeMrmw1qKJpktYx8i45ANAH0jWf4kfy/D9/If4bdz+leUfso+Ptc8beDp18QMJb2ylMLSj+PBxmu2+NOsLofwy1vUGYKUtWC+5IoA8T/Yog8zXPGWp9pror+TV9Ia5pdnrOlz6bqEfm2067ZFzjIrx39jXw/JpfwsXVLhSJ9Vma4yf7pPFe30AeD/ABY+Cvw+0z4eazfWmjslxDbs6N5p4NYf7O/wf8C6/wDDDT9S1TSzNcyA738wjPJr6C8TaPb69oV3pF2SILmMo+OuDVPwH4XsfB/hyDQ9OZjbw52lutAFnwv4f0zw3paabpMBgtU+6mc4ri/2l9c/sH4Oa3eCTZI0Xlpz1J4r0msPxp4T0TxhpP8AZev2v2q03h/L3Y5FAHhnhWzTwN+yfc6hBCI7q8tTLK4HLFu5rZ/ZJ1DQLHwFYaXDeJLq17uuJ1XnGT3r1288M6Nd+GP+EbntFbTPKEXk9tvpWb4E+HvhXwTHInh/TVty5yWJ3H8D2oA8/wD20ZY4/gjfh3VSZUwCevNecfGCzutX/ZA0aXTSZ0t1ieVY+eB1PFfRPj/wD4a8dWaWfiSze7t0ORGHKjNS+F/A/hzw34efQNNscac4wYJG3rj8aAPPvD/jXw3J+znHeNfwLHHpfktGWG7eFxjHWvP/AICaLDp37N3iSXXo5YbK9eaVVK8hDnGK9aj+B3w9jvmul0uQKz7zD5x8vP8Au9Kj/aE+2aN8HNQg8O6aspCCLyUT7sZ4Jx7CgD57+GV54if4Z3HhCy17SI9HvZGEc00uJYoz2xX098FfC+l+EfAVno+k3iXkK5Z5kYEM56mvmzwd4P8Aga/gNLrUdauItTMRaWPeyssmOgX616H+xlpWvadpOtNdSXbaLJcH+zxck7tuevPagCj+15J/b3iPwn4LQ7hc3iySxjuoPeoP2vZLez8O+EfCcG20szdRb8cKEGM17tq3gfw3qvim28TX1iJtTtV2wylvuj6VF4+8AeGfHFrDb+IrAXKQtujIOCD9aAJ/AOqaLqGgwQ6FMJra1RYtyjjIFdFWd4d0TTPD+lxabpNqlvbRjCqv9a0aACiiigAooooAKKKKACiiigAooooAKKKKACkckISBkgcClooA+YdV0/4izfG658Xat4bfUbGzUx6dB1Vf9rHrXmnw+8ReO4fjh4quvDugh9VuXAkhb/liM8/pX3Jeed9mk+zgGXadmema8K+GXwp8X+F/i1qfjK6vbeVNSY+egPQZ7UAehaz8OfDni2fTda8TacZtUt41IYORsbqcfjV7xX4A8M+JhA2q2Aknt1CxTKdrqB7iuqooA4KfwLpvhrwnqw8Kaeg1Oa3YLI53MzY9TXzr4X8E6da+E7211fR9aTxBLJI26JmC7yeCMV9j1E1tbs+9oIy3rtGaAPNf2cvD/iHRfhmmm+KZpZrl5HK+YcsIz0B/Cuu8P+C/Dug2d9aaZp6QxXxY3IzneW65roaKAOR8EfDnwp4OuJrjQtPFu8zlm+bIyeuK66iigAooooAKKKKACiiigAooooAKKKKACiiigAooooAKKKKACiiigAooooAKKKKACkZgqlj0AzS0jqGQqehGDQB8teBYYfHP7XOvatMomstLiCw55CsKbqviDS5/2uL6XW7pYbTSLZfK3d2I7CvoLwj4D8M+FdSvtR0TTxb3N+5e4fdkuaztW+FfgrVPGI8WXukpJqnGZM8HHTI70Adhp91Fe2UN3ASYpUDoT6Gp6bGiRxrHGoVFGAAMACnUAFFFFABRRRQAUUUUAFFFFABRRRQAUUUUAFFFFABRRRQAUUUUAFFFFABRRRQAUUUUAFFFFABRRRQAUUUUAFFFFABRRRQAUUUUAFFFFABRRRQAUUUUAFFFFABRRRQAUUUUAFFFFABRRRQAUUUUAFFFFABRRRQAUUUUAFFFFABRRRQAUUUUAFFFFABRRRQAV85/HXSL/wACfE/TvippMMj2srLDqoQfwf3q+jKrapYWmp2E1jfQJPbzKVdHGQQaAKvhfXdM8SaLbavpNylxbToGVlPT2NeSftBePL6aRfhz4OjN3rmpjy5ynIgjPUmulvNAt/hj4F1q48J2d3cysjNb2ifNhz0wK+a/hh40+IPhTU9R12++G2qahrF85LzyRHKj0FAH1D8EfAFr8PPBVvpKsHuSPMuZP7znrXlvx+164+Ini/Tvhf4WdriMTB9WlTlY0B6ZrrfgR4g8aeNLHWZ/GGl3OkpMSkEUibWUH0rufA3gXQPCH2iTS7b/AEi5ctNO/LsfrQBq+FtHt9A8P2Wj2qgQ2sQjUfQVp0UUAFFFFABRRRQAUUUUAFFFFABTZo45ozHKiuh4KsMg06igDCPg3wqbj7QfD+m+Z6/Z1/wrZtoIbaIQ28SRRr0VFwB+FSUUAFFFFABRRRQAUUUUAFFFFABRRRQAUUUUAFFFFABRRRQAUUUUAFFFFABRRRQAUUUUAFFFFABRRRQAUUUUAFFFFABRRRQAUUUUAFFFFABRRRQAUUUUAFFFFABRRRQAUUUUAFFFFABRRRQAUUUUAFFFFABRRRQAUUUUAFFFFABRRRQAUUUUAFFFFABRRRQAUUUUAFFFFABRRRQAUUUUAFFFFABRRRQAUUUUAFFFFABRRRQAUUUUAFFFFABRRRQAUUUUAFFFFABRRRQAUUUUAFFFFABRRRQAUUUUAFFFFABRRRQAUUUUAFFFFABRRRQAUUUUAFFFFABRRRQAUUUUAFFFFABRRRQAUUUUAFFFFABRRRQAUUUUAFFFFABRRRQAUUUUAFFFFABRRRQAUUUUAFFFFABRRRQAUUUUAFFFFABRRRQAUUUUAFFFFABRRRQAUUUUAFFFFABRRRQAUUUUAFFFFABRRRQAUUUUAFFFFABRRRQAUUUUAFFFFABRRRQAUUUUAFFFFABRRRQAUUUUAFFFFABRRRQAUUUUAFFFFABRRRQAUUUUAFFFFABRRRQAUUUUAFFFFABRRRQAUUUUAFFFFABRRRQAUUUUAFFFFABRRRQAUUUUAFFFFABRRRQAUUUUAFFFFABRRRQAUUUUAFFFFABRRRQAUUUUAFFFFABRRRQAUUUUAFFFFABRRRQAUUUUAFFFFABRRRQAUUUUAFFFFAH/2Q=="/>
+          <p:cNvSpPr>
+            <a:spLocks noChangeAspect="1" noChangeArrowheads="1"/>
+          </p:cNvSpPr>
+          <p:nvPr/>
+        </p:nvSpPr>
+        <p:spPr bwMode="auto">
+          <a:xfrm>
+            <a:off x="212725" y="-144463"/>
+            <a:ext cx="304800" cy="304801"/>
+          </a:xfrm>
+          <a:prstGeom prst="rect">
+            <a:avLst/>
+          </a:prstGeom>
+          <a:noFill/>
+          <a:extLst>
+            <a:ext uri="{909E8E84-426E-40DD-AFC4-6F175D3DCCD1}">
+              <a14:hiddenFill xmlns:a14="http://schemas.microsoft.com/office/drawing/2010/main">
+                <a:solidFill>
+                  <a:srgbClr val="FFFFFF"/>
+                </a:solidFill>
+              </a14:hiddenFill>
+            </a:ext>
+          </a:extLst>
+        </p:spPr>
+        <p:txBody>
+          <a:bodyPr vert="horz" wrap="square" lIns="91440" tIns="45720" rIns="91440" bIns="45720" numCol="1" anchor="t" anchorCtr="0" compatLnSpc="1">
+            <a:prstTxWarp prst="textNoShape">
+              <a:avLst/>
+            </a:prstTxWarp>
+          </a:bodyPr>
+          <a:lstStyle/>
+          <a:p>
+            <a:endParaRPr lang="en-US"/>
+          </a:p>
+        </p:txBody>
+      </p:sp>
+      <p:pic>
+        <p:nvPicPr>
+          <p:cNvPr id="17" name="Рисунок 16"/>
+          <p:cNvPicPr>
+            <a:picLocks noChangeAspect="1"/>
+          </p:cNvPicPr>
+          <p:nvPr/>
+        </p:nvPicPr>
+        <p:blipFill>
+          <a:blip r:embed="rId2"/>
+          <a:stretch>
+            <a:fillRect/>
+          </a:stretch>
+        </p:blipFill>
+        <p:spPr>
+          <a:xfrm>
+            <a:off x="-75468" y="-21234"/>
+            <a:ext cx="7310716" cy="2377572"/>
+          </a:xfrm>
+          <a:prstGeom prst="rect">
+            <a:avLst/>
+          </a:prstGeom>
+        </p:spPr>
+      </p:pic>
+      <p:pic>
+        <p:nvPicPr>
+          <p:cNvPr id="18" name="Рисунок 17"/>
+          <p:cNvPicPr>
+            <a:picLocks noChangeAspect="1"/>
+          </p:cNvPicPr>
+          <p:nvPr/>
+        </p:nvPicPr>
+        <p:blipFill>
+          <a:blip r:embed="rId3"/>
+          <a:stretch>
+            <a:fillRect/>
+          </a:stretch>
+        </p:blipFill>
+        <p:spPr>
+          <a:xfrm>
+            <a:off x="7235248" y="1246614"/>
+            <a:ext cx="4658058" cy="3362325"/>
+          </a:xfrm>
+          <a:prstGeom prst="rect">
+            <a:avLst/>
+          </a:prstGeom>
+        </p:spPr>
+      </p:pic>
+      <p:sp>
+        <p:nvSpPr>
+          <p:cNvPr id="19" name="Объект 18"/>
+          <p:cNvSpPr>
+            <a:spLocks noGrp="1"/>
+          </p:cNvSpPr>
+          <p:nvPr>
+            <p:ph idx="1"/>
+          </p:nvPr>
+        </p:nvSpPr>
+        <p:spPr>
+          <a:xfrm>
+            <a:off x="838200" y="2991101"/>
+            <a:ext cx="4472354" cy="2213945"/>
+          </a:xfrm>
+        </p:spPr>
+        <p:txBody>
+          <a:bodyPr/>
+          <a:lstStyle/>
+          <a:p>
+            <a:endParaRPr lang="uk-UA" dirty="0" smtClean="0"/>
+          </a:p>
+          <a:p>
+            <a:endParaRPr lang="uk-UA" dirty="0"/>
+          </a:p>
+          <a:p>
+            <a:endParaRPr lang="uk-UA" dirty="0" smtClean="0"/>
+          </a:p>
+          <a:p>
+            <a:pPr marL="0" indent="0">
+              <a:buNone/>
+            </a:pPr>
+            <a:endParaRPr lang="uk-UA" sz="1200" dirty="0"/>
+          </a:p>
+        </p:txBody>
+      </p:sp>
+      <p:sp>
+        <p:nvSpPr>
+          <p:cNvPr id="21" name="Прямоугольник 20"/>
+          <p:cNvSpPr/>
+          <p:nvPr/>
+        </p:nvSpPr>
+        <p:spPr>
+          <a:xfrm>
+            <a:off x="520019" y="2637692"/>
+            <a:ext cx="5814156" cy="369332"/>
+          </a:xfrm>
+          <a:prstGeom prst="rect">
+            <a:avLst/>
+          </a:prstGeom>
+        </p:spPr>
+        <p:txBody>
+          <a:bodyPr wrap="none">
+            <a:spAutoFit/>
+          </a:bodyPr>
+          <a:lstStyle/>
+          <a:p>
+            <a:r>
+              <a:rPr lang="uk-UA" dirty="0"/>
+              <a:t>Спочатку розставимо їх по групам </a:t>
+            </a:r>
+            <a:r>
+              <a:rPr lang="uk-UA" dirty="0" smtClean="0"/>
+              <a:t>орієнтуйсь </a:t>
+            </a:r>
+            <a:r>
+              <a:rPr lang="uk-UA" dirty="0"/>
+              <a:t>на таблицю</a:t>
+            </a:r>
+            <a:endParaRPr lang="en-US" dirty="0"/>
+          </a:p>
+        </p:txBody>
+      </p:sp>
+      <p:pic>
+        <p:nvPicPr>
+          <p:cNvPr id="22" name="Рисунок 21"/>
+          <p:cNvPicPr>
+            <a:picLocks noChangeAspect="1"/>
+          </p:cNvPicPr>
+          <p:nvPr/>
+        </p:nvPicPr>
+        <p:blipFill>
+          <a:blip r:embed="rId4"/>
+          <a:stretch>
+            <a:fillRect/>
+          </a:stretch>
+        </p:blipFill>
+        <p:spPr>
+          <a:xfrm>
+            <a:off x="414790" y="3429000"/>
+            <a:ext cx="6593129" cy="2915105"/>
+          </a:xfrm>
+          <a:prstGeom prst="rect">
+            <a:avLst/>
+          </a:prstGeom>
+        </p:spPr>
+      </p:pic>
     </p:spTree>
     <p:extLst>
       <p:ext uri="{BB962C8B-B14F-4D97-AF65-F5344CB8AC3E}">
@@ -15449,29 +15910,31 @@
         </p:nvSpPr>
         <p:spPr/>
         <p:txBody>
-          <a:bodyPr/>
+          <a:bodyPr>
+            <a:normAutofit fontScale="90000"/>
+          </a:bodyPr>
           <a:lstStyle/>
           <a:p>
-            <a:endParaRPr lang="en-US"/>
-          </a:p>
-        </p:txBody>
-      </p:sp>
-      <p:sp>
-        <p:nvSpPr>
-          <p:cNvPr id="3" name="Объект 2"/>
-          <p:cNvSpPr>
-            <a:spLocks noGrp="1"/>
-          </p:cNvSpPr>
-          <p:nvPr>
-            <p:ph idx="1"/>
-          </p:nvPr>
-        </p:nvSpPr>
-        <p:spPr/>
-        <p:txBody>
-          <a:bodyPr/>
-          <a:lstStyle/>
-          <a:p>
-            <a:endParaRPr lang="en-US"/>
+            <a:r>
+              <a:rPr lang="uk-UA" dirty="0" smtClean="0"/>
+              <a:t>Після праці над алгоритмами </a:t>
+            </a:r>
+            <a:r>
+              <a:rPr lang="uk-UA" smtClean="0"/>
+              <a:t>ми розставили</a:t>
+            </a:r>
+            <a:r>
+              <a:rPr lang="uk-UA" dirty="0" smtClean="0"/>
+              <a:t/>
+            </a:r>
+            <a:br>
+              <a:rPr lang="uk-UA" dirty="0" smtClean="0"/>
+            </a:br>
+            <a:r>
+              <a:rPr lang="uk-UA" dirty="0" smtClean="0"/>
+              <a:t>їх за зменшенням складності</a:t>
+            </a:r>
+            <a:endParaRPr lang="en-US" dirty="0"/>
           </a:p>
         </p:txBody>
       </p:sp>
@@ -15517,6 +15980,35 @@
           </a:p>
         </p:txBody>
       </p:sp>
+      <p:pic>
+        <p:nvPicPr>
+          <p:cNvPr id="6" name="Объект 5"/>
+          <p:cNvPicPr>
+            <a:picLocks noGrp="1" noChangeAspect="1"/>
+          </p:cNvPicPr>
+          <p:nvPr>
+            <p:ph idx="1"/>
+          </p:nvPr>
+        </p:nvPicPr>
+        <p:blipFill>
+          <a:blip r:embed="rId3">
+            <a:extLst>
+              <a:ext uri="{28A0092B-C50C-407E-A947-70E740481C1C}">
+                <a14:useLocalDpi xmlns:a14="http://schemas.microsoft.com/office/drawing/2010/main" val="0"/>
+              </a:ext>
+            </a:extLst>
+          </a:blip>
+          <a:stretch>
+            <a:fillRect/>
+          </a:stretch>
+        </p:blipFill>
+        <p:spPr>
+          <a:xfrm>
+            <a:off x="838200" y="1852258"/>
+            <a:ext cx="10515600" cy="4298072"/>
+          </a:xfrm>
+        </p:spPr>
+      </p:pic>
     </p:spTree>
     <p:extLst>
       <p:ext uri="{BB962C8B-B14F-4D97-AF65-F5344CB8AC3E}">
@@ -16561,7 +17053,7 @@
         </p:spPr>
         <p:txBody>
           <a:bodyPr>
-            <a:normAutofit fontScale="90000"/>
+            <a:normAutofit/>
           </a:bodyPr>
           <a:lstStyle/>
           <a:p>
@@ -18840,18 +19332,18 @@
 </file>
 
 <file path=customXml/item1.xml><?xml version="1.0" encoding="utf-8"?>
+<p:properties xmlns:p="http://schemas.microsoft.com/office/2006/metadata/properties" xmlns:xsi="http://www.w3.org/2001/XMLSchema-instance" xmlns:pc="http://schemas.microsoft.com/office/infopath/2007/PartnerControls">
+  <documentManagement/>
+</p:properties>
+</file>
+
+<file path=customXml/item2.xml><?xml version="1.0" encoding="utf-8"?>
 <?mso-contentType ?>
 <FormTemplates xmlns="http://schemas.microsoft.com/sharepoint/v3/contenttype/forms">
   <Display>DocumentLibraryForm</Display>
   <Edit>DocumentLibraryForm</Edit>
   <New>DocumentLibraryForm</New>
 </FormTemplates>
-</file>
-
-<file path=customXml/item2.xml><?xml version="1.0" encoding="utf-8"?>
-<p:properties xmlns:p="http://schemas.microsoft.com/office/2006/metadata/properties" xmlns:xsi="http://www.w3.org/2001/XMLSchema-instance" xmlns:pc="http://schemas.microsoft.com/office/infopath/2007/PartnerControls">
-  <documentManagement/>
-</p:properties>
 </file>
 
 <file path=customXml/item3.xml><?xml version="1.0" encoding="utf-8"?>
@@ -18999,18 +19491,18 @@
 </file>
 
 <file path=customXml/itemProps1.xml><?xml version="1.0" encoding="utf-8"?>
-<ds:datastoreItem xmlns:ds="http://schemas.openxmlformats.org/officeDocument/2006/customXml" ds:itemID="{A345D2DA-A096-4BBF-9135-8FD4BD4C8C20}">
+<ds:datastoreItem xmlns:ds="http://schemas.openxmlformats.org/officeDocument/2006/customXml" ds:itemID="{C35D743B-B188-4C38-B82D-7FD8B3A77642}">
   <ds:schemaRefs>
-    <ds:schemaRef ds:uri="http://schemas.microsoft.com/sharepoint/v3/contenttype/forms"/>
+    <ds:schemaRef ds:uri="http://schemas.microsoft.com/office/2006/metadata/properties"/>
+    <ds:schemaRef ds:uri="http://schemas.microsoft.com/office/infopath/2007/PartnerControls"/>
   </ds:schemaRefs>
 </ds:datastoreItem>
 </file>
 
 <file path=customXml/itemProps2.xml><?xml version="1.0" encoding="utf-8"?>
-<ds:datastoreItem xmlns:ds="http://schemas.openxmlformats.org/officeDocument/2006/customXml" ds:itemID="{C35D743B-B188-4C38-B82D-7FD8B3A77642}">
+<ds:datastoreItem xmlns:ds="http://schemas.openxmlformats.org/officeDocument/2006/customXml" ds:itemID="{A345D2DA-A096-4BBF-9135-8FD4BD4C8C20}">
   <ds:schemaRefs>
-    <ds:schemaRef ds:uri="http://schemas.microsoft.com/office/2006/metadata/properties"/>
-    <ds:schemaRef ds:uri="http://schemas.microsoft.com/office/infopath/2007/PartnerControls"/>
+    <ds:schemaRef ds:uri="http://schemas.microsoft.com/sharepoint/v3/contenttype/forms"/>
   </ds:schemaRefs>
 </ds:datastoreItem>
 </file>

--- a/Git_1 part.pptx
+++ b/Git_1 part.pptx
@@ -5,10 +5,10 @@
     <p:sldMasterId id="2147483851" r:id="rId4"/>
   </p:sldMasterIdLst>
   <p:notesMasterIdLst>
-    <p:notesMasterId r:id="rId11"/>
+    <p:notesMasterId r:id="rId12"/>
   </p:notesMasterIdLst>
   <p:handoutMasterIdLst>
-    <p:handoutMasterId r:id="rId12"/>
+    <p:handoutMasterId r:id="rId13"/>
   </p:handoutMasterIdLst>
   <p:sldIdLst>
     <p:sldId id="334" r:id="rId5"/>
@@ -17,6 +17,7 @@
     <p:sldId id="337" r:id="rId8"/>
     <p:sldId id="335" r:id="rId9"/>
     <p:sldId id="336" r:id="rId10"/>
+    <p:sldId id="339" r:id="rId11"/>
   </p:sldIdLst>
   <p:sldSz cx="12192000" cy="6858000"/>
   <p:notesSz cx="6858000" cy="9144000"/>
@@ -142,8 +143,8 @@
 <p1510:revInfo xmlns:a="http://schemas.openxmlformats.org/drawingml/2006/main" xmlns:r="http://schemas.openxmlformats.org/officeDocument/2006/relationships" xmlns:p1510="http://schemas.microsoft.com/office/powerpoint/2015/10/main">
   <p1510:revLst>
     <p1510:client id="{4A3F3CD4-87AB-4CDB-98DA-5A2ADC992FE5}" v="1" dt="2022-10-03T11:17:20.651"/>
+    <p1510:client id="{9B9D4C16-5A73-44FC-B81C-E033F386BE81}" v="3" dt="2022-09-29T11:01:00.115"/>
     <p1510:client id="{7243DB7B-6519-4113-9313-0D5BD1DD6196}" v="1" dt="2022-10-06T06:08:40.457"/>
-    <p1510:client id="{9B9D4C16-5A73-44FC-B81C-E033F386BE81}" v="3" dt="2022-09-29T11:01:00.115"/>
     <p1510:client id="{A1854464-AA8C-4528-8FEA-3C375E66B42A}" v="7" dt="2022-10-06T09:52:16.683"/>
   </p1510:revLst>
 </p1510:revInfo>
@@ -5839,6 +5840,158 @@
     <p:extLst>
       <p:ext uri="{BB962C8B-B14F-4D97-AF65-F5344CB8AC3E}">
         <p14:creationId xmlns:p14="http://schemas.microsoft.com/office/powerpoint/2010/main" val="444281193"/>
+      </p:ext>
+    </p:extLst>
+  </p:cSld>
+  <p:clrMapOvr>
+    <a:masterClrMapping/>
+  </p:clrMapOvr>
+</p:sld>
+</file>
+
+<file path=ppt/slides/slide7.xml><?xml version="1.0" encoding="utf-8"?>
+<p:sld xmlns:a="http://schemas.openxmlformats.org/drawingml/2006/main" xmlns:r="http://schemas.openxmlformats.org/officeDocument/2006/relationships" xmlns:p="http://schemas.openxmlformats.org/presentationml/2006/main">
+  <p:cSld>
+    <p:spTree>
+      <p:nvGrpSpPr>
+        <p:cNvPr id="1" name=""/>
+        <p:cNvGrpSpPr/>
+        <p:nvPr/>
+      </p:nvGrpSpPr>
+      <p:grpSpPr>
+        <a:xfrm>
+          <a:off x="0" y="0"/>
+          <a:ext cx="0" cy="0"/>
+          <a:chOff x="0" y="0"/>
+          <a:chExt cx="0" cy="0"/>
+        </a:xfrm>
+      </p:grpSpPr>
+      <p:sp>
+        <p:nvSpPr>
+          <p:cNvPr id="2" name="Заголовок 1">
+            <a:extLst>
+              <a:ext uri="{FF2B5EF4-FFF2-40B4-BE49-F238E27FC236}">
+                <a16:creationId xmlns:a16="http://schemas.microsoft.com/office/drawing/2014/main" id="{57EF6C4D-BFE6-4784-9983-40BBFD69A5F0}"/>
+              </a:ext>
+            </a:extLst>
+          </p:cNvPr>
+          <p:cNvSpPr>
+            <a:spLocks noGrp="1"/>
+          </p:cNvSpPr>
+          <p:nvPr>
+            <p:ph type="title"/>
+          </p:nvPr>
+        </p:nvSpPr>
+        <p:spPr/>
+        <p:txBody>
+          <a:bodyPr/>
+          <a:lstStyle/>
+          <a:p>
+            <a:pPr algn="ctr"/>
+            <a:endParaRPr lang="ru-UA" dirty="0"/>
+          </a:p>
+        </p:txBody>
+      </p:sp>
+      <p:sp>
+        <p:nvSpPr>
+          <p:cNvPr id="3" name="Объект 2">
+            <a:extLst>
+              <a:ext uri="{FF2B5EF4-FFF2-40B4-BE49-F238E27FC236}">
+                <a16:creationId xmlns:a16="http://schemas.microsoft.com/office/drawing/2014/main" id="{4F7F562F-1141-428C-9D30-CCD60CE6CD15}"/>
+              </a:ext>
+            </a:extLst>
+          </p:cNvPr>
+          <p:cNvSpPr>
+            <a:spLocks noGrp="1"/>
+          </p:cNvSpPr>
+          <p:nvPr>
+            <p:ph idx="1"/>
+          </p:nvPr>
+        </p:nvSpPr>
+        <p:spPr/>
+        <p:txBody>
+          <a:bodyPr>
+            <a:normAutofit/>
+          </a:bodyPr>
+          <a:lstStyle/>
+          <a:p>
+            <a:pPr marL="0" indent="0" algn="ctr">
+              <a:buNone/>
+            </a:pPr>
+            <a:r>
+              <a:rPr lang="uk-UA" sz="3600" dirty="0">
+                <a:solidFill>
+                  <a:srgbClr val="FF0000"/>
+                </a:solidFill>
+              </a:rPr>
+              <a:t>Дякуємо за увагу!</a:t>
+            </a:r>
+            <a:endParaRPr lang="ru-UA" sz="3600" dirty="0">
+              <a:solidFill>
+                <a:srgbClr val="FF0000"/>
+              </a:solidFill>
+            </a:endParaRPr>
+          </a:p>
+        </p:txBody>
+      </p:sp>
+      <p:sp>
+        <p:nvSpPr>
+          <p:cNvPr id="4" name="Нижний колонтитул 3">
+            <a:extLst>
+              <a:ext uri="{FF2B5EF4-FFF2-40B4-BE49-F238E27FC236}">
+                <a16:creationId xmlns:a16="http://schemas.microsoft.com/office/drawing/2014/main" id="{822425CE-B544-49B1-9507-EAC1518146A8}"/>
+              </a:ext>
+            </a:extLst>
+          </p:cNvPr>
+          <p:cNvSpPr>
+            <a:spLocks noGrp="1"/>
+          </p:cNvSpPr>
+          <p:nvPr>
+            <p:ph type="ftr" sz="quarter" idx="11"/>
+          </p:nvPr>
+        </p:nvSpPr>
+        <p:spPr/>
+        <p:txBody>
+          <a:bodyPr/>
+          <a:lstStyle/>
+          <a:p>
+            <a:endParaRPr lang="en-US"/>
+          </a:p>
+        </p:txBody>
+      </p:sp>
+      <p:sp>
+        <p:nvSpPr>
+          <p:cNvPr id="5" name="Номер слайда 4">
+            <a:extLst>
+              <a:ext uri="{FF2B5EF4-FFF2-40B4-BE49-F238E27FC236}">
+                <a16:creationId xmlns:a16="http://schemas.microsoft.com/office/drawing/2014/main" id="{910BD560-FA6A-4D11-A0D9-39E23151300E}"/>
+              </a:ext>
+            </a:extLst>
+          </p:cNvPr>
+          <p:cNvSpPr>
+            <a:spLocks noGrp="1"/>
+          </p:cNvSpPr>
+          <p:nvPr>
+            <p:ph type="sldNum" sz="quarter" idx="12"/>
+          </p:nvPr>
+        </p:nvSpPr>
+        <p:spPr/>
+        <p:txBody>
+          <a:bodyPr/>
+          <a:lstStyle/>
+          <a:p>
+            <a:fld id="{6D22F896-40B5-4ADD-8801-0D06FADFA095}" type="slidenum">
+              <a:rPr lang="en-US" smtClean="0"/>
+              <a:t>7</a:t>
+            </a:fld>
+            <a:endParaRPr lang="en-US"/>
+          </a:p>
+        </p:txBody>
+      </p:sp>
+    </p:spTree>
+    <p:extLst>
+      <p:ext uri="{BB962C8B-B14F-4D97-AF65-F5344CB8AC3E}">
+        <p14:creationId xmlns:p14="http://schemas.microsoft.com/office/powerpoint/2010/main" val="3684064710"/>
       </p:ext>
     </p:extLst>
   </p:cSld>
@@ -6709,12 +6862,6 @@
 </file>
 
 <file path=customXml/item2.xml><?xml version="1.0" encoding="utf-8"?>
-<p:properties xmlns:p="http://schemas.microsoft.com/office/2006/metadata/properties" xmlns:xsi="http://www.w3.org/2001/XMLSchema-instance" xmlns:pc="http://schemas.microsoft.com/office/infopath/2007/PartnerControls">
-  <documentManagement/>
-</p:properties>
-</file>
-
-<file path=customXml/item3.xml><?xml version="1.0" encoding="utf-8"?>
 <ct:contentTypeSchema xmlns:ct="http://schemas.microsoft.com/office/2006/metadata/contentType" xmlns:ma="http://schemas.microsoft.com/office/2006/metadata/properties/metaAttributes" ct:_="" ma:_="" ma:contentTypeName="Документ" ma:contentTypeID="0x0101002456107565CA6A43A05392B760F0FD8D" ma:contentTypeVersion="4" ma:contentTypeDescription="Створення нового документа." ma:contentTypeScope="" ma:versionID="440ddeae695cebc829050b9b618af465">
   <xsd:schema xmlns:xsd="http://www.w3.org/2001/XMLSchema" xmlns:xs="http://www.w3.org/2001/XMLSchema" xmlns:p="http://schemas.microsoft.com/office/2006/metadata/properties" xmlns:ns2="6b47e03e-19f2-493e-94c5-5bbacad2cd70" targetNamespace="http://schemas.microsoft.com/office/2006/metadata/properties" ma:root="true" ma:fieldsID="8376abdcb6cc6889913e7a065f7b4981" ns2:_="">
     <xsd:import namespace="6b47e03e-19f2-493e-94c5-5bbacad2cd70"/>
@@ -6858,6 +7005,12 @@
 </ct:contentTypeSchema>
 </file>
 
+<file path=customXml/item3.xml><?xml version="1.0" encoding="utf-8"?>
+<p:properties xmlns:p="http://schemas.microsoft.com/office/2006/metadata/properties" xmlns:xsi="http://www.w3.org/2001/XMLSchema-instance" xmlns:pc="http://schemas.microsoft.com/office/infopath/2007/PartnerControls">
+  <documentManagement/>
+</p:properties>
+</file>
+
 <file path=customXml/itemProps1.xml><?xml version="1.0" encoding="utf-8"?>
 <ds:datastoreItem xmlns:ds="http://schemas.openxmlformats.org/officeDocument/2006/customXml" ds:itemID="{A345D2DA-A096-4BBF-9135-8FD4BD4C8C20}">
   <ds:schemaRefs>
@@ -6867,15 +7020,6 @@
 </file>
 
 <file path=customXml/itemProps2.xml><?xml version="1.0" encoding="utf-8"?>
-<ds:datastoreItem xmlns:ds="http://schemas.openxmlformats.org/officeDocument/2006/customXml" ds:itemID="{C35D743B-B188-4C38-B82D-7FD8B3A77642}">
-  <ds:schemaRefs>
-    <ds:schemaRef ds:uri="http://schemas.microsoft.com/office/2006/metadata/properties"/>
-    <ds:schemaRef ds:uri="http://schemas.microsoft.com/office/infopath/2007/PartnerControls"/>
-  </ds:schemaRefs>
-</ds:datastoreItem>
-</file>
-
-<file path=customXml/itemProps3.xml><?xml version="1.0" encoding="utf-8"?>
 <ds:datastoreItem xmlns:ds="http://schemas.openxmlformats.org/officeDocument/2006/customXml" ds:itemID="{909E67F0-53DF-4575-B501-3419DF25270A}">
   <ds:schemaRefs>
     <ds:schemaRef ds:uri="6b47e03e-19f2-493e-94c5-5bbacad2cd70"/>
@@ -6891,4 +7035,13 @@
     <ds:schemaRef ds:uri="http://www.w3.org/2001/XMLSchema"/>
   </ds:schemaRefs>
 </ds:datastoreItem>
+</file>
+
+<file path=customXml/itemProps3.xml><?xml version="1.0" encoding="utf-8"?>
+<ds:datastoreItem xmlns:ds="http://schemas.openxmlformats.org/officeDocument/2006/customXml" ds:itemID="{C35D743B-B188-4C38-B82D-7FD8B3A77642}">
+  <ds:schemaRefs>
+    <ds:schemaRef ds:uri="http://schemas.microsoft.com/office/2006/metadata/properties"/>
+    <ds:schemaRef ds:uri="http://schemas.microsoft.com/office/infopath/2007/PartnerControls"/>
+  </ds:schemaRefs>
+</ds:datastoreItem>
 </file>
--- a/Git_1 part.pptx
+++ b/Git_1 part.pptx
@@ -7108,8 +7108,8 @@
         </p:nvSpPr>
         <p:spPr>
           <a:xfrm>
-            <a:off x="2001416" y="4479116"/>
-            <a:ext cx="8189167" cy="587407"/>
+            <a:off x="3576419" y="4451955"/>
+            <a:ext cx="5039161" cy="587407"/>
           </a:xfrm>
         </p:spPr>
         <p:txBody>
@@ -9882,15 +9882,6 @@
 </file>
 
 <file path=customXml/item1.xml><?xml version="1.0" encoding="utf-8"?>
-<?mso-contentType ?>
-<FormTemplates xmlns="http://schemas.microsoft.com/sharepoint/v3/contenttype/forms">
-  <Display>DocumentLibraryForm</Display>
-  <Edit>DocumentLibraryForm</Edit>
-  <New>DocumentLibraryForm</New>
-</FormTemplates>
-</file>
-
-<file path=customXml/item2.xml><?xml version="1.0" encoding="utf-8"?>
 <ct:contentTypeSchema xmlns:ct="http://schemas.microsoft.com/office/2006/metadata/contentType" xmlns:ma="http://schemas.microsoft.com/office/2006/metadata/properties/metaAttributes" ct:_="" ma:_="" ma:contentTypeName="Документ" ma:contentTypeID="0x0101002456107565CA6A43A05392B760F0FD8D" ma:contentTypeVersion="4" ma:contentTypeDescription="Створення нового документа." ma:contentTypeScope="" ma:versionID="440ddeae695cebc829050b9b618af465">
   <xsd:schema xmlns:xsd="http://www.w3.org/2001/XMLSchema" xmlns:xs="http://www.w3.org/2001/XMLSchema" xmlns:p="http://schemas.microsoft.com/office/2006/metadata/properties" xmlns:ns2="6b47e03e-19f2-493e-94c5-5bbacad2cd70" targetNamespace="http://schemas.microsoft.com/office/2006/metadata/properties" ma:root="true" ma:fieldsID="8376abdcb6cc6889913e7a065f7b4981" ns2:_="">
     <xsd:import namespace="6b47e03e-19f2-493e-94c5-5bbacad2cd70"/>
@@ -10034,6 +10025,15 @@
 </ct:contentTypeSchema>
 </file>
 
+<file path=customXml/item2.xml><?xml version="1.0" encoding="utf-8"?>
+<?mso-contentType ?>
+<FormTemplates xmlns="http://schemas.microsoft.com/sharepoint/v3/contenttype/forms">
+  <Display>DocumentLibraryForm</Display>
+  <Edit>DocumentLibraryForm</Edit>
+  <New>DocumentLibraryForm</New>
+</FormTemplates>
+</file>
+
 <file path=customXml/item3.xml><?xml version="1.0" encoding="utf-8"?>
 <p:properties xmlns:p="http://schemas.microsoft.com/office/2006/metadata/properties" xmlns:xsi="http://www.w3.org/2001/XMLSchema-instance" xmlns:pc="http://schemas.microsoft.com/office/infopath/2007/PartnerControls">
   <documentManagement/>
@@ -10041,14 +10041,6 @@
 </file>
 
 <file path=customXml/itemProps1.xml><?xml version="1.0" encoding="utf-8"?>
-<ds:datastoreItem xmlns:ds="http://schemas.openxmlformats.org/officeDocument/2006/customXml" ds:itemID="{A345D2DA-A096-4BBF-9135-8FD4BD4C8C20}">
-  <ds:schemaRefs>
-    <ds:schemaRef ds:uri="http://schemas.microsoft.com/sharepoint/v3/contenttype/forms"/>
-  </ds:schemaRefs>
-</ds:datastoreItem>
-</file>
-
-<file path=customXml/itemProps2.xml><?xml version="1.0" encoding="utf-8"?>
 <ds:datastoreItem xmlns:ds="http://schemas.openxmlformats.org/officeDocument/2006/customXml" ds:itemID="{909E67F0-53DF-4575-B501-3419DF25270A}">
   <ds:schemaRefs>
     <ds:schemaRef ds:uri="6b47e03e-19f2-493e-94c5-5bbacad2cd70"/>
@@ -10066,6 +10058,14 @@
 </ds:datastoreItem>
 </file>
 
+<file path=customXml/itemProps2.xml><?xml version="1.0" encoding="utf-8"?>
+<ds:datastoreItem xmlns:ds="http://schemas.openxmlformats.org/officeDocument/2006/customXml" ds:itemID="{A345D2DA-A096-4BBF-9135-8FD4BD4C8C20}">
+  <ds:schemaRefs>
+    <ds:schemaRef ds:uri="http://schemas.microsoft.com/sharepoint/v3/contenttype/forms"/>
+  </ds:schemaRefs>
+</ds:datastoreItem>
+</file>
+
 <file path=customXml/itemProps3.xml><?xml version="1.0" encoding="utf-8"?>
 <ds:datastoreItem xmlns:ds="http://schemas.openxmlformats.org/officeDocument/2006/customXml" ds:itemID="{C35D743B-B188-4C38-B82D-7FD8B3A77642}">
   <ds:schemaRefs>

--- a/Git_1 part.pptx
+++ b/Git_1 part.pptx
@@ -5,21 +5,23 @@
     <p:sldMasterId id="2147484031" r:id="rId4"/>
   </p:sldMasterIdLst>
   <p:notesMasterIdLst>
-    <p:notesMasterId r:id="rId14"/>
+    <p:notesMasterId r:id="rId16"/>
   </p:notesMasterIdLst>
   <p:handoutMasterIdLst>
-    <p:handoutMasterId r:id="rId15"/>
+    <p:handoutMasterId r:id="rId17"/>
   </p:handoutMasterIdLst>
   <p:sldIdLst>
     <p:sldId id="334" r:id="rId5"/>
     <p:sldId id="256" r:id="rId6"/>
     <p:sldId id="341" r:id="rId7"/>
     <p:sldId id="342" r:id="rId8"/>
-    <p:sldId id="338" r:id="rId9"/>
-    <p:sldId id="337" r:id="rId10"/>
-    <p:sldId id="335" r:id="rId11"/>
-    <p:sldId id="336" r:id="rId12"/>
-    <p:sldId id="339" r:id="rId13"/>
+    <p:sldId id="343" r:id="rId9"/>
+    <p:sldId id="344" r:id="rId10"/>
+    <p:sldId id="338" r:id="rId11"/>
+    <p:sldId id="337" r:id="rId12"/>
+    <p:sldId id="335" r:id="rId13"/>
+    <p:sldId id="336" r:id="rId14"/>
+    <p:sldId id="339" r:id="rId15"/>
   </p:sldIdLst>
   <p:sldSz cx="12192000" cy="6858000"/>
   <p:notesSz cx="6858000" cy="9144000"/>
@@ -346,7 +348,7 @@
           <a:p>
             <a:fld id="{BA11B3C1-C822-4B57-87C0-490649D8D6D7}" type="slidenum">
               <a:rPr lang="ru-RU" smtClean="0"/>
-              <a:t>‹№›</a:t>
+              <a:t>‹#›</a:t>
             </a:fld>
             <a:endParaRPr lang="ru-RU"/>
           </a:p>
@@ -605,7 +607,7 @@
           <a:p>
             <a:fld id="{C83854A3-6714-4526-AEDE-747CDFA70004}" type="slidenum">
               <a:rPr lang="ru-RU" smtClean="0"/>
-              <a:t>‹№›</a:t>
+              <a:t>‹#›</a:t>
             </a:fld>
             <a:endParaRPr lang="ru-RU"/>
           </a:p>
@@ -799,7 +801,7 @@
           <a:p>
             <a:fld id="{C83854A3-6714-4526-AEDE-747CDFA70004}" type="slidenum">
               <a:rPr lang="ru-RU" smtClean="0"/>
-              <a:t>6</a:t>
+              <a:t>8</a:t>
             </a:fld>
             <a:endParaRPr lang="ru-RU"/>
           </a:p>
@@ -1095,7 +1097,7 @@
             <a:fld id="{6D22F896-40B5-4ADD-8801-0D06FADFA095}" type="slidenum">
               <a:rPr lang="en-US" smtClean="0"/>
               <a:pPr/>
-              <a:t>‹№›</a:t>
+              <a:t>‹#›</a:t>
             </a:fld>
             <a:endParaRPr lang="en-US"/>
           </a:p>
@@ -1421,7 +1423,7 @@
             <a:fld id="{6D22F896-40B5-4ADD-8801-0D06FADFA095}" type="slidenum">
               <a:rPr lang="en-US" smtClean="0"/>
               <a:pPr/>
-              <a:t>‹№›</a:t>
+              <a:t>‹#›</a:t>
             </a:fld>
             <a:endParaRPr lang="en-US"/>
           </a:p>
@@ -1701,7 +1703,7 @@
             <a:fld id="{6D22F896-40B5-4ADD-8801-0D06FADFA095}" type="slidenum">
               <a:rPr lang="en-US" smtClean="0"/>
               <a:pPr/>
-              <a:t>‹№›</a:t>
+              <a:t>‹#›</a:t>
             </a:fld>
             <a:endParaRPr lang="en-US"/>
           </a:p>
@@ -2271,7 +2273,7 @@
             <a:fld id="{6D22F896-40B5-4ADD-8801-0D06FADFA095}" type="slidenum">
               <a:rPr lang="en-US" smtClean="0"/>
               <a:pPr/>
-              <a:t>‹№›</a:t>
+              <a:t>‹#›</a:t>
             </a:fld>
             <a:endParaRPr lang="en-US"/>
           </a:p>
@@ -2551,7 +2553,7 @@
             <a:fld id="{6D22F896-40B5-4ADD-8801-0D06FADFA095}" type="slidenum">
               <a:rPr lang="en-US" smtClean="0"/>
               <a:pPr/>
-              <a:t>‹№›</a:t>
+              <a:t>‹#›</a:t>
             </a:fld>
             <a:endParaRPr lang="en-US"/>
           </a:p>
@@ -3115,7 +3117,7 @@
             <a:fld id="{6D22F896-40B5-4ADD-8801-0D06FADFA095}" type="slidenum">
               <a:rPr lang="en-US" smtClean="0"/>
               <a:pPr/>
-              <a:t>‹№›</a:t>
+              <a:t>‹#›</a:t>
             </a:fld>
             <a:endParaRPr lang="en-US"/>
           </a:p>
@@ -3444,7 +3446,7 @@
             <a:fld id="{6D22F896-40B5-4ADD-8801-0D06FADFA095}" type="slidenum">
               <a:rPr lang="en-US" smtClean="0"/>
               <a:pPr/>
-              <a:t>‹№›</a:t>
+              <a:t>‹#›</a:t>
             </a:fld>
             <a:endParaRPr lang="en-US"/>
           </a:p>
@@ -3651,7 +3653,7 @@
             <a:fld id="{6D22F896-40B5-4ADD-8801-0D06FADFA095}" type="slidenum">
               <a:rPr lang="en-US" smtClean="0"/>
               <a:pPr/>
-              <a:t>‹№›</a:t>
+              <a:t>‹#›</a:t>
             </a:fld>
             <a:endParaRPr lang="en-US"/>
           </a:p>
@@ -3863,7 +3865,7 @@
             <a:fld id="{6D22F896-40B5-4ADD-8801-0D06FADFA095}" type="slidenum">
               <a:rPr lang="en-US" smtClean="0"/>
               <a:pPr/>
-              <a:t>‹№›</a:t>
+              <a:t>‹#›</a:t>
             </a:fld>
             <a:endParaRPr lang="en-US"/>
           </a:p>
@@ -4065,7 +4067,7 @@
             <a:fld id="{6D22F896-40B5-4ADD-8801-0D06FADFA095}" type="slidenum">
               <a:rPr lang="en-US" smtClean="0"/>
               <a:pPr/>
-              <a:t>‹№›</a:t>
+              <a:t>‹#›</a:t>
             </a:fld>
             <a:endParaRPr lang="en-US"/>
           </a:p>
@@ -4343,7 +4345,7 @@
             <a:fld id="{6D22F896-40B5-4ADD-8801-0D06FADFA095}" type="slidenum">
               <a:rPr lang="en-US" smtClean="0"/>
               <a:pPr/>
-              <a:t>‹№›</a:t>
+              <a:t>‹#›</a:t>
             </a:fld>
             <a:endParaRPr lang="en-US"/>
           </a:p>
@@ -4611,7 +4613,7 @@
             <a:fld id="{6D22F896-40B5-4ADD-8801-0D06FADFA095}" type="slidenum">
               <a:rPr lang="en-US" smtClean="0"/>
               <a:pPr/>
-              <a:t>‹№›</a:t>
+              <a:t>‹#›</a:t>
             </a:fld>
             <a:endParaRPr lang="en-US"/>
           </a:p>
@@ -4987,7 +4989,7 @@
             <a:fld id="{6D22F896-40B5-4ADD-8801-0D06FADFA095}" type="slidenum">
               <a:rPr lang="en-US" smtClean="0"/>
               <a:pPr/>
-              <a:t>‹№›</a:t>
+              <a:t>‹#›</a:t>
             </a:fld>
             <a:endParaRPr lang="en-US"/>
           </a:p>
@@ -5137,7 +5139,7 @@
             <a:fld id="{6D22F896-40B5-4ADD-8801-0D06FADFA095}" type="slidenum">
               <a:rPr lang="en-US" smtClean="0"/>
               <a:pPr/>
-              <a:t>‹№›</a:t>
+              <a:t>‹#›</a:t>
             </a:fld>
             <a:endParaRPr lang="en-US"/>
           </a:p>
@@ -5264,7 +5266,7 @@
             <a:fld id="{6D22F896-40B5-4ADD-8801-0D06FADFA095}" type="slidenum">
               <a:rPr lang="en-US" smtClean="0"/>
               <a:pPr/>
-              <a:t>‹№›</a:t>
+              <a:t>‹#›</a:t>
             </a:fld>
             <a:endParaRPr lang="en-US"/>
           </a:p>
@@ -5551,7 +5553,7 @@
             <a:fld id="{6D22F896-40B5-4ADD-8801-0D06FADFA095}" type="slidenum">
               <a:rPr lang="en-US" smtClean="0"/>
               <a:pPr/>
-              <a:t>‹№›</a:t>
+              <a:t>‹#›</a:t>
             </a:fld>
             <a:endParaRPr lang="en-US"/>
           </a:p>
@@ -5877,7 +5879,7 @@
             <a:fld id="{6D22F896-40B5-4ADD-8801-0D06FADFA095}" type="slidenum">
               <a:rPr lang="en-US" smtClean="0"/>
               <a:pPr/>
-              <a:t>‹№›</a:t>
+              <a:t>‹#›</a:t>
             </a:fld>
             <a:endParaRPr lang="en-US"/>
           </a:p>
@@ -6129,7 +6131,7 @@
             <a:fld id="{6D22F896-40B5-4ADD-8801-0D06FADFA095}" type="slidenum">
               <a:rPr lang="en-US" smtClean="0"/>
               <a:pPr/>
-              <a:t>‹№›</a:t>
+              <a:t>‹#›</a:t>
             </a:fld>
             <a:endParaRPr lang="en-US"/>
           </a:p>
@@ -6643,1825 +6645,7 @@
 </p:sld>
 </file>
 
-<file path=ppt/slides/slide2.xml><?xml version="1.0" encoding="utf-8"?>
-<p:sld xmlns:a="http://schemas.openxmlformats.org/drawingml/2006/main" xmlns:r="http://schemas.openxmlformats.org/officeDocument/2006/relationships" xmlns:p="http://schemas.openxmlformats.org/presentationml/2006/main">
-  <p:cSld>
-    <p:spTree>
-      <p:nvGrpSpPr>
-        <p:cNvPr id="1" name=""/>
-        <p:cNvGrpSpPr/>
-        <p:nvPr/>
-      </p:nvGrpSpPr>
-      <p:grpSpPr>
-        <a:xfrm>
-          <a:off x="0" y="0"/>
-          <a:ext cx="0" cy="0"/>
-          <a:chOff x="0" y="0"/>
-          <a:chExt cx="0" cy="0"/>
-        </a:xfrm>
-      </p:grpSpPr>
-      <p:sp>
-        <p:nvSpPr>
-          <p:cNvPr id="3" name="Прямоугольник 2">
-            <a:extLst>
-              <a:ext uri="{FF2B5EF4-FFF2-40B4-BE49-F238E27FC236}">
-                <a16:creationId xmlns:a16="http://schemas.microsoft.com/office/drawing/2014/main" id="{89F1679A-F8E1-48F6-87E3-35388E5FE97C}"/>
-              </a:ext>
-            </a:extLst>
-          </p:cNvPr>
-          <p:cNvSpPr/>
-          <p:nvPr/>
-        </p:nvSpPr>
-        <p:spPr>
-          <a:xfrm>
-            <a:off x="3048000" y="1735998"/>
-            <a:ext cx="6096000" cy="2985433"/>
-          </a:xfrm>
-          <a:prstGeom prst="rect">
-            <a:avLst/>
-          </a:prstGeom>
-        </p:spPr>
-        <p:txBody>
-          <a:bodyPr>
-            <a:spAutoFit/>
-          </a:bodyPr>
-          <a:lstStyle/>
-          <a:p>
-            <a:pPr algn="ctr"/>
-            <a:r>
-              <a:rPr lang="en-US" sz="3200" b="1" dirty="0">
-                <a:solidFill>
-                  <a:schemeClr val="tx1">
-                    <a:lumMod val="95000"/>
-                  </a:schemeClr>
-                </a:solidFill>
-                <a:latin typeface="SchoolBookCTT" pitchFamily="2" charset="0"/>
-              </a:rPr>
-              <a:t>Team members </a:t>
-            </a:r>
-            <a:br>
-              <a:rPr lang="uk-UA" sz="1200" b="1" dirty="0">
-                <a:solidFill>
-                  <a:schemeClr val="tx1">
-                    <a:lumMod val="95000"/>
-                  </a:schemeClr>
-                </a:solidFill>
-                <a:latin typeface="SchoolBookCTT" pitchFamily="2" charset="0"/>
-              </a:rPr>
-            </a:br>
-            <a:br>
-              <a:rPr lang="uk-UA" sz="1200" b="1" dirty="0">
-                <a:solidFill>
-                  <a:schemeClr val="tx1">
-                    <a:lumMod val="95000"/>
-                  </a:schemeClr>
-                </a:solidFill>
-                <a:latin typeface="SchoolBookCTT" pitchFamily="2" charset="0"/>
-              </a:rPr>
-            </a:br>
-            <a:r>
-              <a:rPr lang="uk-UA" sz="2400" b="1" dirty="0">
-                <a:solidFill>
-                  <a:schemeClr val="tx1">
-                    <a:lumMod val="95000"/>
-                  </a:schemeClr>
-                </a:solidFill>
-                <a:effectLst>
-                  <a:outerShdw blurRad="38100" dist="38100" dir="2700000" algn="tl">
-                    <a:srgbClr val="000000">
-                      <a:alpha val="43137"/>
-                    </a:srgbClr>
-                  </a:outerShdw>
-                </a:effectLst>
-              </a:rPr>
-              <a:t>Клименко Артем Максимович</a:t>
-            </a:r>
-            <a:r>
-              <a:rPr lang="en-US" sz="2400" b="1" dirty="0">
-                <a:solidFill>
-                  <a:schemeClr val="tx1">
-                    <a:lumMod val="95000"/>
-                  </a:schemeClr>
-                </a:solidFill>
-                <a:effectLst>
-                  <a:outerShdw blurRad="38100" dist="38100" dir="2700000" algn="tl">
-                    <a:srgbClr val="000000">
-                      <a:alpha val="43137"/>
-                    </a:srgbClr>
-                  </a:outerShdw>
-                </a:effectLst>
-              </a:rPr>
-              <a:t>(PM)</a:t>
-            </a:r>
-            <a:br>
-              <a:rPr lang="en-US" sz="2400" b="1" dirty="0">
-                <a:solidFill>
-                  <a:schemeClr val="tx1">
-                    <a:lumMod val="95000"/>
-                  </a:schemeClr>
-                </a:solidFill>
-                <a:effectLst>
-                  <a:outerShdw blurRad="38100" dist="38100" dir="2700000" algn="tl">
-                    <a:srgbClr val="000000">
-                      <a:alpha val="43137"/>
-                    </a:srgbClr>
-                  </a:outerShdw>
-                </a:effectLst>
-              </a:rPr>
-            </a:br>
-            <a:r>
-              <a:rPr lang="uk-UA" sz="2400" b="1" dirty="0">
-                <a:solidFill>
-                  <a:schemeClr val="tx1">
-                    <a:lumMod val="95000"/>
-                  </a:schemeClr>
-                </a:solidFill>
-                <a:effectLst>
-                  <a:outerShdw blurRad="38100" dist="38100" dir="2700000" algn="tl">
-                    <a:srgbClr val="000000">
-                      <a:alpha val="43137"/>
-                    </a:srgbClr>
-                  </a:outerShdw>
-                </a:effectLst>
-              </a:rPr>
-              <a:t>Полібін-Щербак Демид Артемович(</a:t>
-            </a:r>
-            <a:r>
-              <a:rPr lang="en-US" sz="2400" b="1" dirty="0">
-                <a:solidFill>
-                  <a:schemeClr val="tx1">
-                    <a:lumMod val="95000"/>
-                  </a:schemeClr>
-                </a:solidFill>
-                <a:effectLst>
-                  <a:outerShdw blurRad="38100" dist="38100" dir="2700000" algn="tl">
-                    <a:srgbClr val="000000">
-                      <a:alpha val="43137"/>
-                    </a:srgbClr>
-                  </a:outerShdw>
-                </a:effectLst>
-              </a:rPr>
-              <a:t>PM)</a:t>
-            </a:r>
-            <a:br>
-              <a:rPr lang="en-US" sz="2400" b="1" dirty="0">
-                <a:solidFill>
-                  <a:schemeClr val="tx1">
-                    <a:lumMod val="95000"/>
-                  </a:schemeClr>
-                </a:solidFill>
-                <a:effectLst>
-                  <a:outerShdw blurRad="38100" dist="38100" dir="2700000" algn="tl">
-                    <a:srgbClr val="000000">
-                      <a:alpha val="43137"/>
-                    </a:srgbClr>
-                  </a:outerShdw>
-                </a:effectLst>
-              </a:rPr>
-            </a:br>
-            <a:r>
-              <a:rPr lang="uk-UA" sz="2400" b="1" dirty="0">
-                <a:solidFill>
-                  <a:schemeClr val="tx1">
-                    <a:lumMod val="95000"/>
-                  </a:schemeClr>
-                </a:solidFill>
-                <a:effectLst>
-                  <a:outerShdw blurRad="38100" dist="38100" dir="2700000" algn="tl">
-                    <a:srgbClr val="000000">
-                      <a:alpha val="43137"/>
-                    </a:srgbClr>
-                  </a:outerShdw>
-                </a:effectLst>
-              </a:rPr>
-              <a:t>Бабенко Станіслав Олексійович</a:t>
-            </a:r>
-            <a:r>
-              <a:rPr lang="en-US" sz="2400" b="1" dirty="0">
-                <a:solidFill>
-                  <a:schemeClr val="tx1">
-                    <a:lumMod val="95000"/>
-                  </a:schemeClr>
-                </a:solidFill>
-                <a:effectLst>
-                  <a:outerShdw blurRad="38100" dist="38100" dir="2700000" algn="tl">
-                    <a:srgbClr val="000000">
-                      <a:alpha val="43137"/>
-                    </a:srgbClr>
-                  </a:outerShdw>
-                </a:effectLst>
-              </a:rPr>
-              <a:t>(Editor)</a:t>
-            </a:r>
-            <a:br>
-              <a:rPr lang="uk-UA" sz="2400" b="1" dirty="0">
-                <a:solidFill>
-                  <a:schemeClr val="tx1">
-                    <a:lumMod val="95000"/>
-                  </a:schemeClr>
-                </a:solidFill>
-                <a:effectLst>
-                  <a:outerShdw blurRad="38100" dist="38100" dir="2700000" algn="tl">
-                    <a:srgbClr val="000000">
-                      <a:alpha val="43137"/>
-                    </a:srgbClr>
-                  </a:outerShdw>
-                </a:effectLst>
-              </a:rPr>
-            </a:br>
-            <a:r>
-              <a:rPr lang="uk-UA" sz="2400" b="1" dirty="0">
-                <a:solidFill>
-                  <a:schemeClr val="tx1">
-                    <a:lumMod val="95000"/>
-                  </a:schemeClr>
-                </a:solidFill>
-                <a:effectLst>
-                  <a:outerShdw blurRad="38100" dist="38100" dir="2700000" algn="tl">
-                    <a:srgbClr val="000000">
-                      <a:alpha val="43137"/>
-                    </a:srgbClr>
-                  </a:outerShdw>
-                </a:effectLst>
-              </a:rPr>
-              <a:t>Сердюк Костя Олегович</a:t>
-            </a:r>
-            <a:r>
-              <a:rPr lang="en-US" sz="2400" b="1" dirty="0">
-                <a:solidFill>
-                  <a:schemeClr val="tx1">
-                    <a:lumMod val="95000"/>
-                  </a:schemeClr>
-                </a:solidFill>
-                <a:effectLst>
-                  <a:outerShdw blurRad="38100" dist="38100" dir="2700000" algn="tl">
-                    <a:srgbClr val="000000">
-                      <a:alpha val="43137"/>
-                    </a:srgbClr>
-                  </a:outerShdw>
-                </a:effectLst>
-              </a:rPr>
-              <a:t>(Editor)</a:t>
-            </a:r>
-            <a:br>
-              <a:rPr lang="uk-UA" sz="2400" b="1" dirty="0">
-                <a:solidFill>
-                  <a:schemeClr val="tx1">
-                    <a:lumMod val="95000"/>
-                  </a:schemeClr>
-                </a:solidFill>
-                <a:effectLst>
-                  <a:outerShdw blurRad="38100" dist="38100" dir="2700000" algn="tl">
-                    <a:srgbClr val="000000">
-                      <a:alpha val="43137"/>
-                    </a:srgbClr>
-                  </a:outerShdw>
-                </a:effectLst>
-              </a:rPr>
-            </a:br>
-            <a:r>
-              <a:rPr lang="uk-UA" sz="2400" b="1" dirty="0">
-                <a:solidFill>
-                  <a:schemeClr val="tx1">
-                    <a:lumMod val="95000"/>
-                  </a:schemeClr>
-                </a:solidFill>
-                <a:effectLst>
-                  <a:outerShdw blurRad="38100" dist="38100" dir="2700000" algn="tl">
-                    <a:srgbClr val="000000">
-                      <a:alpha val="43137"/>
-                    </a:srgbClr>
-                  </a:outerShdw>
-                </a:effectLst>
-              </a:rPr>
-              <a:t>Шейко Ростислав Олександрович</a:t>
-            </a:r>
-            <a:r>
-              <a:rPr lang="en-US" sz="2400" b="1" dirty="0">
-                <a:solidFill>
-                  <a:schemeClr val="tx1">
-                    <a:lumMod val="95000"/>
-                  </a:schemeClr>
-                </a:solidFill>
-                <a:effectLst>
-                  <a:outerShdw blurRad="38100" dist="38100" dir="2700000" algn="tl">
-                    <a:srgbClr val="000000">
-                      <a:alpha val="43137"/>
-                    </a:srgbClr>
-                  </a:outerShdw>
-                </a:effectLst>
-              </a:rPr>
-              <a:t>(Editor)</a:t>
-            </a:r>
-            <a:br>
-              <a:rPr lang="uk-UA" sz="2400" b="1" dirty="0">
-                <a:solidFill>
-                  <a:schemeClr val="tx1">
-                    <a:lumMod val="95000"/>
-                  </a:schemeClr>
-                </a:solidFill>
-                <a:effectLst>
-                  <a:outerShdw blurRad="38100" dist="38100" dir="2700000" algn="tl">
-                    <a:srgbClr val="000000">
-                      <a:alpha val="43137"/>
-                    </a:srgbClr>
-                  </a:outerShdw>
-                </a:effectLst>
-              </a:rPr>
-            </a:br>
-            <a:r>
-              <a:rPr lang="uk-UA" sz="2400" b="1" dirty="0">
-                <a:solidFill>
-                  <a:schemeClr val="tx1">
-                    <a:lumMod val="95000"/>
-                  </a:schemeClr>
-                </a:solidFill>
-                <a:effectLst>
-                  <a:outerShdw blurRad="38100" dist="38100" dir="2700000" algn="tl">
-                    <a:srgbClr val="000000">
-                      <a:alpha val="43137"/>
-                    </a:srgbClr>
-                  </a:outerShdw>
-                </a:effectLst>
-              </a:rPr>
-              <a:t>Фоменко Валентин Олександрович</a:t>
-            </a:r>
-            <a:r>
-              <a:rPr lang="en-US" sz="2400" b="1" dirty="0">
-                <a:solidFill>
-                  <a:schemeClr val="tx1">
-                    <a:lumMod val="95000"/>
-                  </a:schemeClr>
-                </a:solidFill>
-                <a:effectLst>
-                  <a:outerShdw blurRad="38100" dist="38100" dir="2700000" algn="tl">
-                    <a:srgbClr val="000000">
-                      <a:alpha val="43137"/>
-                    </a:srgbClr>
-                  </a:outerShdw>
-                </a:effectLst>
-              </a:rPr>
-              <a:t>(Editor</a:t>
-            </a:r>
-            <a:r>
-              <a:rPr lang="uk-UA" sz="2400" b="1" dirty="0">
-                <a:solidFill>
-                  <a:schemeClr val="tx1">
-                    <a:lumMod val="95000"/>
-                  </a:schemeClr>
-                </a:solidFill>
-                <a:effectLst>
-                  <a:outerShdw blurRad="38100" dist="38100" dir="2700000" algn="tl">
-                    <a:srgbClr val="000000">
-                      <a:alpha val="43137"/>
-                    </a:srgbClr>
-                  </a:outerShdw>
-                </a:effectLst>
-              </a:rPr>
-              <a:t>)</a:t>
-            </a:r>
-            <a:endParaRPr lang="ru-UA" dirty="0">
-              <a:solidFill>
-                <a:schemeClr val="tx1">
-                  <a:lumMod val="95000"/>
-                </a:schemeClr>
-              </a:solidFill>
-            </a:endParaRPr>
-          </a:p>
-        </p:txBody>
-      </p:sp>
-    </p:spTree>
-    <p:extLst>
-      <p:ext uri="{BB962C8B-B14F-4D97-AF65-F5344CB8AC3E}">
-        <p14:creationId xmlns:p14="http://schemas.microsoft.com/office/powerpoint/2010/main" val="425924951"/>
-      </p:ext>
-    </p:extLst>
-  </p:cSld>
-  <p:clrMapOvr>
-    <a:masterClrMapping/>
-  </p:clrMapOvr>
-</p:sld>
-</file>
-
-<file path=ppt/slides/slide3.xml><?xml version="1.0" encoding="utf-8"?>
-<p:sld xmlns:a="http://schemas.openxmlformats.org/drawingml/2006/main" xmlns:r="http://schemas.openxmlformats.org/officeDocument/2006/relationships" xmlns:p="http://schemas.openxmlformats.org/presentationml/2006/main">
-  <p:cSld>
-    <p:spTree>
-      <p:nvGrpSpPr>
-        <p:cNvPr id="1" name=""/>
-        <p:cNvGrpSpPr/>
-        <p:nvPr/>
-      </p:nvGrpSpPr>
-      <p:grpSpPr>
-        <a:xfrm>
-          <a:off x="0" y="0"/>
-          <a:ext cx="0" cy="0"/>
-          <a:chOff x="0" y="0"/>
-          <a:chExt cx="0" cy="0"/>
-        </a:xfrm>
-      </p:grpSpPr>
-      <p:pic>
-        <p:nvPicPr>
-          <p:cNvPr id="9" name="Рисунок 8" descr="Зображення, що містить текст&#10;&#10;Автоматично згенерований опис">
-            <a:extLst>
-              <a:ext uri="{FF2B5EF4-FFF2-40B4-BE49-F238E27FC236}">
-                <a16:creationId xmlns:a16="http://schemas.microsoft.com/office/drawing/2014/main" id="{DBA359FC-568E-50DD-2879-E38D5486CD9F}"/>
-              </a:ext>
-            </a:extLst>
-          </p:cNvPr>
-          <p:cNvPicPr>
-            <a:picLocks noChangeAspect="1"/>
-          </p:cNvPicPr>
-          <p:nvPr/>
-        </p:nvPicPr>
-        <p:blipFill>
-          <a:blip r:embed="rId2"/>
-          <a:stretch>
-            <a:fillRect/>
-          </a:stretch>
-        </p:blipFill>
-        <p:spPr>
-          <a:xfrm>
-            <a:off x="0" y="0"/>
-            <a:ext cx="12192000" cy="6858000"/>
-          </a:xfrm>
-          <a:prstGeom prst="rect">
-            <a:avLst/>
-          </a:prstGeom>
-        </p:spPr>
-      </p:pic>
-      <p:sp>
-        <p:nvSpPr>
-          <p:cNvPr id="3" name="Підзаголовок 2">
-            <a:extLst>
-              <a:ext uri="{FF2B5EF4-FFF2-40B4-BE49-F238E27FC236}">
-                <a16:creationId xmlns:a16="http://schemas.microsoft.com/office/drawing/2014/main" id="{A6992853-46B5-27BD-DF06-C8F0717237D9}"/>
-              </a:ext>
-            </a:extLst>
-          </p:cNvPr>
-          <p:cNvSpPr>
-            <a:spLocks noGrp="1"/>
-          </p:cNvSpPr>
-          <p:nvPr>
-            <p:ph type="subTitle" idx="1"/>
-          </p:nvPr>
-        </p:nvSpPr>
-        <p:spPr>
-          <a:xfrm>
-            <a:off x="3576419" y="4451955"/>
-            <a:ext cx="5039161" cy="587407"/>
-          </a:xfrm>
-        </p:spPr>
-        <p:txBody>
-          <a:bodyPr>
-            <a:normAutofit/>
-          </a:bodyPr>
-          <a:lstStyle/>
-          <a:p>
-            <a:r>
-              <a:rPr lang="en-US" sz="2800" dirty="0">
-                <a:solidFill>
-                  <a:srgbClr val="7163C0"/>
-                </a:solidFill>
-              </a:rPr>
-              <a:t>https://desktop.github.com/</a:t>
-            </a:r>
-            <a:endParaRPr lang="uk-UA" sz="2800" dirty="0">
-              <a:solidFill>
-                <a:srgbClr val="7163C0"/>
-              </a:solidFill>
-            </a:endParaRPr>
-          </a:p>
-        </p:txBody>
-      </p:sp>
-    </p:spTree>
-    <p:extLst>
-      <p:ext uri="{BB962C8B-B14F-4D97-AF65-F5344CB8AC3E}">
-        <p14:creationId xmlns:p14="http://schemas.microsoft.com/office/powerpoint/2010/main" val="2957209552"/>
-      </p:ext>
-    </p:extLst>
-  </p:cSld>
-  <p:clrMapOvr>
-    <a:masterClrMapping/>
-  </p:clrMapOvr>
-</p:sld>
-</file>
-
-<file path=ppt/slides/slide4.xml><?xml version="1.0" encoding="utf-8"?>
-<p:sld xmlns:a="http://schemas.openxmlformats.org/drawingml/2006/main" xmlns:r="http://schemas.openxmlformats.org/officeDocument/2006/relationships" xmlns:p="http://schemas.openxmlformats.org/presentationml/2006/main">
-  <p:cSld>
-    <p:spTree>
-      <p:nvGrpSpPr>
-        <p:cNvPr id="1" name=""/>
-        <p:cNvGrpSpPr/>
-        <p:nvPr/>
-      </p:nvGrpSpPr>
-      <p:grpSpPr>
-        <a:xfrm>
-          <a:off x="0" y="0"/>
-          <a:ext cx="0" cy="0"/>
-          <a:chOff x="0" y="0"/>
-          <a:chExt cx="0" cy="0"/>
-        </a:xfrm>
-      </p:grpSpPr>
-      <p:sp>
-        <p:nvSpPr>
-          <p:cNvPr id="6" name="Прямокутник 5">
-            <a:extLst>
-              <a:ext uri="{FF2B5EF4-FFF2-40B4-BE49-F238E27FC236}">
-                <a16:creationId xmlns:a16="http://schemas.microsoft.com/office/drawing/2014/main" id="{7287331D-FEEE-91BE-62EA-25A87D1B7100}"/>
-              </a:ext>
-            </a:extLst>
-          </p:cNvPr>
-          <p:cNvSpPr/>
-          <p:nvPr/>
-        </p:nvSpPr>
-        <p:spPr>
-          <a:xfrm>
-            <a:off x="0" y="0"/>
-            <a:ext cx="12192000" cy="6858000"/>
-          </a:xfrm>
-          <a:prstGeom prst="rect">
-            <a:avLst/>
-          </a:prstGeom>
-          <a:solidFill>
-            <a:srgbClr val="24292E"/>
-          </a:solidFill>
-          <a:ln>
-            <a:solidFill>
-              <a:srgbClr val="24292E"/>
-            </a:solidFill>
-          </a:ln>
-        </p:spPr>
-        <p:style>
-          <a:lnRef idx="2">
-            <a:schemeClr val="accent1">
-              <a:shade val="50000"/>
-            </a:schemeClr>
-          </a:lnRef>
-          <a:fillRef idx="1">
-            <a:schemeClr val="accent1"/>
-          </a:fillRef>
-          <a:effectRef idx="0">
-            <a:schemeClr val="accent1"/>
-          </a:effectRef>
-          <a:fontRef idx="minor">
-            <a:schemeClr val="lt1"/>
-          </a:fontRef>
-        </p:style>
-        <p:txBody>
-          <a:bodyPr rtlCol="0" anchor="ctr"/>
-          <a:lstStyle/>
-          <a:p>
-            <a:pPr algn="ctr"/>
-            <a:endParaRPr lang="uk-UA"/>
-          </a:p>
-        </p:txBody>
-      </p:sp>
-      <p:pic>
-        <p:nvPicPr>
-          <p:cNvPr id="8" name="Рисунок 7">
-            <a:extLst>
-              <a:ext uri="{FF2B5EF4-FFF2-40B4-BE49-F238E27FC236}">
-                <a16:creationId xmlns:a16="http://schemas.microsoft.com/office/drawing/2014/main" id="{E736F2B9-A1B3-10C9-69C1-AF0104866DE5}"/>
-              </a:ext>
-            </a:extLst>
-          </p:cNvPr>
-          <p:cNvPicPr>
-            <a:picLocks noChangeAspect="1"/>
-          </p:cNvPicPr>
-          <p:nvPr/>
-        </p:nvPicPr>
-        <p:blipFill>
-          <a:blip r:embed="rId2"/>
-          <a:stretch>
-            <a:fillRect/>
-          </a:stretch>
-        </p:blipFill>
-        <p:spPr>
-          <a:xfrm>
-            <a:off x="-657885" y="-5906"/>
-            <a:ext cx="13507769" cy="6863906"/>
-          </a:xfrm>
-          <a:prstGeom prst="rect">
-            <a:avLst/>
-          </a:prstGeom>
-        </p:spPr>
-      </p:pic>
-    </p:spTree>
-    <p:extLst>
-      <p:ext uri="{BB962C8B-B14F-4D97-AF65-F5344CB8AC3E}">
-        <p14:creationId xmlns:p14="http://schemas.microsoft.com/office/powerpoint/2010/main" val="2168989137"/>
-      </p:ext>
-    </p:extLst>
-  </p:cSld>
-  <p:clrMapOvr>
-    <a:masterClrMapping/>
-  </p:clrMapOvr>
-</p:sld>
-</file>
-
-<file path=ppt/slides/slide5.xml><?xml version="1.0" encoding="utf-8"?>
-<p:sld xmlns:a="http://schemas.openxmlformats.org/drawingml/2006/main" xmlns:r="http://schemas.openxmlformats.org/officeDocument/2006/relationships" xmlns:p="http://schemas.openxmlformats.org/presentationml/2006/main">
-  <p:cSld>
-    <p:spTree>
-      <p:nvGrpSpPr>
-        <p:cNvPr id="1" name=""/>
-        <p:cNvGrpSpPr/>
-        <p:nvPr/>
-      </p:nvGrpSpPr>
-      <p:grpSpPr>
-        <a:xfrm>
-          <a:off x="0" y="0"/>
-          <a:ext cx="0" cy="0"/>
-          <a:chOff x="0" y="0"/>
-          <a:chExt cx="0" cy="0"/>
-        </a:xfrm>
-      </p:grpSpPr>
-      <p:sp>
-        <p:nvSpPr>
-          <p:cNvPr id="11" name="AutoShape 10" descr="data:image/jpeg;base64,/9j/4AAQSkZJRgABAQEAYABgAAD/2wBDAAgGBgcGBQgHBwcJCQgKDBQNDAsLDBkSEw8UHRofHh0aHBwgJC4nICIsIxwcKDcpLDAxNDQ0Hyc5PTgyPC4zNDL/2wBDAQkJCQwLDBgNDRgyIRwhMjIyMjIyMjIyMjIyMjIyMjIyMjIyMjIyMjIyMjIyMjIyMjIyMjIyMjIyMjIyMjIyMjL/wAARCAE0AyADASIAAhEBAxEB/8QAHwAAAQUBAQEBAQEAAAAAAAAAAAECAwQFBgcICQoL/8QAtRAAAgEDAwIEAwUFBAQAAAF9AQIDAAQRBRIhMUEGE1FhByJxFDKBkaEII0KxwRVS0fAkM2JyggkKFhcYGRolJicoKSo0NTY3ODk6Q0RFRkdISUpTVFVWV1hZWmNkZWZnaGlqc3R1dnd4eXqDhIWGh4iJipKTlJWWl5iZmqKjpKWmp6ipqrKztLW2t7i5usLDxMXGx8jJytLT1NXW19jZ2uHi4+Tl5ufo6erx8vP09fb3+Pn6/8QAHwEAAwEBAQEBAQEBAQAAAAAAAAECAwQFBgcICQoL/8QAtREAAgECBAQDBAcFBAQAAQJ3AAECAxEEBSExBhJBUQdhcRMiMoEIFEKRobHBCSMzUvAVYnLRChYkNOEl8RcYGRomJygpKjU2Nzg5OkNERUZHSElKU1RVVldYWVpjZGVmZ2hpanN0dXZ3eHl6goOEhYaHiImKkpOUlZaXmJmaoqOkpaanqKmqsrO0tba3uLm6wsPExcbHyMnK0tPU1dbX2Nna4uPk5ebn6Onq8vP09fb3+Pn6/9oADAMBAAIRAxEAPwD3+iiigAooooAKKKKACiiigAooooAKKKKACiiigAooooAKKKKACiiigAooooAKKKKACiiigAooooAKKKKACiiigAooooAKKKKACiiigAooooAKKKKACiiigAooooAKKKKACiiigAooooAKKKKACiiigAooooAKKKKACiiigAooooAKKKKACiiigAooooAKKKKACiiigAooooAKKKKACiiigAooooAKKKKACiiigAooooAKKKKACiiigAooooAKKKKACiiigAooooAKKKKACiiigAoqnd6rp9hKkV5ewQSOCVWRwpIHXGaE1Wxl01tQhuY5rRVLGWNtwwOvSgC5RVNtVs00v+0pJlS0KeZ5jelLpmpWur6fFfWb77eUZRsYzQBbooooAKKKKACimSSRxLukdUXOMscUJLHLu8uRH2nB2tnFAD6KKKACiiigAooooAKKKKACiiigAooooAKKKKACiiigAooooAKKKKACiiigAooooAKKKKAColuYXu5LVXzNGiyOmDwrFgD+JVvyqWsi3/5G7Uf+vK2/9DnoA16KKKAM2LxBpM+ofYIr+Brre0flBuSy53D6jB49jWlXIWDedcaTaqPmTUb+6Y9cKskqfqZBz7V19ABRTVdHLBWVipw2DnB9KdQAUUUUAFFFFABRRRQAUUUUAFFFFABRRRQAUUUUAFFFFABRRRQAUUUUAFFFFABRRRQAUUUUAFFFFABRRRQAUUUUAFFFFABRRRQAUUUUAFFFFABRRRQAUUUUAFFFFABRRRQAUUUUAFFFFABUVzcRWlrLczNtiiUu59AOtS0jKroUdQykYII4NAHEj4n6QFtriW0vYtOuZRFFevERGzE4FXvE82rW0U9/Dq1vY6ZDblwTHudpO34Vz/iWI+N9Wg8LabGqaTp8yTX9yowoZTlY19/WtTxV4Z1vWNSsHsrm0/s+zAZbadSVeQdGOOuKAKcWlah4utvDeparYQK8atLcbhg5/h49D1pLLwfqMvgm50u58yzuA8rRrbS4Emc4z7e1dno8WoQaXDHqk8c14AfMeJdqnnsKv0Acrovh+bRPCjWx+0X1w0ABgmkDANjGBngCp/BNpf6f4dhsdQs/s0sJP8YYNkk8Yro6KACiiigDl9S+IXhvS7ua2nvmaSA4mMUbOsX+8QMCr19qN/d6ZZ3Xhxba7W4cHzXfCrGf4h6/SsDxnLYaPpFzpWl2EUmra0SiQIvMhPBdvYVA/h3X/D/w20/w9oZWa7RRHPKX2lVPLbT69qAM+9v9U8a+Hda0w2CS3dnerbJPbt8jDI3OPoK2vB+jXWjeJNaRrKaO0kMYglZ8q6hQCfqTWh4OttSsrOS1u9Lg0+1iAEMcb72Y/wATMfUmumoAKKKKACiiigAooooACcDJri7j4naDAJplS7lsreXypryOEmKNs4wTXaV55432Xtq3gjQLWL7XfndclFAS3jJyzt7mgDR8b+KdS0bw0uraJBbzwMFYzSNwAxA4Hep/EHiG9tbjQ9LsPLW91UkCWQZEYC5JxVHxV4X1S78EW/hrRo4HRURGmnk27dpB6Y5zipNU0DWb9dC1WOG2j1XSnP8Ao5lykqkYI3Y4oAyk8faoyJo5igGtHUfsBkwfLx134+nat7wvr97qlxrWkakEF5ps3lGWHgSKRkN7GsJ/AGpCGPVkmgOuLqP29kJ/dnt5efp3rofDHh+802bV9TvzGdQ1ObzXjjOUjAGFUHv9aAMPw14r/sjwlNdatcz3cn9oyWsAJ3O53YVRWs/xB062t9SN/bXFpc6eqtLbuMsQxwpHrk1gReBNafw6sEjWsV/a6ob+3w5ZHGc7W44qh4y0bUItI17XtUihW81COG0jtoiXWNVbOS39e1AHZ6R40XVPEEmivpV3bXMcInYyY27D0NULv4mWVpe6lZvpV/5+noJZU2D/AFf976VjeAbuS18Uvp02nxPLNaiRr+G5MwAXohPb6Ve1HwRqt5YeLXWeEX2ruqwtnhYl6KT2zQB3WnX0Wp6db30GfKnjEibhzg1ZrO0O3u7TRrW3vRCs0cYUrD91cDGBWjQAUUUUAFFFFABRRRQBBd31pYRCW8uoLaMnaHmkCAn0yaqQeINJurtLa31CCaR/u+W25WPoGHGfbOadd6e1zrNheZTy7ZJVZWHJL7cY/wC+TVXXVVbnQwAAP7RXgD/plJQBp3kM9xbGO3umtZCRiVUViPwYEVyepWWrWWs2pt9Tvbu7u4njIUQQrsTB5Ow8/McemTXZ1Fc+f9lm+y+X9o2N5Xm52bscbsc4z1xQBh+GpJvtGoW12L0XduyBxc3ImUqy5UqVAHrnIB49MV0Nc3odl4hsTu1CPTbi4ncNdXUdw6lsdAqeXgADgDP1OSTXSUAcx4etlsvEOrwXFyDdFt8MBABEDSO+8dyC8jA/7ormPs01x4916Q6XdThtTsjaXyKzJGEEIlUHooGHzz1yK9Bv9JsNUCfbbWOYp91iMMvqARzip7S0t7G2S3tYlihT7qrQBx/hX7Rp3ifXNNvzaCfUp31IR28xZoshI9jcDnaFbP8AtfjUtvp3iRtKuGk1C4gNl5sdlCjqz3Oxm8t5nZSfmAHAPTnOTxYSzvovG7zixl8iSYv9qDKY/LaBVIIzuDB4k7dD+XU0AZuk65p+sxhrG5SfEUcrmPkLvGQCexxzjrWlVWy02y01ZlsbWG3WeVp5REgUPI2MscdzgVaoAKKKKACiiigAooooAKKKKACiiigAooooAKKKKACiiigAooooAKKKKACiiigAooooAKKKKACiiigAooooAKKKKACiiigAooooAKKKKACiorqD7TaTQeY0fmxsm9DyuRjI965PWvDek2Wj/ZrW0kfUZ0MFqUlfeZMYDn5uAPvE9qANrxHJMmmwpBcS27TXdvCZIiAwVpVBxkHsTTNNudQh1q50q+mjuVSBZ4bgLtdlYkFXUDGQQcEdsd+sviK3mn0K4NtE8t1CBPbomMtKhDIOePvAdaq+Gg+oQDXrqZXu7yJVaKMjZbAdYh6kNu3E85z0HAAN+iuS8XXUs2p6XpYSd9PLNc6mYGZWSFeFyR/CXIJAOSFPYGotTstJttCub3Qbto5Y2QBrO8Yhm3DAYBiG69D60AdlRWF4g0SXVbi0njEEy26yK1tO7oshbbg7lPBG09QeprI8JX2pyeItUsbyB7O2gjTy7e4uzPI7nkuhb5gmCox0z0wc0AdlJIkUbSSOqRoCzMxwAB1JNVrPVdO1FnWxv7W6ZACwgmV9oPTODxXNqja54i1PRL/dNZW0ouZYXGVdGVREnoVysrFfULng1pxoieNpAiKo/s1Ogx/y0agDcopGdVKhmALHCgnqcZwPwBpaACoL2GW4sZ4YJjDLIhVZAM7CR1qeigDy2y+FmuWFmbKDxndJaNJ5kkawgFyTk5PWvT4Y/KgjjyTsULk98U+igAooooAKKKKACiiigDzO58G+NV8WX+u2Ws6YJLgeXF50LMYY+wHpXbeG7HU9O0SG31e9W9vgSZZlGAxJ7VrUUAFFFFABRRRQAUUUUAFFFFACNnadvXHFeaQfDzxPZ3upXVp4s8uXUJC8shtwWx2APoBXplFAFHR7GXTdItrOa4a4liQK0zdXPrV6iigAooooAKbJGkqFJEV0PVWGQadRQBDBZ21qCLe3ihz18tAufyqaiigAooooAKKKKACiiigAooooAz77VFtpxaW0Rur9l3rbowBC5I3sT91cg898cAmorXTJ5LpL7VJxNcIcxQx5EMH0H8Tckbj68AVVg0bVbO7u7i31GxMlzIWeWayZpCuSUUsJQCFBwMAfqasfZ/EP/QT03/wAf/49QBr0VQ0y0vLVLhr6/wDtc00pkysflpGMABVXJwOM9Tkkmr9ABRRRQAUUUUAFFFFABRRRQAUUUUAFFFFABRRRQAUUUUAFFFFABRRRQAUUUUAFFFFABRRRQAUUUUAFFFFABRRRQAUUUUAFFFFABRRRQAUUUUAFFFFABRRRQAVi3Zvr3XnsbfUJLKG3tkmcxRIzSF2cAZcEADZ2HO7252qr/ZYIr2a/ORI8SRuxbjapYj/0NqAM6za9stb+wXV9Jexz27TQvIiKyFGVWB2KAQd6kfjSXXhi0utXl1P7VqEN1JGI2MN26rtHYLnA/Ac0yynOseIE1G1AOnW1vLbrMc/vnZ0JKdigEf3uhJ46Vu0AVLCxFhE0Yubmfc27dcSmQj2BPaqCeH5Laa4ax1i+tYp5mnaFFidVduW27kJAJycZ6k1tUUAU9P05LBZW82SeeZt808uNznGBnAAGAAMACkbRtLe4juG060M8RBjkMC7kI5BBxxV2igDO1XU2sDawwWzXN1dy+VDHu2rkKWJZsHAAU9jzisTTtNktvHQu76ZbjUZ9L2zSqu1AFlBCovZRuPuc5NbGr2N3czWN1ZND59pIzqkxIVwyFTkjJHXPSnaXYzwGa7v3jkv7g/vDHnYij7qLnnAHPuST3oA0cDJOOvWs7UtIXULm1uo7u4tLq2LeXNBtyVYYZSGBBB4PI6gVpUUAZtno6294b25up72627Eln2jy154VVAUZycnGTwM4ArSoooAKKKKACiiigAooooAKKKKACiiigAooooAKKKKACiiigAooooAKKKKACiiigAooooAKKKKACiiigAooooAKKKKACiiigAooooAKKKKACiiigAooooAKKKKACisfXPEln4flsVvI5it5MII3jXIDHpn0rYoAKKKKACiiigAooooAKKKKACiiigAooooAKKKKACiiigAooooAKKKKACiiigAooooAKKKKACiiigAooooAKKKKACiiigAooooAKKKKACiiigArkrrVdM1rWrizutVsk02wkCSwNMgNxMOSrZP3VOOO5BB44PW1A9laSOXe1hZj1LRgk0AOt7i3uIFktpopYTwrRsGU444IpYJ4rmCOeCRZIpFDI6nIYHoQaoTeHdEuJTJNpFjJIerNboSf0rQiijt4UhhjSOKNQqIi4VQOgAHQUAPooooAKKKKACiiigAooooAKKKKACiiigAooooAKKKKACiiigAooooAKKKKACiiigAooooAKKKKACiiigAooooAKKKKACiiigAooooAKKKKACiiigAooooAKKKKACiiigArO1jW9P0K0FxqFwIkZtqDGWdvQDua0a850o/8JT8VdUurn95Z6IiwW0bfdEp+82PWgD0SNxLEkgBAZQwBGDzWD4l8V2/hv7OjWlzeTzk7YbZdz4HU4rUh1XT7m+ksoLyCS6iG54kcFlHuK5iEyal8QtSu4AJBptmIIwTx5rcmgCL/AIWXbY/5AOt/+AjVoWHjvSrryRdRXWnmeQxxfbITGGb0ya5TxFq/jXwv4fh8QX99bGb7SqSackY27WbAAbqTXc63pcPibwtNa3EWDcQblB6xvjII9CDQBz3xNZRb6DuYAHVIe/vXNapfXGoXfja4v9UuLO40ohbGNJCuxQMhgO+TXR+Apbbxh4Msn1m2jurqwla3LSrk7kON314rq7vw/pF9dJdXWn28s6ABXdMnjp9aAPHtQ1XWNUvnt7ye4M7aXE0KwziLyZWH3mz1z1rrvEFjPpXwlCzalc/bYYQ3mxTcySngZPcZNTa58PZdS8QX+pK9lOt5EsYW6QkwYGPkxXRaH4XtNJ8L2mhzk3sMAHMwzuOc/oaAOM0CS403x1p9leavPJK2mq1yJ5OJJG6BRXqFU20qwfUEv2tITdxrsSYr8wHpmrlABRRRQAUUUyVWeF0VirMpAYdvegBfMTdt3ru9M81hXHiX7N4ytfD72jH7TA0yThuOOoxXnvjnw4nhzwxHJb6nfXPiSe6X7LL5h3yMW5UL6AVr6hNcL8RPD6zN/pw0qRXIU4EpHHPTrQB6N58Jk8vzY/M/u7hn8qR7q3jfY88Sv/dLgGvD7aIyeHrJUS4/4S8aoTIcN5gG7kntsxWfPFaatq+pWWoXlrH/AMTZXa+uJGEgUYymOmKAPUp7q6g+JVlA+ps9tPbO4t8gIuOn41Q8XarLca5HaQ6i8FmunT3KPC+N8q9Bnvj0rro9C0hpIbpbKB5EUCOXGTjHGDU0ui6bPFHFLYwOkbFkUp90nrQB5xe6vqV7bk3d7PaSW+kx3UJRtvmSn19fp71s319qK6v4XuJ9RaJLoAS2owoJ25JPrzXYXOlWF40TXNpFKYv9WWX7tMu9F0y+nWe6soZpU+6zrkj6UAXHljiAMkioDwCxxQssbsVSRGYdQGyRXE/FOxjvPCawLE7XDzxxQFM5Qkjnj2rN8OW9tpHxMu7KNbhStnHHkhm81sZLk9KAPS6KKKACiiigAooooAKKKKACiiigAooooAKKKKACivL/ABJP4ji+JWk6XpmtSD7YjvNGUGyGIdwO5rU+Hd7qVzf+I7e71CW+tbS+8m3llHzdOR+dAHeVna5rdl4e0uTUb9mWCMgHapJJPQAVT1e51+LXdMi020il0+Rj9skdsGMdsVsXKwGBjciMxINzeYBgY780AcvYePrC61u10m6tLuxubtN9sLhMCUe1Vb34irZanqGnnQ7557OIz4BUB4x1b2/Gs+ytn8c+OLXxEVMWi6QWSyYjBuJOhYf7PpWpe+Dbu7l8TTm8QTarEIYDt/1SAdD9aAOm0jUo9Y0i11GJGSO5jEiq3UZ9au1leHNPutK0G1sbyaOWWBAm6NcKABgAVq0AFFFRXVwLW0luGVnEaFiqjJOOwoAw/EnjPS/C9zp9teuxnvphFFGnJ57n2rL8TSzQ+O/DHlXEsaSvIkkathXGM8ivKfE+rLqH2LXtUt7qPUpdUj2QNCQIYFPCj3NesTWN34rvvD/iC0YWtvasztBcxkSMDx+FAEc/xHgijur2PTLiXSrS5+zTXgYYVs4J29SAaj1f4kx6e+pta6TPe2+mlFuJEkVeXAIwD161Xf4e3/8AZ1/oceowjRr27Ny+UPmqC2SgPTqOtcbqdvMniLX79ba2b7PKiw2dyHDT7AAMAcH2zQB6V4g8aHw/4etdYn0q4khlCmRUYZiDYxn1PPapdC8XrrWuXelPp09pNbwpMDIQQyN06dDUGp6NdeMPD+i+ftsQskVzc25XPTnZ+dSaX4Zv9O8aatrJvYntb/YfK2fOu0Yxn0oA6miiigAooooAKKKKACiiigAooooAKKKKACiiigAooooAKKKKACiiigAooooAKKKKACiiigAooooAKKKKACiiigAooooAKKKKACiiigAooooAKKKKACiiigArzj4cfu/FfjSB/wDWjUN5z1wRxXo9cBq1nc+E/HD+KLa3kn02/iEN/HCu5o2HSTHcUAZPjyxj8D69p3jfTLYRwRsYdRjiH30box9ea6fwFD5PhmXV7g4fUpXvpGPZW5H5CuivLKy1vTGtryBZ7S4QFo3HDA81LHaQRWa2iRKLdU2CPsF6YoA8mbxXoHifWX1vW9Ut4tF0uU/Y7ItlppBx5jDvz0FetQXEdzZR3MZ/dyRh1zxwRmsj/hDfDe7d/YllnOf9UKp+L9VuLHTRpGk2ks2pXkZit1RDsjHQsx6ACgDB+DgLaBqk4/1cupTFPwY16PWL4T0CPwz4as9LRtzRLmR/7znlj+dbVABRRRQAUUUUAFFFFABTJZBFC8hBIVScDqafRQB4pa+K7o6/ea9q3hvVrrUY2aLT4BB+6hTsc+p7mvYNOle70+2uri3EU8kYZkI5UkdKt0UAM8qPcW2KGIwWA5/OuKb4a2bW1xYG8kOn3ExmkiKAsSTk/N1ruKKAI4II7a3jgiGI41CKPQCpKKKACiiigBCAeoBpNi7t20bvXHNOooAKKKKACiiigAooooAKKKKACiiigAooooAKKKKAOej8LIvjefxLJcs8j2wt44scRjuQfeqnhfwW3hvUb24GqTzwzyvIkBGFUsckn1NdZRQAVieK9Dm8SeHrjSor17PzxtaVBk7e4rbooA8+0n4faxYXenfaPFdzcWNiwKWoiCKcdBxXoNFFABRRRQAUUUUAcv4x8Iv4rSwjF8bVLScXA2pncw6V00YZY1DsGYDkgYyadRQAVG1vC8gkaJGcdGKjNSUUAFFFFABRRRQAUUUUAFFFFABRRRQAUUUUAFFFFABRRRQAUUUUAFFFFABRRRQAUUUUAFFFFABRRRQAUUUUAFFFFABRRRQAUUUUAFFFFABRRRQAUUUUAFFFFABRRRQAUdRg0UUAFFFFABSYGc45paKACiiigAooooAKKKKACiiigAooooAKKKKACiiigAooooAKKKKACiiigAooooAKKKKACiiigAooooAKKKKACiiigAooooAKKKKACiiigAooooAKKKKACiiigAooooAKKKKACiiigAooooAKKKKACiiigAooooAKKKKACiiigAooooAKKKKACiiigAooooAKKKKACiiigAooooAKKKKACiiigAooooAKKKKACiiigAooooAKKKKACiiigAooooAKKKKACiiigAooooAKKKKACiiigAooooAKKKKACiiigAooooAKKKKACiiigAooooAKKKKACiiigAooooAKKKKACiiigAooooAKKKKACiiigAooooAKKKKACiiigAooooAKKKKACiiigAooooAKKKKACiiigAooooAKKKKACiiigAooooAKKKKACiiigAooooAKKKKACiiigAooooAKKKKACiiigAooooAKKKKACiiigAooooAKKKKACiiigAooooAKKKKACiiigAooooAKKKKACiiigAooooAKKKKACiiigAooooAKKKKACiiigAooooAKKKKACiiigAooooAKKKKACiiigAooooAKKKKACiiigAooooAKKKKACiiigAooooAKKKKACiiigAooooAKKKKACiiigAooooAKKKKACiiigAooooAKKKKACiiigAooooAKKKKACiiigAooooAKKKKACiiigAooooAKKKKACiiigAoopkkscS7pJEQerNigB9FIrBlDKQQehBpaACiiigAooooAKKK5TWfiBo2iau2m3K3TyooLtDCXVc9jjvQB1dFcT/wtPw9/dv8A/wABH/wrr7O7jvrKG6h3eXKoddy4OD6igCeiiigAooooAKKKKACiiigAooooAKhe7to51geeJZnGVQsAT+Fc74u8S3GktZaXpcaTaxqL+Xbo/wB1B3dvYVw/i3QBeeM/C2kPcu2p3Baa+u42KsUUdAOwPIoA9agu7e5LiCeOXYcNsYHB96mrzDwXbWq+MvFqadMtpEsi2kKBs/Oq8sAeprovC/iO9l1a88Oa4qLqtmA6yJwtxGejD39aAOtooooAKKKKACiiigAooooAKKKKACiiigAooooAKKKKACiiigAooooAKKKKACiiigAooooAKKKKACiiigAooooAKKKKACiiigAooooAKKKKACiiigAooooAKKKKACiiigAooooAKKKKACiiigAooooAKKiuY5JbaWOKUwyMpCyAZ2n1xXilv/bMtr4xd/EV8NJ05iIpA/7ySYD17LntQB6f4zu9XsPDt1d6RLBFJDGXZ5V3YA9BWPqfiTUYfCmgtBKq3+qPFEZiuQueWOKdZ2eua78L9PtGuIhfXdmq3E04JIyOvHenTeD9QvPC1hp1xdwJfabIklrPGp2nb/eB9aAMS68Y6xpEmsaNLcJPeQ3MMVtcsmPlk7keoroPDuqanF4u1LQNRuRdrDBHPDMVw2D1B/Gqk3gGbULPUp727QarezpOJY1+SIp90D2rY0Hw/dWer3us6nPHLfXSJHiIEIiqO2fWgDo6KKKACiiuP+I19qmk+GLjUtO1BbX7Ou4rsy0rfwqD2oA7CvPvFPifxBoV6GWXTSXuEjtrDJMs6E4J9jWfY634ri8ReFl1C9jJ1RC9xZJHxEgGc59av+KfDWveJJpLSSx09UE6vb6mHxNCgOcAYzn8aAPQELNGrMu1iASPSnUyFDFBHGWLFVClj3wOtPoAKKKKACmSyxwxNLK6pGoyzMcACn1T1SK1m0y4F7EstuqF3RuhA55/KgCr/wAJPoQtUuTq1oIXbYr+aME+lZPjFNEW3g1DUEkuptpjtLeNz+9ZumAOv1ryW30vT4/hZqmuzQI02sXpjtN4+WFWfA2+nSvVv+ET0bxLpOkSy3EspsYRHFLBKVwcYJ+tAFzwLpd1o/ha3tL2bzJwzMy793l5OQmfaukrO0XRbTQbAWdn5hj3FyZHLMSeuSa0aACiiigApCwVSzEADqTS1Bd2kF9ayWtym+GQYdc4yKAEW+tZLaS4jnjkijBLMjAgY6155o3iWx0DRL3xFrCyltTu3lXZGWKxA7VJ9BiucvLh/Amua14TjVls9bAfTeSQjNwyium+IdpJZ/Dyx8PWkTO128Nmdq5ITjd/KgDdsvHnh+/1m10y3aRpLtS0EhhIR8dQD3rq+leV6t5Wj/EjwzaGynNnY2RWBYIiQ0hwP0r1McgHGKAFooooAKKKKACiiigAooooAKKKKAPONBlOufGLXb2TmPSoFtIQexPLGu3bRNPfW01lrcG/SLyllPUL6VwHw8iEnjDxxFNu3m/zkEg47c13H9i3X/Qw6r+UH/xqgBLPwto9hrFxqttZol5cMWkk9SeprkvHj/2P428Ka4gxunazmx/Eriuu/sW6/wChh1X8oP8A41Xn3xV02e2tdDc6rfXUh1GMRpOY9oORz8qLzQB6xWRqviC30nU9MsZo3aTUJTHGV6KQM81eu0uXsJUs5EjuSmI3cZVT6kV5N4rsfGKeJfDC3Wr2EkzXLCBkgICNjqfWgD2KoZbq3gljjlnjSSQ4RWYAt9KzNCttft/N/tu/tbrP+r8iIpj65rhvifo9vqPiDw7awM8WpX10FE6ud0ca8naO1AHpkV3bzySRwzxyPGcOqsCV+tch4n8QatpHjfw5YW8sJsNRkaOaNo8sMDOQawvCdhp1j8VdaFiwt7e1t47Yo0nM0p5J56mrvjsj/hYXgjP/AD8yf+g0Ad5c39nZFRdXUMJY4USOBmpXnijhMzyosQGS5YAY+teV6DaWXiTxZ43PiBFmltpfJhjmP+qh29V9Oe9c55l9cfBuwE0zzRRarsWJnw1xCH4UevFAHtsGs6bdSLHBf28jscKqyAk1Ye7t47hbd541mcZWMsNxH0rzbwn4fgvPiFdeIrbSVstOS2WOGOQAN5ndgvb0qv410G21X4n+H7S3eSG5l3z3c6Od3lAY2j0BoA9Rgure53+RPHLsO1tjA4PocVNXmPw4trK28X+KnsikFr9pW3htw/3ioyWAr06gAooooAKinure1Cm4njiDHCl2AyfSpa81+MVhbXmh2ce0nULm5S3tX3H5CTyQPWgD0Rbu2e4NutxE0yjJjDjcB9K5P4ja9q3hvRrTUNLlhXN3HDKkse7crHHHoa5Wy0ix0r4vaXBby+W9jpxN5PJJzO78DOeprb+MJA8HW5J/5iEH/oVAHcPewW1ok91PHCrKCWdgBUqXEMsAmjlRoiM7wwIx9a80mWLV/jBb6ZqqiSzg0wSW0Eh+R2PVsdzXKyxXEPhTx7p+n3Xl6fBfKLYb8Dn7yKaAPao9b0qVwkeo2zMTgASjJNWZ7u3tignnji3nau9gNx9BXk2g+HrbW/G+i6paaILGwsbIrcLMAN8pHGBnnHrWh8YdNgvbbSYYlYald3kcEEgY5jGckgetAHpKXdtJcPAk8TTIMtGrgsPqKmrybSdN0/TPjEsFpIIlstPAuJHk5nkb1z1Nes0AFFFFABRRRQAhIAJJAA6k0nmJ8vzr833eetYHjeC2l8I6hJeSzJBBC0rCKQoWwDgZHvXkkOk3Vv4T8I3VxqF2+q394n2YmZgIovvbcd+PWgD3yimocxrhg3HUd6dQAUUUUAFFFFABRRRQAUUUUAFFFFABRRRQAUUUUAFFFFABRRRQAUUUUAFFFFABRRRQAhGQR61yUPw/sIvCd9oH2q4aO9laWSc437mOa66igDL0DRRoWmLZi7nuiOskxyT/AICtSiigAooooAKKKKACuc8Z+GpPFelQaet15ES3Mc0nGd4U5210dFAHH6z4PvL7xZYazY6l9kFvB5DLsyQuc/L6HtXXgYUDOcDqe9LRQAUUUUAFFFFABTJoY7iF4ZUDxuCrKehHpT6KAM2Tw/pEukrpUmnW7WCfdtynyD6CrttbQWdulvbRJFCgwqIMACpaKACiiigAooooAKKKKAMrVPDul6zfWN5fWwluLGTzLd842mtQqrYyAcdMilooAQopYMVBYdDjkUtFFABRRRQAUUUUAFFFFABRRRQAUUUUAec6XF/wj/xk1O3c7YNZtluIiehdTgj610niHSdb1XULOOx1ZrDTlDfahEP3r+gB7UeLPDJ1+2t5rWf7LqllJ51pcAfdb0PqDXM+PPGtx4f0TT9Mu5ktdV1AbJZ4lLLCo+84/pQBP4B1PVJPEniLR7i+k1Cw0+YJBcyfeBPVSR1xTPGSDXPiF4Y0RDuS2dr24A/hCj5c/U1L4E1zw/JaXGjeFEedrWHzHnmUqJZD3Ynkkmtjwt4Ym0u6vNX1ScXWs3xzNIB8saj7qL7CgDp6zdR0Oz1S/sLy5VjNYyGSEg4AJGOa0qKACs+50TT7vV7XVJ7cPeWissMhJ+QHrxWhRQBjReFdFh16XW0skGoS/elyeT646Z96bq3hPR9b1K11C/tmlurQ5gfzGGw+2DW3RQBgan4M0LV743t1Z/6Qy7HeNyhkX0bB5/Gue+IHhqa90jSbDT9MM+l21wGuLW2IWTYBxsNegUUAeW+GvC11a+NrXUdKstS0vSooWW4jvZt3nMegC5PT1r0P+xbD+2/7YNuDf+V5QlychfSr9FAGNp/hXRtL1W51Ozskju7k7pJMk5PfA7Vs0UUAFFFFABWfqOi6fqs9nPe24lks5fNgJJ+RvWtCigDGufCui3mux61PZI9/GoUSEnoOmR0NO1/wzpXia2it9WtzPDE+9U3lQG9eDWvRQBiaj4S0bVUtRdWxL2q7YZVkKyIPTcDnFc/4y8KH/hCH0jQNPRomlVp4UOHkXPzYJ/i9zXd0UAeQ6f4PuB4k0e40HTdW0iK2k3Xcl5PlXTH3QuTk16de6Lp+o31le3VuJLiycvbsSfkY8ZrQooAxpPCmiy+IP7cksUbUNoXzST26cdK2aKKACiiigAooooAz9b0a18QaRPpl75n2acYfy22kj61mav4I0fWrLTLW5WZI9NYG3MUm0rgYxn6V0dFAEdvBHa28cEK7Y41CqPQVJRRQAUUUUAFFFFABRRRQAUUUUAFFFFABRRRQAUUUUAFFFFABRRRQAUUUUAFFFFABRRRQAUUUUAFFFFABRRRQAUUUUAFFFFABRRRQAUUUUAFFFFABRRRQAUUUUAFFFFABRRRQAUUUUAFFFFABRRRQAUUUUAFFFFABRRRQAUUUUAFFFFABUUttBOQZYI5COhdAalooAiit4IM+TDHHnrsUDNS0UUAFFFFABRRRQAUUUUAFFFFABRRRQAUUUUAFFFFABRRRQAUUUUAFFFFABRRRQAUUUUAFFFFABRRRQAUUUUAFFFFABRRRQAUUUUAFFFFABRRRQAUUUUAFFFFABRRRQAUUUUAFFFFABRRRQAUUUUAFFFFABRRRQAUUUUAFFFFABRRRQAUVyfjTxTfeGJ9HNvZwXEF9drbSF3IZM9x611RdVXLMFHqTigB1FJkYznj1pomjb7siH6MKAH0UhYAgEgZ6c9aAwJIBBI60ALRRRQAUUUUAFFRXLyx20rwoHlVSVUnAJ9KwvBfiZ/Fmg/2jJafZXEzxNHu3YKnHWgDoqKMg9DSEgHBIoAWisLxJb3UsEc6a1/ZljAGe5ZVBZhjjBPSqXw/vdW1Dw2LjVXeQtK/2eWRNrSRZ+UkUAdVRRRQAUUUUAFFcd8Qdd1Tw/Y6dd6bJEokvI4ZlkTO5WOOPQ11NxfWtnCsl1cRQqehdgM0AWKKiS6gkt/tCTRtDjPmBhtx9aqRa5pU0ixxahbO7HAUSDJNAGhRXCXd5e+KvGlzodrdSWul6aqtePCcPLIeiA9h612CX1jHvhF3Dm3UeYDIMoPegC3RXP+KPEJ0nwZqGuacYrk20JkTDZVsfSue1ifVE8M2njSwnljvFto5ri03ExSoQCRjscHrQB6DRVTS9Qh1bSrXULc5iuIxIv4irdABRRRQAUVxuheIdWufiDreg3xtmtrSJJYGiQhsN2bmur+3Wn2j7P9ph84/8s943flQBPRUFxeW1oAbm4ihB4HmOFz+dLBd211n7PPFLt67HDY/KgCaiiuN8W+Jdb03XtM0fQ7K3ubi9R3/fvtAC0AdlRXPeG7jxLKtzJ4jt7O2UEeUsDZ47kk1s/b7Pyll+1weWx2q3mDBPpmgCxRR1GRRQAUUUUAFFFFABRRRQAUUUUAFFFFABRRRQAUUUUAFFFFABRRRQAUUUUAFFFFABRRRQAUUUUAFFFFABRRRQAUUUUAFFFFABRRRQAUUUUAFFFFABRRRQAUUUUAFFFFABRRRQAUUUUAFFFFABRRRQAUUUUAFFFFAHnXxY/wBV4a/7C8VQIv8AwlXxU1vStTmm+w6dax+Rbq5UEsOWOOprrfE3hKz8U/Yxez3CLaSiaIRNj5x0NRan4LsNR1SPVEnubTUFi8l7m3fa0iejetAHlx1HWV+H+uWcd7PJDp+sC3WQP+8aDPKg9zW54a0SG9+IaahpsF6mjQWik+czKpm9gep9aueOvC8en+D7DStKsrg2Qvkku5bfLTIOpk9zVXw/YX9t4107+wdS1e60oIxvzfKQmMfKBkdc0AT/ABRsribWPD66dfXMGpXV6scZWQ7I0H3jt70/wpaNafFbW7e2vbmS0trWNZvOlLB5W78967i98P2V/rtjq8+83FkGEIz8oz1OPWqMPgrS4PFE2voZvtMxDMnmHZuHfHrQB0dFFFABRRRQA2T/AFbfQ14hp2tXmi/CNmsZTDPdaw1t5o/gDSYJ/KvbZ42lt5I1cozKQHHUe9chZfDjTLfwtc+H7iee5tJ5jOC5+ZHJzkH60AYOprd+EPHHhePT725mt9TY29zDNIXDHGd/sa5G+v7/AFDTPEiT32oHxKl/5VnFAWxszwBjjGOteq2fg2K01CHVLy7uNSu7OEpa+cfucdvf3ry/Sre4ttH1C8/t3UtN1QzzSLYrbFtr5O0A45zxzQB3+q+DtW1jw3o1jBqgtPs4WS5jmQy+a+Ojc9Aa6Pw/p2p6dZPHqmpLezs2VdI9iovYAUvhaXU5vDGny6yu3UGhBnGMfNWvQB5LPZalP8VbvTLbXb1bFLLz79i/IyeFXsvFdB8KZry58KzTXNzLPEbyUW7StlvLDYHNbln4Vs7TV9X1LzJHn1NQkpY/dUDGBUfhXwha+FLeSG2uriZWJ2iVshBnOAKAOiooooA4D4tMF8P6dkgf8TKDr/vVSIh1T40XFlqoElvb6crWkUh+Qk/eIHc12+t+HdM8RQRQ6nb+fHE+9FJxhvWo9R8LaRqjW73VtmW3XZHKrEOB6ZoA8YmS4Twh45srG8Mem22qhbYFzhlyMxqfeun0DQDq3jjSdZg0cafZWVkI5VkYZkk7EAenrW5448JyTeDotI0LT42thcpJcW6Ha0iA5OD/AHvesbTvCUy+KNIu9F07UNMgtmJunuJyQ64+7t70AavgceR478Z2s3Er3STKD1KFcD8K56PQNLvPidrzrGV03S7MNPCHO2aUgn5vXFd5rXheW51q313SLoWeqRL5bllzHNH/AHWH9a07TQrC1e8mW2jE1/zdMP8AlocYNAHmvhezgvfgtqVp9st4PtyzSKJpcLEjN8ufQV2OqvBpvwumDyxvFFpoTejZVvkxwe9XYPBfh+20i50qLToxZ3IxLGedw9PpVPVfCMurG0017lIPD1sF/wBEiX5pSvQMf7vtQA/4c201n8PdEguARItuCQevJJH6GuopqIscaoihVUAADsKdQAUUUUAeXRzy2/xL8aT2/M0WlI6AddwBxXNTWdlJ8ErfXlkP9sGQTC63nzDLv6f/AFq9btPCmlWWu3OswxyfbrkbZnaQkOPQj0qrF4D8PQ3QmSzIQS+cIN58oP8A3gvTNAHn+ovJJ4+gl1izk1KN9HTNvGc+RIR1K+/rXQeBNB1bwp4DmaGyhfVJpGkSKSXgKTwGb2FZuv8Ahn7Z4+vtQ1rSdQuLN4EjtJtPY9uoYDvWh4R0fxJovhvVvKgdzNPusbK+m3FI+4Y9s0AavhfxPqep+JNQ0i8S0njtYlk+2WbEx7j1jPuKseIND0jW/ENj52py2uqQROYVgl2uUPWs3wj4av7DxVf6w1jFpFlcQqn2CKQOGkHWQ44roNZ8JaRrt9Be3cLi7gG2OeKQo6j0yKAOO8NXl3c3firw3rN6+o2Gn8pck4baRnYSO4rgRotvH8KZ9UmMjTajqHl6ehkIEAL4GPyr3Sx8NaVp2mT6fa2wSG4z5xz80hPUk9SahuvB+iXmgQ6JNaA2EBDRxhsFSOhBoA0dJUJpVrEJRKY4lRnDZyQMHmrlV7GxttOs47W0iEcMYwqirFABRRRQAUUUUAFFFFABRRRQAUUUUAFFFFABRRRQAUUUUAFFFFABRRRQAUUUUAFFFFABRRRQAUUUUAFFFFABRRRQAUUUUAFFFFABRRRQAUUUUAFFFFABRRRQAUUUUAFFFFABRRRQAUUUUAFFFFABRRRQAUUUUAFFFFABRRRQAUUUUAFFFFABRRRQAUUUUAFN8uMtuKLu9cc06igAooooAKKKKACiiigAooooAKKKKACiiigAooooAKKKKACiiigAooooAKKKKACiiigAooooAKKKKACiiigAooooAKKKKACiiigAooooAKKKKACiiigAooooAKKKKACiiigAooooAKKKKACiiigAooooAKKKKACiiigAooooAKKKKACiiigAooooAKKKKACiiigAooooAKKKKACiiigAooooAKKKKACiiigAooooAKKKKACiiigAooooAKKKKACiiigAooooAKKKKACiiigAooooAKKKKACiiigAooooAKKKKACiiigAooooAKKKKACiiigAooooAKKKKACiiigAooooAKKKKACiiigAooooAKKKKACiiigAooooAKKKKACiiigAooooAKKKKACiiigAooooAKKKKACiiigAooooAKKKKACiiigAooooAKKKKACiiigAooooAKKKKACiiigAooooAKKKKACiiigAooooAKKKKACiiigAooooAKKKKACiiigAooooAKKKKACiiigAooooAKKKKACiiigAooooAKKKKACiiigAooooAKKKKACiiigAooooAKKKKACiiigAooooAKKKKACiiigAooooAKKKKACiiigAooooAKKKKACiiigAooooAKKKKACiiigAooooAKKKKACiiigAooooAKKKKACiiigAooooAKKKKACiiigAooooAKKKKACiiigAooooAKKKKACiiigAooooAKKKKACiiigAooooAKKKKACiiigAooooAKKKKACiiigAooooAKKKKACiiigAooooAKKKKACiiigAooooAKKKKACiiigAooooAKKKKACiiigAooooAKKKKACiiigAooooAKKKKACiiigAooooAKKKKACiiigAooooAKKKKACiiigAooooAKKKKACiiigAooooAKKKKACiiigAooooAKKKKACiiigAooooAKKKKACiiigAooooAKKKKACiiigAooooA//Z"/>
-          <p:cNvSpPr>
-            <a:spLocks noGrp="1" noChangeAspect="1" noChangeArrowheads="1"/>
-          </p:cNvSpPr>
-          <p:nvPr>
-            <p:ph type="title"/>
-          </p:nvPr>
-        </p:nvSpPr>
-        <p:spPr bwMode="auto">
-          <a:xfrm>
-            <a:off x="7634775" y="459737"/>
-            <a:ext cx="4035671" cy="2206869"/>
-          </a:xfrm>
-          <a:prstGeom prst="rect">
-            <a:avLst/>
-          </a:prstGeom>
-          <a:noFill/>
-          <a:extLst>
-            <a:ext uri="{909E8E84-426E-40DD-AFC4-6F175D3DCCD1}">
-              <a14:hiddenFill xmlns:a14="http://schemas.microsoft.com/office/drawing/2010/main">
-                <a:solidFill>
-                  <a:srgbClr val="FFFFFF"/>
-                </a:solidFill>
-              </a14:hiddenFill>
-            </a:ext>
-          </a:extLst>
-        </p:spPr>
-        <p:txBody>
-          <a:bodyPr vert="horz" wrap="square" lIns="91440" tIns="45720" rIns="91440" bIns="45720" numCol="1" anchor="t" anchorCtr="0" compatLnSpc="1">
-            <a:prstTxWarp prst="textNoShape">
-              <a:avLst/>
-            </a:prstTxWarp>
-            <a:normAutofit fontScale="90000"/>
-          </a:bodyPr>
-          <a:lstStyle/>
-          <a:p>
-            <a:r>
-              <a:rPr lang="uk-UA" sz="2000" dirty="0"/>
-              <a:t>Нам видали алгоритмі різної складності і нам потрібно розставити їх за зменшенням складності .</a:t>
-            </a:r>
-            <a:br>
-              <a:rPr lang="uk-UA" sz="2000" dirty="0"/>
-            </a:br>
-            <a:r>
-              <a:rPr lang="uk-UA" sz="2000" dirty="0"/>
-              <a:t>Щоб розставити їх правильно скористуймося наступною таблицею. </a:t>
-            </a:r>
-            <a:br>
-              <a:rPr lang="uk-UA" sz="1400" dirty="0"/>
-            </a:br>
-            <a:br>
-              <a:rPr lang="uk-UA" sz="1400" dirty="0"/>
-            </a:br>
-            <a:r>
-              <a:rPr lang="uk-UA" sz="1400" dirty="0"/>
-              <a:t> </a:t>
-            </a:r>
-            <a:endParaRPr lang="en-US" sz="1400" dirty="0"/>
-          </a:p>
-        </p:txBody>
-      </p:sp>
-      <p:sp>
-        <p:nvSpPr>
-          <p:cNvPr id="19" name="Объект 18"/>
-          <p:cNvSpPr>
-            <a:spLocks noGrp="1"/>
-          </p:cNvSpPr>
-          <p:nvPr>
-            <p:ph idx="1"/>
-          </p:nvPr>
-        </p:nvSpPr>
-        <p:spPr>
-          <a:xfrm>
-            <a:off x="838200" y="2991101"/>
-            <a:ext cx="4472354" cy="2213945"/>
-          </a:xfrm>
-        </p:spPr>
-        <p:txBody>
-          <a:bodyPr/>
-          <a:lstStyle/>
-          <a:p>
-            <a:endParaRPr lang="uk-UA" dirty="0"/>
-          </a:p>
-          <a:p>
-            <a:endParaRPr lang="uk-UA" dirty="0"/>
-          </a:p>
-          <a:p>
-            <a:endParaRPr lang="uk-UA" dirty="0"/>
-          </a:p>
-          <a:p>
-            <a:pPr marL="0" indent="0">
-              <a:buNone/>
-            </a:pPr>
-            <a:endParaRPr lang="uk-UA" sz="1200" dirty="0"/>
-          </a:p>
-        </p:txBody>
-      </p:sp>
-      <p:sp>
-        <p:nvSpPr>
-          <p:cNvPr id="7" name="AutoShape 2" descr="изображение"/>
-          <p:cNvSpPr>
-            <a:spLocks noChangeAspect="1" noChangeArrowheads="1"/>
-          </p:cNvSpPr>
-          <p:nvPr/>
-        </p:nvSpPr>
-        <p:spPr bwMode="auto">
-          <a:xfrm>
-            <a:off x="1377706" y="613529"/>
-            <a:ext cx="2381250" cy="2381250"/>
-          </a:xfrm>
-          <a:prstGeom prst="rect">
-            <a:avLst/>
-          </a:prstGeom>
-          <a:noFill/>
-          <a:extLst>
-            <a:ext uri="{909E8E84-426E-40DD-AFC4-6F175D3DCCD1}">
-              <a14:hiddenFill xmlns:a14="http://schemas.microsoft.com/office/drawing/2010/main">
-                <a:solidFill>
-                  <a:srgbClr val="FFFFFF"/>
-                </a:solidFill>
-              </a14:hiddenFill>
-            </a:ext>
-          </a:extLst>
-        </p:spPr>
-        <p:txBody>
-          <a:bodyPr vert="horz" wrap="square" lIns="91440" tIns="45720" rIns="91440" bIns="45720" numCol="1" anchor="t" anchorCtr="0" compatLnSpc="1">
-            <a:prstTxWarp prst="textNoShape">
-              <a:avLst/>
-            </a:prstTxWarp>
-          </a:bodyPr>
-          <a:lstStyle/>
-          <a:p>
-            <a:endParaRPr lang="en-US"/>
-          </a:p>
-        </p:txBody>
-      </p:sp>
-      <p:sp>
-        <p:nvSpPr>
-          <p:cNvPr id="9" name="AutoShape 6" descr="data:image/jpeg;base64,/9j/4AAQSkZJRgABAQEAYABgAAD/2wBDAAgGBgcGBQgHBwcJCQgKDBQNDAsLDBkSEw8UHRofHh0aHBwgJC4nICIsIxwcKDcpLDAxNDQ0Hyc5PTgyPC4zNDL/2wBDAQkJCQwLDBgNDRgyIRwhMjIyMjIyMjIyMjIyMjIyMjIyMjIyMjIyMjIyMjIyMjIyMjIyMjIyMjIyMjIyMjIyMjL/wAARCAE0AyADASIAAhEBAxEB/8QAHwAAAQUBAQEBAQEAAAAAAAAAAAECAwQFBgcICQoL/8QAtRAAAgEDAwIEAwUFBAQAAAF9AQIDAAQRBRIhMUEGE1FhByJxFDKBkaEII0KxwRVS0fAkM2JyggkKFhcYGRolJicoKSo0NTY3ODk6Q0RFRkdISUpTVFVWV1hZWmNkZWZnaGlqc3R1dnd4eXqDhIWGh4iJipKTlJWWl5iZmqKjpKWmp6ipqrKztLW2t7i5usLDxMXGx8jJytLT1NXW19jZ2uHi4+Tl5ufo6erx8vP09fb3+Pn6/8QAHwEAAwEBAQEBAQEBAQAAAAAAAAECAwQFBgcICQoL/8QAtREAAgECBAQDBAcFBAQAAQJ3AAECAxEEBSExBhJBUQdhcRMiMoEIFEKRobHBCSMzUvAVYnLRChYkNOEl8RcYGRomJygpKjU2Nzg5OkNERUZHSElKU1RVVldYWVpjZGVmZ2hpanN0dXZ3eHl6goOEhYaHiImKkpOUlZaXmJmaoqOkpaanqKmqsrO0tba3uLm6wsPExcbHyMnK0tPU1dbX2Nna4uPk5ebn6Onq8vP09fb3+Pn6/9oADAMBAAIRAxEAPwD3+iiigAooooAKKKKACiiigAooooAKKKKACiiigAooooAKKKKACiiigAooooAKKKKACiiigAooooAKKKKACiiigAooooAKKKKACiiigAooooAKKKKACiiigAooooAKKKKACiiigAooooAKKKKACiiigAooooAKKKKACiiigAooooAKKKKACiiigAooooAKKKKACiiigAooooAKKKKACiiigAooooAKKKKACiiigAooooAKKKKACiiigAooooAKKKKACiiigAooooAKKKKACiiigAoqnd6rp9hKkV5ewQSOCVWRwpIHXGaE1Wxl01tQhuY5rRVLGWNtwwOvSgC5RVNtVs00v+0pJlS0KeZ5jelLpmpWur6fFfWb77eUZRsYzQBbooooAKKKKACimSSRxLukdUXOMscUJLHLu8uRH2nB2tnFAD6KKKACiiigAooooAKKKKACiiigAooooAKKKKACiiigAooooAKKKKACiiigAooooAKKKKAColuYXu5LVXzNGiyOmDwrFgD+JVvyqWsi3/5G7Uf+vK2/9DnoA16KKKAM2LxBpM+ofYIr+Brre0flBuSy53D6jB49jWlXIWDedcaTaqPmTUb+6Y9cKskqfqZBz7V19ABRTVdHLBWVipw2DnB9KdQAUUUUAFFFFABRRRQAUUUUAFFFFABRRRQAUUUUAFFFFABRRRQAUUUUAFFFFABRRRQAUUUUAFFFFABRRRQAUUUUAFFFFABRRRQAUUUUAFFFFABRRRQAUUUUAFFFFABRRRQAUUUUAFFFFABUVzcRWlrLczNtiiUu59AOtS0jKroUdQykYII4NAHEj4n6QFtriW0vYtOuZRFFevERGzE4FXvE82rW0U9/Dq1vY6ZDblwTHudpO34Vz/iWI+N9Wg8LabGqaTp8yTX9yowoZTlY19/WtTxV4Z1vWNSsHsrm0/s+zAZbadSVeQdGOOuKAKcWlah4utvDeparYQK8atLcbhg5/h49D1pLLwfqMvgm50u58yzuA8rRrbS4Emc4z7e1dno8WoQaXDHqk8c14AfMeJdqnnsKv0Acrovh+bRPCjWx+0X1w0ABgmkDANjGBngCp/BNpf6f4dhsdQs/s0sJP8YYNkk8Yro6KACiiigDl9S+IXhvS7ua2nvmaSA4mMUbOsX+8QMCr19qN/d6ZZ3Xhxba7W4cHzXfCrGf4h6/SsDxnLYaPpFzpWl2EUmra0SiQIvMhPBdvYVA/h3X/D/w20/w9oZWa7RRHPKX2lVPLbT69qAM+9v9U8a+Hda0w2CS3dnerbJPbt8jDI3OPoK2vB+jXWjeJNaRrKaO0kMYglZ8q6hQCfqTWh4OttSsrOS1u9Lg0+1iAEMcb72Y/wATMfUmumoAKKKKACiiigAooooACcDJri7j4naDAJplS7lsreXypryOEmKNs4wTXaV55432Xtq3gjQLWL7XfndclFAS3jJyzt7mgDR8b+KdS0bw0uraJBbzwMFYzSNwAxA4Hep/EHiG9tbjQ9LsPLW91UkCWQZEYC5JxVHxV4X1S78EW/hrRo4HRURGmnk27dpB6Y5zipNU0DWb9dC1WOG2j1XSnP8Ao5lykqkYI3Y4oAyk8faoyJo5igGtHUfsBkwfLx134+nat7wvr97qlxrWkakEF5ps3lGWHgSKRkN7GsJ/AGpCGPVkmgOuLqP29kJ/dnt5efp3rofDHh+802bV9TvzGdQ1ObzXjjOUjAGFUHv9aAMPw14r/sjwlNdatcz3cn9oyWsAJ3O53YVRWs/xB062t9SN/bXFpc6eqtLbuMsQxwpHrk1gReBNafw6sEjWsV/a6ob+3w5ZHGc7W44qh4y0bUItI17XtUihW81COG0jtoiXWNVbOS39e1AHZ6R40XVPEEmivpV3bXMcInYyY27D0NULv4mWVpe6lZvpV/5+noJZU2D/AFf976VjeAbuS18Uvp02nxPLNaiRr+G5MwAXohPb6Ve1HwRqt5YeLXWeEX2ruqwtnhYl6KT2zQB3WnX0Wp6db30GfKnjEibhzg1ZrO0O3u7TRrW3vRCs0cYUrD91cDGBWjQAUUUUAFFFFABRRRQBBd31pYRCW8uoLaMnaHmkCAn0yaqQeINJurtLa31CCaR/u+W25WPoGHGfbOadd6e1zrNheZTy7ZJVZWHJL7cY/wC+TVXXVVbnQwAAP7RXgD/plJQBp3kM9xbGO3umtZCRiVUViPwYEVyepWWrWWs2pt9Tvbu7u4njIUQQrsTB5Ow8/McemTXZ1Fc+f9lm+y+X9o2N5Xm52bscbsc4z1xQBh+GpJvtGoW12L0XduyBxc3ImUqy5UqVAHrnIB49MV0Nc3odl4hsTu1CPTbi4ncNdXUdw6lsdAqeXgADgDP1OSTXSUAcx4etlsvEOrwXFyDdFt8MBABEDSO+8dyC8jA/7ormPs01x4916Q6XdThtTsjaXyKzJGEEIlUHooGHzz1yK9Bv9JsNUCfbbWOYp91iMMvqARzip7S0t7G2S3tYlihT7qrQBx/hX7Rp3ifXNNvzaCfUp31IR28xZoshI9jcDnaFbP8AtfjUtvp3iRtKuGk1C4gNl5sdlCjqz3Oxm8t5nZSfmAHAPTnOTxYSzvovG7zixl8iSYv9qDKY/LaBVIIzuDB4k7dD+XU0AZuk65p+sxhrG5SfEUcrmPkLvGQCexxzjrWlVWy02y01ZlsbWG3WeVp5REgUPI2MscdzgVaoAKKKKACiiigAooooAKKKKACiiigAooooAKKKKACiiigAooooAKKKKACiiigAooooAKKKKACiiigAooooAKKKKACiiigAooooAKKKKACiorqD7TaTQeY0fmxsm9DyuRjI965PWvDek2Wj/ZrW0kfUZ0MFqUlfeZMYDn5uAPvE9qANrxHJMmmwpBcS27TXdvCZIiAwVpVBxkHsTTNNudQh1q50q+mjuVSBZ4bgLtdlYkFXUDGQQcEdsd+sviK3mn0K4NtE8t1CBPbomMtKhDIOePvAdaq+Gg+oQDXrqZXu7yJVaKMjZbAdYh6kNu3E85z0HAAN+iuS8XXUs2p6XpYSd9PLNc6mYGZWSFeFyR/CXIJAOSFPYGotTstJttCub3Qbto5Y2QBrO8Yhm3DAYBiG69D60AdlRWF4g0SXVbi0njEEy26yK1tO7oshbbg7lPBG09QeprI8JX2pyeItUsbyB7O2gjTy7e4uzPI7nkuhb5gmCox0z0wc0AdlJIkUbSSOqRoCzMxwAB1JNVrPVdO1FnWxv7W6ZACwgmV9oPTODxXNqja54i1PRL/dNZW0ouZYXGVdGVREnoVysrFfULng1pxoieNpAiKo/s1Ogx/y0agDcopGdVKhmALHCgnqcZwPwBpaACoL2GW4sZ4YJjDLIhVZAM7CR1qeigDy2y+FmuWFmbKDxndJaNJ5kkawgFyTk5PWvT4Y/KgjjyTsULk98U+igAooooAKKKKACiiigDzO58G+NV8WX+u2Ws6YJLgeXF50LMYY+wHpXbeG7HU9O0SG31e9W9vgSZZlGAxJ7VrUUAFFFFABRRRQAUUUUAFFFFACNnadvXHFeaQfDzxPZ3upXVp4s8uXUJC8shtwWx2APoBXplFAFHR7GXTdItrOa4a4liQK0zdXPrV6iigAooooAKbJGkqFJEV0PVWGQadRQBDBZ21qCLe3ihz18tAufyqaiigAooooAKKKKACiiigAooooAz77VFtpxaW0Rur9l3rbowBC5I3sT91cg898cAmorXTJ5LpL7VJxNcIcxQx5EMH0H8Tckbj68AVVg0bVbO7u7i31GxMlzIWeWayZpCuSUUsJQCFBwMAfqasfZ/EP/QT03/wAf/49QBr0VQ0y0vLVLhr6/wDtc00pkysflpGMABVXJwOM9Tkkmr9ABRRRQAUUUUAFFFFABRRRQAUUUUAFFFFABRRRQAUUUUAFFFFABRRRQAUUUUAFFFFABRRRQAUUUUAFFFFABRRRQAUUUUAFFFFABRRRQAUUUUAFFFFABRRRQAVi3Zvr3XnsbfUJLKG3tkmcxRIzSF2cAZcEADZ2HO7252qr/ZYIr2a/ORI8SRuxbjapYj/0NqAM6za9stb+wXV9Jexz27TQvIiKyFGVWB2KAQd6kfjSXXhi0utXl1P7VqEN1JGI2MN26rtHYLnA/Ac0yynOseIE1G1AOnW1vLbrMc/vnZ0JKdigEf3uhJ46Vu0AVLCxFhE0Yubmfc27dcSmQj2BPaqCeH5Laa4ax1i+tYp5mnaFFidVduW27kJAJycZ6k1tUUAU9P05LBZW82SeeZt808uNznGBnAAGAAMACkbRtLe4juG060M8RBjkMC7kI5BBxxV2igDO1XU2sDawwWzXN1dy+VDHu2rkKWJZsHAAU9jzisTTtNktvHQu76ZbjUZ9L2zSqu1AFlBCovZRuPuc5NbGr2N3czWN1ZND59pIzqkxIVwyFTkjJHXPSnaXYzwGa7v3jkv7g/vDHnYij7qLnnAHPuST3oA0cDJOOvWs7UtIXULm1uo7u4tLq2LeXNBtyVYYZSGBBB4PI6gVpUUAZtno6294b25up72627Eln2jy154VVAUZycnGTwM4ArSoooAKKKKACiiigAooooAKKKKACiiigAooooAKKKKACiiigAooooAKKKKACiiigAooooAKKKKACiiigAooooAKKKKACiiigAooooAKKKKACiiigAooooAKKKKACisfXPEln4flsVvI5it5MII3jXIDHpn0rYoAKKKKACiiigAooooAKKKKACiiigAooooAKKKKACiiigAooooAKKKKACiiigAooooAKKKKACiiigAooooAKKKKACiiigAooooAKKKKACiiigArkrrVdM1rWrizutVsk02wkCSwNMgNxMOSrZP3VOOO5BB44PW1A9laSOXe1hZj1LRgk0AOt7i3uIFktpopYTwrRsGU444IpYJ4rmCOeCRZIpFDI6nIYHoQaoTeHdEuJTJNpFjJIerNboSf0rQiijt4UhhjSOKNQqIi4VQOgAHQUAPooooAKKKKACiiigAooooAKKKKACiiigAooooAKKKKACiiigAooooAKKKKACiiigAooooAKKKKACiiigAooooAKKKKACiiigAooooAKKKKACiiigAooooAKKKKACiiigArO1jW9P0K0FxqFwIkZtqDGWdvQDua0a850o/8JT8VdUurn95Z6IiwW0bfdEp+82PWgD0SNxLEkgBAZQwBGDzWD4l8V2/hv7OjWlzeTzk7YbZdz4HU4rUh1XT7m+ksoLyCS6iG54kcFlHuK5iEyal8QtSu4AJBptmIIwTx5rcmgCL/AIWXbY/5AOt/+AjVoWHjvSrryRdRXWnmeQxxfbITGGb0ya5TxFq/jXwv4fh8QX99bGb7SqSackY27WbAAbqTXc63pcPibwtNa3EWDcQblB6xvjII9CDQBz3xNZRb6DuYAHVIe/vXNapfXGoXfja4v9UuLO40ohbGNJCuxQMhgO+TXR+Apbbxh4Msn1m2jurqwla3LSrk7kON314rq7vw/pF9dJdXWn28s6ABXdMnjp9aAPHtQ1XWNUvnt7ye4M7aXE0KwziLyZWH3mz1z1rrvEFjPpXwlCzalc/bYYQ3mxTcySngZPcZNTa58PZdS8QX+pK9lOt5EsYW6QkwYGPkxXRaH4XtNJ8L2mhzk3sMAHMwzuOc/oaAOM0CS403x1p9leavPJK2mq1yJ5OJJG6BRXqFU20qwfUEv2tITdxrsSYr8wHpmrlABRRRQAUUUyVWeF0VirMpAYdvegBfMTdt3ru9M81hXHiX7N4ytfD72jH7TA0yThuOOoxXnvjnw4nhzwxHJb6nfXPiSe6X7LL5h3yMW5UL6AVr6hNcL8RPD6zN/pw0qRXIU4EpHHPTrQB6N58Jk8vzY/M/u7hn8qR7q3jfY88Sv/dLgGvD7aIyeHrJUS4/4S8aoTIcN5gG7kntsxWfPFaatq+pWWoXlrH/AMTZXa+uJGEgUYymOmKAPUp7q6g+JVlA+ps9tPbO4t8gIuOn41Q8XarLca5HaQ6i8FmunT3KPC+N8q9Bnvj0rro9C0hpIbpbKB5EUCOXGTjHGDU0ui6bPFHFLYwOkbFkUp90nrQB5xe6vqV7bk3d7PaSW+kx3UJRtvmSn19fp71s319qK6v4XuJ9RaJLoAS2owoJ25JPrzXYXOlWF40TXNpFKYv9WWX7tMu9F0y+nWe6soZpU+6zrkj6UAXHljiAMkioDwCxxQssbsVSRGYdQGyRXE/FOxjvPCawLE7XDzxxQFM5Qkjnj2rN8OW9tpHxMu7KNbhStnHHkhm81sZLk9KAPS6KKKACiiigAooooAKKKKACiiigAooooAKKKKACivL/ABJP4ji+JWk6XpmtSD7YjvNGUGyGIdwO5rU+Hd7qVzf+I7e71CW+tbS+8m3llHzdOR+dAHeVna5rdl4e0uTUb9mWCMgHapJJPQAVT1e51+LXdMi020il0+Rj9skdsGMdsVsXKwGBjciMxINzeYBgY780AcvYePrC61u10m6tLuxubtN9sLhMCUe1Vb34irZanqGnnQ7557OIz4BUB4x1b2/Gs+ytn8c+OLXxEVMWi6QWSyYjBuJOhYf7PpWpe+Dbu7l8TTm8QTarEIYDt/1SAdD9aAOm0jUo9Y0i11GJGSO5jEiq3UZ9au1leHNPutK0G1sbyaOWWBAm6NcKABgAVq0AFFFRXVwLW0luGVnEaFiqjJOOwoAw/EnjPS/C9zp9teuxnvphFFGnJ57n2rL8TSzQ+O/DHlXEsaSvIkkathXGM8ivKfE+rLqH2LXtUt7qPUpdUj2QNCQIYFPCj3NesTWN34rvvD/iC0YWtvasztBcxkSMDx+FAEc/xHgijur2PTLiXSrS5+zTXgYYVs4J29SAaj1f4kx6e+pta6TPe2+mlFuJEkVeXAIwD161Xf4e3/8AZ1/oceowjRr27Ny+UPmqC2SgPTqOtcbqdvMniLX79ba2b7PKiw2dyHDT7AAMAcH2zQB6V4g8aHw/4etdYn0q4khlCmRUYZiDYxn1PPapdC8XrrWuXelPp09pNbwpMDIQQyN06dDUGp6NdeMPD+i+ftsQskVzc25XPTnZ+dSaX4Zv9O8aatrJvYntb/YfK2fOu0Yxn0oA6miiigAooooAKKKKACiiigAooooAKKKKACiiigAooooAKKKKACiiigAooooAKKKKACiiigAooooAKKKKACiiigAooooAKKKKACiiigAooooAKKKKACiiigArzj4cfu/FfjSB/wDWjUN5z1wRxXo9cBq1nc+E/HD+KLa3kn02/iEN/HCu5o2HSTHcUAZPjyxj8D69p3jfTLYRwRsYdRjiH30box9ea6fwFD5PhmXV7g4fUpXvpGPZW5H5CuivLKy1vTGtryBZ7S4QFo3HDA81LHaQRWa2iRKLdU2CPsF6YoA8mbxXoHifWX1vW9Ut4tF0uU/Y7ItlppBx5jDvz0FetQXEdzZR3MZ/dyRh1zxwRmsj/hDfDe7d/YllnOf9UKp+L9VuLHTRpGk2ks2pXkZit1RDsjHQsx6ACgDB+DgLaBqk4/1cupTFPwY16PWL4T0CPwz4as9LRtzRLmR/7znlj+dbVABRRRQAUUUUAFFFFABTJZBFC8hBIVScDqafRQB4pa+K7o6/ea9q3hvVrrUY2aLT4BB+6hTsc+p7mvYNOle70+2uri3EU8kYZkI5UkdKt0UAM8qPcW2KGIwWA5/OuKb4a2bW1xYG8kOn3ExmkiKAsSTk/N1ruKKAI4II7a3jgiGI41CKPQCpKKKACiiigBCAeoBpNi7t20bvXHNOooAKKKKACiiigAooooAKKKKACiiigAooooAKKKKAOej8LIvjefxLJcs8j2wt44scRjuQfeqnhfwW3hvUb24GqTzwzyvIkBGFUsckn1NdZRQAVieK9Dm8SeHrjSor17PzxtaVBk7e4rbooA8+0n4faxYXenfaPFdzcWNiwKWoiCKcdBxXoNFFABRRRQAUUUUAcv4x8Iv4rSwjF8bVLScXA2pncw6V00YZY1DsGYDkgYyadRQAVG1vC8gkaJGcdGKjNSUUAFFFFABRRRQAUUUUAFFFFABRRRQAUUUUAFFFFABRRRQAUUUUAFFFFABRRRQAUUUUAFFFFABRRRQAUUUUAFFFFABRRRQAUUUUAFFFFABRRRQAUUUUAFFFFABRRRQAUdRg0UUAFFFFABSYGc45paKACiiigAooooAKKKKACiiigAooooAKKKKACiiigAooooAKKKKACiiigAooooAKKKKACiiigAooooAKKKKACiiigAooooAKKKKACiiigAooooAKKKKACiiigAooooAKKKKACiiigAooooAKKKKACiiigAooooAKKKKACiiigAooooAKKKKACiiigAooooAKKKKACiiigAooooAKKKKACiiigAooooAKKKKACiiigAooooAKKKKACiiigAooooAKKKKACiiigAooooAKKKKACiiigAooooAKKKKACiiigAooooAKKKKACiiigAooooAKKKKACiiigAooooAKKKKACiiigAooooAKKKKACiiigAooooAKKKKACiiigAooooAKKKKACiiigAooooAKKKKACiiigAooooAKKKKACiiigAooooAKKKKACiiigAooooAKKKKACiiigAooooAKKKKACiiigAooooAKKKKACiiigAooooAKKKKACiiigAooooAKKKKACiiigAooooAKKKKACiiigAooooAKKKKACiiigAooooAKKKKACiiigAooooAKKKKACiiigAooooAKKKKACiiigAooooAKKKKACiiigAooooAKKKKACiiigAooooAKKKKACiiigAooooAKKKKACiiigAooooAKKKKACiiigAooooAKKKKACiiigAooooAKKKKACiiigAooooAKKKKACiiigAooooAKKKKACiiigAoopkkscS7pJEQerNigB9FIrBlDKQQehBpaACiiigAooooAKKK5TWfiBo2iau2m3K3TyooLtDCXVc9jjvQB1dFcT/wtPw9/dv8A/wABH/wrr7O7jvrKG6h3eXKoddy4OD6igCeiiigAooooAKKKKACiiigAooooAKhe7to51geeJZnGVQsAT+Fc74u8S3GktZaXpcaTaxqL+Xbo/wB1B3dvYVw/i3QBeeM/C2kPcu2p3Baa+u42KsUUdAOwPIoA9agu7e5LiCeOXYcNsYHB96mrzDwXbWq+MvFqadMtpEsi2kKBs/Oq8sAeprovC/iO9l1a88Oa4qLqtmA6yJwtxGejD39aAOtooooAKKKKACiiigAooooAKKKKACiiigAooooAKKKKACiiigAooooAKKKKACiiigAooooAKKKKACiiigAooooAKKKKACiiigAooooAKKKKACiiigAooooAKKKKACiiigAooooAKKKKACiiigAooooAKKiuY5JbaWOKUwyMpCyAZ2n1xXilv/bMtr4xd/EV8NJ05iIpA/7ySYD17LntQB6f4zu9XsPDt1d6RLBFJDGXZ5V3YA9BWPqfiTUYfCmgtBKq3+qPFEZiuQueWOKdZ2eua78L9PtGuIhfXdmq3E04JIyOvHenTeD9QvPC1hp1xdwJfabIklrPGp2nb/eB9aAMS68Y6xpEmsaNLcJPeQ3MMVtcsmPlk7keoroPDuqanF4u1LQNRuRdrDBHPDMVw2D1B/Gqk3gGbULPUp727QarezpOJY1+SIp90D2rY0Hw/dWer3us6nPHLfXSJHiIEIiqO2fWgDo6KKKACiiuP+I19qmk+GLjUtO1BbX7Ou4rsy0rfwqD2oA7CvPvFPifxBoV6GWXTSXuEjtrDJMs6E4J9jWfY634ri8ReFl1C9jJ1RC9xZJHxEgGc59av+KfDWveJJpLSSx09UE6vb6mHxNCgOcAYzn8aAPQELNGrMu1iASPSnUyFDFBHGWLFVClj3wOtPoAKKKKACmSyxwxNLK6pGoyzMcACn1T1SK1m0y4F7EstuqF3RuhA55/KgCr/wAJPoQtUuTq1oIXbYr+aME+lZPjFNEW3g1DUEkuptpjtLeNz+9ZumAOv1ryW30vT4/hZqmuzQI02sXpjtN4+WFWfA2+nSvVv+ET0bxLpOkSy3EspsYRHFLBKVwcYJ+tAFzwLpd1o/ha3tL2bzJwzMy793l5OQmfaukrO0XRbTQbAWdn5hj3FyZHLMSeuSa0aACiiigApCwVSzEADqTS1Bd2kF9ayWtym+GQYdc4yKAEW+tZLaS4jnjkijBLMjAgY6155o3iWx0DRL3xFrCyltTu3lXZGWKxA7VJ9BiucvLh/Amua14TjVls9bAfTeSQjNwyium+IdpJZ/Dyx8PWkTO128Nmdq5ITjd/KgDdsvHnh+/1m10y3aRpLtS0EhhIR8dQD3rq+leV6t5Wj/EjwzaGynNnY2RWBYIiQ0hwP0r1McgHGKAFooooAKKKKACiiigAooooAKKKKAPONBlOufGLXb2TmPSoFtIQexPLGu3bRNPfW01lrcG/SLyllPUL6VwHw8iEnjDxxFNu3m/zkEg47c13H9i3X/Qw6r+UH/xqgBLPwto9hrFxqttZol5cMWkk9SeprkvHj/2P428Ka4gxunazmx/Eriuu/sW6/wChh1X8oP8A41Xn3xV02e2tdDc6rfXUh1GMRpOY9oORz8qLzQB6xWRqviC30nU9MsZo3aTUJTHGV6KQM81eu0uXsJUs5EjuSmI3cZVT6kV5N4rsfGKeJfDC3Wr2EkzXLCBkgICNjqfWgD2KoZbq3gljjlnjSSQ4RWYAt9KzNCttft/N/tu/tbrP+r8iIpj65rhvifo9vqPiDw7awM8WpX10FE6ud0ca8naO1AHpkV3bzySRwzxyPGcOqsCV+tch4n8QatpHjfw5YW8sJsNRkaOaNo8sMDOQawvCdhp1j8VdaFiwt7e1t47Yo0nM0p5J56mrvjsj/hYXgjP/AD8yf+g0Ad5c39nZFRdXUMJY4USOBmpXnijhMzyosQGS5YAY+teV6DaWXiTxZ43PiBFmltpfJhjmP+qh29V9Oe9c55l9cfBuwE0zzRRarsWJnw1xCH4UevFAHtsGs6bdSLHBf28jscKqyAk1Ye7t47hbd541mcZWMsNxH0rzbwn4fgvPiFdeIrbSVstOS2WOGOQAN5ndgvb0qv410G21X4n+H7S3eSG5l3z3c6Od3lAY2j0BoA9Rgure53+RPHLsO1tjA4PocVNXmPw4trK28X+KnsikFr9pW3htw/3ioyWAr06gAooooAKinure1Cm4njiDHCl2AyfSpa81+MVhbXmh2ce0nULm5S3tX3H5CTyQPWgD0Rbu2e4NutxE0yjJjDjcB9K5P4ja9q3hvRrTUNLlhXN3HDKkse7crHHHoa5Wy0ix0r4vaXBby+W9jpxN5PJJzO78DOeprb+MJA8HW5J/5iEH/oVAHcPewW1ok91PHCrKCWdgBUqXEMsAmjlRoiM7wwIx9a80mWLV/jBb6ZqqiSzg0wSW0Eh+R2PVsdzXKyxXEPhTx7p+n3Xl6fBfKLYb8Dn7yKaAPao9b0qVwkeo2zMTgASjJNWZ7u3tignnji3nau9gNx9BXk2g+HrbW/G+i6paaILGwsbIrcLMAN8pHGBnnHrWh8YdNgvbbSYYlYald3kcEEgY5jGckgetAHpKXdtJcPAk8TTIMtGrgsPqKmrybSdN0/TPjEsFpIIlstPAuJHk5nkb1z1Nes0AFFFFABRRRQAhIAJJAA6k0nmJ8vzr833eetYHjeC2l8I6hJeSzJBBC0rCKQoWwDgZHvXkkOk3Vv4T8I3VxqF2+q394n2YmZgIovvbcd+PWgD3yimocxrhg3HUd6dQAUUUUAFFFFABRRRQAUUUUAFFFFABRRRQAUUUUAFFFFABRRRQAUUUUAFFFFABRRRQAhGQR61yUPw/sIvCd9oH2q4aO9laWSc437mOa66igDL0DRRoWmLZi7nuiOskxyT/AICtSiigAooooAKKKKACuc8Z+GpPFelQaet15ES3Mc0nGd4U5210dFAHH6z4PvL7xZYazY6l9kFvB5DLsyQuc/L6HtXXgYUDOcDqe9LRQAUUUUAFFFFABTJoY7iF4ZUDxuCrKehHpT6KAM2Tw/pEukrpUmnW7WCfdtynyD6CrttbQWdulvbRJFCgwqIMACpaKACiiigAooooAKKKKAMrVPDul6zfWN5fWwluLGTzLd842mtQqrYyAcdMilooAQopYMVBYdDjkUtFFABRRRQAUUUUAFFFFABRRRQAUUUUAec6XF/wj/xk1O3c7YNZtluIiehdTgj610niHSdb1XULOOx1ZrDTlDfahEP3r+gB7UeLPDJ1+2t5rWf7LqllJ51pcAfdb0PqDXM+PPGtx4f0TT9Mu5ktdV1AbJZ4lLLCo+84/pQBP4B1PVJPEniLR7i+k1Cw0+YJBcyfeBPVSR1xTPGSDXPiF4Y0RDuS2dr24A/hCj5c/U1L4E1zw/JaXGjeFEedrWHzHnmUqJZD3Ynkkmtjwt4Ym0u6vNX1ScXWs3xzNIB8saj7qL7CgDp6zdR0Oz1S/sLy5VjNYyGSEg4AJGOa0qKACs+50TT7vV7XVJ7cPeWissMhJ+QHrxWhRQBjReFdFh16XW0skGoS/elyeT646Z96bq3hPR9b1K11C/tmlurQ5gfzGGw+2DW3RQBgan4M0LV743t1Z/6Qy7HeNyhkX0bB5/Gue+IHhqa90jSbDT9MM+l21wGuLW2IWTYBxsNegUUAeW+GvC11a+NrXUdKstS0vSooWW4jvZt3nMegC5PT1r0P+xbD+2/7YNuDf+V5QlychfSr9FAGNp/hXRtL1W51Ozskju7k7pJMk5PfA7Vs0UUAFFFFABWfqOi6fqs9nPe24lks5fNgJJ+RvWtCigDGufCui3mux61PZI9/GoUSEnoOmR0NO1/wzpXia2it9WtzPDE+9U3lQG9eDWvRQBiaj4S0bVUtRdWxL2q7YZVkKyIPTcDnFc/4y8KH/hCH0jQNPRomlVp4UOHkXPzYJ/i9zXd0UAeQ6f4PuB4k0e40HTdW0iK2k3Xcl5PlXTH3QuTk16de6Lp+o31le3VuJLiycvbsSfkY8ZrQooAxpPCmiy+IP7cksUbUNoXzST26cdK2aKKACiiigAooooAz9b0a18QaRPpl75n2acYfy22kj61mav4I0fWrLTLW5WZI9NYG3MUm0rgYxn6V0dFAEdvBHa28cEK7Y41CqPQVJRRQAUUUUAFFFFABRRRQAUUUUAFFFFABRRRQAUUUUAFFFFABRRRQAUUUUAFFFFABRRRQAUUUUAFFFFABRRRQAUUUUAFFFFABRRRQAUUUUAFFFFABRRRQAUUUUAFFFFABRRRQAUUUUAFFFFABRRRQAUUUUAFFFFABRRRQAUUUUAFFFFABUUttBOQZYI5COhdAalooAiit4IM+TDHHnrsUDNS0UUAFFFFABRRRQAUUUUAFFFFABRRRQAUUUUAFFFFABRRRQAUUUUAFFFFABRRRQAUUUUAFFFFABRRRQAUUUUAFFFFABRRRQAUUUUAFFFFABRRRQAUUUUAFFFFABRRRQAUUUUAFFFFABRRRQAUUUUAFFFFABRRRQAUUUUAFFFFABRRRQAUVyfjTxTfeGJ9HNvZwXEF9drbSF3IZM9x611RdVXLMFHqTigB1FJkYznj1pomjb7siH6MKAH0UhYAgEgZ6c9aAwJIBBI60ALRRRQAUUUUAFFRXLyx20rwoHlVSVUnAJ9KwvBfiZ/Fmg/2jJafZXEzxNHu3YKnHWgDoqKMg9DSEgHBIoAWisLxJb3UsEc6a1/ZljAGe5ZVBZhjjBPSqXw/vdW1Dw2LjVXeQtK/2eWRNrSRZ+UkUAdVRRRQAUUUUAFFcd8Qdd1Tw/Y6dd6bJEokvI4ZlkTO5WOOPQ11NxfWtnCsl1cRQqehdgM0AWKKiS6gkt/tCTRtDjPmBhtx9aqRa5pU0ixxahbO7HAUSDJNAGhRXCXd5e+KvGlzodrdSWul6aqtePCcPLIeiA9h612CX1jHvhF3Dm3UeYDIMoPegC3RXP+KPEJ0nwZqGuacYrk20JkTDZVsfSue1ifVE8M2njSwnljvFto5ri03ExSoQCRjscHrQB6DRVTS9Qh1bSrXULc5iuIxIv4irdABRRRQAUVxuheIdWufiDreg3xtmtrSJJYGiQhsN2bmur+3Wn2j7P9ph84/8s943flQBPRUFxeW1oAbm4ihB4HmOFz+dLBd211n7PPFLt67HDY/KgCaiiuN8W+Jdb03XtM0fQ7K3ubi9R3/fvtAC0AdlRXPeG7jxLKtzJ4jt7O2UEeUsDZ47kk1s/b7Pyll+1weWx2q3mDBPpmgCxRR1GRRQAUUUUAFFFFABRRRQAUUUUAFFFFABRRRQAUUUUAFFFFABRRRQAUUUUAFFFFABRRRQAUUUUAFFFFABRRRQAUUUUAFFFFABRRRQAUUUUAFFFFABRRRQAUUUUAFFFFABRRRQAUUUUAFFFFABRRRQAUUUUAFFFFAHnXxY/wBV4a/7C8VQIv8AwlXxU1vStTmm+w6dax+Rbq5UEsOWOOprrfE3hKz8U/Yxez3CLaSiaIRNj5x0NRan4LsNR1SPVEnubTUFi8l7m3fa0iejetAHlx1HWV+H+uWcd7PJDp+sC3WQP+8aDPKg9zW54a0SG9+IaahpsF6mjQWik+czKpm9gep9aueOvC8en+D7DStKsrg2Qvkku5bfLTIOpk9zVXw/YX9t4107+wdS1e60oIxvzfKQmMfKBkdc0AT/ABRsribWPD66dfXMGpXV6scZWQ7I0H3jt70/wpaNafFbW7e2vbmS0trWNZvOlLB5W78967i98P2V/rtjq8+83FkGEIz8oz1OPWqMPgrS4PFE2voZvtMxDMnmHZuHfHrQB0dFFFABRRRQA2T/AFbfQ14hp2tXmi/CNmsZTDPdaw1t5o/gDSYJ/KvbZ42lt5I1cozKQHHUe9chZfDjTLfwtc+H7iee5tJ5jOC5+ZHJzkH60AYOprd+EPHHhePT725mt9TY29zDNIXDHGd/sa5G+v7/AFDTPEiT32oHxKl/5VnFAWxszwBjjGOteq2fg2K01CHVLy7uNSu7OEpa+cfucdvf3ry/Sre4ttH1C8/t3UtN1QzzSLYrbFtr5O0A45zxzQB3+q+DtW1jw3o1jBqgtPs4WS5jmQy+a+Ojc9Aa6Pw/p2p6dZPHqmpLezs2VdI9iovYAUvhaXU5vDGny6yu3UGhBnGMfNWvQB5LPZalP8VbvTLbXb1bFLLz79i/IyeFXsvFdB8KZry58KzTXNzLPEbyUW7StlvLDYHNbln4Vs7TV9X1LzJHn1NQkpY/dUDGBUfhXwha+FLeSG2uriZWJ2iVshBnOAKAOiooooA4D4tMF8P6dkgf8TKDr/vVSIh1T40XFlqoElvb6crWkUh+Qk/eIHc12+t+HdM8RQRQ6nb+fHE+9FJxhvWo9R8LaRqjW73VtmW3XZHKrEOB6ZoA8YmS4Twh45srG8Mem22qhbYFzhlyMxqfeun0DQDq3jjSdZg0cafZWVkI5VkYZkk7EAenrW5448JyTeDotI0LT42thcpJcW6Ha0iA5OD/AHvesbTvCUy+KNIu9F07UNMgtmJunuJyQ64+7t70AavgceR478Z2s3Er3STKD1KFcD8K56PQNLvPidrzrGV03S7MNPCHO2aUgn5vXFd5rXheW51q313SLoWeqRL5bllzHNH/AHWH9a07TQrC1e8mW2jE1/zdMP8AlocYNAHmvhezgvfgtqVp9st4PtyzSKJpcLEjN8ufQV2OqvBpvwumDyxvFFpoTejZVvkxwe9XYPBfh+20i50qLToxZ3IxLGedw9PpVPVfCMurG0017lIPD1sF/wBEiX5pSvQMf7vtQA/4c201n8PdEguARItuCQevJJH6GuopqIscaoihVUAADsKdQAUUUUAeXRzy2/xL8aT2/M0WlI6AddwBxXNTWdlJ8ErfXlkP9sGQTC63nzDLv6f/AFq9btPCmlWWu3OswxyfbrkbZnaQkOPQj0qrF4D8PQ3QmSzIQS+cIN58oP8A3gvTNAHn+ovJJ4+gl1izk1KN9HTNvGc+RIR1K+/rXQeBNB1bwp4DmaGyhfVJpGkSKSXgKTwGb2FZuv8Ahn7Z4+vtQ1rSdQuLN4EjtJtPY9uoYDvWh4R0fxJovhvVvKgdzNPusbK+m3FI+4Y9s0AavhfxPqep+JNQ0i8S0njtYlk+2WbEx7j1jPuKseIND0jW/ENj52py2uqQROYVgl2uUPWs3wj4av7DxVf6w1jFpFlcQqn2CKQOGkHWQ44roNZ8JaRrt9Be3cLi7gG2OeKQo6j0yKAOO8NXl3c3firw3rN6+o2Gn8pck4baRnYSO4rgRotvH8KZ9UmMjTajqHl6ehkIEAL4GPyr3Sx8NaVp2mT6fa2wSG4z5xz80hPUk9SahuvB+iXmgQ6JNaA2EBDRxhsFSOhBoA0dJUJpVrEJRKY4lRnDZyQMHmrlV7GxttOs47W0iEcMYwqirFABRRRQAUUUUAFFFFABRRRQAUUUUAFFFFABRRRQAUUUUAFFFFABRRRQAUUUUAFFFFABRRRQAUUUUAFFFFABRRRQAUUUUAFFFFABRRRQAUUUUAFFFFABRRRQAUUUUAFFFFABRRRQAUUUUAFFFFABRRRQAUUUUAFFFFABRRRQAUUUUAFFFFABRRRQAUUUUAFN8uMtuKLu9cc06igAooooAKKKKACiiigAooooAKKKKACiiigAooooAKKKKACiiigAooooAKKKKACiiigAooooAKKKKACiiigAooooAKKKKACiiigAooooAKKKKACiiigAooooAKKKKACiiigAooooAKKKKACiiigAooooAKKKKACiiigAooooAKKKKACiiigAooooAKKKKACiiigAooooAKKKKACiiigAooooAKKKKACiiigAooooAKKKKACiiigAooooAKKKKACiiigAooooAKKKKACiiigAooooAKKKKACiiigAooooAKKKKACiiigAooooAKKKKACiiigAooooAKKKKACiiigAooooAKKKKACiiigAooooAKKKKACiiigAooooAKKKKACiiigAooooAKKKKACiiigAooooAKKKKACiiigAooooAKKKKACiiigAooooAKKKKACiiigAooooAKKKKACiiigAooooAKKKKACiiigAooooAKKKKACiiigAooooAKKKKACiiigAooooAKKKKACiiigAooooAKKKKACiiigAooooAKKKKACiiigAooooAKKKKACiiigAooooAKKKKACiiigAooooAKKKKACiiigAooooAKKKKACiiigAooooAKKKKACiiigAooooAKKKKACiiigAooooAKKKKACiiigAooooAKKKKACiiigAooooAKKKKACiiigAooooAKKKKACiiigAooooAKKKKACiiigAooooAKKKKACiiigAooooAKKKKACiiigAooooAKKKKACiiigAooooAKKKKACiiigAooooAKKKKACiiigAooooAKKKKACiiigAooooAKKKKACiiigAooooAKKKKACiiigAooooAKKKKACiiigAooooAKKKKACiiigAooooAKKKKACiiigAooooAKKKKACiiigAooooAKKKKACiiigAooooAKKKKACiiigAooooAKKKKACiiigAooooAKKKKACiiigAooooA//Z"/>
-          <p:cNvSpPr>
-            <a:spLocks noChangeAspect="1" noChangeArrowheads="1"/>
-          </p:cNvSpPr>
-          <p:nvPr/>
-        </p:nvSpPr>
-        <p:spPr bwMode="auto">
-          <a:xfrm>
-            <a:off x="155575" y="-144463"/>
-            <a:ext cx="2782146" cy="2782155"/>
-          </a:xfrm>
-          <a:prstGeom prst="rect">
-            <a:avLst/>
-          </a:prstGeom>
-          <a:noFill/>
-          <a:extLst>
-            <a:ext uri="{909E8E84-426E-40DD-AFC4-6F175D3DCCD1}">
-              <a14:hiddenFill xmlns:a14="http://schemas.microsoft.com/office/drawing/2010/main">
-                <a:solidFill>
-                  <a:srgbClr val="FFFFFF"/>
-                </a:solidFill>
-              </a14:hiddenFill>
-            </a:ext>
-          </a:extLst>
-        </p:spPr>
-        <p:txBody>
-          <a:bodyPr vert="horz" wrap="square" lIns="91440" tIns="45720" rIns="91440" bIns="45720" numCol="1" anchor="t" anchorCtr="0" compatLnSpc="1">
-            <a:prstTxWarp prst="textNoShape">
-              <a:avLst/>
-            </a:prstTxWarp>
-          </a:bodyPr>
-          <a:lstStyle/>
-          <a:p>
-            <a:endParaRPr lang="en-US"/>
-          </a:p>
-        </p:txBody>
-      </p:sp>
-      <p:sp>
-        <p:nvSpPr>
-          <p:cNvPr id="12" name="AutoShape 12" descr="изображение"/>
-          <p:cNvSpPr>
-            <a:spLocks noChangeAspect="1" noChangeArrowheads="1"/>
-          </p:cNvSpPr>
-          <p:nvPr/>
-        </p:nvSpPr>
-        <p:spPr bwMode="auto">
-          <a:xfrm>
-            <a:off x="155575" y="-987547"/>
-            <a:ext cx="2381250" cy="2381250"/>
-          </a:xfrm>
-          <a:prstGeom prst="rect">
-            <a:avLst/>
-          </a:prstGeom>
-          <a:noFill/>
-          <a:extLst>
-            <a:ext uri="{909E8E84-426E-40DD-AFC4-6F175D3DCCD1}">
-              <a14:hiddenFill xmlns:a14="http://schemas.microsoft.com/office/drawing/2010/main">
-                <a:solidFill>
-                  <a:srgbClr val="FFFFFF"/>
-                </a:solidFill>
-              </a14:hiddenFill>
-            </a:ext>
-          </a:extLst>
-        </p:spPr>
-        <p:txBody>
-          <a:bodyPr vert="horz" wrap="square" lIns="91440" tIns="45720" rIns="91440" bIns="45720" numCol="1" anchor="t" anchorCtr="0" compatLnSpc="1">
-            <a:prstTxWarp prst="textNoShape">
-              <a:avLst/>
-            </a:prstTxWarp>
-          </a:bodyPr>
-          <a:lstStyle/>
-          <a:p>
-            <a:endParaRPr lang="en-US"/>
-          </a:p>
-        </p:txBody>
-      </p:sp>
-      <p:sp>
-        <p:nvSpPr>
-          <p:cNvPr id="15" name="Прямоугольник 14"/>
-          <p:cNvSpPr/>
-          <p:nvPr/>
-        </p:nvSpPr>
-        <p:spPr>
-          <a:xfrm>
-            <a:off x="5977217" y="3244334"/>
-            <a:ext cx="237566" cy="369332"/>
-          </a:xfrm>
-          <a:prstGeom prst="rect">
-            <a:avLst/>
-          </a:prstGeom>
-        </p:spPr>
-        <p:txBody>
-          <a:bodyPr wrap="none">
-            <a:spAutoFit/>
-          </a:bodyPr>
-          <a:lstStyle/>
-          <a:p>
-            <a:r>
-              <a:rPr lang="en-US" dirty="0"/>
-              <a:t> </a:t>
-            </a:r>
-          </a:p>
-        </p:txBody>
-      </p:sp>
-      <p:sp>
-        <p:nvSpPr>
-          <p:cNvPr id="16" name="AutoShape 16" descr="data:image/jpg;base64,%20/9j/4AAQSkZJRgABAQEAYABgAAD/2wBDAAUDBAQEAwUEBAQFBQUGBwwIBwcHBw8LCwkMEQ8SEhEPERETFhwXExQaFRERGCEYGh0dHx8fExciJCIeJBweHx7/2wBDAQUFBQcGBw4ICA4eFBEUHh4eHh4eHh4eHh4eHh4eHh4eHh4eHh4eHh4eHh4eHh4eHh4eHh4eHh4eHh4eHh4eHh7/wAARCAF+BIIDASIAAhEBAxEB/8QAHwAAAQUBAQEBAQEAAAAAAAAAAAECAwQFBgcICQoL/8QAtRAAAgEDAwIEAwUFBAQAAAF9AQIDAAQRBRIhMUEGE1FhByJxFDKBkaEII0KxwRVS0fAkM2JyggkKFhcYGRolJicoKSo0NTY3ODk6Q0RFRkdISUpTVFVWV1hZWmNkZWZnaGlqc3R1dnd4eXqDhIWGh4iJipKTlJWWl5iZmqKjpKWmp6ipqrKztLW2t7i5usLDxMXGx8jJytLT1NXW19jZ2uHi4+Tl5ufo6erx8vP09fb3+Pn6/8QAHwEAAwEBAQEBAQEBAQAAAAAAAAECAwQFBgcICQoL/8QAtREAAgECBAQDBAcFBAQAAQJ3AAECAxEEBSExBhJBUQdhcRMiMoEIFEKRobHBCSMzUvAVYnLRChYkNOEl8RcYGRomJygpKjU2Nzg5OkNERUZHSElKU1RVVldYWVpjZGVmZ2hpanN0dXZ3eHl6goOEhYaHiImKkpOUlZaXmJmaoqOkpaanqKmqsrO0tba3uLm6wsPExcbHyMnK0tPU1dbX2Nna4uPk5ebn6Onq8vP09fb3+Pn6/9oADAMBAAIRAxEAPwD7LooooAKKKKACiiigAooooAKKKKACiiigAooooAKKKKACiiigAooooAKKKKACiiigAooooAKKKKACiiigAooooAKKKKACiiigAooooAKKKKACiiigAooooAKKKKACiiigAooooAKKKKACiiigAooooAKKKKACiiigAooooAKKKKACiiigAooooAKKKKACiiigAooooAKKKKACiiigAooooAKKKKACiiigAooooAKKKKACiiigAooooAKKKKACiiigAooooAKKKKACiiigAooooAKKKKACiiigAooooAKKKKACiiigAooooAKKKKACiiigAooooAKKKKACiiigAooooAKKKKACiiigAooooAKKKKACiiigAooooAKKKKACiiigAooooAKKKKACiiigAooooAKKKKACiiigAooooAKKKKACiiigAooooAKKKKACiiigAooooAKKKKACiiigAooooAKKKKACiiigAooooAKKKKACiiigAooooAKKK8a+N3j7xX4L8ZeH7bTjayaZqU6xSq8eWXJ9aAPZaKrtdwQ2aXF1NHCpUEs7ADpS2d7aXiFrW5inUdSjg0AT0VSuNW0u3m8mfULaOT+60gBqe1u7W6UtbXEUwHUowOPyoAmoqsmoWLvIi3kDNF98CQfL9afa3drdIXtriKZR1KMDQBNRRRQAUUUUAFFFFABRRRQAUUUUAFFFFABRRRQAUUUUAFFFFABRRRQAUUUUAFFFFABRRRQAUUUUAFFFFABRRRQAUUUUAFFFFABRRRQAUUUUAFFFFABRRRQAUUUUAFFFFABRRRQAUUUUAFFFFABRRRQAUUUUAFFFFABRRRQAUUUUAFFFFABRRRQAUUUUAFFFFABRRRQAUUUUAFFFFABRRRQAUUUUAFFFFABRRRQAUUgZScBgT6ZpSQBkkAUAFFIrBhlSCPUUtABRRRQAUUUUAFFFFABRRRQAUUUUAFFFFABRRQelABRWPH4o8PyawdJj1a1a9HWISAsKS28U+H7nVzpNvq9pLej/AJYrIC2aAMr4jfELw/4FsGutYmfIXd5ca7mxV7wL4qsfFnhmHXrJWS2mXcu7qBWB8cNI02f4fa1fTWcUlwtqQsjLkgVzfweaSL9n3db5Di1k24+hoAuav8bdFtJ79rTT7q8sdPk8u6uUX5UNdJq/xI8O6f4Mt/FBuPNtLoDyFXlnY9hXkHwbjtLj4BeJ2uEjZ3aYzFgM55615zo8t1/wiPgO3utxsTqR2buh+agD6Q8LfFrS9V8TQeHb+yn02+uY/Mt1lHDrXpFfO/xwiWP4veBZbNQs+VHyjnbX0Omdi564oAWiiigAooooAKKKKACiiigAooooAKKKKACiiigAooooAKKKKACiiuN+MXje18A+Br3Xrgb5EXbDGOrOelAHTXGqafBfQ2Mt5CtzMcRxFxub8KuV4h+z/wCCr7USnxH8W3E9zq18TNaxu3yQIemBXt9ADJpEhheWRgqIpZiewFebj45fDsX8tlLrSRSxkg7+AcelaHx41ttB+Gep3cbESOoiTHXLcf1rhtD8B/DTQfhxpeqeNNNsDKYQzzzD5mLc/wBaAOw/4XT8Of8AoYrb86vaL8VPAur3TW1jr1tJIq7m+boPWvKba+/Z5m1COzfQraDzW2xyywlUY+xNeoaf8K/h6ltJLp2g2kS3MW0yRDkqfegDt7W4guoFmtpkmiYZVkbINeAftXf8jN4MH/UQT+dUtE1O/wDg18XIPCd9eXFz4Z1hv9DeZsmFz/Dn0ruPjL8Nda8ea7pGoWWr21rb6dIs0ashJY9aAOF+JWoah4p/aH0T4fzXktvpENos8iI23zTjoaq3n9ofD/8AaBfR/D97M9hqFixW2kfcEfHWvRviJ8KbnX9a0nxXpWpJY+JdPjCefj5JAPUVQtPhzd6TqOs/EHxZff2rrf2J441gXCINv8I9aAPBbC8s9W8M+KY9fn1WbxP9qkS3eHcVBzwFIr6K/Z78J3ul/CeC11aW5jv72E+a7Md6gjg/Wvnz4b2niL/hEtS1rT/Emm2IW6mlW1u1HnAg+9fQv7NHizxN4u8BNfeJrVYrmKdokdU2iRR0OKAPHfDnhGa6+Puu6FY67qI0KztVe9ZpiWkb613P7LSTrrPifybqeXTI7to4BK+eh7V2ngb4ZtoGq+JtSur0XM+ts/zAYManoKy/hJ8JdR8Ga9cXdxrrz2fmtJDbx8DLf3vWgD12iiigAooooAKKKKACiiigAooooAKKKKACiiigAooooAKKKKACiiigAoorGbxV4fGsf2R/a1r9t/55eYM0AbNcX8QviFY+ELm1s5LK6vLu6OIo4kJz9T2raXxV4dbVv7KXWLNrz/nkJQT9Kr+OdY0Dw3pL65rSQnyB+73KCzN2C0Ac34I+K2meIfFk3ha5sp9P1WJd/lSD7w9q9Grwz4R+HdQ8RfEO6+J+uQrYrcL5en2x4fZ6kV7nQAUUUUAFFFFABRRRQAUUUUAFFFFABRRRQAUUUUAFFFFABRRRQAUUUUAFFFFABRRRQAUUUUAFZ/iLWbDQdJn1TUphFbQrudjWhXjP7TGom6j0HwbCSZtYu1BA/uA80AbVh8dPhveRGRdeiTno/Bqx/wALp+HP/QxW350tr8Gfh0ltEk3hixeRUAZtv3j61J/wpv4bf9CrY/8AfNAG/wCD/GXh3xbHNJoOoR3iw/fKHpXQVg+EvB/hzwpHKnh/S4LFZf8AWCMY3VvUAFFFFABRRRQAUUUUAFFFFABRRRQAUUUUAFFFFABRRRQAUUUUAFFFFABRRRQAUV5D8Sfitqmj+N4fBfh3QLjUNTmXIk2/u1+prAtvjP4k8N/ELTvCfj7RVtG1E4t54/un2oA9x1TVNO0uHzdQvIbZexkcDNVNN8QaXq8Mo0m/t7mZAfkVxnP0rC8deA9D8Walp+r6xcTCGxBcRh8RsPVq8j+H1jHqf7Qk+qeD1ki0CyQxXTIT5cj9OPWgCSbxv8VpPFviLQbe705UtITPHcGPKwKP4T6mu3+G/wARL5vhkPEfitWlkSQxlrePO/3Aq7pPw1e2PieS5vvMn1oOquBzGp6CrXwi8CXfg/w+2l6pfJqKg4jXb8oX6HvQB5b8P/jLp/8AwsLXPtg1GS1lcLbp5ROzJ9O1d58eW1+78BSarourGwtUjEjqBiRs+/atfwh8P4NF8Y6xrcsdtJHfHKJsHyVZ+LHhvXfFHhp9E0W+tbGKYbZmlTPHtQBZ+EdxNdfDvR57iRpJXgBZmPJNdXXHfCzQPEPhrw/Do+tX9reR267IWiQqce9djQAUUUUAFFFFABRRRQAUUUUAFFFFABRRRQAVBqFv9rsZrXzHi81Cm9Oq5HUVPQelAHxd8SPBBtfj54f8MeD765ivZMyX14zkuynqTWx4r8H6d4e/aR8CaV4ZknS5U776UuSXPctXoHw98F+JpP2hPEXi7XdNeCxUmOwlY53p6isLxl4Z+IVj8fpPFGjaIb+GSER285PywnPU0Aeu/Fnwz4k8V6M+i6TqdvZ2dxHsuC6kufpWb8IvA3iLwdpX9halqltfaUIyioFO/n1rvtCF+NIthqbI15sHnFOm72q7QB4hL8GNWsW1fS9C10W+havN5tzA+d656ha6TxR8JNH1PwHYeHLNzayacQ9rMOquO9el0UAeVeFvhlqTeLbLxN4u1JL+70+LybVYxhQPU+9eq0UUAFFFFABRRRQAUUUUAFFFFABRRRQAUUUUAFFFFABRRRQAUUUUAFfMn7Y91NqPijwh4VD4hubtGkX+8Mivpuvl39qFfJ+OngS8k5iEwUg9M5oA+inurDwz4UjnmzHZ2duoIVckAD0riPhv8afDPjjxdeeHNPSaC5t13DzhtMn0Br0kRxXFmkcsavGyDKsMg8V8t/tKaLL8Ofih4e+KWiwiG0WURXqxrgAZ6nFAHoPx/uv7b8WeGPAsLZku7kTTp/0zHr+Vdh8Q/hro3jjSNN0zVnlW2sWVgkZwGxjg/lXm/wAIryP4kfGW+8fR/vbCwtRaWzdg3U17H4+8VaZ4N8M3WuapKEhgQkDPLN2AoA8I/bM0vw5p3wvsNGsbOFNT89I7JIlxJxgdua9l+DFjqenfDPRLTWGZrxLZd+7r04ryP4baDceOfER+KfxAuIY7WIltMtJHG2KPsxB717/omp6fq+nR32mTpPavwjp0OPSgDwb9uSwC+AdN163G28sr+PY46gZr2X4b6k2reB9IvnOXktU3H1OK8t/bamji+Dbh8fPdxqv1zXefAyGS3+FuiRyfe+zKf0oA7ekdVdCjqGUjBB70tFAHKXHw58F3F211L4ftDKx3EgYyfpXS2NpbWNsltaQpDCgwqIMAVNRQAUUUUAFFFFABRRRQAUUUUAFFFFABRRRQAUUUUAFFFFABRRRQAUUUUAFFFFAEd1D9otpId7JvUruXqM+lfGnxz8Hx2Pxm8OeHPCF3cJqVyxe8ui5L4J719nngV8/+GvA/ii+/ag1TxlrWmvDo6QbbORjkEj0oA4P4qeCtN8MfFDwNpmhST/2tJKsl5NvJaTnndXsvxu+GOrfEEaWLXWfsMdkQ5Q5wzDua4H4reFvH6/Hu38U6Jo51G0EQjgf+GFvU19C+HBqQ0e3/ALXKG9KAy7OgNAHmPgP4aeLNI8V22r654qe/t7dCqW4yFH4V69RRQAUUUUAFFFFABRRRQAUUUUAFFFFABRRRQAUUUUAFFFFABRRRQAUUUUAFFFFABRRRQAVzXxB8aaT4J0g6jqvnMp+4kSFix/Culqve2NpepsureKYYIAdQcfnQByHwl+JOi/EbS577SQ0fkOUkjf7y/UVwFmknjP8AaNurxf3tr4Zh2op6b2rzT+1m+BHx61eK5zDoOuK0kfZQ/bFezfs36aW0vVfE0y5m1W6Z9/8AeXPFAHmfxw8efE7wH430K7mu4ZINSuWihsIhyVHTNSeOfGnxV8M+KvC+paje2y22rzhfsCDlVPr70vjnd40/a30fSGUy2mjx+aMjKhu9RftG63ZwftBeFU1pni0vS4zP90kMSOgoA+orR2ktYpG4ZlBNS1l+FdZttf0O31Szjkjt5lDRh1wcfStSgAooooAKKKKACiiigAooooAKKKKACiiigAooooAKKKKACiiigAooooAKKKKAKVxa6bBO2qTwQJKiktOyjIH1r5k8RrN8bPj7pcujwk6F4ZkPmXePld89Ae9bP7V/xTt9Kv7PwHBetaC9/wCP+4UH91H6cUngz4xfC/wbouleF/BzG9uZpFjfahBZj1YnvQB1P7Ss/jZtCtdA8I6bcXEFzhbuWE4ZUHUA+9UPg3qPirTdW0vw3a+C30jREQ/ariTlnbHUn1Ne42zie2jlZRllB5FSBVHRQPwoAWiiigAooooAKKKKACiiigAooooAKKKKACiiigAooooAKKKKACiiigAooooAKKKKACiiigAooooAKKKKACiiigAooooAKKKKACiiigAooooAKKKKACiiigAooooAK+fP2z/D9xJ4b0zxdZRs0uj3KSPtGTtyK+g6qavp9pq2mz6ffQrNbzoUdGGQQaAMn4c69beJfBel6vbSq4nt0LbT0bHINVvit4Qt/HPgfUPDlwExdRlVZh91uxrhvh94C8X/AA98YCz0a+huvCV3KzyQSE77f/d9q9joA81/Z3+GzfDDwQdBlmjnmeYyySJ0Jp/x0+Gf/CztCh0ibU5rKCOQO3ln7x969HooA+b5f2b9Wm0/+z5PHmqm02hfLD4G30r234beF4fBvg6x8O28zzR2i7Q7Hlq6OsjxhJrUfh66bw/HFJqW3ECyfdz70AeBfte3j+Jta8N/DmwbzZ7u8SWZU5KAHqa+hfDunppWhWWnIABbwLH+Qrzf4VfC+80nxBP4y8YXial4juB95eUhB7LmvV6ACiiigAooooAKKKKACiiigAooooAKKKKACiiigAooooAKKKKACiiigAooooAKKKKACiiigAooooAKKKKACiiigAooooAKKKKACiiigAooooAKKKKACiiigAooooAKKKKACiiigAooooAKKKKACiiigAooooA8j/aT+D8fxV0Kzht5ora/tZQ0crjjb3Fd/wCAdBXwz4Q07Q1IY2sIRiOhPc1u0UAY9r4Y0K11yXW4NNhTUZRh7gD5jUPiHwd4b8QX9vfaxpNvd3FucxPIuStb1FADIIo4YlihRURRhVUYAFPoooAKKKKACiiigAooooAKKKKACiiigAooooAKKKKACiiigAooooAKKKKACiiigDlPEHw68F6/qLahrGg2l5dN96SRck1VsfhT8PrK7ju7XwxYxTRsGRwnINdrRQAiKEUKvAAwKWiigAooooAKKKKACiiigAooooAKKKKACiiigAooooAKKKKACiiigAooooAKKKKACiiigAooooAKKKKACiiigAooooAKKKKACiiigAooooAKKKKACiiigAooooAKKKKACiiigAooooAKKKKACiiigAooooAKKKKACiiigAooooAKKKKACiiigAooooAKKKKACiiigAooooAKKKKACiiigAooooAKKKKACiiigAooooAKKKKACiiigAooooAKKKKACiiigAooooAKKKKACiiigAooooAKKKKACiiigAooooAKKKKACiiigAooooAKKKKACiiigAooooAKKKKACiiigAooooAKKKKACiiigAooooAKKKKACiiigAooooAKKKKACiiigAooooAKKKKACiiigAooooAKKKKACiiigAooooAKKKKACiiigAooooAKKKKACiiigAooooAKKKKACiiigAooooAKKKKACiiigAooooAKKKKACiiigAooooAKKKKACiiigAooooAKKKKACiiigAooooAKKKKACiiigAooooAKKKKACiiigAooooAKKKKACiiigAooooAKKKKACiiigAooooAKKKKACiiigAooooAKKKKACiiigAooooAKKKKACiiigAooooAKKKKACiiigAooooAKKKKACiiigAooooAKKKKACiiigAooooAKKKKACiiigAooooAKKKKACiiigAooooAKKKKACiiigAooooAKKKKACiiigAooooAKKKKACiiigAooooAKKKKACiiigAooooAKKKKACiiigAooooAKKKKACiiigAooooAKKKKACiiigAooooAKKKKACiiigAooooAKKKKACiiigAooooAKKKKACiiigAooooAKKKKACiiigAooooAKKKKACiiigAooooAKKKKACiiigAooooAKKKKACiiigAooooAKKKKACiiigAooooAKKKKACiiigAooooAKKKKACiiigAooooAKKKKACiiigAooooAKKKKACiiigAooooAKKKKACiiigAooooAKKKKACiiigAooooAKKKKACiiigAooooAKKKKACiiigAoopN68/MvHXmgBaKAcjI5ooAKKKKACiiigAooooAKKKKACiiigAooooAKKKKACiiigAooooAKKKKACiiigAooooAKKKKACiiigAooooAKKKKACiiigAooooAKKKKACiiigAooooAKKKKACiiigAoornfHHjLQ/B9gLrWLry933I1GWf6CgDoqg1CZ7eymnjjMrohYIP4iO1eex/GvwLJ4fXV11LcrEgQqMyflXReCPHXh7xfocmsaReCS2hJEpPGw+9AHlXij4kfFDTPD174tl8Mw2emWkuPIkk+d0zjNeu/D3xEvivwhp+vLAYPtcQcxn+E14j+0hoer614auvGGkeMEm0W0YO2nAfJJg8qTXrHwP1mPXvhlo+oxWIsleEDyQOBjigDtaKKKACiiigAooooAKKKKACiiigAooooAKKKKACiiigAooooAKKKKACiiigArB8XeL9A8J26XGvX8dnE5wHfpmt6vG/wBsWws7r4Ga1LcW8ckkQQxsRyp3dqAPWdI1Gz1XT4r+wmWa3mXcjr0Iq3XnfwOurbT/AIM6LdXUqwwRWiszscAACql38b/BtuzTebO9ir7GuljPlg/WgD0+iseDxNok/hseIo9QhbTfL8zz93y4rz28+Pfgu3ge833DWCNs+0iM7CfrQB6Z4gvZ9P0a6vba2a6mhjLJEOrn0rwzxF8TvidoXh1fF+peGYbbThOEe1aT5wuetepeBviBofjDTJtS01pBaQgs0si4Uj1BryDxbrcPxe8Tf2X/AGpDp/g/S5t11KzgG4dT90e1AHvPhLWY/EHh2y1eKMxrcxLJtPbI6Vq1neG/7MGiWyaQUNlGgSIr0wK5Dxn8XfBvhbV49L1C/wA3DOEbYMhCemT2oA9AorzfxB8avAmjXlvbz6mH84qPMQZRc+pr0Kxuob2ziu7ZxJDKgdGHcGgCaiiigAooooAKKKKACiiigAooooAKKKKACiiigAooooAKKKKACuYuPH3hW38UJ4am1SJNUc7VgJ+Ymunr5h+M1hZw/tSeDLqK3RJnYbnA5P1oA+nh0orn/GPi/QfCOnJea3epArkKi/xOfQCuZ0b4xeEb7WotIuLiSxup8eSJ02h89MZoA9GormvHXjjw94NsI7rWr1YvNO2JByzn2FcPc/H7wbZ3cVpei6guJceXG0RDOD6UAetTyxwQvNM4SNAWZieABXmOn/Fc+IPGH9ieEtIk1S1hk2XV7nEcfrg96xf2l/G0tn8I4p9LaSKTV3WCMnggNXXfB3w/pXgf4Y2EY8uBfs4uLqZuMsRkkmgDvR0orzjSvjR4F1DW7jS49TWNoFLF3GFYDrg96m8LfF7wb4j8Uf8ACO6ffH7YwzGHXAce1AHY6nrelabPDBf30NvJMcRq7YLH2rgvF3xPuvCPicW2vaHLDokhAj1FDuXJ9R2ry/8AbBS4X4j/AA78mV0Wa/CsFOM8ive/HWgWmveCL7R7yJZUktioyM4IHBoA2tNvrXUrGG+splmt5lDI6nIIqxXgv7IPiK6m0fV/B99I0k2i3LRoxP8AyzzwK96oAKKKKACiiigAooooAKKKKACiiigAooooAKKKKACiiigAooooAKKKKACiivFfiPqXxV1b4gR+GPCax6ZphXMuoOm7H0oA9qrmvGnjfw/4Ra3j1i8EU90SIIhy0h9hXz/eeOviJ8K/i3o3hnxNq8eu6XqsojWQJtZSe9e/eNdM8JukPiTxJa20g01TJFNMP9X9KAKHh34heHPFl1daHp1+1vqSof3Ugw49wK8Cdten1jx+0fii9GkaRCdx3nJm9j25rqvhZ4duvGPxrvviZDZ/2do0cfkWgAwbj/ar1S0+Gfhe10rW9Nit5fJ1qRpLws+WZj1waAKX7Pl5qF78MNKn1W9+1XUkIfcTltp6Zr0Kud8BeDtK8GaQumaSZ2gUYXzX3ED0+ldFQAUUUUAFFFFABRRRQAUUUUAFFFFABRRRQAUUUUAFFFFABRRRQAVz9v418KXGuf2HBr1jJqWcfZllBfP0roK+V/F2lafYftmaFNZ2scDzwlpCi43HPWgD6oorC8W+LtB8LQLJrN/Hbl/uIT8z/QVieGvin4P17VhpNvqHk3rfchmG1m+lAHcUVzXjbxx4b8Hwo+t6gkDyH93FnLv9BXJD47+ARex2Ul7NFcyY2xPHhj+FAHqVFQafdRX1lFdwZMcqhlz6VPQAjEKpYnAAyTWPL4p8OxSGOTWLNWBwQZRkVe1sldGvWBwRbyEH/gJr5G+CPww8P+PbHWdW8Qa1eR3K6lJEqi4K8A0AfWGj+IdF1iaSHTNStruSL76xOGK/WtSuA+F3w08O/Dm3updLlkYTfPLLK+7j60+0+LngW68RyaFFrUP2pASSThTj0NAHeUVwmlfFrwPqficeHbTWInvmOEHZz7HvXd0AFFFFABRRRQAUUUUAFFFFABRRRQAUUUUAFFFFABXFfGJNDs/Bmo6/q1jBcNY2ztG8i52EjHH512tcF8ePCeqeN/h1feGdLuFt3vMK7n+7mgDwf9m/wZpek/C3X/HeuQJdSXKyyQCUZWNDnG2u1/Y80RT8P9Zupo9ttq127hB02kkcV2y/DuSP4Ff8IDDOI5zZeQZR/e9axPgR8OvFnhJYY9b1ndaWqGOG2iGFbnqfegC2/wABPCbTuDqOs/Ynk8x7L7UfJJzn7teoaRp1npWnQ6fYQJBbwqFRFGAAKtUUAFFFFABRRRQAUUUUAFFFFABRRRQAUUUUAFFFFABRRRQAUUUUAFFFFABRRRQAV5L+11/yQfXv91P/AEKvWq81/aH8KeIPHHgOfwzockUIuyBNI4zgA54oA8i+KOq3emfsd6YLN3jaeKKNnU4IBIzXouj+FdAm/Zzisfsdu0L6ZvZivVtuc59ak0v4X3msfBH/AIQDxTIm9IxHHKg6Y6Guc0/wH8ULPwS3gNdSgbTdvlJd4+cR+n5UAeXfCy31zWv2W/F+lwTvttL51g3PgeWM8Cl07xJoOofswL4LttDuJteYGFIltycvn726vR/i34a0n4X/ALOdx4fs7ySKW4cKZB1mlJ7/AI1zfhDw/wDG7SPCdnd2WnaRiO3EkY8sbiuM9fpQB6v8DvA89h8ELTwzrsbwS3FuUnCHa6g+/rWRbfsy/D+3Qxw3WtJEzbmQXZwx962P2bfiPqXxC8MXU2r2a297ZTmCXb90kHBxXq1AGd4c0az0HRoNKsQwt4F2puOTj3NfOX7aul6X/Y2laLpljBBqmsX6Bp0XDkA8nNfT1eQfEz4Z6r4v+Kmg+IJLpBpmlncIiOSaAPLP2gvCeieEfhD4a8MWVnHJqF7cwo8zDMjMTyc19N+C7BtL8JaXp75LQWqIc+wrzP8AaG+GmteNpdEvNCukhuNNlDqrjKnFd58ONE1jRNCEOuao+oXjtudj0X2HtQB09FFFABRRRQAUUUUAFFFFABRRRQAUUUUAFFFFABRRRQAUUUUAFfNfxq/5Oc8E/wC8K+lK8E+KXw38aeIfi/pPjDTbiCO30xwY42HLDvQBy3xdmGtftV+F9A1PMmnxASLCx+Rm+lWv259IsbHwr4c1qxt47e/h1SOKOSMYbbxxXb/GT4T3nivVtJ8W6LeCx8Q6dtZWxwxHUVl698M/F/xG1bSW8dXkcWnabIsvkRD/AFjjvQB5t+0PHqUWq/DzxbqsbXGmwpEs0Ocktgc7e9WfiYlr8Tfil4Pk8H6ROY7Ha11cNAUVR6e9W/2kV1PV/jB4b8N+D5En1CwhBNrKMxqB0JFL4k8S/GD4X29tq+qabpj6c8ypMsKBTzQB0H7aFo0Xgnw2yjbHbahEXx0wCK9x0GG01PwbZQzxJNbT2iBkPIZStcr468Pw/FD4TeQ8YjnurYTQ5H3XxkVyXwH8eT2Fivw/8ZRyWGu2GYYDIPlnQcKQaAPMbjwbpPjP9qmTRbOBbbSNFiV5Y4BhX/2T7VuwaZp2p/td21npNnFa22j2uZBCuAOOK9E+Dfwy1Lwr458R+J9Wuknm1SUmPA5VM8Cubl+EfjG0+MWr+KNG1hLa01TasrkZdVHUA0Abv7QHgzWPFHjLwNfabZmeHTb5pbhh/AvFevag6x2E8jfdWMk/lXlPxQ8B+NtY1rw1L4d8UXdja6e6m8VXx9oA65qT42fEO30XRJfC+j+Zf+I7yLyYoIl3FSRjcx7UAee/sjxPN8UPiBqUZJtprjamOmQ1fTdebfs8+BH8D+Bo4LxR/aV25num77m5xXpNABRRRQAUUUUAFFFFABRRRQAUUUUAFFFFABRRRQAUUUUAFFFFABRRRQAVQ17VLDQ9JudV1GZILa3Qu7sccCr9fKH7WXjDXLzxdYeF4dG1W40OCQSXv2aFiJh/dyKANHwh4fvvjN8XU8e6pC8Ph3SpP+JcpGPOYHr9K739orwj428YRadYeG5449Pik33UbH/W46D6V51pvxz1hf7F8M+E/AOo6dB5yRF3tmConevqG0Z3tYmkGHKgsPegDx3wJoXxSi1/S01mW0s9FsVK/Z7ZQu7617PRRQAUUUUAFFFFABRRRQAUUUUAFFFFABRRRQAUUUUAFFFFABRRRQAUUUUAFfMnjz/k8bw3/wBe5/nX03Xzx4o8AfEDUvj/AGPjyGytxY2Z8tIzKMlPWgDE8WyJ4k/bDstE1YedZWNuGjhflGPrio/2vtJtNC8T+E/EGi28dpfrdKmYRtLDPTiu4+Lfwt1vUfHml/ETwjOkGs2ihZoG6Sj0zVa6+Hfi34heONK17xykdjYaWweOyjbdvcdyaAPPfjpJJZfGzwT4i8RW7XWlPbIXixkK2Bk4o8V6VYePP2jvD2oeEdKD2FtGrXU/lYjwO1Wfjn/wkms/H7TrLwV5F/c2dsVe1nTdGgx6Ulx47+KHwrvrG48ReGtOTS7qZYnNsgUjJ9qAPcvib4i8UaAdL0vwl4c/tGW8PlmQNtSADua5PwN8UfEq/F0/DfxZpcSXj2/2iOeF8gD0Nd/4g1S31bQbWxt9ZTSNQ1SANau3LAkdhXgfwwTUvAf7SUvhTX7hfEN7f2/mpqTD95Ep/h+lAH1JdRxy20sUv3HQq30Iwa8Zm+AHhxLS/k0jVdQtJLh3mQxTkKrnvivWfE1lcajoF7Y2sxgmmhZEkHVSR1rwvwRovxu8I6Td6D+51eKV3MF3LL80eaAKf7L/AIl8QT+IfEfw78T3z6n/AGbIyLM/Ur6VxPjHwTpvib9qKx8L6HALOy0+MS3hh4LLnnJr3H4GfC6bwQmoaxq14L3XdScyXEoHAJ7VT+F3w41jRfi34i8Z6wUb7f8AJb4OSEzQB5d4w8P6TcftVeG9F8PWMVsulxBrjyxgn3NfWY4GK+dvEPws8eQ/Ha/8ZeHr2GK31CIRPM/JjX2Fe+6Laz2WmQW1zcNcTIoDyH+I+tAFyiiigAooooAKKKKACiiigAooooAKKKKACiiigAooooAKKKKACiiigAooooAKKKKACiiigAooooAKKKKACiiigAooooAKKKKACiiigAooooAKKKKACiiigAooooA5T4o+BtK8f+Gn0TVdypuDo69VYdDXGQfCnxJHpI0f/hNr37EE8sEE79vTGfpXr1FAHMfDjwVpPgbQRpWkqdpYvJI33nY9Sa6eiigAooooAKKKKACiiigAooooAKKKKACiiigAooooAKKKKACiiigAooooAKKKKACiiigAooooA8w+IfwisfEviyDxZp+pT6XrES7fOiONw9DVG9+D93r1zat4q8SXV/b28gcQA4RiPWvXaKAIbK2hs7SK1gQJFEoVQOwFU9Q0HRtQvYb28023muYTmOVk+ZT7GtKigAooooAKzIvD+ix6u+rJptsL9/vT7PnP41p0UAFFFFABRRRQAUUUUAFFFFABRRRQAUUUUAFFFFABRRRQAUUUUAFFFFABRRRQAVG0MLHLRIx9SoqSigCNbeBTlYYwfUKKkoooAKKKKACiiigAooooAKKKKACiiigAooooAKKKKACiiigAooooAKKKKACiiigAooooAKKKKAPJfGPwhmvPHq+NvDGuyaRq23a+V3I49xVe9+EGq+KNbsdQ8eeJ31SCzcSR2sKbIyw6E+texUUAcV4/+GugeMorEX73VtJYjFtLayeWyfiKi8B/C3w34R1STVrb7Vfak67Td3knmSAegJ6V3VFABRRRQAUUUUAFFFFABRRRQAUUUUAFFFFABRRRQAUUUUAFFFFABRRRQAUUUUAFFFFABRRRQAUUUUAFFFFABRRRQAUUUUAFFFFABRRRQAUUUUAFFFFABRRRQAUUUUAFFFFABRRRQAUUUUAFFFFABRRRQAUUUUAFFFFABRRRQAUUUUAFFFFABRRRQAUUUUAFFFFABRRRQAUUUUAFFFFABRRRQAUUUUAFFFFABRRRQAUUUUAFFFFABRRRQAUUUUAFFFFABRRRQAUUUUAFFFFABRRRQAUUUUAFFFFABRRRQAUUUUAFFFFABRRRQAUUUUAFFFFABRRRQAUUUUAFFFFABRRRQAUUUUAFFFFABRRRQAUUUUAFFFFABRRRQAUUUUAFFFFABRRRQAUUUUAFFFFABRRRQAUUUUAFFFFABRRRQAUUUUAFFFFABRRRQAUUUUAFFFFABRRRQAUUUUAFFFFABRRRQAUUUUAFFFFABRRRQAUUUUAFFFFABRRRQAUUUUAFFFFABRRRQAUUUUAFFFFABRRRQAUUUUAFFFFABRRRQAUUUUAFFFFABRRRQAUUUUAFFFFABRRRQAUUUUAFFFFABRRRQAUUUUAFFFFABRRRQAUUUUAFFFFABRRRQAUUUUAFFFFABRRRQAUUUUAFFFFABRRRQAUUUUAFFFFABRRRQAUUUUAFFFFABRRRQAUUUUAFFFFABRRRQAUUUUAFFFFABRRRQAUUUUAFFFFABRRRQAUUUUAFFFFABRRRQAUUUUAFFFFABRRRQAUUUUAFFFFABRRRQAUUUUAFFFFABRRRQAUUUUAFFFFABRRRQAUUUUAFFFFABRRRQAUUUUAFFFFABRRRQAUUUUAFFFFABRRRQAUUUUAFFFFABRRRQAUUUUAFFFFABRRRQAUUUUAFFFFABRRRQAUUUUAFFFFABRRRQAUUUUAFFFFABRRRQAUUUUAFFFFABRRRQAUUUUAFFFFABRRRQAUUUUAFFFFABRRRQAUUUUAFFFFABRRRQAUUUUAFFFFABRRRQAUUUUAFFFFABRRRQAUUUUAFFFFABRRRQAUUUUAFFFFABRRRQAUUUUAFFFFABRRRQAUUUUAFFFFABRRRQAUUUUAFFFFABRRRQAUUUUAFFFFABRRRQAUUUUAFFFFABRRRQAUUUUAFFFBIHU4oAKKKQsobaWG70zzQAtFIzKo3MwA9SaUEEZBBFABRRkZxkZooAKKKKACiiigAooooAKKKKACiiigAooooAK5T4n+OtO8AeHZNd1Wzvbi0i5kNtHuK/Wurrzr9pNQ3wU8SBgD/AKKaAOj+Hfi/TfHHha18RaSsy2lyu5BKuG/EV0VeL/sv6lZ6P+z5p2pX0yw21vCXkdjgAAmoG+OV7f2F3rXh/wAKXd9o9oxDz7TlwOpX1oA9vorhPBfxR8OeJ/A9x4rtZTHa2qk3CPw0ZHUGvPpfj5qN1ol94j0fwnPc6JaMQZ2yCwHcCgD3yivMvgl8Trr4kWbX66LJZWWMpK38R9Kq/Gb4xRfD9iq6Jd3wjwZpFU7EH1oA9XorwjxD+0Xptp4eh1rSNDvNRtQitcTKp2R56jNeteAvE1n4v8LWev2CssFygYBuoPpQBu0UUUAFFFFABRRRQAUUUUAFFFFABRRRQAUUUUAFFFFABRRRQAUEgDJOBRXFfGjTvFereBbqx8HXS2uqSEBJCcYHegDrDqFisvkm8txJ/d8wZpmsala6VpsuoXkgSCJdzNXzf8QvhHJ4c+D9z4guPEF8nia1hE0l15527+4xmvQv2atbv/Gnwjs5fEafaXH7tjIvEgHegC58PPjFovjfx9qHhbSbS5Q2MPmPLKuAxzjitb4jfESy8K31rpENrLfavec29tGMkj1PtXlPwohht/2rfFsMEaRItkAFUYA5qfxNI/8Aw2Noy3X3f7N/c56daAPRPh78UtN8S3t/pV7azaXqungm4gmGMADORXN6h8eLGFLnVrTRb260C0n8m4vUTgHOCR7V5x8UFuF+O3iKTSc7/wCyX83y/wC971o/D77FJ+yHrQl2f6uXzc/3t386APofTNWtte8NJqukXAMVzBvhkHOMjivM/gJ4x8T694j8S6V4hvEuRp9xshcIF+Wrf7Ly3C/BPTRPu+42zd/drg/hJeTafrHxJvbcEyxMzJj1waAPfrvxHoVnci2udWtIpicbGkGauzX1nDa/apbqFIMZ8wuNuPrXzJ8GfDOn+MPg9r/iTX55LjVJZZ284yHMe3OAPSuNutc8Raj+zdps1xdTyx2utGGXaxDyxK2MD14oA+uofFvhmZ9ket2TMTgDzRnNaF/qen2FqLq9vIbeE9HdsA18pxeF9P8AF/xS8MXXhnSNRs7K2iDX5lJVGIHFevftK6Voq/C6+vtREv8AoluVtwshX5iOKAPRZfEOhxJC8mq2irN/qyZB830rTRldQyMGU8gjvXxNrvhf+xf2d/DuoarfXU2uapdRC0kMpBjUtwK+wPA0E1r4R0y2uZPMnjt0WRs5JOKANqiiigAooooAKKKKACiiigAooooAKKKKACiiigAooooAKKKKACiuD+KvxC/4Qq0zDpF1qNxt37Y1yoX1Jrg9J/aMsNY8Ktqej6BeXt5ErNPBGpKx465NAHvFFcR8GfiFY/EjwkmvWVu9v85SSNuqsOorrdVv7XTLCW+vJVigiXc7noBQBarP8Qa1pug6c+oardR2tug5dzgVB4W8SaR4msPt2jXkd1BuK70ORmqHxF8F6T460L+xtZEhtS4ZgjYJoA5KX48eBIplEl1MtuzbRclP3efrXYax4y0fT/Cf/CTLI13YlQUMA3F89AK8p/aU0jwb4V+Bs+jDT7ZD5Yhs0VB5jP2I7mrHwHsr/wAO/s0xya9CXkgtpLhY5lyVAGRwaAL1r+0N4QutFudQt9P1WR7YsJrZYcyJjqSK9E8AeLNN8aeGbbXtKEgtpxwsgww9jXzl4Es4dN+AfizxktmGvNXMu1ynIVs4xXp37KmoadJ8MLDTbNmkmt4g074+UsaAPXqKKKACiiigAooooAKKKKACiiigAooooAKKKKACiiigAooooAKKKKACis467o41MaadStvth/5Y+YN35UDXdHbUv7NGpWpu/wDnkJRu/KgDRqJbq2aTy1uIWf8AuhwT+VSMoZSp6EYNfKX2NtE/bHSysbu5WzmiEjQmUldx68UAfV1FV9QvrPT7dp725igjXqzsBVTRvEGi6xu/s3Ure5K9Qjgn8qANOiqeq6pp+lWxuNRvIbaIfxSOBWTD448JzY8vXbI5OB+8FAHRUVGk0TwCdZFMRG4NnjFUbDXtGvppobTUrWaSD/WhZAdv1oA0qKz9M1vSdSnlgsNQtrmSI4dY5ASDWhQAUUUUAFFFFABRRRQAUUUUAFFFFABRRRQAUUUUAFFFFABRUGoXSWdlNdSZKRIWOPQV4fZfGDxf4om1F/BnhZ57Swco8k6kbyOuKAPc7mYQW8kzAkIpYgdeK5XwJ8Q/DvjO9v7PR53eexfZOrDBU1y3wP8Ai9Z/EVtR0u4tGstVsGKTwN6jriuG/Z+ubbS/iF8Qr6YCOCCdpHIGOBmgD6Qor5/0f4nfETxdpes+IvCun6cNK013Eaz53TBeuKbqX7QEw+F9trtnp6f2xNcC1aF/uJJnBz7UAfQVeEfG278Y6Z4u0G6/tj7Pp9xeCMW0J4Zcj71YWufFL4r6D438P+Hrm00W4Gsqrq6MTsB7V23xQ8E+NvGF3pE8V1p9ulg4mA5yz+h9qAPVLm4NvpMl1jJigMmPXC5r5fOueJdT8C6n8R/7duo7uDV/Jht1b92sW7G2vff7L8UXV5YNdX0MdqITHewR9JMjHFedRfBzWLezu/DMGoxf8I3dX/21gf8AWKc52j2oAPEGvaj4w8d6P4Sjvp7C1l09bqZojhmJH+NWvhHq/iabT/EvhiG+F3faZctDa3Fzz8vvW74w+Ht6+v6f4j8MTxW+o2luLcrL91kAxV7wF4MvvC2h6jMk0VxreoSGaWR/ubj2+lAHLfAW98QP4q8R2GvarLfyQT4UseF9h7V7NXknw78E+NfDvjC/1e8utPlt9Ql3zoucr/u11/xT1XxHo/haa+8NWsFxdRgs3nfdVQOpoA6yivmTRfjX8RdY+HNx4ktdHsYzYyMtzJJnY+Dj5a94+G2vXHibwZp+tXUIhmuYwzIOgNAHR0UUUAFFFFABRRRQAUUUUAFFFFABXnX7SX/JFPEv/Xqa9Frkvit4Qm8ceFLjw8NQayt7kbZiq5LD0oA+do5Ltf2G5/se4k22H29cbq9W/Zyk02T9nfTRGYtosXE/Trg5zW18NPhfbeFPA1z4Ovr3+1NLmUqI5E+6D2rlbL4E3Gk2t5o2h+Kbqx0K7YmS0HJAPUA9qAPLfgFpK3/w7+KFo9x5GmXF1L5UpOFA56VJ8NNY8UxfBy98EWfh5rpp90VrdD7jKSRk16t8VNF0D4Z/s+6xp+n2LNbeTskK9WYn7xNeVfDn4Qa1d/D611uz+I8lnBLCZggm+WLvigD3n9nzwXdeB/h3aaTfSB7o5kkweAT2rh/20bxU+Hcei26ILnU7lYgQPmOTSfsheJ/FWtWev6b4gvTqNvpt2Yba7I++B796774lfDWz8b67pGo3t28aabIJFiAyHI9aAPH/AI0aXYeA/wBmPTvDWk26xz3ixI3HLM2M17X8F9Ps9F+HejaTBNG0kdojSKpBKkjJqp8XvhpY/EDw3BpM9w1q1uwaKRf4cVe+F/gS08EaSbWO7nvLhwBJNKxJOOmPSgDsaKKKACiiigAooooAKKKKACiiigAooooAKKKKACiiigAooooAKR2VFLMQFAySe1LXCfHQeLJvh7f2fg2NW1W4Ty0YnG0HrQB5Z8VtV1b4xeKf+Fd+FnaPRLeUf2teD7rAHlQa9p0fwumg+CYvDvhy4Fg0EIjjmChtp9cV81/Dqx+OHgfw7JpeleGbMyyktLcM+Wdj3Jr3X4D2njC28MzyeNn3alNMXxnIUegoA5HQfgl4i0fxzceMbbx5MdUu+Llzbgh1z0xXXfEX4Zr4ovdO1y11JtP8QWChYr5Fzx7ivRKKAPPfh98MbTw/cahqer3jaxq+ogrc3Ui43KRjAHauSf4DeWl3o1j4juLbwveXHnz6aFzuOckbvSvb6KAM3S9HtdJ0CPR9LUW8MMPlRYH3eMZrz34c/Ce58K+IdZ1G68QPqNvq+77RbvEAMnpzXqlFAHisfwSvtMGoab4c8Vz6boWoyF7myEe7OeuD2rjP2jvDFt4Z8DeHPCGhwTWtn9qV5LxRkRNnlm+tfTtVtQsLLUIDBfWsVzF/dkUMKAPkqa98ZeF9e0L/AIRPxkPEP2ieNLmCKEYWMnnNfRfxP8FL4+8LQ6NdXj2sZdJJdozux2rf07w7oWnTedY6TaW8n95IgDWpQB5f8UPhFZeMvCOi6DFfvYnSHVreRVzgj2rtPBXh8eHNEjsGu5buXrJNIclj6+1blFABRRRQAUUUUAFFFFABRRRQAUUUUAFFFFABRRRQAUUUUAFFFFAHmv7SesQ6D8JdavsILmSEwwsRzk8V5f8ADHSLP4f/ALLWpa4YUW8vbV5Xcjklv/117H8ZPh/B8RvDsGi3V49rFHcLMxUZ3Y7VP4k8BabrPw4fwXIxjtTAIlYdsd6AOF/ZBsbbSPhVZ2zzxfa7t3uDHu+bBOc4r1bxXott4i0G60e8yILlCj464NcT8HvhPYfD8NN9vuL+72eWskjHCJ6AV6VQByHwq8A6T8PPD50bR2kMBcv85ycmt3xNrVh4e0S61fUplitraMu5J9O1aVcX8X/Aw+IHhZ9Bk1CSzidsuyd/agDx/wAHWB+MHjI+PPFU8cPhqxcnTbORwAxH8ZFe96NqOh+ItLli094bqyXMLhQCnHBFeAw/ssmCz+x2/jjVYrcDAjRyFA+lezfCTwLb/D/wqmh29090FYsZH6kmgDoV0TSl0g6StjAtiRjyQg24+lGiaLpei232fS7KG1i/uxqBWhRQAUUUUAFFFFABRRRQAUUUUAFFFFABRRRQAUUUUAFFFFABRRRQAUyeMywPGGKFlI3DqKfRQB8W/GXwjc6b8cPD2k+E9SvH1m6m33Vy0hyAT1xVv4p+Drfwv8bPAVnoV7dyatPcLJqMhlY7znkkelejeEPDGv6h+09rXiXVtLni021j8u0mkHyv7isD4n6T41sP2irfxLp/h+bVLbydlswGUjb1NAH0+mQgDHJxya+Xte5/bStf+vda+kfDr6k2i28mrqi3rJulVOgPpXzJrMPiqb9quHxRF4R1RtJjAgM2zg443fSgC946vJviD+0zbeCry5lGiadGJHhRyokb3xWX8dNGi+FfxU8J6/4SaWzhu7hYbmASEowJx0rofih4P8TeF/jXZ/FDw3pkupWUqBby1iH7wD1ApPEmkeJfjH8RNAvpdCu9G0HSpBLJ9rXDuw9KAMX4z3Sa1+0f4T0bxTcSw+HZog2wuVR2IGM1heLPBnhxv2qfDuiaFC9zpcse+7gjlJjUgdSRWh+03qEsnxg0nT5NFOu20EPy21sP3iHHXI6VL8Ofib4Y8D+JLa31bwNf6RLeuI1u51LNk9OTQB9N63oNvfeGH0KGeWztzGIw8Z+ZVHbNfHvgTwbc6p+0LrXhnw3qF3b6JCu2/kEpJZc/zNfZuoXJfQ5rq0UyloC0QXqxI4rxL9lnwhrelP4s17xBp8tlqOoX0nkiUYJj7GgDhvhLolvo/wC1PqOleGp7n+zbOEi4RpCwLV9aV8o/C7SfiH4d+MfiGSPw7Iz6hcn/AE6Ufu/Lz2NfVcHmeSnm48zaN2PWgB9FFFABRRRQAUUUUAFFFFABRRRQAUUUUAFFFFABRRRQA2WNJY2jkUMrDBB71yvjPWvD/wAPPB97q0sUFpBGpYIgAMjnoMd66i6njtraS4mbbHGpZj6AV8h6r8Q/DPxH+K9x/wAJdrUen+G9Em2w2rkj7QwP3iO9AHWfso+DtUt9Q8Q/EjVbZ4Bq0jyWluBhihyelJ8I/D/iCfxV47s9V8P3+n22sl1t55RhSDnmvRPh78WvC/ijxe3hTwunnWtrDnzkXCYHYV6jQB8x/Db/AIS/4c+D9d8E3HhS+vZ5JJBY3EC5jYNnBNcb8RPCl34M+C1tpetQI+o6vqCztFH/AKxMtnC+9fZpVSQSBkVwHxb+G1t45awu/tb217YPvgccjP0oA8G8F654U8K+LtG1LxXpOvG7VVgsp75flizxxX1rbTR3FvHPEcpIoZT7GvJL74S3viS+sZPFuq/a7eycPHGqgZI6V65bwpbwRwRjCRqFUewoAfRRRQAUUUUAFcj8YP7Ub4e6rDo9rJc3ssJSOKP7zZrrqKAPm7XvBfiLS/2bLLQdN0yWS+eXzLq3QfOQTkivWPgrLq7eDLWHU9LOmpDEscUTDD8DnNdzgelFABRRRQAUUUUAFFFFABRRRQAUUUUAFFFFABRRRQBS1zSrDWtLn0zU7ZLm0nXbJG4yGFefJ8D/AAbEhhgbUYbQnm2S5YR/TFenUUAZPhfw7o/hnTF07RbKO1tx2UdT6n1rWoooAKKKKACiiigAooooAKKKKACiiigAooooAKKKKACiiigAooooAKKKKACiiigAwPQUUUUAFFFFABRRRQAUUUUAFFFFABRRRQAUUUUAFFFFABRRRQAUUUUAFFFFABRRRQAUUUUAFFFFABRRRQAUUUUAFFFFABRRRQAUUUUAFFFFABRRRQAUUUUAFFFFABRRRQAUUUUAFFFFABRRRQAUUUUAFFFFABRRRQAUUUUAFFFFABRRRQAUY4wOKKKAPCPEvw88caL8V5/HHhEWOoLcptlt7tvu/wC7UHiX4d+O/iZrulSeNLfTNL0uwmEwjtTudyPU179RQBFaQJbWsVvGMJGgVfoBUtFFABRRRQAUUUUAFFFFABRRRQAUUUUAFFFFABRRRQAUUUUAFFFFAEV5bxXdtJbzLujkXaw9RXAT/Bb4czTNLJ4dt2dySxI6mvRKKAOV8IfD7wn4TuXudC0qK0lcYZkHUV1VFFABRRRQAUUUUAFFFFABRRRQAUUUUAFFFFABRRRQAUUUUAFFFFABRRRQAUUUUAFFFFABRRRQAUUUUAFFFFABRRRQAUUUUAFFFFABRRRQAUUUUAFFFFABRRRQAUUUUAFFFFABRRRQAUUUUAFFFFABRRRQAUUUUAFFFFABRRRQAUUUUAFFFFABRRRQAUUUUAFFFFABRRRQAUUUUAFFFFABRRRQAUUUUAFFFFABRRRQAUUUUAFFFFABRRRQAUUUUAFFFFABRRRQAUUUUAFFFFABRRRQAUUUUAFFFFABRRRQAUUUUAFFFFABRRRQAUUUUAFFFFABRRRQAUUUUAFFFFABRRRQAUUUUAFFFFABRRRQAUUUUAFFFFABRRRQAUUUUAFFFFABRRRQAUUUUAFFFFABRRRQAUUUUAFFFFABRRRQAUUUUAFFFFABRRRQAUUUUAFFFFABRRRQAUUUUAFFFFABRRRQAUUUUAFFFFABRRRQAUUUUAFFFFABRRRQAUUUUAFFFFABRRRQAUUUUAFFFFABRRRQAUUUUAFFFFABRRRQAUUUUAFFFFABRRRQAUUUUAFFFFABRRRQAUUUUAFFFFABRRRQAUUUUAFFFFABRRRQAUUUUAFFFFABRRRQAUUUUAFFFFABRRRQAUUUUAFFFFABRRRQAUUUUAFFFFABRRRQAUUUUAFFFFABRRRQAUUUUAFFFFABRRRQAUUUUAFFFFABRRRQAUUUUAFFFFABRRRQAUUUUAFFFFABRRRQAUUUUAFFFFABRRRQAUUUUAFFFFABRRRQAUUUUAFFFFABRRRQAUUUUAFFFFABRRRQAUjsqIXdgqgZJJwBS14N+0P4w1XUPEmmfDPwvO8d7qDj7bLGfmiiPX6UAdh8QPH2oR6dMnga1i1e5hz9olVsxwAeteZeBvjp4x8X6TeafouhJcavYlxczY/dJiu18YaTo/wn+A+sQWJIlNoyGdz80kjDqTXGfAvT4vCX7MWqeJnjCX91aSzyPj5mOOKAO8+AXxNvfG3h/UZ9ctVtbnTZWjnZfu8dTXpOiazpetWxuNLvYrqMHBKNnB968K/ZButEHgFIrm7ifUNYkeVoOpYHrms74hWmofBT4hWPijQ5Jn8N6rcbL+1JJSEk/eFAH0rRVXSb631PTbe/tXDwzoHRh3Bq1QAUUUUAFFFFABRRRQAUUUUAFFFFABRRRQAUUUUAFFFFABRRRQAUUUUAFFFFABRRRQAUUUUAFFFFABRRRQAUUUUAFFIXQNtLLn0zS0AFFFFABRRRQAUUUUAFFFFABRRRQAUUUUAFFFFABRRRQAUUUUAFFFFABRRRQAUUUUAFFFFABRRRQAUUUUAFFFFABRRRQAUUUUAFFFFABRRRQAUUUUAFFFFABRRRQAUUUUAFFFFABRRRQAUUUUAFFFFABRRRQAUUUUAFFFFABRRRQAUUUUAFFFFABRRRQAUUUUAFFFFABRRRQAUUUUAFFFFABRRRQAUUUUAFFFFABRRRQAUUUUAFFFFABRRRQAUUUUAFFFFABRRRQAUUUUAFFFFAEV3Mltay3EjBUjQsxPYAV8zfs4yP41+OHi/xxcpvSOQ28O7kKF44r374kT/ZfAWuXGceXZSN/wCO14f+wlDu8Eapf45ubtmz680Ae5eOfCuleMdDbRtYjMlo7BmUdyKdF4W0iPwgfCy26/2aYDD5eONtblFAHEfDz4X+FvA7tJo9ntkP3WbnaPaofj/oSa/8KtaszGHkWBnj45DCu9rN8URibw5qERGd1u4/SgDzD9kbxG2u/COzt5n3XGnMbaTJ5+U17DXzL+xLceXe+LtKz/qLxmx6ZavpS+u7extZLq7lWGGMZd2OABQAzU76102xlvryURW8S7nc9AKh0LV9P1zTo9Q0u5S4tpPuyL0Nec/GHx14SuvhprkFvrtm8r2zKqrIMk1z/wCzP418L6f8JtMtr3WrWGZQdyPIARyaAPdaKqaXqVlqlqt1YXEdxC3R0OQa4b42eIvGGi6Pt8I6bHNMULy3E33IlH9aAPRKK+XfBvxp+IvjLwdcxeHtJtpNSsNwvbuTIiXb2HvxXpf7NXxE1b4g+Fbu41q2SG9srgwSMn3XI70AS/tFePvEnw68KDxDo2nWl7bo4WZZScjPpiuy+HWvTeJvBum65PEsUl3CsjIvQEivN/2zf+SIah/11T+dTeG/Glh4B/Z10vxFqHzJDaIEQfxMRwKAPYqK+cpPF3xnvPBLfEC1tbCO0CmZLE5y0PXP1xXdeCvi9YeIPhBceOTCEa0ibz4h2dRyKAPU6K+YLPx78XfEXgG++IWnGxtrGIs0Fr3ZB3Nd3+zH4s8aeN/D8niLxDLaGykJjhSL7ysOuaAPZKK+ev2hvih4/wDBNymp6fpkFvoNvOqSSTffm55xWJ48+M/xIt/DNj400rRra28PtIq4myJJc9SPagD6gorH8Faw2v8AhXTtYki8prqBZCnoSK2KACiiigAooooAKKKKACiiigAooooAKKKKACiiigArJ07xHouoarPpdlqEM93B/rYlbJX61yfxy8bHwn4XMGn4k1i/Pk2kI+8SeM4rwD9kC01Sx+N/ie21a6knuvK3SlmzyTmgD0b44XOqaZ8X/CUtjqlxDBdThJoFb5WFereKPG3h3wtHCutagkEsqjZH1Zvwryb9oWSNPit4IV5EU/axwWArG1UxTftdWUWvsptBYf6Kk3+rJ/HjNAHuHhPx54Y8T+aukakk0kIzLGRhl+oNYeqfGj4e6bNKl1rahIWKyyKhKofQmvJLq3hH7Umox6C6w2DaRJ9rMH+rDY9uM1wfgr7feeAde8GW+i2V8L2+kVNQlK/KC3Uk80AfXPhrxn4d8R6G+taRqC3Fggy0oBAxWFZ/GDwBdzXkMOuRmSz/ANau05H4VY+F3hS08M/Dez0ObyJljg/fFMbW456V4P8ADDQdF1v4t+OfF72cYsNKhaOKED5HYA80AfRvgnxp4c8ZWkt14e1BLyOJtsmBgqfeuhr51/Y2l01tP1zU45o45dS1CXZbqegU+navoqgAooooAKKKKACiiigAooooAKKKKACiiigAooooAKKKKACiiigAooooAKKKKACiiqurXE1rps9xbwNPMiEpGOrHsKALVFfLerfGz4heGPiTFo/iDSbdxfgi0s4cllP8O6tnS/ih8SNK+Lem+H/Fun2SWuqruijh6xj396APouigdBRQAUUUUAFFFFABRRRQAUUUUAFFFFABRRRQAUUUUAFFFFABRRRQAUUUUAFFFFABRRRQAUUUUAFFFFABRRRQAUUUUAFFFFABRRRQAUUUUAFFFFABRRRQAUUUUAFFFFABRRRQAUUUUAFFFFABRRRQAUUUUAFFFFABRRRQAUUUUAFFFFABRRRQAUUUUAFFFFAHOfE6H7R8PdegH8djIP8Ax2vFf2EZNvw9vrLvBdsp/OvoTVLVL7TbmzkGUmiZD+Ir5r/ZP87wv8S/GPge7+WSO4MyKf7pORQB9O0hZQcFgD9axPHc2sW/hPUJtAiEuprCfs6nu3avCk8EfFTUfAt14n8QeMrmw1qKJpktYx8i45ANAH0jWf4kfy/D9/If4bdz+leUfso+Ptc8beDp18QMJb2ylMLSj+PBxmu2+NOsLofwy1vUGYKUtWC+5IoA8T/Yog8zXPGWp9pror+TV9Ia5pdnrOlz6bqEfm2067ZFzjIrx39jXw/JpfwsXVLhSJ9Vma4yf7pPFe30AeD/ABY+Cvw+0z4eazfWmjslxDbs6N5p4NYf7O/wf8C6/wDDDT9S1TSzNcyA738wjPJr6C8TaPb69oV3pF2SILmMo+OuDVPwH4XsfB/hyDQ9OZjbw52lutAFnwv4f0zw3paabpMBgtU+6mc4ri/2l9c/sH4Oa3eCTZI0Xlpz1J4r0msPxp4T0TxhpP8AZev2v2q03h/L3Y5FAHhnhWzTwN+yfc6hBCI7q8tTLK4HLFu5rZ/ZJ1DQLHwFYaXDeJLq17uuJ1XnGT3r1288M6Nd+GP+EbntFbTPKEXk9tvpWb4E+HvhXwTHInh/TVty5yWJ3H8D2oA8/wD20ZY4/gjfh3VSZUwCevNecfGCzutX/ZA0aXTSZ0t1ieVY+eB1PFfRPj/wD4a8dWaWfiSze7t0ORGHKjNS+F/A/hzw34efQNNscac4wYJG3rj8aAPPvD/jXw3J+znHeNfwLHHpfktGWG7eFxjHWvP/AICaLDp37N3iSXXo5YbK9eaVVK8hDnGK9aj+B3w9jvmul0uQKz7zD5x8vP8Au9Kj/aE+2aN8HNQg8O6aspCCLyUT7sZ4Jx7CgD57+GV54if4Z3HhCy17SI9HvZGEc00uJYoz2xX098FfC+l+EfAVno+k3iXkK5Z5kYEM56mvmzwd4P8Aga/gNLrUdauItTMRaWPeyssmOgX616H+xlpWvadpOtNdSXbaLJcH+zxck7tuevPagCj+15J/b3iPwn4LQ7hc3iySxjuoPeoP2vZLez8O+EfCcG20szdRb8cKEGM17tq3gfw3qvim28TX1iJtTtV2wylvuj6VF4+8AeGfHFrDb+IrAXKQtujIOCD9aAJ/AOqaLqGgwQ6FMJra1RYtyjjIFdFWd4d0TTPD+lxabpNqlvbRjCqv9a0aACiiigAooooAKKKKACiiigAooooAKKKKACkckISBkgcClooA+YdV0/4izfG658Xat4bfUbGzUx6dB1Vf9rHrXmnw+8ReO4fjh4quvDugh9VuXAkhb/liM8/pX3Jeed9mk+zgGXadmema8K+GXwp8X+F/i1qfjK6vbeVNSY+egPQZ7UAehaz8OfDni2fTda8TacZtUt41IYORsbqcfjV7xX4A8M+JhA2q2Aknt1CxTKdrqB7iuqooA4KfwLpvhrwnqw8Kaeg1Oa3YLI53MzY9TXzr4X8E6da+E7211fR9aTxBLJI26JmC7yeCMV9j1E1tbs+9oIy3rtGaAPNf2cvD/iHRfhmmm+KZpZrl5HK+YcsIz0B/Cuu8P+C/Dug2d9aaZp6QxXxY3IzneW65roaKAOR8EfDnwp4OuJrjQtPFu8zlm+bIyeuK66iigAooooAKKKKACiiigAooooAKKKKACiiigAooooAKKKKACiiigAooooAKKKKACkZgqlj0AzS0jqGQqehGDQB8teBYYfHP7XOvatMomstLiCw55CsKbqviDS5/2uL6XW7pYbTSLZfK3d2I7CvoLwj4D8M+FdSvtR0TTxb3N+5e4fdkuaztW+FfgrVPGI8WXukpJqnGZM8HHTI70Adhp91Fe2UN3ASYpUDoT6Gp6bGiRxrHGoVFGAAMACnUAFFFFABRRRQAUUUUAFFFFABRRRQAUUUUAFFFFABRRRQAUUUUAFFFFABRRRQAUUUUAFFFFABRRRQAUUUUAFFFFABRRRQAUUUUAFFFFABRRRQAUUUUAFFFFABRRRQAUUUUAFFFFABRRRQAUUUUAFFFFABRRRQAUUUUAFFFFABRRRQAUUUUAFFFFABRRRQAV85/HXSL/wACfE/TvippMMj2srLDqoQfwf3q+jKrapYWmp2E1jfQJPbzKVdHGQQaAKvhfXdM8SaLbavpNylxbToGVlPT2NeSftBePL6aRfhz4OjN3rmpjy5ynIgjPUmulvNAt/hj4F1q48J2d3cysjNb2ifNhz0wK+a/hh40+IPhTU9R12++G2qahrF85LzyRHKj0FAH1D8EfAFr8PPBVvpKsHuSPMuZP7znrXlvx+164+Ini/Tvhf4WdriMTB9WlTlY0B6ZrrfgR4g8aeNLHWZ/GGl3OkpMSkEUibWUH0rufA3gXQPCH2iTS7b/AEi5ctNO/LsfrQBq+FtHt9A8P2Wj2qgQ2sQjUfQVp0UUAFFFFABRRRQAUUUUAFFFFABTZo45ozHKiuh4KsMg06igDCPg3wqbj7QfD+m+Z6/Z1/wrZtoIbaIQ28SRRr0VFwB+FSUUAFFFFABRRRQAUUUUAFFFFABRRRQAUUUUAFFFFABRRRQAUUUUAFFFFABRRRQAUUUUAFFFFABRRRQAUUUUAFFFFABRRRQAUUUUAFFFFABRRRQAUUUUAFFFFABRRRQAUUUUAFFFFABRRRQAUUUUAFFFFABRRRQAUUUUAFFFFABRRRQAUUUUAFFFFABRRRQAUUUUAFFFFABRRRQAUUUUAFFFFABRRRQAUUUUAFFFFABRRRQAUUUUAFFFFABRRRQAUUUUAFFFFABRRRQAUUUUAFFFFABRRRQAUUUUAFFFFABRRRQAUUUUAFFFFABRRRQAUUUUAFFFFABRRRQAUUUUAFFFFABRRRQAUUUUAFFFFABRRRQAUUUUAFFFFABRRRQAUUUUAFFFFABRRRQAUUUUAFFFFABRRRQAUUUUAFFFFABRRRQAUUUUAFFFFABRRRQAUUUUAFFFFABRRRQAUUUUAFFFFABRRRQAUUUUAFFFFABRRRQAUUUUAFFFFABRRRQAUUUUAFFFFABRRRQAUUUUAFFFFABRRRQAUUUUAFFFFABRRRQAUUUUAFFFFABRRRQAUUUUAFFFFABRRRQAUUUUAFFFFABRRRQAUUUUAFFFFABRRRQAUUUUAFFFFABRRRQAUUUUAFFFFABRRRQAUUUUAFFFFABRRRQAUUUUAFFFFABRRRQAUUUUAFFFFABRRRQAUUUUAFFFFABRRRQAUUUUAFFFFAH/2Q=="/>
-          <p:cNvSpPr>
-            <a:spLocks noChangeAspect="1" noChangeArrowheads="1"/>
-          </p:cNvSpPr>
-          <p:nvPr/>
-        </p:nvSpPr>
-        <p:spPr bwMode="auto">
-          <a:xfrm>
-            <a:off x="212725" y="-144463"/>
-            <a:ext cx="304800" cy="304801"/>
-          </a:xfrm>
-          <a:prstGeom prst="rect">
-            <a:avLst/>
-          </a:prstGeom>
-          <a:noFill/>
-          <a:extLst>
-            <a:ext uri="{909E8E84-426E-40DD-AFC4-6F175D3DCCD1}">
-              <a14:hiddenFill xmlns:a14="http://schemas.microsoft.com/office/drawing/2010/main">
-                <a:solidFill>
-                  <a:srgbClr val="FFFFFF"/>
-                </a:solidFill>
-              </a14:hiddenFill>
-            </a:ext>
-          </a:extLst>
-        </p:spPr>
-        <p:txBody>
-          <a:bodyPr vert="horz" wrap="square" lIns="91440" tIns="45720" rIns="91440" bIns="45720" numCol="1" anchor="t" anchorCtr="0" compatLnSpc="1">
-            <a:prstTxWarp prst="textNoShape">
-              <a:avLst/>
-            </a:prstTxWarp>
-          </a:bodyPr>
-          <a:lstStyle/>
-          <a:p>
-            <a:endParaRPr lang="en-US"/>
-          </a:p>
-        </p:txBody>
-      </p:sp>
-      <p:pic>
-        <p:nvPicPr>
-          <p:cNvPr id="17" name="Рисунок 16"/>
-          <p:cNvPicPr>
-            <a:picLocks noChangeAspect="1"/>
-          </p:cNvPicPr>
-          <p:nvPr/>
-        </p:nvPicPr>
-        <p:blipFill>
-          <a:blip r:embed="rId2"/>
-          <a:stretch>
-            <a:fillRect/>
-          </a:stretch>
-        </p:blipFill>
-        <p:spPr>
-          <a:xfrm>
-            <a:off x="103598" y="423557"/>
-            <a:ext cx="7310716" cy="2377572"/>
-          </a:xfrm>
-          <a:prstGeom prst="rect">
-            <a:avLst/>
-          </a:prstGeom>
-          <a:ln>
-            <a:noFill/>
-          </a:ln>
-          <a:effectLst>
-            <a:outerShdw blurRad="292100" dist="139700" dir="2700000" algn="tl" rotWithShape="0">
-              <a:srgbClr val="333333">
-                <a:alpha val="65000"/>
-              </a:srgbClr>
-            </a:outerShdw>
-          </a:effectLst>
-        </p:spPr>
-      </p:pic>
-      <p:pic>
-        <p:nvPicPr>
-          <p:cNvPr id="18" name="Рисунок 17"/>
-          <p:cNvPicPr>
-            <a:picLocks noChangeAspect="1"/>
-          </p:cNvPicPr>
-          <p:nvPr/>
-        </p:nvPicPr>
-        <p:blipFill>
-          <a:blip r:embed="rId3"/>
-          <a:stretch>
-            <a:fillRect/>
-          </a:stretch>
-        </p:blipFill>
-        <p:spPr>
-          <a:xfrm>
-            <a:off x="7466291" y="2637692"/>
-            <a:ext cx="4658058" cy="3362325"/>
-          </a:xfrm>
-          <a:prstGeom prst="rect">
-            <a:avLst/>
-          </a:prstGeom>
-          <a:ln>
-            <a:noFill/>
-          </a:ln>
-          <a:effectLst>
-            <a:outerShdw blurRad="292100" dist="139700" dir="2700000" algn="tl" rotWithShape="0">
-              <a:srgbClr val="333333">
-                <a:alpha val="65000"/>
-              </a:srgbClr>
-            </a:outerShdw>
-          </a:effectLst>
-        </p:spPr>
-      </p:pic>
-      <p:sp>
-        <p:nvSpPr>
-          <p:cNvPr id="21" name="Прямоугольник 20"/>
-          <p:cNvSpPr/>
-          <p:nvPr/>
-        </p:nvSpPr>
-        <p:spPr>
-          <a:xfrm>
-            <a:off x="838200" y="3017423"/>
-            <a:ext cx="5814156" cy="369332"/>
-          </a:xfrm>
-          <a:prstGeom prst="rect">
-            <a:avLst/>
-          </a:prstGeom>
-        </p:spPr>
-        <p:txBody>
-          <a:bodyPr wrap="none">
-            <a:spAutoFit/>
-          </a:bodyPr>
-          <a:lstStyle/>
-          <a:p>
-            <a:r>
-              <a:rPr lang="uk-UA" dirty="0"/>
-              <a:t>Спочатку розставимо їх по групам орієнтуйсь на таблицю</a:t>
-            </a:r>
-            <a:endParaRPr lang="en-US" dirty="0"/>
-          </a:p>
-        </p:txBody>
-      </p:sp>
-      <p:pic>
-        <p:nvPicPr>
-          <p:cNvPr id="22" name="Рисунок 21"/>
-          <p:cNvPicPr>
-            <a:picLocks noChangeAspect="1"/>
-          </p:cNvPicPr>
-          <p:nvPr/>
-        </p:nvPicPr>
-        <p:blipFill>
-          <a:blip r:embed="rId4"/>
-          <a:stretch>
-            <a:fillRect/>
-          </a:stretch>
-        </p:blipFill>
-        <p:spPr>
-          <a:xfrm>
-            <a:off x="414789" y="3713628"/>
-            <a:ext cx="6593129" cy="2915105"/>
-          </a:xfrm>
-          <a:prstGeom prst="rect">
-            <a:avLst/>
-          </a:prstGeom>
-          <a:ln>
-            <a:noFill/>
-          </a:ln>
-          <a:effectLst>
-            <a:outerShdw blurRad="292100" dist="139700" dir="2700000" algn="tl" rotWithShape="0">
-              <a:srgbClr val="333333">
-                <a:alpha val="65000"/>
-              </a:srgbClr>
-            </a:outerShdw>
-          </a:effectLst>
-        </p:spPr>
-      </p:pic>
-    </p:spTree>
-    <p:extLst>
-      <p:ext uri="{BB962C8B-B14F-4D97-AF65-F5344CB8AC3E}">
-        <p14:creationId xmlns:p14="http://schemas.microsoft.com/office/powerpoint/2010/main" val="2762358593"/>
-      </p:ext>
-    </p:extLst>
-  </p:cSld>
-  <p:clrMapOvr>
-    <a:masterClrMapping/>
-  </p:clrMapOvr>
-</p:sld>
-</file>
-
-<file path=ppt/slides/slide6.xml><?xml version="1.0" encoding="utf-8"?>
-<p:sld xmlns:a="http://schemas.openxmlformats.org/drawingml/2006/main" xmlns:r="http://schemas.openxmlformats.org/officeDocument/2006/relationships" xmlns:p="http://schemas.openxmlformats.org/presentationml/2006/main">
-  <p:cSld>
-    <p:spTree>
-      <p:nvGrpSpPr>
-        <p:cNvPr id="1" name=""/>
-        <p:cNvGrpSpPr/>
-        <p:nvPr/>
-      </p:nvGrpSpPr>
-      <p:grpSpPr>
-        <a:xfrm>
-          <a:off x="0" y="0"/>
-          <a:ext cx="0" cy="0"/>
-          <a:chOff x="0" y="0"/>
-          <a:chExt cx="0" cy="0"/>
-        </a:xfrm>
-      </p:grpSpPr>
-      <p:sp>
-        <p:nvSpPr>
-          <p:cNvPr id="2" name="Заголовок 1"/>
-          <p:cNvSpPr>
-            <a:spLocks noGrp="1"/>
-          </p:cNvSpPr>
-          <p:nvPr>
-            <p:ph type="title"/>
-          </p:nvPr>
-        </p:nvSpPr>
-        <p:spPr>
-          <a:xfrm>
-            <a:off x="1030287" y="609600"/>
-            <a:ext cx="10131425" cy="1456267"/>
-          </a:xfrm>
-        </p:spPr>
-        <p:txBody>
-          <a:bodyPr>
-            <a:normAutofit fontScale="90000"/>
-          </a:bodyPr>
-          <a:lstStyle/>
-          <a:p>
-            <a:pPr algn="ctr"/>
-            <a:r>
-              <a:rPr lang="uk-UA" dirty="0"/>
-              <a:t>Після праці над алгоритмами ми розставили</a:t>
-            </a:r>
-            <a:br>
-              <a:rPr lang="uk-UA" dirty="0"/>
-            </a:br>
-            <a:r>
-              <a:rPr lang="uk-UA" dirty="0"/>
-              <a:t>їх за зменшенням складності</a:t>
-            </a:r>
-            <a:endParaRPr lang="en-US" dirty="0"/>
-          </a:p>
-        </p:txBody>
-      </p:sp>
-      <p:pic>
-        <p:nvPicPr>
-          <p:cNvPr id="6" name="Объект 5"/>
-          <p:cNvPicPr>
-            <a:picLocks noGrp="1" noChangeAspect="1"/>
-          </p:cNvPicPr>
-          <p:nvPr>
-            <p:ph idx="1"/>
-          </p:nvPr>
-        </p:nvPicPr>
-        <p:blipFill>
-          <a:blip r:embed="rId3">
-            <a:extLst>
-              <a:ext uri="{28A0092B-C50C-407E-A947-70E740481C1C}">
-                <a14:useLocalDpi xmlns:a14="http://schemas.microsoft.com/office/drawing/2010/main" val="0"/>
-              </a:ext>
-            </a:extLst>
-          </a:blip>
-          <a:stretch>
-            <a:fillRect/>
-          </a:stretch>
-        </p:blipFill>
-        <p:spPr>
-          <a:xfrm>
-            <a:off x="1631396" y="2065867"/>
-            <a:ext cx="8929208" cy="3649662"/>
-          </a:xfrm>
-          <a:prstGeom prst="rect">
-            <a:avLst/>
-          </a:prstGeom>
-          <a:ln>
-            <a:noFill/>
-          </a:ln>
-          <a:effectLst>
-            <a:outerShdw blurRad="292100" dist="139700" dir="2700000" algn="tl" rotWithShape="0">
-              <a:srgbClr val="333333">
-                <a:alpha val="65000"/>
-              </a:srgbClr>
-            </a:outerShdw>
-          </a:effectLst>
-        </p:spPr>
-      </p:pic>
-    </p:spTree>
-    <p:extLst>
-      <p:ext uri="{BB962C8B-B14F-4D97-AF65-F5344CB8AC3E}">
-        <p14:creationId xmlns:p14="http://schemas.microsoft.com/office/powerpoint/2010/main" val="168324620"/>
-      </p:ext>
-    </p:extLst>
-  </p:cSld>
-  <p:clrMapOvr>
-    <a:masterClrMapping/>
-  </p:clrMapOvr>
-</p:sld>
-</file>
-
-<file path=ppt/slides/slide7.xml><?xml version="1.0" encoding="utf-8"?>
-<p:sld xmlns:a="http://schemas.openxmlformats.org/drawingml/2006/main" xmlns:r="http://schemas.openxmlformats.org/officeDocument/2006/relationships" xmlns:p="http://schemas.openxmlformats.org/presentationml/2006/main">
-  <p:cSld>
-    <p:spTree>
-      <p:nvGrpSpPr>
-        <p:cNvPr id="1" name=""/>
-        <p:cNvGrpSpPr/>
-        <p:nvPr/>
-      </p:nvGrpSpPr>
-      <p:grpSpPr>
-        <a:xfrm>
-          <a:off x="0" y="0"/>
-          <a:ext cx="0" cy="0"/>
-          <a:chOff x="0" y="0"/>
-          <a:chExt cx="0" cy="0"/>
-        </a:xfrm>
-      </p:grpSpPr>
-      <p:sp>
-        <p:nvSpPr>
-          <p:cNvPr id="2" name="Заголовок 1">
-            <a:extLst>
-              <a:ext uri="{FF2B5EF4-FFF2-40B4-BE49-F238E27FC236}">
-                <a16:creationId xmlns:a16="http://schemas.microsoft.com/office/drawing/2014/main" id="{D2A85CEB-B942-0761-C894-6ADFDA7A8D20}"/>
-              </a:ext>
-            </a:extLst>
-          </p:cNvPr>
-          <p:cNvSpPr>
-            <a:spLocks noGrp="1"/>
-          </p:cNvSpPr>
-          <p:nvPr>
-            <p:ph type="title"/>
-          </p:nvPr>
-        </p:nvSpPr>
-        <p:spPr>
-          <a:xfrm>
-            <a:off x="3197987" y="657386"/>
-            <a:ext cx="5796026" cy="1456267"/>
-          </a:xfrm>
-        </p:spPr>
-        <p:txBody>
-          <a:bodyPr/>
-          <a:lstStyle/>
-          <a:p>
-            <a:pPr algn="ctr"/>
-            <a:r>
-              <a:rPr lang="uk-UA" b="1" i="0" u="none" strike="noStrike" dirty="0">
-                <a:solidFill>
-                  <a:schemeClr val="tx1">
-                    <a:lumMod val="95000"/>
-                  </a:schemeClr>
-                </a:solidFill>
-                <a:effectLst/>
-                <a:latin typeface="SchoolBookCTT"/>
-              </a:rPr>
-              <a:t>Піднесення до степені</a:t>
-            </a:r>
-            <a:r>
-              <a:rPr lang="uk-UA" b="0" i="0" dirty="0">
-                <a:solidFill>
-                  <a:schemeClr val="tx1">
-                    <a:lumMod val="95000"/>
-                  </a:schemeClr>
-                </a:solidFill>
-                <a:effectLst/>
-                <a:latin typeface="SchoolBookCTT"/>
-              </a:rPr>
-              <a:t>​</a:t>
-            </a:r>
-            <a:endParaRPr lang="uk-UA" dirty="0">
-              <a:solidFill>
-                <a:schemeClr val="tx1">
-                  <a:lumMod val="95000"/>
-                </a:schemeClr>
-              </a:solidFill>
-            </a:endParaRPr>
-          </a:p>
-        </p:txBody>
-      </p:sp>
-      <p:pic>
-        <p:nvPicPr>
-          <p:cNvPr id="1026" name="Picture 2">
-            <a:extLst>
-              <a:ext uri="{FF2B5EF4-FFF2-40B4-BE49-F238E27FC236}">
-                <a16:creationId xmlns:a16="http://schemas.microsoft.com/office/drawing/2014/main" id="{1099D3B4-7A06-8A98-4A91-72E82A391A2C}"/>
-              </a:ext>
-            </a:extLst>
-          </p:cNvPr>
-          <p:cNvPicPr>
-            <a:picLocks noChangeAspect="1" noChangeArrowheads="1"/>
-          </p:cNvPicPr>
-          <p:nvPr/>
-        </p:nvPicPr>
-        <p:blipFill>
-          <a:blip r:embed="rId2">
-            <a:extLst>
-              <a:ext uri="{28A0092B-C50C-407E-A947-70E740481C1C}">
-                <a14:useLocalDpi xmlns:a14="http://schemas.microsoft.com/office/drawing/2010/main" val="0"/>
-              </a:ext>
-            </a:extLst>
-          </a:blip>
-          <a:srcRect/>
-          <a:stretch>
-            <a:fillRect/>
-          </a:stretch>
-        </p:blipFill>
-        <p:spPr bwMode="auto">
-          <a:xfrm>
-            <a:off x="1283941" y="1842029"/>
-            <a:ext cx="4267200" cy="504825"/>
-          </a:xfrm>
-          <a:prstGeom prst="rect">
-            <a:avLst/>
-          </a:prstGeom>
-          <a:ln>
-            <a:noFill/>
-          </a:ln>
-          <a:effectLst>
-            <a:outerShdw blurRad="292100" dist="139700" dir="2700000" algn="tl" rotWithShape="0">
-              <a:srgbClr val="333333">
-                <a:alpha val="65000"/>
-              </a:srgbClr>
-            </a:outerShdw>
-          </a:effectLst>
-          <a:extLst>
-            <a:ext uri="{909E8E84-426E-40DD-AFC4-6F175D3DCCD1}">
-              <a14:hiddenFill xmlns:a14="http://schemas.microsoft.com/office/drawing/2010/main">
-                <a:solidFill>
-                  <a:srgbClr val="FFFFFF"/>
-                </a:solidFill>
-              </a14:hiddenFill>
-            </a:ext>
-          </a:extLst>
-        </p:spPr>
-      </p:pic>
-      <p:sp>
-        <p:nvSpPr>
-          <p:cNvPr id="7" name="TextBox 1">
-            <a:extLst>
-              <a:ext uri="{FF2B5EF4-FFF2-40B4-BE49-F238E27FC236}">
-                <a16:creationId xmlns:a16="http://schemas.microsoft.com/office/drawing/2014/main" id="{C113669B-E707-B2AA-2C2B-1F6D6D262F54}"/>
-              </a:ext>
-            </a:extLst>
-          </p:cNvPr>
-          <p:cNvSpPr txBox="1"/>
-          <p:nvPr/>
-        </p:nvSpPr>
-        <p:spPr>
-          <a:xfrm>
-            <a:off x="6369670" y="1790486"/>
-            <a:ext cx="806631" cy="646331"/>
-          </a:xfrm>
-          <a:prstGeom prst="rect">
-            <a:avLst/>
-          </a:prstGeom>
-          <a:noFill/>
-        </p:spPr>
-        <p:txBody>
-          <a:bodyPr wrap="none" rtlCol="0">
-            <a:spAutoFit/>
-          </a:bodyPr>
-          <a:lstStyle>
-            <a:defPPr>
-              <a:defRPr lang="en-US"/>
-            </a:defPPr>
-            <a:lvl1pPr marL="0" algn="l" defTabSz="457200" rtl="0" eaLnBrk="1" latinLnBrk="0" hangingPunct="1">
-              <a:defRPr sz="1800" kern="1200">
-                <a:solidFill>
-                  <a:schemeClr val="tx1"/>
-                </a:solidFill>
-                <a:latin typeface="+mn-lt"/>
-                <a:ea typeface="+mn-ea"/>
-                <a:cs typeface="+mn-cs"/>
-              </a:defRPr>
-            </a:lvl1pPr>
-            <a:lvl2pPr marL="457200" algn="l" defTabSz="457200" rtl="0" eaLnBrk="1" latinLnBrk="0" hangingPunct="1">
-              <a:defRPr sz="1800" kern="1200">
-                <a:solidFill>
-                  <a:schemeClr val="tx1"/>
-                </a:solidFill>
-                <a:latin typeface="+mn-lt"/>
-                <a:ea typeface="+mn-ea"/>
-                <a:cs typeface="+mn-cs"/>
-              </a:defRPr>
-            </a:lvl2pPr>
-            <a:lvl3pPr marL="914400" algn="l" defTabSz="457200" rtl="0" eaLnBrk="1" latinLnBrk="0" hangingPunct="1">
-              <a:defRPr sz="1800" kern="1200">
-                <a:solidFill>
-                  <a:schemeClr val="tx1"/>
-                </a:solidFill>
-                <a:latin typeface="+mn-lt"/>
-                <a:ea typeface="+mn-ea"/>
-                <a:cs typeface="+mn-cs"/>
-              </a:defRPr>
-            </a:lvl3pPr>
-            <a:lvl4pPr marL="1371600" algn="l" defTabSz="457200" rtl="0" eaLnBrk="1" latinLnBrk="0" hangingPunct="1">
-              <a:defRPr sz="1800" kern="1200">
-                <a:solidFill>
-                  <a:schemeClr val="tx1"/>
-                </a:solidFill>
-                <a:latin typeface="+mn-lt"/>
-                <a:ea typeface="+mn-ea"/>
-                <a:cs typeface="+mn-cs"/>
-              </a:defRPr>
-            </a:lvl4pPr>
-            <a:lvl5pPr marL="1828800" algn="l" defTabSz="457200" rtl="0" eaLnBrk="1" latinLnBrk="0" hangingPunct="1">
-              <a:defRPr sz="1800" kern="1200">
-                <a:solidFill>
-                  <a:schemeClr val="tx1"/>
-                </a:solidFill>
-                <a:latin typeface="+mn-lt"/>
-                <a:ea typeface="+mn-ea"/>
-                <a:cs typeface="+mn-cs"/>
-              </a:defRPr>
-            </a:lvl5pPr>
-            <a:lvl6pPr marL="2286000" algn="l" defTabSz="457200" rtl="0" eaLnBrk="1" latinLnBrk="0" hangingPunct="1">
-              <a:defRPr sz="1800" kern="1200">
-                <a:solidFill>
-                  <a:schemeClr val="tx1"/>
-                </a:solidFill>
-                <a:latin typeface="+mn-lt"/>
-                <a:ea typeface="+mn-ea"/>
-                <a:cs typeface="+mn-cs"/>
-              </a:defRPr>
-            </a:lvl6pPr>
-            <a:lvl7pPr marL="2743200" algn="l" defTabSz="457200" rtl="0" eaLnBrk="1" latinLnBrk="0" hangingPunct="1">
-              <a:defRPr sz="1800" kern="1200">
-                <a:solidFill>
-                  <a:schemeClr val="tx1"/>
-                </a:solidFill>
-                <a:latin typeface="+mn-lt"/>
-                <a:ea typeface="+mn-ea"/>
-                <a:cs typeface="+mn-cs"/>
-              </a:defRPr>
-            </a:lvl7pPr>
-            <a:lvl8pPr marL="3200400" algn="l" defTabSz="457200" rtl="0" eaLnBrk="1" latinLnBrk="0" hangingPunct="1">
-              <a:defRPr sz="1800" kern="1200">
-                <a:solidFill>
-                  <a:schemeClr val="tx1"/>
-                </a:solidFill>
-                <a:latin typeface="+mn-lt"/>
-                <a:ea typeface="+mn-ea"/>
-                <a:cs typeface="+mn-cs"/>
-              </a:defRPr>
-            </a:lvl8pPr>
-            <a:lvl9pPr marL="3657600" algn="l" defTabSz="457200" rtl="0" eaLnBrk="1" latinLnBrk="0" hangingPunct="1">
-              <a:defRPr sz="1800" kern="1200">
-                <a:solidFill>
-                  <a:schemeClr val="tx1"/>
-                </a:solidFill>
-                <a:latin typeface="+mn-lt"/>
-                <a:ea typeface="+mn-ea"/>
-                <a:cs typeface="+mn-cs"/>
-              </a:defRPr>
-            </a:lvl9pPr>
-          </a:lstStyle>
-          <a:p>
-            <a:r>
-              <a:rPr lang="uk-UA" dirty="0"/>
-              <a:t>     </a:t>
-            </a:r>
-            <a:r>
-              <a:rPr lang="en-US" dirty="0"/>
-              <a:t>&lt;</a:t>
-            </a:r>
-          </a:p>
-          <a:p>
-            <a:r>
-              <a:rPr lang="uk-UA" dirty="0"/>
-              <a:t>кроків</a:t>
-            </a:r>
-            <a:endParaRPr lang="ru-RU" dirty="0"/>
-          </a:p>
-        </p:txBody>
-      </p:sp>
-      <p:pic>
-        <p:nvPicPr>
-          <p:cNvPr id="1028" name="Picture 4">
-            <a:extLst>
-              <a:ext uri="{FF2B5EF4-FFF2-40B4-BE49-F238E27FC236}">
-                <a16:creationId xmlns:a16="http://schemas.microsoft.com/office/drawing/2014/main" id="{38BD49EB-D08B-41FB-03DB-0D68DAAC5DE1}"/>
-              </a:ext>
-            </a:extLst>
-          </p:cNvPr>
-          <p:cNvPicPr>
-            <a:picLocks noChangeAspect="1" noChangeArrowheads="1"/>
-          </p:cNvPicPr>
-          <p:nvPr/>
-        </p:nvPicPr>
-        <p:blipFill>
-          <a:blip r:embed="rId3">
-            <a:extLst>
-              <a:ext uri="{28A0092B-C50C-407E-A947-70E740481C1C}">
-                <a14:useLocalDpi xmlns:a14="http://schemas.microsoft.com/office/drawing/2010/main" val="0"/>
-              </a:ext>
-            </a:extLst>
-          </a:blip>
-          <a:srcRect/>
-          <a:stretch>
-            <a:fillRect/>
-          </a:stretch>
-        </p:blipFill>
-        <p:spPr bwMode="auto">
-          <a:xfrm>
-            <a:off x="7731548" y="1832665"/>
-            <a:ext cx="2409825" cy="561975"/>
-          </a:xfrm>
-          <a:prstGeom prst="rect">
-            <a:avLst/>
-          </a:prstGeom>
-          <a:ln>
-            <a:noFill/>
-          </a:ln>
-          <a:effectLst>
-            <a:outerShdw blurRad="292100" dist="139700" dir="2700000" algn="tl" rotWithShape="0">
-              <a:srgbClr val="333333">
-                <a:alpha val="65000"/>
-              </a:srgbClr>
-            </a:outerShdw>
-          </a:effectLst>
-          <a:extLst>
-            <a:ext uri="{909E8E84-426E-40DD-AFC4-6F175D3DCCD1}">
-              <a14:hiddenFill xmlns:a14="http://schemas.microsoft.com/office/drawing/2010/main">
-                <a:solidFill>
-                  <a:srgbClr val="FFFFFF"/>
-                </a:solidFill>
-              </a14:hiddenFill>
-            </a:ext>
-          </a:extLst>
-        </p:spPr>
-      </p:pic>
-      <p:sp>
-        <p:nvSpPr>
-          <p:cNvPr id="8" name="TextBox 7">
-            <a:extLst>
-              <a:ext uri="{FF2B5EF4-FFF2-40B4-BE49-F238E27FC236}">
-                <a16:creationId xmlns:a16="http://schemas.microsoft.com/office/drawing/2014/main" id="{C5CC46A1-04BD-2643-B28F-05E59CB6B246}"/>
-              </a:ext>
-            </a:extLst>
-          </p:cNvPr>
-          <p:cNvSpPr txBox="1"/>
-          <p:nvPr/>
-        </p:nvSpPr>
-        <p:spPr>
-          <a:xfrm>
-            <a:off x="2374627" y="2398214"/>
-            <a:ext cx="2085827" cy="369332"/>
-          </a:xfrm>
-          <a:prstGeom prst="rect">
-            <a:avLst/>
-          </a:prstGeom>
-          <a:noFill/>
-        </p:spPr>
-        <p:txBody>
-          <a:bodyPr wrap="none" rtlCol="0">
-            <a:spAutoFit/>
-          </a:bodyPr>
-          <a:lstStyle/>
-          <a:p>
-            <a:r>
-              <a:rPr lang="uk-UA" dirty="0"/>
-              <a:t>Складність</a:t>
-            </a:r>
-            <a:r>
-              <a:rPr lang="en-US" dirty="0"/>
-              <a:t>: </a:t>
-            </a:r>
-            <a:r>
-              <a:rPr lang="en-US" dirty="0">
-                <a:solidFill>
-                  <a:schemeClr val="accent2">
-                    <a:lumMod val="40000"/>
-                    <a:lumOff val="60000"/>
-                  </a:schemeClr>
-                </a:solidFill>
-              </a:rPr>
-              <a:t>O(</a:t>
-            </a:r>
-            <a:r>
-              <a:rPr lang="en-US" dirty="0" err="1">
-                <a:solidFill>
-                  <a:schemeClr val="accent2">
-                    <a:lumMod val="40000"/>
-                    <a:lumOff val="60000"/>
-                  </a:schemeClr>
-                </a:solidFill>
-              </a:rPr>
-              <a:t>logN</a:t>
-            </a:r>
-            <a:r>
-              <a:rPr lang="en-US" dirty="0">
-                <a:solidFill>
-                  <a:schemeClr val="accent2">
-                    <a:lumMod val="40000"/>
-                    <a:lumOff val="60000"/>
-                  </a:schemeClr>
-                </a:solidFill>
-              </a:rPr>
-              <a:t>)</a:t>
-            </a:r>
-            <a:endParaRPr lang="uk-UA" dirty="0">
-              <a:solidFill>
-                <a:schemeClr val="accent2">
-                  <a:lumMod val="40000"/>
-                  <a:lumOff val="60000"/>
-                </a:schemeClr>
-              </a:solidFill>
-            </a:endParaRPr>
-          </a:p>
-        </p:txBody>
-      </p:sp>
-      <p:sp>
-        <p:nvSpPr>
-          <p:cNvPr id="9" name="TextBox 8">
-            <a:extLst>
-              <a:ext uri="{FF2B5EF4-FFF2-40B4-BE49-F238E27FC236}">
-                <a16:creationId xmlns:a16="http://schemas.microsoft.com/office/drawing/2014/main" id="{D023B607-7FA7-4DAE-9489-40A174ABA70D}"/>
-              </a:ext>
-            </a:extLst>
-          </p:cNvPr>
-          <p:cNvSpPr txBox="1"/>
-          <p:nvPr/>
-        </p:nvSpPr>
-        <p:spPr>
-          <a:xfrm>
-            <a:off x="8035412" y="2388850"/>
-            <a:ext cx="1802096" cy="369332"/>
-          </a:xfrm>
-          <a:prstGeom prst="rect">
-            <a:avLst/>
-          </a:prstGeom>
-          <a:noFill/>
-        </p:spPr>
-        <p:txBody>
-          <a:bodyPr wrap="none" rtlCol="0">
-            <a:spAutoFit/>
-          </a:bodyPr>
-          <a:lstStyle/>
-          <a:p>
-            <a:r>
-              <a:rPr lang="uk-UA" dirty="0"/>
-              <a:t>Складність</a:t>
-            </a:r>
-            <a:r>
-              <a:rPr lang="en-US" dirty="0"/>
-              <a:t>: </a:t>
-            </a:r>
-            <a:r>
-              <a:rPr lang="en-US" dirty="0">
-                <a:solidFill>
-                  <a:schemeClr val="accent2">
-                    <a:lumMod val="40000"/>
-                    <a:lumOff val="60000"/>
-                  </a:schemeClr>
-                </a:solidFill>
-              </a:rPr>
-              <a:t>O(N)</a:t>
-            </a:r>
-            <a:endParaRPr lang="uk-UA" dirty="0">
-              <a:solidFill>
-                <a:schemeClr val="accent2">
-                  <a:lumMod val="40000"/>
-                  <a:lumOff val="60000"/>
-                </a:schemeClr>
-              </a:solidFill>
-            </a:endParaRPr>
-          </a:p>
-        </p:txBody>
-      </p:sp>
-      <p:sp>
-        <p:nvSpPr>
-          <p:cNvPr id="10" name="TextBox 9">
-            <a:extLst>
-              <a:ext uri="{FF2B5EF4-FFF2-40B4-BE49-F238E27FC236}">
-                <a16:creationId xmlns:a16="http://schemas.microsoft.com/office/drawing/2014/main" id="{B7A2FE4C-DFE6-BD1D-AE04-F2DD74515918}"/>
-              </a:ext>
-            </a:extLst>
-          </p:cNvPr>
-          <p:cNvSpPr txBox="1"/>
-          <p:nvPr/>
-        </p:nvSpPr>
-        <p:spPr>
-          <a:xfrm>
-            <a:off x="4829842" y="2953467"/>
-            <a:ext cx="3174628" cy="461665"/>
-          </a:xfrm>
-          <a:prstGeom prst="rect">
-            <a:avLst/>
-          </a:prstGeom>
-          <a:noFill/>
-        </p:spPr>
-        <p:txBody>
-          <a:bodyPr wrap="square" rtlCol="0">
-            <a:spAutoFit/>
-          </a:bodyPr>
-          <a:lstStyle>
-            <a:defPPr>
-              <a:defRPr lang="en-US"/>
-            </a:defPPr>
-          </a:lstStyle>
-          <a:p>
-            <a:r>
-              <a:rPr lang="uk-UA" sz="2400" b="1" dirty="0">
-                <a:solidFill>
-                  <a:schemeClr val="tx1">
-                    <a:lumMod val="95000"/>
-                  </a:schemeClr>
-                </a:solidFill>
-                <a:ea typeface="+mj-ea"/>
-                <a:cs typeface="+mj-cs"/>
-              </a:rPr>
-              <a:t>Алгоритм</a:t>
-            </a:r>
-            <a:r>
-              <a:rPr lang="uk-UA" sz="2400" b="1" dirty="0">
-                <a:solidFill>
-                  <a:srgbClr val="0070C0"/>
-                </a:solidFill>
-                <a:ea typeface="+mj-ea"/>
-                <a:cs typeface="+mj-cs"/>
-              </a:rPr>
-              <a:t> </a:t>
-            </a:r>
-            <a:r>
-              <a:rPr lang="en-US" sz="2400" b="1" dirty="0">
-                <a:solidFill>
-                  <a:schemeClr val="accent2">
-                    <a:lumMod val="40000"/>
-                    <a:lumOff val="60000"/>
-                  </a:schemeClr>
-                </a:solidFill>
-                <a:latin typeface="SchoolBookCTT"/>
-                <a:ea typeface="+mj-ea"/>
-                <a:cs typeface="+mj-cs"/>
-              </a:rPr>
-              <a:t>O(</a:t>
-            </a:r>
-            <a:r>
-              <a:rPr lang="en-US" sz="2400" b="1" dirty="0" err="1">
-                <a:solidFill>
-                  <a:schemeClr val="accent2">
-                    <a:lumMod val="40000"/>
-                    <a:lumOff val="60000"/>
-                  </a:schemeClr>
-                </a:solidFill>
-                <a:latin typeface="SchoolBookCTT"/>
-                <a:ea typeface="+mj-ea"/>
-                <a:cs typeface="+mj-cs"/>
-              </a:rPr>
-              <a:t>logN</a:t>
-            </a:r>
-            <a:r>
-              <a:rPr lang="en-US" sz="2400" b="1" dirty="0">
-                <a:solidFill>
-                  <a:schemeClr val="accent2">
-                    <a:lumMod val="40000"/>
-                    <a:lumOff val="60000"/>
-                  </a:schemeClr>
-                </a:solidFill>
-                <a:latin typeface="SchoolBookCTT"/>
-                <a:ea typeface="+mj-ea"/>
-                <a:cs typeface="+mj-cs"/>
-              </a:rPr>
-              <a:t>)</a:t>
-            </a:r>
-            <a:endParaRPr lang="uk-UA" sz="2400" b="1" dirty="0">
-              <a:solidFill>
-                <a:schemeClr val="accent2">
-                  <a:lumMod val="40000"/>
-                  <a:lumOff val="60000"/>
-                </a:schemeClr>
-              </a:solidFill>
-              <a:ea typeface="+mj-ea"/>
-              <a:cs typeface="+mj-cs"/>
-            </a:endParaRPr>
-          </a:p>
-        </p:txBody>
-      </p:sp>
-      <p:pic>
-        <p:nvPicPr>
-          <p:cNvPr id="1030" name="Picture 6">
-            <a:extLst>
-              <a:ext uri="{FF2B5EF4-FFF2-40B4-BE49-F238E27FC236}">
-                <a16:creationId xmlns:a16="http://schemas.microsoft.com/office/drawing/2014/main" id="{FD280F7D-71AA-58B4-F1FF-0DBEA66BE9C6}"/>
-              </a:ext>
-            </a:extLst>
-          </p:cNvPr>
-          <p:cNvPicPr>
-            <a:picLocks noChangeAspect="1" noChangeArrowheads="1"/>
-          </p:cNvPicPr>
-          <p:nvPr/>
-        </p:nvPicPr>
-        <p:blipFill>
-          <a:blip r:embed="rId4">
-            <a:extLst>
-              <a:ext uri="{28A0092B-C50C-407E-A947-70E740481C1C}">
-                <a14:useLocalDpi xmlns:a14="http://schemas.microsoft.com/office/drawing/2010/main" val="0"/>
-              </a:ext>
-            </a:extLst>
-          </a:blip>
-          <a:srcRect/>
-          <a:stretch>
-            <a:fillRect/>
-          </a:stretch>
-        </p:blipFill>
-        <p:spPr bwMode="auto">
-          <a:xfrm>
-            <a:off x="1273656" y="3607360"/>
-            <a:ext cx="10287000" cy="2314575"/>
-          </a:xfrm>
-          <a:prstGeom prst="rect">
-            <a:avLst/>
-          </a:prstGeom>
-          <a:ln>
-            <a:noFill/>
-          </a:ln>
-          <a:effectLst>
-            <a:outerShdw blurRad="292100" dist="139700" dir="2700000" algn="tl" rotWithShape="0">
-              <a:srgbClr val="333333">
-                <a:alpha val="65000"/>
-              </a:srgbClr>
-            </a:outerShdw>
-          </a:effectLst>
-          <a:extLst>
-            <a:ext uri="{909E8E84-426E-40DD-AFC4-6F175D3DCCD1}">
-              <a14:hiddenFill xmlns:a14="http://schemas.microsoft.com/office/drawing/2010/main">
-                <a:solidFill>
-                  <a:srgbClr val="FFFFFF"/>
-                </a:solidFill>
-              </a14:hiddenFill>
-            </a:ext>
-          </a:extLst>
-        </p:spPr>
-      </p:pic>
-    </p:spTree>
-    <p:extLst>
-      <p:ext uri="{BB962C8B-B14F-4D97-AF65-F5344CB8AC3E}">
-        <p14:creationId xmlns:p14="http://schemas.microsoft.com/office/powerpoint/2010/main" val="1395489774"/>
-      </p:ext>
-    </p:extLst>
-  </p:cSld>
-  <p:clrMapOvr>
-    <a:masterClrMapping/>
-  </p:clrMapOvr>
-</p:sld>
-</file>
-
-<file path=ppt/slides/slide8.xml><?xml version="1.0" encoding="utf-8"?>
+<file path=ppt/slides/slide10.xml><?xml version="1.0" encoding="utf-8"?>
 <p:sld xmlns:a="http://schemas.openxmlformats.org/drawingml/2006/main" xmlns:r="http://schemas.openxmlformats.org/officeDocument/2006/relationships" xmlns:p="http://schemas.openxmlformats.org/presentationml/2006/main">
   <p:cSld>
     <p:spTree>
@@ -8898,6 +7082,2345 @@
 </p:sld>
 </file>
 
+<file path=ppt/slides/slide11.xml><?xml version="1.0" encoding="utf-8"?>
+<p:sld xmlns:a="http://schemas.openxmlformats.org/drawingml/2006/main" xmlns:r="http://schemas.openxmlformats.org/officeDocument/2006/relationships" xmlns:p="http://schemas.openxmlformats.org/presentationml/2006/main">
+  <p:cSld>
+    <p:spTree>
+      <p:nvGrpSpPr>
+        <p:cNvPr id="1" name=""/>
+        <p:cNvGrpSpPr/>
+        <p:nvPr/>
+      </p:nvGrpSpPr>
+      <p:grpSpPr>
+        <a:xfrm>
+          <a:off x="0" y="0"/>
+          <a:ext cx="0" cy="0"/>
+          <a:chOff x="0" y="0"/>
+          <a:chExt cx="0" cy="0"/>
+        </a:xfrm>
+      </p:grpSpPr>
+      <p:sp>
+        <p:nvSpPr>
+          <p:cNvPr id="2" name="Заголовок 1">
+            <a:extLst>
+              <a:ext uri="{FF2B5EF4-FFF2-40B4-BE49-F238E27FC236}">
+                <a16:creationId xmlns:a16="http://schemas.microsoft.com/office/drawing/2014/main" id="{57EF6C4D-BFE6-4784-9983-40BBFD69A5F0}"/>
+              </a:ext>
+            </a:extLst>
+          </p:cNvPr>
+          <p:cNvSpPr>
+            <a:spLocks noGrp="1"/>
+          </p:cNvSpPr>
+          <p:nvPr>
+            <p:ph type="title"/>
+          </p:nvPr>
+        </p:nvSpPr>
+        <p:spPr/>
+        <p:txBody>
+          <a:bodyPr/>
+          <a:lstStyle/>
+          <a:p>
+            <a:pPr algn="ctr"/>
+            <a:endParaRPr lang="ru-UA" dirty="0"/>
+          </a:p>
+        </p:txBody>
+      </p:sp>
+      <p:sp>
+        <p:nvSpPr>
+          <p:cNvPr id="3" name="Объект 2">
+            <a:extLst>
+              <a:ext uri="{FF2B5EF4-FFF2-40B4-BE49-F238E27FC236}">
+                <a16:creationId xmlns:a16="http://schemas.microsoft.com/office/drawing/2014/main" id="{4F7F562F-1141-428C-9D30-CCD60CE6CD15}"/>
+              </a:ext>
+            </a:extLst>
+          </p:cNvPr>
+          <p:cNvSpPr>
+            <a:spLocks noGrp="1"/>
+          </p:cNvSpPr>
+          <p:nvPr>
+            <p:ph idx="1"/>
+          </p:nvPr>
+        </p:nvSpPr>
+        <p:spPr/>
+        <p:txBody>
+          <a:bodyPr>
+            <a:normAutofit/>
+          </a:bodyPr>
+          <a:lstStyle/>
+          <a:p>
+            <a:pPr marL="0" indent="0" algn="ctr">
+              <a:buNone/>
+            </a:pPr>
+            <a:r>
+              <a:rPr lang="uk-UA" sz="5400" dirty="0"/>
+              <a:t>Дякуємо за увагу!</a:t>
+            </a:r>
+            <a:endParaRPr lang="ru-UA" sz="5400" dirty="0"/>
+          </a:p>
+        </p:txBody>
+      </p:sp>
+      <p:sp>
+        <p:nvSpPr>
+          <p:cNvPr id="4" name="Нижний колонтитул 3">
+            <a:extLst>
+              <a:ext uri="{FF2B5EF4-FFF2-40B4-BE49-F238E27FC236}">
+                <a16:creationId xmlns:a16="http://schemas.microsoft.com/office/drawing/2014/main" id="{822425CE-B544-49B1-9507-EAC1518146A8}"/>
+              </a:ext>
+            </a:extLst>
+          </p:cNvPr>
+          <p:cNvSpPr>
+            <a:spLocks noGrp="1"/>
+          </p:cNvSpPr>
+          <p:nvPr>
+            <p:ph type="ftr" sz="quarter" idx="11"/>
+          </p:nvPr>
+        </p:nvSpPr>
+        <p:spPr/>
+        <p:txBody>
+          <a:bodyPr/>
+          <a:lstStyle/>
+          <a:p>
+            <a:endParaRPr lang="en-US"/>
+          </a:p>
+        </p:txBody>
+      </p:sp>
+      <p:sp>
+        <p:nvSpPr>
+          <p:cNvPr id="5" name="Номер слайда 4">
+            <a:extLst>
+              <a:ext uri="{FF2B5EF4-FFF2-40B4-BE49-F238E27FC236}">
+                <a16:creationId xmlns:a16="http://schemas.microsoft.com/office/drawing/2014/main" id="{910BD560-FA6A-4D11-A0D9-39E23151300E}"/>
+              </a:ext>
+            </a:extLst>
+          </p:cNvPr>
+          <p:cNvSpPr>
+            <a:spLocks noGrp="1"/>
+          </p:cNvSpPr>
+          <p:nvPr>
+            <p:ph type="sldNum" sz="quarter" idx="12"/>
+          </p:nvPr>
+        </p:nvSpPr>
+        <p:spPr/>
+        <p:txBody>
+          <a:bodyPr/>
+          <a:lstStyle/>
+          <a:p>
+            <a:fld id="{6D22F896-40B5-4ADD-8801-0D06FADFA095}" type="slidenum">
+              <a:rPr lang="en-US" smtClean="0"/>
+              <a:t>11</a:t>
+            </a:fld>
+            <a:endParaRPr lang="en-US"/>
+          </a:p>
+        </p:txBody>
+      </p:sp>
+    </p:spTree>
+    <p:extLst>
+      <p:ext uri="{BB962C8B-B14F-4D97-AF65-F5344CB8AC3E}">
+        <p14:creationId xmlns:p14="http://schemas.microsoft.com/office/powerpoint/2010/main" val="3684064710"/>
+      </p:ext>
+    </p:extLst>
+  </p:cSld>
+  <p:clrMapOvr>
+    <a:masterClrMapping/>
+  </p:clrMapOvr>
+</p:sld>
+</file>
+
+<file path=ppt/slides/slide2.xml><?xml version="1.0" encoding="utf-8"?>
+<p:sld xmlns:a="http://schemas.openxmlformats.org/drawingml/2006/main" xmlns:r="http://schemas.openxmlformats.org/officeDocument/2006/relationships" xmlns:p="http://schemas.openxmlformats.org/presentationml/2006/main">
+  <p:cSld>
+    <p:spTree>
+      <p:nvGrpSpPr>
+        <p:cNvPr id="1" name=""/>
+        <p:cNvGrpSpPr/>
+        <p:nvPr/>
+      </p:nvGrpSpPr>
+      <p:grpSpPr>
+        <a:xfrm>
+          <a:off x="0" y="0"/>
+          <a:ext cx="0" cy="0"/>
+          <a:chOff x="0" y="0"/>
+          <a:chExt cx="0" cy="0"/>
+        </a:xfrm>
+      </p:grpSpPr>
+      <p:sp>
+        <p:nvSpPr>
+          <p:cNvPr id="3" name="Прямоугольник 2">
+            <a:extLst>
+              <a:ext uri="{FF2B5EF4-FFF2-40B4-BE49-F238E27FC236}">
+                <a16:creationId xmlns:a16="http://schemas.microsoft.com/office/drawing/2014/main" id="{89F1679A-F8E1-48F6-87E3-35388E5FE97C}"/>
+              </a:ext>
+            </a:extLst>
+          </p:cNvPr>
+          <p:cNvSpPr/>
+          <p:nvPr/>
+        </p:nvSpPr>
+        <p:spPr>
+          <a:xfrm>
+            <a:off x="3048000" y="1735998"/>
+            <a:ext cx="6096000" cy="2985433"/>
+          </a:xfrm>
+          <a:prstGeom prst="rect">
+            <a:avLst/>
+          </a:prstGeom>
+        </p:spPr>
+        <p:txBody>
+          <a:bodyPr>
+            <a:spAutoFit/>
+          </a:bodyPr>
+          <a:lstStyle/>
+          <a:p>
+            <a:pPr algn="ctr"/>
+            <a:r>
+              <a:rPr lang="en-US" sz="3200" b="1" dirty="0">
+                <a:solidFill>
+                  <a:schemeClr val="tx1">
+                    <a:lumMod val="95000"/>
+                  </a:schemeClr>
+                </a:solidFill>
+                <a:latin typeface="SchoolBookCTT" pitchFamily="2" charset="0"/>
+              </a:rPr>
+              <a:t>Team members </a:t>
+            </a:r>
+            <a:br>
+              <a:rPr lang="uk-UA" sz="1200" b="1" dirty="0">
+                <a:solidFill>
+                  <a:schemeClr val="tx1">
+                    <a:lumMod val="95000"/>
+                  </a:schemeClr>
+                </a:solidFill>
+                <a:latin typeface="SchoolBookCTT" pitchFamily="2" charset="0"/>
+              </a:rPr>
+            </a:br>
+            <a:br>
+              <a:rPr lang="uk-UA" sz="1200" b="1" dirty="0">
+                <a:solidFill>
+                  <a:schemeClr val="tx1">
+                    <a:lumMod val="95000"/>
+                  </a:schemeClr>
+                </a:solidFill>
+                <a:latin typeface="SchoolBookCTT" pitchFamily="2" charset="0"/>
+              </a:rPr>
+            </a:br>
+            <a:r>
+              <a:rPr lang="uk-UA" sz="2400" b="1" dirty="0">
+                <a:solidFill>
+                  <a:schemeClr val="tx1">
+                    <a:lumMod val="95000"/>
+                  </a:schemeClr>
+                </a:solidFill>
+                <a:effectLst>
+                  <a:outerShdw blurRad="38100" dist="38100" dir="2700000" algn="tl">
+                    <a:srgbClr val="000000">
+                      <a:alpha val="43137"/>
+                    </a:srgbClr>
+                  </a:outerShdw>
+                </a:effectLst>
+              </a:rPr>
+              <a:t>Клименко Артем Максимович</a:t>
+            </a:r>
+            <a:r>
+              <a:rPr lang="en-US" sz="2400" b="1" dirty="0">
+                <a:solidFill>
+                  <a:schemeClr val="tx1">
+                    <a:lumMod val="95000"/>
+                  </a:schemeClr>
+                </a:solidFill>
+                <a:effectLst>
+                  <a:outerShdw blurRad="38100" dist="38100" dir="2700000" algn="tl">
+                    <a:srgbClr val="000000">
+                      <a:alpha val="43137"/>
+                    </a:srgbClr>
+                  </a:outerShdw>
+                </a:effectLst>
+              </a:rPr>
+              <a:t>(PM)</a:t>
+            </a:r>
+            <a:br>
+              <a:rPr lang="en-US" sz="2400" b="1" dirty="0">
+                <a:solidFill>
+                  <a:schemeClr val="tx1">
+                    <a:lumMod val="95000"/>
+                  </a:schemeClr>
+                </a:solidFill>
+                <a:effectLst>
+                  <a:outerShdw blurRad="38100" dist="38100" dir="2700000" algn="tl">
+                    <a:srgbClr val="000000">
+                      <a:alpha val="43137"/>
+                    </a:srgbClr>
+                  </a:outerShdw>
+                </a:effectLst>
+              </a:rPr>
+            </a:br>
+            <a:r>
+              <a:rPr lang="uk-UA" sz="2400" b="1" dirty="0">
+                <a:solidFill>
+                  <a:schemeClr val="tx1">
+                    <a:lumMod val="95000"/>
+                  </a:schemeClr>
+                </a:solidFill>
+                <a:effectLst>
+                  <a:outerShdw blurRad="38100" dist="38100" dir="2700000" algn="tl">
+                    <a:srgbClr val="000000">
+                      <a:alpha val="43137"/>
+                    </a:srgbClr>
+                  </a:outerShdw>
+                </a:effectLst>
+              </a:rPr>
+              <a:t>Полібін-Щербак Демид Артемович(</a:t>
+            </a:r>
+            <a:r>
+              <a:rPr lang="en-US" sz="2400" b="1" dirty="0">
+                <a:solidFill>
+                  <a:schemeClr val="tx1">
+                    <a:lumMod val="95000"/>
+                  </a:schemeClr>
+                </a:solidFill>
+                <a:effectLst>
+                  <a:outerShdw blurRad="38100" dist="38100" dir="2700000" algn="tl">
+                    <a:srgbClr val="000000">
+                      <a:alpha val="43137"/>
+                    </a:srgbClr>
+                  </a:outerShdw>
+                </a:effectLst>
+              </a:rPr>
+              <a:t>PM)</a:t>
+            </a:r>
+            <a:br>
+              <a:rPr lang="en-US" sz="2400" b="1" dirty="0">
+                <a:solidFill>
+                  <a:schemeClr val="tx1">
+                    <a:lumMod val="95000"/>
+                  </a:schemeClr>
+                </a:solidFill>
+                <a:effectLst>
+                  <a:outerShdw blurRad="38100" dist="38100" dir="2700000" algn="tl">
+                    <a:srgbClr val="000000">
+                      <a:alpha val="43137"/>
+                    </a:srgbClr>
+                  </a:outerShdw>
+                </a:effectLst>
+              </a:rPr>
+            </a:br>
+            <a:r>
+              <a:rPr lang="uk-UA" sz="2400" b="1" dirty="0">
+                <a:solidFill>
+                  <a:schemeClr val="tx1">
+                    <a:lumMod val="95000"/>
+                  </a:schemeClr>
+                </a:solidFill>
+                <a:effectLst>
+                  <a:outerShdw blurRad="38100" dist="38100" dir="2700000" algn="tl">
+                    <a:srgbClr val="000000">
+                      <a:alpha val="43137"/>
+                    </a:srgbClr>
+                  </a:outerShdw>
+                </a:effectLst>
+              </a:rPr>
+              <a:t>Бабенко Станіслав Олексійович</a:t>
+            </a:r>
+            <a:r>
+              <a:rPr lang="en-US" sz="2400" b="1" dirty="0">
+                <a:solidFill>
+                  <a:schemeClr val="tx1">
+                    <a:lumMod val="95000"/>
+                  </a:schemeClr>
+                </a:solidFill>
+                <a:effectLst>
+                  <a:outerShdw blurRad="38100" dist="38100" dir="2700000" algn="tl">
+                    <a:srgbClr val="000000">
+                      <a:alpha val="43137"/>
+                    </a:srgbClr>
+                  </a:outerShdw>
+                </a:effectLst>
+              </a:rPr>
+              <a:t>(Editor)</a:t>
+            </a:r>
+            <a:br>
+              <a:rPr lang="uk-UA" sz="2400" b="1" dirty="0">
+                <a:solidFill>
+                  <a:schemeClr val="tx1">
+                    <a:lumMod val="95000"/>
+                  </a:schemeClr>
+                </a:solidFill>
+                <a:effectLst>
+                  <a:outerShdw blurRad="38100" dist="38100" dir="2700000" algn="tl">
+                    <a:srgbClr val="000000">
+                      <a:alpha val="43137"/>
+                    </a:srgbClr>
+                  </a:outerShdw>
+                </a:effectLst>
+              </a:rPr>
+            </a:br>
+            <a:r>
+              <a:rPr lang="uk-UA" sz="2400" b="1" dirty="0">
+                <a:solidFill>
+                  <a:schemeClr val="tx1">
+                    <a:lumMod val="95000"/>
+                  </a:schemeClr>
+                </a:solidFill>
+                <a:effectLst>
+                  <a:outerShdw blurRad="38100" dist="38100" dir="2700000" algn="tl">
+                    <a:srgbClr val="000000">
+                      <a:alpha val="43137"/>
+                    </a:srgbClr>
+                  </a:outerShdw>
+                </a:effectLst>
+              </a:rPr>
+              <a:t>Сердюк Костя Олегович</a:t>
+            </a:r>
+            <a:r>
+              <a:rPr lang="en-US" sz="2400" b="1" dirty="0">
+                <a:solidFill>
+                  <a:schemeClr val="tx1">
+                    <a:lumMod val="95000"/>
+                  </a:schemeClr>
+                </a:solidFill>
+                <a:effectLst>
+                  <a:outerShdw blurRad="38100" dist="38100" dir="2700000" algn="tl">
+                    <a:srgbClr val="000000">
+                      <a:alpha val="43137"/>
+                    </a:srgbClr>
+                  </a:outerShdw>
+                </a:effectLst>
+              </a:rPr>
+              <a:t>(Editor)</a:t>
+            </a:r>
+            <a:br>
+              <a:rPr lang="uk-UA" sz="2400" b="1" dirty="0">
+                <a:solidFill>
+                  <a:schemeClr val="tx1">
+                    <a:lumMod val="95000"/>
+                  </a:schemeClr>
+                </a:solidFill>
+                <a:effectLst>
+                  <a:outerShdw blurRad="38100" dist="38100" dir="2700000" algn="tl">
+                    <a:srgbClr val="000000">
+                      <a:alpha val="43137"/>
+                    </a:srgbClr>
+                  </a:outerShdw>
+                </a:effectLst>
+              </a:rPr>
+            </a:br>
+            <a:r>
+              <a:rPr lang="uk-UA" sz="2400" b="1" dirty="0">
+                <a:solidFill>
+                  <a:schemeClr val="tx1">
+                    <a:lumMod val="95000"/>
+                  </a:schemeClr>
+                </a:solidFill>
+                <a:effectLst>
+                  <a:outerShdw blurRad="38100" dist="38100" dir="2700000" algn="tl">
+                    <a:srgbClr val="000000">
+                      <a:alpha val="43137"/>
+                    </a:srgbClr>
+                  </a:outerShdw>
+                </a:effectLst>
+              </a:rPr>
+              <a:t>Шейко Ростислав Олександрович</a:t>
+            </a:r>
+            <a:r>
+              <a:rPr lang="en-US" sz="2400" b="1" dirty="0">
+                <a:solidFill>
+                  <a:schemeClr val="tx1">
+                    <a:lumMod val="95000"/>
+                  </a:schemeClr>
+                </a:solidFill>
+                <a:effectLst>
+                  <a:outerShdw blurRad="38100" dist="38100" dir="2700000" algn="tl">
+                    <a:srgbClr val="000000">
+                      <a:alpha val="43137"/>
+                    </a:srgbClr>
+                  </a:outerShdw>
+                </a:effectLst>
+              </a:rPr>
+              <a:t>(Editor)</a:t>
+            </a:r>
+            <a:br>
+              <a:rPr lang="uk-UA" sz="2400" b="1" dirty="0">
+                <a:solidFill>
+                  <a:schemeClr val="tx1">
+                    <a:lumMod val="95000"/>
+                  </a:schemeClr>
+                </a:solidFill>
+                <a:effectLst>
+                  <a:outerShdw blurRad="38100" dist="38100" dir="2700000" algn="tl">
+                    <a:srgbClr val="000000">
+                      <a:alpha val="43137"/>
+                    </a:srgbClr>
+                  </a:outerShdw>
+                </a:effectLst>
+              </a:rPr>
+            </a:br>
+            <a:r>
+              <a:rPr lang="uk-UA" sz="2400" b="1" dirty="0">
+                <a:solidFill>
+                  <a:schemeClr val="tx1">
+                    <a:lumMod val="95000"/>
+                  </a:schemeClr>
+                </a:solidFill>
+                <a:effectLst>
+                  <a:outerShdw blurRad="38100" dist="38100" dir="2700000" algn="tl">
+                    <a:srgbClr val="000000">
+                      <a:alpha val="43137"/>
+                    </a:srgbClr>
+                  </a:outerShdw>
+                </a:effectLst>
+              </a:rPr>
+              <a:t>Фоменко Валентин Олександрович</a:t>
+            </a:r>
+            <a:r>
+              <a:rPr lang="en-US" sz="2400" b="1" dirty="0">
+                <a:solidFill>
+                  <a:schemeClr val="tx1">
+                    <a:lumMod val="95000"/>
+                  </a:schemeClr>
+                </a:solidFill>
+                <a:effectLst>
+                  <a:outerShdw blurRad="38100" dist="38100" dir="2700000" algn="tl">
+                    <a:srgbClr val="000000">
+                      <a:alpha val="43137"/>
+                    </a:srgbClr>
+                  </a:outerShdw>
+                </a:effectLst>
+              </a:rPr>
+              <a:t>(Editor</a:t>
+            </a:r>
+            <a:r>
+              <a:rPr lang="uk-UA" sz="2400" b="1" dirty="0">
+                <a:solidFill>
+                  <a:schemeClr val="tx1">
+                    <a:lumMod val="95000"/>
+                  </a:schemeClr>
+                </a:solidFill>
+                <a:effectLst>
+                  <a:outerShdw blurRad="38100" dist="38100" dir="2700000" algn="tl">
+                    <a:srgbClr val="000000">
+                      <a:alpha val="43137"/>
+                    </a:srgbClr>
+                  </a:outerShdw>
+                </a:effectLst>
+              </a:rPr>
+              <a:t>)</a:t>
+            </a:r>
+            <a:endParaRPr lang="ru-UA" dirty="0">
+              <a:solidFill>
+                <a:schemeClr val="tx1">
+                  <a:lumMod val="95000"/>
+                </a:schemeClr>
+              </a:solidFill>
+            </a:endParaRPr>
+          </a:p>
+        </p:txBody>
+      </p:sp>
+    </p:spTree>
+    <p:extLst>
+      <p:ext uri="{BB962C8B-B14F-4D97-AF65-F5344CB8AC3E}">
+        <p14:creationId xmlns:p14="http://schemas.microsoft.com/office/powerpoint/2010/main" val="425924951"/>
+      </p:ext>
+    </p:extLst>
+  </p:cSld>
+  <p:clrMapOvr>
+    <a:masterClrMapping/>
+  </p:clrMapOvr>
+</p:sld>
+</file>
+
+<file path=ppt/slides/slide3.xml><?xml version="1.0" encoding="utf-8"?>
+<p:sld xmlns:a="http://schemas.openxmlformats.org/drawingml/2006/main" xmlns:r="http://schemas.openxmlformats.org/officeDocument/2006/relationships" xmlns:p="http://schemas.openxmlformats.org/presentationml/2006/main">
+  <p:cSld>
+    <p:spTree>
+      <p:nvGrpSpPr>
+        <p:cNvPr id="1" name=""/>
+        <p:cNvGrpSpPr/>
+        <p:nvPr/>
+      </p:nvGrpSpPr>
+      <p:grpSpPr>
+        <a:xfrm>
+          <a:off x="0" y="0"/>
+          <a:ext cx="0" cy="0"/>
+          <a:chOff x="0" y="0"/>
+          <a:chExt cx="0" cy="0"/>
+        </a:xfrm>
+      </p:grpSpPr>
+      <p:pic>
+        <p:nvPicPr>
+          <p:cNvPr id="9" name="Рисунок 8" descr="Зображення, що містить текст&#10;&#10;Автоматично згенерований опис">
+            <a:extLst>
+              <a:ext uri="{FF2B5EF4-FFF2-40B4-BE49-F238E27FC236}">
+                <a16:creationId xmlns:a16="http://schemas.microsoft.com/office/drawing/2014/main" id="{DBA359FC-568E-50DD-2879-E38D5486CD9F}"/>
+              </a:ext>
+            </a:extLst>
+          </p:cNvPr>
+          <p:cNvPicPr>
+            <a:picLocks noChangeAspect="1"/>
+          </p:cNvPicPr>
+          <p:nvPr/>
+        </p:nvPicPr>
+        <p:blipFill>
+          <a:blip r:embed="rId2"/>
+          <a:stretch>
+            <a:fillRect/>
+          </a:stretch>
+        </p:blipFill>
+        <p:spPr>
+          <a:xfrm>
+            <a:off x="0" y="0"/>
+            <a:ext cx="12192000" cy="6858000"/>
+          </a:xfrm>
+          <a:prstGeom prst="rect">
+            <a:avLst/>
+          </a:prstGeom>
+        </p:spPr>
+      </p:pic>
+      <p:sp>
+        <p:nvSpPr>
+          <p:cNvPr id="3" name="Підзаголовок 2">
+            <a:extLst>
+              <a:ext uri="{FF2B5EF4-FFF2-40B4-BE49-F238E27FC236}">
+                <a16:creationId xmlns:a16="http://schemas.microsoft.com/office/drawing/2014/main" id="{A6992853-46B5-27BD-DF06-C8F0717237D9}"/>
+              </a:ext>
+            </a:extLst>
+          </p:cNvPr>
+          <p:cNvSpPr>
+            <a:spLocks noGrp="1"/>
+          </p:cNvSpPr>
+          <p:nvPr>
+            <p:ph type="subTitle" idx="1"/>
+          </p:nvPr>
+        </p:nvSpPr>
+        <p:spPr>
+          <a:xfrm>
+            <a:off x="3576419" y="4451955"/>
+            <a:ext cx="5039161" cy="587407"/>
+          </a:xfrm>
+        </p:spPr>
+        <p:txBody>
+          <a:bodyPr>
+            <a:normAutofit/>
+          </a:bodyPr>
+          <a:lstStyle/>
+          <a:p>
+            <a:r>
+              <a:rPr lang="en-US" sz="2800" dirty="0">
+                <a:solidFill>
+                  <a:srgbClr val="7163C0"/>
+                </a:solidFill>
+              </a:rPr>
+              <a:t>https://desktop.github.com/</a:t>
+            </a:r>
+            <a:endParaRPr lang="uk-UA" sz="2800" dirty="0">
+              <a:solidFill>
+                <a:srgbClr val="7163C0"/>
+              </a:solidFill>
+            </a:endParaRPr>
+          </a:p>
+        </p:txBody>
+      </p:sp>
+    </p:spTree>
+    <p:extLst>
+      <p:ext uri="{BB962C8B-B14F-4D97-AF65-F5344CB8AC3E}">
+        <p14:creationId xmlns:p14="http://schemas.microsoft.com/office/powerpoint/2010/main" val="2957209552"/>
+      </p:ext>
+    </p:extLst>
+  </p:cSld>
+  <p:clrMapOvr>
+    <a:masterClrMapping/>
+  </p:clrMapOvr>
+</p:sld>
+</file>
+
+<file path=ppt/slides/slide4.xml><?xml version="1.0" encoding="utf-8"?>
+<p:sld xmlns:a="http://schemas.openxmlformats.org/drawingml/2006/main" xmlns:r="http://schemas.openxmlformats.org/officeDocument/2006/relationships" xmlns:p="http://schemas.openxmlformats.org/presentationml/2006/main">
+  <p:cSld>
+    <p:spTree>
+      <p:nvGrpSpPr>
+        <p:cNvPr id="1" name=""/>
+        <p:cNvGrpSpPr/>
+        <p:nvPr/>
+      </p:nvGrpSpPr>
+      <p:grpSpPr>
+        <a:xfrm>
+          <a:off x="0" y="0"/>
+          <a:ext cx="0" cy="0"/>
+          <a:chOff x="0" y="0"/>
+          <a:chExt cx="0" cy="0"/>
+        </a:xfrm>
+      </p:grpSpPr>
+      <p:sp>
+        <p:nvSpPr>
+          <p:cNvPr id="6" name="Прямокутник 5">
+            <a:extLst>
+              <a:ext uri="{FF2B5EF4-FFF2-40B4-BE49-F238E27FC236}">
+                <a16:creationId xmlns:a16="http://schemas.microsoft.com/office/drawing/2014/main" id="{7287331D-FEEE-91BE-62EA-25A87D1B7100}"/>
+              </a:ext>
+            </a:extLst>
+          </p:cNvPr>
+          <p:cNvSpPr/>
+          <p:nvPr/>
+        </p:nvSpPr>
+        <p:spPr>
+          <a:xfrm>
+            <a:off x="0" y="0"/>
+            <a:ext cx="12192000" cy="6858000"/>
+          </a:xfrm>
+          <a:prstGeom prst="rect">
+            <a:avLst/>
+          </a:prstGeom>
+          <a:solidFill>
+            <a:srgbClr val="24292E"/>
+          </a:solidFill>
+          <a:ln>
+            <a:solidFill>
+              <a:srgbClr val="24292E"/>
+            </a:solidFill>
+          </a:ln>
+        </p:spPr>
+        <p:style>
+          <a:lnRef idx="2">
+            <a:schemeClr val="accent1">
+              <a:shade val="50000"/>
+            </a:schemeClr>
+          </a:lnRef>
+          <a:fillRef idx="1">
+            <a:schemeClr val="accent1"/>
+          </a:fillRef>
+          <a:effectRef idx="0">
+            <a:schemeClr val="accent1"/>
+          </a:effectRef>
+          <a:fontRef idx="minor">
+            <a:schemeClr val="lt1"/>
+          </a:fontRef>
+        </p:style>
+        <p:txBody>
+          <a:bodyPr rtlCol="0" anchor="ctr"/>
+          <a:lstStyle/>
+          <a:p>
+            <a:pPr algn="ctr"/>
+            <a:endParaRPr lang="uk-UA"/>
+          </a:p>
+        </p:txBody>
+      </p:sp>
+      <p:pic>
+        <p:nvPicPr>
+          <p:cNvPr id="8" name="Рисунок 7">
+            <a:extLst>
+              <a:ext uri="{FF2B5EF4-FFF2-40B4-BE49-F238E27FC236}">
+                <a16:creationId xmlns:a16="http://schemas.microsoft.com/office/drawing/2014/main" id="{E736F2B9-A1B3-10C9-69C1-AF0104866DE5}"/>
+              </a:ext>
+            </a:extLst>
+          </p:cNvPr>
+          <p:cNvPicPr>
+            <a:picLocks noChangeAspect="1"/>
+          </p:cNvPicPr>
+          <p:nvPr/>
+        </p:nvPicPr>
+        <p:blipFill>
+          <a:blip r:embed="rId2"/>
+          <a:stretch>
+            <a:fillRect/>
+          </a:stretch>
+        </p:blipFill>
+        <p:spPr>
+          <a:xfrm>
+            <a:off x="-657885" y="-5906"/>
+            <a:ext cx="13507769" cy="6863906"/>
+          </a:xfrm>
+          <a:prstGeom prst="rect">
+            <a:avLst/>
+          </a:prstGeom>
+        </p:spPr>
+      </p:pic>
+    </p:spTree>
+    <p:extLst>
+      <p:ext uri="{BB962C8B-B14F-4D97-AF65-F5344CB8AC3E}">
+        <p14:creationId xmlns:p14="http://schemas.microsoft.com/office/powerpoint/2010/main" val="2168989137"/>
+      </p:ext>
+    </p:extLst>
+  </p:cSld>
+  <p:clrMapOvr>
+    <a:masterClrMapping/>
+  </p:clrMapOvr>
+</p:sld>
+</file>
+
+<file path=ppt/slides/slide5.xml><?xml version="1.0" encoding="utf-8"?>
+<p:sld xmlns:a="http://schemas.openxmlformats.org/drawingml/2006/main" xmlns:r="http://schemas.openxmlformats.org/officeDocument/2006/relationships" xmlns:p="http://schemas.openxmlformats.org/presentationml/2006/main">
+  <p:cSld>
+    <p:spTree>
+      <p:nvGrpSpPr>
+        <p:cNvPr id="1" name=""/>
+        <p:cNvGrpSpPr/>
+        <p:nvPr/>
+      </p:nvGrpSpPr>
+      <p:grpSpPr>
+        <a:xfrm>
+          <a:off x="0" y="0"/>
+          <a:ext cx="0" cy="0"/>
+          <a:chOff x="0" y="0"/>
+          <a:chExt cx="0" cy="0"/>
+        </a:xfrm>
+      </p:grpSpPr>
+      <p:pic>
+        <p:nvPicPr>
+          <p:cNvPr id="7" name="Рисунок 6">
+            <a:extLst>
+              <a:ext uri="{FF2B5EF4-FFF2-40B4-BE49-F238E27FC236}">
+                <a16:creationId xmlns:a16="http://schemas.microsoft.com/office/drawing/2014/main" id="{499B55FB-5039-5D4B-B881-E46A82D30FC3}"/>
+              </a:ext>
+            </a:extLst>
+          </p:cNvPr>
+          <p:cNvPicPr>
+            <a:picLocks noChangeAspect="1"/>
+          </p:cNvPicPr>
+          <p:nvPr/>
+        </p:nvPicPr>
+        <p:blipFill>
+          <a:blip r:embed="rId2"/>
+          <a:stretch>
+            <a:fillRect/>
+          </a:stretch>
+        </p:blipFill>
+        <p:spPr>
+          <a:xfrm>
+            <a:off x="1897561" y="1346494"/>
+            <a:ext cx="8396873" cy="4467810"/>
+          </a:xfrm>
+          <a:prstGeom prst="rect">
+            <a:avLst/>
+          </a:prstGeom>
+        </p:spPr>
+      </p:pic>
+      <p:sp>
+        <p:nvSpPr>
+          <p:cNvPr id="8" name="TextBox 7">
+            <a:extLst>
+              <a:ext uri="{FF2B5EF4-FFF2-40B4-BE49-F238E27FC236}">
+                <a16:creationId xmlns:a16="http://schemas.microsoft.com/office/drawing/2014/main" id="{2A51D7BA-D300-868E-38DB-9AEA7F744494}"/>
+              </a:ext>
+            </a:extLst>
+          </p:cNvPr>
+          <p:cNvSpPr txBox="1"/>
+          <p:nvPr/>
+        </p:nvSpPr>
+        <p:spPr>
+          <a:xfrm>
+            <a:off x="3466513" y="112542"/>
+            <a:ext cx="5258971" cy="523220"/>
+          </a:xfrm>
+          <a:prstGeom prst="rect">
+            <a:avLst/>
+          </a:prstGeom>
+          <a:noFill/>
+        </p:spPr>
+        <p:txBody>
+          <a:bodyPr wrap="square" rtlCol="0">
+            <a:spAutoFit/>
+          </a:bodyPr>
+          <a:lstStyle/>
+          <a:p>
+            <a:r>
+              <a:rPr lang="ru-RU" sz="2800" dirty="0"/>
+              <a:t>Вид </a:t>
+            </a:r>
+            <a:r>
+              <a:rPr lang="uk-UA" sz="2800" dirty="0"/>
+              <a:t>програми</a:t>
+            </a:r>
+            <a:r>
+              <a:rPr lang="ru-RU" sz="2800" dirty="0"/>
+              <a:t> </a:t>
+            </a:r>
+            <a:r>
+              <a:rPr lang="en-US" sz="2800" dirty="0"/>
+              <a:t>GitHub Desktop</a:t>
+            </a:r>
+            <a:endParaRPr lang="ru-UA" sz="2800" dirty="0"/>
+          </a:p>
+        </p:txBody>
+      </p:sp>
+      <p:cxnSp>
+        <p:nvCxnSpPr>
+          <p:cNvPr id="10" name="Прямая со стрелкой 9">
+            <a:extLst>
+              <a:ext uri="{FF2B5EF4-FFF2-40B4-BE49-F238E27FC236}">
+                <a16:creationId xmlns:a16="http://schemas.microsoft.com/office/drawing/2014/main" id="{6103BA08-BE14-A501-FFC0-7AF34E40C153}"/>
+              </a:ext>
+            </a:extLst>
+          </p:cNvPr>
+          <p:cNvCxnSpPr>
+            <a:cxnSpLocks/>
+          </p:cNvCxnSpPr>
+          <p:nvPr/>
+        </p:nvCxnSpPr>
+        <p:spPr>
+          <a:xfrm>
+            <a:off x="431800" y="5641145"/>
+            <a:ext cx="1565812" cy="0"/>
+          </a:xfrm>
+          <a:prstGeom prst="straightConnector1">
+            <a:avLst/>
+          </a:prstGeom>
+          <a:ln w="38100">
+            <a:solidFill>
+              <a:schemeClr val="accent1">
+                <a:lumMod val="75000"/>
+              </a:schemeClr>
+            </a:solidFill>
+            <a:tailEnd type="triangle"/>
+          </a:ln>
+        </p:spPr>
+        <p:style>
+          <a:lnRef idx="1">
+            <a:schemeClr val="accent1"/>
+          </a:lnRef>
+          <a:fillRef idx="0">
+            <a:schemeClr val="accent1"/>
+          </a:fillRef>
+          <a:effectRef idx="0">
+            <a:schemeClr val="accent1"/>
+          </a:effectRef>
+          <a:fontRef idx="minor">
+            <a:schemeClr val="tx1"/>
+          </a:fontRef>
+        </p:style>
+      </p:cxnSp>
+      <p:sp>
+        <p:nvSpPr>
+          <p:cNvPr id="11" name="TextBox 10">
+            <a:extLst>
+              <a:ext uri="{FF2B5EF4-FFF2-40B4-BE49-F238E27FC236}">
+                <a16:creationId xmlns:a16="http://schemas.microsoft.com/office/drawing/2014/main" id="{17AD0D8E-CEA5-DE28-9311-CA089EBF3186}"/>
+              </a:ext>
+            </a:extLst>
+          </p:cNvPr>
+          <p:cNvSpPr txBox="1"/>
+          <p:nvPr/>
+        </p:nvSpPr>
+        <p:spPr>
+          <a:xfrm>
+            <a:off x="4942111" y="674364"/>
+            <a:ext cx="1995717" cy="369332"/>
+          </a:xfrm>
+          <a:prstGeom prst="rect">
+            <a:avLst/>
+          </a:prstGeom>
+          <a:noFill/>
+        </p:spPr>
+        <p:txBody>
+          <a:bodyPr wrap="square" rtlCol="0">
+            <a:spAutoFit/>
+          </a:bodyPr>
+          <a:lstStyle/>
+          <a:p>
+            <a:r>
+              <a:rPr lang="ru-RU" dirty="0"/>
+              <a:t>Гайд на </a:t>
+            </a:r>
+            <a:r>
+              <a:rPr lang="ru-RU" dirty="0" err="1"/>
+              <a:t>інтерфейс</a:t>
+            </a:r>
+            <a:endParaRPr lang="ru-UA" dirty="0"/>
+          </a:p>
+        </p:txBody>
+      </p:sp>
+      <p:sp>
+        <p:nvSpPr>
+          <p:cNvPr id="2" name="TextBox 1">
+            <a:extLst>
+              <a:ext uri="{FF2B5EF4-FFF2-40B4-BE49-F238E27FC236}">
+                <a16:creationId xmlns:a16="http://schemas.microsoft.com/office/drawing/2014/main" id="{B3AD613C-6F4A-408C-088E-F003F6DCC9FB}"/>
+              </a:ext>
+            </a:extLst>
+          </p:cNvPr>
+          <p:cNvSpPr txBox="1"/>
+          <p:nvPr/>
+        </p:nvSpPr>
+        <p:spPr>
+          <a:xfrm>
+            <a:off x="395963" y="4994814"/>
+            <a:ext cx="1243976" cy="646331"/>
+          </a:xfrm>
+          <a:prstGeom prst="rect">
+            <a:avLst/>
+          </a:prstGeom>
+          <a:noFill/>
+        </p:spPr>
+        <p:txBody>
+          <a:bodyPr wrap="square" rtlCol="0">
+            <a:spAutoFit/>
+          </a:bodyPr>
+          <a:lstStyle/>
+          <a:p>
+            <a:r>
+              <a:rPr lang="uk-UA" dirty="0"/>
+              <a:t>Зробити </a:t>
+            </a:r>
+            <a:r>
+              <a:rPr lang="en-US" dirty="0"/>
+              <a:t>commit</a:t>
+            </a:r>
+            <a:endParaRPr lang="ru-UA" dirty="0"/>
+          </a:p>
+        </p:txBody>
+      </p:sp>
+      <p:cxnSp>
+        <p:nvCxnSpPr>
+          <p:cNvPr id="4" name="Прямая со стрелкой 3">
+            <a:extLst>
+              <a:ext uri="{FF2B5EF4-FFF2-40B4-BE49-F238E27FC236}">
+                <a16:creationId xmlns:a16="http://schemas.microsoft.com/office/drawing/2014/main" id="{21C3F8A5-152D-E478-26DA-01817FF82794}"/>
+              </a:ext>
+            </a:extLst>
+          </p:cNvPr>
+          <p:cNvCxnSpPr>
+            <a:cxnSpLocks/>
+          </p:cNvCxnSpPr>
+          <p:nvPr/>
+        </p:nvCxnSpPr>
+        <p:spPr>
+          <a:xfrm flipH="1">
+            <a:off x="3314700" y="5120445"/>
+            <a:ext cx="1409700" cy="0"/>
+          </a:xfrm>
+          <a:prstGeom prst="straightConnector1">
+            <a:avLst/>
+          </a:prstGeom>
+          <a:ln w="38100">
+            <a:solidFill>
+              <a:schemeClr val="accent1">
+                <a:lumMod val="75000"/>
+              </a:schemeClr>
+            </a:solidFill>
+            <a:tailEnd type="triangle"/>
+          </a:ln>
+        </p:spPr>
+        <p:style>
+          <a:lnRef idx="1">
+            <a:schemeClr val="accent1"/>
+          </a:lnRef>
+          <a:fillRef idx="0">
+            <a:schemeClr val="accent1"/>
+          </a:fillRef>
+          <a:effectRef idx="0">
+            <a:schemeClr val="accent1"/>
+          </a:effectRef>
+          <a:fontRef idx="minor">
+            <a:schemeClr val="tx1"/>
+          </a:fontRef>
+        </p:style>
+      </p:cxnSp>
+      <p:sp>
+        <p:nvSpPr>
+          <p:cNvPr id="6" name="TextBox 5">
+            <a:extLst>
+              <a:ext uri="{FF2B5EF4-FFF2-40B4-BE49-F238E27FC236}">
+                <a16:creationId xmlns:a16="http://schemas.microsoft.com/office/drawing/2014/main" id="{3D242A28-764B-09D3-F433-4EB0352591D4}"/>
+              </a:ext>
+            </a:extLst>
+          </p:cNvPr>
+          <p:cNvSpPr txBox="1"/>
+          <p:nvPr/>
+        </p:nvSpPr>
+        <p:spPr>
+          <a:xfrm>
+            <a:off x="3813622" y="4474114"/>
+            <a:ext cx="1168400" cy="646331"/>
+          </a:xfrm>
+          <a:prstGeom prst="rect">
+            <a:avLst/>
+          </a:prstGeom>
+          <a:noFill/>
+        </p:spPr>
+        <p:txBody>
+          <a:bodyPr wrap="square" rtlCol="0">
+            <a:spAutoFit/>
+          </a:bodyPr>
+          <a:lstStyle/>
+          <a:p>
+            <a:r>
+              <a:rPr lang="ru-RU" dirty="0" err="1">
+                <a:solidFill>
+                  <a:schemeClr val="bg1"/>
+                </a:solidFill>
+              </a:rPr>
+              <a:t>Опис</a:t>
+            </a:r>
+            <a:r>
+              <a:rPr lang="en-US" dirty="0">
+                <a:solidFill>
+                  <a:schemeClr val="bg1"/>
+                </a:solidFill>
+              </a:rPr>
+              <a:t> </a:t>
+            </a:r>
+            <a:r>
+              <a:rPr lang="en-GB" dirty="0">
+                <a:solidFill>
+                  <a:schemeClr val="bg1"/>
+                </a:solidFill>
+              </a:rPr>
+              <a:t>commit</a:t>
+            </a:r>
+            <a:endParaRPr lang="ru-UA" dirty="0">
+              <a:solidFill>
+                <a:schemeClr val="bg1"/>
+              </a:solidFill>
+            </a:endParaRPr>
+          </a:p>
+        </p:txBody>
+      </p:sp>
+      <p:cxnSp>
+        <p:nvCxnSpPr>
+          <p:cNvPr id="13" name="Прямая со стрелкой 12">
+            <a:extLst>
+              <a:ext uri="{FF2B5EF4-FFF2-40B4-BE49-F238E27FC236}">
+                <a16:creationId xmlns:a16="http://schemas.microsoft.com/office/drawing/2014/main" id="{B169E7C1-7CEF-C9A1-EDA5-B71EF2005692}"/>
+              </a:ext>
+            </a:extLst>
+          </p:cNvPr>
+          <p:cNvCxnSpPr>
+            <a:cxnSpLocks/>
+          </p:cNvCxnSpPr>
+          <p:nvPr/>
+        </p:nvCxnSpPr>
+        <p:spPr>
+          <a:xfrm>
+            <a:off x="673100" y="4797279"/>
+            <a:ext cx="1536700" cy="0"/>
+          </a:xfrm>
+          <a:prstGeom prst="straightConnector1">
+            <a:avLst/>
+          </a:prstGeom>
+          <a:ln w="38100">
+            <a:solidFill>
+              <a:schemeClr val="accent1">
+                <a:lumMod val="75000"/>
+              </a:schemeClr>
+            </a:solidFill>
+            <a:tailEnd type="triangle"/>
+          </a:ln>
+        </p:spPr>
+        <p:style>
+          <a:lnRef idx="1">
+            <a:schemeClr val="accent1"/>
+          </a:lnRef>
+          <a:fillRef idx="0">
+            <a:schemeClr val="accent1"/>
+          </a:fillRef>
+          <a:effectRef idx="0">
+            <a:schemeClr val="accent1"/>
+          </a:effectRef>
+          <a:fontRef idx="minor">
+            <a:schemeClr val="tx1"/>
+          </a:fontRef>
+        </p:style>
+      </p:cxnSp>
+      <p:sp>
+        <p:nvSpPr>
+          <p:cNvPr id="15" name="TextBox 14">
+            <a:extLst>
+              <a:ext uri="{FF2B5EF4-FFF2-40B4-BE49-F238E27FC236}">
+                <a16:creationId xmlns:a16="http://schemas.microsoft.com/office/drawing/2014/main" id="{0553B7CC-36D7-183E-0327-A21D6C866B7B}"/>
+              </a:ext>
+            </a:extLst>
+          </p:cNvPr>
+          <p:cNvSpPr txBox="1"/>
+          <p:nvPr/>
+        </p:nvSpPr>
+        <p:spPr>
+          <a:xfrm>
+            <a:off x="638471" y="4150947"/>
+            <a:ext cx="1090520" cy="646331"/>
+          </a:xfrm>
+          <a:prstGeom prst="rect">
+            <a:avLst/>
+          </a:prstGeom>
+          <a:noFill/>
+        </p:spPr>
+        <p:txBody>
+          <a:bodyPr wrap="square" rtlCol="0">
+            <a:spAutoFit/>
+          </a:bodyPr>
+          <a:lstStyle/>
+          <a:p>
+            <a:r>
+              <a:rPr lang="ru-RU" dirty="0" err="1"/>
+              <a:t>Назва</a:t>
+            </a:r>
+            <a:r>
+              <a:rPr lang="ru-RU" dirty="0"/>
+              <a:t> </a:t>
+            </a:r>
+            <a:r>
+              <a:rPr lang="en-US" dirty="0"/>
+              <a:t>commit</a:t>
+            </a:r>
+            <a:endParaRPr lang="ru-UA" dirty="0"/>
+          </a:p>
+        </p:txBody>
+      </p:sp>
+      <p:cxnSp>
+        <p:nvCxnSpPr>
+          <p:cNvPr id="16" name="Прямая со стрелкой 15">
+            <a:extLst>
+              <a:ext uri="{FF2B5EF4-FFF2-40B4-BE49-F238E27FC236}">
+                <a16:creationId xmlns:a16="http://schemas.microsoft.com/office/drawing/2014/main" id="{626897BE-3232-C271-CD46-09927C7D34DF}"/>
+              </a:ext>
+            </a:extLst>
+          </p:cNvPr>
+          <p:cNvCxnSpPr>
+            <a:cxnSpLocks/>
+          </p:cNvCxnSpPr>
+          <p:nvPr/>
+        </p:nvCxnSpPr>
+        <p:spPr>
+          <a:xfrm>
+            <a:off x="415381" y="1736579"/>
+            <a:ext cx="1536700" cy="0"/>
+          </a:xfrm>
+          <a:prstGeom prst="straightConnector1">
+            <a:avLst/>
+          </a:prstGeom>
+          <a:ln w="38100">
+            <a:solidFill>
+              <a:schemeClr val="accent1">
+                <a:lumMod val="75000"/>
+              </a:schemeClr>
+            </a:solidFill>
+            <a:tailEnd type="triangle"/>
+          </a:ln>
+        </p:spPr>
+        <p:style>
+          <a:lnRef idx="1">
+            <a:schemeClr val="accent1"/>
+          </a:lnRef>
+          <a:fillRef idx="0">
+            <a:schemeClr val="accent1"/>
+          </a:fillRef>
+          <a:effectRef idx="0">
+            <a:schemeClr val="accent1"/>
+          </a:effectRef>
+          <a:fontRef idx="minor">
+            <a:schemeClr val="tx1"/>
+          </a:fontRef>
+        </p:style>
+      </p:cxnSp>
+      <p:sp>
+        <p:nvSpPr>
+          <p:cNvPr id="17" name="TextBox 16">
+            <a:extLst>
+              <a:ext uri="{FF2B5EF4-FFF2-40B4-BE49-F238E27FC236}">
+                <a16:creationId xmlns:a16="http://schemas.microsoft.com/office/drawing/2014/main" id="{E906B029-1031-46A6-8418-D07A27F8EC09}"/>
+              </a:ext>
+            </a:extLst>
+          </p:cNvPr>
+          <p:cNvSpPr txBox="1"/>
+          <p:nvPr/>
+        </p:nvSpPr>
+        <p:spPr>
+          <a:xfrm>
+            <a:off x="360861" y="999611"/>
+            <a:ext cx="1536700" cy="646331"/>
+          </a:xfrm>
+          <a:prstGeom prst="rect">
+            <a:avLst/>
+          </a:prstGeom>
+          <a:noFill/>
+        </p:spPr>
+        <p:txBody>
+          <a:bodyPr wrap="square" rtlCol="0">
+            <a:spAutoFit/>
+          </a:bodyPr>
+          <a:lstStyle/>
+          <a:p>
+            <a:r>
+              <a:rPr lang="ru-RU" dirty="0" err="1"/>
+              <a:t>Вибраний</a:t>
+            </a:r>
+            <a:r>
+              <a:rPr lang="ru-RU" dirty="0"/>
+              <a:t> </a:t>
+            </a:r>
+            <a:r>
+              <a:rPr lang="ru-RU" dirty="0" err="1"/>
+              <a:t>репозіторій</a:t>
+            </a:r>
+            <a:endParaRPr lang="ru-UA" dirty="0"/>
+          </a:p>
+        </p:txBody>
+      </p:sp>
+      <p:cxnSp>
+        <p:nvCxnSpPr>
+          <p:cNvPr id="18" name="Прямая со стрелкой 17">
+            <a:extLst>
+              <a:ext uri="{FF2B5EF4-FFF2-40B4-BE49-F238E27FC236}">
+                <a16:creationId xmlns:a16="http://schemas.microsoft.com/office/drawing/2014/main" id="{329ED21C-43C3-8187-079B-CF8FEA9291A5}"/>
+              </a:ext>
+            </a:extLst>
+          </p:cNvPr>
+          <p:cNvCxnSpPr>
+            <a:cxnSpLocks/>
+          </p:cNvCxnSpPr>
+          <p:nvPr/>
+        </p:nvCxnSpPr>
+        <p:spPr>
+          <a:xfrm flipV="1">
+            <a:off x="4169222" y="1825479"/>
+            <a:ext cx="0" cy="930421"/>
+          </a:xfrm>
+          <a:prstGeom prst="straightConnector1">
+            <a:avLst/>
+          </a:prstGeom>
+          <a:ln w="38100">
+            <a:solidFill>
+              <a:schemeClr val="accent1">
+                <a:lumMod val="75000"/>
+              </a:schemeClr>
+            </a:solidFill>
+            <a:tailEnd type="triangle"/>
+          </a:ln>
+        </p:spPr>
+        <p:style>
+          <a:lnRef idx="1">
+            <a:schemeClr val="accent1"/>
+          </a:lnRef>
+          <a:fillRef idx="0">
+            <a:schemeClr val="accent1"/>
+          </a:fillRef>
+          <a:effectRef idx="0">
+            <a:schemeClr val="accent1"/>
+          </a:effectRef>
+          <a:fontRef idx="minor">
+            <a:schemeClr val="tx1"/>
+          </a:fontRef>
+        </p:style>
+      </p:cxnSp>
+      <p:sp>
+        <p:nvSpPr>
+          <p:cNvPr id="21" name="TextBox 20">
+            <a:extLst>
+              <a:ext uri="{FF2B5EF4-FFF2-40B4-BE49-F238E27FC236}">
+                <a16:creationId xmlns:a16="http://schemas.microsoft.com/office/drawing/2014/main" id="{1490448B-B675-F096-5303-9E8AFECC1075}"/>
+              </a:ext>
+            </a:extLst>
+          </p:cNvPr>
+          <p:cNvSpPr txBox="1"/>
+          <p:nvPr/>
+        </p:nvSpPr>
+        <p:spPr>
+          <a:xfrm>
+            <a:off x="3314700" y="2725638"/>
+            <a:ext cx="1854200" cy="369332"/>
+          </a:xfrm>
+          <a:prstGeom prst="rect">
+            <a:avLst/>
+          </a:prstGeom>
+          <a:noFill/>
+        </p:spPr>
+        <p:txBody>
+          <a:bodyPr wrap="square" rtlCol="0">
+            <a:spAutoFit/>
+          </a:bodyPr>
+          <a:lstStyle/>
+          <a:p>
+            <a:r>
+              <a:rPr lang="uk-UA" dirty="0">
+                <a:solidFill>
+                  <a:schemeClr val="bg1"/>
+                </a:solidFill>
+              </a:rPr>
+              <a:t>Обрана гілка</a:t>
+            </a:r>
+            <a:endParaRPr lang="ru-UA" dirty="0">
+              <a:solidFill>
+                <a:schemeClr val="bg1"/>
+              </a:solidFill>
+            </a:endParaRPr>
+          </a:p>
+        </p:txBody>
+      </p:sp>
+      <p:cxnSp>
+        <p:nvCxnSpPr>
+          <p:cNvPr id="22" name="Прямая со стрелкой 21">
+            <a:extLst>
+              <a:ext uri="{FF2B5EF4-FFF2-40B4-BE49-F238E27FC236}">
+                <a16:creationId xmlns:a16="http://schemas.microsoft.com/office/drawing/2014/main" id="{0FBCCF6E-6BFD-4926-FB7B-A02C1283674C}"/>
+              </a:ext>
+            </a:extLst>
+          </p:cNvPr>
+          <p:cNvCxnSpPr>
+            <a:cxnSpLocks/>
+          </p:cNvCxnSpPr>
+          <p:nvPr/>
+        </p:nvCxnSpPr>
+        <p:spPr>
+          <a:xfrm>
+            <a:off x="431800" y="3046174"/>
+            <a:ext cx="1346540" cy="0"/>
+          </a:xfrm>
+          <a:prstGeom prst="straightConnector1">
+            <a:avLst/>
+          </a:prstGeom>
+          <a:ln w="38100">
+            <a:solidFill>
+              <a:schemeClr val="accent1">
+                <a:lumMod val="75000"/>
+              </a:schemeClr>
+            </a:solidFill>
+            <a:tailEnd type="triangle"/>
+          </a:ln>
+        </p:spPr>
+        <p:style>
+          <a:lnRef idx="1">
+            <a:schemeClr val="accent1"/>
+          </a:lnRef>
+          <a:fillRef idx="0">
+            <a:schemeClr val="accent1"/>
+          </a:fillRef>
+          <a:effectRef idx="0">
+            <a:schemeClr val="accent1"/>
+          </a:effectRef>
+          <a:fontRef idx="minor">
+            <a:schemeClr val="tx1"/>
+          </a:fontRef>
+        </p:style>
+      </p:cxnSp>
+      <p:sp>
+        <p:nvSpPr>
+          <p:cNvPr id="25" name="TextBox 24">
+            <a:extLst>
+              <a:ext uri="{FF2B5EF4-FFF2-40B4-BE49-F238E27FC236}">
+                <a16:creationId xmlns:a16="http://schemas.microsoft.com/office/drawing/2014/main" id="{685D72C6-297C-833D-995C-E5EC46F051C9}"/>
+              </a:ext>
+            </a:extLst>
+          </p:cNvPr>
+          <p:cNvSpPr txBox="1"/>
+          <p:nvPr/>
+        </p:nvSpPr>
+        <p:spPr>
+          <a:xfrm>
+            <a:off x="409609" y="2101264"/>
+            <a:ext cx="1359141" cy="923330"/>
+          </a:xfrm>
+          <a:prstGeom prst="rect">
+            <a:avLst/>
+          </a:prstGeom>
+          <a:noFill/>
+        </p:spPr>
+        <p:txBody>
+          <a:bodyPr wrap="square" rtlCol="0">
+            <a:spAutoFit/>
+          </a:bodyPr>
+          <a:lstStyle/>
+          <a:p>
+            <a:r>
+              <a:rPr lang="uk-UA" dirty="0"/>
+              <a:t>Список змінених файлів</a:t>
+            </a:r>
+            <a:endParaRPr lang="ru-UA" dirty="0"/>
+          </a:p>
+        </p:txBody>
+      </p:sp>
+      <p:cxnSp>
+        <p:nvCxnSpPr>
+          <p:cNvPr id="26" name="Прямая со стрелкой 25">
+            <a:extLst>
+              <a:ext uri="{FF2B5EF4-FFF2-40B4-BE49-F238E27FC236}">
+                <a16:creationId xmlns:a16="http://schemas.microsoft.com/office/drawing/2014/main" id="{ED606B6C-EDBC-25CD-A3E2-BF92BB38DCA3}"/>
+              </a:ext>
+            </a:extLst>
+          </p:cNvPr>
+          <p:cNvCxnSpPr>
+            <a:cxnSpLocks/>
+          </p:cNvCxnSpPr>
+          <p:nvPr/>
+        </p:nvCxnSpPr>
+        <p:spPr>
+          <a:xfrm flipV="1">
+            <a:off x="5477322" y="1804768"/>
+            <a:ext cx="0" cy="485921"/>
+          </a:xfrm>
+          <a:prstGeom prst="straightConnector1">
+            <a:avLst/>
+          </a:prstGeom>
+          <a:ln w="38100">
+            <a:solidFill>
+              <a:schemeClr val="accent1">
+                <a:lumMod val="75000"/>
+              </a:schemeClr>
+            </a:solidFill>
+            <a:tailEnd type="triangle"/>
+          </a:ln>
+        </p:spPr>
+        <p:style>
+          <a:lnRef idx="1">
+            <a:schemeClr val="accent1"/>
+          </a:lnRef>
+          <a:fillRef idx="0">
+            <a:schemeClr val="accent1"/>
+          </a:fillRef>
+          <a:effectRef idx="0">
+            <a:schemeClr val="accent1"/>
+          </a:effectRef>
+          <a:fontRef idx="minor">
+            <a:schemeClr val="tx1"/>
+          </a:fontRef>
+        </p:style>
+      </p:cxnSp>
+      <p:sp>
+        <p:nvSpPr>
+          <p:cNvPr id="28" name="TextBox 27">
+            <a:extLst>
+              <a:ext uri="{FF2B5EF4-FFF2-40B4-BE49-F238E27FC236}">
+                <a16:creationId xmlns:a16="http://schemas.microsoft.com/office/drawing/2014/main" id="{ED45EDF8-942D-430A-4C74-B985AE9455A2}"/>
+              </a:ext>
+            </a:extLst>
+          </p:cNvPr>
+          <p:cNvSpPr txBox="1"/>
+          <p:nvPr/>
+        </p:nvSpPr>
+        <p:spPr>
+          <a:xfrm>
+            <a:off x="4461322" y="2304605"/>
+            <a:ext cx="2032000" cy="369332"/>
+          </a:xfrm>
+          <a:prstGeom prst="rect">
+            <a:avLst/>
+          </a:prstGeom>
+          <a:noFill/>
+        </p:spPr>
+        <p:txBody>
+          <a:bodyPr wrap="square" rtlCol="0">
+            <a:spAutoFit/>
+          </a:bodyPr>
+          <a:lstStyle/>
+          <a:p>
+            <a:r>
+              <a:rPr lang="uk-UA" dirty="0">
+                <a:solidFill>
+                  <a:schemeClr val="bg1"/>
+                </a:solidFill>
+              </a:rPr>
+              <a:t>Оновити версію</a:t>
+            </a:r>
+            <a:endParaRPr lang="ru-UA" dirty="0">
+              <a:solidFill>
+                <a:schemeClr val="bg1"/>
+              </a:solidFill>
+            </a:endParaRPr>
+          </a:p>
+        </p:txBody>
+      </p:sp>
+    </p:spTree>
+    <p:extLst>
+      <p:ext uri="{BB962C8B-B14F-4D97-AF65-F5344CB8AC3E}">
+        <p14:creationId xmlns:p14="http://schemas.microsoft.com/office/powerpoint/2010/main" val="1063692877"/>
+      </p:ext>
+    </p:extLst>
+  </p:cSld>
+  <p:clrMapOvr>
+    <a:masterClrMapping/>
+  </p:clrMapOvr>
+</p:sld>
+</file>
+
+<file path=ppt/slides/slide6.xml><?xml version="1.0" encoding="utf-8"?>
+<p:sld xmlns:a="http://schemas.openxmlformats.org/drawingml/2006/main" xmlns:r="http://schemas.openxmlformats.org/officeDocument/2006/relationships" xmlns:p="http://schemas.openxmlformats.org/presentationml/2006/main">
+  <p:cSld>
+    <p:spTree>
+      <p:nvGrpSpPr>
+        <p:cNvPr id="1" name=""/>
+        <p:cNvGrpSpPr/>
+        <p:nvPr/>
+      </p:nvGrpSpPr>
+      <p:grpSpPr>
+        <a:xfrm>
+          <a:off x="0" y="0"/>
+          <a:ext cx="0" cy="0"/>
+          <a:chOff x="0" y="0"/>
+          <a:chExt cx="0" cy="0"/>
+        </a:xfrm>
+      </p:grpSpPr>
+      <p:pic>
+        <p:nvPicPr>
+          <p:cNvPr id="5" name="Рисунок 4">
+            <a:extLst>
+              <a:ext uri="{FF2B5EF4-FFF2-40B4-BE49-F238E27FC236}">
+                <a16:creationId xmlns:a16="http://schemas.microsoft.com/office/drawing/2014/main" id="{BD00FE9D-2B64-4FC1-0F72-848E75EF7295}"/>
+              </a:ext>
+            </a:extLst>
+          </p:cNvPr>
+          <p:cNvPicPr>
+            <a:picLocks noChangeAspect="1"/>
+          </p:cNvPicPr>
+          <p:nvPr/>
+        </p:nvPicPr>
+        <p:blipFill>
+          <a:blip r:embed="rId2"/>
+          <a:stretch>
+            <a:fillRect/>
+          </a:stretch>
+        </p:blipFill>
+        <p:spPr>
+          <a:xfrm>
+            <a:off x="544511" y="1163637"/>
+            <a:ext cx="2381250" cy="2905125"/>
+          </a:xfrm>
+          <a:prstGeom prst="rect">
+            <a:avLst/>
+          </a:prstGeom>
+        </p:spPr>
+      </p:pic>
+      <p:pic>
+        <p:nvPicPr>
+          <p:cNvPr id="7" name="Рисунок 6">
+            <a:extLst>
+              <a:ext uri="{FF2B5EF4-FFF2-40B4-BE49-F238E27FC236}">
+                <a16:creationId xmlns:a16="http://schemas.microsoft.com/office/drawing/2014/main" id="{CA622D8E-96C1-C0A4-3BC0-86ADBA93320F}"/>
+              </a:ext>
+            </a:extLst>
+          </p:cNvPr>
+          <p:cNvPicPr>
+            <a:picLocks noChangeAspect="1"/>
+          </p:cNvPicPr>
+          <p:nvPr/>
+        </p:nvPicPr>
+        <p:blipFill rotWithShape="1">
+          <a:blip r:embed="rId3"/>
+          <a:srcRect t="1831"/>
+          <a:stretch/>
+        </p:blipFill>
+        <p:spPr>
+          <a:xfrm>
+            <a:off x="3832225" y="1163637"/>
+            <a:ext cx="3486150" cy="4360863"/>
+          </a:xfrm>
+          <a:prstGeom prst="rect">
+            <a:avLst/>
+          </a:prstGeom>
+        </p:spPr>
+      </p:pic>
+      <p:pic>
+        <p:nvPicPr>
+          <p:cNvPr id="9" name="Рисунок 8">
+            <a:extLst>
+              <a:ext uri="{FF2B5EF4-FFF2-40B4-BE49-F238E27FC236}">
+                <a16:creationId xmlns:a16="http://schemas.microsoft.com/office/drawing/2014/main" id="{A217C176-C90C-1E4A-6D4B-25656FC45B93}"/>
+              </a:ext>
+            </a:extLst>
+          </p:cNvPr>
+          <p:cNvPicPr>
+            <a:picLocks noChangeAspect="1"/>
+          </p:cNvPicPr>
+          <p:nvPr/>
+        </p:nvPicPr>
+        <p:blipFill>
+          <a:blip r:embed="rId4"/>
+          <a:stretch>
+            <a:fillRect/>
+          </a:stretch>
+        </p:blipFill>
+        <p:spPr>
+          <a:xfrm>
+            <a:off x="8605839" y="1163637"/>
+            <a:ext cx="2371725" cy="4360863"/>
+          </a:xfrm>
+          <a:prstGeom prst="rect">
+            <a:avLst/>
+          </a:prstGeom>
+        </p:spPr>
+      </p:pic>
+      <p:sp>
+        <p:nvSpPr>
+          <p:cNvPr id="10" name="TextBox 9">
+            <a:extLst>
+              <a:ext uri="{FF2B5EF4-FFF2-40B4-BE49-F238E27FC236}">
+                <a16:creationId xmlns:a16="http://schemas.microsoft.com/office/drawing/2014/main" id="{045715C0-27BF-4328-BE8C-6EED8C99AEDD}"/>
+              </a:ext>
+            </a:extLst>
+          </p:cNvPr>
+          <p:cNvSpPr txBox="1"/>
+          <p:nvPr/>
+        </p:nvSpPr>
+        <p:spPr>
+          <a:xfrm>
+            <a:off x="432591" y="794305"/>
+            <a:ext cx="2605089" cy="369332"/>
+          </a:xfrm>
+          <a:prstGeom prst="rect">
+            <a:avLst/>
+          </a:prstGeom>
+          <a:noFill/>
+        </p:spPr>
+        <p:txBody>
+          <a:bodyPr wrap="square" rtlCol="0">
+            <a:spAutoFit/>
+          </a:bodyPr>
+          <a:lstStyle/>
+          <a:p>
+            <a:r>
+              <a:rPr lang="uk-UA" dirty="0"/>
+              <a:t>Список репозиторіїв</a:t>
+            </a:r>
+            <a:endParaRPr lang="ru-UA" dirty="0"/>
+          </a:p>
+        </p:txBody>
+      </p:sp>
+      <p:sp>
+        <p:nvSpPr>
+          <p:cNvPr id="11" name="TextBox 10">
+            <a:extLst>
+              <a:ext uri="{FF2B5EF4-FFF2-40B4-BE49-F238E27FC236}">
+                <a16:creationId xmlns:a16="http://schemas.microsoft.com/office/drawing/2014/main" id="{5B1AE018-1C81-CC30-BAE6-4AED261BEC14}"/>
+              </a:ext>
+            </a:extLst>
+          </p:cNvPr>
+          <p:cNvSpPr txBox="1"/>
+          <p:nvPr/>
+        </p:nvSpPr>
+        <p:spPr>
+          <a:xfrm>
+            <a:off x="3713162" y="623371"/>
+            <a:ext cx="3724275" cy="369332"/>
+          </a:xfrm>
+          <a:prstGeom prst="rect">
+            <a:avLst/>
+          </a:prstGeom>
+          <a:noFill/>
+        </p:spPr>
+        <p:txBody>
+          <a:bodyPr wrap="square" rtlCol="0">
+            <a:spAutoFit/>
+          </a:bodyPr>
+          <a:lstStyle/>
+          <a:p>
+            <a:r>
+              <a:rPr lang="uk-UA" dirty="0"/>
+              <a:t>Список гілок й </a:t>
+            </a:r>
+            <a:r>
+              <a:rPr lang="ru-UA" b="0" i="0" dirty="0">
+                <a:effectLst/>
+                <a:latin typeface="arial" panose="020B0604020202020204" pitchFamily="34" charset="0"/>
+              </a:rPr>
+              <a:t>✓</a:t>
+            </a:r>
+            <a:r>
+              <a:rPr lang="uk-UA" b="0" i="0" dirty="0">
+                <a:effectLst/>
+                <a:latin typeface="arial" panose="020B0604020202020204" pitchFamily="34" charset="0"/>
+              </a:rPr>
+              <a:t> - обрана гілка</a:t>
+            </a:r>
+            <a:endParaRPr lang="ru-UA" dirty="0"/>
+          </a:p>
+        </p:txBody>
+      </p:sp>
+      <p:sp>
+        <p:nvSpPr>
+          <p:cNvPr id="12" name="TextBox 11">
+            <a:extLst>
+              <a:ext uri="{FF2B5EF4-FFF2-40B4-BE49-F238E27FC236}">
+                <a16:creationId xmlns:a16="http://schemas.microsoft.com/office/drawing/2014/main" id="{7D418E9B-6EB7-2B74-001F-25CDC66D03EE}"/>
+              </a:ext>
+            </a:extLst>
+          </p:cNvPr>
+          <p:cNvSpPr txBox="1"/>
+          <p:nvPr/>
+        </p:nvSpPr>
+        <p:spPr>
+          <a:xfrm>
+            <a:off x="8605838" y="794305"/>
+            <a:ext cx="2371725" cy="369332"/>
+          </a:xfrm>
+          <a:prstGeom prst="rect">
+            <a:avLst/>
+          </a:prstGeom>
+          <a:noFill/>
+        </p:spPr>
+        <p:txBody>
+          <a:bodyPr wrap="square" rtlCol="0">
+            <a:spAutoFit/>
+          </a:bodyPr>
+          <a:lstStyle/>
+          <a:p>
+            <a:r>
+              <a:rPr lang="uk-UA" dirty="0"/>
+              <a:t>Історія змін гілки </a:t>
+            </a:r>
+            <a:endParaRPr lang="ru-UA" dirty="0"/>
+          </a:p>
+        </p:txBody>
+      </p:sp>
+    </p:spTree>
+    <p:extLst>
+      <p:ext uri="{BB962C8B-B14F-4D97-AF65-F5344CB8AC3E}">
+        <p14:creationId xmlns:p14="http://schemas.microsoft.com/office/powerpoint/2010/main" val="4061955769"/>
+      </p:ext>
+    </p:extLst>
+  </p:cSld>
+  <p:clrMapOvr>
+    <a:masterClrMapping/>
+  </p:clrMapOvr>
+</p:sld>
+</file>
+
+<file path=ppt/slides/slide7.xml><?xml version="1.0" encoding="utf-8"?>
+<p:sld xmlns:a="http://schemas.openxmlformats.org/drawingml/2006/main" xmlns:r="http://schemas.openxmlformats.org/officeDocument/2006/relationships" xmlns:p="http://schemas.openxmlformats.org/presentationml/2006/main">
+  <p:cSld>
+    <p:spTree>
+      <p:nvGrpSpPr>
+        <p:cNvPr id="1" name=""/>
+        <p:cNvGrpSpPr/>
+        <p:nvPr/>
+      </p:nvGrpSpPr>
+      <p:grpSpPr>
+        <a:xfrm>
+          <a:off x="0" y="0"/>
+          <a:ext cx="0" cy="0"/>
+          <a:chOff x="0" y="0"/>
+          <a:chExt cx="0" cy="0"/>
+        </a:xfrm>
+      </p:grpSpPr>
+      <p:sp>
+        <p:nvSpPr>
+          <p:cNvPr id="11" name="AutoShape 10" descr="data:image/jpeg;base64,/9j/4AAQSkZJRgABAQEAYABgAAD/2wBDAAgGBgcGBQgHBwcJCQgKDBQNDAsLDBkSEw8UHRofHh0aHBwgJC4nICIsIxwcKDcpLDAxNDQ0Hyc5PTgyPC4zNDL/2wBDAQkJCQwLDBgNDRgyIRwhMjIyMjIyMjIyMjIyMjIyMjIyMjIyMjIyMjIyMjIyMjIyMjIyMjIyMjIyMjIyMjIyMjL/wAARCAE0AyADASIAAhEBAxEB/8QAHwAAAQUBAQEBAQEAAAAAAAAAAAECAwQFBgcICQoL/8QAtRAAAgEDAwIEAwUFBAQAAAF9AQIDAAQRBRIhMUEGE1FhByJxFDKBkaEII0KxwRVS0fAkM2JyggkKFhcYGRolJicoKSo0NTY3ODk6Q0RFRkdISUpTVFVWV1hZWmNkZWZnaGlqc3R1dnd4eXqDhIWGh4iJipKTlJWWl5iZmqKjpKWmp6ipqrKztLW2t7i5usLDxMXGx8jJytLT1NXW19jZ2uHi4+Tl5ufo6erx8vP09fb3+Pn6/8QAHwEAAwEBAQEBAQEBAQAAAAAAAAECAwQFBgcICQoL/8QAtREAAgECBAQDBAcFBAQAAQJ3AAECAxEEBSExBhJBUQdhcRMiMoEIFEKRobHBCSMzUvAVYnLRChYkNOEl8RcYGRomJygpKjU2Nzg5OkNERUZHSElKU1RVVldYWVpjZGVmZ2hpanN0dXZ3eHl6goOEhYaHiImKkpOUlZaXmJmaoqOkpaanqKmqsrO0tba3uLm6wsPExcbHyMnK0tPU1dbX2Nna4uPk5ebn6Onq8vP09fb3+Pn6/9oADAMBAAIRAxEAPwD3+iiigAooooAKKKKACiiigAooooAKKKKACiiigAooooAKKKKACiiigAooooAKKKKACiiigAooooAKKKKACiiigAooooAKKKKACiiigAooooAKKKKACiiigAooooAKKKKACiiigAooooAKKKKACiiigAooooAKKKKACiiigAooooAKKKKACiiigAooooAKKKKACiiigAooooAKKKKACiiigAooooAKKKKACiiigAooooAKKKKACiiigAooooAKKKKACiiigAooooAKKKKACiiigAoqnd6rp9hKkV5ewQSOCVWRwpIHXGaE1Wxl01tQhuY5rRVLGWNtwwOvSgC5RVNtVs00v+0pJlS0KeZ5jelLpmpWur6fFfWb77eUZRsYzQBbooooAKKKKACimSSRxLukdUXOMscUJLHLu8uRH2nB2tnFAD6KKKACiiigAooooAKKKKACiiigAooooAKKKKACiiigAooooAKKKKACiiigAooooAKKKKAColuYXu5LVXzNGiyOmDwrFgD+JVvyqWsi3/5G7Uf+vK2/9DnoA16KKKAM2LxBpM+ofYIr+Brre0flBuSy53D6jB49jWlXIWDedcaTaqPmTUb+6Y9cKskqfqZBz7V19ABRTVdHLBWVipw2DnB9KdQAUUUUAFFFFABRRRQAUUUUAFFFFABRRRQAUUUUAFFFFABRRRQAUUUUAFFFFABRRRQAUUUUAFFFFABRRRQAUUUUAFFFFABRRRQAUUUUAFFFFABRRRQAUUUUAFFFFABRRRQAUUUUAFFFFABUVzcRWlrLczNtiiUu59AOtS0jKroUdQykYII4NAHEj4n6QFtriW0vYtOuZRFFevERGzE4FXvE82rW0U9/Dq1vY6ZDblwTHudpO34Vz/iWI+N9Wg8LabGqaTp8yTX9yowoZTlY19/WtTxV4Z1vWNSsHsrm0/s+zAZbadSVeQdGOOuKAKcWlah4utvDeparYQK8atLcbhg5/h49D1pLLwfqMvgm50u58yzuA8rRrbS4Emc4z7e1dno8WoQaXDHqk8c14AfMeJdqnnsKv0Acrovh+bRPCjWx+0X1w0ABgmkDANjGBngCp/BNpf6f4dhsdQs/s0sJP8YYNkk8Yro6KACiiigDl9S+IXhvS7ua2nvmaSA4mMUbOsX+8QMCr19qN/d6ZZ3Xhxba7W4cHzXfCrGf4h6/SsDxnLYaPpFzpWl2EUmra0SiQIvMhPBdvYVA/h3X/D/w20/w9oZWa7RRHPKX2lVPLbT69qAM+9v9U8a+Hda0w2CS3dnerbJPbt8jDI3OPoK2vB+jXWjeJNaRrKaO0kMYglZ8q6hQCfqTWh4OttSsrOS1u9Lg0+1iAEMcb72Y/wATMfUmumoAKKKKACiiigAooooACcDJri7j4naDAJplS7lsreXypryOEmKNs4wTXaV55432Xtq3gjQLWL7XfndclFAS3jJyzt7mgDR8b+KdS0bw0uraJBbzwMFYzSNwAxA4Hep/EHiG9tbjQ9LsPLW91UkCWQZEYC5JxVHxV4X1S78EW/hrRo4HRURGmnk27dpB6Y5zipNU0DWb9dC1WOG2j1XSnP8Ao5lykqkYI3Y4oAyk8faoyJo5igGtHUfsBkwfLx134+nat7wvr97qlxrWkakEF5ps3lGWHgSKRkN7GsJ/AGpCGPVkmgOuLqP29kJ/dnt5efp3rofDHh+802bV9TvzGdQ1ObzXjjOUjAGFUHv9aAMPw14r/sjwlNdatcz3cn9oyWsAJ3O53YVRWs/xB062t9SN/bXFpc6eqtLbuMsQxwpHrk1gReBNafw6sEjWsV/a6ob+3w5ZHGc7W44qh4y0bUItI17XtUihW81COG0jtoiXWNVbOS39e1AHZ6R40XVPEEmivpV3bXMcInYyY27D0NULv4mWVpe6lZvpV/5+noJZU2D/AFf976VjeAbuS18Uvp02nxPLNaiRr+G5MwAXohPb6Ve1HwRqt5YeLXWeEX2ruqwtnhYl6KT2zQB3WnX0Wp6db30GfKnjEibhzg1ZrO0O3u7TRrW3vRCs0cYUrD91cDGBWjQAUUUUAFFFFABRRRQBBd31pYRCW8uoLaMnaHmkCAn0yaqQeINJurtLa31CCaR/u+W25WPoGHGfbOadd6e1zrNheZTy7ZJVZWHJL7cY/wC+TVXXVVbnQwAAP7RXgD/plJQBp3kM9xbGO3umtZCRiVUViPwYEVyepWWrWWs2pt9Tvbu7u4njIUQQrsTB5Ow8/McemTXZ1Fc+f9lm+y+X9o2N5Xm52bscbsc4z1xQBh+GpJvtGoW12L0XduyBxc3ImUqy5UqVAHrnIB49MV0Nc3odl4hsTu1CPTbi4ncNdXUdw6lsdAqeXgADgDP1OSTXSUAcx4etlsvEOrwXFyDdFt8MBABEDSO+8dyC8jA/7ormPs01x4916Q6XdThtTsjaXyKzJGEEIlUHooGHzz1yK9Bv9JsNUCfbbWOYp91iMMvqARzip7S0t7G2S3tYlihT7qrQBx/hX7Rp3ifXNNvzaCfUp31IR28xZoshI9jcDnaFbP8AtfjUtvp3iRtKuGk1C4gNl5sdlCjqz3Oxm8t5nZSfmAHAPTnOTxYSzvovG7zixl8iSYv9qDKY/LaBVIIzuDB4k7dD+XU0AZuk65p+sxhrG5SfEUcrmPkLvGQCexxzjrWlVWy02y01ZlsbWG3WeVp5REgUPI2MscdzgVaoAKKKKACiiigAooooAKKKKACiiigAooooAKKKKACiiigAooooAKKKKACiiigAooooAKKKKACiiigAooooAKKKKACiiigAooooAKKKKACiorqD7TaTQeY0fmxsm9DyuRjI965PWvDek2Wj/ZrW0kfUZ0MFqUlfeZMYDn5uAPvE9qANrxHJMmmwpBcS27TXdvCZIiAwVpVBxkHsTTNNudQh1q50q+mjuVSBZ4bgLtdlYkFXUDGQQcEdsd+sviK3mn0K4NtE8t1CBPbomMtKhDIOePvAdaq+Gg+oQDXrqZXu7yJVaKMjZbAdYh6kNu3E85z0HAAN+iuS8XXUs2p6XpYSd9PLNc6mYGZWSFeFyR/CXIJAOSFPYGotTstJttCub3Qbto5Y2QBrO8Yhm3DAYBiG69D60AdlRWF4g0SXVbi0njEEy26yK1tO7oshbbg7lPBG09QeprI8JX2pyeItUsbyB7O2gjTy7e4uzPI7nkuhb5gmCox0z0wc0AdlJIkUbSSOqRoCzMxwAB1JNVrPVdO1FnWxv7W6ZACwgmV9oPTODxXNqja54i1PRL/dNZW0ouZYXGVdGVREnoVysrFfULng1pxoieNpAiKo/s1Ogx/y0agDcopGdVKhmALHCgnqcZwPwBpaACoL2GW4sZ4YJjDLIhVZAM7CR1qeigDy2y+FmuWFmbKDxndJaNJ5kkawgFyTk5PWvT4Y/KgjjyTsULk98U+igAooooAKKKKACiiigDzO58G+NV8WX+u2Ws6YJLgeXF50LMYY+wHpXbeG7HU9O0SG31e9W9vgSZZlGAxJ7VrUUAFFFFABRRRQAUUUUAFFFFACNnadvXHFeaQfDzxPZ3upXVp4s8uXUJC8shtwWx2APoBXplFAFHR7GXTdItrOa4a4liQK0zdXPrV6iigAooooAKbJGkqFJEV0PVWGQadRQBDBZ21qCLe3ihz18tAufyqaiigAooooAKKKKACiiigAooooAz77VFtpxaW0Rur9l3rbowBC5I3sT91cg898cAmorXTJ5LpL7VJxNcIcxQx5EMH0H8Tckbj68AVVg0bVbO7u7i31GxMlzIWeWayZpCuSUUsJQCFBwMAfqasfZ/EP/QT03/wAf/49QBr0VQ0y0vLVLhr6/wDtc00pkysflpGMABVXJwOM9Tkkmr9ABRRRQAUUUUAFFFFABRRRQAUUUUAFFFFABRRRQAUUUUAFFFFABRRRQAUUUUAFFFFABRRRQAUUUUAFFFFABRRRQAUUUUAFFFFABRRRQAUUUUAFFFFABRRRQAVi3Zvr3XnsbfUJLKG3tkmcxRIzSF2cAZcEADZ2HO7252qr/ZYIr2a/ORI8SRuxbjapYj/0NqAM6za9stb+wXV9Jexz27TQvIiKyFGVWB2KAQd6kfjSXXhi0utXl1P7VqEN1JGI2MN26rtHYLnA/Ac0yynOseIE1G1AOnW1vLbrMc/vnZ0JKdigEf3uhJ46Vu0AVLCxFhE0Yubmfc27dcSmQj2BPaqCeH5Laa4ax1i+tYp5mnaFFidVduW27kJAJycZ6k1tUUAU9P05LBZW82SeeZt808uNznGBnAAGAAMACkbRtLe4juG060M8RBjkMC7kI5BBxxV2igDO1XU2sDawwWzXN1dy+VDHu2rkKWJZsHAAU9jzisTTtNktvHQu76ZbjUZ9L2zSqu1AFlBCovZRuPuc5NbGr2N3czWN1ZND59pIzqkxIVwyFTkjJHXPSnaXYzwGa7v3jkv7g/vDHnYij7qLnnAHPuST3oA0cDJOOvWs7UtIXULm1uo7u4tLq2LeXNBtyVYYZSGBBB4PI6gVpUUAZtno6294b25up72627Eln2jy154VVAUZycnGTwM4ArSoooAKKKKACiiigAooooAKKKKACiiigAooooAKKKKACiiigAooooAKKKKACiiigAooooAKKKKACiiigAooooAKKKKACiiigAooooAKKKKACiiigAooooAKKKKACisfXPEln4flsVvI5it5MII3jXIDHpn0rYoAKKKKACiiigAooooAKKKKACiiigAooooAKKKKACiiigAooooAKKKKACiiigAooooAKKKKACiiigAooooAKKKKACiiigAooooAKKKKACiiigArkrrVdM1rWrizutVsk02wkCSwNMgNxMOSrZP3VOOO5BB44PW1A9laSOXe1hZj1LRgk0AOt7i3uIFktpopYTwrRsGU444IpYJ4rmCOeCRZIpFDI6nIYHoQaoTeHdEuJTJNpFjJIerNboSf0rQiijt4UhhjSOKNQqIi4VQOgAHQUAPooooAKKKKACiiigAooooAKKKKACiiigAooooAKKKKACiiigAooooAKKKKACiiigAooooAKKKKACiiigAooooAKKKKACiiigAooooAKKKKACiiigAooooAKKKKACiiigArO1jW9P0K0FxqFwIkZtqDGWdvQDua0a850o/8JT8VdUurn95Z6IiwW0bfdEp+82PWgD0SNxLEkgBAZQwBGDzWD4l8V2/hv7OjWlzeTzk7YbZdz4HU4rUh1XT7m+ksoLyCS6iG54kcFlHuK5iEyal8QtSu4AJBptmIIwTx5rcmgCL/AIWXbY/5AOt/+AjVoWHjvSrryRdRXWnmeQxxfbITGGb0ya5TxFq/jXwv4fh8QX99bGb7SqSackY27WbAAbqTXc63pcPibwtNa3EWDcQblB6xvjII9CDQBz3xNZRb6DuYAHVIe/vXNapfXGoXfja4v9UuLO40ohbGNJCuxQMhgO+TXR+Apbbxh4Msn1m2jurqwla3LSrk7kON314rq7vw/pF9dJdXWn28s6ABXdMnjp9aAPHtQ1XWNUvnt7ye4M7aXE0KwziLyZWH3mz1z1rrvEFjPpXwlCzalc/bYYQ3mxTcySngZPcZNTa58PZdS8QX+pK9lOt5EsYW6QkwYGPkxXRaH4XtNJ8L2mhzk3sMAHMwzuOc/oaAOM0CS403x1p9leavPJK2mq1yJ5OJJG6BRXqFU20qwfUEv2tITdxrsSYr8wHpmrlABRRRQAUUUyVWeF0VirMpAYdvegBfMTdt3ru9M81hXHiX7N4ytfD72jH7TA0yThuOOoxXnvjnw4nhzwxHJb6nfXPiSe6X7LL5h3yMW5UL6AVr6hNcL8RPD6zN/pw0qRXIU4EpHHPTrQB6N58Jk8vzY/M/u7hn8qR7q3jfY88Sv/dLgGvD7aIyeHrJUS4/4S8aoTIcN5gG7kntsxWfPFaatq+pWWoXlrH/AMTZXa+uJGEgUYymOmKAPUp7q6g+JVlA+ps9tPbO4t8gIuOn41Q8XarLca5HaQ6i8FmunT3KPC+N8q9Bnvj0rro9C0hpIbpbKB5EUCOXGTjHGDU0ui6bPFHFLYwOkbFkUp90nrQB5xe6vqV7bk3d7PaSW+kx3UJRtvmSn19fp71s319qK6v4XuJ9RaJLoAS2owoJ25JPrzXYXOlWF40TXNpFKYv9WWX7tMu9F0y+nWe6soZpU+6zrkj6UAXHljiAMkioDwCxxQssbsVSRGYdQGyRXE/FOxjvPCawLE7XDzxxQFM5Qkjnj2rN8OW9tpHxMu7KNbhStnHHkhm81sZLk9KAPS6KKKACiiigAooooAKKKKACiiigAooooAKKKKACivL/ABJP4ji+JWk6XpmtSD7YjvNGUGyGIdwO5rU+Hd7qVzf+I7e71CW+tbS+8m3llHzdOR+dAHeVna5rdl4e0uTUb9mWCMgHapJJPQAVT1e51+LXdMi020il0+Rj9skdsGMdsVsXKwGBjciMxINzeYBgY780AcvYePrC61u10m6tLuxubtN9sLhMCUe1Vb34irZanqGnnQ7557OIz4BUB4x1b2/Gs+ytn8c+OLXxEVMWi6QWSyYjBuJOhYf7PpWpe+Dbu7l8TTm8QTarEIYDt/1SAdD9aAOm0jUo9Y0i11GJGSO5jEiq3UZ9au1leHNPutK0G1sbyaOWWBAm6NcKABgAVq0AFFFRXVwLW0luGVnEaFiqjJOOwoAw/EnjPS/C9zp9teuxnvphFFGnJ57n2rL8TSzQ+O/DHlXEsaSvIkkathXGM8ivKfE+rLqH2LXtUt7qPUpdUj2QNCQIYFPCj3NesTWN34rvvD/iC0YWtvasztBcxkSMDx+FAEc/xHgijur2PTLiXSrS5+zTXgYYVs4J29SAaj1f4kx6e+pta6TPe2+mlFuJEkVeXAIwD161Xf4e3/8AZ1/oceowjRr27Ny+UPmqC2SgPTqOtcbqdvMniLX79ba2b7PKiw2dyHDT7AAMAcH2zQB6V4g8aHw/4etdYn0q4khlCmRUYZiDYxn1PPapdC8XrrWuXelPp09pNbwpMDIQQyN06dDUGp6NdeMPD+i+ftsQskVzc25XPTnZ+dSaX4Zv9O8aatrJvYntb/YfK2fOu0Yxn0oA6miiigAooooAKKKKACiiigAooooAKKKKACiiigAooooAKKKKACiiigAooooAKKKKACiiigAooooAKKKKACiiigAooooAKKKKACiiigAooooAKKKKACiiigArzj4cfu/FfjSB/wDWjUN5z1wRxXo9cBq1nc+E/HD+KLa3kn02/iEN/HCu5o2HSTHcUAZPjyxj8D69p3jfTLYRwRsYdRjiH30box9ea6fwFD5PhmXV7g4fUpXvpGPZW5H5CuivLKy1vTGtryBZ7S4QFo3HDA81LHaQRWa2iRKLdU2CPsF6YoA8mbxXoHifWX1vW9Ut4tF0uU/Y7ItlppBx5jDvz0FetQXEdzZR3MZ/dyRh1zxwRmsj/hDfDe7d/YllnOf9UKp+L9VuLHTRpGk2ks2pXkZit1RDsjHQsx6ACgDB+DgLaBqk4/1cupTFPwY16PWL4T0CPwz4as9LRtzRLmR/7znlj+dbVABRRRQAUUUUAFFFFABTJZBFC8hBIVScDqafRQB4pa+K7o6/ea9q3hvVrrUY2aLT4BB+6hTsc+p7mvYNOle70+2uri3EU8kYZkI5UkdKt0UAM8qPcW2KGIwWA5/OuKb4a2bW1xYG8kOn3ExmkiKAsSTk/N1ruKKAI4II7a3jgiGI41CKPQCpKKKACiiigBCAeoBpNi7t20bvXHNOooAKKKKACiiigAooooAKKKKACiiigAooooAKKKKAOej8LIvjefxLJcs8j2wt44scRjuQfeqnhfwW3hvUb24GqTzwzyvIkBGFUsckn1NdZRQAVieK9Dm8SeHrjSor17PzxtaVBk7e4rbooA8+0n4faxYXenfaPFdzcWNiwKWoiCKcdBxXoNFFABRRRQAUUUUAcv4x8Iv4rSwjF8bVLScXA2pncw6V00YZY1DsGYDkgYyadRQAVG1vC8gkaJGcdGKjNSUUAFFFFABRRRQAUUUUAFFFFABRRRQAUUUUAFFFFABRRRQAUUUUAFFFFABRRRQAUUUUAFFFFABRRRQAUUUUAFFFFABRRRQAUUUUAFFFFABRRRQAUUUUAFFFFABRRRQAUdRg0UUAFFFFABSYGc45paKACiiigAooooAKKKKACiiigAooooAKKKKACiiigAooooAKKKKACiiigAooooAKKKKACiiigAooooAKKKKACiiigAooooAKKKKACiiigAooooAKKKKACiiigAooooAKKKKACiiigAooooAKKKKACiiigAooooAKKKKACiiigAooooAKKKKACiiigAooooAKKKKACiiigAooooAKKKKACiiigAooooAKKKKACiiigAooooAKKKKACiiigAooooAKKKKACiiigAooooAKKKKACiiigAooooAKKKKACiiigAooooAKKKKACiiigAooooAKKKKACiiigAooooAKKKKACiiigAooooAKKKKACiiigAooooAKKKKACiiigAooooAKKKKACiiigAooooAKKKKACiiigAooooAKKKKACiiigAooooAKKKKACiiigAooooAKKKKACiiigAooooAKKKKACiiigAooooAKKKKACiiigAooooAKKKKACiiigAooooAKKKKACiiigAooooAKKKKACiiigAooooAKKKKACiiigAooooAKKKKACiiigAooooAKKKKACiiigAooooAKKKKACiiigAooooAKKKKACiiigAooooAKKKKACiiigAooooAKKKKACiiigAooooAKKKKACiiigAooooAKKKKACiiigAooooAKKKKACiiigAooooAKKKKACiiigAooooAKKKKACiiigAooooAKKKKACiiigAoopkkscS7pJEQerNigB9FIrBlDKQQehBpaACiiigAooooAKKK5TWfiBo2iau2m3K3TyooLtDCXVc9jjvQB1dFcT/wtPw9/dv8A/wABH/wrr7O7jvrKG6h3eXKoddy4OD6igCeiiigAooooAKKKKACiiigAooooAKhe7to51geeJZnGVQsAT+Fc74u8S3GktZaXpcaTaxqL+Xbo/wB1B3dvYVw/i3QBeeM/C2kPcu2p3Baa+u42KsUUdAOwPIoA9agu7e5LiCeOXYcNsYHB96mrzDwXbWq+MvFqadMtpEsi2kKBs/Oq8sAeprovC/iO9l1a88Oa4qLqtmA6yJwtxGejD39aAOtooooAKKKKACiiigAooooAKKKKACiiigAooooAKKKKACiiigAooooAKKKKACiiigAooooAKKKKACiiigAooooAKKKKACiiigAooooAKKKKACiiigAooooAKKKKACiiigAooooAKKKKACiiigAooooAKKiuY5JbaWOKUwyMpCyAZ2n1xXilv/bMtr4xd/EV8NJ05iIpA/7ySYD17LntQB6f4zu9XsPDt1d6RLBFJDGXZ5V3YA9BWPqfiTUYfCmgtBKq3+qPFEZiuQueWOKdZ2eua78L9PtGuIhfXdmq3E04JIyOvHenTeD9QvPC1hp1xdwJfabIklrPGp2nb/eB9aAMS68Y6xpEmsaNLcJPeQ3MMVtcsmPlk7keoroPDuqanF4u1LQNRuRdrDBHPDMVw2D1B/Gqk3gGbULPUp727QarezpOJY1+SIp90D2rY0Hw/dWer3us6nPHLfXSJHiIEIiqO2fWgDo6KKKACiiuP+I19qmk+GLjUtO1BbX7Ou4rsy0rfwqD2oA7CvPvFPifxBoV6GWXTSXuEjtrDJMs6E4J9jWfY634ri8ReFl1C9jJ1RC9xZJHxEgGc59av+KfDWveJJpLSSx09UE6vb6mHxNCgOcAYzn8aAPQELNGrMu1iASPSnUyFDFBHGWLFVClj3wOtPoAKKKKACmSyxwxNLK6pGoyzMcACn1T1SK1m0y4F7EstuqF3RuhA55/KgCr/wAJPoQtUuTq1oIXbYr+aME+lZPjFNEW3g1DUEkuptpjtLeNz+9ZumAOv1ryW30vT4/hZqmuzQI02sXpjtN4+WFWfA2+nSvVv+ET0bxLpOkSy3EspsYRHFLBKVwcYJ+tAFzwLpd1o/ha3tL2bzJwzMy793l5OQmfaukrO0XRbTQbAWdn5hj3FyZHLMSeuSa0aACiiigApCwVSzEADqTS1Bd2kF9ayWtym+GQYdc4yKAEW+tZLaS4jnjkijBLMjAgY6155o3iWx0DRL3xFrCyltTu3lXZGWKxA7VJ9BiucvLh/Amua14TjVls9bAfTeSQjNwyium+IdpJZ/Dyx8PWkTO128Nmdq5ITjd/KgDdsvHnh+/1m10y3aRpLtS0EhhIR8dQD3rq+leV6t5Wj/EjwzaGynNnY2RWBYIiQ0hwP0r1McgHGKAFooooAKKKKACiiigAooooAKKKKAPONBlOufGLXb2TmPSoFtIQexPLGu3bRNPfW01lrcG/SLyllPUL6VwHw8iEnjDxxFNu3m/zkEg47c13H9i3X/Qw6r+UH/xqgBLPwto9hrFxqttZol5cMWkk9SeprkvHj/2P428Ka4gxunazmx/Eriuu/sW6/wChh1X8oP8A41Xn3xV02e2tdDc6rfXUh1GMRpOY9oORz8qLzQB6xWRqviC30nU9MsZo3aTUJTHGV6KQM81eu0uXsJUs5EjuSmI3cZVT6kV5N4rsfGKeJfDC3Wr2EkzXLCBkgICNjqfWgD2KoZbq3gljjlnjSSQ4RWYAt9KzNCttft/N/tu/tbrP+r8iIpj65rhvifo9vqPiDw7awM8WpX10FE6ud0ca8naO1AHpkV3bzySRwzxyPGcOqsCV+tch4n8QatpHjfw5YW8sJsNRkaOaNo8sMDOQawvCdhp1j8VdaFiwt7e1t47Yo0nM0p5J56mrvjsj/hYXgjP/AD8yf+g0Ad5c39nZFRdXUMJY4USOBmpXnijhMzyosQGS5YAY+teV6DaWXiTxZ43PiBFmltpfJhjmP+qh29V9Oe9c55l9cfBuwE0zzRRarsWJnw1xCH4UevFAHtsGs6bdSLHBf28jscKqyAk1Ye7t47hbd541mcZWMsNxH0rzbwn4fgvPiFdeIrbSVstOS2WOGOQAN5ndgvb0qv410G21X4n+H7S3eSG5l3z3c6Od3lAY2j0BoA9Rgure53+RPHLsO1tjA4PocVNXmPw4trK28X+KnsikFr9pW3htw/3ioyWAr06gAooooAKinure1Cm4njiDHCl2AyfSpa81+MVhbXmh2ce0nULm5S3tX3H5CTyQPWgD0Rbu2e4NutxE0yjJjDjcB9K5P4ja9q3hvRrTUNLlhXN3HDKkse7crHHHoa5Wy0ix0r4vaXBby+W9jpxN5PJJzO78DOeprb+MJA8HW5J/5iEH/oVAHcPewW1ok91PHCrKCWdgBUqXEMsAmjlRoiM7wwIx9a80mWLV/jBb6ZqqiSzg0wSW0Eh+R2PVsdzXKyxXEPhTx7p+n3Xl6fBfKLYb8Dn7yKaAPao9b0qVwkeo2zMTgASjJNWZ7u3tignnji3nau9gNx9BXk2g+HrbW/G+i6paaILGwsbIrcLMAN8pHGBnnHrWh8YdNgvbbSYYlYald3kcEEgY5jGckgetAHpKXdtJcPAk8TTIMtGrgsPqKmrybSdN0/TPjEsFpIIlstPAuJHk5nkb1z1Nes0AFFFFABRRRQAhIAJJAA6k0nmJ8vzr833eetYHjeC2l8I6hJeSzJBBC0rCKQoWwDgZHvXkkOk3Vv4T8I3VxqF2+q394n2YmZgIovvbcd+PWgD3yimocxrhg3HUd6dQAUUUUAFFFFABRRRQAUUUUAFFFFABRRRQAUUUUAFFFFABRRRQAUUUUAFFFFABRRRQAhGQR61yUPw/sIvCd9oH2q4aO9laWSc437mOa66igDL0DRRoWmLZi7nuiOskxyT/AICtSiigAooooAKKKKACuc8Z+GpPFelQaet15ES3Mc0nGd4U5210dFAHH6z4PvL7xZYazY6l9kFvB5DLsyQuc/L6HtXXgYUDOcDqe9LRQAUUUUAFFFFABTJoY7iF4ZUDxuCrKehHpT6KAM2Tw/pEukrpUmnW7WCfdtynyD6CrttbQWdulvbRJFCgwqIMACpaKACiiigAooooAKKKKAMrVPDul6zfWN5fWwluLGTzLd842mtQqrYyAcdMilooAQopYMVBYdDjkUtFFABRRRQAUUUUAFFFFABRRRQAUUUUAec6XF/wj/xk1O3c7YNZtluIiehdTgj610niHSdb1XULOOx1ZrDTlDfahEP3r+gB7UeLPDJ1+2t5rWf7LqllJ51pcAfdb0PqDXM+PPGtx4f0TT9Mu5ktdV1AbJZ4lLLCo+84/pQBP4B1PVJPEniLR7i+k1Cw0+YJBcyfeBPVSR1xTPGSDXPiF4Y0RDuS2dr24A/hCj5c/U1L4E1zw/JaXGjeFEedrWHzHnmUqJZD3Ynkkmtjwt4Ym0u6vNX1ScXWs3xzNIB8saj7qL7CgDp6zdR0Oz1S/sLy5VjNYyGSEg4AJGOa0qKACs+50TT7vV7XVJ7cPeWissMhJ+QHrxWhRQBjReFdFh16XW0skGoS/elyeT646Z96bq3hPR9b1K11C/tmlurQ5gfzGGw+2DW3RQBgan4M0LV743t1Z/6Qy7HeNyhkX0bB5/Gue+IHhqa90jSbDT9MM+l21wGuLW2IWTYBxsNegUUAeW+GvC11a+NrXUdKstS0vSooWW4jvZt3nMegC5PT1r0P+xbD+2/7YNuDf+V5QlychfSr9FAGNp/hXRtL1W51Ozskju7k7pJMk5PfA7Vs0UUAFFFFABWfqOi6fqs9nPe24lks5fNgJJ+RvWtCigDGufCui3mux61PZI9/GoUSEnoOmR0NO1/wzpXia2it9WtzPDE+9U3lQG9eDWvRQBiaj4S0bVUtRdWxL2q7YZVkKyIPTcDnFc/4y8KH/hCH0jQNPRomlVp4UOHkXPzYJ/i9zXd0UAeQ6f4PuB4k0e40HTdW0iK2k3Xcl5PlXTH3QuTk16de6Lp+o31le3VuJLiycvbsSfkY8ZrQooAxpPCmiy+IP7cksUbUNoXzST26cdK2aKKACiiigAooooAz9b0a18QaRPpl75n2acYfy22kj61mav4I0fWrLTLW5WZI9NYG3MUm0rgYxn6V0dFAEdvBHa28cEK7Y41CqPQVJRRQAUUUUAFFFFABRRRQAUUUUAFFFFABRRRQAUUUUAFFFFABRRRQAUUUUAFFFFABRRRQAUUUUAFFFFABRRRQAUUUUAFFFFABRRRQAUUUUAFFFFABRRRQAUUUUAFFFFABRRRQAUUUUAFFFFABRRRQAUUUUAFFFFABRRRQAUUUUAFFFFABUUttBOQZYI5COhdAalooAiit4IM+TDHHnrsUDNS0UUAFFFFABRRRQAUUUUAFFFFABRRRQAUUUUAFFFFABRRRQAUUUUAFFFFABRRRQAUUUUAFFFFABRRRQAUUUUAFFFFABRRRQAUUUUAFFFFABRRRQAUUUUAFFFFABRRRQAUUUUAFFFFABRRRQAUUUUAFFFFABRRRQAUUUUAFFFFABRRRQAUVyfjTxTfeGJ9HNvZwXEF9drbSF3IZM9x611RdVXLMFHqTigB1FJkYznj1pomjb7siH6MKAH0UhYAgEgZ6c9aAwJIBBI60ALRRRQAUUUUAFFRXLyx20rwoHlVSVUnAJ9KwvBfiZ/Fmg/2jJafZXEzxNHu3YKnHWgDoqKMg9DSEgHBIoAWisLxJb3UsEc6a1/ZljAGe5ZVBZhjjBPSqXw/vdW1Dw2LjVXeQtK/2eWRNrSRZ+UkUAdVRRRQAUUUUAFFcd8Qdd1Tw/Y6dd6bJEokvI4ZlkTO5WOOPQ11NxfWtnCsl1cRQqehdgM0AWKKiS6gkt/tCTRtDjPmBhtx9aqRa5pU0ixxahbO7HAUSDJNAGhRXCXd5e+KvGlzodrdSWul6aqtePCcPLIeiA9h612CX1jHvhF3Dm3UeYDIMoPegC3RXP+KPEJ0nwZqGuacYrk20JkTDZVsfSue1ifVE8M2njSwnljvFto5ri03ExSoQCRjscHrQB6DRVTS9Qh1bSrXULc5iuIxIv4irdABRRRQAUVxuheIdWufiDreg3xtmtrSJJYGiQhsN2bmur+3Wn2j7P9ph84/8s943flQBPRUFxeW1oAbm4ihB4HmOFz+dLBd211n7PPFLt67HDY/KgCaiiuN8W+Jdb03XtM0fQ7K3ubi9R3/fvtAC0AdlRXPeG7jxLKtzJ4jt7O2UEeUsDZ47kk1s/b7Pyll+1weWx2q3mDBPpmgCxRR1GRRQAUUUUAFFFFABRRRQAUUUUAFFFFABRRRQAUUUUAFFFFABRRRQAUUUUAFFFFABRRRQAUUUUAFFFFABRRRQAUUUUAFFFFABRRRQAUUUUAFFFFABRRRQAUUUUAFFFFABRRRQAUUUUAFFFFABRRRQAUUUUAFFFFAHnXxY/wBV4a/7C8VQIv8AwlXxU1vStTmm+w6dax+Rbq5UEsOWOOprrfE3hKz8U/Yxez3CLaSiaIRNj5x0NRan4LsNR1SPVEnubTUFi8l7m3fa0iejetAHlx1HWV+H+uWcd7PJDp+sC3WQP+8aDPKg9zW54a0SG9+IaahpsF6mjQWik+czKpm9gep9aueOvC8en+D7DStKsrg2Qvkku5bfLTIOpk9zVXw/YX9t4107+wdS1e60oIxvzfKQmMfKBkdc0AT/ABRsribWPD66dfXMGpXV6scZWQ7I0H3jt70/wpaNafFbW7e2vbmS0trWNZvOlLB5W78967i98P2V/rtjq8+83FkGEIz8oz1OPWqMPgrS4PFE2voZvtMxDMnmHZuHfHrQB0dFFFABRRRQA2T/AFbfQ14hp2tXmi/CNmsZTDPdaw1t5o/gDSYJ/KvbZ42lt5I1cozKQHHUe9chZfDjTLfwtc+H7iee5tJ5jOC5+ZHJzkH60AYOprd+EPHHhePT725mt9TY29zDNIXDHGd/sa5G+v7/AFDTPEiT32oHxKl/5VnFAWxszwBjjGOteq2fg2K01CHVLy7uNSu7OEpa+cfucdvf3ry/Sre4ttH1C8/t3UtN1QzzSLYrbFtr5O0A45zxzQB3+q+DtW1jw3o1jBqgtPs4WS5jmQy+a+Ojc9Aa6Pw/p2p6dZPHqmpLezs2VdI9iovYAUvhaXU5vDGny6yu3UGhBnGMfNWvQB5LPZalP8VbvTLbXb1bFLLz79i/IyeFXsvFdB8KZry58KzTXNzLPEbyUW7StlvLDYHNbln4Vs7TV9X1LzJHn1NQkpY/dUDGBUfhXwha+FLeSG2uriZWJ2iVshBnOAKAOiooooA4D4tMF8P6dkgf8TKDr/vVSIh1T40XFlqoElvb6crWkUh+Qk/eIHc12+t+HdM8RQRQ6nb+fHE+9FJxhvWo9R8LaRqjW73VtmW3XZHKrEOB6ZoA8YmS4Twh45srG8Mem22qhbYFzhlyMxqfeun0DQDq3jjSdZg0cafZWVkI5VkYZkk7EAenrW5448JyTeDotI0LT42thcpJcW6Ha0iA5OD/AHvesbTvCUy+KNIu9F07UNMgtmJunuJyQ64+7t70AavgceR478Z2s3Er3STKD1KFcD8K56PQNLvPidrzrGV03S7MNPCHO2aUgn5vXFd5rXheW51q313SLoWeqRL5bllzHNH/AHWH9a07TQrC1e8mW2jE1/zdMP8AlocYNAHmvhezgvfgtqVp9st4PtyzSKJpcLEjN8ufQV2OqvBpvwumDyxvFFpoTejZVvkxwe9XYPBfh+20i50qLToxZ3IxLGedw9PpVPVfCMurG0017lIPD1sF/wBEiX5pSvQMf7vtQA/4c201n8PdEguARItuCQevJJH6GuopqIscaoihVUAADsKdQAUUUUAeXRzy2/xL8aT2/M0WlI6AddwBxXNTWdlJ8ErfXlkP9sGQTC63nzDLv6f/AFq9btPCmlWWu3OswxyfbrkbZnaQkOPQj0qrF4D8PQ3QmSzIQS+cIN58oP8A3gvTNAHn+ovJJ4+gl1izk1KN9HTNvGc+RIR1K+/rXQeBNB1bwp4DmaGyhfVJpGkSKSXgKTwGb2FZuv8Ahn7Z4+vtQ1rSdQuLN4EjtJtPY9uoYDvWh4R0fxJovhvVvKgdzNPusbK+m3FI+4Y9s0AavhfxPqep+JNQ0i8S0njtYlk+2WbEx7j1jPuKseIND0jW/ENj52py2uqQROYVgl2uUPWs3wj4av7DxVf6w1jFpFlcQqn2CKQOGkHWQ44roNZ8JaRrt9Be3cLi7gG2OeKQo6j0yKAOO8NXl3c3firw3rN6+o2Gn8pck4baRnYSO4rgRotvH8KZ9UmMjTajqHl6ehkIEAL4GPyr3Sx8NaVp2mT6fa2wSG4z5xz80hPUk9SahuvB+iXmgQ6JNaA2EBDRxhsFSOhBoA0dJUJpVrEJRKY4lRnDZyQMHmrlV7GxttOs47W0iEcMYwqirFABRRRQAUUUUAFFFFABRRRQAUUUUAFFFFABRRRQAUUUUAFFFFABRRRQAUUUUAFFFFABRRRQAUUUUAFFFFABRRRQAUUUUAFFFFABRRRQAUUUUAFFFFABRRRQAUUUUAFFFFABRRRQAUUUUAFFFFABRRRQAUUUUAFFFFABRRRQAUUUUAFFFFABRRRQAUUUUAFN8uMtuKLu9cc06igAooooAKKKKACiiigAooooAKKKKACiiigAooooAKKKKACiiigAooooAKKKKACiiigAooooAKKKKACiiigAooooAKKKKACiiigAooooAKKKKACiiigAooooAKKKKACiiigAooooAKKKKACiiigAooooAKKKKACiiigAooooAKKKKACiiigAooooAKKKKACiiigAooooAKKKKACiiigAooooAKKKKACiiigAooooAKKKKACiiigAooooAKKKKACiiigAooooAKKKKACiiigAooooAKKKKACiiigAooooAKKKKACiiigAooooAKKKKACiiigAooooAKKKKACiiigAooooAKKKKACiiigAooooAKKKKACiiigAooooAKKKKACiiigAooooAKKKKACiiigAooooAKKKKACiiigAooooAKKKKACiiigAooooAKKKKACiiigAooooAKKKKACiiigAooooAKKKKACiiigAooooAKKKKACiiigAooooAKKKKACiiigAooooAKKKKACiiigAooooAKKKKACiiigAooooAKKKKACiiigAooooAKKKKACiiigAooooAKKKKACiiigAooooAKKKKACiiigAooooAKKKKACiiigAooooAKKKKACiiigAooooAKKKKACiiigAooooAKKKKACiiigAooooAKKKKACiiigAooooAKKKKACiiigAooooAKKKKACiiigAooooAKKKKACiiigAooooAKKKKACiiigAooooAKKKKACiiigAooooAKKKKACiiigAooooAKKKKACiiigAooooAKKKKACiiigAooooAKKKKACiiigAooooAKKKKACiiigAooooAKKKKACiiigAooooAKKKKACiiigAooooAKKKKACiiigAooooAKKKKACiiigAooooAKKKKACiiigAooooAKKKKACiiigAooooAKKKKACiiigAooooAKKKKACiiigAooooAKKKKACiiigAooooA//Z"/>
+          <p:cNvSpPr>
+            <a:spLocks noGrp="1" noChangeAspect="1" noChangeArrowheads="1"/>
+          </p:cNvSpPr>
+          <p:nvPr>
+            <p:ph type="title"/>
+          </p:nvPr>
+        </p:nvSpPr>
+        <p:spPr bwMode="auto">
+          <a:xfrm>
+            <a:off x="7634775" y="459737"/>
+            <a:ext cx="4035671" cy="2206869"/>
+          </a:xfrm>
+          <a:prstGeom prst="rect">
+            <a:avLst/>
+          </a:prstGeom>
+          <a:noFill/>
+          <a:extLst>
+            <a:ext uri="{909E8E84-426E-40DD-AFC4-6F175D3DCCD1}">
+              <a14:hiddenFill xmlns:a14="http://schemas.microsoft.com/office/drawing/2010/main">
+                <a:solidFill>
+                  <a:srgbClr val="FFFFFF"/>
+                </a:solidFill>
+              </a14:hiddenFill>
+            </a:ext>
+          </a:extLst>
+        </p:spPr>
+        <p:txBody>
+          <a:bodyPr vert="horz" wrap="square" lIns="91440" tIns="45720" rIns="91440" bIns="45720" numCol="1" anchor="t" anchorCtr="0" compatLnSpc="1">
+            <a:prstTxWarp prst="textNoShape">
+              <a:avLst/>
+            </a:prstTxWarp>
+            <a:normAutofit fontScale="90000"/>
+          </a:bodyPr>
+          <a:lstStyle/>
+          <a:p>
+            <a:r>
+              <a:rPr lang="uk-UA" sz="2000" dirty="0"/>
+              <a:t>Нам видали алгоритмі різної складності і нам потрібно розставити їх за зменшенням складності .</a:t>
+            </a:r>
+            <a:br>
+              <a:rPr lang="uk-UA" sz="2000" dirty="0"/>
+            </a:br>
+            <a:r>
+              <a:rPr lang="uk-UA" sz="2000" dirty="0"/>
+              <a:t>Щоб розставити їх правильно скористуймося наступною таблицею. </a:t>
+            </a:r>
+            <a:br>
+              <a:rPr lang="uk-UA" sz="1400" dirty="0"/>
+            </a:br>
+            <a:br>
+              <a:rPr lang="uk-UA" sz="1400" dirty="0"/>
+            </a:br>
+            <a:r>
+              <a:rPr lang="uk-UA" sz="1400" dirty="0"/>
+              <a:t> </a:t>
+            </a:r>
+            <a:endParaRPr lang="en-US" sz="1400" dirty="0"/>
+          </a:p>
+        </p:txBody>
+      </p:sp>
+      <p:sp>
+        <p:nvSpPr>
+          <p:cNvPr id="19" name="Объект 18"/>
+          <p:cNvSpPr>
+            <a:spLocks noGrp="1"/>
+          </p:cNvSpPr>
+          <p:nvPr>
+            <p:ph idx="1"/>
+          </p:nvPr>
+        </p:nvSpPr>
+        <p:spPr>
+          <a:xfrm>
+            <a:off x="838200" y="2991101"/>
+            <a:ext cx="4472354" cy="2213945"/>
+          </a:xfrm>
+        </p:spPr>
+        <p:txBody>
+          <a:bodyPr/>
+          <a:lstStyle/>
+          <a:p>
+            <a:endParaRPr lang="uk-UA" dirty="0"/>
+          </a:p>
+          <a:p>
+            <a:endParaRPr lang="uk-UA" dirty="0"/>
+          </a:p>
+          <a:p>
+            <a:endParaRPr lang="uk-UA" dirty="0"/>
+          </a:p>
+          <a:p>
+            <a:pPr marL="0" indent="0">
+              <a:buNone/>
+            </a:pPr>
+            <a:endParaRPr lang="uk-UA" sz="1200" dirty="0"/>
+          </a:p>
+        </p:txBody>
+      </p:sp>
+      <p:sp>
+        <p:nvSpPr>
+          <p:cNvPr id="7" name="AutoShape 2" descr="изображение"/>
+          <p:cNvSpPr>
+            <a:spLocks noChangeAspect="1" noChangeArrowheads="1"/>
+          </p:cNvSpPr>
+          <p:nvPr/>
+        </p:nvSpPr>
+        <p:spPr bwMode="auto">
+          <a:xfrm>
+            <a:off x="1377706" y="613529"/>
+            <a:ext cx="2381250" cy="2381250"/>
+          </a:xfrm>
+          <a:prstGeom prst="rect">
+            <a:avLst/>
+          </a:prstGeom>
+          <a:noFill/>
+          <a:extLst>
+            <a:ext uri="{909E8E84-426E-40DD-AFC4-6F175D3DCCD1}">
+              <a14:hiddenFill xmlns:a14="http://schemas.microsoft.com/office/drawing/2010/main">
+                <a:solidFill>
+                  <a:srgbClr val="FFFFFF"/>
+                </a:solidFill>
+              </a14:hiddenFill>
+            </a:ext>
+          </a:extLst>
+        </p:spPr>
+        <p:txBody>
+          <a:bodyPr vert="horz" wrap="square" lIns="91440" tIns="45720" rIns="91440" bIns="45720" numCol="1" anchor="t" anchorCtr="0" compatLnSpc="1">
+            <a:prstTxWarp prst="textNoShape">
+              <a:avLst/>
+            </a:prstTxWarp>
+          </a:bodyPr>
+          <a:lstStyle/>
+          <a:p>
+            <a:endParaRPr lang="en-US"/>
+          </a:p>
+        </p:txBody>
+      </p:sp>
+      <p:sp>
+        <p:nvSpPr>
+          <p:cNvPr id="9" name="AutoShape 6" descr="data:image/jpeg;base64,/9j/4AAQSkZJRgABAQEAYABgAAD/2wBDAAgGBgcGBQgHBwcJCQgKDBQNDAsLDBkSEw8UHRofHh0aHBwgJC4nICIsIxwcKDcpLDAxNDQ0Hyc5PTgyPC4zNDL/2wBDAQkJCQwLDBgNDRgyIRwhMjIyMjIyMjIyMjIyMjIyMjIyMjIyMjIyMjIyMjIyMjIyMjIyMjIyMjIyMjIyMjIyMjL/wAARCAE0AyADASIAAhEBAxEB/8QAHwAAAQUBAQEBAQEAAAAAAAAAAAECAwQFBgcICQoL/8QAtRAAAgEDAwIEAwUFBAQAAAF9AQIDAAQRBRIhMUEGE1FhByJxFDKBkaEII0KxwRVS0fAkM2JyggkKFhcYGRolJicoKSo0NTY3ODk6Q0RFRkdISUpTVFVWV1hZWmNkZWZnaGlqc3R1dnd4eXqDhIWGh4iJipKTlJWWl5iZmqKjpKWmp6ipqrKztLW2t7i5usLDxMXGx8jJytLT1NXW19jZ2uHi4+Tl5ufo6erx8vP09fb3+Pn6/8QAHwEAAwEBAQEBAQEBAQAAAAAAAAECAwQFBgcICQoL/8QAtREAAgECBAQDBAcFBAQAAQJ3AAECAxEEBSExBhJBUQdhcRMiMoEIFEKRobHBCSMzUvAVYnLRChYkNOEl8RcYGRomJygpKjU2Nzg5OkNERUZHSElKU1RVVldYWVpjZGVmZ2hpanN0dXZ3eHl6goOEhYaHiImKkpOUlZaXmJmaoqOkpaanqKmqsrO0tba3uLm6wsPExcbHyMnK0tPU1dbX2Nna4uPk5ebn6Onq8vP09fb3+Pn6/9oADAMBAAIRAxEAPwD3+iiigAooooAKKKKACiiigAooooAKKKKACiiigAooooAKKKKACiiigAooooAKKKKACiiigAooooAKKKKACiiigAooooAKKKKACiiigAooooAKKKKACiiigAooooAKKKKACiiigAooooAKKKKACiiigAooooAKKKKACiiigAooooAKKKKACiiigAooooAKKKKACiiigAooooAKKKKACiiigAooooAKKKKACiiigAooooAKKKKACiiigAooooAKKKKACiiigAooooAKKKKACiiigAoqnd6rp9hKkV5ewQSOCVWRwpIHXGaE1Wxl01tQhuY5rRVLGWNtwwOvSgC5RVNtVs00v+0pJlS0KeZ5jelLpmpWur6fFfWb77eUZRsYzQBbooooAKKKKACimSSRxLukdUXOMscUJLHLu8uRH2nB2tnFAD6KKKACiiigAooooAKKKKACiiigAooooAKKKKACiiigAooooAKKKKACiiigAooooAKKKKAColuYXu5LVXzNGiyOmDwrFgD+JVvyqWsi3/5G7Uf+vK2/9DnoA16KKKAM2LxBpM+ofYIr+Brre0flBuSy53D6jB49jWlXIWDedcaTaqPmTUb+6Y9cKskqfqZBz7V19ABRTVdHLBWVipw2DnB9KdQAUUUUAFFFFABRRRQAUUUUAFFFFABRRRQAUUUUAFFFFABRRRQAUUUUAFFFFABRRRQAUUUUAFFFFABRRRQAUUUUAFFFFABRRRQAUUUUAFFFFABRRRQAUUUUAFFFFABRRRQAUUUUAFFFFABUVzcRWlrLczNtiiUu59AOtS0jKroUdQykYII4NAHEj4n6QFtriW0vYtOuZRFFevERGzE4FXvE82rW0U9/Dq1vY6ZDblwTHudpO34Vz/iWI+N9Wg8LabGqaTp8yTX9yowoZTlY19/WtTxV4Z1vWNSsHsrm0/s+zAZbadSVeQdGOOuKAKcWlah4utvDeparYQK8atLcbhg5/h49D1pLLwfqMvgm50u58yzuA8rRrbS4Emc4z7e1dno8WoQaXDHqk8c14AfMeJdqnnsKv0Acrovh+bRPCjWx+0X1w0ABgmkDANjGBngCp/BNpf6f4dhsdQs/s0sJP8YYNkk8Yro6KACiiigDl9S+IXhvS7ua2nvmaSA4mMUbOsX+8QMCr19qN/d6ZZ3Xhxba7W4cHzXfCrGf4h6/SsDxnLYaPpFzpWl2EUmra0SiQIvMhPBdvYVA/h3X/D/w20/w9oZWa7RRHPKX2lVPLbT69qAM+9v9U8a+Hda0w2CS3dnerbJPbt8jDI3OPoK2vB+jXWjeJNaRrKaO0kMYglZ8q6hQCfqTWh4OttSsrOS1u9Lg0+1iAEMcb72Y/wATMfUmumoAKKKKACiiigAooooACcDJri7j4naDAJplS7lsreXypryOEmKNs4wTXaV55432Xtq3gjQLWL7XfndclFAS3jJyzt7mgDR8b+KdS0bw0uraJBbzwMFYzSNwAxA4Hep/EHiG9tbjQ9LsPLW91UkCWQZEYC5JxVHxV4X1S78EW/hrRo4HRURGmnk27dpB6Y5zipNU0DWb9dC1WOG2j1XSnP8Ao5lykqkYI3Y4oAyk8faoyJo5igGtHUfsBkwfLx134+nat7wvr97qlxrWkakEF5ps3lGWHgSKRkN7GsJ/AGpCGPVkmgOuLqP29kJ/dnt5efp3rofDHh+802bV9TvzGdQ1ObzXjjOUjAGFUHv9aAMPw14r/sjwlNdatcz3cn9oyWsAJ3O53YVRWs/xB062t9SN/bXFpc6eqtLbuMsQxwpHrk1gReBNafw6sEjWsV/a6ob+3w5ZHGc7W44qh4y0bUItI17XtUihW81COG0jtoiXWNVbOS39e1AHZ6R40XVPEEmivpV3bXMcInYyY27D0NULv4mWVpe6lZvpV/5+noJZU2D/AFf976VjeAbuS18Uvp02nxPLNaiRr+G5MwAXohPb6Ve1HwRqt5YeLXWeEX2ruqwtnhYl6KT2zQB3WnX0Wp6db30GfKnjEibhzg1ZrO0O3u7TRrW3vRCs0cYUrD91cDGBWjQAUUUUAFFFFABRRRQBBd31pYRCW8uoLaMnaHmkCAn0yaqQeINJurtLa31CCaR/u+W25WPoGHGfbOadd6e1zrNheZTy7ZJVZWHJL7cY/wC+TVXXVVbnQwAAP7RXgD/plJQBp3kM9xbGO3umtZCRiVUViPwYEVyepWWrWWs2pt9Tvbu7u4njIUQQrsTB5Ow8/McemTXZ1Fc+f9lm+y+X9o2N5Xm52bscbsc4z1xQBh+GpJvtGoW12L0XduyBxc3ImUqy5UqVAHrnIB49MV0Nc3odl4hsTu1CPTbi4ncNdXUdw6lsdAqeXgADgDP1OSTXSUAcx4etlsvEOrwXFyDdFt8MBABEDSO+8dyC8jA/7ormPs01x4916Q6XdThtTsjaXyKzJGEEIlUHooGHzz1yK9Bv9JsNUCfbbWOYp91iMMvqARzip7S0t7G2S3tYlihT7qrQBx/hX7Rp3ifXNNvzaCfUp31IR28xZoshI9jcDnaFbP8AtfjUtvp3iRtKuGk1C4gNl5sdlCjqz3Oxm8t5nZSfmAHAPTnOTxYSzvovG7zixl8iSYv9qDKY/LaBVIIzuDB4k7dD+XU0AZuk65p+sxhrG5SfEUcrmPkLvGQCexxzjrWlVWy02y01ZlsbWG3WeVp5REgUPI2MscdzgVaoAKKKKACiiigAooooAKKKKACiiigAooooAKKKKACiiigAooooAKKKKACiiigAooooAKKKKACiiigAooooAKKKKACiiigAooooAKKKKACiorqD7TaTQeY0fmxsm9DyuRjI965PWvDek2Wj/ZrW0kfUZ0MFqUlfeZMYDn5uAPvE9qANrxHJMmmwpBcS27TXdvCZIiAwVpVBxkHsTTNNudQh1q50q+mjuVSBZ4bgLtdlYkFXUDGQQcEdsd+sviK3mn0K4NtE8t1CBPbomMtKhDIOePvAdaq+Gg+oQDXrqZXu7yJVaKMjZbAdYh6kNu3E85z0HAAN+iuS8XXUs2p6XpYSd9PLNc6mYGZWSFeFyR/CXIJAOSFPYGotTstJttCub3Qbto5Y2QBrO8Yhm3DAYBiG69D60AdlRWF4g0SXVbi0njEEy26yK1tO7oshbbg7lPBG09QeprI8JX2pyeItUsbyB7O2gjTy7e4uzPI7nkuhb5gmCox0z0wc0AdlJIkUbSSOqRoCzMxwAB1JNVrPVdO1FnWxv7W6ZACwgmV9oPTODxXNqja54i1PRL/dNZW0ouZYXGVdGVREnoVysrFfULng1pxoieNpAiKo/s1Ogx/y0agDcopGdVKhmALHCgnqcZwPwBpaACoL2GW4sZ4YJjDLIhVZAM7CR1qeigDy2y+FmuWFmbKDxndJaNJ5kkawgFyTk5PWvT4Y/KgjjyTsULk98U+igAooooAKKKKACiiigDzO58G+NV8WX+u2Ws6YJLgeXF50LMYY+wHpXbeG7HU9O0SG31e9W9vgSZZlGAxJ7VrUUAFFFFABRRRQAUUUUAFFFFACNnadvXHFeaQfDzxPZ3upXVp4s8uXUJC8shtwWx2APoBXplFAFHR7GXTdItrOa4a4liQK0zdXPrV6iigAooooAKbJGkqFJEV0PVWGQadRQBDBZ21qCLe3ihz18tAufyqaiigAooooAKKKKACiiigAooooAz77VFtpxaW0Rur9l3rbowBC5I3sT91cg898cAmorXTJ5LpL7VJxNcIcxQx5EMH0H8Tckbj68AVVg0bVbO7u7i31GxMlzIWeWayZpCuSUUsJQCFBwMAfqasfZ/EP/QT03/wAf/49QBr0VQ0y0vLVLhr6/wDtc00pkysflpGMABVXJwOM9Tkkmr9ABRRRQAUUUUAFFFFABRRRQAUUUUAFFFFABRRRQAUUUUAFFFFABRRRQAUUUUAFFFFABRRRQAUUUUAFFFFABRRRQAUUUUAFFFFABRRRQAUUUUAFFFFABRRRQAVi3Zvr3XnsbfUJLKG3tkmcxRIzSF2cAZcEADZ2HO7252qr/ZYIr2a/ORI8SRuxbjapYj/0NqAM6za9stb+wXV9Jexz27TQvIiKyFGVWB2KAQd6kfjSXXhi0utXl1P7VqEN1JGI2MN26rtHYLnA/Ac0yynOseIE1G1AOnW1vLbrMc/vnZ0JKdigEf3uhJ46Vu0AVLCxFhE0Yubmfc27dcSmQj2BPaqCeH5Laa4ax1i+tYp5mnaFFidVduW27kJAJycZ6k1tUUAU9P05LBZW82SeeZt808uNznGBnAAGAAMACkbRtLe4juG060M8RBjkMC7kI5BBxxV2igDO1XU2sDawwWzXN1dy+VDHu2rkKWJZsHAAU9jzisTTtNktvHQu76ZbjUZ9L2zSqu1AFlBCovZRuPuc5NbGr2N3czWN1ZND59pIzqkxIVwyFTkjJHXPSnaXYzwGa7v3jkv7g/vDHnYij7qLnnAHPuST3oA0cDJOOvWs7UtIXULm1uo7u4tLq2LeXNBtyVYYZSGBBB4PI6gVpUUAZtno6294b25up72627Eln2jy154VVAUZycnGTwM4ArSoooAKKKKACiiigAooooAKKKKACiiigAooooAKKKKACiiigAooooAKKKKACiiigAooooAKKKKACiiigAooooAKKKKACiiigAooooAKKKKACiiigAooooAKKKKACisfXPEln4flsVvI5it5MII3jXIDHpn0rYoAKKKKACiiigAooooAKKKKACiiigAooooAKKKKACiiigAooooAKKKKACiiigAooooAKKKKACiiigAooooAKKKKACiiigAooooAKKKKACiiigArkrrVdM1rWrizutVsk02wkCSwNMgNxMOSrZP3VOOO5BB44PW1A9laSOXe1hZj1LRgk0AOt7i3uIFktpopYTwrRsGU444IpYJ4rmCOeCRZIpFDI6nIYHoQaoTeHdEuJTJNpFjJIerNboSf0rQiijt4UhhjSOKNQqIi4VQOgAHQUAPooooAKKKKACiiigAooooAKKKKACiiigAooooAKKKKACiiigAooooAKKKKACiiigAooooAKKKKACiiigAooooAKKKKACiiigAooooAKKKKACiiigAooooAKKKKACiiigArO1jW9P0K0FxqFwIkZtqDGWdvQDua0a850o/8JT8VdUurn95Z6IiwW0bfdEp+82PWgD0SNxLEkgBAZQwBGDzWD4l8V2/hv7OjWlzeTzk7YbZdz4HU4rUh1XT7m+ksoLyCS6iG54kcFlHuK5iEyal8QtSu4AJBptmIIwTx5rcmgCL/AIWXbY/5AOt/+AjVoWHjvSrryRdRXWnmeQxxfbITGGb0ya5TxFq/jXwv4fh8QX99bGb7SqSackY27WbAAbqTXc63pcPibwtNa3EWDcQblB6xvjII9CDQBz3xNZRb6DuYAHVIe/vXNapfXGoXfja4v9UuLO40ohbGNJCuxQMhgO+TXR+Apbbxh4Msn1m2jurqwla3LSrk7kON314rq7vw/pF9dJdXWn28s6ABXdMnjp9aAPHtQ1XWNUvnt7ye4M7aXE0KwziLyZWH3mz1z1rrvEFjPpXwlCzalc/bYYQ3mxTcySngZPcZNTa58PZdS8QX+pK9lOt5EsYW6QkwYGPkxXRaH4XtNJ8L2mhzk3sMAHMwzuOc/oaAOM0CS403x1p9leavPJK2mq1yJ5OJJG6BRXqFU20qwfUEv2tITdxrsSYr8wHpmrlABRRRQAUUUyVWeF0VirMpAYdvegBfMTdt3ru9M81hXHiX7N4ytfD72jH7TA0yThuOOoxXnvjnw4nhzwxHJb6nfXPiSe6X7LL5h3yMW5UL6AVr6hNcL8RPD6zN/pw0qRXIU4EpHHPTrQB6N58Jk8vzY/M/u7hn8qR7q3jfY88Sv/dLgGvD7aIyeHrJUS4/4S8aoTIcN5gG7kntsxWfPFaatq+pWWoXlrH/AMTZXa+uJGEgUYymOmKAPUp7q6g+JVlA+ps9tPbO4t8gIuOn41Q8XarLca5HaQ6i8FmunT3KPC+N8q9Bnvj0rro9C0hpIbpbKB5EUCOXGTjHGDU0ui6bPFHFLYwOkbFkUp90nrQB5xe6vqV7bk3d7PaSW+kx3UJRtvmSn19fp71s319qK6v4XuJ9RaJLoAS2owoJ25JPrzXYXOlWF40TXNpFKYv9WWX7tMu9F0y+nWe6soZpU+6zrkj6UAXHljiAMkioDwCxxQssbsVSRGYdQGyRXE/FOxjvPCawLE7XDzxxQFM5Qkjnj2rN8OW9tpHxMu7KNbhStnHHkhm81sZLk9KAPS6KKKACiiigAooooAKKKKACiiigAooooAKKKKACivL/ABJP4ji+JWk6XpmtSD7YjvNGUGyGIdwO5rU+Hd7qVzf+I7e71CW+tbS+8m3llHzdOR+dAHeVna5rdl4e0uTUb9mWCMgHapJJPQAVT1e51+LXdMi020il0+Rj9skdsGMdsVsXKwGBjciMxINzeYBgY780AcvYePrC61u10m6tLuxubtN9sLhMCUe1Vb34irZanqGnnQ7557OIz4BUB4x1b2/Gs+ytn8c+OLXxEVMWi6QWSyYjBuJOhYf7PpWpe+Dbu7l8TTm8QTarEIYDt/1SAdD9aAOm0jUo9Y0i11GJGSO5jEiq3UZ9au1leHNPutK0G1sbyaOWWBAm6NcKABgAVq0AFFFRXVwLW0luGVnEaFiqjJOOwoAw/EnjPS/C9zp9teuxnvphFFGnJ57n2rL8TSzQ+O/DHlXEsaSvIkkathXGM8ivKfE+rLqH2LXtUt7qPUpdUj2QNCQIYFPCj3NesTWN34rvvD/iC0YWtvasztBcxkSMDx+FAEc/xHgijur2PTLiXSrS5+zTXgYYVs4J29SAaj1f4kx6e+pta6TPe2+mlFuJEkVeXAIwD161Xf4e3/8AZ1/oceowjRr27Ny+UPmqC2SgPTqOtcbqdvMniLX79ba2b7PKiw2dyHDT7AAMAcH2zQB6V4g8aHw/4etdYn0q4khlCmRUYZiDYxn1PPapdC8XrrWuXelPp09pNbwpMDIQQyN06dDUGp6NdeMPD+i+ftsQskVzc25XPTnZ+dSaX4Zv9O8aatrJvYntb/YfK2fOu0Yxn0oA6miiigAooooAKKKKACiiigAooooAKKKKACiiigAooooAKKKKACiiigAooooAKKKKACiiigAooooAKKKKACiiigAooooAKKKKACiiigAooooAKKKKACiiigArzj4cfu/FfjSB/wDWjUN5z1wRxXo9cBq1nc+E/HD+KLa3kn02/iEN/HCu5o2HSTHcUAZPjyxj8D69p3jfTLYRwRsYdRjiH30box9ea6fwFD5PhmXV7g4fUpXvpGPZW5H5CuivLKy1vTGtryBZ7S4QFo3HDA81LHaQRWa2iRKLdU2CPsF6YoA8mbxXoHifWX1vW9Ut4tF0uU/Y7ItlppBx5jDvz0FetQXEdzZR3MZ/dyRh1zxwRmsj/hDfDe7d/YllnOf9UKp+L9VuLHTRpGk2ks2pXkZit1RDsjHQsx6ACgDB+DgLaBqk4/1cupTFPwY16PWL4T0CPwz4as9LRtzRLmR/7znlj+dbVABRRRQAUUUUAFFFFABTJZBFC8hBIVScDqafRQB4pa+K7o6/ea9q3hvVrrUY2aLT4BB+6hTsc+p7mvYNOle70+2uri3EU8kYZkI5UkdKt0UAM8qPcW2KGIwWA5/OuKb4a2bW1xYG8kOn3ExmkiKAsSTk/N1ruKKAI4II7a3jgiGI41CKPQCpKKKACiiigBCAeoBpNi7t20bvXHNOooAKKKKACiiigAooooAKKKKACiiigAooooAKKKKAOej8LIvjefxLJcs8j2wt44scRjuQfeqnhfwW3hvUb24GqTzwzyvIkBGFUsckn1NdZRQAVieK9Dm8SeHrjSor17PzxtaVBk7e4rbooA8+0n4faxYXenfaPFdzcWNiwKWoiCKcdBxXoNFFABRRRQAUUUUAcv4x8Iv4rSwjF8bVLScXA2pncw6V00YZY1DsGYDkgYyadRQAVG1vC8gkaJGcdGKjNSUUAFFFFABRRRQAUUUUAFFFFABRRRQAUUUUAFFFFABRRRQAUUUUAFFFFABRRRQAUUUUAFFFFABRRRQAUUUUAFFFFABRRRQAUUUUAFFFFABRRRQAUUUUAFFFFABRRRQAUdRg0UUAFFFFABSYGc45paKACiiigAooooAKKKKACiiigAooooAKKKKACiiigAooooAKKKKACiiigAooooAKKKKACiiigAooooAKKKKACiiigAooooAKKKKACiiigAooooAKKKKACiiigAooooAKKKKACiiigAooooAKKKKACiiigAooooAKKKKACiiigAooooAKKKKACiiigAooooAKKKKACiiigAooooAKKKKACiiigAooooAKKKKACiiigAooooAKKKKACiiigAooooAKKKKACiiigAooooAKKKKACiiigAooooAKKKKACiiigAooooAKKKKACiiigAooooAKKKKACiiigAooooAKKKKACiiigAooooAKKKKACiiigAooooAKKKKACiiigAooooAKKKKACiiigAooooAKKKKACiiigAooooAKKKKACiiigAooooAKKKKACiiigAooooAKKKKACiiigAooooAKKKKACiiigAooooAKKKKACiiigAooooAKKKKACiiigAooooAKKKKACiiigAooooAKKKKACiiigAooooAKKKKACiiigAooooAKKKKACiiigAooooAKKKKACiiigAooooAKKKKACiiigAooooAKKKKACiiigAooooAKKKKACiiigAooooAKKKKACiiigAooooAKKKKACiiigAooooAKKKKACiiigAooooAKKKKACiiigAooooAKKKKACiiigAooooAKKKKACiiigAooooAKKKKACiiigAoopkkscS7pJEQerNigB9FIrBlDKQQehBpaACiiigAooooAKKK5TWfiBo2iau2m3K3TyooLtDCXVc9jjvQB1dFcT/wtPw9/dv8A/wABH/wrr7O7jvrKG6h3eXKoddy4OD6igCeiiigAooooAKKKKACiiigAooooAKhe7to51geeJZnGVQsAT+Fc74u8S3GktZaXpcaTaxqL+Xbo/wB1B3dvYVw/i3QBeeM/C2kPcu2p3Baa+u42KsUUdAOwPIoA9agu7e5LiCeOXYcNsYHB96mrzDwXbWq+MvFqadMtpEsi2kKBs/Oq8sAeprovC/iO9l1a88Oa4qLqtmA6yJwtxGejD39aAOtooooAKKKKACiiigAooooAKKKKACiiigAooooAKKKKACiiigAooooAKKKKACiiigAooooAKKKKACiiigAooooAKKKKACiiigAooooAKKKKACiiigAooooAKKKKACiiigAooooAKKKKACiiigAooooAKKiuY5JbaWOKUwyMpCyAZ2n1xXilv/bMtr4xd/EV8NJ05iIpA/7ySYD17LntQB6f4zu9XsPDt1d6RLBFJDGXZ5V3YA9BWPqfiTUYfCmgtBKq3+qPFEZiuQueWOKdZ2eua78L9PtGuIhfXdmq3E04JIyOvHenTeD9QvPC1hp1xdwJfabIklrPGp2nb/eB9aAMS68Y6xpEmsaNLcJPeQ3MMVtcsmPlk7keoroPDuqanF4u1LQNRuRdrDBHPDMVw2D1B/Gqk3gGbULPUp727QarezpOJY1+SIp90D2rY0Hw/dWer3us6nPHLfXSJHiIEIiqO2fWgDo6KKKACiiuP+I19qmk+GLjUtO1BbX7Ou4rsy0rfwqD2oA7CvPvFPifxBoV6GWXTSXuEjtrDJMs6E4J9jWfY634ri8ReFl1C9jJ1RC9xZJHxEgGc59av+KfDWveJJpLSSx09UE6vb6mHxNCgOcAYzn8aAPQELNGrMu1iASPSnUyFDFBHGWLFVClj3wOtPoAKKKKACmSyxwxNLK6pGoyzMcACn1T1SK1m0y4F7EstuqF3RuhA55/KgCr/wAJPoQtUuTq1oIXbYr+aME+lZPjFNEW3g1DUEkuptpjtLeNz+9ZumAOv1ryW30vT4/hZqmuzQI02sXpjtN4+WFWfA2+nSvVv+ET0bxLpOkSy3EspsYRHFLBKVwcYJ+tAFzwLpd1o/ha3tL2bzJwzMy793l5OQmfaukrO0XRbTQbAWdn5hj3FyZHLMSeuSa0aACiiigApCwVSzEADqTS1Bd2kF9ayWtym+GQYdc4yKAEW+tZLaS4jnjkijBLMjAgY6155o3iWx0DRL3xFrCyltTu3lXZGWKxA7VJ9BiucvLh/Amua14TjVls9bAfTeSQjNwyium+IdpJZ/Dyx8PWkTO128Nmdq5ITjd/KgDdsvHnh+/1m10y3aRpLtS0EhhIR8dQD3rq+leV6t5Wj/EjwzaGynNnY2RWBYIiQ0hwP0r1McgHGKAFooooAKKKKACiiigAooooAKKKKAPONBlOufGLXb2TmPSoFtIQexPLGu3bRNPfW01lrcG/SLyllPUL6VwHw8iEnjDxxFNu3m/zkEg47c13H9i3X/Qw6r+UH/xqgBLPwto9hrFxqttZol5cMWkk9SeprkvHj/2P428Ka4gxunazmx/Eriuu/sW6/wChh1X8oP8A41Xn3xV02e2tdDc6rfXUh1GMRpOY9oORz8qLzQB6xWRqviC30nU9MsZo3aTUJTHGV6KQM81eu0uXsJUs5EjuSmI3cZVT6kV5N4rsfGKeJfDC3Wr2EkzXLCBkgICNjqfWgD2KoZbq3gljjlnjSSQ4RWYAt9KzNCttft/N/tu/tbrP+r8iIpj65rhvifo9vqPiDw7awM8WpX10FE6ud0ca8naO1AHpkV3bzySRwzxyPGcOqsCV+tch4n8QatpHjfw5YW8sJsNRkaOaNo8sMDOQawvCdhp1j8VdaFiwt7e1t47Yo0nM0p5J56mrvjsj/hYXgjP/AD8yf+g0Ad5c39nZFRdXUMJY4USOBmpXnijhMzyosQGS5YAY+teV6DaWXiTxZ43PiBFmltpfJhjmP+qh29V9Oe9c55l9cfBuwE0zzRRarsWJnw1xCH4UevFAHtsGs6bdSLHBf28jscKqyAk1Ye7t47hbd541mcZWMsNxH0rzbwn4fgvPiFdeIrbSVstOS2WOGOQAN5ndgvb0qv410G21X4n+H7S3eSG5l3z3c6Od3lAY2j0BoA9Rgure53+RPHLsO1tjA4PocVNXmPw4trK28X+KnsikFr9pW3htw/3ioyWAr06gAooooAKinure1Cm4njiDHCl2AyfSpa81+MVhbXmh2ce0nULm5S3tX3H5CTyQPWgD0Rbu2e4NutxE0yjJjDjcB9K5P4ja9q3hvRrTUNLlhXN3HDKkse7crHHHoa5Wy0ix0r4vaXBby+W9jpxN5PJJzO78DOeprb+MJA8HW5J/5iEH/oVAHcPewW1ok91PHCrKCWdgBUqXEMsAmjlRoiM7wwIx9a80mWLV/jBb6ZqqiSzg0wSW0Eh+R2PVsdzXKyxXEPhTx7p+n3Xl6fBfKLYb8Dn7yKaAPao9b0qVwkeo2zMTgASjJNWZ7u3tignnji3nau9gNx9BXk2g+HrbW/G+i6paaILGwsbIrcLMAN8pHGBnnHrWh8YdNgvbbSYYlYald3kcEEgY5jGckgetAHpKXdtJcPAk8TTIMtGrgsPqKmrybSdN0/TPjEsFpIIlstPAuJHk5nkb1z1Nes0AFFFFABRRRQAhIAJJAA6k0nmJ8vzr833eetYHjeC2l8I6hJeSzJBBC0rCKQoWwDgZHvXkkOk3Vv4T8I3VxqF2+q394n2YmZgIovvbcd+PWgD3yimocxrhg3HUd6dQAUUUUAFFFFABRRRQAUUUUAFFFFABRRRQAUUUUAFFFFABRRRQAUUUUAFFFFABRRRQAhGQR61yUPw/sIvCd9oH2q4aO9laWSc437mOa66igDL0DRRoWmLZi7nuiOskxyT/AICtSiigAooooAKKKKACuc8Z+GpPFelQaet15ES3Mc0nGd4U5210dFAHH6z4PvL7xZYazY6l9kFvB5DLsyQuc/L6HtXXgYUDOcDqe9LRQAUUUUAFFFFABTJoY7iF4ZUDxuCrKehHpT6KAM2Tw/pEukrpUmnW7WCfdtynyD6CrttbQWdulvbRJFCgwqIMACpaKACiiigAooooAKKKKAMrVPDul6zfWN5fWwluLGTzLd842mtQqrYyAcdMilooAQopYMVBYdDjkUtFFABRRRQAUUUUAFFFFABRRRQAUUUUAec6XF/wj/xk1O3c7YNZtluIiehdTgj610niHSdb1XULOOx1ZrDTlDfahEP3r+gB7UeLPDJ1+2t5rWf7LqllJ51pcAfdb0PqDXM+PPGtx4f0TT9Mu5ktdV1AbJZ4lLLCo+84/pQBP4B1PVJPEniLR7i+k1Cw0+YJBcyfeBPVSR1xTPGSDXPiF4Y0RDuS2dr24A/hCj5c/U1L4E1zw/JaXGjeFEedrWHzHnmUqJZD3Ynkkmtjwt4Ym0u6vNX1ScXWs3xzNIB8saj7qL7CgDp6zdR0Oz1S/sLy5VjNYyGSEg4AJGOa0qKACs+50TT7vV7XVJ7cPeWissMhJ+QHrxWhRQBjReFdFh16XW0skGoS/elyeT646Z96bq3hPR9b1K11C/tmlurQ5gfzGGw+2DW3RQBgan4M0LV743t1Z/6Qy7HeNyhkX0bB5/Gue+IHhqa90jSbDT9MM+l21wGuLW2IWTYBxsNegUUAeW+GvC11a+NrXUdKstS0vSooWW4jvZt3nMegC5PT1r0P+xbD+2/7YNuDf+V5QlychfSr9FAGNp/hXRtL1W51Ozskju7k7pJMk5PfA7Vs0UUAFFFFABWfqOi6fqs9nPe24lks5fNgJJ+RvWtCigDGufCui3mux61PZI9/GoUSEnoOmR0NO1/wzpXia2it9WtzPDE+9U3lQG9eDWvRQBiaj4S0bVUtRdWxL2q7YZVkKyIPTcDnFc/4y8KH/hCH0jQNPRomlVp4UOHkXPzYJ/i9zXd0UAeQ6f4PuB4k0e40HTdW0iK2k3Xcl5PlXTH3QuTk16de6Lp+o31le3VuJLiycvbsSfkY8ZrQooAxpPCmiy+IP7cksUbUNoXzST26cdK2aKKACiiigAooooAz9b0a18QaRPpl75n2acYfy22kj61mav4I0fWrLTLW5WZI9NYG3MUm0rgYxn6V0dFAEdvBHa28cEK7Y41CqPQVJRRQAUUUUAFFFFABRRRQAUUUUAFFFFABRRRQAUUUUAFFFFABRRRQAUUUUAFFFFABRRRQAUUUUAFFFFABRRRQAUUUUAFFFFABRRRQAUUUUAFFFFABRRRQAUUUUAFFFFABRRRQAUUUUAFFFFABRRRQAUUUUAFFFFABRRRQAUUUUAFFFFABUUttBOQZYI5COhdAalooAiit4IM+TDHHnrsUDNS0UUAFFFFABRRRQAUUUUAFFFFABRRRQAUUUUAFFFFABRRRQAUUUUAFFFFABRRRQAUUUUAFFFFABRRRQAUUUUAFFFFABRRRQAUUUUAFFFFABRRRQAUUUUAFFFFABRRRQAUUUUAFFFFABRRRQAUUUUAFFFFABRRRQAUUUUAFFFFABRRRQAUVyfjTxTfeGJ9HNvZwXEF9drbSF3IZM9x611RdVXLMFHqTigB1FJkYznj1pomjb7siH6MKAH0UhYAgEgZ6c9aAwJIBBI60ALRRRQAUUUUAFFRXLyx20rwoHlVSVUnAJ9KwvBfiZ/Fmg/2jJafZXEzxNHu3YKnHWgDoqKMg9DSEgHBIoAWisLxJb3UsEc6a1/ZljAGe5ZVBZhjjBPSqXw/vdW1Dw2LjVXeQtK/2eWRNrSRZ+UkUAdVRRRQAUUUUAFFcd8Qdd1Tw/Y6dd6bJEokvI4ZlkTO5WOOPQ11NxfWtnCsl1cRQqehdgM0AWKKiS6gkt/tCTRtDjPmBhtx9aqRa5pU0ixxahbO7HAUSDJNAGhRXCXd5e+KvGlzodrdSWul6aqtePCcPLIeiA9h612CX1jHvhF3Dm3UeYDIMoPegC3RXP+KPEJ0nwZqGuacYrk20JkTDZVsfSue1ifVE8M2njSwnljvFto5ri03ExSoQCRjscHrQB6DRVTS9Qh1bSrXULc5iuIxIv4irdABRRRQAUVxuheIdWufiDreg3xtmtrSJJYGiQhsN2bmur+3Wn2j7P9ph84/8s943flQBPRUFxeW1oAbm4ihB4HmOFz+dLBd211n7PPFLt67HDY/KgCaiiuN8W+Jdb03XtM0fQ7K3ubi9R3/fvtAC0AdlRXPeG7jxLKtzJ4jt7O2UEeUsDZ47kk1s/b7Pyll+1weWx2q3mDBPpmgCxRR1GRRQAUUUUAFFFFABRRRQAUUUUAFFFFABRRRQAUUUUAFFFFABRRRQAUUUUAFFFFABRRRQAUUUUAFFFFABRRRQAUUUUAFFFFABRRRQAUUUUAFFFFABRRRQAUUUUAFFFFABRRRQAUUUUAFFFFABRRRQAUUUUAFFFFAHnXxY/wBV4a/7C8VQIv8AwlXxU1vStTmm+w6dax+Rbq5UEsOWOOprrfE3hKz8U/Yxez3CLaSiaIRNj5x0NRan4LsNR1SPVEnubTUFi8l7m3fa0iejetAHlx1HWV+H+uWcd7PJDp+sC3WQP+8aDPKg9zW54a0SG9+IaahpsF6mjQWik+czKpm9gep9aueOvC8en+D7DStKsrg2Qvkku5bfLTIOpk9zVXw/YX9t4107+wdS1e60oIxvzfKQmMfKBkdc0AT/ABRsribWPD66dfXMGpXV6scZWQ7I0H3jt70/wpaNafFbW7e2vbmS0trWNZvOlLB5W78967i98P2V/rtjq8+83FkGEIz8oz1OPWqMPgrS4PFE2voZvtMxDMnmHZuHfHrQB0dFFFABRRRQA2T/AFbfQ14hp2tXmi/CNmsZTDPdaw1t5o/gDSYJ/KvbZ42lt5I1cozKQHHUe9chZfDjTLfwtc+H7iee5tJ5jOC5+ZHJzkH60AYOprd+EPHHhePT725mt9TY29zDNIXDHGd/sa5G+v7/AFDTPEiT32oHxKl/5VnFAWxszwBjjGOteq2fg2K01CHVLy7uNSu7OEpa+cfucdvf3ry/Sre4ttH1C8/t3UtN1QzzSLYrbFtr5O0A45zxzQB3+q+DtW1jw3o1jBqgtPs4WS5jmQy+a+Ojc9Aa6Pw/p2p6dZPHqmpLezs2VdI9iovYAUvhaXU5vDGny6yu3UGhBnGMfNWvQB5LPZalP8VbvTLbXb1bFLLz79i/IyeFXsvFdB8KZry58KzTXNzLPEbyUW7StlvLDYHNbln4Vs7TV9X1LzJHn1NQkpY/dUDGBUfhXwha+FLeSG2uriZWJ2iVshBnOAKAOiooooA4D4tMF8P6dkgf8TKDr/vVSIh1T40XFlqoElvb6crWkUh+Qk/eIHc12+t+HdM8RQRQ6nb+fHE+9FJxhvWo9R8LaRqjW73VtmW3XZHKrEOB6ZoA8YmS4Twh45srG8Mem22qhbYFzhlyMxqfeun0DQDq3jjSdZg0cafZWVkI5VkYZkk7EAenrW5448JyTeDotI0LT42thcpJcW6Ha0iA5OD/AHvesbTvCUy+KNIu9F07UNMgtmJunuJyQ64+7t70AavgceR478Z2s3Er3STKD1KFcD8K56PQNLvPidrzrGV03S7MNPCHO2aUgn5vXFd5rXheW51q313SLoWeqRL5bllzHNH/AHWH9a07TQrC1e8mW2jE1/zdMP8AlocYNAHmvhezgvfgtqVp9st4PtyzSKJpcLEjN8ufQV2OqvBpvwumDyxvFFpoTejZVvkxwe9XYPBfh+20i50qLToxZ3IxLGedw9PpVPVfCMurG0017lIPD1sF/wBEiX5pSvQMf7vtQA/4c201n8PdEguARItuCQevJJH6GuopqIscaoihVUAADsKdQAUUUUAeXRzy2/xL8aT2/M0WlI6AddwBxXNTWdlJ8ErfXlkP9sGQTC63nzDLv6f/AFq9btPCmlWWu3OswxyfbrkbZnaQkOPQj0qrF4D8PQ3QmSzIQS+cIN58oP8A3gvTNAHn+ovJJ4+gl1izk1KN9HTNvGc+RIR1K+/rXQeBNB1bwp4DmaGyhfVJpGkSKSXgKTwGb2FZuv8Ahn7Z4+vtQ1rSdQuLN4EjtJtPY9uoYDvWh4R0fxJovhvVvKgdzNPusbK+m3FI+4Y9s0AavhfxPqep+JNQ0i8S0njtYlk+2WbEx7j1jPuKseIND0jW/ENj52py2uqQROYVgl2uUPWs3wj4av7DxVf6w1jFpFlcQqn2CKQOGkHWQ44roNZ8JaRrt9Be3cLi7gG2OeKQo6j0yKAOO8NXl3c3firw3rN6+o2Gn8pck4baRnYSO4rgRotvH8KZ9UmMjTajqHl6ehkIEAL4GPyr3Sx8NaVp2mT6fa2wSG4z5xz80hPUk9SahuvB+iXmgQ6JNaA2EBDRxhsFSOhBoA0dJUJpVrEJRKY4lRnDZyQMHmrlV7GxttOs47W0iEcMYwqirFABRRRQAUUUUAFFFFABRRRQAUUUUAFFFFABRRRQAUUUUAFFFFABRRRQAUUUUAFFFFABRRRQAUUUUAFFFFABRRRQAUUUUAFFFFABRRRQAUUUUAFFFFABRRRQAUUUUAFFFFABRRRQAUUUUAFFFFABRRRQAUUUUAFFFFABRRRQAUUUUAFFFFABRRRQAUUUUAFN8uMtuKLu9cc06igAooooAKKKKACiiigAooooAKKKKACiiigAooooAKKKKACiiigAooooAKKKKACiiigAooooAKKKKACiiigAooooAKKKKACiiigAooooAKKKKACiiigAooooAKKKKACiiigAooooAKKKKACiiigAooooAKKKKACiiigAooooAKKKKACiiigAooooAKKKKACiiigAooooAKKKKACiiigAooooAKKKKACiiigAooooAKKKKACiiigAooooAKKKKACiiigAooooAKKKKACiiigAooooAKKKKACiiigAooooAKKKKACiiigAooooAKKKKACiiigAooooAKKKKACiiigAooooAKKKKACiiigAooooAKKKKACiiigAooooAKKKKACiiigAooooAKKKKACiiigAooooAKKKKACiiigAooooAKKKKACiiigAooooAKKKKACiiigAooooAKKKKACiiigAooooAKKKKACiiigAooooAKKKKACiiigAooooAKKKKACiiigAooooAKKKKACiiigAooooAKKKKACiiigAooooAKKKKACiiigAooooAKKKKACiiigAooooAKKKKACiiigAooooAKKKKACiiigAooooAKKKKACiiigAooooAKKKKACiiigAooooAKKKKACiiigAooooAKKKKACiiigAooooAKKKKACiiigAooooAKKKKACiiigAooooAKKKKACiiigAooooAKKKKACiiigAooooAKKKKACiiigAooooAKKKKACiiigAooooAKKKKACiiigAooooAKKKKACiiigAooooAKKKKACiiigAooooAKKKKACiiigAooooAKKKKACiiigAooooAKKKKACiiigAooooAKKKKACiiigAooooAKKKKACiiigAooooAKKKKACiiigAooooAKKKKACiiigAooooAKKKKACiiigAooooAKKKKACiiigAooooAKKKKACiiigAooooAKKKKACiiigAooooA//Z"/>
+          <p:cNvSpPr>
+            <a:spLocks noChangeAspect="1" noChangeArrowheads="1"/>
+          </p:cNvSpPr>
+          <p:nvPr/>
+        </p:nvSpPr>
+        <p:spPr bwMode="auto">
+          <a:xfrm>
+            <a:off x="155575" y="-144463"/>
+            <a:ext cx="2782146" cy="2782155"/>
+          </a:xfrm>
+          <a:prstGeom prst="rect">
+            <a:avLst/>
+          </a:prstGeom>
+          <a:noFill/>
+          <a:extLst>
+            <a:ext uri="{909E8E84-426E-40DD-AFC4-6F175D3DCCD1}">
+              <a14:hiddenFill xmlns:a14="http://schemas.microsoft.com/office/drawing/2010/main">
+                <a:solidFill>
+                  <a:srgbClr val="FFFFFF"/>
+                </a:solidFill>
+              </a14:hiddenFill>
+            </a:ext>
+          </a:extLst>
+        </p:spPr>
+        <p:txBody>
+          <a:bodyPr vert="horz" wrap="square" lIns="91440" tIns="45720" rIns="91440" bIns="45720" numCol="1" anchor="t" anchorCtr="0" compatLnSpc="1">
+            <a:prstTxWarp prst="textNoShape">
+              <a:avLst/>
+            </a:prstTxWarp>
+          </a:bodyPr>
+          <a:lstStyle/>
+          <a:p>
+            <a:endParaRPr lang="en-US"/>
+          </a:p>
+        </p:txBody>
+      </p:sp>
+      <p:sp>
+        <p:nvSpPr>
+          <p:cNvPr id="12" name="AutoShape 12" descr="изображение"/>
+          <p:cNvSpPr>
+            <a:spLocks noChangeAspect="1" noChangeArrowheads="1"/>
+          </p:cNvSpPr>
+          <p:nvPr/>
+        </p:nvSpPr>
+        <p:spPr bwMode="auto">
+          <a:xfrm>
+            <a:off x="155575" y="-987547"/>
+            <a:ext cx="2381250" cy="2381250"/>
+          </a:xfrm>
+          <a:prstGeom prst="rect">
+            <a:avLst/>
+          </a:prstGeom>
+          <a:noFill/>
+          <a:extLst>
+            <a:ext uri="{909E8E84-426E-40DD-AFC4-6F175D3DCCD1}">
+              <a14:hiddenFill xmlns:a14="http://schemas.microsoft.com/office/drawing/2010/main">
+                <a:solidFill>
+                  <a:srgbClr val="FFFFFF"/>
+                </a:solidFill>
+              </a14:hiddenFill>
+            </a:ext>
+          </a:extLst>
+        </p:spPr>
+        <p:txBody>
+          <a:bodyPr vert="horz" wrap="square" lIns="91440" tIns="45720" rIns="91440" bIns="45720" numCol="1" anchor="t" anchorCtr="0" compatLnSpc="1">
+            <a:prstTxWarp prst="textNoShape">
+              <a:avLst/>
+            </a:prstTxWarp>
+          </a:bodyPr>
+          <a:lstStyle/>
+          <a:p>
+            <a:endParaRPr lang="en-US"/>
+          </a:p>
+        </p:txBody>
+      </p:sp>
+      <p:sp>
+        <p:nvSpPr>
+          <p:cNvPr id="15" name="Прямоугольник 14"/>
+          <p:cNvSpPr/>
+          <p:nvPr/>
+        </p:nvSpPr>
+        <p:spPr>
+          <a:xfrm>
+            <a:off x="5977217" y="3244334"/>
+            <a:ext cx="237566" cy="369332"/>
+          </a:xfrm>
+          <a:prstGeom prst="rect">
+            <a:avLst/>
+          </a:prstGeom>
+        </p:spPr>
+        <p:txBody>
+          <a:bodyPr wrap="none">
+            <a:spAutoFit/>
+          </a:bodyPr>
+          <a:lstStyle/>
+          <a:p>
+            <a:r>
+              <a:rPr lang="en-US" dirty="0"/>
+              <a:t> </a:t>
+            </a:r>
+          </a:p>
+        </p:txBody>
+      </p:sp>
+      <p:sp>
+        <p:nvSpPr>
+          <p:cNvPr id="16" name="AutoShape 16" descr="data:image/jpg;base64,%20/9j/4AAQSkZJRgABAQEAYABgAAD/2wBDAAUDBAQEAwUEBAQFBQUGBwwIBwcHBw8LCwkMEQ8SEhEPERETFhwXExQaFRERGCEYGh0dHx8fExciJCIeJBweHx7/2wBDAQUFBQcGBw4ICA4eFBEUHh4eHh4eHh4eHh4eHh4eHh4eHh4eHh4eHh4eHh4eHh4eHh4eHh4eHh4eHh4eHh4eHh7/wAARCAF+BIIDASIAAhEBAxEB/8QAHwAAAQUBAQEBAQEAAAAAAAAAAAECAwQFBgcICQoL/8QAtRAAAgEDAwIEAwUFBAQAAAF9AQIDAAQRBRIhMUEGE1FhByJxFDKBkaEII0KxwRVS0fAkM2JyggkKFhcYGRolJicoKSo0NTY3ODk6Q0RFRkdISUpTVFVWV1hZWmNkZWZnaGlqc3R1dnd4eXqDhIWGh4iJipKTlJWWl5iZmqKjpKWmp6ipqrKztLW2t7i5usLDxMXGx8jJytLT1NXW19jZ2uHi4+Tl5ufo6erx8vP09fb3+Pn6/8QAHwEAAwEBAQEBAQEBAQAAAAAAAAECAwQFBgcICQoL/8QAtREAAgECBAQDBAcFBAQAAQJ3AAECAxEEBSExBhJBUQdhcRMiMoEIFEKRobHBCSMzUvAVYnLRChYkNOEl8RcYGRomJygpKjU2Nzg5OkNERUZHSElKU1RVVldYWVpjZGVmZ2hpanN0dXZ3eHl6goOEhYaHiImKkpOUlZaXmJmaoqOkpaanqKmqsrO0tba3uLm6wsPExcbHyMnK0tPU1dbX2Nna4uPk5ebn6Onq8vP09fb3+Pn6/9oADAMBAAIRAxEAPwD7LooooAKKKKACiiigAooooAKKKKACiiigAooooAKKKKACiiigAooooAKKKKACiiigAooooAKKKKACiiigAooooAKKKKACiiigAooooAKKKKACiiigAooooAKKKKACiiigAooooAKKKKACiiigAooooAKKKKACiiigAooooAKKKKACiiigAooooAKKKKACiiigAooooAKKKKACiiigAooooAKKKKACiiigAooooAKKKKACiiigAooooAKKKKACiiigAooooAKKKKACiiigAooooAKKKKACiiigAooooAKKKKACiiigAooooAKKKKACiiigAooooAKKKKACiiigAooooAKKKKACiiigAooooAKKKKACiiigAooooAKKKKACiiigAooooAKKKKACiiigAooooAKKKKACiiigAooooAKKKKACiiigAooooAKKKKACiiigAooooAKKKKACiiigAooooAKKKKACiiigAooooAKKKKACiiigAooooAKKK8a+N3j7xX4L8ZeH7bTjayaZqU6xSq8eWXJ9aAPZaKrtdwQ2aXF1NHCpUEs7ADpS2d7aXiFrW5inUdSjg0AT0VSuNW0u3m8mfULaOT+60gBqe1u7W6UtbXEUwHUowOPyoAmoqsmoWLvIi3kDNF98CQfL9afa3drdIXtriKZR1KMDQBNRRRQAUUUUAFFFFABRRRQAUUUUAFFFFABRRRQAUUUUAFFFFABRRRQAUUUUAFFFFABRRRQAUUUUAFFFFABRRRQAUUUUAFFFFABRRRQAUUUUAFFFFABRRRQAUUUUAFFFFABRRRQAUUUUAFFFFABRRRQAUUUUAFFFFABRRRQAUUUUAFFFFABRRRQAUUUUAFFFFABRRRQAUUUUAFFFFABRRRQAUUUUAFFFFABRRRQAUUgZScBgT6ZpSQBkkAUAFFIrBhlSCPUUtABRRRQAUUUUAFFFFABRRRQAUUUUAFFFFABRRQelABRWPH4o8PyawdJj1a1a9HWISAsKS28U+H7nVzpNvq9pLej/AJYrIC2aAMr4jfELw/4FsGutYmfIXd5ca7mxV7wL4qsfFnhmHXrJWS2mXcu7qBWB8cNI02f4fa1fTWcUlwtqQsjLkgVzfweaSL9n3db5Di1k24+hoAuav8bdFtJ79rTT7q8sdPk8u6uUX5UNdJq/xI8O6f4Mt/FBuPNtLoDyFXlnY9hXkHwbjtLj4BeJ2uEjZ3aYzFgM55615zo8t1/wiPgO3utxsTqR2buh+agD6Q8LfFrS9V8TQeHb+yn02+uY/Mt1lHDrXpFfO/xwiWP4veBZbNQs+VHyjnbX0Omdi564oAWiiigAooooAKKKKACiiigAooooAKKKKACiiigAooooAKKKKACiiuN+MXje18A+Br3Xrgb5EXbDGOrOelAHTXGqafBfQ2Mt5CtzMcRxFxub8KuV4h+z/wCCr7USnxH8W3E9zq18TNaxu3yQIemBXt9ADJpEhheWRgqIpZiewFebj45fDsX8tlLrSRSxkg7+AcelaHx41ttB+Gep3cbESOoiTHXLcf1rhtD8B/DTQfhxpeqeNNNsDKYQzzzD5mLc/wBaAOw/4XT8Of8AoYrb86vaL8VPAur3TW1jr1tJIq7m+boPWvKba+/Z5m1COzfQraDzW2xyywlUY+xNeoaf8K/h6ltJLp2g2kS3MW0yRDkqfegDt7W4guoFmtpkmiYZVkbINeAftXf8jN4MH/UQT+dUtE1O/wDg18XIPCd9eXFz4Z1hv9DeZsmFz/Dn0ruPjL8Nda8ea7pGoWWr21rb6dIs0ashJY9aAOF+JWoah4p/aH0T4fzXktvpENos8iI23zTjoaq3n9ofD/8AaBfR/D97M9hqFixW2kfcEfHWvRviJ8KbnX9a0nxXpWpJY+JdPjCefj5JAPUVQtPhzd6TqOs/EHxZff2rrf2J441gXCINv8I9aAPBbC8s9W8M+KY9fn1WbxP9qkS3eHcVBzwFIr6K/Z78J3ul/CeC11aW5jv72E+a7Md6gjg/Wvnz4b2niL/hEtS1rT/Emm2IW6mlW1u1HnAg+9fQv7NHizxN4u8BNfeJrVYrmKdokdU2iRR0OKAPHfDnhGa6+Puu6FY67qI0KztVe9ZpiWkb613P7LSTrrPifybqeXTI7to4BK+eh7V2ngb4ZtoGq+JtSur0XM+ts/zAYManoKy/hJ8JdR8Ga9cXdxrrz2fmtJDbx8DLf3vWgD12iiigAooooAKKKKACiiigAooooAKKKKACiiigAooooAKKKKACiiigAoorGbxV4fGsf2R/a1r9t/55eYM0AbNcX8QviFY+ELm1s5LK6vLu6OIo4kJz9T2raXxV4dbVv7KXWLNrz/nkJQT9Kr+OdY0Dw3pL65rSQnyB+73KCzN2C0Ac34I+K2meIfFk3ha5sp9P1WJd/lSD7w9q9Grwz4R+HdQ8RfEO6+J+uQrYrcL5en2x4fZ6kV7nQAUUUUAFFFFABRRRQAUUUUAFFFFABRRRQAUUUUAFFFFABRRRQAUUUUAFFFFABRRRQAUUUUAFZ/iLWbDQdJn1TUphFbQrudjWhXjP7TGom6j0HwbCSZtYu1BA/uA80AbVh8dPhveRGRdeiTno/Bqx/wALp+HP/QxW350tr8Gfh0ltEk3hixeRUAZtv3j61J/wpv4bf9CrY/8AfNAG/wCD/GXh3xbHNJoOoR3iw/fKHpXQVg+EvB/hzwpHKnh/S4LFZf8AWCMY3VvUAFFFFABRRRQAUUUUAFFFFABRRRQAUUUUAFFFFABRRRQAUUUUAFFFFABRRRQAUV5D8Sfitqmj+N4fBfh3QLjUNTmXIk2/u1+prAtvjP4k8N/ELTvCfj7RVtG1E4t54/un2oA9x1TVNO0uHzdQvIbZexkcDNVNN8QaXq8Mo0m/t7mZAfkVxnP0rC8deA9D8Walp+r6xcTCGxBcRh8RsPVq8j+H1jHqf7Qk+qeD1ki0CyQxXTIT5cj9OPWgCSbxv8VpPFviLQbe705UtITPHcGPKwKP4T6mu3+G/wARL5vhkPEfitWlkSQxlrePO/3Aq7pPw1e2PieS5vvMn1oOquBzGp6CrXwi8CXfg/w+2l6pfJqKg4jXb8oX6HvQB5b8P/jLp/8AwsLXPtg1GS1lcLbp5ROzJ9O1d58eW1+78BSarourGwtUjEjqBiRs+/atfwh8P4NF8Y6xrcsdtJHfHKJsHyVZ+LHhvXfFHhp9E0W+tbGKYbZmlTPHtQBZ+EdxNdfDvR57iRpJXgBZmPJNdXXHfCzQPEPhrw/Do+tX9reR267IWiQqce9djQAUUUUAFFFFABRRRQAUUUUAFFFFABRRRQAVBqFv9rsZrXzHi81Cm9Oq5HUVPQelAHxd8SPBBtfj54f8MeD765ivZMyX14zkuynqTWx4r8H6d4e/aR8CaV4ZknS5U776UuSXPctXoHw98F+JpP2hPEXi7XdNeCxUmOwlY53p6isLxl4Z+IVj8fpPFGjaIb+GSER285PywnPU0Aeu/Fnwz4k8V6M+i6TqdvZ2dxHsuC6kufpWb8IvA3iLwdpX9halqltfaUIyioFO/n1rvtCF+NIthqbI15sHnFOm72q7QB4hL8GNWsW1fS9C10W+havN5tzA+d656ha6TxR8JNH1PwHYeHLNzayacQ9rMOquO9el0UAeVeFvhlqTeLbLxN4u1JL+70+LybVYxhQPU+9eq0UUAFFFFABRRRQAUUUUAFFFFABRRRQAUUUUAFFFFABRRRQAUUUUAFfMn7Y91NqPijwh4VD4hubtGkX+8Mivpuvl39qFfJ+OngS8k5iEwUg9M5oA+inurDwz4UjnmzHZ2duoIVckAD0riPhv8afDPjjxdeeHNPSaC5t13DzhtMn0Br0kRxXFmkcsavGyDKsMg8V8t/tKaLL8Ofih4e+KWiwiG0WURXqxrgAZ6nFAHoPx/uv7b8WeGPAsLZku7kTTp/0zHr+Vdh8Q/hro3jjSNN0zVnlW2sWVgkZwGxjg/lXm/wAIryP4kfGW+8fR/vbCwtRaWzdg3U17H4+8VaZ4N8M3WuapKEhgQkDPLN2AoA8I/bM0vw5p3wvsNGsbOFNT89I7JIlxJxgdua9l+DFjqenfDPRLTWGZrxLZd+7r04ryP4baDceOfER+KfxAuIY7WIltMtJHG2KPsxB717/omp6fq+nR32mTpPavwjp0OPSgDwb9uSwC+AdN163G28sr+PY46gZr2X4b6k2reB9IvnOXktU3H1OK8t/bamji+Dbh8fPdxqv1zXefAyGS3+FuiRyfe+zKf0oA7ekdVdCjqGUjBB70tFAHKXHw58F3F211L4ftDKx3EgYyfpXS2NpbWNsltaQpDCgwqIMAVNRQAUUUUAFFFFABRRRQAUUUUAFFFFABRRRQAUUUUAFFFFABRRRQAUUUUAFFFFAEd1D9otpId7JvUruXqM+lfGnxz8Hx2Pxm8OeHPCF3cJqVyxe8ui5L4J719nngV8/+GvA/ii+/ag1TxlrWmvDo6QbbORjkEj0oA4P4qeCtN8MfFDwNpmhST/2tJKsl5NvJaTnndXsvxu+GOrfEEaWLXWfsMdkQ5Q5wzDua4H4reFvH6/Hu38U6Jo51G0EQjgf+GFvU19C+HBqQ0e3/ALXKG9KAy7OgNAHmPgP4aeLNI8V22r654qe/t7dCqW4yFH4V69RRQAUUUUAFFFFABRRRQAUUUUAFFFFABRRRQAUUUUAFFFFABRRRQAUUUUAFFFFABRRRQAVzXxB8aaT4J0g6jqvnMp+4kSFix/Culqve2NpepsureKYYIAdQcfnQByHwl+JOi/EbS577SQ0fkOUkjf7y/UVwFmknjP8AaNurxf3tr4Zh2op6b2rzT+1m+BHx61eK5zDoOuK0kfZQ/bFezfs36aW0vVfE0y5m1W6Z9/8AeXPFAHmfxw8efE7wH430K7mu4ZINSuWihsIhyVHTNSeOfGnxV8M+KvC+paje2y22rzhfsCDlVPr70vjnd40/a30fSGUy2mjx+aMjKhu9RftG63ZwftBeFU1pni0vS4zP90kMSOgoA+orR2ktYpG4ZlBNS1l+FdZttf0O31Szjkjt5lDRh1wcfStSgAooooAKKKKACiiigAooooAKKKKACiiigAooooAKKKKACiiigAooooAKKKKAKVxa6bBO2qTwQJKiktOyjIH1r5k8RrN8bPj7pcujwk6F4ZkPmXePld89Ae9bP7V/xTt9Kv7PwHBetaC9/wCP+4UH91H6cUngz4xfC/wbouleF/BzG9uZpFjfahBZj1YnvQB1P7Ss/jZtCtdA8I6bcXEFzhbuWE4ZUHUA+9UPg3qPirTdW0vw3a+C30jREQ/ariTlnbHUn1Ne42zie2jlZRllB5FSBVHRQPwoAWiiigAooooAKKKKACiiigAooooAKKKKACiiigAooooAKKKKACiiigAooooAKKKKACiiigAooooAKKKKACiiigAooooAKKKKACiiigAooooAKKKKACiiigAooooAK+fP2z/D9xJ4b0zxdZRs0uj3KSPtGTtyK+g6qavp9pq2mz6ffQrNbzoUdGGQQaAMn4c69beJfBel6vbSq4nt0LbT0bHINVvit4Qt/HPgfUPDlwExdRlVZh91uxrhvh94C8X/AA98YCz0a+huvCV3KzyQSE77f/d9q9joA81/Z3+GzfDDwQdBlmjnmeYyySJ0Jp/x0+Gf/CztCh0ibU5rKCOQO3ln7x969HooA+b5f2b9Wm0/+z5PHmqm02hfLD4G30r234beF4fBvg6x8O28zzR2i7Q7Hlq6OsjxhJrUfh66bw/HFJqW3ECyfdz70AeBfte3j+Jta8N/DmwbzZ7u8SWZU5KAHqa+hfDunppWhWWnIABbwLH+Qrzf4VfC+80nxBP4y8YXial4juB95eUhB7LmvV6ACiiigAooooAKKKKACiiigAooooAKKKKACiiigAooooAKKKKACiiigAooooAKKKKACiiigAooooAKKKKACiiigAooooAKKKKACiiigAooooAKKKKACiiigAooooAKKKKACiiigAooooAKKKKACiiigAooooA8j/aT+D8fxV0Kzht5ora/tZQ0crjjb3Fd/wCAdBXwz4Q07Q1IY2sIRiOhPc1u0UAY9r4Y0K11yXW4NNhTUZRh7gD5jUPiHwd4b8QX9vfaxpNvd3FucxPIuStb1FADIIo4YlihRURRhVUYAFPoooAKKKKACiiigAooooAKKKKACiiigAooooAKKKKACiiigAooooAKKKKACiiigDlPEHw68F6/qLahrGg2l5dN96SRck1VsfhT8PrK7ju7XwxYxTRsGRwnINdrRQAiKEUKvAAwKWiigAooooAKKKKACiiigAooooAKKKKACiiigAooooAKKKKACiiigAooooAKKKKACiiigAooooAKKKKACiiigAooooAKKKKACiiigAooooAKKKKACiiigAooooAKKKKACiiigAooooAKKKKACiiigAooooAKKKKACiiigAooooAKKKKACiiigAooooAKKKKACiiigAooooAKKKKACiiigAooooAKKKKACiiigAooooAKKKKACiiigAooooAKKKKACiiigAooooAKKKKACiiigAooooAKKKKACiiigAooooAKKKKACiiigAooooAKKKKACiiigAooooAKKKKACiiigAooooAKKKKACiiigAooooAKKKKACiiigAooooAKKKKACiiigAooooAKKKKACiiigAooooAKKKKACiiigAooooAKKKKACiiigAooooAKKKKACiiigAooooAKKKKACiiigAooooAKKKKACiiigAooooAKKKKACiiigAooooAKKKKACiiigAooooAKKKKACiiigAooooAKKKKACiiigAooooAKKKKACiiigAooooAKKKKACiiigAooooAKKKKACiiigAooooAKKKKACiiigAooooAKKKKACiiigAooooAKKKKACiiigAooooAKKKKACiiigAooooAKKKKACiiigAooooAKKKKACiiigAooooAKKKKACiiigAooooAKKKKACiiigAooooAKKKKACiiigAooooAKKKKACiiigAooooAKKKKACiiigAooooAKKKKACiiigAooooAKKKKACiiigAooooAKKKKACiiigAooooAKKKKACiiigAooooAKKKKACiiigAooooAKKKKACiiigAooooAKKKKACiiigAooooAKKKKACiiigAooooAKKKKACiiigAooooAKKKKACiiigAooooAKKKKACiiigAooooAKKKKACiiigAooooAKKKKACiiigAooooAKKKKACiiigAooooAKKKKACiiigAooooAKKKKACiiigAooooAKKKKACiiigAooooAKKKKACiiigAooooAKKKKACiiigAooooAKKKKACiiigAoopN68/MvHXmgBaKAcjI5ooAKKKKACiiigAooooAKKKKACiiigAooooAKKKKACiiigAooooAKKKKACiiigAooooAKKKKACiiigAooooAKKKKACiiigAooooAKKKKACiiigAooooAKKKKACiiigAoornfHHjLQ/B9gLrWLry933I1GWf6CgDoqg1CZ7eymnjjMrohYIP4iO1eex/GvwLJ4fXV11LcrEgQqMyflXReCPHXh7xfocmsaReCS2hJEpPGw+9AHlXij4kfFDTPD174tl8Mw2emWkuPIkk+d0zjNeu/D3xEvivwhp+vLAYPtcQcxn+E14j+0hoer614auvGGkeMEm0W0YO2nAfJJg8qTXrHwP1mPXvhlo+oxWIsleEDyQOBjigDtaKKKACiiigAooooAKKKKACiiigAooooAKKKKACiiigAooooAKKKKACiiigArB8XeL9A8J26XGvX8dnE5wHfpmt6vG/wBsWws7r4Ga1LcW8ckkQQxsRyp3dqAPWdI1Gz1XT4r+wmWa3mXcjr0Iq3XnfwOurbT/AIM6LdXUqwwRWiszscAACql38b/BtuzTebO9ir7GuljPlg/WgD0+iseDxNok/hseIo9QhbTfL8zz93y4rz28+Pfgu3ge833DWCNs+0iM7CfrQB6Z4gvZ9P0a6vba2a6mhjLJEOrn0rwzxF8TvidoXh1fF+peGYbbThOEe1aT5wuetepeBviBofjDTJtS01pBaQgs0si4Uj1BryDxbrcPxe8Tf2X/AGpDp/g/S5t11KzgG4dT90e1AHvPhLWY/EHh2y1eKMxrcxLJtPbI6Vq1neG/7MGiWyaQUNlGgSIr0wK5Dxn8XfBvhbV49L1C/wA3DOEbYMhCemT2oA9AorzfxB8avAmjXlvbz6mH84qPMQZRc+pr0Kxuob2ziu7ZxJDKgdGHcGgCaiiigAooooAKKKKACiiigAooooAKKKKACiiigAooooAKKKKACuYuPH3hW38UJ4am1SJNUc7VgJ+Ymunr5h+M1hZw/tSeDLqK3RJnYbnA5P1oA+nh0orn/GPi/QfCOnJea3epArkKi/xOfQCuZ0b4xeEb7WotIuLiSxup8eSJ02h89MZoA9GormvHXjjw94NsI7rWr1YvNO2JByzn2FcPc/H7wbZ3cVpei6guJceXG0RDOD6UAetTyxwQvNM4SNAWZieABXmOn/Fc+IPGH9ieEtIk1S1hk2XV7nEcfrg96xf2l/G0tn8I4p9LaSKTV3WCMnggNXXfB3w/pXgf4Y2EY8uBfs4uLqZuMsRkkmgDvR0orzjSvjR4F1DW7jS49TWNoFLF3GFYDrg96m8LfF7wb4j8Uf8ACO6ffH7YwzGHXAce1AHY6nrelabPDBf30NvJMcRq7YLH2rgvF3xPuvCPicW2vaHLDokhAj1FDuXJ9R2ry/8AbBS4X4j/AA78mV0Wa/CsFOM8ive/HWgWmveCL7R7yJZUktioyM4IHBoA2tNvrXUrGG+splmt5lDI6nIIqxXgv7IPiK6m0fV/B99I0k2i3LRoxP8AyzzwK96oAKKKKACiiigAooooAKKKKACiiigAooooAKKKKACiiigAooooAKKKKACiivFfiPqXxV1b4gR+GPCax6ZphXMuoOm7H0oA9qrmvGnjfw/4Ra3j1i8EU90SIIhy0h9hXz/eeOviJ8K/i3o3hnxNq8eu6XqsojWQJtZSe9e/eNdM8JukPiTxJa20g01TJFNMP9X9KAKHh34heHPFl1daHp1+1vqSof3Ugw49wK8Cdten1jx+0fii9GkaRCdx3nJm9j25rqvhZ4duvGPxrvviZDZ/2do0cfkWgAwbj/ar1S0+Gfhe10rW9Nit5fJ1qRpLws+WZj1waAKX7Pl5qF78MNKn1W9+1XUkIfcTltp6Zr0Kud8BeDtK8GaQumaSZ2gUYXzX3ED0+ldFQAUUUUAFFFFABRRRQAUUUUAFFFFABRRRQAUUUUAFFFFABRRRQAVz9v418KXGuf2HBr1jJqWcfZllBfP0roK+V/F2lafYftmaFNZ2scDzwlpCi43HPWgD6oorC8W+LtB8LQLJrN/Hbl/uIT8z/QVieGvin4P17VhpNvqHk3rfchmG1m+lAHcUVzXjbxx4b8Hwo+t6gkDyH93FnLv9BXJD47+ARex2Ul7NFcyY2xPHhj+FAHqVFQafdRX1lFdwZMcqhlz6VPQAjEKpYnAAyTWPL4p8OxSGOTWLNWBwQZRkVe1sldGvWBwRbyEH/gJr5G+CPww8P+PbHWdW8Qa1eR3K6lJEqi4K8A0AfWGj+IdF1iaSHTNStruSL76xOGK/WtSuA+F3w08O/Dm3updLlkYTfPLLK+7j60+0+LngW68RyaFFrUP2pASSThTj0NAHeUVwmlfFrwPqficeHbTWInvmOEHZz7HvXd0AFFFFABRRRQAUUUUAFFFFABRRRQAUUUUAFFFFABXFfGJNDs/Bmo6/q1jBcNY2ztG8i52EjHH512tcF8ePCeqeN/h1feGdLuFt3vMK7n+7mgDwf9m/wZpek/C3X/HeuQJdSXKyyQCUZWNDnG2u1/Y80RT8P9Zupo9ttq127hB02kkcV2y/DuSP4Ff8IDDOI5zZeQZR/e9axPgR8OvFnhJYY9b1ndaWqGOG2iGFbnqfegC2/wABPCbTuDqOs/Ynk8x7L7UfJJzn7teoaRp1npWnQ6fYQJBbwqFRFGAAKtUUAFFFFABRRRQAUUUUAFFFFABRRRQAUUUUAFFFFABRRRQAUUUUAFFFFABRRRQAV5L+11/yQfXv91P/AEKvWq81/aH8KeIPHHgOfwzockUIuyBNI4zgA54oA8i+KOq3emfsd6YLN3jaeKKNnU4IBIzXouj+FdAm/Zzisfsdu0L6ZvZivVtuc59ak0v4X3msfBH/AIQDxTIm9IxHHKg6Y6Guc0/wH8ULPwS3gNdSgbTdvlJd4+cR+n5UAeXfCy31zWv2W/F+lwTvttL51g3PgeWM8Cl07xJoOofswL4LttDuJteYGFIltycvn726vR/i34a0n4X/ALOdx4fs7ySKW4cKZB1mlJ7/AI1zfhDw/wDG7SPCdnd2WnaRiO3EkY8sbiuM9fpQB6v8DvA89h8ELTwzrsbwS3FuUnCHa6g+/rWRbfsy/D+3Qxw3WtJEzbmQXZwx962P2bfiPqXxC8MXU2r2a297ZTmCXb90kHBxXq1AGd4c0az0HRoNKsQwt4F2puOTj3NfOX7aul6X/Y2laLpljBBqmsX6Bp0XDkA8nNfT1eQfEz4Z6r4v+Kmg+IJLpBpmlncIiOSaAPLP2gvCeieEfhD4a8MWVnHJqF7cwo8zDMjMTyc19N+C7BtL8JaXp75LQWqIc+wrzP8AaG+GmteNpdEvNCukhuNNlDqrjKnFd58ONE1jRNCEOuao+oXjtudj0X2HtQB09FFFABRRRQAUUUUAFFFFABRRRQAUUUUAFFFFABRRRQAUUUUAFfNfxq/5Oc8E/wC8K+lK8E+KXw38aeIfi/pPjDTbiCO30xwY42HLDvQBy3xdmGtftV+F9A1PMmnxASLCx+Rm+lWv259IsbHwr4c1qxt47e/h1SOKOSMYbbxxXb/GT4T3nivVtJ8W6LeCx8Q6dtZWxwxHUVl698M/F/xG1bSW8dXkcWnabIsvkRD/AFjjvQB5t+0PHqUWq/DzxbqsbXGmwpEs0Ocktgc7e9WfiYlr8Tfil4Pk8H6ROY7Ha11cNAUVR6e9W/2kV1PV/jB4b8N+D5En1CwhBNrKMxqB0JFL4k8S/GD4X29tq+qabpj6c8ypMsKBTzQB0H7aFo0Xgnw2yjbHbahEXx0wCK9x0GG01PwbZQzxJNbT2iBkPIZStcr468Pw/FD4TeQ8YjnurYTQ5H3XxkVyXwH8eT2Fivw/8ZRyWGu2GYYDIPlnQcKQaAPMbjwbpPjP9qmTRbOBbbSNFiV5Y4BhX/2T7VuwaZp2p/td21npNnFa22j2uZBCuAOOK9E+Dfwy1Lwr458R+J9Wuknm1SUmPA5VM8Cubl+EfjG0+MWr+KNG1hLa01TasrkZdVHUA0Abv7QHgzWPFHjLwNfabZmeHTb5pbhh/AvFevag6x2E8jfdWMk/lXlPxQ8B+NtY1rw1L4d8UXdja6e6m8VXx9oA65qT42fEO30XRJfC+j+Zf+I7yLyYoIl3FSRjcx7UAee/sjxPN8UPiBqUZJtprjamOmQ1fTdebfs8+BH8D+Bo4LxR/aV25num77m5xXpNABRRRQAUUUUAFFFFABRRRQAUUUUAFFFFABRRRQAUUUUAFFFFABRRRQAVQ17VLDQ9JudV1GZILa3Qu7sccCr9fKH7WXjDXLzxdYeF4dG1W40OCQSXv2aFiJh/dyKANHwh4fvvjN8XU8e6pC8Ph3SpP+JcpGPOYHr9K739orwj428YRadYeG5449Pik33UbH/W46D6V51pvxz1hf7F8M+E/AOo6dB5yRF3tmConevqG0Z3tYmkGHKgsPegDx3wJoXxSi1/S01mW0s9FsVK/Z7ZQu7617PRRQAUUUUAFFFFABRRRQAUUUUAFFFFABRRRQAUUUUAFFFFABRRRQAUUUUAFfMnjz/k8bw3/wBe5/nX03Xzx4o8AfEDUvj/AGPjyGytxY2Z8tIzKMlPWgDE8WyJ4k/bDstE1YedZWNuGjhflGPrio/2vtJtNC8T+E/EGi28dpfrdKmYRtLDPTiu4+Lfwt1vUfHml/ETwjOkGs2ihZoG6Sj0zVa6+Hfi34heONK17xykdjYaWweOyjbdvcdyaAPPfjpJJZfGzwT4i8RW7XWlPbIXixkK2Bk4o8V6VYePP2jvD2oeEdKD2FtGrXU/lYjwO1Wfjn/wkms/H7TrLwV5F/c2dsVe1nTdGgx6Ulx47+KHwrvrG48ReGtOTS7qZYnNsgUjJ9qAPcvib4i8UaAdL0vwl4c/tGW8PlmQNtSADua5PwN8UfEq/F0/DfxZpcSXj2/2iOeF8gD0Nd/4g1S31bQbWxt9ZTSNQ1SANau3LAkdhXgfwwTUvAf7SUvhTX7hfEN7f2/mpqTD95Ep/h+lAH1JdRxy20sUv3HQq30Iwa8Zm+AHhxLS/k0jVdQtJLh3mQxTkKrnvivWfE1lcajoF7Y2sxgmmhZEkHVSR1rwvwRovxu8I6Td6D+51eKV3MF3LL80eaAKf7L/AIl8QT+IfEfw78T3z6n/AGbIyLM/Ur6VxPjHwTpvib9qKx8L6HALOy0+MS3hh4LLnnJr3H4GfC6bwQmoaxq14L3XdScyXEoHAJ7VT+F3w41jRfi34i8Z6wUb7f8AJb4OSEzQB5d4w8P6TcftVeG9F8PWMVsulxBrjyxgn3NfWY4GK+dvEPws8eQ/Ha/8ZeHr2GK31CIRPM/JjX2Fe+6Laz2WmQW1zcNcTIoDyH+I+tAFyiiigAooooAKKKKACiiigAooooAKKKKACiiigAooooAKKKKACiiigAooooAKKKKACiiigAooooAKKKKACiiigAooooAKKKKACiiigAooooAKKKKACiiigAooooA5T4o+BtK8f+Gn0TVdypuDo69VYdDXGQfCnxJHpI0f/hNr37EE8sEE79vTGfpXr1FAHMfDjwVpPgbQRpWkqdpYvJI33nY9Sa6eiigAooooAKKKKACiiigAooooAKKKKACiiigAooooAKKKKACiiigAooooAKKKKACiiigAooooA8w+IfwisfEviyDxZp+pT6XrES7fOiONw9DVG9+D93r1zat4q8SXV/b28gcQA4RiPWvXaKAIbK2hs7SK1gQJFEoVQOwFU9Q0HRtQvYb28023muYTmOVk+ZT7GtKigAooooAKzIvD+ix6u+rJptsL9/vT7PnP41p0UAFFFFABRRRQAUUUUAFFFFABRRRQAUUUUAFFFFABRRRQAUUUUAFFFFABRRRQAVG0MLHLRIx9SoqSigCNbeBTlYYwfUKKkoooAKKKKACiiigAooooAKKKKACiiigAooooAKKKKACiiigAooooAKKKKACiiigAooooAKKKKAPJfGPwhmvPHq+NvDGuyaRq23a+V3I49xVe9+EGq+KNbsdQ8eeJ31SCzcSR2sKbIyw6E+texUUAcV4/+GugeMorEX73VtJYjFtLayeWyfiKi8B/C3w34R1STVrb7Vfak67Td3knmSAegJ6V3VFABRRRQAUUUUAFFFFABRRRQAUUUUAFFFFABRRRQAUUUUAFFFFABRRRQAUUUUAFFFFABRRRQAUUUUAFFFFABRRRQAUUUUAFFFFABRRRQAUUUUAFFFFABRRRQAUUUUAFFFFABRRRQAUUUUAFFFFABRRRQAUUUUAFFFFABRRRQAUUUUAFFFFABRRRQAUUUUAFFFFABRRRQAUUUUAFFFFABRRRQAUUUUAFFFFABRRRQAUUUUAFFFFABRRRQAUUUUAFFFFABRRRQAUUUUAFFFFABRRRQAUUUUAFFFFABRRRQAUUUUAFFFFABRRRQAUUUUAFFFFABRRRQAUUUUAFFFFABRRRQAUUUUAFFFFABRRRQAUUUUAFFFFABRRRQAUUUUAFFFFABRRRQAUUUUAFFFFABRRRQAUUUUAFFFFABRRRQAUUUUAFFFFABRRRQAUUUUAFFFFABRRRQAUUUUAFFFFABRRRQAUUUUAFFFFABRRRQAUUUUAFFFFABRRRQAUUUUAFFFFABRRRQAUUUUAFFFFABRRRQAUUUUAFFFFABRRRQAUUUUAFFFFABRRRQAUUUUAFFFFABRRRQAUUUUAFFFFABRRRQAUUUUAFFFFABRRRQAUUUUAFFFFABRRRQAUUUUAFFFFABRRRQAUUUUAFFFFABRRRQAUUUUAFFFFABRRRQAUUUUAFFFFABRRRQAUUUUAFFFFABRRRQAUUUUAFFFFABRRRQAUUUUAFFFFABRRRQAUUUUAFFFFABRRRQAUUUUAFFFFABRRRQAUUUUAFFFFABRRRQAUUUUAFFFFABRRRQAUUUUAFFFFABRRRQAUUUUAFFFFABRRRQAUUUUAFFFFABRRRQAUUUUAFFFFABRRRQAUUUUAFFFFABRRRQAUUUUAFFFFABRRRQAUUUUAFFFFABRRRQAUUUUAFFFFABRRRQAUUUUAFFFFABRRRQAUUUUAFFFFABRRRQAUUUUAFFFFABRRRQAUUUUAFFFFABRRRQAUUUUAFFFFABRRRQAUUUUAFFFFABRRRQAUUUUAFFFFABRRRQAUUUUAFFFFABRRRQAUUUUAFFFFABRRRQAUUUUAFFFFABRRRQAUUUUAFFFFABRRRQAUUUUAFFFFABRRRQAUUUUAFFFFABRRRQAUUUUAFFFFABRRRQAUUUUAFFFBIHU4oAKKKQsobaWG70zzQAtFIzKo3MwA9SaUEEZBBFABRRkZxkZooAKKKKACiiigAooooAKKKKACiiigAooooAK5T4n+OtO8AeHZNd1Wzvbi0i5kNtHuK/Wurrzr9pNQ3wU8SBgD/AKKaAOj+Hfi/TfHHha18RaSsy2lyu5BKuG/EV0VeL/sv6lZ6P+z5p2pX0yw21vCXkdjgAAmoG+OV7f2F3rXh/wAKXd9o9oxDz7TlwOpX1oA9vorhPBfxR8OeJ/A9x4rtZTHa2qk3CPw0ZHUGvPpfj5qN1ol94j0fwnPc6JaMQZ2yCwHcCgD3yivMvgl8Trr4kWbX66LJZWWMpK38R9Kq/Gb4xRfD9iq6Jd3wjwZpFU7EH1oA9XorwjxD+0Xptp4eh1rSNDvNRtQitcTKp2R56jNeteAvE1n4v8LWev2CssFygYBuoPpQBu0UUUAFFFFABRRRQAUUUUAFFFFABRRRQAUUUUAFFFFABRRRQAUEgDJOBRXFfGjTvFereBbqx8HXS2uqSEBJCcYHegDrDqFisvkm8txJ/d8wZpmsala6VpsuoXkgSCJdzNXzf8QvhHJ4c+D9z4guPEF8nia1hE0l15527+4xmvQv2atbv/Gnwjs5fEafaXH7tjIvEgHegC58PPjFovjfx9qHhbSbS5Q2MPmPLKuAxzjitb4jfESy8K31rpENrLfavec29tGMkj1PtXlPwohht/2rfFsMEaRItkAFUYA5qfxNI/8Aw2Noy3X3f7N/c56daAPRPh78UtN8S3t/pV7azaXqungm4gmGMADORXN6h8eLGFLnVrTRb260C0n8m4vUTgHOCR7V5x8UFuF+O3iKTSc7/wCyX83y/wC971o/D77FJ+yHrQl2f6uXzc/3t386APofTNWtte8NJqukXAMVzBvhkHOMjivM/gJ4x8T694j8S6V4hvEuRp9xshcIF+Wrf7Ly3C/BPTRPu+42zd/drg/hJeTafrHxJvbcEyxMzJj1waAPfrvxHoVnci2udWtIpicbGkGauzX1nDa/apbqFIMZ8wuNuPrXzJ8GfDOn+MPg9r/iTX55LjVJZZ284yHMe3OAPSuNutc8Raj+zdps1xdTyx2utGGXaxDyxK2MD14oA+uofFvhmZ9ket2TMTgDzRnNaF/qen2FqLq9vIbeE9HdsA18pxeF9P8AF/xS8MXXhnSNRs7K2iDX5lJVGIHFevftK6Voq/C6+vtREv8AoluVtwshX5iOKAPRZfEOhxJC8mq2irN/qyZB830rTRldQyMGU8gjvXxNrvhf+xf2d/DuoarfXU2uapdRC0kMpBjUtwK+wPA0E1r4R0y2uZPMnjt0WRs5JOKANqiiigAooooAKKKKACiiigAooooAKKKKACiiigAooooAKKKKACiuD+KvxC/4Qq0zDpF1qNxt37Y1yoX1Jrg9J/aMsNY8Ktqej6BeXt5ErNPBGpKx465NAHvFFcR8GfiFY/EjwkmvWVu9v85SSNuqsOorrdVv7XTLCW+vJVigiXc7noBQBarP8Qa1pug6c+oardR2tug5dzgVB4W8SaR4msPt2jXkd1BuK70ORmqHxF8F6T460L+xtZEhtS4ZgjYJoA5KX48eBIplEl1MtuzbRclP3efrXYax4y0fT/Cf/CTLI13YlQUMA3F89AK8p/aU0jwb4V+Bs+jDT7ZD5Yhs0VB5jP2I7mrHwHsr/wAO/s0xya9CXkgtpLhY5lyVAGRwaAL1r+0N4QutFudQt9P1WR7YsJrZYcyJjqSK9E8AeLNN8aeGbbXtKEgtpxwsgww9jXzl4Es4dN+AfizxktmGvNXMu1ynIVs4xXp37KmoadJ8MLDTbNmkmt4g074+UsaAPXqKKKACiiigAooooAKKKKACiiigAooooAKKKKACiiigAooooAKKKKACis467o41MaadStvth/5Y+YN35UDXdHbUv7NGpWpu/wDnkJRu/KgDRqJbq2aTy1uIWf8AuhwT+VSMoZSp6EYNfKX2NtE/bHSysbu5WzmiEjQmUldx68UAfV1FV9QvrPT7dp725igjXqzsBVTRvEGi6xu/s3Ure5K9Qjgn8qANOiqeq6pp+lWxuNRvIbaIfxSOBWTD448JzY8vXbI5OB+8FAHRUVGk0TwCdZFMRG4NnjFUbDXtGvppobTUrWaSD/WhZAdv1oA0qKz9M1vSdSnlgsNQtrmSI4dY5ASDWhQAUUUUAFFFFABRRRQAUUUUAFFFFABRRRQAUUUUAFFFFABRUGoXSWdlNdSZKRIWOPQV4fZfGDxf4om1F/BnhZ57Swco8k6kbyOuKAPc7mYQW8kzAkIpYgdeK5XwJ8Q/DvjO9v7PR53eexfZOrDBU1y3wP8Ai9Z/EVtR0u4tGstVsGKTwN6jriuG/Z+ubbS/iF8Qr6YCOCCdpHIGOBmgD6Qor5/0f4nfETxdpes+IvCun6cNK013Eaz53TBeuKbqX7QEw+F9trtnp6f2xNcC1aF/uJJnBz7UAfQVeEfG278Y6Z4u0G6/tj7Pp9xeCMW0J4Zcj71YWufFL4r6D438P+Hrm00W4Gsqrq6MTsB7V23xQ8E+NvGF3pE8V1p9ulg4mA5yz+h9qAPVLm4NvpMl1jJigMmPXC5r5fOueJdT8C6n8R/7duo7uDV/Jht1b92sW7G2vff7L8UXV5YNdX0MdqITHewR9JMjHFedRfBzWLezu/DMGoxf8I3dX/21gf8AWKc52j2oAPEGvaj4w8d6P4Sjvp7C1l09bqZojhmJH+NWvhHq/iabT/EvhiG+F3faZctDa3Fzz8vvW74w+Ht6+v6f4j8MTxW+o2luLcrL91kAxV7wF4MvvC2h6jMk0VxreoSGaWR/ubj2+lAHLfAW98QP4q8R2GvarLfyQT4UseF9h7V7NXknw78E+NfDvjC/1e8utPlt9Ql3zoucr/u11/xT1XxHo/haa+8NWsFxdRgs3nfdVQOpoA6yivmTRfjX8RdY+HNx4ktdHsYzYyMtzJJnY+Dj5a94+G2vXHibwZp+tXUIhmuYwzIOgNAHR0UUUAFFFFABRRRQAUUUUAFFFFABXnX7SX/JFPEv/Xqa9Frkvit4Qm8ceFLjw8NQayt7kbZiq5LD0oA+do5Ltf2G5/se4k22H29cbq9W/Zyk02T9nfTRGYtosXE/Trg5zW18NPhfbeFPA1z4Ovr3+1NLmUqI5E+6D2rlbL4E3Gk2t5o2h+Kbqx0K7YmS0HJAPUA9qAPLfgFpK3/w7+KFo9x5GmXF1L5UpOFA56VJ8NNY8UxfBy98EWfh5rpp90VrdD7jKSRk16t8VNF0D4Z/s+6xp+n2LNbeTskK9WYn7xNeVfDn4Qa1d/D611uz+I8lnBLCZggm+WLvigD3n9nzwXdeB/h3aaTfSB7o5kkweAT2rh/20bxU+Hcei26ILnU7lYgQPmOTSfsheJ/FWtWev6b4gvTqNvpt2Yba7I++B796774lfDWz8b67pGo3t28aabIJFiAyHI9aAPH/AI0aXYeA/wBmPTvDWk26xz3ixI3HLM2M17X8F9Ps9F+HejaTBNG0kdojSKpBKkjJqp8XvhpY/EDw3BpM9w1q1uwaKRf4cVe+F/gS08EaSbWO7nvLhwBJNKxJOOmPSgDsaKKKACiiigAooooAKKKKACiiigAooooAKKKKACiiigAooooAKR2VFLMQFAySe1LXCfHQeLJvh7f2fg2NW1W4Ty0YnG0HrQB5Z8VtV1b4xeKf+Fd+FnaPRLeUf2teD7rAHlQa9p0fwumg+CYvDvhy4Fg0EIjjmChtp9cV81/Dqx+OHgfw7JpeleGbMyyktLcM+Wdj3Jr3X4D2njC28MzyeNn3alNMXxnIUegoA5HQfgl4i0fxzceMbbx5MdUu+Llzbgh1z0xXXfEX4Zr4ovdO1y11JtP8QWChYr5Fzx7ivRKKAPPfh98MbTw/cahqer3jaxq+ogrc3Ui43KRjAHauSf4DeWl3o1j4juLbwveXHnz6aFzuOckbvSvb6KAM3S9HtdJ0CPR9LUW8MMPlRYH3eMZrz34c/Ce58K+IdZ1G68QPqNvq+77RbvEAMnpzXqlFAHisfwSvtMGoab4c8Vz6boWoyF7myEe7OeuD2rjP2jvDFt4Z8DeHPCGhwTWtn9qV5LxRkRNnlm+tfTtVtQsLLUIDBfWsVzF/dkUMKAPkqa98ZeF9e0L/AIRPxkPEP2ieNLmCKEYWMnnNfRfxP8FL4+8LQ6NdXj2sZdJJdozux2rf07w7oWnTedY6TaW8n95IgDWpQB5f8UPhFZeMvCOi6DFfvYnSHVreRVzgj2rtPBXh8eHNEjsGu5buXrJNIclj6+1blFABRRRQAUUUUAFFFFABRRRQAUUUUAFFFFABRRRQAUUUUAFFFFAHmv7SesQ6D8JdavsILmSEwwsRzk8V5f8ADHSLP4f/ALLWpa4YUW8vbV5Xcjklv/117H8ZPh/B8RvDsGi3V49rFHcLMxUZ3Y7VP4k8BabrPw4fwXIxjtTAIlYdsd6AOF/ZBsbbSPhVZ2zzxfa7t3uDHu+bBOc4r1bxXott4i0G60e8yILlCj464NcT8HvhPYfD8NN9vuL+72eWskjHCJ6AV6VQByHwq8A6T8PPD50bR2kMBcv85ycmt3xNrVh4e0S61fUplitraMu5J9O1aVcX8X/Aw+IHhZ9Bk1CSzidsuyd/agDx/wAHWB+MHjI+PPFU8cPhqxcnTbORwAxH8ZFe96NqOh+ItLli094bqyXMLhQCnHBFeAw/ssmCz+x2/jjVYrcDAjRyFA+lezfCTwLb/D/wqmh29090FYsZH6kmgDoV0TSl0g6StjAtiRjyQg24+lGiaLpei232fS7KG1i/uxqBWhRQAUUUUAFFFFABRRRQAUUUUAFFFFABRRRQAUUUUAFFFFABRRRQAUyeMywPGGKFlI3DqKfRQB8W/GXwjc6b8cPD2k+E9SvH1m6m33Vy0hyAT1xVv4p+Drfwv8bPAVnoV7dyatPcLJqMhlY7znkkelejeEPDGv6h+09rXiXVtLni021j8u0mkHyv7isD4n6T41sP2irfxLp/h+bVLbydlswGUjb1NAH0+mQgDHJxya+Xte5/bStf+vda+kfDr6k2i28mrqi3rJulVOgPpXzJrMPiqb9quHxRF4R1RtJjAgM2zg443fSgC946vJviD+0zbeCry5lGiadGJHhRyokb3xWX8dNGi+FfxU8J6/4SaWzhu7hYbmASEowJx0rofih4P8TeF/jXZ/FDw3pkupWUqBby1iH7wD1ApPEmkeJfjH8RNAvpdCu9G0HSpBLJ9rXDuw9KAMX4z3Sa1+0f4T0bxTcSw+HZog2wuVR2IGM1heLPBnhxv2qfDuiaFC9zpcse+7gjlJjUgdSRWh+03qEsnxg0nT5NFOu20EPy21sP3iHHXI6VL8Ofib4Y8D+JLa31bwNf6RLeuI1u51LNk9OTQB9N63oNvfeGH0KGeWztzGIw8Z+ZVHbNfHvgTwbc6p+0LrXhnw3qF3b6JCu2/kEpJZc/zNfZuoXJfQ5rq0UyloC0QXqxI4rxL9lnwhrelP4s17xBp8tlqOoX0nkiUYJj7GgDhvhLolvo/wC1PqOleGp7n+zbOEi4RpCwLV9aV8o/C7SfiH4d+MfiGSPw7Iz6hcn/AE6Ufu/Lz2NfVcHmeSnm48zaN2PWgB9FFFABRRRQAUUUUAFFFFABRRRQAUUUUAFFFFABRRRQA2WNJY2jkUMrDBB71yvjPWvD/wAPPB97q0sUFpBGpYIgAMjnoMd66i6njtraS4mbbHGpZj6AV8h6r8Q/DPxH+K9x/wAJdrUen+G9Em2w2rkj7QwP3iO9AHWfso+DtUt9Q8Q/EjVbZ4Bq0jyWluBhihyelJ8I/D/iCfxV47s9V8P3+n22sl1t55RhSDnmvRPh78WvC/ijxe3hTwunnWtrDnzkXCYHYV6jQB8x/Db/AIS/4c+D9d8E3HhS+vZ5JJBY3EC5jYNnBNcb8RPCl34M+C1tpetQI+o6vqCztFH/AKxMtnC+9fZpVSQSBkVwHxb+G1t45awu/tb217YPvgccjP0oA8G8F654U8K+LtG1LxXpOvG7VVgsp75flizxxX1rbTR3FvHPEcpIoZT7GvJL74S3viS+sZPFuq/a7eycPHGqgZI6V65bwpbwRwRjCRqFUewoAfRRRQAUUUUAFcj8YP7Ub4e6rDo9rJc3ssJSOKP7zZrrqKAPm7XvBfiLS/2bLLQdN0yWS+eXzLq3QfOQTkivWPgrLq7eDLWHU9LOmpDEscUTDD8DnNdzgelFABRRRQAUUUUAFFFFABRRRQAUUUUAFFFFABRRRQBS1zSrDWtLn0zU7ZLm0nXbJG4yGFefJ8D/AAbEhhgbUYbQnm2S5YR/TFenUUAZPhfw7o/hnTF07RbKO1tx2UdT6n1rWoooAKKKKACiiigAooooAKKKKACiiigAooooAKKKKACiiigAooooAKKKKACiiigAwPQUUUUAFFFFABRRRQAUUUUAFFFFABRRRQAUUUUAFFFFABRRRQAUUUUAFFFFABRRRQAUUUUAFFFFABRRRQAUUUUAFFFFABRRRQAUUUUAFFFFABRRRQAUUUUAFFFFABRRRQAUUUUAFFFFABRRRQAUUUUAFFFFABRRRQAUUUUAFFFFABRRRQAUY4wOKKKAPCPEvw88caL8V5/HHhEWOoLcptlt7tvu/wC7UHiX4d+O/iZrulSeNLfTNL0uwmEwjtTudyPU179RQBFaQJbWsVvGMJGgVfoBUtFFABRRRQAUUUUAFFFFABRRRQAUUUUAFFFFABRRRQAUUUUAFFFFAEV5bxXdtJbzLujkXaw9RXAT/Bb4czTNLJ4dt2dySxI6mvRKKAOV8IfD7wn4TuXudC0qK0lcYZkHUV1VFFABRRRQAUUUUAFFFFABRRRQAUUUUAFFFFABRRRQAUUUUAFFFFABRRRQAUUUUAFFFFABRRRQAUUUUAFFFFABRRRQAUUUUAFFFFABRRRQAUUUUAFFFFABRRRQAUUUUAFFFFABRRRQAUUUUAFFFFABRRRQAUUUUAFFFFABRRRQAUUUUAFFFFABRRRQAUUUUAFFFFABRRRQAUUUUAFFFFABRRRQAUUUUAFFFFABRRRQAUUUUAFFFFABRRRQAUUUUAFFFFABRRRQAUUUUAFFFFABRRRQAUUUUAFFFFABRRRQAUUUUAFFFFABRRRQAUUUUAFFFFABRRRQAUUUUAFFFFABRRRQAUUUUAFFFFABRRRQAUUUUAFFFFABRRRQAUUUUAFFFFABRRRQAUUUUAFFFFABRRRQAUUUUAFFFFABRRRQAUUUUAFFFFABRRRQAUUUUAFFFFABRRRQAUUUUAFFFFABRRRQAUUUUAFFFFABRRRQAUUUUAFFFFABRRRQAUUUUAFFFFABRRRQAUUUUAFFFFABRRRQAUUUUAFFFFABRRRQAUUUUAFFFFABRRRQAUUUUAFFFFABRRRQAUUUUAFFFFABRRRQAUUUUAFFFFABRRRQAUUUUAFFFFABRRRQAUUUUAFFFFABRRRQAUUUUAFFFFABRRRQAUUUUAFFFFABRRRQAUUUUAFFFFABRRRQAUUUUAFFFFABRRRQAUUUUAFFFFABRRRQAUUUUAFFFFABRRRQAUUUUAFFFFABRRRQAUUUUAFFFFABRRRQAUUUUAFFFFABRRRQAUUUUAFFFFABRRRQAUUUUAFFFFABRRRQAUjsqIXdgqgZJJwBS14N+0P4w1XUPEmmfDPwvO8d7qDj7bLGfmiiPX6UAdh8QPH2oR6dMnga1i1e5hz9olVsxwAeteZeBvjp4x8X6TeafouhJcavYlxczY/dJiu18YaTo/wn+A+sQWJIlNoyGdz80kjDqTXGfAvT4vCX7MWqeJnjCX91aSzyPj5mOOKAO8+AXxNvfG3h/UZ9ctVtbnTZWjnZfu8dTXpOiazpetWxuNLvYrqMHBKNnB968K/ZButEHgFIrm7ifUNYkeVoOpYHrms74hWmofBT4hWPijQ5Jn8N6rcbL+1JJSEk/eFAH0rRVXSb631PTbe/tXDwzoHRh3Bq1QAUUUUAFFFFABRRRQAUUUUAFFFFABRRRQAUUUUAFFFFABRRRQAUUUUAFFFFABRRRQAUUUUAFFFFABRRRQAUUUUAFFIXQNtLLn0zS0AFFFFABRRRQAUUUUAFFFFABRRRQAUUUUAFFFFABRRRQAUUUUAFFFFABRRRQAUUUUAFFFFABRRRQAUUUUAFFFFABRRRQAUUUUAFFFFABRRRQAUUUUAFFFFABRRRQAUUUUAFFFFABRRRQAUUUUAFFFFABRRRQAUUUUAFFFFABRRRQAUUUUAFFFFABRRRQAUUUUAFFFFABRRRQAUUUUAFFFFABRRRQAUUUUAFFFFABRRRQAUUUUAFFFFABRRRQAUUUUAFFFFABRRRQAUUUUAFFFFAEV3Mltay3EjBUjQsxPYAV8zfs4yP41+OHi/xxcpvSOQ28O7kKF44r374kT/ZfAWuXGceXZSN/wCO14f+wlDu8Eapf45ubtmz680Ae5eOfCuleMdDbRtYjMlo7BmUdyKdF4W0iPwgfCy26/2aYDD5eONtblFAHEfDz4X+FvA7tJo9ntkP3WbnaPaofj/oSa/8KtaszGHkWBnj45DCu9rN8URibw5qERGd1u4/SgDzD9kbxG2u/COzt5n3XGnMbaTJ5+U17DXzL+xLceXe+LtKz/qLxmx6ZavpS+u7extZLq7lWGGMZd2OABQAzU76102xlvryURW8S7nc9AKh0LV9P1zTo9Q0u5S4tpPuyL0Nec/GHx14SuvhprkFvrtm8r2zKqrIMk1z/wCzP418L6f8JtMtr3WrWGZQdyPIARyaAPdaKqaXqVlqlqt1YXEdxC3R0OQa4b42eIvGGi6Pt8I6bHNMULy3E33IlH9aAPRKK+XfBvxp+IvjLwdcxeHtJtpNSsNwvbuTIiXb2HvxXpf7NXxE1b4g+Fbu41q2SG9srgwSMn3XI70AS/tFePvEnw68KDxDo2nWl7bo4WZZScjPpiuy+HWvTeJvBum65PEsUl3CsjIvQEivN/2zf+SIah/11T+dTeG/Glh4B/Z10vxFqHzJDaIEQfxMRwKAPYqK+cpPF3xnvPBLfEC1tbCO0CmZLE5y0PXP1xXdeCvi9YeIPhBceOTCEa0ibz4h2dRyKAPU6K+YLPx78XfEXgG++IWnGxtrGIs0Fr3ZB3Nd3+zH4s8aeN/D8niLxDLaGykJjhSL7ysOuaAPZKK+ev2hvih4/wDBNymp6fpkFvoNvOqSSTffm55xWJ48+M/xIt/DNj400rRra28PtIq4myJJc9SPagD6gorH8Faw2v8AhXTtYki8prqBZCnoSK2KACiiigAooooAKKKKACiiigAooooAKKKKACiiigArJ07xHouoarPpdlqEM93B/rYlbJX61yfxy8bHwn4XMGn4k1i/Pk2kI+8SeM4rwD9kC01Sx+N/ie21a6knuvK3SlmzyTmgD0b44XOqaZ8X/CUtjqlxDBdThJoFb5WFereKPG3h3wtHCutagkEsqjZH1Zvwryb9oWSNPit4IV5EU/axwWArG1UxTftdWUWvsptBYf6Kk3+rJ/HjNAHuHhPx54Y8T+aukakk0kIzLGRhl+oNYeqfGj4e6bNKl1rahIWKyyKhKofQmvJLq3hH7Umox6C6w2DaRJ9rMH+rDY9uM1wfgr7feeAde8GW+i2V8L2+kVNQlK/KC3Uk80AfXPhrxn4d8R6G+taRqC3Fggy0oBAxWFZ/GDwBdzXkMOuRmSz/ANau05H4VY+F3hS08M/Dez0ObyJljg/fFMbW456V4P8ADDQdF1v4t+OfF72cYsNKhaOKED5HYA80AfRvgnxp4c8ZWkt14e1BLyOJtsmBgqfeuhr51/Y2l01tP1zU45o45dS1CXZbqegU+navoqgAooooAKKKKACiiigAooooAKKKKACiiigAooooAKKKKACiiigAooooAKKKKACiiqurXE1rps9xbwNPMiEpGOrHsKALVFfLerfGz4heGPiTFo/iDSbdxfgi0s4cllP8O6tnS/ih8SNK+Lem+H/Fun2SWuqruijh6xj396APouigdBRQAUUUUAFFFFABRRRQAUUUUAFFFFABRRRQAUUUUAFFFFABRRRQAUUUUAFFFFABRRRQAUUUUAFFFFABRRRQAUUUUAFFFFABRRRQAUUUUAFFFFABRRRQAUUUUAFFFFABRRRQAUUUUAFFFFABRRRQAUUUUAFFFFABRRRQAUUUUAFFFFABRRRQAUUUUAFFFFAHOfE6H7R8PdegH8djIP8Ax2vFf2EZNvw9vrLvBdsp/OvoTVLVL7TbmzkGUmiZD+Ir5r/ZP87wv8S/GPge7+WSO4MyKf7pORQB9O0hZQcFgD9axPHc2sW/hPUJtAiEuprCfs6nu3avCk8EfFTUfAt14n8QeMrmw1qKJpktYx8i45ANAH0jWf4kfy/D9/If4bdz+leUfso+Ptc8beDp18QMJb2ylMLSj+PBxmu2+NOsLofwy1vUGYKUtWC+5IoA8T/Yog8zXPGWp9pror+TV9Ia5pdnrOlz6bqEfm2067ZFzjIrx39jXw/JpfwsXVLhSJ9Vma4yf7pPFe30AeD/ABY+Cvw+0z4eazfWmjslxDbs6N5p4NYf7O/wf8C6/wDDDT9S1TSzNcyA738wjPJr6C8TaPb69oV3pF2SILmMo+OuDVPwH4XsfB/hyDQ9OZjbw52lutAFnwv4f0zw3paabpMBgtU+6mc4ri/2l9c/sH4Oa3eCTZI0Xlpz1J4r0msPxp4T0TxhpP8AZev2v2q03h/L3Y5FAHhnhWzTwN+yfc6hBCI7q8tTLK4HLFu5rZ/ZJ1DQLHwFYaXDeJLq17uuJ1XnGT3r1288M6Nd+GP+EbntFbTPKEXk9tvpWb4E+HvhXwTHInh/TVty5yWJ3H8D2oA8/wD20ZY4/gjfh3VSZUwCevNecfGCzutX/ZA0aXTSZ0t1ieVY+eB1PFfRPj/wD4a8dWaWfiSze7t0ORGHKjNS+F/A/hzw34efQNNscac4wYJG3rj8aAPPvD/jXw3J+znHeNfwLHHpfktGWG7eFxjHWvP/AICaLDp37N3iSXXo5YbK9eaVVK8hDnGK9aj+B3w9jvmul0uQKz7zD5x8vP8Au9Kj/aE+2aN8HNQg8O6aspCCLyUT7sZ4Jx7CgD57+GV54if4Z3HhCy17SI9HvZGEc00uJYoz2xX098FfC+l+EfAVno+k3iXkK5Z5kYEM56mvmzwd4P8Aga/gNLrUdauItTMRaWPeyssmOgX616H+xlpWvadpOtNdSXbaLJcH+zxck7tuevPagCj+15J/b3iPwn4LQ7hc3iySxjuoPeoP2vZLez8O+EfCcG20szdRb8cKEGM17tq3gfw3qvim28TX1iJtTtV2wylvuj6VF4+8AeGfHFrDb+IrAXKQtujIOCD9aAJ/AOqaLqGgwQ6FMJra1RYtyjjIFdFWd4d0TTPD+lxabpNqlvbRjCqv9a0aACiiigAooooAKKKKACiiigAooooAKKKKACkckISBkgcClooA+YdV0/4izfG658Xat4bfUbGzUx6dB1Vf9rHrXmnw+8ReO4fjh4quvDugh9VuXAkhb/liM8/pX3Jeed9mk+zgGXadmema8K+GXwp8X+F/i1qfjK6vbeVNSY+egPQZ7UAehaz8OfDni2fTda8TacZtUt41IYORsbqcfjV7xX4A8M+JhA2q2Aknt1CxTKdrqB7iuqooA4KfwLpvhrwnqw8Kaeg1Oa3YLI53MzY9TXzr4X8E6da+E7211fR9aTxBLJI26JmC7yeCMV9j1E1tbs+9oIy3rtGaAPNf2cvD/iHRfhmmm+KZpZrl5HK+YcsIz0B/Cuu8P+C/Dug2d9aaZp6QxXxY3IzneW65roaKAOR8EfDnwp4OuJrjQtPFu8zlm+bIyeuK66iigAooooAKKKKACiiigAooooAKKKKACiiigAooooAKKKKACiiigAooooAKKKKACkZgqlj0AzS0jqGQqehGDQB8teBYYfHP7XOvatMomstLiCw55CsKbqviDS5/2uL6XW7pYbTSLZfK3d2I7CvoLwj4D8M+FdSvtR0TTxb3N+5e4fdkuaztW+FfgrVPGI8WXukpJqnGZM8HHTI70Adhp91Fe2UN3ASYpUDoT6Gp6bGiRxrHGoVFGAAMACnUAFFFFABRRRQAUUUUAFFFFABRRRQAUUUUAFFFFABRRRQAUUUUAFFFFABRRRQAUUUUAFFFFABRRRQAUUUUAFFFFABRRRQAUUUUAFFFFABRRRQAUUUUAFFFFABRRRQAUUUUAFFFFABRRRQAUUUUAFFFFABRRRQAUUUUAFFFFABRRRQAUUUUAFFFFABRRRQAV85/HXSL/wACfE/TvippMMj2srLDqoQfwf3q+jKrapYWmp2E1jfQJPbzKVdHGQQaAKvhfXdM8SaLbavpNylxbToGVlPT2NeSftBePL6aRfhz4OjN3rmpjy5ynIgjPUmulvNAt/hj4F1q48J2d3cysjNb2ifNhz0wK+a/hh40+IPhTU9R12++G2qahrF85LzyRHKj0FAH1D8EfAFr8PPBVvpKsHuSPMuZP7znrXlvx+164+Ini/Tvhf4WdriMTB9WlTlY0B6ZrrfgR4g8aeNLHWZ/GGl3OkpMSkEUibWUH0rufA3gXQPCH2iTS7b/AEi5ctNO/LsfrQBq+FtHt9A8P2Wj2qgQ2sQjUfQVp0UUAFFFFABRRRQAUUUUAFFFFABTZo45ozHKiuh4KsMg06igDCPg3wqbj7QfD+m+Z6/Z1/wrZtoIbaIQ28SRRr0VFwB+FSUUAFFFFABRRRQAUUUUAFFFFABRRRQAUUUUAFFFFABRRRQAUUUUAFFFFABRRRQAUUUUAFFFFABRRRQAUUUUAFFFFABRRRQAUUUUAFFFFABRRRQAUUUUAFFFFABRRRQAUUUUAFFFFABRRRQAUUUUAFFFFABRRRQAUUUUAFFFFABRRRQAUUUUAFFFFABRRRQAUUUUAFFFFABRRRQAUUUUAFFFFABRRRQAUUUUAFFFFABRRRQAUUUUAFFFFABRRRQAUUUUAFFFFABRRRQAUUUUAFFFFABRRRQAUUUUAFFFFABRRRQAUUUUAFFFFABRRRQAUUUUAFFFFABRRRQAUUUUAFFFFABRRRQAUUUUAFFFFABRRRQAUUUUAFFFFABRRRQAUUUUAFFFFABRRRQAUUUUAFFFFABRRRQAUUUUAFFFFABRRRQAUUUUAFFFFABRRRQAUUUUAFFFFABRRRQAUUUUAFFFFABRRRQAUUUUAFFFFABRRRQAUUUUAFFFFABRRRQAUUUUAFFFFABRRRQAUUUUAFFFFABRRRQAUUUUAFFFFABRRRQAUUUUAFFFFABRRRQAUUUUAFFFFABRRRQAUUUUAFFFFABRRRQAUUUUAFFFFABRRRQAUUUUAFFFFABRRRQAUUUUAFFFFABRRRQAUUUUAFFFFABRRRQAUUUUAFFFFABRRRQAUUUUAFFFFABRRRQAUUUUAFFFFABRRRQAUUUUAFFFFAH/2Q=="/>
+          <p:cNvSpPr>
+            <a:spLocks noChangeAspect="1" noChangeArrowheads="1"/>
+          </p:cNvSpPr>
+          <p:nvPr/>
+        </p:nvSpPr>
+        <p:spPr bwMode="auto">
+          <a:xfrm>
+            <a:off x="212725" y="-144463"/>
+            <a:ext cx="304800" cy="304801"/>
+          </a:xfrm>
+          <a:prstGeom prst="rect">
+            <a:avLst/>
+          </a:prstGeom>
+          <a:noFill/>
+          <a:extLst>
+            <a:ext uri="{909E8E84-426E-40DD-AFC4-6F175D3DCCD1}">
+              <a14:hiddenFill xmlns:a14="http://schemas.microsoft.com/office/drawing/2010/main">
+                <a:solidFill>
+                  <a:srgbClr val="FFFFFF"/>
+                </a:solidFill>
+              </a14:hiddenFill>
+            </a:ext>
+          </a:extLst>
+        </p:spPr>
+        <p:txBody>
+          <a:bodyPr vert="horz" wrap="square" lIns="91440" tIns="45720" rIns="91440" bIns="45720" numCol="1" anchor="t" anchorCtr="0" compatLnSpc="1">
+            <a:prstTxWarp prst="textNoShape">
+              <a:avLst/>
+            </a:prstTxWarp>
+          </a:bodyPr>
+          <a:lstStyle/>
+          <a:p>
+            <a:endParaRPr lang="en-US"/>
+          </a:p>
+        </p:txBody>
+      </p:sp>
+      <p:pic>
+        <p:nvPicPr>
+          <p:cNvPr id="17" name="Рисунок 16"/>
+          <p:cNvPicPr>
+            <a:picLocks noChangeAspect="1"/>
+          </p:cNvPicPr>
+          <p:nvPr/>
+        </p:nvPicPr>
+        <p:blipFill>
+          <a:blip r:embed="rId2"/>
+          <a:stretch>
+            <a:fillRect/>
+          </a:stretch>
+        </p:blipFill>
+        <p:spPr>
+          <a:xfrm>
+            <a:off x="103598" y="423557"/>
+            <a:ext cx="7310716" cy="2377572"/>
+          </a:xfrm>
+          <a:prstGeom prst="rect">
+            <a:avLst/>
+          </a:prstGeom>
+          <a:ln>
+            <a:noFill/>
+          </a:ln>
+          <a:effectLst>
+            <a:outerShdw blurRad="292100" dist="139700" dir="2700000" algn="tl" rotWithShape="0">
+              <a:srgbClr val="333333">
+                <a:alpha val="65000"/>
+              </a:srgbClr>
+            </a:outerShdw>
+          </a:effectLst>
+        </p:spPr>
+      </p:pic>
+      <p:pic>
+        <p:nvPicPr>
+          <p:cNvPr id="18" name="Рисунок 17"/>
+          <p:cNvPicPr>
+            <a:picLocks noChangeAspect="1"/>
+          </p:cNvPicPr>
+          <p:nvPr/>
+        </p:nvPicPr>
+        <p:blipFill>
+          <a:blip r:embed="rId3"/>
+          <a:stretch>
+            <a:fillRect/>
+          </a:stretch>
+        </p:blipFill>
+        <p:spPr>
+          <a:xfrm>
+            <a:off x="7466291" y="2637692"/>
+            <a:ext cx="4658058" cy="3362325"/>
+          </a:xfrm>
+          <a:prstGeom prst="rect">
+            <a:avLst/>
+          </a:prstGeom>
+          <a:ln>
+            <a:noFill/>
+          </a:ln>
+          <a:effectLst>
+            <a:outerShdw blurRad="292100" dist="139700" dir="2700000" algn="tl" rotWithShape="0">
+              <a:srgbClr val="333333">
+                <a:alpha val="65000"/>
+              </a:srgbClr>
+            </a:outerShdw>
+          </a:effectLst>
+        </p:spPr>
+      </p:pic>
+      <p:sp>
+        <p:nvSpPr>
+          <p:cNvPr id="21" name="Прямоугольник 20"/>
+          <p:cNvSpPr/>
+          <p:nvPr/>
+        </p:nvSpPr>
+        <p:spPr>
+          <a:xfrm>
+            <a:off x="838200" y="3017423"/>
+            <a:ext cx="5814156" cy="369332"/>
+          </a:xfrm>
+          <a:prstGeom prst="rect">
+            <a:avLst/>
+          </a:prstGeom>
+        </p:spPr>
+        <p:txBody>
+          <a:bodyPr wrap="none">
+            <a:spAutoFit/>
+          </a:bodyPr>
+          <a:lstStyle/>
+          <a:p>
+            <a:r>
+              <a:rPr lang="uk-UA" dirty="0"/>
+              <a:t>Спочатку розставимо їх по групам орієнтуйсь на таблицю</a:t>
+            </a:r>
+            <a:endParaRPr lang="en-US" dirty="0"/>
+          </a:p>
+        </p:txBody>
+      </p:sp>
+      <p:pic>
+        <p:nvPicPr>
+          <p:cNvPr id="22" name="Рисунок 21"/>
+          <p:cNvPicPr>
+            <a:picLocks noChangeAspect="1"/>
+          </p:cNvPicPr>
+          <p:nvPr/>
+        </p:nvPicPr>
+        <p:blipFill>
+          <a:blip r:embed="rId4"/>
+          <a:stretch>
+            <a:fillRect/>
+          </a:stretch>
+        </p:blipFill>
+        <p:spPr>
+          <a:xfrm>
+            <a:off x="414789" y="3713628"/>
+            <a:ext cx="6593129" cy="2915105"/>
+          </a:xfrm>
+          <a:prstGeom prst="rect">
+            <a:avLst/>
+          </a:prstGeom>
+          <a:ln>
+            <a:noFill/>
+          </a:ln>
+          <a:effectLst>
+            <a:outerShdw blurRad="292100" dist="139700" dir="2700000" algn="tl" rotWithShape="0">
+              <a:srgbClr val="333333">
+                <a:alpha val="65000"/>
+              </a:srgbClr>
+            </a:outerShdw>
+          </a:effectLst>
+        </p:spPr>
+      </p:pic>
+    </p:spTree>
+    <p:extLst>
+      <p:ext uri="{BB962C8B-B14F-4D97-AF65-F5344CB8AC3E}">
+        <p14:creationId xmlns:p14="http://schemas.microsoft.com/office/powerpoint/2010/main" val="2762358593"/>
+      </p:ext>
+    </p:extLst>
+  </p:cSld>
+  <p:clrMapOvr>
+    <a:masterClrMapping/>
+  </p:clrMapOvr>
+</p:sld>
+</file>
+
+<file path=ppt/slides/slide8.xml><?xml version="1.0" encoding="utf-8"?>
+<p:sld xmlns:a="http://schemas.openxmlformats.org/drawingml/2006/main" xmlns:r="http://schemas.openxmlformats.org/officeDocument/2006/relationships" xmlns:p="http://schemas.openxmlformats.org/presentationml/2006/main">
+  <p:cSld>
+    <p:spTree>
+      <p:nvGrpSpPr>
+        <p:cNvPr id="1" name=""/>
+        <p:cNvGrpSpPr/>
+        <p:nvPr/>
+      </p:nvGrpSpPr>
+      <p:grpSpPr>
+        <a:xfrm>
+          <a:off x="0" y="0"/>
+          <a:ext cx="0" cy="0"/>
+          <a:chOff x="0" y="0"/>
+          <a:chExt cx="0" cy="0"/>
+        </a:xfrm>
+      </p:grpSpPr>
+      <p:sp>
+        <p:nvSpPr>
+          <p:cNvPr id="2" name="Заголовок 1"/>
+          <p:cNvSpPr>
+            <a:spLocks noGrp="1"/>
+          </p:cNvSpPr>
+          <p:nvPr>
+            <p:ph type="title"/>
+          </p:nvPr>
+        </p:nvSpPr>
+        <p:spPr>
+          <a:xfrm>
+            <a:off x="1030287" y="609600"/>
+            <a:ext cx="10131425" cy="1456267"/>
+          </a:xfrm>
+        </p:spPr>
+        <p:txBody>
+          <a:bodyPr>
+            <a:normAutofit fontScale="90000"/>
+          </a:bodyPr>
+          <a:lstStyle/>
+          <a:p>
+            <a:pPr algn="ctr"/>
+            <a:r>
+              <a:rPr lang="uk-UA" dirty="0"/>
+              <a:t>Після праці над алгоритмами ми розставили</a:t>
+            </a:r>
+            <a:br>
+              <a:rPr lang="uk-UA" dirty="0"/>
+            </a:br>
+            <a:r>
+              <a:rPr lang="uk-UA" dirty="0"/>
+              <a:t>їх за зменшенням складності</a:t>
+            </a:r>
+            <a:endParaRPr lang="en-US" dirty="0"/>
+          </a:p>
+        </p:txBody>
+      </p:sp>
+      <p:pic>
+        <p:nvPicPr>
+          <p:cNvPr id="6" name="Объект 5"/>
+          <p:cNvPicPr>
+            <a:picLocks noGrp="1" noChangeAspect="1"/>
+          </p:cNvPicPr>
+          <p:nvPr>
+            <p:ph idx="1"/>
+          </p:nvPr>
+        </p:nvPicPr>
+        <p:blipFill>
+          <a:blip r:embed="rId3">
+            <a:extLst>
+              <a:ext uri="{28A0092B-C50C-407E-A947-70E740481C1C}">
+                <a14:useLocalDpi xmlns:a14="http://schemas.microsoft.com/office/drawing/2010/main" val="0"/>
+              </a:ext>
+            </a:extLst>
+          </a:blip>
+          <a:stretch>
+            <a:fillRect/>
+          </a:stretch>
+        </p:blipFill>
+        <p:spPr>
+          <a:xfrm>
+            <a:off x="1631396" y="2065867"/>
+            <a:ext cx="8929208" cy="3649662"/>
+          </a:xfrm>
+          <a:prstGeom prst="rect">
+            <a:avLst/>
+          </a:prstGeom>
+          <a:ln>
+            <a:noFill/>
+          </a:ln>
+          <a:effectLst>
+            <a:outerShdw blurRad="292100" dist="139700" dir="2700000" algn="tl" rotWithShape="0">
+              <a:srgbClr val="333333">
+                <a:alpha val="65000"/>
+              </a:srgbClr>
+            </a:outerShdw>
+          </a:effectLst>
+        </p:spPr>
+      </p:pic>
+    </p:spTree>
+    <p:extLst>
+      <p:ext uri="{BB962C8B-B14F-4D97-AF65-F5344CB8AC3E}">
+        <p14:creationId xmlns:p14="http://schemas.microsoft.com/office/powerpoint/2010/main" val="168324620"/>
+      </p:ext>
+    </p:extLst>
+  </p:cSld>
+  <p:clrMapOvr>
+    <a:masterClrMapping/>
+  </p:clrMapOvr>
+</p:sld>
+</file>
+
 <file path=ppt/slides/slide9.xml><?xml version="1.0" encoding="utf-8"?>
 <p:sld xmlns:a="http://schemas.openxmlformats.org/drawingml/2006/main" xmlns:r="http://schemas.openxmlformats.org/officeDocument/2006/relationships" xmlns:p="http://schemas.openxmlformats.org/presentationml/2006/main">
   <p:cSld>
@@ -8920,7 +9443,7 @@
           <p:cNvPr id="2" name="Заголовок 1">
             <a:extLst>
               <a:ext uri="{FF2B5EF4-FFF2-40B4-BE49-F238E27FC236}">
-                <a16:creationId xmlns:a16="http://schemas.microsoft.com/office/drawing/2014/main" id="{57EF6C4D-BFE6-4784-9983-40BBFD69A5F0}"/>
+                <a16:creationId xmlns:a16="http://schemas.microsoft.com/office/drawing/2014/main" id="{D2A85CEB-B942-0761-C894-6ADFDA7A8D20}"/>
               </a:ext>
             </a:extLst>
           </p:cNvPr>
@@ -8931,108 +9454,610 @@
             <p:ph type="title"/>
           </p:nvPr>
         </p:nvSpPr>
-        <p:spPr/>
+        <p:spPr>
+          <a:xfrm>
+            <a:off x="3197987" y="657386"/>
+            <a:ext cx="5796026" cy="1456267"/>
+          </a:xfrm>
+        </p:spPr>
         <p:txBody>
           <a:bodyPr/>
           <a:lstStyle/>
           <a:p>
             <a:pPr algn="ctr"/>
-            <a:endParaRPr lang="ru-UA" dirty="0"/>
-          </a:p>
-        </p:txBody>
-      </p:sp>
-      <p:sp>
-        <p:nvSpPr>
-          <p:cNvPr id="3" name="Объект 2">
+            <a:r>
+              <a:rPr lang="uk-UA" b="1" i="0" u="none" strike="noStrike" dirty="0">
+                <a:solidFill>
+                  <a:schemeClr val="tx1">
+                    <a:lumMod val="95000"/>
+                  </a:schemeClr>
+                </a:solidFill>
+                <a:effectLst/>
+                <a:latin typeface="SchoolBookCTT"/>
+              </a:rPr>
+              <a:t>Піднесення до степені</a:t>
+            </a:r>
+            <a:r>
+              <a:rPr lang="uk-UA" b="0" i="0" dirty="0">
+                <a:solidFill>
+                  <a:schemeClr val="tx1">
+                    <a:lumMod val="95000"/>
+                  </a:schemeClr>
+                </a:solidFill>
+                <a:effectLst/>
+                <a:latin typeface="SchoolBookCTT"/>
+              </a:rPr>
+              <a:t>​</a:t>
+            </a:r>
+            <a:endParaRPr lang="uk-UA" dirty="0">
+              <a:solidFill>
+                <a:schemeClr val="tx1">
+                  <a:lumMod val="95000"/>
+                </a:schemeClr>
+              </a:solidFill>
+            </a:endParaRPr>
+          </a:p>
+        </p:txBody>
+      </p:sp>
+      <p:pic>
+        <p:nvPicPr>
+          <p:cNvPr id="1026" name="Picture 2">
             <a:extLst>
               <a:ext uri="{FF2B5EF4-FFF2-40B4-BE49-F238E27FC236}">
-                <a16:creationId xmlns:a16="http://schemas.microsoft.com/office/drawing/2014/main" id="{4F7F562F-1141-428C-9D30-CCD60CE6CD15}"/>
+                <a16:creationId xmlns:a16="http://schemas.microsoft.com/office/drawing/2014/main" id="{1099D3B4-7A06-8A98-4A91-72E82A391A2C}"/>
               </a:ext>
             </a:extLst>
           </p:cNvPr>
-          <p:cNvSpPr>
-            <a:spLocks noGrp="1"/>
-          </p:cNvSpPr>
-          <p:nvPr>
-            <p:ph idx="1"/>
-          </p:nvPr>
-        </p:nvSpPr>
-        <p:spPr/>
-        <p:txBody>
-          <a:bodyPr>
-            <a:normAutofit/>
-          </a:bodyPr>
-          <a:lstStyle/>
-          <a:p>
-            <a:pPr marL="0" indent="0" algn="ctr">
-              <a:buNone/>
-            </a:pPr>
-            <a:r>
-              <a:rPr lang="uk-UA" sz="5400" dirty="0"/>
-              <a:t>Дякуємо за увагу!</a:t>
-            </a:r>
-            <a:endParaRPr lang="ru-UA" sz="5400" dirty="0"/>
-          </a:p>
-        </p:txBody>
-      </p:sp>
-      <p:sp>
-        <p:nvSpPr>
-          <p:cNvPr id="4" name="Нижний колонтитул 3">
+          <p:cNvPicPr>
+            <a:picLocks noChangeAspect="1" noChangeArrowheads="1"/>
+          </p:cNvPicPr>
+          <p:nvPr/>
+        </p:nvPicPr>
+        <p:blipFill>
+          <a:blip r:embed="rId2">
+            <a:extLst>
+              <a:ext uri="{28A0092B-C50C-407E-A947-70E740481C1C}">
+                <a14:useLocalDpi xmlns:a14="http://schemas.microsoft.com/office/drawing/2010/main" val="0"/>
+              </a:ext>
+            </a:extLst>
+          </a:blip>
+          <a:srcRect/>
+          <a:stretch>
+            <a:fillRect/>
+          </a:stretch>
+        </p:blipFill>
+        <p:spPr bwMode="auto">
+          <a:xfrm>
+            <a:off x="1283941" y="1842029"/>
+            <a:ext cx="4267200" cy="504825"/>
+          </a:xfrm>
+          <a:prstGeom prst="rect">
+            <a:avLst/>
+          </a:prstGeom>
+          <a:ln>
+            <a:noFill/>
+          </a:ln>
+          <a:effectLst>
+            <a:outerShdw blurRad="292100" dist="139700" dir="2700000" algn="tl" rotWithShape="0">
+              <a:srgbClr val="333333">
+                <a:alpha val="65000"/>
+              </a:srgbClr>
+            </a:outerShdw>
+          </a:effectLst>
+          <a:extLst>
+            <a:ext uri="{909E8E84-426E-40DD-AFC4-6F175D3DCCD1}">
+              <a14:hiddenFill xmlns:a14="http://schemas.microsoft.com/office/drawing/2010/main">
+                <a:solidFill>
+                  <a:srgbClr val="FFFFFF"/>
+                </a:solidFill>
+              </a14:hiddenFill>
+            </a:ext>
+          </a:extLst>
+        </p:spPr>
+      </p:pic>
+      <p:sp>
+        <p:nvSpPr>
+          <p:cNvPr id="7" name="TextBox 1">
             <a:extLst>
               <a:ext uri="{FF2B5EF4-FFF2-40B4-BE49-F238E27FC236}">
-                <a16:creationId xmlns:a16="http://schemas.microsoft.com/office/drawing/2014/main" id="{822425CE-B544-49B1-9507-EAC1518146A8}"/>
+                <a16:creationId xmlns:a16="http://schemas.microsoft.com/office/drawing/2014/main" id="{C113669B-E707-B2AA-2C2B-1F6D6D262F54}"/>
               </a:ext>
             </a:extLst>
           </p:cNvPr>
-          <p:cNvSpPr>
-            <a:spLocks noGrp="1"/>
-          </p:cNvSpPr>
-          <p:nvPr>
-            <p:ph type="ftr" sz="quarter" idx="11"/>
-          </p:nvPr>
-        </p:nvSpPr>
-        <p:spPr/>
-        <p:txBody>
-          <a:bodyPr/>
-          <a:lstStyle/>
-          <a:p>
-            <a:endParaRPr lang="en-US"/>
-          </a:p>
-        </p:txBody>
-      </p:sp>
-      <p:sp>
-        <p:nvSpPr>
-          <p:cNvPr id="5" name="Номер слайда 4">
+          <p:cNvSpPr txBox="1"/>
+          <p:nvPr/>
+        </p:nvSpPr>
+        <p:spPr>
+          <a:xfrm>
+            <a:off x="6369670" y="1790486"/>
+            <a:ext cx="806631" cy="646331"/>
+          </a:xfrm>
+          <a:prstGeom prst="rect">
+            <a:avLst/>
+          </a:prstGeom>
+          <a:noFill/>
+        </p:spPr>
+        <p:txBody>
+          <a:bodyPr wrap="none" rtlCol="0">
+            <a:spAutoFit/>
+          </a:bodyPr>
+          <a:lstStyle>
+            <a:defPPr>
+              <a:defRPr lang="en-US"/>
+            </a:defPPr>
+            <a:lvl1pPr marL="0" algn="l" defTabSz="457200" rtl="0" eaLnBrk="1" latinLnBrk="0" hangingPunct="1">
+              <a:defRPr sz="1800" kern="1200">
+                <a:solidFill>
+                  <a:schemeClr val="tx1"/>
+                </a:solidFill>
+                <a:latin typeface="+mn-lt"/>
+                <a:ea typeface="+mn-ea"/>
+                <a:cs typeface="+mn-cs"/>
+              </a:defRPr>
+            </a:lvl1pPr>
+            <a:lvl2pPr marL="457200" algn="l" defTabSz="457200" rtl="0" eaLnBrk="1" latinLnBrk="0" hangingPunct="1">
+              <a:defRPr sz="1800" kern="1200">
+                <a:solidFill>
+                  <a:schemeClr val="tx1"/>
+                </a:solidFill>
+                <a:latin typeface="+mn-lt"/>
+                <a:ea typeface="+mn-ea"/>
+                <a:cs typeface="+mn-cs"/>
+              </a:defRPr>
+            </a:lvl2pPr>
+            <a:lvl3pPr marL="914400" algn="l" defTabSz="457200" rtl="0" eaLnBrk="1" latinLnBrk="0" hangingPunct="1">
+              <a:defRPr sz="1800" kern="1200">
+                <a:solidFill>
+                  <a:schemeClr val="tx1"/>
+                </a:solidFill>
+                <a:latin typeface="+mn-lt"/>
+                <a:ea typeface="+mn-ea"/>
+                <a:cs typeface="+mn-cs"/>
+              </a:defRPr>
+            </a:lvl3pPr>
+            <a:lvl4pPr marL="1371600" algn="l" defTabSz="457200" rtl="0" eaLnBrk="1" latinLnBrk="0" hangingPunct="1">
+              <a:defRPr sz="1800" kern="1200">
+                <a:solidFill>
+                  <a:schemeClr val="tx1"/>
+                </a:solidFill>
+                <a:latin typeface="+mn-lt"/>
+                <a:ea typeface="+mn-ea"/>
+                <a:cs typeface="+mn-cs"/>
+              </a:defRPr>
+            </a:lvl4pPr>
+            <a:lvl5pPr marL="1828800" algn="l" defTabSz="457200" rtl="0" eaLnBrk="1" latinLnBrk="0" hangingPunct="1">
+              <a:defRPr sz="1800" kern="1200">
+                <a:solidFill>
+                  <a:schemeClr val="tx1"/>
+                </a:solidFill>
+                <a:latin typeface="+mn-lt"/>
+                <a:ea typeface="+mn-ea"/>
+                <a:cs typeface="+mn-cs"/>
+              </a:defRPr>
+            </a:lvl5pPr>
+            <a:lvl6pPr marL="2286000" algn="l" defTabSz="457200" rtl="0" eaLnBrk="1" latinLnBrk="0" hangingPunct="1">
+              <a:defRPr sz="1800" kern="1200">
+                <a:solidFill>
+                  <a:schemeClr val="tx1"/>
+                </a:solidFill>
+                <a:latin typeface="+mn-lt"/>
+                <a:ea typeface="+mn-ea"/>
+                <a:cs typeface="+mn-cs"/>
+              </a:defRPr>
+            </a:lvl6pPr>
+            <a:lvl7pPr marL="2743200" algn="l" defTabSz="457200" rtl="0" eaLnBrk="1" latinLnBrk="0" hangingPunct="1">
+              <a:defRPr sz="1800" kern="1200">
+                <a:solidFill>
+                  <a:schemeClr val="tx1"/>
+                </a:solidFill>
+                <a:latin typeface="+mn-lt"/>
+                <a:ea typeface="+mn-ea"/>
+                <a:cs typeface="+mn-cs"/>
+              </a:defRPr>
+            </a:lvl7pPr>
+            <a:lvl8pPr marL="3200400" algn="l" defTabSz="457200" rtl="0" eaLnBrk="1" latinLnBrk="0" hangingPunct="1">
+              <a:defRPr sz="1800" kern="1200">
+                <a:solidFill>
+                  <a:schemeClr val="tx1"/>
+                </a:solidFill>
+                <a:latin typeface="+mn-lt"/>
+                <a:ea typeface="+mn-ea"/>
+                <a:cs typeface="+mn-cs"/>
+              </a:defRPr>
+            </a:lvl8pPr>
+            <a:lvl9pPr marL="3657600" algn="l" defTabSz="457200" rtl="0" eaLnBrk="1" latinLnBrk="0" hangingPunct="1">
+              <a:defRPr sz="1800" kern="1200">
+                <a:solidFill>
+                  <a:schemeClr val="tx1"/>
+                </a:solidFill>
+                <a:latin typeface="+mn-lt"/>
+                <a:ea typeface="+mn-ea"/>
+                <a:cs typeface="+mn-cs"/>
+              </a:defRPr>
+            </a:lvl9pPr>
+          </a:lstStyle>
+          <a:p>
+            <a:r>
+              <a:rPr lang="uk-UA" dirty="0"/>
+              <a:t>     </a:t>
+            </a:r>
+            <a:r>
+              <a:rPr lang="en-US" dirty="0"/>
+              <a:t>&lt;</a:t>
+            </a:r>
+          </a:p>
+          <a:p>
+            <a:r>
+              <a:rPr lang="uk-UA" dirty="0"/>
+              <a:t>кроків</a:t>
+            </a:r>
+            <a:endParaRPr lang="ru-RU" dirty="0"/>
+          </a:p>
+        </p:txBody>
+      </p:sp>
+      <p:pic>
+        <p:nvPicPr>
+          <p:cNvPr id="1028" name="Picture 4">
             <a:extLst>
               <a:ext uri="{FF2B5EF4-FFF2-40B4-BE49-F238E27FC236}">
-                <a16:creationId xmlns:a16="http://schemas.microsoft.com/office/drawing/2014/main" id="{910BD560-FA6A-4D11-A0D9-39E23151300E}"/>
+                <a16:creationId xmlns:a16="http://schemas.microsoft.com/office/drawing/2014/main" id="{38BD49EB-D08B-41FB-03DB-0D68DAAC5DE1}"/>
               </a:ext>
             </a:extLst>
           </p:cNvPr>
-          <p:cNvSpPr>
-            <a:spLocks noGrp="1"/>
-          </p:cNvSpPr>
-          <p:nvPr>
-            <p:ph type="sldNum" sz="quarter" idx="12"/>
-          </p:nvPr>
-        </p:nvSpPr>
-        <p:spPr/>
-        <p:txBody>
-          <a:bodyPr/>
+          <p:cNvPicPr>
+            <a:picLocks noChangeAspect="1" noChangeArrowheads="1"/>
+          </p:cNvPicPr>
+          <p:nvPr/>
+        </p:nvPicPr>
+        <p:blipFill>
+          <a:blip r:embed="rId3">
+            <a:extLst>
+              <a:ext uri="{28A0092B-C50C-407E-A947-70E740481C1C}">
+                <a14:useLocalDpi xmlns:a14="http://schemas.microsoft.com/office/drawing/2010/main" val="0"/>
+              </a:ext>
+            </a:extLst>
+          </a:blip>
+          <a:srcRect/>
+          <a:stretch>
+            <a:fillRect/>
+          </a:stretch>
+        </p:blipFill>
+        <p:spPr bwMode="auto">
+          <a:xfrm>
+            <a:off x="7731548" y="1832665"/>
+            <a:ext cx="2409825" cy="561975"/>
+          </a:xfrm>
+          <a:prstGeom prst="rect">
+            <a:avLst/>
+          </a:prstGeom>
+          <a:ln>
+            <a:noFill/>
+          </a:ln>
+          <a:effectLst>
+            <a:outerShdw blurRad="292100" dist="139700" dir="2700000" algn="tl" rotWithShape="0">
+              <a:srgbClr val="333333">
+                <a:alpha val="65000"/>
+              </a:srgbClr>
+            </a:outerShdw>
+          </a:effectLst>
+          <a:extLst>
+            <a:ext uri="{909E8E84-426E-40DD-AFC4-6F175D3DCCD1}">
+              <a14:hiddenFill xmlns:a14="http://schemas.microsoft.com/office/drawing/2010/main">
+                <a:solidFill>
+                  <a:srgbClr val="FFFFFF"/>
+                </a:solidFill>
+              </a14:hiddenFill>
+            </a:ext>
+          </a:extLst>
+        </p:spPr>
+      </p:pic>
+      <p:sp>
+        <p:nvSpPr>
+          <p:cNvPr id="8" name="TextBox 7">
+            <a:extLst>
+              <a:ext uri="{FF2B5EF4-FFF2-40B4-BE49-F238E27FC236}">
+                <a16:creationId xmlns:a16="http://schemas.microsoft.com/office/drawing/2014/main" id="{C5CC46A1-04BD-2643-B28F-05E59CB6B246}"/>
+              </a:ext>
+            </a:extLst>
+          </p:cNvPr>
+          <p:cNvSpPr txBox="1"/>
+          <p:nvPr/>
+        </p:nvSpPr>
+        <p:spPr>
+          <a:xfrm>
+            <a:off x="2374627" y="2398214"/>
+            <a:ext cx="2085827" cy="369332"/>
+          </a:xfrm>
+          <a:prstGeom prst="rect">
+            <a:avLst/>
+          </a:prstGeom>
+          <a:noFill/>
+        </p:spPr>
+        <p:txBody>
+          <a:bodyPr wrap="none" rtlCol="0">
+            <a:spAutoFit/>
+          </a:bodyPr>
           <a:lstStyle/>
           <a:p>
-            <a:fld id="{6D22F896-40B5-4ADD-8801-0D06FADFA095}" type="slidenum">
-              <a:rPr lang="en-US" smtClean="0"/>
-              <a:t>9</a:t>
-            </a:fld>
-            <a:endParaRPr lang="en-US"/>
-          </a:p>
-        </p:txBody>
-      </p:sp>
+            <a:r>
+              <a:rPr lang="uk-UA" dirty="0"/>
+              <a:t>Складність</a:t>
+            </a:r>
+            <a:r>
+              <a:rPr lang="en-US" dirty="0"/>
+              <a:t>: </a:t>
+            </a:r>
+            <a:r>
+              <a:rPr lang="en-US" dirty="0">
+                <a:solidFill>
+                  <a:schemeClr val="accent2">
+                    <a:lumMod val="40000"/>
+                    <a:lumOff val="60000"/>
+                  </a:schemeClr>
+                </a:solidFill>
+              </a:rPr>
+              <a:t>O(</a:t>
+            </a:r>
+            <a:r>
+              <a:rPr lang="en-US" dirty="0" err="1">
+                <a:solidFill>
+                  <a:schemeClr val="accent2">
+                    <a:lumMod val="40000"/>
+                    <a:lumOff val="60000"/>
+                  </a:schemeClr>
+                </a:solidFill>
+              </a:rPr>
+              <a:t>logN</a:t>
+            </a:r>
+            <a:r>
+              <a:rPr lang="en-US" dirty="0">
+                <a:solidFill>
+                  <a:schemeClr val="accent2">
+                    <a:lumMod val="40000"/>
+                    <a:lumOff val="60000"/>
+                  </a:schemeClr>
+                </a:solidFill>
+              </a:rPr>
+              <a:t>)</a:t>
+            </a:r>
+            <a:endParaRPr lang="uk-UA" dirty="0">
+              <a:solidFill>
+                <a:schemeClr val="accent2">
+                  <a:lumMod val="40000"/>
+                  <a:lumOff val="60000"/>
+                </a:schemeClr>
+              </a:solidFill>
+            </a:endParaRPr>
+          </a:p>
+        </p:txBody>
+      </p:sp>
+      <p:sp>
+        <p:nvSpPr>
+          <p:cNvPr id="9" name="TextBox 8">
+            <a:extLst>
+              <a:ext uri="{FF2B5EF4-FFF2-40B4-BE49-F238E27FC236}">
+                <a16:creationId xmlns:a16="http://schemas.microsoft.com/office/drawing/2014/main" id="{D023B607-7FA7-4DAE-9489-40A174ABA70D}"/>
+              </a:ext>
+            </a:extLst>
+          </p:cNvPr>
+          <p:cNvSpPr txBox="1"/>
+          <p:nvPr/>
+        </p:nvSpPr>
+        <p:spPr>
+          <a:xfrm>
+            <a:off x="8035412" y="2388850"/>
+            <a:ext cx="1802096" cy="369332"/>
+          </a:xfrm>
+          <a:prstGeom prst="rect">
+            <a:avLst/>
+          </a:prstGeom>
+          <a:noFill/>
+        </p:spPr>
+        <p:txBody>
+          <a:bodyPr wrap="none" rtlCol="0">
+            <a:spAutoFit/>
+          </a:bodyPr>
+          <a:lstStyle/>
+          <a:p>
+            <a:r>
+              <a:rPr lang="uk-UA" dirty="0"/>
+              <a:t>Складність</a:t>
+            </a:r>
+            <a:r>
+              <a:rPr lang="en-US" dirty="0"/>
+              <a:t>: </a:t>
+            </a:r>
+            <a:r>
+              <a:rPr lang="en-US" dirty="0">
+                <a:solidFill>
+                  <a:schemeClr val="accent2">
+                    <a:lumMod val="40000"/>
+                    <a:lumOff val="60000"/>
+                  </a:schemeClr>
+                </a:solidFill>
+              </a:rPr>
+              <a:t>O(N)</a:t>
+            </a:r>
+            <a:endParaRPr lang="uk-UA" dirty="0">
+              <a:solidFill>
+                <a:schemeClr val="accent2">
+                  <a:lumMod val="40000"/>
+                  <a:lumOff val="60000"/>
+                </a:schemeClr>
+              </a:solidFill>
+            </a:endParaRPr>
+          </a:p>
+        </p:txBody>
+      </p:sp>
+      <p:sp>
+        <p:nvSpPr>
+          <p:cNvPr id="10" name="TextBox 9">
+            <a:extLst>
+              <a:ext uri="{FF2B5EF4-FFF2-40B4-BE49-F238E27FC236}">
+                <a16:creationId xmlns:a16="http://schemas.microsoft.com/office/drawing/2014/main" id="{B7A2FE4C-DFE6-BD1D-AE04-F2DD74515918}"/>
+              </a:ext>
+            </a:extLst>
+          </p:cNvPr>
+          <p:cNvSpPr txBox="1"/>
+          <p:nvPr/>
+        </p:nvSpPr>
+        <p:spPr>
+          <a:xfrm>
+            <a:off x="4829842" y="2953467"/>
+            <a:ext cx="3174628" cy="461665"/>
+          </a:xfrm>
+          <a:prstGeom prst="rect">
+            <a:avLst/>
+          </a:prstGeom>
+          <a:noFill/>
+        </p:spPr>
+        <p:txBody>
+          <a:bodyPr wrap="square" rtlCol="0">
+            <a:spAutoFit/>
+          </a:bodyPr>
+          <a:lstStyle>
+            <a:defPPr>
+              <a:defRPr lang="en-US"/>
+            </a:defPPr>
+          </a:lstStyle>
+          <a:p>
+            <a:r>
+              <a:rPr lang="uk-UA" sz="2400" b="1" dirty="0">
+                <a:solidFill>
+                  <a:schemeClr val="tx1">
+                    <a:lumMod val="95000"/>
+                  </a:schemeClr>
+                </a:solidFill>
+                <a:ea typeface="+mj-ea"/>
+                <a:cs typeface="+mj-cs"/>
+              </a:rPr>
+              <a:t>Алгоритм</a:t>
+            </a:r>
+            <a:r>
+              <a:rPr lang="uk-UA" sz="2400" b="1" dirty="0">
+                <a:solidFill>
+                  <a:srgbClr val="0070C0"/>
+                </a:solidFill>
+                <a:ea typeface="+mj-ea"/>
+                <a:cs typeface="+mj-cs"/>
+              </a:rPr>
+              <a:t> </a:t>
+            </a:r>
+            <a:r>
+              <a:rPr lang="en-US" sz="2400" b="1" dirty="0">
+                <a:solidFill>
+                  <a:schemeClr val="accent2">
+                    <a:lumMod val="40000"/>
+                    <a:lumOff val="60000"/>
+                  </a:schemeClr>
+                </a:solidFill>
+                <a:latin typeface="SchoolBookCTT"/>
+                <a:ea typeface="+mj-ea"/>
+                <a:cs typeface="+mj-cs"/>
+              </a:rPr>
+              <a:t>O(</a:t>
+            </a:r>
+            <a:r>
+              <a:rPr lang="en-US" sz="2400" b="1" dirty="0" err="1">
+                <a:solidFill>
+                  <a:schemeClr val="accent2">
+                    <a:lumMod val="40000"/>
+                    <a:lumOff val="60000"/>
+                  </a:schemeClr>
+                </a:solidFill>
+                <a:latin typeface="SchoolBookCTT"/>
+                <a:ea typeface="+mj-ea"/>
+                <a:cs typeface="+mj-cs"/>
+              </a:rPr>
+              <a:t>logN</a:t>
+            </a:r>
+            <a:r>
+              <a:rPr lang="en-US" sz="2400" b="1" dirty="0">
+                <a:solidFill>
+                  <a:schemeClr val="accent2">
+                    <a:lumMod val="40000"/>
+                    <a:lumOff val="60000"/>
+                  </a:schemeClr>
+                </a:solidFill>
+                <a:latin typeface="SchoolBookCTT"/>
+                <a:ea typeface="+mj-ea"/>
+                <a:cs typeface="+mj-cs"/>
+              </a:rPr>
+              <a:t>)</a:t>
+            </a:r>
+            <a:endParaRPr lang="uk-UA" sz="2400" b="1" dirty="0">
+              <a:solidFill>
+                <a:schemeClr val="accent2">
+                  <a:lumMod val="40000"/>
+                  <a:lumOff val="60000"/>
+                </a:schemeClr>
+              </a:solidFill>
+              <a:ea typeface="+mj-ea"/>
+              <a:cs typeface="+mj-cs"/>
+            </a:endParaRPr>
+          </a:p>
+        </p:txBody>
+      </p:sp>
+      <p:pic>
+        <p:nvPicPr>
+          <p:cNvPr id="1030" name="Picture 6">
+            <a:extLst>
+              <a:ext uri="{FF2B5EF4-FFF2-40B4-BE49-F238E27FC236}">
+                <a16:creationId xmlns:a16="http://schemas.microsoft.com/office/drawing/2014/main" id="{FD280F7D-71AA-58B4-F1FF-0DBEA66BE9C6}"/>
+              </a:ext>
+            </a:extLst>
+          </p:cNvPr>
+          <p:cNvPicPr>
+            <a:picLocks noChangeAspect="1" noChangeArrowheads="1"/>
+          </p:cNvPicPr>
+          <p:nvPr/>
+        </p:nvPicPr>
+        <p:blipFill>
+          <a:blip r:embed="rId4">
+            <a:extLst>
+              <a:ext uri="{28A0092B-C50C-407E-A947-70E740481C1C}">
+                <a14:useLocalDpi xmlns:a14="http://schemas.microsoft.com/office/drawing/2010/main" val="0"/>
+              </a:ext>
+            </a:extLst>
+          </a:blip>
+          <a:srcRect/>
+          <a:stretch>
+            <a:fillRect/>
+          </a:stretch>
+        </p:blipFill>
+        <p:spPr bwMode="auto">
+          <a:xfrm>
+            <a:off x="1273656" y="3607360"/>
+            <a:ext cx="10287000" cy="2314575"/>
+          </a:xfrm>
+          <a:prstGeom prst="rect">
+            <a:avLst/>
+          </a:prstGeom>
+          <a:ln>
+            <a:noFill/>
+          </a:ln>
+          <a:effectLst>
+            <a:outerShdw blurRad="292100" dist="139700" dir="2700000" algn="tl" rotWithShape="0">
+              <a:srgbClr val="333333">
+                <a:alpha val="65000"/>
+              </a:srgbClr>
+            </a:outerShdw>
+          </a:effectLst>
+          <a:extLst>
+            <a:ext uri="{909E8E84-426E-40DD-AFC4-6F175D3DCCD1}">
+              <a14:hiddenFill xmlns:a14="http://schemas.microsoft.com/office/drawing/2010/main">
+                <a:solidFill>
+                  <a:srgbClr val="FFFFFF"/>
+                </a:solidFill>
+              </a14:hiddenFill>
+            </a:ext>
+          </a:extLst>
+        </p:spPr>
+      </p:pic>
     </p:spTree>
     <p:extLst>
       <p:ext uri="{BB962C8B-B14F-4D97-AF65-F5344CB8AC3E}">
-        <p14:creationId xmlns:p14="http://schemas.microsoft.com/office/powerpoint/2010/main" val="3684064710"/>
+        <p14:creationId xmlns:p14="http://schemas.microsoft.com/office/powerpoint/2010/main" val="1395489774"/>
       </p:ext>
     </p:extLst>
   </p:cSld>
@@ -9882,6 +10907,15 @@
 </file>
 
 <file path=customXml/item1.xml><?xml version="1.0" encoding="utf-8"?>
+<?mso-contentType ?>
+<FormTemplates xmlns="http://schemas.microsoft.com/sharepoint/v3/contenttype/forms">
+  <Display>DocumentLibraryForm</Display>
+  <Edit>DocumentLibraryForm</Edit>
+  <New>DocumentLibraryForm</New>
+</FormTemplates>
+</file>
+
+<file path=customXml/item2.xml><?xml version="1.0" encoding="utf-8"?>
 <ct:contentTypeSchema xmlns:ct="http://schemas.microsoft.com/office/2006/metadata/contentType" xmlns:ma="http://schemas.microsoft.com/office/2006/metadata/properties/metaAttributes" ct:_="" ma:_="" ma:contentTypeName="Документ" ma:contentTypeID="0x0101002456107565CA6A43A05392B760F0FD8D" ma:contentTypeVersion="4" ma:contentTypeDescription="Створення нового документа." ma:contentTypeScope="" ma:versionID="440ddeae695cebc829050b9b618af465">
   <xsd:schema xmlns:xsd="http://www.w3.org/2001/XMLSchema" xmlns:xs="http://www.w3.org/2001/XMLSchema" xmlns:p="http://schemas.microsoft.com/office/2006/metadata/properties" xmlns:ns2="6b47e03e-19f2-493e-94c5-5bbacad2cd70" targetNamespace="http://schemas.microsoft.com/office/2006/metadata/properties" ma:root="true" ma:fieldsID="8376abdcb6cc6889913e7a065f7b4981" ns2:_="">
     <xsd:import namespace="6b47e03e-19f2-493e-94c5-5bbacad2cd70"/>
@@ -10025,15 +11059,6 @@
 </ct:contentTypeSchema>
 </file>
 
-<file path=customXml/item2.xml><?xml version="1.0" encoding="utf-8"?>
-<?mso-contentType ?>
-<FormTemplates xmlns="http://schemas.microsoft.com/sharepoint/v3/contenttype/forms">
-  <Display>DocumentLibraryForm</Display>
-  <Edit>DocumentLibraryForm</Edit>
-  <New>DocumentLibraryForm</New>
-</FormTemplates>
-</file>
-
 <file path=customXml/item3.xml><?xml version="1.0" encoding="utf-8"?>
 <p:properties xmlns:p="http://schemas.microsoft.com/office/2006/metadata/properties" xmlns:xsi="http://www.w3.org/2001/XMLSchema-instance" xmlns:pc="http://schemas.microsoft.com/office/infopath/2007/PartnerControls">
   <documentManagement/>
@@ -10041,6 +11066,14 @@
 </file>
 
 <file path=customXml/itemProps1.xml><?xml version="1.0" encoding="utf-8"?>
+<ds:datastoreItem xmlns:ds="http://schemas.openxmlformats.org/officeDocument/2006/customXml" ds:itemID="{A345D2DA-A096-4BBF-9135-8FD4BD4C8C20}">
+  <ds:schemaRefs>
+    <ds:schemaRef ds:uri="http://schemas.microsoft.com/sharepoint/v3/contenttype/forms"/>
+  </ds:schemaRefs>
+</ds:datastoreItem>
+</file>
+
+<file path=customXml/itemProps2.xml><?xml version="1.0" encoding="utf-8"?>
 <ds:datastoreItem xmlns:ds="http://schemas.openxmlformats.org/officeDocument/2006/customXml" ds:itemID="{909E67F0-53DF-4575-B501-3419DF25270A}">
   <ds:schemaRefs>
     <ds:schemaRef ds:uri="6b47e03e-19f2-493e-94c5-5bbacad2cd70"/>
@@ -10058,14 +11091,6 @@
 </ds:datastoreItem>
 </file>
 
-<file path=customXml/itemProps2.xml><?xml version="1.0" encoding="utf-8"?>
-<ds:datastoreItem xmlns:ds="http://schemas.openxmlformats.org/officeDocument/2006/customXml" ds:itemID="{A345D2DA-A096-4BBF-9135-8FD4BD4C8C20}">
-  <ds:schemaRefs>
-    <ds:schemaRef ds:uri="http://schemas.microsoft.com/sharepoint/v3/contenttype/forms"/>
-  </ds:schemaRefs>
-</ds:datastoreItem>
-</file>
-
 <file path=customXml/itemProps3.xml><?xml version="1.0" encoding="utf-8"?>
 <ds:datastoreItem xmlns:ds="http://schemas.openxmlformats.org/officeDocument/2006/customXml" ds:itemID="{C35D743B-B188-4C38-B82D-7FD8B3A77642}">
   <ds:schemaRefs>

--- a/Git_1 part.pptx
+++ b/Git_1 part.pptx
@@ -147,8 +147,8 @@
 <p1510:revInfo xmlns:a="http://schemas.openxmlformats.org/drawingml/2006/main" xmlns:r="http://schemas.openxmlformats.org/officeDocument/2006/relationships" xmlns:p1510="http://schemas.microsoft.com/office/powerpoint/2015/10/main">
   <p1510:revLst>
     <p1510:client id="{4A3F3CD4-87AB-4CDB-98DA-5A2ADC992FE5}" v="1" dt="2022-10-03T11:17:20.651"/>
+    <p1510:client id="{9B9D4C16-5A73-44FC-B81C-E033F386BE81}" v="3" dt="2022-09-29T11:01:00.115"/>
     <p1510:client id="{7243DB7B-6519-4113-9313-0D5BD1DD6196}" v="1" dt="2022-10-06T06:08:40.457"/>
-    <p1510:client id="{9B9D4C16-5A73-44FC-B81C-E033F386BE81}" v="3" dt="2022-09-29T11:01:00.115"/>
     <p1510:client id="{A1854464-AA8C-4528-8FEA-3C375E66B42A}" v="7" dt="2022-10-06T09:52:16.683"/>
   </p1510:revLst>
 </p1510:revInfo>
@@ -7141,7 +7141,12 @@
             <p:ph idx="1"/>
           </p:nvPr>
         </p:nvSpPr>
-        <p:spPr/>
+        <p:spPr>
+          <a:xfrm>
+            <a:off x="952131" y="970215"/>
+            <a:ext cx="10131425" cy="3649133"/>
+          </a:xfrm>
+        </p:spPr>
         <p:txBody>
           <a:bodyPr>
             <a:normAutofit/>
@@ -7152,10 +7157,18 @@
               <a:buNone/>
             </a:pPr>
             <a:r>
-              <a:rPr lang="uk-UA" sz="5400" dirty="0"/>
+              <a:rPr lang="uk-UA" sz="5400" dirty="0">
+                <a:solidFill>
+                  <a:srgbClr val="00B050"/>
+                </a:solidFill>
+              </a:rPr>
               <a:t>Дякуємо за увагу!</a:t>
             </a:r>
-            <a:endParaRPr lang="ru-UA" sz="5400" dirty="0"/>
+            <a:endParaRPr lang="ru-UA" sz="5400" dirty="0">
+              <a:solidFill>
+                <a:srgbClr val="00B050"/>
+              </a:solidFill>
+            </a:endParaRPr>
           </a:p>
         </p:txBody>
       </p:sp>
@@ -10916,6 +10929,12 @@
 </file>
 
 <file path=customXml/item2.xml><?xml version="1.0" encoding="utf-8"?>
+<p:properties xmlns:p="http://schemas.microsoft.com/office/2006/metadata/properties" xmlns:xsi="http://www.w3.org/2001/XMLSchema-instance" xmlns:pc="http://schemas.microsoft.com/office/infopath/2007/PartnerControls">
+  <documentManagement/>
+</p:properties>
+</file>
+
+<file path=customXml/item3.xml><?xml version="1.0" encoding="utf-8"?>
 <ct:contentTypeSchema xmlns:ct="http://schemas.microsoft.com/office/2006/metadata/contentType" xmlns:ma="http://schemas.microsoft.com/office/2006/metadata/properties/metaAttributes" ct:_="" ma:_="" ma:contentTypeName="Документ" ma:contentTypeID="0x0101002456107565CA6A43A05392B760F0FD8D" ma:contentTypeVersion="4" ma:contentTypeDescription="Створення нового документа." ma:contentTypeScope="" ma:versionID="440ddeae695cebc829050b9b618af465">
   <xsd:schema xmlns:xsd="http://www.w3.org/2001/XMLSchema" xmlns:xs="http://www.w3.org/2001/XMLSchema" xmlns:p="http://schemas.microsoft.com/office/2006/metadata/properties" xmlns:ns2="6b47e03e-19f2-493e-94c5-5bbacad2cd70" targetNamespace="http://schemas.microsoft.com/office/2006/metadata/properties" ma:root="true" ma:fieldsID="8376abdcb6cc6889913e7a065f7b4981" ns2:_="">
     <xsd:import namespace="6b47e03e-19f2-493e-94c5-5bbacad2cd70"/>
@@ -11059,12 +11078,6 @@
 </ct:contentTypeSchema>
 </file>
 
-<file path=customXml/item3.xml><?xml version="1.0" encoding="utf-8"?>
-<p:properties xmlns:p="http://schemas.microsoft.com/office/2006/metadata/properties" xmlns:xsi="http://www.w3.org/2001/XMLSchema-instance" xmlns:pc="http://schemas.microsoft.com/office/infopath/2007/PartnerControls">
-  <documentManagement/>
-</p:properties>
-</file>
-
 <file path=customXml/itemProps1.xml><?xml version="1.0" encoding="utf-8"?>
 <ds:datastoreItem xmlns:ds="http://schemas.openxmlformats.org/officeDocument/2006/customXml" ds:itemID="{A345D2DA-A096-4BBF-9135-8FD4BD4C8C20}">
   <ds:schemaRefs>
@@ -11074,6 +11087,15 @@
 </file>
 
 <file path=customXml/itemProps2.xml><?xml version="1.0" encoding="utf-8"?>
+<ds:datastoreItem xmlns:ds="http://schemas.openxmlformats.org/officeDocument/2006/customXml" ds:itemID="{C35D743B-B188-4C38-B82D-7FD8B3A77642}">
+  <ds:schemaRefs>
+    <ds:schemaRef ds:uri="http://schemas.microsoft.com/office/2006/metadata/properties"/>
+    <ds:schemaRef ds:uri="http://schemas.microsoft.com/office/infopath/2007/PartnerControls"/>
+  </ds:schemaRefs>
+</ds:datastoreItem>
+</file>
+
+<file path=customXml/itemProps3.xml><?xml version="1.0" encoding="utf-8"?>
 <ds:datastoreItem xmlns:ds="http://schemas.openxmlformats.org/officeDocument/2006/customXml" ds:itemID="{909E67F0-53DF-4575-B501-3419DF25270A}">
   <ds:schemaRefs>
     <ds:schemaRef ds:uri="6b47e03e-19f2-493e-94c5-5bbacad2cd70"/>
@@ -11089,13 +11111,4 @@
     <ds:schemaRef ds:uri="http://www.w3.org/2001/XMLSchema"/>
   </ds:schemaRefs>
 </ds:datastoreItem>
-</file>
-
-<file path=customXml/itemProps3.xml><?xml version="1.0" encoding="utf-8"?>
-<ds:datastoreItem xmlns:ds="http://schemas.openxmlformats.org/officeDocument/2006/customXml" ds:itemID="{C35D743B-B188-4C38-B82D-7FD8B3A77642}">
-  <ds:schemaRefs>
-    <ds:schemaRef ds:uri="http://schemas.microsoft.com/office/2006/metadata/properties"/>
-    <ds:schemaRef ds:uri="http://schemas.microsoft.com/office/infopath/2007/PartnerControls"/>
-  </ds:schemaRefs>
-</ds:datastoreItem>
 </file>
--- a/Git_1 part.pptx
+++ b/Git_1 part.pptx
@@ -151,8 +151,8 @@
 <p1510:revInfo xmlns:a="http://schemas.openxmlformats.org/drawingml/2006/main" xmlns:r="http://schemas.openxmlformats.org/officeDocument/2006/relationships" xmlns:p1510="http://schemas.microsoft.com/office/powerpoint/2015/10/main">
   <p1510:revLst>
     <p1510:client id="{4A3F3CD4-87AB-4CDB-98DA-5A2ADC992FE5}" v="1" dt="2022-10-03T11:17:20.651"/>
+    <p1510:client id="{7243DB7B-6519-4113-9313-0D5BD1DD6196}" v="1" dt="2022-10-06T06:08:40.457"/>
     <p1510:client id="{9B9D4C16-5A73-44FC-B81C-E033F386BE81}" v="3" dt="2022-09-29T11:01:00.115"/>
-    <p1510:client id="{7243DB7B-6519-4113-9313-0D5BD1DD6196}" v="1" dt="2022-10-06T06:08:40.457"/>
     <p1510:client id="{A1854464-AA8C-4528-8FEA-3C375E66B42A}" v="7" dt="2022-10-06T09:52:16.683"/>
   </p1510:revLst>
 </p1510:revInfo>
@@ -6707,12 +6707,6 @@
                 <a:spcPct val="90000"/>
               </a:lnSpc>
             </a:pPr>
-            <a:r>
-              <a:rPr lang="uk-UA" sz="3800" b="1" dirty="0">
-                <a:latin typeface="SchoolBookCTT" pitchFamily="2" charset="0"/>
-              </a:rPr>
-              <a:t/>
-            </a:r>
             <a:br>
               <a:rPr lang="uk-UA" sz="3800" b="1" dirty="0">
                 <a:latin typeface="SchoolBookCTT" pitchFamily="2" charset="0"/>
@@ -6729,23 +6723,11 @@
                 <a:latin typeface="SchoolBookCTT" pitchFamily="2" charset="0"/>
               </a:rPr>
             </a:br>
-            <a:r>
-              <a:rPr lang="uk-UA" sz="3800" b="1" dirty="0">
-                <a:latin typeface="SchoolBookCTT" pitchFamily="2" charset="0"/>
-              </a:rPr>
-              <a:t/>
-            </a:r>
             <a:br>
               <a:rPr lang="uk-UA" sz="3800" b="1" dirty="0">
                 <a:latin typeface="SchoolBookCTT" pitchFamily="2" charset="0"/>
               </a:rPr>
             </a:br>
-            <a:r>
-              <a:rPr lang="uk-UA" sz="3800" b="1" dirty="0">
-                <a:latin typeface="SchoolBookCTT" pitchFamily="2" charset="0"/>
-              </a:rPr>
-              <a:t/>
-            </a:r>
             <a:br>
               <a:rPr lang="uk-UA" sz="3800" b="1" dirty="0">
                 <a:latin typeface="SchoolBookCTT" pitchFamily="2" charset="0"/>
@@ -6823,14 +6805,11 @@
               <a:t>Особливості </a:t>
             </a:r>
             <a:r>
-              <a:rPr lang="en-US" sz="4000" b="1" noProof="1" smtClean="0">
+              <a:rPr lang="en-US" sz="4000" b="1" noProof="1">
                 <a:latin typeface="SchoolBookCTT" pitchFamily="2" charset="0"/>
               </a:rPr>
               <a:t>Git</a:t>
             </a:r>
-            <a:endParaRPr lang="en-US" sz="4000" b="1" noProof="1">
-              <a:latin typeface="SchoolBookCTT" pitchFamily="2" charset="0"/>
-            </a:endParaRPr>
           </a:p>
         </p:txBody>
       </p:sp>
@@ -6921,33 +6900,22 @@
                 <a:latin typeface="Arial" panose="020B0604020202020204" pitchFamily="34" charset="0"/>
                 <a:cs typeface="Arial" panose="020B0604020202020204" pitchFamily="34" charset="0"/>
               </a:rPr>
-              <a:t>змінений </a:t>
-            </a:r>
-            <a:r>
-              <a:rPr lang="uk-UA" sz="2400" dirty="0" smtClean="0">
-                <a:latin typeface="Arial" panose="020B0604020202020204" pitchFamily="34" charset="0"/>
-                <a:cs typeface="Arial" panose="020B0604020202020204" pitchFamily="34" charset="0"/>
-              </a:rPr>
-              <a:t>(</a:t>
-            </a:r>
-            <a:r>
-              <a:rPr lang="uk-UA" sz="2400" noProof="1" smtClean="0">
+              <a:t>змінений (</a:t>
+            </a:r>
+            <a:r>
+              <a:rPr lang="uk-UA" sz="2400" noProof="1">
                 <a:latin typeface="Arial" panose="020B0604020202020204" pitchFamily="34" charset="0"/>
                 <a:cs typeface="Arial" panose="020B0604020202020204" pitchFamily="34" charset="0"/>
               </a:rPr>
               <a:t>modified</a:t>
             </a:r>
             <a:r>
-              <a:rPr lang="uk-UA" sz="2400" dirty="0" smtClean="0">
+              <a:rPr lang="uk-UA" sz="2400" dirty="0">
                 <a:latin typeface="Arial" panose="020B0604020202020204" pitchFamily="34" charset="0"/>
                 <a:cs typeface="Arial" panose="020B0604020202020204" pitchFamily="34" charset="0"/>
               </a:rPr>
               <a:t>)</a:t>
             </a:r>
-            <a:endParaRPr lang="uk-UA" sz="2400" dirty="0">
-              <a:latin typeface="Arial" panose="020B0604020202020204" pitchFamily="34" charset="0"/>
-              <a:cs typeface="Arial" panose="020B0604020202020204" pitchFamily="34" charset="0"/>
-            </a:endParaRPr>
           </a:p>
           <a:p>
             <a:pPr marL="342900" indent="-342900">
@@ -6965,7 +6933,7 @@
               <a:t>індексований </a:t>
             </a:r>
             <a:r>
-              <a:rPr lang="uk-UA" sz="2400" noProof="1" smtClean="0">
+              <a:rPr lang="uk-UA" sz="2400" noProof="1">
                 <a:latin typeface="Arial" panose="020B0604020202020204" pitchFamily="34" charset="0"/>
                 <a:cs typeface="Arial" panose="020B0604020202020204" pitchFamily="34" charset="0"/>
               </a:rPr>
@@ -6981,7 +6949,7 @@
               <a:buChar char="ü"/>
             </a:pPr>
             <a:r>
-              <a:rPr lang="uk-UA" sz="2400" dirty="0" smtClean="0">
+              <a:rPr lang="uk-UA" sz="2400" dirty="0">
                 <a:latin typeface="Arial" panose="020B0604020202020204" pitchFamily="34" charset="0"/>
                 <a:cs typeface="Arial" panose="020B0604020202020204" pitchFamily="34" charset="0"/>
               </a:rPr>
@@ -7087,17 +7055,9 @@
               <a:rPr lang="uk-UA" sz="2000" dirty="0"/>
               <a:t>Щоб розставити їх правильно скористуймося наступною таблицею. </a:t>
             </a:r>
-            <a:r>
-              <a:rPr lang="uk-UA" sz="1400" dirty="0"/>
-              <a:t/>
-            </a:r>
             <a:br>
               <a:rPr lang="uk-UA" sz="1400" dirty="0"/>
             </a:br>
-            <a:r>
-              <a:rPr lang="uk-UA" sz="1400" dirty="0"/>
-              <a:t/>
-            </a:r>
             <a:br>
               <a:rPr lang="uk-UA" sz="1400" dirty="0"/>
             </a:br>
@@ -7938,7 +7898,7 @@
               <a:t>: </a:t>
             </a:r>
             <a:r>
-              <a:rPr lang="en-US" noProof="1" smtClean="0">
+              <a:rPr lang="en-US" noProof="1">
                 <a:solidFill>
                   <a:schemeClr val="accent2">
                     <a:lumMod val="40000"/>
@@ -7948,14 +7908,6 @@
               </a:rPr>
               <a:t>O(logN)</a:t>
             </a:r>
-            <a:endParaRPr lang="en-US" noProof="1">
-              <a:solidFill>
-                <a:schemeClr val="accent2">
-                  <a:lumMod val="40000"/>
-                  <a:lumOff val="60000"/>
-                </a:schemeClr>
-              </a:solidFill>
-            </a:endParaRPr>
           </a:p>
         </p:txBody>
       </p:sp>
@@ -8072,7 +8024,7 @@
               <a:t> </a:t>
             </a:r>
             <a:r>
-              <a:rPr lang="en-US" sz="2400" b="1" noProof="1" smtClean="0">
+              <a:rPr lang="en-US" sz="2400" b="1" noProof="1">
                 <a:solidFill>
                   <a:schemeClr val="accent2">
                     <a:lumMod val="40000"/>
@@ -8407,7 +8359,7 @@
             <a:p>
               <a:pPr algn="ctr"/>
               <a:r>
-                <a:rPr lang="en-US" sz="2000" b="1" dirty="0" smtClean="0">
+                <a:rPr lang="en-US" sz="2000" b="1" dirty="0">
                   <a:solidFill>
                     <a:schemeClr val="accent2">
                       <a:lumMod val="40000"/>
@@ -8421,7 +8373,7 @@
                 <a:t>O(</a:t>
               </a:r>
               <a:r>
-                <a:rPr lang="en-US" sz="2000" b="1" noProof="1" smtClean="0">
+                <a:rPr lang="en-US" sz="2000" b="1" noProof="1">
                   <a:solidFill>
                     <a:schemeClr val="accent2">
                       <a:lumMod val="40000"/>
@@ -8435,7 +8387,7 @@
                 <a:t>logN</a:t>
               </a:r>
               <a:r>
-                <a:rPr lang="en-US" sz="2000" b="1" dirty="0" smtClean="0">
+                <a:rPr lang="en-US" sz="2000" b="1" dirty="0">
                   <a:solidFill>
                     <a:schemeClr val="accent2">
                       <a:lumMod val="40000"/>
@@ -8529,7 +8481,7 @@
               <a:t>Висновок:  </a:t>
             </a:r>
             <a:r>
-              <a:rPr lang="en-US" sz="2400" noProof="1" smtClean="0">
+              <a:rPr lang="en-US" sz="2400" noProof="1">
                 <a:solidFill>
                   <a:schemeClr val="accent2">
                     <a:lumMod val="40000"/>
@@ -8540,7 +8492,7 @@
               <a:t>O(logN)</a:t>
             </a:r>
             <a:r>
-              <a:rPr lang="en-US" sz="2400" dirty="0" smtClean="0"/>
+              <a:rPr lang="en-US" sz="2400" dirty="0"/>
               <a:t> </a:t>
             </a:r>
             <a:r>
@@ -8621,7 +8573,7 @@
         </p:blipFill>
         <p:spPr>
           <a:xfrm>
-            <a:off x="0" y="3176"/>
+            <a:off x="0" y="1"/>
             <a:ext cx="12192000" cy="6857999"/>
           </a:xfrm>
           <a:prstGeom prst="rect">
@@ -8646,8 +8598,8 @@
           </p:nvPr>
         </p:nvSpPr>
         <p:spPr>
-          <a:xfrm rot="1503497">
-            <a:off x="788062" y="1594378"/>
+          <a:xfrm>
+            <a:off x="495098" y="1070595"/>
             <a:ext cx="11048216" cy="3649133"/>
           </a:xfrm>
         </p:spPr>
@@ -8663,38 +8615,30 @@
             <a:r>
               <a:rPr lang="uk-UA" sz="5400" dirty="0">
                 <a:solidFill>
-                  <a:srgbClr val="FFFF00"/>
+                  <a:srgbClr val="FF0000"/>
                 </a:solidFill>
               </a:rPr>
               <a:t>Дякуємо </a:t>
             </a:r>
             <a:r>
-              <a:rPr lang="en-US" sz="5400" dirty="0" smtClean="0">
-                <a:solidFill>
-                  <a:srgbClr val="FFFF00"/>
+              <a:rPr lang="en-US" sz="5400" dirty="0">
+                <a:solidFill>
+                  <a:srgbClr val="FF0000"/>
                 </a:solidFill>
               </a:rPr>
               <a:t>     </a:t>
             </a:r>
             <a:r>
-              <a:rPr lang="uk-UA" sz="5400" dirty="0" smtClean="0">
-                <a:solidFill>
-                  <a:srgbClr val="0070C0"/>
+              <a:rPr lang="uk-UA" sz="5400" dirty="0">
+                <a:solidFill>
+                  <a:srgbClr val="FF0000"/>
                 </a:solidFill>
               </a:rPr>
-              <a:t>за </a:t>
-            </a:r>
-            <a:r>
-              <a:rPr lang="uk-UA" sz="5400" dirty="0">
-                <a:solidFill>
-                  <a:srgbClr val="0070C0"/>
-                </a:solidFill>
-              </a:rPr>
-              <a:t>увагу!</a:t>
+              <a:t>за увагу!</a:t>
             </a:r>
             <a:endParaRPr lang="ru-UA" sz="5400" dirty="0">
               <a:solidFill>
-                <a:srgbClr val="0070C0"/>
+                <a:srgbClr val="FF0000"/>
               </a:solidFill>
             </a:endParaRPr>
           </a:p>
@@ -8769,7 +8713,7 @@
               </a:rPr>
               <a:t>Team members </a:t>
             </a:r>
-            <a:r>
+            <a:br>
               <a:rPr lang="uk-UA" sz="1200" b="1" dirty="0">
                 <a:solidFill>
                   <a:schemeClr val="tx1">
@@ -8778,29 +8722,7 @@
                 </a:solidFill>
                 <a:latin typeface="SchoolBookCTT" pitchFamily="2" charset="0"/>
               </a:rPr>
-              <a:t/>
-            </a:r>
-            <a:br>
-              <a:rPr lang="uk-UA" sz="1200" b="1" dirty="0">
-                <a:solidFill>
-                  <a:schemeClr val="tx1">
-                    <a:lumMod val="95000"/>
-                  </a:schemeClr>
-                </a:solidFill>
-                <a:latin typeface="SchoolBookCTT" pitchFamily="2" charset="0"/>
-              </a:rPr>
             </a:br>
-            <a:r>
-              <a:rPr lang="uk-UA" sz="1200" b="1" dirty="0">
-                <a:solidFill>
-                  <a:schemeClr val="tx1">
-                    <a:lumMod val="95000"/>
-                  </a:schemeClr>
-                </a:solidFill>
-                <a:latin typeface="SchoolBookCTT" pitchFamily="2" charset="0"/>
-              </a:rPr>
-              <a:t/>
-            </a:r>
             <a:br>
               <a:rPr lang="uk-UA" sz="1200" b="1" dirty="0">
                 <a:solidFill>
@@ -8945,23 +8867,6 @@
               </a:rPr>
               <a:t>(Editor)</a:t>
             </a:r>
-            <a:r>
-              <a:rPr lang="uk-UA" sz="2400" b="1" dirty="0">
-                <a:solidFill>
-                  <a:schemeClr val="tx1">
-                    <a:lumMod val="95000"/>
-                  </a:schemeClr>
-                </a:solidFill>
-                <a:effectLst>
-                  <a:outerShdw blurRad="38100" dist="38100" dir="2700000" algn="tl">
-                    <a:srgbClr val="000000">
-                      <a:alpha val="43137"/>
-                    </a:srgbClr>
-                  </a:outerShdw>
-                </a:effectLst>
-              </a:rPr>
-              <a:t/>
-            </a:r>
             <a:br>
               <a:rPr lang="uk-UA" sz="2400" b="1" dirty="0">
                 <a:solidFill>
@@ -9012,23 +8917,6 @@
               </a:rPr>
               <a:t>(Editor)</a:t>
             </a:r>
-            <a:r>
-              <a:rPr lang="uk-UA" sz="2400" b="1" dirty="0">
-                <a:solidFill>
-                  <a:schemeClr val="tx1">
-                    <a:lumMod val="95000"/>
-                  </a:schemeClr>
-                </a:solidFill>
-                <a:effectLst>
-                  <a:outerShdw blurRad="38100" dist="38100" dir="2700000" algn="tl">
-                    <a:srgbClr val="000000">
-                      <a:alpha val="43137"/>
-                    </a:srgbClr>
-                  </a:outerShdw>
-                </a:effectLst>
-              </a:rPr>
-              <a:t/>
-            </a:r>
             <a:br>
               <a:rPr lang="uk-UA" sz="2400" b="1" dirty="0">
                 <a:solidFill>
@@ -9079,23 +8967,6 @@
               </a:rPr>
               <a:t>(Editor)</a:t>
             </a:r>
-            <a:r>
-              <a:rPr lang="uk-UA" sz="2400" b="1" dirty="0">
-                <a:solidFill>
-                  <a:schemeClr val="tx1">
-                    <a:lumMod val="95000"/>
-                  </a:schemeClr>
-                </a:solidFill>
-                <a:effectLst>
-                  <a:outerShdw blurRad="38100" dist="38100" dir="2700000" algn="tl">
-                    <a:srgbClr val="000000">
-                      <a:alpha val="43137"/>
-                    </a:srgbClr>
-                  </a:outerShdw>
-                </a:effectLst>
-              </a:rPr>
-              <a:t/>
-            </a:r>
             <a:br>
               <a:rPr lang="uk-UA" sz="2400" b="1" dirty="0">
                 <a:solidFill>
@@ -9147,7 +9018,7 @@
               <a:t>(Editor</a:t>
             </a:r>
             <a:r>
-              <a:rPr lang="uk-UA" sz="2400" b="1" dirty="0" smtClean="0">
+              <a:rPr lang="uk-UA" sz="2400" b="1" dirty="0">
                 <a:solidFill>
                   <a:schemeClr val="tx1">
                     <a:lumMod val="95000"/>
@@ -9184,7 +9055,7 @@
               <a:t>Зайченко Денис </a:t>
             </a:r>
             <a:r>
-              <a:rPr lang="ru-RU" sz="2400" b="1" noProof="1" smtClean="0">
+              <a:rPr lang="ru-RU" sz="2400" b="1" noProof="1">
                 <a:solidFill>
                   <a:schemeClr val="tx1">
                     <a:lumMod val="95000"/>
@@ -9201,7 +9072,7 @@
               <a:t>Сергійович</a:t>
             </a:r>
             <a:r>
-              <a:rPr lang="en-US" sz="2400" b="1" dirty="0" smtClean="0">
+              <a:rPr lang="en-US" sz="2400" b="1" dirty="0">
                 <a:solidFill>
                   <a:schemeClr val="tx1">
                     <a:lumMod val="95000"/>
@@ -9215,24 +9086,7 @@
                   </a:outerShdw>
                 </a:effectLst>
               </a:rPr>
-              <a:t> </a:t>
-            </a:r>
-            <a:r>
-              <a:rPr lang="en-US" sz="2400" b="1" dirty="0">
-                <a:solidFill>
-                  <a:schemeClr val="tx1">
-                    <a:lumMod val="95000"/>
-                  </a:schemeClr>
-                </a:solidFill>
-                <a:effectLst>
-                  <a:outerShdw blurRad="38100" dist="38100" dir="2700000" algn="tl">
-                    <a:srgbClr val="000000">
-                      <a:alpha val="43137"/>
-                    </a:srgbClr>
-                  </a:outerShdw>
-                </a:effectLst>
-              </a:rPr>
-              <a:t>(Editor)</a:t>
+              <a:t> (Editor)</a:t>
             </a:r>
             <a:endParaRPr lang="ru-UA" sz="2400" b="1" dirty="0">
               <a:solidFill>
@@ -9998,10 +9852,9 @@
           <a:lstStyle/>
           <a:p>
             <a:r>
-              <a:rPr lang="ru-RU" noProof="1" smtClean="0"/>
+              <a:rPr lang="ru-RU" noProof="1"/>
               <a:t>Гайд на інтерфейс</a:t>
             </a:r>
-            <a:endParaRPr lang="ru-RU" noProof="1"/>
           </a:p>
         </p:txBody>
       </p:sp>
@@ -10120,7 +9973,7 @@
           <a:lstStyle/>
           <a:p>
             <a:r>
-              <a:rPr lang="ru-RU" noProof="1" smtClean="0">
+              <a:rPr lang="ru-RU" noProof="1">
                 <a:solidFill>
                   <a:schemeClr val="bg1"/>
                 </a:solidFill>
@@ -10128,7 +9981,7 @@
               <a:t>Опис</a:t>
             </a:r>
             <a:r>
-              <a:rPr lang="en-US" dirty="0" smtClean="0">
+              <a:rPr lang="en-US" dirty="0">
                 <a:solidFill>
                   <a:schemeClr val="bg1"/>
                 </a:solidFill>
@@ -10226,11 +10079,11 @@
           <a:lstStyle/>
           <a:p>
             <a:r>
-              <a:rPr lang="ru-RU" noProof="1" smtClean="0"/>
+              <a:rPr lang="ru-RU" noProof="1"/>
               <a:t>Назва</a:t>
             </a:r>
             <a:r>
-              <a:rPr lang="ru-RU" dirty="0" smtClean="0"/>
+              <a:rPr lang="ru-RU" dirty="0"/>
               <a:t> </a:t>
             </a:r>
             <a:r>
@@ -10316,10 +10169,9 @@
           <a:lstStyle/>
           <a:p>
             <a:r>
-              <a:rPr lang="ru-RU" noProof="1" smtClean="0"/>
+              <a:rPr lang="ru-RU" noProof="1"/>
               <a:t>Вибраний репозіторій</a:t>
             </a:r>
-            <a:endParaRPr lang="ru-RU" noProof="1"/>
           </a:p>
         </p:txBody>
       </p:sp>
@@ -11105,14 +10957,11 @@
               <a:t>Особливості </a:t>
             </a:r>
             <a:r>
-              <a:rPr lang="en-US" sz="4000" b="1" noProof="1" smtClean="0">
+              <a:rPr lang="en-US" sz="4000" b="1" noProof="1">
                 <a:latin typeface="SchoolBookCTT" pitchFamily="2" charset="0"/>
               </a:rPr>
               <a:t>Git</a:t>
             </a:r>
-            <a:endParaRPr lang="en-US" sz="4000" b="1" noProof="1">
-              <a:latin typeface="SchoolBookCTT" pitchFamily="2" charset="0"/>
-            </a:endParaRPr>
           </a:p>
         </p:txBody>
       </p:sp>
@@ -12216,18 +12065,18 @@
 </file>
 
 <file path=customXml/item1.xml><?xml version="1.0" encoding="utf-8"?>
+<p:properties xmlns:p="http://schemas.microsoft.com/office/2006/metadata/properties" xmlns:xsi="http://www.w3.org/2001/XMLSchema-instance" xmlns:pc="http://schemas.microsoft.com/office/infopath/2007/PartnerControls">
+  <documentManagement/>
+</p:properties>
+</file>
+
+<file path=customXml/item2.xml><?xml version="1.0" encoding="utf-8"?>
 <?mso-contentType ?>
 <FormTemplates xmlns="http://schemas.microsoft.com/sharepoint/v3/contenttype/forms">
   <Display>DocumentLibraryForm</Display>
   <Edit>DocumentLibraryForm</Edit>
   <New>DocumentLibraryForm</New>
 </FormTemplates>
-</file>
-
-<file path=customXml/item2.xml><?xml version="1.0" encoding="utf-8"?>
-<p:properties xmlns:p="http://schemas.microsoft.com/office/2006/metadata/properties" xmlns:xsi="http://www.w3.org/2001/XMLSchema-instance" xmlns:pc="http://schemas.microsoft.com/office/infopath/2007/PartnerControls">
-  <documentManagement/>
-</p:properties>
 </file>
 
 <file path=customXml/item3.xml><?xml version="1.0" encoding="utf-8"?>
@@ -12375,18 +12224,18 @@
 </file>
 
 <file path=customXml/itemProps1.xml><?xml version="1.0" encoding="utf-8"?>
-<ds:datastoreItem xmlns:ds="http://schemas.openxmlformats.org/officeDocument/2006/customXml" ds:itemID="{A345D2DA-A096-4BBF-9135-8FD4BD4C8C20}">
+<ds:datastoreItem xmlns:ds="http://schemas.openxmlformats.org/officeDocument/2006/customXml" ds:itemID="{C35D743B-B188-4C38-B82D-7FD8B3A77642}">
   <ds:schemaRefs>
-    <ds:schemaRef ds:uri="http://schemas.microsoft.com/sharepoint/v3/contenttype/forms"/>
+    <ds:schemaRef ds:uri="http://schemas.microsoft.com/office/2006/metadata/properties"/>
+    <ds:schemaRef ds:uri="http://schemas.microsoft.com/office/infopath/2007/PartnerControls"/>
   </ds:schemaRefs>
 </ds:datastoreItem>
 </file>
 
 <file path=customXml/itemProps2.xml><?xml version="1.0" encoding="utf-8"?>
-<ds:datastoreItem xmlns:ds="http://schemas.openxmlformats.org/officeDocument/2006/customXml" ds:itemID="{C35D743B-B188-4C38-B82D-7FD8B3A77642}">
+<ds:datastoreItem xmlns:ds="http://schemas.openxmlformats.org/officeDocument/2006/customXml" ds:itemID="{A345D2DA-A096-4BBF-9135-8FD4BD4C8C20}">
   <ds:schemaRefs>
-    <ds:schemaRef ds:uri="http://schemas.microsoft.com/office/2006/metadata/properties"/>
-    <ds:schemaRef ds:uri="http://schemas.microsoft.com/office/infopath/2007/PartnerControls"/>
+    <ds:schemaRef ds:uri="http://schemas.microsoft.com/sharepoint/v3/contenttype/forms"/>
   </ds:schemaRefs>
 </ds:datastoreItem>
 </file>

--- a/Git_1 part.pptx
+++ b/Git_1 part.pptx
@@ -149,8 +149,8 @@
 <p1510:revInfo xmlns:a="http://schemas.openxmlformats.org/drawingml/2006/main" xmlns:r="http://schemas.openxmlformats.org/officeDocument/2006/relationships" xmlns:p1510="http://schemas.microsoft.com/office/powerpoint/2015/10/main">
   <p1510:revLst>
     <p1510:client id="{4A3F3CD4-87AB-4CDB-98DA-5A2ADC992FE5}" v="1" dt="2022-10-03T11:17:20.651"/>
+    <p1510:client id="{7243DB7B-6519-4113-9313-0D5BD1DD6196}" v="1" dt="2022-10-06T06:08:40.457"/>
     <p1510:client id="{9B9D4C16-5A73-44FC-B81C-E033F386BE81}" v="3" dt="2022-09-29T11:01:00.115"/>
-    <p1510:client id="{7243DB7B-6519-4113-9313-0D5BD1DD6196}" v="1" dt="2022-10-06T06:08:40.457"/>
     <p1510:client id="{A1854464-AA8C-4528-8FEA-3C375E66B42A}" v="7" dt="2022-10-06T09:52:16.683"/>
   </p1510:revLst>
 </p1510:revInfo>
@@ -8101,7 +8101,7 @@
                   </a:outerShdw>
                 </a:effectLst>
               </a:rPr>
-              <a:t>Клименко Артем Максимович</a:t>
+              <a:t>Бабенко Станіслав Олексійович</a:t>
             </a:r>
             <a:r>
               <a:rPr lang="en-US" sz="2400" b="1" dirty="0">
@@ -8118,10 +8118,10 @@
                   </a:outerShdw>
                 </a:effectLst>
               </a:rPr>
-              <a:t>(PM)</a:t>
+              <a:t>(Editor)</a:t>
             </a:r>
             <a:br>
-              <a:rPr lang="en-US" sz="2400" b="1" dirty="0">
+              <a:rPr lang="uk-UA" sz="2400" b="1" dirty="0">
                 <a:solidFill>
                   <a:schemeClr val="tx1">
                     <a:lumMod val="95000"/>
@@ -8151,7 +8151,7 @@
                   </a:outerShdw>
                 </a:effectLst>
               </a:rPr>
-              <a:t>Полібін-Щербак Демид Артемович(</a:t>
+              <a:t>Сердюк Костя Олегович</a:t>
             </a:r>
             <a:r>
               <a:rPr lang="en-US" sz="2400" b="1" dirty="0">
@@ -8168,10 +8168,10 @@
                   </a:outerShdw>
                 </a:effectLst>
               </a:rPr>
-              <a:t>PM)</a:t>
+              <a:t>(Editor)</a:t>
             </a:r>
             <a:br>
-              <a:rPr lang="en-US" sz="2400" b="1" dirty="0">
+              <a:rPr lang="uk-UA" sz="2400" b="1" dirty="0">
                 <a:solidFill>
                   <a:schemeClr val="tx1">
                     <a:lumMod val="95000"/>
@@ -8201,7 +8201,7 @@
                   </a:outerShdw>
                 </a:effectLst>
               </a:rPr>
-              <a:t>Фоменко Валентин Олександрович</a:t>
+              <a:t>Шейко Ростислав Олександрович</a:t>
             </a:r>
             <a:r>
               <a:rPr lang="en-US" sz="2400" b="1" dirty="0">
@@ -8218,9 +8218,9 @@
                   </a:outerShdw>
                 </a:effectLst>
               </a:rPr>
-              <a:t>(Editor</a:t>
-            </a:r>
-            <a:r>
+              <a:t>(Editor)</a:t>
+            </a:r>
+            <a:br>
               <a:rPr lang="uk-UA" sz="2400" b="1" dirty="0">
                 <a:solidFill>
                   <a:schemeClr val="tx1">
@@ -8235,62 +8235,7 @@
                   </a:outerShdw>
                 </a:effectLst>
               </a:rPr>
-              <a:t>)</a:t>
-            </a:r>
-          </a:p>
-          <a:p>
-            <a:pPr algn="ctr"/>
-            <a:r>
-              <a:rPr lang="ru-RU" sz="2400" b="1" dirty="0">
-                <a:solidFill>
-                  <a:schemeClr val="tx1">
-                    <a:lumMod val="95000"/>
-                  </a:schemeClr>
-                </a:solidFill>
-                <a:effectLst>
-                  <a:outerShdw blurRad="38100" dist="38100" dir="2700000" algn="tl">
-                    <a:srgbClr val="000000">
-                      <a:alpha val="43137"/>
-                    </a:srgbClr>
-                  </a:outerShdw>
-                </a:effectLst>
-              </a:rPr>
-              <a:t>Зайченко Денис </a:t>
-            </a:r>
-            <a:r>
-              <a:rPr lang="ru-RU" sz="2400" b="1" noProof="1">
-                <a:solidFill>
-                  <a:schemeClr val="tx1">
-                    <a:lumMod val="95000"/>
-                  </a:schemeClr>
-                </a:solidFill>
-                <a:effectLst>
-                  <a:outerShdw blurRad="38100" dist="38100" dir="2700000" algn="tl">
-                    <a:srgbClr val="000000">
-                      <a:alpha val="43137"/>
-                    </a:srgbClr>
-                  </a:outerShdw>
-                </a:effectLst>
-              </a:rPr>
-              <a:t>Сергійович</a:t>
-            </a:r>
-            <a:r>
-              <a:rPr lang="en-US" sz="2400" b="1" dirty="0">
-                <a:solidFill>
-                  <a:schemeClr val="tx1">
-                    <a:lumMod val="95000"/>
-                  </a:schemeClr>
-                </a:solidFill>
-                <a:effectLst>
-                  <a:outerShdw blurRad="38100" dist="38100" dir="2700000" algn="tl">
-                    <a:srgbClr val="000000">
-                      <a:alpha val="43137"/>
-                    </a:srgbClr>
-                  </a:outerShdw>
-                </a:effectLst>
-              </a:rPr>
-              <a:t> (Editor)</a:t>
-            </a:r>
+            </a:br>
             <a:endParaRPr lang="ru-UA" sz="2400" b="1" dirty="0">
               <a:solidFill>
                 <a:schemeClr val="tx1">
@@ -11268,18 +11213,18 @@
 </file>
 
 <file path=customXml/item1.xml><?xml version="1.0" encoding="utf-8"?>
+<p:properties xmlns:p="http://schemas.microsoft.com/office/2006/metadata/properties" xmlns:xsi="http://www.w3.org/2001/XMLSchema-instance" xmlns:pc="http://schemas.microsoft.com/office/infopath/2007/PartnerControls">
+  <documentManagement/>
+</p:properties>
+</file>
+
+<file path=customXml/item2.xml><?xml version="1.0" encoding="utf-8"?>
 <?mso-contentType ?>
 <FormTemplates xmlns="http://schemas.microsoft.com/sharepoint/v3/contenttype/forms">
   <Display>DocumentLibraryForm</Display>
   <Edit>DocumentLibraryForm</Edit>
   <New>DocumentLibraryForm</New>
 </FormTemplates>
-</file>
-
-<file path=customXml/item2.xml><?xml version="1.0" encoding="utf-8"?>
-<p:properties xmlns:p="http://schemas.microsoft.com/office/2006/metadata/properties" xmlns:xsi="http://www.w3.org/2001/XMLSchema-instance" xmlns:pc="http://schemas.microsoft.com/office/infopath/2007/PartnerControls">
-  <documentManagement/>
-</p:properties>
 </file>
 
 <file path=customXml/item3.xml><?xml version="1.0" encoding="utf-8"?>
@@ -11427,18 +11372,18 @@
 </file>
 
 <file path=customXml/itemProps1.xml><?xml version="1.0" encoding="utf-8"?>
-<ds:datastoreItem xmlns:ds="http://schemas.openxmlformats.org/officeDocument/2006/customXml" ds:itemID="{A345D2DA-A096-4BBF-9135-8FD4BD4C8C20}">
+<ds:datastoreItem xmlns:ds="http://schemas.openxmlformats.org/officeDocument/2006/customXml" ds:itemID="{C35D743B-B188-4C38-B82D-7FD8B3A77642}">
   <ds:schemaRefs>
-    <ds:schemaRef ds:uri="http://schemas.microsoft.com/sharepoint/v3/contenttype/forms"/>
+    <ds:schemaRef ds:uri="http://schemas.microsoft.com/office/2006/metadata/properties"/>
+    <ds:schemaRef ds:uri="http://schemas.microsoft.com/office/infopath/2007/PartnerControls"/>
   </ds:schemaRefs>
 </ds:datastoreItem>
 </file>
 
 <file path=customXml/itemProps2.xml><?xml version="1.0" encoding="utf-8"?>
-<ds:datastoreItem xmlns:ds="http://schemas.openxmlformats.org/officeDocument/2006/customXml" ds:itemID="{C35D743B-B188-4C38-B82D-7FD8B3A77642}">
+<ds:datastoreItem xmlns:ds="http://schemas.openxmlformats.org/officeDocument/2006/customXml" ds:itemID="{A345D2DA-A096-4BBF-9135-8FD4BD4C8C20}">
   <ds:schemaRefs>
-    <ds:schemaRef ds:uri="http://schemas.microsoft.com/office/2006/metadata/properties"/>
-    <ds:schemaRef ds:uri="http://schemas.microsoft.com/office/infopath/2007/PartnerControls"/>
+    <ds:schemaRef ds:uri="http://schemas.microsoft.com/sharepoint/v3/contenttype/forms"/>
   </ds:schemaRefs>
 </ds:datastoreItem>
 </file>

--- a/Git_1 part.pptx
+++ b/Git_1 part.pptx
@@ -21,8 +21,8 @@
     <p:sldId id="346" r:id="rId12"/>
     <p:sldId id="347" r:id="rId13"/>
     <p:sldId id="348" r:id="rId14"/>
-    <p:sldId id="335" r:id="rId15"/>
-    <p:sldId id="336" r:id="rId16"/>
+    <p:sldId id="350" r:id="rId15"/>
+    <p:sldId id="349" r:id="rId16"/>
     <p:sldId id="339" r:id="rId17"/>
   </p:sldIdLst>
   <p:sldSz cx="12192000" cy="6858000"/>
@@ -149,8 +149,8 @@
 <p1510:revInfo xmlns:a="http://schemas.openxmlformats.org/drawingml/2006/main" xmlns:r="http://schemas.openxmlformats.org/officeDocument/2006/relationships" xmlns:p1510="http://schemas.microsoft.com/office/powerpoint/2015/10/main">
   <p1510:revLst>
     <p1510:client id="{4A3F3CD4-87AB-4CDB-98DA-5A2ADC992FE5}" v="1" dt="2022-10-03T11:17:20.651"/>
+    <p1510:client id="{9B9D4C16-5A73-44FC-B81C-E033F386BE81}" v="3" dt="2022-09-29T11:01:00.115"/>
     <p1510:client id="{7243DB7B-6519-4113-9313-0D5BD1DD6196}" v="1" dt="2022-10-06T06:08:40.457"/>
-    <p1510:client id="{9B9D4C16-5A73-44FC-B81C-E033F386BE81}" v="3" dt="2022-09-29T11:01:00.115"/>
     <p1510:client id="{A1854464-AA8C-4528-8FEA-3C375E66B42A}" v="7" dt="2022-10-06T09:52:16.683"/>
   </p1510:revLst>
 </p1510:revInfo>
@@ -6906,7 +6906,7 @@
           <p:cNvPr id="2" name="Заголовок 1">
             <a:extLst>
               <a:ext uri="{FF2B5EF4-FFF2-40B4-BE49-F238E27FC236}">
-                <a16:creationId xmlns:a16="http://schemas.microsoft.com/office/drawing/2014/main" id="{D2A85CEB-B942-0761-C894-6ADFDA7A8D20}"/>
+                <a16:creationId xmlns:a16="http://schemas.microsoft.com/office/drawing/2014/main" id="{B9D485B4-14B5-4EFE-AEB9-77B2BB47BFFE}"/>
               </a:ext>
             </a:extLst>
           </p:cNvPr>
@@ -6917,552 +6917,103 @@
             <p:ph type="title"/>
           </p:nvPr>
         </p:nvSpPr>
-        <p:spPr>
-          <a:xfrm>
-            <a:off x="3197987" y="657386"/>
-            <a:ext cx="5796026" cy="1456267"/>
-          </a:xfrm>
-        </p:spPr>
+        <p:spPr/>
         <p:txBody>
           <a:bodyPr/>
           <a:lstStyle/>
           <a:p>
-            <a:pPr algn="ctr"/>
-            <a:r>
-              <a:rPr lang="uk-UA" b="1" i="0" u="none" strike="noStrike" dirty="0">
-                <a:solidFill>
-                  <a:schemeClr val="tx1">
-                    <a:lumMod val="95000"/>
-                  </a:schemeClr>
-                </a:solidFill>
-                <a:effectLst/>
-                <a:latin typeface="SchoolBookCTT"/>
-              </a:rPr>
-              <a:t>Піднесення до степені</a:t>
-            </a:r>
-            <a:r>
-              <a:rPr lang="uk-UA" b="0" i="0" dirty="0">
-                <a:solidFill>
-                  <a:schemeClr val="tx1">
-                    <a:lumMod val="95000"/>
-                  </a:schemeClr>
-                </a:solidFill>
-                <a:effectLst/>
-                <a:latin typeface="SchoolBookCTT"/>
-              </a:rPr>
-              <a:t>​</a:t>
-            </a:r>
-            <a:endParaRPr lang="uk-UA" dirty="0">
-              <a:solidFill>
-                <a:schemeClr val="tx1">
-                  <a:lumMod val="95000"/>
-                </a:schemeClr>
-              </a:solidFill>
-            </a:endParaRPr>
+            <a:endParaRPr lang="ru-UA"/>
           </a:p>
         </p:txBody>
       </p:sp>
       <p:pic>
         <p:nvPicPr>
-          <p:cNvPr id="1026" name="Picture 2">
+          <p:cNvPr id="7" name="Объект 6">
             <a:extLst>
               <a:ext uri="{FF2B5EF4-FFF2-40B4-BE49-F238E27FC236}">
-                <a16:creationId xmlns:a16="http://schemas.microsoft.com/office/drawing/2014/main" id="{1099D3B4-7A06-8A98-4A91-72E82A391A2C}"/>
+                <a16:creationId xmlns:a16="http://schemas.microsoft.com/office/drawing/2014/main" id="{727CA98F-73C3-49D8-9896-4353161D4487}"/>
               </a:ext>
             </a:extLst>
           </p:cNvPr>
           <p:cNvPicPr>
-            <a:picLocks noChangeAspect="1" noChangeArrowheads="1"/>
+            <a:picLocks noGrp="1" noChangeAspect="1"/>
           </p:cNvPicPr>
-          <p:nvPr/>
+          <p:nvPr>
+            <p:ph idx="1"/>
+          </p:nvPr>
         </p:nvPicPr>
         <p:blipFill>
-          <a:blip r:embed="rId2">
-            <a:extLst>
-              <a:ext uri="{28A0092B-C50C-407E-A947-70E740481C1C}">
-                <a14:useLocalDpi xmlns:a14="http://schemas.microsoft.com/office/drawing/2010/main" val="0"/>
-              </a:ext>
-            </a:extLst>
-          </a:blip>
-          <a:srcRect/>
+          <a:blip r:embed="rId2"/>
           <a:stretch>
             <a:fillRect/>
           </a:stretch>
         </p:blipFill>
-        <p:spPr bwMode="auto">
-          <a:xfrm>
-            <a:off x="1283941" y="1842029"/>
-            <a:ext cx="4267200" cy="504825"/>
-          </a:xfrm>
-          <a:prstGeom prst="rect">
-            <a:avLst/>
-          </a:prstGeom>
-          <a:ln>
-            <a:noFill/>
-          </a:ln>
-          <a:effectLst>
-            <a:outerShdw blurRad="292100" dist="139700" dir="2700000" algn="tl" rotWithShape="0">
-              <a:srgbClr val="333333">
-                <a:alpha val="65000"/>
-              </a:srgbClr>
-            </a:outerShdw>
-          </a:effectLst>
-          <a:extLst>
-            <a:ext uri="{909E8E84-426E-40DD-AFC4-6F175D3DCCD1}">
-              <a14:hiddenFill xmlns:a14="http://schemas.microsoft.com/office/drawing/2010/main">
-                <a:solidFill>
-                  <a:srgbClr val="FFFFFF"/>
-                </a:solidFill>
-              </a14:hiddenFill>
-            </a:ext>
-          </a:extLst>
+        <p:spPr>
+          <a:xfrm>
+            <a:off x="-1" y="0"/>
+            <a:ext cx="12192001" cy="6858000"/>
+          </a:xfrm>
         </p:spPr>
       </p:pic>
       <p:sp>
         <p:nvSpPr>
-          <p:cNvPr id="7" name="TextBox 1">
+          <p:cNvPr id="4" name="Нижний колонтитул 3">
             <a:extLst>
               <a:ext uri="{FF2B5EF4-FFF2-40B4-BE49-F238E27FC236}">
-                <a16:creationId xmlns:a16="http://schemas.microsoft.com/office/drawing/2014/main" id="{C113669B-E707-B2AA-2C2B-1F6D6D262F54}"/>
+                <a16:creationId xmlns:a16="http://schemas.microsoft.com/office/drawing/2014/main" id="{9BFC4B18-CB7B-429C-A898-1968E72BD742}"/>
               </a:ext>
             </a:extLst>
           </p:cNvPr>
-          <p:cNvSpPr txBox="1"/>
-          <p:nvPr/>
-        </p:nvSpPr>
-        <p:spPr>
-          <a:xfrm>
-            <a:off x="6369670" y="1790486"/>
-            <a:ext cx="806631" cy="646331"/>
-          </a:xfrm>
-          <a:prstGeom prst="rect">
-            <a:avLst/>
-          </a:prstGeom>
-          <a:noFill/>
-        </p:spPr>
-        <p:txBody>
-          <a:bodyPr wrap="none" rtlCol="0">
-            <a:spAutoFit/>
-          </a:bodyPr>
-          <a:lstStyle>
-            <a:defPPr>
-              <a:defRPr lang="en-US"/>
-            </a:defPPr>
-            <a:lvl1pPr marL="0" algn="l" defTabSz="457200" rtl="0" eaLnBrk="1" latinLnBrk="0" hangingPunct="1">
-              <a:defRPr sz="1800" kern="1200">
-                <a:solidFill>
-                  <a:schemeClr val="tx1"/>
-                </a:solidFill>
-                <a:latin typeface="+mn-lt"/>
-                <a:ea typeface="+mn-ea"/>
-                <a:cs typeface="+mn-cs"/>
-              </a:defRPr>
-            </a:lvl1pPr>
-            <a:lvl2pPr marL="457200" algn="l" defTabSz="457200" rtl="0" eaLnBrk="1" latinLnBrk="0" hangingPunct="1">
-              <a:defRPr sz="1800" kern="1200">
-                <a:solidFill>
-                  <a:schemeClr val="tx1"/>
-                </a:solidFill>
-                <a:latin typeface="+mn-lt"/>
-                <a:ea typeface="+mn-ea"/>
-                <a:cs typeface="+mn-cs"/>
-              </a:defRPr>
-            </a:lvl2pPr>
-            <a:lvl3pPr marL="914400" algn="l" defTabSz="457200" rtl="0" eaLnBrk="1" latinLnBrk="0" hangingPunct="1">
-              <a:defRPr sz="1800" kern="1200">
-                <a:solidFill>
-                  <a:schemeClr val="tx1"/>
-                </a:solidFill>
-                <a:latin typeface="+mn-lt"/>
-                <a:ea typeface="+mn-ea"/>
-                <a:cs typeface="+mn-cs"/>
-              </a:defRPr>
-            </a:lvl3pPr>
-            <a:lvl4pPr marL="1371600" algn="l" defTabSz="457200" rtl="0" eaLnBrk="1" latinLnBrk="0" hangingPunct="1">
-              <a:defRPr sz="1800" kern="1200">
-                <a:solidFill>
-                  <a:schemeClr val="tx1"/>
-                </a:solidFill>
-                <a:latin typeface="+mn-lt"/>
-                <a:ea typeface="+mn-ea"/>
-                <a:cs typeface="+mn-cs"/>
-              </a:defRPr>
-            </a:lvl4pPr>
-            <a:lvl5pPr marL="1828800" algn="l" defTabSz="457200" rtl="0" eaLnBrk="1" latinLnBrk="0" hangingPunct="1">
-              <a:defRPr sz="1800" kern="1200">
-                <a:solidFill>
-                  <a:schemeClr val="tx1"/>
-                </a:solidFill>
-                <a:latin typeface="+mn-lt"/>
-                <a:ea typeface="+mn-ea"/>
-                <a:cs typeface="+mn-cs"/>
-              </a:defRPr>
-            </a:lvl5pPr>
-            <a:lvl6pPr marL="2286000" algn="l" defTabSz="457200" rtl="0" eaLnBrk="1" latinLnBrk="0" hangingPunct="1">
-              <a:defRPr sz="1800" kern="1200">
-                <a:solidFill>
-                  <a:schemeClr val="tx1"/>
-                </a:solidFill>
-                <a:latin typeface="+mn-lt"/>
-                <a:ea typeface="+mn-ea"/>
-                <a:cs typeface="+mn-cs"/>
-              </a:defRPr>
-            </a:lvl6pPr>
-            <a:lvl7pPr marL="2743200" algn="l" defTabSz="457200" rtl="0" eaLnBrk="1" latinLnBrk="0" hangingPunct="1">
-              <a:defRPr sz="1800" kern="1200">
-                <a:solidFill>
-                  <a:schemeClr val="tx1"/>
-                </a:solidFill>
-                <a:latin typeface="+mn-lt"/>
-                <a:ea typeface="+mn-ea"/>
-                <a:cs typeface="+mn-cs"/>
-              </a:defRPr>
-            </a:lvl7pPr>
-            <a:lvl8pPr marL="3200400" algn="l" defTabSz="457200" rtl="0" eaLnBrk="1" latinLnBrk="0" hangingPunct="1">
-              <a:defRPr sz="1800" kern="1200">
-                <a:solidFill>
-                  <a:schemeClr val="tx1"/>
-                </a:solidFill>
-                <a:latin typeface="+mn-lt"/>
-                <a:ea typeface="+mn-ea"/>
-                <a:cs typeface="+mn-cs"/>
-              </a:defRPr>
-            </a:lvl8pPr>
-            <a:lvl9pPr marL="3657600" algn="l" defTabSz="457200" rtl="0" eaLnBrk="1" latinLnBrk="0" hangingPunct="1">
-              <a:defRPr sz="1800" kern="1200">
-                <a:solidFill>
-                  <a:schemeClr val="tx1"/>
-                </a:solidFill>
-                <a:latin typeface="+mn-lt"/>
-                <a:ea typeface="+mn-ea"/>
-                <a:cs typeface="+mn-cs"/>
-              </a:defRPr>
-            </a:lvl9pPr>
-          </a:lstStyle>
-          <a:p>
-            <a:r>
-              <a:rPr lang="uk-UA" dirty="0"/>
-              <a:t>     </a:t>
-            </a:r>
-            <a:r>
-              <a:rPr lang="en-US" dirty="0"/>
-              <a:t>&lt;</a:t>
-            </a:r>
-          </a:p>
-          <a:p>
-            <a:r>
-              <a:rPr lang="uk-UA" dirty="0"/>
-              <a:t>кроків</a:t>
-            </a:r>
-            <a:endParaRPr lang="ru-RU" dirty="0"/>
-          </a:p>
-        </p:txBody>
-      </p:sp>
-      <p:pic>
-        <p:nvPicPr>
-          <p:cNvPr id="1028" name="Picture 4">
+          <p:cNvSpPr>
+            <a:spLocks noGrp="1"/>
+          </p:cNvSpPr>
+          <p:nvPr>
+            <p:ph type="ftr" sz="quarter" idx="11"/>
+          </p:nvPr>
+        </p:nvSpPr>
+        <p:spPr/>
+        <p:txBody>
+          <a:bodyPr/>
+          <a:lstStyle/>
+          <a:p>
+            <a:endParaRPr lang="en-US"/>
+          </a:p>
+        </p:txBody>
+      </p:sp>
+      <p:sp>
+        <p:nvSpPr>
+          <p:cNvPr id="5" name="Номер слайда 4">
             <a:extLst>
               <a:ext uri="{FF2B5EF4-FFF2-40B4-BE49-F238E27FC236}">
-                <a16:creationId xmlns:a16="http://schemas.microsoft.com/office/drawing/2014/main" id="{38BD49EB-D08B-41FB-03DB-0D68DAAC5DE1}"/>
+                <a16:creationId xmlns:a16="http://schemas.microsoft.com/office/drawing/2014/main" id="{A52414E7-80A1-4001-AF6E-6726FCDD5136}"/>
               </a:ext>
             </a:extLst>
           </p:cNvPr>
-          <p:cNvPicPr>
-            <a:picLocks noChangeAspect="1" noChangeArrowheads="1"/>
-          </p:cNvPicPr>
-          <p:nvPr/>
-        </p:nvPicPr>
-        <p:blipFill>
-          <a:blip r:embed="rId3">
-            <a:extLst>
-              <a:ext uri="{28A0092B-C50C-407E-A947-70E740481C1C}">
-                <a14:useLocalDpi xmlns:a14="http://schemas.microsoft.com/office/drawing/2010/main" val="0"/>
-              </a:ext>
-            </a:extLst>
-          </a:blip>
-          <a:srcRect/>
-          <a:stretch>
-            <a:fillRect/>
-          </a:stretch>
-        </p:blipFill>
-        <p:spPr bwMode="auto">
-          <a:xfrm>
-            <a:off x="7731548" y="1832665"/>
-            <a:ext cx="2409825" cy="561975"/>
-          </a:xfrm>
-          <a:prstGeom prst="rect">
-            <a:avLst/>
-          </a:prstGeom>
-          <a:ln>
-            <a:noFill/>
-          </a:ln>
-          <a:effectLst>
-            <a:outerShdw blurRad="292100" dist="139700" dir="2700000" algn="tl" rotWithShape="0">
-              <a:srgbClr val="333333">
-                <a:alpha val="65000"/>
-              </a:srgbClr>
-            </a:outerShdw>
-          </a:effectLst>
-          <a:extLst>
-            <a:ext uri="{909E8E84-426E-40DD-AFC4-6F175D3DCCD1}">
-              <a14:hiddenFill xmlns:a14="http://schemas.microsoft.com/office/drawing/2010/main">
-                <a:solidFill>
-                  <a:srgbClr val="FFFFFF"/>
-                </a:solidFill>
-              </a14:hiddenFill>
-            </a:ext>
-          </a:extLst>
-        </p:spPr>
-      </p:pic>
-      <p:sp>
-        <p:nvSpPr>
-          <p:cNvPr id="8" name="TextBox 7">
-            <a:extLst>
-              <a:ext uri="{FF2B5EF4-FFF2-40B4-BE49-F238E27FC236}">
-                <a16:creationId xmlns:a16="http://schemas.microsoft.com/office/drawing/2014/main" id="{C5CC46A1-04BD-2643-B28F-05E59CB6B246}"/>
-              </a:ext>
-            </a:extLst>
-          </p:cNvPr>
-          <p:cNvSpPr txBox="1"/>
-          <p:nvPr/>
-        </p:nvSpPr>
-        <p:spPr>
-          <a:xfrm>
-            <a:off x="2374627" y="2398214"/>
-            <a:ext cx="2085827" cy="369332"/>
-          </a:xfrm>
-          <a:prstGeom prst="rect">
-            <a:avLst/>
-          </a:prstGeom>
-          <a:noFill/>
-        </p:spPr>
-        <p:txBody>
-          <a:bodyPr wrap="none" rtlCol="0">
-            <a:spAutoFit/>
-          </a:bodyPr>
+          <p:cNvSpPr>
+            <a:spLocks noGrp="1"/>
+          </p:cNvSpPr>
+          <p:nvPr>
+            <p:ph type="sldNum" sz="quarter" idx="12"/>
+          </p:nvPr>
+        </p:nvSpPr>
+        <p:spPr/>
+        <p:txBody>
+          <a:bodyPr/>
           <a:lstStyle/>
           <a:p>
-            <a:r>
-              <a:rPr lang="uk-UA" dirty="0"/>
-              <a:t>Складність</a:t>
-            </a:r>
-            <a:r>
-              <a:rPr lang="en-US" dirty="0"/>
-              <a:t>: </a:t>
-            </a:r>
-            <a:r>
-              <a:rPr lang="en-US" noProof="1">
-                <a:solidFill>
-                  <a:schemeClr val="accent2">
-                    <a:lumMod val="40000"/>
-                    <a:lumOff val="60000"/>
-                  </a:schemeClr>
-                </a:solidFill>
-              </a:rPr>
-              <a:t>O(logN)</a:t>
-            </a:r>
-          </a:p>
-        </p:txBody>
-      </p:sp>
-      <p:sp>
-        <p:nvSpPr>
-          <p:cNvPr id="9" name="TextBox 8">
-            <a:extLst>
-              <a:ext uri="{FF2B5EF4-FFF2-40B4-BE49-F238E27FC236}">
-                <a16:creationId xmlns:a16="http://schemas.microsoft.com/office/drawing/2014/main" id="{D023B607-7FA7-4DAE-9489-40A174ABA70D}"/>
-              </a:ext>
-            </a:extLst>
-          </p:cNvPr>
-          <p:cNvSpPr txBox="1"/>
-          <p:nvPr/>
-        </p:nvSpPr>
-        <p:spPr>
-          <a:xfrm>
-            <a:off x="8035412" y="2388850"/>
-            <a:ext cx="1802096" cy="369332"/>
-          </a:xfrm>
-          <a:prstGeom prst="rect">
-            <a:avLst/>
-          </a:prstGeom>
-          <a:noFill/>
-        </p:spPr>
-        <p:txBody>
-          <a:bodyPr wrap="none" rtlCol="0">
-            <a:spAutoFit/>
-          </a:bodyPr>
-          <a:lstStyle/>
-          <a:p>
-            <a:r>
-              <a:rPr lang="uk-UA" dirty="0"/>
-              <a:t>Складність</a:t>
-            </a:r>
-            <a:r>
-              <a:rPr lang="en-US" dirty="0"/>
-              <a:t>: </a:t>
-            </a:r>
-            <a:r>
-              <a:rPr lang="en-US" dirty="0">
-                <a:solidFill>
-                  <a:schemeClr val="accent2">
-                    <a:lumMod val="40000"/>
-                    <a:lumOff val="60000"/>
-                  </a:schemeClr>
-                </a:solidFill>
-              </a:rPr>
-              <a:t>O(N)</a:t>
-            </a:r>
-            <a:endParaRPr lang="uk-UA" dirty="0">
-              <a:solidFill>
-                <a:schemeClr val="accent2">
-                  <a:lumMod val="40000"/>
-                  <a:lumOff val="60000"/>
-                </a:schemeClr>
-              </a:solidFill>
-            </a:endParaRPr>
-          </a:p>
-        </p:txBody>
-      </p:sp>
-      <p:sp>
-        <p:nvSpPr>
-          <p:cNvPr id="10" name="TextBox 9">
-            <a:extLst>
-              <a:ext uri="{FF2B5EF4-FFF2-40B4-BE49-F238E27FC236}">
-                <a16:creationId xmlns:a16="http://schemas.microsoft.com/office/drawing/2014/main" id="{B7A2FE4C-DFE6-BD1D-AE04-F2DD74515918}"/>
-              </a:ext>
-            </a:extLst>
-          </p:cNvPr>
-          <p:cNvSpPr txBox="1"/>
-          <p:nvPr/>
-        </p:nvSpPr>
-        <p:spPr>
-          <a:xfrm>
-            <a:off x="4829842" y="2953467"/>
-            <a:ext cx="3174628" cy="461665"/>
-          </a:xfrm>
-          <a:prstGeom prst="rect">
-            <a:avLst/>
-          </a:prstGeom>
-          <a:noFill/>
-        </p:spPr>
-        <p:txBody>
-          <a:bodyPr wrap="square" rtlCol="0">
-            <a:spAutoFit/>
-          </a:bodyPr>
-          <a:lstStyle>
-            <a:defPPr>
-              <a:defRPr lang="en-US"/>
-            </a:defPPr>
-          </a:lstStyle>
-          <a:p>
-            <a:r>
-              <a:rPr lang="uk-UA" sz="2400" b="1" dirty="0">
-                <a:solidFill>
-                  <a:schemeClr val="tx1">
-                    <a:lumMod val="95000"/>
-                  </a:schemeClr>
-                </a:solidFill>
-                <a:ea typeface="+mj-ea"/>
-                <a:cs typeface="+mj-cs"/>
-              </a:rPr>
-              <a:t>Алгоритм</a:t>
-            </a:r>
-            <a:r>
-              <a:rPr lang="uk-UA" sz="2400" b="1" dirty="0">
-                <a:solidFill>
-                  <a:srgbClr val="0070C0"/>
-                </a:solidFill>
-                <a:ea typeface="+mj-ea"/>
-                <a:cs typeface="+mj-cs"/>
-              </a:rPr>
-              <a:t> </a:t>
-            </a:r>
-            <a:r>
-              <a:rPr lang="en-US" sz="2400" b="1" noProof="1">
-                <a:solidFill>
-                  <a:schemeClr val="accent2">
-                    <a:lumMod val="40000"/>
-                    <a:lumOff val="60000"/>
-                  </a:schemeClr>
-                </a:solidFill>
-                <a:latin typeface="SchoolBookCTT"/>
-                <a:ea typeface="+mj-ea"/>
-                <a:cs typeface="+mj-cs"/>
-              </a:rPr>
-              <a:t>O(logN)</a:t>
-            </a:r>
-            <a:endParaRPr lang="en-US" sz="2400" b="1" noProof="1">
-              <a:solidFill>
-                <a:schemeClr val="accent2">
-                  <a:lumMod val="40000"/>
-                  <a:lumOff val="60000"/>
-                </a:schemeClr>
-              </a:solidFill>
-              <a:ea typeface="+mj-ea"/>
-              <a:cs typeface="+mj-cs"/>
-            </a:endParaRPr>
-          </a:p>
-        </p:txBody>
-      </p:sp>
-      <p:pic>
-        <p:nvPicPr>
-          <p:cNvPr id="1030" name="Picture 6">
-            <a:extLst>
-              <a:ext uri="{FF2B5EF4-FFF2-40B4-BE49-F238E27FC236}">
-                <a16:creationId xmlns:a16="http://schemas.microsoft.com/office/drawing/2014/main" id="{FD280F7D-71AA-58B4-F1FF-0DBEA66BE9C6}"/>
-              </a:ext>
-            </a:extLst>
-          </p:cNvPr>
-          <p:cNvPicPr>
-            <a:picLocks noChangeAspect="1" noChangeArrowheads="1"/>
-          </p:cNvPicPr>
-          <p:nvPr/>
-        </p:nvPicPr>
-        <p:blipFill>
-          <a:blip r:embed="rId4">
-            <a:extLst>
-              <a:ext uri="{28A0092B-C50C-407E-A947-70E740481C1C}">
-                <a14:useLocalDpi xmlns:a14="http://schemas.microsoft.com/office/drawing/2010/main" val="0"/>
-              </a:ext>
-            </a:extLst>
-          </a:blip>
-          <a:srcRect/>
-          <a:stretch>
-            <a:fillRect/>
-          </a:stretch>
-        </p:blipFill>
-        <p:spPr bwMode="auto">
-          <a:xfrm>
-            <a:off x="1273656" y="3607360"/>
-            <a:ext cx="10287000" cy="2314575"/>
-          </a:xfrm>
-          <a:prstGeom prst="rect">
-            <a:avLst/>
-          </a:prstGeom>
-          <a:ln>
-            <a:noFill/>
-          </a:ln>
-          <a:effectLst>
-            <a:outerShdw blurRad="292100" dist="139700" dir="2700000" algn="tl" rotWithShape="0">
-              <a:srgbClr val="333333">
-                <a:alpha val="65000"/>
-              </a:srgbClr>
-            </a:outerShdw>
-          </a:effectLst>
-          <a:extLst>
-            <a:ext uri="{909E8E84-426E-40DD-AFC4-6F175D3DCCD1}">
-              <a14:hiddenFill xmlns:a14="http://schemas.microsoft.com/office/drawing/2010/main">
-                <a:solidFill>
-                  <a:srgbClr val="FFFFFF"/>
-                </a:solidFill>
-              </a14:hiddenFill>
-            </a:ext>
-          </a:extLst>
-        </p:spPr>
-      </p:pic>
+            <a:fld id="{6D22F896-40B5-4ADD-8801-0D06FADFA095}" type="slidenum">
+              <a:rPr lang="en-US" smtClean="0"/>
+              <a:pPr/>
+              <a:t>11</a:t>
+            </a:fld>
+            <a:endParaRPr lang="en-US"/>
+          </a:p>
+        </p:txBody>
+      </p:sp>
     </p:spTree>
     <p:extLst>
       <p:ext uri="{BB962C8B-B14F-4D97-AF65-F5344CB8AC3E}">
-        <p14:creationId xmlns:p14="http://schemas.microsoft.com/office/powerpoint/2010/main" val="1395489774"/>
+        <p14:creationId xmlns:p14="http://schemas.microsoft.com/office/powerpoint/2010/main" val="2798573669"/>
       </p:ext>
     </p:extLst>
   </p:cSld>
@@ -7494,7 +7045,7 @@
           <p:cNvPr id="2" name="Заголовок 1">
             <a:extLst>
               <a:ext uri="{FF2B5EF4-FFF2-40B4-BE49-F238E27FC236}">
-                <a16:creationId xmlns:a16="http://schemas.microsoft.com/office/drawing/2014/main" id="{AD736626-17D6-057B-9F31-A58621D08ABE}"/>
+                <a16:creationId xmlns:a16="http://schemas.microsoft.com/office/drawing/2014/main" id="{A4481AE8-1A19-4B4A-9B85-F68BB996B1AB}"/>
               </a:ext>
             </a:extLst>
           </p:cNvPr>
@@ -7505,379 +7056,103 @@
             <p:ph type="title"/>
           </p:nvPr>
         </p:nvSpPr>
-        <p:spPr>
-          <a:xfrm>
-            <a:off x="4183480" y="680363"/>
-            <a:ext cx="3825039" cy="632390"/>
-          </a:xfrm>
-        </p:spPr>
-        <p:txBody>
-          <a:bodyPr>
-            <a:normAutofit fontScale="90000"/>
-          </a:bodyPr>
+        <p:spPr/>
+        <p:txBody>
+          <a:bodyPr/>
           <a:lstStyle/>
           <a:p>
-            <a:pPr algn="ctr"/>
-            <a:r>
-              <a:rPr lang="uk-UA" b="1" dirty="0">
-                <a:solidFill>
-                  <a:schemeClr val="tx1">
-                    <a:lumMod val="95000"/>
-                  </a:schemeClr>
-                </a:solidFill>
-                <a:latin typeface="SchoolBookCTT"/>
-              </a:rPr>
-              <a:t>Тест алгоритмів</a:t>
-            </a:r>
-            <a:endParaRPr lang="uk-UA" dirty="0">
-              <a:solidFill>
-                <a:schemeClr val="tx1">
-                  <a:lumMod val="95000"/>
-                </a:schemeClr>
-              </a:solidFill>
-            </a:endParaRPr>
-          </a:p>
-        </p:txBody>
-      </p:sp>
-      <p:grpSp>
-        <p:nvGrpSpPr>
-          <p:cNvPr id="3" name="Групувати 2">
+            <a:endParaRPr lang="ru-UA"/>
+          </a:p>
+        </p:txBody>
+      </p:sp>
+      <p:pic>
+        <p:nvPicPr>
+          <p:cNvPr id="7" name="Объект 6">
             <a:extLst>
               <a:ext uri="{FF2B5EF4-FFF2-40B4-BE49-F238E27FC236}">
-                <a16:creationId xmlns:a16="http://schemas.microsoft.com/office/drawing/2014/main" id="{EFF48B7F-F191-93AE-6CB6-087AA3768F68}"/>
+                <a16:creationId xmlns:a16="http://schemas.microsoft.com/office/drawing/2014/main" id="{29320F1B-144C-432C-AA31-31E219A8C51F}"/>
               </a:ext>
             </a:extLst>
           </p:cNvPr>
-          <p:cNvGrpSpPr/>
-          <p:nvPr/>
-        </p:nvGrpSpPr>
-        <p:grpSpPr>
-          <a:xfrm>
-            <a:off x="7592373" y="1820464"/>
-            <a:ext cx="3419475" cy="1253016"/>
-            <a:chOff x="7983711" y="1820464"/>
-            <a:chExt cx="3419475" cy="1253016"/>
-          </a:xfrm>
-        </p:grpSpPr>
-        <p:sp>
-          <p:nvSpPr>
-            <p:cNvPr id="7" name="TextBox 6">
-              <a:extLst>
-                <a:ext uri="{FF2B5EF4-FFF2-40B4-BE49-F238E27FC236}">
-                  <a16:creationId xmlns:a16="http://schemas.microsoft.com/office/drawing/2014/main" id="{E16DC57C-F86C-BFA1-333D-695352CB9F22}"/>
-                </a:ext>
-              </a:extLst>
-            </p:cNvPr>
-            <p:cNvSpPr txBox="1"/>
-            <p:nvPr/>
-          </p:nvSpPr>
-          <p:spPr>
-            <a:xfrm>
-              <a:off x="8295215" y="1820464"/>
-              <a:ext cx="2796466" cy="954107"/>
-            </a:xfrm>
-            <a:prstGeom prst="rect">
-              <a:avLst/>
-            </a:prstGeom>
-            <a:noFill/>
-          </p:spPr>
-          <p:txBody>
-            <a:bodyPr wrap="square" rtlCol="0">
-              <a:spAutoFit/>
-            </a:bodyPr>
-            <a:lstStyle/>
-            <a:p>
-              <a:pPr algn="ctr"/>
-              <a:r>
-                <a:rPr lang="en-US" sz="2000" b="1" dirty="0">
-                  <a:solidFill>
-                    <a:schemeClr val="accent2">
-                      <a:lumMod val="40000"/>
-                      <a:lumOff val="60000"/>
-                    </a:schemeClr>
-                  </a:solidFill>
-                  <a:latin typeface="SchoolBookCTT"/>
-                  <a:ea typeface="+mj-ea"/>
-                  <a:cs typeface="+mj-cs"/>
-                </a:rPr>
-                <a:t>O(N)</a:t>
-              </a:r>
-            </a:p>
-            <a:p>
-              <a:r>
-                <a:rPr lang="uk-UA" dirty="0"/>
-                <a:t>Основа  = 3, ступінь  = 40</a:t>
-              </a:r>
-            </a:p>
-            <a:p>
-              <a:endParaRPr lang="uk-UA" dirty="0"/>
-            </a:p>
-          </p:txBody>
-        </p:sp>
-        <p:pic>
-          <p:nvPicPr>
-            <p:cNvPr id="2052" name="Picture 4">
-              <a:extLst>
-                <a:ext uri="{FF2B5EF4-FFF2-40B4-BE49-F238E27FC236}">
-                  <a16:creationId xmlns:a16="http://schemas.microsoft.com/office/drawing/2014/main" id="{1FBCDCF3-F858-62A7-CFCF-F039324BD193}"/>
-                </a:ext>
-              </a:extLst>
-            </p:cNvPr>
-            <p:cNvPicPr>
-              <a:picLocks noChangeAspect="1" noChangeArrowheads="1"/>
-            </p:cNvPicPr>
-            <p:nvPr/>
-          </p:nvPicPr>
-          <p:blipFill>
-            <a:blip r:embed="rId2">
-              <a:extLst>
-                <a:ext uri="{28A0092B-C50C-407E-A947-70E740481C1C}">
-                  <a14:useLocalDpi xmlns:a14="http://schemas.microsoft.com/office/drawing/2010/main" val="0"/>
-                </a:ext>
-              </a:extLst>
-            </a:blip>
-            <a:srcRect/>
-            <a:stretch>
-              <a:fillRect/>
-            </a:stretch>
-          </p:blipFill>
-          <p:spPr bwMode="auto">
-            <a:xfrm>
-              <a:off x="7983711" y="2644855"/>
-              <a:ext cx="3419475" cy="428625"/>
-            </a:xfrm>
-            <a:prstGeom prst="rect">
-              <a:avLst/>
-            </a:prstGeom>
-            <a:noFill/>
-            <a:extLst>
-              <a:ext uri="{909E8E84-426E-40DD-AFC4-6F175D3DCCD1}">
-                <a14:hiddenFill xmlns:a14="http://schemas.microsoft.com/office/drawing/2010/main">
-                  <a:solidFill>
-                    <a:srgbClr val="FFFFFF"/>
-                  </a:solidFill>
-                </a14:hiddenFill>
-              </a:ext>
-            </a:extLst>
-          </p:spPr>
-        </p:pic>
-      </p:grpSp>
-      <p:grpSp>
-        <p:nvGrpSpPr>
-          <p:cNvPr id="8" name="Групувати 7">
+          <p:cNvPicPr>
+            <a:picLocks noGrp="1" noChangeAspect="1"/>
+          </p:cNvPicPr>
+          <p:nvPr>
+            <p:ph idx="1"/>
+          </p:nvPr>
+        </p:nvPicPr>
+        <p:blipFill>
+          <a:blip r:embed="rId2"/>
+          <a:stretch>
+            <a:fillRect/>
+          </a:stretch>
+        </p:blipFill>
+        <p:spPr>
+          <a:xfrm>
+            <a:off x="0" y="-1"/>
+            <a:ext cx="12192000" cy="6858001"/>
+          </a:xfrm>
+        </p:spPr>
+      </p:pic>
+      <p:sp>
+        <p:nvSpPr>
+          <p:cNvPr id="4" name="Нижний колонтитул 3">
             <a:extLst>
               <a:ext uri="{FF2B5EF4-FFF2-40B4-BE49-F238E27FC236}">
-                <a16:creationId xmlns:a16="http://schemas.microsoft.com/office/drawing/2014/main" id="{F2C3B138-D3A4-8ACA-9051-B844BBEDB5B0}"/>
+                <a16:creationId xmlns:a16="http://schemas.microsoft.com/office/drawing/2014/main" id="{B63D7AD7-3755-4876-96DB-5766D51C5756}"/>
               </a:ext>
             </a:extLst>
           </p:cNvPr>
-          <p:cNvGrpSpPr/>
-          <p:nvPr/>
-        </p:nvGrpSpPr>
-        <p:grpSpPr>
-          <a:xfrm>
-            <a:off x="1093939" y="1820464"/>
-            <a:ext cx="3505689" cy="1253016"/>
-            <a:chOff x="1093940" y="1820464"/>
-            <a:chExt cx="3505689" cy="1253016"/>
-          </a:xfrm>
-        </p:grpSpPr>
-        <p:sp>
-          <p:nvSpPr>
-            <p:cNvPr id="6" name="TextBox 5">
-              <a:extLst>
-                <a:ext uri="{FF2B5EF4-FFF2-40B4-BE49-F238E27FC236}">
-                  <a16:creationId xmlns:a16="http://schemas.microsoft.com/office/drawing/2014/main" id="{5C07C264-0AA7-4D07-55FF-648308427264}"/>
-                </a:ext>
-              </a:extLst>
-            </p:cNvPr>
-            <p:cNvSpPr txBox="1"/>
-            <p:nvPr/>
-          </p:nvSpPr>
-          <p:spPr>
-            <a:xfrm>
-              <a:off x="1448551" y="1820464"/>
-              <a:ext cx="2796466" cy="677108"/>
-            </a:xfrm>
-            <a:prstGeom prst="rect">
-              <a:avLst/>
-            </a:prstGeom>
-            <a:noFill/>
-          </p:spPr>
-          <p:txBody>
-            <a:bodyPr wrap="square" rtlCol="0">
-              <a:spAutoFit/>
-            </a:bodyPr>
-            <a:lstStyle/>
-            <a:p>
-              <a:pPr algn="ctr"/>
-              <a:r>
-                <a:rPr lang="en-US" sz="2000" b="1" dirty="0">
-                  <a:solidFill>
-                    <a:schemeClr val="accent2">
-                      <a:lumMod val="40000"/>
-                      <a:lumOff val="60000"/>
-                    </a:schemeClr>
-                  </a:solidFill>
-                  <a:latin typeface="SchoolBookCTT"/>
-                  <a:ea typeface="+mj-ea"/>
-                  <a:cs typeface="+mj-cs"/>
-                </a:rPr>
-                <a:t>O(</a:t>
-              </a:r>
-              <a:r>
-                <a:rPr lang="en-US" sz="2000" b="1" noProof="1">
-                  <a:solidFill>
-                    <a:schemeClr val="accent2">
-                      <a:lumMod val="40000"/>
-                      <a:lumOff val="60000"/>
-                    </a:schemeClr>
-                  </a:solidFill>
-                  <a:latin typeface="SchoolBookCTT"/>
-                  <a:ea typeface="+mj-ea"/>
-                  <a:cs typeface="+mj-cs"/>
-                </a:rPr>
-                <a:t>logN</a:t>
-              </a:r>
-              <a:r>
-                <a:rPr lang="en-US" sz="2000" b="1" dirty="0">
-                  <a:solidFill>
-                    <a:schemeClr val="accent2">
-                      <a:lumMod val="40000"/>
-                      <a:lumOff val="60000"/>
-                    </a:schemeClr>
-                  </a:solidFill>
-                  <a:latin typeface="SchoolBookCTT"/>
-                  <a:ea typeface="+mj-ea"/>
-                  <a:cs typeface="+mj-cs"/>
-                </a:rPr>
-                <a:t>)</a:t>
-              </a:r>
-              <a:endParaRPr lang="uk-UA" dirty="0">
-                <a:solidFill>
-                  <a:schemeClr val="accent2">
-                    <a:lumMod val="40000"/>
-                    <a:lumOff val="60000"/>
-                  </a:schemeClr>
-                </a:solidFill>
-              </a:endParaRPr>
-            </a:p>
-            <a:p>
-              <a:r>
-                <a:rPr lang="uk-UA" dirty="0"/>
-                <a:t>Основа  = 3, ступінь  = 40</a:t>
-              </a:r>
-            </a:p>
-          </p:txBody>
-        </p:sp>
-        <p:pic>
-          <p:nvPicPr>
-            <p:cNvPr id="9" name="Рисунок 8">
-              <a:extLst>
-                <a:ext uri="{FF2B5EF4-FFF2-40B4-BE49-F238E27FC236}">
-                  <a16:creationId xmlns:a16="http://schemas.microsoft.com/office/drawing/2014/main" id="{28FCBF9D-16DF-17D7-C7D6-4865DFE2B00B}"/>
-                </a:ext>
-              </a:extLst>
-            </p:cNvPr>
-            <p:cNvPicPr>
-              <a:picLocks noChangeAspect="1"/>
-            </p:cNvPicPr>
-            <p:nvPr/>
-          </p:nvPicPr>
-          <p:blipFill>
-            <a:blip r:embed="rId3"/>
-            <a:stretch>
-              <a:fillRect/>
-            </a:stretch>
-          </p:blipFill>
-          <p:spPr>
-            <a:xfrm>
-              <a:off x="1093940" y="2644795"/>
-              <a:ext cx="3505689" cy="428685"/>
-            </a:xfrm>
-            <a:prstGeom prst="rect">
-              <a:avLst/>
-            </a:prstGeom>
-          </p:spPr>
-        </p:pic>
-      </p:grpSp>
-      <p:sp>
-        <p:nvSpPr>
-          <p:cNvPr id="10" name="TextBox 9">
+          <p:cNvSpPr>
+            <a:spLocks noGrp="1"/>
+          </p:cNvSpPr>
+          <p:nvPr>
+            <p:ph type="ftr" sz="quarter" idx="11"/>
+          </p:nvPr>
+        </p:nvSpPr>
+        <p:spPr/>
+        <p:txBody>
+          <a:bodyPr/>
+          <a:lstStyle/>
+          <a:p>
+            <a:endParaRPr lang="en-US"/>
+          </a:p>
+        </p:txBody>
+      </p:sp>
+      <p:sp>
+        <p:nvSpPr>
+          <p:cNvPr id="5" name="Номер слайда 4">
             <a:extLst>
               <a:ext uri="{FF2B5EF4-FFF2-40B4-BE49-F238E27FC236}">
-                <a16:creationId xmlns:a16="http://schemas.microsoft.com/office/drawing/2014/main" id="{51447627-F5F2-2E37-6885-9C5187086371}"/>
+                <a16:creationId xmlns:a16="http://schemas.microsoft.com/office/drawing/2014/main" id="{96A55766-CE45-4612-8F96-C27CC144026B}"/>
               </a:ext>
             </a:extLst>
           </p:cNvPr>
-          <p:cNvSpPr txBox="1"/>
-          <p:nvPr/>
-        </p:nvSpPr>
-        <p:spPr>
-          <a:xfrm>
-            <a:off x="2588043" y="4010362"/>
-            <a:ext cx="7477745" cy="461665"/>
-          </a:xfrm>
-          <a:prstGeom prst="rect">
-            <a:avLst/>
-          </a:prstGeom>
-          <a:noFill/>
-        </p:spPr>
-        <p:txBody>
-          <a:bodyPr wrap="square" rtlCol="0">
-            <a:spAutoFit/>
-          </a:bodyPr>
+          <p:cNvSpPr>
+            <a:spLocks noGrp="1"/>
+          </p:cNvSpPr>
+          <p:nvPr>
+            <p:ph type="sldNum" sz="quarter" idx="12"/>
+          </p:nvPr>
+        </p:nvSpPr>
+        <p:spPr/>
+        <p:txBody>
+          <a:bodyPr/>
           <a:lstStyle/>
           <a:p>
-            <a:r>
-              <a:rPr lang="uk-UA" sz="2400" dirty="0"/>
-              <a:t>Висновок:  </a:t>
-            </a:r>
-            <a:r>
-              <a:rPr lang="en-US" sz="2400" noProof="1">
-                <a:solidFill>
-                  <a:schemeClr val="accent2">
-                    <a:lumMod val="40000"/>
-                    <a:lumOff val="60000"/>
-                  </a:schemeClr>
-                </a:solidFill>
-              </a:rPr>
-              <a:t>O(logN)</a:t>
-            </a:r>
-            <a:r>
-              <a:rPr lang="en-US" sz="2400" dirty="0"/>
-              <a:t> </a:t>
-            </a:r>
-            <a:r>
-              <a:rPr lang="uk-UA" sz="2400" dirty="0"/>
-              <a:t>працює швидше ніж </a:t>
-            </a:r>
-            <a:r>
-              <a:rPr lang="en-US" sz="2400" dirty="0">
-                <a:solidFill>
-                  <a:schemeClr val="accent2">
-                    <a:lumMod val="40000"/>
-                    <a:lumOff val="60000"/>
-                  </a:schemeClr>
-                </a:solidFill>
-              </a:rPr>
-              <a:t>O(N)</a:t>
-            </a:r>
-            <a:r>
-              <a:rPr lang="en-US" sz="2400" dirty="0"/>
-              <a:t> </a:t>
-            </a:r>
-            <a:r>
-              <a:rPr lang="uk-UA" sz="2400" dirty="0"/>
-              <a:t> на 116%</a:t>
-            </a:r>
+            <a:fld id="{6D22F896-40B5-4ADD-8801-0D06FADFA095}" type="slidenum">
+              <a:rPr lang="en-US" smtClean="0"/>
+              <a:pPr/>
+              <a:t>12</a:t>
+            </a:fld>
+            <a:endParaRPr lang="en-US"/>
           </a:p>
         </p:txBody>
       </p:sp>
     </p:spTree>
     <p:extLst>
       <p:ext uri="{BB962C8B-B14F-4D97-AF65-F5344CB8AC3E}">
-        <p14:creationId xmlns:p14="http://schemas.microsoft.com/office/powerpoint/2010/main" val="444281193"/>
+        <p14:creationId xmlns:p14="http://schemas.microsoft.com/office/powerpoint/2010/main" val="2436894243"/>
       </p:ext>
     </p:extLst>
   </p:cSld>
@@ -11213,18 +10488,18 @@
 </file>
 
 <file path=customXml/item1.xml><?xml version="1.0" encoding="utf-8"?>
-<p:properties xmlns:p="http://schemas.microsoft.com/office/2006/metadata/properties" xmlns:xsi="http://www.w3.org/2001/XMLSchema-instance" xmlns:pc="http://schemas.microsoft.com/office/infopath/2007/PartnerControls">
-  <documentManagement/>
-</p:properties>
-</file>
-
-<file path=customXml/item2.xml><?xml version="1.0" encoding="utf-8"?>
 <?mso-contentType ?>
 <FormTemplates xmlns="http://schemas.microsoft.com/sharepoint/v3/contenttype/forms">
   <Display>DocumentLibraryForm</Display>
   <Edit>DocumentLibraryForm</Edit>
   <New>DocumentLibraryForm</New>
 </FormTemplates>
+</file>
+
+<file path=customXml/item2.xml><?xml version="1.0" encoding="utf-8"?>
+<p:properties xmlns:p="http://schemas.microsoft.com/office/2006/metadata/properties" xmlns:xsi="http://www.w3.org/2001/XMLSchema-instance" xmlns:pc="http://schemas.microsoft.com/office/infopath/2007/PartnerControls">
+  <documentManagement/>
+</p:properties>
 </file>
 
 <file path=customXml/item3.xml><?xml version="1.0" encoding="utf-8"?>
@@ -11372,18 +10647,18 @@
 </file>
 
 <file path=customXml/itemProps1.xml><?xml version="1.0" encoding="utf-8"?>
-<ds:datastoreItem xmlns:ds="http://schemas.openxmlformats.org/officeDocument/2006/customXml" ds:itemID="{C35D743B-B188-4C38-B82D-7FD8B3A77642}">
+<ds:datastoreItem xmlns:ds="http://schemas.openxmlformats.org/officeDocument/2006/customXml" ds:itemID="{A345D2DA-A096-4BBF-9135-8FD4BD4C8C20}">
   <ds:schemaRefs>
-    <ds:schemaRef ds:uri="http://schemas.microsoft.com/office/2006/metadata/properties"/>
-    <ds:schemaRef ds:uri="http://schemas.microsoft.com/office/infopath/2007/PartnerControls"/>
+    <ds:schemaRef ds:uri="http://schemas.microsoft.com/sharepoint/v3/contenttype/forms"/>
   </ds:schemaRefs>
 </ds:datastoreItem>
 </file>
 
 <file path=customXml/itemProps2.xml><?xml version="1.0" encoding="utf-8"?>
-<ds:datastoreItem xmlns:ds="http://schemas.openxmlformats.org/officeDocument/2006/customXml" ds:itemID="{A345D2DA-A096-4BBF-9135-8FD4BD4C8C20}">
+<ds:datastoreItem xmlns:ds="http://schemas.openxmlformats.org/officeDocument/2006/customXml" ds:itemID="{C35D743B-B188-4C38-B82D-7FD8B3A77642}">
   <ds:schemaRefs>
-    <ds:schemaRef ds:uri="http://schemas.microsoft.com/sharepoint/v3/contenttype/forms"/>
+    <ds:schemaRef ds:uri="http://schemas.microsoft.com/office/2006/metadata/properties"/>
+    <ds:schemaRef ds:uri="http://schemas.microsoft.com/office/infopath/2007/PartnerControls"/>
   </ds:schemaRefs>
 </ds:datastoreItem>
 </file>

--- a/Git_1 part.pptx
+++ b/Git_1 part.pptx
@@ -151,8 +151,8 @@
 <p1510:revInfo xmlns:a="http://schemas.openxmlformats.org/drawingml/2006/main" xmlns:r="http://schemas.openxmlformats.org/officeDocument/2006/relationships" xmlns:p1510="http://schemas.microsoft.com/office/powerpoint/2015/10/main">
   <p1510:revLst>
     <p1510:client id="{4A3F3CD4-87AB-4CDB-98DA-5A2ADC992FE5}" v="1" dt="2022-10-03T11:17:20.651"/>
+    <p1510:client id="{7243DB7B-6519-4113-9313-0D5BD1DD6196}" v="1" dt="2022-10-06T06:08:40.457"/>
     <p1510:client id="{9B9D4C16-5A73-44FC-B81C-E033F386BE81}" v="3" dt="2022-09-29T11:01:00.115"/>
-    <p1510:client id="{7243DB7B-6519-4113-9313-0D5BD1DD6196}" v="1" dt="2022-10-06T06:08:40.457"/>
     <p1510:client id="{A1854464-AA8C-4528-8FEA-3C375E66B42A}" v="7" dt="2022-10-06T09:52:16.683"/>
   </p1510:revLst>
 </p1510:revInfo>
@@ -352,7 +352,7 @@
           <a:p>
             <a:fld id="{BA11B3C1-C822-4B57-87C0-490649D8D6D7}" type="slidenum">
               <a:rPr lang="ru-RU" smtClean="0"/>
-              <a:t>‹#›</a:t>
+              <a:t>‹№›</a:t>
             </a:fld>
             <a:endParaRPr lang="ru-RU"/>
           </a:p>
@@ -611,7 +611,7 @@
           <a:p>
             <a:fld id="{C83854A3-6714-4526-AEDE-747CDFA70004}" type="slidenum">
               <a:rPr lang="ru-RU" smtClean="0"/>
-              <a:t>‹#›</a:t>
+              <a:t>‹№›</a:t>
             </a:fld>
             <a:endParaRPr lang="ru-RU"/>
           </a:p>
@@ -1204,7 +1204,7 @@
             <a:fld id="{6D22F896-40B5-4ADD-8801-0D06FADFA095}" type="slidenum">
               <a:rPr lang="en-US" smtClean="0"/>
               <a:pPr/>
-              <a:t>‹#›</a:t>
+              <a:t>‹№›</a:t>
             </a:fld>
             <a:endParaRPr lang="en-US"/>
           </a:p>
@@ -1530,7 +1530,7 @@
             <a:fld id="{6D22F896-40B5-4ADD-8801-0D06FADFA095}" type="slidenum">
               <a:rPr lang="en-US" smtClean="0"/>
               <a:pPr/>
-              <a:t>‹#›</a:t>
+              <a:t>‹№›</a:t>
             </a:fld>
             <a:endParaRPr lang="en-US"/>
           </a:p>
@@ -1810,7 +1810,7 @@
             <a:fld id="{6D22F896-40B5-4ADD-8801-0D06FADFA095}" type="slidenum">
               <a:rPr lang="en-US" smtClean="0"/>
               <a:pPr/>
-              <a:t>‹#›</a:t>
+              <a:t>‹№›</a:t>
             </a:fld>
             <a:endParaRPr lang="en-US"/>
           </a:p>
@@ -2380,7 +2380,7 @@
             <a:fld id="{6D22F896-40B5-4ADD-8801-0D06FADFA095}" type="slidenum">
               <a:rPr lang="en-US" smtClean="0"/>
               <a:pPr/>
-              <a:t>‹#›</a:t>
+              <a:t>‹№›</a:t>
             </a:fld>
             <a:endParaRPr lang="en-US"/>
           </a:p>
@@ -2660,7 +2660,7 @@
             <a:fld id="{6D22F896-40B5-4ADD-8801-0D06FADFA095}" type="slidenum">
               <a:rPr lang="en-US" smtClean="0"/>
               <a:pPr/>
-              <a:t>‹#›</a:t>
+              <a:t>‹№›</a:t>
             </a:fld>
             <a:endParaRPr lang="en-US"/>
           </a:p>
@@ -3224,7 +3224,7 @@
             <a:fld id="{6D22F896-40B5-4ADD-8801-0D06FADFA095}" type="slidenum">
               <a:rPr lang="en-US" smtClean="0"/>
               <a:pPr/>
-              <a:t>‹#›</a:t>
+              <a:t>‹№›</a:t>
             </a:fld>
             <a:endParaRPr lang="en-US"/>
           </a:p>
@@ -3553,7 +3553,7 @@
             <a:fld id="{6D22F896-40B5-4ADD-8801-0D06FADFA095}" type="slidenum">
               <a:rPr lang="en-US" smtClean="0"/>
               <a:pPr/>
-              <a:t>‹#›</a:t>
+              <a:t>‹№›</a:t>
             </a:fld>
             <a:endParaRPr lang="en-US"/>
           </a:p>
@@ -3760,7 +3760,7 @@
             <a:fld id="{6D22F896-40B5-4ADD-8801-0D06FADFA095}" type="slidenum">
               <a:rPr lang="en-US" smtClean="0"/>
               <a:pPr/>
-              <a:t>‹#›</a:t>
+              <a:t>‹№›</a:t>
             </a:fld>
             <a:endParaRPr lang="en-US"/>
           </a:p>
@@ -3972,7 +3972,7 @@
             <a:fld id="{6D22F896-40B5-4ADD-8801-0D06FADFA095}" type="slidenum">
               <a:rPr lang="en-US" smtClean="0"/>
               <a:pPr/>
-              <a:t>‹#›</a:t>
+              <a:t>‹№›</a:t>
             </a:fld>
             <a:endParaRPr lang="en-US"/>
           </a:p>
@@ -4174,7 +4174,7 @@
             <a:fld id="{6D22F896-40B5-4ADD-8801-0D06FADFA095}" type="slidenum">
               <a:rPr lang="en-US" smtClean="0"/>
               <a:pPr/>
-              <a:t>‹#›</a:t>
+              <a:t>‹№›</a:t>
             </a:fld>
             <a:endParaRPr lang="en-US"/>
           </a:p>
@@ -4452,7 +4452,7 @@
             <a:fld id="{6D22F896-40B5-4ADD-8801-0D06FADFA095}" type="slidenum">
               <a:rPr lang="en-US" smtClean="0"/>
               <a:pPr/>
-              <a:t>‹#›</a:t>
+              <a:t>‹№›</a:t>
             </a:fld>
             <a:endParaRPr lang="en-US"/>
           </a:p>
@@ -4720,7 +4720,7 @@
             <a:fld id="{6D22F896-40B5-4ADD-8801-0D06FADFA095}" type="slidenum">
               <a:rPr lang="en-US" smtClean="0"/>
               <a:pPr/>
-              <a:t>‹#›</a:t>
+              <a:t>‹№›</a:t>
             </a:fld>
             <a:endParaRPr lang="en-US"/>
           </a:p>
@@ -5096,7 +5096,7 @@
             <a:fld id="{6D22F896-40B5-4ADD-8801-0D06FADFA095}" type="slidenum">
               <a:rPr lang="en-US" smtClean="0"/>
               <a:pPr/>
-              <a:t>‹#›</a:t>
+              <a:t>‹№›</a:t>
             </a:fld>
             <a:endParaRPr lang="en-US"/>
           </a:p>
@@ -5246,7 +5246,7 @@
             <a:fld id="{6D22F896-40B5-4ADD-8801-0D06FADFA095}" type="slidenum">
               <a:rPr lang="en-US" smtClean="0"/>
               <a:pPr/>
-              <a:t>‹#›</a:t>
+              <a:t>‹№›</a:t>
             </a:fld>
             <a:endParaRPr lang="en-US"/>
           </a:p>
@@ -5373,7 +5373,7 @@
             <a:fld id="{6D22F896-40B5-4ADD-8801-0D06FADFA095}" type="slidenum">
               <a:rPr lang="en-US" smtClean="0"/>
               <a:pPr/>
-              <a:t>‹#›</a:t>
+              <a:t>‹№›</a:t>
             </a:fld>
             <a:endParaRPr lang="en-US"/>
           </a:p>
@@ -5660,7 +5660,7 @@
             <a:fld id="{6D22F896-40B5-4ADD-8801-0D06FADFA095}" type="slidenum">
               <a:rPr lang="en-US" smtClean="0"/>
               <a:pPr/>
-              <a:t>‹#›</a:t>
+              <a:t>‹№›</a:t>
             </a:fld>
             <a:endParaRPr lang="en-US"/>
           </a:p>
@@ -5986,7 +5986,7 @@
             <a:fld id="{6D22F896-40B5-4ADD-8801-0D06FADFA095}" type="slidenum">
               <a:rPr lang="en-US" smtClean="0"/>
               <a:pPr/>
-              <a:t>‹#›</a:t>
+              <a:t>‹№›</a:t>
             </a:fld>
             <a:endParaRPr lang="en-US"/>
           </a:p>
@@ -6238,7 +6238,7 @@
             <a:fld id="{6D22F896-40B5-4ADD-8801-0D06FADFA095}" type="slidenum">
               <a:rPr lang="en-US" smtClean="0"/>
               <a:pPr/>
-              <a:t>‹#›</a:t>
+              <a:t>‹№›</a:t>
             </a:fld>
             <a:endParaRPr lang="en-US"/>
           </a:p>
@@ -6707,12 +6707,6 @@
                 <a:spcPct val="90000"/>
               </a:lnSpc>
             </a:pPr>
-            <a:r>
-              <a:rPr lang="uk-UA" sz="3800" b="1" dirty="0">
-                <a:latin typeface="SchoolBookCTT" pitchFamily="2" charset="0"/>
-              </a:rPr>
-              <a:t/>
-            </a:r>
             <a:br>
               <a:rPr lang="uk-UA" sz="3800" b="1" dirty="0">
                 <a:latin typeface="SchoolBookCTT" pitchFamily="2" charset="0"/>
@@ -6729,23 +6723,11 @@
                 <a:latin typeface="SchoolBookCTT" pitchFamily="2" charset="0"/>
               </a:rPr>
             </a:br>
-            <a:r>
-              <a:rPr lang="uk-UA" sz="3800" b="1" dirty="0">
-                <a:latin typeface="SchoolBookCTT" pitchFamily="2" charset="0"/>
-              </a:rPr>
-              <a:t/>
-            </a:r>
             <a:br>
               <a:rPr lang="uk-UA" sz="3800" b="1" dirty="0">
                 <a:latin typeface="SchoolBookCTT" pitchFamily="2" charset="0"/>
               </a:rPr>
             </a:br>
-            <a:r>
-              <a:rPr lang="uk-UA" sz="3800" b="1" dirty="0">
-                <a:latin typeface="SchoolBookCTT" pitchFamily="2" charset="0"/>
-              </a:rPr>
-              <a:t/>
-            </a:r>
             <a:br>
               <a:rPr lang="uk-UA" sz="3800" b="1" dirty="0">
                 <a:latin typeface="SchoolBookCTT" pitchFamily="2" charset="0"/>
@@ -6823,14 +6805,11 @@
               <a:t>Особливості </a:t>
             </a:r>
             <a:r>
-              <a:rPr lang="en-US" sz="4000" b="1" noProof="1" smtClean="0">
+              <a:rPr lang="en-US" sz="4000" b="1" noProof="1">
                 <a:latin typeface="SchoolBookCTT" pitchFamily="2" charset="0"/>
               </a:rPr>
               <a:t>Git</a:t>
             </a:r>
-            <a:endParaRPr lang="en-US" sz="4000" b="1" noProof="1">
-              <a:latin typeface="SchoolBookCTT" pitchFamily="2" charset="0"/>
-            </a:endParaRPr>
           </a:p>
         </p:txBody>
       </p:sp>
@@ -6921,33 +6900,22 @@
                 <a:latin typeface="Arial" panose="020B0604020202020204" pitchFamily="34" charset="0"/>
                 <a:cs typeface="Arial" panose="020B0604020202020204" pitchFamily="34" charset="0"/>
               </a:rPr>
-              <a:t>змінений </a:t>
-            </a:r>
-            <a:r>
-              <a:rPr lang="uk-UA" sz="2400" dirty="0" smtClean="0">
-                <a:latin typeface="Arial" panose="020B0604020202020204" pitchFamily="34" charset="0"/>
-                <a:cs typeface="Arial" panose="020B0604020202020204" pitchFamily="34" charset="0"/>
-              </a:rPr>
-              <a:t>(</a:t>
-            </a:r>
-            <a:r>
-              <a:rPr lang="uk-UA" sz="2400" noProof="1" smtClean="0">
+              <a:t>змінений (</a:t>
+            </a:r>
+            <a:r>
+              <a:rPr lang="uk-UA" sz="2400" noProof="1">
                 <a:latin typeface="Arial" panose="020B0604020202020204" pitchFamily="34" charset="0"/>
                 <a:cs typeface="Arial" panose="020B0604020202020204" pitchFamily="34" charset="0"/>
               </a:rPr>
               <a:t>modified</a:t>
             </a:r>
             <a:r>
-              <a:rPr lang="uk-UA" sz="2400" dirty="0" smtClean="0">
+              <a:rPr lang="uk-UA" sz="2400" dirty="0">
                 <a:latin typeface="Arial" panose="020B0604020202020204" pitchFamily="34" charset="0"/>
                 <a:cs typeface="Arial" panose="020B0604020202020204" pitchFamily="34" charset="0"/>
               </a:rPr>
               <a:t>)</a:t>
             </a:r>
-            <a:endParaRPr lang="uk-UA" sz="2400" dirty="0">
-              <a:latin typeface="Arial" panose="020B0604020202020204" pitchFamily="34" charset="0"/>
-              <a:cs typeface="Arial" panose="020B0604020202020204" pitchFamily="34" charset="0"/>
-            </a:endParaRPr>
           </a:p>
           <a:p>
             <a:pPr marL="342900" indent="-342900">
@@ -6965,7 +6933,7 @@
               <a:t>індексований </a:t>
             </a:r>
             <a:r>
-              <a:rPr lang="uk-UA" sz="2400" noProof="1" smtClean="0">
+              <a:rPr lang="uk-UA" sz="2400" noProof="1">
                 <a:latin typeface="Arial" panose="020B0604020202020204" pitchFamily="34" charset="0"/>
                 <a:cs typeface="Arial" panose="020B0604020202020204" pitchFamily="34" charset="0"/>
               </a:rPr>
@@ -6981,7 +6949,7 @@
               <a:buChar char="ü"/>
             </a:pPr>
             <a:r>
-              <a:rPr lang="uk-UA" sz="2400" dirty="0" smtClean="0">
+              <a:rPr lang="uk-UA" sz="2400" dirty="0">
                 <a:latin typeface="Arial" panose="020B0604020202020204" pitchFamily="34" charset="0"/>
                 <a:cs typeface="Arial" panose="020B0604020202020204" pitchFamily="34" charset="0"/>
               </a:rPr>
@@ -7087,17 +7055,9 @@
               <a:rPr lang="uk-UA" sz="2000" dirty="0"/>
               <a:t>Щоб розставити їх правильно скористуймося наступною таблицею. </a:t>
             </a:r>
-            <a:r>
-              <a:rPr lang="uk-UA" sz="1400" dirty="0"/>
-              <a:t/>
-            </a:r>
             <a:br>
               <a:rPr lang="uk-UA" sz="1400" dirty="0"/>
             </a:br>
-            <a:r>
-              <a:rPr lang="uk-UA" sz="1400" dirty="0"/>
-              <a:t/>
-            </a:r>
             <a:br>
               <a:rPr lang="uk-UA" sz="1400" dirty="0"/>
             </a:br>
@@ -7938,7 +7898,7 @@
               <a:t>: </a:t>
             </a:r>
             <a:r>
-              <a:rPr lang="en-US" noProof="1" smtClean="0">
+              <a:rPr lang="en-US" noProof="1">
                 <a:solidFill>
                   <a:schemeClr val="accent2">
                     <a:lumMod val="40000"/>
@@ -7948,14 +7908,6 @@
               </a:rPr>
               <a:t>O(logN)</a:t>
             </a:r>
-            <a:endParaRPr lang="en-US" noProof="1">
-              <a:solidFill>
-                <a:schemeClr val="accent2">
-                  <a:lumMod val="40000"/>
-                  <a:lumOff val="60000"/>
-                </a:schemeClr>
-              </a:solidFill>
-            </a:endParaRPr>
           </a:p>
         </p:txBody>
       </p:sp>
@@ -8072,7 +8024,7 @@
               <a:t> </a:t>
             </a:r>
             <a:r>
-              <a:rPr lang="en-US" sz="2400" b="1" noProof="1" smtClean="0">
+              <a:rPr lang="en-US" sz="2400" b="1" noProof="1">
                 <a:solidFill>
                   <a:schemeClr val="accent2">
                     <a:lumMod val="40000"/>
@@ -8407,7 +8359,7 @@
             <a:p>
               <a:pPr algn="ctr"/>
               <a:r>
-                <a:rPr lang="en-US" sz="2000" b="1" dirty="0" smtClean="0">
+                <a:rPr lang="en-US" sz="2000" b="1" dirty="0">
                   <a:solidFill>
                     <a:schemeClr val="accent2">
                       <a:lumMod val="40000"/>
@@ -8421,7 +8373,7 @@
                 <a:t>O(</a:t>
               </a:r>
               <a:r>
-                <a:rPr lang="en-US" sz="2000" b="1" noProof="1" smtClean="0">
+                <a:rPr lang="en-US" sz="2000" b="1" noProof="1">
                   <a:solidFill>
                     <a:schemeClr val="accent2">
                       <a:lumMod val="40000"/>
@@ -8435,7 +8387,7 @@
                 <a:t>logN</a:t>
               </a:r>
               <a:r>
-                <a:rPr lang="en-US" sz="2000" b="1" dirty="0" smtClean="0">
+                <a:rPr lang="en-US" sz="2000" b="1" dirty="0">
                   <a:solidFill>
                     <a:schemeClr val="accent2">
                       <a:lumMod val="40000"/>
@@ -8529,7 +8481,7 @@
               <a:t>Висновок:  </a:t>
             </a:r>
             <a:r>
-              <a:rPr lang="en-US" sz="2400" noProof="1" smtClean="0">
+              <a:rPr lang="en-US" sz="2400" noProof="1">
                 <a:solidFill>
                   <a:schemeClr val="accent2">
                     <a:lumMod val="40000"/>
@@ -8540,7 +8492,7 @@
               <a:t>O(logN)</a:t>
             </a:r>
             <a:r>
-              <a:rPr lang="en-US" sz="2400" dirty="0" smtClean="0"/>
+              <a:rPr lang="en-US" sz="2400" dirty="0"/>
               <a:t> </a:t>
             </a:r>
             <a:r>
@@ -8669,7 +8621,7 @@
               <a:t>Дякуємо </a:t>
             </a:r>
             <a:r>
-              <a:rPr lang="en-US" sz="5400" dirty="0" smtClean="0">
+              <a:rPr lang="en-US" sz="5400" dirty="0">
                 <a:solidFill>
                   <a:srgbClr val="FFFF00"/>
                 </a:solidFill>
@@ -8677,20 +8629,12 @@
               <a:t>     </a:t>
             </a:r>
             <a:r>
-              <a:rPr lang="uk-UA" sz="5400" dirty="0" smtClean="0">
+              <a:rPr lang="uk-UA" sz="5400" dirty="0">
                 <a:solidFill>
                   <a:srgbClr val="0070C0"/>
                 </a:solidFill>
               </a:rPr>
-              <a:t>за </a:t>
-            </a:r>
-            <a:r>
-              <a:rPr lang="uk-UA" sz="5400" dirty="0">
-                <a:solidFill>
-                  <a:srgbClr val="0070C0"/>
-                </a:solidFill>
-              </a:rPr>
-              <a:t>увагу!</a:t>
+              <a:t>за увагу!</a:t>
             </a:r>
             <a:endParaRPr lang="ru-UA" sz="5400" dirty="0">
               <a:solidFill>
@@ -8745,7 +8689,7 @@
         <p:spPr>
           <a:xfrm>
             <a:off x="3048000" y="1735998"/>
-            <a:ext cx="6096000" cy="1138773"/>
+            <a:ext cx="6096000" cy="1384995"/>
           </a:xfrm>
           <a:prstGeom prst="rect">
             <a:avLst/>
@@ -8769,7 +8713,7 @@
               </a:rPr>
               <a:t>Team members </a:t>
             </a:r>
-            <a:r>
+            <a:br>
               <a:rPr lang="uk-UA" sz="1200" b="1" dirty="0">
                 <a:solidFill>
                   <a:schemeClr val="tx1">
@@ -8778,10 +8722,9 @@
                 </a:solidFill>
                 <a:latin typeface="SchoolBookCTT" pitchFamily="2" charset="0"/>
               </a:rPr>
-              <a:t/>
-            </a:r>
-            <a:br>
-              <a:rPr lang="uk-UA" sz="1200" b="1" dirty="0">
+            </a:br>
+            <a:r>
+              <a:rPr lang="uk-UA" sz="2800" b="1" dirty="0">
                 <a:solidFill>
                   <a:schemeClr val="tx1">
                     <a:lumMod val="95000"/>
@@ -8789,8 +8732,9 @@
                 </a:solidFill>
                 <a:latin typeface="SchoolBookCTT" pitchFamily="2" charset="0"/>
               </a:rPr>
-            </a:br>
-            <a:r>
+              <a:t>Бабенко Станіслав Олексійович</a:t>
+            </a:r>
+            <a:br>
               <a:rPr lang="uk-UA" sz="1200" b="1" dirty="0">
                 <a:solidFill>
                   <a:schemeClr val="tx1">
@@ -8799,20 +8743,9 @@
                 </a:solidFill>
                 <a:latin typeface="SchoolBookCTT" pitchFamily="2" charset="0"/>
               </a:rPr>
-              <a:t/>
-            </a:r>
-            <a:br>
-              <a:rPr lang="uk-UA" sz="1200" b="1" dirty="0">
-                <a:solidFill>
-                  <a:schemeClr val="tx1">
-                    <a:lumMod val="95000"/>
-                  </a:schemeClr>
-                </a:solidFill>
-                <a:latin typeface="SchoolBookCTT" pitchFamily="2" charset="0"/>
-              </a:rPr>
             </a:br>
             <a:r>
-              <a:rPr lang="uk-UA" sz="2400" b="1" dirty="0" smtClean="0">
+              <a:rPr lang="uk-UA" sz="2400" b="1" dirty="0">
                 <a:solidFill>
                   <a:schemeClr val="tx1">
                     <a:lumMod val="95000"/>
@@ -8826,24 +8759,7 @@
                   </a:outerShdw>
                 </a:effectLst>
               </a:rPr>
-              <a:t>Фоменко </a:t>
-            </a:r>
-            <a:r>
-              <a:rPr lang="uk-UA" sz="2400" b="1" dirty="0">
-                <a:solidFill>
-                  <a:schemeClr val="tx1">
-                    <a:lumMod val="95000"/>
-                  </a:schemeClr>
-                </a:solidFill>
-                <a:effectLst>
-                  <a:outerShdw blurRad="38100" dist="38100" dir="2700000" algn="tl">
-                    <a:srgbClr val="000000">
-                      <a:alpha val="43137"/>
-                    </a:srgbClr>
-                  </a:outerShdw>
-                </a:effectLst>
-              </a:rPr>
-              <a:t>Валентин Олександрович</a:t>
+              <a:t>Фоменко Валентин Олександрович</a:t>
             </a:r>
             <a:r>
               <a:rPr lang="en-US" sz="2400" b="1" dirty="0">
@@ -8863,7 +8779,7 @@
               <a:t>(Editor</a:t>
             </a:r>
             <a:r>
-              <a:rPr lang="uk-UA" sz="2400" b="1" dirty="0" smtClean="0">
+              <a:rPr lang="uk-UA" sz="2400" b="1" dirty="0">
                 <a:solidFill>
                   <a:schemeClr val="tx1">
                     <a:lumMod val="95000"/>
@@ -8879,20 +8795,6 @@
               </a:rPr>
               <a:t>)</a:t>
             </a:r>
-            <a:endParaRPr lang="uk-UA" sz="2400" b="1" dirty="0" smtClean="0">
-              <a:solidFill>
-                <a:schemeClr val="tx1">
-                  <a:lumMod val="95000"/>
-                </a:schemeClr>
-              </a:solidFill>
-              <a:effectLst>
-                <a:outerShdw blurRad="38100" dist="38100" dir="2700000" algn="tl">
-                  <a:srgbClr val="000000">
-                    <a:alpha val="43137"/>
-                  </a:srgbClr>
-                </a:outerShdw>
-              </a:effectLst>
-            </a:endParaRPr>
           </a:p>
         </p:txBody>
       </p:sp>
@@ -9643,10 +9545,9 @@
           <a:lstStyle/>
           <a:p>
             <a:r>
-              <a:rPr lang="ru-RU" noProof="1" smtClean="0"/>
+              <a:rPr lang="ru-RU" noProof="1"/>
               <a:t>Гайд на інтерфейс</a:t>
             </a:r>
-            <a:endParaRPr lang="ru-RU" noProof="1"/>
           </a:p>
         </p:txBody>
       </p:sp>
@@ -9765,7 +9666,7 @@
           <a:lstStyle/>
           <a:p>
             <a:r>
-              <a:rPr lang="ru-RU" noProof="1" smtClean="0">
+              <a:rPr lang="ru-RU" noProof="1">
                 <a:solidFill>
                   <a:schemeClr val="bg1"/>
                 </a:solidFill>
@@ -9773,7 +9674,7 @@
               <a:t>Опис</a:t>
             </a:r>
             <a:r>
-              <a:rPr lang="en-US" dirty="0" smtClean="0">
+              <a:rPr lang="en-US" dirty="0">
                 <a:solidFill>
                   <a:schemeClr val="bg1"/>
                 </a:solidFill>
@@ -9871,11 +9772,11 @@
           <a:lstStyle/>
           <a:p>
             <a:r>
-              <a:rPr lang="ru-RU" noProof="1" smtClean="0"/>
+              <a:rPr lang="ru-RU" noProof="1"/>
               <a:t>Назва</a:t>
             </a:r>
             <a:r>
-              <a:rPr lang="ru-RU" dirty="0" smtClean="0"/>
+              <a:rPr lang="ru-RU" dirty="0"/>
               <a:t> </a:t>
             </a:r>
             <a:r>
@@ -9961,10 +9862,9 @@
           <a:lstStyle/>
           <a:p>
             <a:r>
-              <a:rPr lang="ru-RU" noProof="1" smtClean="0"/>
+              <a:rPr lang="ru-RU" noProof="1"/>
               <a:t>Вибраний репозіторій</a:t>
             </a:r>
-            <a:endParaRPr lang="ru-RU" noProof="1"/>
           </a:p>
         </p:txBody>
       </p:sp>
@@ -10750,14 +10650,11 @@
               <a:t>Особливості </a:t>
             </a:r>
             <a:r>
-              <a:rPr lang="en-US" sz="4000" b="1" noProof="1" smtClean="0">
+              <a:rPr lang="en-US" sz="4000" b="1" noProof="1">
                 <a:latin typeface="SchoolBookCTT" pitchFamily="2" charset="0"/>
               </a:rPr>
               <a:t>Git</a:t>
             </a:r>
-            <a:endParaRPr lang="en-US" sz="4000" b="1" noProof="1">
-              <a:latin typeface="SchoolBookCTT" pitchFamily="2" charset="0"/>
-            </a:endParaRPr>
           </a:p>
         </p:txBody>
       </p:sp>
@@ -11861,6 +11758,12 @@
 </file>
 
 <file path=customXml/item1.xml><?xml version="1.0" encoding="utf-8"?>
+<p:properties xmlns:p="http://schemas.microsoft.com/office/2006/metadata/properties" xmlns:xsi="http://www.w3.org/2001/XMLSchema-instance" xmlns:pc="http://schemas.microsoft.com/office/infopath/2007/PartnerControls">
+  <documentManagement/>
+</p:properties>
+</file>
+
+<file path=customXml/item2.xml><?xml version="1.0" encoding="utf-8"?>
 <ct:contentTypeSchema xmlns:ct="http://schemas.microsoft.com/office/2006/metadata/contentType" xmlns:ma="http://schemas.microsoft.com/office/2006/metadata/properties/metaAttributes" ct:_="" ma:_="" ma:contentTypeName="Документ" ma:contentTypeID="0x0101002456107565CA6A43A05392B760F0FD8D" ma:contentTypeVersion="4" ma:contentTypeDescription="Створення нового документа." ma:contentTypeScope="" ma:versionID="440ddeae695cebc829050b9b618af465">
   <xsd:schema xmlns:xsd="http://www.w3.org/2001/XMLSchema" xmlns:xs="http://www.w3.org/2001/XMLSchema" xmlns:p="http://schemas.microsoft.com/office/2006/metadata/properties" xmlns:ns2="6b47e03e-19f2-493e-94c5-5bbacad2cd70" targetNamespace="http://schemas.microsoft.com/office/2006/metadata/properties" ma:root="true" ma:fieldsID="8376abdcb6cc6889913e7a065f7b4981" ns2:_="">
     <xsd:import namespace="6b47e03e-19f2-493e-94c5-5bbacad2cd70"/>
@@ -12004,12 +11907,6 @@
 </ct:contentTypeSchema>
 </file>
 
-<file path=customXml/item2.xml><?xml version="1.0" encoding="utf-8"?>
-<p:properties xmlns:p="http://schemas.microsoft.com/office/2006/metadata/properties" xmlns:xsi="http://www.w3.org/2001/XMLSchema-instance" xmlns:pc="http://schemas.microsoft.com/office/infopath/2007/PartnerControls">
-  <documentManagement/>
-</p:properties>
-</file>
-
 <file path=customXml/item3.xml><?xml version="1.0" encoding="utf-8"?>
 <?mso-contentType ?>
 <FormTemplates xmlns="http://schemas.microsoft.com/sharepoint/v3/contenttype/forms">
@@ -12020,6 +11917,15 @@
 </file>
 
 <file path=customXml/itemProps1.xml><?xml version="1.0" encoding="utf-8"?>
+<ds:datastoreItem xmlns:ds="http://schemas.openxmlformats.org/officeDocument/2006/customXml" ds:itemID="{C35D743B-B188-4C38-B82D-7FD8B3A77642}">
+  <ds:schemaRefs>
+    <ds:schemaRef ds:uri="http://schemas.microsoft.com/office/2006/metadata/properties"/>
+    <ds:schemaRef ds:uri="http://schemas.microsoft.com/office/infopath/2007/PartnerControls"/>
+  </ds:schemaRefs>
+</ds:datastoreItem>
+</file>
+
+<file path=customXml/itemProps2.xml><?xml version="1.0" encoding="utf-8"?>
 <ds:datastoreItem xmlns:ds="http://schemas.openxmlformats.org/officeDocument/2006/customXml" ds:itemID="{909E67F0-53DF-4575-B501-3419DF25270A}">
   <ds:schemaRefs>
     <ds:schemaRef ds:uri="6b47e03e-19f2-493e-94c5-5bbacad2cd70"/>
@@ -12037,15 +11943,6 @@
 </ds:datastoreItem>
 </file>
 
-<file path=customXml/itemProps2.xml><?xml version="1.0" encoding="utf-8"?>
-<ds:datastoreItem xmlns:ds="http://schemas.openxmlformats.org/officeDocument/2006/customXml" ds:itemID="{C35D743B-B188-4C38-B82D-7FD8B3A77642}">
-  <ds:schemaRefs>
-    <ds:schemaRef ds:uri="http://schemas.microsoft.com/office/2006/metadata/properties"/>
-    <ds:schemaRef ds:uri="http://schemas.microsoft.com/office/infopath/2007/PartnerControls"/>
-  </ds:schemaRefs>
-</ds:datastoreItem>
-</file>
-
 <file path=customXml/itemProps3.xml><?xml version="1.0" encoding="utf-8"?>
 <ds:datastoreItem xmlns:ds="http://schemas.openxmlformats.org/officeDocument/2006/customXml" ds:itemID="{A345D2DA-A096-4BBF-9135-8FD4BD4C8C20}">
   <ds:schemaRefs>
